--- a/PhD Discussion.pptx
+++ b/PhD Discussion.pptx
@@ -5,20 +5,22 @@
     <p:sldMasterId id="2147483648" r:id="rId1"/>
   </p:sldMasterIdLst>
   <p:notesMasterIdLst>
-    <p:notesMasterId r:id="rId10"/>
+    <p:notesMasterId r:id="rId12"/>
   </p:notesMasterIdLst>
   <p:sldIdLst>
     <p:sldId id="256" r:id="rId2"/>
-    <p:sldId id="257" r:id="rId3"/>
-    <p:sldId id="258" r:id="rId4"/>
-    <p:sldId id="259" r:id="rId5"/>
-    <p:sldId id="260" r:id="rId6"/>
-    <p:sldId id="263" r:id="rId7"/>
-    <p:sldId id="261" r:id="rId8"/>
-    <p:sldId id="262" r:id="rId9"/>
+    <p:sldId id="264" r:id="rId3"/>
+    <p:sldId id="257" r:id="rId4"/>
+    <p:sldId id="258" r:id="rId5"/>
+    <p:sldId id="259" r:id="rId6"/>
+    <p:sldId id="265" r:id="rId7"/>
+    <p:sldId id="260" r:id="rId8"/>
+    <p:sldId id="263" r:id="rId9"/>
+    <p:sldId id="261" r:id="rId10"/>
+    <p:sldId id="262" r:id="rId11"/>
   </p:sldIdLst>
   <p:sldSz cx="12192000" cy="6858000"/>
-  <p:notesSz cx="6858000" cy="9144000"/>
+  <p:notesSz cx="6797675" cy="9926638"/>
   <p:defaultTextStyle>
     <a:defPPr>
       <a:defRPr lang="tr-TR"/>
@@ -157,7 +159,7 @@
         <p:spPr>
           <a:xfrm>
             <a:off x="0" y="0"/>
-            <a:ext cx="2971800" cy="458788"/>
+            <a:ext cx="2945659" cy="498056"/>
           </a:xfrm>
           <a:prstGeom prst="rect">
             <a:avLst/>
@@ -187,8 +189,8 @@
         </p:nvSpPr>
         <p:spPr>
           <a:xfrm>
-            <a:off x="3884613" y="0"/>
-            <a:ext cx="2971800" cy="458788"/>
+            <a:off x="3850443" y="0"/>
+            <a:ext cx="2945659" cy="498056"/>
           </a:xfrm>
           <a:prstGeom prst="rect">
             <a:avLst/>
@@ -204,7 +206,7 @@
           <a:p>
             <a:fld id="{6B01098C-58D5-4DCB-8B6F-D5224BBD065F}" type="datetimeFigureOut">
               <a:rPr lang="tr-TR" smtClean="0"/>
-              <a:t>24.05.2021</a:t>
+              <a:t>25.05.2021</a:t>
             </a:fld>
             <a:endParaRPr lang="tr-TR"/>
           </a:p>
@@ -222,8 +224,8 @@
         </p:nvSpPr>
         <p:spPr>
           <a:xfrm>
-            <a:off x="685800" y="1143000"/>
-            <a:ext cx="5486400" cy="3086100"/>
+            <a:off x="422275" y="1241425"/>
+            <a:ext cx="5953125" cy="3349625"/>
           </a:xfrm>
           <a:prstGeom prst="rect">
             <a:avLst/>
@@ -255,8 +257,8 @@
         </p:nvSpPr>
         <p:spPr>
           <a:xfrm>
-            <a:off x="685800" y="4400550"/>
-            <a:ext cx="5486400" cy="3600450"/>
+            <a:off x="679768" y="4777194"/>
+            <a:ext cx="5438140" cy="3908614"/>
           </a:xfrm>
           <a:prstGeom prst="rect">
             <a:avLst/>
@@ -315,8 +317,8 @@
         </p:nvSpPr>
         <p:spPr>
           <a:xfrm>
-            <a:off x="0" y="8685213"/>
-            <a:ext cx="2971800" cy="458787"/>
+            <a:off x="0" y="9428584"/>
+            <a:ext cx="2945659" cy="498055"/>
           </a:xfrm>
           <a:prstGeom prst="rect">
             <a:avLst/>
@@ -346,8 +348,8 @@
         </p:nvSpPr>
         <p:spPr>
           <a:xfrm>
-            <a:off x="3884613" y="8685213"/>
-            <a:ext cx="2971800" cy="458787"/>
+            <a:off x="3850443" y="9428584"/>
+            <a:ext cx="2945659" cy="498055"/>
           </a:xfrm>
           <a:prstGeom prst="rect">
             <a:avLst/>
@@ -516,265 +518,6 @@
           <a:bodyPr/>
           <a:lstStyle/>
           <a:p>
-            <a:r>
-              <a:rPr lang="en-US" b="0" i="0" dirty="0">
-                <a:solidFill>
-                  <a:srgbClr val="202124"/>
-                </a:solidFill>
-                <a:effectLst/>
-                <a:latin typeface="arial" panose="020B0604020202020204" pitchFamily="34" charset="0"/>
-              </a:rPr>
-              <a:t>An </a:t>
-            </a:r>
-            <a:r>
-              <a:rPr lang="en-US" b="1" i="0" dirty="0">
-                <a:solidFill>
-                  <a:srgbClr val="202124"/>
-                </a:solidFill>
-                <a:effectLst/>
-                <a:latin typeface="arial" panose="020B0604020202020204" pitchFamily="34" charset="0"/>
-              </a:rPr>
-              <a:t>intervening variable</a:t>
-            </a:r>
-            <a:r>
-              <a:rPr lang="en-US" b="0" i="0" dirty="0">
-                <a:solidFill>
-                  <a:srgbClr val="202124"/>
-                </a:solidFill>
-                <a:effectLst/>
-                <a:latin typeface="arial" panose="020B0604020202020204" pitchFamily="34" charset="0"/>
-              </a:rPr>
-              <a:t> is a hypothetical </a:t>
-            </a:r>
-            <a:r>
-              <a:rPr lang="en-US" b="1" i="0" dirty="0">
-                <a:solidFill>
-                  <a:srgbClr val="202124"/>
-                </a:solidFill>
-                <a:effectLst/>
-                <a:latin typeface="arial" panose="020B0604020202020204" pitchFamily="34" charset="0"/>
-              </a:rPr>
-              <a:t>variable</a:t>
-            </a:r>
-            <a:r>
-              <a:rPr lang="en-US" b="0" i="0" dirty="0">
-                <a:solidFill>
-                  <a:srgbClr val="202124"/>
-                </a:solidFill>
-                <a:effectLst/>
-                <a:latin typeface="arial" panose="020B0604020202020204" pitchFamily="34" charset="0"/>
-              </a:rPr>
-              <a:t> used to explain causal links between other </a:t>
-            </a:r>
-            <a:r>
-              <a:rPr lang="en-US" b="1" i="0" dirty="0">
-                <a:solidFill>
-                  <a:srgbClr val="202124"/>
-                </a:solidFill>
-                <a:effectLst/>
-                <a:latin typeface="arial" panose="020B0604020202020204" pitchFamily="34" charset="0"/>
-              </a:rPr>
-              <a:t>variables</a:t>
-            </a:r>
-            <a:r>
-              <a:rPr lang="en-US" b="0" i="0" dirty="0">
-                <a:solidFill>
-                  <a:srgbClr val="202124"/>
-                </a:solidFill>
-                <a:effectLst/>
-                <a:latin typeface="arial" panose="020B0604020202020204" pitchFamily="34" charset="0"/>
-              </a:rPr>
-              <a:t>. </a:t>
-            </a:r>
-            <a:r>
-              <a:rPr lang="en-US" b="1" i="0" dirty="0">
-                <a:solidFill>
-                  <a:srgbClr val="202124"/>
-                </a:solidFill>
-                <a:effectLst/>
-                <a:latin typeface="arial" panose="020B0604020202020204" pitchFamily="34" charset="0"/>
-              </a:rPr>
-              <a:t>Intervening variables</a:t>
-            </a:r>
-            <a:r>
-              <a:rPr lang="en-US" b="0" i="0" dirty="0">
-                <a:solidFill>
-                  <a:srgbClr val="202124"/>
-                </a:solidFill>
-                <a:effectLst/>
-                <a:latin typeface="arial" panose="020B0604020202020204" pitchFamily="34" charset="0"/>
-              </a:rPr>
-              <a:t> cannot be observed in an experiment (that's why they are hypothetical).</a:t>
-            </a:r>
-            <a:endParaRPr lang="tr-TR" b="0" i="0" dirty="0">
-              <a:solidFill>
-                <a:srgbClr val="202124"/>
-              </a:solidFill>
-              <a:effectLst/>
-              <a:latin typeface="arial" panose="020B0604020202020204" pitchFamily="34" charset="0"/>
-            </a:endParaRPr>
-          </a:p>
-          <a:p>
-            <a:r>
-              <a:rPr lang="en-US" b="0" i="0" dirty="0">
-                <a:solidFill>
-                  <a:srgbClr val="202124"/>
-                </a:solidFill>
-                <a:effectLst/>
-                <a:latin typeface="arial" panose="020B0604020202020204" pitchFamily="34" charset="0"/>
-              </a:rPr>
-              <a:t>The </a:t>
-            </a:r>
-            <a:r>
-              <a:rPr lang="en-US" b="1" i="0" dirty="0">
-                <a:solidFill>
-                  <a:srgbClr val="202124"/>
-                </a:solidFill>
-                <a:effectLst/>
-                <a:latin typeface="arial" panose="020B0604020202020204" pitchFamily="34" charset="0"/>
-              </a:rPr>
-              <a:t>Importance</a:t>
-            </a:r>
-            <a:r>
-              <a:rPr lang="en-US" b="0" i="0" dirty="0">
-                <a:solidFill>
-                  <a:srgbClr val="202124"/>
-                </a:solidFill>
-                <a:effectLst/>
-                <a:latin typeface="arial" panose="020B0604020202020204" pitchFamily="34" charset="0"/>
-              </a:rPr>
-              <a:t> of Identifying </a:t>
-            </a:r>
-            <a:r>
-              <a:rPr lang="en-US" b="1" i="0" dirty="0">
-                <a:solidFill>
-                  <a:srgbClr val="202124"/>
-                </a:solidFill>
-                <a:effectLst/>
-                <a:latin typeface="arial" panose="020B0604020202020204" pitchFamily="34" charset="0"/>
-              </a:rPr>
-              <a:t>Intervening Variables</a:t>
-            </a:r>
-            <a:r>
-              <a:rPr lang="tr-TR" b="1" i="0" dirty="0">
-                <a:solidFill>
-                  <a:srgbClr val="202124"/>
-                </a:solidFill>
-                <a:effectLst/>
-                <a:latin typeface="arial" panose="020B0604020202020204" pitchFamily="34" charset="0"/>
-              </a:rPr>
-              <a:t>: </a:t>
-            </a:r>
-            <a:r>
-              <a:rPr lang="en-US" b="0" i="0" dirty="0">
-                <a:solidFill>
-                  <a:srgbClr val="202124"/>
-                </a:solidFill>
-                <a:effectLst/>
-                <a:latin typeface="arial" panose="020B0604020202020204" pitchFamily="34" charset="0"/>
-              </a:rPr>
-              <a:t>Understanding </a:t>
-            </a:r>
-            <a:r>
-              <a:rPr lang="en-US" b="1" i="0" dirty="0">
-                <a:solidFill>
-                  <a:srgbClr val="202124"/>
-                </a:solidFill>
-                <a:effectLst/>
-                <a:latin typeface="arial" panose="020B0604020202020204" pitchFamily="34" charset="0"/>
-              </a:rPr>
-              <a:t>intervening variables</a:t>
-            </a:r>
-            <a:r>
-              <a:rPr lang="en-US" b="0" i="0" dirty="0">
-                <a:solidFill>
-                  <a:srgbClr val="202124"/>
-                </a:solidFill>
-                <a:effectLst/>
-                <a:latin typeface="arial" panose="020B0604020202020204" pitchFamily="34" charset="0"/>
-              </a:rPr>
-              <a:t> can often help researchers clarify the relationship between an independent and dependent </a:t>
-            </a:r>
-            <a:r>
-              <a:rPr lang="en-US" b="1" i="0" dirty="0">
-                <a:solidFill>
-                  <a:srgbClr val="202124"/>
-                </a:solidFill>
-                <a:effectLst/>
-                <a:latin typeface="arial" panose="020B0604020202020204" pitchFamily="34" charset="0"/>
-              </a:rPr>
-              <a:t>variable</a:t>
-            </a:r>
-            <a:r>
-              <a:rPr lang="en-US" b="0" i="0" dirty="0">
-                <a:solidFill>
-                  <a:srgbClr val="202124"/>
-                </a:solidFill>
-                <a:effectLst/>
-                <a:latin typeface="arial" panose="020B0604020202020204" pitchFamily="34" charset="0"/>
-              </a:rPr>
-              <a:t> because the </a:t>
-            </a:r>
-            <a:r>
-              <a:rPr lang="en-US" b="1" i="0" dirty="0">
-                <a:solidFill>
-                  <a:srgbClr val="202124"/>
-                </a:solidFill>
-                <a:effectLst/>
-                <a:latin typeface="arial" panose="020B0604020202020204" pitchFamily="34" charset="0"/>
-              </a:rPr>
-              <a:t>intervening variables</a:t>
-            </a:r>
-            <a:r>
-              <a:rPr lang="en-US" b="0" i="0" dirty="0">
-                <a:solidFill>
-                  <a:srgbClr val="202124"/>
-                </a:solidFill>
-                <a:effectLst/>
-                <a:latin typeface="arial" panose="020B0604020202020204" pitchFamily="34" charset="0"/>
-              </a:rPr>
-              <a:t> are often the true </a:t>
-            </a:r>
-            <a:r>
-              <a:rPr lang="en-US" b="1" i="0" dirty="0">
-                <a:solidFill>
-                  <a:srgbClr val="202124"/>
-                </a:solidFill>
-                <a:effectLst/>
-                <a:latin typeface="arial" panose="020B0604020202020204" pitchFamily="34" charset="0"/>
-              </a:rPr>
-              <a:t>variable</a:t>
-            </a:r>
-            <a:r>
-              <a:rPr lang="en-US" b="0" i="0" dirty="0">
-                <a:solidFill>
-                  <a:srgbClr val="202124"/>
-                </a:solidFill>
-                <a:effectLst/>
-                <a:latin typeface="arial" panose="020B0604020202020204" pitchFamily="34" charset="0"/>
-              </a:rPr>
-              <a:t> that explains variations in the dependent </a:t>
-            </a:r>
-            <a:r>
-              <a:rPr lang="en-US" b="1" i="0" dirty="0">
-                <a:solidFill>
-                  <a:srgbClr val="202124"/>
-                </a:solidFill>
-                <a:effectLst/>
-                <a:latin typeface="arial" panose="020B0604020202020204" pitchFamily="34" charset="0"/>
-              </a:rPr>
-              <a:t>variable</a:t>
-            </a:r>
-            <a:r>
-              <a:rPr lang="en-US" b="0" i="0" dirty="0">
-                <a:solidFill>
-                  <a:srgbClr val="202124"/>
-                </a:solidFill>
-                <a:effectLst/>
-                <a:latin typeface="arial" panose="020B0604020202020204" pitchFamily="34" charset="0"/>
-              </a:rPr>
-              <a:t>.</a:t>
-            </a:r>
             <a:endParaRPr lang="tr-TR" dirty="0"/>
           </a:p>
         </p:txBody>
@@ -796,7 +539,7 @@
           <a:p>
             <a:fld id="{344A4FEE-B134-42F3-BC71-245FBE6217C8}" type="slidenum">
               <a:rPr lang="tr-TR" smtClean="0"/>
-              <a:t>5</a:t>
+              <a:t>1</a:t>
             </a:fld>
             <a:endParaRPr lang="tr-TR"/>
           </a:p>
@@ -805,7 +548,91 @@
     </p:spTree>
     <p:extLst>
       <p:ext uri="{BB962C8B-B14F-4D97-AF65-F5344CB8AC3E}">
-        <p14:creationId xmlns:p14="http://schemas.microsoft.com/office/powerpoint/2010/main" val="513409994"/>
+        <p14:creationId xmlns:p14="http://schemas.microsoft.com/office/powerpoint/2010/main" val="3263560694"/>
+      </p:ext>
+    </p:extLst>
+  </p:cSld>
+  <p:clrMapOvr>
+    <a:masterClrMapping/>
+  </p:clrMapOvr>
+</p:notes>
+</file>
+
+<file path=ppt/notesSlides/notesSlide10.xml><?xml version="1.0" encoding="utf-8"?>
+<p:notes xmlns:a="http://schemas.openxmlformats.org/drawingml/2006/main" xmlns:r="http://schemas.openxmlformats.org/officeDocument/2006/relationships" xmlns:p="http://schemas.openxmlformats.org/presentationml/2006/main">
+  <p:cSld>
+    <p:spTree>
+      <p:nvGrpSpPr>
+        <p:cNvPr id="1" name=""/>
+        <p:cNvGrpSpPr/>
+        <p:nvPr/>
+      </p:nvGrpSpPr>
+      <p:grpSpPr>
+        <a:xfrm>
+          <a:off x="0" y="0"/>
+          <a:ext cx="0" cy="0"/>
+          <a:chOff x="0" y="0"/>
+          <a:chExt cx="0" cy="0"/>
+        </a:xfrm>
+      </p:grpSpPr>
+      <p:sp>
+        <p:nvSpPr>
+          <p:cNvPr id="2" name="Slide Image Placeholder 1"/>
+          <p:cNvSpPr>
+            <a:spLocks noGrp="1" noRot="1" noChangeAspect="1"/>
+          </p:cNvSpPr>
+          <p:nvPr>
+            <p:ph type="sldImg"/>
+          </p:nvPr>
+        </p:nvSpPr>
+        <p:spPr/>
+      </p:sp>
+      <p:sp>
+        <p:nvSpPr>
+          <p:cNvPr id="3" name="Notes Placeholder 2"/>
+          <p:cNvSpPr>
+            <a:spLocks noGrp="1"/>
+          </p:cNvSpPr>
+          <p:nvPr>
+            <p:ph type="body" idx="1"/>
+          </p:nvPr>
+        </p:nvSpPr>
+        <p:spPr/>
+        <p:txBody>
+          <a:bodyPr/>
+          <a:lstStyle/>
+          <a:p>
+            <a:endParaRPr lang="tr-TR"/>
+          </a:p>
+        </p:txBody>
+      </p:sp>
+      <p:sp>
+        <p:nvSpPr>
+          <p:cNvPr id="4" name="Slide Number Placeholder 3"/>
+          <p:cNvSpPr>
+            <a:spLocks noGrp="1"/>
+          </p:cNvSpPr>
+          <p:nvPr>
+            <p:ph type="sldNum" sz="quarter" idx="5"/>
+          </p:nvPr>
+        </p:nvSpPr>
+        <p:spPr/>
+        <p:txBody>
+          <a:bodyPr/>
+          <a:lstStyle/>
+          <a:p>
+            <a:fld id="{344A4FEE-B134-42F3-BC71-245FBE6217C8}" type="slidenum">
+              <a:rPr lang="tr-TR" smtClean="0"/>
+              <a:t>10</a:t>
+            </a:fld>
+            <a:endParaRPr lang="tr-TR"/>
+          </a:p>
+        </p:txBody>
+      </p:sp>
+    </p:spTree>
+    <p:extLst>
+      <p:ext uri="{BB962C8B-B14F-4D97-AF65-F5344CB8AC3E}">
+        <p14:creationId xmlns:p14="http://schemas.microsoft.com/office/powerpoint/2010/main" val="2113250796"/>
       </p:ext>
     </p:extLst>
   </p:cSld>
@@ -859,385 +686,7 @@
           <a:bodyPr/>
           <a:lstStyle/>
           <a:p>
-            <a:pPr marL="342900" lvl="0" indent="-342900" hangingPunct="0">
-              <a:spcAft>
-                <a:spcPts val="600"/>
-              </a:spcAft>
-              <a:buFont typeface="Symbol" panose="05050102010706020507" pitchFamily="18" charset="2"/>
-              <a:buChar char=""/>
-              <a:tabLst>
-                <a:tab pos="457200" algn="l"/>
-              </a:tabLst>
-            </a:pPr>
-            <a:r>
-              <a:rPr lang="tr-TR" sz="1300" dirty="0">
-                <a:latin typeface="Arial" panose="020B0604020202020204" pitchFamily="34" charset="0"/>
-                <a:ea typeface="PMingLiU" panose="020B0604030504040204" pitchFamily="18" charset="-120"/>
-                <a:cs typeface="Times New Roman" panose="02020603050405020304" pitchFamily="18" charset="0"/>
-              </a:rPr>
-              <a:t>Demonstration </a:t>
-            </a:r>
-            <a:r>
-              <a:rPr lang="tr-TR" sz="1300" dirty="0">
-                <a:effectLst/>
-                <a:latin typeface="Arial" panose="020B0604020202020204" pitchFamily="34" charset="0"/>
-                <a:ea typeface="PMingLiU" panose="020B0604030504040204" pitchFamily="18" charset="-120"/>
-                <a:cs typeface="Times New Roman" panose="02020603050405020304" pitchFamily="18" charset="0"/>
-              </a:rPr>
-              <a:t>of </a:t>
-            </a:r>
-            <a:r>
-              <a:rPr lang="en-US" sz="1300" dirty="0">
-                <a:effectLst/>
-                <a:latin typeface="Arial" panose="020B0604020202020204" pitchFamily="34" charset="0"/>
-                <a:ea typeface="PMingLiU" panose="020B0604030504040204" pitchFamily="18" charset="-120"/>
-                <a:cs typeface="Times New Roman" panose="02020603050405020304" pitchFamily="18" charset="0"/>
-              </a:rPr>
-              <a:t>zero-order correlation between</a:t>
-            </a:r>
-            <a:r>
-              <a:rPr lang="tr-TR" sz="1300" dirty="0">
-                <a:effectLst/>
-                <a:latin typeface="Arial" panose="020B0604020202020204" pitchFamily="34" charset="0"/>
-                <a:ea typeface="PMingLiU" panose="020B0604030504040204" pitchFamily="18" charset="-120"/>
-                <a:cs typeface="Times New Roman" panose="02020603050405020304" pitchFamily="18" charset="0"/>
-              </a:rPr>
-              <a:t>;</a:t>
-            </a:r>
-          </a:p>
-          <a:p>
-            <a:pPr marL="800100" lvl="1" indent="-342900" hangingPunct="0">
-              <a:spcAft>
-                <a:spcPts val="600"/>
-              </a:spcAft>
-              <a:buFont typeface="Symbol" panose="05050102010706020507" pitchFamily="18" charset="2"/>
-              <a:buChar char=""/>
-              <a:tabLst>
-                <a:tab pos="457200" algn="l"/>
-              </a:tabLst>
-            </a:pPr>
-            <a:r>
-              <a:rPr lang="tr-TR" sz="1300" dirty="0">
-                <a:effectLst/>
-                <a:latin typeface="Arial" panose="020B0604020202020204" pitchFamily="34" charset="0"/>
-                <a:ea typeface="PMingLiU" panose="020B0604030504040204" pitchFamily="18" charset="-120"/>
-                <a:cs typeface="Times New Roman" panose="02020603050405020304" pitchFamily="18" charset="0"/>
-              </a:rPr>
-              <a:t>Independent Variables and Dependent Varible </a:t>
-            </a:r>
-            <a:r>
-              <a:rPr lang="en-US" sz="1300" dirty="0">
-                <a:effectLst/>
-                <a:latin typeface="Arial" panose="020B0604020202020204" pitchFamily="34" charset="0"/>
-                <a:ea typeface="PMingLiU" panose="020B0604030504040204" pitchFamily="18" charset="-120"/>
-                <a:cs typeface="Times New Roman" panose="02020603050405020304" pitchFamily="18" charset="0"/>
-              </a:rPr>
-              <a:t>(ignoring </a:t>
-            </a:r>
-            <a:r>
-              <a:rPr lang="tr-TR" sz="1300" dirty="0">
-                <a:effectLst/>
-                <a:latin typeface="Arial" panose="020B0604020202020204" pitchFamily="34" charset="0"/>
-                <a:ea typeface="PMingLiU" panose="020B0604030504040204" pitchFamily="18" charset="-120"/>
-                <a:cs typeface="Times New Roman" panose="02020603050405020304" pitchFamily="18" charset="0"/>
-              </a:rPr>
-              <a:t>Intervening Variables</a:t>
-            </a:r>
-            <a:r>
-              <a:rPr lang="en-US" sz="1300" dirty="0">
-                <a:effectLst/>
-                <a:latin typeface="Arial" panose="020B0604020202020204" pitchFamily="34" charset="0"/>
-                <a:ea typeface="PMingLiU" panose="020B0604030504040204" pitchFamily="18" charset="-120"/>
-                <a:cs typeface="Times New Roman" panose="02020603050405020304" pitchFamily="18" charset="0"/>
-              </a:rPr>
-              <a:t>) is significant.</a:t>
-            </a:r>
-            <a:endParaRPr lang="tr-TR" sz="1300" dirty="0">
-              <a:latin typeface="Arial" panose="020B0604020202020204" pitchFamily="34" charset="0"/>
-              <a:ea typeface="PMingLiU" panose="020B0604030504040204" pitchFamily="18" charset="-120"/>
-              <a:cs typeface="Times New Roman" panose="02020603050405020304" pitchFamily="18" charset="0"/>
-            </a:endParaRPr>
-          </a:p>
-          <a:p>
-            <a:pPr marL="800100" lvl="1" indent="-342900" hangingPunct="0">
-              <a:spcAft>
-                <a:spcPts val="600"/>
-              </a:spcAft>
-              <a:buFont typeface="Symbol" panose="05050102010706020507" pitchFamily="18" charset="2"/>
-              <a:buChar char=""/>
-              <a:tabLst>
-                <a:tab pos="457200" algn="l"/>
-              </a:tabLst>
-            </a:pPr>
-            <a:r>
-              <a:rPr lang="tr-TR" sz="1300" dirty="0">
-                <a:effectLst/>
-                <a:latin typeface="Arial" panose="020B0604020202020204" pitchFamily="34" charset="0"/>
-                <a:ea typeface="PMingLiU" panose="020B0604030504040204" pitchFamily="18" charset="-120"/>
-                <a:cs typeface="Times New Roman" panose="02020603050405020304" pitchFamily="18" charset="0"/>
-              </a:rPr>
-              <a:t>Independent Variables </a:t>
-            </a:r>
-            <a:r>
-              <a:rPr lang="en-US" sz="1300" dirty="0">
-                <a:effectLst/>
-                <a:latin typeface="Arial" panose="020B0604020202020204" pitchFamily="34" charset="0"/>
-                <a:ea typeface="PMingLiU" panose="020B0604030504040204" pitchFamily="18" charset="-120"/>
-                <a:cs typeface="Times New Roman" panose="02020603050405020304" pitchFamily="18" charset="0"/>
-              </a:rPr>
-              <a:t>and </a:t>
-            </a:r>
-            <a:r>
-              <a:rPr lang="tr-TR" sz="1300" dirty="0">
-                <a:effectLst/>
-                <a:latin typeface="Arial" panose="020B0604020202020204" pitchFamily="34" charset="0"/>
-                <a:ea typeface="PMingLiU" panose="020B0604030504040204" pitchFamily="18" charset="-120"/>
-                <a:cs typeface="Times New Roman" panose="02020603050405020304" pitchFamily="18" charset="0"/>
-              </a:rPr>
-              <a:t>Intervening Variables </a:t>
-            </a:r>
-            <a:r>
-              <a:rPr lang="en-US" sz="1300" dirty="0">
-                <a:effectLst/>
-                <a:latin typeface="Arial" panose="020B0604020202020204" pitchFamily="34" charset="0"/>
-                <a:ea typeface="PMingLiU" panose="020B0604030504040204" pitchFamily="18" charset="-120"/>
-                <a:cs typeface="Times New Roman" panose="02020603050405020304" pitchFamily="18" charset="0"/>
-              </a:rPr>
-              <a:t>(ignoring </a:t>
-            </a:r>
-            <a:r>
-              <a:rPr lang="tr-TR" sz="1300" dirty="0">
-                <a:effectLst/>
-                <a:latin typeface="Arial" panose="020B0604020202020204" pitchFamily="34" charset="0"/>
-                <a:ea typeface="PMingLiU" panose="020B0604030504040204" pitchFamily="18" charset="-120"/>
-                <a:cs typeface="Times New Roman" panose="02020603050405020304" pitchFamily="18" charset="0"/>
-              </a:rPr>
-              <a:t>Dependent Variable</a:t>
-            </a:r>
-            <a:r>
-              <a:rPr lang="en-US" sz="1300" dirty="0">
-                <a:effectLst/>
-                <a:latin typeface="Arial" panose="020B0604020202020204" pitchFamily="34" charset="0"/>
-                <a:ea typeface="PMingLiU" panose="020B0604030504040204" pitchFamily="18" charset="-120"/>
-                <a:cs typeface="Times New Roman" panose="02020603050405020304" pitchFamily="18" charset="0"/>
-              </a:rPr>
-              <a:t>) is significant.</a:t>
-            </a:r>
-            <a:endParaRPr lang="tr-TR" sz="1300" dirty="0">
-              <a:effectLst/>
-              <a:latin typeface="Arial" panose="020B0604020202020204" pitchFamily="34" charset="0"/>
-              <a:ea typeface="PMingLiU" panose="020B0604030504040204" pitchFamily="18" charset="-120"/>
-              <a:cs typeface="Times New Roman" panose="02020603050405020304" pitchFamily="18" charset="0"/>
-            </a:endParaRPr>
-          </a:p>
-          <a:p>
-            <a:pPr marL="342900" lvl="0" indent="-342900" hangingPunct="0">
-              <a:spcAft>
-                <a:spcPts val="600"/>
-              </a:spcAft>
-              <a:buFont typeface="Symbol" panose="05050102010706020507" pitchFamily="18" charset="2"/>
-              <a:buChar char=""/>
-              <a:tabLst>
-                <a:tab pos="457200" algn="l"/>
-              </a:tabLst>
-            </a:pPr>
-            <a:r>
-              <a:rPr lang="tr-TR" sz="1300" dirty="0">
-                <a:effectLst/>
-                <a:latin typeface="Arial" panose="020B0604020202020204" pitchFamily="34" charset="0"/>
-                <a:ea typeface="PMingLiU" panose="020B0604030504040204" pitchFamily="18" charset="-120"/>
-                <a:cs typeface="Times New Roman" panose="02020603050405020304" pitchFamily="18" charset="0"/>
-              </a:rPr>
-              <a:t>Conducting </a:t>
-            </a:r>
-            <a:r>
-              <a:rPr lang="en-US" sz="1300" dirty="0">
-                <a:effectLst/>
-                <a:latin typeface="Arial" panose="020B0604020202020204" pitchFamily="34" charset="0"/>
-                <a:ea typeface="PMingLiU" panose="020B0604030504040204" pitchFamily="18" charset="-120"/>
-                <a:cs typeface="Times New Roman" panose="02020603050405020304" pitchFamily="18" charset="0"/>
-              </a:rPr>
-              <a:t>a multiple regression analysis, predicting </a:t>
-            </a:r>
-            <a:r>
-              <a:rPr lang="tr-TR" sz="1300" dirty="0">
-                <a:effectLst/>
-                <a:latin typeface="Arial" panose="020B0604020202020204" pitchFamily="34" charset="0"/>
-                <a:ea typeface="PMingLiU" panose="020B0604030504040204" pitchFamily="18" charset="-120"/>
-                <a:cs typeface="Times New Roman" panose="02020603050405020304" pitchFamily="18" charset="0"/>
-              </a:rPr>
-              <a:t>Dependent Variable from Independent and Intervening Variables</a:t>
-            </a:r>
-            <a:r>
-              <a:rPr lang="en-US" sz="1300" dirty="0">
-                <a:effectLst/>
-                <a:latin typeface="Arial" panose="020B0604020202020204" pitchFamily="34" charset="0"/>
-                <a:ea typeface="PMingLiU" panose="020B0604030504040204" pitchFamily="18" charset="-120"/>
-                <a:cs typeface="Times New Roman" panose="02020603050405020304" pitchFamily="18" charset="0"/>
-              </a:rPr>
-              <a:t>.  The partial effect of </a:t>
-            </a:r>
-            <a:r>
-              <a:rPr lang="tr-TR" sz="1300" dirty="0">
-                <a:effectLst/>
-                <a:latin typeface="Arial" panose="020B0604020202020204" pitchFamily="34" charset="0"/>
-                <a:ea typeface="PMingLiU" panose="020B0604030504040204" pitchFamily="18" charset="-120"/>
-                <a:cs typeface="Times New Roman" panose="02020603050405020304" pitchFamily="18" charset="0"/>
-              </a:rPr>
-              <a:t>Intervening Variables</a:t>
-            </a:r>
-            <a:r>
-              <a:rPr lang="en-US" sz="1300" dirty="0">
-                <a:effectLst/>
-                <a:latin typeface="Arial" panose="020B0604020202020204" pitchFamily="34" charset="0"/>
-                <a:ea typeface="PMingLiU" panose="020B0604030504040204" pitchFamily="18" charset="-120"/>
-                <a:cs typeface="Times New Roman" panose="02020603050405020304" pitchFamily="18" charset="0"/>
-              </a:rPr>
-              <a:t> (controlling for </a:t>
-            </a:r>
-            <a:r>
-              <a:rPr lang="tr-TR" sz="1300" dirty="0">
-                <a:latin typeface="Arial" panose="020B0604020202020204" pitchFamily="34" charset="0"/>
-                <a:ea typeface="PMingLiU" panose="020B0604030504040204" pitchFamily="18" charset="-120"/>
-                <a:cs typeface="Times New Roman" panose="02020603050405020304" pitchFamily="18" charset="0"/>
-              </a:rPr>
-              <a:t>Independent Variables</a:t>
-            </a:r>
-            <a:r>
-              <a:rPr lang="en-US" sz="1300" dirty="0">
-                <a:effectLst/>
-                <a:latin typeface="Arial" panose="020B0604020202020204" pitchFamily="34" charset="0"/>
-                <a:ea typeface="PMingLiU" panose="020B0604030504040204" pitchFamily="18" charset="-120"/>
-                <a:cs typeface="Times New Roman" panose="02020603050405020304" pitchFamily="18" charset="0"/>
-              </a:rPr>
-              <a:t>) must be significant.</a:t>
-            </a:r>
-            <a:endParaRPr lang="tr-TR" sz="1300" dirty="0">
-              <a:effectLst/>
-              <a:latin typeface="Arial" panose="020B0604020202020204" pitchFamily="34" charset="0"/>
-              <a:ea typeface="PMingLiU" panose="020B0604030504040204" pitchFamily="18" charset="-120"/>
-              <a:cs typeface="Times New Roman" panose="02020603050405020304" pitchFamily="18" charset="0"/>
-            </a:endParaRPr>
-          </a:p>
-          <a:p>
-            <a:pPr marL="342900" lvl="0" indent="-342900" hangingPunct="0">
-              <a:spcAft>
-                <a:spcPts val="600"/>
-              </a:spcAft>
-              <a:buFont typeface="Symbol" panose="05050102010706020507" pitchFamily="18" charset="2"/>
-              <a:buChar char=""/>
-              <a:tabLst>
-                <a:tab pos="457200" algn="l"/>
-              </a:tabLst>
-            </a:pPr>
-            <a:r>
-              <a:rPr lang="en-US" sz="1300" dirty="0">
-                <a:effectLst/>
-                <a:latin typeface="Arial" panose="020B0604020202020204" pitchFamily="34" charset="0"/>
-                <a:ea typeface="PMingLiU" panose="020B0604030504040204" pitchFamily="18" charset="-120"/>
-                <a:cs typeface="Times New Roman" panose="02020603050405020304" pitchFamily="18" charset="0"/>
-              </a:rPr>
-              <a:t>Finally, look</a:t>
-            </a:r>
-            <a:r>
-              <a:rPr lang="tr-TR" sz="1300" dirty="0">
-                <a:effectLst/>
-                <a:latin typeface="Arial" panose="020B0604020202020204" pitchFamily="34" charset="0"/>
-                <a:ea typeface="PMingLiU" panose="020B0604030504040204" pitchFamily="18" charset="-120"/>
-                <a:cs typeface="Times New Roman" panose="02020603050405020304" pitchFamily="18" charset="0"/>
-              </a:rPr>
-              <a:t>ing</a:t>
-            </a:r>
-            <a:r>
-              <a:rPr lang="en-US" sz="1300" dirty="0">
-                <a:effectLst/>
-                <a:latin typeface="Arial" panose="020B0604020202020204" pitchFamily="34" charset="0"/>
-                <a:ea typeface="PMingLiU" panose="020B0604030504040204" pitchFamily="18" charset="-120"/>
-                <a:cs typeface="Times New Roman" panose="02020603050405020304" pitchFamily="18" charset="0"/>
-              </a:rPr>
-              <a:t> at the direct effect of </a:t>
-            </a:r>
-            <a:r>
-              <a:rPr lang="tr-TR" sz="1300" dirty="0">
-                <a:effectLst/>
-                <a:latin typeface="Arial" panose="020B0604020202020204" pitchFamily="34" charset="0"/>
-                <a:ea typeface="PMingLiU" panose="020B0604030504040204" pitchFamily="18" charset="-120"/>
-                <a:cs typeface="Times New Roman" panose="02020603050405020304" pitchFamily="18" charset="0"/>
-              </a:rPr>
-              <a:t>Independent Variables on Dependent Variable</a:t>
-            </a:r>
-            <a:r>
-              <a:rPr lang="en-US" sz="1300" dirty="0">
-                <a:effectLst/>
-                <a:latin typeface="Arial" panose="020B0604020202020204" pitchFamily="34" charset="0"/>
-                <a:ea typeface="PMingLiU" panose="020B0604030504040204" pitchFamily="18" charset="-120"/>
-                <a:cs typeface="Times New Roman" panose="02020603050405020304" pitchFamily="18" charset="0"/>
-              </a:rPr>
-              <a:t>.  This is the Beta weight for </a:t>
-            </a:r>
-            <a:r>
-              <a:rPr lang="tr-TR" sz="1300" dirty="0">
-                <a:effectLst/>
-                <a:latin typeface="Arial" panose="020B0604020202020204" pitchFamily="34" charset="0"/>
-                <a:ea typeface="PMingLiU" panose="020B0604030504040204" pitchFamily="18" charset="-120"/>
-                <a:cs typeface="Times New Roman" panose="02020603050405020304" pitchFamily="18" charset="0"/>
-              </a:rPr>
-              <a:t>Independent Variables</a:t>
-            </a:r>
-            <a:r>
-              <a:rPr lang="en-US" sz="1300" dirty="0">
-                <a:effectLst/>
-                <a:latin typeface="Arial" panose="020B0604020202020204" pitchFamily="34" charset="0"/>
-                <a:ea typeface="PMingLiU" panose="020B0604030504040204" pitchFamily="18" charset="-120"/>
-                <a:cs typeface="Times New Roman" panose="02020603050405020304" pitchFamily="18" charset="0"/>
-              </a:rPr>
-              <a:t> in the multiple regression.  For complete mediation, this Beta must be (not significantly different from) 0.  For partial mediation, this Beta must be less than the zero-order correlation of </a:t>
-            </a:r>
-            <a:r>
-              <a:rPr lang="tr-TR" sz="1300" dirty="0">
-                <a:effectLst/>
-                <a:latin typeface="Arial" panose="020B0604020202020204" pitchFamily="34" charset="0"/>
-                <a:ea typeface="PMingLiU" panose="020B0604030504040204" pitchFamily="18" charset="-120"/>
-                <a:cs typeface="Times New Roman" panose="02020603050405020304" pitchFamily="18" charset="0"/>
-              </a:rPr>
-              <a:t>Independent</a:t>
-            </a:r>
-            <a:r>
-              <a:rPr lang="en-US" sz="1300" dirty="0">
-                <a:effectLst/>
-                <a:latin typeface="Arial" panose="020B0604020202020204" pitchFamily="34" charset="0"/>
-                <a:ea typeface="PMingLiU" panose="020B0604030504040204" pitchFamily="18" charset="-120"/>
-                <a:cs typeface="Times New Roman" panose="02020603050405020304" pitchFamily="18" charset="0"/>
-              </a:rPr>
-              <a:t> and </a:t>
-            </a:r>
-            <a:r>
-              <a:rPr lang="tr-TR" sz="1300" dirty="0">
-                <a:effectLst/>
-                <a:latin typeface="Arial" panose="020B0604020202020204" pitchFamily="34" charset="0"/>
-                <a:ea typeface="PMingLiU" panose="020B0604030504040204" pitchFamily="18" charset="-120"/>
-                <a:cs typeface="Times New Roman" panose="02020603050405020304" pitchFamily="18" charset="0"/>
-              </a:rPr>
-              <a:t>Dependent Variable</a:t>
-            </a:r>
-            <a:r>
-              <a:rPr lang="en-US" sz="1300" dirty="0">
-                <a:effectLst/>
-                <a:latin typeface="Arial" panose="020B0604020202020204" pitchFamily="34" charset="0"/>
-                <a:ea typeface="PMingLiU" panose="020B0604030504040204" pitchFamily="18" charset="-120"/>
-                <a:cs typeface="Times New Roman" panose="02020603050405020304" pitchFamily="18" charset="0"/>
-              </a:rPr>
-              <a:t>.</a:t>
-            </a:r>
-            <a:endParaRPr lang="tr-TR" sz="1300" dirty="0">
-              <a:effectLst/>
-              <a:latin typeface="Arial" panose="020B0604020202020204" pitchFamily="34" charset="0"/>
-              <a:ea typeface="PMingLiU" panose="020B0604030504040204" pitchFamily="18" charset="-120"/>
-              <a:cs typeface="Times New Roman" panose="02020603050405020304" pitchFamily="18" charset="0"/>
-            </a:endParaRPr>
-          </a:p>
-          <a:p>
-            <a:endParaRPr lang="tr-TR" dirty="0"/>
+            <a:endParaRPr lang="tr-TR"/>
           </a:p>
         </p:txBody>
       </p:sp>
@@ -1258,7 +707,2207 @@
           <a:p>
             <a:fld id="{344A4FEE-B134-42F3-BC71-245FBE6217C8}" type="slidenum">
               <a:rPr lang="tr-TR" smtClean="0"/>
+              <a:t>2</a:t>
+            </a:fld>
+            <a:endParaRPr lang="tr-TR"/>
+          </a:p>
+        </p:txBody>
+      </p:sp>
+    </p:spTree>
+    <p:extLst>
+      <p:ext uri="{BB962C8B-B14F-4D97-AF65-F5344CB8AC3E}">
+        <p14:creationId xmlns:p14="http://schemas.microsoft.com/office/powerpoint/2010/main" val="4102247850"/>
+      </p:ext>
+    </p:extLst>
+  </p:cSld>
+  <p:clrMapOvr>
+    <a:masterClrMapping/>
+  </p:clrMapOvr>
+</p:notes>
+</file>
+
+<file path=ppt/notesSlides/notesSlide3.xml><?xml version="1.0" encoding="utf-8"?>
+<p:notes xmlns:a="http://schemas.openxmlformats.org/drawingml/2006/main" xmlns:r="http://schemas.openxmlformats.org/officeDocument/2006/relationships" xmlns:p="http://schemas.openxmlformats.org/presentationml/2006/main">
+  <p:cSld>
+    <p:spTree>
+      <p:nvGrpSpPr>
+        <p:cNvPr id="1" name=""/>
+        <p:cNvGrpSpPr/>
+        <p:nvPr/>
+      </p:nvGrpSpPr>
+      <p:grpSpPr>
+        <a:xfrm>
+          <a:off x="0" y="0"/>
+          <a:ext cx="0" cy="0"/>
+          <a:chOff x="0" y="0"/>
+          <a:chExt cx="0" cy="0"/>
+        </a:xfrm>
+      </p:grpSpPr>
+      <p:sp>
+        <p:nvSpPr>
+          <p:cNvPr id="2" name="Slide Image Placeholder 1"/>
+          <p:cNvSpPr>
+            <a:spLocks noGrp="1" noRot="1" noChangeAspect="1"/>
+          </p:cNvSpPr>
+          <p:nvPr>
+            <p:ph type="sldImg"/>
+          </p:nvPr>
+        </p:nvSpPr>
+        <p:spPr/>
+      </p:sp>
+      <p:sp>
+        <p:nvSpPr>
+          <p:cNvPr id="3" name="Notes Placeholder 2"/>
+          <p:cNvSpPr>
+            <a:spLocks noGrp="1"/>
+          </p:cNvSpPr>
+          <p:nvPr>
+            <p:ph type="body" idx="1"/>
+          </p:nvPr>
+        </p:nvSpPr>
+        <p:spPr/>
+        <p:txBody>
+          <a:bodyPr/>
+          <a:lstStyle/>
+          <a:p>
+            <a:pPr marL="0" marR="0" lvl="0" indent="0" algn="l" defTabSz="914400" rtl="0" eaLnBrk="1" fontAlgn="auto" latinLnBrk="0" hangingPunct="1">
+              <a:lnSpc>
+                <a:spcPct val="100000"/>
+              </a:lnSpc>
+              <a:spcBef>
+                <a:spcPts val="0"/>
+              </a:spcBef>
+              <a:spcAft>
+                <a:spcPts val="0"/>
+              </a:spcAft>
+              <a:buClrTx/>
+              <a:buSzTx/>
+              <a:buFontTx/>
+              <a:buNone/>
+              <a:tabLst/>
+              <a:defRPr/>
+            </a:pPr>
+            <a:r>
+              <a:rPr lang="tr-TR" sz="1800" dirty="0">
+                <a:effectLst/>
+                <a:latin typeface="Calibri" panose="020F0502020204030204" pitchFamily="34" charset="0"/>
+                <a:ea typeface="Calibri" panose="020F0502020204030204" pitchFamily="34" charset="0"/>
+                <a:cs typeface="Times New Roman" panose="02020603050405020304" pitchFamily="18" charset="0"/>
+              </a:rPr>
+              <a:t>Start up: This research will try to find the explanatory power of combat power elements including force ratios under the intermediating effects of Strategy, Leadership and Morale (intervening variables) for the outcome of the battle (dependent variable). I will try to determine the proportions of the variance estimated from the intervening variables. </a:t>
+            </a:r>
+          </a:p>
+          <a:p>
+            <a:endParaRPr lang="tr-TR" dirty="0"/>
+          </a:p>
+        </p:txBody>
+      </p:sp>
+      <p:sp>
+        <p:nvSpPr>
+          <p:cNvPr id="4" name="Slide Number Placeholder 3"/>
+          <p:cNvSpPr>
+            <a:spLocks noGrp="1"/>
+          </p:cNvSpPr>
+          <p:nvPr>
+            <p:ph type="sldNum" sz="quarter" idx="5"/>
+          </p:nvPr>
+        </p:nvSpPr>
+        <p:spPr/>
+        <p:txBody>
+          <a:bodyPr/>
+          <a:lstStyle/>
+          <a:p>
+            <a:fld id="{344A4FEE-B134-42F3-BC71-245FBE6217C8}" type="slidenum">
+              <a:rPr lang="tr-TR" smtClean="0"/>
+              <a:t>3</a:t>
+            </a:fld>
+            <a:endParaRPr lang="tr-TR"/>
+          </a:p>
+        </p:txBody>
+      </p:sp>
+    </p:spTree>
+    <p:extLst>
+      <p:ext uri="{BB962C8B-B14F-4D97-AF65-F5344CB8AC3E}">
+        <p14:creationId xmlns:p14="http://schemas.microsoft.com/office/powerpoint/2010/main" val="1461876517"/>
+      </p:ext>
+    </p:extLst>
+  </p:cSld>
+  <p:clrMapOvr>
+    <a:masterClrMapping/>
+  </p:clrMapOvr>
+</p:notes>
+</file>
+
+<file path=ppt/notesSlides/notesSlide4.xml><?xml version="1.0" encoding="utf-8"?>
+<p:notes xmlns:a="http://schemas.openxmlformats.org/drawingml/2006/main" xmlns:r="http://schemas.openxmlformats.org/officeDocument/2006/relationships" xmlns:p="http://schemas.openxmlformats.org/presentationml/2006/main">
+  <p:cSld>
+    <p:spTree>
+      <p:nvGrpSpPr>
+        <p:cNvPr id="1" name=""/>
+        <p:cNvGrpSpPr/>
+        <p:nvPr/>
+      </p:nvGrpSpPr>
+      <p:grpSpPr>
+        <a:xfrm>
+          <a:off x="0" y="0"/>
+          <a:ext cx="0" cy="0"/>
+          <a:chOff x="0" y="0"/>
+          <a:chExt cx="0" cy="0"/>
+        </a:xfrm>
+      </p:grpSpPr>
+      <p:sp>
+        <p:nvSpPr>
+          <p:cNvPr id="2" name="Slide Image Placeholder 1"/>
+          <p:cNvSpPr>
+            <a:spLocks noGrp="1" noRot="1" noChangeAspect="1"/>
+          </p:cNvSpPr>
+          <p:nvPr>
+            <p:ph type="sldImg"/>
+          </p:nvPr>
+        </p:nvSpPr>
+        <p:spPr/>
+      </p:sp>
+      <p:sp>
+        <p:nvSpPr>
+          <p:cNvPr id="3" name="Notes Placeholder 2"/>
+          <p:cNvSpPr>
+            <a:spLocks noGrp="1"/>
+          </p:cNvSpPr>
+          <p:nvPr>
+            <p:ph type="body" idx="1"/>
+          </p:nvPr>
+        </p:nvSpPr>
+        <p:spPr/>
+        <p:txBody>
+          <a:bodyPr/>
+          <a:lstStyle/>
+          <a:p>
+            <a:endParaRPr lang="tr-TR"/>
+          </a:p>
+        </p:txBody>
+      </p:sp>
+      <p:sp>
+        <p:nvSpPr>
+          <p:cNvPr id="4" name="Slide Number Placeholder 3"/>
+          <p:cNvSpPr>
+            <a:spLocks noGrp="1"/>
+          </p:cNvSpPr>
+          <p:nvPr>
+            <p:ph type="sldNum" sz="quarter" idx="5"/>
+          </p:nvPr>
+        </p:nvSpPr>
+        <p:spPr/>
+        <p:txBody>
+          <a:bodyPr/>
+          <a:lstStyle/>
+          <a:p>
+            <a:fld id="{344A4FEE-B134-42F3-BC71-245FBE6217C8}" type="slidenum">
+              <a:rPr lang="tr-TR" smtClean="0"/>
+              <a:t>4</a:t>
+            </a:fld>
+            <a:endParaRPr lang="tr-TR"/>
+          </a:p>
+        </p:txBody>
+      </p:sp>
+    </p:spTree>
+    <p:extLst>
+      <p:ext uri="{BB962C8B-B14F-4D97-AF65-F5344CB8AC3E}">
+        <p14:creationId xmlns:p14="http://schemas.microsoft.com/office/powerpoint/2010/main" val="2009304119"/>
+      </p:ext>
+    </p:extLst>
+  </p:cSld>
+  <p:clrMapOvr>
+    <a:masterClrMapping/>
+  </p:clrMapOvr>
+</p:notes>
+</file>
+
+<file path=ppt/notesSlides/notesSlide5.xml><?xml version="1.0" encoding="utf-8"?>
+<p:notes xmlns:a="http://schemas.openxmlformats.org/drawingml/2006/main" xmlns:r="http://schemas.openxmlformats.org/officeDocument/2006/relationships" xmlns:p="http://schemas.openxmlformats.org/presentationml/2006/main">
+  <p:cSld>
+    <p:spTree>
+      <p:nvGrpSpPr>
+        <p:cNvPr id="1" name=""/>
+        <p:cNvGrpSpPr/>
+        <p:nvPr/>
+      </p:nvGrpSpPr>
+      <p:grpSpPr>
+        <a:xfrm>
+          <a:off x="0" y="0"/>
+          <a:ext cx="0" cy="0"/>
+          <a:chOff x="0" y="0"/>
+          <a:chExt cx="0" cy="0"/>
+        </a:xfrm>
+      </p:grpSpPr>
+      <p:sp>
+        <p:nvSpPr>
+          <p:cNvPr id="2" name="Slide Image Placeholder 1"/>
+          <p:cNvSpPr>
+            <a:spLocks noGrp="1" noRot="1" noChangeAspect="1"/>
+          </p:cNvSpPr>
+          <p:nvPr>
+            <p:ph type="sldImg"/>
+          </p:nvPr>
+        </p:nvSpPr>
+        <p:spPr/>
+      </p:sp>
+      <p:sp>
+        <p:nvSpPr>
+          <p:cNvPr id="3" name="Notes Placeholder 2"/>
+          <p:cNvSpPr>
+            <a:spLocks noGrp="1"/>
+          </p:cNvSpPr>
+          <p:nvPr>
+            <p:ph type="body" idx="1"/>
+          </p:nvPr>
+        </p:nvSpPr>
+        <p:spPr/>
+        <p:txBody>
+          <a:bodyPr/>
+          <a:lstStyle/>
+          <a:p>
+            <a:pPr algn="just">
+              <a:spcBef>
+                <a:spcPts val="600"/>
+              </a:spcBef>
+              <a:spcAft>
+                <a:spcPts val="600"/>
+              </a:spcAft>
+            </a:pPr>
+            <a:r>
+              <a:rPr lang="en-US" sz="1800" dirty="0">
+                <a:effectLst/>
+                <a:latin typeface="Calibri" panose="020F0502020204030204" pitchFamily="34" charset="0"/>
+                <a:ea typeface="Times New Roman" panose="02020603050405020304" pitchFamily="18" charset="0"/>
+              </a:rPr>
+              <a:t>Initial Null Hypothesis to be tested: </a:t>
+            </a:r>
+            <a:endParaRPr lang="tr-TR" sz="1800" dirty="0">
+              <a:effectLst/>
+              <a:latin typeface="Times New Roman" panose="02020603050405020304" pitchFamily="18" charset="0"/>
+              <a:ea typeface="Times New Roman" panose="02020603050405020304" pitchFamily="18" charset="0"/>
+            </a:endParaRPr>
+          </a:p>
+          <a:p>
+            <a:pPr algn="just">
+              <a:spcBef>
+                <a:spcPts val="600"/>
+              </a:spcBef>
+              <a:spcAft>
+                <a:spcPts val="600"/>
+              </a:spcAft>
+            </a:pPr>
+            <a:r>
+              <a:rPr lang="tr-TR" sz="1800" dirty="0">
+                <a:effectLst/>
+                <a:latin typeface="Calibri" panose="020F0502020204030204" pitchFamily="34" charset="0"/>
+                <a:ea typeface="Times New Roman" panose="02020603050405020304" pitchFamily="18" charset="0"/>
+              </a:rPr>
+              <a:t>Hₒ: M</a:t>
+            </a:r>
+            <a:r>
+              <a:rPr lang="en-US" sz="1800" dirty="0" err="1">
+                <a:effectLst/>
+                <a:latin typeface="Calibri" panose="020F0502020204030204" pitchFamily="34" charset="0"/>
+                <a:ea typeface="Times New Roman" panose="02020603050405020304" pitchFamily="18" charset="0"/>
+              </a:rPr>
+              <a:t>aterial</a:t>
+            </a:r>
+            <a:r>
+              <a:rPr lang="en-US" sz="1800" dirty="0">
+                <a:effectLst/>
+                <a:latin typeface="Calibri" panose="020F0502020204030204" pitchFamily="34" charset="0"/>
+                <a:ea typeface="Times New Roman" panose="02020603050405020304" pitchFamily="18" charset="0"/>
+              </a:rPr>
+              <a:t> elements of combat power elements are correlated with the outcome of the battle.</a:t>
+            </a:r>
+            <a:endParaRPr lang="tr-TR" sz="1800" dirty="0">
+              <a:effectLst/>
+              <a:latin typeface="Times New Roman" panose="02020603050405020304" pitchFamily="18" charset="0"/>
+              <a:ea typeface="Times New Roman" panose="02020603050405020304" pitchFamily="18" charset="0"/>
+            </a:endParaRPr>
+          </a:p>
+          <a:p>
+            <a:pPr algn="just">
+              <a:spcBef>
+                <a:spcPts val="600"/>
+              </a:spcBef>
+              <a:spcAft>
+                <a:spcPts val="600"/>
+              </a:spcAft>
+            </a:pPr>
+            <a:r>
+              <a:rPr lang="tr-TR" sz="1800" dirty="0">
+                <a:effectLst/>
+                <a:latin typeface="Calibri" panose="020F0502020204030204" pitchFamily="34" charset="0"/>
+                <a:ea typeface="Times New Roman" panose="02020603050405020304" pitchFamily="18" charset="0"/>
+              </a:rPr>
+              <a:t>Hₒ: M</a:t>
+            </a:r>
+            <a:r>
+              <a:rPr lang="en-US" sz="1800" dirty="0" err="1">
+                <a:effectLst/>
+                <a:latin typeface="Calibri" panose="020F0502020204030204" pitchFamily="34" charset="0"/>
+                <a:ea typeface="Times New Roman" panose="02020603050405020304" pitchFamily="18" charset="0"/>
+              </a:rPr>
+              <a:t>aterial</a:t>
+            </a:r>
+            <a:r>
+              <a:rPr lang="en-US" sz="1800" dirty="0">
+                <a:effectLst/>
+                <a:latin typeface="Calibri" panose="020F0502020204030204" pitchFamily="34" charset="0"/>
+                <a:ea typeface="Times New Roman" panose="02020603050405020304" pitchFamily="18" charset="0"/>
+              </a:rPr>
+              <a:t> elements of combat power elements are correlated with Leadership and Morale.</a:t>
+            </a:r>
+            <a:endParaRPr lang="tr-TR" sz="1800" dirty="0">
+              <a:effectLst/>
+              <a:latin typeface="Times New Roman" panose="02020603050405020304" pitchFamily="18" charset="0"/>
+              <a:ea typeface="Times New Roman" panose="02020603050405020304" pitchFamily="18" charset="0"/>
+            </a:endParaRPr>
+          </a:p>
+          <a:p>
+            <a:pPr algn="just">
+              <a:spcBef>
+                <a:spcPts val="600"/>
+              </a:spcBef>
+              <a:spcAft>
+                <a:spcPts val="600"/>
+              </a:spcAft>
+            </a:pPr>
+            <a:r>
+              <a:rPr lang="tr-TR" sz="1800" dirty="0">
+                <a:effectLst/>
+                <a:latin typeface="Calibri" panose="020F0502020204030204" pitchFamily="34" charset="0"/>
+                <a:ea typeface="Times New Roman" panose="02020603050405020304" pitchFamily="18" charset="0"/>
+              </a:rPr>
+              <a:t>Hₒ: Leadership and morale factors are strongly correlated with the outcome of the battle. </a:t>
+            </a:r>
+            <a:endParaRPr lang="tr-TR" sz="1800" dirty="0">
+              <a:effectLst/>
+              <a:latin typeface="Times New Roman" panose="02020603050405020304" pitchFamily="18" charset="0"/>
+              <a:ea typeface="Times New Roman" panose="02020603050405020304" pitchFamily="18" charset="0"/>
+            </a:endParaRPr>
+          </a:p>
+          <a:p>
+            <a:pPr algn="just">
+              <a:spcBef>
+                <a:spcPts val="600"/>
+              </a:spcBef>
+              <a:spcAft>
+                <a:spcPts val="600"/>
+              </a:spcAft>
+            </a:pPr>
+            <a:r>
+              <a:rPr lang="tr-TR" sz="1800" dirty="0">
+                <a:effectLst/>
+                <a:latin typeface="Calibri" panose="020F0502020204030204" pitchFamily="34" charset="0"/>
+                <a:ea typeface="Times New Roman" panose="02020603050405020304" pitchFamily="18" charset="0"/>
+              </a:rPr>
+              <a:t>Hₒ: When effects of Leadership and Morale are removed, material elements of combat power are no longer related with the outcome of the battle. </a:t>
+            </a:r>
+            <a:endParaRPr lang="tr-TR" sz="1800" dirty="0">
+              <a:effectLst/>
+              <a:latin typeface="Times New Roman" panose="02020603050405020304" pitchFamily="18" charset="0"/>
+              <a:ea typeface="Times New Roman" panose="02020603050405020304" pitchFamily="18" charset="0"/>
+            </a:endParaRPr>
+          </a:p>
+          <a:p>
+            <a:endParaRPr lang="tr-TR" dirty="0"/>
+          </a:p>
+          <a:p>
+            <a:endParaRPr lang="tr-TR" dirty="0"/>
+          </a:p>
+          <a:p>
+            <a:pPr marL="0" marR="0" lvl="0" indent="0" algn="l" defTabSz="914400" rtl="0" eaLnBrk="1" fontAlgn="auto" latinLnBrk="0" hangingPunct="1">
+              <a:lnSpc>
+                <a:spcPct val="100000"/>
+              </a:lnSpc>
+              <a:spcBef>
+                <a:spcPts val="0"/>
+              </a:spcBef>
+              <a:spcAft>
+                <a:spcPts val="0"/>
+              </a:spcAft>
+              <a:buClrTx/>
+              <a:buSzTx/>
+              <a:buFontTx/>
+              <a:buNone/>
+              <a:tabLst/>
+              <a:defRPr/>
+            </a:pPr>
+            <a:r>
+              <a:rPr lang="tr-TR" i="1" dirty="0">
+                <a:solidFill>
+                  <a:srgbClr val="FF0000"/>
+                </a:solidFill>
+                <a:latin typeface="Calibri" panose="020F0502020204030204" pitchFamily="34" charset="0"/>
+                <a:ea typeface="Times New Roman" panose="02020603050405020304" pitchFamily="18" charset="0"/>
+              </a:rPr>
+              <a:t>(Exploring the variance power of morale&amp;leadership on the outcome of the battle by mass exploitation of other known quantifiable variables)</a:t>
+            </a:r>
+            <a:endParaRPr lang="tr-TR" i="1" dirty="0">
+              <a:solidFill>
+                <a:srgbClr val="FF0000"/>
+              </a:solidFill>
+              <a:effectLst/>
+              <a:latin typeface="Times New Roman" panose="02020603050405020304" pitchFamily="18" charset="0"/>
+              <a:ea typeface="Times New Roman" panose="02020603050405020304" pitchFamily="18" charset="0"/>
+            </a:endParaRPr>
+          </a:p>
+          <a:p>
+            <a:endParaRPr lang="tr-TR" dirty="0"/>
+          </a:p>
+        </p:txBody>
+      </p:sp>
+      <p:sp>
+        <p:nvSpPr>
+          <p:cNvPr id="4" name="Slide Number Placeholder 3"/>
+          <p:cNvSpPr>
+            <a:spLocks noGrp="1"/>
+          </p:cNvSpPr>
+          <p:nvPr>
+            <p:ph type="sldNum" sz="quarter" idx="5"/>
+          </p:nvPr>
+        </p:nvSpPr>
+        <p:spPr/>
+        <p:txBody>
+          <a:bodyPr/>
+          <a:lstStyle/>
+          <a:p>
+            <a:fld id="{344A4FEE-B134-42F3-BC71-245FBE6217C8}" type="slidenum">
+              <a:rPr lang="tr-TR" smtClean="0"/>
+              <a:t>5</a:t>
+            </a:fld>
+            <a:endParaRPr lang="tr-TR"/>
+          </a:p>
+        </p:txBody>
+      </p:sp>
+    </p:spTree>
+    <p:extLst>
+      <p:ext uri="{BB962C8B-B14F-4D97-AF65-F5344CB8AC3E}">
+        <p14:creationId xmlns:p14="http://schemas.microsoft.com/office/powerpoint/2010/main" val="4250146151"/>
+      </p:ext>
+    </p:extLst>
+  </p:cSld>
+  <p:clrMapOvr>
+    <a:masterClrMapping/>
+  </p:clrMapOvr>
+</p:notes>
+</file>
+
+<file path=ppt/notesSlides/notesSlide6.xml><?xml version="1.0" encoding="utf-8"?>
+<p:notes xmlns:a="http://schemas.openxmlformats.org/drawingml/2006/main" xmlns:r="http://schemas.openxmlformats.org/officeDocument/2006/relationships" xmlns:p="http://schemas.openxmlformats.org/presentationml/2006/main">
+  <p:cSld>
+    <p:spTree>
+      <p:nvGrpSpPr>
+        <p:cNvPr id="1" name=""/>
+        <p:cNvGrpSpPr/>
+        <p:nvPr/>
+      </p:nvGrpSpPr>
+      <p:grpSpPr>
+        <a:xfrm>
+          <a:off x="0" y="0"/>
+          <a:ext cx="0" cy="0"/>
+          <a:chOff x="0" y="0"/>
+          <a:chExt cx="0" cy="0"/>
+        </a:xfrm>
+      </p:grpSpPr>
+      <p:sp>
+        <p:nvSpPr>
+          <p:cNvPr id="2" name="Slide Image Placeholder 1"/>
+          <p:cNvSpPr>
+            <a:spLocks noGrp="1" noRot="1" noChangeAspect="1"/>
+          </p:cNvSpPr>
+          <p:nvPr>
+            <p:ph type="sldImg"/>
+          </p:nvPr>
+        </p:nvSpPr>
+        <p:spPr/>
+      </p:sp>
+      <p:sp>
+        <p:nvSpPr>
+          <p:cNvPr id="3" name="Notes Placeholder 2"/>
+          <p:cNvSpPr>
+            <a:spLocks noGrp="1"/>
+          </p:cNvSpPr>
+          <p:nvPr>
+            <p:ph type="body" idx="1"/>
+          </p:nvPr>
+        </p:nvSpPr>
+        <p:spPr/>
+        <p:txBody>
+          <a:bodyPr/>
+          <a:lstStyle/>
+          <a:p>
+            <a:pPr marL="342900" lvl="0" indent="-342900">
+              <a:lnSpc>
+                <a:spcPct val="107000"/>
+              </a:lnSpc>
+              <a:buFont typeface="Symbol" panose="05050102010706020507" pitchFamily="18" charset="2"/>
+              <a:buChar char=""/>
+            </a:pPr>
+            <a:r>
+              <a:rPr lang="tr-TR" sz="1800" dirty="0">
+                <a:effectLst/>
+                <a:latin typeface="Calibri" panose="020F0502020204030204" pitchFamily="34" charset="0"/>
+                <a:ea typeface="Calibri" panose="020F0502020204030204" pitchFamily="34" charset="0"/>
+                <a:cs typeface="Times New Roman" panose="02020603050405020304" pitchFamily="18" charset="0"/>
+              </a:rPr>
+              <a:t>Background</a:t>
+            </a:r>
+          </a:p>
+          <a:p>
+            <a:pPr marL="800100" lvl="1" indent="-342900">
+              <a:lnSpc>
+                <a:spcPct val="107000"/>
+              </a:lnSpc>
+              <a:buFont typeface="Symbol" panose="05050102010706020507" pitchFamily="18" charset="2"/>
+              <a:buChar char=""/>
+            </a:pPr>
+            <a:r>
+              <a:rPr lang="tr-TR" sz="1800" dirty="0">
+                <a:effectLst/>
+                <a:latin typeface="Calibri" panose="020F0502020204030204" pitchFamily="34" charset="0"/>
+                <a:ea typeface="Calibri" panose="020F0502020204030204" pitchFamily="34" charset="0"/>
+                <a:cs typeface="Times New Roman" panose="02020603050405020304" pitchFamily="18" charset="0"/>
+              </a:rPr>
+              <a:t>In the beginning combat power and force ratio was a subject of skilled soldiers like Sun Tzu, Clausewitz and others. In the 1900s, the subject attracted the attention of engineers like Lancaster. At this stage, mathematical formulas were used to explain the importance of the subject. </a:t>
+            </a:r>
+          </a:p>
+          <a:p>
+            <a:pPr marL="800100" lvl="1" indent="-342900">
+              <a:lnSpc>
+                <a:spcPct val="107000"/>
+              </a:lnSpc>
+              <a:buFont typeface="Symbol" panose="05050102010706020507" pitchFamily="18" charset="2"/>
+              <a:buChar char=""/>
+            </a:pPr>
+            <a:r>
+              <a:rPr lang="tr-TR" sz="1800" dirty="0">
+                <a:effectLst/>
+                <a:latin typeface="Calibri" panose="020F0502020204030204" pitchFamily="34" charset="0"/>
+                <a:ea typeface="Calibri" panose="020F0502020204030204" pitchFamily="34" charset="0"/>
+                <a:cs typeface="Times New Roman" panose="02020603050405020304" pitchFamily="18" charset="0"/>
+              </a:rPr>
+              <a:t>With the rapid development of technology, the subject has become the subject of operational research. Researchers like Depuy and Briddle have examined the subject with the help of well-designed mathematical models.</a:t>
+            </a:r>
+          </a:p>
+          <a:p>
+            <a:pPr marL="800100" lvl="1" indent="-342900">
+              <a:lnSpc>
+                <a:spcPct val="107000"/>
+              </a:lnSpc>
+              <a:buFont typeface="Symbol" panose="05050102010706020507" pitchFamily="18" charset="2"/>
+              <a:buChar char=""/>
+            </a:pPr>
+            <a:r>
+              <a:rPr lang="tr-TR" sz="1800" dirty="0">
+                <a:effectLst/>
+                <a:latin typeface="Calibri" panose="020F0502020204030204" pitchFamily="34" charset="0"/>
+                <a:ea typeface="Calibri" panose="020F0502020204030204" pitchFamily="34" charset="0"/>
+                <a:cs typeface="Times New Roman" panose="02020603050405020304" pitchFamily="18" charset="0"/>
+              </a:rPr>
+              <a:t>Especially Briddle added very important dimension to the subject with inserting a non-material variable to the research model, which is force employment. </a:t>
+            </a:r>
+          </a:p>
+          <a:p>
+            <a:pPr marL="800100" lvl="1" indent="-342900">
+              <a:lnSpc>
+                <a:spcPct val="107000"/>
+              </a:lnSpc>
+              <a:buFont typeface="Symbol" panose="05050102010706020507" pitchFamily="18" charset="2"/>
+              <a:buChar char=""/>
+            </a:pPr>
+            <a:r>
+              <a:rPr lang="tr-TR" sz="1800" dirty="0">
+                <a:effectLst/>
+                <a:latin typeface="Calibri" panose="020F0502020204030204" pitchFamily="34" charset="0"/>
+                <a:ea typeface="Calibri" panose="020F0502020204030204" pitchFamily="34" charset="0"/>
+                <a:cs typeface="Times New Roman" panose="02020603050405020304" pitchFamily="18" charset="0"/>
+              </a:rPr>
+              <a:t>I think this issue, which has been examined in many aspects so far, should be examined in terms of Leadership and Moral factors.</a:t>
+            </a:r>
+          </a:p>
+          <a:p>
+            <a:pPr marL="800100" lvl="1" indent="-342900">
+              <a:lnSpc>
+                <a:spcPct val="107000"/>
+              </a:lnSpc>
+              <a:buFont typeface="Symbol" panose="05050102010706020507" pitchFamily="18" charset="2"/>
+              <a:buChar char=""/>
+            </a:pPr>
+            <a:r>
+              <a:rPr lang="tr-TR" sz="1800" dirty="0">
+                <a:effectLst/>
+                <a:latin typeface="Calibri" panose="020F0502020204030204" pitchFamily="34" charset="0"/>
+                <a:ea typeface="Calibri" panose="020F0502020204030204" pitchFamily="34" charset="0"/>
+                <a:cs typeface="Times New Roman" panose="02020603050405020304" pitchFamily="18" charset="0"/>
+              </a:rPr>
+              <a:t>I think this subject is also worth to attention because; the abilities of modern programming languages like Python have potential to exploit the already in place information to the level hard to imagine even at the end of the century. Calculation and analysis capability of this discipline that framed in the field “Data Science” provides useful tool for explaining the variables once more with different dimensions.</a:t>
+            </a:r>
+          </a:p>
+          <a:p>
+            <a:r>
+              <a:rPr lang="tr-TR" sz="1800" b="1" dirty="0">
+                <a:effectLst/>
+                <a:latin typeface="Calibri" panose="020F0502020204030204" pitchFamily="34" charset="0"/>
+                <a:ea typeface="Calibri" panose="020F0502020204030204" pitchFamily="34" charset="0"/>
+                <a:cs typeface="Times New Roman" panose="02020603050405020304" pitchFamily="18" charset="0"/>
+              </a:rPr>
+              <a:t>New Knowledge (PhD Only) </a:t>
+            </a:r>
+            <a:r>
+              <a:rPr lang="tr-TR" sz="1800" dirty="0">
+                <a:effectLst/>
+                <a:latin typeface="Calibri" panose="020F0502020204030204" pitchFamily="34" charset="0"/>
+                <a:ea typeface="Calibri" panose="020F0502020204030204" pitchFamily="34" charset="0"/>
+                <a:cs typeface="Times New Roman" panose="02020603050405020304" pitchFamily="18" charset="0"/>
+              </a:rPr>
+              <a:t> </a:t>
+            </a:r>
+          </a:p>
+          <a:p>
+            <a:pPr>
+              <a:lnSpc>
+                <a:spcPct val="107000"/>
+              </a:lnSpc>
+              <a:spcAft>
+                <a:spcPts val="800"/>
+              </a:spcAft>
+            </a:pPr>
+            <a:r>
+              <a:rPr lang="tr-TR" sz="1800" dirty="0">
+                <a:effectLst/>
+                <a:latin typeface="Calibri" panose="020F0502020204030204" pitchFamily="34" charset="0"/>
+                <a:ea typeface="Calibri" panose="020F0502020204030204" pitchFamily="34" charset="0"/>
+                <a:cs typeface="Times New Roman" panose="02020603050405020304" pitchFamily="18" charset="0"/>
+              </a:rPr>
+              <a:t>Strategic Management which may be considered as a by product of Leadership and Morale never have been analyzed in quantitative manner in a comprehensive model. </a:t>
+            </a:r>
+          </a:p>
+          <a:p>
+            <a:pPr>
+              <a:lnSpc>
+                <a:spcPct val="107000"/>
+              </a:lnSpc>
+              <a:spcAft>
+                <a:spcPts val="800"/>
+              </a:spcAft>
+            </a:pPr>
+            <a:r>
+              <a:rPr lang="tr-TR" sz="1800" dirty="0">
+                <a:effectLst/>
+                <a:latin typeface="Calibri" panose="020F0502020204030204" pitchFamily="34" charset="0"/>
+                <a:ea typeface="Calibri" panose="020F0502020204030204" pitchFamily="34" charset="0"/>
+                <a:cs typeface="Times New Roman" panose="02020603050405020304" pitchFamily="18" charset="0"/>
+              </a:rPr>
+              <a:t>There is only one example in literature where Stephen Biddle put Force Employment to a model and analyzed its influence on the variance of the outcome of the battle.</a:t>
+            </a:r>
+          </a:p>
+          <a:p>
+            <a:pPr>
+              <a:lnSpc>
+                <a:spcPct val="107000"/>
+              </a:lnSpc>
+              <a:spcAft>
+                <a:spcPts val="800"/>
+              </a:spcAft>
+            </a:pPr>
+            <a:r>
+              <a:rPr lang="tr-TR" sz="1800" dirty="0">
+                <a:effectLst/>
+                <a:latin typeface="Calibri" panose="020F0502020204030204" pitchFamily="34" charset="0"/>
+                <a:ea typeface="Calibri" panose="020F0502020204030204" pitchFamily="34" charset="0"/>
+                <a:cs typeface="Times New Roman" panose="02020603050405020304" pitchFamily="18" charset="0"/>
+              </a:rPr>
+              <a:t>It is my understanding that force employment is doctrinal part that every army should somehow incorporate to their training programmes. I think the way leaders use their force changes according to the features of the leaders and the mood of the soldiers. That’s why I be analyzing leadership and morale factors. </a:t>
+            </a:r>
+          </a:p>
+          <a:p>
+            <a:pPr>
+              <a:lnSpc>
+                <a:spcPct val="107000"/>
+              </a:lnSpc>
+              <a:spcAft>
+                <a:spcPts val="800"/>
+              </a:spcAft>
+            </a:pPr>
+            <a:r>
+              <a:rPr lang="tr-TR" sz="1800" dirty="0">
+                <a:effectLst/>
+                <a:latin typeface="Calibri" panose="020F0502020204030204" pitchFamily="34" charset="0"/>
+                <a:ea typeface="Calibri" panose="020F0502020204030204" pitchFamily="34" charset="0"/>
+                <a:cs typeface="Times New Roman" panose="02020603050405020304" pitchFamily="18" charset="0"/>
+              </a:rPr>
+              <a:t>So, this research will find its place in literature with expanding already in place knowledge of the subject. </a:t>
+            </a:r>
+          </a:p>
+          <a:p>
+            <a:endParaRPr lang="tr-TR" dirty="0"/>
+          </a:p>
+        </p:txBody>
+      </p:sp>
+      <p:sp>
+        <p:nvSpPr>
+          <p:cNvPr id="4" name="Slide Number Placeholder 3"/>
+          <p:cNvSpPr>
+            <a:spLocks noGrp="1"/>
+          </p:cNvSpPr>
+          <p:nvPr>
+            <p:ph type="sldNum" sz="quarter" idx="5"/>
+          </p:nvPr>
+        </p:nvSpPr>
+        <p:spPr/>
+        <p:txBody>
+          <a:bodyPr/>
+          <a:lstStyle/>
+          <a:p>
+            <a:fld id="{344A4FEE-B134-42F3-BC71-245FBE6217C8}" type="slidenum">
+              <a:rPr lang="tr-TR" smtClean="0"/>
               <a:t>6</a:t>
+            </a:fld>
+            <a:endParaRPr lang="tr-TR"/>
+          </a:p>
+        </p:txBody>
+      </p:sp>
+    </p:spTree>
+    <p:extLst>
+      <p:ext uri="{BB962C8B-B14F-4D97-AF65-F5344CB8AC3E}">
+        <p14:creationId xmlns:p14="http://schemas.microsoft.com/office/powerpoint/2010/main" val="209128464"/>
+      </p:ext>
+    </p:extLst>
+  </p:cSld>
+  <p:clrMapOvr>
+    <a:masterClrMapping/>
+  </p:clrMapOvr>
+</p:notes>
+</file>
+
+<file path=ppt/notesSlides/notesSlide7.xml><?xml version="1.0" encoding="utf-8"?>
+<p:notes xmlns:a="http://schemas.openxmlformats.org/drawingml/2006/main" xmlns:r="http://schemas.openxmlformats.org/officeDocument/2006/relationships" xmlns:p="http://schemas.openxmlformats.org/presentationml/2006/main">
+  <p:cSld>
+    <p:spTree>
+      <p:nvGrpSpPr>
+        <p:cNvPr id="1" name=""/>
+        <p:cNvGrpSpPr/>
+        <p:nvPr/>
+      </p:nvGrpSpPr>
+      <p:grpSpPr>
+        <a:xfrm>
+          <a:off x="0" y="0"/>
+          <a:ext cx="0" cy="0"/>
+          <a:chOff x="0" y="0"/>
+          <a:chExt cx="0" cy="0"/>
+        </a:xfrm>
+      </p:grpSpPr>
+      <p:sp>
+        <p:nvSpPr>
+          <p:cNvPr id="2" name="Slide Image Placeholder 1"/>
+          <p:cNvSpPr>
+            <a:spLocks noGrp="1" noRot="1" noChangeAspect="1"/>
+          </p:cNvSpPr>
+          <p:nvPr>
+            <p:ph type="sldImg"/>
+          </p:nvPr>
+        </p:nvSpPr>
+        <p:spPr/>
+      </p:sp>
+      <p:sp>
+        <p:nvSpPr>
+          <p:cNvPr id="3" name="Notes Placeholder 2"/>
+          <p:cNvSpPr>
+            <a:spLocks noGrp="1"/>
+          </p:cNvSpPr>
+          <p:nvPr>
+            <p:ph type="body" idx="1"/>
+          </p:nvPr>
+        </p:nvSpPr>
+        <p:spPr/>
+        <p:txBody>
+          <a:bodyPr/>
+          <a:lstStyle/>
+          <a:p>
+            <a:r>
+              <a:rPr lang="en-US" b="0" i="0" dirty="0">
+                <a:solidFill>
+                  <a:srgbClr val="202124"/>
+                </a:solidFill>
+                <a:effectLst/>
+                <a:latin typeface="arial" panose="020B0604020202020204" pitchFamily="34" charset="0"/>
+              </a:rPr>
+              <a:t>An </a:t>
+            </a:r>
+            <a:r>
+              <a:rPr lang="en-US" b="1" i="0" dirty="0">
+                <a:solidFill>
+                  <a:srgbClr val="202124"/>
+                </a:solidFill>
+                <a:effectLst/>
+                <a:latin typeface="arial" panose="020B0604020202020204" pitchFamily="34" charset="0"/>
+              </a:rPr>
+              <a:t>intervening variable</a:t>
+            </a:r>
+            <a:r>
+              <a:rPr lang="en-US" b="0" i="0" dirty="0">
+                <a:solidFill>
+                  <a:srgbClr val="202124"/>
+                </a:solidFill>
+                <a:effectLst/>
+                <a:latin typeface="arial" panose="020B0604020202020204" pitchFamily="34" charset="0"/>
+              </a:rPr>
+              <a:t> is a hypothetical </a:t>
+            </a:r>
+            <a:r>
+              <a:rPr lang="en-US" b="1" i="0" dirty="0">
+                <a:solidFill>
+                  <a:srgbClr val="202124"/>
+                </a:solidFill>
+                <a:effectLst/>
+                <a:latin typeface="arial" panose="020B0604020202020204" pitchFamily="34" charset="0"/>
+              </a:rPr>
+              <a:t>variable</a:t>
+            </a:r>
+            <a:r>
+              <a:rPr lang="en-US" b="0" i="0" dirty="0">
+                <a:solidFill>
+                  <a:srgbClr val="202124"/>
+                </a:solidFill>
+                <a:effectLst/>
+                <a:latin typeface="arial" panose="020B0604020202020204" pitchFamily="34" charset="0"/>
+              </a:rPr>
+              <a:t> used to explain causal links between other </a:t>
+            </a:r>
+            <a:r>
+              <a:rPr lang="en-US" b="1" i="0" dirty="0">
+                <a:solidFill>
+                  <a:srgbClr val="202124"/>
+                </a:solidFill>
+                <a:effectLst/>
+                <a:latin typeface="arial" panose="020B0604020202020204" pitchFamily="34" charset="0"/>
+              </a:rPr>
+              <a:t>variables</a:t>
+            </a:r>
+            <a:r>
+              <a:rPr lang="en-US" b="0" i="0" dirty="0">
+                <a:solidFill>
+                  <a:srgbClr val="202124"/>
+                </a:solidFill>
+                <a:effectLst/>
+                <a:latin typeface="arial" panose="020B0604020202020204" pitchFamily="34" charset="0"/>
+              </a:rPr>
+              <a:t>. </a:t>
+            </a:r>
+            <a:r>
+              <a:rPr lang="en-US" b="1" i="0" dirty="0">
+                <a:solidFill>
+                  <a:srgbClr val="202124"/>
+                </a:solidFill>
+                <a:effectLst/>
+                <a:latin typeface="arial" panose="020B0604020202020204" pitchFamily="34" charset="0"/>
+              </a:rPr>
+              <a:t>Intervening variables</a:t>
+            </a:r>
+            <a:r>
+              <a:rPr lang="en-US" b="0" i="0" dirty="0">
+                <a:solidFill>
+                  <a:srgbClr val="202124"/>
+                </a:solidFill>
+                <a:effectLst/>
+                <a:latin typeface="arial" panose="020B0604020202020204" pitchFamily="34" charset="0"/>
+              </a:rPr>
+              <a:t> cannot be observed in an experiment (that's why they are hypothetical).</a:t>
+            </a:r>
+            <a:endParaRPr lang="tr-TR" b="0" i="0" dirty="0">
+              <a:solidFill>
+                <a:srgbClr val="202124"/>
+              </a:solidFill>
+              <a:effectLst/>
+              <a:latin typeface="arial" panose="020B0604020202020204" pitchFamily="34" charset="0"/>
+            </a:endParaRPr>
+          </a:p>
+          <a:p>
+            <a:r>
+              <a:rPr lang="en-US" b="0" i="0" dirty="0">
+                <a:solidFill>
+                  <a:srgbClr val="202124"/>
+                </a:solidFill>
+                <a:effectLst/>
+                <a:latin typeface="arial" panose="020B0604020202020204" pitchFamily="34" charset="0"/>
+              </a:rPr>
+              <a:t>The </a:t>
+            </a:r>
+            <a:r>
+              <a:rPr lang="en-US" b="1" i="0" dirty="0">
+                <a:solidFill>
+                  <a:srgbClr val="202124"/>
+                </a:solidFill>
+                <a:effectLst/>
+                <a:latin typeface="arial" panose="020B0604020202020204" pitchFamily="34" charset="0"/>
+              </a:rPr>
+              <a:t>Importance</a:t>
+            </a:r>
+            <a:r>
+              <a:rPr lang="en-US" b="0" i="0" dirty="0">
+                <a:solidFill>
+                  <a:srgbClr val="202124"/>
+                </a:solidFill>
+                <a:effectLst/>
+                <a:latin typeface="arial" panose="020B0604020202020204" pitchFamily="34" charset="0"/>
+              </a:rPr>
+              <a:t> of Identifying </a:t>
+            </a:r>
+            <a:r>
+              <a:rPr lang="en-US" b="1" i="0" dirty="0">
+                <a:solidFill>
+                  <a:srgbClr val="202124"/>
+                </a:solidFill>
+                <a:effectLst/>
+                <a:latin typeface="arial" panose="020B0604020202020204" pitchFamily="34" charset="0"/>
+              </a:rPr>
+              <a:t>Intervening Variables</a:t>
+            </a:r>
+            <a:r>
+              <a:rPr lang="tr-TR" b="1" i="0" dirty="0">
+                <a:solidFill>
+                  <a:srgbClr val="202124"/>
+                </a:solidFill>
+                <a:effectLst/>
+                <a:latin typeface="arial" panose="020B0604020202020204" pitchFamily="34" charset="0"/>
+              </a:rPr>
+              <a:t>: </a:t>
+            </a:r>
+            <a:r>
+              <a:rPr lang="en-US" b="0" i="0" dirty="0">
+                <a:solidFill>
+                  <a:srgbClr val="202124"/>
+                </a:solidFill>
+                <a:effectLst/>
+                <a:latin typeface="arial" panose="020B0604020202020204" pitchFamily="34" charset="0"/>
+              </a:rPr>
+              <a:t>Understanding </a:t>
+            </a:r>
+            <a:r>
+              <a:rPr lang="en-US" b="1" i="0" dirty="0">
+                <a:solidFill>
+                  <a:srgbClr val="202124"/>
+                </a:solidFill>
+                <a:effectLst/>
+                <a:latin typeface="arial" panose="020B0604020202020204" pitchFamily="34" charset="0"/>
+              </a:rPr>
+              <a:t>intervening variables</a:t>
+            </a:r>
+            <a:r>
+              <a:rPr lang="en-US" b="0" i="0" dirty="0">
+                <a:solidFill>
+                  <a:srgbClr val="202124"/>
+                </a:solidFill>
+                <a:effectLst/>
+                <a:latin typeface="arial" panose="020B0604020202020204" pitchFamily="34" charset="0"/>
+              </a:rPr>
+              <a:t> can often help researchers clarify the relationship between an independent and dependent </a:t>
+            </a:r>
+            <a:r>
+              <a:rPr lang="en-US" b="1" i="0" dirty="0">
+                <a:solidFill>
+                  <a:srgbClr val="202124"/>
+                </a:solidFill>
+                <a:effectLst/>
+                <a:latin typeface="arial" panose="020B0604020202020204" pitchFamily="34" charset="0"/>
+              </a:rPr>
+              <a:t>variable</a:t>
+            </a:r>
+            <a:r>
+              <a:rPr lang="en-US" b="0" i="0" dirty="0">
+                <a:solidFill>
+                  <a:srgbClr val="202124"/>
+                </a:solidFill>
+                <a:effectLst/>
+                <a:latin typeface="arial" panose="020B0604020202020204" pitchFamily="34" charset="0"/>
+              </a:rPr>
+              <a:t> because the </a:t>
+            </a:r>
+            <a:r>
+              <a:rPr lang="en-US" b="1" i="0" dirty="0">
+                <a:solidFill>
+                  <a:srgbClr val="202124"/>
+                </a:solidFill>
+                <a:effectLst/>
+                <a:latin typeface="arial" panose="020B0604020202020204" pitchFamily="34" charset="0"/>
+              </a:rPr>
+              <a:t>intervening variables</a:t>
+            </a:r>
+            <a:r>
+              <a:rPr lang="en-US" b="0" i="0" dirty="0">
+                <a:solidFill>
+                  <a:srgbClr val="202124"/>
+                </a:solidFill>
+                <a:effectLst/>
+                <a:latin typeface="arial" panose="020B0604020202020204" pitchFamily="34" charset="0"/>
+              </a:rPr>
+              <a:t> are often the true </a:t>
+            </a:r>
+            <a:r>
+              <a:rPr lang="en-US" b="1" i="0" dirty="0">
+                <a:solidFill>
+                  <a:srgbClr val="202124"/>
+                </a:solidFill>
+                <a:effectLst/>
+                <a:latin typeface="arial" panose="020B0604020202020204" pitchFamily="34" charset="0"/>
+              </a:rPr>
+              <a:t>variable</a:t>
+            </a:r>
+            <a:r>
+              <a:rPr lang="en-US" b="0" i="0" dirty="0">
+                <a:solidFill>
+                  <a:srgbClr val="202124"/>
+                </a:solidFill>
+                <a:effectLst/>
+                <a:latin typeface="arial" panose="020B0604020202020204" pitchFamily="34" charset="0"/>
+              </a:rPr>
+              <a:t> that explains variations in the dependent </a:t>
+            </a:r>
+            <a:r>
+              <a:rPr lang="en-US" b="1" i="0" dirty="0">
+                <a:solidFill>
+                  <a:srgbClr val="202124"/>
+                </a:solidFill>
+                <a:effectLst/>
+                <a:latin typeface="arial" panose="020B0604020202020204" pitchFamily="34" charset="0"/>
+              </a:rPr>
+              <a:t>variable</a:t>
+            </a:r>
+            <a:r>
+              <a:rPr lang="en-US" b="0" i="0" dirty="0">
+                <a:solidFill>
+                  <a:srgbClr val="202124"/>
+                </a:solidFill>
+                <a:effectLst/>
+                <a:latin typeface="arial" panose="020B0604020202020204" pitchFamily="34" charset="0"/>
+              </a:rPr>
+              <a:t>.</a:t>
+            </a:r>
+            <a:endParaRPr lang="tr-TR" b="0" i="0" dirty="0">
+              <a:solidFill>
+                <a:srgbClr val="202124"/>
+              </a:solidFill>
+              <a:effectLst/>
+              <a:latin typeface="arial" panose="020B0604020202020204" pitchFamily="34" charset="0"/>
+            </a:endParaRPr>
+          </a:p>
+          <a:p>
+            <a:pPr algn="just">
+              <a:spcBef>
+                <a:spcPts val="600"/>
+              </a:spcBef>
+              <a:spcAft>
+                <a:spcPts val="600"/>
+              </a:spcAft>
+            </a:pPr>
+            <a:r>
+              <a:rPr lang="en-US" sz="1800" b="1" dirty="0">
+                <a:effectLst/>
+                <a:latin typeface="Calibri" panose="020F0502020204030204" pitchFamily="34" charset="0"/>
+                <a:ea typeface="Times New Roman" panose="02020603050405020304" pitchFamily="18" charset="0"/>
+              </a:rPr>
+              <a:t>. Identified gaps: </a:t>
+            </a:r>
+            <a:endParaRPr lang="tr-TR" sz="1800" dirty="0">
+              <a:effectLst/>
+              <a:latin typeface="Times New Roman" panose="02020603050405020304" pitchFamily="18" charset="0"/>
+              <a:ea typeface="Times New Roman" panose="02020603050405020304" pitchFamily="18" charset="0"/>
+            </a:endParaRPr>
+          </a:p>
+          <a:p>
+            <a:pPr marL="342900" lvl="0" indent="-342900" algn="just">
+              <a:spcBef>
+                <a:spcPts val="600"/>
+              </a:spcBef>
+              <a:spcAft>
+                <a:spcPts val="600"/>
+              </a:spcAft>
+              <a:buFont typeface="+mj-lt"/>
+              <a:buAutoNum type="alphaLcPeriod"/>
+            </a:pPr>
+            <a:r>
+              <a:rPr lang="en-US" sz="1800" dirty="0">
+                <a:effectLst/>
+                <a:latin typeface="Calibri" panose="020F0502020204030204" pitchFamily="34" charset="0"/>
+                <a:ea typeface="Times New Roman" panose="02020603050405020304" pitchFamily="18" charset="0"/>
+              </a:rPr>
+              <a:t>Although the concept of force ratio is well explained theoretically and its explanatory power within the relative combat power factors is analyzed systematically (especially by Biddle), morale and leadership factors are not analyzed thoroughly due to its qualitative nature. </a:t>
+            </a:r>
+            <a:endParaRPr lang="tr-TR" sz="1800" dirty="0">
+              <a:effectLst/>
+              <a:latin typeface="Times New Roman" panose="02020603050405020304" pitchFamily="18" charset="0"/>
+              <a:ea typeface="Times New Roman" panose="02020603050405020304" pitchFamily="18" charset="0"/>
+            </a:endParaRPr>
+          </a:p>
+          <a:p>
+            <a:pPr marL="342900" lvl="0" indent="-342900" algn="just">
+              <a:spcBef>
+                <a:spcPts val="600"/>
+              </a:spcBef>
+              <a:spcAft>
+                <a:spcPts val="600"/>
+              </a:spcAft>
+              <a:buFont typeface="+mj-lt"/>
+              <a:buAutoNum type="alphaLcPeriod"/>
+            </a:pPr>
+            <a:r>
+              <a:rPr lang="en-US" sz="1800" dirty="0">
+                <a:effectLst/>
+                <a:latin typeface="Calibri" panose="020F0502020204030204" pitchFamily="34" charset="0"/>
+                <a:ea typeface="Times New Roman" panose="02020603050405020304" pitchFamily="18" charset="0"/>
+              </a:rPr>
+              <a:t>Judgements up to now relies limited data set, max battles analyzed to make deduction was 660 battles of </a:t>
+            </a:r>
+            <a:r>
+              <a:rPr lang="en-US" sz="1800" dirty="0">
+                <a:solidFill>
+                  <a:srgbClr val="000000"/>
+                </a:solidFill>
+                <a:effectLst/>
+                <a:latin typeface="Calibri" panose="020F0502020204030204" pitchFamily="34" charset="0"/>
+                <a:ea typeface="Times New Roman" panose="02020603050405020304" pitchFamily="18" charset="0"/>
+              </a:rPr>
+              <a:t>CDB90G dataset, which has real data flaws. </a:t>
+            </a:r>
+            <a:endParaRPr lang="tr-TR" sz="1800" dirty="0">
+              <a:effectLst/>
+              <a:latin typeface="Times New Roman" panose="02020603050405020304" pitchFamily="18" charset="0"/>
+              <a:ea typeface="Times New Roman" panose="02020603050405020304" pitchFamily="18" charset="0"/>
+            </a:endParaRPr>
+          </a:p>
+          <a:p>
+            <a:pPr>
+              <a:lnSpc>
+                <a:spcPct val="107000"/>
+              </a:lnSpc>
+              <a:spcAft>
+                <a:spcPts val="800"/>
+              </a:spcAft>
+            </a:pPr>
+            <a:r>
+              <a:rPr lang="en-US" sz="1800" b="1" dirty="0">
+                <a:effectLst/>
+                <a:latin typeface="Calibri" panose="020F0502020204030204" pitchFamily="34" charset="0"/>
+                <a:ea typeface="Calibri" panose="020F0502020204030204" pitchFamily="34" charset="0"/>
+                <a:cs typeface="Calibri" panose="020F0502020204030204" pitchFamily="34" charset="0"/>
+              </a:rPr>
+              <a:t>2. Research questions: </a:t>
+            </a:r>
+            <a:r>
+              <a:rPr lang="en-US" sz="1800" dirty="0">
+                <a:effectLst/>
+                <a:latin typeface="Calibri" panose="020F0502020204030204" pitchFamily="34" charset="0"/>
+                <a:ea typeface="Calibri" panose="020F0502020204030204" pitchFamily="34" charset="0"/>
+                <a:cs typeface="Calibri" panose="020F0502020204030204" pitchFamily="34" charset="0"/>
+              </a:rPr>
+              <a:t>Already submitted in previous section. </a:t>
+            </a:r>
+            <a:endParaRPr lang="tr-TR" sz="1800" dirty="0">
+              <a:effectLst/>
+              <a:latin typeface="Calibri" panose="020F0502020204030204" pitchFamily="34" charset="0"/>
+              <a:ea typeface="Calibri" panose="020F0502020204030204" pitchFamily="34" charset="0"/>
+              <a:cs typeface="Times New Roman" panose="02020603050405020304" pitchFamily="18" charset="0"/>
+            </a:endParaRPr>
+          </a:p>
+          <a:p>
+            <a:pPr algn="just">
+              <a:spcBef>
+                <a:spcPts val="600"/>
+              </a:spcBef>
+              <a:spcAft>
+                <a:spcPts val="600"/>
+              </a:spcAft>
+            </a:pPr>
+            <a:r>
+              <a:rPr lang="en-US" sz="1800" b="1" dirty="0">
+                <a:solidFill>
+                  <a:srgbClr val="000000"/>
+                </a:solidFill>
+                <a:effectLst/>
+                <a:latin typeface="Calibri" panose="020F0502020204030204" pitchFamily="34" charset="0"/>
+                <a:ea typeface="Times New Roman" panose="02020603050405020304" pitchFamily="18" charset="0"/>
+              </a:rPr>
+              <a:t>3. Research methodology: </a:t>
+            </a:r>
+            <a:r>
+              <a:rPr lang="en-US" sz="1800" dirty="0">
+                <a:solidFill>
+                  <a:srgbClr val="000000"/>
+                </a:solidFill>
+                <a:effectLst/>
+                <a:latin typeface="Calibri" panose="020F0502020204030204" pitchFamily="34" charset="0"/>
+                <a:ea typeface="Times New Roman" panose="02020603050405020304" pitchFamily="18" charset="0"/>
+              </a:rPr>
+              <a:t>Literature on this topic reflects about the degree of force ratio’s reliability. While some researchers state that it explains certain degree of result while others state that more sophisticated models need to be used. So, my intention is to develop a model with dependent variable as the outcome of the battle. I will define independent and intervening variables in the research although I have initial propositions. And with regression model I will try to find explanatory power of these variables, in which force ratio will be the one that is to be analyzed. </a:t>
+            </a:r>
+            <a:endParaRPr lang="tr-TR" sz="1800" dirty="0">
+              <a:effectLst/>
+              <a:latin typeface="Times New Roman" panose="02020603050405020304" pitchFamily="18" charset="0"/>
+              <a:ea typeface="Times New Roman" panose="02020603050405020304" pitchFamily="18" charset="0"/>
+            </a:endParaRPr>
+          </a:p>
+          <a:p>
+            <a:pPr algn="just">
+              <a:spcBef>
+                <a:spcPts val="600"/>
+              </a:spcBef>
+              <a:spcAft>
+                <a:spcPts val="600"/>
+              </a:spcAft>
+            </a:pPr>
+            <a:r>
+              <a:rPr lang="en-US" sz="1800" b="1" dirty="0">
+                <a:solidFill>
+                  <a:srgbClr val="000000"/>
+                </a:solidFill>
+                <a:effectLst/>
+                <a:latin typeface="Calibri" panose="020F0502020204030204" pitchFamily="34" charset="0"/>
+                <a:ea typeface="Times New Roman" panose="02020603050405020304" pitchFamily="18" charset="0"/>
+              </a:rPr>
+              <a:t>4. Research</a:t>
+            </a:r>
+            <a:r>
+              <a:rPr lang="en-US" sz="1800" b="1" dirty="0">
+                <a:effectLst/>
+                <a:latin typeface="Calibri" panose="020F0502020204030204" pitchFamily="34" charset="0"/>
+                <a:ea typeface="Times New Roman" panose="02020603050405020304" pitchFamily="18" charset="0"/>
+              </a:rPr>
+              <a:t> steps: </a:t>
+            </a:r>
+            <a:endParaRPr lang="tr-TR" sz="1800" dirty="0">
+              <a:effectLst/>
+              <a:latin typeface="Times New Roman" panose="02020603050405020304" pitchFamily="18" charset="0"/>
+              <a:ea typeface="Times New Roman" panose="02020603050405020304" pitchFamily="18" charset="0"/>
+            </a:endParaRPr>
+          </a:p>
+          <a:p>
+            <a:pPr marL="342900" lvl="0" indent="-342900" algn="just">
+              <a:buFont typeface="Symbol" panose="05050102010706020507" pitchFamily="18" charset="2"/>
+              <a:buChar char=""/>
+            </a:pPr>
+            <a:r>
+              <a:rPr lang="en-US" sz="1800" b="1" dirty="0">
+                <a:effectLst/>
+                <a:latin typeface="Calibri" panose="020F0502020204030204" pitchFamily="34" charset="0"/>
+                <a:ea typeface="Times New Roman" panose="02020603050405020304" pitchFamily="18" charset="0"/>
+              </a:rPr>
+              <a:t>1</a:t>
+            </a:r>
+            <a:r>
+              <a:rPr lang="en-US" sz="1800" b="1" baseline="30000" dirty="0">
+                <a:effectLst/>
+                <a:latin typeface="Calibri" panose="020F0502020204030204" pitchFamily="34" charset="0"/>
+                <a:ea typeface="Times New Roman" panose="02020603050405020304" pitchFamily="18" charset="0"/>
+              </a:rPr>
+              <a:t>st</a:t>
+            </a:r>
+            <a:r>
+              <a:rPr lang="en-US" sz="1800" b="1" dirty="0">
+                <a:effectLst/>
+                <a:latin typeface="Calibri" panose="020F0502020204030204" pitchFamily="34" charset="0"/>
+                <a:ea typeface="Times New Roman" panose="02020603050405020304" pitchFamily="18" charset="0"/>
+              </a:rPr>
+              <a:t> step:</a:t>
+            </a:r>
+            <a:r>
+              <a:rPr lang="en-US" sz="1800" dirty="0">
+                <a:effectLst/>
+                <a:latin typeface="Calibri" panose="020F0502020204030204" pitchFamily="34" charset="0"/>
+                <a:ea typeface="Times New Roman" panose="02020603050405020304" pitchFamily="18" charset="0"/>
+              </a:rPr>
+              <a:t> I will do a </a:t>
+            </a:r>
+            <a:r>
+              <a:rPr lang="en-US" sz="1800" b="1" dirty="0">
+                <a:effectLst/>
+                <a:latin typeface="Calibri" panose="020F0502020204030204" pitchFamily="34" charset="0"/>
+                <a:ea typeface="Times New Roman" panose="02020603050405020304" pitchFamily="18" charset="0"/>
+              </a:rPr>
+              <a:t>case study</a:t>
+            </a:r>
+            <a:r>
+              <a:rPr lang="en-US" sz="1800" dirty="0">
+                <a:effectLst/>
+                <a:latin typeface="Calibri" panose="020F0502020204030204" pitchFamily="34" charset="0"/>
+                <a:ea typeface="Times New Roman" panose="02020603050405020304" pitchFamily="18" charset="0"/>
+              </a:rPr>
+              <a:t> to comprehensively determine the variables. In this study, I will reveal all the variables that may affect the outcome of the battle over the two battles from the designated time periods.</a:t>
+            </a:r>
+            <a:endParaRPr lang="tr-TR" sz="1800" dirty="0">
+              <a:effectLst/>
+              <a:latin typeface="Times New Roman" panose="02020603050405020304" pitchFamily="18" charset="0"/>
+              <a:ea typeface="Times New Roman" panose="02020603050405020304" pitchFamily="18" charset="0"/>
+            </a:endParaRPr>
+          </a:p>
+          <a:p>
+            <a:pPr marL="342900" lvl="0" indent="-342900" algn="just">
+              <a:buFont typeface="Symbol" panose="05050102010706020507" pitchFamily="18" charset="2"/>
+              <a:buChar char=""/>
+            </a:pPr>
+            <a:r>
+              <a:rPr lang="en-US" sz="1800" b="1" dirty="0">
+                <a:effectLst/>
+                <a:latin typeface="Calibri" panose="020F0502020204030204" pitchFamily="34" charset="0"/>
+                <a:ea typeface="Times New Roman" panose="02020603050405020304" pitchFamily="18" charset="0"/>
+              </a:rPr>
+              <a:t>2nd step:</a:t>
+            </a:r>
+            <a:r>
+              <a:rPr lang="en-US" sz="1800" dirty="0">
+                <a:effectLst/>
+                <a:latin typeface="Calibri" panose="020F0502020204030204" pitchFamily="34" charset="0"/>
+                <a:ea typeface="Times New Roman" panose="02020603050405020304" pitchFamily="18" charset="0"/>
+              </a:rPr>
+              <a:t> I will </a:t>
+            </a:r>
+            <a:r>
+              <a:rPr lang="en-US" sz="1800" b="1" dirty="0">
+                <a:effectLst/>
+                <a:latin typeface="Calibri" panose="020F0502020204030204" pitchFamily="34" charset="0"/>
+                <a:ea typeface="Times New Roman" panose="02020603050405020304" pitchFamily="18" charset="0"/>
+              </a:rPr>
+              <a:t>create a database of battles</a:t>
+            </a:r>
+            <a:r>
+              <a:rPr lang="en-US" sz="1800" dirty="0">
+                <a:effectLst/>
+                <a:latin typeface="Calibri" panose="020F0502020204030204" pitchFamily="34" charset="0"/>
+                <a:ea typeface="Times New Roman" panose="02020603050405020304" pitchFamily="18" charset="0"/>
+              </a:rPr>
+              <a:t> with the use of current ones but with concatenating all the available databases with the help of Python Pandas Data Analysis techniques. Because all databases currently available has its own flaws. But if they are to be concatenated all together, it will be more efficient to make deductions. </a:t>
+            </a:r>
+            <a:endParaRPr lang="tr-TR" sz="1800" dirty="0">
+              <a:effectLst/>
+              <a:latin typeface="Times New Roman" panose="02020603050405020304" pitchFamily="18" charset="0"/>
+              <a:ea typeface="Times New Roman" panose="02020603050405020304" pitchFamily="18" charset="0"/>
+            </a:endParaRPr>
+          </a:p>
+          <a:p>
+            <a:pPr marL="342900" lvl="0" indent="-342900" algn="just">
+              <a:buFont typeface="Symbol" panose="05050102010706020507" pitchFamily="18" charset="2"/>
+              <a:buChar char=""/>
+            </a:pPr>
+            <a:r>
+              <a:rPr lang="en-US" sz="1800" b="1" dirty="0">
+                <a:effectLst/>
+                <a:latin typeface="Calibri" panose="020F0502020204030204" pitchFamily="34" charset="0"/>
+                <a:ea typeface="Times New Roman" panose="02020603050405020304" pitchFamily="18" charset="0"/>
+              </a:rPr>
+              <a:t>3</a:t>
+            </a:r>
+            <a:r>
+              <a:rPr lang="en-US" sz="1800" b="1" baseline="30000" dirty="0">
+                <a:effectLst/>
+                <a:latin typeface="Calibri" panose="020F0502020204030204" pitchFamily="34" charset="0"/>
+                <a:ea typeface="Times New Roman" panose="02020603050405020304" pitchFamily="18" charset="0"/>
+              </a:rPr>
+              <a:t>rd</a:t>
+            </a:r>
+            <a:r>
+              <a:rPr lang="en-US" sz="1800" b="1" dirty="0">
+                <a:effectLst/>
+                <a:latin typeface="Calibri" panose="020F0502020204030204" pitchFamily="34" charset="0"/>
+                <a:ea typeface="Times New Roman" panose="02020603050405020304" pitchFamily="18" charset="0"/>
+              </a:rPr>
+              <a:t> step:</a:t>
+            </a:r>
+            <a:r>
+              <a:rPr lang="en-US" sz="1800" dirty="0">
+                <a:effectLst/>
+                <a:latin typeface="Calibri" panose="020F0502020204030204" pitchFamily="34" charset="0"/>
+                <a:ea typeface="Times New Roman" panose="02020603050405020304" pitchFamily="18" charset="0"/>
+              </a:rPr>
+              <a:t> I will </a:t>
+            </a:r>
+            <a:r>
+              <a:rPr lang="en-US" sz="1800" b="1" dirty="0">
+                <a:effectLst/>
+                <a:latin typeface="Calibri" panose="020F0502020204030204" pitchFamily="34" charset="0"/>
+                <a:ea typeface="Times New Roman" panose="02020603050405020304" pitchFamily="18" charset="0"/>
+              </a:rPr>
+              <a:t>apply my variables to the database</a:t>
+            </a:r>
+            <a:r>
+              <a:rPr lang="en-US" sz="1800" dirty="0">
+                <a:effectLst/>
+                <a:latin typeface="Calibri" panose="020F0502020204030204" pitchFamily="34" charset="0"/>
+                <a:ea typeface="Times New Roman" panose="02020603050405020304" pitchFamily="18" charset="0"/>
+              </a:rPr>
+              <a:t> to </a:t>
+            </a:r>
+            <a:r>
+              <a:rPr lang="en-US" sz="1800" b="1" dirty="0">
+                <a:effectLst/>
+                <a:latin typeface="Calibri" panose="020F0502020204030204" pitchFamily="34" charset="0"/>
+                <a:ea typeface="Times New Roman" panose="02020603050405020304" pitchFamily="18" charset="0"/>
+              </a:rPr>
+              <a:t>produce a mathematical model</a:t>
+            </a:r>
+            <a:r>
+              <a:rPr lang="en-US" sz="1800" dirty="0">
+                <a:effectLst/>
+                <a:latin typeface="Calibri" panose="020F0502020204030204" pitchFamily="34" charset="0"/>
+                <a:ea typeface="Times New Roman" panose="02020603050405020304" pitchFamily="18" charset="0"/>
+              </a:rPr>
+              <a:t> with multiple regression analysis.  All other statistical analysis will be conducted here to test the hypothesis.  </a:t>
+            </a:r>
+            <a:endParaRPr lang="tr-TR" sz="1800" dirty="0">
+              <a:effectLst/>
+              <a:latin typeface="Times New Roman" panose="02020603050405020304" pitchFamily="18" charset="0"/>
+              <a:ea typeface="Times New Roman" panose="02020603050405020304" pitchFamily="18" charset="0"/>
+            </a:endParaRPr>
+          </a:p>
+          <a:p>
+            <a:pPr algn="just">
+              <a:spcBef>
+                <a:spcPts val="600"/>
+              </a:spcBef>
+              <a:spcAft>
+                <a:spcPts val="600"/>
+              </a:spcAft>
+            </a:pPr>
+            <a:r>
+              <a:rPr lang="en-US" sz="1800" b="1" dirty="0">
+                <a:solidFill>
+                  <a:srgbClr val="000000"/>
+                </a:solidFill>
+                <a:effectLst/>
+                <a:latin typeface="Calibri" panose="020F0502020204030204" pitchFamily="34" charset="0"/>
+                <a:ea typeface="Times New Roman" panose="02020603050405020304" pitchFamily="18" charset="0"/>
+              </a:rPr>
+              <a:t>5. Unit of analysis:</a:t>
+            </a:r>
+            <a:r>
+              <a:rPr lang="en-US" sz="1800" dirty="0">
+                <a:solidFill>
+                  <a:srgbClr val="000000"/>
+                </a:solidFill>
+                <a:effectLst/>
+                <a:latin typeface="Calibri" panose="020F0502020204030204" pitchFamily="34" charset="0"/>
+                <a:ea typeface="Times New Roman" panose="02020603050405020304" pitchFamily="18" charset="0"/>
+              </a:rPr>
+              <a:t> My unit of analysis will be </a:t>
+            </a:r>
+            <a:r>
+              <a:rPr lang="en-US" sz="1800" b="1" dirty="0">
+                <a:solidFill>
+                  <a:srgbClr val="000000"/>
+                </a:solidFill>
+                <a:effectLst/>
+                <a:latin typeface="Calibri" panose="020F0502020204030204" pitchFamily="34" charset="0"/>
+                <a:ea typeface="Times New Roman" panose="02020603050405020304" pitchFamily="18" charset="0"/>
+              </a:rPr>
+              <a:t>battles</a:t>
+            </a:r>
+            <a:r>
+              <a:rPr lang="en-US" sz="1800" dirty="0">
+                <a:solidFill>
+                  <a:srgbClr val="000000"/>
+                </a:solidFill>
+                <a:effectLst/>
+                <a:latin typeface="Calibri" panose="020F0502020204030204" pitchFamily="34" charset="0"/>
+                <a:ea typeface="Times New Roman" panose="02020603050405020304" pitchFamily="18" charset="0"/>
+              </a:rPr>
+              <a:t>. Because battles are better suited for analysis with compare of operations and campaigns which has bigger dimensions.  </a:t>
+            </a:r>
+            <a:endParaRPr lang="tr-TR" sz="1800" dirty="0">
+              <a:effectLst/>
+              <a:latin typeface="Times New Roman" panose="02020603050405020304" pitchFamily="18" charset="0"/>
+              <a:ea typeface="Times New Roman" panose="02020603050405020304" pitchFamily="18" charset="0"/>
+            </a:endParaRPr>
+          </a:p>
+          <a:p>
+            <a:pPr algn="just">
+              <a:spcBef>
+                <a:spcPts val="600"/>
+              </a:spcBef>
+              <a:spcAft>
+                <a:spcPts val="600"/>
+              </a:spcAft>
+            </a:pPr>
+            <a:r>
+              <a:rPr lang="en-US" sz="1800" b="1" dirty="0">
+                <a:solidFill>
+                  <a:srgbClr val="000000"/>
+                </a:solidFill>
+                <a:effectLst/>
+                <a:latin typeface="Calibri" panose="020F0502020204030204" pitchFamily="34" charset="0"/>
+                <a:ea typeface="Times New Roman" panose="02020603050405020304" pitchFamily="18" charset="0"/>
+              </a:rPr>
+              <a:t>6. Initial Variables:</a:t>
+            </a:r>
+            <a:r>
+              <a:rPr lang="en-US" sz="1800" dirty="0">
+                <a:solidFill>
+                  <a:srgbClr val="000000"/>
+                </a:solidFill>
+                <a:effectLst/>
+                <a:latin typeface="Calibri" panose="020F0502020204030204" pitchFamily="34" charset="0"/>
+                <a:ea typeface="Times New Roman" panose="02020603050405020304" pitchFamily="18" charset="0"/>
+              </a:rPr>
+              <a:t> It is my initial conceptualization that personnel morale and leadership have different and exponential effect than other factors that’s why I thought that they need to be analyzed as intervening variables.  </a:t>
+            </a:r>
+            <a:endParaRPr lang="tr-TR" sz="1800" dirty="0">
+              <a:effectLst/>
+              <a:latin typeface="Times New Roman" panose="02020603050405020304" pitchFamily="18" charset="0"/>
+              <a:ea typeface="Times New Roman" panose="02020603050405020304" pitchFamily="18" charset="0"/>
+            </a:endParaRPr>
+          </a:p>
+          <a:p>
+            <a:pPr marL="342900" lvl="0" indent="-342900" algn="just">
+              <a:spcBef>
+                <a:spcPts val="600"/>
+              </a:spcBef>
+              <a:spcAft>
+                <a:spcPts val="600"/>
+              </a:spcAft>
+              <a:buFont typeface="Symbol" panose="05050102010706020507" pitchFamily="18" charset="2"/>
+              <a:buChar char=""/>
+            </a:pPr>
+            <a:r>
+              <a:rPr lang="en-US" sz="1800" dirty="0">
+                <a:solidFill>
+                  <a:srgbClr val="000000"/>
+                </a:solidFill>
+                <a:effectLst/>
+                <a:latin typeface="Calibri" panose="020F0502020204030204" pitchFamily="34" charset="0"/>
+                <a:ea typeface="Times New Roman" panose="02020603050405020304" pitchFamily="18" charset="0"/>
+              </a:rPr>
+              <a:t>Dependent variable: outcome of the battle. </a:t>
+            </a:r>
+            <a:endParaRPr lang="tr-TR" sz="1800" dirty="0">
+              <a:effectLst/>
+              <a:latin typeface="Times New Roman" panose="02020603050405020304" pitchFamily="18" charset="0"/>
+              <a:ea typeface="Times New Roman" panose="02020603050405020304" pitchFamily="18" charset="0"/>
+            </a:endParaRPr>
+          </a:p>
+          <a:p>
+            <a:pPr marL="342900" lvl="0" indent="-342900" algn="just">
+              <a:spcBef>
+                <a:spcPts val="600"/>
+              </a:spcBef>
+              <a:spcAft>
+                <a:spcPts val="600"/>
+              </a:spcAft>
+              <a:buFont typeface="Symbol" panose="05050102010706020507" pitchFamily="18" charset="2"/>
+              <a:buChar char=""/>
+            </a:pPr>
+            <a:r>
+              <a:rPr lang="en-US" sz="1800" dirty="0">
+                <a:solidFill>
+                  <a:srgbClr val="000000"/>
+                </a:solidFill>
+                <a:effectLst/>
+                <a:latin typeface="Calibri" panose="020F0502020204030204" pitchFamily="34" charset="0"/>
+                <a:ea typeface="Times New Roman" panose="02020603050405020304" pitchFamily="18" charset="0"/>
+              </a:rPr>
+              <a:t>Independent variables: Combat power factors except morale and leadership.</a:t>
+            </a:r>
+            <a:endParaRPr lang="tr-TR" sz="1800" dirty="0">
+              <a:effectLst/>
+              <a:latin typeface="Times New Roman" panose="02020603050405020304" pitchFamily="18" charset="0"/>
+              <a:ea typeface="Times New Roman" panose="02020603050405020304" pitchFamily="18" charset="0"/>
+            </a:endParaRPr>
+          </a:p>
+          <a:p>
+            <a:pPr marL="342900" lvl="0" indent="-342900" algn="just">
+              <a:spcBef>
+                <a:spcPts val="600"/>
+              </a:spcBef>
+              <a:spcAft>
+                <a:spcPts val="600"/>
+              </a:spcAft>
+              <a:buFont typeface="Symbol" panose="05050102010706020507" pitchFamily="18" charset="2"/>
+              <a:buChar char=""/>
+            </a:pPr>
+            <a:r>
+              <a:rPr lang="en-US" sz="1800" dirty="0">
+                <a:solidFill>
+                  <a:srgbClr val="000000"/>
+                </a:solidFill>
+                <a:effectLst/>
+                <a:latin typeface="Calibri" panose="020F0502020204030204" pitchFamily="34" charset="0"/>
+                <a:ea typeface="Times New Roman" panose="02020603050405020304" pitchFamily="18" charset="0"/>
+              </a:rPr>
+              <a:t>Intervening variables: Morale and Leadership</a:t>
+            </a:r>
+            <a:endParaRPr lang="tr-TR" sz="1800" dirty="0">
+              <a:effectLst/>
+              <a:latin typeface="Times New Roman" panose="02020603050405020304" pitchFamily="18" charset="0"/>
+              <a:ea typeface="Times New Roman" panose="02020603050405020304" pitchFamily="18" charset="0"/>
+            </a:endParaRPr>
+          </a:p>
+          <a:p>
+            <a:pPr algn="just"/>
+            <a:r>
+              <a:rPr lang="en-US" sz="1800" b="1" dirty="0">
+                <a:effectLst/>
+                <a:latin typeface="Calibri" panose="020F0502020204030204" pitchFamily="34" charset="0"/>
+                <a:ea typeface="Times New Roman" panose="02020603050405020304" pitchFamily="18" charset="0"/>
+              </a:rPr>
+              <a:t>7. Models to be used: </a:t>
+            </a:r>
+            <a:endParaRPr lang="tr-TR" sz="1800" dirty="0">
+              <a:effectLst/>
+              <a:latin typeface="Times New Roman" panose="02020603050405020304" pitchFamily="18" charset="0"/>
+              <a:ea typeface="Times New Roman" panose="02020603050405020304" pitchFamily="18" charset="0"/>
+            </a:endParaRPr>
+          </a:p>
+          <a:p>
+            <a:pPr marL="342900" lvl="0" indent="-342900" algn="just">
+              <a:buFont typeface="Symbol" panose="05050102010706020507" pitchFamily="18" charset="2"/>
+              <a:buChar char=""/>
+            </a:pPr>
+            <a:r>
+              <a:rPr lang="en-US" sz="1800" b="1" dirty="0">
+                <a:solidFill>
+                  <a:srgbClr val="000000"/>
+                </a:solidFill>
+                <a:effectLst/>
+                <a:latin typeface="Calibri" panose="020F0502020204030204" pitchFamily="34" charset="0"/>
+                <a:ea typeface="Times New Roman" panose="02020603050405020304" pitchFamily="18" charset="0"/>
+              </a:rPr>
+              <a:t>Multiple regression:</a:t>
+            </a:r>
+            <a:r>
+              <a:rPr lang="en-US" sz="1800" dirty="0">
+                <a:solidFill>
+                  <a:srgbClr val="000000"/>
+                </a:solidFill>
+                <a:effectLst/>
+                <a:latin typeface="Calibri" panose="020F0502020204030204" pitchFamily="34" charset="0"/>
+                <a:ea typeface="Times New Roman" panose="02020603050405020304" pitchFamily="18" charset="0"/>
+              </a:rPr>
+              <a:t> This model will yield the percentages of independent and intervening variables effects on variation in the outcome of the battle.</a:t>
+            </a:r>
+            <a:endParaRPr lang="tr-TR" sz="1800" dirty="0">
+              <a:effectLst/>
+              <a:latin typeface="Times New Roman" panose="02020603050405020304" pitchFamily="18" charset="0"/>
+              <a:ea typeface="Times New Roman" panose="02020603050405020304" pitchFamily="18" charset="0"/>
+            </a:endParaRPr>
+          </a:p>
+          <a:p>
+            <a:pPr marL="342900" lvl="0" indent="-342900" algn="just">
+              <a:buFont typeface="Symbol" panose="05050102010706020507" pitchFamily="18" charset="2"/>
+              <a:buChar char=""/>
+            </a:pPr>
+            <a:r>
+              <a:rPr lang="en-US" sz="1800" b="1" dirty="0">
+                <a:solidFill>
+                  <a:srgbClr val="000000"/>
+                </a:solidFill>
+                <a:effectLst/>
+                <a:latin typeface="Calibri" panose="020F0502020204030204" pitchFamily="34" charset="0"/>
+                <a:ea typeface="Times New Roman" panose="02020603050405020304" pitchFamily="18" charset="0"/>
+              </a:rPr>
+              <a:t>Predictions:</a:t>
+            </a:r>
+            <a:r>
+              <a:rPr lang="en-US" sz="1800" dirty="0">
+                <a:solidFill>
+                  <a:srgbClr val="000000"/>
+                </a:solidFill>
+                <a:effectLst/>
+                <a:latin typeface="Calibri" panose="020F0502020204030204" pitchFamily="34" charset="0"/>
+                <a:ea typeface="Times New Roman" panose="02020603050405020304" pitchFamily="18" charset="0"/>
+              </a:rPr>
+              <a:t> Applying machine learning algorithms (Logistic regression, decision trees, K Means Clustering and others) to data set to make predictions for future battle scenarios.</a:t>
+            </a:r>
+            <a:endParaRPr lang="tr-TR" sz="1800" dirty="0">
+              <a:effectLst/>
+              <a:latin typeface="Times New Roman" panose="02020603050405020304" pitchFamily="18" charset="0"/>
+              <a:ea typeface="Times New Roman" panose="02020603050405020304" pitchFamily="18" charset="0"/>
+            </a:endParaRPr>
+          </a:p>
+          <a:p>
+            <a:endParaRPr lang="tr-TR" dirty="0"/>
+          </a:p>
+        </p:txBody>
+      </p:sp>
+      <p:sp>
+        <p:nvSpPr>
+          <p:cNvPr id="4" name="Slide Number Placeholder 3"/>
+          <p:cNvSpPr>
+            <a:spLocks noGrp="1"/>
+          </p:cNvSpPr>
+          <p:nvPr>
+            <p:ph type="sldNum" sz="quarter" idx="5"/>
+          </p:nvPr>
+        </p:nvSpPr>
+        <p:spPr/>
+        <p:txBody>
+          <a:bodyPr/>
+          <a:lstStyle/>
+          <a:p>
+            <a:fld id="{344A4FEE-B134-42F3-BC71-245FBE6217C8}" type="slidenum">
+              <a:rPr lang="tr-TR" smtClean="0"/>
+              <a:t>7</a:t>
+            </a:fld>
+            <a:endParaRPr lang="tr-TR"/>
+          </a:p>
+        </p:txBody>
+      </p:sp>
+    </p:spTree>
+    <p:extLst>
+      <p:ext uri="{BB962C8B-B14F-4D97-AF65-F5344CB8AC3E}">
+        <p14:creationId xmlns:p14="http://schemas.microsoft.com/office/powerpoint/2010/main" val="513409994"/>
+      </p:ext>
+    </p:extLst>
+  </p:cSld>
+  <p:clrMapOvr>
+    <a:masterClrMapping/>
+  </p:clrMapOvr>
+</p:notes>
+</file>
+
+<file path=ppt/notesSlides/notesSlide8.xml><?xml version="1.0" encoding="utf-8"?>
+<p:notes xmlns:a="http://schemas.openxmlformats.org/drawingml/2006/main" xmlns:r="http://schemas.openxmlformats.org/officeDocument/2006/relationships" xmlns:p="http://schemas.openxmlformats.org/presentationml/2006/main">
+  <p:cSld>
+    <p:spTree>
+      <p:nvGrpSpPr>
+        <p:cNvPr id="1" name=""/>
+        <p:cNvGrpSpPr/>
+        <p:nvPr/>
+      </p:nvGrpSpPr>
+      <p:grpSpPr>
+        <a:xfrm>
+          <a:off x="0" y="0"/>
+          <a:ext cx="0" cy="0"/>
+          <a:chOff x="0" y="0"/>
+          <a:chExt cx="0" cy="0"/>
+        </a:xfrm>
+      </p:grpSpPr>
+      <p:sp>
+        <p:nvSpPr>
+          <p:cNvPr id="2" name="Slide Image Placeholder 1"/>
+          <p:cNvSpPr>
+            <a:spLocks noGrp="1" noRot="1" noChangeAspect="1"/>
+          </p:cNvSpPr>
+          <p:nvPr>
+            <p:ph type="sldImg"/>
+          </p:nvPr>
+        </p:nvSpPr>
+        <p:spPr/>
+      </p:sp>
+      <p:sp>
+        <p:nvSpPr>
+          <p:cNvPr id="3" name="Notes Placeholder 2"/>
+          <p:cNvSpPr>
+            <a:spLocks noGrp="1"/>
+          </p:cNvSpPr>
+          <p:nvPr>
+            <p:ph type="body" idx="1"/>
+          </p:nvPr>
+        </p:nvSpPr>
+        <p:spPr/>
+        <p:txBody>
+          <a:bodyPr/>
+          <a:lstStyle/>
+          <a:p>
+            <a:pPr marL="342900" lvl="0" indent="-342900" hangingPunct="0">
+              <a:spcAft>
+                <a:spcPts val="600"/>
+              </a:spcAft>
+              <a:buFont typeface="Symbol" panose="05050102010706020507" pitchFamily="18" charset="2"/>
+              <a:buChar char=""/>
+              <a:tabLst>
+                <a:tab pos="457200" algn="l"/>
+              </a:tabLst>
+            </a:pPr>
+            <a:r>
+              <a:rPr lang="tr-TR" sz="1300" dirty="0">
+                <a:latin typeface="Arial" panose="020B0604020202020204" pitchFamily="34" charset="0"/>
+                <a:ea typeface="PMingLiU" panose="020B0604030504040204" pitchFamily="18" charset="-120"/>
+                <a:cs typeface="Times New Roman" panose="02020603050405020304" pitchFamily="18" charset="0"/>
+              </a:rPr>
+              <a:t>Demonstration </a:t>
+            </a:r>
+            <a:r>
+              <a:rPr lang="tr-TR" sz="1300" dirty="0">
+                <a:effectLst/>
+                <a:latin typeface="Arial" panose="020B0604020202020204" pitchFamily="34" charset="0"/>
+                <a:ea typeface="PMingLiU" panose="020B0604030504040204" pitchFamily="18" charset="-120"/>
+                <a:cs typeface="Times New Roman" panose="02020603050405020304" pitchFamily="18" charset="0"/>
+              </a:rPr>
+              <a:t>of </a:t>
+            </a:r>
+            <a:r>
+              <a:rPr lang="en-US" sz="1300" dirty="0">
+                <a:effectLst/>
+                <a:latin typeface="Arial" panose="020B0604020202020204" pitchFamily="34" charset="0"/>
+                <a:ea typeface="PMingLiU" panose="020B0604030504040204" pitchFamily="18" charset="-120"/>
+                <a:cs typeface="Times New Roman" panose="02020603050405020304" pitchFamily="18" charset="0"/>
+              </a:rPr>
+              <a:t>zero-order correlation between</a:t>
+            </a:r>
+            <a:r>
+              <a:rPr lang="tr-TR" sz="1300" dirty="0">
+                <a:effectLst/>
+                <a:latin typeface="Arial" panose="020B0604020202020204" pitchFamily="34" charset="0"/>
+                <a:ea typeface="PMingLiU" panose="020B0604030504040204" pitchFamily="18" charset="-120"/>
+                <a:cs typeface="Times New Roman" panose="02020603050405020304" pitchFamily="18" charset="0"/>
+              </a:rPr>
+              <a:t>;</a:t>
+            </a:r>
+          </a:p>
+          <a:p>
+            <a:pPr marL="800100" lvl="1" indent="-342900" hangingPunct="0">
+              <a:spcAft>
+                <a:spcPts val="600"/>
+              </a:spcAft>
+              <a:buFont typeface="Symbol" panose="05050102010706020507" pitchFamily="18" charset="2"/>
+              <a:buChar char=""/>
+              <a:tabLst>
+                <a:tab pos="457200" algn="l"/>
+              </a:tabLst>
+            </a:pPr>
+            <a:r>
+              <a:rPr lang="tr-TR" sz="1300" dirty="0">
+                <a:effectLst/>
+                <a:latin typeface="Arial" panose="020B0604020202020204" pitchFamily="34" charset="0"/>
+                <a:ea typeface="PMingLiU" panose="020B0604030504040204" pitchFamily="18" charset="-120"/>
+                <a:cs typeface="Times New Roman" panose="02020603050405020304" pitchFamily="18" charset="0"/>
+              </a:rPr>
+              <a:t>Independent Variables and Dependent Varible </a:t>
+            </a:r>
+            <a:r>
+              <a:rPr lang="en-US" sz="1300" dirty="0">
+                <a:effectLst/>
+                <a:latin typeface="Arial" panose="020B0604020202020204" pitchFamily="34" charset="0"/>
+                <a:ea typeface="PMingLiU" panose="020B0604030504040204" pitchFamily="18" charset="-120"/>
+                <a:cs typeface="Times New Roman" panose="02020603050405020304" pitchFamily="18" charset="0"/>
+              </a:rPr>
+              <a:t>(ignoring </a:t>
+            </a:r>
+            <a:r>
+              <a:rPr lang="tr-TR" sz="1300" dirty="0">
+                <a:effectLst/>
+                <a:latin typeface="Arial" panose="020B0604020202020204" pitchFamily="34" charset="0"/>
+                <a:ea typeface="PMingLiU" panose="020B0604030504040204" pitchFamily="18" charset="-120"/>
+                <a:cs typeface="Times New Roman" panose="02020603050405020304" pitchFamily="18" charset="0"/>
+              </a:rPr>
+              <a:t>Intervening Variables</a:t>
+            </a:r>
+            <a:r>
+              <a:rPr lang="en-US" sz="1300" dirty="0">
+                <a:effectLst/>
+                <a:latin typeface="Arial" panose="020B0604020202020204" pitchFamily="34" charset="0"/>
+                <a:ea typeface="PMingLiU" panose="020B0604030504040204" pitchFamily="18" charset="-120"/>
+                <a:cs typeface="Times New Roman" panose="02020603050405020304" pitchFamily="18" charset="0"/>
+              </a:rPr>
+              <a:t>) is significant.</a:t>
+            </a:r>
+            <a:endParaRPr lang="tr-TR" sz="1300" dirty="0">
+              <a:latin typeface="Arial" panose="020B0604020202020204" pitchFamily="34" charset="0"/>
+              <a:ea typeface="PMingLiU" panose="020B0604030504040204" pitchFamily="18" charset="-120"/>
+              <a:cs typeface="Times New Roman" panose="02020603050405020304" pitchFamily="18" charset="0"/>
+            </a:endParaRPr>
+          </a:p>
+          <a:p>
+            <a:pPr marL="800100" lvl="1" indent="-342900" hangingPunct="0">
+              <a:spcAft>
+                <a:spcPts val="600"/>
+              </a:spcAft>
+              <a:buFont typeface="Symbol" panose="05050102010706020507" pitchFamily="18" charset="2"/>
+              <a:buChar char=""/>
+              <a:tabLst>
+                <a:tab pos="457200" algn="l"/>
+              </a:tabLst>
+            </a:pPr>
+            <a:r>
+              <a:rPr lang="tr-TR" sz="1300" dirty="0">
+                <a:effectLst/>
+                <a:latin typeface="Arial" panose="020B0604020202020204" pitchFamily="34" charset="0"/>
+                <a:ea typeface="PMingLiU" panose="020B0604030504040204" pitchFamily="18" charset="-120"/>
+                <a:cs typeface="Times New Roman" panose="02020603050405020304" pitchFamily="18" charset="0"/>
+              </a:rPr>
+              <a:t>Independent Variables </a:t>
+            </a:r>
+            <a:r>
+              <a:rPr lang="en-US" sz="1300" dirty="0">
+                <a:effectLst/>
+                <a:latin typeface="Arial" panose="020B0604020202020204" pitchFamily="34" charset="0"/>
+                <a:ea typeface="PMingLiU" panose="020B0604030504040204" pitchFamily="18" charset="-120"/>
+                <a:cs typeface="Times New Roman" panose="02020603050405020304" pitchFamily="18" charset="0"/>
+              </a:rPr>
+              <a:t>and </a:t>
+            </a:r>
+            <a:r>
+              <a:rPr lang="tr-TR" sz="1300" dirty="0">
+                <a:effectLst/>
+                <a:latin typeface="Arial" panose="020B0604020202020204" pitchFamily="34" charset="0"/>
+                <a:ea typeface="PMingLiU" panose="020B0604030504040204" pitchFamily="18" charset="-120"/>
+                <a:cs typeface="Times New Roman" panose="02020603050405020304" pitchFamily="18" charset="0"/>
+              </a:rPr>
+              <a:t>Intervening Variables </a:t>
+            </a:r>
+            <a:r>
+              <a:rPr lang="en-US" sz="1300" dirty="0">
+                <a:effectLst/>
+                <a:latin typeface="Arial" panose="020B0604020202020204" pitchFamily="34" charset="0"/>
+                <a:ea typeface="PMingLiU" panose="020B0604030504040204" pitchFamily="18" charset="-120"/>
+                <a:cs typeface="Times New Roman" panose="02020603050405020304" pitchFamily="18" charset="0"/>
+              </a:rPr>
+              <a:t>(ignoring </a:t>
+            </a:r>
+            <a:r>
+              <a:rPr lang="tr-TR" sz="1300" dirty="0">
+                <a:effectLst/>
+                <a:latin typeface="Arial" panose="020B0604020202020204" pitchFamily="34" charset="0"/>
+                <a:ea typeface="PMingLiU" panose="020B0604030504040204" pitchFamily="18" charset="-120"/>
+                <a:cs typeface="Times New Roman" panose="02020603050405020304" pitchFamily="18" charset="0"/>
+              </a:rPr>
+              <a:t>Dependent Variable</a:t>
+            </a:r>
+            <a:r>
+              <a:rPr lang="en-US" sz="1300" dirty="0">
+                <a:effectLst/>
+                <a:latin typeface="Arial" panose="020B0604020202020204" pitchFamily="34" charset="0"/>
+                <a:ea typeface="PMingLiU" panose="020B0604030504040204" pitchFamily="18" charset="-120"/>
+                <a:cs typeface="Times New Roman" panose="02020603050405020304" pitchFamily="18" charset="0"/>
+              </a:rPr>
+              <a:t>) is significant.</a:t>
+            </a:r>
+            <a:endParaRPr lang="tr-TR" sz="1300" dirty="0">
+              <a:effectLst/>
+              <a:latin typeface="Arial" panose="020B0604020202020204" pitchFamily="34" charset="0"/>
+              <a:ea typeface="PMingLiU" panose="020B0604030504040204" pitchFamily="18" charset="-120"/>
+              <a:cs typeface="Times New Roman" panose="02020603050405020304" pitchFamily="18" charset="0"/>
+            </a:endParaRPr>
+          </a:p>
+          <a:p>
+            <a:pPr marL="342900" lvl="0" indent="-342900" hangingPunct="0">
+              <a:spcAft>
+                <a:spcPts val="600"/>
+              </a:spcAft>
+              <a:buFont typeface="Symbol" panose="05050102010706020507" pitchFamily="18" charset="2"/>
+              <a:buChar char=""/>
+              <a:tabLst>
+                <a:tab pos="457200" algn="l"/>
+              </a:tabLst>
+            </a:pPr>
+            <a:r>
+              <a:rPr lang="tr-TR" sz="1300" dirty="0">
+                <a:effectLst/>
+                <a:latin typeface="Arial" panose="020B0604020202020204" pitchFamily="34" charset="0"/>
+                <a:ea typeface="PMingLiU" panose="020B0604030504040204" pitchFamily="18" charset="-120"/>
+                <a:cs typeface="Times New Roman" panose="02020603050405020304" pitchFamily="18" charset="0"/>
+              </a:rPr>
+              <a:t>Conducting </a:t>
+            </a:r>
+            <a:r>
+              <a:rPr lang="en-US" sz="1300" dirty="0">
+                <a:effectLst/>
+                <a:latin typeface="Arial" panose="020B0604020202020204" pitchFamily="34" charset="0"/>
+                <a:ea typeface="PMingLiU" panose="020B0604030504040204" pitchFamily="18" charset="-120"/>
+                <a:cs typeface="Times New Roman" panose="02020603050405020304" pitchFamily="18" charset="0"/>
+              </a:rPr>
+              <a:t>a multiple regression analysis, predicting </a:t>
+            </a:r>
+            <a:r>
+              <a:rPr lang="tr-TR" sz="1300" dirty="0">
+                <a:effectLst/>
+                <a:latin typeface="Arial" panose="020B0604020202020204" pitchFamily="34" charset="0"/>
+                <a:ea typeface="PMingLiU" panose="020B0604030504040204" pitchFamily="18" charset="-120"/>
+                <a:cs typeface="Times New Roman" panose="02020603050405020304" pitchFamily="18" charset="0"/>
+              </a:rPr>
+              <a:t>Dependent Variable from Independent and Intervening Variables</a:t>
+            </a:r>
+            <a:r>
+              <a:rPr lang="en-US" sz="1300" dirty="0">
+                <a:effectLst/>
+                <a:latin typeface="Arial" panose="020B0604020202020204" pitchFamily="34" charset="0"/>
+                <a:ea typeface="PMingLiU" panose="020B0604030504040204" pitchFamily="18" charset="-120"/>
+                <a:cs typeface="Times New Roman" panose="02020603050405020304" pitchFamily="18" charset="0"/>
+              </a:rPr>
+              <a:t>.  The partial effect of </a:t>
+            </a:r>
+            <a:r>
+              <a:rPr lang="tr-TR" sz="1300" dirty="0">
+                <a:effectLst/>
+                <a:latin typeface="Arial" panose="020B0604020202020204" pitchFamily="34" charset="0"/>
+                <a:ea typeface="PMingLiU" panose="020B0604030504040204" pitchFamily="18" charset="-120"/>
+                <a:cs typeface="Times New Roman" panose="02020603050405020304" pitchFamily="18" charset="0"/>
+              </a:rPr>
+              <a:t>Leadership and Morale </a:t>
+            </a:r>
+            <a:r>
+              <a:rPr lang="en-US" sz="1300" dirty="0">
+                <a:effectLst/>
+                <a:latin typeface="Arial" panose="020B0604020202020204" pitchFamily="34" charset="0"/>
+                <a:ea typeface="PMingLiU" panose="020B0604030504040204" pitchFamily="18" charset="-120"/>
+                <a:cs typeface="Times New Roman" panose="02020603050405020304" pitchFamily="18" charset="0"/>
+              </a:rPr>
+              <a:t>(controlling for </a:t>
+            </a:r>
+            <a:r>
+              <a:rPr lang="tr-TR" sz="1300" dirty="0">
+                <a:latin typeface="Arial" panose="020B0604020202020204" pitchFamily="34" charset="0"/>
+                <a:ea typeface="PMingLiU" panose="020B0604030504040204" pitchFamily="18" charset="-120"/>
+                <a:cs typeface="Times New Roman" panose="02020603050405020304" pitchFamily="18" charset="0"/>
+              </a:rPr>
+              <a:t>Independent Variables</a:t>
+            </a:r>
+            <a:r>
+              <a:rPr lang="en-US" sz="1300" dirty="0">
+                <a:effectLst/>
+                <a:latin typeface="Arial" panose="020B0604020202020204" pitchFamily="34" charset="0"/>
+                <a:ea typeface="PMingLiU" panose="020B0604030504040204" pitchFamily="18" charset="-120"/>
+                <a:cs typeface="Times New Roman" panose="02020603050405020304" pitchFamily="18" charset="0"/>
+              </a:rPr>
+              <a:t>) must be significant.</a:t>
+            </a:r>
+            <a:endParaRPr lang="tr-TR" sz="1300" dirty="0">
+              <a:effectLst/>
+              <a:latin typeface="Arial" panose="020B0604020202020204" pitchFamily="34" charset="0"/>
+              <a:ea typeface="PMingLiU" panose="020B0604030504040204" pitchFamily="18" charset="-120"/>
+              <a:cs typeface="Times New Roman" panose="02020603050405020304" pitchFamily="18" charset="0"/>
+            </a:endParaRPr>
+          </a:p>
+          <a:p>
+            <a:pPr marL="342900" lvl="0" indent="-342900" hangingPunct="0">
+              <a:spcAft>
+                <a:spcPts val="600"/>
+              </a:spcAft>
+              <a:buFont typeface="Symbol" panose="05050102010706020507" pitchFamily="18" charset="2"/>
+              <a:buChar char=""/>
+              <a:tabLst>
+                <a:tab pos="457200" algn="l"/>
+              </a:tabLst>
+            </a:pPr>
+            <a:r>
+              <a:rPr lang="en-US" sz="1300" dirty="0">
+                <a:effectLst/>
+                <a:latin typeface="Arial" panose="020B0604020202020204" pitchFamily="34" charset="0"/>
+                <a:ea typeface="PMingLiU" panose="020B0604030504040204" pitchFamily="18" charset="-120"/>
+                <a:cs typeface="Times New Roman" panose="02020603050405020304" pitchFamily="18" charset="0"/>
+              </a:rPr>
+              <a:t>Finally, look</a:t>
+            </a:r>
+            <a:r>
+              <a:rPr lang="tr-TR" sz="1300" dirty="0">
+                <a:effectLst/>
+                <a:latin typeface="Arial" panose="020B0604020202020204" pitchFamily="34" charset="0"/>
+                <a:ea typeface="PMingLiU" panose="020B0604030504040204" pitchFamily="18" charset="-120"/>
+                <a:cs typeface="Times New Roman" panose="02020603050405020304" pitchFamily="18" charset="0"/>
+              </a:rPr>
+              <a:t>ing</a:t>
+            </a:r>
+            <a:r>
+              <a:rPr lang="en-US" sz="1300" dirty="0">
+                <a:effectLst/>
+                <a:latin typeface="Arial" panose="020B0604020202020204" pitchFamily="34" charset="0"/>
+                <a:ea typeface="PMingLiU" panose="020B0604030504040204" pitchFamily="18" charset="-120"/>
+                <a:cs typeface="Times New Roman" panose="02020603050405020304" pitchFamily="18" charset="0"/>
+              </a:rPr>
+              <a:t> at the direct effect of </a:t>
+            </a:r>
+            <a:r>
+              <a:rPr lang="tr-TR" sz="1300" dirty="0">
+                <a:effectLst/>
+                <a:latin typeface="Arial" panose="020B0604020202020204" pitchFamily="34" charset="0"/>
+                <a:ea typeface="PMingLiU" panose="020B0604030504040204" pitchFamily="18" charset="-120"/>
+                <a:cs typeface="Times New Roman" panose="02020603050405020304" pitchFamily="18" charset="0"/>
+              </a:rPr>
+              <a:t>Independent Variables on Dependent Variable</a:t>
+            </a:r>
+            <a:r>
+              <a:rPr lang="en-US" sz="1300" dirty="0">
+                <a:effectLst/>
+                <a:latin typeface="Arial" panose="020B0604020202020204" pitchFamily="34" charset="0"/>
+                <a:ea typeface="PMingLiU" panose="020B0604030504040204" pitchFamily="18" charset="-120"/>
+                <a:cs typeface="Times New Roman" panose="02020603050405020304" pitchFamily="18" charset="0"/>
+              </a:rPr>
+              <a:t>.  This is the Beta weight for </a:t>
+            </a:r>
+            <a:r>
+              <a:rPr lang="tr-TR" sz="1300" dirty="0">
+                <a:effectLst/>
+                <a:latin typeface="Arial" panose="020B0604020202020204" pitchFamily="34" charset="0"/>
+                <a:ea typeface="PMingLiU" panose="020B0604030504040204" pitchFamily="18" charset="-120"/>
+                <a:cs typeface="Times New Roman" panose="02020603050405020304" pitchFamily="18" charset="0"/>
+              </a:rPr>
+              <a:t>Independent Variables</a:t>
+            </a:r>
+            <a:r>
+              <a:rPr lang="en-US" sz="1300" dirty="0">
+                <a:effectLst/>
+                <a:latin typeface="Arial" panose="020B0604020202020204" pitchFamily="34" charset="0"/>
+                <a:ea typeface="PMingLiU" panose="020B0604030504040204" pitchFamily="18" charset="-120"/>
+                <a:cs typeface="Times New Roman" panose="02020603050405020304" pitchFamily="18" charset="0"/>
+              </a:rPr>
+              <a:t> in the multiple regression.  For complete mediation, this Beta must be (not significantly different from) 0.  For partial mediation, this Beta must be less than the zero-order correlation of </a:t>
+            </a:r>
+            <a:r>
+              <a:rPr lang="tr-TR" sz="1300" dirty="0">
+                <a:effectLst/>
+                <a:latin typeface="Arial" panose="020B0604020202020204" pitchFamily="34" charset="0"/>
+                <a:ea typeface="PMingLiU" panose="020B0604030504040204" pitchFamily="18" charset="-120"/>
+                <a:cs typeface="Times New Roman" panose="02020603050405020304" pitchFamily="18" charset="0"/>
+              </a:rPr>
+              <a:t>Independent</a:t>
+            </a:r>
+            <a:r>
+              <a:rPr lang="en-US" sz="1300" dirty="0">
+                <a:effectLst/>
+                <a:latin typeface="Arial" panose="020B0604020202020204" pitchFamily="34" charset="0"/>
+                <a:ea typeface="PMingLiU" panose="020B0604030504040204" pitchFamily="18" charset="-120"/>
+                <a:cs typeface="Times New Roman" panose="02020603050405020304" pitchFamily="18" charset="0"/>
+              </a:rPr>
+              <a:t> and </a:t>
+            </a:r>
+            <a:r>
+              <a:rPr lang="tr-TR" sz="1300" dirty="0">
+                <a:effectLst/>
+                <a:latin typeface="Arial" panose="020B0604020202020204" pitchFamily="34" charset="0"/>
+                <a:ea typeface="PMingLiU" panose="020B0604030504040204" pitchFamily="18" charset="-120"/>
+                <a:cs typeface="Times New Roman" panose="02020603050405020304" pitchFamily="18" charset="0"/>
+              </a:rPr>
+              <a:t>Dependent Variable</a:t>
+            </a:r>
+            <a:r>
+              <a:rPr lang="en-US" sz="1300" dirty="0">
+                <a:effectLst/>
+                <a:latin typeface="Arial" panose="020B0604020202020204" pitchFamily="34" charset="0"/>
+                <a:ea typeface="PMingLiU" panose="020B0604030504040204" pitchFamily="18" charset="-120"/>
+                <a:cs typeface="Times New Roman" panose="02020603050405020304" pitchFamily="18" charset="0"/>
+              </a:rPr>
+              <a:t>.</a:t>
+            </a:r>
+            <a:endParaRPr lang="tr-TR" sz="1300" dirty="0">
+              <a:effectLst/>
+              <a:latin typeface="Arial" panose="020B0604020202020204" pitchFamily="34" charset="0"/>
+              <a:ea typeface="PMingLiU" panose="020B0604030504040204" pitchFamily="18" charset="-120"/>
+              <a:cs typeface="Times New Roman" panose="02020603050405020304" pitchFamily="18" charset="0"/>
+            </a:endParaRPr>
+          </a:p>
+          <a:p>
+            <a:endParaRPr lang="tr-TR" dirty="0"/>
+          </a:p>
+        </p:txBody>
+      </p:sp>
+      <p:sp>
+        <p:nvSpPr>
+          <p:cNvPr id="4" name="Slide Number Placeholder 3"/>
+          <p:cNvSpPr>
+            <a:spLocks noGrp="1"/>
+          </p:cNvSpPr>
+          <p:nvPr>
+            <p:ph type="sldNum" sz="quarter" idx="5"/>
+          </p:nvPr>
+        </p:nvSpPr>
+        <p:spPr/>
+        <p:txBody>
+          <a:bodyPr/>
+          <a:lstStyle/>
+          <a:p>
+            <a:fld id="{344A4FEE-B134-42F3-BC71-245FBE6217C8}" type="slidenum">
+              <a:rPr lang="tr-TR" smtClean="0"/>
+              <a:t>8</a:t>
             </a:fld>
             <a:endParaRPr lang="tr-TR"/>
           </a:p>
@@ -1268,6 +2917,90 @@
     <p:extLst>
       <p:ext uri="{BB962C8B-B14F-4D97-AF65-F5344CB8AC3E}">
         <p14:creationId xmlns:p14="http://schemas.microsoft.com/office/powerpoint/2010/main" val="2941245052"/>
+      </p:ext>
+    </p:extLst>
+  </p:cSld>
+  <p:clrMapOvr>
+    <a:masterClrMapping/>
+  </p:clrMapOvr>
+</p:notes>
+</file>
+
+<file path=ppt/notesSlides/notesSlide9.xml><?xml version="1.0" encoding="utf-8"?>
+<p:notes xmlns:a="http://schemas.openxmlformats.org/drawingml/2006/main" xmlns:r="http://schemas.openxmlformats.org/officeDocument/2006/relationships" xmlns:p="http://schemas.openxmlformats.org/presentationml/2006/main">
+  <p:cSld>
+    <p:spTree>
+      <p:nvGrpSpPr>
+        <p:cNvPr id="1" name=""/>
+        <p:cNvGrpSpPr/>
+        <p:nvPr/>
+      </p:nvGrpSpPr>
+      <p:grpSpPr>
+        <a:xfrm>
+          <a:off x="0" y="0"/>
+          <a:ext cx="0" cy="0"/>
+          <a:chOff x="0" y="0"/>
+          <a:chExt cx="0" cy="0"/>
+        </a:xfrm>
+      </p:grpSpPr>
+      <p:sp>
+        <p:nvSpPr>
+          <p:cNvPr id="2" name="Slide Image Placeholder 1"/>
+          <p:cNvSpPr>
+            <a:spLocks noGrp="1" noRot="1" noChangeAspect="1"/>
+          </p:cNvSpPr>
+          <p:nvPr>
+            <p:ph type="sldImg"/>
+          </p:nvPr>
+        </p:nvSpPr>
+        <p:spPr/>
+      </p:sp>
+      <p:sp>
+        <p:nvSpPr>
+          <p:cNvPr id="3" name="Notes Placeholder 2"/>
+          <p:cNvSpPr>
+            <a:spLocks noGrp="1"/>
+          </p:cNvSpPr>
+          <p:nvPr>
+            <p:ph type="body" idx="1"/>
+          </p:nvPr>
+        </p:nvSpPr>
+        <p:spPr/>
+        <p:txBody>
+          <a:bodyPr/>
+          <a:lstStyle/>
+          <a:p>
+            <a:endParaRPr lang="tr-TR"/>
+          </a:p>
+        </p:txBody>
+      </p:sp>
+      <p:sp>
+        <p:nvSpPr>
+          <p:cNvPr id="4" name="Slide Number Placeholder 3"/>
+          <p:cNvSpPr>
+            <a:spLocks noGrp="1"/>
+          </p:cNvSpPr>
+          <p:nvPr>
+            <p:ph type="sldNum" sz="quarter" idx="5"/>
+          </p:nvPr>
+        </p:nvSpPr>
+        <p:spPr/>
+        <p:txBody>
+          <a:bodyPr/>
+          <a:lstStyle/>
+          <a:p>
+            <a:fld id="{344A4FEE-B134-42F3-BC71-245FBE6217C8}" type="slidenum">
+              <a:rPr lang="tr-TR" smtClean="0"/>
+              <a:t>9</a:t>
+            </a:fld>
+            <a:endParaRPr lang="tr-TR"/>
+          </a:p>
+        </p:txBody>
+      </p:sp>
+    </p:spTree>
+    <p:extLst>
+      <p:ext uri="{BB962C8B-B14F-4D97-AF65-F5344CB8AC3E}">
+        <p14:creationId xmlns:p14="http://schemas.microsoft.com/office/powerpoint/2010/main" val="2277053212"/>
       </p:ext>
     </p:extLst>
   </p:cSld>
@@ -1426,7 +3159,7 @@
           <a:p>
             <a:fld id="{0B27EE79-B449-44A2-B1EF-6094F2079680}" type="datetimeFigureOut">
               <a:rPr lang="tr-TR" smtClean="0"/>
-              <a:t>24.05.2021</a:t>
+              <a:t>25.05.2021</a:t>
             </a:fld>
             <a:endParaRPr lang="tr-TR"/>
           </a:p>
@@ -1626,7 +3359,7 @@
           <a:p>
             <a:fld id="{0B27EE79-B449-44A2-B1EF-6094F2079680}" type="datetimeFigureOut">
               <a:rPr lang="tr-TR" smtClean="0"/>
-              <a:t>24.05.2021</a:t>
+              <a:t>25.05.2021</a:t>
             </a:fld>
             <a:endParaRPr lang="tr-TR"/>
           </a:p>
@@ -1836,7 +3569,7 @@
           <a:p>
             <a:fld id="{0B27EE79-B449-44A2-B1EF-6094F2079680}" type="datetimeFigureOut">
               <a:rPr lang="tr-TR" smtClean="0"/>
-              <a:t>24.05.2021</a:t>
+              <a:t>25.05.2021</a:t>
             </a:fld>
             <a:endParaRPr lang="tr-TR"/>
           </a:p>
@@ -2036,7 +3769,7 @@
           <a:p>
             <a:fld id="{0B27EE79-B449-44A2-B1EF-6094F2079680}" type="datetimeFigureOut">
               <a:rPr lang="tr-TR" smtClean="0"/>
-              <a:t>24.05.2021</a:t>
+              <a:t>25.05.2021</a:t>
             </a:fld>
             <a:endParaRPr lang="tr-TR"/>
           </a:p>
@@ -2312,7 +4045,7 @@
           <a:p>
             <a:fld id="{0B27EE79-B449-44A2-B1EF-6094F2079680}" type="datetimeFigureOut">
               <a:rPr lang="tr-TR" smtClean="0"/>
-              <a:t>24.05.2021</a:t>
+              <a:t>25.05.2021</a:t>
             </a:fld>
             <a:endParaRPr lang="tr-TR"/>
           </a:p>
@@ -2580,7 +4313,7 @@
           <a:p>
             <a:fld id="{0B27EE79-B449-44A2-B1EF-6094F2079680}" type="datetimeFigureOut">
               <a:rPr lang="tr-TR" smtClean="0"/>
-              <a:t>24.05.2021</a:t>
+              <a:t>25.05.2021</a:t>
             </a:fld>
             <a:endParaRPr lang="tr-TR"/>
           </a:p>
@@ -2995,7 +4728,7 @@
           <a:p>
             <a:fld id="{0B27EE79-B449-44A2-B1EF-6094F2079680}" type="datetimeFigureOut">
               <a:rPr lang="tr-TR" smtClean="0"/>
-              <a:t>24.05.2021</a:t>
+              <a:t>25.05.2021</a:t>
             </a:fld>
             <a:endParaRPr lang="tr-TR"/>
           </a:p>
@@ -3137,7 +4870,7 @@
           <a:p>
             <a:fld id="{0B27EE79-B449-44A2-B1EF-6094F2079680}" type="datetimeFigureOut">
               <a:rPr lang="tr-TR" smtClean="0"/>
-              <a:t>24.05.2021</a:t>
+              <a:t>25.05.2021</a:t>
             </a:fld>
             <a:endParaRPr lang="tr-TR"/>
           </a:p>
@@ -3250,7 +4983,7 @@
           <a:p>
             <a:fld id="{0B27EE79-B449-44A2-B1EF-6094F2079680}" type="datetimeFigureOut">
               <a:rPr lang="tr-TR" smtClean="0"/>
-              <a:t>24.05.2021</a:t>
+              <a:t>25.05.2021</a:t>
             </a:fld>
             <a:endParaRPr lang="tr-TR"/>
           </a:p>
@@ -3563,7 +5296,7 @@
           <a:p>
             <a:fld id="{0B27EE79-B449-44A2-B1EF-6094F2079680}" type="datetimeFigureOut">
               <a:rPr lang="tr-TR" smtClean="0"/>
-              <a:t>24.05.2021</a:t>
+              <a:t>25.05.2021</a:t>
             </a:fld>
             <a:endParaRPr lang="tr-TR"/>
           </a:p>
@@ -3852,7 +5585,7 @@
           <a:p>
             <a:fld id="{0B27EE79-B449-44A2-B1EF-6094F2079680}" type="datetimeFigureOut">
               <a:rPr lang="tr-TR" smtClean="0"/>
-              <a:t>24.05.2021</a:t>
+              <a:t>25.05.2021</a:t>
             </a:fld>
             <a:endParaRPr lang="tr-TR"/>
           </a:p>
@@ -4095,7 +5828,7 @@
           <a:p>
             <a:fld id="{0B27EE79-B449-44A2-B1EF-6094F2079680}" type="datetimeFigureOut">
               <a:rPr lang="tr-TR" smtClean="0"/>
-              <a:t>24.05.2021</a:t>
+              <a:t>25.05.2021</a:t>
             </a:fld>
             <a:endParaRPr lang="tr-TR"/>
           </a:p>
@@ -4541,8 +6274,8 @@
           <a:lstStyle/>
           <a:p>
             <a:r>
-              <a:rPr lang="tr-TR" sz="4400" b="1" dirty="0"/>
-              <a:t>PhD Discussion Dr. Iftikhar Zaidi</a:t>
+              <a:rPr lang="en-US" sz="4400" b="1" dirty="0"/>
+              <a:t>PhD Interview with Cranfield University </a:t>
             </a:r>
             <a:br>
               <a:rPr lang="tr-TR" sz="4400" b="1" dirty="0"/>
@@ -4570,43 +6303,55 @@
         <p:spPr>
           <a:xfrm>
             <a:off x="1523999" y="2859915"/>
-            <a:ext cx="9382539" cy="2215666"/>
+            <a:ext cx="9382539" cy="3348380"/>
           </a:xfrm>
         </p:spPr>
         <p:txBody>
           <a:bodyPr>
-            <a:normAutofit fontScale="92500" lnSpcReduction="20000"/>
+            <a:normAutofit/>
           </a:bodyPr>
           <a:lstStyle/>
           <a:p>
             <a:r>
-              <a:rPr lang="tr-TR" b="1" dirty="0"/>
-              <a:t>07.05.2021</a:t>
-            </a:r>
-          </a:p>
-          <a:p>
+              <a:rPr lang="en-US" b="1" dirty="0"/>
+              <a:t>Effects of Strategic Management, Leadership and Morale </a:t>
+            </a:r>
             <a:endParaRPr lang="tr-TR" b="1" dirty="0"/>
           </a:p>
           <a:p>
             <a:r>
-              <a:rPr lang="tr-TR" b="1" dirty="0"/>
-              <a:t>Force Ratios and Relative Combat Power</a:t>
-            </a:r>
-          </a:p>
-          <a:p>
-            <a:r>
-              <a:rPr lang="tr-TR" b="1" dirty="0"/>
-              <a:t>A Research From the Perspective of Morale and Leadership</a:t>
-            </a:r>
-          </a:p>
-          <a:p>
+              <a:rPr lang="en-US" b="1" dirty="0"/>
+              <a:t>on the Outcome of the Battle </a:t>
+            </a:r>
             <a:endParaRPr lang="tr-TR" b="1" dirty="0"/>
+          </a:p>
+          <a:p>
+            <a:r>
+              <a:rPr lang="en-US" b="1" dirty="0"/>
+              <a:t>alongside the Combat Power Elements Including Force Ratios</a:t>
+            </a:r>
+            <a:endParaRPr lang="tr-TR" b="1" dirty="0"/>
+          </a:p>
+          <a:p>
+            <a:endParaRPr lang="tr-TR" dirty="0"/>
           </a:p>
           <a:p>
             <a:r>
               <a:rPr lang="tr-TR" dirty="0"/>
               <a:t>Time:30 minutes</a:t>
             </a:r>
+          </a:p>
+          <a:p>
+            <a:endParaRPr lang="tr-TR" dirty="0"/>
+          </a:p>
+          <a:p>
+            <a:r>
+              <a:rPr lang="tr-TR" b="1" dirty="0"/>
+              <a:t>25.05.2021</a:t>
+            </a:r>
+          </a:p>
+          <a:p>
+            <a:endParaRPr lang="tr-TR" dirty="0"/>
           </a:p>
         </p:txBody>
       </p:sp>
@@ -4623,7 +6368,7 @@
 </p:sld>
 </file>
 
-<file path=ppt/slides/slide2.xml><?xml version="1.0" encoding="utf-8"?>
+<file path=ppt/slides/slide10.xml><?xml version="1.0" encoding="utf-8"?>
 <p:sld xmlns:a="http://schemas.openxmlformats.org/drawingml/2006/main" xmlns:r="http://schemas.openxmlformats.org/officeDocument/2006/relationships" xmlns:p="http://schemas.openxmlformats.org/presentationml/2006/main">
   <p:cSld>
     <p:spTree>
@@ -4665,7 +6410,2017 @@
           <a:p>
             <a:r>
               <a:rPr lang="tr-TR" sz="3800" b="1" dirty="0"/>
-              <a:t>Start-up</a:t>
+              <a:t>Conclusion</a:t>
+            </a:r>
+          </a:p>
+        </p:txBody>
+      </p:sp>
+      <p:sp>
+        <p:nvSpPr>
+          <p:cNvPr id="3" name="Content Placeholder 2">
+            <a:extLst>
+              <a:ext uri="{FF2B5EF4-FFF2-40B4-BE49-F238E27FC236}">
+                <a16:creationId xmlns:a16="http://schemas.microsoft.com/office/drawing/2014/main" id="{2C026011-2C80-4C6B-9B4B-AFCA99DC2C6B}"/>
+              </a:ext>
+            </a:extLst>
+          </p:cNvPr>
+          <p:cNvSpPr>
+            <a:spLocks noGrp="1"/>
+          </p:cNvSpPr>
+          <p:nvPr>
+            <p:ph idx="1"/>
+          </p:nvPr>
+        </p:nvSpPr>
+        <p:spPr>
+          <a:xfrm>
+            <a:off x="838199" y="1825625"/>
+            <a:ext cx="10936705" cy="3227638"/>
+          </a:xfrm>
+        </p:spPr>
+        <p:txBody>
+          <a:bodyPr>
+            <a:normAutofit/>
+          </a:bodyPr>
+          <a:lstStyle/>
+          <a:p>
+            <a:r>
+              <a:rPr lang="tr-TR" sz="2200" b="1" dirty="0">
+                <a:solidFill>
+                  <a:srgbClr val="000000"/>
+                </a:solidFill>
+                <a:effectLst/>
+                <a:latin typeface="Calibri" panose="020F0502020204030204" pitchFamily="34" charset="0"/>
+                <a:ea typeface="Times New Roman" panose="02020603050405020304" pitchFamily="18" charset="0"/>
+              </a:rPr>
+              <a:t>This research will;</a:t>
+            </a:r>
+          </a:p>
+          <a:p>
+            <a:pPr marL="0" indent="0">
+              <a:buNone/>
+            </a:pPr>
+            <a:endParaRPr lang="tr-TR" sz="2200" b="1" dirty="0">
+              <a:solidFill>
+                <a:srgbClr val="000000"/>
+              </a:solidFill>
+              <a:effectLst/>
+              <a:latin typeface="Calibri" panose="020F0502020204030204" pitchFamily="34" charset="0"/>
+              <a:ea typeface="Times New Roman" panose="02020603050405020304" pitchFamily="18" charset="0"/>
+            </a:endParaRPr>
+          </a:p>
+          <a:p>
+            <a:pPr lvl="1"/>
+            <a:r>
+              <a:rPr lang="tr-TR" sz="2200" b="1" dirty="0">
+                <a:solidFill>
+                  <a:srgbClr val="000000"/>
+                </a:solidFill>
+                <a:effectLst/>
+                <a:latin typeface="Calibri" panose="020F0502020204030204" pitchFamily="34" charset="0"/>
+                <a:ea typeface="Times New Roman" panose="02020603050405020304" pitchFamily="18" charset="0"/>
+              </a:rPr>
+              <a:t>Find </a:t>
+            </a:r>
+            <a:r>
+              <a:rPr lang="en-US" sz="2200" b="1" dirty="0">
+                <a:solidFill>
+                  <a:srgbClr val="000000"/>
+                </a:solidFill>
+                <a:effectLst/>
+                <a:latin typeface="Calibri" panose="020F0502020204030204" pitchFamily="34" charset="0"/>
+                <a:ea typeface="Times New Roman" panose="02020603050405020304" pitchFamily="18" charset="0"/>
+              </a:rPr>
+              <a:t>the </a:t>
+            </a:r>
+            <a:r>
+              <a:rPr lang="en-US" sz="2200" b="1" dirty="0">
+                <a:solidFill>
+                  <a:srgbClr val="0070C0"/>
+                </a:solidFill>
+                <a:effectLst/>
+                <a:latin typeface="Calibri" panose="020F0502020204030204" pitchFamily="34" charset="0"/>
+                <a:ea typeface="Times New Roman" panose="02020603050405020304" pitchFamily="18" charset="0"/>
+              </a:rPr>
+              <a:t>explanatory power of </a:t>
+            </a:r>
+            <a:r>
+              <a:rPr lang="tr-TR" sz="2200" b="1" dirty="0">
+                <a:solidFill>
+                  <a:srgbClr val="0070C0"/>
+                </a:solidFill>
+                <a:effectLst/>
+                <a:latin typeface="Calibri" panose="020F0502020204030204" pitchFamily="34" charset="0"/>
+                <a:ea typeface="Times New Roman" panose="02020603050405020304" pitchFamily="18" charset="0"/>
+              </a:rPr>
+              <a:t>morale and leadership </a:t>
+            </a:r>
+            <a:r>
+              <a:rPr lang="en-US" sz="2200" b="1" dirty="0">
+                <a:solidFill>
+                  <a:srgbClr val="000000"/>
+                </a:solidFill>
+                <a:effectLst/>
+                <a:latin typeface="Calibri" panose="020F0502020204030204" pitchFamily="34" charset="0"/>
+                <a:ea typeface="Times New Roman" panose="02020603050405020304" pitchFamily="18" charset="0"/>
+              </a:rPr>
+              <a:t>along with force ratios </a:t>
+            </a:r>
+            <a:r>
+              <a:rPr lang="tr-TR" sz="2200" b="1" dirty="0">
+                <a:solidFill>
+                  <a:srgbClr val="000000"/>
+                </a:solidFill>
+                <a:effectLst/>
+                <a:latin typeface="Calibri" panose="020F0502020204030204" pitchFamily="34" charset="0"/>
+                <a:ea typeface="Times New Roman" panose="02020603050405020304" pitchFamily="18" charset="0"/>
+              </a:rPr>
+              <a:t>and </a:t>
+            </a:r>
+            <a:r>
+              <a:rPr lang="en-US" sz="2200" b="1" dirty="0">
+                <a:solidFill>
+                  <a:srgbClr val="000000"/>
+                </a:solidFill>
+                <a:effectLst/>
+                <a:latin typeface="Calibri" panose="020F0502020204030204" pitchFamily="34" charset="0"/>
+                <a:ea typeface="Times New Roman" panose="02020603050405020304" pitchFamily="18" charset="0"/>
+              </a:rPr>
+              <a:t>other relative combat power factors</a:t>
+            </a:r>
+            <a:r>
+              <a:rPr lang="tr-TR" sz="2200" b="1" dirty="0">
+                <a:solidFill>
+                  <a:srgbClr val="000000"/>
+                </a:solidFill>
+                <a:effectLst/>
+                <a:latin typeface="Calibri" panose="020F0502020204030204" pitchFamily="34" charset="0"/>
+                <a:ea typeface="Times New Roman" panose="02020603050405020304" pitchFamily="18" charset="0"/>
+              </a:rPr>
+              <a:t> </a:t>
+            </a:r>
+            <a:r>
+              <a:rPr lang="en-US" sz="2200" b="1" dirty="0">
+                <a:solidFill>
+                  <a:srgbClr val="000000"/>
+                </a:solidFill>
+                <a:effectLst/>
+                <a:latin typeface="Calibri" panose="020F0502020204030204" pitchFamily="34" charset="0"/>
+                <a:ea typeface="Times New Roman" panose="02020603050405020304" pitchFamily="18" charset="0"/>
+              </a:rPr>
+              <a:t>for the outcome of the battle</a:t>
+            </a:r>
+            <a:r>
+              <a:rPr lang="tr-TR" sz="2200" b="1" dirty="0">
+                <a:solidFill>
+                  <a:srgbClr val="000000"/>
+                </a:solidFill>
+                <a:latin typeface="Calibri" panose="020F0502020204030204" pitchFamily="34" charset="0"/>
+                <a:ea typeface="Times New Roman" panose="02020603050405020304" pitchFamily="18" charset="0"/>
+              </a:rPr>
+              <a:t>,</a:t>
+            </a:r>
+          </a:p>
+          <a:p>
+            <a:pPr marL="457200" lvl="1" indent="0">
+              <a:buNone/>
+            </a:pPr>
+            <a:endParaRPr lang="tr-TR" sz="2200" b="1" dirty="0">
+              <a:solidFill>
+                <a:srgbClr val="000000"/>
+              </a:solidFill>
+              <a:effectLst/>
+              <a:latin typeface="Calibri" panose="020F0502020204030204" pitchFamily="34" charset="0"/>
+              <a:ea typeface="Times New Roman" panose="02020603050405020304" pitchFamily="18" charset="0"/>
+            </a:endParaRPr>
+          </a:p>
+          <a:p>
+            <a:pPr lvl="1"/>
+            <a:r>
+              <a:rPr lang="tr-TR" sz="2200" b="1" dirty="0">
+                <a:solidFill>
+                  <a:srgbClr val="000000"/>
+                </a:solidFill>
+                <a:latin typeface="Calibri" panose="020F0502020204030204" pitchFamily="34" charset="0"/>
+              </a:rPr>
+              <a:t>Develop a </a:t>
+            </a:r>
+            <a:r>
+              <a:rPr lang="tr-TR" sz="2200" b="1" dirty="0">
+                <a:solidFill>
+                  <a:srgbClr val="0070C0"/>
+                </a:solidFill>
+                <a:latin typeface="Calibri" panose="020F0502020204030204" pitchFamily="34" charset="0"/>
+              </a:rPr>
+              <a:t>mathematical model</a:t>
+            </a:r>
+            <a:r>
+              <a:rPr lang="tr-TR" sz="2200" b="1" dirty="0">
+                <a:solidFill>
+                  <a:srgbClr val="000000"/>
+                </a:solidFill>
+                <a:latin typeface="Calibri" panose="020F0502020204030204" pitchFamily="34" charset="0"/>
+              </a:rPr>
+              <a:t>,</a:t>
+            </a:r>
+          </a:p>
+          <a:p>
+            <a:pPr marL="457200" lvl="1" indent="0">
+              <a:buNone/>
+            </a:pPr>
+            <a:endParaRPr lang="tr-TR" sz="2200" b="1" dirty="0">
+              <a:solidFill>
+                <a:srgbClr val="000000"/>
+              </a:solidFill>
+              <a:latin typeface="Calibri" panose="020F0502020204030204" pitchFamily="34" charset="0"/>
+            </a:endParaRPr>
+          </a:p>
+          <a:p>
+            <a:pPr lvl="1"/>
+            <a:r>
+              <a:rPr lang="tr-TR" sz="2200" b="1" dirty="0">
+                <a:solidFill>
+                  <a:srgbClr val="000000"/>
+                </a:solidFill>
+                <a:latin typeface="Calibri" panose="020F0502020204030204" pitchFamily="34" charset="0"/>
+              </a:rPr>
+              <a:t>Use </a:t>
+            </a:r>
+            <a:r>
+              <a:rPr lang="tr-TR" sz="2200" b="1" dirty="0">
+                <a:solidFill>
+                  <a:srgbClr val="0070C0"/>
+                </a:solidFill>
+                <a:latin typeface="Calibri" panose="020F0502020204030204" pitchFamily="34" charset="0"/>
+              </a:rPr>
+              <a:t>Python Programming Language </a:t>
+            </a:r>
+            <a:r>
+              <a:rPr lang="tr-TR" sz="2200" b="1" dirty="0">
+                <a:solidFill>
+                  <a:srgbClr val="000000"/>
+                </a:solidFill>
+                <a:latin typeface="Calibri" panose="020F0502020204030204" pitchFamily="34" charset="0"/>
+              </a:rPr>
+              <a:t>as a mean of statistical analysis. </a:t>
+            </a:r>
+          </a:p>
+          <a:p>
+            <a:pPr lvl="1"/>
+            <a:endParaRPr lang="tr-TR" sz="2200" b="1" dirty="0"/>
+          </a:p>
+        </p:txBody>
+      </p:sp>
+      <p:sp>
+        <p:nvSpPr>
+          <p:cNvPr id="4" name="Title 1">
+            <a:extLst>
+              <a:ext uri="{FF2B5EF4-FFF2-40B4-BE49-F238E27FC236}">
+                <a16:creationId xmlns:a16="http://schemas.microsoft.com/office/drawing/2014/main" id="{417DB48A-5C0A-48FF-AFD2-42EACF3EC17A}"/>
+              </a:ext>
+            </a:extLst>
+          </p:cNvPr>
+          <p:cNvSpPr txBox="1">
+            <a:spLocks/>
+          </p:cNvSpPr>
+          <p:nvPr/>
+        </p:nvSpPr>
+        <p:spPr>
+          <a:xfrm>
+            <a:off x="637674" y="5053263"/>
+            <a:ext cx="10515600" cy="1325563"/>
+          </a:xfrm>
+          <a:prstGeom prst="rect">
+            <a:avLst/>
+          </a:prstGeom>
+        </p:spPr>
+        <p:txBody>
+          <a:bodyPr vert="horz" lIns="91440" tIns="45720" rIns="91440" bIns="45720" rtlCol="0" anchor="ctr">
+            <a:normAutofit/>
+          </a:bodyPr>
+          <a:lstStyle>
+            <a:lvl1pPr algn="l" defTabSz="914400" rtl="0" eaLnBrk="1" latinLnBrk="0" hangingPunct="1">
+              <a:lnSpc>
+                <a:spcPct val="90000"/>
+              </a:lnSpc>
+              <a:spcBef>
+                <a:spcPct val="0"/>
+              </a:spcBef>
+              <a:buNone/>
+              <a:defRPr sz="4400" kern="1200">
+                <a:solidFill>
+                  <a:schemeClr val="tx1"/>
+                </a:solidFill>
+                <a:latin typeface="+mj-lt"/>
+                <a:ea typeface="+mj-ea"/>
+                <a:cs typeface="+mj-cs"/>
+              </a:defRPr>
+            </a:lvl1pPr>
+          </a:lstStyle>
+          <a:p>
+            <a:r>
+              <a:rPr lang="tr-TR" sz="3200" b="1" dirty="0">
+                <a:solidFill>
+                  <a:srgbClr val="FF0000"/>
+                </a:solidFill>
+              </a:rPr>
+              <a:t>My intention: </a:t>
+            </a:r>
+            <a:r>
+              <a:rPr lang="tr-TR" sz="3200" b="1" dirty="0"/>
+              <a:t>To carry on this research area and become an academic personnel in my 2nd part of the career. </a:t>
+            </a:r>
+          </a:p>
+        </p:txBody>
+      </p:sp>
+    </p:spTree>
+    <p:extLst>
+      <p:ext uri="{BB962C8B-B14F-4D97-AF65-F5344CB8AC3E}">
+        <p14:creationId xmlns:p14="http://schemas.microsoft.com/office/powerpoint/2010/main" val="3284161706"/>
+      </p:ext>
+    </p:extLst>
+  </p:cSld>
+  <p:clrMapOvr>
+    <a:masterClrMapping/>
+  </p:clrMapOvr>
+</p:sld>
+</file>
+
+<file path=ppt/slides/slide2.xml><?xml version="1.0" encoding="utf-8"?>
+<p:sld xmlns:a="http://schemas.openxmlformats.org/drawingml/2006/main" xmlns:r="http://schemas.openxmlformats.org/officeDocument/2006/relationships" xmlns:p="http://schemas.openxmlformats.org/presentationml/2006/main">
+  <p:cSld>
+    <p:spTree>
+      <p:nvGrpSpPr>
+        <p:cNvPr id="1" name=""/>
+        <p:cNvGrpSpPr/>
+        <p:nvPr/>
+      </p:nvGrpSpPr>
+      <p:grpSpPr>
+        <a:xfrm>
+          <a:off x="0" y="0"/>
+          <a:ext cx="0" cy="0"/>
+          <a:chOff x="0" y="0"/>
+          <a:chExt cx="0" cy="0"/>
+        </a:xfrm>
+      </p:grpSpPr>
+      <p:sp>
+        <p:nvSpPr>
+          <p:cNvPr id="2" name="Title 1">
+            <a:extLst>
+              <a:ext uri="{FF2B5EF4-FFF2-40B4-BE49-F238E27FC236}">
+                <a16:creationId xmlns:a16="http://schemas.microsoft.com/office/drawing/2014/main" id="{E1D3D286-50A7-4031-A469-0912352BCA27}"/>
+              </a:ext>
+            </a:extLst>
+          </p:cNvPr>
+          <p:cNvSpPr>
+            <a:spLocks noGrp="1"/>
+          </p:cNvSpPr>
+          <p:nvPr>
+            <p:ph type="title"/>
+          </p:nvPr>
+        </p:nvSpPr>
+        <p:spPr/>
+        <p:txBody>
+          <a:bodyPr vert="horz" lIns="91440" tIns="45720" rIns="91440" bIns="45720" rtlCol="0" anchor="ctr">
+            <a:normAutofit/>
+          </a:bodyPr>
+          <a:lstStyle/>
+          <a:p>
+            <a:r>
+              <a:rPr lang="tr-TR" sz="3800" b="1" dirty="0"/>
+              <a:t>Academic Background</a:t>
+            </a:r>
+          </a:p>
+        </p:txBody>
+      </p:sp>
+      <p:graphicFrame>
+        <p:nvGraphicFramePr>
+          <p:cNvPr id="4" name="Table 4">
+            <a:extLst>
+              <a:ext uri="{FF2B5EF4-FFF2-40B4-BE49-F238E27FC236}">
+                <a16:creationId xmlns:a16="http://schemas.microsoft.com/office/drawing/2014/main" id="{8D4DE3FE-2347-4556-9EA5-6B5FE17FA765}"/>
+              </a:ext>
+            </a:extLst>
+          </p:cNvPr>
+          <p:cNvGraphicFramePr>
+            <a:graphicFrameLocks noGrp="1"/>
+          </p:cNvGraphicFramePr>
+          <p:nvPr>
+            <p:extLst>
+              <p:ext uri="{D42A27DB-BD31-4B8C-83A1-F6EECF244321}">
+                <p14:modId xmlns:p14="http://schemas.microsoft.com/office/powerpoint/2010/main" val="507541250"/>
+              </p:ext>
+            </p:extLst>
+          </p:nvPr>
+        </p:nvGraphicFramePr>
+        <p:xfrm>
+          <a:off x="561473" y="1696955"/>
+          <a:ext cx="11036971" cy="4222986"/>
+        </p:xfrm>
+        <a:graphic>
+          <a:graphicData uri="http://schemas.openxmlformats.org/drawingml/2006/table">
+            <a:tbl>
+              <a:tblPr firstRow="1" bandRow="1">
+                <a:tableStyleId>{5C22544A-7EE6-4342-B048-85BDC9FD1C3A}</a:tableStyleId>
+              </a:tblPr>
+              <a:tblGrid>
+                <a:gridCol w="3450127">
+                  <a:extLst>
+                    <a:ext uri="{9D8B030D-6E8A-4147-A177-3AD203B41FA5}">
+                      <a16:colId xmlns:a16="http://schemas.microsoft.com/office/drawing/2014/main" val="4125611350"/>
+                    </a:ext>
+                  </a:extLst>
+                </a:gridCol>
+                <a:gridCol w="3518784">
+                  <a:extLst>
+                    <a:ext uri="{9D8B030D-6E8A-4147-A177-3AD203B41FA5}">
+                      <a16:colId xmlns:a16="http://schemas.microsoft.com/office/drawing/2014/main" val="3519093508"/>
+                    </a:ext>
+                  </a:extLst>
+                </a:gridCol>
+                <a:gridCol w="1228606">
+                  <a:extLst>
+                    <a:ext uri="{9D8B030D-6E8A-4147-A177-3AD203B41FA5}">
+                      <a16:colId xmlns:a16="http://schemas.microsoft.com/office/drawing/2014/main" val="406703652"/>
+                    </a:ext>
+                  </a:extLst>
+                </a:gridCol>
+                <a:gridCol w="1058779">
+                  <a:extLst>
+                    <a:ext uri="{9D8B030D-6E8A-4147-A177-3AD203B41FA5}">
+                      <a16:colId xmlns:a16="http://schemas.microsoft.com/office/drawing/2014/main" val="3710373426"/>
+                    </a:ext>
+                  </a:extLst>
+                </a:gridCol>
+                <a:gridCol w="1780675">
+                  <a:extLst>
+                    <a:ext uri="{9D8B030D-6E8A-4147-A177-3AD203B41FA5}">
+                      <a16:colId xmlns:a16="http://schemas.microsoft.com/office/drawing/2014/main" val="3951119076"/>
+                    </a:ext>
+                  </a:extLst>
+                </a:gridCol>
+              </a:tblGrid>
+              <a:tr h="700858">
+                <a:tc>
+                  <a:txBody>
+                    <a:bodyPr/>
+                    <a:lstStyle/>
+                    <a:p>
+                      <a:pPr algn="ctr"/>
+                      <a:r>
+                        <a:rPr lang="tr-TR" dirty="0">
+                          <a:solidFill>
+                            <a:sysClr val="windowText" lastClr="000000"/>
+                          </a:solidFill>
+                        </a:rPr>
+                        <a:t>Institution</a:t>
+                      </a:r>
+                    </a:p>
+                  </a:txBody>
+                  <a:tcPr>
+                    <a:lnL w="12700" cap="flat" cmpd="sng" algn="ctr">
+                      <a:solidFill>
+                        <a:schemeClr val="tx1"/>
+                      </a:solidFill>
+                      <a:prstDash val="solid"/>
+                      <a:round/>
+                      <a:headEnd type="none" w="med" len="med"/>
+                      <a:tailEnd type="none" w="med" len="med"/>
+                    </a:lnL>
+                    <a:lnR w="12700" cap="flat" cmpd="sng" algn="ctr">
+                      <a:solidFill>
+                        <a:schemeClr val="tx1"/>
+                      </a:solidFill>
+                      <a:prstDash val="solid"/>
+                      <a:round/>
+                      <a:headEnd type="none" w="med" len="med"/>
+                      <a:tailEnd type="none" w="med" len="med"/>
+                    </a:lnR>
+                    <a:lnT w="12700" cap="flat" cmpd="sng" algn="ctr">
+                      <a:solidFill>
+                        <a:schemeClr val="tx1"/>
+                      </a:solidFill>
+                      <a:prstDash val="solid"/>
+                      <a:round/>
+                      <a:headEnd type="none" w="med" len="med"/>
+                      <a:tailEnd type="none" w="med" len="med"/>
+                    </a:lnT>
+                    <a:lnB w="12700" cap="flat" cmpd="sng" algn="ctr">
+                      <a:solidFill>
+                        <a:schemeClr val="tx1"/>
+                      </a:solidFill>
+                      <a:prstDash val="solid"/>
+                      <a:round/>
+                      <a:headEnd type="none" w="med" len="med"/>
+                      <a:tailEnd type="none" w="med" len="med"/>
+                    </a:lnB>
+                    <a:noFill/>
+                  </a:tcPr>
+                </a:tc>
+                <a:tc>
+                  <a:txBody>
+                    <a:bodyPr/>
+                    <a:lstStyle/>
+                    <a:p>
+                      <a:pPr algn="ctr"/>
+                      <a:r>
+                        <a:rPr lang="tr-TR" dirty="0">
+                          <a:solidFill>
+                            <a:sysClr val="windowText" lastClr="000000"/>
+                          </a:solidFill>
+                        </a:rPr>
+                        <a:t>Field</a:t>
+                      </a:r>
+                    </a:p>
+                  </a:txBody>
+                  <a:tcPr>
+                    <a:lnL w="12700" cap="flat" cmpd="sng" algn="ctr">
+                      <a:solidFill>
+                        <a:schemeClr val="tx1"/>
+                      </a:solidFill>
+                      <a:prstDash val="solid"/>
+                      <a:round/>
+                      <a:headEnd type="none" w="med" len="med"/>
+                      <a:tailEnd type="none" w="med" len="med"/>
+                    </a:lnL>
+                    <a:lnR w="12700" cap="flat" cmpd="sng" algn="ctr">
+                      <a:solidFill>
+                        <a:schemeClr val="tx1"/>
+                      </a:solidFill>
+                      <a:prstDash val="solid"/>
+                      <a:round/>
+                      <a:headEnd type="none" w="med" len="med"/>
+                      <a:tailEnd type="none" w="med" len="med"/>
+                    </a:lnR>
+                    <a:lnT w="12700" cap="flat" cmpd="sng" algn="ctr">
+                      <a:solidFill>
+                        <a:schemeClr val="tx1"/>
+                      </a:solidFill>
+                      <a:prstDash val="solid"/>
+                      <a:round/>
+                      <a:headEnd type="none" w="med" len="med"/>
+                      <a:tailEnd type="none" w="med" len="med"/>
+                    </a:lnT>
+                    <a:lnB w="12700" cap="flat" cmpd="sng" algn="ctr">
+                      <a:solidFill>
+                        <a:schemeClr val="tx1"/>
+                      </a:solidFill>
+                      <a:prstDash val="solid"/>
+                      <a:round/>
+                      <a:headEnd type="none" w="med" len="med"/>
+                      <a:tailEnd type="none" w="med" len="med"/>
+                    </a:lnB>
+                    <a:noFill/>
+                  </a:tcPr>
+                </a:tc>
+                <a:tc>
+                  <a:txBody>
+                    <a:bodyPr/>
+                    <a:lstStyle/>
+                    <a:p>
+                      <a:pPr algn="ctr"/>
+                      <a:r>
+                        <a:rPr lang="tr-TR" dirty="0">
+                          <a:solidFill>
+                            <a:sysClr val="windowText" lastClr="000000"/>
+                          </a:solidFill>
+                        </a:rPr>
+                        <a:t>Time</a:t>
+                      </a:r>
+                    </a:p>
+                  </a:txBody>
+                  <a:tcPr>
+                    <a:lnL w="12700" cap="flat" cmpd="sng" algn="ctr">
+                      <a:solidFill>
+                        <a:schemeClr val="tx1"/>
+                      </a:solidFill>
+                      <a:prstDash val="solid"/>
+                      <a:round/>
+                      <a:headEnd type="none" w="med" len="med"/>
+                      <a:tailEnd type="none" w="med" len="med"/>
+                    </a:lnL>
+                    <a:lnR w="12700" cap="flat" cmpd="sng" algn="ctr">
+                      <a:solidFill>
+                        <a:schemeClr val="tx1"/>
+                      </a:solidFill>
+                      <a:prstDash val="solid"/>
+                      <a:round/>
+                      <a:headEnd type="none" w="med" len="med"/>
+                      <a:tailEnd type="none" w="med" len="med"/>
+                    </a:lnR>
+                    <a:lnT w="12700" cap="flat" cmpd="sng" algn="ctr">
+                      <a:solidFill>
+                        <a:schemeClr val="tx1"/>
+                      </a:solidFill>
+                      <a:prstDash val="solid"/>
+                      <a:round/>
+                      <a:headEnd type="none" w="med" len="med"/>
+                      <a:tailEnd type="none" w="med" len="med"/>
+                    </a:lnT>
+                    <a:lnB w="12700" cap="flat" cmpd="sng" algn="ctr">
+                      <a:solidFill>
+                        <a:schemeClr val="tx1"/>
+                      </a:solidFill>
+                      <a:prstDash val="solid"/>
+                      <a:round/>
+                      <a:headEnd type="none" w="med" len="med"/>
+                      <a:tailEnd type="none" w="med" len="med"/>
+                    </a:lnB>
+                    <a:noFill/>
+                  </a:tcPr>
+                </a:tc>
+                <a:tc>
+                  <a:txBody>
+                    <a:bodyPr/>
+                    <a:lstStyle/>
+                    <a:p>
+                      <a:pPr algn="ctr"/>
+                      <a:r>
+                        <a:rPr lang="tr-TR" dirty="0">
+                          <a:solidFill>
+                            <a:sysClr val="windowText" lastClr="000000"/>
+                          </a:solidFill>
+                        </a:rPr>
+                        <a:t>Grade</a:t>
+                      </a:r>
+                    </a:p>
+                  </a:txBody>
+                  <a:tcPr>
+                    <a:lnL w="12700" cap="flat" cmpd="sng" algn="ctr">
+                      <a:solidFill>
+                        <a:schemeClr val="tx1"/>
+                      </a:solidFill>
+                      <a:prstDash val="solid"/>
+                      <a:round/>
+                      <a:headEnd type="none" w="med" len="med"/>
+                      <a:tailEnd type="none" w="med" len="med"/>
+                    </a:lnL>
+                    <a:lnR w="12700" cap="flat" cmpd="sng" algn="ctr">
+                      <a:solidFill>
+                        <a:schemeClr val="tx1"/>
+                      </a:solidFill>
+                      <a:prstDash val="solid"/>
+                      <a:round/>
+                      <a:headEnd type="none" w="med" len="med"/>
+                      <a:tailEnd type="none" w="med" len="med"/>
+                    </a:lnR>
+                    <a:lnT w="12700" cap="flat" cmpd="sng" algn="ctr">
+                      <a:solidFill>
+                        <a:schemeClr val="tx1"/>
+                      </a:solidFill>
+                      <a:prstDash val="solid"/>
+                      <a:round/>
+                      <a:headEnd type="none" w="med" len="med"/>
+                      <a:tailEnd type="none" w="med" len="med"/>
+                    </a:lnT>
+                    <a:lnB w="12700" cap="flat" cmpd="sng" algn="ctr">
+                      <a:solidFill>
+                        <a:schemeClr val="tx1"/>
+                      </a:solidFill>
+                      <a:prstDash val="solid"/>
+                      <a:round/>
+                      <a:headEnd type="none" w="med" len="med"/>
+                      <a:tailEnd type="none" w="med" len="med"/>
+                    </a:lnB>
+                    <a:noFill/>
+                  </a:tcPr>
+                </a:tc>
+                <a:tc>
+                  <a:txBody>
+                    <a:bodyPr/>
+                    <a:lstStyle/>
+                    <a:p>
+                      <a:pPr algn="ctr"/>
+                      <a:r>
+                        <a:rPr lang="tr-TR" dirty="0">
+                          <a:solidFill>
+                            <a:sysClr val="windowText" lastClr="000000"/>
+                          </a:solidFill>
+                        </a:rPr>
+                        <a:t>Remarks</a:t>
+                      </a:r>
+                    </a:p>
+                  </a:txBody>
+                  <a:tcPr>
+                    <a:lnL w="12700" cap="flat" cmpd="sng" algn="ctr">
+                      <a:solidFill>
+                        <a:schemeClr val="tx1"/>
+                      </a:solidFill>
+                      <a:prstDash val="solid"/>
+                      <a:round/>
+                      <a:headEnd type="none" w="med" len="med"/>
+                      <a:tailEnd type="none" w="med" len="med"/>
+                    </a:lnL>
+                    <a:lnR w="12700" cap="flat" cmpd="sng" algn="ctr">
+                      <a:solidFill>
+                        <a:schemeClr val="tx1"/>
+                      </a:solidFill>
+                      <a:prstDash val="solid"/>
+                      <a:round/>
+                      <a:headEnd type="none" w="med" len="med"/>
+                      <a:tailEnd type="none" w="med" len="med"/>
+                    </a:lnR>
+                    <a:lnT w="12700" cap="flat" cmpd="sng" algn="ctr">
+                      <a:solidFill>
+                        <a:schemeClr val="tx1"/>
+                      </a:solidFill>
+                      <a:prstDash val="solid"/>
+                      <a:round/>
+                      <a:headEnd type="none" w="med" len="med"/>
+                      <a:tailEnd type="none" w="med" len="med"/>
+                    </a:lnT>
+                    <a:lnB w="12700" cap="flat" cmpd="sng" algn="ctr">
+                      <a:solidFill>
+                        <a:schemeClr val="tx1"/>
+                      </a:solidFill>
+                      <a:prstDash val="solid"/>
+                      <a:round/>
+                      <a:headEnd type="none" w="med" len="med"/>
+                      <a:tailEnd type="none" w="med" len="med"/>
+                    </a:lnB>
+                    <a:noFill/>
+                  </a:tcPr>
+                </a:tc>
+                <a:extLst>
+                  <a:ext uri="{0D108BD9-81ED-4DB2-BD59-A6C34878D82A}">
+                    <a16:rowId xmlns:a16="http://schemas.microsoft.com/office/drawing/2014/main" val="3701132008"/>
+                  </a:ext>
+                </a:extLst>
+              </a:tr>
+              <a:tr h="718150">
+                <a:tc>
+                  <a:txBody>
+                    <a:bodyPr/>
+                    <a:lstStyle/>
+                    <a:p>
+                      <a:pPr marL="0" marR="0" lvl="0" indent="0" algn="l" defTabSz="914400" rtl="0" eaLnBrk="1" fontAlgn="auto" latinLnBrk="0" hangingPunct="1">
+                        <a:lnSpc>
+                          <a:spcPct val="100000"/>
+                        </a:lnSpc>
+                        <a:spcBef>
+                          <a:spcPts val="0"/>
+                        </a:spcBef>
+                        <a:spcAft>
+                          <a:spcPts val="0"/>
+                        </a:spcAft>
+                        <a:buClrTx/>
+                        <a:buSzTx/>
+                        <a:buFontTx/>
+                        <a:buNone/>
+                        <a:tabLst/>
+                        <a:defRPr/>
+                      </a:pPr>
+                      <a:r>
+                        <a:rPr lang="tr-TR" dirty="0">
+                          <a:hlinkClick r:id="rId3" action="ppaction://hlinkfile"/>
+                        </a:rPr>
+                        <a:t>Turkish Military Academy</a:t>
+                      </a:r>
+                      <a:endParaRPr lang="tr-TR" dirty="0"/>
+                    </a:p>
+                    <a:p>
+                      <a:endParaRPr lang="tr-TR" dirty="0">
+                        <a:solidFill>
+                          <a:sysClr val="windowText" lastClr="000000"/>
+                        </a:solidFill>
+                      </a:endParaRPr>
+                    </a:p>
+                  </a:txBody>
+                  <a:tcPr>
+                    <a:lnL w="12700" cap="flat" cmpd="sng" algn="ctr">
+                      <a:solidFill>
+                        <a:schemeClr val="tx1"/>
+                      </a:solidFill>
+                      <a:prstDash val="solid"/>
+                      <a:round/>
+                      <a:headEnd type="none" w="med" len="med"/>
+                      <a:tailEnd type="none" w="med" len="med"/>
+                    </a:lnL>
+                    <a:lnR w="12700" cap="flat" cmpd="sng" algn="ctr">
+                      <a:solidFill>
+                        <a:schemeClr val="tx1"/>
+                      </a:solidFill>
+                      <a:prstDash val="solid"/>
+                      <a:round/>
+                      <a:headEnd type="none" w="med" len="med"/>
+                      <a:tailEnd type="none" w="med" len="med"/>
+                    </a:lnR>
+                    <a:lnT w="12700" cap="flat" cmpd="sng" algn="ctr">
+                      <a:solidFill>
+                        <a:schemeClr val="tx1"/>
+                      </a:solidFill>
+                      <a:prstDash val="solid"/>
+                      <a:round/>
+                      <a:headEnd type="none" w="med" len="med"/>
+                      <a:tailEnd type="none" w="med" len="med"/>
+                    </a:lnT>
+                    <a:lnB w="12700" cap="flat" cmpd="sng" algn="ctr">
+                      <a:solidFill>
+                        <a:schemeClr val="tx1"/>
+                      </a:solidFill>
+                      <a:prstDash val="solid"/>
+                      <a:round/>
+                      <a:headEnd type="none" w="med" len="med"/>
+                      <a:tailEnd type="none" w="med" len="med"/>
+                    </a:lnB>
+                    <a:noFill/>
+                  </a:tcPr>
+                </a:tc>
+                <a:tc>
+                  <a:txBody>
+                    <a:bodyPr/>
+                    <a:lstStyle/>
+                    <a:p>
+                      <a:pPr marL="0" marR="0" lvl="0" indent="0" algn="l" defTabSz="914400" rtl="0" eaLnBrk="1" fontAlgn="auto" latinLnBrk="0" hangingPunct="1">
+                        <a:lnSpc>
+                          <a:spcPct val="100000"/>
+                        </a:lnSpc>
+                        <a:spcBef>
+                          <a:spcPts val="0"/>
+                        </a:spcBef>
+                        <a:spcAft>
+                          <a:spcPts val="0"/>
+                        </a:spcAft>
+                        <a:buClrTx/>
+                        <a:buSzTx/>
+                        <a:buFontTx/>
+                        <a:buNone/>
+                        <a:tabLst/>
+                        <a:defRPr/>
+                      </a:pPr>
+                      <a:r>
+                        <a:rPr lang="tr-TR" dirty="0">
+                          <a:solidFill>
+                            <a:sysClr val="windowText" lastClr="000000"/>
+                          </a:solidFill>
+                        </a:rPr>
+                        <a:t>BSc in System Engineering</a:t>
+                      </a:r>
+                    </a:p>
+                  </a:txBody>
+                  <a:tcPr>
+                    <a:lnL w="12700" cap="flat" cmpd="sng" algn="ctr">
+                      <a:solidFill>
+                        <a:schemeClr val="tx1"/>
+                      </a:solidFill>
+                      <a:prstDash val="solid"/>
+                      <a:round/>
+                      <a:headEnd type="none" w="med" len="med"/>
+                      <a:tailEnd type="none" w="med" len="med"/>
+                    </a:lnL>
+                    <a:lnR w="12700" cap="flat" cmpd="sng" algn="ctr">
+                      <a:solidFill>
+                        <a:schemeClr val="tx1"/>
+                      </a:solidFill>
+                      <a:prstDash val="solid"/>
+                      <a:round/>
+                      <a:headEnd type="none" w="med" len="med"/>
+                      <a:tailEnd type="none" w="med" len="med"/>
+                    </a:lnR>
+                    <a:lnT w="12700" cap="flat" cmpd="sng" algn="ctr">
+                      <a:solidFill>
+                        <a:schemeClr val="tx1"/>
+                      </a:solidFill>
+                      <a:prstDash val="solid"/>
+                      <a:round/>
+                      <a:headEnd type="none" w="med" len="med"/>
+                      <a:tailEnd type="none" w="med" len="med"/>
+                    </a:lnT>
+                    <a:lnB w="12700" cap="flat" cmpd="sng" algn="ctr">
+                      <a:solidFill>
+                        <a:schemeClr val="tx1"/>
+                      </a:solidFill>
+                      <a:prstDash val="solid"/>
+                      <a:round/>
+                      <a:headEnd type="none" w="med" len="med"/>
+                      <a:tailEnd type="none" w="med" len="med"/>
+                    </a:lnB>
+                    <a:noFill/>
+                  </a:tcPr>
+                </a:tc>
+                <a:tc>
+                  <a:txBody>
+                    <a:bodyPr/>
+                    <a:lstStyle/>
+                    <a:p>
+                      <a:r>
+                        <a:rPr lang="tr-TR" dirty="0">
+                          <a:solidFill>
+                            <a:sysClr val="windowText" lastClr="000000"/>
+                          </a:solidFill>
+                        </a:rPr>
+                        <a:t>1995-1999</a:t>
+                      </a:r>
+                    </a:p>
+                  </a:txBody>
+                  <a:tcPr>
+                    <a:lnL w="12700" cap="flat" cmpd="sng" algn="ctr">
+                      <a:solidFill>
+                        <a:schemeClr val="tx1"/>
+                      </a:solidFill>
+                      <a:prstDash val="solid"/>
+                      <a:round/>
+                      <a:headEnd type="none" w="med" len="med"/>
+                      <a:tailEnd type="none" w="med" len="med"/>
+                    </a:lnL>
+                    <a:lnR w="12700" cap="flat" cmpd="sng" algn="ctr">
+                      <a:solidFill>
+                        <a:schemeClr val="tx1"/>
+                      </a:solidFill>
+                      <a:prstDash val="solid"/>
+                      <a:round/>
+                      <a:headEnd type="none" w="med" len="med"/>
+                      <a:tailEnd type="none" w="med" len="med"/>
+                    </a:lnR>
+                    <a:lnT w="12700" cap="flat" cmpd="sng" algn="ctr">
+                      <a:solidFill>
+                        <a:schemeClr val="tx1"/>
+                      </a:solidFill>
+                      <a:prstDash val="solid"/>
+                      <a:round/>
+                      <a:headEnd type="none" w="med" len="med"/>
+                      <a:tailEnd type="none" w="med" len="med"/>
+                    </a:lnT>
+                    <a:lnB w="12700" cap="flat" cmpd="sng" algn="ctr">
+                      <a:solidFill>
+                        <a:schemeClr val="tx1"/>
+                      </a:solidFill>
+                      <a:prstDash val="solid"/>
+                      <a:round/>
+                      <a:headEnd type="none" w="med" len="med"/>
+                      <a:tailEnd type="none" w="med" len="med"/>
+                    </a:lnB>
+                    <a:noFill/>
+                  </a:tcPr>
+                </a:tc>
+                <a:tc>
+                  <a:txBody>
+                    <a:bodyPr/>
+                    <a:lstStyle/>
+                    <a:p>
+                      <a:r>
+                        <a:rPr lang="tr-TR" dirty="0">
+                          <a:solidFill>
+                            <a:sysClr val="windowText" lastClr="000000"/>
+                          </a:solidFill>
+                        </a:rPr>
+                        <a:t>3.11</a:t>
+                      </a:r>
+                    </a:p>
+                  </a:txBody>
+                  <a:tcPr>
+                    <a:lnL w="12700" cap="flat" cmpd="sng" algn="ctr">
+                      <a:solidFill>
+                        <a:schemeClr val="tx1"/>
+                      </a:solidFill>
+                      <a:prstDash val="solid"/>
+                      <a:round/>
+                      <a:headEnd type="none" w="med" len="med"/>
+                      <a:tailEnd type="none" w="med" len="med"/>
+                    </a:lnL>
+                    <a:lnR w="12700" cap="flat" cmpd="sng" algn="ctr">
+                      <a:solidFill>
+                        <a:schemeClr val="tx1"/>
+                      </a:solidFill>
+                      <a:prstDash val="solid"/>
+                      <a:round/>
+                      <a:headEnd type="none" w="med" len="med"/>
+                      <a:tailEnd type="none" w="med" len="med"/>
+                    </a:lnR>
+                    <a:lnT w="12700" cap="flat" cmpd="sng" algn="ctr">
+                      <a:solidFill>
+                        <a:schemeClr val="tx1"/>
+                      </a:solidFill>
+                      <a:prstDash val="solid"/>
+                      <a:round/>
+                      <a:headEnd type="none" w="med" len="med"/>
+                      <a:tailEnd type="none" w="med" len="med"/>
+                    </a:lnT>
+                    <a:lnB w="12700" cap="flat" cmpd="sng" algn="ctr">
+                      <a:solidFill>
+                        <a:schemeClr val="tx1"/>
+                      </a:solidFill>
+                      <a:prstDash val="solid"/>
+                      <a:round/>
+                      <a:headEnd type="none" w="med" len="med"/>
+                      <a:tailEnd type="none" w="med" len="med"/>
+                    </a:lnB>
+                    <a:noFill/>
+                  </a:tcPr>
+                </a:tc>
+                <a:tc>
+                  <a:txBody>
+                    <a:bodyPr/>
+                    <a:lstStyle/>
+                    <a:p>
+                      <a:endParaRPr lang="tr-TR" dirty="0">
+                        <a:solidFill>
+                          <a:sysClr val="windowText" lastClr="000000"/>
+                        </a:solidFill>
+                      </a:endParaRPr>
+                    </a:p>
+                  </a:txBody>
+                  <a:tcPr>
+                    <a:lnL w="12700" cap="flat" cmpd="sng" algn="ctr">
+                      <a:solidFill>
+                        <a:schemeClr val="tx1"/>
+                      </a:solidFill>
+                      <a:prstDash val="solid"/>
+                      <a:round/>
+                      <a:headEnd type="none" w="med" len="med"/>
+                      <a:tailEnd type="none" w="med" len="med"/>
+                    </a:lnL>
+                    <a:lnR w="12700" cap="flat" cmpd="sng" algn="ctr">
+                      <a:solidFill>
+                        <a:schemeClr val="tx1"/>
+                      </a:solidFill>
+                      <a:prstDash val="solid"/>
+                      <a:round/>
+                      <a:headEnd type="none" w="med" len="med"/>
+                      <a:tailEnd type="none" w="med" len="med"/>
+                    </a:lnR>
+                    <a:lnT w="12700" cap="flat" cmpd="sng" algn="ctr">
+                      <a:solidFill>
+                        <a:schemeClr val="tx1"/>
+                      </a:solidFill>
+                      <a:prstDash val="solid"/>
+                      <a:round/>
+                      <a:headEnd type="none" w="med" len="med"/>
+                      <a:tailEnd type="none" w="med" len="med"/>
+                    </a:lnT>
+                    <a:lnB w="12700" cap="flat" cmpd="sng" algn="ctr">
+                      <a:solidFill>
+                        <a:schemeClr val="tx1"/>
+                      </a:solidFill>
+                      <a:prstDash val="solid"/>
+                      <a:round/>
+                      <a:headEnd type="none" w="med" len="med"/>
+                      <a:tailEnd type="none" w="med" len="med"/>
+                    </a:lnB>
+                    <a:noFill/>
+                  </a:tcPr>
+                </a:tc>
+                <a:extLst>
+                  <a:ext uri="{0D108BD9-81ED-4DB2-BD59-A6C34878D82A}">
+                    <a16:rowId xmlns:a16="http://schemas.microsoft.com/office/drawing/2014/main" val="1064005954"/>
+                  </a:ext>
+                </a:extLst>
+              </a:tr>
+              <a:tr h="700858">
+                <a:tc>
+                  <a:txBody>
+                    <a:bodyPr/>
+                    <a:lstStyle/>
+                    <a:p>
+                      <a:r>
+                        <a:rPr lang="tr-TR" dirty="0">
+                          <a:solidFill>
+                            <a:sysClr val="windowText" lastClr="000000"/>
+                          </a:solidFill>
+                          <a:hlinkClick r:id="rId4" action="ppaction://hlinkfile"/>
+                        </a:rPr>
+                        <a:t>European University of Lefke</a:t>
+                      </a:r>
+                      <a:endParaRPr lang="tr-TR" dirty="0">
+                        <a:solidFill>
+                          <a:sysClr val="windowText" lastClr="000000"/>
+                        </a:solidFill>
+                      </a:endParaRPr>
+                    </a:p>
+                  </a:txBody>
+                  <a:tcPr>
+                    <a:lnL w="12700" cap="flat" cmpd="sng" algn="ctr">
+                      <a:solidFill>
+                        <a:schemeClr val="tx1"/>
+                      </a:solidFill>
+                      <a:prstDash val="solid"/>
+                      <a:round/>
+                      <a:headEnd type="none" w="med" len="med"/>
+                      <a:tailEnd type="none" w="med" len="med"/>
+                    </a:lnL>
+                    <a:lnR w="12700" cap="flat" cmpd="sng" algn="ctr">
+                      <a:solidFill>
+                        <a:schemeClr val="tx1"/>
+                      </a:solidFill>
+                      <a:prstDash val="solid"/>
+                      <a:round/>
+                      <a:headEnd type="none" w="med" len="med"/>
+                      <a:tailEnd type="none" w="med" len="med"/>
+                    </a:lnR>
+                    <a:lnT w="12700" cap="flat" cmpd="sng" algn="ctr">
+                      <a:solidFill>
+                        <a:schemeClr val="tx1"/>
+                      </a:solidFill>
+                      <a:prstDash val="solid"/>
+                      <a:round/>
+                      <a:headEnd type="none" w="med" len="med"/>
+                      <a:tailEnd type="none" w="med" len="med"/>
+                    </a:lnT>
+                    <a:lnB w="12700" cap="flat" cmpd="sng" algn="ctr">
+                      <a:solidFill>
+                        <a:schemeClr val="tx1"/>
+                      </a:solidFill>
+                      <a:prstDash val="solid"/>
+                      <a:round/>
+                      <a:headEnd type="none" w="med" len="med"/>
+                      <a:tailEnd type="none" w="med" len="med"/>
+                    </a:lnB>
+                    <a:noFill/>
+                  </a:tcPr>
+                </a:tc>
+                <a:tc>
+                  <a:txBody>
+                    <a:bodyPr/>
+                    <a:lstStyle/>
+                    <a:p>
+                      <a:r>
+                        <a:rPr lang="tr-TR" dirty="0">
+                          <a:solidFill>
+                            <a:sysClr val="windowText" lastClr="000000"/>
+                          </a:solidFill>
+                        </a:rPr>
+                        <a:t>MA in International Relations</a:t>
+                      </a:r>
+                    </a:p>
+                  </a:txBody>
+                  <a:tcPr>
+                    <a:lnL w="12700" cap="flat" cmpd="sng" algn="ctr">
+                      <a:solidFill>
+                        <a:schemeClr val="tx1"/>
+                      </a:solidFill>
+                      <a:prstDash val="solid"/>
+                      <a:round/>
+                      <a:headEnd type="none" w="med" len="med"/>
+                      <a:tailEnd type="none" w="med" len="med"/>
+                    </a:lnL>
+                    <a:lnR w="12700" cap="flat" cmpd="sng" algn="ctr">
+                      <a:solidFill>
+                        <a:schemeClr val="tx1"/>
+                      </a:solidFill>
+                      <a:prstDash val="solid"/>
+                      <a:round/>
+                      <a:headEnd type="none" w="med" len="med"/>
+                      <a:tailEnd type="none" w="med" len="med"/>
+                    </a:lnR>
+                    <a:lnT w="12700" cap="flat" cmpd="sng" algn="ctr">
+                      <a:solidFill>
+                        <a:schemeClr val="tx1"/>
+                      </a:solidFill>
+                      <a:prstDash val="solid"/>
+                      <a:round/>
+                      <a:headEnd type="none" w="med" len="med"/>
+                      <a:tailEnd type="none" w="med" len="med"/>
+                    </a:lnT>
+                    <a:lnB w="12700" cap="flat" cmpd="sng" algn="ctr">
+                      <a:solidFill>
+                        <a:schemeClr val="tx1"/>
+                      </a:solidFill>
+                      <a:prstDash val="solid"/>
+                      <a:round/>
+                      <a:headEnd type="none" w="med" len="med"/>
+                      <a:tailEnd type="none" w="med" len="med"/>
+                    </a:lnB>
+                    <a:noFill/>
+                  </a:tcPr>
+                </a:tc>
+                <a:tc>
+                  <a:txBody>
+                    <a:bodyPr/>
+                    <a:lstStyle/>
+                    <a:p>
+                      <a:r>
+                        <a:rPr lang="tr-TR" dirty="0">
+                          <a:solidFill>
+                            <a:sysClr val="windowText" lastClr="000000"/>
+                          </a:solidFill>
+                        </a:rPr>
+                        <a:t>2000-2002</a:t>
+                      </a:r>
+                    </a:p>
+                  </a:txBody>
+                  <a:tcPr>
+                    <a:lnL w="12700" cap="flat" cmpd="sng" algn="ctr">
+                      <a:solidFill>
+                        <a:schemeClr val="tx1"/>
+                      </a:solidFill>
+                      <a:prstDash val="solid"/>
+                      <a:round/>
+                      <a:headEnd type="none" w="med" len="med"/>
+                      <a:tailEnd type="none" w="med" len="med"/>
+                    </a:lnL>
+                    <a:lnR w="12700" cap="flat" cmpd="sng" algn="ctr">
+                      <a:solidFill>
+                        <a:schemeClr val="tx1"/>
+                      </a:solidFill>
+                      <a:prstDash val="solid"/>
+                      <a:round/>
+                      <a:headEnd type="none" w="med" len="med"/>
+                      <a:tailEnd type="none" w="med" len="med"/>
+                    </a:lnR>
+                    <a:lnT w="12700" cap="flat" cmpd="sng" algn="ctr">
+                      <a:solidFill>
+                        <a:schemeClr val="tx1"/>
+                      </a:solidFill>
+                      <a:prstDash val="solid"/>
+                      <a:round/>
+                      <a:headEnd type="none" w="med" len="med"/>
+                      <a:tailEnd type="none" w="med" len="med"/>
+                    </a:lnT>
+                    <a:lnB w="12700" cap="flat" cmpd="sng" algn="ctr">
+                      <a:solidFill>
+                        <a:schemeClr val="tx1"/>
+                      </a:solidFill>
+                      <a:prstDash val="solid"/>
+                      <a:round/>
+                      <a:headEnd type="none" w="med" len="med"/>
+                      <a:tailEnd type="none" w="med" len="med"/>
+                    </a:lnB>
+                    <a:noFill/>
+                  </a:tcPr>
+                </a:tc>
+                <a:tc>
+                  <a:txBody>
+                    <a:bodyPr/>
+                    <a:lstStyle/>
+                    <a:p>
+                      <a:r>
+                        <a:rPr lang="tr-TR" dirty="0">
+                          <a:solidFill>
+                            <a:sysClr val="windowText" lastClr="000000"/>
+                          </a:solidFill>
+                        </a:rPr>
+                        <a:t>3.39</a:t>
+                      </a:r>
+                    </a:p>
+                  </a:txBody>
+                  <a:tcPr>
+                    <a:lnL w="12700" cap="flat" cmpd="sng" algn="ctr">
+                      <a:solidFill>
+                        <a:schemeClr val="tx1"/>
+                      </a:solidFill>
+                      <a:prstDash val="solid"/>
+                      <a:round/>
+                      <a:headEnd type="none" w="med" len="med"/>
+                      <a:tailEnd type="none" w="med" len="med"/>
+                    </a:lnL>
+                    <a:lnR w="12700" cap="flat" cmpd="sng" algn="ctr">
+                      <a:solidFill>
+                        <a:schemeClr val="tx1"/>
+                      </a:solidFill>
+                      <a:prstDash val="solid"/>
+                      <a:round/>
+                      <a:headEnd type="none" w="med" len="med"/>
+                      <a:tailEnd type="none" w="med" len="med"/>
+                    </a:lnR>
+                    <a:lnT w="12700" cap="flat" cmpd="sng" algn="ctr">
+                      <a:solidFill>
+                        <a:schemeClr val="tx1"/>
+                      </a:solidFill>
+                      <a:prstDash val="solid"/>
+                      <a:round/>
+                      <a:headEnd type="none" w="med" len="med"/>
+                      <a:tailEnd type="none" w="med" len="med"/>
+                    </a:lnT>
+                    <a:lnB w="12700" cap="flat" cmpd="sng" algn="ctr">
+                      <a:solidFill>
+                        <a:schemeClr val="tx1"/>
+                      </a:solidFill>
+                      <a:prstDash val="solid"/>
+                      <a:round/>
+                      <a:headEnd type="none" w="med" len="med"/>
+                      <a:tailEnd type="none" w="med" len="med"/>
+                    </a:lnB>
+                    <a:noFill/>
+                  </a:tcPr>
+                </a:tc>
+                <a:tc>
+                  <a:txBody>
+                    <a:bodyPr/>
+                    <a:lstStyle/>
+                    <a:p>
+                      <a:endParaRPr lang="tr-TR" dirty="0">
+                        <a:solidFill>
+                          <a:sysClr val="windowText" lastClr="000000"/>
+                        </a:solidFill>
+                      </a:endParaRPr>
+                    </a:p>
+                  </a:txBody>
+                  <a:tcPr>
+                    <a:lnL w="12700" cap="flat" cmpd="sng" algn="ctr">
+                      <a:solidFill>
+                        <a:schemeClr val="tx1"/>
+                      </a:solidFill>
+                      <a:prstDash val="solid"/>
+                      <a:round/>
+                      <a:headEnd type="none" w="med" len="med"/>
+                      <a:tailEnd type="none" w="med" len="med"/>
+                    </a:lnL>
+                    <a:lnR w="12700" cap="flat" cmpd="sng" algn="ctr">
+                      <a:solidFill>
+                        <a:schemeClr val="tx1"/>
+                      </a:solidFill>
+                      <a:prstDash val="solid"/>
+                      <a:round/>
+                      <a:headEnd type="none" w="med" len="med"/>
+                      <a:tailEnd type="none" w="med" len="med"/>
+                    </a:lnR>
+                    <a:lnT w="12700" cap="flat" cmpd="sng" algn="ctr">
+                      <a:solidFill>
+                        <a:schemeClr val="tx1"/>
+                      </a:solidFill>
+                      <a:prstDash val="solid"/>
+                      <a:round/>
+                      <a:headEnd type="none" w="med" len="med"/>
+                      <a:tailEnd type="none" w="med" len="med"/>
+                    </a:lnT>
+                    <a:lnB w="12700" cap="flat" cmpd="sng" algn="ctr">
+                      <a:solidFill>
+                        <a:schemeClr val="tx1"/>
+                      </a:solidFill>
+                      <a:prstDash val="solid"/>
+                      <a:round/>
+                      <a:headEnd type="none" w="med" len="med"/>
+                      <a:tailEnd type="none" w="med" len="med"/>
+                    </a:lnB>
+                    <a:noFill/>
+                  </a:tcPr>
+                </a:tc>
+                <a:extLst>
+                  <a:ext uri="{0D108BD9-81ED-4DB2-BD59-A6C34878D82A}">
+                    <a16:rowId xmlns:a16="http://schemas.microsoft.com/office/drawing/2014/main" val="2627388503"/>
+                  </a:ext>
+                </a:extLst>
+              </a:tr>
+              <a:tr h="700858">
+                <a:tc>
+                  <a:txBody>
+                    <a:bodyPr/>
+                    <a:lstStyle/>
+                    <a:p>
+                      <a:r>
+                        <a:rPr lang="tr-TR" dirty="0">
+                          <a:solidFill>
+                            <a:sysClr val="windowText" lastClr="000000"/>
+                          </a:solidFill>
+                          <a:hlinkClick r:id="rId5" action="ppaction://hlinkfile"/>
+                        </a:rPr>
+                        <a:t>TMA Defence Science Institute</a:t>
+                      </a:r>
+                      <a:endParaRPr lang="tr-TR" dirty="0">
+                        <a:solidFill>
+                          <a:sysClr val="windowText" lastClr="000000"/>
+                        </a:solidFill>
+                      </a:endParaRPr>
+                    </a:p>
+                  </a:txBody>
+                  <a:tcPr>
+                    <a:lnL w="12700" cap="flat" cmpd="sng" algn="ctr">
+                      <a:solidFill>
+                        <a:schemeClr val="tx1"/>
+                      </a:solidFill>
+                      <a:prstDash val="solid"/>
+                      <a:round/>
+                      <a:headEnd type="none" w="med" len="med"/>
+                      <a:tailEnd type="none" w="med" len="med"/>
+                    </a:lnL>
+                    <a:lnR w="12700" cap="flat" cmpd="sng" algn="ctr">
+                      <a:solidFill>
+                        <a:schemeClr val="tx1"/>
+                      </a:solidFill>
+                      <a:prstDash val="solid"/>
+                      <a:round/>
+                      <a:headEnd type="none" w="med" len="med"/>
+                      <a:tailEnd type="none" w="med" len="med"/>
+                    </a:lnR>
+                    <a:lnT w="12700" cap="flat" cmpd="sng" algn="ctr">
+                      <a:solidFill>
+                        <a:schemeClr val="tx1"/>
+                      </a:solidFill>
+                      <a:prstDash val="solid"/>
+                      <a:round/>
+                      <a:headEnd type="none" w="med" len="med"/>
+                      <a:tailEnd type="none" w="med" len="med"/>
+                    </a:lnT>
+                    <a:lnB w="12700" cap="flat" cmpd="sng" algn="ctr">
+                      <a:solidFill>
+                        <a:schemeClr val="tx1"/>
+                      </a:solidFill>
+                      <a:prstDash val="solid"/>
+                      <a:round/>
+                      <a:headEnd type="none" w="med" len="med"/>
+                      <a:tailEnd type="none" w="med" len="med"/>
+                    </a:lnB>
+                    <a:noFill/>
+                  </a:tcPr>
+                </a:tc>
+                <a:tc>
+                  <a:txBody>
+                    <a:bodyPr/>
+                    <a:lstStyle/>
+                    <a:p>
+                      <a:r>
+                        <a:rPr lang="tr-TR" dirty="0">
+                          <a:solidFill>
+                            <a:sysClr val="windowText" lastClr="000000"/>
+                          </a:solidFill>
+                        </a:rPr>
+                        <a:t>MSc in Defense Management</a:t>
+                      </a:r>
+                    </a:p>
+                    <a:p>
+                      <a:r>
+                        <a:rPr lang="tr-TR" dirty="0">
+                          <a:solidFill>
+                            <a:srgbClr val="FF0000"/>
+                          </a:solidFill>
+                        </a:rPr>
+                        <a:t>Tract: Leadership</a:t>
+                      </a:r>
+                    </a:p>
+                  </a:txBody>
+                  <a:tcPr>
+                    <a:lnL w="12700" cap="flat" cmpd="sng" algn="ctr">
+                      <a:solidFill>
+                        <a:schemeClr val="tx1"/>
+                      </a:solidFill>
+                      <a:prstDash val="solid"/>
+                      <a:round/>
+                      <a:headEnd type="none" w="med" len="med"/>
+                      <a:tailEnd type="none" w="med" len="med"/>
+                    </a:lnL>
+                    <a:lnR w="12700" cap="flat" cmpd="sng" algn="ctr">
+                      <a:solidFill>
+                        <a:schemeClr val="tx1"/>
+                      </a:solidFill>
+                      <a:prstDash val="solid"/>
+                      <a:round/>
+                      <a:headEnd type="none" w="med" len="med"/>
+                      <a:tailEnd type="none" w="med" len="med"/>
+                    </a:lnR>
+                    <a:lnT w="12700" cap="flat" cmpd="sng" algn="ctr">
+                      <a:solidFill>
+                        <a:schemeClr val="tx1"/>
+                      </a:solidFill>
+                      <a:prstDash val="solid"/>
+                      <a:round/>
+                      <a:headEnd type="none" w="med" len="med"/>
+                      <a:tailEnd type="none" w="med" len="med"/>
+                    </a:lnT>
+                    <a:lnB w="12700" cap="flat" cmpd="sng" algn="ctr">
+                      <a:solidFill>
+                        <a:schemeClr val="tx1"/>
+                      </a:solidFill>
+                      <a:prstDash val="solid"/>
+                      <a:round/>
+                      <a:headEnd type="none" w="med" len="med"/>
+                      <a:tailEnd type="none" w="med" len="med"/>
+                    </a:lnB>
+                    <a:noFill/>
+                  </a:tcPr>
+                </a:tc>
+                <a:tc>
+                  <a:txBody>
+                    <a:bodyPr/>
+                    <a:lstStyle/>
+                    <a:p>
+                      <a:r>
+                        <a:rPr lang="tr-TR" dirty="0">
+                          <a:solidFill>
+                            <a:sysClr val="windowText" lastClr="000000"/>
+                          </a:solidFill>
+                        </a:rPr>
+                        <a:t>2002-2004</a:t>
+                      </a:r>
+                    </a:p>
+                  </a:txBody>
+                  <a:tcPr>
+                    <a:lnL w="12700" cap="flat" cmpd="sng" algn="ctr">
+                      <a:solidFill>
+                        <a:schemeClr val="tx1"/>
+                      </a:solidFill>
+                      <a:prstDash val="solid"/>
+                      <a:round/>
+                      <a:headEnd type="none" w="med" len="med"/>
+                      <a:tailEnd type="none" w="med" len="med"/>
+                    </a:lnL>
+                    <a:lnR w="12700" cap="flat" cmpd="sng" algn="ctr">
+                      <a:solidFill>
+                        <a:schemeClr val="tx1"/>
+                      </a:solidFill>
+                      <a:prstDash val="solid"/>
+                      <a:round/>
+                      <a:headEnd type="none" w="med" len="med"/>
+                      <a:tailEnd type="none" w="med" len="med"/>
+                    </a:lnR>
+                    <a:lnT w="12700" cap="flat" cmpd="sng" algn="ctr">
+                      <a:solidFill>
+                        <a:schemeClr val="tx1"/>
+                      </a:solidFill>
+                      <a:prstDash val="solid"/>
+                      <a:round/>
+                      <a:headEnd type="none" w="med" len="med"/>
+                      <a:tailEnd type="none" w="med" len="med"/>
+                    </a:lnT>
+                    <a:lnB w="12700" cap="flat" cmpd="sng" algn="ctr">
+                      <a:solidFill>
+                        <a:schemeClr val="tx1"/>
+                      </a:solidFill>
+                      <a:prstDash val="solid"/>
+                      <a:round/>
+                      <a:headEnd type="none" w="med" len="med"/>
+                      <a:tailEnd type="none" w="med" len="med"/>
+                    </a:lnB>
+                    <a:noFill/>
+                  </a:tcPr>
+                </a:tc>
+                <a:tc>
+                  <a:txBody>
+                    <a:bodyPr/>
+                    <a:lstStyle/>
+                    <a:p>
+                      <a:r>
+                        <a:rPr lang="tr-TR" dirty="0">
+                          <a:solidFill>
+                            <a:sysClr val="windowText" lastClr="000000"/>
+                          </a:solidFill>
+                        </a:rPr>
+                        <a:t>3.68</a:t>
+                      </a:r>
+                    </a:p>
+                  </a:txBody>
+                  <a:tcPr>
+                    <a:lnL w="12700" cap="flat" cmpd="sng" algn="ctr">
+                      <a:solidFill>
+                        <a:schemeClr val="tx1"/>
+                      </a:solidFill>
+                      <a:prstDash val="solid"/>
+                      <a:round/>
+                      <a:headEnd type="none" w="med" len="med"/>
+                      <a:tailEnd type="none" w="med" len="med"/>
+                    </a:lnL>
+                    <a:lnR w="12700" cap="flat" cmpd="sng" algn="ctr">
+                      <a:solidFill>
+                        <a:schemeClr val="tx1"/>
+                      </a:solidFill>
+                      <a:prstDash val="solid"/>
+                      <a:round/>
+                      <a:headEnd type="none" w="med" len="med"/>
+                      <a:tailEnd type="none" w="med" len="med"/>
+                    </a:lnR>
+                    <a:lnT w="12700" cap="flat" cmpd="sng" algn="ctr">
+                      <a:solidFill>
+                        <a:schemeClr val="tx1"/>
+                      </a:solidFill>
+                      <a:prstDash val="solid"/>
+                      <a:round/>
+                      <a:headEnd type="none" w="med" len="med"/>
+                      <a:tailEnd type="none" w="med" len="med"/>
+                    </a:lnT>
+                    <a:lnB w="12700" cap="flat" cmpd="sng" algn="ctr">
+                      <a:solidFill>
+                        <a:schemeClr val="tx1"/>
+                      </a:solidFill>
+                      <a:prstDash val="solid"/>
+                      <a:round/>
+                      <a:headEnd type="none" w="med" len="med"/>
+                      <a:tailEnd type="none" w="med" len="med"/>
+                    </a:lnB>
+                    <a:noFill/>
+                  </a:tcPr>
+                </a:tc>
+                <a:tc>
+                  <a:txBody>
+                    <a:bodyPr/>
+                    <a:lstStyle/>
+                    <a:p>
+                      <a:r>
+                        <a:rPr lang="tr-TR" b="1" dirty="0">
+                          <a:solidFill>
+                            <a:srgbClr val="FF0000"/>
+                          </a:solidFill>
+                        </a:rPr>
+                        <a:t>Honor List</a:t>
+                      </a:r>
+                    </a:p>
+                    <a:p>
+                      <a:r>
+                        <a:rPr lang="tr-TR" b="1" dirty="0">
+                          <a:solidFill>
+                            <a:schemeClr val="accent1">
+                              <a:lumMod val="75000"/>
+                            </a:schemeClr>
+                          </a:solidFill>
+                        </a:rPr>
+                        <a:t>Thesis:</a:t>
+                      </a:r>
+                      <a:r>
+                        <a:rPr lang="tr-TR" b="1" dirty="0">
+                          <a:solidFill>
+                            <a:schemeClr val="accent1"/>
+                          </a:solidFill>
+                        </a:rPr>
+                        <a:t> </a:t>
+                      </a:r>
+                      <a:r>
+                        <a:rPr lang="tr-TR" dirty="0">
+                          <a:solidFill>
+                            <a:sysClr val="windowText" lastClr="000000"/>
+                          </a:solidFill>
+                        </a:rPr>
+                        <a:t>Organizational Learning in TAF</a:t>
+                      </a:r>
+                    </a:p>
+                  </a:txBody>
+                  <a:tcPr>
+                    <a:lnL w="12700" cap="flat" cmpd="sng" algn="ctr">
+                      <a:solidFill>
+                        <a:schemeClr val="tx1"/>
+                      </a:solidFill>
+                      <a:prstDash val="solid"/>
+                      <a:round/>
+                      <a:headEnd type="none" w="med" len="med"/>
+                      <a:tailEnd type="none" w="med" len="med"/>
+                    </a:lnL>
+                    <a:lnR w="12700" cap="flat" cmpd="sng" algn="ctr">
+                      <a:solidFill>
+                        <a:schemeClr val="tx1"/>
+                      </a:solidFill>
+                      <a:prstDash val="solid"/>
+                      <a:round/>
+                      <a:headEnd type="none" w="med" len="med"/>
+                      <a:tailEnd type="none" w="med" len="med"/>
+                    </a:lnR>
+                    <a:lnT w="12700" cap="flat" cmpd="sng" algn="ctr">
+                      <a:solidFill>
+                        <a:schemeClr val="tx1"/>
+                      </a:solidFill>
+                      <a:prstDash val="solid"/>
+                      <a:round/>
+                      <a:headEnd type="none" w="med" len="med"/>
+                      <a:tailEnd type="none" w="med" len="med"/>
+                    </a:lnT>
+                    <a:lnB w="12700" cap="flat" cmpd="sng" algn="ctr">
+                      <a:solidFill>
+                        <a:schemeClr val="tx1"/>
+                      </a:solidFill>
+                      <a:prstDash val="solid"/>
+                      <a:round/>
+                      <a:headEnd type="none" w="med" len="med"/>
+                      <a:tailEnd type="none" w="med" len="med"/>
+                    </a:lnB>
+                    <a:noFill/>
+                  </a:tcPr>
+                </a:tc>
+                <a:extLst>
+                  <a:ext uri="{0D108BD9-81ED-4DB2-BD59-A6C34878D82A}">
+                    <a16:rowId xmlns:a16="http://schemas.microsoft.com/office/drawing/2014/main" val="2459620744"/>
+                  </a:ext>
+                </a:extLst>
+              </a:tr>
+              <a:tr h="700858">
+                <a:tc>
+                  <a:txBody>
+                    <a:bodyPr/>
+                    <a:lstStyle/>
+                    <a:p>
+                      <a:r>
+                        <a:rPr lang="tr-TR" dirty="0">
+                          <a:solidFill>
+                            <a:sysClr val="windowText" lastClr="000000"/>
+                          </a:solidFill>
+                          <a:hlinkClick r:id="rId6" action="ppaction://hlinkfile"/>
+                        </a:rPr>
+                        <a:t>Turkish Army War College</a:t>
+                      </a:r>
+                      <a:endParaRPr lang="tr-TR" dirty="0">
+                        <a:solidFill>
+                          <a:sysClr val="windowText" lastClr="000000"/>
+                        </a:solidFill>
+                      </a:endParaRPr>
+                    </a:p>
+                  </a:txBody>
+                  <a:tcPr>
+                    <a:lnL w="12700" cap="flat" cmpd="sng" algn="ctr">
+                      <a:solidFill>
+                        <a:schemeClr val="tx1"/>
+                      </a:solidFill>
+                      <a:prstDash val="solid"/>
+                      <a:round/>
+                      <a:headEnd type="none" w="med" len="med"/>
+                      <a:tailEnd type="none" w="med" len="med"/>
+                    </a:lnL>
+                    <a:lnR w="12700" cap="flat" cmpd="sng" algn="ctr">
+                      <a:solidFill>
+                        <a:schemeClr val="tx1"/>
+                      </a:solidFill>
+                      <a:prstDash val="solid"/>
+                      <a:round/>
+                      <a:headEnd type="none" w="med" len="med"/>
+                      <a:tailEnd type="none" w="med" len="med"/>
+                    </a:lnR>
+                    <a:lnT w="12700" cap="flat" cmpd="sng" algn="ctr">
+                      <a:solidFill>
+                        <a:schemeClr val="tx1"/>
+                      </a:solidFill>
+                      <a:prstDash val="solid"/>
+                      <a:round/>
+                      <a:headEnd type="none" w="med" len="med"/>
+                      <a:tailEnd type="none" w="med" len="med"/>
+                    </a:lnT>
+                    <a:lnB w="12700" cap="flat" cmpd="sng" algn="ctr">
+                      <a:solidFill>
+                        <a:schemeClr val="tx1"/>
+                      </a:solidFill>
+                      <a:prstDash val="solid"/>
+                      <a:round/>
+                      <a:headEnd type="none" w="med" len="med"/>
+                      <a:tailEnd type="none" w="med" len="med"/>
+                    </a:lnB>
+                    <a:noFill/>
+                  </a:tcPr>
+                </a:tc>
+                <a:tc>
+                  <a:txBody>
+                    <a:bodyPr/>
+                    <a:lstStyle/>
+                    <a:p>
+                      <a:r>
+                        <a:rPr lang="tr-TR" dirty="0">
+                          <a:solidFill>
+                            <a:sysClr val="windowText" lastClr="000000"/>
+                          </a:solidFill>
+                        </a:rPr>
+                        <a:t>MA in National and International Security Strategy Management and Leadership </a:t>
+                      </a:r>
+                    </a:p>
+                  </a:txBody>
+                  <a:tcPr>
+                    <a:lnL w="12700" cap="flat" cmpd="sng" algn="ctr">
+                      <a:solidFill>
+                        <a:schemeClr val="tx1"/>
+                      </a:solidFill>
+                      <a:prstDash val="solid"/>
+                      <a:round/>
+                      <a:headEnd type="none" w="med" len="med"/>
+                      <a:tailEnd type="none" w="med" len="med"/>
+                    </a:lnL>
+                    <a:lnR w="12700" cap="flat" cmpd="sng" algn="ctr">
+                      <a:solidFill>
+                        <a:schemeClr val="tx1"/>
+                      </a:solidFill>
+                      <a:prstDash val="solid"/>
+                      <a:round/>
+                      <a:headEnd type="none" w="med" len="med"/>
+                      <a:tailEnd type="none" w="med" len="med"/>
+                    </a:lnR>
+                    <a:lnT w="12700" cap="flat" cmpd="sng" algn="ctr">
+                      <a:solidFill>
+                        <a:schemeClr val="tx1"/>
+                      </a:solidFill>
+                      <a:prstDash val="solid"/>
+                      <a:round/>
+                      <a:headEnd type="none" w="med" len="med"/>
+                      <a:tailEnd type="none" w="med" len="med"/>
+                    </a:lnT>
+                    <a:lnB w="12700" cap="flat" cmpd="sng" algn="ctr">
+                      <a:solidFill>
+                        <a:schemeClr val="tx1"/>
+                      </a:solidFill>
+                      <a:prstDash val="solid"/>
+                      <a:round/>
+                      <a:headEnd type="none" w="med" len="med"/>
+                      <a:tailEnd type="none" w="med" len="med"/>
+                    </a:lnB>
+                    <a:noFill/>
+                  </a:tcPr>
+                </a:tc>
+                <a:tc>
+                  <a:txBody>
+                    <a:bodyPr/>
+                    <a:lstStyle/>
+                    <a:p>
+                      <a:r>
+                        <a:rPr lang="tr-TR" dirty="0">
+                          <a:solidFill>
+                            <a:sysClr val="windowText" lastClr="000000"/>
+                          </a:solidFill>
+                        </a:rPr>
+                        <a:t>2007-2009</a:t>
+                      </a:r>
+                    </a:p>
+                  </a:txBody>
+                  <a:tcPr>
+                    <a:lnL w="12700" cap="flat" cmpd="sng" algn="ctr">
+                      <a:solidFill>
+                        <a:schemeClr val="tx1"/>
+                      </a:solidFill>
+                      <a:prstDash val="solid"/>
+                      <a:round/>
+                      <a:headEnd type="none" w="med" len="med"/>
+                      <a:tailEnd type="none" w="med" len="med"/>
+                    </a:lnL>
+                    <a:lnR w="12700" cap="flat" cmpd="sng" algn="ctr">
+                      <a:solidFill>
+                        <a:schemeClr val="tx1"/>
+                      </a:solidFill>
+                      <a:prstDash val="solid"/>
+                      <a:round/>
+                      <a:headEnd type="none" w="med" len="med"/>
+                      <a:tailEnd type="none" w="med" len="med"/>
+                    </a:lnR>
+                    <a:lnT w="12700" cap="flat" cmpd="sng" algn="ctr">
+                      <a:solidFill>
+                        <a:schemeClr val="tx1"/>
+                      </a:solidFill>
+                      <a:prstDash val="solid"/>
+                      <a:round/>
+                      <a:headEnd type="none" w="med" len="med"/>
+                      <a:tailEnd type="none" w="med" len="med"/>
+                    </a:lnT>
+                    <a:lnB w="12700" cap="flat" cmpd="sng" algn="ctr">
+                      <a:solidFill>
+                        <a:schemeClr val="tx1"/>
+                      </a:solidFill>
+                      <a:prstDash val="solid"/>
+                      <a:round/>
+                      <a:headEnd type="none" w="med" len="med"/>
+                      <a:tailEnd type="none" w="med" len="med"/>
+                    </a:lnB>
+                    <a:noFill/>
+                  </a:tcPr>
+                </a:tc>
+                <a:tc>
+                  <a:txBody>
+                    <a:bodyPr/>
+                    <a:lstStyle/>
+                    <a:p>
+                      <a:r>
+                        <a:rPr lang="tr-TR" dirty="0">
+                          <a:solidFill>
+                            <a:sysClr val="windowText" lastClr="000000"/>
+                          </a:solidFill>
+                        </a:rPr>
+                        <a:t>87/100</a:t>
+                      </a:r>
+                    </a:p>
+                  </a:txBody>
+                  <a:tcPr>
+                    <a:lnL w="12700" cap="flat" cmpd="sng" algn="ctr">
+                      <a:solidFill>
+                        <a:schemeClr val="tx1"/>
+                      </a:solidFill>
+                      <a:prstDash val="solid"/>
+                      <a:round/>
+                      <a:headEnd type="none" w="med" len="med"/>
+                      <a:tailEnd type="none" w="med" len="med"/>
+                    </a:lnL>
+                    <a:lnR w="12700" cap="flat" cmpd="sng" algn="ctr">
+                      <a:solidFill>
+                        <a:schemeClr val="tx1"/>
+                      </a:solidFill>
+                      <a:prstDash val="solid"/>
+                      <a:round/>
+                      <a:headEnd type="none" w="med" len="med"/>
+                      <a:tailEnd type="none" w="med" len="med"/>
+                    </a:lnR>
+                    <a:lnT w="12700" cap="flat" cmpd="sng" algn="ctr">
+                      <a:solidFill>
+                        <a:schemeClr val="tx1"/>
+                      </a:solidFill>
+                      <a:prstDash val="solid"/>
+                      <a:round/>
+                      <a:headEnd type="none" w="med" len="med"/>
+                      <a:tailEnd type="none" w="med" len="med"/>
+                    </a:lnT>
+                    <a:lnB w="12700" cap="flat" cmpd="sng" algn="ctr">
+                      <a:solidFill>
+                        <a:schemeClr val="tx1"/>
+                      </a:solidFill>
+                      <a:prstDash val="solid"/>
+                      <a:round/>
+                      <a:headEnd type="none" w="med" len="med"/>
+                      <a:tailEnd type="none" w="med" len="med"/>
+                    </a:lnB>
+                    <a:noFill/>
+                  </a:tcPr>
+                </a:tc>
+                <a:tc>
+                  <a:txBody>
+                    <a:bodyPr/>
+                    <a:lstStyle/>
+                    <a:p>
+                      <a:endParaRPr lang="tr-TR" dirty="0">
+                        <a:solidFill>
+                          <a:sysClr val="windowText" lastClr="000000"/>
+                        </a:solidFill>
+                      </a:endParaRPr>
+                    </a:p>
+                  </a:txBody>
+                  <a:tcPr>
+                    <a:lnL w="12700" cap="flat" cmpd="sng" algn="ctr">
+                      <a:solidFill>
+                        <a:schemeClr val="tx1"/>
+                      </a:solidFill>
+                      <a:prstDash val="solid"/>
+                      <a:round/>
+                      <a:headEnd type="none" w="med" len="med"/>
+                      <a:tailEnd type="none" w="med" len="med"/>
+                    </a:lnL>
+                    <a:lnR w="12700" cap="flat" cmpd="sng" algn="ctr">
+                      <a:solidFill>
+                        <a:schemeClr val="tx1"/>
+                      </a:solidFill>
+                      <a:prstDash val="solid"/>
+                      <a:round/>
+                      <a:headEnd type="none" w="med" len="med"/>
+                      <a:tailEnd type="none" w="med" len="med"/>
+                    </a:lnR>
+                    <a:lnT w="12700" cap="flat" cmpd="sng" algn="ctr">
+                      <a:solidFill>
+                        <a:schemeClr val="tx1"/>
+                      </a:solidFill>
+                      <a:prstDash val="solid"/>
+                      <a:round/>
+                      <a:headEnd type="none" w="med" len="med"/>
+                      <a:tailEnd type="none" w="med" len="med"/>
+                    </a:lnT>
+                    <a:lnB w="12700" cap="flat" cmpd="sng" algn="ctr">
+                      <a:solidFill>
+                        <a:schemeClr val="tx1"/>
+                      </a:solidFill>
+                      <a:prstDash val="solid"/>
+                      <a:round/>
+                      <a:headEnd type="none" w="med" len="med"/>
+                      <a:tailEnd type="none" w="med" len="med"/>
+                    </a:lnB>
+                    <a:noFill/>
+                  </a:tcPr>
+                </a:tc>
+                <a:extLst>
+                  <a:ext uri="{0D108BD9-81ED-4DB2-BD59-A6C34878D82A}">
+                    <a16:rowId xmlns:a16="http://schemas.microsoft.com/office/drawing/2014/main" val="17004430"/>
+                  </a:ext>
+                </a:extLst>
+              </a:tr>
+            </a:tbl>
+          </a:graphicData>
+        </a:graphic>
+      </p:graphicFrame>
+    </p:spTree>
+    <p:extLst>
+      <p:ext uri="{BB962C8B-B14F-4D97-AF65-F5344CB8AC3E}">
+        <p14:creationId xmlns:p14="http://schemas.microsoft.com/office/powerpoint/2010/main" val="3654951708"/>
+      </p:ext>
+    </p:extLst>
+  </p:cSld>
+  <p:clrMapOvr>
+    <a:masterClrMapping/>
+  </p:clrMapOvr>
+</p:sld>
+</file>
+
+<file path=ppt/slides/slide3.xml><?xml version="1.0" encoding="utf-8"?>
+<p:sld xmlns:a="http://schemas.openxmlformats.org/drawingml/2006/main" xmlns:r="http://schemas.openxmlformats.org/officeDocument/2006/relationships" xmlns:p="http://schemas.openxmlformats.org/presentationml/2006/main">
+  <p:cSld>
+    <p:spTree>
+      <p:nvGrpSpPr>
+        <p:cNvPr id="1" name=""/>
+        <p:cNvGrpSpPr/>
+        <p:nvPr/>
+      </p:nvGrpSpPr>
+      <p:grpSpPr>
+        <a:xfrm>
+          <a:off x="0" y="0"/>
+          <a:ext cx="0" cy="0"/>
+          <a:chOff x="0" y="0"/>
+          <a:chExt cx="0" cy="0"/>
+        </a:xfrm>
+      </p:grpSpPr>
+      <p:sp>
+        <p:nvSpPr>
+          <p:cNvPr id="2" name="Title 1">
+            <a:extLst>
+              <a:ext uri="{FF2B5EF4-FFF2-40B4-BE49-F238E27FC236}">
+                <a16:creationId xmlns:a16="http://schemas.microsoft.com/office/drawing/2014/main" id="{2A32509F-DA44-4EDD-B94F-81B604F52FC8}"/>
+              </a:ext>
+            </a:extLst>
+          </p:cNvPr>
+          <p:cNvSpPr>
+            <a:spLocks noGrp="1"/>
+          </p:cNvSpPr>
+          <p:nvPr>
+            <p:ph type="title"/>
+          </p:nvPr>
+        </p:nvSpPr>
+        <p:spPr/>
+        <p:txBody>
+          <a:bodyPr>
+            <a:normAutofit/>
+          </a:bodyPr>
+          <a:lstStyle/>
+          <a:p>
+            <a:r>
+              <a:rPr lang="tr-TR" sz="3800" b="1" dirty="0"/>
+              <a:t>Start-up ~ Explaining Research Proposal</a:t>
             </a:r>
           </a:p>
         </p:txBody>
@@ -4730,11 +8485,11 @@
           <a:p>
             <a:r>
               <a:rPr lang="tr-TR" sz="2600" b="1" dirty="0"/>
-              <a:t>What will be my research area? </a:t>
+              <a:t>Abstract: </a:t>
             </a:r>
             <a:r>
               <a:rPr lang="tr-TR" sz="2600" dirty="0"/>
-              <a:t>Morale and Leadership factors in explaining the result of the battle. </a:t>
+              <a:t>Morale and Leadership factors in explaining the result of the battle.  	</a:t>
             </a:r>
           </a:p>
         </p:txBody>
@@ -4752,7 +8507,7 @@
 </p:sld>
 </file>
 
-<file path=ppt/slides/slide3.xml><?xml version="1.0" encoding="utf-8"?>
+<file path=ppt/slides/slide4.xml><?xml version="1.0" encoding="utf-8"?>
 <p:sld xmlns:a="http://schemas.openxmlformats.org/drawingml/2006/main" xmlns:r="http://schemas.openxmlformats.org/officeDocument/2006/relationships" xmlns:p="http://schemas.openxmlformats.org/presentationml/2006/main">
   <p:cSld>
     <p:spTree>
@@ -4820,7 +8575,7 @@
           <p:nvPr>
             <p:extLst>
               <p:ext uri="{D42A27DB-BD31-4B8C-83A1-F6EECF244321}">
-                <p14:modId xmlns:p14="http://schemas.microsoft.com/office/powerpoint/2010/main" val="1217637491"/>
+                <p14:modId xmlns:p14="http://schemas.microsoft.com/office/powerpoint/2010/main" val="2587448590"/>
               </p:ext>
             </p:extLst>
           </p:nvPr>
@@ -5978,7 +9733,7 @@
                           <a:ea typeface="+mn-ea"/>
                           <a:cs typeface="+mn-cs"/>
                         </a:rPr>
-                        <a:t>Dupuy, 1988</a:t>
+                        <a:t>Dupuy, 1987</a:t>
                       </a:r>
                     </a:p>
                   </a:txBody>
@@ -6525,7 +10280,7 @@
 </p:sld>
 </file>
 
-<file path=ppt/slides/slide4.xml><?xml version="1.0" encoding="utf-8"?>
+<file path=ppt/slides/slide5.xml><?xml version="1.0" encoding="utf-8"?>
 <p:sld xmlns:a="http://schemas.openxmlformats.org/drawingml/2006/main" xmlns:r="http://schemas.openxmlformats.org/officeDocument/2006/relationships" xmlns:p="http://schemas.openxmlformats.org/presentationml/2006/main">
   <p:cSld>
     <p:spTree>
@@ -6558,7 +10313,12 @@
             <p:ph type="title"/>
           </p:nvPr>
         </p:nvSpPr>
-        <p:spPr/>
+        <p:spPr>
+          <a:xfrm>
+            <a:off x="838200" y="136359"/>
+            <a:ext cx="10515600" cy="1325563"/>
+          </a:xfrm>
+        </p:spPr>
         <p:txBody>
           <a:bodyPr>
             <a:normAutofit/>
@@ -6566,7 +10326,11 @@
           <a:lstStyle/>
           <a:p>
             <a:r>
-              <a:rPr lang="tr-TR" sz="3800" b="1" dirty="0"/>
+              <a:rPr lang="tr-TR" sz="3800" b="1" dirty="0">
+                <a:solidFill>
+                  <a:srgbClr val="FF0000"/>
+                </a:solidFill>
+              </a:rPr>
               <a:t>Research Objectives and Methodology</a:t>
             </a:r>
           </a:p>
@@ -6588,7 +10352,12 @@
             <p:ph idx="1"/>
           </p:nvPr>
         </p:nvSpPr>
-        <p:spPr/>
+        <p:spPr>
+          <a:xfrm>
+            <a:off x="838200" y="1202169"/>
+            <a:ext cx="10758055" cy="5219413"/>
+          </a:xfrm>
+        </p:spPr>
         <p:txBody>
           <a:bodyPr>
             <a:normAutofit/>
@@ -6596,27 +10365,35 @@
           <a:lstStyle/>
           <a:p>
             <a:r>
-              <a:rPr lang="tr-TR" sz="2200" dirty="0"/>
+              <a:rPr lang="tr-TR" sz="2400" b="1" dirty="0">
+                <a:solidFill>
+                  <a:srgbClr val="0070C0"/>
+                </a:solidFill>
+              </a:rPr>
               <a:t>Gaps: </a:t>
             </a:r>
           </a:p>
           <a:p>
             <a:pPr lvl="1"/>
             <a:r>
-              <a:rPr lang="tr-TR" sz="1800" dirty="0"/>
+              <a:rPr lang="tr-TR" b="1" dirty="0"/>
               <a:t>Morale and leadership factors are not analyzed thoroughly</a:t>
             </a:r>
           </a:p>
           <a:p>
             <a:pPr lvl="1"/>
             <a:r>
-              <a:rPr lang="tr-TR" sz="1800" dirty="0"/>
+              <a:rPr lang="tr-TR" b="1" dirty="0"/>
               <a:t>Datasets are limited</a:t>
             </a:r>
           </a:p>
           <a:p>
             <a:r>
-              <a:rPr lang="tr-TR" sz="2200" dirty="0"/>
+              <a:rPr lang="tr-TR" sz="2400" b="1" dirty="0">
+                <a:solidFill>
+                  <a:srgbClr val="0070C0"/>
+                </a:solidFill>
+              </a:rPr>
               <a:t>Research questions:</a:t>
             </a:r>
           </a:p>
@@ -6630,34 +10407,37 @@
               </a:spcAft>
             </a:pPr>
             <a:r>
-              <a:rPr lang="en-US" sz="1800" dirty="0">
+              <a:rPr lang="en-US" b="1" dirty="0">
                 <a:effectLst/>
                 <a:latin typeface="Calibri" panose="020F0502020204030204" pitchFamily="34" charset="0"/>
                 <a:ea typeface="Times New Roman" panose="02020603050405020304" pitchFamily="18" charset="0"/>
               </a:rPr>
-              <a:t>What is the degree of explanatory power of force ratios and other relative combat power factors on the outcome of the battles fought between state actors within the time periods of Napoleonic time battles (years between 1750-1850) and 2</a:t>
-            </a:r>
-            <a:r>
-              <a:rPr lang="en-US" sz="1800" baseline="30000" dirty="0">
+              <a:t>What is the degree of explanatory power of combat power </a:t>
+            </a:r>
+            <a:r>
+              <a:rPr lang="tr-TR" b="1" dirty="0">
                 <a:effectLst/>
                 <a:latin typeface="Calibri" panose="020F0502020204030204" pitchFamily="34" charset="0"/>
                 <a:ea typeface="Times New Roman" panose="02020603050405020304" pitchFamily="18" charset="0"/>
               </a:rPr>
-              <a:t>nd</a:t>
-            </a:r>
-            <a:r>
-              <a:rPr lang="en-US" sz="1800" dirty="0">
+              <a:t>elements including force ratios </a:t>
+            </a:r>
+            <a:r>
+              <a:rPr lang="en-US" b="1" dirty="0">
                 <a:effectLst/>
                 <a:latin typeface="Calibri" panose="020F0502020204030204" pitchFamily="34" charset="0"/>
                 <a:ea typeface="Times New Roman" panose="02020603050405020304" pitchFamily="18" charset="0"/>
               </a:rPr>
-              <a:t> world war and afterwards?</a:t>
-            </a:r>
-            <a:endParaRPr lang="tr-TR" sz="1800" dirty="0">
-              <a:effectLst/>
-              <a:latin typeface="Times New Roman" panose="02020603050405020304" pitchFamily="18" charset="0"/>
-              <a:ea typeface="Times New Roman" panose="02020603050405020304" pitchFamily="18" charset="0"/>
-            </a:endParaRPr>
+              <a:t>on the outcome of the battles fought between state actors</a:t>
+            </a:r>
+            <a:r>
+              <a:rPr lang="tr-TR" b="1" dirty="0">
+                <a:effectLst/>
+                <a:latin typeface="Calibri" panose="020F0502020204030204" pitchFamily="34" charset="0"/>
+                <a:ea typeface="Times New Roman" panose="02020603050405020304" pitchFamily="18" charset="0"/>
+              </a:rPr>
+              <a:t>?</a:t>
+            </a:r>
           </a:p>
           <a:p>
             <a:pPr lvl="1" algn="just">
@@ -6669,44 +10449,92 @@
               </a:spcAft>
             </a:pPr>
             <a:r>
-              <a:rPr lang="en-US" sz="1800" dirty="0">
+              <a:rPr lang="en-US" b="1" dirty="0">
                 <a:effectLst/>
                 <a:latin typeface="Calibri" panose="020F0502020204030204" pitchFamily="34" charset="0"/>
                 <a:ea typeface="Times New Roman" panose="02020603050405020304" pitchFamily="18" charset="0"/>
               </a:rPr>
-              <a:t>What is the leverage of morale and leadership on the outcome of these battles?</a:t>
-            </a:r>
-            <a:endParaRPr lang="tr-TR" sz="1800" dirty="0">
+              <a:t>What is the leverage of </a:t>
+            </a:r>
+            <a:r>
+              <a:rPr lang="tr-TR" b="1" dirty="0">
+                <a:effectLst/>
+                <a:latin typeface="Calibri" panose="020F0502020204030204" pitchFamily="34" charset="0"/>
+                <a:ea typeface="Times New Roman" panose="02020603050405020304" pitchFamily="18" charset="0"/>
+              </a:rPr>
+              <a:t>leadership and </a:t>
+            </a:r>
+            <a:r>
+              <a:rPr lang="en-US" b="1" dirty="0">
+                <a:effectLst/>
+                <a:latin typeface="Calibri" panose="020F0502020204030204" pitchFamily="34" charset="0"/>
+                <a:ea typeface="Times New Roman" panose="02020603050405020304" pitchFamily="18" charset="0"/>
+              </a:rPr>
+              <a:t>morale on the outcome of these battles?</a:t>
+            </a:r>
+            <a:endParaRPr lang="tr-TR" b="1" dirty="0">
               <a:effectLst/>
               <a:latin typeface="Calibri" panose="020F0502020204030204" pitchFamily="34" charset="0"/>
               <a:ea typeface="Times New Roman" panose="02020603050405020304" pitchFamily="18" charset="0"/>
             </a:endParaRPr>
           </a:p>
           <a:p>
-            <a:pPr marL="457200" lvl="1" indent="0" algn="just">
+            <a:pPr>
+              <a:spcAft>
+                <a:spcPts val="600"/>
+              </a:spcAft>
+            </a:pPr>
+            <a:r>
+              <a:rPr lang="tr-TR" sz="2400" b="1" dirty="0">
+                <a:solidFill>
+                  <a:srgbClr val="0070C0"/>
+                </a:solidFill>
+              </a:rPr>
+              <a:t>Research Objectives: </a:t>
+            </a:r>
+          </a:p>
+          <a:p>
+            <a:pPr lvl="1" algn="just">
               <a:spcBef>
                 <a:spcPts val="600"/>
               </a:spcBef>
               <a:spcAft>
                 <a:spcPts val="600"/>
               </a:spcAft>
-              <a:buNone/>
             </a:pPr>
             <a:r>
-              <a:rPr lang="tr-TR" sz="1800" dirty="0">
+              <a:rPr lang="tr-TR" b="1" dirty="0">
                 <a:latin typeface="Calibri" panose="020F0502020204030204" pitchFamily="34" charset="0"/>
-                <a:ea typeface="Times New Roman" panose="02020603050405020304" pitchFamily="18" charset="0"/>
-              </a:rPr>
-              <a:t>(Exploring the variance power of morale&amp;leadership by mass exploitation of other known quantifiable variables)</a:t>
-            </a:r>
-            <a:endParaRPr lang="tr-TR" sz="1800" dirty="0">
-              <a:effectLst/>
-              <a:latin typeface="Times New Roman" panose="02020603050405020304" pitchFamily="18" charset="0"/>
-              <a:ea typeface="Times New Roman" panose="02020603050405020304" pitchFamily="18" charset="0"/>
+              </a:rPr>
+              <a:t>To </a:t>
+            </a:r>
+            <a:r>
+              <a:rPr lang="en-US" b="1" dirty="0">
+                <a:latin typeface="Calibri" panose="020F0502020204030204" pitchFamily="34" charset="0"/>
+              </a:rPr>
+              <a:t>develop a mathematical model which will identify explanatory powers of material and nonmaterial elements </a:t>
+            </a:r>
+            <a:r>
+              <a:rPr lang="en-US" b="1" dirty="0">
+                <a:solidFill>
+                  <a:schemeClr val="accent1"/>
+                </a:solidFill>
+                <a:latin typeface="Calibri" panose="020F0502020204030204" pitchFamily="34" charset="0"/>
+              </a:rPr>
+              <a:t>as predictors of victory </a:t>
+            </a:r>
+            <a:r>
+              <a:rPr lang="en-US" b="1" dirty="0">
+                <a:latin typeface="Calibri" panose="020F0502020204030204" pitchFamily="34" charset="0"/>
+              </a:rPr>
+              <a:t>or defeat at the battlefield</a:t>
+            </a:r>
+            <a:endParaRPr lang="tr-TR" b="1" dirty="0">
+              <a:latin typeface="Calibri" panose="020F0502020204030204" pitchFamily="34" charset="0"/>
             </a:endParaRPr>
           </a:p>
           <a:p>
-            <a:endParaRPr lang="tr-TR" sz="2200" dirty="0"/>
+            <a:endParaRPr lang="tr-TR" sz="2400" b="1" dirty="0"/>
           </a:p>
         </p:txBody>
       </p:sp>
@@ -6723,7 +10551,152 @@
 </p:sld>
 </file>
 
-<file path=ppt/slides/slide5.xml><?xml version="1.0" encoding="utf-8"?>
+<file path=ppt/slides/slide6.xml><?xml version="1.0" encoding="utf-8"?>
+<p:sld xmlns:a="http://schemas.openxmlformats.org/drawingml/2006/main" xmlns:r="http://schemas.openxmlformats.org/officeDocument/2006/relationships" xmlns:p="http://schemas.openxmlformats.org/presentationml/2006/main">
+  <p:cSld>
+    <p:spTree>
+      <p:nvGrpSpPr>
+        <p:cNvPr id="1" name=""/>
+        <p:cNvGrpSpPr/>
+        <p:nvPr/>
+      </p:nvGrpSpPr>
+      <p:grpSpPr>
+        <a:xfrm>
+          <a:off x="0" y="0"/>
+          <a:ext cx="0" cy="0"/>
+          <a:chOff x="0" y="0"/>
+          <a:chExt cx="0" cy="0"/>
+        </a:xfrm>
+      </p:grpSpPr>
+      <p:sp>
+        <p:nvSpPr>
+          <p:cNvPr id="2" name="Title 1">
+            <a:extLst>
+              <a:ext uri="{FF2B5EF4-FFF2-40B4-BE49-F238E27FC236}">
+                <a16:creationId xmlns:a16="http://schemas.microsoft.com/office/drawing/2014/main" id="{C95DFB23-7DAB-4095-87FF-FC03A273CD23}"/>
+              </a:ext>
+            </a:extLst>
+          </p:cNvPr>
+          <p:cNvSpPr>
+            <a:spLocks noGrp="1"/>
+          </p:cNvSpPr>
+          <p:nvPr>
+            <p:ph type="title"/>
+          </p:nvPr>
+        </p:nvSpPr>
+        <p:spPr>
+          <a:xfrm>
+            <a:off x="838200" y="500062"/>
+            <a:ext cx="10515600" cy="1325563"/>
+          </a:xfrm>
+        </p:spPr>
+        <p:txBody>
+          <a:bodyPr>
+            <a:normAutofit/>
+          </a:bodyPr>
+          <a:lstStyle/>
+          <a:p>
+            <a:r>
+              <a:rPr lang="tr-TR" sz="3200" b="1" dirty="0">
+                <a:solidFill>
+                  <a:srgbClr val="FF0000"/>
+                </a:solidFill>
+              </a:rPr>
+              <a:t>Background and Study Value</a:t>
+            </a:r>
+          </a:p>
+        </p:txBody>
+      </p:sp>
+      <p:sp>
+        <p:nvSpPr>
+          <p:cNvPr id="3" name="Content Placeholder 2">
+            <a:extLst>
+              <a:ext uri="{FF2B5EF4-FFF2-40B4-BE49-F238E27FC236}">
+                <a16:creationId xmlns:a16="http://schemas.microsoft.com/office/drawing/2014/main" id="{6E83DAD4-E1FB-42B5-823F-BE4DA93FE00E}"/>
+              </a:ext>
+            </a:extLst>
+          </p:cNvPr>
+          <p:cNvSpPr>
+            <a:spLocks noGrp="1"/>
+          </p:cNvSpPr>
+          <p:nvPr>
+            <p:ph idx="1"/>
+          </p:nvPr>
+        </p:nvSpPr>
+        <p:spPr/>
+        <p:txBody>
+          <a:bodyPr/>
+          <a:lstStyle/>
+          <a:p>
+            <a:r>
+              <a:rPr lang="tr-TR" b="1" dirty="0"/>
+              <a:t>Why this study: </a:t>
+            </a:r>
+          </a:p>
+          <a:p>
+            <a:pPr lvl="1"/>
+            <a:r>
+              <a:rPr lang="tr-TR" dirty="0"/>
+              <a:t>Leadership and morale never explained in a model for the prediction of the outcome of the battle.</a:t>
+            </a:r>
+          </a:p>
+          <a:p>
+            <a:pPr lvl="1"/>
+            <a:r>
+              <a:rPr lang="tr-TR" dirty="0"/>
+              <a:t>New data analysis tools presents powerful exploitation opportunities for new insights. </a:t>
+            </a:r>
+          </a:p>
+          <a:p>
+            <a:pPr lvl="1"/>
+            <a:endParaRPr lang="tr-TR" dirty="0"/>
+          </a:p>
+          <a:p>
+            <a:r>
+              <a:rPr lang="tr-TR" b="1" dirty="0"/>
+              <a:t>Study Value: </a:t>
+            </a:r>
+          </a:p>
+          <a:p>
+            <a:pPr lvl="1"/>
+            <a:r>
+              <a:rPr lang="tr-TR" dirty="0"/>
+              <a:t>May be utilized in Wargaming</a:t>
+            </a:r>
+          </a:p>
+          <a:p>
+            <a:pPr lvl="1"/>
+            <a:r>
+              <a:rPr lang="tr-TR" dirty="0"/>
+              <a:t>Prediction of future conflicts</a:t>
+            </a:r>
+          </a:p>
+          <a:p>
+            <a:pPr lvl="1"/>
+            <a:r>
+              <a:rPr lang="tr-TR" dirty="0"/>
+              <a:t>Place in literature. </a:t>
+            </a:r>
+          </a:p>
+          <a:p>
+            <a:endParaRPr lang="tr-TR" dirty="0"/>
+          </a:p>
+        </p:txBody>
+      </p:sp>
+    </p:spTree>
+    <p:extLst>
+      <p:ext uri="{BB962C8B-B14F-4D97-AF65-F5344CB8AC3E}">
+        <p14:creationId xmlns:p14="http://schemas.microsoft.com/office/powerpoint/2010/main" val="397040262"/>
+      </p:ext>
+    </p:extLst>
+  </p:cSld>
+  <p:clrMapOvr>
+    <a:masterClrMapping/>
+  </p:clrMapOvr>
+</p:sld>
+</file>
+
+<file path=ppt/slides/slide7.xml><?xml version="1.0" encoding="utf-8"?>
 <p:sld xmlns:a="http://schemas.openxmlformats.org/drawingml/2006/main" xmlns:r="http://schemas.openxmlformats.org/officeDocument/2006/relationships" xmlns:p="http://schemas.openxmlformats.org/presentationml/2006/main">
   <p:cSld>
     <p:spTree>
@@ -6759,19 +10732,38 @@
         <p:spPr>
           <a:xfrm>
             <a:off x="346881" y="229613"/>
-            <a:ext cx="3893547" cy="628788"/>
+            <a:ext cx="4918331" cy="628788"/>
           </a:xfrm>
         </p:spPr>
         <p:txBody>
           <a:bodyPr>
-            <a:normAutofit fontScale="90000"/>
+            <a:noAutofit/>
           </a:bodyPr>
           <a:lstStyle/>
           <a:p>
             <a:pPr algn="ctr"/>
             <a:r>
-              <a:rPr lang="tr-TR" b="1" dirty="0"/>
-              <a:t>Research Model</a:t>
+              <a:rPr lang="tr-TR" sz="3200" b="1" dirty="0">
+                <a:solidFill>
+                  <a:srgbClr val="FF0000"/>
+                </a:solidFill>
+              </a:rPr>
+              <a:t>Research Model&amp;</a:t>
+            </a:r>
+            <a:br>
+              <a:rPr lang="tr-TR" sz="3200" b="1" dirty="0">
+                <a:solidFill>
+                  <a:srgbClr val="FF0000"/>
+                </a:solidFill>
+              </a:rPr>
+            </a:br>
+            <a:r>
+              <a:rPr lang="tr-TR" sz="3200" b="1" dirty="0">
+                <a:solidFill>
+                  <a:srgbClr val="FF0000"/>
+                </a:solidFill>
+              </a:rPr>
+              <a:t>Conceptual Framework</a:t>
             </a:r>
           </a:p>
         </p:txBody>
@@ -7047,7 +11039,7 @@
             <a:pPr algn="ctr"/>
             <a:r>
               <a:rPr lang="tr-TR" b="1" dirty="0"/>
-              <a:t>Military Personnel</a:t>
+              <a:t>Military Expenditure</a:t>
             </a:r>
           </a:p>
         </p:txBody>
@@ -7094,7 +11086,7 @@
             <a:pPr algn="ctr"/>
             <a:r>
               <a:rPr lang="tr-TR" b="1" dirty="0"/>
-              <a:t>Military Expenditure</a:t>
+              <a:t>Weapon System&amp;Platforms</a:t>
             </a:r>
           </a:p>
         </p:txBody>
@@ -7141,7 +11133,7 @@
             <a:pPr algn="ctr"/>
             <a:r>
               <a:rPr lang="tr-TR" b="1" dirty="0"/>
-              <a:t>GNP</a:t>
+              <a:t>Population</a:t>
             </a:r>
           </a:p>
         </p:txBody>
@@ -7188,7 +11180,14 @@
             <a:pPr algn="ctr"/>
             <a:r>
               <a:rPr lang="tr-TR" b="1" dirty="0"/>
-              <a:t>Population</a:t>
+              <a:t>Military </a:t>
+            </a:r>
+          </a:p>
+          <a:p>
+            <a:pPr algn="ctr"/>
+            <a:r>
+              <a:rPr lang="tr-TR" b="1" dirty="0"/>
+              <a:t>Personnel</a:t>
             </a:r>
           </a:p>
         </p:txBody>
@@ -7294,14 +11293,13 @@
             </a:extLst>
           </p:cNvPr>
           <p:cNvCxnSpPr>
-            <a:stCxn id="11" idx="3"/>
-            <a:endCxn id="4" idx="1"/>
+            <a:cxnSpLocks/>
           </p:cNvCxnSpPr>
           <p:nvPr/>
         </p:nvCxnSpPr>
         <p:spPr>
           <a:xfrm>
-            <a:off x="2799967" y="2196143"/>
+            <a:off x="2799967" y="2215193"/>
             <a:ext cx="6425495" cy="1142661"/>
           </a:xfrm>
           <a:prstGeom prst="bentConnector3">
@@ -7338,14 +11336,13 @@
             </a:extLst>
           </p:cNvPr>
           <p:cNvCxnSpPr>
-            <a:stCxn id="12" idx="3"/>
-            <a:endCxn id="4" idx="1"/>
+            <a:cxnSpLocks/>
           </p:cNvCxnSpPr>
           <p:nvPr/>
         </p:nvCxnSpPr>
         <p:spPr>
           <a:xfrm>
-            <a:off x="2799967" y="2865014"/>
+            <a:off x="2799967" y="2887239"/>
             <a:ext cx="6425495" cy="473790"/>
           </a:xfrm>
           <a:prstGeom prst="bentConnector3">
@@ -7382,14 +11379,13 @@
             </a:extLst>
           </p:cNvPr>
           <p:cNvCxnSpPr>
-            <a:stCxn id="9" idx="3"/>
-            <a:endCxn id="4" idx="1"/>
+            <a:cxnSpLocks/>
           </p:cNvCxnSpPr>
           <p:nvPr/>
         </p:nvCxnSpPr>
         <p:spPr>
           <a:xfrm flipV="1">
-            <a:off x="2799966" y="3338804"/>
+            <a:off x="2799966" y="3357854"/>
             <a:ext cx="6425496" cy="195081"/>
           </a:xfrm>
           <a:prstGeom prst="bentConnector3">
@@ -7426,14 +11422,13 @@
             </a:extLst>
           </p:cNvPr>
           <p:cNvCxnSpPr>
-            <a:stCxn id="10" idx="3"/>
-            <a:endCxn id="4" idx="1"/>
+            <a:cxnSpLocks/>
           </p:cNvCxnSpPr>
           <p:nvPr/>
         </p:nvCxnSpPr>
         <p:spPr>
           <a:xfrm flipV="1">
-            <a:off x="2799965" y="3338804"/>
+            <a:off x="2799965" y="3361029"/>
             <a:ext cx="6425497" cy="863952"/>
           </a:xfrm>
           <a:prstGeom prst="bentConnector3">
@@ -7470,14 +11465,13 @@
             </a:extLst>
           </p:cNvPr>
           <p:cNvCxnSpPr>
-            <a:stCxn id="14" idx="3"/>
-            <a:endCxn id="4" idx="1"/>
+            <a:cxnSpLocks/>
           </p:cNvCxnSpPr>
           <p:nvPr/>
         </p:nvCxnSpPr>
         <p:spPr>
           <a:xfrm flipV="1">
-            <a:off x="2799964" y="3338804"/>
+            <a:off x="2799964" y="3357854"/>
             <a:ext cx="6425498" cy="1532823"/>
           </a:xfrm>
           <a:prstGeom prst="bentConnector3">
@@ -7514,14 +11508,13 @@
             </a:extLst>
           </p:cNvPr>
           <p:cNvCxnSpPr>
-            <a:stCxn id="6" idx="2"/>
-            <a:endCxn id="4" idx="1"/>
+            <a:cxnSpLocks/>
           </p:cNvCxnSpPr>
           <p:nvPr/>
         </p:nvCxnSpPr>
         <p:spPr>
           <a:xfrm rot="16200000" flipH="1">
-            <a:off x="6705132" y="818473"/>
+            <a:off x="6705132" y="839255"/>
             <a:ext cx="1687681" cy="3352980"/>
           </a:xfrm>
           <a:prstGeom prst="bentConnector2">
@@ -7553,14 +11546,13 @@
             </a:extLst>
           </p:cNvPr>
           <p:cNvCxnSpPr>
-            <a:stCxn id="8" idx="2"/>
-            <a:endCxn id="4" idx="1"/>
+            <a:cxnSpLocks/>
           </p:cNvCxnSpPr>
           <p:nvPr/>
         </p:nvCxnSpPr>
         <p:spPr>
           <a:xfrm rot="16200000" flipH="1">
-            <a:off x="7874385" y="1987726"/>
+            <a:off x="7874385" y="2008508"/>
             <a:ext cx="1692009" cy="1010146"/>
           </a:xfrm>
           <a:prstGeom prst="bentConnector2">
@@ -7630,7 +11622,19 @@
             </a:pPr>
             <a:r>
               <a:rPr lang="tr-TR" dirty="0"/>
-              <a:t>Comprehensive Case study on selected 2 battles</a:t>
+              <a:t>Comprehensive </a:t>
+            </a:r>
+            <a:r>
+              <a:rPr lang="tr-TR" b="1" dirty="0">
+                <a:solidFill>
+                  <a:srgbClr val="FF0000"/>
+                </a:solidFill>
+              </a:rPr>
+              <a:t>Case study </a:t>
+            </a:r>
+            <a:r>
+              <a:rPr lang="tr-TR" dirty="0"/>
+              <a:t>on selected 2 battles</a:t>
             </a:r>
           </a:p>
           <a:p>
@@ -7739,7 +11743,7 @@
             <a:pPr algn="ctr"/>
             <a:r>
               <a:rPr lang="tr-TR" dirty="0"/>
-              <a:t>Regression analysis to explain difference in variance by each factor </a:t>
+              <a:t>Multiple Regression analysis to explain difference in variance by each factor </a:t>
             </a:r>
           </a:p>
         </p:txBody>
@@ -7791,6 +11795,93 @@
           </a:fontRef>
         </p:style>
       </p:cxnSp>
+      <p:sp>
+        <p:nvSpPr>
+          <p:cNvPr id="25" name="Rectangle: Rounded Corners 24">
+            <a:extLst>
+              <a:ext uri="{FF2B5EF4-FFF2-40B4-BE49-F238E27FC236}">
+                <a16:creationId xmlns:a16="http://schemas.microsoft.com/office/drawing/2014/main" id="{A818BA3E-4575-456B-9F27-CACE3D53B1CB}"/>
+              </a:ext>
+            </a:extLst>
+          </p:cNvPr>
+          <p:cNvSpPr/>
+          <p:nvPr/>
+        </p:nvSpPr>
+        <p:spPr>
+          <a:xfrm>
+            <a:off x="779670" y="1232443"/>
+            <a:ext cx="2020293" cy="527413"/>
+          </a:xfrm>
+          <a:prstGeom prst="roundRect">
+            <a:avLst/>
+          </a:prstGeom>
+        </p:spPr>
+        <p:style>
+          <a:lnRef idx="2">
+            <a:schemeClr val="accent6"/>
+          </a:lnRef>
+          <a:fillRef idx="1">
+            <a:schemeClr val="lt1"/>
+          </a:fillRef>
+          <a:effectRef idx="0">
+            <a:schemeClr val="accent6"/>
+          </a:effectRef>
+          <a:fontRef idx="minor">
+            <a:schemeClr val="dk1"/>
+          </a:fontRef>
+        </p:style>
+        <p:txBody>
+          <a:bodyPr rtlCol="0" anchor="ctr"/>
+          <a:lstStyle/>
+          <a:p>
+            <a:pPr algn="ctr"/>
+            <a:r>
+              <a:rPr lang="tr-TR" b="1" dirty="0"/>
+              <a:t>GNP</a:t>
+            </a:r>
+          </a:p>
+        </p:txBody>
+      </p:sp>
+      <p:cxnSp>
+        <p:nvCxnSpPr>
+          <p:cNvPr id="15" name="Connector: Elbow 14">
+            <a:extLst>
+              <a:ext uri="{FF2B5EF4-FFF2-40B4-BE49-F238E27FC236}">
+                <a16:creationId xmlns:a16="http://schemas.microsoft.com/office/drawing/2014/main" id="{70F06F30-BE24-45D8-8ED1-8FFA2C164B92}"/>
+              </a:ext>
+            </a:extLst>
+          </p:cNvPr>
+          <p:cNvCxnSpPr>
+            <a:cxnSpLocks/>
+          </p:cNvCxnSpPr>
+          <p:nvPr/>
+        </p:nvCxnSpPr>
+        <p:spPr>
+          <a:xfrm>
+            <a:off x="2799963" y="1499543"/>
+            <a:ext cx="6161244" cy="1863509"/>
+          </a:xfrm>
+          <a:prstGeom prst="bentConnector3">
+            <a:avLst>
+              <a:gd name="adj1" fmla="val 31253"/>
+            </a:avLst>
+          </a:prstGeom>
+        </p:spPr>
+        <p:style>
+          <a:lnRef idx="1">
+            <a:schemeClr val="accent1"/>
+          </a:lnRef>
+          <a:fillRef idx="0">
+            <a:schemeClr val="accent1"/>
+          </a:fillRef>
+          <a:effectRef idx="0">
+            <a:schemeClr val="accent1"/>
+          </a:effectRef>
+          <a:fontRef idx="minor">
+            <a:schemeClr val="tx1"/>
+          </a:fontRef>
+        </p:style>
+      </p:cxnSp>
     </p:spTree>
     <p:extLst>
       <p:ext uri="{BB962C8B-B14F-4D97-AF65-F5344CB8AC3E}">
@@ -7804,7 +11895,7 @@
 </p:sld>
 </file>
 
-<file path=ppt/slides/slide6.xml><?xml version="1.0" encoding="utf-8"?>
+<file path=ppt/slides/slide8.xml><?xml version="1.0" encoding="utf-8"?>
 <p:sld xmlns:a="http://schemas.openxmlformats.org/drawingml/2006/main" xmlns:r="http://schemas.openxmlformats.org/officeDocument/2006/relationships" xmlns:p="http://schemas.openxmlformats.org/presentationml/2006/main">
   <p:cSld>
     <p:spTree>
@@ -7851,7 +11942,7 @@
           <a:p>
             <a:r>
               <a:rPr lang="tr-TR" sz="3200" b="1" dirty="0"/>
-              <a:t>Multi-Regression Analysis Steps</a:t>
+              <a:t>Multi-Regression Analysis</a:t>
             </a:r>
           </a:p>
         </p:txBody>
@@ -8297,94 +12388,6 @@
           </a:fontRef>
         </p:style>
       </p:cxnSp>
-      <p:sp>
-        <p:nvSpPr>
-          <p:cNvPr id="21" name="TextBox 20">
-            <a:extLst>
-              <a:ext uri="{FF2B5EF4-FFF2-40B4-BE49-F238E27FC236}">
-                <a16:creationId xmlns:a16="http://schemas.microsoft.com/office/drawing/2014/main" id="{2360553C-4D30-44AB-BF3C-C493278FAA5A}"/>
-              </a:ext>
-            </a:extLst>
-          </p:cNvPr>
-          <p:cNvSpPr txBox="1"/>
-          <p:nvPr/>
-        </p:nvSpPr>
-        <p:spPr>
-          <a:xfrm>
-            <a:off x="4654557" y="3173506"/>
-            <a:ext cx="422031" cy="461665"/>
-          </a:xfrm>
-          <a:prstGeom prst="rect">
-            <a:avLst/>
-          </a:prstGeom>
-          <a:noFill/>
-        </p:spPr>
-        <p:txBody>
-          <a:bodyPr wrap="square">
-            <a:spAutoFit/>
-          </a:bodyPr>
-          <a:lstStyle/>
-          <a:p>
-            <a:r>
-              <a:rPr lang="en-US" sz="2400" b="1" dirty="0">
-                <a:solidFill>
-                  <a:srgbClr val="0000FF"/>
-                </a:solidFill>
-                <a:effectLst/>
-                <a:latin typeface="Arial" panose="020B0604020202020204" pitchFamily="34" charset="0"/>
-                <a:ea typeface="PMingLiU" panose="020B0604030504040204" pitchFamily="18" charset="-120"/>
-                <a:cs typeface="Times New Roman" panose="02020603050405020304" pitchFamily="18" charset="0"/>
-                <a:sym typeface="Symbol" panose="05050102010706020507" pitchFamily="18" charset="2"/>
-              </a:rPr>
-              <a:t></a:t>
-            </a:r>
-            <a:endParaRPr lang="tr-TR" sz="2400" b="1" dirty="0"/>
-          </a:p>
-        </p:txBody>
-      </p:sp>
-      <p:sp>
-        <p:nvSpPr>
-          <p:cNvPr id="23" name="TextBox 22">
-            <a:extLst>
-              <a:ext uri="{FF2B5EF4-FFF2-40B4-BE49-F238E27FC236}">
-                <a16:creationId xmlns:a16="http://schemas.microsoft.com/office/drawing/2014/main" id="{920491DA-10F4-466E-A08B-27625D9D70B0}"/>
-              </a:ext>
-            </a:extLst>
-          </p:cNvPr>
-          <p:cNvSpPr txBox="1"/>
-          <p:nvPr/>
-        </p:nvSpPr>
-        <p:spPr>
-          <a:xfrm>
-            <a:off x="7688386" y="3244334"/>
-            <a:ext cx="323557" cy="369332"/>
-          </a:xfrm>
-          <a:prstGeom prst="rect">
-            <a:avLst/>
-          </a:prstGeom>
-          <a:noFill/>
-        </p:spPr>
-        <p:txBody>
-          <a:bodyPr wrap="square">
-            <a:spAutoFit/>
-          </a:bodyPr>
-          <a:lstStyle/>
-          <a:p>
-            <a:r>
-              <a:rPr lang="en-US" sz="1800" b="1" dirty="0">
-                <a:solidFill>
-                  <a:srgbClr val="0000FF"/>
-                </a:solidFill>
-                <a:effectLst/>
-                <a:latin typeface="Arial" panose="020B0604020202020204" pitchFamily="34" charset="0"/>
-                <a:ea typeface="PMingLiU" panose="020B0604030504040204" pitchFamily="18" charset="-120"/>
-              </a:rPr>
-              <a:t>β</a:t>
-            </a:r>
-            <a:endParaRPr lang="tr-TR" b="1" dirty="0"/>
-          </a:p>
-        </p:txBody>
-      </p:sp>
     </p:spTree>
     <p:extLst>
       <p:ext uri="{BB962C8B-B14F-4D97-AF65-F5344CB8AC3E}">
@@ -8398,7 +12401,7 @@
 </p:sld>
 </file>
 
-<file path=ppt/slides/slide7.xml><?xml version="1.0" encoding="utf-8"?>
+<file path=ppt/slides/slide9.xml><?xml version="1.0" encoding="utf-8"?>
 <p:sld xmlns:a="http://schemas.openxmlformats.org/drawingml/2006/main" xmlns:r="http://schemas.openxmlformats.org/officeDocument/2006/relationships" xmlns:p="http://schemas.openxmlformats.org/presentationml/2006/main">
   <p:cSld>
     <p:spTree>
@@ -9723,321 +13726,6 @@
     <p:extLst>
       <p:ext uri="{BB962C8B-B14F-4D97-AF65-F5344CB8AC3E}">
         <p14:creationId xmlns:p14="http://schemas.microsoft.com/office/powerpoint/2010/main" val="4220300459"/>
-      </p:ext>
-    </p:extLst>
-  </p:cSld>
-  <p:clrMapOvr>
-    <a:masterClrMapping/>
-  </p:clrMapOvr>
-</p:sld>
-</file>
-
-<file path=ppt/slides/slide8.xml><?xml version="1.0" encoding="utf-8"?>
-<p:sld xmlns:a="http://schemas.openxmlformats.org/drawingml/2006/main" xmlns:r="http://schemas.openxmlformats.org/officeDocument/2006/relationships" xmlns:p="http://schemas.openxmlformats.org/presentationml/2006/main">
-  <p:cSld>
-    <p:spTree>
-      <p:nvGrpSpPr>
-        <p:cNvPr id="1" name=""/>
-        <p:cNvGrpSpPr/>
-        <p:nvPr/>
-      </p:nvGrpSpPr>
-      <p:grpSpPr>
-        <a:xfrm>
-          <a:off x="0" y="0"/>
-          <a:ext cx="0" cy="0"/>
-          <a:chOff x="0" y="0"/>
-          <a:chExt cx="0" cy="0"/>
-        </a:xfrm>
-      </p:grpSpPr>
-      <p:sp>
-        <p:nvSpPr>
-          <p:cNvPr id="2" name="Title 1">
-            <a:extLst>
-              <a:ext uri="{FF2B5EF4-FFF2-40B4-BE49-F238E27FC236}">
-                <a16:creationId xmlns:a16="http://schemas.microsoft.com/office/drawing/2014/main" id="{2A32509F-DA44-4EDD-B94F-81B604F52FC8}"/>
-              </a:ext>
-            </a:extLst>
-          </p:cNvPr>
-          <p:cNvSpPr>
-            <a:spLocks noGrp="1"/>
-          </p:cNvSpPr>
-          <p:nvPr>
-            <p:ph type="title"/>
-          </p:nvPr>
-        </p:nvSpPr>
-        <p:spPr/>
-        <p:txBody>
-          <a:bodyPr>
-            <a:normAutofit/>
-          </a:bodyPr>
-          <a:lstStyle/>
-          <a:p>
-            <a:r>
-              <a:rPr lang="tr-TR" sz="3800" b="1" dirty="0"/>
-              <a:t>Conclusion</a:t>
-            </a:r>
-          </a:p>
-        </p:txBody>
-      </p:sp>
-      <p:sp>
-        <p:nvSpPr>
-          <p:cNvPr id="3" name="Content Placeholder 2">
-            <a:extLst>
-              <a:ext uri="{FF2B5EF4-FFF2-40B4-BE49-F238E27FC236}">
-                <a16:creationId xmlns:a16="http://schemas.microsoft.com/office/drawing/2014/main" id="{2C026011-2C80-4C6B-9B4B-AFCA99DC2C6B}"/>
-              </a:ext>
-            </a:extLst>
-          </p:cNvPr>
-          <p:cNvSpPr>
-            <a:spLocks noGrp="1"/>
-          </p:cNvSpPr>
-          <p:nvPr>
-            <p:ph idx="1"/>
-          </p:nvPr>
-        </p:nvSpPr>
-        <p:spPr>
-          <a:xfrm>
-            <a:off x="838200" y="1825625"/>
-            <a:ext cx="10515600" cy="3520098"/>
-          </a:xfrm>
-        </p:spPr>
-        <p:txBody>
-          <a:bodyPr>
-            <a:normAutofit/>
-          </a:bodyPr>
-          <a:lstStyle/>
-          <a:p>
-            <a:r>
-              <a:rPr lang="tr-TR" sz="2200" b="1" dirty="0">
-                <a:solidFill>
-                  <a:srgbClr val="000000"/>
-                </a:solidFill>
-                <a:effectLst/>
-                <a:latin typeface="Calibri" panose="020F0502020204030204" pitchFamily="34" charset="0"/>
-                <a:ea typeface="Times New Roman" panose="02020603050405020304" pitchFamily="18" charset="0"/>
-              </a:rPr>
-              <a:t>This research will;</a:t>
-            </a:r>
-          </a:p>
-          <a:p>
-            <a:pPr marL="0" indent="0">
-              <a:buNone/>
-            </a:pPr>
-            <a:endParaRPr lang="tr-TR" sz="2200" b="1" dirty="0">
-              <a:solidFill>
-                <a:srgbClr val="000000"/>
-              </a:solidFill>
-              <a:effectLst/>
-              <a:latin typeface="Calibri" panose="020F0502020204030204" pitchFamily="34" charset="0"/>
-              <a:ea typeface="Times New Roman" panose="02020603050405020304" pitchFamily="18" charset="0"/>
-            </a:endParaRPr>
-          </a:p>
-          <a:p>
-            <a:pPr lvl="1"/>
-            <a:r>
-              <a:rPr lang="tr-TR" sz="2200" dirty="0">
-                <a:solidFill>
-                  <a:srgbClr val="000000"/>
-                </a:solidFill>
-                <a:effectLst/>
-                <a:latin typeface="Calibri" panose="020F0502020204030204" pitchFamily="34" charset="0"/>
-                <a:ea typeface="Times New Roman" panose="02020603050405020304" pitchFamily="18" charset="0"/>
-              </a:rPr>
-              <a:t>Find </a:t>
-            </a:r>
-            <a:r>
-              <a:rPr lang="en-US" sz="2200" dirty="0">
-                <a:solidFill>
-                  <a:srgbClr val="000000"/>
-                </a:solidFill>
-                <a:effectLst/>
-                <a:latin typeface="Calibri" panose="020F0502020204030204" pitchFamily="34" charset="0"/>
-                <a:ea typeface="Times New Roman" panose="02020603050405020304" pitchFamily="18" charset="0"/>
-              </a:rPr>
-              <a:t>the </a:t>
-            </a:r>
-            <a:r>
-              <a:rPr lang="en-US" sz="2200" dirty="0">
-                <a:solidFill>
-                  <a:srgbClr val="FF0000"/>
-                </a:solidFill>
-                <a:effectLst/>
-                <a:latin typeface="Calibri" panose="020F0502020204030204" pitchFamily="34" charset="0"/>
-                <a:ea typeface="Times New Roman" panose="02020603050405020304" pitchFamily="18" charset="0"/>
-              </a:rPr>
-              <a:t>explanatory power of </a:t>
-            </a:r>
-            <a:r>
-              <a:rPr lang="tr-TR" sz="2200" dirty="0">
-                <a:solidFill>
-                  <a:srgbClr val="FF0000"/>
-                </a:solidFill>
-                <a:effectLst/>
-                <a:latin typeface="Calibri" panose="020F0502020204030204" pitchFamily="34" charset="0"/>
-                <a:ea typeface="Times New Roman" panose="02020603050405020304" pitchFamily="18" charset="0"/>
-              </a:rPr>
-              <a:t>morale and leadership </a:t>
-            </a:r>
-            <a:r>
-              <a:rPr lang="en-US" sz="2200" dirty="0">
-                <a:solidFill>
-                  <a:srgbClr val="000000"/>
-                </a:solidFill>
-                <a:effectLst/>
-                <a:latin typeface="Calibri" panose="020F0502020204030204" pitchFamily="34" charset="0"/>
-                <a:ea typeface="Times New Roman" panose="02020603050405020304" pitchFamily="18" charset="0"/>
-              </a:rPr>
-              <a:t>along with force ratios </a:t>
-            </a:r>
-            <a:r>
-              <a:rPr lang="tr-TR" sz="2200" dirty="0">
-                <a:solidFill>
-                  <a:srgbClr val="000000"/>
-                </a:solidFill>
-                <a:effectLst/>
-                <a:latin typeface="Calibri" panose="020F0502020204030204" pitchFamily="34" charset="0"/>
-                <a:ea typeface="Times New Roman" panose="02020603050405020304" pitchFamily="18" charset="0"/>
-              </a:rPr>
-              <a:t>and </a:t>
-            </a:r>
-            <a:r>
-              <a:rPr lang="en-US" sz="2200" dirty="0">
-                <a:solidFill>
-                  <a:srgbClr val="000000"/>
-                </a:solidFill>
-                <a:effectLst/>
-                <a:latin typeface="Calibri" panose="020F0502020204030204" pitchFamily="34" charset="0"/>
-                <a:ea typeface="Times New Roman" panose="02020603050405020304" pitchFamily="18" charset="0"/>
-              </a:rPr>
-              <a:t>other relative combat power factors</a:t>
-            </a:r>
-            <a:r>
-              <a:rPr lang="tr-TR" sz="2200" dirty="0">
-                <a:solidFill>
-                  <a:srgbClr val="000000"/>
-                </a:solidFill>
-                <a:effectLst/>
-                <a:latin typeface="Calibri" panose="020F0502020204030204" pitchFamily="34" charset="0"/>
-                <a:ea typeface="Times New Roman" panose="02020603050405020304" pitchFamily="18" charset="0"/>
-              </a:rPr>
-              <a:t> </a:t>
-            </a:r>
-            <a:r>
-              <a:rPr lang="en-US" sz="2200" dirty="0">
-                <a:solidFill>
-                  <a:srgbClr val="000000"/>
-                </a:solidFill>
-                <a:effectLst/>
-                <a:latin typeface="Calibri" panose="020F0502020204030204" pitchFamily="34" charset="0"/>
-                <a:ea typeface="Times New Roman" panose="02020603050405020304" pitchFamily="18" charset="0"/>
-              </a:rPr>
-              <a:t>for the outcome of the battle</a:t>
-            </a:r>
-            <a:r>
-              <a:rPr lang="tr-TR" sz="2200" dirty="0">
-                <a:solidFill>
-                  <a:srgbClr val="000000"/>
-                </a:solidFill>
-                <a:latin typeface="Calibri" panose="020F0502020204030204" pitchFamily="34" charset="0"/>
-                <a:ea typeface="Times New Roman" panose="02020603050405020304" pitchFamily="18" charset="0"/>
-              </a:rPr>
-              <a:t>,</a:t>
-            </a:r>
-          </a:p>
-          <a:p>
-            <a:pPr marL="457200" lvl="1" indent="0">
-              <a:buNone/>
-            </a:pPr>
-            <a:endParaRPr lang="tr-TR" sz="2200" dirty="0">
-              <a:solidFill>
-                <a:srgbClr val="000000"/>
-              </a:solidFill>
-              <a:effectLst/>
-              <a:latin typeface="Calibri" panose="020F0502020204030204" pitchFamily="34" charset="0"/>
-              <a:ea typeface="Times New Roman" panose="02020603050405020304" pitchFamily="18" charset="0"/>
-            </a:endParaRPr>
-          </a:p>
-          <a:p>
-            <a:pPr lvl="1"/>
-            <a:r>
-              <a:rPr lang="tr-TR" sz="2200" dirty="0">
-                <a:solidFill>
-                  <a:srgbClr val="000000"/>
-                </a:solidFill>
-                <a:latin typeface="Calibri" panose="020F0502020204030204" pitchFamily="34" charset="0"/>
-              </a:rPr>
-              <a:t>Develop a </a:t>
-            </a:r>
-            <a:r>
-              <a:rPr lang="tr-TR" sz="2200" dirty="0">
-                <a:solidFill>
-                  <a:srgbClr val="FF0000"/>
-                </a:solidFill>
-                <a:latin typeface="Calibri" panose="020F0502020204030204" pitchFamily="34" charset="0"/>
-              </a:rPr>
-              <a:t>mathematical model</a:t>
-            </a:r>
-            <a:r>
-              <a:rPr lang="tr-TR" sz="2200" dirty="0">
-                <a:solidFill>
-                  <a:srgbClr val="000000"/>
-                </a:solidFill>
-                <a:latin typeface="Calibri" panose="020F0502020204030204" pitchFamily="34" charset="0"/>
-              </a:rPr>
-              <a:t>,</a:t>
-            </a:r>
-          </a:p>
-          <a:p>
-            <a:pPr marL="457200" lvl="1" indent="0">
-              <a:buNone/>
-            </a:pPr>
-            <a:endParaRPr lang="tr-TR" sz="2200" dirty="0">
-              <a:solidFill>
-                <a:srgbClr val="000000"/>
-              </a:solidFill>
-              <a:latin typeface="Calibri" panose="020F0502020204030204" pitchFamily="34" charset="0"/>
-            </a:endParaRPr>
-          </a:p>
-          <a:p>
-            <a:pPr lvl="1"/>
-            <a:r>
-              <a:rPr lang="tr-TR" sz="2200" dirty="0">
-                <a:solidFill>
-                  <a:srgbClr val="000000"/>
-                </a:solidFill>
-                <a:latin typeface="Calibri" panose="020F0502020204030204" pitchFamily="34" charset="0"/>
-              </a:rPr>
-              <a:t>Use </a:t>
-            </a:r>
-            <a:r>
-              <a:rPr lang="tr-TR" sz="2200" dirty="0">
-                <a:solidFill>
-                  <a:srgbClr val="FF0000"/>
-                </a:solidFill>
-                <a:latin typeface="Calibri" panose="020F0502020204030204" pitchFamily="34" charset="0"/>
-              </a:rPr>
-              <a:t>Python Programming Language</a:t>
-            </a:r>
-            <a:r>
-              <a:rPr lang="tr-TR" sz="2200" dirty="0">
-                <a:solidFill>
-                  <a:srgbClr val="000000"/>
-                </a:solidFill>
-                <a:latin typeface="Calibri" panose="020F0502020204030204" pitchFamily="34" charset="0"/>
-              </a:rPr>
-              <a:t> as a mean of statistical analysis. </a:t>
-            </a:r>
-          </a:p>
-          <a:p>
-            <a:pPr lvl="1"/>
-            <a:endParaRPr lang="tr-TR" sz="2200" dirty="0"/>
-          </a:p>
-        </p:txBody>
-      </p:sp>
-    </p:spTree>
-    <p:extLst>
-      <p:ext uri="{BB962C8B-B14F-4D97-AF65-F5344CB8AC3E}">
-        <p14:creationId xmlns:p14="http://schemas.microsoft.com/office/powerpoint/2010/main" val="3284161706"/>
       </p:ext>
     </p:extLst>
   </p:cSld>

--- a/PhD Discussion.pptx
+++ b/PhD Discussion.pptx
@@ -5,7 +5,7 @@
     <p:sldMasterId id="2147483648" r:id="rId1"/>
   </p:sldMasterIdLst>
   <p:notesMasterIdLst>
-    <p:notesMasterId r:id="rId12"/>
+    <p:notesMasterId r:id="rId20"/>
   </p:notesMasterIdLst>
   <p:sldIdLst>
     <p:sldId id="256" r:id="rId2"/>
@@ -18,6 +18,14 @@
     <p:sldId id="263" r:id="rId9"/>
     <p:sldId id="261" r:id="rId10"/>
     <p:sldId id="262" r:id="rId11"/>
+    <p:sldId id="266" r:id="rId12"/>
+    <p:sldId id="267" r:id="rId13"/>
+    <p:sldId id="268" r:id="rId14"/>
+    <p:sldId id="269" r:id="rId15"/>
+    <p:sldId id="270" r:id="rId16"/>
+    <p:sldId id="272" r:id="rId17"/>
+    <p:sldId id="274" r:id="rId18"/>
+    <p:sldId id="276" r:id="rId19"/>
   </p:sldIdLst>
   <p:sldSz cx="12192000" cy="6858000"/>
   <p:notesSz cx="6797675" cy="9926638"/>
@@ -206,7 +214,7 @@
           <a:p>
             <a:fld id="{6B01098C-58D5-4DCB-8B6F-D5224BBD065F}" type="datetimeFigureOut">
               <a:rPr lang="tr-TR" smtClean="0"/>
-              <a:t>25.05.2021</a:t>
+              <a:t>26.11.2021</a:t>
             </a:fld>
             <a:endParaRPr lang="tr-TR"/>
           </a:p>
@@ -642,6 +650,1322 @@
 </p:notes>
 </file>
 
+<file path=ppt/notesSlides/notesSlide11.xml><?xml version="1.0" encoding="utf-8"?>
+<p:notes xmlns:a="http://schemas.openxmlformats.org/drawingml/2006/main" xmlns:r="http://schemas.openxmlformats.org/officeDocument/2006/relationships" xmlns:p="http://schemas.openxmlformats.org/presentationml/2006/main">
+  <p:cSld>
+    <p:spTree>
+      <p:nvGrpSpPr>
+        <p:cNvPr id="1" name=""/>
+        <p:cNvGrpSpPr/>
+        <p:nvPr/>
+      </p:nvGrpSpPr>
+      <p:grpSpPr>
+        <a:xfrm>
+          <a:off x="0" y="0"/>
+          <a:ext cx="0" cy="0"/>
+          <a:chOff x="0" y="0"/>
+          <a:chExt cx="0" cy="0"/>
+        </a:xfrm>
+      </p:grpSpPr>
+      <p:sp>
+        <p:nvSpPr>
+          <p:cNvPr id="2" name="Slide Image Placeholder 1"/>
+          <p:cNvSpPr>
+            <a:spLocks noGrp="1" noRot="1" noChangeAspect="1"/>
+          </p:cNvSpPr>
+          <p:nvPr>
+            <p:ph type="sldImg"/>
+          </p:nvPr>
+        </p:nvSpPr>
+        <p:spPr/>
+      </p:sp>
+      <p:sp>
+        <p:nvSpPr>
+          <p:cNvPr id="3" name="Notes Placeholder 2"/>
+          <p:cNvSpPr>
+            <a:spLocks noGrp="1"/>
+          </p:cNvSpPr>
+          <p:nvPr>
+            <p:ph type="body" idx="1"/>
+          </p:nvPr>
+        </p:nvSpPr>
+        <p:spPr/>
+        <p:txBody>
+          <a:bodyPr/>
+          <a:lstStyle/>
+          <a:p>
+            <a:endParaRPr lang="tr-TR" dirty="0"/>
+          </a:p>
+        </p:txBody>
+      </p:sp>
+      <p:sp>
+        <p:nvSpPr>
+          <p:cNvPr id="4" name="Slide Number Placeholder 3"/>
+          <p:cNvSpPr>
+            <a:spLocks noGrp="1"/>
+          </p:cNvSpPr>
+          <p:nvPr>
+            <p:ph type="sldNum" sz="quarter" idx="5"/>
+          </p:nvPr>
+        </p:nvSpPr>
+        <p:spPr/>
+        <p:txBody>
+          <a:bodyPr/>
+          <a:lstStyle/>
+          <a:p>
+            <a:fld id="{344A4FEE-B134-42F3-BC71-245FBE6217C8}" type="slidenum">
+              <a:rPr lang="tr-TR" smtClean="0"/>
+              <a:t>11</a:t>
+            </a:fld>
+            <a:endParaRPr lang="tr-TR"/>
+          </a:p>
+        </p:txBody>
+      </p:sp>
+    </p:spTree>
+    <p:extLst>
+      <p:ext uri="{BB962C8B-B14F-4D97-AF65-F5344CB8AC3E}">
+        <p14:creationId xmlns:p14="http://schemas.microsoft.com/office/powerpoint/2010/main" val="3345803125"/>
+      </p:ext>
+    </p:extLst>
+  </p:cSld>
+  <p:clrMapOvr>
+    <a:masterClrMapping/>
+  </p:clrMapOvr>
+</p:notes>
+</file>
+
+<file path=ppt/notesSlides/notesSlide12.xml><?xml version="1.0" encoding="utf-8"?>
+<p:notes xmlns:a="http://schemas.openxmlformats.org/drawingml/2006/main" xmlns:r="http://schemas.openxmlformats.org/officeDocument/2006/relationships" xmlns:p="http://schemas.openxmlformats.org/presentationml/2006/main">
+  <p:cSld>
+    <p:spTree>
+      <p:nvGrpSpPr>
+        <p:cNvPr id="1" name=""/>
+        <p:cNvGrpSpPr/>
+        <p:nvPr/>
+      </p:nvGrpSpPr>
+      <p:grpSpPr>
+        <a:xfrm>
+          <a:off x="0" y="0"/>
+          <a:ext cx="0" cy="0"/>
+          <a:chOff x="0" y="0"/>
+          <a:chExt cx="0" cy="0"/>
+        </a:xfrm>
+      </p:grpSpPr>
+      <p:sp>
+        <p:nvSpPr>
+          <p:cNvPr id="2" name="Slide Image Placeholder 1"/>
+          <p:cNvSpPr>
+            <a:spLocks noGrp="1" noRot="1" noChangeAspect="1"/>
+          </p:cNvSpPr>
+          <p:nvPr>
+            <p:ph type="sldImg"/>
+          </p:nvPr>
+        </p:nvSpPr>
+        <p:spPr/>
+      </p:sp>
+      <p:sp>
+        <p:nvSpPr>
+          <p:cNvPr id="3" name="Notes Placeholder 2"/>
+          <p:cNvSpPr>
+            <a:spLocks noGrp="1"/>
+          </p:cNvSpPr>
+          <p:nvPr>
+            <p:ph type="body" idx="1"/>
+          </p:nvPr>
+        </p:nvSpPr>
+        <p:spPr/>
+        <p:txBody>
+          <a:bodyPr/>
+          <a:lstStyle/>
+          <a:p>
+            <a:endParaRPr lang="tr-TR" dirty="0"/>
+          </a:p>
+        </p:txBody>
+      </p:sp>
+      <p:sp>
+        <p:nvSpPr>
+          <p:cNvPr id="4" name="Slide Number Placeholder 3"/>
+          <p:cNvSpPr>
+            <a:spLocks noGrp="1"/>
+          </p:cNvSpPr>
+          <p:nvPr>
+            <p:ph type="sldNum" sz="quarter" idx="5"/>
+          </p:nvPr>
+        </p:nvSpPr>
+        <p:spPr/>
+        <p:txBody>
+          <a:bodyPr/>
+          <a:lstStyle/>
+          <a:p>
+            <a:fld id="{344A4FEE-B134-42F3-BC71-245FBE6217C8}" type="slidenum">
+              <a:rPr lang="tr-TR" smtClean="0"/>
+              <a:t>12</a:t>
+            </a:fld>
+            <a:endParaRPr lang="tr-TR"/>
+          </a:p>
+        </p:txBody>
+      </p:sp>
+    </p:spTree>
+    <p:extLst>
+      <p:ext uri="{BB962C8B-B14F-4D97-AF65-F5344CB8AC3E}">
+        <p14:creationId xmlns:p14="http://schemas.microsoft.com/office/powerpoint/2010/main" val="1369058057"/>
+      </p:ext>
+    </p:extLst>
+  </p:cSld>
+  <p:clrMapOvr>
+    <a:masterClrMapping/>
+  </p:clrMapOvr>
+</p:notes>
+</file>
+
+<file path=ppt/notesSlides/notesSlide13.xml><?xml version="1.0" encoding="utf-8"?>
+<p:notes xmlns:a="http://schemas.openxmlformats.org/drawingml/2006/main" xmlns:r="http://schemas.openxmlformats.org/officeDocument/2006/relationships" xmlns:p="http://schemas.openxmlformats.org/presentationml/2006/main">
+  <p:cSld>
+    <p:spTree>
+      <p:nvGrpSpPr>
+        <p:cNvPr id="1" name=""/>
+        <p:cNvGrpSpPr/>
+        <p:nvPr/>
+      </p:nvGrpSpPr>
+      <p:grpSpPr>
+        <a:xfrm>
+          <a:off x="0" y="0"/>
+          <a:ext cx="0" cy="0"/>
+          <a:chOff x="0" y="0"/>
+          <a:chExt cx="0" cy="0"/>
+        </a:xfrm>
+      </p:grpSpPr>
+      <p:sp>
+        <p:nvSpPr>
+          <p:cNvPr id="2" name="Slide Image Placeholder 1"/>
+          <p:cNvSpPr>
+            <a:spLocks noGrp="1" noRot="1" noChangeAspect="1"/>
+          </p:cNvSpPr>
+          <p:nvPr>
+            <p:ph type="sldImg"/>
+          </p:nvPr>
+        </p:nvSpPr>
+        <p:spPr/>
+      </p:sp>
+      <p:sp>
+        <p:nvSpPr>
+          <p:cNvPr id="3" name="Notes Placeholder 2"/>
+          <p:cNvSpPr>
+            <a:spLocks noGrp="1"/>
+          </p:cNvSpPr>
+          <p:nvPr>
+            <p:ph type="body" idx="1"/>
+          </p:nvPr>
+        </p:nvSpPr>
+        <p:spPr/>
+        <p:txBody>
+          <a:bodyPr/>
+          <a:lstStyle/>
+          <a:p>
+            <a:endParaRPr lang="tr-TR" dirty="0"/>
+          </a:p>
+        </p:txBody>
+      </p:sp>
+      <p:sp>
+        <p:nvSpPr>
+          <p:cNvPr id="4" name="Slide Number Placeholder 3"/>
+          <p:cNvSpPr>
+            <a:spLocks noGrp="1"/>
+          </p:cNvSpPr>
+          <p:nvPr>
+            <p:ph type="sldNum" sz="quarter" idx="5"/>
+          </p:nvPr>
+        </p:nvSpPr>
+        <p:spPr/>
+        <p:txBody>
+          <a:bodyPr/>
+          <a:lstStyle/>
+          <a:p>
+            <a:fld id="{344A4FEE-B134-42F3-BC71-245FBE6217C8}" type="slidenum">
+              <a:rPr lang="tr-TR" smtClean="0"/>
+              <a:t>15</a:t>
+            </a:fld>
+            <a:endParaRPr lang="tr-TR"/>
+          </a:p>
+        </p:txBody>
+      </p:sp>
+    </p:spTree>
+    <p:extLst>
+      <p:ext uri="{BB962C8B-B14F-4D97-AF65-F5344CB8AC3E}">
+        <p14:creationId xmlns:p14="http://schemas.microsoft.com/office/powerpoint/2010/main" val="4147396963"/>
+      </p:ext>
+    </p:extLst>
+  </p:cSld>
+  <p:clrMapOvr>
+    <a:masterClrMapping/>
+  </p:clrMapOvr>
+</p:notes>
+</file>
+
+<file path=ppt/notesSlides/notesSlide14.xml><?xml version="1.0" encoding="utf-8"?>
+<p:notes xmlns:a="http://schemas.openxmlformats.org/drawingml/2006/main" xmlns:r="http://schemas.openxmlformats.org/officeDocument/2006/relationships" xmlns:p="http://schemas.openxmlformats.org/presentationml/2006/main">
+  <p:cSld>
+    <p:spTree>
+      <p:nvGrpSpPr>
+        <p:cNvPr id="1" name=""/>
+        <p:cNvGrpSpPr/>
+        <p:nvPr/>
+      </p:nvGrpSpPr>
+      <p:grpSpPr>
+        <a:xfrm>
+          <a:off x="0" y="0"/>
+          <a:ext cx="0" cy="0"/>
+          <a:chOff x="0" y="0"/>
+          <a:chExt cx="0" cy="0"/>
+        </a:xfrm>
+      </p:grpSpPr>
+      <p:sp>
+        <p:nvSpPr>
+          <p:cNvPr id="2" name="Slide Image Placeholder 1"/>
+          <p:cNvSpPr>
+            <a:spLocks noGrp="1" noRot="1" noChangeAspect="1"/>
+          </p:cNvSpPr>
+          <p:nvPr>
+            <p:ph type="sldImg"/>
+          </p:nvPr>
+        </p:nvSpPr>
+        <p:spPr/>
+      </p:sp>
+      <p:sp>
+        <p:nvSpPr>
+          <p:cNvPr id="3" name="Notes Placeholder 2"/>
+          <p:cNvSpPr>
+            <a:spLocks noGrp="1"/>
+          </p:cNvSpPr>
+          <p:nvPr>
+            <p:ph type="body" idx="1"/>
+          </p:nvPr>
+        </p:nvSpPr>
+        <p:spPr/>
+        <p:txBody>
+          <a:bodyPr/>
+          <a:lstStyle/>
+          <a:p>
+            <a:endParaRPr lang="tr-TR" dirty="0"/>
+          </a:p>
+        </p:txBody>
+      </p:sp>
+      <p:sp>
+        <p:nvSpPr>
+          <p:cNvPr id="4" name="Slide Number Placeholder 3"/>
+          <p:cNvSpPr>
+            <a:spLocks noGrp="1"/>
+          </p:cNvSpPr>
+          <p:nvPr>
+            <p:ph type="sldNum" sz="quarter" idx="5"/>
+          </p:nvPr>
+        </p:nvSpPr>
+        <p:spPr/>
+        <p:txBody>
+          <a:bodyPr/>
+          <a:lstStyle/>
+          <a:p>
+            <a:fld id="{344A4FEE-B134-42F3-BC71-245FBE6217C8}" type="slidenum">
+              <a:rPr lang="tr-TR" smtClean="0"/>
+              <a:t>16</a:t>
+            </a:fld>
+            <a:endParaRPr lang="tr-TR"/>
+          </a:p>
+        </p:txBody>
+      </p:sp>
+    </p:spTree>
+    <p:extLst>
+      <p:ext uri="{BB962C8B-B14F-4D97-AF65-F5344CB8AC3E}">
+        <p14:creationId xmlns:p14="http://schemas.microsoft.com/office/powerpoint/2010/main" val="3601250110"/>
+      </p:ext>
+    </p:extLst>
+  </p:cSld>
+  <p:clrMapOvr>
+    <a:masterClrMapping/>
+  </p:clrMapOvr>
+</p:notes>
+</file>
+
+<file path=ppt/notesSlides/notesSlide15.xml><?xml version="1.0" encoding="utf-8"?>
+<p:notes xmlns:a="http://schemas.openxmlformats.org/drawingml/2006/main" xmlns:r="http://schemas.openxmlformats.org/officeDocument/2006/relationships" xmlns:p="http://schemas.openxmlformats.org/presentationml/2006/main">
+  <p:cSld>
+    <p:spTree>
+      <p:nvGrpSpPr>
+        <p:cNvPr id="1" name=""/>
+        <p:cNvGrpSpPr/>
+        <p:nvPr/>
+      </p:nvGrpSpPr>
+      <p:grpSpPr>
+        <a:xfrm>
+          <a:off x="0" y="0"/>
+          <a:ext cx="0" cy="0"/>
+          <a:chOff x="0" y="0"/>
+          <a:chExt cx="0" cy="0"/>
+        </a:xfrm>
+      </p:grpSpPr>
+      <p:sp>
+        <p:nvSpPr>
+          <p:cNvPr id="2" name="Slide Image Placeholder 1"/>
+          <p:cNvSpPr>
+            <a:spLocks noGrp="1" noRot="1" noChangeAspect="1"/>
+          </p:cNvSpPr>
+          <p:nvPr>
+            <p:ph type="sldImg"/>
+          </p:nvPr>
+        </p:nvSpPr>
+        <p:spPr/>
+      </p:sp>
+      <p:sp>
+        <p:nvSpPr>
+          <p:cNvPr id="3" name="Notes Placeholder 2"/>
+          <p:cNvSpPr>
+            <a:spLocks noGrp="1"/>
+          </p:cNvSpPr>
+          <p:nvPr>
+            <p:ph type="body" idx="1"/>
+          </p:nvPr>
+        </p:nvSpPr>
+        <p:spPr/>
+        <p:txBody>
+          <a:bodyPr/>
+          <a:lstStyle/>
+          <a:p>
+            <a:r>
+              <a:rPr lang="en-US" b="0" i="0" dirty="0">
+                <a:solidFill>
+                  <a:srgbClr val="202124"/>
+                </a:solidFill>
+                <a:effectLst/>
+                <a:latin typeface="arial" panose="020B0604020202020204" pitchFamily="34" charset="0"/>
+              </a:rPr>
+              <a:t>An </a:t>
+            </a:r>
+            <a:r>
+              <a:rPr lang="en-US" b="1" i="0" dirty="0">
+                <a:solidFill>
+                  <a:srgbClr val="202124"/>
+                </a:solidFill>
+                <a:effectLst/>
+                <a:latin typeface="arial" panose="020B0604020202020204" pitchFamily="34" charset="0"/>
+              </a:rPr>
+              <a:t>intervening variable</a:t>
+            </a:r>
+            <a:r>
+              <a:rPr lang="en-US" b="0" i="0" dirty="0">
+                <a:solidFill>
+                  <a:srgbClr val="202124"/>
+                </a:solidFill>
+                <a:effectLst/>
+                <a:latin typeface="arial" panose="020B0604020202020204" pitchFamily="34" charset="0"/>
+              </a:rPr>
+              <a:t> is a hypothetical </a:t>
+            </a:r>
+            <a:r>
+              <a:rPr lang="en-US" b="1" i="0" dirty="0">
+                <a:solidFill>
+                  <a:srgbClr val="202124"/>
+                </a:solidFill>
+                <a:effectLst/>
+                <a:latin typeface="arial" panose="020B0604020202020204" pitchFamily="34" charset="0"/>
+              </a:rPr>
+              <a:t>variable</a:t>
+            </a:r>
+            <a:r>
+              <a:rPr lang="en-US" b="0" i="0" dirty="0">
+                <a:solidFill>
+                  <a:srgbClr val="202124"/>
+                </a:solidFill>
+                <a:effectLst/>
+                <a:latin typeface="arial" panose="020B0604020202020204" pitchFamily="34" charset="0"/>
+              </a:rPr>
+              <a:t> used to explain causal links between other </a:t>
+            </a:r>
+            <a:r>
+              <a:rPr lang="en-US" b="1" i="0" dirty="0">
+                <a:solidFill>
+                  <a:srgbClr val="202124"/>
+                </a:solidFill>
+                <a:effectLst/>
+                <a:latin typeface="arial" panose="020B0604020202020204" pitchFamily="34" charset="0"/>
+              </a:rPr>
+              <a:t>variables</a:t>
+            </a:r>
+            <a:r>
+              <a:rPr lang="en-US" b="0" i="0" dirty="0">
+                <a:solidFill>
+                  <a:srgbClr val="202124"/>
+                </a:solidFill>
+                <a:effectLst/>
+                <a:latin typeface="arial" panose="020B0604020202020204" pitchFamily="34" charset="0"/>
+              </a:rPr>
+              <a:t>. </a:t>
+            </a:r>
+            <a:r>
+              <a:rPr lang="en-US" b="1" i="0" dirty="0">
+                <a:solidFill>
+                  <a:srgbClr val="202124"/>
+                </a:solidFill>
+                <a:effectLst/>
+                <a:latin typeface="arial" panose="020B0604020202020204" pitchFamily="34" charset="0"/>
+              </a:rPr>
+              <a:t>Intervening variables</a:t>
+            </a:r>
+            <a:r>
+              <a:rPr lang="en-US" b="0" i="0" dirty="0">
+                <a:solidFill>
+                  <a:srgbClr val="202124"/>
+                </a:solidFill>
+                <a:effectLst/>
+                <a:latin typeface="arial" panose="020B0604020202020204" pitchFamily="34" charset="0"/>
+              </a:rPr>
+              <a:t> cannot be observed in an experiment (that's why they are hypothetical).</a:t>
+            </a:r>
+            <a:endParaRPr lang="tr-TR" b="0" i="0" dirty="0">
+              <a:solidFill>
+                <a:srgbClr val="202124"/>
+              </a:solidFill>
+              <a:effectLst/>
+              <a:latin typeface="arial" panose="020B0604020202020204" pitchFamily="34" charset="0"/>
+            </a:endParaRPr>
+          </a:p>
+          <a:p>
+            <a:r>
+              <a:rPr lang="en-US" b="0" i="0" dirty="0">
+                <a:solidFill>
+                  <a:srgbClr val="202124"/>
+                </a:solidFill>
+                <a:effectLst/>
+                <a:latin typeface="arial" panose="020B0604020202020204" pitchFamily="34" charset="0"/>
+              </a:rPr>
+              <a:t>The </a:t>
+            </a:r>
+            <a:r>
+              <a:rPr lang="en-US" b="1" i="0" dirty="0">
+                <a:solidFill>
+                  <a:srgbClr val="202124"/>
+                </a:solidFill>
+                <a:effectLst/>
+                <a:latin typeface="arial" panose="020B0604020202020204" pitchFamily="34" charset="0"/>
+              </a:rPr>
+              <a:t>Importance</a:t>
+            </a:r>
+            <a:r>
+              <a:rPr lang="en-US" b="0" i="0" dirty="0">
+                <a:solidFill>
+                  <a:srgbClr val="202124"/>
+                </a:solidFill>
+                <a:effectLst/>
+                <a:latin typeface="arial" panose="020B0604020202020204" pitchFamily="34" charset="0"/>
+              </a:rPr>
+              <a:t> of Identifying </a:t>
+            </a:r>
+            <a:r>
+              <a:rPr lang="en-US" b="1" i="0" dirty="0">
+                <a:solidFill>
+                  <a:srgbClr val="202124"/>
+                </a:solidFill>
+                <a:effectLst/>
+                <a:latin typeface="arial" panose="020B0604020202020204" pitchFamily="34" charset="0"/>
+              </a:rPr>
+              <a:t>Intervening Variables</a:t>
+            </a:r>
+            <a:r>
+              <a:rPr lang="tr-TR" b="1" i="0" dirty="0">
+                <a:solidFill>
+                  <a:srgbClr val="202124"/>
+                </a:solidFill>
+                <a:effectLst/>
+                <a:latin typeface="arial" panose="020B0604020202020204" pitchFamily="34" charset="0"/>
+              </a:rPr>
+              <a:t>: </a:t>
+            </a:r>
+            <a:r>
+              <a:rPr lang="en-US" b="0" i="0" dirty="0">
+                <a:solidFill>
+                  <a:srgbClr val="202124"/>
+                </a:solidFill>
+                <a:effectLst/>
+                <a:latin typeface="arial" panose="020B0604020202020204" pitchFamily="34" charset="0"/>
+              </a:rPr>
+              <a:t>Understanding </a:t>
+            </a:r>
+            <a:r>
+              <a:rPr lang="en-US" b="1" i="0" dirty="0">
+                <a:solidFill>
+                  <a:srgbClr val="202124"/>
+                </a:solidFill>
+                <a:effectLst/>
+                <a:latin typeface="arial" panose="020B0604020202020204" pitchFamily="34" charset="0"/>
+              </a:rPr>
+              <a:t>intervening variables</a:t>
+            </a:r>
+            <a:r>
+              <a:rPr lang="en-US" b="0" i="0" dirty="0">
+                <a:solidFill>
+                  <a:srgbClr val="202124"/>
+                </a:solidFill>
+                <a:effectLst/>
+                <a:latin typeface="arial" panose="020B0604020202020204" pitchFamily="34" charset="0"/>
+              </a:rPr>
+              <a:t> can often help researchers clarify the relationship between an independent and dependent </a:t>
+            </a:r>
+            <a:r>
+              <a:rPr lang="en-US" b="1" i="0" dirty="0">
+                <a:solidFill>
+                  <a:srgbClr val="202124"/>
+                </a:solidFill>
+                <a:effectLst/>
+                <a:latin typeface="arial" panose="020B0604020202020204" pitchFamily="34" charset="0"/>
+              </a:rPr>
+              <a:t>variable</a:t>
+            </a:r>
+            <a:r>
+              <a:rPr lang="en-US" b="0" i="0" dirty="0">
+                <a:solidFill>
+                  <a:srgbClr val="202124"/>
+                </a:solidFill>
+                <a:effectLst/>
+                <a:latin typeface="arial" panose="020B0604020202020204" pitchFamily="34" charset="0"/>
+              </a:rPr>
+              <a:t> because the </a:t>
+            </a:r>
+            <a:r>
+              <a:rPr lang="en-US" b="1" i="0" dirty="0">
+                <a:solidFill>
+                  <a:srgbClr val="202124"/>
+                </a:solidFill>
+                <a:effectLst/>
+                <a:latin typeface="arial" panose="020B0604020202020204" pitchFamily="34" charset="0"/>
+              </a:rPr>
+              <a:t>intervening variables</a:t>
+            </a:r>
+            <a:r>
+              <a:rPr lang="en-US" b="0" i="0" dirty="0">
+                <a:solidFill>
+                  <a:srgbClr val="202124"/>
+                </a:solidFill>
+                <a:effectLst/>
+                <a:latin typeface="arial" panose="020B0604020202020204" pitchFamily="34" charset="0"/>
+              </a:rPr>
+              <a:t> are often the true </a:t>
+            </a:r>
+            <a:r>
+              <a:rPr lang="en-US" b="1" i="0" dirty="0">
+                <a:solidFill>
+                  <a:srgbClr val="202124"/>
+                </a:solidFill>
+                <a:effectLst/>
+                <a:latin typeface="arial" panose="020B0604020202020204" pitchFamily="34" charset="0"/>
+              </a:rPr>
+              <a:t>variable</a:t>
+            </a:r>
+            <a:r>
+              <a:rPr lang="en-US" b="0" i="0" dirty="0">
+                <a:solidFill>
+                  <a:srgbClr val="202124"/>
+                </a:solidFill>
+                <a:effectLst/>
+                <a:latin typeface="arial" panose="020B0604020202020204" pitchFamily="34" charset="0"/>
+              </a:rPr>
+              <a:t> that explains variations in the dependent </a:t>
+            </a:r>
+            <a:r>
+              <a:rPr lang="en-US" b="1" i="0" dirty="0">
+                <a:solidFill>
+                  <a:srgbClr val="202124"/>
+                </a:solidFill>
+                <a:effectLst/>
+                <a:latin typeface="arial" panose="020B0604020202020204" pitchFamily="34" charset="0"/>
+              </a:rPr>
+              <a:t>variable</a:t>
+            </a:r>
+            <a:r>
+              <a:rPr lang="en-US" b="0" i="0" dirty="0">
+                <a:solidFill>
+                  <a:srgbClr val="202124"/>
+                </a:solidFill>
+                <a:effectLst/>
+                <a:latin typeface="arial" panose="020B0604020202020204" pitchFamily="34" charset="0"/>
+              </a:rPr>
+              <a:t>.</a:t>
+            </a:r>
+            <a:endParaRPr lang="tr-TR" b="0" i="0" dirty="0">
+              <a:solidFill>
+                <a:srgbClr val="202124"/>
+              </a:solidFill>
+              <a:effectLst/>
+              <a:latin typeface="arial" panose="020B0604020202020204" pitchFamily="34" charset="0"/>
+            </a:endParaRPr>
+          </a:p>
+          <a:p>
+            <a:pPr algn="just">
+              <a:spcBef>
+                <a:spcPts val="600"/>
+              </a:spcBef>
+              <a:spcAft>
+                <a:spcPts val="600"/>
+              </a:spcAft>
+            </a:pPr>
+            <a:r>
+              <a:rPr lang="en-US" sz="1800" b="1" dirty="0">
+                <a:effectLst/>
+                <a:latin typeface="Calibri" panose="020F0502020204030204" pitchFamily="34" charset="0"/>
+                <a:ea typeface="Times New Roman" panose="02020603050405020304" pitchFamily="18" charset="0"/>
+              </a:rPr>
+              <a:t>. Identified gaps: </a:t>
+            </a:r>
+            <a:endParaRPr lang="tr-TR" sz="1800" dirty="0">
+              <a:effectLst/>
+              <a:latin typeface="Times New Roman" panose="02020603050405020304" pitchFamily="18" charset="0"/>
+              <a:ea typeface="Times New Roman" panose="02020603050405020304" pitchFamily="18" charset="0"/>
+            </a:endParaRPr>
+          </a:p>
+          <a:p>
+            <a:pPr marL="342900" lvl="0" indent="-342900" algn="just">
+              <a:spcBef>
+                <a:spcPts val="600"/>
+              </a:spcBef>
+              <a:spcAft>
+                <a:spcPts val="600"/>
+              </a:spcAft>
+              <a:buFont typeface="+mj-lt"/>
+              <a:buAutoNum type="alphaLcPeriod"/>
+            </a:pPr>
+            <a:r>
+              <a:rPr lang="en-US" sz="1800" dirty="0">
+                <a:effectLst/>
+                <a:latin typeface="Calibri" panose="020F0502020204030204" pitchFamily="34" charset="0"/>
+                <a:ea typeface="Times New Roman" panose="02020603050405020304" pitchFamily="18" charset="0"/>
+              </a:rPr>
+              <a:t>Although the concept of force ratio is well explained theoretically and its explanatory power within the relative combat power factors is analyzed systematically (especially by Biddle), morale and leadership factors are not analyzed thoroughly due to its qualitative nature. </a:t>
+            </a:r>
+            <a:endParaRPr lang="tr-TR" sz="1800" dirty="0">
+              <a:effectLst/>
+              <a:latin typeface="Times New Roman" panose="02020603050405020304" pitchFamily="18" charset="0"/>
+              <a:ea typeface="Times New Roman" panose="02020603050405020304" pitchFamily="18" charset="0"/>
+            </a:endParaRPr>
+          </a:p>
+          <a:p>
+            <a:pPr marL="342900" lvl="0" indent="-342900" algn="just">
+              <a:spcBef>
+                <a:spcPts val="600"/>
+              </a:spcBef>
+              <a:spcAft>
+                <a:spcPts val="600"/>
+              </a:spcAft>
+              <a:buFont typeface="+mj-lt"/>
+              <a:buAutoNum type="alphaLcPeriod"/>
+            </a:pPr>
+            <a:r>
+              <a:rPr lang="en-US" sz="1800" dirty="0">
+                <a:effectLst/>
+                <a:latin typeface="Calibri" panose="020F0502020204030204" pitchFamily="34" charset="0"/>
+                <a:ea typeface="Times New Roman" panose="02020603050405020304" pitchFamily="18" charset="0"/>
+              </a:rPr>
+              <a:t>Judgements up to now relies limited data set, max battles analyzed to make deduction was 660 battles of </a:t>
+            </a:r>
+            <a:r>
+              <a:rPr lang="en-US" sz="1800" dirty="0">
+                <a:solidFill>
+                  <a:srgbClr val="000000"/>
+                </a:solidFill>
+                <a:effectLst/>
+                <a:latin typeface="Calibri" panose="020F0502020204030204" pitchFamily="34" charset="0"/>
+                <a:ea typeface="Times New Roman" panose="02020603050405020304" pitchFamily="18" charset="0"/>
+              </a:rPr>
+              <a:t>CDB90G dataset, which has real data flaws. </a:t>
+            </a:r>
+            <a:endParaRPr lang="tr-TR" sz="1800" dirty="0">
+              <a:effectLst/>
+              <a:latin typeface="Times New Roman" panose="02020603050405020304" pitchFamily="18" charset="0"/>
+              <a:ea typeface="Times New Roman" panose="02020603050405020304" pitchFamily="18" charset="0"/>
+            </a:endParaRPr>
+          </a:p>
+          <a:p>
+            <a:pPr>
+              <a:lnSpc>
+                <a:spcPct val="107000"/>
+              </a:lnSpc>
+              <a:spcAft>
+                <a:spcPts val="800"/>
+              </a:spcAft>
+            </a:pPr>
+            <a:r>
+              <a:rPr lang="en-US" sz="1800" b="1" dirty="0">
+                <a:effectLst/>
+                <a:latin typeface="Calibri" panose="020F0502020204030204" pitchFamily="34" charset="0"/>
+                <a:ea typeface="Calibri" panose="020F0502020204030204" pitchFamily="34" charset="0"/>
+                <a:cs typeface="Calibri" panose="020F0502020204030204" pitchFamily="34" charset="0"/>
+              </a:rPr>
+              <a:t>2. Research questions: </a:t>
+            </a:r>
+            <a:r>
+              <a:rPr lang="en-US" sz="1800" dirty="0">
+                <a:effectLst/>
+                <a:latin typeface="Calibri" panose="020F0502020204030204" pitchFamily="34" charset="0"/>
+                <a:ea typeface="Calibri" panose="020F0502020204030204" pitchFamily="34" charset="0"/>
+                <a:cs typeface="Calibri" panose="020F0502020204030204" pitchFamily="34" charset="0"/>
+              </a:rPr>
+              <a:t>Already submitted in previous section. </a:t>
+            </a:r>
+            <a:endParaRPr lang="tr-TR" sz="1800" dirty="0">
+              <a:effectLst/>
+              <a:latin typeface="Calibri" panose="020F0502020204030204" pitchFamily="34" charset="0"/>
+              <a:ea typeface="Calibri" panose="020F0502020204030204" pitchFamily="34" charset="0"/>
+              <a:cs typeface="Times New Roman" panose="02020603050405020304" pitchFamily="18" charset="0"/>
+            </a:endParaRPr>
+          </a:p>
+          <a:p>
+            <a:pPr algn="just">
+              <a:spcBef>
+                <a:spcPts val="600"/>
+              </a:spcBef>
+              <a:spcAft>
+                <a:spcPts val="600"/>
+              </a:spcAft>
+            </a:pPr>
+            <a:r>
+              <a:rPr lang="en-US" sz="1800" b="1" dirty="0">
+                <a:solidFill>
+                  <a:srgbClr val="000000"/>
+                </a:solidFill>
+                <a:effectLst/>
+                <a:latin typeface="Calibri" panose="020F0502020204030204" pitchFamily="34" charset="0"/>
+                <a:ea typeface="Times New Roman" panose="02020603050405020304" pitchFamily="18" charset="0"/>
+              </a:rPr>
+              <a:t>3. Research methodology: </a:t>
+            </a:r>
+            <a:r>
+              <a:rPr lang="en-US" sz="1800" dirty="0">
+                <a:solidFill>
+                  <a:srgbClr val="000000"/>
+                </a:solidFill>
+                <a:effectLst/>
+                <a:latin typeface="Calibri" panose="020F0502020204030204" pitchFamily="34" charset="0"/>
+                <a:ea typeface="Times New Roman" panose="02020603050405020304" pitchFamily="18" charset="0"/>
+              </a:rPr>
+              <a:t>Literature on this topic reflects about the degree of force ratio’s reliability. While some researchers state that it explains certain degree of result while others state that more sophisticated models need to be used. So, my intention is to develop a model with dependent variable as the outcome of the battle. I will define independent and intervening variables in the research although I have initial propositions. And with regression model I will try to find explanatory power of these variables, in which force ratio will be the one that is to be analyzed. </a:t>
+            </a:r>
+            <a:endParaRPr lang="tr-TR" sz="1800" dirty="0">
+              <a:effectLst/>
+              <a:latin typeface="Times New Roman" panose="02020603050405020304" pitchFamily="18" charset="0"/>
+              <a:ea typeface="Times New Roman" panose="02020603050405020304" pitchFamily="18" charset="0"/>
+            </a:endParaRPr>
+          </a:p>
+          <a:p>
+            <a:pPr algn="just">
+              <a:spcBef>
+                <a:spcPts val="600"/>
+              </a:spcBef>
+              <a:spcAft>
+                <a:spcPts val="600"/>
+              </a:spcAft>
+            </a:pPr>
+            <a:r>
+              <a:rPr lang="en-US" sz="1800" b="1" dirty="0">
+                <a:solidFill>
+                  <a:srgbClr val="000000"/>
+                </a:solidFill>
+                <a:effectLst/>
+                <a:latin typeface="Calibri" panose="020F0502020204030204" pitchFamily="34" charset="0"/>
+                <a:ea typeface="Times New Roman" panose="02020603050405020304" pitchFamily="18" charset="0"/>
+              </a:rPr>
+              <a:t>4. Research</a:t>
+            </a:r>
+            <a:r>
+              <a:rPr lang="en-US" sz="1800" b="1" dirty="0">
+                <a:effectLst/>
+                <a:latin typeface="Calibri" panose="020F0502020204030204" pitchFamily="34" charset="0"/>
+                <a:ea typeface="Times New Roman" panose="02020603050405020304" pitchFamily="18" charset="0"/>
+              </a:rPr>
+              <a:t> steps: </a:t>
+            </a:r>
+            <a:endParaRPr lang="tr-TR" sz="1800" dirty="0">
+              <a:effectLst/>
+              <a:latin typeface="Times New Roman" panose="02020603050405020304" pitchFamily="18" charset="0"/>
+              <a:ea typeface="Times New Roman" panose="02020603050405020304" pitchFamily="18" charset="0"/>
+            </a:endParaRPr>
+          </a:p>
+          <a:p>
+            <a:pPr marL="342900" lvl="0" indent="-342900" algn="just">
+              <a:buFont typeface="Symbol" panose="05050102010706020507" pitchFamily="18" charset="2"/>
+              <a:buChar char=""/>
+            </a:pPr>
+            <a:r>
+              <a:rPr lang="en-US" sz="1800" b="1" dirty="0">
+                <a:effectLst/>
+                <a:latin typeface="Calibri" panose="020F0502020204030204" pitchFamily="34" charset="0"/>
+                <a:ea typeface="Times New Roman" panose="02020603050405020304" pitchFamily="18" charset="0"/>
+              </a:rPr>
+              <a:t>1</a:t>
+            </a:r>
+            <a:r>
+              <a:rPr lang="en-US" sz="1800" b="1" baseline="30000" dirty="0">
+                <a:effectLst/>
+                <a:latin typeface="Calibri" panose="020F0502020204030204" pitchFamily="34" charset="0"/>
+                <a:ea typeface="Times New Roman" panose="02020603050405020304" pitchFamily="18" charset="0"/>
+              </a:rPr>
+              <a:t>st</a:t>
+            </a:r>
+            <a:r>
+              <a:rPr lang="en-US" sz="1800" b="1" dirty="0">
+                <a:effectLst/>
+                <a:latin typeface="Calibri" panose="020F0502020204030204" pitchFamily="34" charset="0"/>
+                <a:ea typeface="Times New Roman" panose="02020603050405020304" pitchFamily="18" charset="0"/>
+              </a:rPr>
+              <a:t> step:</a:t>
+            </a:r>
+            <a:r>
+              <a:rPr lang="en-US" sz="1800" dirty="0">
+                <a:effectLst/>
+                <a:latin typeface="Calibri" panose="020F0502020204030204" pitchFamily="34" charset="0"/>
+                <a:ea typeface="Times New Roman" panose="02020603050405020304" pitchFamily="18" charset="0"/>
+              </a:rPr>
+              <a:t> I will do a </a:t>
+            </a:r>
+            <a:r>
+              <a:rPr lang="en-US" sz="1800" b="1" dirty="0">
+                <a:effectLst/>
+                <a:latin typeface="Calibri" panose="020F0502020204030204" pitchFamily="34" charset="0"/>
+                <a:ea typeface="Times New Roman" panose="02020603050405020304" pitchFamily="18" charset="0"/>
+              </a:rPr>
+              <a:t>case study</a:t>
+            </a:r>
+            <a:r>
+              <a:rPr lang="en-US" sz="1800" dirty="0">
+                <a:effectLst/>
+                <a:latin typeface="Calibri" panose="020F0502020204030204" pitchFamily="34" charset="0"/>
+                <a:ea typeface="Times New Roman" panose="02020603050405020304" pitchFamily="18" charset="0"/>
+              </a:rPr>
+              <a:t> to comprehensively determine the variables. In this study, I will reveal all the variables that may affect the outcome of the battle over the two battles from the designated time periods.</a:t>
+            </a:r>
+            <a:endParaRPr lang="tr-TR" sz="1800" dirty="0">
+              <a:effectLst/>
+              <a:latin typeface="Times New Roman" panose="02020603050405020304" pitchFamily="18" charset="0"/>
+              <a:ea typeface="Times New Roman" panose="02020603050405020304" pitchFamily="18" charset="0"/>
+            </a:endParaRPr>
+          </a:p>
+          <a:p>
+            <a:pPr marL="342900" lvl="0" indent="-342900" algn="just">
+              <a:buFont typeface="Symbol" panose="05050102010706020507" pitchFamily="18" charset="2"/>
+              <a:buChar char=""/>
+            </a:pPr>
+            <a:r>
+              <a:rPr lang="en-US" sz="1800" b="1" dirty="0">
+                <a:effectLst/>
+                <a:latin typeface="Calibri" panose="020F0502020204030204" pitchFamily="34" charset="0"/>
+                <a:ea typeface="Times New Roman" panose="02020603050405020304" pitchFamily="18" charset="0"/>
+              </a:rPr>
+              <a:t>2nd step:</a:t>
+            </a:r>
+            <a:r>
+              <a:rPr lang="en-US" sz="1800" dirty="0">
+                <a:effectLst/>
+                <a:latin typeface="Calibri" panose="020F0502020204030204" pitchFamily="34" charset="0"/>
+                <a:ea typeface="Times New Roman" panose="02020603050405020304" pitchFamily="18" charset="0"/>
+              </a:rPr>
+              <a:t> I will </a:t>
+            </a:r>
+            <a:r>
+              <a:rPr lang="en-US" sz="1800" b="1" dirty="0">
+                <a:effectLst/>
+                <a:latin typeface="Calibri" panose="020F0502020204030204" pitchFamily="34" charset="0"/>
+                <a:ea typeface="Times New Roman" panose="02020603050405020304" pitchFamily="18" charset="0"/>
+              </a:rPr>
+              <a:t>create a database of battles</a:t>
+            </a:r>
+            <a:r>
+              <a:rPr lang="en-US" sz="1800" dirty="0">
+                <a:effectLst/>
+                <a:latin typeface="Calibri" panose="020F0502020204030204" pitchFamily="34" charset="0"/>
+                <a:ea typeface="Times New Roman" panose="02020603050405020304" pitchFamily="18" charset="0"/>
+              </a:rPr>
+              <a:t> with the use of current ones but with concatenating all the available databases with the help of Python Pandas Data Analysis techniques. Because all databases currently available has its own flaws. But if they are to be concatenated all together, it will be more efficient to make deductions. </a:t>
+            </a:r>
+            <a:endParaRPr lang="tr-TR" sz="1800" dirty="0">
+              <a:effectLst/>
+              <a:latin typeface="Times New Roman" panose="02020603050405020304" pitchFamily="18" charset="0"/>
+              <a:ea typeface="Times New Roman" panose="02020603050405020304" pitchFamily="18" charset="0"/>
+            </a:endParaRPr>
+          </a:p>
+          <a:p>
+            <a:pPr marL="342900" lvl="0" indent="-342900" algn="just">
+              <a:buFont typeface="Symbol" panose="05050102010706020507" pitchFamily="18" charset="2"/>
+              <a:buChar char=""/>
+            </a:pPr>
+            <a:r>
+              <a:rPr lang="en-US" sz="1800" b="1" dirty="0">
+                <a:effectLst/>
+                <a:latin typeface="Calibri" panose="020F0502020204030204" pitchFamily="34" charset="0"/>
+                <a:ea typeface="Times New Roman" panose="02020603050405020304" pitchFamily="18" charset="0"/>
+              </a:rPr>
+              <a:t>3</a:t>
+            </a:r>
+            <a:r>
+              <a:rPr lang="en-US" sz="1800" b="1" baseline="30000" dirty="0">
+                <a:effectLst/>
+                <a:latin typeface="Calibri" panose="020F0502020204030204" pitchFamily="34" charset="0"/>
+                <a:ea typeface="Times New Roman" panose="02020603050405020304" pitchFamily="18" charset="0"/>
+              </a:rPr>
+              <a:t>rd</a:t>
+            </a:r>
+            <a:r>
+              <a:rPr lang="en-US" sz="1800" b="1" dirty="0">
+                <a:effectLst/>
+                <a:latin typeface="Calibri" panose="020F0502020204030204" pitchFamily="34" charset="0"/>
+                <a:ea typeface="Times New Roman" panose="02020603050405020304" pitchFamily="18" charset="0"/>
+              </a:rPr>
+              <a:t> step:</a:t>
+            </a:r>
+            <a:r>
+              <a:rPr lang="en-US" sz="1800" dirty="0">
+                <a:effectLst/>
+                <a:latin typeface="Calibri" panose="020F0502020204030204" pitchFamily="34" charset="0"/>
+                <a:ea typeface="Times New Roman" panose="02020603050405020304" pitchFamily="18" charset="0"/>
+              </a:rPr>
+              <a:t> I will </a:t>
+            </a:r>
+            <a:r>
+              <a:rPr lang="en-US" sz="1800" b="1" dirty="0">
+                <a:effectLst/>
+                <a:latin typeface="Calibri" panose="020F0502020204030204" pitchFamily="34" charset="0"/>
+                <a:ea typeface="Times New Roman" panose="02020603050405020304" pitchFamily="18" charset="0"/>
+              </a:rPr>
+              <a:t>apply my variables to the database</a:t>
+            </a:r>
+            <a:r>
+              <a:rPr lang="en-US" sz="1800" dirty="0">
+                <a:effectLst/>
+                <a:latin typeface="Calibri" panose="020F0502020204030204" pitchFamily="34" charset="0"/>
+                <a:ea typeface="Times New Roman" panose="02020603050405020304" pitchFamily="18" charset="0"/>
+              </a:rPr>
+              <a:t> to </a:t>
+            </a:r>
+            <a:r>
+              <a:rPr lang="en-US" sz="1800" b="1" dirty="0">
+                <a:effectLst/>
+                <a:latin typeface="Calibri" panose="020F0502020204030204" pitchFamily="34" charset="0"/>
+                <a:ea typeface="Times New Roman" panose="02020603050405020304" pitchFamily="18" charset="0"/>
+              </a:rPr>
+              <a:t>produce a mathematical model</a:t>
+            </a:r>
+            <a:r>
+              <a:rPr lang="en-US" sz="1800" dirty="0">
+                <a:effectLst/>
+                <a:latin typeface="Calibri" panose="020F0502020204030204" pitchFamily="34" charset="0"/>
+                <a:ea typeface="Times New Roman" panose="02020603050405020304" pitchFamily="18" charset="0"/>
+              </a:rPr>
+              <a:t> with multiple regression analysis.  All other statistical analysis will be conducted here to test the hypothesis.  </a:t>
+            </a:r>
+            <a:endParaRPr lang="tr-TR" sz="1800" dirty="0">
+              <a:effectLst/>
+              <a:latin typeface="Times New Roman" panose="02020603050405020304" pitchFamily="18" charset="0"/>
+              <a:ea typeface="Times New Roman" panose="02020603050405020304" pitchFamily="18" charset="0"/>
+            </a:endParaRPr>
+          </a:p>
+          <a:p>
+            <a:pPr algn="just">
+              <a:spcBef>
+                <a:spcPts val="600"/>
+              </a:spcBef>
+              <a:spcAft>
+                <a:spcPts val="600"/>
+              </a:spcAft>
+            </a:pPr>
+            <a:r>
+              <a:rPr lang="en-US" sz="1800" b="1" dirty="0">
+                <a:solidFill>
+                  <a:srgbClr val="000000"/>
+                </a:solidFill>
+                <a:effectLst/>
+                <a:latin typeface="Calibri" panose="020F0502020204030204" pitchFamily="34" charset="0"/>
+                <a:ea typeface="Times New Roman" panose="02020603050405020304" pitchFamily="18" charset="0"/>
+              </a:rPr>
+              <a:t>5. Unit of analysis:</a:t>
+            </a:r>
+            <a:r>
+              <a:rPr lang="en-US" sz="1800" dirty="0">
+                <a:solidFill>
+                  <a:srgbClr val="000000"/>
+                </a:solidFill>
+                <a:effectLst/>
+                <a:latin typeface="Calibri" panose="020F0502020204030204" pitchFamily="34" charset="0"/>
+                <a:ea typeface="Times New Roman" panose="02020603050405020304" pitchFamily="18" charset="0"/>
+              </a:rPr>
+              <a:t> My unit of analysis will be </a:t>
+            </a:r>
+            <a:r>
+              <a:rPr lang="en-US" sz="1800" b="1" dirty="0">
+                <a:solidFill>
+                  <a:srgbClr val="000000"/>
+                </a:solidFill>
+                <a:effectLst/>
+                <a:latin typeface="Calibri" panose="020F0502020204030204" pitchFamily="34" charset="0"/>
+                <a:ea typeface="Times New Roman" panose="02020603050405020304" pitchFamily="18" charset="0"/>
+              </a:rPr>
+              <a:t>battles</a:t>
+            </a:r>
+            <a:r>
+              <a:rPr lang="en-US" sz="1800" dirty="0">
+                <a:solidFill>
+                  <a:srgbClr val="000000"/>
+                </a:solidFill>
+                <a:effectLst/>
+                <a:latin typeface="Calibri" panose="020F0502020204030204" pitchFamily="34" charset="0"/>
+                <a:ea typeface="Times New Roman" panose="02020603050405020304" pitchFamily="18" charset="0"/>
+              </a:rPr>
+              <a:t>. Because battles are better suited for analysis with compare of operations and campaigns which has bigger dimensions.  </a:t>
+            </a:r>
+            <a:endParaRPr lang="tr-TR" sz="1800" dirty="0">
+              <a:effectLst/>
+              <a:latin typeface="Times New Roman" panose="02020603050405020304" pitchFamily="18" charset="0"/>
+              <a:ea typeface="Times New Roman" panose="02020603050405020304" pitchFamily="18" charset="0"/>
+            </a:endParaRPr>
+          </a:p>
+          <a:p>
+            <a:pPr algn="just">
+              <a:spcBef>
+                <a:spcPts val="600"/>
+              </a:spcBef>
+              <a:spcAft>
+                <a:spcPts val="600"/>
+              </a:spcAft>
+            </a:pPr>
+            <a:r>
+              <a:rPr lang="en-US" sz="1800" b="1" dirty="0">
+                <a:solidFill>
+                  <a:srgbClr val="000000"/>
+                </a:solidFill>
+                <a:effectLst/>
+                <a:latin typeface="Calibri" panose="020F0502020204030204" pitchFamily="34" charset="0"/>
+                <a:ea typeface="Times New Roman" panose="02020603050405020304" pitchFamily="18" charset="0"/>
+              </a:rPr>
+              <a:t>6. Initial Variables:</a:t>
+            </a:r>
+            <a:r>
+              <a:rPr lang="en-US" sz="1800" dirty="0">
+                <a:solidFill>
+                  <a:srgbClr val="000000"/>
+                </a:solidFill>
+                <a:effectLst/>
+                <a:latin typeface="Calibri" panose="020F0502020204030204" pitchFamily="34" charset="0"/>
+                <a:ea typeface="Times New Roman" panose="02020603050405020304" pitchFamily="18" charset="0"/>
+              </a:rPr>
+              <a:t> It is my initial conceptualization that personnel morale and leadership have different and exponential effect than other factors that’s why I thought that they need to be analyzed as intervening variables.  </a:t>
+            </a:r>
+            <a:endParaRPr lang="tr-TR" sz="1800" dirty="0">
+              <a:effectLst/>
+              <a:latin typeface="Times New Roman" panose="02020603050405020304" pitchFamily="18" charset="0"/>
+              <a:ea typeface="Times New Roman" panose="02020603050405020304" pitchFamily="18" charset="0"/>
+            </a:endParaRPr>
+          </a:p>
+          <a:p>
+            <a:pPr marL="342900" lvl="0" indent="-342900" algn="just">
+              <a:spcBef>
+                <a:spcPts val="600"/>
+              </a:spcBef>
+              <a:spcAft>
+                <a:spcPts val="600"/>
+              </a:spcAft>
+              <a:buFont typeface="Symbol" panose="05050102010706020507" pitchFamily="18" charset="2"/>
+              <a:buChar char=""/>
+            </a:pPr>
+            <a:r>
+              <a:rPr lang="en-US" sz="1800" dirty="0">
+                <a:solidFill>
+                  <a:srgbClr val="000000"/>
+                </a:solidFill>
+                <a:effectLst/>
+                <a:latin typeface="Calibri" panose="020F0502020204030204" pitchFamily="34" charset="0"/>
+                <a:ea typeface="Times New Roman" panose="02020603050405020304" pitchFamily="18" charset="0"/>
+              </a:rPr>
+              <a:t>Dependent variable: outcome of the battle. </a:t>
+            </a:r>
+            <a:endParaRPr lang="tr-TR" sz="1800" dirty="0">
+              <a:effectLst/>
+              <a:latin typeface="Times New Roman" panose="02020603050405020304" pitchFamily="18" charset="0"/>
+              <a:ea typeface="Times New Roman" panose="02020603050405020304" pitchFamily="18" charset="0"/>
+            </a:endParaRPr>
+          </a:p>
+          <a:p>
+            <a:pPr marL="342900" lvl="0" indent="-342900" algn="just">
+              <a:spcBef>
+                <a:spcPts val="600"/>
+              </a:spcBef>
+              <a:spcAft>
+                <a:spcPts val="600"/>
+              </a:spcAft>
+              <a:buFont typeface="Symbol" panose="05050102010706020507" pitchFamily="18" charset="2"/>
+              <a:buChar char=""/>
+            </a:pPr>
+            <a:r>
+              <a:rPr lang="en-US" sz="1800" dirty="0">
+                <a:solidFill>
+                  <a:srgbClr val="000000"/>
+                </a:solidFill>
+                <a:effectLst/>
+                <a:latin typeface="Calibri" panose="020F0502020204030204" pitchFamily="34" charset="0"/>
+                <a:ea typeface="Times New Roman" panose="02020603050405020304" pitchFamily="18" charset="0"/>
+              </a:rPr>
+              <a:t>Independent variables: Combat power factors except morale and leadership.</a:t>
+            </a:r>
+            <a:endParaRPr lang="tr-TR" sz="1800" dirty="0">
+              <a:effectLst/>
+              <a:latin typeface="Times New Roman" panose="02020603050405020304" pitchFamily="18" charset="0"/>
+              <a:ea typeface="Times New Roman" panose="02020603050405020304" pitchFamily="18" charset="0"/>
+            </a:endParaRPr>
+          </a:p>
+          <a:p>
+            <a:pPr marL="342900" lvl="0" indent="-342900" algn="just">
+              <a:spcBef>
+                <a:spcPts val="600"/>
+              </a:spcBef>
+              <a:spcAft>
+                <a:spcPts val="600"/>
+              </a:spcAft>
+              <a:buFont typeface="Symbol" panose="05050102010706020507" pitchFamily="18" charset="2"/>
+              <a:buChar char=""/>
+            </a:pPr>
+            <a:r>
+              <a:rPr lang="en-US" sz="1800" dirty="0">
+                <a:solidFill>
+                  <a:srgbClr val="000000"/>
+                </a:solidFill>
+                <a:effectLst/>
+                <a:latin typeface="Calibri" panose="020F0502020204030204" pitchFamily="34" charset="0"/>
+                <a:ea typeface="Times New Roman" panose="02020603050405020304" pitchFamily="18" charset="0"/>
+              </a:rPr>
+              <a:t>Intervening variables: Morale and Leadership</a:t>
+            </a:r>
+            <a:endParaRPr lang="tr-TR" sz="1800" dirty="0">
+              <a:effectLst/>
+              <a:latin typeface="Times New Roman" panose="02020603050405020304" pitchFamily="18" charset="0"/>
+              <a:ea typeface="Times New Roman" panose="02020603050405020304" pitchFamily="18" charset="0"/>
+            </a:endParaRPr>
+          </a:p>
+          <a:p>
+            <a:pPr algn="just"/>
+            <a:r>
+              <a:rPr lang="en-US" sz="1800" b="1" dirty="0">
+                <a:effectLst/>
+                <a:latin typeface="Calibri" panose="020F0502020204030204" pitchFamily="34" charset="0"/>
+                <a:ea typeface="Times New Roman" panose="02020603050405020304" pitchFamily="18" charset="0"/>
+              </a:rPr>
+              <a:t>7. Models to be used: </a:t>
+            </a:r>
+            <a:endParaRPr lang="tr-TR" sz="1800" dirty="0">
+              <a:effectLst/>
+              <a:latin typeface="Times New Roman" panose="02020603050405020304" pitchFamily="18" charset="0"/>
+              <a:ea typeface="Times New Roman" panose="02020603050405020304" pitchFamily="18" charset="0"/>
+            </a:endParaRPr>
+          </a:p>
+          <a:p>
+            <a:pPr marL="342900" lvl="0" indent="-342900" algn="just">
+              <a:buFont typeface="Symbol" panose="05050102010706020507" pitchFamily="18" charset="2"/>
+              <a:buChar char=""/>
+            </a:pPr>
+            <a:r>
+              <a:rPr lang="en-US" sz="1800" b="1" dirty="0">
+                <a:solidFill>
+                  <a:srgbClr val="000000"/>
+                </a:solidFill>
+                <a:effectLst/>
+                <a:latin typeface="Calibri" panose="020F0502020204030204" pitchFamily="34" charset="0"/>
+                <a:ea typeface="Times New Roman" panose="02020603050405020304" pitchFamily="18" charset="0"/>
+              </a:rPr>
+              <a:t>Multiple regression:</a:t>
+            </a:r>
+            <a:r>
+              <a:rPr lang="en-US" sz="1800" dirty="0">
+                <a:solidFill>
+                  <a:srgbClr val="000000"/>
+                </a:solidFill>
+                <a:effectLst/>
+                <a:latin typeface="Calibri" panose="020F0502020204030204" pitchFamily="34" charset="0"/>
+                <a:ea typeface="Times New Roman" panose="02020603050405020304" pitchFamily="18" charset="0"/>
+              </a:rPr>
+              <a:t> This model will yield the percentages of independent and intervening variables effects on variation in the outcome of the battle.</a:t>
+            </a:r>
+            <a:endParaRPr lang="tr-TR" sz="1800" dirty="0">
+              <a:effectLst/>
+              <a:latin typeface="Times New Roman" panose="02020603050405020304" pitchFamily="18" charset="0"/>
+              <a:ea typeface="Times New Roman" panose="02020603050405020304" pitchFamily="18" charset="0"/>
+            </a:endParaRPr>
+          </a:p>
+          <a:p>
+            <a:pPr marL="342900" lvl="0" indent="-342900" algn="just">
+              <a:buFont typeface="Symbol" panose="05050102010706020507" pitchFamily="18" charset="2"/>
+              <a:buChar char=""/>
+            </a:pPr>
+            <a:r>
+              <a:rPr lang="en-US" sz="1800" b="1" dirty="0">
+                <a:solidFill>
+                  <a:srgbClr val="000000"/>
+                </a:solidFill>
+                <a:effectLst/>
+                <a:latin typeface="Calibri" panose="020F0502020204030204" pitchFamily="34" charset="0"/>
+                <a:ea typeface="Times New Roman" panose="02020603050405020304" pitchFamily="18" charset="0"/>
+              </a:rPr>
+              <a:t>Predictions:</a:t>
+            </a:r>
+            <a:r>
+              <a:rPr lang="en-US" sz="1800" dirty="0">
+                <a:solidFill>
+                  <a:srgbClr val="000000"/>
+                </a:solidFill>
+                <a:effectLst/>
+                <a:latin typeface="Calibri" panose="020F0502020204030204" pitchFamily="34" charset="0"/>
+                <a:ea typeface="Times New Roman" panose="02020603050405020304" pitchFamily="18" charset="0"/>
+              </a:rPr>
+              <a:t> Applying machine learning algorithms (Logistic regression, decision trees, K Means Clustering and others) to data set to make predictions for future battle scenarios.</a:t>
+            </a:r>
+            <a:endParaRPr lang="tr-TR" sz="1800" dirty="0">
+              <a:effectLst/>
+              <a:latin typeface="Times New Roman" panose="02020603050405020304" pitchFamily="18" charset="0"/>
+              <a:ea typeface="Times New Roman" panose="02020603050405020304" pitchFamily="18" charset="0"/>
+            </a:endParaRPr>
+          </a:p>
+          <a:p>
+            <a:endParaRPr lang="tr-TR" dirty="0"/>
+          </a:p>
+        </p:txBody>
+      </p:sp>
+      <p:sp>
+        <p:nvSpPr>
+          <p:cNvPr id="4" name="Slide Number Placeholder 3"/>
+          <p:cNvSpPr>
+            <a:spLocks noGrp="1"/>
+          </p:cNvSpPr>
+          <p:nvPr>
+            <p:ph type="sldNum" sz="quarter" idx="5"/>
+          </p:nvPr>
+        </p:nvSpPr>
+        <p:spPr/>
+        <p:txBody>
+          <a:bodyPr/>
+          <a:lstStyle/>
+          <a:p>
+            <a:fld id="{344A4FEE-B134-42F3-BC71-245FBE6217C8}" type="slidenum">
+              <a:rPr lang="tr-TR" smtClean="0"/>
+              <a:t>17</a:t>
+            </a:fld>
+            <a:endParaRPr lang="tr-TR"/>
+          </a:p>
+        </p:txBody>
+      </p:sp>
+    </p:spTree>
+    <p:extLst>
+      <p:ext uri="{BB962C8B-B14F-4D97-AF65-F5344CB8AC3E}">
+        <p14:creationId xmlns:p14="http://schemas.microsoft.com/office/powerpoint/2010/main" val="2911729695"/>
+      </p:ext>
+    </p:extLst>
+  </p:cSld>
+  <p:clrMapOvr>
+    <a:masterClrMapping/>
+  </p:clrMapOvr>
+</p:notes>
+</file>
+
 <file path=ppt/notesSlides/notesSlide2.xml><?xml version="1.0" encoding="utf-8"?>
 <p:notes xmlns:a="http://schemas.openxmlformats.org/drawingml/2006/main" xmlns:r="http://schemas.openxmlformats.org/officeDocument/2006/relationships" xmlns:p="http://schemas.openxmlformats.org/presentationml/2006/main">
   <p:cSld>
@@ -3159,7 +4483,7 @@
           <a:p>
             <a:fld id="{0B27EE79-B449-44A2-B1EF-6094F2079680}" type="datetimeFigureOut">
               <a:rPr lang="tr-TR" smtClean="0"/>
-              <a:t>25.05.2021</a:t>
+              <a:t>26.11.2021</a:t>
             </a:fld>
             <a:endParaRPr lang="tr-TR"/>
           </a:p>
@@ -3359,7 +4683,7 @@
           <a:p>
             <a:fld id="{0B27EE79-B449-44A2-B1EF-6094F2079680}" type="datetimeFigureOut">
               <a:rPr lang="tr-TR" smtClean="0"/>
-              <a:t>25.05.2021</a:t>
+              <a:t>26.11.2021</a:t>
             </a:fld>
             <a:endParaRPr lang="tr-TR"/>
           </a:p>
@@ -3569,7 +4893,7 @@
           <a:p>
             <a:fld id="{0B27EE79-B449-44A2-B1EF-6094F2079680}" type="datetimeFigureOut">
               <a:rPr lang="tr-TR" smtClean="0"/>
-              <a:t>25.05.2021</a:t>
+              <a:t>26.11.2021</a:t>
             </a:fld>
             <a:endParaRPr lang="tr-TR"/>
           </a:p>
@@ -3769,7 +5093,7 @@
           <a:p>
             <a:fld id="{0B27EE79-B449-44A2-B1EF-6094F2079680}" type="datetimeFigureOut">
               <a:rPr lang="tr-TR" smtClean="0"/>
-              <a:t>25.05.2021</a:t>
+              <a:t>26.11.2021</a:t>
             </a:fld>
             <a:endParaRPr lang="tr-TR"/>
           </a:p>
@@ -4045,7 +5369,7 @@
           <a:p>
             <a:fld id="{0B27EE79-B449-44A2-B1EF-6094F2079680}" type="datetimeFigureOut">
               <a:rPr lang="tr-TR" smtClean="0"/>
-              <a:t>25.05.2021</a:t>
+              <a:t>26.11.2021</a:t>
             </a:fld>
             <a:endParaRPr lang="tr-TR"/>
           </a:p>
@@ -4313,7 +5637,7 @@
           <a:p>
             <a:fld id="{0B27EE79-B449-44A2-B1EF-6094F2079680}" type="datetimeFigureOut">
               <a:rPr lang="tr-TR" smtClean="0"/>
-              <a:t>25.05.2021</a:t>
+              <a:t>26.11.2021</a:t>
             </a:fld>
             <a:endParaRPr lang="tr-TR"/>
           </a:p>
@@ -4728,7 +6052,7 @@
           <a:p>
             <a:fld id="{0B27EE79-B449-44A2-B1EF-6094F2079680}" type="datetimeFigureOut">
               <a:rPr lang="tr-TR" smtClean="0"/>
-              <a:t>25.05.2021</a:t>
+              <a:t>26.11.2021</a:t>
             </a:fld>
             <a:endParaRPr lang="tr-TR"/>
           </a:p>
@@ -4870,7 +6194,7 @@
           <a:p>
             <a:fld id="{0B27EE79-B449-44A2-B1EF-6094F2079680}" type="datetimeFigureOut">
               <a:rPr lang="tr-TR" smtClean="0"/>
-              <a:t>25.05.2021</a:t>
+              <a:t>26.11.2021</a:t>
             </a:fld>
             <a:endParaRPr lang="tr-TR"/>
           </a:p>
@@ -4983,7 +6307,7 @@
           <a:p>
             <a:fld id="{0B27EE79-B449-44A2-B1EF-6094F2079680}" type="datetimeFigureOut">
               <a:rPr lang="tr-TR" smtClean="0"/>
-              <a:t>25.05.2021</a:t>
+              <a:t>26.11.2021</a:t>
             </a:fld>
             <a:endParaRPr lang="tr-TR"/>
           </a:p>
@@ -5296,7 +6620,7 @@
           <a:p>
             <a:fld id="{0B27EE79-B449-44A2-B1EF-6094F2079680}" type="datetimeFigureOut">
               <a:rPr lang="tr-TR" smtClean="0"/>
-              <a:t>25.05.2021</a:t>
+              <a:t>26.11.2021</a:t>
             </a:fld>
             <a:endParaRPr lang="tr-TR"/>
           </a:p>
@@ -5585,7 +6909,7 @@
           <a:p>
             <a:fld id="{0B27EE79-B449-44A2-B1EF-6094F2079680}" type="datetimeFigureOut">
               <a:rPr lang="tr-TR" smtClean="0"/>
-              <a:t>25.05.2021</a:t>
+              <a:t>26.11.2021</a:t>
             </a:fld>
             <a:endParaRPr lang="tr-TR"/>
           </a:p>
@@ -5828,7 +7152,7 @@
           <a:p>
             <a:fld id="{0B27EE79-B449-44A2-B1EF-6094F2079680}" type="datetimeFigureOut">
               <a:rPr lang="tr-TR" smtClean="0"/>
-              <a:t>25.05.2021</a:t>
+              <a:t>26.11.2021</a:t>
             </a:fld>
             <a:endParaRPr lang="tr-TR"/>
           </a:p>
@@ -6736,6 +8060,6699 @@
     <p:extLst>
       <p:ext uri="{BB962C8B-B14F-4D97-AF65-F5344CB8AC3E}">
         <p14:creationId xmlns:p14="http://schemas.microsoft.com/office/powerpoint/2010/main" val="3284161706"/>
+      </p:ext>
+    </p:extLst>
+  </p:cSld>
+  <p:clrMapOvr>
+    <a:masterClrMapping/>
+  </p:clrMapOvr>
+</p:sld>
+</file>
+
+<file path=ppt/slides/slide11.xml><?xml version="1.0" encoding="utf-8"?>
+<p:sld xmlns:a="http://schemas.openxmlformats.org/drawingml/2006/main" xmlns:r="http://schemas.openxmlformats.org/officeDocument/2006/relationships" xmlns:p="http://schemas.openxmlformats.org/presentationml/2006/main">
+  <p:cSld>
+    <p:spTree>
+      <p:nvGrpSpPr>
+        <p:cNvPr id="1" name=""/>
+        <p:cNvGrpSpPr/>
+        <p:nvPr/>
+      </p:nvGrpSpPr>
+      <p:grpSpPr>
+        <a:xfrm>
+          <a:off x="0" y="0"/>
+          <a:ext cx="0" cy="0"/>
+          <a:chOff x="0" y="0"/>
+          <a:chExt cx="0" cy="0"/>
+        </a:xfrm>
+      </p:grpSpPr>
+      <p:sp>
+        <p:nvSpPr>
+          <p:cNvPr id="2" name="Title 1">
+            <a:extLst>
+              <a:ext uri="{FF2B5EF4-FFF2-40B4-BE49-F238E27FC236}">
+                <a16:creationId xmlns:a16="http://schemas.microsoft.com/office/drawing/2014/main" id="{28080C00-C524-4A03-836F-5F5552226FA7}"/>
+              </a:ext>
+            </a:extLst>
+          </p:cNvPr>
+          <p:cNvSpPr>
+            <a:spLocks noGrp="1"/>
+          </p:cNvSpPr>
+          <p:nvPr>
+            <p:ph type="ctrTitle"/>
+          </p:nvPr>
+        </p:nvSpPr>
+        <p:spPr>
+          <a:xfrm>
+            <a:off x="1524000" y="1656520"/>
+            <a:ext cx="9144000" cy="1111320"/>
+          </a:xfrm>
+        </p:spPr>
+        <p:txBody>
+          <a:bodyPr>
+            <a:normAutofit fontScale="90000"/>
+          </a:bodyPr>
+          <a:lstStyle/>
+          <a:p>
+            <a:r>
+              <a:rPr lang="en-US" sz="4400" b="1" dirty="0"/>
+              <a:t>PhD </a:t>
+            </a:r>
+            <a:r>
+              <a:rPr lang="tr-TR" sz="4400" b="1" dirty="0"/>
+              <a:t>Monthly Meeting</a:t>
+            </a:r>
+            <a:br>
+              <a:rPr lang="tr-TR" sz="4400" b="1" dirty="0"/>
+            </a:br>
+            <a:endParaRPr lang="tr-TR" sz="4400" b="1" dirty="0"/>
+          </a:p>
+        </p:txBody>
+      </p:sp>
+      <p:sp>
+        <p:nvSpPr>
+          <p:cNvPr id="3" name="Subtitle 2">
+            <a:extLst>
+              <a:ext uri="{FF2B5EF4-FFF2-40B4-BE49-F238E27FC236}">
+                <a16:creationId xmlns:a16="http://schemas.microsoft.com/office/drawing/2014/main" id="{341A39ED-E3E4-47D5-A104-2FDFB1F07D47}"/>
+              </a:ext>
+            </a:extLst>
+          </p:cNvPr>
+          <p:cNvSpPr>
+            <a:spLocks noGrp="1"/>
+          </p:cNvSpPr>
+          <p:nvPr>
+            <p:ph type="subTitle" idx="1"/>
+          </p:nvPr>
+        </p:nvSpPr>
+        <p:spPr>
+          <a:xfrm>
+            <a:off x="1523999" y="2859915"/>
+            <a:ext cx="9382539" cy="3348380"/>
+          </a:xfrm>
+        </p:spPr>
+        <p:txBody>
+          <a:bodyPr>
+            <a:normAutofit/>
+          </a:bodyPr>
+          <a:lstStyle/>
+          <a:p>
+            <a:r>
+              <a:rPr lang="tr-TR" dirty="0"/>
+              <a:t>Time:30 minutes</a:t>
+            </a:r>
+          </a:p>
+          <a:p>
+            <a:endParaRPr lang="tr-TR" dirty="0"/>
+          </a:p>
+          <a:p>
+            <a:r>
+              <a:rPr lang="tr-TR" b="1" dirty="0"/>
+              <a:t>23.11.2021</a:t>
+            </a:r>
+          </a:p>
+          <a:p>
+            <a:endParaRPr lang="tr-TR" dirty="0"/>
+          </a:p>
+        </p:txBody>
+      </p:sp>
+    </p:spTree>
+    <p:extLst>
+      <p:ext uri="{BB962C8B-B14F-4D97-AF65-F5344CB8AC3E}">
+        <p14:creationId xmlns:p14="http://schemas.microsoft.com/office/powerpoint/2010/main" val="606166688"/>
+      </p:ext>
+    </p:extLst>
+  </p:cSld>
+  <p:clrMapOvr>
+    <a:masterClrMapping/>
+  </p:clrMapOvr>
+</p:sld>
+</file>
+
+<file path=ppt/slides/slide12.xml><?xml version="1.0" encoding="utf-8"?>
+<p:sld xmlns:a="http://schemas.openxmlformats.org/drawingml/2006/main" xmlns:r="http://schemas.openxmlformats.org/officeDocument/2006/relationships" xmlns:p="http://schemas.openxmlformats.org/presentationml/2006/main">
+  <p:cSld>
+    <p:spTree>
+      <p:nvGrpSpPr>
+        <p:cNvPr id="1" name=""/>
+        <p:cNvGrpSpPr/>
+        <p:nvPr/>
+      </p:nvGrpSpPr>
+      <p:grpSpPr>
+        <a:xfrm>
+          <a:off x="0" y="0"/>
+          <a:ext cx="0" cy="0"/>
+          <a:chOff x="0" y="0"/>
+          <a:chExt cx="0" cy="0"/>
+        </a:xfrm>
+      </p:grpSpPr>
+      <p:sp>
+        <p:nvSpPr>
+          <p:cNvPr id="2" name="Title 1">
+            <a:extLst>
+              <a:ext uri="{FF2B5EF4-FFF2-40B4-BE49-F238E27FC236}">
+                <a16:creationId xmlns:a16="http://schemas.microsoft.com/office/drawing/2014/main" id="{64CC9908-A789-4836-BD9F-1B3551AD5083}"/>
+              </a:ext>
+            </a:extLst>
+          </p:cNvPr>
+          <p:cNvSpPr>
+            <a:spLocks noGrp="1"/>
+          </p:cNvSpPr>
+          <p:nvPr>
+            <p:ph type="title"/>
+          </p:nvPr>
+        </p:nvSpPr>
+        <p:spPr/>
+        <p:txBody>
+          <a:bodyPr>
+            <a:normAutofit/>
+          </a:bodyPr>
+          <a:lstStyle/>
+          <a:p>
+            <a:r>
+              <a:rPr lang="en-GB" sz="3800" b="1" dirty="0">
+                <a:effectLst/>
+              </a:rPr>
+              <a:t>Incomplete actions from Previous meeting</a:t>
+            </a:r>
+            <a:br>
+              <a:rPr lang="tr-TR" sz="3800" b="1" dirty="0">
+                <a:effectLst/>
+                <a:latin typeface="Calibri" panose="020F0502020204030204" pitchFamily="34" charset="0"/>
+                <a:ea typeface="Calibri" panose="020F0502020204030204" pitchFamily="34" charset="0"/>
+                <a:cs typeface="Times New Roman" panose="02020603050405020304" pitchFamily="18" charset="0"/>
+              </a:rPr>
+            </a:br>
+            <a:endParaRPr lang="tr-TR" sz="3800" b="1" dirty="0"/>
+          </a:p>
+        </p:txBody>
+      </p:sp>
+      <p:graphicFrame>
+        <p:nvGraphicFramePr>
+          <p:cNvPr id="5" name="Table 5">
+            <a:extLst>
+              <a:ext uri="{FF2B5EF4-FFF2-40B4-BE49-F238E27FC236}">
+                <a16:creationId xmlns:a16="http://schemas.microsoft.com/office/drawing/2014/main" id="{5D139A34-38CE-4C25-9545-C654DE9D21E8}"/>
+              </a:ext>
+            </a:extLst>
+          </p:cNvPr>
+          <p:cNvGraphicFramePr>
+            <a:graphicFrameLocks noGrp="1"/>
+          </p:cNvGraphicFramePr>
+          <p:nvPr>
+            <p:extLst>
+              <p:ext uri="{D42A27DB-BD31-4B8C-83A1-F6EECF244321}">
+                <p14:modId xmlns:p14="http://schemas.microsoft.com/office/powerpoint/2010/main" val="367990587"/>
+              </p:ext>
+            </p:extLst>
+          </p:nvPr>
+        </p:nvGraphicFramePr>
+        <p:xfrm>
+          <a:off x="838199" y="1690689"/>
+          <a:ext cx="10515600" cy="3990086"/>
+        </p:xfrm>
+        <a:graphic>
+          <a:graphicData uri="http://schemas.openxmlformats.org/drawingml/2006/table">
+            <a:tbl>
+              <a:tblPr firstRow="1" bandRow="1">
+                <a:tableStyleId>{5C22544A-7EE6-4342-B048-85BDC9FD1C3A}</a:tableStyleId>
+              </a:tblPr>
+              <a:tblGrid>
+                <a:gridCol w="1752600">
+                  <a:extLst>
+                    <a:ext uri="{9D8B030D-6E8A-4147-A177-3AD203B41FA5}">
+                      <a16:colId xmlns:a16="http://schemas.microsoft.com/office/drawing/2014/main" val="1751706175"/>
+                    </a:ext>
+                  </a:extLst>
+                </a:gridCol>
+                <a:gridCol w="1752600">
+                  <a:extLst>
+                    <a:ext uri="{9D8B030D-6E8A-4147-A177-3AD203B41FA5}">
+                      <a16:colId xmlns:a16="http://schemas.microsoft.com/office/drawing/2014/main" val="2219508395"/>
+                    </a:ext>
+                  </a:extLst>
+                </a:gridCol>
+                <a:gridCol w="1752600">
+                  <a:extLst>
+                    <a:ext uri="{9D8B030D-6E8A-4147-A177-3AD203B41FA5}">
+                      <a16:colId xmlns:a16="http://schemas.microsoft.com/office/drawing/2014/main" val="1299564521"/>
+                    </a:ext>
+                  </a:extLst>
+                </a:gridCol>
+                <a:gridCol w="1752600">
+                  <a:extLst>
+                    <a:ext uri="{9D8B030D-6E8A-4147-A177-3AD203B41FA5}">
+                      <a16:colId xmlns:a16="http://schemas.microsoft.com/office/drawing/2014/main" val="3446758075"/>
+                    </a:ext>
+                  </a:extLst>
+                </a:gridCol>
+                <a:gridCol w="1752600">
+                  <a:extLst>
+                    <a:ext uri="{9D8B030D-6E8A-4147-A177-3AD203B41FA5}">
+                      <a16:colId xmlns:a16="http://schemas.microsoft.com/office/drawing/2014/main" val="1605556915"/>
+                    </a:ext>
+                  </a:extLst>
+                </a:gridCol>
+                <a:gridCol w="1752600">
+                  <a:extLst>
+                    <a:ext uri="{9D8B030D-6E8A-4147-A177-3AD203B41FA5}">
+                      <a16:colId xmlns:a16="http://schemas.microsoft.com/office/drawing/2014/main" val="736451315"/>
+                    </a:ext>
+                  </a:extLst>
+                </a:gridCol>
+              </a:tblGrid>
+              <a:tr h="1062575">
+                <a:tc>
+                  <a:txBody>
+                    <a:bodyPr/>
+                    <a:lstStyle/>
+                    <a:p>
+                      <a:pPr algn="ctr"/>
+                      <a:r>
+                        <a:rPr lang="tr-TR" dirty="0">
+                          <a:solidFill>
+                            <a:sysClr val="windowText" lastClr="000000"/>
+                          </a:solidFill>
+                        </a:rPr>
+                        <a:t>Who</a:t>
+                      </a:r>
+                    </a:p>
+                  </a:txBody>
+                  <a:tcPr>
+                    <a:lnL w="12700" cap="flat" cmpd="sng" algn="ctr">
+                      <a:solidFill>
+                        <a:schemeClr val="tx1"/>
+                      </a:solidFill>
+                      <a:prstDash val="solid"/>
+                      <a:round/>
+                      <a:headEnd type="none" w="med" len="med"/>
+                      <a:tailEnd type="none" w="med" len="med"/>
+                    </a:lnL>
+                    <a:lnR w="12700" cap="flat" cmpd="sng" algn="ctr">
+                      <a:solidFill>
+                        <a:schemeClr val="tx1"/>
+                      </a:solidFill>
+                      <a:prstDash val="solid"/>
+                      <a:round/>
+                      <a:headEnd type="none" w="med" len="med"/>
+                      <a:tailEnd type="none" w="med" len="med"/>
+                    </a:lnR>
+                    <a:lnT w="12700" cap="flat" cmpd="sng" algn="ctr">
+                      <a:solidFill>
+                        <a:schemeClr val="tx1"/>
+                      </a:solidFill>
+                      <a:prstDash val="solid"/>
+                      <a:round/>
+                      <a:headEnd type="none" w="med" len="med"/>
+                      <a:tailEnd type="none" w="med" len="med"/>
+                    </a:lnT>
+                    <a:lnB w="12700" cap="flat" cmpd="sng" algn="ctr">
+                      <a:solidFill>
+                        <a:schemeClr val="tx1"/>
+                      </a:solidFill>
+                      <a:prstDash val="solid"/>
+                      <a:round/>
+                      <a:headEnd type="none" w="med" len="med"/>
+                      <a:tailEnd type="none" w="med" len="med"/>
+                    </a:lnB>
+                    <a:noFill/>
+                  </a:tcPr>
+                </a:tc>
+                <a:tc>
+                  <a:txBody>
+                    <a:bodyPr/>
+                    <a:lstStyle/>
+                    <a:p>
+                      <a:pPr algn="ctr"/>
+                      <a:r>
+                        <a:rPr lang="tr-TR" dirty="0">
+                          <a:solidFill>
+                            <a:sysClr val="windowText" lastClr="000000"/>
+                          </a:solidFill>
+                        </a:rPr>
+                        <a:t>Action to be taken</a:t>
+                      </a:r>
+                    </a:p>
+                    <a:p>
+                      <a:pPr algn="ctr"/>
+                      <a:endParaRPr lang="tr-TR" dirty="0">
+                        <a:solidFill>
+                          <a:sysClr val="windowText" lastClr="000000"/>
+                        </a:solidFill>
+                      </a:endParaRPr>
+                    </a:p>
+                  </a:txBody>
+                  <a:tcPr>
+                    <a:lnL w="12700" cap="flat" cmpd="sng" algn="ctr">
+                      <a:solidFill>
+                        <a:schemeClr val="tx1"/>
+                      </a:solidFill>
+                      <a:prstDash val="solid"/>
+                      <a:round/>
+                      <a:headEnd type="none" w="med" len="med"/>
+                      <a:tailEnd type="none" w="med" len="med"/>
+                    </a:lnL>
+                    <a:lnR w="12700" cap="flat" cmpd="sng" algn="ctr">
+                      <a:solidFill>
+                        <a:schemeClr val="tx1"/>
+                      </a:solidFill>
+                      <a:prstDash val="solid"/>
+                      <a:round/>
+                      <a:headEnd type="none" w="med" len="med"/>
+                      <a:tailEnd type="none" w="med" len="med"/>
+                    </a:lnR>
+                    <a:lnT w="12700" cap="flat" cmpd="sng" algn="ctr">
+                      <a:solidFill>
+                        <a:schemeClr val="tx1"/>
+                      </a:solidFill>
+                      <a:prstDash val="solid"/>
+                      <a:round/>
+                      <a:headEnd type="none" w="med" len="med"/>
+                      <a:tailEnd type="none" w="med" len="med"/>
+                    </a:lnT>
+                    <a:lnB w="12700" cap="flat" cmpd="sng" algn="ctr">
+                      <a:solidFill>
+                        <a:schemeClr val="tx1"/>
+                      </a:solidFill>
+                      <a:prstDash val="solid"/>
+                      <a:round/>
+                      <a:headEnd type="none" w="med" len="med"/>
+                      <a:tailEnd type="none" w="med" len="med"/>
+                    </a:lnB>
+                    <a:noFill/>
+                  </a:tcPr>
+                </a:tc>
+                <a:tc>
+                  <a:txBody>
+                    <a:bodyPr/>
+                    <a:lstStyle/>
+                    <a:p>
+                      <a:pPr algn="ctr"/>
+                      <a:r>
+                        <a:rPr lang="tr-TR" dirty="0">
+                          <a:solidFill>
+                            <a:sysClr val="windowText" lastClr="000000"/>
+                          </a:solidFill>
+                        </a:rPr>
+                        <a:t>Date Issued</a:t>
+                      </a:r>
+                    </a:p>
+                    <a:p>
+                      <a:pPr algn="ctr"/>
+                      <a:endParaRPr lang="tr-TR" dirty="0">
+                        <a:solidFill>
+                          <a:sysClr val="windowText" lastClr="000000"/>
+                        </a:solidFill>
+                      </a:endParaRPr>
+                    </a:p>
+                  </a:txBody>
+                  <a:tcPr>
+                    <a:lnL w="12700" cap="flat" cmpd="sng" algn="ctr">
+                      <a:solidFill>
+                        <a:schemeClr val="tx1"/>
+                      </a:solidFill>
+                      <a:prstDash val="solid"/>
+                      <a:round/>
+                      <a:headEnd type="none" w="med" len="med"/>
+                      <a:tailEnd type="none" w="med" len="med"/>
+                    </a:lnL>
+                    <a:lnR w="12700" cap="flat" cmpd="sng" algn="ctr">
+                      <a:solidFill>
+                        <a:schemeClr val="tx1"/>
+                      </a:solidFill>
+                      <a:prstDash val="solid"/>
+                      <a:round/>
+                      <a:headEnd type="none" w="med" len="med"/>
+                      <a:tailEnd type="none" w="med" len="med"/>
+                    </a:lnR>
+                    <a:lnT w="12700" cap="flat" cmpd="sng" algn="ctr">
+                      <a:solidFill>
+                        <a:schemeClr val="tx1"/>
+                      </a:solidFill>
+                      <a:prstDash val="solid"/>
+                      <a:round/>
+                      <a:headEnd type="none" w="med" len="med"/>
+                      <a:tailEnd type="none" w="med" len="med"/>
+                    </a:lnT>
+                    <a:lnB w="12700" cap="flat" cmpd="sng" algn="ctr">
+                      <a:solidFill>
+                        <a:schemeClr val="tx1"/>
+                      </a:solidFill>
+                      <a:prstDash val="solid"/>
+                      <a:round/>
+                      <a:headEnd type="none" w="med" len="med"/>
+                      <a:tailEnd type="none" w="med" len="med"/>
+                    </a:lnB>
+                    <a:noFill/>
+                  </a:tcPr>
+                </a:tc>
+                <a:tc>
+                  <a:txBody>
+                    <a:bodyPr/>
+                    <a:lstStyle/>
+                    <a:p>
+                      <a:pPr algn="ctr"/>
+                      <a:r>
+                        <a:rPr lang="tr-TR" dirty="0">
+                          <a:solidFill>
+                            <a:sysClr val="windowText" lastClr="000000"/>
+                          </a:solidFill>
+                        </a:rPr>
+                        <a:t>Expected completion date</a:t>
+                      </a:r>
+                    </a:p>
+                  </a:txBody>
+                  <a:tcPr>
+                    <a:lnL w="12700" cap="flat" cmpd="sng" algn="ctr">
+                      <a:solidFill>
+                        <a:schemeClr val="tx1"/>
+                      </a:solidFill>
+                      <a:prstDash val="solid"/>
+                      <a:round/>
+                      <a:headEnd type="none" w="med" len="med"/>
+                      <a:tailEnd type="none" w="med" len="med"/>
+                    </a:lnL>
+                    <a:lnR w="12700" cap="flat" cmpd="sng" algn="ctr">
+                      <a:solidFill>
+                        <a:schemeClr val="tx1"/>
+                      </a:solidFill>
+                      <a:prstDash val="solid"/>
+                      <a:round/>
+                      <a:headEnd type="none" w="med" len="med"/>
+                      <a:tailEnd type="none" w="med" len="med"/>
+                    </a:lnR>
+                    <a:lnT w="12700" cap="flat" cmpd="sng" algn="ctr">
+                      <a:solidFill>
+                        <a:schemeClr val="tx1"/>
+                      </a:solidFill>
+                      <a:prstDash val="solid"/>
+                      <a:round/>
+                      <a:headEnd type="none" w="med" len="med"/>
+                      <a:tailEnd type="none" w="med" len="med"/>
+                    </a:lnT>
+                    <a:lnB w="12700" cap="flat" cmpd="sng" algn="ctr">
+                      <a:solidFill>
+                        <a:schemeClr val="tx1"/>
+                      </a:solidFill>
+                      <a:prstDash val="solid"/>
+                      <a:round/>
+                      <a:headEnd type="none" w="med" len="med"/>
+                      <a:tailEnd type="none" w="med" len="med"/>
+                    </a:lnB>
+                    <a:noFill/>
+                  </a:tcPr>
+                </a:tc>
+                <a:tc>
+                  <a:txBody>
+                    <a:bodyPr/>
+                    <a:lstStyle/>
+                    <a:p>
+                      <a:pPr algn="ctr"/>
+                      <a:r>
+                        <a:rPr lang="tr-TR" dirty="0">
+                          <a:solidFill>
+                            <a:sysClr val="windowText" lastClr="000000"/>
+                          </a:solidFill>
+                        </a:rPr>
+                        <a:t>Linked to chapter</a:t>
+                      </a:r>
+                    </a:p>
+                    <a:p>
+                      <a:pPr algn="ctr"/>
+                      <a:endParaRPr lang="tr-TR" dirty="0">
+                        <a:solidFill>
+                          <a:sysClr val="windowText" lastClr="000000"/>
+                        </a:solidFill>
+                      </a:endParaRPr>
+                    </a:p>
+                  </a:txBody>
+                  <a:tcPr>
+                    <a:lnL w="12700" cap="flat" cmpd="sng" algn="ctr">
+                      <a:solidFill>
+                        <a:schemeClr val="tx1"/>
+                      </a:solidFill>
+                      <a:prstDash val="solid"/>
+                      <a:round/>
+                      <a:headEnd type="none" w="med" len="med"/>
+                      <a:tailEnd type="none" w="med" len="med"/>
+                    </a:lnL>
+                    <a:lnR w="12700" cap="flat" cmpd="sng" algn="ctr">
+                      <a:solidFill>
+                        <a:schemeClr val="tx1"/>
+                      </a:solidFill>
+                      <a:prstDash val="solid"/>
+                      <a:round/>
+                      <a:headEnd type="none" w="med" len="med"/>
+                      <a:tailEnd type="none" w="med" len="med"/>
+                    </a:lnR>
+                    <a:lnT w="12700" cap="flat" cmpd="sng" algn="ctr">
+                      <a:solidFill>
+                        <a:schemeClr val="tx1"/>
+                      </a:solidFill>
+                      <a:prstDash val="solid"/>
+                      <a:round/>
+                      <a:headEnd type="none" w="med" len="med"/>
+                      <a:tailEnd type="none" w="med" len="med"/>
+                    </a:lnT>
+                    <a:lnB w="12700" cap="flat" cmpd="sng" algn="ctr">
+                      <a:solidFill>
+                        <a:schemeClr val="tx1"/>
+                      </a:solidFill>
+                      <a:prstDash val="solid"/>
+                      <a:round/>
+                      <a:headEnd type="none" w="med" len="med"/>
+                      <a:tailEnd type="none" w="med" len="med"/>
+                    </a:lnB>
+                    <a:noFill/>
+                  </a:tcPr>
+                </a:tc>
+                <a:tc>
+                  <a:txBody>
+                    <a:bodyPr/>
+                    <a:lstStyle/>
+                    <a:p>
+                      <a:pPr algn="ctr"/>
+                      <a:r>
+                        <a:rPr lang="tr-TR" dirty="0">
+                          <a:solidFill>
+                            <a:sysClr val="windowText" lastClr="000000"/>
+                          </a:solidFill>
+                        </a:rPr>
+                        <a:t>Linked to objective</a:t>
+                      </a:r>
+                    </a:p>
+                    <a:p>
+                      <a:pPr algn="ctr"/>
+                      <a:endParaRPr lang="tr-TR" dirty="0">
+                        <a:solidFill>
+                          <a:sysClr val="windowText" lastClr="000000"/>
+                        </a:solidFill>
+                      </a:endParaRPr>
+                    </a:p>
+                  </a:txBody>
+                  <a:tcPr>
+                    <a:lnL w="12700" cap="flat" cmpd="sng" algn="ctr">
+                      <a:solidFill>
+                        <a:schemeClr val="tx1"/>
+                      </a:solidFill>
+                      <a:prstDash val="solid"/>
+                      <a:round/>
+                      <a:headEnd type="none" w="med" len="med"/>
+                      <a:tailEnd type="none" w="med" len="med"/>
+                    </a:lnL>
+                    <a:lnR w="12700" cap="flat" cmpd="sng" algn="ctr">
+                      <a:solidFill>
+                        <a:schemeClr val="tx1"/>
+                      </a:solidFill>
+                      <a:prstDash val="solid"/>
+                      <a:round/>
+                      <a:headEnd type="none" w="med" len="med"/>
+                      <a:tailEnd type="none" w="med" len="med"/>
+                    </a:lnR>
+                    <a:lnT w="12700" cap="flat" cmpd="sng" algn="ctr">
+                      <a:solidFill>
+                        <a:schemeClr val="tx1"/>
+                      </a:solidFill>
+                      <a:prstDash val="solid"/>
+                      <a:round/>
+                      <a:headEnd type="none" w="med" len="med"/>
+                      <a:tailEnd type="none" w="med" len="med"/>
+                    </a:lnT>
+                    <a:lnB w="12700" cap="flat" cmpd="sng" algn="ctr">
+                      <a:solidFill>
+                        <a:schemeClr val="tx1"/>
+                      </a:solidFill>
+                      <a:prstDash val="solid"/>
+                      <a:round/>
+                      <a:headEnd type="none" w="med" len="med"/>
+                      <a:tailEnd type="none" w="med" len="med"/>
+                    </a:lnB>
+                    <a:noFill/>
+                  </a:tcPr>
+                </a:tc>
+                <a:extLst>
+                  <a:ext uri="{0D108BD9-81ED-4DB2-BD59-A6C34878D82A}">
+                    <a16:rowId xmlns:a16="http://schemas.microsoft.com/office/drawing/2014/main" val="3860416926"/>
+                  </a:ext>
+                </a:extLst>
+              </a:tr>
+              <a:tr h="671037">
+                <a:tc>
+                  <a:txBody>
+                    <a:bodyPr/>
+                    <a:lstStyle/>
+                    <a:p>
+                      <a:r>
+                        <a:rPr lang="tr-TR" dirty="0">
+                          <a:solidFill>
+                            <a:sysClr val="windowText" lastClr="000000"/>
+                          </a:solidFill>
+                        </a:rPr>
+                        <a:t>Student</a:t>
+                      </a:r>
+                    </a:p>
+                  </a:txBody>
+                  <a:tcPr>
+                    <a:lnL w="12700" cap="flat" cmpd="sng" algn="ctr">
+                      <a:solidFill>
+                        <a:schemeClr val="tx1"/>
+                      </a:solidFill>
+                      <a:prstDash val="solid"/>
+                      <a:round/>
+                      <a:headEnd type="none" w="med" len="med"/>
+                      <a:tailEnd type="none" w="med" len="med"/>
+                    </a:lnL>
+                    <a:lnR w="12700" cap="flat" cmpd="sng" algn="ctr">
+                      <a:solidFill>
+                        <a:schemeClr val="tx1"/>
+                      </a:solidFill>
+                      <a:prstDash val="solid"/>
+                      <a:round/>
+                      <a:headEnd type="none" w="med" len="med"/>
+                      <a:tailEnd type="none" w="med" len="med"/>
+                    </a:lnR>
+                    <a:lnT w="12700" cap="flat" cmpd="sng" algn="ctr">
+                      <a:solidFill>
+                        <a:schemeClr val="tx1"/>
+                      </a:solidFill>
+                      <a:prstDash val="solid"/>
+                      <a:round/>
+                      <a:headEnd type="none" w="med" len="med"/>
+                      <a:tailEnd type="none" w="med" len="med"/>
+                    </a:lnT>
+                    <a:lnB w="12700" cap="flat" cmpd="sng" algn="ctr">
+                      <a:solidFill>
+                        <a:schemeClr val="tx1"/>
+                      </a:solidFill>
+                      <a:prstDash val="solid"/>
+                      <a:round/>
+                      <a:headEnd type="none" w="med" len="med"/>
+                      <a:tailEnd type="none" w="med" len="med"/>
+                    </a:lnB>
+                    <a:noFill/>
+                  </a:tcPr>
+                </a:tc>
+                <a:tc>
+                  <a:txBody>
+                    <a:bodyPr/>
+                    <a:lstStyle/>
+                    <a:p>
+                      <a:r>
+                        <a:rPr lang="tr-TR" dirty="0">
+                          <a:solidFill>
+                            <a:sysClr val="windowText" lastClr="000000"/>
+                          </a:solidFill>
+                        </a:rPr>
+                        <a:t>Introduction chapter to be drafted</a:t>
+                      </a:r>
+                    </a:p>
+                  </a:txBody>
+                  <a:tcPr>
+                    <a:lnL w="12700" cap="flat" cmpd="sng" algn="ctr">
+                      <a:solidFill>
+                        <a:schemeClr val="tx1"/>
+                      </a:solidFill>
+                      <a:prstDash val="solid"/>
+                      <a:round/>
+                      <a:headEnd type="none" w="med" len="med"/>
+                      <a:tailEnd type="none" w="med" len="med"/>
+                    </a:lnL>
+                    <a:lnR w="12700" cap="flat" cmpd="sng" algn="ctr">
+                      <a:solidFill>
+                        <a:schemeClr val="tx1"/>
+                      </a:solidFill>
+                      <a:prstDash val="solid"/>
+                      <a:round/>
+                      <a:headEnd type="none" w="med" len="med"/>
+                      <a:tailEnd type="none" w="med" len="med"/>
+                    </a:lnR>
+                    <a:lnT w="12700" cap="flat" cmpd="sng" algn="ctr">
+                      <a:solidFill>
+                        <a:schemeClr val="tx1"/>
+                      </a:solidFill>
+                      <a:prstDash val="solid"/>
+                      <a:round/>
+                      <a:headEnd type="none" w="med" len="med"/>
+                      <a:tailEnd type="none" w="med" len="med"/>
+                    </a:lnT>
+                    <a:lnB w="12700" cap="flat" cmpd="sng" algn="ctr">
+                      <a:solidFill>
+                        <a:schemeClr val="tx1"/>
+                      </a:solidFill>
+                      <a:prstDash val="solid"/>
+                      <a:round/>
+                      <a:headEnd type="none" w="med" len="med"/>
+                      <a:tailEnd type="none" w="med" len="med"/>
+                    </a:lnB>
+                    <a:noFill/>
+                  </a:tcPr>
+                </a:tc>
+                <a:tc>
+                  <a:txBody>
+                    <a:bodyPr/>
+                    <a:lstStyle/>
+                    <a:p>
+                      <a:r>
+                        <a:rPr lang="tr-TR" dirty="0">
+                          <a:solidFill>
+                            <a:sysClr val="windowText" lastClr="000000"/>
+                          </a:solidFill>
+                        </a:rPr>
+                        <a:t>14 Oct 2021</a:t>
+                      </a:r>
+                    </a:p>
+                  </a:txBody>
+                  <a:tcPr>
+                    <a:lnL w="12700" cap="flat" cmpd="sng" algn="ctr">
+                      <a:solidFill>
+                        <a:schemeClr val="tx1"/>
+                      </a:solidFill>
+                      <a:prstDash val="solid"/>
+                      <a:round/>
+                      <a:headEnd type="none" w="med" len="med"/>
+                      <a:tailEnd type="none" w="med" len="med"/>
+                    </a:lnL>
+                    <a:lnR w="12700" cap="flat" cmpd="sng" algn="ctr">
+                      <a:solidFill>
+                        <a:schemeClr val="tx1"/>
+                      </a:solidFill>
+                      <a:prstDash val="solid"/>
+                      <a:round/>
+                      <a:headEnd type="none" w="med" len="med"/>
+                      <a:tailEnd type="none" w="med" len="med"/>
+                    </a:lnR>
+                    <a:lnT w="12700" cap="flat" cmpd="sng" algn="ctr">
+                      <a:solidFill>
+                        <a:schemeClr val="tx1"/>
+                      </a:solidFill>
+                      <a:prstDash val="solid"/>
+                      <a:round/>
+                      <a:headEnd type="none" w="med" len="med"/>
+                      <a:tailEnd type="none" w="med" len="med"/>
+                    </a:lnT>
+                    <a:lnB w="12700" cap="flat" cmpd="sng" algn="ctr">
+                      <a:solidFill>
+                        <a:schemeClr val="tx1"/>
+                      </a:solidFill>
+                      <a:prstDash val="solid"/>
+                      <a:round/>
+                      <a:headEnd type="none" w="med" len="med"/>
+                      <a:tailEnd type="none" w="med" len="med"/>
+                    </a:lnB>
+                    <a:noFill/>
+                  </a:tcPr>
+                </a:tc>
+                <a:tc>
+                  <a:txBody>
+                    <a:bodyPr/>
+                    <a:lstStyle/>
+                    <a:p>
+                      <a:endParaRPr lang="tr-TR" dirty="0">
+                        <a:solidFill>
+                          <a:sysClr val="windowText" lastClr="000000"/>
+                        </a:solidFill>
+                      </a:endParaRPr>
+                    </a:p>
+                  </a:txBody>
+                  <a:tcPr>
+                    <a:lnL w="12700" cap="flat" cmpd="sng" algn="ctr">
+                      <a:solidFill>
+                        <a:schemeClr val="tx1"/>
+                      </a:solidFill>
+                      <a:prstDash val="solid"/>
+                      <a:round/>
+                      <a:headEnd type="none" w="med" len="med"/>
+                      <a:tailEnd type="none" w="med" len="med"/>
+                    </a:lnL>
+                    <a:lnR w="12700" cap="flat" cmpd="sng" algn="ctr">
+                      <a:solidFill>
+                        <a:schemeClr val="tx1"/>
+                      </a:solidFill>
+                      <a:prstDash val="solid"/>
+                      <a:round/>
+                      <a:headEnd type="none" w="med" len="med"/>
+                      <a:tailEnd type="none" w="med" len="med"/>
+                    </a:lnR>
+                    <a:lnT w="12700" cap="flat" cmpd="sng" algn="ctr">
+                      <a:solidFill>
+                        <a:schemeClr val="tx1"/>
+                      </a:solidFill>
+                      <a:prstDash val="solid"/>
+                      <a:round/>
+                      <a:headEnd type="none" w="med" len="med"/>
+                      <a:tailEnd type="none" w="med" len="med"/>
+                    </a:lnT>
+                    <a:lnB w="12700" cap="flat" cmpd="sng" algn="ctr">
+                      <a:solidFill>
+                        <a:schemeClr val="tx1"/>
+                      </a:solidFill>
+                      <a:prstDash val="solid"/>
+                      <a:round/>
+                      <a:headEnd type="none" w="med" len="med"/>
+                      <a:tailEnd type="none" w="med" len="med"/>
+                    </a:lnB>
+                    <a:noFill/>
+                  </a:tcPr>
+                </a:tc>
+                <a:tc>
+                  <a:txBody>
+                    <a:bodyPr/>
+                    <a:lstStyle/>
+                    <a:p>
+                      <a:r>
+                        <a:rPr lang="tr-TR" dirty="0">
+                          <a:solidFill>
+                            <a:sysClr val="windowText" lastClr="000000"/>
+                          </a:solidFill>
+                        </a:rPr>
+                        <a:t>Chapter 1</a:t>
+                      </a:r>
+                    </a:p>
+                  </a:txBody>
+                  <a:tcPr>
+                    <a:lnL w="12700" cap="flat" cmpd="sng" algn="ctr">
+                      <a:solidFill>
+                        <a:schemeClr val="tx1"/>
+                      </a:solidFill>
+                      <a:prstDash val="solid"/>
+                      <a:round/>
+                      <a:headEnd type="none" w="med" len="med"/>
+                      <a:tailEnd type="none" w="med" len="med"/>
+                    </a:lnL>
+                    <a:lnR w="12700" cap="flat" cmpd="sng" algn="ctr">
+                      <a:solidFill>
+                        <a:schemeClr val="tx1"/>
+                      </a:solidFill>
+                      <a:prstDash val="solid"/>
+                      <a:round/>
+                      <a:headEnd type="none" w="med" len="med"/>
+                      <a:tailEnd type="none" w="med" len="med"/>
+                    </a:lnR>
+                    <a:lnT w="12700" cap="flat" cmpd="sng" algn="ctr">
+                      <a:solidFill>
+                        <a:schemeClr val="tx1"/>
+                      </a:solidFill>
+                      <a:prstDash val="solid"/>
+                      <a:round/>
+                      <a:headEnd type="none" w="med" len="med"/>
+                      <a:tailEnd type="none" w="med" len="med"/>
+                    </a:lnT>
+                    <a:lnB w="12700" cap="flat" cmpd="sng" algn="ctr">
+                      <a:solidFill>
+                        <a:schemeClr val="tx1"/>
+                      </a:solidFill>
+                      <a:prstDash val="solid"/>
+                      <a:round/>
+                      <a:headEnd type="none" w="med" len="med"/>
+                      <a:tailEnd type="none" w="med" len="med"/>
+                    </a:lnB>
+                    <a:noFill/>
+                  </a:tcPr>
+                </a:tc>
+                <a:tc>
+                  <a:txBody>
+                    <a:bodyPr/>
+                    <a:lstStyle/>
+                    <a:p>
+                      <a:endParaRPr lang="tr-TR" dirty="0">
+                        <a:solidFill>
+                          <a:sysClr val="windowText" lastClr="000000"/>
+                        </a:solidFill>
+                      </a:endParaRPr>
+                    </a:p>
+                  </a:txBody>
+                  <a:tcPr>
+                    <a:lnL w="12700" cap="flat" cmpd="sng" algn="ctr">
+                      <a:solidFill>
+                        <a:schemeClr val="tx1"/>
+                      </a:solidFill>
+                      <a:prstDash val="solid"/>
+                      <a:round/>
+                      <a:headEnd type="none" w="med" len="med"/>
+                      <a:tailEnd type="none" w="med" len="med"/>
+                    </a:lnL>
+                    <a:lnR w="12700" cap="flat" cmpd="sng" algn="ctr">
+                      <a:solidFill>
+                        <a:schemeClr val="tx1"/>
+                      </a:solidFill>
+                      <a:prstDash val="solid"/>
+                      <a:round/>
+                      <a:headEnd type="none" w="med" len="med"/>
+                      <a:tailEnd type="none" w="med" len="med"/>
+                    </a:lnR>
+                    <a:lnT w="12700" cap="flat" cmpd="sng" algn="ctr">
+                      <a:solidFill>
+                        <a:schemeClr val="tx1"/>
+                      </a:solidFill>
+                      <a:prstDash val="solid"/>
+                      <a:round/>
+                      <a:headEnd type="none" w="med" len="med"/>
+                      <a:tailEnd type="none" w="med" len="med"/>
+                    </a:lnT>
+                    <a:lnB w="12700" cap="flat" cmpd="sng" algn="ctr">
+                      <a:solidFill>
+                        <a:schemeClr val="tx1"/>
+                      </a:solidFill>
+                      <a:prstDash val="solid"/>
+                      <a:round/>
+                      <a:headEnd type="none" w="med" len="med"/>
+                      <a:tailEnd type="none" w="med" len="med"/>
+                    </a:lnB>
+                    <a:noFill/>
+                  </a:tcPr>
+                </a:tc>
+                <a:extLst>
+                  <a:ext uri="{0D108BD9-81ED-4DB2-BD59-A6C34878D82A}">
+                    <a16:rowId xmlns:a16="http://schemas.microsoft.com/office/drawing/2014/main" val="2545711247"/>
+                  </a:ext>
+                </a:extLst>
+              </a:tr>
+              <a:tr h="671037">
+                <a:tc>
+                  <a:txBody>
+                    <a:bodyPr/>
+                    <a:lstStyle/>
+                    <a:p>
+                      <a:endParaRPr lang="tr-TR" dirty="0">
+                        <a:solidFill>
+                          <a:sysClr val="windowText" lastClr="000000"/>
+                        </a:solidFill>
+                      </a:endParaRPr>
+                    </a:p>
+                  </a:txBody>
+                  <a:tcPr>
+                    <a:lnL w="12700" cap="flat" cmpd="sng" algn="ctr">
+                      <a:solidFill>
+                        <a:schemeClr val="tx1"/>
+                      </a:solidFill>
+                      <a:prstDash val="solid"/>
+                      <a:round/>
+                      <a:headEnd type="none" w="med" len="med"/>
+                      <a:tailEnd type="none" w="med" len="med"/>
+                    </a:lnL>
+                    <a:lnR w="12700" cap="flat" cmpd="sng" algn="ctr">
+                      <a:solidFill>
+                        <a:schemeClr val="tx1"/>
+                      </a:solidFill>
+                      <a:prstDash val="solid"/>
+                      <a:round/>
+                      <a:headEnd type="none" w="med" len="med"/>
+                      <a:tailEnd type="none" w="med" len="med"/>
+                    </a:lnR>
+                    <a:lnT w="12700" cap="flat" cmpd="sng" algn="ctr">
+                      <a:solidFill>
+                        <a:schemeClr val="tx1"/>
+                      </a:solidFill>
+                      <a:prstDash val="solid"/>
+                      <a:round/>
+                      <a:headEnd type="none" w="med" len="med"/>
+                      <a:tailEnd type="none" w="med" len="med"/>
+                    </a:lnT>
+                    <a:lnB w="12700" cap="flat" cmpd="sng" algn="ctr">
+                      <a:solidFill>
+                        <a:schemeClr val="tx1"/>
+                      </a:solidFill>
+                      <a:prstDash val="solid"/>
+                      <a:round/>
+                      <a:headEnd type="none" w="med" len="med"/>
+                      <a:tailEnd type="none" w="med" len="med"/>
+                    </a:lnB>
+                    <a:noFill/>
+                  </a:tcPr>
+                </a:tc>
+                <a:tc>
+                  <a:txBody>
+                    <a:bodyPr/>
+                    <a:lstStyle/>
+                    <a:p>
+                      <a:endParaRPr lang="tr-TR" dirty="0">
+                        <a:solidFill>
+                          <a:sysClr val="windowText" lastClr="000000"/>
+                        </a:solidFill>
+                      </a:endParaRPr>
+                    </a:p>
+                  </a:txBody>
+                  <a:tcPr>
+                    <a:lnL w="12700" cap="flat" cmpd="sng" algn="ctr">
+                      <a:solidFill>
+                        <a:schemeClr val="tx1"/>
+                      </a:solidFill>
+                      <a:prstDash val="solid"/>
+                      <a:round/>
+                      <a:headEnd type="none" w="med" len="med"/>
+                      <a:tailEnd type="none" w="med" len="med"/>
+                    </a:lnL>
+                    <a:lnR w="12700" cap="flat" cmpd="sng" algn="ctr">
+                      <a:solidFill>
+                        <a:schemeClr val="tx1"/>
+                      </a:solidFill>
+                      <a:prstDash val="solid"/>
+                      <a:round/>
+                      <a:headEnd type="none" w="med" len="med"/>
+                      <a:tailEnd type="none" w="med" len="med"/>
+                    </a:lnR>
+                    <a:lnT w="12700" cap="flat" cmpd="sng" algn="ctr">
+                      <a:solidFill>
+                        <a:schemeClr val="tx1"/>
+                      </a:solidFill>
+                      <a:prstDash val="solid"/>
+                      <a:round/>
+                      <a:headEnd type="none" w="med" len="med"/>
+                      <a:tailEnd type="none" w="med" len="med"/>
+                    </a:lnT>
+                    <a:lnB w="12700" cap="flat" cmpd="sng" algn="ctr">
+                      <a:solidFill>
+                        <a:schemeClr val="tx1"/>
+                      </a:solidFill>
+                      <a:prstDash val="solid"/>
+                      <a:round/>
+                      <a:headEnd type="none" w="med" len="med"/>
+                      <a:tailEnd type="none" w="med" len="med"/>
+                    </a:lnB>
+                    <a:noFill/>
+                  </a:tcPr>
+                </a:tc>
+                <a:tc>
+                  <a:txBody>
+                    <a:bodyPr/>
+                    <a:lstStyle/>
+                    <a:p>
+                      <a:endParaRPr lang="tr-TR" dirty="0">
+                        <a:solidFill>
+                          <a:sysClr val="windowText" lastClr="000000"/>
+                        </a:solidFill>
+                      </a:endParaRPr>
+                    </a:p>
+                  </a:txBody>
+                  <a:tcPr>
+                    <a:lnL w="12700" cap="flat" cmpd="sng" algn="ctr">
+                      <a:solidFill>
+                        <a:schemeClr val="tx1"/>
+                      </a:solidFill>
+                      <a:prstDash val="solid"/>
+                      <a:round/>
+                      <a:headEnd type="none" w="med" len="med"/>
+                      <a:tailEnd type="none" w="med" len="med"/>
+                    </a:lnL>
+                    <a:lnR w="12700" cap="flat" cmpd="sng" algn="ctr">
+                      <a:solidFill>
+                        <a:schemeClr val="tx1"/>
+                      </a:solidFill>
+                      <a:prstDash val="solid"/>
+                      <a:round/>
+                      <a:headEnd type="none" w="med" len="med"/>
+                      <a:tailEnd type="none" w="med" len="med"/>
+                    </a:lnR>
+                    <a:lnT w="12700" cap="flat" cmpd="sng" algn="ctr">
+                      <a:solidFill>
+                        <a:schemeClr val="tx1"/>
+                      </a:solidFill>
+                      <a:prstDash val="solid"/>
+                      <a:round/>
+                      <a:headEnd type="none" w="med" len="med"/>
+                      <a:tailEnd type="none" w="med" len="med"/>
+                    </a:lnT>
+                    <a:lnB w="12700" cap="flat" cmpd="sng" algn="ctr">
+                      <a:solidFill>
+                        <a:schemeClr val="tx1"/>
+                      </a:solidFill>
+                      <a:prstDash val="solid"/>
+                      <a:round/>
+                      <a:headEnd type="none" w="med" len="med"/>
+                      <a:tailEnd type="none" w="med" len="med"/>
+                    </a:lnB>
+                    <a:noFill/>
+                  </a:tcPr>
+                </a:tc>
+                <a:tc>
+                  <a:txBody>
+                    <a:bodyPr/>
+                    <a:lstStyle/>
+                    <a:p>
+                      <a:endParaRPr lang="tr-TR" dirty="0">
+                        <a:solidFill>
+                          <a:sysClr val="windowText" lastClr="000000"/>
+                        </a:solidFill>
+                      </a:endParaRPr>
+                    </a:p>
+                  </a:txBody>
+                  <a:tcPr>
+                    <a:lnL w="12700" cap="flat" cmpd="sng" algn="ctr">
+                      <a:solidFill>
+                        <a:schemeClr val="tx1"/>
+                      </a:solidFill>
+                      <a:prstDash val="solid"/>
+                      <a:round/>
+                      <a:headEnd type="none" w="med" len="med"/>
+                      <a:tailEnd type="none" w="med" len="med"/>
+                    </a:lnL>
+                    <a:lnR w="12700" cap="flat" cmpd="sng" algn="ctr">
+                      <a:solidFill>
+                        <a:schemeClr val="tx1"/>
+                      </a:solidFill>
+                      <a:prstDash val="solid"/>
+                      <a:round/>
+                      <a:headEnd type="none" w="med" len="med"/>
+                      <a:tailEnd type="none" w="med" len="med"/>
+                    </a:lnR>
+                    <a:lnT w="12700" cap="flat" cmpd="sng" algn="ctr">
+                      <a:solidFill>
+                        <a:schemeClr val="tx1"/>
+                      </a:solidFill>
+                      <a:prstDash val="solid"/>
+                      <a:round/>
+                      <a:headEnd type="none" w="med" len="med"/>
+                      <a:tailEnd type="none" w="med" len="med"/>
+                    </a:lnT>
+                    <a:lnB w="12700" cap="flat" cmpd="sng" algn="ctr">
+                      <a:solidFill>
+                        <a:schemeClr val="tx1"/>
+                      </a:solidFill>
+                      <a:prstDash val="solid"/>
+                      <a:round/>
+                      <a:headEnd type="none" w="med" len="med"/>
+                      <a:tailEnd type="none" w="med" len="med"/>
+                    </a:lnB>
+                    <a:noFill/>
+                  </a:tcPr>
+                </a:tc>
+                <a:tc>
+                  <a:txBody>
+                    <a:bodyPr/>
+                    <a:lstStyle/>
+                    <a:p>
+                      <a:endParaRPr lang="tr-TR" dirty="0">
+                        <a:solidFill>
+                          <a:sysClr val="windowText" lastClr="000000"/>
+                        </a:solidFill>
+                      </a:endParaRPr>
+                    </a:p>
+                  </a:txBody>
+                  <a:tcPr>
+                    <a:lnL w="12700" cap="flat" cmpd="sng" algn="ctr">
+                      <a:solidFill>
+                        <a:schemeClr val="tx1"/>
+                      </a:solidFill>
+                      <a:prstDash val="solid"/>
+                      <a:round/>
+                      <a:headEnd type="none" w="med" len="med"/>
+                      <a:tailEnd type="none" w="med" len="med"/>
+                    </a:lnL>
+                    <a:lnR w="12700" cap="flat" cmpd="sng" algn="ctr">
+                      <a:solidFill>
+                        <a:schemeClr val="tx1"/>
+                      </a:solidFill>
+                      <a:prstDash val="solid"/>
+                      <a:round/>
+                      <a:headEnd type="none" w="med" len="med"/>
+                      <a:tailEnd type="none" w="med" len="med"/>
+                    </a:lnR>
+                    <a:lnT w="12700" cap="flat" cmpd="sng" algn="ctr">
+                      <a:solidFill>
+                        <a:schemeClr val="tx1"/>
+                      </a:solidFill>
+                      <a:prstDash val="solid"/>
+                      <a:round/>
+                      <a:headEnd type="none" w="med" len="med"/>
+                      <a:tailEnd type="none" w="med" len="med"/>
+                    </a:lnT>
+                    <a:lnB w="12700" cap="flat" cmpd="sng" algn="ctr">
+                      <a:solidFill>
+                        <a:schemeClr val="tx1"/>
+                      </a:solidFill>
+                      <a:prstDash val="solid"/>
+                      <a:round/>
+                      <a:headEnd type="none" w="med" len="med"/>
+                      <a:tailEnd type="none" w="med" len="med"/>
+                    </a:lnB>
+                    <a:noFill/>
+                  </a:tcPr>
+                </a:tc>
+                <a:tc>
+                  <a:txBody>
+                    <a:bodyPr/>
+                    <a:lstStyle/>
+                    <a:p>
+                      <a:endParaRPr lang="tr-TR" dirty="0">
+                        <a:solidFill>
+                          <a:sysClr val="windowText" lastClr="000000"/>
+                        </a:solidFill>
+                      </a:endParaRPr>
+                    </a:p>
+                  </a:txBody>
+                  <a:tcPr>
+                    <a:lnL w="12700" cap="flat" cmpd="sng" algn="ctr">
+                      <a:solidFill>
+                        <a:schemeClr val="tx1"/>
+                      </a:solidFill>
+                      <a:prstDash val="solid"/>
+                      <a:round/>
+                      <a:headEnd type="none" w="med" len="med"/>
+                      <a:tailEnd type="none" w="med" len="med"/>
+                    </a:lnL>
+                    <a:lnR w="12700" cap="flat" cmpd="sng" algn="ctr">
+                      <a:solidFill>
+                        <a:schemeClr val="tx1"/>
+                      </a:solidFill>
+                      <a:prstDash val="solid"/>
+                      <a:round/>
+                      <a:headEnd type="none" w="med" len="med"/>
+                      <a:tailEnd type="none" w="med" len="med"/>
+                    </a:lnR>
+                    <a:lnT w="12700" cap="flat" cmpd="sng" algn="ctr">
+                      <a:solidFill>
+                        <a:schemeClr val="tx1"/>
+                      </a:solidFill>
+                      <a:prstDash val="solid"/>
+                      <a:round/>
+                      <a:headEnd type="none" w="med" len="med"/>
+                      <a:tailEnd type="none" w="med" len="med"/>
+                    </a:lnT>
+                    <a:lnB w="12700" cap="flat" cmpd="sng" algn="ctr">
+                      <a:solidFill>
+                        <a:schemeClr val="tx1"/>
+                      </a:solidFill>
+                      <a:prstDash val="solid"/>
+                      <a:round/>
+                      <a:headEnd type="none" w="med" len="med"/>
+                      <a:tailEnd type="none" w="med" len="med"/>
+                    </a:lnB>
+                    <a:noFill/>
+                  </a:tcPr>
+                </a:tc>
+                <a:extLst>
+                  <a:ext uri="{0D108BD9-81ED-4DB2-BD59-A6C34878D82A}">
+                    <a16:rowId xmlns:a16="http://schemas.microsoft.com/office/drawing/2014/main" val="1023612088"/>
+                  </a:ext>
+                </a:extLst>
+              </a:tr>
+              <a:tr h="671037">
+                <a:tc>
+                  <a:txBody>
+                    <a:bodyPr/>
+                    <a:lstStyle/>
+                    <a:p>
+                      <a:endParaRPr lang="tr-TR">
+                        <a:solidFill>
+                          <a:sysClr val="windowText" lastClr="000000"/>
+                        </a:solidFill>
+                      </a:endParaRPr>
+                    </a:p>
+                  </a:txBody>
+                  <a:tcPr>
+                    <a:lnL w="12700" cap="flat" cmpd="sng" algn="ctr">
+                      <a:solidFill>
+                        <a:schemeClr val="tx1"/>
+                      </a:solidFill>
+                      <a:prstDash val="solid"/>
+                      <a:round/>
+                      <a:headEnd type="none" w="med" len="med"/>
+                      <a:tailEnd type="none" w="med" len="med"/>
+                    </a:lnL>
+                    <a:lnR w="12700" cap="flat" cmpd="sng" algn="ctr">
+                      <a:solidFill>
+                        <a:schemeClr val="tx1"/>
+                      </a:solidFill>
+                      <a:prstDash val="solid"/>
+                      <a:round/>
+                      <a:headEnd type="none" w="med" len="med"/>
+                      <a:tailEnd type="none" w="med" len="med"/>
+                    </a:lnR>
+                    <a:lnT w="12700" cap="flat" cmpd="sng" algn="ctr">
+                      <a:solidFill>
+                        <a:schemeClr val="tx1"/>
+                      </a:solidFill>
+                      <a:prstDash val="solid"/>
+                      <a:round/>
+                      <a:headEnd type="none" w="med" len="med"/>
+                      <a:tailEnd type="none" w="med" len="med"/>
+                    </a:lnT>
+                    <a:lnB w="12700" cap="flat" cmpd="sng" algn="ctr">
+                      <a:solidFill>
+                        <a:schemeClr val="tx1"/>
+                      </a:solidFill>
+                      <a:prstDash val="solid"/>
+                      <a:round/>
+                      <a:headEnd type="none" w="med" len="med"/>
+                      <a:tailEnd type="none" w="med" len="med"/>
+                    </a:lnB>
+                    <a:noFill/>
+                  </a:tcPr>
+                </a:tc>
+                <a:tc>
+                  <a:txBody>
+                    <a:bodyPr/>
+                    <a:lstStyle/>
+                    <a:p>
+                      <a:endParaRPr lang="tr-TR" dirty="0">
+                        <a:solidFill>
+                          <a:sysClr val="windowText" lastClr="000000"/>
+                        </a:solidFill>
+                      </a:endParaRPr>
+                    </a:p>
+                  </a:txBody>
+                  <a:tcPr>
+                    <a:lnL w="12700" cap="flat" cmpd="sng" algn="ctr">
+                      <a:solidFill>
+                        <a:schemeClr val="tx1"/>
+                      </a:solidFill>
+                      <a:prstDash val="solid"/>
+                      <a:round/>
+                      <a:headEnd type="none" w="med" len="med"/>
+                      <a:tailEnd type="none" w="med" len="med"/>
+                    </a:lnL>
+                    <a:lnR w="12700" cap="flat" cmpd="sng" algn="ctr">
+                      <a:solidFill>
+                        <a:schemeClr val="tx1"/>
+                      </a:solidFill>
+                      <a:prstDash val="solid"/>
+                      <a:round/>
+                      <a:headEnd type="none" w="med" len="med"/>
+                      <a:tailEnd type="none" w="med" len="med"/>
+                    </a:lnR>
+                    <a:lnT w="12700" cap="flat" cmpd="sng" algn="ctr">
+                      <a:solidFill>
+                        <a:schemeClr val="tx1"/>
+                      </a:solidFill>
+                      <a:prstDash val="solid"/>
+                      <a:round/>
+                      <a:headEnd type="none" w="med" len="med"/>
+                      <a:tailEnd type="none" w="med" len="med"/>
+                    </a:lnT>
+                    <a:lnB w="12700" cap="flat" cmpd="sng" algn="ctr">
+                      <a:solidFill>
+                        <a:schemeClr val="tx1"/>
+                      </a:solidFill>
+                      <a:prstDash val="solid"/>
+                      <a:round/>
+                      <a:headEnd type="none" w="med" len="med"/>
+                      <a:tailEnd type="none" w="med" len="med"/>
+                    </a:lnB>
+                    <a:noFill/>
+                  </a:tcPr>
+                </a:tc>
+                <a:tc>
+                  <a:txBody>
+                    <a:bodyPr/>
+                    <a:lstStyle/>
+                    <a:p>
+                      <a:endParaRPr lang="tr-TR">
+                        <a:solidFill>
+                          <a:sysClr val="windowText" lastClr="000000"/>
+                        </a:solidFill>
+                      </a:endParaRPr>
+                    </a:p>
+                  </a:txBody>
+                  <a:tcPr>
+                    <a:lnL w="12700" cap="flat" cmpd="sng" algn="ctr">
+                      <a:solidFill>
+                        <a:schemeClr val="tx1"/>
+                      </a:solidFill>
+                      <a:prstDash val="solid"/>
+                      <a:round/>
+                      <a:headEnd type="none" w="med" len="med"/>
+                      <a:tailEnd type="none" w="med" len="med"/>
+                    </a:lnL>
+                    <a:lnR w="12700" cap="flat" cmpd="sng" algn="ctr">
+                      <a:solidFill>
+                        <a:schemeClr val="tx1"/>
+                      </a:solidFill>
+                      <a:prstDash val="solid"/>
+                      <a:round/>
+                      <a:headEnd type="none" w="med" len="med"/>
+                      <a:tailEnd type="none" w="med" len="med"/>
+                    </a:lnR>
+                    <a:lnT w="12700" cap="flat" cmpd="sng" algn="ctr">
+                      <a:solidFill>
+                        <a:schemeClr val="tx1"/>
+                      </a:solidFill>
+                      <a:prstDash val="solid"/>
+                      <a:round/>
+                      <a:headEnd type="none" w="med" len="med"/>
+                      <a:tailEnd type="none" w="med" len="med"/>
+                    </a:lnT>
+                    <a:lnB w="12700" cap="flat" cmpd="sng" algn="ctr">
+                      <a:solidFill>
+                        <a:schemeClr val="tx1"/>
+                      </a:solidFill>
+                      <a:prstDash val="solid"/>
+                      <a:round/>
+                      <a:headEnd type="none" w="med" len="med"/>
+                      <a:tailEnd type="none" w="med" len="med"/>
+                    </a:lnB>
+                    <a:noFill/>
+                  </a:tcPr>
+                </a:tc>
+                <a:tc>
+                  <a:txBody>
+                    <a:bodyPr/>
+                    <a:lstStyle/>
+                    <a:p>
+                      <a:endParaRPr lang="tr-TR">
+                        <a:solidFill>
+                          <a:sysClr val="windowText" lastClr="000000"/>
+                        </a:solidFill>
+                      </a:endParaRPr>
+                    </a:p>
+                  </a:txBody>
+                  <a:tcPr>
+                    <a:lnL w="12700" cap="flat" cmpd="sng" algn="ctr">
+                      <a:solidFill>
+                        <a:schemeClr val="tx1"/>
+                      </a:solidFill>
+                      <a:prstDash val="solid"/>
+                      <a:round/>
+                      <a:headEnd type="none" w="med" len="med"/>
+                      <a:tailEnd type="none" w="med" len="med"/>
+                    </a:lnL>
+                    <a:lnR w="12700" cap="flat" cmpd="sng" algn="ctr">
+                      <a:solidFill>
+                        <a:schemeClr val="tx1"/>
+                      </a:solidFill>
+                      <a:prstDash val="solid"/>
+                      <a:round/>
+                      <a:headEnd type="none" w="med" len="med"/>
+                      <a:tailEnd type="none" w="med" len="med"/>
+                    </a:lnR>
+                    <a:lnT w="12700" cap="flat" cmpd="sng" algn="ctr">
+                      <a:solidFill>
+                        <a:schemeClr val="tx1"/>
+                      </a:solidFill>
+                      <a:prstDash val="solid"/>
+                      <a:round/>
+                      <a:headEnd type="none" w="med" len="med"/>
+                      <a:tailEnd type="none" w="med" len="med"/>
+                    </a:lnT>
+                    <a:lnB w="12700" cap="flat" cmpd="sng" algn="ctr">
+                      <a:solidFill>
+                        <a:schemeClr val="tx1"/>
+                      </a:solidFill>
+                      <a:prstDash val="solid"/>
+                      <a:round/>
+                      <a:headEnd type="none" w="med" len="med"/>
+                      <a:tailEnd type="none" w="med" len="med"/>
+                    </a:lnB>
+                    <a:noFill/>
+                  </a:tcPr>
+                </a:tc>
+                <a:tc>
+                  <a:txBody>
+                    <a:bodyPr/>
+                    <a:lstStyle/>
+                    <a:p>
+                      <a:endParaRPr lang="tr-TR">
+                        <a:solidFill>
+                          <a:sysClr val="windowText" lastClr="000000"/>
+                        </a:solidFill>
+                      </a:endParaRPr>
+                    </a:p>
+                  </a:txBody>
+                  <a:tcPr>
+                    <a:lnL w="12700" cap="flat" cmpd="sng" algn="ctr">
+                      <a:solidFill>
+                        <a:schemeClr val="tx1"/>
+                      </a:solidFill>
+                      <a:prstDash val="solid"/>
+                      <a:round/>
+                      <a:headEnd type="none" w="med" len="med"/>
+                      <a:tailEnd type="none" w="med" len="med"/>
+                    </a:lnL>
+                    <a:lnR w="12700" cap="flat" cmpd="sng" algn="ctr">
+                      <a:solidFill>
+                        <a:schemeClr val="tx1"/>
+                      </a:solidFill>
+                      <a:prstDash val="solid"/>
+                      <a:round/>
+                      <a:headEnd type="none" w="med" len="med"/>
+                      <a:tailEnd type="none" w="med" len="med"/>
+                    </a:lnR>
+                    <a:lnT w="12700" cap="flat" cmpd="sng" algn="ctr">
+                      <a:solidFill>
+                        <a:schemeClr val="tx1"/>
+                      </a:solidFill>
+                      <a:prstDash val="solid"/>
+                      <a:round/>
+                      <a:headEnd type="none" w="med" len="med"/>
+                      <a:tailEnd type="none" w="med" len="med"/>
+                    </a:lnT>
+                    <a:lnB w="12700" cap="flat" cmpd="sng" algn="ctr">
+                      <a:solidFill>
+                        <a:schemeClr val="tx1"/>
+                      </a:solidFill>
+                      <a:prstDash val="solid"/>
+                      <a:round/>
+                      <a:headEnd type="none" w="med" len="med"/>
+                      <a:tailEnd type="none" w="med" len="med"/>
+                    </a:lnB>
+                    <a:noFill/>
+                  </a:tcPr>
+                </a:tc>
+                <a:tc>
+                  <a:txBody>
+                    <a:bodyPr/>
+                    <a:lstStyle/>
+                    <a:p>
+                      <a:endParaRPr lang="tr-TR" dirty="0">
+                        <a:solidFill>
+                          <a:sysClr val="windowText" lastClr="000000"/>
+                        </a:solidFill>
+                      </a:endParaRPr>
+                    </a:p>
+                  </a:txBody>
+                  <a:tcPr>
+                    <a:lnL w="12700" cap="flat" cmpd="sng" algn="ctr">
+                      <a:solidFill>
+                        <a:schemeClr val="tx1"/>
+                      </a:solidFill>
+                      <a:prstDash val="solid"/>
+                      <a:round/>
+                      <a:headEnd type="none" w="med" len="med"/>
+                      <a:tailEnd type="none" w="med" len="med"/>
+                    </a:lnL>
+                    <a:lnR w="12700" cap="flat" cmpd="sng" algn="ctr">
+                      <a:solidFill>
+                        <a:schemeClr val="tx1"/>
+                      </a:solidFill>
+                      <a:prstDash val="solid"/>
+                      <a:round/>
+                      <a:headEnd type="none" w="med" len="med"/>
+                      <a:tailEnd type="none" w="med" len="med"/>
+                    </a:lnR>
+                    <a:lnT w="12700" cap="flat" cmpd="sng" algn="ctr">
+                      <a:solidFill>
+                        <a:schemeClr val="tx1"/>
+                      </a:solidFill>
+                      <a:prstDash val="solid"/>
+                      <a:round/>
+                      <a:headEnd type="none" w="med" len="med"/>
+                      <a:tailEnd type="none" w="med" len="med"/>
+                    </a:lnT>
+                    <a:lnB w="12700" cap="flat" cmpd="sng" algn="ctr">
+                      <a:solidFill>
+                        <a:schemeClr val="tx1"/>
+                      </a:solidFill>
+                      <a:prstDash val="solid"/>
+                      <a:round/>
+                      <a:headEnd type="none" w="med" len="med"/>
+                      <a:tailEnd type="none" w="med" len="med"/>
+                    </a:lnB>
+                    <a:noFill/>
+                  </a:tcPr>
+                </a:tc>
+                <a:extLst>
+                  <a:ext uri="{0D108BD9-81ED-4DB2-BD59-A6C34878D82A}">
+                    <a16:rowId xmlns:a16="http://schemas.microsoft.com/office/drawing/2014/main" val="1234782546"/>
+                  </a:ext>
+                </a:extLst>
+              </a:tr>
+              <a:tr h="671037">
+                <a:tc>
+                  <a:txBody>
+                    <a:bodyPr/>
+                    <a:lstStyle/>
+                    <a:p>
+                      <a:endParaRPr lang="tr-TR">
+                        <a:solidFill>
+                          <a:sysClr val="windowText" lastClr="000000"/>
+                        </a:solidFill>
+                      </a:endParaRPr>
+                    </a:p>
+                  </a:txBody>
+                  <a:tcPr>
+                    <a:lnL w="12700" cap="flat" cmpd="sng" algn="ctr">
+                      <a:solidFill>
+                        <a:schemeClr val="tx1"/>
+                      </a:solidFill>
+                      <a:prstDash val="solid"/>
+                      <a:round/>
+                      <a:headEnd type="none" w="med" len="med"/>
+                      <a:tailEnd type="none" w="med" len="med"/>
+                    </a:lnL>
+                    <a:lnR w="12700" cap="flat" cmpd="sng" algn="ctr">
+                      <a:solidFill>
+                        <a:schemeClr val="tx1"/>
+                      </a:solidFill>
+                      <a:prstDash val="solid"/>
+                      <a:round/>
+                      <a:headEnd type="none" w="med" len="med"/>
+                      <a:tailEnd type="none" w="med" len="med"/>
+                    </a:lnR>
+                    <a:lnT w="12700" cap="flat" cmpd="sng" algn="ctr">
+                      <a:solidFill>
+                        <a:schemeClr val="tx1"/>
+                      </a:solidFill>
+                      <a:prstDash val="solid"/>
+                      <a:round/>
+                      <a:headEnd type="none" w="med" len="med"/>
+                      <a:tailEnd type="none" w="med" len="med"/>
+                    </a:lnT>
+                    <a:lnB w="12700" cap="flat" cmpd="sng" algn="ctr">
+                      <a:solidFill>
+                        <a:schemeClr val="tx1"/>
+                      </a:solidFill>
+                      <a:prstDash val="solid"/>
+                      <a:round/>
+                      <a:headEnd type="none" w="med" len="med"/>
+                      <a:tailEnd type="none" w="med" len="med"/>
+                    </a:lnB>
+                    <a:noFill/>
+                  </a:tcPr>
+                </a:tc>
+                <a:tc>
+                  <a:txBody>
+                    <a:bodyPr/>
+                    <a:lstStyle/>
+                    <a:p>
+                      <a:endParaRPr lang="tr-TR">
+                        <a:solidFill>
+                          <a:sysClr val="windowText" lastClr="000000"/>
+                        </a:solidFill>
+                      </a:endParaRPr>
+                    </a:p>
+                  </a:txBody>
+                  <a:tcPr>
+                    <a:lnL w="12700" cap="flat" cmpd="sng" algn="ctr">
+                      <a:solidFill>
+                        <a:schemeClr val="tx1"/>
+                      </a:solidFill>
+                      <a:prstDash val="solid"/>
+                      <a:round/>
+                      <a:headEnd type="none" w="med" len="med"/>
+                      <a:tailEnd type="none" w="med" len="med"/>
+                    </a:lnL>
+                    <a:lnR w="12700" cap="flat" cmpd="sng" algn="ctr">
+                      <a:solidFill>
+                        <a:schemeClr val="tx1"/>
+                      </a:solidFill>
+                      <a:prstDash val="solid"/>
+                      <a:round/>
+                      <a:headEnd type="none" w="med" len="med"/>
+                      <a:tailEnd type="none" w="med" len="med"/>
+                    </a:lnR>
+                    <a:lnT w="12700" cap="flat" cmpd="sng" algn="ctr">
+                      <a:solidFill>
+                        <a:schemeClr val="tx1"/>
+                      </a:solidFill>
+                      <a:prstDash val="solid"/>
+                      <a:round/>
+                      <a:headEnd type="none" w="med" len="med"/>
+                      <a:tailEnd type="none" w="med" len="med"/>
+                    </a:lnT>
+                    <a:lnB w="12700" cap="flat" cmpd="sng" algn="ctr">
+                      <a:solidFill>
+                        <a:schemeClr val="tx1"/>
+                      </a:solidFill>
+                      <a:prstDash val="solid"/>
+                      <a:round/>
+                      <a:headEnd type="none" w="med" len="med"/>
+                      <a:tailEnd type="none" w="med" len="med"/>
+                    </a:lnB>
+                    <a:noFill/>
+                  </a:tcPr>
+                </a:tc>
+                <a:tc>
+                  <a:txBody>
+                    <a:bodyPr/>
+                    <a:lstStyle/>
+                    <a:p>
+                      <a:endParaRPr lang="tr-TR">
+                        <a:solidFill>
+                          <a:sysClr val="windowText" lastClr="000000"/>
+                        </a:solidFill>
+                      </a:endParaRPr>
+                    </a:p>
+                  </a:txBody>
+                  <a:tcPr>
+                    <a:lnL w="12700" cap="flat" cmpd="sng" algn="ctr">
+                      <a:solidFill>
+                        <a:schemeClr val="tx1"/>
+                      </a:solidFill>
+                      <a:prstDash val="solid"/>
+                      <a:round/>
+                      <a:headEnd type="none" w="med" len="med"/>
+                      <a:tailEnd type="none" w="med" len="med"/>
+                    </a:lnL>
+                    <a:lnR w="12700" cap="flat" cmpd="sng" algn="ctr">
+                      <a:solidFill>
+                        <a:schemeClr val="tx1"/>
+                      </a:solidFill>
+                      <a:prstDash val="solid"/>
+                      <a:round/>
+                      <a:headEnd type="none" w="med" len="med"/>
+                      <a:tailEnd type="none" w="med" len="med"/>
+                    </a:lnR>
+                    <a:lnT w="12700" cap="flat" cmpd="sng" algn="ctr">
+                      <a:solidFill>
+                        <a:schemeClr val="tx1"/>
+                      </a:solidFill>
+                      <a:prstDash val="solid"/>
+                      <a:round/>
+                      <a:headEnd type="none" w="med" len="med"/>
+                      <a:tailEnd type="none" w="med" len="med"/>
+                    </a:lnT>
+                    <a:lnB w="12700" cap="flat" cmpd="sng" algn="ctr">
+                      <a:solidFill>
+                        <a:schemeClr val="tx1"/>
+                      </a:solidFill>
+                      <a:prstDash val="solid"/>
+                      <a:round/>
+                      <a:headEnd type="none" w="med" len="med"/>
+                      <a:tailEnd type="none" w="med" len="med"/>
+                    </a:lnB>
+                    <a:noFill/>
+                  </a:tcPr>
+                </a:tc>
+                <a:tc>
+                  <a:txBody>
+                    <a:bodyPr/>
+                    <a:lstStyle/>
+                    <a:p>
+                      <a:endParaRPr lang="tr-TR">
+                        <a:solidFill>
+                          <a:sysClr val="windowText" lastClr="000000"/>
+                        </a:solidFill>
+                      </a:endParaRPr>
+                    </a:p>
+                  </a:txBody>
+                  <a:tcPr>
+                    <a:lnL w="12700" cap="flat" cmpd="sng" algn="ctr">
+                      <a:solidFill>
+                        <a:schemeClr val="tx1"/>
+                      </a:solidFill>
+                      <a:prstDash val="solid"/>
+                      <a:round/>
+                      <a:headEnd type="none" w="med" len="med"/>
+                      <a:tailEnd type="none" w="med" len="med"/>
+                    </a:lnL>
+                    <a:lnR w="12700" cap="flat" cmpd="sng" algn="ctr">
+                      <a:solidFill>
+                        <a:schemeClr val="tx1"/>
+                      </a:solidFill>
+                      <a:prstDash val="solid"/>
+                      <a:round/>
+                      <a:headEnd type="none" w="med" len="med"/>
+                      <a:tailEnd type="none" w="med" len="med"/>
+                    </a:lnR>
+                    <a:lnT w="12700" cap="flat" cmpd="sng" algn="ctr">
+                      <a:solidFill>
+                        <a:schemeClr val="tx1"/>
+                      </a:solidFill>
+                      <a:prstDash val="solid"/>
+                      <a:round/>
+                      <a:headEnd type="none" w="med" len="med"/>
+                      <a:tailEnd type="none" w="med" len="med"/>
+                    </a:lnT>
+                    <a:lnB w="12700" cap="flat" cmpd="sng" algn="ctr">
+                      <a:solidFill>
+                        <a:schemeClr val="tx1"/>
+                      </a:solidFill>
+                      <a:prstDash val="solid"/>
+                      <a:round/>
+                      <a:headEnd type="none" w="med" len="med"/>
+                      <a:tailEnd type="none" w="med" len="med"/>
+                    </a:lnB>
+                    <a:noFill/>
+                  </a:tcPr>
+                </a:tc>
+                <a:tc>
+                  <a:txBody>
+                    <a:bodyPr/>
+                    <a:lstStyle/>
+                    <a:p>
+                      <a:endParaRPr lang="tr-TR">
+                        <a:solidFill>
+                          <a:sysClr val="windowText" lastClr="000000"/>
+                        </a:solidFill>
+                      </a:endParaRPr>
+                    </a:p>
+                  </a:txBody>
+                  <a:tcPr>
+                    <a:lnL w="12700" cap="flat" cmpd="sng" algn="ctr">
+                      <a:solidFill>
+                        <a:schemeClr val="tx1"/>
+                      </a:solidFill>
+                      <a:prstDash val="solid"/>
+                      <a:round/>
+                      <a:headEnd type="none" w="med" len="med"/>
+                      <a:tailEnd type="none" w="med" len="med"/>
+                    </a:lnL>
+                    <a:lnR w="12700" cap="flat" cmpd="sng" algn="ctr">
+                      <a:solidFill>
+                        <a:schemeClr val="tx1"/>
+                      </a:solidFill>
+                      <a:prstDash val="solid"/>
+                      <a:round/>
+                      <a:headEnd type="none" w="med" len="med"/>
+                      <a:tailEnd type="none" w="med" len="med"/>
+                    </a:lnR>
+                    <a:lnT w="12700" cap="flat" cmpd="sng" algn="ctr">
+                      <a:solidFill>
+                        <a:schemeClr val="tx1"/>
+                      </a:solidFill>
+                      <a:prstDash val="solid"/>
+                      <a:round/>
+                      <a:headEnd type="none" w="med" len="med"/>
+                      <a:tailEnd type="none" w="med" len="med"/>
+                    </a:lnT>
+                    <a:lnB w="12700" cap="flat" cmpd="sng" algn="ctr">
+                      <a:solidFill>
+                        <a:schemeClr val="tx1"/>
+                      </a:solidFill>
+                      <a:prstDash val="solid"/>
+                      <a:round/>
+                      <a:headEnd type="none" w="med" len="med"/>
+                      <a:tailEnd type="none" w="med" len="med"/>
+                    </a:lnB>
+                    <a:noFill/>
+                  </a:tcPr>
+                </a:tc>
+                <a:tc>
+                  <a:txBody>
+                    <a:bodyPr/>
+                    <a:lstStyle/>
+                    <a:p>
+                      <a:endParaRPr lang="tr-TR" dirty="0">
+                        <a:solidFill>
+                          <a:sysClr val="windowText" lastClr="000000"/>
+                        </a:solidFill>
+                      </a:endParaRPr>
+                    </a:p>
+                  </a:txBody>
+                  <a:tcPr>
+                    <a:lnL w="12700" cap="flat" cmpd="sng" algn="ctr">
+                      <a:solidFill>
+                        <a:schemeClr val="tx1"/>
+                      </a:solidFill>
+                      <a:prstDash val="solid"/>
+                      <a:round/>
+                      <a:headEnd type="none" w="med" len="med"/>
+                      <a:tailEnd type="none" w="med" len="med"/>
+                    </a:lnL>
+                    <a:lnR w="12700" cap="flat" cmpd="sng" algn="ctr">
+                      <a:solidFill>
+                        <a:schemeClr val="tx1"/>
+                      </a:solidFill>
+                      <a:prstDash val="solid"/>
+                      <a:round/>
+                      <a:headEnd type="none" w="med" len="med"/>
+                      <a:tailEnd type="none" w="med" len="med"/>
+                    </a:lnR>
+                    <a:lnT w="12700" cap="flat" cmpd="sng" algn="ctr">
+                      <a:solidFill>
+                        <a:schemeClr val="tx1"/>
+                      </a:solidFill>
+                      <a:prstDash val="solid"/>
+                      <a:round/>
+                      <a:headEnd type="none" w="med" len="med"/>
+                      <a:tailEnd type="none" w="med" len="med"/>
+                    </a:lnT>
+                    <a:lnB w="12700" cap="flat" cmpd="sng" algn="ctr">
+                      <a:solidFill>
+                        <a:schemeClr val="tx1"/>
+                      </a:solidFill>
+                      <a:prstDash val="solid"/>
+                      <a:round/>
+                      <a:headEnd type="none" w="med" len="med"/>
+                      <a:tailEnd type="none" w="med" len="med"/>
+                    </a:lnB>
+                    <a:noFill/>
+                  </a:tcPr>
+                </a:tc>
+                <a:extLst>
+                  <a:ext uri="{0D108BD9-81ED-4DB2-BD59-A6C34878D82A}">
+                    <a16:rowId xmlns:a16="http://schemas.microsoft.com/office/drawing/2014/main" val="3366649102"/>
+                  </a:ext>
+                </a:extLst>
+              </a:tr>
+            </a:tbl>
+          </a:graphicData>
+        </a:graphic>
+      </p:graphicFrame>
+    </p:spTree>
+    <p:extLst>
+      <p:ext uri="{BB962C8B-B14F-4D97-AF65-F5344CB8AC3E}">
+        <p14:creationId xmlns:p14="http://schemas.microsoft.com/office/powerpoint/2010/main" val="3189272408"/>
+      </p:ext>
+    </p:extLst>
+  </p:cSld>
+  <p:clrMapOvr>
+    <a:masterClrMapping/>
+  </p:clrMapOvr>
+</p:sld>
+</file>
+
+<file path=ppt/slides/slide13.xml><?xml version="1.0" encoding="utf-8"?>
+<p:sld xmlns:a="http://schemas.openxmlformats.org/drawingml/2006/main" xmlns:r="http://schemas.openxmlformats.org/officeDocument/2006/relationships" xmlns:p="http://schemas.openxmlformats.org/presentationml/2006/main">
+  <p:cSld>
+    <p:spTree>
+      <p:nvGrpSpPr>
+        <p:cNvPr id="1" name=""/>
+        <p:cNvGrpSpPr/>
+        <p:nvPr/>
+      </p:nvGrpSpPr>
+      <p:grpSpPr>
+        <a:xfrm>
+          <a:off x="0" y="0"/>
+          <a:ext cx="0" cy="0"/>
+          <a:chOff x="0" y="0"/>
+          <a:chExt cx="0" cy="0"/>
+        </a:xfrm>
+      </p:grpSpPr>
+      <p:graphicFrame>
+        <p:nvGraphicFramePr>
+          <p:cNvPr id="5" name="Table 5">
+            <a:extLst>
+              <a:ext uri="{FF2B5EF4-FFF2-40B4-BE49-F238E27FC236}">
+                <a16:creationId xmlns:a16="http://schemas.microsoft.com/office/drawing/2014/main" id="{0ECE6C0A-5F57-42CD-8406-DFB6C30B4EDE}"/>
+              </a:ext>
+            </a:extLst>
+          </p:cNvPr>
+          <p:cNvGraphicFramePr>
+            <a:graphicFrameLocks noGrp="1"/>
+          </p:cNvGraphicFramePr>
+          <p:nvPr>
+            <p:extLst>
+              <p:ext uri="{D42A27DB-BD31-4B8C-83A1-F6EECF244321}">
+                <p14:modId xmlns:p14="http://schemas.microsoft.com/office/powerpoint/2010/main" val="2613613400"/>
+              </p:ext>
+            </p:extLst>
+          </p:nvPr>
+        </p:nvGraphicFramePr>
+        <p:xfrm>
+          <a:off x="431800" y="137764"/>
+          <a:ext cx="11112500" cy="6308152"/>
+        </p:xfrm>
+        <a:graphic>
+          <a:graphicData uri="http://schemas.openxmlformats.org/drawingml/2006/table">
+            <a:tbl>
+              <a:tblPr firstRow="1" bandRow="1">
+                <a:tableStyleId>{5C22544A-7EE6-4342-B048-85BDC9FD1C3A}</a:tableStyleId>
+              </a:tblPr>
+              <a:tblGrid>
+                <a:gridCol w="11112500">
+                  <a:extLst>
+                    <a:ext uri="{9D8B030D-6E8A-4147-A177-3AD203B41FA5}">
+                      <a16:colId xmlns:a16="http://schemas.microsoft.com/office/drawing/2014/main" val="981443115"/>
+                    </a:ext>
+                  </a:extLst>
+                </a:gridCol>
+              </a:tblGrid>
+              <a:tr h="455992">
+                <a:tc>
+                  <a:txBody>
+                    <a:bodyPr/>
+                    <a:lstStyle/>
+                    <a:p>
+                      <a:r>
+                        <a:rPr lang="tr-TR" dirty="0">
+                          <a:solidFill>
+                            <a:sysClr val="windowText" lastClr="000000"/>
+                          </a:solidFill>
+                          <a:highlight>
+                            <a:srgbClr val="FFFF00"/>
+                          </a:highlight>
+                        </a:rPr>
+                        <a:t>Discussion of ongoing process</a:t>
+                      </a:r>
+                    </a:p>
+                  </a:txBody>
+                  <a:tcPr>
+                    <a:lnL w="12700" cap="flat" cmpd="sng" algn="ctr">
+                      <a:solidFill>
+                        <a:schemeClr val="tx1"/>
+                      </a:solidFill>
+                      <a:prstDash val="solid"/>
+                      <a:round/>
+                      <a:headEnd type="none" w="med" len="med"/>
+                      <a:tailEnd type="none" w="med" len="med"/>
+                    </a:lnL>
+                    <a:lnR w="12700" cap="flat" cmpd="sng" algn="ctr">
+                      <a:solidFill>
+                        <a:schemeClr val="tx1"/>
+                      </a:solidFill>
+                      <a:prstDash val="solid"/>
+                      <a:round/>
+                      <a:headEnd type="none" w="med" len="med"/>
+                      <a:tailEnd type="none" w="med" len="med"/>
+                    </a:lnR>
+                    <a:lnT w="12700" cap="flat" cmpd="sng" algn="ctr">
+                      <a:solidFill>
+                        <a:schemeClr val="tx1"/>
+                      </a:solidFill>
+                      <a:prstDash val="solid"/>
+                      <a:round/>
+                      <a:headEnd type="none" w="med" len="med"/>
+                      <a:tailEnd type="none" w="med" len="med"/>
+                    </a:lnT>
+                    <a:lnB w="12700" cap="flat" cmpd="sng" algn="ctr">
+                      <a:solidFill>
+                        <a:schemeClr val="tx1"/>
+                      </a:solidFill>
+                      <a:prstDash val="solid"/>
+                      <a:round/>
+                      <a:headEnd type="none" w="med" len="med"/>
+                      <a:tailEnd type="none" w="med" len="med"/>
+                    </a:lnB>
+                    <a:noFill/>
+                  </a:tcPr>
+                </a:tc>
+                <a:extLst>
+                  <a:ext uri="{0D108BD9-81ED-4DB2-BD59-A6C34878D82A}">
+                    <a16:rowId xmlns:a16="http://schemas.microsoft.com/office/drawing/2014/main" val="76720212"/>
+                  </a:ext>
+                </a:extLst>
+              </a:tr>
+              <a:tr h="4455533">
+                <a:tc>
+                  <a:txBody>
+                    <a:bodyPr/>
+                    <a:lstStyle/>
+                    <a:p>
+                      <a:pPr marL="285750" indent="-285750">
+                        <a:buFont typeface="Arial" panose="020B0604020202020204" pitchFamily="34" charset="0"/>
+                        <a:buChar char="•"/>
+                      </a:pPr>
+                      <a:r>
+                        <a:rPr lang="tr-TR" b="1" dirty="0">
+                          <a:solidFill>
+                            <a:sysClr val="windowText" lastClr="000000"/>
+                          </a:solidFill>
+                        </a:rPr>
+                        <a:t>Discussions with Academics: </a:t>
+                      </a:r>
+                    </a:p>
+                    <a:p>
+                      <a:pPr marL="742950" lvl="1" indent="-285750">
+                        <a:buFont typeface="Courier New" panose="02070309020205020404" pitchFamily="49" charset="0"/>
+                        <a:buChar char="o"/>
+                      </a:pPr>
+                      <a:r>
+                        <a:rPr lang="tr-TR" b="1" dirty="0">
+                          <a:solidFill>
+                            <a:sysClr val="windowText" lastClr="000000"/>
+                          </a:solidFill>
+                        </a:rPr>
+                        <a:t>Jonathan Fennel on «how to measure the morale»</a:t>
+                      </a:r>
+                      <a:r>
+                        <a:rPr lang="tr-TR" dirty="0">
+                          <a:solidFill>
+                            <a:sysClr val="windowText" lastClr="000000"/>
+                          </a:solidFill>
+                        </a:rPr>
+                        <a:t>, MS Teams meeting on 26 Nov. He is </a:t>
+                      </a:r>
+                      <a:r>
+                        <a:rPr lang="en-US" sz="1800" b="0" i="0" kern="1200" dirty="0">
+                          <a:solidFill>
+                            <a:schemeClr val="dk1"/>
+                          </a:solidFill>
+                          <a:effectLst/>
+                          <a:latin typeface="+mn-lt"/>
+                          <a:ea typeface="+mn-ea"/>
+                          <a:cs typeface="+mn-cs"/>
+                        </a:rPr>
+                        <a:t>a Reader in Modern History at King’s College London.</a:t>
+                      </a:r>
+                      <a:endParaRPr lang="tr-TR" sz="1800" b="0" i="0" kern="1200" dirty="0">
+                        <a:solidFill>
+                          <a:sysClr val="windowText" lastClr="000000"/>
+                        </a:solidFill>
+                        <a:effectLst/>
+                        <a:latin typeface="+mn-lt"/>
+                        <a:ea typeface="+mn-ea"/>
+                        <a:cs typeface="+mn-cs"/>
+                      </a:endParaRPr>
+                    </a:p>
+                    <a:p>
+                      <a:pPr marL="742950" lvl="1" indent="-285750">
+                        <a:buFont typeface="Courier New" panose="02070309020205020404" pitchFamily="49" charset="0"/>
+                        <a:buChar char="o"/>
+                      </a:pPr>
+                      <a:r>
+                        <a:rPr lang="tr-TR" b="1" dirty="0">
+                          <a:solidFill>
+                            <a:sysClr val="windowText" lastClr="000000"/>
+                          </a:solidFill>
+                        </a:rPr>
+                        <a:t>Sephen Biddle on SWAMOS workshop </a:t>
+                      </a:r>
+                      <a:r>
+                        <a:rPr lang="tr-TR" dirty="0">
+                          <a:solidFill>
+                            <a:sysClr val="windowText" lastClr="000000"/>
+                          </a:solidFill>
+                        </a:rPr>
+                        <a:t>and force ratio in general. He is </a:t>
+                      </a:r>
+                      <a:r>
+                        <a:rPr lang="en-US" sz="1800" b="0" i="0" kern="1200" dirty="0">
+                          <a:solidFill>
+                            <a:schemeClr val="dk1"/>
+                          </a:solidFill>
+                          <a:effectLst/>
+                          <a:latin typeface="+mn-lt"/>
+                          <a:ea typeface="+mn-ea"/>
+                          <a:cs typeface="+mn-cs"/>
+                        </a:rPr>
+                        <a:t>Professor of International and Public Affairs at Columbia University</a:t>
+                      </a:r>
+                      <a:r>
+                        <a:rPr lang="tr-TR" sz="1800" b="0" i="0" kern="1200" dirty="0">
+                          <a:solidFill>
+                            <a:schemeClr val="dk1"/>
+                          </a:solidFill>
+                          <a:effectLst/>
+                          <a:latin typeface="+mn-lt"/>
+                          <a:ea typeface="+mn-ea"/>
+                          <a:cs typeface="+mn-cs"/>
+                        </a:rPr>
+                        <a:t> and </a:t>
+                      </a:r>
+                      <a:r>
+                        <a:rPr lang="tr-TR" dirty="0">
+                          <a:solidFill>
+                            <a:sysClr val="windowText" lastClr="000000"/>
+                          </a:solidFill>
+                        </a:rPr>
+                        <a:t>writer of the book «Military Power».</a:t>
+                      </a:r>
+                    </a:p>
+                    <a:p>
+                      <a:pPr marL="742950" lvl="1" indent="-285750">
+                        <a:buFont typeface="Courier New" panose="02070309020205020404" pitchFamily="49" charset="0"/>
+                        <a:buChar char="o"/>
+                      </a:pPr>
+                      <a:r>
+                        <a:rPr lang="tr-TR" b="1" dirty="0">
+                          <a:solidFill>
+                            <a:sysClr val="windowText" lastClr="000000"/>
+                          </a:solidFill>
+                        </a:rPr>
+                        <a:t>Veysel Kocaman, Lead Data Scientist in John Snow Labs, Netherlands, AI guy. </a:t>
+                      </a:r>
+                      <a:r>
+                        <a:rPr lang="tr-TR" sz="1800" kern="1200" dirty="0">
+                          <a:solidFill>
+                            <a:schemeClr val="dk1"/>
+                          </a:solidFill>
+                          <a:effectLst/>
+                          <a:latin typeface="+mn-lt"/>
+                          <a:ea typeface="+mn-ea"/>
+                          <a:cs typeface="+mn-cs"/>
+                        </a:rPr>
+                        <a:t>With latest methods in NLP research,</a:t>
+                      </a:r>
+                    </a:p>
+                    <a:p>
+                      <a:pPr marL="1200150" lvl="2" indent="-285750">
+                        <a:buFont typeface="Courier New" panose="02070309020205020404" pitchFamily="49" charset="0"/>
+                        <a:buChar char="o"/>
+                      </a:pPr>
+                      <a:r>
+                        <a:rPr lang="tr-TR" sz="1800" kern="1200" dirty="0">
+                          <a:solidFill>
+                            <a:schemeClr val="dk1"/>
+                          </a:solidFill>
+                          <a:effectLst/>
+                          <a:highlight>
+                            <a:srgbClr val="FFFF00"/>
+                          </a:highlight>
+                          <a:latin typeface="+mn-lt"/>
+                          <a:ea typeface="+mn-ea"/>
+                          <a:cs typeface="+mn-cs"/>
+                        </a:rPr>
+                        <a:t>annotate</a:t>
+                      </a:r>
+                      <a:r>
+                        <a:rPr lang="tr-TR" sz="1800" kern="1200" dirty="0">
+                          <a:solidFill>
+                            <a:schemeClr val="dk1"/>
+                          </a:solidFill>
+                          <a:effectLst/>
+                          <a:latin typeface="+mn-lt"/>
+                          <a:ea typeface="+mn-ea"/>
+                          <a:cs typeface="+mn-cs"/>
+                        </a:rPr>
+                        <a:t> the </a:t>
+                      </a:r>
+                      <a:r>
+                        <a:rPr lang="tr-TR" sz="1800" b="1" kern="1200" dirty="0">
+                          <a:solidFill>
+                            <a:schemeClr val="dk1"/>
+                          </a:solidFill>
+                          <a:effectLst/>
+                          <a:latin typeface="+mn-lt"/>
+                          <a:ea typeface="+mn-ea"/>
+                          <a:cs typeface="+mn-cs"/>
+                        </a:rPr>
+                        <a:t>named entities</a:t>
+                      </a:r>
+                    </a:p>
+                    <a:p>
+                      <a:pPr marL="1200150" lvl="2" indent="-285750">
+                        <a:buFont typeface="Courier New" panose="02070309020205020404" pitchFamily="49" charset="0"/>
+                        <a:buChar char="o"/>
+                      </a:pPr>
+                      <a:r>
+                        <a:rPr lang="tr-TR" sz="1800" kern="1200" dirty="0">
+                          <a:solidFill>
+                            <a:schemeClr val="dk1"/>
+                          </a:solidFill>
+                          <a:effectLst/>
+                          <a:highlight>
+                            <a:srgbClr val="FFFF00"/>
+                          </a:highlight>
+                          <a:latin typeface="+mn-lt"/>
+                          <a:ea typeface="+mn-ea"/>
+                          <a:cs typeface="+mn-cs"/>
+                        </a:rPr>
+                        <a:t>train</a:t>
+                      </a:r>
+                      <a:r>
+                        <a:rPr lang="tr-TR" sz="1800" kern="1200" dirty="0">
+                          <a:solidFill>
+                            <a:schemeClr val="dk1"/>
+                          </a:solidFill>
+                          <a:effectLst/>
+                          <a:latin typeface="+mn-lt"/>
+                          <a:ea typeface="+mn-ea"/>
+                          <a:cs typeface="+mn-cs"/>
+                        </a:rPr>
+                        <a:t> </a:t>
+                      </a:r>
+                      <a:r>
+                        <a:rPr lang="tr-TR" sz="1800" b="1" kern="1200" dirty="0">
+                          <a:solidFill>
+                            <a:schemeClr val="dk1"/>
+                          </a:solidFill>
+                          <a:effectLst/>
+                          <a:latin typeface="+mn-lt"/>
+                          <a:ea typeface="+mn-ea"/>
+                          <a:cs typeface="+mn-cs"/>
+                        </a:rPr>
+                        <a:t>named entity recognition </a:t>
+                      </a:r>
+                      <a:r>
+                        <a:rPr lang="tr-TR" sz="1800" kern="1200" dirty="0">
+                          <a:solidFill>
+                            <a:schemeClr val="dk1"/>
+                          </a:solidFill>
+                          <a:effectLst/>
+                          <a:latin typeface="+mn-lt"/>
+                          <a:ea typeface="+mn-ea"/>
+                          <a:cs typeface="+mn-cs"/>
+                        </a:rPr>
+                        <a:t>(NER) and </a:t>
+                      </a:r>
+                      <a:r>
+                        <a:rPr lang="tr-TR" sz="1800" b="1" kern="1200" dirty="0">
+                          <a:solidFill>
+                            <a:schemeClr val="dk1"/>
+                          </a:solidFill>
+                          <a:effectLst/>
+                          <a:latin typeface="+mn-lt"/>
+                          <a:ea typeface="+mn-ea"/>
+                          <a:cs typeface="+mn-cs"/>
+                        </a:rPr>
+                        <a:t>Relation Extraction</a:t>
+                      </a:r>
+                      <a:r>
+                        <a:rPr lang="tr-TR" sz="1800" kern="1200" dirty="0">
+                          <a:solidFill>
+                            <a:schemeClr val="dk1"/>
+                          </a:solidFill>
+                          <a:effectLst/>
+                          <a:latin typeface="+mn-lt"/>
+                          <a:ea typeface="+mn-ea"/>
+                          <a:cs typeface="+mn-cs"/>
+                        </a:rPr>
+                        <a:t> (RE) models with </a:t>
+                      </a:r>
+                      <a:r>
+                        <a:rPr lang="tr-TR" sz="1800" kern="1200" dirty="0">
+                          <a:solidFill>
+                            <a:schemeClr val="dk1"/>
+                          </a:solidFill>
+                          <a:effectLst/>
+                          <a:highlight>
+                            <a:srgbClr val="00FFFF"/>
+                          </a:highlight>
+                          <a:latin typeface="+mn-lt"/>
+                          <a:ea typeface="+mn-ea"/>
+                          <a:cs typeface="+mn-cs"/>
+                        </a:rPr>
+                        <a:t>language representation techniques (l</a:t>
+                      </a:r>
+                      <a:r>
+                        <a:rPr lang="tr-TR" sz="1800" kern="1200" dirty="0">
+                          <a:solidFill>
+                            <a:schemeClr val="dk1"/>
+                          </a:solidFill>
+                          <a:effectLst/>
+                          <a:latin typeface="+mn-lt"/>
+                          <a:ea typeface="+mn-ea"/>
+                          <a:cs typeface="+mn-cs"/>
+                        </a:rPr>
+                        <a:t>ike BERT). </a:t>
+                      </a:r>
+                    </a:p>
+                    <a:p>
+                      <a:pPr marL="1200150" lvl="2" indent="-285750">
+                        <a:buFont typeface="Courier New" panose="02070309020205020404" pitchFamily="49" charset="0"/>
+                        <a:buChar char="o"/>
+                      </a:pPr>
+                      <a:r>
+                        <a:rPr lang="tr-TR" sz="1800" kern="1200" dirty="0">
+                          <a:solidFill>
+                            <a:schemeClr val="dk1"/>
+                          </a:solidFill>
+                          <a:effectLst/>
+                          <a:latin typeface="+mn-lt"/>
+                          <a:ea typeface="+mn-ea"/>
+                          <a:cs typeface="+mn-cs"/>
+                        </a:rPr>
+                        <a:t>Create new features </a:t>
+                      </a:r>
+                      <a:r>
+                        <a:rPr lang="tr-TR" sz="1800" kern="1200" dirty="0">
+                          <a:solidFill>
+                            <a:schemeClr val="dk1"/>
+                          </a:solidFill>
+                          <a:effectLst/>
+                          <a:highlight>
+                            <a:srgbClr val="FFFF00"/>
+                          </a:highlight>
+                          <a:latin typeface="+mn-lt"/>
+                          <a:ea typeface="+mn-ea"/>
+                          <a:cs typeface="+mn-cs"/>
+                        </a:rPr>
+                        <a:t>to build downstream deep learning models </a:t>
+                      </a:r>
+                      <a:r>
+                        <a:rPr lang="tr-TR" sz="1800" i="0" kern="1200" dirty="0">
+                          <a:solidFill>
+                            <a:schemeClr val="dk1"/>
+                          </a:solidFill>
+                          <a:effectLst/>
+                          <a:highlight>
+                            <a:srgbClr val="00FFFF"/>
+                          </a:highlight>
+                          <a:latin typeface="+mn-lt"/>
+                          <a:ea typeface="+mn-ea"/>
+                          <a:cs typeface="+mn-cs"/>
+                        </a:rPr>
+                        <a:t>to find relations between the outcomes and leadership and morale factors.</a:t>
+                      </a:r>
+                    </a:p>
+                    <a:p>
+                      <a:pPr marL="914400" lvl="2" indent="0">
+                        <a:buFont typeface="Courier New" panose="02070309020205020404" pitchFamily="49" charset="0"/>
+                        <a:buNone/>
+                      </a:pPr>
+                      <a:endParaRPr lang="tr-TR" sz="1800" i="0" kern="1200" dirty="0">
+                        <a:solidFill>
+                          <a:schemeClr val="dk1"/>
+                        </a:solidFill>
+                        <a:effectLst/>
+                        <a:highlight>
+                          <a:srgbClr val="00FFFF"/>
+                        </a:highlight>
+                        <a:latin typeface="+mn-lt"/>
+                        <a:ea typeface="+mn-ea"/>
+                        <a:cs typeface="+mn-cs"/>
+                      </a:endParaRPr>
+                    </a:p>
+                    <a:p>
+                      <a:pPr marL="285750" indent="-285750">
+                        <a:buFont typeface="Arial" panose="020B0604020202020204" pitchFamily="34" charset="0"/>
+                        <a:buChar char="•"/>
+                      </a:pPr>
+                      <a:r>
+                        <a:rPr lang="tr-TR" b="1" dirty="0">
+                          <a:solidFill>
+                            <a:sysClr val="windowText" lastClr="000000"/>
+                          </a:solidFill>
+                        </a:rPr>
+                        <a:t>Literature Review</a:t>
+                      </a:r>
+                    </a:p>
+                    <a:p>
+                      <a:pPr marL="742950" lvl="1" indent="-285750">
+                        <a:buFont typeface="Courier New" panose="02070309020205020404" pitchFamily="49" charset="0"/>
+                        <a:buChar char="o"/>
+                      </a:pPr>
+                      <a:r>
+                        <a:rPr lang="tr-TR" dirty="0">
+                          <a:solidFill>
+                            <a:sysClr val="windowText" lastClr="000000"/>
+                          </a:solidFill>
+                        </a:rPr>
+                        <a:t>On War, Clausewitz, is read in detail to frame the background. Now ready to draft Chap1.</a:t>
+                      </a:r>
+                    </a:p>
+                    <a:p>
+                      <a:pPr marL="742950" lvl="1" indent="-285750">
+                        <a:buFont typeface="Courier New" panose="02070309020205020404" pitchFamily="49" charset="0"/>
+                        <a:buChar char="o"/>
+                      </a:pPr>
+                      <a:r>
+                        <a:rPr lang="tr-TR" dirty="0">
+                          <a:solidFill>
+                            <a:sysClr val="windowText" lastClr="000000"/>
+                          </a:solidFill>
+                        </a:rPr>
+                        <a:t>Military Power, Stephen Biddle is read till page 79.</a:t>
+                      </a:r>
+                    </a:p>
+                    <a:p>
+                      <a:pPr marL="742950" lvl="1" indent="-285750">
+                        <a:buFont typeface="Courier New" panose="02070309020205020404" pitchFamily="49" charset="0"/>
+                        <a:buChar char="o"/>
+                      </a:pPr>
+                      <a:r>
+                        <a:rPr lang="tr-TR" dirty="0">
+                          <a:solidFill>
+                            <a:sysClr val="windowText" lastClr="000000"/>
+                          </a:solidFill>
+                        </a:rPr>
+                        <a:t>In search of the «X» Factor: Morale and the study of Strategy, Article by Jonathan Fennel is read.</a:t>
+                      </a:r>
+                    </a:p>
+                    <a:p>
+                      <a:pPr marL="742950" lvl="1" indent="-285750">
+                        <a:buFont typeface="Courier New" panose="02070309020205020404" pitchFamily="49" charset="0"/>
+                        <a:buChar char="o"/>
+                      </a:pPr>
+                      <a:r>
+                        <a:rPr lang="tr-TR" dirty="0">
+                          <a:solidFill>
+                            <a:sysClr val="windowText" lastClr="000000"/>
+                          </a:solidFill>
+                        </a:rPr>
+                        <a:t>Why the Soviets Can’t Win Quickly in Central Europe, article by John J.Mearsheimer. </a:t>
+                      </a:r>
+                    </a:p>
+                    <a:p>
+                      <a:pPr marL="285750" lvl="0" indent="-285750">
+                        <a:buFont typeface="Courier New" panose="02070309020205020404" pitchFamily="49" charset="0"/>
+                        <a:buChar char="o"/>
+                      </a:pPr>
+                      <a:r>
+                        <a:rPr lang="tr-TR" b="1" dirty="0">
+                          <a:solidFill>
+                            <a:sysClr val="windowText" lastClr="000000"/>
+                          </a:solidFill>
+                        </a:rPr>
+                        <a:t>Funding:</a:t>
+                      </a:r>
+                    </a:p>
+                    <a:p>
+                      <a:pPr marL="742950" lvl="1" indent="-285750">
+                        <a:buFont typeface="Courier New" panose="02070309020205020404" pitchFamily="49" charset="0"/>
+                        <a:buChar char="o"/>
+                      </a:pPr>
+                      <a:r>
+                        <a:rPr lang="tr-TR" dirty="0">
+                          <a:solidFill>
+                            <a:sysClr val="windowText" lastClr="000000"/>
+                          </a:solidFill>
+                        </a:rPr>
+                        <a:t>Open Call for DASA, Due on 6th of Jan 2022.  </a:t>
+                      </a:r>
+                    </a:p>
+                    <a:p>
+                      <a:pPr marL="742950" lvl="1" indent="-285750">
+                        <a:buFont typeface="Courier New" panose="02070309020205020404" pitchFamily="49" charset="0"/>
+                        <a:buChar char="o"/>
+                      </a:pPr>
+                      <a:r>
+                        <a:rPr lang="tr-TR" dirty="0">
+                          <a:solidFill>
+                            <a:sysClr val="windowText" lastClr="000000"/>
+                          </a:solidFill>
+                        </a:rPr>
+                        <a:t>Contact DASA Regional innovation partners before submitting it. (Head of DASA, Anita Friend, advise)</a:t>
+                      </a:r>
+                    </a:p>
+                  </a:txBody>
+                  <a:tcPr>
+                    <a:lnL w="12700" cap="flat" cmpd="sng" algn="ctr">
+                      <a:solidFill>
+                        <a:schemeClr val="tx1"/>
+                      </a:solidFill>
+                      <a:prstDash val="solid"/>
+                      <a:round/>
+                      <a:headEnd type="none" w="med" len="med"/>
+                      <a:tailEnd type="none" w="med" len="med"/>
+                    </a:lnL>
+                    <a:lnR w="12700" cap="flat" cmpd="sng" algn="ctr">
+                      <a:solidFill>
+                        <a:schemeClr val="tx1"/>
+                      </a:solidFill>
+                      <a:prstDash val="solid"/>
+                      <a:round/>
+                      <a:headEnd type="none" w="med" len="med"/>
+                      <a:tailEnd type="none" w="med" len="med"/>
+                    </a:lnR>
+                    <a:lnT w="12700" cap="flat" cmpd="sng" algn="ctr">
+                      <a:solidFill>
+                        <a:schemeClr val="tx1"/>
+                      </a:solidFill>
+                      <a:prstDash val="solid"/>
+                      <a:round/>
+                      <a:headEnd type="none" w="med" len="med"/>
+                      <a:tailEnd type="none" w="med" len="med"/>
+                    </a:lnT>
+                    <a:lnB w="12700" cap="flat" cmpd="sng" algn="ctr">
+                      <a:solidFill>
+                        <a:schemeClr val="tx1"/>
+                      </a:solidFill>
+                      <a:prstDash val="solid"/>
+                      <a:round/>
+                      <a:headEnd type="none" w="med" len="med"/>
+                      <a:tailEnd type="none" w="med" len="med"/>
+                    </a:lnB>
+                    <a:noFill/>
+                  </a:tcPr>
+                </a:tc>
+                <a:extLst>
+                  <a:ext uri="{0D108BD9-81ED-4DB2-BD59-A6C34878D82A}">
+                    <a16:rowId xmlns:a16="http://schemas.microsoft.com/office/drawing/2014/main" val="615494905"/>
+                  </a:ext>
+                </a:extLst>
+              </a:tr>
+            </a:tbl>
+          </a:graphicData>
+        </a:graphic>
+      </p:graphicFrame>
+    </p:spTree>
+    <p:extLst>
+      <p:ext uri="{BB962C8B-B14F-4D97-AF65-F5344CB8AC3E}">
+        <p14:creationId xmlns:p14="http://schemas.microsoft.com/office/powerpoint/2010/main" val="1315596976"/>
+      </p:ext>
+    </p:extLst>
+  </p:cSld>
+  <p:clrMapOvr>
+    <a:masterClrMapping/>
+  </p:clrMapOvr>
+</p:sld>
+</file>
+
+<file path=ppt/slides/slide14.xml><?xml version="1.0" encoding="utf-8"?>
+<p:sld xmlns:a="http://schemas.openxmlformats.org/drawingml/2006/main" xmlns:r="http://schemas.openxmlformats.org/officeDocument/2006/relationships" xmlns:p="http://schemas.openxmlformats.org/presentationml/2006/main">
+  <p:cSld>
+    <p:spTree>
+      <p:nvGrpSpPr>
+        <p:cNvPr id="1" name=""/>
+        <p:cNvGrpSpPr/>
+        <p:nvPr/>
+      </p:nvGrpSpPr>
+      <p:grpSpPr>
+        <a:xfrm>
+          <a:off x="0" y="0"/>
+          <a:ext cx="0" cy="0"/>
+          <a:chOff x="0" y="0"/>
+          <a:chExt cx="0" cy="0"/>
+        </a:xfrm>
+      </p:grpSpPr>
+      <p:graphicFrame>
+        <p:nvGraphicFramePr>
+          <p:cNvPr id="5" name="Table 5">
+            <a:extLst>
+              <a:ext uri="{FF2B5EF4-FFF2-40B4-BE49-F238E27FC236}">
+                <a16:creationId xmlns:a16="http://schemas.microsoft.com/office/drawing/2014/main" id="{0ECE6C0A-5F57-42CD-8406-DFB6C30B4EDE}"/>
+              </a:ext>
+            </a:extLst>
+          </p:cNvPr>
+          <p:cNvGraphicFramePr>
+            <a:graphicFrameLocks noGrp="1"/>
+          </p:cNvGraphicFramePr>
+          <p:nvPr>
+            <p:extLst>
+              <p:ext uri="{D42A27DB-BD31-4B8C-83A1-F6EECF244321}">
+                <p14:modId xmlns:p14="http://schemas.microsoft.com/office/powerpoint/2010/main" val="1506130344"/>
+              </p:ext>
+            </p:extLst>
+          </p:nvPr>
+        </p:nvGraphicFramePr>
+        <p:xfrm>
+          <a:off x="693057" y="3642479"/>
+          <a:ext cx="10361386" cy="2693006"/>
+        </p:xfrm>
+        <a:graphic>
+          <a:graphicData uri="http://schemas.openxmlformats.org/drawingml/2006/table">
+            <a:tbl>
+              <a:tblPr firstRow="1" bandRow="1">
+                <a:tableStyleId>{5C22544A-7EE6-4342-B048-85BDC9FD1C3A}</a:tableStyleId>
+              </a:tblPr>
+              <a:tblGrid>
+                <a:gridCol w="10361386">
+                  <a:extLst>
+                    <a:ext uri="{9D8B030D-6E8A-4147-A177-3AD203B41FA5}">
+                      <a16:colId xmlns:a16="http://schemas.microsoft.com/office/drawing/2014/main" val="981443115"/>
+                    </a:ext>
+                  </a:extLst>
+                </a:gridCol>
+              </a:tblGrid>
+              <a:tr h="375888">
+                <a:tc>
+                  <a:txBody>
+                    <a:bodyPr/>
+                    <a:lstStyle/>
+                    <a:p>
+                      <a:r>
+                        <a:rPr lang="en-US" dirty="0">
+                          <a:solidFill>
+                            <a:sysClr val="windowText" lastClr="000000"/>
+                          </a:solidFill>
+                        </a:rPr>
+                        <a:t>Indication of overall progress to date (completed by Supervisors):</a:t>
+                      </a:r>
+                      <a:endParaRPr lang="tr-TR" dirty="0">
+                        <a:solidFill>
+                          <a:sysClr val="windowText" lastClr="000000"/>
+                        </a:solidFill>
+                      </a:endParaRPr>
+                    </a:p>
+                  </a:txBody>
+                  <a:tcPr>
+                    <a:lnL w="12700" cap="flat" cmpd="sng" algn="ctr">
+                      <a:solidFill>
+                        <a:schemeClr val="tx1"/>
+                      </a:solidFill>
+                      <a:prstDash val="solid"/>
+                      <a:round/>
+                      <a:headEnd type="none" w="med" len="med"/>
+                      <a:tailEnd type="none" w="med" len="med"/>
+                    </a:lnL>
+                    <a:lnR w="12700" cap="flat" cmpd="sng" algn="ctr">
+                      <a:solidFill>
+                        <a:schemeClr val="tx1"/>
+                      </a:solidFill>
+                      <a:prstDash val="solid"/>
+                      <a:round/>
+                      <a:headEnd type="none" w="med" len="med"/>
+                      <a:tailEnd type="none" w="med" len="med"/>
+                    </a:lnR>
+                    <a:lnT w="12700" cap="flat" cmpd="sng" algn="ctr">
+                      <a:solidFill>
+                        <a:schemeClr val="tx1"/>
+                      </a:solidFill>
+                      <a:prstDash val="solid"/>
+                      <a:round/>
+                      <a:headEnd type="none" w="med" len="med"/>
+                      <a:tailEnd type="none" w="med" len="med"/>
+                    </a:lnT>
+                    <a:lnB w="12700" cap="flat" cmpd="sng" algn="ctr">
+                      <a:solidFill>
+                        <a:schemeClr val="tx1"/>
+                      </a:solidFill>
+                      <a:prstDash val="solid"/>
+                      <a:round/>
+                      <a:headEnd type="none" w="med" len="med"/>
+                      <a:tailEnd type="none" w="med" len="med"/>
+                    </a:lnB>
+                    <a:noFill/>
+                  </a:tcPr>
+                </a:tc>
+                <a:extLst>
+                  <a:ext uri="{0D108BD9-81ED-4DB2-BD59-A6C34878D82A}">
+                    <a16:rowId xmlns:a16="http://schemas.microsoft.com/office/drawing/2014/main" val="76720212"/>
+                  </a:ext>
+                </a:extLst>
+              </a:tr>
+              <a:tr h="2317118">
+                <a:tc>
+                  <a:txBody>
+                    <a:bodyPr/>
+                    <a:lstStyle/>
+                    <a:p>
+                      <a:endParaRPr lang="tr-TR" dirty="0">
+                        <a:solidFill>
+                          <a:sysClr val="windowText" lastClr="000000"/>
+                        </a:solidFill>
+                      </a:endParaRPr>
+                    </a:p>
+                  </a:txBody>
+                  <a:tcPr>
+                    <a:lnL w="12700" cap="flat" cmpd="sng" algn="ctr">
+                      <a:solidFill>
+                        <a:schemeClr val="tx1"/>
+                      </a:solidFill>
+                      <a:prstDash val="solid"/>
+                      <a:round/>
+                      <a:headEnd type="none" w="med" len="med"/>
+                      <a:tailEnd type="none" w="med" len="med"/>
+                    </a:lnL>
+                    <a:lnR w="12700" cap="flat" cmpd="sng" algn="ctr">
+                      <a:solidFill>
+                        <a:schemeClr val="tx1"/>
+                      </a:solidFill>
+                      <a:prstDash val="solid"/>
+                      <a:round/>
+                      <a:headEnd type="none" w="med" len="med"/>
+                      <a:tailEnd type="none" w="med" len="med"/>
+                    </a:lnR>
+                    <a:lnT w="12700" cap="flat" cmpd="sng" algn="ctr">
+                      <a:solidFill>
+                        <a:schemeClr val="tx1"/>
+                      </a:solidFill>
+                      <a:prstDash val="solid"/>
+                      <a:round/>
+                      <a:headEnd type="none" w="med" len="med"/>
+                      <a:tailEnd type="none" w="med" len="med"/>
+                    </a:lnT>
+                    <a:lnB w="12700" cap="flat" cmpd="sng" algn="ctr">
+                      <a:solidFill>
+                        <a:schemeClr val="tx1"/>
+                      </a:solidFill>
+                      <a:prstDash val="solid"/>
+                      <a:round/>
+                      <a:headEnd type="none" w="med" len="med"/>
+                      <a:tailEnd type="none" w="med" len="med"/>
+                    </a:lnB>
+                    <a:noFill/>
+                  </a:tcPr>
+                </a:tc>
+                <a:extLst>
+                  <a:ext uri="{0D108BD9-81ED-4DB2-BD59-A6C34878D82A}">
+                    <a16:rowId xmlns:a16="http://schemas.microsoft.com/office/drawing/2014/main" val="615494905"/>
+                  </a:ext>
+                </a:extLst>
+              </a:tr>
+            </a:tbl>
+          </a:graphicData>
+        </a:graphic>
+      </p:graphicFrame>
+      <p:graphicFrame>
+        <p:nvGraphicFramePr>
+          <p:cNvPr id="7" name="Table 5">
+            <a:extLst>
+              <a:ext uri="{FF2B5EF4-FFF2-40B4-BE49-F238E27FC236}">
+                <a16:creationId xmlns:a16="http://schemas.microsoft.com/office/drawing/2014/main" id="{B2D1148D-5E07-4763-B11B-96063AF76133}"/>
+              </a:ext>
+            </a:extLst>
+          </p:cNvPr>
+          <p:cNvGraphicFramePr>
+            <a:graphicFrameLocks noGrp="1"/>
+          </p:cNvGraphicFramePr>
+          <p:nvPr>
+            <p:extLst>
+              <p:ext uri="{D42A27DB-BD31-4B8C-83A1-F6EECF244321}">
+                <p14:modId xmlns:p14="http://schemas.microsoft.com/office/powerpoint/2010/main" val="2831150029"/>
+              </p:ext>
+            </p:extLst>
+          </p:nvPr>
+        </p:nvGraphicFramePr>
+        <p:xfrm>
+          <a:off x="693057" y="522515"/>
+          <a:ext cx="10361386" cy="2693006"/>
+        </p:xfrm>
+        <a:graphic>
+          <a:graphicData uri="http://schemas.openxmlformats.org/drawingml/2006/table">
+            <a:tbl>
+              <a:tblPr firstRow="1" bandRow="1">
+                <a:tableStyleId>{5C22544A-7EE6-4342-B048-85BDC9FD1C3A}</a:tableStyleId>
+              </a:tblPr>
+              <a:tblGrid>
+                <a:gridCol w="10361386">
+                  <a:extLst>
+                    <a:ext uri="{9D8B030D-6E8A-4147-A177-3AD203B41FA5}">
+                      <a16:colId xmlns:a16="http://schemas.microsoft.com/office/drawing/2014/main" val="981443115"/>
+                    </a:ext>
+                  </a:extLst>
+                </a:gridCol>
+              </a:tblGrid>
+              <a:tr h="375888">
+                <a:tc>
+                  <a:txBody>
+                    <a:bodyPr/>
+                    <a:lstStyle/>
+                    <a:p>
+                      <a:r>
+                        <a:rPr lang="tr-TR" dirty="0">
+                          <a:solidFill>
+                            <a:sysClr val="windowText" lastClr="000000"/>
+                          </a:solidFill>
+                        </a:rPr>
+                        <a:t>Discussion of Intellectual Development </a:t>
+                      </a:r>
+                    </a:p>
+                  </a:txBody>
+                  <a:tcPr>
+                    <a:lnL w="12700" cap="flat" cmpd="sng" algn="ctr">
+                      <a:solidFill>
+                        <a:schemeClr val="tx1"/>
+                      </a:solidFill>
+                      <a:prstDash val="solid"/>
+                      <a:round/>
+                      <a:headEnd type="none" w="med" len="med"/>
+                      <a:tailEnd type="none" w="med" len="med"/>
+                    </a:lnL>
+                    <a:lnR w="12700" cap="flat" cmpd="sng" algn="ctr">
+                      <a:solidFill>
+                        <a:schemeClr val="tx1"/>
+                      </a:solidFill>
+                      <a:prstDash val="solid"/>
+                      <a:round/>
+                      <a:headEnd type="none" w="med" len="med"/>
+                      <a:tailEnd type="none" w="med" len="med"/>
+                    </a:lnR>
+                    <a:lnT w="12700" cap="flat" cmpd="sng" algn="ctr">
+                      <a:solidFill>
+                        <a:schemeClr val="tx1"/>
+                      </a:solidFill>
+                      <a:prstDash val="solid"/>
+                      <a:round/>
+                      <a:headEnd type="none" w="med" len="med"/>
+                      <a:tailEnd type="none" w="med" len="med"/>
+                    </a:lnT>
+                    <a:lnB w="12700" cap="flat" cmpd="sng" algn="ctr">
+                      <a:solidFill>
+                        <a:schemeClr val="tx1"/>
+                      </a:solidFill>
+                      <a:prstDash val="solid"/>
+                      <a:round/>
+                      <a:headEnd type="none" w="med" len="med"/>
+                      <a:tailEnd type="none" w="med" len="med"/>
+                    </a:lnB>
+                    <a:noFill/>
+                  </a:tcPr>
+                </a:tc>
+                <a:extLst>
+                  <a:ext uri="{0D108BD9-81ED-4DB2-BD59-A6C34878D82A}">
+                    <a16:rowId xmlns:a16="http://schemas.microsoft.com/office/drawing/2014/main" val="76720212"/>
+                  </a:ext>
+                </a:extLst>
+              </a:tr>
+              <a:tr h="2317118">
+                <a:tc>
+                  <a:txBody>
+                    <a:bodyPr/>
+                    <a:lstStyle/>
+                    <a:p>
+                      <a:pPr marL="285750" indent="-285750">
+                        <a:buFont typeface="Arial" panose="020B0604020202020204" pitchFamily="34" charset="0"/>
+                        <a:buChar char="•"/>
+                      </a:pPr>
+                      <a:r>
+                        <a:rPr lang="tr-TR" dirty="0">
+                          <a:solidFill>
+                            <a:sysClr val="windowText" lastClr="000000"/>
+                          </a:solidFill>
+                        </a:rPr>
+                        <a:t>Research philosophy is adopted gradually.</a:t>
+                      </a:r>
+                    </a:p>
+                    <a:p>
+                      <a:pPr marL="285750" indent="-285750">
+                        <a:buFont typeface="Arial" panose="020B0604020202020204" pitchFamily="34" charset="0"/>
+                        <a:buChar char="•"/>
+                      </a:pPr>
+                      <a:r>
+                        <a:rPr lang="tr-TR" dirty="0">
+                          <a:solidFill>
+                            <a:sysClr val="windowText" lastClr="000000"/>
+                          </a:solidFill>
+                        </a:rPr>
+                        <a:t>Whole concentration is to be given (funding efforts continues)</a:t>
+                      </a:r>
+                    </a:p>
+                    <a:p>
+                      <a:pPr marL="285750" indent="-285750">
+                        <a:buFont typeface="Arial" panose="020B0604020202020204" pitchFamily="34" charset="0"/>
+                        <a:buChar char="•"/>
+                      </a:pPr>
+                      <a:r>
+                        <a:rPr lang="tr-TR" dirty="0">
+                          <a:solidFill>
+                            <a:sysClr val="windowText" lastClr="000000"/>
+                          </a:solidFill>
+                        </a:rPr>
+                        <a:t>Whole concentration to Intro Chap</a:t>
+                      </a:r>
+                    </a:p>
+                  </a:txBody>
+                  <a:tcPr>
+                    <a:lnL w="12700" cap="flat" cmpd="sng" algn="ctr">
+                      <a:solidFill>
+                        <a:schemeClr val="tx1"/>
+                      </a:solidFill>
+                      <a:prstDash val="solid"/>
+                      <a:round/>
+                      <a:headEnd type="none" w="med" len="med"/>
+                      <a:tailEnd type="none" w="med" len="med"/>
+                    </a:lnL>
+                    <a:lnR w="12700" cap="flat" cmpd="sng" algn="ctr">
+                      <a:solidFill>
+                        <a:schemeClr val="tx1"/>
+                      </a:solidFill>
+                      <a:prstDash val="solid"/>
+                      <a:round/>
+                      <a:headEnd type="none" w="med" len="med"/>
+                      <a:tailEnd type="none" w="med" len="med"/>
+                    </a:lnR>
+                    <a:lnT w="12700" cap="flat" cmpd="sng" algn="ctr">
+                      <a:solidFill>
+                        <a:schemeClr val="tx1"/>
+                      </a:solidFill>
+                      <a:prstDash val="solid"/>
+                      <a:round/>
+                      <a:headEnd type="none" w="med" len="med"/>
+                      <a:tailEnd type="none" w="med" len="med"/>
+                    </a:lnT>
+                    <a:lnB w="12700" cap="flat" cmpd="sng" algn="ctr">
+                      <a:solidFill>
+                        <a:schemeClr val="tx1"/>
+                      </a:solidFill>
+                      <a:prstDash val="solid"/>
+                      <a:round/>
+                      <a:headEnd type="none" w="med" len="med"/>
+                      <a:tailEnd type="none" w="med" len="med"/>
+                    </a:lnB>
+                    <a:noFill/>
+                  </a:tcPr>
+                </a:tc>
+                <a:extLst>
+                  <a:ext uri="{0D108BD9-81ED-4DB2-BD59-A6C34878D82A}">
+                    <a16:rowId xmlns:a16="http://schemas.microsoft.com/office/drawing/2014/main" val="615494905"/>
+                  </a:ext>
+                </a:extLst>
+              </a:tr>
+            </a:tbl>
+          </a:graphicData>
+        </a:graphic>
+      </p:graphicFrame>
+    </p:spTree>
+    <p:extLst>
+      <p:ext uri="{BB962C8B-B14F-4D97-AF65-F5344CB8AC3E}">
+        <p14:creationId xmlns:p14="http://schemas.microsoft.com/office/powerpoint/2010/main" val="3753195291"/>
+      </p:ext>
+    </p:extLst>
+  </p:cSld>
+  <p:clrMapOvr>
+    <a:masterClrMapping/>
+  </p:clrMapOvr>
+</p:sld>
+</file>
+
+<file path=ppt/slides/slide15.xml><?xml version="1.0" encoding="utf-8"?>
+<p:sld xmlns:a="http://schemas.openxmlformats.org/drawingml/2006/main" xmlns:r="http://schemas.openxmlformats.org/officeDocument/2006/relationships" xmlns:p="http://schemas.openxmlformats.org/presentationml/2006/main">
+  <p:cSld>
+    <p:spTree>
+      <p:nvGrpSpPr>
+        <p:cNvPr id="1" name=""/>
+        <p:cNvGrpSpPr/>
+        <p:nvPr/>
+      </p:nvGrpSpPr>
+      <p:grpSpPr>
+        <a:xfrm>
+          <a:off x="0" y="0"/>
+          <a:ext cx="0" cy="0"/>
+          <a:chOff x="0" y="0"/>
+          <a:chExt cx="0" cy="0"/>
+        </a:xfrm>
+      </p:grpSpPr>
+      <p:sp>
+        <p:nvSpPr>
+          <p:cNvPr id="2" name="Title 1">
+            <a:extLst>
+              <a:ext uri="{FF2B5EF4-FFF2-40B4-BE49-F238E27FC236}">
+                <a16:creationId xmlns:a16="http://schemas.microsoft.com/office/drawing/2014/main" id="{64CC9908-A789-4836-BD9F-1B3551AD5083}"/>
+              </a:ext>
+            </a:extLst>
+          </p:cNvPr>
+          <p:cNvSpPr>
+            <a:spLocks noGrp="1"/>
+          </p:cNvSpPr>
+          <p:nvPr>
+            <p:ph type="title"/>
+          </p:nvPr>
+        </p:nvSpPr>
+        <p:spPr/>
+        <p:txBody>
+          <a:bodyPr>
+            <a:normAutofit/>
+          </a:bodyPr>
+          <a:lstStyle/>
+          <a:p>
+            <a:pPr algn="ctr"/>
+            <a:r>
+              <a:rPr lang="en-GB" sz="4000" b="1" dirty="0">
+                <a:effectLst/>
+              </a:rPr>
+              <a:t>Actions for next meeting </a:t>
+            </a:r>
+            <a:br>
+              <a:rPr lang="tr-TR" sz="3800" b="1" dirty="0">
+                <a:effectLst/>
+                <a:latin typeface="Calibri" panose="020F0502020204030204" pitchFamily="34" charset="0"/>
+                <a:ea typeface="Calibri" panose="020F0502020204030204" pitchFamily="34" charset="0"/>
+                <a:cs typeface="Times New Roman" panose="02020603050405020304" pitchFamily="18" charset="0"/>
+              </a:rPr>
+            </a:br>
+            <a:endParaRPr lang="tr-TR" sz="3800" b="1" dirty="0"/>
+          </a:p>
+        </p:txBody>
+      </p:sp>
+      <p:graphicFrame>
+        <p:nvGraphicFramePr>
+          <p:cNvPr id="5" name="Table 5">
+            <a:extLst>
+              <a:ext uri="{FF2B5EF4-FFF2-40B4-BE49-F238E27FC236}">
+                <a16:creationId xmlns:a16="http://schemas.microsoft.com/office/drawing/2014/main" id="{5D139A34-38CE-4C25-9545-C654DE9D21E8}"/>
+              </a:ext>
+            </a:extLst>
+          </p:cNvPr>
+          <p:cNvGraphicFramePr>
+            <a:graphicFrameLocks noGrp="1"/>
+          </p:cNvGraphicFramePr>
+          <p:nvPr>
+            <p:extLst>
+              <p:ext uri="{D42A27DB-BD31-4B8C-83A1-F6EECF244321}">
+                <p14:modId xmlns:p14="http://schemas.microsoft.com/office/powerpoint/2010/main" val="216212414"/>
+              </p:ext>
+            </p:extLst>
+          </p:nvPr>
+        </p:nvGraphicFramePr>
+        <p:xfrm>
+          <a:off x="985156" y="1208314"/>
+          <a:ext cx="10214430" cy="3779559"/>
+        </p:xfrm>
+        <a:graphic>
+          <a:graphicData uri="http://schemas.openxmlformats.org/drawingml/2006/table">
+            <a:tbl>
+              <a:tblPr firstRow="1" bandRow="1">
+                <a:tableStyleId>{5C22544A-7EE6-4342-B048-85BDC9FD1C3A}</a:tableStyleId>
+              </a:tblPr>
+              <a:tblGrid>
+                <a:gridCol w="1702405">
+                  <a:extLst>
+                    <a:ext uri="{9D8B030D-6E8A-4147-A177-3AD203B41FA5}">
+                      <a16:colId xmlns:a16="http://schemas.microsoft.com/office/drawing/2014/main" val="1751706175"/>
+                    </a:ext>
+                  </a:extLst>
+                </a:gridCol>
+                <a:gridCol w="1702405">
+                  <a:extLst>
+                    <a:ext uri="{9D8B030D-6E8A-4147-A177-3AD203B41FA5}">
+                      <a16:colId xmlns:a16="http://schemas.microsoft.com/office/drawing/2014/main" val="2219508395"/>
+                    </a:ext>
+                  </a:extLst>
+                </a:gridCol>
+                <a:gridCol w="1702405">
+                  <a:extLst>
+                    <a:ext uri="{9D8B030D-6E8A-4147-A177-3AD203B41FA5}">
+                      <a16:colId xmlns:a16="http://schemas.microsoft.com/office/drawing/2014/main" val="1299564521"/>
+                    </a:ext>
+                  </a:extLst>
+                </a:gridCol>
+                <a:gridCol w="1702405">
+                  <a:extLst>
+                    <a:ext uri="{9D8B030D-6E8A-4147-A177-3AD203B41FA5}">
+                      <a16:colId xmlns:a16="http://schemas.microsoft.com/office/drawing/2014/main" val="3446758075"/>
+                    </a:ext>
+                  </a:extLst>
+                </a:gridCol>
+                <a:gridCol w="1702405">
+                  <a:extLst>
+                    <a:ext uri="{9D8B030D-6E8A-4147-A177-3AD203B41FA5}">
+                      <a16:colId xmlns:a16="http://schemas.microsoft.com/office/drawing/2014/main" val="1605556915"/>
+                    </a:ext>
+                  </a:extLst>
+                </a:gridCol>
+                <a:gridCol w="1702405">
+                  <a:extLst>
+                    <a:ext uri="{9D8B030D-6E8A-4147-A177-3AD203B41FA5}">
+                      <a16:colId xmlns:a16="http://schemas.microsoft.com/office/drawing/2014/main" val="736451315"/>
+                    </a:ext>
+                  </a:extLst>
+                </a:gridCol>
+              </a:tblGrid>
+              <a:tr h="886078">
+                <a:tc>
+                  <a:txBody>
+                    <a:bodyPr/>
+                    <a:lstStyle/>
+                    <a:p>
+                      <a:pPr algn="ctr"/>
+                      <a:r>
+                        <a:rPr lang="tr-TR" dirty="0">
+                          <a:solidFill>
+                            <a:sysClr val="windowText" lastClr="000000"/>
+                          </a:solidFill>
+                        </a:rPr>
+                        <a:t>Who</a:t>
+                      </a:r>
+                    </a:p>
+                  </a:txBody>
+                  <a:tcPr>
+                    <a:lnL w="12700" cap="flat" cmpd="sng" algn="ctr">
+                      <a:solidFill>
+                        <a:schemeClr val="tx1"/>
+                      </a:solidFill>
+                      <a:prstDash val="solid"/>
+                      <a:round/>
+                      <a:headEnd type="none" w="med" len="med"/>
+                      <a:tailEnd type="none" w="med" len="med"/>
+                    </a:lnL>
+                    <a:lnR w="12700" cap="flat" cmpd="sng" algn="ctr">
+                      <a:solidFill>
+                        <a:schemeClr val="tx1"/>
+                      </a:solidFill>
+                      <a:prstDash val="solid"/>
+                      <a:round/>
+                      <a:headEnd type="none" w="med" len="med"/>
+                      <a:tailEnd type="none" w="med" len="med"/>
+                    </a:lnR>
+                    <a:lnT w="12700" cap="flat" cmpd="sng" algn="ctr">
+                      <a:solidFill>
+                        <a:schemeClr val="tx1"/>
+                      </a:solidFill>
+                      <a:prstDash val="solid"/>
+                      <a:round/>
+                      <a:headEnd type="none" w="med" len="med"/>
+                      <a:tailEnd type="none" w="med" len="med"/>
+                    </a:lnT>
+                    <a:lnB w="12700" cap="flat" cmpd="sng" algn="ctr">
+                      <a:solidFill>
+                        <a:schemeClr val="tx1"/>
+                      </a:solidFill>
+                      <a:prstDash val="solid"/>
+                      <a:round/>
+                      <a:headEnd type="none" w="med" len="med"/>
+                      <a:tailEnd type="none" w="med" len="med"/>
+                    </a:lnB>
+                    <a:noFill/>
+                  </a:tcPr>
+                </a:tc>
+                <a:tc>
+                  <a:txBody>
+                    <a:bodyPr/>
+                    <a:lstStyle/>
+                    <a:p>
+                      <a:pPr algn="ctr"/>
+                      <a:r>
+                        <a:rPr lang="tr-TR" dirty="0">
+                          <a:solidFill>
+                            <a:sysClr val="windowText" lastClr="000000"/>
+                          </a:solidFill>
+                        </a:rPr>
+                        <a:t>Action to be taken</a:t>
+                      </a:r>
+                    </a:p>
+                    <a:p>
+                      <a:pPr algn="ctr"/>
+                      <a:endParaRPr lang="tr-TR" dirty="0">
+                        <a:solidFill>
+                          <a:sysClr val="windowText" lastClr="000000"/>
+                        </a:solidFill>
+                      </a:endParaRPr>
+                    </a:p>
+                  </a:txBody>
+                  <a:tcPr>
+                    <a:lnL w="12700" cap="flat" cmpd="sng" algn="ctr">
+                      <a:solidFill>
+                        <a:schemeClr val="tx1"/>
+                      </a:solidFill>
+                      <a:prstDash val="solid"/>
+                      <a:round/>
+                      <a:headEnd type="none" w="med" len="med"/>
+                      <a:tailEnd type="none" w="med" len="med"/>
+                    </a:lnL>
+                    <a:lnR w="12700" cap="flat" cmpd="sng" algn="ctr">
+                      <a:solidFill>
+                        <a:schemeClr val="tx1"/>
+                      </a:solidFill>
+                      <a:prstDash val="solid"/>
+                      <a:round/>
+                      <a:headEnd type="none" w="med" len="med"/>
+                      <a:tailEnd type="none" w="med" len="med"/>
+                    </a:lnR>
+                    <a:lnT w="12700" cap="flat" cmpd="sng" algn="ctr">
+                      <a:solidFill>
+                        <a:schemeClr val="tx1"/>
+                      </a:solidFill>
+                      <a:prstDash val="solid"/>
+                      <a:round/>
+                      <a:headEnd type="none" w="med" len="med"/>
+                      <a:tailEnd type="none" w="med" len="med"/>
+                    </a:lnT>
+                    <a:lnB w="12700" cap="flat" cmpd="sng" algn="ctr">
+                      <a:solidFill>
+                        <a:schemeClr val="tx1"/>
+                      </a:solidFill>
+                      <a:prstDash val="solid"/>
+                      <a:round/>
+                      <a:headEnd type="none" w="med" len="med"/>
+                      <a:tailEnd type="none" w="med" len="med"/>
+                    </a:lnB>
+                    <a:noFill/>
+                  </a:tcPr>
+                </a:tc>
+                <a:tc>
+                  <a:txBody>
+                    <a:bodyPr/>
+                    <a:lstStyle/>
+                    <a:p>
+                      <a:pPr algn="ctr"/>
+                      <a:r>
+                        <a:rPr lang="tr-TR" dirty="0">
+                          <a:solidFill>
+                            <a:sysClr val="windowText" lastClr="000000"/>
+                          </a:solidFill>
+                        </a:rPr>
+                        <a:t>Date Issued</a:t>
+                      </a:r>
+                    </a:p>
+                    <a:p>
+                      <a:pPr algn="ctr"/>
+                      <a:endParaRPr lang="tr-TR" dirty="0">
+                        <a:solidFill>
+                          <a:sysClr val="windowText" lastClr="000000"/>
+                        </a:solidFill>
+                      </a:endParaRPr>
+                    </a:p>
+                  </a:txBody>
+                  <a:tcPr>
+                    <a:lnL w="12700" cap="flat" cmpd="sng" algn="ctr">
+                      <a:solidFill>
+                        <a:schemeClr val="tx1"/>
+                      </a:solidFill>
+                      <a:prstDash val="solid"/>
+                      <a:round/>
+                      <a:headEnd type="none" w="med" len="med"/>
+                      <a:tailEnd type="none" w="med" len="med"/>
+                    </a:lnL>
+                    <a:lnR w="12700" cap="flat" cmpd="sng" algn="ctr">
+                      <a:solidFill>
+                        <a:schemeClr val="tx1"/>
+                      </a:solidFill>
+                      <a:prstDash val="solid"/>
+                      <a:round/>
+                      <a:headEnd type="none" w="med" len="med"/>
+                      <a:tailEnd type="none" w="med" len="med"/>
+                    </a:lnR>
+                    <a:lnT w="12700" cap="flat" cmpd="sng" algn="ctr">
+                      <a:solidFill>
+                        <a:schemeClr val="tx1"/>
+                      </a:solidFill>
+                      <a:prstDash val="solid"/>
+                      <a:round/>
+                      <a:headEnd type="none" w="med" len="med"/>
+                      <a:tailEnd type="none" w="med" len="med"/>
+                    </a:lnT>
+                    <a:lnB w="12700" cap="flat" cmpd="sng" algn="ctr">
+                      <a:solidFill>
+                        <a:schemeClr val="tx1"/>
+                      </a:solidFill>
+                      <a:prstDash val="solid"/>
+                      <a:round/>
+                      <a:headEnd type="none" w="med" len="med"/>
+                      <a:tailEnd type="none" w="med" len="med"/>
+                    </a:lnB>
+                    <a:noFill/>
+                  </a:tcPr>
+                </a:tc>
+                <a:tc>
+                  <a:txBody>
+                    <a:bodyPr/>
+                    <a:lstStyle/>
+                    <a:p>
+                      <a:pPr algn="ctr"/>
+                      <a:r>
+                        <a:rPr lang="tr-TR" dirty="0">
+                          <a:solidFill>
+                            <a:sysClr val="windowText" lastClr="000000"/>
+                          </a:solidFill>
+                        </a:rPr>
+                        <a:t>Agreed completion date</a:t>
+                      </a:r>
+                    </a:p>
+                  </a:txBody>
+                  <a:tcPr>
+                    <a:lnL w="12700" cap="flat" cmpd="sng" algn="ctr">
+                      <a:solidFill>
+                        <a:schemeClr val="tx1"/>
+                      </a:solidFill>
+                      <a:prstDash val="solid"/>
+                      <a:round/>
+                      <a:headEnd type="none" w="med" len="med"/>
+                      <a:tailEnd type="none" w="med" len="med"/>
+                    </a:lnL>
+                    <a:lnR w="12700" cap="flat" cmpd="sng" algn="ctr">
+                      <a:solidFill>
+                        <a:schemeClr val="tx1"/>
+                      </a:solidFill>
+                      <a:prstDash val="solid"/>
+                      <a:round/>
+                      <a:headEnd type="none" w="med" len="med"/>
+                      <a:tailEnd type="none" w="med" len="med"/>
+                    </a:lnR>
+                    <a:lnT w="12700" cap="flat" cmpd="sng" algn="ctr">
+                      <a:solidFill>
+                        <a:schemeClr val="tx1"/>
+                      </a:solidFill>
+                      <a:prstDash val="solid"/>
+                      <a:round/>
+                      <a:headEnd type="none" w="med" len="med"/>
+                      <a:tailEnd type="none" w="med" len="med"/>
+                    </a:lnT>
+                    <a:lnB w="12700" cap="flat" cmpd="sng" algn="ctr">
+                      <a:solidFill>
+                        <a:schemeClr val="tx1"/>
+                      </a:solidFill>
+                      <a:prstDash val="solid"/>
+                      <a:round/>
+                      <a:headEnd type="none" w="med" len="med"/>
+                      <a:tailEnd type="none" w="med" len="med"/>
+                    </a:lnB>
+                    <a:noFill/>
+                  </a:tcPr>
+                </a:tc>
+                <a:tc>
+                  <a:txBody>
+                    <a:bodyPr/>
+                    <a:lstStyle/>
+                    <a:p>
+                      <a:pPr algn="ctr"/>
+                      <a:r>
+                        <a:rPr lang="tr-TR" dirty="0">
+                          <a:solidFill>
+                            <a:sysClr val="windowText" lastClr="000000"/>
+                          </a:solidFill>
+                        </a:rPr>
+                        <a:t>Linked to chapter</a:t>
+                      </a:r>
+                    </a:p>
+                    <a:p>
+                      <a:pPr algn="ctr"/>
+                      <a:endParaRPr lang="tr-TR" dirty="0">
+                        <a:solidFill>
+                          <a:sysClr val="windowText" lastClr="000000"/>
+                        </a:solidFill>
+                      </a:endParaRPr>
+                    </a:p>
+                  </a:txBody>
+                  <a:tcPr>
+                    <a:lnL w="12700" cap="flat" cmpd="sng" algn="ctr">
+                      <a:solidFill>
+                        <a:schemeClr val="tx1"/>
+                      </a:solidFill>
+                      <a:prstDash val="solid"/>
+                      <a:round/>
+                      <a:headEnd type="none" w="med" len="med"/>
+                      <a:tailEnd type="none" w="med" len="med"/>
+                    </a:lnL>
+                    <a:lnR w="12700" cap="flat" cmpd="sng" algn="ctr">
+                      <a:solidFill>
+                        <a:schemeClr val="tx1"/>
+                      </a:solidFill>
+                      <a:prstDash val="solid"/>
+                      <a:round/>
+                      <a:headEnd type="none" w="med" len="med"/>
+                      <a:tailEnd type="none" w="med" len="med"/>
+                    </a:lnR>
+                    <a:lnT w="12700" cap="flat" cmpd="sng" algn="ctr">
+                      <a:solidFill>
+                        <a:schemeClr val="tx1"/>
+                      </a:solidFill>
+                      <a:prstDash val="solid"/>
+                      <a:round/>
+                      <a:headEnd type="none" w="med" len="med"/>
+                      <a:tailEnd type="none" w="med" len="med"/>
+                    </a:lnT>
+                    <a:lnB w="12700" cap="flat" cmpd="sng" algn="ctr">
+                      <a:solidFill>
+                        <a:schemeClr val="tx1"/>
+                      </a:solidFill>
+                      <a:prstDash val="solid"/>
+                      <a:round/>
+                      <a:headEnd type="none" w="med" len="med"/>
+                      <a:tailEnd type="none" w="med" len="med"/>
+                    </a:lnB>
+                    <a:noFill/>
+                  </a:tcPr>
+                </a:tc>
+                <a:tc>
+                  <a:txBody>
+                    <a:bodyPr/>
+                    <a:lstStyle/>
+                    <a:p>
+                      <a:pPr algn="ctr"/>
+                      <a:r>
+                        <a:rPr lang="tr-TR" dirty="0">
+                          <a:solidFill>
+                            <a:sysClr val="windowText" lastClr="000000"/>
+                          </a:solidFill>
+                        </a:rPr>
+                        <a:t>Linked to objective</a:t>
+                      </a:r>
+                    </a:p>
+                    <a:p>
+                      <a:pPr algn="ctr"/>
+                      <a:endParaRPr lang="tr-TR" dirty="0">
+                        <a:solidFill>
+                          <a:sysClr val="windowText" lastClr="000000"/>
+                        </a:solidFill>
+                      </a:endParaRPr>
+                    </a:p>
+                  </a:txBody>
+                  <a:tcPr>
+                    <a:lnL w="12700" cap="flat" cmpd="sng" algn="ctr">
+                      <a:solidFill>
+                        <a:schemeClr val="tx1"/>
+                      </a:solidFill>
+                      <a:prstDash val="solid"/>
+                      <a:round/>
+                      <a:headEnd type="none" w="med" len="med"/>
+                      <a:tailEnd type="none" w="med" len="med"/>
+                    </a:lnL>
+                    <a:lnR w="12700" cap="flat" cmpd="sng" algn="ctr">
+                      <a:solidFill>
+                        <a:schemeClr val="tx1"/>
+                      </a:solidFill>
+                      <a:prstDash val="solid"/>
+                      <a:round/>
+                      <a:headEnd type="none" w="med" len="med"/>
+                      <a:tailEnd type="none" w="med" len="med"/>
+                    </a:lnR>
+                    <a:lnT w="12700" cap="flat" cmpd="sng" algn="ctr">
+                      <a:solidFill>
+                        <a:schemeClr val="tx1"/>
+                      </a:solidFill>
+                      <a:prstDash val="solid"/>
+                      <a:round/>
+                      <a:headEnd type="none" w="med" len="med"/>
+                      <a:tailEnd type="none" w="med" len="med"/>
+                    </a:lnT>
+                    <a:lnB w="12700" cap="flat" cmpd="sng" algn="ctr">
+                      <a:solidFill>
+                        <a:schemeClr val="tx1"/>
+                      </a:solidFill>
+                      <a:prstDash val="solid"/>
+                      <a:round/>
+                      <a:headEnd type="none" w="med" len="med"/>
+                      <a:tailEnd type="none" w="med" len="med"/>
+                    </a:lnB>
+                    <a:noFill/>
+                  </a:tcPr>
+                </a:tc>
+                <a:extLst>
+                  <a:ext uri="{0D108BD9-81ED-4DB2-BD59-A6C34878D82A}">
+                    <a16:rowId xmlns:a16="http://schemas.microsoft.com/office/drawing/2014/main" val="3860416926"/>
+                  </a:ext>
+                </a:extLst>
+              </a:tr>
+              <a:tr h="886078">
+                <a:tc>
+                  <a:txBody>
+                    <a:bodyPr/>
+                    <a:lstStyle/>
+                    <a:p>
+                      <a:r>
+                        <a:rPr lang="tr-TR" dirty="0">
+                          <a:solidFill>
+                            <a:sysClr val="windowText" lastClr="000000"/>
+                          </a:solidFill>
+                        </a:rPr>
+                        <a:t>Student</a:t>
+                      </a:r>
+                    </a:p>
+                  </a:txBody>
+                  <a:tcPr>
+                    <a:lnL w="12700" cap="flat" cmpd="sng" algn="ctr">
+                      <a:solidFill>
+                        <a:schemeClr val="tx1"/>
+                      </a:solidFill>
+                      <a:prstDash val="solid"/>
+                      <a:round/>
+                      <a:headEnd type="none" w="med" len="med"/>
+                      <a:tailEnd type="none" w="med" len="med"/>
+                    </a:lnL>
+                    <a:lnR w="12700" cap="flat" cmpd="sng" algn="ctr">
+                      <a:solidFill>
+                        <a:schemeClr val="tx1"/>
+                      </a:solidFill>
+                      <a:prstDash val="solid"/>
+                      <a:round/>
+                      <a:headEnd type="none" w="med" len="med"/>
+                      <a:tailEnd type="none" w="med" len="med"/>
+                    </a:lnR>
+                    <a:lnT w="12700" cap="flat" cmpd="sng" algn="ctr">
+                      <a:solidFill>
+                        <a:schemeClr val="tx1"/>
+                      </a:solidFill>
+                      <a:prstDash val="solid"/>
+                      <a:round/>
+                      <a:headEnd type="none" w="med" len="med"/>
+                      <a:tailEnd type="none" w="med" len="med"/>
+                    </a:lnT>
+                    <a:lnB w="12700" cap="flat" cmpd="sng" algn="ctr">
+                      <a:solidFill>
+                        <a:schemeClr val="tx1"/>
+                      </a:solidFill>
+                      <a:prstDash val="solid"/>
+                      <a:round/>
+                      <a:headEnd type="none" w="med" len="med"/>
+                      <a:tailEnd type="none" w="med" len="med"/>
+                    </a:lnB>
+                    <a:noFill/>
+                  </a:tcPr>
+                </a:tc>
+                <a:tc>
+                  <a:txBody>
+                    <a:bodyPr/>
+                    <a:lstStyle/>
+                    <a:p>
+                      <a:r>
+                        <a:rPr lang="tr-TR" dirty="0">
+                          <a:solidFill>
+                            <a:sysClr val="windowText" lastClr="000000"/>
+                          </a:solidFill>
+                        </a:rPr>
+                        <a:t>Introduction chapter to be drafted</a:t>
+                      </a:r>
+                    </a:p>
+                  </a:txBody>
+                  <a:tcPr>
+                    <a:lnL w="12700" cap="flat" cmpd="sng" algn="ctr">
+                      <a:solidFill>
+                        <a:schemeClr val="tx1"/>
+                      </a:solidFill>
+                      <a:prstDash val="solid"/>
+                      <a:round/>
+                      <a:headEnd type="none" w="med" len="med"/>
+                      <a:tailEnd type="none" w="med" len="med"/>
+                    </a:lnL>
+                    <a:lnR w="12700" cap="flat" cmpd="sng" algn="ctr">
+                      <a:solidFill>
+                        <a:schemeClr val="tx1"/>
+                      </a:solidFill>
+                      <a:prstDash val="solid"/>
+                      <a:round/>
+                      <a:headEnd type="none" w="med" len="med"/>
+                      <a:tailEnd type="none" w="med" len="med"/>
+                    </a:lnR>
+                    <a:lnT w="12700" cap="flat" cmpd="sng" algn="ctr">
+                      <a:solidFill>
+                        <a:schemeClr val="tx1"/>
+                      </a:solidFill>
+                      <a:prstDash val="solid"/>
+                      <a:round/>
+                      <a:headEnd type="none" w="med" len="med"/>
+                      <a:tailEnd type="none" w="med" len="med"/>
+                    </a:lnT>
+                    <a:lnB w="12700" cap="flat" cmpd="sng" algn="ctr">
+                      <a:solidFill>
+                        <a:schemeClr val="tx1"/>
+                      </a:solidFill>
+                      <a:prstDash val="solid"/>
+                      <a:round/>
+                      <a:headEnd type="none" w="med" len="med"/>
+                      <a:tailEnd type="none" w="med" len="med"/>
+                    </a:lnB>
+                    <a:noFill/>
+                  </a:tcPr>
+                </a:tc>
+                <a:tc>
+                  <a:txBody>
+                    <a:bodyPr/>
+                    <a:lstStyle/>
+                    <a:p>
+                      <a:r>
+                        <a:rPr lang="tr-TR" dirty="0">
+                          <a:solidFill>
+                            <a:sysClr val="windowText" lastClr="000000"/>
+                          </a:solidFill>
+                        </a:rPr>
+                        <a:t>14 Oct 2021</a:t>
+                      </a:r>
+                    </a:p>
+                  </a:txBody>
+                  <a:tcPr>
+                    <a:lnL w="12700" cap="flat" cmpd="sng" algn="ctr">
+                      <a:solidFill>
+                        <a:schemeClr val="tx1"/>
+                      </a:solidFill>
+                      <a:prstDash val="solid"/>
+                      <a:round/>
+                      <a:headEnd type="none" w="med" len="med"/>
+                      <a:tailEnd type="none" w="med" len="med"/>
+                    </a:lnL>
+                    <a:lnR w="12700" cap="flat" cmpd="sng" algn="ctr">
+                      <a:solidFill>
+                        <a:schemeClr val="tx1"/>
+                      </a:solidFill>
+                      <a:prstDash val="solid"/>
+                      <a:round/>
+                      <a:headEnd type="none" w="med" len="med"/>
+                      <a:tailEnd type="none" w="med" len="med"/>
+                    </a:lnR>
+                    <a:lnT w="12700" cap="flat" cmpd="sng" algn="ctr">
+                      <a:solidFill>
+                        <a:schemeClr val="tx1"/>
+                      </a:solidFill>
+                      <a:prstDash val="solid"/>
+                      <a:round/>
+                      <a:headEnd type="none" w="med" len="med"/>
+                      <a:tailEnd type="none" w="med" len="med"/>
+                    </a:lnT>
+                    <a:lnB w="12700" cap="flat" cmpd="sng" algn="ctr">
+                      <a:solidFill>
+                        <a:schemeClr val="tx1"/>
+                      </a:solidFill>
+                      <a:prstDash val="solid"/>
+                      <a:round/>
+                      <a:headEnd type="none" w="med" len="med"/>
+                      <a:tailEnd type="none" w="med" len="med"/>
+                    </a:lnB>
+                    <a:noFill/>
+                  </a:tcPr>
+                </a:tc>
+                <a:tc>
+                  <a:txBody>
+                    <a:bodyPr/>
+                    <a:lstStyle/>
+                    <a:p>
+                      <a:r>
+                        <a:rPr lang="tr-TR" dirty="0">
+                          <a:solidFill>
+                            <a:sysClr val="windowText" lastClr="000000"/>
+                          </a:solidFill>
+                          <a:highlight>
+                            <a:srgbClr val="FFFF00"/>
+                          </a:highlight>
+                        </a:rPr>
+                        <a:t>14 Dec 2021</a:t>
+                      </a:r>
+                    </a:p>
+                  </a:txBody>
+                  <a:tcPr>
+                    <a:lnL w="12700" cap="flat" cmpd="sng" algn="ctr">
+                      <a:solidFill>
+                        <a:schemeClr val="tx1"/>
+                      </a:solidFill>
+                      <a:prstDash val="solid"/>
+                      <a:round/>
+                      <a:headEnd type="none" w="med" len="med"/>
+                      <a:tailEnd type="none" w="med" len="med"/>
+                    </a:lnL>
+                    <a:lnR w="12700" cap="flat" cmpd="sng" algn="ctr">
+                      <a:solidFill>
+                        <a:schemeClr val="tx1"/>
+                      </a:solidFill>
+                      <a:prstDash val="solid"/>
+                      <a:round/>
+                      <a:headEnd type="none" w="med" len="med"/>
+                      <a:tailEnd type="none" w="med" len="med"/>
+                    </a:lnR>
+                    <a:lnT w="12700" cap="flat" cmpd="sng" algn="ctr">
+                      <a:solidFill>
+                        <a:schemeClr val="tx1"/>
+                      </a:solidFill>
+                      <a:prstDash val="solid"/>
+                      <a:round/>
+                      <a:headEnd type="none" w="med" len="med"/>
+                      <a:tailEnd type="none" w="med" len="med"/>
+                    </a:lnT>
+                    <a:lnB w="12700" cap="flat" cmpd="sng" algn="ctr">
+                      <a:solidFill>
+                        <a:schemeClr val="tx1"/>
+                      </a:solidFill>
+                      <a:prstDash val="solid"/>
+                      <a:round/>
+                      <a:headEnd type="none" w="med" len="med"/>
+                      <a:tailEnd type="none" w="med" len="med"/>
+                    </a:lnB>
+                    <a:noFill/>
+                  </a:tcPr>
+                </a:tc>
+                <a:tc>
+                  <a:txBody>
+                    <a:bodyPr/>
+                    <a:lstStyle/>
+                    <a:p>
+                      <a:r>
+                        <a:rPr lang="tr-TR" dirty="0">
+                          <a:solidFill>
+                            <a:sysClr val="windowText" lastClr="000000"/>
+                          </a:solidFill>
+                        </a:rPr>
+                        <a:t>Chapter 1</a:t>
+                      </a:r>
+                    </a:p>
+                  </a:txBody>
+                  <a:tcPr>
+                    <a:lnL w="12700" cap="flat" cmpd="sng" algn="ctr">
+                      <a:solidFill>
+                        <a:schemeClr val="tx1"/>
+                      </a:solidFill>
+                      <a:prstDash val="solid"/>
+                      <a:round/>
+                      <a:headEnd type="none" w="med" len="med"/>
+                      <a:tailEnd type="none" w="med" len="med"/>
+                    </a:lnL>
+                    <a:lnR w="12700" cap="flat" cmpd="sng" algn="ctr">
+                      <a:solidFill>
+                        <a:schemeClr val="tx1"/>
+                      </a:solidFill>
+                      <a:prstDash val="solid"/>
+                      <a:round/>
+                      <a:headEnd type="none" w="med" len="med"/>
+                      <a:tailEnd type="none" w="med" len="med"/>
+                    </a:lnR>
+                    <a:lnT w="12700" cap="flat" cmpd="sng" algn="ctr">
+                      <a:solidFill>
+                        <a:schemeClr val="tx1"/>
+                      </a:solidFill>
+                      <a:prstDash val="solid"/>
+                      <a:round/>
+                      <a:headEnd type="none" w="med" len="med"/>
+                      <a:tailEnd type="none" w="med" len="med"/>
+                    </a:lnT>
+                    <a:lnB w="12700" cap="flat" cmpd="sng" algn="ctr">
+                      <a:solidFill>
+                        <a:schemeClr val="tx1"/>
+                      </a:solidFill>
+                      <a:prstDash val="solid"/>
+                      <a:round/>
+                      <a:headEnd type="none" w="med" len="med"/>
+                      <a:tailEnd type="none" w="med" len="med"/>
+                    </a:lnB>
+                    <a:noFill/>
+                  </a:tcPr>
+                </a:tc>
+                <a:tc>
+                  <a:txBody>
+                    <a:bodyPr/>
+                    <a:lstStyle/>
+                    <a:p>
+                      <a:endParaRPr lang="tr-TR" dirty="0">
+                        <a:solidFill>
+                          <a:sysClr val="windowText" lastClr="000000"/>
+                        </a:solidFill>
+                      </a:endParaRPr>
+                    </a:p>
+                  </a:txBody>
+                  <a:tcPr>
+                    <a:lnL w="12700" cap="flat" cmpd="sng" algn="ctr">
+                      <a:solidFill>
+                        <a:schemeClr val="tx1"/>
+                      </a:solidFill>
+                      <a:prstDash val="solid"/>
+                      <a:round/>
+                      <a:headEnd type="none" w="med" len="med"/>
+                      <a:tailEnd type="none" w="med" len="med"/>
+                    </a:lnL>
+                    <a:lnR w="12700" cap="flat" cmpd="sng" algn="ctr">
+                      <a:solidFill>
+                        <a:schemeClr val="tx1"/>
+                      </a:solidFill>
+                      <a:prstDash val="solid"/>
+                      <a:round/>
+                      <a:headEnd type="none" w="med" len="med"/>
+                      <a:tailEnd type="none" w="med" len="med"/>
+                    </a:lnR>
+                    <a:lnT w="12700" cap="flat" cmpd="sng" algn="ctr">
+                      <a:solidFill>
+                        <a:schemeClr val="tx1"/>
+                      </a:solidFill>
+                      <a:prstDash val="solid"/>
+                      <a:round/>
+                      <a:headEnd type="none" w="med" len="med"/>
+                      <a:tailEnd type="none" w="med" len="med"/>
+                    </a:lnT>
+                    <a:lnB w="12700" cap="flat" cmpd="sng" algn="ctr">
+                      <a:solidFill>
+                        <a:schemeClr val="tx1"/>
+                      </a:solidFill>
+                      <a:prstDash val="solid"/>
+                      <a:round/>
+                      <a:headEnd type="none" w="med" len="med"/>
+                      <a:tailEnd type="none" w="med" len="med"/>
+                    </a:lnB>
+                    <a:noFill/>
+                  </a:tcPr>
+                </a:tc>
+                <a:extLst>
+                  <a:ext uri="{0D108BD9-81ED-4DB2-BD59-A6C34878D82A}">
+                    <a16:rowId xmlns:a16="http://schemas.microsoft.com/office/drawing/2014/main" val="2545711247"/>
+                  </a:ext>
+                </a:extLst>
+              </a:tr>
+              <a:tr h="650253">
+                <a:tc>
+                  <a:txBody>
+                    <a:bodyPr/>
+                    <a:lstStyle/>
+                    <a:p>
+                      <a:endParaRPr lang="tr-TR" dirty="0">
+                        <a:solidFill>
+                          <a:sysClr val="windowText" lastClr="000000"/>
+                        </a:solidFill>
+                      </a:endParaRPr>
+                    </a:p>
+                  </a:txBody>
+                  <a:tcPr>
+                    <a:lnL w="12700" cap="flat" cmpd="sng" algn="ctr">
+                      <a:solidFill>
+                        <a:schemeClr val="tx1"/>
+                      </a:solidFill>
+                      <a:prstDash val="solid"/>
+                      <a:round/>
+                      <a:headEnd type="none" w="med" len="med"/>
+                      <a:tailEnd type="none" w="med" len="med"/>
+                    </a:lnL>
+                    <a:lnR w="12700" cap="flat" cmpd="sng" algn="ctr">
+                      <a:solidFill>
+                        <a:schemeClr val="tx1"/>
+                      </a:solidFill>
+                      <a:prstDash val="solid"/>
+                      <a:round/>
+                      <a:headEnd type="none" w="med" len="med"/>
+                      <a:tailEnd type="none" w="med" len="med"/>
+                    </a:lnR>
+                    <a:lnT w="12700" cap="flat" cmpd="sng" algn="ctr">
+                      <a:solidFill>
+                        <a:schemeClr val="tx1"/>
+                      </a:solidFill>
+                      <a:prstDash val="solid"/>
+                      <a:round/>
+                      <a:headEnd type="none" w="med" len="med"/>
+                      <a:tailEnd type="none" w="med" len="med"/>
+                    </a:lnT>
+                    <a:lnB w="12700" cap="flat" cmpd="sng" algn="ctr">
+                      <a:solidFill>
+                        <a:schemeClr val="tx1"/>
+                      </a:solidFill>
+                      <a:prstDash val="solid"/>
+                      <a:round/>
+                      <a:headEnd type="none" w="med" len="med"/>
+                      <a:tailEnd type="none" w="med" len="med"/>
+                    </a:lnB>
+                    <a:noFill/>
+                  </a:tcPr>
+                </a:tc>
+                <a:tc>
+                  <a:txBody>
+                    <a:bodyPr/>
+                    <a:lstStyle/>
+                    <a:p>
+                      <a:endParaRPr lang="tr-TR" dirty="0">
+                        <a:solidFill>
+                          <a:sysClr val="windowText" lastClr="000000"/>
+                        </a:solidFill>
+                      </a:endParaRPr>
+                    </a:p>
+                  </a:txBody>
+                  <a:tcPr>
+                    <a:lnL w="12700" cap="flat" cmpd="sng" algn="ctr">
+                      <a:solidFill>
+                        <a:schemeClr val="tx1"/>
+                      </a:solidFill>
+                      <a:prstDash val="solid"/>
+                      <a:round/>
+                      <a:headEnd type="none" w="med" len="med"/>
+                      <a:tailEnd type="none" w="med" len="med"/>
+                    </a:lnL>
+                    <a:lnR w="12700" cap="flat" cmpd="sng" algn="ctr">
+                      <a:solidFill>
+                        <a:schemeClr val="tx1"/>
+                      </a:solidFill>
+                      <a:prstDash val="solid"/>
+                      <a:round/>
+                      <a:headEnd type="none" w="med" len="med"/>
+                      <a:tailEnd type="none" w="med" len="med"/>
+                    </a:lnR>
+                    <a:lnT w="12700" cap="flat" cmpd="sng" algn="ctr">
+                      <a:solidFill>
+                        <a:schemeClr val="tx1"/>
+                      </a:solidFill>
+                      <a:prstDash val="solid"/>
+                      <a:round/>
+                      <a:headEnd type="none" w="med" len="med"/>
+                      <a:tailEnd type="none" w="med" len="med"/>
+                    </a:lnT>
+                    <a:lnB w="12700" cap="flat" cmpd="sng" algn="ctr">
+                      <a:solidFill>
+                        <a:schemeClr val="tx1"/>
+                      </a:solidFill>
+                      <a:prstDash val="solid"/>
+                      <a:round/>
+                      <a:headEnd type="none" w="med" len="med"/>
+                      <a:tailEnd type="none" w="med" len="med"/>
+                    </a:lnB>
+                    <a:noFill/>
+                  </a:tcPr>
+                </a:tc>
+                <a:tc>
+                  <a:txBody>
+                    <a:bodyPr/>
+                    <a:lstStyle/>
+                    <a:p>
+                      <a:endParaRPr lang="tr-TR" dirty="0">
+                        <a:solidFill>
+                          <a:sysClr val="windowText" lastClr="000000"/>
+                        </a:solidFill>
+                      </a:endParaRPr>
+                    </a:p>
+                  </a:txBody>
+                  <a:tcPr>
+                    <a:lnL w="12700" cap="flat" cmpd="sng" algn="ctr">
+                      <a:solidFill>
+                        <a:schemeClr val="tx1"/>
+                      </a:solidFill>
+                      <a:prstDash val="solid"/>
+                      <a:round/>
+                      <a:headEnd type="none" w="med" len="med"/>
+                      <a:tailEnd type="none" w="med" len="med"/>
+                    </a:lnL>
+                    <a:lnR w="12700" cap="flat" cmpd="sng" algn="ctr">
+                      <a:solidFill>
+                        <a:schemeClr val="tx1"/>
+                      </a:solidFill>
+                      <a:prstDash val="solid"/>
+                      <a:round/>
+                      <a:headEnd type="none" w="med" len="med"/>
+                      <a:tailEnd type="none" w="med" len="med"/>
+                    </a:lnR>
+                    <a:lnT w="12700" cap="flat" cmpd="sng" algn="ctr">
+                      <a:solidFill>
+                        <a:schemeClr val="tx1"/>
+                      </a:solidFill>
+                      <a:prstDash val="solid"/>
+                      <a:round/>
+                      <a:headEnd type="none" w="med" len="med"/>
+                      <a:tailEnd type="none" w="med" len="med"/>
+                    </a:lnT>
+                    <a:lnB w="12700" cap="flat" cmpd="sng" algn="ctr">
+                      <a:solidFill>
+                        <a:schemeClr val="tx1"/>
+                      </a:solidFill>
+                      <a:prstDash val="solid"/>
+                      <a:round/>
+                      <a:headEnd type="none" w="med" len="med"/>
+                      <a:tailEnd type="none" w="med" len="med"/>
+                    </a:lnB>
+                    <a:noFill/>
+                  </a:tcPr>
+                </a:tc>
+                <a:tc>
+                  <a:txBody>
+                    <a:bodyPr/>
+                    <a:lstStyle/>
+                    <a:p>
+                      <a:endParaRPr lang="tr-TR" dirty="0">
+                        <a:solidFill>
+                          <a:sysClr val="windowText" lastClr="000000"/>
+                        </a:solidFill>
+                      </a:endParaRPr>
+                    </a:p>
+                  </a:txBody>
+                  <a:tcPr>
+                    <a:lnL w="12700" cap="flat" cmpd="sng" algn="ctr">
+                      <a:solidFill>
+                        <a:schemeClr val="tx1"/>
+                      </a:solidFill>
+                      <a:prstDash val="solid"/>
+                      <a:round/>
+                      <a:headEnd type="none" w="med" len="med"/>
+                      <a:tailEnd type="none" w="med" len="med"/>
+                    </a:lnL>
+                    <a:lnR w="12700" cap="flat" cmpd="sng" algn="ctr">
+                      <a:solidFill>
+                        <a:schemeClr val="tx1"/>
+                      </a:solidFill>
+                      <a:prstDash val="solid"/>
+                      <a:round/>
+                      <a:headEnd type="none" w="med" len="med"/>
+                      <a:tailEnd type="none" w="med" len="med"/>
+                    </a:lnR>
+                    <a:lnT w="12700" cap="flat" cmpd="sng" algn="ctr">
+                      <a:solidFill>
+                        <a:schemeClr val="tx1"/>
+                      </a:solidFill>
+                      <a:prstDash val="solid"/>
+                      <a:round/>
+                      <a:headEnd type="none" w="med" len="med"/>
+                      <a:tailEnd type="none" w="med" len="med"/>
+                    </a:lnT>
+                    <a:lnB w="12700" cap="flat" cmpd="sng" algn="ctr">
+                      <a:solidFill>
+                        <a:schemeClr val="tx1"/>
+                      </a:solidFill>
+                      <a:prstDash val="solid"/>
+                      <a:round/>
+                      <a:headEnd type="none" w="med" len="med"/>
+                      <a:tailEnd type="none" w="med" len="med"/>
+                    </a:lnB>
+                    <a:noFill/>
+                  </a:tcPr>
+                </a:tc>
+                <a:tc>
+                  <a:txBody>
+                    <a:bodyPr/>
+                    <a:lstStyle/>
+                    <a:p>
+                      <a:endParaRPr lang="tr-TR" dirty="0">
+                        <a:solidFill>
+                          <a:sysClr val="windowText" lastClr="000000"/>
+                        </a:solidFill>
+                      </a:endParaRPr>
+                    </a:p>
+                  </a:txBody>
+                  <a:tcPr>
+                    <a:lnL w="12700" cap="flat" cmpd="sng" algn="ctr">
+                      <a:solidFill>
+                        <a:schemeClr val="tx1"/>
+                      </a:solidFill>
+                      <a:prstDash val="solid"/>
+                      <a:round/>
+                      <a:headEnd type="none" w="med" len="med"/>
+                      <a:tailEnd type="none" w="med" len="med"/>
+                    </a:lnL>
+                    <a:lnR w="12700" cap="flat" cmpd="sng" algn="ctr">
+                      <a:solidFill>
+                        <a:schemeClr val="tx1"/>
+                      </a:solidFill>
+                      <a:prstDash val="solid"/>
+                      <a:round/>
+                      <a:headEnd type="none" w="med" len="med"/>
+                      <a:tailEnd type="none" w="med" len="med"/>
+                    </a:lnR>
+                    <a:lnT w="12700" cap="flat" cmpd="sng" algn="ctr">
+                      <a:solidFill>
+                        <a:schemeClr val="tx1"/>
+                      </a:solidFill>
+                      <a:prstDash val="solid"/>
+                      <a:round/>
+                      <a:headEnd type="none" w="med" len="med"/>
+                      <a:tailEnd type="none" w="med" len="med"/>
+                    </a:lnT>
+                    <a:lnB w="12700" cap="flat" cmpd="sng" algn="ctr">
+                      <a:solidFill>
+                        <a:schemeClr val="tx1"/>
+                      </a:solidFill>
+                      <a:prstDash val="solid"/>
+                      <a:round/>
+                      <a:headEnd type="none" w="med" len="med"/>
+                      <a:tailEnd type="none" w="med" len="med"/>
+                    </a:lnB>
+                    <a:noFill/>
+                  </a:tcPr>
+                </a:tc>
+                <a:tc>
+                  <a:txBody>
+                    <a:bodyPr/>
+                    <a:lstStyle/>
+                    <a:p>
+                      <a:endParaRPr lang="tr-TR" dirty="0">
+                        <a:solidFill>
+                          <a:sysClr val="windowText" lastClr="000000"/>
+                        </a:solidFill>
+                      </a:endParaRPr>
+                    </a:p>
+                  </a:txBody>
+                  <a:tcPr>
+                    <a:lnL w="12700" cap="flat" cmpd="sng" algn="ctr">
+                      <a:solidFill>
+                        <a:schemeClr val="tx1"/>
+                      </a:solidFill>
+                      <a:prstDash val="solid"/>
+                      <a:round/>
+                      <a:headEnd type="none" w="med" len="med"/>
+                      <a:tailEnd type="none" w="med" len="med"/>
+                    </a:lnL>
+                    <a:lnR w="12700" cap="flat" cmpd="sng" algn="ctr">
+                      <a:solidFill>
+                        <a:schemeClr val="tx1"/>
+                      </a:solidFill>
+                      <a:prstDash val="solid"/>
+                      <a:round/>
+                      <a:headEnd type="none" w="med" len="med"/>
+                      <a:tailEnd type="none" w="med" len="med"/>
+                    </a:lnR>
+                    <a:lnT w="12700" cap="flat" cmpd="sng" algn="ctr">
+                      <a:solidFill>
+                        <a:schemeClr val="tx1"/>
+                      </a:solidFill>
+                      <a:prstDash val="solid"/>
+                      <a:round/>
+                      <a:headEnd type="none" w="med" len="med"/>
+                      <a:tailEnd type="none" w="med" len="med"/>
+                    </a:lnT>
+                    <a:lnB w="12700" cap="flat" cmpd="sng" algn="ctr">
+                      <a:solidFill>
+                        <a:schemeClr val="tx1"/>
+                      </a:solidFill>
+                      <a:prstDash val="solid"/>
+                      <a:round/>
+                      <a:headEnd type="none" w="med" len="med"/>
+                      <a:tailEnd type="none" w="med" len="med"/>
+                    </a:lnB>
+                    <a:noFill/>
+                  </a:tcPr>
+                </a:tc>
+                <a:extLst>
+                  <a:ext uri="{0D108BD9-81ED-4DB2-BD59-A6C34878D82A}">
+                    <a16:rowId xmlns:a16="http://schemas.microsoft.com/office/drawing/2014/main" val="1023612088"/>
+                  </a:ext>
+                </a:extLst>
+              </a:tr>
+              <a:tr h="650253">
+                <a:tc>
+                  <a:txBody>
+                    <a:bodyPr/>
+                    <a:lstStyle/>
+                    <a:p>
+                      <a:endParaRPr lang="tr-TR">
+                        <a:solidFill>
+                          <a:sysClr val="windowText" lastClr="000000"/>
+                        </a:solidFill>
+                      </a:endParaRPr>
+                    </a:p>
+                  </a:txBody>
+                  <a:tcPr>
+                    <a:lnL w="12700" cap="flat" cmpd="sng" algn="ctr">
+                      <a:solidFill>
+                        <a:schemeClr val="tx1"/>
+                      </a:solidFill>
+                      <a:prstDash val="solid"/>
+                      <a:round/>
+                      <a:headEnd type="none" w="med" len="med"/>
+                      <a:tailEnd type="none" w="med" len="med"/>
+                    </a:lnL>
+                    <a:lnR w="12700" cap="flat" cmpd="sng" algn="ctr">
+                      <a:solidFill>
+                        <a:schemeClr val="tx1"/>
+                      </a:solidFill>
+                      <a:prstDash val="solid"/>
+                      <a:round/>
+                      <a:headEnd type="none" w="med" len="med"/>
+                      <a:tailEnd type="none" w="med" len="med"/>
+                    </a:lnR>
+                    <a:lnT w="12700" cap="flat" cmpd="sng" algn="ctr">
+                      <a:solidFill>
+                        <a:schemeClr val="tx1"/>
+                      </a:solidFill>
+                      <a:prstDash val="solid"/>
+                      <a:round/>
+                      <a:headEnd type="none" w="med" len="med"/>
+                      <a:tailEnd type="none" w="med" len="med"/>
+                    </a:lnT>
+                    <a:lnB w="12700" cap="flat" cmpd="sng" algn="ctr">
+                      <a:solidFill>
+                        <a:schemeClr val="tx1"/>
+                      </a:solidFill>
+                      <a:prstDash val="solid"/>
+                      <a:round/>
+                      <a:headEnd type="none" w="med" len="med"/>
+                      <a:tailEnd type="none" w="med" len="med"/>
+                    </a:lnB>
+                    <a:noFill/>
+                  </a:tcPr>
+                </a:tc>
+                <a:tc>
+                  <a:txBody>
+                    <a:bodyPr/>
+                    <a:lstStyle/>
+                    <a:p>
+                      <a:endParaRPr lang="tr-TR" dirty="0">
+                        <a:solidFill>
+                          <a:sysClr val="windowText" lastClr="000000"/>
+                        </a:solidFill>
+                      </a:endParaRPr>
+                    </a:p>
+                  </a:txBody>
+                  <a:tcPr>
+                    <a:lnL w="12700" cap="flat" cmpd="sng" algn="ctr">
+                      <a:solidFill>
+                        <a:schemeClr val="tx1"/>
+                      </a:solidFill>
+                      <a:prstDash val="solid"/>
+                      <a:round/>
+                      <a:headEnd type="none" w="med" len="med"/>
+                      <a:tailEnd type="none" w="med" len="med"/>
+                    </a:lnL>
+                    <a:lnR w="12700" cap="flat" cmpd="sng" algn="ctr">
+                      <a:solidFill>
+                        <a:schemeClr val="tx1"/>
+                      </a:solidFill>
+                      <a:prstDash val="solid"/>
+                      <a:round/>
+                      <a:headEnd type="none" w="med" len="med"/>
+                      <a:tailEnd type="none" w="med" len="med"/>
+                    </a:lnR>
+                    <a:lnT w="12700" cap="flat" cmpd="sng" algn="ctr">
+                      <a:solidFill>
+                        <a:schemeClr val="tx1"/>
+                      </a:solidFill>
+                      <a:prstDash val="solid"/>
+                      <a:round/>
+                      <a:headEnd type="none" w="med" len="med"/>
+                      <a:tailEnd type="none" w="med" len="med"/>
+                    </a:lnT>
+                    <a:lnB w="12700" cap="flat" cmpd="sng" algn="ctr">
+                      <a:solidFill>
+                        <a:schemeClr val="tx1"/>
+                      </a:solidFill>
+                      <a:prstDash val="solid"/>
+                      <a:round/>
+                      <a:headEnd type="none" w="med" len="med"/>
+                      <a:tailEnd type="none" w="med" len="med"/>
+                    </a:lnB>
+                    <a:noFill/>
+                  </a:tcPr>
+                </a:tc>
+                <a:tc>
+                  <a:txBody>
+                    <a:bodyPr/>
+                    <a:lstStyle/>
+                    <a:p>
+                      <a:endParaRPr lang="tr-TR">
+                        <a:solidFill>
+                          <a:sysClr val="windowText" lastClr="000000"/>
+                        </a:solidFill>
+                      </a:endParaRPr>
+                    </a:p>
+                  </a:txBody>
+                  <a:tcPr>
+                    <a:lnL w="12700" cap="flat" cmpd="sng" algn="ctr">
+                      <a:solidFill>
+                        <a:schemeClr val="tx1"/>
+                      </a:solidFill>
+                      <a:prstDash val="solid"/>
+                      <a:round/>
+                      <a:headEnd type="none" w="med" len="med"/>
+                      <a:tailEnd type="none" w="med" len="med"/>
+                    </a:lnL>
+                    <a:lnR w="12700" cap="flat" cmpd="sng" algn="ctr">
+                      <a:solidFill>
+                        <a:schemeClr val="tx1"/>
+                      </a:solidFill>
+                      <a:prstDash val="solid"/>
+                      <a:round/>
+                      <a:headEnd type="none" w="med" len="med"/>
+                      <a:tailEnd type="none" w="med" len="med"/>
+                    </a:lnR>
+                    <a:lnT w="12700" cap="flat" cmpd="sng" algn="ctr">
+                      <a:solidFill>
+                        <a:schemeClr val="tx1"/>
+                      </a:solidFill>
+                      <a:prstDash val="solid"/>
+                      <a:round/>
+                      <a:headEnd type="none" w="med" len="med"/>
+                      <a:tailEnd type="none" w="med" len="med"/>
+                    </a:lnT>
+                    <a:lnB w="12700" cap="flat" cmpd="sng" algn="ctr">
+                      <a:solidFill>
+                        <a:schemeClr val="tx1"/>
+                      </a:solidFill>
+                      <a:prstDash val="solid"/>
+                      <a:round/>
+                      <a:headEnd type="none" w="med" len="med"/>
+                      <a:tailEnd type="none" w="med" len="med"/>
+                    </a:lnB>
+                    <a:noFill/>
+                  </a:tcPr>
+                </a:tc>
+                <a:tc>
+                  <a:txBody>
+                    <a:bodyPr/>
+                    <a:lstStyle/>
+                    <a:p>
+                      <a:endParaRPr lang="tr-TR">
+                        <a:solidFill>
+                          <a:sysClr val="windowText" lastClr="000000"/>
+                        </a:solidFill>
+                      </a:endParaRPr>
+                    </a:p>
+                  </a:txBody>
+                  <a:tcPr>
+                    <a:lnL w="12700" cap="flat" cmpd="sng" algn="ctr">
+                      <a:solidFill>
+                        <a:schemeClr val="tx1"/>
+                      </a:solidFill>
+                      <a:prstDash val="solid"/>
+                      <a:round/>
+                      <a:headEnd type="none" w="med" len="med"/>
+                      <a:tailEnd type="none" w="med" len="med"/>
+                    </a:lnL>
+                    <a:lnR w="12700" cap="flat" cmpd="sng" algn="ctr">
+                      <a:solidFill>
+                        <a:schemeClr val="tx1"/>
+                      </a:solidFill>
+                      <a:prstDash val="solid"/>
+                      <a:round/>
+                      <a:headEnd type="none" w="med" len="med"/>
+                      <a:tailEnd type="none" w="med" len="med"/>
+                    </a:lnR>
+                    <a:lnT w="12700" cap="flat" cmpd="sng" algn="ctr">
+                      <a:solidFill>
+                        <a:schemeClr val="tx1"/>
+                      </a:solidFill>
+                      <a:prstDash val="solid"/>
+                      <a:round/>
+                      <a:headEnd type="none" w="med" len="med"/>
+                      <a:tailEnd type="none" w="med" len="med"/>
+                    </a:lnT>
+                    <a:lnB w="12700" cap="flat" cmpd="sng" algn="ctr">
+                      <a:solidFill>
+                        <a:schemeClr val="tx1"/>
+                      </a:solidFill>
+                      <a:prstDash val="solid"/>
+                      <a:round/>
+                      <a:headEnd type="none" w="med" len="med"/>
+                      <a:tailEnd type="none" w="med" len="med"/>
+                    </a:lnB>
+                    <a:noFill/>
+                  </a:tcPr>
+                </a:tc>
+                <a:tc>
+                  <a:txBody>
+                    <a:bodyPr/>
+                    <a:lstStyle/>
+                    <a:p>
+                      <a:endParaRPr lang="tr-TR">
+                        <a:solidFill>
+                          <a:sysClr val="windowText" lastClr="000000"/>
+                        </a:solidFill>
+                      </a:endParaRPr>
+                    </a:p>
+                  </a:txBody>
+                  <a:tcPr>
+                    <a:lnL w="12700" cap="flat" cmpd="sng" algn="ctr">
+                      <a:solidFill>
+                        <a:schemeClr val="tx1"/>
+                      </a:solidFill>
+                      <a:prstDash val="solid"/>
+                      <a:round/>
+                      <a:headEnd type="none" w="med" len="med"/>
+                      <a:tailEnd type="none" w="med" len="med"/>
+                    </a:lnL>
+                    <a:lnR w="12700" cap="flat" cmpd="sng" algn="ctr">
+                      <a:solidFill>
+                        <a:schemeClr val="tx1"/>
+                      </a:solidFill>
+                      <a:prstDash val="solid"/>
+                      <a:round/>
+                      <a:headEnd type="none" w="med" len="med"/>
+                      <a:tailEnd type="none" w="med" len="med"/>
+                    </a:lnR>
+                    <a:lnT w="12700" cap="flat" cmpd="sng" algn="ctr">
+                      <a:solidFill>
+                        <a:schemeClr val="tx1"/>
+                      </a:solidFill>
+                      <a:prstDash val="solid"/>
+                      <a:round/>
+                      <a:headEnd type="none" w="med" len="med"/>
+                      <a:tailEnd type="none" w="med" len="med"/>
+                    </a:lnT>
+                    <a:lnB w="12700" cap="flat" cmpd="sng" algn="ctr">
+                      <a:solidFill>
+                        <a:schemeClr val="tx1"/>
+                      </a:solidFill>
+                      <a:prstDash val="solid"/>
+                      <a:round/>
+                      <a:headEnd type="none" w="med" len="med"/>
+                      <a:tailEnd type="none" w="med" len="med"/>
+                    </a:lnB>
+                    <a:noFill/>
+                  </a:tcPr>
+                </a:tc>
+                <a:tc>
+                  <a:txBody>
+                    <a:bodyPr/>
+                    <a:lstStyle/>
+                    <a:p>
+                      <a:endParaRPr lang="tr-TR" dirty="0">
+                        <a:solidFill>
+                          <a:sysClr val="windowText" lastClr="000000"/>
+                        </a:solidFill>
+                      </a:endParaRPr>
+                    </a:p>
+                  </a:txBody>
+                  <a:tcPr>
+                    <a:lnL w="12700" cap="flat" cmpd="sng" algn="ctr">
+                      <a:solidFill>
+                        <a:schemeClr val="tx1"/>
+                      </a:solidFill>
+                      <a:prstDash val="solid"/>
+                      <a:round/>
+                      <a:headEnd type="none" w="med" len="med"/>
+                      <a:tailEnd type="none" w="med" len="med"/>
+                    </a:lnL>
+                    <a:lnR w="12700" cap="flat" cmpd="sng" algn="ctr">
+                      <a:solidFill>
+                        <a:schemeClr val="tx1"/>
+                      </a:solidFill>
+                      <a:prstDash val="solid"/>
+                      <a:round/>
+                      <a:headEnd type="none" w="med" len="med"/>
+                      <a:tailEnd type="none" w="med" len="med"/>
+                    </a:lnR>
+                    <a:lnT w="12700" cap="flat" cmpd="sng" algn="ctr">
+                      <a:solidFill>
+                        <a:schemeClr val="tx1"/>
+                      </a:solidFill>
+                      <a:prstDash val="solid"/>
+                      <a:round/>
+                      <a:headEnd type="none" w="med" len="med"/>
+                      <a:tailEnd type="none" w="med" len="med"/>
+                    </a:lnT>
+                    <a:lnB w="12700" cap="flat" cmpd="sng" algn="ctr">
+                      <a:solidFill>
+                        <a:schemeClr val="tx1"/>
+                      </a:solidFill>
+                      <a:prstDash val="solid"/>
+                      <a:round/>
+                      <a:headEnd type="none" w="med" len="med"/>
+                      <a:tailEnd type="none" w="med" len="med"/>
+                    </a:lnB>
+                    <a:noFill/>
+                  </a:tcPr>
+                </a:tc>
+                <a:extLst>
+                  <a:ext uri="{0D108BD9-81ED-4DB2-BD59-A6C34878D82A}">
+                    <a16:rowId xmlns:a16="http://schemas.microsoft.com/office/drawing/2014/main" val="1234782546"/>
+                  </a:ext>
+                </a:extLst>
+              </a:tr>
+              <a:tr h="650253">
+                <a:tc>
+                  <a:txBody>
+                    <a:bodyPr/>
+                    <a:lstStyle/>
+                    <a:p>
+                      <a:endParaRPr lang="tr-TR">
+                        <a:solidFill>
+                          <a:sysClr val="windowText" lastClr="000000"/>
+                        </a:solidFill>
+                      </a:endParaRPr>
+                    </a:p>
+                  </a:txBody>
+                  <a:tcPr>
+                    <a:lnL w="12700" cap="flat" cmpd="sng" algn="ctr">
+                      <a:solidFill>
+                        <a:schemeClr val="tx1"/>
+                      </a:solidFill>
+                      <a:prstDash val="solid"/>
+                      <a:round/>
+                      <a:headEnd type="none" w="med" len="med"/>
+                      <a:tailEnd type="none" w="med" len="med"/>
+                    </a:lnL>
+                    <a:lnR w="12700" cap="flat" cmpd="sng" algn="ctr">
+                      <a:solidFill>
+                        <a:schemeClr val="tx1"/>
+                      </a:solidFill>
+                      <a:prstDash val="solid"/>
+                      <a:round/>
+                      <a:headEnd type="none" w="med" len="med"/>
+                      <a:tailEnd type="none" w="med" len="med"/>
+                    </a:lnR>
+                    <a:lnT w="12700" cap="flat" cmpd="sng" algn="ctr">
+                      <a:solidFill>
+                        <a:schemeClr val="tx1"/>
+                      </a:solidFill>
+                      <a:prstDash val="solid"/>
+                      <a:round/>
+                      <a:headEnd type="none" w="med" len="med"/>
+                      <a:tailEnd type="none" w="med" len="med"/>
+                    </a:lnT>
+                    <a:lnB w="12700" cap="flat" cmpd="sng" algn="ctr">
+                      <a:solidFill>
+                        <a:schemeClr val="tx1"/>
+                      </a:solidFill>
+                      <a:prstDash val="solid"/>
+                      <a:round/>
+                      <a:headEnd type="none" w="med" len="med"/>
+                      <a:tailEnd type="none" w="med" len="med"/>
+                    </a:lnB>
+                    <a:noFill/>
+                  </a:tcPr>
+                </a:tc>
+                <a:tc>
+                  <a:txBody>
+                    <a:bodyPr/>
+                    <a:lstStyle/>
+                    <a:p>
+                      <a:endParaRPr lang="tr-TR">
+                        <a:solidFill>
+                          <a:sysClr val="windowText" lastClr="000000"/>
+                        </a:solidFill>
+                      </a:endParaRPr>
+                    </a:p>
+                  </a:txBody>
+                  <a:tcPr>
+                    <a:lnL w="12700" cap="flat" cmpd="sng" algn="ctr">
+                      <a:solidFill>
+                        <a:schemeClr val="tx1"/>
+                      </a:solidFill>
+                      <a:prstDash val="solid"/>
+                      <a:round/>
+                      <a:headEnd type="none" w="med" len="med"/>
+                      <a:tailEnd type="none" w="med" len="med"/>
+                    </a:lnL>
+                    <a:lnR w="12700" cap="flat" cmpd="sng" algn="ctr">
+                      <a:solidFill>
+                        <a:schemeClr val="tx1"/>
+                      </a:solidFill>
+                      <a:prstDash val="solid"/>
+                      <a:round/>
+                      <a:headEnd type="none" w="med" len="med"/>
+                      <a:tailEnd type="none" w="med" len="med"/>
+                    </a:lnR>
+                    <a:lnT w="12700" cap="flat" cmpd="sng" algn="ctr">
+                      <a:solidFill>
+                        <a:schemeClr val="tx1"/>
+                      </a:solidFill>
+                      <a:prstDash val="solid"/>
+                      <a:round/>
+                      <a:headEnd type="none" w="med" len="med"/>
+                      <a:tailEnd type="none" w="med" len="med"/>
+                    </a:lnT>
+                    <a:lnB w="12700" cap="flat" cmpd="sng" algn="ctr">
+                      <a:solidFill>
+                        <a:schemeClr val="tx1"/>
+                      </a:solidFill>
+                      <a:prstDash val="solid"/>
+                      <a:round/>
+                      <a:headEnd type="none" w="med" len="med"/>
+                      <a:tailEnd type="none" w="med" len="med"/>
+                    </a:lnB>
+                    <a:noFill/>
+                  </a:tcPr>
+                </a:tc>
+                <a:tc>
+                  <a:txBody>
+                    <a:bodyPr/>
+                    <a:lstStyle/>
+                    <a:p>
+                      <a:endParaRPr lang="tr-TR">
+                        <a:solidFill>
+                          <a:sysClr val="windowText" lastClr="000000"/>
+                        </a:solidFill>
+                      </a:endParaRPr>
+                    </a:p>
+                  </a:txBody>
+                  <a:tcPr>
+                    <a:lnL w="12700" cap="flat" cmpd="sng" algn="ctr">
+                      <a:solidFill>
+                        <a:schemeClr val="tx1"/>
+                      </a:solidFill>
+                      <a:prstDash val="solid"/>
+                      <a:round/>
+                      <a:headEnd type="none" w="med" len="med"/>
+                      <a:tailEnd type="none" w="med" len="med"/>
+                    </a:lnL>
+                    <a:lnR w="12700" cap="flat" cmpd="sng" algn="ctr">
+                      <a:solidFill>
+                        <a:schemeClr val="tx1"/>
+                      </a:solidFill>
+                      <a:prstDash val="solid"/>
+                      <a:round/>
+                      <a:headEnd type="none" w="med" len="med"/>
+                      <a:tailEnd type="none" w="med" len="med"/>
+                    </a:lnR>
+                    <a:lnT w="12700" cap="flat" cmpd="sng" algn="ctr">
+                      <a:solidFill>
+                        <a:schemeClr val="tx1"/>
+                      </a:solidFill>
+                      <a:prstDash val="solid"/>
+                      <a:round/>
+                      <a:headEnd type="none" w="med" len="med"/>
+                      <a:tailEnd type="none" w="med" len="med"/>
+                    </a:lnT>
+                    <a:lnB w="12700" cap="flat" cmpd="sng" algn="ctr">
+                      <a:solidFill>
+                        <a:schemeClr val="tx1"/>
+                      </a:solidFill>
+                      <a:prstDash val="solid"/>
+                      <a:round/>
+                      <a:headEnd type="none" w="med" len="med"/>
+                      <a:tailEnd type="none" w="med" len="med"/>
+                    </a:lnB>
+                    <a:noFill/>
+                  </a:tcPr>
+                </a:tc>
+                <a:tc>
+                  <a:txBody>
+                    <a:bodyPr/>
+                    <a:lstStyle/>
+                    <a:p>
+                      <a:endParaRPr lang="tr-TR">
+                        <a:solidFill>
+                          <a:sysClr val="windowText" lastClr="000000"/>
+                        </a:solidFill>
+                      </a:endParaRPr>
+                    </a:p>
+                  </a:txBody>
+                  <a:tcPr>
+                    <a:lnL w="12700" cap="flat" cmpd="sng" algn="ctr">
+                      <a:solidFill>
+                        <a:schemeClr val="tx1"/>
+                      </a:solidFill>
+                      <a:prstDash val="solid"/>
+                      <a:round/>
+                      <a:headEnd type="none" w="med" len="med"/>
+                      <a:tailEnd type="none" w="med" len="med"/>
+                    </a:lnL>
+                    <a:lnR w="12700" cap="flat" cmpd="sng" algn="ctr">
+                      <a:solidFill>
+                        <a:schemeClr val="tx1"/>
+                      </a:solidFill>
+                      <a:prstDash val="solid"/>
+                      <a:round/>
+                      <a:headEnd type="none" w="med" len="med"/>
+                      <a:tailEnd type="none" w="med" len="med"/>
+                    </a:lnR>
+                    <a:lnT w="12700" cap="flat" cmpd="sng" algn="ctr">
+                      <a:solidFill>
+                        <a:schemeClr val="tx1"/>
+                      </a:solidFill>
+                      <a:prstDash val="solid"/>
+                      <a:round/>
+                      <a:headEnd type="none" w="med" len="med"/>
+                      <a:tailEnd type="none" w="med" len="med"/>
+                    </a:lnT>
+                    <a:lnB w="12700" cap="flat" cmpd="sng" algn="ctr">
+                      <a:solidFill>
+                        <a:schemeClr val="tx1"/>
+                      </a:solidFill>
+                      <a:prstDash val="solid"/>
+                      <a:round/>
+                      <a:headEnd type="none" w="med" len="med"/>
+                      <a:tailEnd type="none" w="med" len="med"/>
+                    </a:lnB>
+                    <a:noFill/>
+                  </a:tcPr>
+                </a:tc>
+                <a:tc>
+                  <a:txBody>
+                    <a:bodyPr/>
+                    <a:lstStyle/>
+                    <a:p>
+                      <a:endParaRPr lang="tr-TR">
+                        <a:solidFill>
+                          <a:sysClr val="windowText" lastClr="000000"/>
+                        </a:solidFill>
+                      </a:endParaRPr>
+                    </a:p>
+                  </a:txBody>
+                  <a:tcPr>
+                    <a:lnL w="12700" cap="flat" cmpd="sng" algn="ctr">
+                      <a:solidFill>
+                        <a:schemeClr val="tx1"/>
+                      </a:solidFill>
+                      <a:prstDash val="solid"/>
+                      <a:round/>
+                      <a:headEnd type="none" w="med" len="med"/>
+                      <a:tailEnd type="none" w="med" len="med"/>
+                    </a:lnL>
+                    <a:lnR w="12700" cap="flat" cmpd="sng" algn="ctr">
+                      <a:solidFill>
+                        <a:schemeClr val="tx1"/>
+                      </a:solidFill>
+                      <a:prstDash val="solid"/>
+                      <a:round/>
+                      <a:headEnd type="none" w="med" len="med"/>
+                      <a:tailEnd type="none" w="med" len="med"/>
+                    </a:lnR>
+                    <a:lnT w="12700" cap="flat" cmpd="sng" algn="ctr">
+                      <a:solidFill>
+                        <a:schemeClr val="tx1"/>
+                      </a:solidFill>
+                      <a:prstDash val="solid"/>
+                      <a:round/>
+                      <a:headEnd type="none" w="med" len="med"/>
+                      <a:tailEnd type="none" w="med" len="med"/>
+                    </a:lnT>
+                    <a:lnB w="12700" cap="flat" cmpd="sng" algn="ctr">
+                      <a:solidFill>
+                        <a:schemeClr val="tx1"/>
+                      </a:solidFill>
+                      <a:prstDash val="solid"/>
+                      <a:round/>
+                      <a:headEnd type="none" w="med" len="med"/>
+                      <a:tailEnd type="none" w="med" len="med"/>
+                    </a:lnB>
+                    <a:noFill/>
+                  </a:tcPr>
+                </a:tc>
+                <a:tc>
+                  <a:txBody>
+                    <a:bodyPr/>
+                    <a:lstStyle/>
+                    <a:p>
+                      <a:endParaRPr lang="tr-TR" dirty="0">
+                        <a:solidFill>
+                          <a:sysClr val="windowText" lastClr="000000"/>
+                        </a:solidFill>
+                      </a:endParaRPr>
+                    </a:p>
+                  </a:txBody>
+                  <a:tcPr>
+                    <a:lnL w="12700" cap="flat" cmpd="sng" algn="ctr">
+                      <a:solidFill>
+                        <a:schemeClr val="tx1"/>
+                      </a:solidFill>
+                      <a:prstDash val="solid"/>
+                      <a:round/>
+                      <a:headEnd type="none" w="med" len="med"/>
+                      <a:tailEnd type="none" w="med" len="med"/>
+                    </a:lnL>
+                    <a:lnR w="12700" cap="flat" cmpd="sng" algn="ctr">
+                      <a:solidFill>
+                        <a:schemeClr val="tx1"/>
+                      </a:solidFill>
+                      <a:prstDash val="solid"/>
+                      <a:round/>
+                      <a:headEnd type="none" w="med" len="med"/>
+                      <a:tailEnd type="none" w="med" len="med"/>
+                    </a:lnR>
+                    <a:lnT w="12700" cap="flat" cmpd="sng" algn="ctr">
+                      <a:solidFill>
+                        <a:schemeClr val="tx1"/>
+                      </a:solidFill>
+                      <a:prstDash val="solid"/>
+                      <a:round/>
+                      <a:headEnd type="none" w="med" len="med"/>
+                      <a:tailEnd type="none" w="med" len="med"/>
+                    </a:lnT>
+                    <a:lnB w="12700" cap="flat" cmpd="sng" algn="ctr">
+                      <a:solidFill>
+                        <a:schemeClr val="tx1"/>
+                      </a:solidFill>
+                      <a:prstDash val="solid"/>
+                      <a:round/>
+                      <a:headEnd type="none" w="med" len="med"/>
+                      <a:tailEnd type="none" w="med" len="med"/>
+                    </a:lnB>
+                    <a:noFill/>
+                  </a:tcPr>
+                </a:tc>
+                <a:extLst>
+                  <a:ext uri="{0D108BD9-81ED-4DB2-BD59-A6C34878D82A}">
+                    <a16:rowId xmlns:a16="http://schemas.microsoft.com/office/drawing/2014/main" val="3366649102"/>
+                  </a:ext>
+                </a:extLst>
+              </a:tr>
+            </a:tbl>
+          </a:graphicData>
+        </a:graphic>
+      </p:graphicFrame>
+      <p:graphicFrame>
+        <p:nvGraphicFramePr>
+          <p:cNvPr id="6" name="Table 5">
+            <a:extLst>
+              <a:ext uri="{FF2B5EF4-FFF2-40B4-BE49-F238E27FC236}">
+                <a16:creationId xmlns:a16="http://schemas.microsoft.com/office/drawing/2014/main" id="{525F6D71-2897-440E-95DF-F3955DAF4D60}"/>
+              </a:ext>
+            </a:extLst>
+          </p:cNvPr>
+          <p:cNvGraphicFramePr>
+            <a:graphicFrameLocks noGrp="1"/>
+          </p:cNvGraphicFramePr>
+          <p:nvPr>
+            <p:extLst>
+              <p:ext uri="{D42A27DB-BD31-4B8C-83A1-F6EECF244321}">
+                <p14:modId xmlns:p14="http://schemas.microsoft.com/office/powerpoint/2010/main" val="1097699310"/>
+              </p:ext>
+            </p:extLst>
+          </p:nvPr>
+        </p:nvGraphicFramePr>
+        <p:xfrm>
+          <a:off x="992414" y="5349793"/>
+          <a:ext cx="10361386" cy="1210158"/>
+        </p:xfrm>
+        <a:graphic>
+          <a:graphicData uri="http://schemas.openxmlformats.org/drawingml/2006/table">
+            <a:tbl>
+              <a:tblPr firstRow="1" bandRow="1">
+                <a:tableStyleId>{5C22544A-7EE6-4342-B048-85BDC9FD1C3A}</a:tableStyleId>
+              </a:tblPr>
+              <a:tblGrid>
+                <a:gridCol w="10361386">
+                  <a:extLst>
+                    <a:ext uri="{9D8B030D-6E8A-4147-A177-3AD203B41FA5}">
+                      <a16:colId xmlns:a16="http://schemas.microsoft.com/office/drawing/2014/main" val="981443115"/>
+                    </a:ext>
+                  </a:extLst>
+                </a:gridCol>
+              </a:tblGrid>
+              <a:tr h="0">
+                <a:tc>
+                  <a:txBody>
+                    <a:bodyPr/>
+                    <a:lstStyle/>
+                    <a:p>
+                      <a:r>
+                        <a:rPr lang="en-US" dirty="0">
+                          <a:solidFill>
+                            <a:sysClr val="windowText" lastClr="000000"/>
+                          </a:solidFill>
+                        </a:rPr>
+                        <a:t>Date of next meeting </a:t>
+                      </a:r>
+                      <a:endParaRPr lang="tr-TR" dirty="0">
+                        <a:solidFill>
+                          <a:sysClr val="windowText" lastClr="000000"/>
+                        </a:solidFill>
+                      </a:endParaRPr>
+                    </a:p>
+                  </a:txBody>
+                  <a:tcPr>
+                    <a:lnL w="12700" cap="flat" cmpd="sng" algn="ctr">
+                      <a:solidFill>
+                        <a:schemeClr val="tx1"/>
+                      </a:solidFill>
+                      <a:prstDash val="solid"/>
+                      <a:round/>
+                      <a:headEnd type="none" w="med" len="med"/>
+                      <a:tailEnd type="none" w="med" len="med"/>
+                    </a:lnL>
+                    <a:lnR w="12700" cap="flat" cmpd="sng" algn="ctr">
+                      <a:solidFill>
+                        <a:schemeClr val="tx1"/>
+                      </a:solidFill>
+                      <a:prstDash val="solid"/>
+                      <a:round/>
+                      <a:headEnd type="none" w="med" len="med"/>
+                      <a:tailEnd type="none" w="med" len="med"/>
+                    </a:lnR>
+                    <a:lnT w="12700" cap="flat" cmpd="sng" algn="ctr">
+                      <a:solidFill>
+                        <a:schemeClr val="tx1"/>
+                      </a:solidFill>
+                      <a:prstDash val="solid"/>
+                      <a:round/>
+                      <a:headEnd type="none" w="med" len="med"/>
+                      <a:tailEnd type="none" w="med" len="med"/>
+                    </a:lnT>
+                    <a:lnB w="12700" cap="flat" cmpd="sng" algn="ctr">
+                      <a:solidFill>
+                        <a:schemeClr val="tx1"/>
+                      </a:solidFill>
+                      <a:prstDash val="solid"/>
+                      <a:round/>
+                      <a:headEnd type="none" w="med" len="med"/>
+                      <a:tailEnd type="none" w="med" len="med"/>
+                    </a:lnB>
+                    <a:noFill/>
+                  </a:tcPr>
+                </a:tc>
+                <a:extLst>
+                  <a:ext uri="{0D108BD9-81ED-4DB2-BD59-A6C34878D82A}">
+                    <a16:rowId xmlns:a16="http://schemas.microsoft.com/office/drawing/2014/main" val="76720212"/>
+                  </a:ext>
+                </a:extLst>
+              </a:tr>
+              <a:tr h="844398">
+                <a:tc>
+                  <a:txBody>
+                    <a:bodyPr/>
+                    <a:lstStyle/>
+                    <a:p>
+                      <a:endParaRPr lang="tr-TR" dirty="0">
+                        <a:solidFill>
+                          <a:sysClr val="windowText" lastClr="000000"/>
+                        </a:solidFill>
+                      </a:endParaRPr>
+                    </a:p>
+                  </a:txBody>
+                  <a:tcPr>
+                    <a:lnL w="12700" cap="flat" cmpd="sng" algn="ctr">
+                      <a:solidFill>
+                        <a:schemeClr val="tx1"/>
+                      </a:solidFill>
+                      <a:prstDash val="solid"/>
+                      <a:round/>
+                      <a:headEnd type="none" w="med" len="med"/>
+                      <a:tailEnd type="none" w="med" len="med"/>
+                    </a:lnL>
+                    <a:lnR w="12700" cap="flat" cmpd="sng" algn="ctr">
+                      <a:solidFill>
+                        <a:schemeClr val="tx1"/>
+                      </a:solidFill>
+                      <a:prstDash val="solid"/>
+                      <a:round/>
+                      <a:headEnd type="none" w="med" len="med"/>
+                      <a:tailEnd type="none" w="med" len="med"/>
+                    </a:lnR>
+                    <a:lnT w="12700" cap="flat" cmpd="sng" algn="ctr">
+                      <a:solidFill>
+                        <a:schemeClr val="tx1"/>
+                      </a:solidFill>
+                      <a:prstDash val="solid"/>
+                      <a:round/>
+                      <a:headEnd type="none" w="med" len="med"/>
+                      <a:tailEnd type="none" w="med" len="med"/>
+                    </a:lnT>
+                    <a:lnB w="12700" cap="flat" cmpd="sng" algn="ctr">
+                      <a:solidFill>
+                        <a:schemeClr val="tx1"/>
+                      </a:solidFill>
+                      <a:prstDash val="solid"/>
+                      <a:round/>
+                      <a:headEnd type="none" w="med" len="med"/>
+                      <a:tailEnd type="none" w="med" len="med"/>
+                    </a:lnB>
+                    <a:noFill/>
+                  </a:tcPr>
+                </a:tc>
+                <a:extLst>
+                  <a:ext uri="{0D108BD9-81ED-4DB2-BD59-A6C34878D82A}">
+                    <a16:rowId xmlns:a16="http://schemas.microsoft.com/office/drawing/2014/main" val="615494905"/>
+                  </a:ext>
+                </a:extLst>
+              </a:tr>
+            </a:tbl>
+          </a:graphicData>
+        </a:graphic>
+      </p:graphicFrame>
+    </p:spTree>
+    <p:extLst>
+      <p:ext uri="{BB962C8B-B14F-4D97-AF65-F5344CB8AC3E}">
+        <p14:creationId xmlns:p14="http://schemas.microsoft.com/office/powerpoint/2010/main" val="4182806136"/>
+      </p:ext>
+    </p:extLst>
+  </p:cSld>
+  <p:clrMapOvr>
+    <a:masterClrMapping/>
+  </p:clrMapOvr>
+</p:sld>
+</file>
+
+<file path=ppt/slides/slide16.xml><?xml version="1.0" encoding="utf-8"?>
+<p:sld xmlns:a="http://schemas.openxmlformats.org/drawingml/2006/main" xmlns:r="http://schemas.openxmlformats.org/officeDocument/2006/relationships" xmlns:p="http://schemas.openxmlformats.org/presentationml/2006/main">
+  <p:cSld>
+    <p:spTree>
+      <p:nvGrpSpPr>
+        <p:cNvPr id="1" name=""/>
+        <p:cNvGrpSpPr/>
+        <p:nvPr/>
+      </p:nvGrpSpPr>
+      <p:grpSpPr>
+        <a:xfrm>
+          <a:off x="0" y="0"/>
+          <a:ext cx="0" cy="0"/>
+          <a:chOff x="0" y="0"/>
+          <a:chExt cx="0" cy="0"/>
+        </a:xfrm>
+      </p:grpSpPr>
+      <p:sp>
+        <p:nvSpPr>
+          <p:cNvPr id="2" name="Title 1">
+            <a:extLst>
+              <a:ext uri="{FF2B5EF4-FFF2-40B4-BE49-F238E27FC236}">
+                <a16:creationId xmlns:a16="http://schemas.microsoft.com/office/drawing/2014/main" id="{28080C00-C524-4A03-836F-5F5552226FA7}"/>
+              </a:ext>
+            </a:extLst>
+          </p:cNvPr>
+          <p:cNvSpPr>
+            <a:spLocks noGrp="1"/>
+          </p:cNvSpPr>
+          <p:nvPr>
+            <p:ph type="ctrTitle"/>
+          </p:nvPr>
+        </p:nvSpPr>
+        <p:spPr>
+          <a:xfrm>
+            <a:off x="1524000" y="1656520"/>
+            <a:ext cx="9144000" cy="1111320"/>
+          </a:xfrm>
+        </p:spPr>
+        <p:txBody>
+          <a:bodyPr>
+            <a:normAutofit fontScale="90000"/>
+          </a:bodyPr>
+          <a:lstStyle/>
+          <a:p>
+            <a:r>
+              <a:rPr lang="tr-TR" sz="4400" b="1" dirty="0"/>
+              <a:t>Discussion on Morale with Jonathan Fennel</a:t>
+            </a:r>
+            <a:br>
+              <a:rPr lang="tr-TR" sz="4400" b="1" dirty="0"/>
+            </a:br>
+            <a:endParaRPr lang="tr-TR" sz="4400" b="1" dirty="0"/>
+          </a:p>
+        </p:txBody>
+      </p:sp>
+      <p:sp>
+        <p:nvSpPr>
+          <p:cNvPr id="3" name="Subtitle 2">
+            <a:extLst>
+              <a:ext uri="{FF2B5EF4-FFF2-40B4-BE49-F238E27FC236}">
+                <a16:creationId xmlns:a16="http://schemas.microsoft.com/office/drawing/2014/main" id="{341A39ED-E3E4-47D5-A104-2FDFB1F07D47}"/>
+              </a:ext>
+            </a:extLst>
+          </p:cNvPr>
+          <p:cNvSpPr>
+            <a:spLocks noGrp="1"/>
+          </p:cNvSpPr>
+          <p:nvPr>
+            <p:ph type="subTitle" idx="1"/>
+          </p:nvPr>
+        </p:nvSpPr>
+        <p:spPr>
+          <a:xfrm>
+            <a:off x="1523999" y="2859915"/>
+            <a:ext cx="9382539" cy="3348380"/>
+          </a:xfrm>
+        </p:spPr>
+        <p:txBody>
+          <a:bodyPr>
+            <a:normAutofit/>
+          </a:bodyPr>
+          <a:lstStyle/>
+          <a:p>
+            <a:r>
+              <a:rPr lang="tr-TR" sz="2400" dirty="0"/>
+              <a:t>PhD Resarch on </a:t>
+            </a:r>
+            <a:r>
+              <a:rPr lang="en-US" sz="2400" dirty="0"/>
+              <a:t>Force Ratios from Leadership and Morale Perspective</a:t>
+            </a:r>
+            <a:endParaRPr lang="tr-TR" dirty="0"/>
+          </a:p>
+          <a:p>
+            <a:endParaRPr lang="tr-TR" dirty="0"/>
+          </a:p>
+          <a:p>
+            <a:r>
+              <a:rPr lang="tr-TR" dirty="0"/>
+              <a:t>Time:30 minutes</a:t>
+            </a:r>
+          </a:p>
+          <a:p>
+            <a:endParaRPr lang="tr-TR" dirty="0"/>
+          </a:p>
+          <a:p>
+            <a:r>
+              <a:rPr lang="tr-TR" b="1" dirty="0"/>
+              <a:t>26.11.2021</a:t>
+            </a:r>
+          </a:p>
+          <a:p>
+            <a:endParaRPr lang="tr-TR" dirty="0"/>
+          </a:p>
+        </p:txBody>
+      </p:sp>
+    </p:spTree>
+    <p:extLst>
+      <p:ext uri="{BB962C8B-B14F-4D97-AF65-F5344CB8AC3E}">
+        <p14:creationId xmlns:p14="http://schemas.microsoft.com/office/powerpoint/2010/main" val="3346787016"/>
+      </p:ext>
+    </p:extLst>
+  </p:cSld>
+  <p:clrMapOvr>
+    <a:masterClrMapping/>
+  </p:clrMapOvr>
+</p:sld>
+</file>
+
+<file path=ppt/slides/slide17.xml><?xml version="1.0" encoding="utf-8"?>
+<p:sld xmlns:a="http://schemas.openxmlformats.org/drawingml/2006/main" xmlns:r="http://schemas.openxmlformats.org/officeDocument/2006/relationships" xmlns:p="http://schemas.openxmlformats.org/presentationml/2006/main">
+  <p:cSld>
+    <p:spTree>
+      <p:nvGrpSpPr>
+        <p:cNvPr id="1" name=""/>
+        <p:cNvGrpSpPr/>
+        <p:nvPr/>
+      </p:nvGrpSpPr>
+      <p:grpSpPr>
+        <a:xfrm>
+          <a:off x="0" y="0"/>
+          <a:ext cx="0" cy="0"/>
+          <a:chOff x="0" y="0"/>
+          <a:chExt cx="0" cy="0"/>
+        </a:xfrm>
+      </p:grpSpPr>
+      <p:sp>
+        <p:nvSpPr>
+          <p:cNvPr id="2" name="Title 1">
+            <a:extLst>
+              <a:ext uri="{FF2B5EF4-FFF2-40B4-BE49-F238E27FC236}">
+                <a16:creationId xmlns:a16="http://schemas.microsoft.com/office/drawing/2014/main" id="{0F2CC566-4068-491D-9863-17B51342368A}"/>
+              </a:ext>
+            </a:extLst>
+          </p:cNvPr>
+          <p:cNvSpPr>
+            <a:spLocks noGrp="1"/>
+          </p:cNvSpPr>
+          <p:nvPr>
+            <p:ph type="title"/>
+          </p:nvPr>
+        </p:nvSpPr>
+        <p:spPr>
+          <a:xfrm>
+            <a:off x="346881" y="229613"/>
+            <a:ext cx="4918331" cy="628788"/>
+          </a:xfrm>
+        </p:spPr>
+        <p:txBody>
+          <a:bodyPr>
+            <a:noAutofit/>
+          </a:bodyPr>
+          <a:lstStyle/>
+          <a:p>
+            <a:pPr algn="ctr"/>
+            <a:r>
+              <a:rPr lang="tr-TR" sz="3200" b="1" dirty="0">
+                <a:solidFill>
+                  <a:srgbClr val="FF0000"/>
+                </a:solidFill>
+              </a:rPr>
+              <a:t>Research Model&amp;</a:t>
+            </a:r>
+            <a:br>
+              <a:rPr lang="tr-TR" sz="3200" b="1" dirty="0">
+                <a:solidFill>
+                  <a:srgbClr val="FF0000"/>
+                </a:solidFill>
+              </a:rPr>
+            </a:br>
+            <a:r>
+              <a:rPr lang="tr-TR" sz="3200" b="1" dirty="0">
+                <a:solidFill>
+                  <a:srgbClr val="FF0000"/>
+                </a:solidFill>
+              </a:rPr>
+              <a:t>Conceptual Framework</a:t>
+            </a:r>
+          </a:p>
+        </p:txBody>
+      </p:sp>
+      <p:sp>
+        <p:nvSpPr>
+          <p:cNvPr id="4" name="Rectangle: Rounded Corners 3">
+            <a:extLst>
+              <a:ext uri="{FF2B5EF4-FFF2-40B4-BE49-F238E27FC236}">
+                <a16:creationId xmlns:a16="http://schemas.microsoft.com/office/drawing/2014/main" id="{D4029FED-596F-48AD-9098-8A258DE0D839}"/>
+              </a:ext>
+            </a:extLst>
+          </p:cNvPr>
+          <p:cNvSpPr/>
+          <p:nvPr/>
+        </p:nvSpPr>
+        <p:spPr>
+          <a:xfrm>
+            <a:off x="9225462" y="2964762"/>
+            <a:ext cx="2020293" cy="748084"/>
+          </a:xfrm>
+          <a:prstGeom prst="roundRect">
+            <a:avLst/>
+          </a:prstGeom>
+        </p:spPr>
+        <p:style>
+          <a:lnRef idx="2">
+            <a:schemeClr val="accent6"/>
+          </a:lnRef>
+          <a:fillRef idx="1">
+            <a:schemeClr val="lt1"/>
+          </a:fillRef>
+          <a:effectRef idx="0">
+            <a:schemeClr val="accent6"/>
+          </a:effectRef>
+          <a:fontRef idx="minor">
+            <a:schemeClr val="dk1"/>
+          </a:fontRef>
+        </p:style>
+        <p:txBody>
+          <a:bodyPr rtlCol="0" anchor="ctr"/>
+          <a:lstStyle/>
+          <a:p>
+            <a:pPr algn="ctr"/>
+            <a:r>
+              <a:rPr lang="tr-TR" b="1" dirty="0"/>
+              <a:t>Outcome of the Battle</a:t>
+            </a:r>
+          </a:p>
+        </p:txBody>
+      </p:sp>
+      <p:sp>
+        <p:nvSpPr>
+          <p:cNvPr id="5" name="TextBox 4">
+            <a:extLst>
+              <a:ext uri="{FF2B5EF4-FFF2-40B4-BE49-F238E27FC236}">
+                <a16:creationId xmlns:a16="http://schemas.microsoft.com/office/drawing/2014/main" id="{C02FD4BF-4F42-4E9E-B30A-01037592E504}"/>
+              </a:ext>
+            </a:extLst>
+          </p:cNvPr>
+          <p:cNvSpPr txBox="1"/>
+          <p:nvPr/>
+        </p:nvSpPr>
+        <p:spPr>
+          <a:xfrm>
+            <a:off x="8961207" y="3872415"/>
+            <a:ext cx="2887985" cy="369332"/>
+          </a:xfrm>
+          <a:prstGeom prst="rect">
+            <a:avLst/>
+          </a:prstGeom>
+          <a:solidFill>
+            <a:srgbClr val="00FFFF"/>
+          </a:solidFill>
+        </p:spPr>
+        <p:txBody>
+          <a:bodyPr wrap="square" rtlCol="0">
+            <a:spAutoFit/>
+          </a:bodyPr>
+          <a:lstStyle>
+            <a:defPPr>
+              <a:defRPr lang="tr-TR"/>
+            </a:defPPr>
+            <a:lvl1pPr algn="ctr">
+              <a:defRPr b="1"/>
+            </a:lvl1pPr>
+          </a:lstStyle>
+          <a:p>
+            <a:r>
+              <a:rPr lang="tr-TR" dirty="0"/>
+              <a:t>Dependent Variable</a:t>
+            </a:r>
+          </a:p>
+        </p:txBody>
+      </p:sp>
+      <p:sp>
+        <p:nvSpPr>
+          <p:cNvPr id="6" name="Rectangle: Rounded Corners 5">
+            <a:extLst>
+              <a:ext uri="{FF2B5EF4-FFF2-40B4-BE49-F238E27FC236}">
+                <a16:creationId xmlns:a16="http://schemas.microsoft.com/office/drawing/2014/main" id="{859A0FFA-1A68-49C1-BE5D-F1E4C6D9B242}"/>
+              </a:ext>
+            </a:extLst>
+          </p:cNvPr>
+          <p:cNvSpPr/>
+          <p:nvPr/>
+        </p:nvSpPr>
+        <p:spPr>
+          <a:xfrm>
+            <a:off x="4862335" y="903039"/>
+            <a:ext cx="2020293" cy="748084"/>
+          </a:xfrm>
+          <a:prstGeom prst="roundRect">
+            <a:avLst/>
+          </a:prstGeom>
+        </p:spPr>
+        <p:style>
+          <a:lnRef idx="2">
+            <a:schemeClr val="accent6"/>
+          </a:lnRef>
+          <a:fillRef idx="1">
+            <a:schemeClr val="lt1"/>
+          </a:fillRef>
+          <a:effectRef idx="0">
+            <a:schemeClr val="accent6"/>
+          </a:effectRef>
+          <a:fontRef idx="minor">
+            <a:schemeClr val="dk1"/>
+          </a:fontRef>
+        </p:style>
+        <p:txBody>
+          <a:bodyPr rtlCol="0" anchor="ctr"/>
+          <a:lstStyle/>
+          <a:p>
+            <a:pPr algn="ctr"/>
+            <a:r>
+              <a:rPr lang="tr-TR" b="1" dirty="0"/>
+              <a:t>Leadership</a:t>
+            </a:r>
+          </a:p>
+        </p:txBody>
+      </p:sp>
+      <p:sp>
+        <p:nvSpPr>
+          <p:cNvPr id="7" name="TextBox 6">
+            <a:extLst>
+              <a:ext uri="{FF2B5EF4-FFF2-40B4-BE49-F238E27FC236}">
+                <a16:creationId xmlns:a16="http://schemas.microsoft.com/office/drawing/2014/main" id="{D301626C-CD24-4E8C-8491-B5BBAAADE3FA}"/>
+              </a:ext>
+            </a:extLst>
+          </p:cNvPr>
+          <p:cNvSpPr txBox="1"/>
+          <p:nvPr/>
+        </p:nvSpPr>
+        <p:spPr>
+          <a:xfrm>
+            <a:off x="5265212" y="384261"/>
+            <a:ext cx="3234831" cy="369332"/>
+          </a:xfrm>
+          <a:prstGeom prst="rect">
+            <a:avLst/>
+          </a:prstGeom>
+          <a:solidFill>
+            <a:srgbClr val="00FFFF"/>
+          </a:solidFill>
+        </p:spPr>
+        <p:txBody>
+          <a:bodyPr wrap="square" rtlCol="0">
+            <a:spAutoFit/>
+          </a:bodyPr>
+          <a:lstStyle>
+            <a:defPPr>
+              <a:defRPr lang="tr-TR"/>
+            </a:defPPr>
+            <a:lvl1pPr algn="ctr">
+              <a:defRPr b="1"/>
+            </a:lvl1pPr>
+          </a:lstStyle>
+          <a:p>
+            <a:r>
+              <a:rPr lang="tr-TR" dirty="0"/>
+              <a:t>Intervening Variables</a:t>
+            </a:r>
+          </a:p>
+        </p:txBody>
+      </p:sp>
+      <p:sp>
+        <p:nvSpPr>
+          <p:cNvPr id="8" name="Rectangle: Rounded Corners 7">
+            <a:extLst>
+              <a:ext uri="{FF2B5EF4-FFF2-40B4-BE49-F238E27FC236}">
+                <a16:creationId xmlns:a16="http://schemas.microsoft.com/office/drawing/2014/main" id="{BA8F6080-596F-49C8-AC41-113F13CD685F}"/>
+              </a:ext>
+            </a:extLst>
+          </p:cNvPr>
+          <p:cNvSpPr/>
+          <p:nvPr/>
+        </p:nvSpPr>
+        <p:spPr>
+          <a:xfrm>
+            <a:off x="7205169" y="898711"/>
+            <a:ext cx="2020293" cy="748084"/>
+          </a:xfrm>
+          <a:prstGeom prst="roundRect">
+            <a:avLst/>
+          </a:prstGeom>
+        </p:spPr>
+        <p:style>
+          <a:lnRef idx="2">
+            <a:schemeClr val="accent6"/>
+          </a:lnRef>
+          <a:fillRef idx="1">
+            <a:schemeClr val="lt1"/>
+          </a:fillRef>
+          <a:effectRef idx="0">
+            <a:schemeClr val="accent6"/>
+          </a:effectRef>
+          <a:fontRef idx="minor">
+            <a:schemeClr val="dk1"/>
+          </a:fontRef>
+        </p:style>
+        <p:txBody>
+          <a:bodyPr rtlCol="0" anchor="ctr"/>
+          <a:lstStyle/>
+          <a:p>
+            <a:pPr algn="ctr"/>
+            <a:r>
+              <a:rPr lang="tr-TR" b="1" dirty="0"/>
+              <a:t>Morale</a:t>
+            </a:r>
+          </a:p>
+        </p:txBody>
+      </p:sp>
+      <p:sp>
+        <p:nvSpPr>
+          <p:cNvPr id="9" name="Rectangle: Rounded Corners 8">
+            <a:extLst>
+              <a:ext uri="{FF2B5EF4-FFF2-40B4-BE49-F238E27FC236}">
+                <a16:creationId xmlns:a16="http://schemas.microsoft.com/office/drawing/2014/main" id="{9135C4AA-79B2-49B6-AB0A-94B995AB48C9}"/>
+              </a:ext>
+            </a:extLst>
+          </p:cNvPr>
+          <p:cNvSpPr/>
+          <p:nvPr/>
+        </p:nvSpPr>
+        <p:spPr>
+          <a:xfrm>
+            <a:off x="779673" y="3270178"/>
+            <a:ext cx="2020293" cy="527413"/>
+          </a:xfrm>
+          <a:prstGeom prst="roundRect">
+            <a:avLst/>
+          </a:prstGeom>
+        </p:spPr>
+        <p:style>
+          <a:lnRef idx="2">
+            <a:schemeClr val="accent6"/>
+          </a:lnRef>
+          <a:fillRef idx="1">
+            <a:schemeClr val="lt1"/>
+          </a:fillRef>
+          <a:effectRef idx="0">
+            <a:schemeClr val="accent6"/>
+          </a:effectRef>
+          <a:fontRef idx="minor">
+            <a:schemeClr val="dk1"/>
+          </a:fontRef>
+        </p:style>
+        <p:txBody>
+          <a:bodyPr rtlCol="0" anchor="ctr"/>
+          <a:lstStyle/>
+          <a:p>
+            <a:pPr algn="ctr"/>
+            <a:r>
+              <a:rPr lang="tr-TR" b="1" dirty="0"/>
+              <a:t>Military Expenditure</a:t>
+            </a:r>
+          </a:p>
+        </p:txBody>
+      </p:sp>
+      <p:sp>
+        <p:nvSpPr>
+          <p:cNvPr id="10" name="Rectangle: Rounded Corners 9">
+            <a:extLst>
+              <a:ext uri="{FF2B5EF4-FFF2-40B4-BE49-F238E27FC236}">
+                <a16:creationId xmlns:a16="http://schemas.microsoft.com/office/drawing/2014/main" id="{F31C0A84-334D-4937-A313-FD26E02FE369}"/>
+              </a:ext>
+            </a:extLst>
+          </p:cNvPr>
+          <p:cNvSpPr/>
+          <p:nvPr/>
+        </p:nvSpPr>
+        <p:spPr>
+          <a:xfrm>
+            <a:off x="779672" y="3939049"/>
+            <a:ext cx="2020293" cy="527413"/>
+          </a:xfrm>
+          <a:prstGeom prst="roundRect">
+            <a:avLst/>
+          </a:prstGeom>
+        </p:spPr>
+        <p:style>
+          <a:lnRef idx="2">
+            <a:schemeClr val="accent6"/>
+          </a:lnRef>
+          <a:fillRef idx="1">
+            <a:schemeClr val="lt1"/>
+          </a:fillRef>
+          <a:effectRef idx="0">
+            <a:schemeClr val="accent6"/>
+          </a:effectRef>
+          <a:fontRef idx="minor">
+            <a:schemeClr val="dk1"/>
+          </a:fontRef>
+        </p:style>
+        <p:txBody>
+          <a:bodyPr rtlCol="0" anchor="ctr"/>
+          <a:lstStyle/>
+          <a:p>
+            <a:pPr algn="ctr"/>
+            <a:r>
+              <a:rPr lang="tr-TR" b="1" dirty="0"/>
+              <a:t>Weapon System&amp;Platforms</a:t>
+            </a:r>
+          </a:p>
+        </p:txBody>
+      </p:sp>
+      <p:sp>
+        <p:nvSpPr>
+          <p:cNvPr id="11" name="Rectangle: Rounded Corners 10">
+            <a:extLst>
+              <a:ext uri="{FF2B5EF4-FFF2-40B4-BE49-F238E27FC236}">
+                <a16:creationId xmlns:a16="http://schemas.microsoft.com/office/drawing/2014/main" id="{33764994-22BF-4591-890D-BF70CD907302}"/>
+              </a:ext>
+            </a:extLst>
+          </p:cNvPr>
+          <p:cNvSpPr/>
+          <p:nvPr/>
+        </p:nvSpPr>
+        <p:spPr>
+          <a:xfrm>
+            <a:off x="779674" y="1932436"/>
+            <a:ext cx="2020293" cy="527413"/>
+          </a:xfrm>
+          <a:prstGeom prst="roundRect">
+            <a:avLst/>
+          </a:prstGeom>
+        </p:spPr>
+        <p:style>
+          <a:lnRef idx="2">
+            <a:schemeClr val="accent6"/>
+          </a:lnRef>
+          <a:fillRef idx="1">
+            <a:schemeClr val="lt1"/>
+          </a:fillRef>
+          <a:effectRef idx="0">
+            <a:schemeClr val="accent6"/>
+          </a:effectRef>
+          <a:fontRef idx="minor">
+            <a:schemeClr val="dk1"/>
+          </a:fontRef>
+        </p:style>
+        <p:txBody>
+          <a:bodyPr rtlCol="0" anchor="ctr"/>
+          <a:lstStyle/>
+          <a:p>
+            <a:pPr algn="ctr"/>
+            <a:r>
+              <a:rPr lang="tr-TR" b="1" dirty="0"/>
+              <a:t>Population</a:t>
+            </a:r>
+          </a:p>
+        </p:txBody>
+      </p:sp>
+      <p:sp>
+        <p:nvSpPr>
+          <p:cNvPr id="12" name="Rectangle: Rounded Corners 11">
+            <a:extLst>
+              <a:ext uri="{FF2B5EF4-FFF2-40B4-BE49-F238E27FC236}">
+                <a16:creationId xmlns:a16="http://schemas.microsoft.com/office/drawing/2014/main" id="{9E342AB2-9645-4555-8014-868A17F95732}"/>
+              </a:ext>
+            </a:extLst>
+          </p:cNvPr>
+          <p:cNvSpPr/>
+          <p:nvPr/>
+        </p:nvSpPr>
+        <p:spPr>
+          <a:xfrm>
+            <a:off x="779674" y="2601307"/>
+            <a:ext cx="2020293" cy="527413"/>
+          </a:xfrm>
+          <a:prstGeom prst="roundRect">
+            <a:avLst/>
+          </a:prstGeom>
+        </p:spPr>
+        <p:style>
+          <a:lnRef idx="2">
+            <a:schemeClr val="accent6"/>
+          </a:lnRef>
+          <a:fillRef idx="1">
+            <a:schemeClr val="lt1"/>
+          </a:fillRef>
+          <a:effectRef idx="0">
+            <a:schemeClr val="accent6"/>
+          </a:effectRef>
+          <a:fontRef idx="minor">
+            <a:schemeClr val="dk1"/>
+          </a:fontRef>
+        </p:style>
+        <p:txBody>
+          <a:bodyPr rtlCol="0" anchor="ctr"/>
+          <a:lstStyle/>
+          <a:p>
+            <a:pPr algn="ctr"/>
+            <a:r>
+              <a:rPr lang="tr-TR" b="1" dirty="0"/>
+              <a:t>Military </a:t>
+            </a:r>
+          </a:p>
+          <a:p>
+            <a:pPr algn="ctr"/>
+            <a:r>
+              <a:rPr lang="tr-TR" b="1" dirty="0"/>
+              <a:t>Personnel</a:t>
+            </a:r>
+          </a:p>
+        </p:txBody>
+      </p:sp>
+      <p:sp>
+        <p:nvSpPr>
+          <p:cNvPr id="13" name="TextBox 12">
+            <a:extLst>
+              <a:ext uri="{FF2B5EF4-FFF2-40B4-BE49-F238E27FC236}">
+                <a16:creationId xmlns:a16="http://schemas.microsoft.com/office/drawing/2014/main" id="{4082E793-B84C-451B-B734-7DED2D204AC7}"/>
+              </a:ext>
+            </a:extLst>
+          </p:cNvPr>
+          <p:cNvSpPr txBox="1"/>
+          <p:nvPr/>
+        </p:nvSpPr>
+        <p:spPr>
+          <a:xfrm>
+            <a:off x="346881" y="5375812"/>
+            <a:ext cx="3234831" cy="369332"/>
+          </a:xfrm>
+          <a:prstGeom prst="rect">
+            <a:avLst/>
+          </a:prstGeom>
+          <a:solidFill>
+            <a:srgbClr val="00FFFF"/>
+          </a:solidFill>
+        </p:spPr>
+        <p:txBody>
+          <a:bodyPr wrap="square" rtlCol="0">
+            <a:spAutoFit/>
+          </a:bodyPr>
+          <a:lstStyle/>
+          <a:p>
+            <a:pPr algn="ctr"/>
+            <a:r>
+              <a:rPr lang="tr-TR" b="1" dirty="0"/>
+              <a:t>Independent Variables</a:t>
+            </a:r>
+          </a:p>
+        </p:txBody>
+      </p:sp>
+      <p:sp>
+        <p:nvSpPr>
+          <p:cNvPr id="14" name="Rectangle: Rounded Corners 13">
+            <a:extLst>
+              <a:ext uri="{FF2B5EF4-FFF2-40B4-BE49-F238E27FC236}">
+                <a16:creationId xmlns:a16="http://schemas.microsoft.com/office/drawing/2014/main" id="{9E55CF1F-7B24-476E-AD2B-BB7F3C1FA77A}"/>
+              </a:ext>
+            </a:extLst>
+          </p:cNvPr>
+          <p:cNvSpPr/>
+          <p:nvPr/>
+        </p:nvSpPr>
+        <p:spPr>
+          <a:xfrm>
+            <a:off x="779671" y="4607920"/>
+            <a:ext cx="2020293" cy="527413"/>
+          </a:xfrm>
+          <a:prstGeom prst="roundRect">
+            <a:avLst/>
+          </a:prstGeom>
+        </p:spPr>
+        <p:style>
+          <a:lnRef idx="2">
+            <a:schemeClr val="accent6"/>
+          </a:lnRef>
+          <a:fillRef idx="1">
+            <a:schemeClr val="lt1"/>
+          </a:fillRef>
+          <a:effectRef idx="0">
+            <a:schemeClr val="accent6"/>
+          </a:effectRef>
+          <a:fontRef idx="minor">
+            <a:schemeClr val="dk1"/>
+          </a:fontRef>
+        </p:style>
+        <p:txBody>
+          <a:bodyPr rtlCol="0" anchor="ctr"/>
+          <a:lstStyle/>
+          <a:p>
+            <a:pPr algn="ctr"/>
+            <a:r>
+              <a:rPr lang="tr-TR" b="1" dirty="0">
+                <a:solidFill>
+                  <a:schemeClr val="bg2">
+                    <a:lumMod val="50000"/>
+                  </a:schemeClr>
+                </a:solidFill>
+              </a:rPr>
+              <a:t>To be defined</a:t>
+            </a:r>
+          </a:p>
+        </p:txBody>
+      </p:sp>
+      <p:cxnSp>
+        <p:nvCxnSpPr>
+          <p:cNvPr id="16" name="Connector: Elbow 15">
+            <a:extLst>
+              <a:ext uri="{FF2B5EF4-FFF2-40B4-BE49-F238E27FC236}">
+                <a16:creationId xmlns:a16="http://schemas.microsoft.com/office/drawing/2014/main" id="{B0E0B942-1D89-4A2E-96E4-42AE20115845}"/>
+              </a:ext>
+            </a:extLst>
+          </p:cNvPr>
+          <p:cNvCxnSpPr>
+            <a:cxnSpLocks/>
+          </p:cNvCxnSpPr>
+          <p:nvPr/>
+        </p:nvCxnSpPr>
+        <p:spPr>
+          <a:xfrm>
+            <a:off x="2799967" y="2215193"/>
+            <a:ext cx="6425495" cy="1142661"/>
+          </a:xfrm>
+          <a:prstGeom prst="bentConnector3">
+            <a:avLst>
+              <a:gd name="adj1" fmla="val 29858"/>
+            </a:avLst>
+          </a:prstGeom>
+          <a:ln>
+            <a:tailEnd type="triangle"/>
+          </a:ln>
+        </p:spPr>
+        <p:style>
+          <a:lnRef idx="1">
+            <a:schemeClr val="accent1"/>
+          </a:lnRef>
+          <a:fillRef idx="0">
+            <a:schemeClr val="accent1"/>
+          </a:fillRef>
+          <a:effectRef idx="0">
+            <a:schemeClr val="accent1"/>
+          </a:effectRef>
+          <a:fontRef idx="minor">
+            <a:schemeClr val="tx1"/>
+          </a:fontRef>
+        </p:style>
+      </p:cxnSp>
+      <p:cxnSp>
+        <p:nvCxnSpPr>
+          <p:cNvPr id="18" name="Connector: Elbow 17">
+            <a:extLst>
+              <a:ext uri="{FF2B5EF4-FFF2-40B4-BE49-F238E27FC236}">
+                <a16:creationId xmlns:a16="http://schemas.microsoft.com/office/drawing/2014/main" id="{E0F33EBC-B16E-4AA9-9C5B-67173D2F234C}"/>
+              </a:ext>
+            </a:extLst>
+          </p:cNvPr>
+          <p:cNvCxnSpPr>
+            <a:cxnSpLocks/>
+          </p:cNvCxnSpPr>
+          <p:nvPr/>
+        </p:nvCxnSpPr>
+        <p:spPr>
+          <a:xfrm>
+            <a:off x="2799967" y="2887239"/>
+            <a:ext cx="6425495" cy="473790"/>
+          </a:xfrm>
+          <a:prstGeom prst="bentConnector3">
+            <a:avLst>
+              <a:gd name="adj1" fmla="val 29858"/>
+            </a:avLst>
+          </a:prstGeom>
+          <a:ln>
+            <a:tailEnd type="triangle"/>
+          </a:ln>
+        </p:spPr>
+        <p:style>
+          <a:lnRef idx="1">
+            <a:schemeClr val="accent1"/>
+          </a:lnRef>
+          <a:fillRef idx="0">
+            <a:schemeClr val="accent1"/>
+          </a:fillRef>
+          <a:effectRef idx="0">
+            <a:schemeClr val="accent1"/>
+          </a:effectRef>
+          <a:fontRef idx="minor">
+            <a:schemeClr val="tx1"/>
+          </a:fontRef>
+        </p:style>
+      </p:cxnSp>
+      <p:cxnSp>
+        <p:nvCxnSpPr>
+          <p:cNvPr id="20" name="Connector: Elbow 19">
+            <a:extLst>
+              <a:ext uri="{FF2B5EF4-FFF2-40B4-BE49-F238E27FC236}">
+                <a16:creationId xmlns:a16="http://schemas.microsoft.com/office/drawing/2014/main" id="{7A1F8482-DE28-446D-B28A-7BB4DF4366F6}"/>
+              </a:ext>
+            </a:extLst>
+          </p:cNvPr>
+          <p:cNvCxnSpPr>
+            <a:cxnSpLocks/>
+          </p:cNvCxnSpPr>
+          <p:nvPr/>
+        </p:nvCxnSpPr>
+        <p:spPr>
+          <a:xfrm flipV="1">
+            <a:off x="2799966" y="3357854"/>
+            <a:ext cx="6425496" cy="195081"/>
+          </a:xfrm>
+          <a:prstGeom prst="bentConnector3">
+            <a:avLst>
+              <a:gd name="adj1" fmla="val 29858"/>
+            </a:avLst>
+          </a:prstGeom>
+          <a:ln>
+            <a:tailEnd type="triangle"/>
+          </a:ln>
+        </p:spPr>
+        <p:style>
+          <a:lnRef idx="1">
+            <a:schemeClr val="accent1"/>
+          </a:lnRef>
+          <a:fillRef idx="0">
+            <a:schemeClr val="accent1"/>
+          </a:fillRef>
+          <a:effectRef idx="0">
+            <a:schemeClr val="accent1"/>
+          </a:effectRef>
+          <a:fontRef idx="minor">
+            <a:schemeClr val="tx1"/>
+          </a:fontRef>
+        </p:style>
+      </p:cxnSp>
+      <p:cxnSp>
+        <p:nvCxnSpPr>
+          <p:cNvPr id="22" name="Connector: Elbow 21">
+            <a:extLst>
+              <a:ext uri="{FF2B5EF4-FFF2-40B4-BE49-F238E27FC236}">
+                <a16:creationId xmlns:a16="http://schemas.microsoft.com/office/drawing/2014/main" id="{CB1A8B64-C81F-4C49-8AA2-A4F9FA53B846}"/>
+              </a:ext>
+            </a:extLst>
+          </p:cNvPr>
+          <p:cNvCxnSpPr>
+            <a:cxnSpLocks/>
+          </p:cNvCxnSpPr>
+          <p:nvPr/>
+        </p:nvCxnSpPr>
+        <p:spPr>
+          <a:xfrm flipV="1">
+            <a:off x="2799965" y="3361029"/>
+            <a:ext cx="6425497" cy="863952"/>
+          </a:xfrm>
+          <a:prstGeom prst="bentConnector3">
+            <a:avLst>
+              <a:gd name="adj1" fmla="val 29858"/>
+            </a:avLst>
+          </a:prstGeom>
+          <a:ln>
+            <a:tailEnd type="triangle"/>
+          </a:ln>
+        </p:spPr>
+        <p:style>
+          <a:lnRef idx="1">
+            <a:schemeClr val="accent1"/>
+          </a:lnRef>
+          <a:fillRef idx="0">
+            <a:schemeClr val="accent1"/>
+          </a:fillRef>
+          <a:effectRef idx="0">
+            <a:schemeClr val="accent1"/>
+          </a:effectRef>
+          <a:fontRef idx="minor">
+            <a:schemeClr val="tx1"/>
+          </a:fontRef>
+        </p:style>
+      </p:cxnSp>
+      <p:cxnSp>
+        <p:nvCxnSpPr>
+          <p:cNvPr id="24" name="Connector: Elbow 23">
+            <a:extLst>
+              <a:ext uri="{FF2B5EF4-FFF2-40B4-BE49-F238E27FC236}">
+                <a16:creationId xmlns:a16="http://schemas.microsoft.com/office/drawing/2014/main" id="{FB5545E9-8A75-46CE-B97C-BFE96F1CBF5A}"/>
+              </a:ext>
+            </a:extLst>
+          </p:cNvPr>
+          <p:cNvCxnSpPr>
+            <a:cxnSpLocks/>
+          </p:cNvCxnSpPr>
+          <p:nvPr/>
+        </p:nvCxnSpPr>
+        <p:spPr>
+          <a:xfrm flipV="1">
+            <a:off x="2799964" y="3357854"/>
+            <a:ext cx="6425498" cy="1532823"/>
+          </a:xfrm>
+          <a:prstGeom prst="bentConnector3">
+            <a:avLst>
+              <a:gd name="adj1" fmla="val 29858"/>
+            </a:avLst>
+          </a:prstGeom>
+          <a:ln>
+            <a:tailEnd type="triangle"/>
+          </a:ln>
+        </p:spPr>
+        <p:style>
+          <a:lnRef idx="1">
+            <a:schemeClr val="accent1"/>
+          </a:lnRef>
+          <a:fillRef idx="0">
+            <a:schemeClr val="accent1"/>
+          </a:fillRef>
+          <a:effectRef idx="0">
+            <a:schemeClr val="accent1"/>
+          </a:effectRef>
+          <a:fontRef idx="minor">
+            <a:schemeClr val="tx1"/>
+          </a:fontRef>
+        </p:style>
+      </p:cxnSp>
+      <p:cxnSp>
+        <p:nvCxnSpPr>
+          <p:cNvPr id="35" name="Connector: Elbow 34">
+            <a:extLst>
+              <a:ext uri="{FF2B5EF4-FFF2-40B4-BE49-F238E27FC236}">
+                <a16:creationId xmlns:a16="http://schemas.microsoft.com/office/drawing/2014/main" id="{6A08C988-16BF-405D-828A-5D8DA5552CD3}"/>
+              </a:ext>
+            </a:extLst>
+          </p:cNvPr>
+          <p:cNvCxnSpPr>
+            <a:cxnSpLocks/>
+          </p:cNvCxnSpPr>
+          <p:nvPr/>
+        </p:nvCxnSpPr>
+        <p:spPr>
+          <a:xfrm rot="16200000" flipH="1">
+            <a:off x="6705132" y="839255"/>
+            <a:ext cx="1687681" cy="3352980"/>
+          </a:xfrm>
+          <a:prstGeom prst="bentConnector2">
+            <a:avLst/>
+          </a:prstGeom>
+        </p:spPr>
+        <p:style>
+          <a:lnRef idx="1">
+            <a:schemeClr val="accent1"/>
+          </a:lnRef>
+          <a:fillRef idx="0">
+            <a:schemeClr val="accent1"/>
+          </a:fillRef>
+          <a:effectRef idx="0">
+            <a:schemeClr val="accent1"/>
+          </a:effectRef>
+          <a:fontRef idx="minor">
+            <a:schemeClr val="tx1"/>
+          </a:fontRef>
+        </p:style>
+      </p:cxnSp>
+      <p:cxnSp>
+        <p:nvCxnSpPr>
+          <p:cNvPr id="37" name="Connector: Elbow 36">
+            <a:extLst>
+              <a:ext uri="{FF2B5EF4-FFF2-40B4-BE49-F238E27FC236}">
+                <a16:creationId xmlns:a16="http://schemas.microsoft.com/office/drawing/2014/main" id="{FA54DB65-1CC6-4F6C-ACFA-2BD3CAFE5486}"/>
+              </a:ext>
+            </a:extLst>
+          </p:cNvPr>
+          <p:cNvCxnSpPr>
+            <a:cxnSpLocks/>
+          </p:cNvCxnSpPr>
+          <p:nvPr/>
+        </p:nvCxnSpPr>
+        <p:spPr>
+          <a:xfrm rot="16200000" flipH="1">
+            <a:off x="7874385" y="2008508"/>
+            <a:ext cx="1692009" cy="1010146"/>
+          </a:xfrm>
+          <a:prstGeom prst="bentConnector2">
+            <a:avLst/>
+          </a:prstGeom>
+        </p:spPr>
+        <p:style>
+          <a:lnRef idx="1">
+            <a:schemeClr val="accent1"/>
+          </a:lnRef>
+          <a:fillRef idx="0">
+            <a:schemeClr val="accent1"/>
+          </a:fillRef>
+          <a:effectRef idx="0">
+            <a:schemeClr val="accent1"/>
+          </a:effectRef>
+          <a:fontRef idx="minor">
+            <a:schemeClr val="tx1"/>
+          </a:fontRef>
+        </p:style>
+      </p:cxnSp>
+      <p:sp>
+        <p:nvSpPr>
+          <p:cNvPr id="38" name="TextBox 37">
+            <a:extLst>
+              <a:ext uri="{FF2B5EF4-FFF2-40B4-BE49-F238E27FC236}">
+                <a16:creationId xmlns:a16="http://schemas.microsoft.com/office/drawing/2014/main" id="{06B9C4BE-4F3F-4C63-A256-FA14BD9005CB}"/>
+              </a:ext>
+            </a:extLst>
+          </p:cNvPr>
+          <p:cNvSpPr txBox="1"/>
+          <p:nvPr/>
+        </p:nvSpPr>
+        <p:spPr>
+          <a:xfrm>
+            <a:off x="4862336" y="5322387"/>
+            <a:ext cx="3637708" cy="1477328"/>
+          </a:xfrm>
+          <a:prstGeom prst="rect">
+            <a:avLst/>
+          </a:prstGeom>
+          <a:noFill/>
+          <a:ln>
+            <a:solidFill>
+              <a:schemeClr val="bg1">
+                <a:lumMod val="85000"/>
+              </a:schemeClr>
+            </a:solidFill>
+            <a:prstDash val="sysDash"/>
+          </a:ln>
+        </p:spPr>
+        <p:txBody>
+          <a:bodyPr wrap="square" rtlCol="0">
+            <a:spAutoFit/>
+          </a:bodyPr>
+          <a:lstStyle/>
+          <a:p>
+            <a:r>
+              <a:rPr lang="tr-TR" b="1" dirty="0"/>
+              <a:t>Steps to define dependent variables</a:t>
+            </a:r>
+          </a:p>
+          <a:p>
+            <a:pPr marL="285750" indent="-285750">
+              <a:buFont typeface="Arial" panose="020B0604020202020204" pitchFamily="34" charset="0"/>
+              <a:buChar char="•"/>
+            </a:pPr>
+            <a:r>
+              <a:rPr lang="tr-TR" dirty="0"/>
+              <a:t>Comprehensive </a:t>
+            </a:r>
+            <a:r>
+              <a:rPr lang="tr-TR" b="1" dirty="0">
+                <a:solidFill>
+                  <a:srgbClr val="FF0000"/>
+                </a:solidFill>
+              </a:rPr>
+              <a:t>Case study </a:t>
+            </a:r>
+            <a:r>
+              <a:rPr lang="tr-TR" dirty="0"/>
+              <a:t>on selected 2 battles</a:t>
+            </a:r>
+          </a:p>
+          <a:p>
+            <a:pPr marL="285750" indent="-285750">
+              <a:buFont typeface="Arial" panose="020B0604020202020204" pitchFamily="34" charset="0"/>
+              <a:buChar char="•"/>
+            </a:pPr>
+            <a:r>
+              <a:rPr lang="tr-TR" dirty="0"/>
+              <a:t>Principal Component Analysis to select important features</a:t>
+            </a:r>
+          </a:p>
+        </p:txBody>
+      </p:sp>
+      <p:cxnSp>
+        <p:nvCxnSpPr>
+          <p:cNvPr id="42" name="Connector: Elbow 41">
+            <a:extLst>
+              <a:ext uri="{FF2B5EF4-FFF2-40B4-BE49-F238E27FC236}">
+                <a16:creationId xmlns:a16="http://schemas.microsoft.com/office/drawing/2014/main" id="{9941309F-6417-440B-984A-5F8D2B147077}"/>
+              </a:ext>
+            </a:extLst>
+          </p:cNvPr>
+          <p:cNvCxnSpPr>
+            <a:cxnSpLocks/>
+            <a:stCxn id="13" idx="3"/>
+            <a:endCxn id="38" idx="1"/>
+          </p:cNvCxnSpPr>
+          <p:nvPr/>
+        </p:nvCxnSpPr>
+        <p:spPr>
+          <a:xfrm>
+            <a:off x="3581712" y="5560478"/>
+            <a:ext cx="1280624" cy="500573"/>
+          </a:xfrm>
+          <a:prstGeom prst="bentConnector3">
+            <a:avLst/>
+          </a:prstGeom>
+          <a:ln>
+            <a:solidFill>
+              <a:schemeClr val="bg1">
+                <a:lumMod val="75000"/>
+              </a:schemeClr>
+            </a:solidFill>
+            <a:prstDash val="sysDash"/>
+          </a:ln>
+        </p:spPr>
+        <p:style>
+          <a:lnRef idx="1">
+            <a:schemeClr val="accent1"/>
+          </a:lnRef>
+          <a:fillRef idx="0">
+            <a:schemeClr val="accent1"/>
+          </a:fillRef>
+          <a:effectRef idx="0">
+            <a:schemeClr val="accent1"/>
+          </a:effectRef>
+          <a:fontRef idx="minor">
+            <a:schemeClr val="tx1"/>
+          </a:fontRef>
+        </p:style>
+      </p:cxnSp>
+      <p:sp>
+        <p:nvSpPr>
+          <p:cNvPr id="43" name="TextBox 42">
+            <a:extLst>
+              <a:ext uri="{FF2B5EF4-FFF2-40B4-BE49-F238E27FC236}">
+                <a16:creationId xmlns:a16="http://schemas.microsoft.com/office/drawing/2014/main" id="{E0F555BF-BB20-4B6E-88A5-E63824486002}"/>
+              </a:ext>
+            </a:extLst>
+          </p:cNvPr>
+          <p:cNvSpPr txBox="1"/>
+          <p:nvPr/>
+        </p:nvSpPr>
+        <p:spPr>
+          <a:xfrm>
+            <a:off x="8840358" y="4572879"/>
+            <a:ext cx="3120993" cy="1200329"/>
+          </a:xfrm>
+          <a:prstGeom prst="rect">
+            <a:avLst/>
+          </a:prstGeom>
+          <a:noFill/>
+          <a:ln>
+            <a:solidFill>
+              <a:schemeClr val="bg1">
+                <a:lumMod val="85000"/>
+              </a:schemeClr>
+            </a:solidFill>
+            <a:prstDash val="sysDash"/>
+          </a:ln>
+        </p:spPr>
+        <p:txBody>
+          <a:bodyPr wrap="square" rtlCol="0">
+            <a:spAutoFit/>
+          </a:bodyPr>
+          <a:lstStyle/>
+          <a:p>
+            <a:pPr algn="ctr"/>
+            <a:r>
+              <a:rPr lang="tr-TR" b="1" dirty="0"/>
+              <a:t>Evaluation</a:t>
+            </a:r>
+          </a:p>
+          <a:p>
+            <a:pPr algn="ctr"/>
+            <a:r>
+              <a:rPr lang="tr-TR" dirty="0"/>
+              <a:t>Multiple Regression analysis to explain difference in variance by each factor </a:t>
+            </a:r>
+          </a:p>
+        </p:txBody>
+      </p:sp>
+      <p:cxnSp>
+        <p:nvCxnSpPr>
+          <p:cNvPr id="47" name="Straight Connector 46">
+            <a:extLst>
+              <a:ext uri="{FF2B5EF4-FFF2-40B4-BE49-F238E27FC236}">
+                <a16:creationId xmlns:a16="http://schemas.microsoft.com/office/drawing/2014/main" id="{4D18BC85-383A-41C2-ADA0-9D25542EB2A3}"/>
+              </a:ext>
+            </a:extLst>
+          </p:cNvPr>
+          <p:cNvCxnSpPr>
+            <a:stCxn id="5" idx="2"/>
+            <a:endCxn id="43" idx="0"/>
+          </p:cNvCxnSpPr>
+          <p:nvPr/>
+        </p:nvCxnSpPr>
+        <p:spPr>
+          <a:xfrm flipH="1">
+            <a:off x="10400855" y="4241747"/>
+            <a:ext cx="4345" cy="331132"/>
+          </a:xfrm>
+          <a:prstGeom prst="line">
+            <a:avLst/>
+          </a:prstGeom>
+          <a:ln>
+            <a:solidFill>
+              <a:schemeClr val="bg1">
+                <a:lumMod val="65000"/>
+              </a:schemeClr>
+            </a:solidFill>
+            <a:prstDash val="sysDash"/>
+          </a:ln>
+        </p:spPr>
+        <p:style>
+          <a:lnRef idx="1">
+            <a:schemeClr val="accent1"/>
+          </a:lnRef>
+          <a:fillRef idx="0">
+            <a:schemeClr val="accent1"/>
+          </a:fillRef>
+          <a:effectRef idx="0">
+            <a:schemeClr val="accent1"/>
+          </a:effectRef>
+          <a:fontRef idx="minor">
+            <a:schemeClr val="tx1"/>
+          </a:fontRef>
+        </p:style>
+      </p:cxnSp>
+      <p:sp>
+        <p:nvSpPr>
+          <p:cNvPr id="25" name="Rectangle: Rounded Corners 24">
+            <a:extLst>
+              <a:ext uri="{FF2B5EF4-FFF2-40B4-BE49-F238E27FC236}">
+                <a16:creationId xmlns:a16="http://schemas.microsoft.com/office/drawing/2014/main" id="{A818BA3E-4575-456B-9F27-CACE3D53B1CB}"/>
+              </a:ext>
+            </a:extLst>
+          </p:cNvPr>
+          <p:cNvSpPr/>
+          <p:nvPr/>
+        </p:nvSpPr>
+        <p:spPr>
+          <a:xfrm>
+            <a:off x="779670" y="1232443"/>
+            <a:ext cx="2020293" cy="527413"/>
+          </a:xfrm>
+          <a:prstGeom prst="roundRect">
+            <a:avLst/>
+          </a:prstGeom>
+        </p:spPr>
+        <p:style>
+          <a:lnRef idx="2">
+            <a:schemeClr val="accent6"/>
+          </a:lnRef>
+          <a:fillRef idx="1">
+            <a:schemeClr val="lt1"/>
+          </a:fillRef>
+          <a:effectRef idx="0">
+            <a:schemeClr val="accent6"/>
+          </a:effectRef>
+          <a:fontRef idx="minor">
+            <a:schemeClr val="dk1"/>
+          </a:fontRef>
+        </p:style>
+        <p:txBody>
+          <a:bodyPr rtlCol="0" anchor="ctr"/>
+          <a:lstStyle/>
+          <a:p>
+            <a:pPr algn="ctr"/>
+            <a:r>
+              <a:rPr lang="tr-TR" b="1" dirty="0"/>
+              <a:t>GNP</a:t>
+            </a:r>
+          </a:p>
+        </p:txBody>
+      </p:sp>
+      <p:cxnSp>
+        <p:nvCxnSpPr>
+          <p:cNvPr id="15" name="Connector: Elbow 14">
+            <a:extLst>
+              <a:ext uri="{FF2B5EF4-FFF2-40B4-BE49-F238E27FC236}">
+                <a16:creationId xmlns:a16="http://schemas.microsoft.com/office/drawing/2014/main" id="{70F06F30-BE24-45D8-8ED1-8FFA2C164B92}"/>
+              </a:ext>
+            </a:extLst>
+          </p:cNvPr>
+          <p:cNvCxnSpPr>
+            <a:cxnSpLocks/>
+          </p:cNvCxnSpPr>
+          <p:nvPr/>
+        </p:nvCxnSpPr>
+        <p:spPr>
+          <a:xfrm>
+            <a:off x="2799963" y="1499543"/>
+            <a:ext cx="6161244" cy="1863509"/>
+          </a:xfrm>
+          <a:prstGeom prst="bentConnector3">
+            <a:avLst>
+              <a:gd name="adj1" fmla="val 31253"/>
+            </a:avLst>
+          </a:prstGeom>
+        </p:spPr>
+        <p:style>
+          <a:lnRef idx="1">
+            <a:schemeClr val="accent1"/>
+          </a:lnRef>
+          <a:fillRef idx="0">
+            <a:schemeClr val="accent1"/>
+          </a:fillRef>
+          <a:effectRef idx="0">
+            <a:schemeClr val="accent1"/>
+          </a:effectRef>
+          <a:fontRef idx="minor">
+            <a:schemeClr val="tx1"/>
+          </a:fontRef>
+        </p:style>
+      </p:cxnSp>
+    </p:spTree>
+    <p:extLst>
+      <p:ext uri="{BB962C8B-B14F-4D97-AF65-F5344CB8AC3E}">
+        <p14:creationId xmlns:p14="http://schemas.microsoft.com/office/powerpoint/2010/main" val="4148784240"/>
+      </p:ext>
+    </p:extLst>
+  </p:cSld>
+  <p:clrMapOvr>
+    <a:masterClrMapping/>
+  </p:clrMapOvr>
+</p:sld>
+</file>
+
+<file path=ppt/slides/slide18.xml><?xml version="1.0" encoding="utf-8"?>
+<p:sld xmlns:a="http://schemas.openxmlformats.org/drawingml/2006/main" xmlns:r="http://schemas.openxmlformats.org/officeDocument/2006/relationships" xmlns:p="http://schemas.openxmlformats.org/presentationml/2006/main">
+  <p:cSld>
+    <p:spTree>
+      <p:nvGrpSpPr>
+        <p:cNvPr id="1" name=""/>
+        <p:cNvGrpSpPr/>
+        <p:nvPr/>
+      </p:nvGrpSpPr>
+      <p:grpSpPr>
+        <a:xfrm>
+          <a:off x="0" y="0"/>
+          <a:ext cx="0" cy="0"/>
+          <a:chOff x="0" y="0"/>
+          <a:chExt cx="0" cy="0"/>
+        </a:xfrm>
+      </p:grpSpPr>
+      <p:sp>
+        <p:nvSpPr>
+          <p:cNvPr id="2" name="Title 1">
+            <a:extLst>
+              <a:ext uri="{FF2B5EF4-FFF2-40B4-BE49-F238E27FC236}">
+                <a16:creationId xmlns:a16="http://schemas.microsoft.com/office/drawing/2014/main" id="{097F4DB2-21B1-489F-8964-B2DFD8C40007}"/>
+              </a:ext>
+            </a:extLst>
+          </p:cNvPr>
+          <p:cNvSpPr>
+            <a:spLocks noGrp="1"/>
+          </p:cNvSpPr>
+          <p:nvPr>
+            <p:ph type="title"/>
+          </p:nvPr>
+        </p:nvSpPr>
+        <p:spPr/>
+        <p:txBody>
+          <a:bodyPr>
+            <a:normAutofit fontScale="90000"/>
+          </a:bodyPr>
+          <a:lstStyle/>
+          <a:p>
+            <a:r>
+              <a:rPr lang="tr-TR" sz="4400" kern="1200" dirty="0">
+                <a:solidFill>
+                  <a:schemeClr val="dk1"/>
+                </a:solidFill>
+                <a:effectLst/>
+                <a:latin typeface="+mn-lt"/>
+                <a:ea typeface="+mn-ea"/>
+                <a:cs typeface="+mn-cs"/>
+              </a:rPr>
+              <a:t>NLP Approach to discover hidden relationships</a:t>
+            </a:r>
+            <a:br>
+              <a:rPr lang="tr-TR" sz="4400" kern="1200" dirty="0">
+                <a:solidFill>
+                  <a:schemeClr val="dk1"/>
+                </a:solidFill>
+                <a:effectLst/>
+                <a:latin typeface="+mn-lt"/>
+                <a:ea typeface="+mn-ea"/>
+                <a:cs typeface="+mn-cs"/>
+              </a:rPr>
+            </a:br>
+            <a:endParaRPr lang="tr-TR" dirty="0"/>
+          </a:p>
+        </p:txBody>
+      </p:sp>
+      <p:sp>
+        <p:nvSpPr>
+          <p:cNvPr id="3" name="Content Placeholder 2">
+            <a:extLst>
+              <a:ext uri="{FF2B5EF4-FFF2-40B4-BE49-F238E27FC236}">
+                <a16:creationId xmlns:a16="http://schemas.microsoft.com/office/drawing/2014/main" id="{DBFD2563-E76C-4958-804D-0A9F7E6E21D7}"/>
+              </a:ext>
+            </a:extLst>
+          </p:cNvPr>
+          <p:cNvSpPr>
+            <a:spLocks noGrp="1"/>
+          </p:cNvSpPr>
+          <p:nvPr>
+            <p:ph idx="1"/>
+          </p:nvPr>
+        </p:nvSpPr>
+        <p:spPr>
+          <a:xfrm>
+            <a:off x="838200" y="1585233"/>
+            <a:ext cx="10515600" cy="4351338"/>
+          </a:xfrm>
+        </p:spPr>
+        <p:txBody>
+          <a:bodyPr>
+            <a:normAutofit/>
+          </a:bodyPr>
+          <a:lstStyle/>
+          <a:p>
+            <a:pPr marL="1200150" lvl="2" indent="-285750">
+              <a:buFont typeface="Courier New" panose="02070309020205020404" pitchFamily="49" charset="0"/>
+              <a:buChar char="o"/>
+            </a:pPr>
+            <a:r>
+              <a:rPr lang="tr-TR" sz="2400" kern="1200" dirty="0">
+                <a:solidFill>
+                  <a:schemeClr val="dk1"/>
+                </a:solidFill>
+                <a:effectLst/>
+                <a:highlight>
+                  <a:srgbClr val="FFFF00"/>
+                </a:highlight>
+                <a:latin typeface="+mn-lt"/>
+                <a:ea typeface="+mn-ea"/>
+                <a:cs typeface="+mn-cs"/>
+              </a:rPr>
+              <a:t>annotate</a:t>
+            </a:r>
+            <a:r>
+              <a:rPr lang="tr-TR" sz="2400" kern="1200" dirty="0">
+                <a:solidFill>
+                  <a:schemeClr val="dk1"/>
+                </a:solidFill>
+                <a:effectLst/>
+                <a:latin typeface="+mn-lt"/>
+                <a:ea typeface="+mn-ea"/>
+                <a:cs typeface="+mn-cs"/>
+              </a:rPr>
+              <a:t> the </a:t>
+            </a:r>
+            <a:r>
+              <a:rPr lang="tr-TR" sz="2400" b="1" kern="1200" dirty="0">
+                <a:solidFill>
+                  <a:schemeClr val="dk1"/>
+                </a:solidFill>
+                <a:effectLst/>
+                <a:latin typeface="+mn-lt"/>
+                <a:ea typeface="+mn-ea"/>
+                <a:cs typeface="+mn-cs"/>
+              </a:rPr>
+              <a:t>named entities, like military spirit</a:t>
+            </a:r>
+            <a:r>
+              <a:rPr lang="tr-TR" sz="2400" kern="1200" dirty="0">
+                <a:solidFill>
+                  <a:schemeClr val="dk1"/>
+                </a:solidFill>
+                <a:effectLst/>
+                <a:latin typeface="+mn-lt"/>
+                <a:ea typeface="+mn-ea"/>
+                <a:cs typeface="+mn-cs"/>
+              </a:rPr>
+              <a:t> (Clausewitz name it as most important moral elements in war)</a:t>
+            </a:r>
+          </a:p>
+          <a:p>
+            <a:pPr marL="1200150" lvl="2" indent="-285750">
+              <a:buFont typeface="Courier New" panose="02070309020205020404" pitchFamily="49" charset="0"/>
+              <a:buChar char="o"/>
+            </a:pPr>
+            <a:r>
+              <a:rPr lang="tr-TR" sz="2400" kern="1200" dirty="0">
+                <a:solidFill>
+                  <a:schemeClr val="dk1"/>
+                </a:solidFill>
+                <a:effectLst/>
+                <a:highlight>
+                  <a:srgbClr val="FFFF00"/>
+                </a:highlight>
+                <a:latin typeface="+mn-lt"/>
+                <a:ea typeface="+mn-ea"/>
+                <a:cs typeface="+mn-cs"/>
+              </a:rPr>
+              <a:t>train</a:t>
+            </a:r>
+            <a:r>
+              <a:rPr lang="tr-TR" sz="2400" kern="1200" dirty="0">
+                <a:solidFill>
+                  <a:schemeClr val="dk1"/>
+                </a:solidFill>
+                <a:effectLst/>
+                <a:latin typeface="+mn-lt"/>
+                <a:ea typeface="+mn-ea"/>
+                <a:cs typeface="+mn-cs"/>
+              </a:rPr>
+              <a:t> </a:t>
+            </a:r>
+            <a:r>
+              <a:rPr lang="tr-TR" sz="2400" b="1" kern="1200" dirty="0">
+                <a:solidFill>
+                  <a:schemeClr val="dk1"/>
+                </a:solidFill>
+                <a:effectLst/>
+                <a:latin typeface="+mn-lt"/>
+                <a:ea typeface="+mn-ea"/>
+                <a:cs typeface="+mn-cs"/>
+              </a:rPr>
+              <a:t>named entity recognition </a:t>
+            </a:r>
+            <a:r>
+              <a:rPr lang="tr-TR" sz="2400" kern="1200" dirty="0">
+                <a:solidFill>
+                  <a:schemeClr val="dk1"/>
+                </a:solidFill>
+                <a:effectLst/>
+                <a:latin typeface="+mn-lt"/>
+                <a:ea typeface="+mn-ea"/>
+                <a:cs typeface="+mn-cs"/>
+              </a:rPr>
+              <a:t>(NER) and </a:t>
+            </a:r>
+            <a:r>
+              <a:rPr lang="tr-TR" sz="2400" b="1" kern="1200" dirty="0">
+                <a:solidFill>
+                  <a:schemeClr val="dk1"/>
+                </a:solidFill>
+                <a:effectLst/>
+                <a:latin typeface="+mn-lt"/>
+                <a:ea typeface="+mn-ea"/>
+                <a:cs typeface="+mn-cs"/>
+              </a:rPr>
+              <a:t>Relation Extraction</a:t>
+            </a:r>
+            <a:r>
+              <a:rPr lang="tr-TR" sz="2400" kern="1200" dirty="0">
+                <a:solidFill>
+                  <a:schemeClr val="dk1"/>
+                </a:solidFill>
+                <a:effectLst/>
+                <a:latin typeface="+mn-lt"/>
+                <a:ea typeface="+mn-ea"/>
+                <a:cs typeface="+mn-cs"/>
+              </a:rPr>
+              <a:t> (RE) models with </a:t>
+            </a:r>
+            <a:r>
+              <a:rPr lang="tr-TR" sz="2400" kern="1200" dirty="0">
+                <a:solidFill>
+                  <a:schemeClr val="dk1"/>
+                </a:solidFill>
+                <a:effectLst/>
+                <a:highlight>
+                  <a:srgbClr val="00FFFF"/>
+                </a:highlight>
+                <a:latin typeface="+mn-lt"/>
+                <a:ea typeface="+mn-ea"/>
+                <a:cs typeface="+mn-cs"/>
+              </a:rPr>
+              <a:t>language representation techniques (l</a:t>
+            </a:r>
+            <a:r>
+              <a:rPr lang="tr-TR" sz="2400" kern="1200" dirty="0">
+                <a:solidFill>
+                  <a:schemeClr val="dk1"/>
+                </a:solidFill>
+                <a:effectLst/>
+                <a:latin typeface="+mn-lt"/>
+                <a:ea typeface="+mn-ea"/>
+                <a:cs typeface="+mn-cs"/>
+              </a:rPr>
+              <a:t>ike BERT). </a:t>
+            </a:r>
+          </a:p>
+          <a:p>
+            <a:pPr marL="1200150" lvl="2" indent="-285750">
+              <a:buFont typeface="Courier New" panose="02070309020205020404" pitchFamily="49" charset="0"/>
+              <a:buChar char="o"/>
+            </a:pPr>
+            <a:r>
+              <a:rPr lang="tr-TR" sz="2400" kern="1200" dirty="0">
+                <a:solidFill>
+                  <a:schemeClr val="dk1"/>
+                </a:solidFill>
+                <a:effectLst/>
+                <a:latin typeface="+mn-lt"/>
+                <a:ea typeface="+mn-ea"/>
+                <a:cs typeface="+mn-cs"/>
+              </a:rPr>
+              <a:t>Create new features </a:t>
+            </a:r>
+            <a:r>
+              <a:rPr lang="tr-TR" sz="2400" kern="1200" dirty="0">
+                <a:solidFill>
+                  <a:schemeClr val="dk1"/>
+                </a:solidFill>
+                <a:effectLst/>
+                <a:highlight>
+                  <a:srgbClr val="FFFF00"/>
+                </a:highlight>
+                <a:latin typeface="+mn-lt"/>
+                <a:ea typeface="+mn-ea"/>
+                <a:cs typeface="+mn-cs"/>
+              </a:rPr>
+              <a:t>to build downstream deep learning models </a:t>
+            </a:r>
+            <a:r>
+              <a:rPr lang="tr-TR" sz="2400" i="0" kern="1200" dirty="0">
+                <a:solidFill>
+                  <a:schemeClr val="dk1"/>
+                </a:solidFill>
+                <a:effectLst/>
+                <a:highlight>
+                  <a:srgbClr val="00FFFF"/>
+                </a:highlight>
+                <a:latin typeface="+mn-lt"/>
+                <a:ea typeface="+mn-ea"/>
+                <a:cs typeface="+mn-cs"/>
+              </a:rPr>
+              <a:t>to find relations between the outcomes and leadership and morale factors.</a:t>
+            </a:r>
+          </a:p>
+          <a:p>
+            <a:pPr marL="1200150" lvl="2" indent="-285750">
+              <a:buFont typeface="Courier New" panose="02070309020205020404" pitchFamily="49" charset="0"/>
+              <a:buChar char="o"/>
+            </a:pPr>
+            <a:r>
+              <a:rPr lang="tr-TR" sz="2400" dirty="0">
+                <a:solidFill>
+                  <a:schemeClr val="dk1"/>
+                </a:solidFill>
+                <a:highlight>
+                  <a:srgbClr val="00FFFF"/>
+                </a:highlight>
+              </a:rPr>
+              <a:t>Examples: relationship between </a:t>
+            </a:r>
+          </a:p>
+          <a:p>
+            <a:pPr marL="1657350" lvl="3" indent="-285750">
+              <a:buFont typeface="Courier New" panose="02070309020205020404" pitchFamily="49" charset="0"/>
+              <a:buChar char="o"/>
+            </a:pPr>
+            <a:r>
+              <a:rPr lang="tr-TR" sz="2400" dirty="0">
+                <a:solidFill>
+                  <a:schemeClr val="dk1"/>
+                </a:solidFill>
+                <a:highlight>
+                  <a:srgbClr val="00FFFF"/>
+                </a:highlight>
+              </a:rPr>
+              <a:t>skill and experiene,</a:t>
+            </a:r>
+          </a:p>
+          <a:p>
+            <a:pPr marL="1657350" lvl="3" indent="-285750">
+              <a:buFont typeface="Courier New" panose="02070309020205020404" pitchFamily="49" charset="0"/>
+              <a:buChar char="o"/>
+            </a:pPr>
+            <a:r>
+              <a:rPr lang="tr-TR" sz="2400" dirty="0">
+                <a:solidFill>
+                  <a:schemeClr val="dk1"/>
+                </a:solidFill>
+                <a:highlight>
+                  <a:srgbClr val="00FFFF"/>
+                </a:highlight>
+              </a:rPr>
+              <a:t>customer satisfaction and sales figures</a:t>
+            </a:r>
+            <a:endParaRPr lang="tr-TR" sz="2400" i="0" kern="1200" dirty="0">
+              <a:solidFill>
+                <a:schemeClr val="dk1"/>
+              </a:solidFill>
+              <a:effectLst/>
+              <a:highlight>
+                <a:srgbClr val="00FFFF"/>
+              </a:highlight>
+              <a:latin typeface="+mn-lt"/>
+              <a:ea typeface="+mn-ea"/>
+              <a:cs typeface="+mn-cs"/>
+            </a:endParaRPr>
+          </a:p>
+          <a:p>
+            <a:endParaRPr lang="tr-TR" sz="2400" dirty="0"/>
+          </a:p>
+        </p:txBody>
+      </p:sp>
+    </p:spTree>
+    <p:extLst>
+      <p:ext uri="{BB962C8B-B14F-4D97-AF65-F5344CB8AC3E}">
+        <p14:creationId xmlns:p14="http://schemas.microsoft.com/office/powerpoint/2010/main" val="1277555042"/>
       </p:ext>
     </p:extLst>
   </p:cSld>

--- a/PhD Discussion.pptx
+++ b/PhD Discussion.pptx
@@ -5,7 +5,7 @@
     <p:sldMasterId id="2147483648" r:id="rId1"/>
   </p:sldMasterIdLst>
   <p:notesMasterIdLst>
-    <p:notesMasterId r:id="rId20"/>
+    <p:notesMasterId r:id="rId25"/>
   </p:notesMasterIdLst>
   <p:sldIdLst>
     <p:sldId id="256" r:id="rId2"/>
@@ -24,8 +24,13 @@
     <p:sldId id="269" r:id="rId15"/>
     <p:sldId id="270" r:id="rId16"/>
     <p:sldId id="272" r:id="rId17"/>
-    <p:sldId id="274" r:id="rId18"/>
-    <p:sldId id="276" r:id="rId19"/>
+    <p:sldId id="276" r:id="rId18"/>
+    <p:sldId id="277" r:id="rId19"/>
+    <p:sldId id="274" r:id="rId20"/>
+    <p:sldId id="284" r:id="rId21"/>
+    <p:sldId id="282" r:id="rId22"/>
+    <p:sldId id="280" r:id="rId23"/>
+    <p:sldId id="283" r:id="rId24"/>
   </p:sldIdLst>
   <p:sldSz cx="12192000" cy="6858000"/>
   <p:notesSz cx="6797675" cy="9926638"/>
@@ -214,7 +219,7 @@
           <a:p>
             <a:fld id="{6B01098C-58D5-4DCB-8B6F-D5224BBD065F}" type="datetimeFigureOut">
               <a:rPr lang="tr-TR" smtClean="0"/>
-              <a:t>26.11.2021</a:t>
+              <a:t>10.12.2021</a:t>
             </a:fld>
             <a:endParaRPr lang="tr-TR"/>
           </a:p>
@@ -1030,902 +1035,6 @@
           <a:bodyPr/>
           <a:lstStyle/>
           <a:p>
-            <a:r>
-              <a:rPr lang="en-US" b="0" i="0" dirty="0">
-                <a:solidFill>
-                  <a:srgbClr val="202124"/>
-                </a:solidFill>
-                <a:effectLst/>
-                <a:latin typeface="arial" panose="020B0604020202020204" pitchFamily="34" charset="0"/>
-              </a:rPr>
-              <a:t>An </a:t>
-            </a:r>
-            <a:r>
-              <a:rPr lang="en-US" b="1" i="0" dirty="0">
-                <a:solidFill>
-                  <a:srgbClr val="202124"/>
-                </a:solidFill>
-                <a:effectLst/>
-                <a:latin typeface="arial" panose="020B0604020202020204" pitchFamily="34" charset="0"/>
-              </a:rPr>
-              <a:t>intervening variable</a:t>
-            </a:r>
-            <a:r>
-              <a:rPr lang="en-US" b="0" i="0" dirty="0">
-                <a:solidFill>
-                  <a:srgbClr val="202124"/>
-                </a:solidFill>
-                <a:effectLst/>
-                <a:latin typeface="arial" panose="020B0604020202020204" pitchFamily="34" charset="0"/>
-              </a:rPr>
-              <a:t> is a hypothetical </a:t>
-            </a:r>
-            <a:r>
-              <a:rPr lang="en-US" b="1" i="0" dirty="0">
-                <a:solidFill>
-                  <a:srgbClr val="202124"/>
-                </a:solidFill>
-                <a:effectLst/>
-                <a:latin typeface="arial" panose="020B0604020202020204" pitchFamily="34" charset="0"/>
-              </a:rPr>
-              <a:t>variable</a:t>
-            </a:r>
-            <a:r>
-              <a:rPr lang="en-US" b="0" i="0" dirty="0">
-                <a:solidFill>
-                  <a:srgbClr val="202124"/>
-                </a:solidFill>
-                <a:effectLst/>
-                <a:latin typeface="arial" panose="020B0604020202020204" pitchFamily="34" charset="0"/>
-              </a:rPr>
-              <a:t> used to explain causal links between other </a:t>
-            </a:r>
-            <a:r>
-              <a:rPr lang="en-US" b="1" i="0" dirty="0">
-                <a:solidFill>
-                  <a:srgbClr val="202124"/>
-                </a:solidFill>
-                <a:effectLst/>
-                <a:latin typeface="arial" panose="020B0604020202020204" pitchFamily="34" charset="0"/>
-              </a:rPr>
-              <a:t>variables</a:t>
-            </a:r>
-            <a:r>
-              <a:rPr lang="en-US" b="0" i="0" dirty="0">
-                <a:solidFill>
-                  <a:srgbClr val="202124"/>
-                </a:solidFill>
-                <a:effectLst/>
-                <a:latin typeface="arial" panose="020B0604020202020204" pitchFamily="34" charset="0"/>
-              </a:rPr>
-              <a:t>. </a:t>
-            </a:r>
-            <a:r>
-              <a:rPr lang="en-US" b="1" i="0" dirty="0">
-                <a:solidFill>
-                  <a:srgbClr val="202124"/>
-                </a:solidFill>
-                <a:effectLst/>
-                <a:latin typeface="arial" panose="020B0604020202020204" pitchFamily="34" charset="0"/>
-              </a:rPr>
-              <a:t>Intervening variables</a:t>
-            </a:r>
-            <a:r>
-              <a:rPr lang="en-US" b="0" i="0" dirty="0">
-                <a:solidFill>
-                  <a:srgbClr val="202124"/>
-                </a:solidFill>
-                <a:effectLst/>
-                <a:latin typeface="arial" panose="020B0604020202020204" pitchFamily="34" charset="0"/>
-              </a:rPr>
-              <a:t> cannot be observed in an experiment (that's why they are hypothetical).</a:t>
-            </a:r>
-            <a:endParaRPr lang="tr-TR" b="0" i="0" dirty="0">
-              <a:solidFill>
-                <a:srgbClr val="202124"/>
-              </a:solidFill>
-              <a:effectLst/>
-              <a:latin typeface="arial" panose="020B0604020202020204" pitchFamily="34" charset="0"/>
-            </a:endParaRPr>
-          </a:p>
-          <a:p>
-            <a:r>
-              <a:rPr lang="en-US" b="0" i="0" dirty="0">
-                <a:solidFill>
-                  <a:srgbClr val="202124"/>
-                </a:solidFill>
-                <a:effectLst/>
-                <a:latin typeface="arial" panose="020B0604020202020204" pitchFamily="34" charset="0"/>
-              </a:rPr>
-              <a:t>The </a:t>
-            </a:r>
-            <a:r>
-              <a:rPr lang="en-US" b="1" i="0" dirty="0">
-                <a:solidFill>
-                  <a:srgbClr val="202124"/>
-                </a:solidFill>
-                <a:effectLst/>
-                <a:latin typeface="arial" panose="020B0604020202020204" pitchFamily="34" charset="0"/>
-              </a:rPr>
-              <a:t>Importance</a:t>
-            </a:r>
-            <a:r>
-              <a:rPr lang="en-US" b="0" i="0" dirty="0">
-                <a:solidFill>
-                  <a:srgbClr val="202124"/>
-                </a:solidFill>
-                <a:effectLst/>
-                <a:latin typeface="arial" panose="020B0604020202020204" pitchFamily="34" charset="0"/>
-              </a:rPr>
-              <a:t> of Identifying </a:t>
-            </a:r>
-            <a:r>
-              <a:rPr lang="en-US" b="1" i="0" dirty="0">
-                <a:solidFill>
-                  <a:srgbClr val="202124"/>
-                </a:solidFill>
-                <a:effectLst/>
-                <a:latin typeface="arial" panose="020B0604020202020204" pitchFamily="34" charset="0"/>
-              </a:rPr>
-              <a:t>Intervening Variables</a:t>
-            </a:r>
-            <a:r>
-              <a:rPr lang="tr-TR" b="1" i="0" dirty="0">
-                <a:solidFill>
-                  <a:srgbClr val="202124"/>
-                </a:solidFill>
-                <a:effectLst/>
-                <a:latin typeface="arial" panose="020B0604020202020204" pitchFamily="34" charset="0"/>
-              </a:rPr>
-              <a:t>: </a:t>
-            </a:r>
-            <a:r>
-              <a:rPr lang="en-US" b="0" i="0" dirty="0">
-                <a:solidFill>
-                  <a:srgbClr val="202124"/>
-                </a:solidFill>
-                <a:effectLst/>
-                <a:latin typeface="arial" panose="020B0604020202020204" pitchFamily="34" charset="0"/>
-              </a:rPr>
-              <a:t>Understanding </a:t>
-            </a:r>
-            <a:r>
-              <a:rPr lang="en-US" b="1" i="0" dirty="0">
-                <a:solidFill>
-                  <a:srgbClr val="202124"/>
-                </a:solidFill>
-                <a:effectLst/>
-                <a:latin typeface="arial" panose="020B0604020202020204" pitchFamily="34" charset="0"/>
-              </a:rPr>
-              <a:t>intervening variables</a:t>
-            </a:r>
-            <a:r>
-              <a:rPr lang="en-US" b="0" i="0" dirty="0">
-                <a:solidFill>
-                  <a:srgbClr val="202124"/>
-                </a:solidFill>
-                <a:effectLst/>
-                <a:latin typeface="arial" panose="020B0604020202020204" pitchFamily="34" charset="0"/>
-              </a:rPr>
-              <a:t> can often help researchers clarify the relationship between an independent and dependent </a:t>
-            </a:r>
-            <a:r>
-              <a:rPr lang="en-US" b="1" i="0" dirty="0">
-                <a:solidFill>
-                  <a:srgbClr val="202124"/>
-                </a:solidFill>
-                <a:effectLst/>
-                <a:latin typeface="arial" panose="020B0604020202020204" pitchFamily="34" charset="0"/>
-              </a:rPr>
-              <a:t>variable</a:t>
-            </a:r>
-            <a:r>
-              <a:rPr lang="en-US" b="0" i="0" dirty="0">
-                <a:solidFill>
-                  <a:srgbClr val="202124"/>
-                </a:solidFill>
-                <a:effectLst/>
-                <a:latin typeface="arial" panose="020B0604020202020204" pitchFamily="34" charset="0"/>
-              </a:rPr>
-              <a:t> because the </a:t>
-            </a:r>
-            <a:r>
-              <a:rPr lang="en-US" b="1" i="0" dirty="0">
-                <a:solidFill>
-                  <a:srgbClr val="202124"/>
-                </a:solidFill>
-                <a:effectLst/>
-                <a:latin typeface="arial" panose="020B0604020202020204" pitchFamily="34" charset="0"/>
-              </a:rPr>
-              <a:t>intervening variables</a:t>
-            </a:r>
-            <a:r>
-              <a:rPr lang="en-US" b="0" i="0" dirty="0">
-                <a:solidFill>
-                  <a:srgbClr val="202124"/>
-                </a:solidFill>
-                <a:effectLst/>
-                <a:latin typeface="arial" panose="020B0604020202020204" pitchFamily="34" charset="0"/>
-              </a:rPr>
-              <a:t> are often the true </a:t>
-            </a:r>
-            <a:r>
-              <a:rPr lang="en-US" b="1" i="0" dirty="0">
-                <a:solidFill>
-                  <a:srgbClr val="202124"/>
-                </a:solidFill>
-                <a:effectLst/>
-                <a:latin typeface="arial" panose="020B0604020202020204" pitchFamily="34" charset="0"/>
-              </a:rPr>
-              <a:t>variable</a:t>
-            </a:r>
-            <a:r>
-              <a:rPr lang="en-US" b="0" i="0" dirty="0">
-                <a:solidFill>
-                  <a:srgbClr val="202124"/>
-                </a:solidFill>
-                <a:effectLst/>
-                <a:latin typeface="arial" panose="020B0604020202020204" pitchFamily="34" charset="0"/>
-              </a:rPr>
-              <a:t> that explains variations in the dependent </a:t>
-            </a:r>
-            <a:r>
-              <a:rPr lang="en-US" b="1" i="0" dirty="0">
-                <a:solidFill>
-                  <a:srgbClr val="202124"/>
-                </a:solidFill>
-                <a:effectLst/>
-                <a:latin typeface="arial" panose="020B0604020202020204" pitchFamily="34" charset="0"/>
-              </a:rPr>
-              <a:t>variable</a:t>
-            </a:r>
-            <a:r>
-              <a:rPr lang="en-US" b="0" i="0" dirty="0">
-                <a:solidFill>
-                  <a:srgbClr val="202124"/>
-                </a:solidFill>
-                <a:effectLst/>
-                <a:latin typeface="arial" panose="020B0604020202020204" pitchFamily="34" charset="0"/>
-              </a:rPr>
-              <a:t>.</a:t>
-            </a:r>
-            <a:endParaRPr lang="tr-TR" b="0" i="0" dirty="0">
-              <a:solidFill>
-                <a:srgbClr val="202124"/>
-              </a:solidFill>
-              <a:effectLst/>
-              <a:latin typeface="arial" panose="020B0604020202020204" pitchFamily="34" charset="0"/>
-            </a:endParaRPr>
-          </a:p>
-          <a:p>
-            <a:pPr algn="just">
-              <a:spcBef>
-                <a:spcPts val="600"/>
-              </a:spcBef>
-              <a:spcAft>
-                <a:spcPts val="600"/>
-              </a:spcAft>
-            </a:pPr>
-            <a:r>
-              <a:rPr lang="en-US" sz="1800" b="1" dirty="0">
-                <a:effectLst/>
-                <a:latin typeface="Calibri" panose="020F0502020204030204" pitchFamily="34" charset="0"/>
-                <a:ea typeface="Times New Roman" panose="02020603050405020304" pitchFamily="18" charset="0"/>
-              </a:rPr>
-              <a:t>. Identified gaps: </a:t>
-            </a:r>
-            <a:endParaRPr lang="tr-TR" sz="1800" dirty="0">
-              <a:effectLst/>
-              <a:latin typeface="Times New Roman" panose="02020603050405020304" pitchFamily="18" charset="0"/>
-              <a:ea typeface="Times New Roman" panose="02020603050405020304" pitchFamily="18" charset="0"/>
-            </a:endParaRPr>
-          </a:p>
-          <a:p>
-            <a:pPr marL="342900" lvl="0" indent="-342900" algn="just">
-              <a:spcBef>
-                <a:spcPts val="600"/>
-              </a:spcBef>
-              <a:spcAft>
-                <a:spcPts val="600"/>
-              </a:spcAft>
-              <a:buFont typeface="+mj-lt"/>
-              <a:buAutoNum type="alphaLcPeriod"/>
-            </a:pPr>
-            <a:r>
-              <a:rPr lang="en-US" sz="1800" dirty="0">
-                <a:effectLst/>
-                <a:latin typeface="Calibri" panose="020F0502020204030204" pitchFamily="34" charset="0"/>
-                <a:ea typeface="Times New Roman" panose="02020603050405020304" pitchFamily="18" charset="0"/>
-              </a:rPr>
-              <a:t>Although the concept of force ratio is well explained theoretically and its explanatory power within the relative combat power factors is analyzed systematically (especially by Biddle), morale and leadership factors are not analyzed thoroughly due to its qualitative nature. </a:t>
-            </a:r>
-            <a:endParaRPr lang="tr-TR" sz="1800" dirty="0">
-              <a:effectLst/>
-              <a:latin typeface="Times New Roman" panose="02020603050405020304" pitchFamily="18" charset="0"/>
-              <a:ea typeface="Times New Roman" panose="02020603050405020304" pitchFamily="18" charset="0"/>
-            </a:endParaRPr>
-          </a:p>
-          <a:p>
-            <a:pPr marL="342900" lvl="0" indent="-342900" algn="just">
-              <a:spcBef>
-                <a:spcPts val="600"/>
-              </a:spcBef>
-              <a:spcAft>
-                <a:spcPts val="600"/>
-              </a:spcAft>
-              <a:buFont typeface="+mj-lt"/>
-              <a:buAutoNum type="alphaLcPeriod"/>
-            </a:pPr>
-            <a:r>
-              <a:rPr lang="en-US" sz="1800" dirty="0">
-                <a:effectLst/>
-                <a:latin typeface="Calibri" panose="020F0502020204030204" pitchFamily="34" charset="0"/>
-                <a:ea typeface="Times New Roman" panose="02020603050405020304" pitchFamily="18" charset="0"/>
-              </a:rPr>
-              <a:t>Judgements up to now relies limited data set, max battles analyzed to make deduction was 660 battles of </a:t>
-            </a:r>
-            <a:r>
-              <a:rPr lang="en-US" sz="1800" dirty="0">
-                <a:solidFill>
-                  <a:srgbClr val="000000"/>
-                </a:solidFill>
-                <a:effectLst/>
-                <a:latin typeface="Calibri" panose="020F0502020204030204" pitchFamily="34" charset="0"/>
-                <a:ea typeface="Times New Roman" panose="02020603050405020304" pitchFamily="18" charset="0"/>
-              </a:rPr>
-              <a:t>CDB90G dataset, which has real data flaws. </a:t>
-            </a:r>
-            <a:endParaRPr lang="tr-TR" sz="1800" dirty="0">
-              <a:effectLst/>
-              <a:latin typeface="Times New Roman" panose="02020603050405020304" pitchFamily="18" charset="0"/>
-              <a:ea typeface="Times New Roman" panose="02020603050405020304" pitchFamily="18" charset="0"/>
-            </a:endParaRPr>
-          </a:p>
-          <a:p>
-            <a:pPr>
-              <a:lnSpc>
-                <a:spcPct val="107000"/>
-              </a:lnSpc>
-              <a:spcAft>
-                <a:spcPts val="800"/>
-              </a:spcAft>
-            </a:pPr>
-            <a:r>
-              <a:rPr lang="en-US" sz="1800" b="1" dirty="0">
-                <a:effectLst/>
-                <a:latin typeface="Calibri" panose="020F0502020204030204" pitchFamily="34" charset="0"/>
-                <a:ea typeface="Calibri" panose="020F0502020204030204" pitchFamily="34" charset="0"/>
-                <a:cs typeface="Calibri" panose="020F0502020204030204" pitchFamily="34" charset="0"/>
-              </a:rPr>
-              <a:t>2. Research questions: </a:t>
-            </a:r>
-            <a:r>
-              <a:rPr lang="en-US" sz="1800" dirty="0">
-                <a:effectLst/>
-                <a:latin typeface="Calibri" panose="020F0502020204030204" pitchFamily="34" charset="0"/>
-                <a:ea typeface="Calibri" panose="020F0502020204030204" pitchFamily="34" charset="0"/>
-                <a:cs typeface="Calibri" panose="020F0502020204030204" pitchFamily="34" charset="0"/>
-              </a:rPr>
-              <a:t>Already submitted in previous section. </a:t>
-            </a:r>
-            <a:endParaRPr lang="tr-TR" sz="1800" dirty="0">
-              <a:effectLst/>
-              <a:latin typeface="Calibri" panose="020F0502020204030204" pitchFamily="34" charset="0"/>
-              <a:ea typeface="Calibri" panose="020F0502020204030204" pitchFamily="34" charset="0"/>
-              <a:cs typeface="Times New Roman" panose="02020603050405020304" pitchFamily="18" charset="0"/>
-            </a:endParaRPr>
-          </a:p>
-          <a:p>
-            <a:pPr algn="just">
-              <a:spcBef>
-                <a:spcPts val="600"/>
-              </a:spcBef>
-              <a:spcAft>
-                <a:spcPts val="600"/>
-              </a:spcAft>
-            </a:pPr>
-            <a:r>
-              <a:rPr lang="en-US" sz="1800" b="1" dirty="0">
-                <a:solidFill>
-                  <a:srgbClr val="000000"/>
-                </a:solidFill>
-                <a:effectLst/>
-                <a:latin typeface="Calibri" panose="020F0502020204030204" pitchFamily="34" charset="0"/>
-                <a:ea typeface="Times New Roman" panose="02020603050405020304" pitchFamily="18" charset="0"/>
-              </a:rPr>
-              <a:t>3. Research methodology: </a:t>
-            </a:r>
-            <a:r>
-              <a:rPr lang="en-US" sz="1800" dirty="0">
-                <a:solidFill>
-                  <a:srgbClr val="000000"/>
-                </a:solidFill>
-                <a:effectLst/>
-                <a:latin typeface="Calibri" panose="020F0502020204030204" pitchFamily="34" charset="0"/>
-                <a:ea typeface="Times New Roman" panose="02020603050405020304" pitchFamily="18" charset="0"/>
-              </a:rPr>
-              <a:t>Literature on this topic reflects about the degree of force ratio’s reliability. While some researchers state that it explains certain degree of result while others state that more sophisticated models need to be used. So, my intention is to develop a model with dependent variable as the outcome of the battle. I will define independent and intervening variables in the research although I have initial propositions. And with regression model I will try to find explanatory power of these variables, in which force ratio will be the one that is to be analyzed. </a:t>
-            </a:r>
-            <a:endParaRPr lang="tr-TR" sz="1800" dirty="0">
-              <a:effectLst/>
-              <a:latin typeface="Times New Roman" panose="02020603050405020304" pitchFamily="18" charset="0"/>
-              <a:ea typeface="Times New Roman" panose="02020603050405020304" pitchFamily="18" charset="0"/>
-            </a:endParaRPr>
-          </a:p>
-          <a:p>
-            <a:pPr algn="just">
-              <a:spcBef>
-                <a:spcPts val="600"/>
-              </a:spcBef>
-              <a:spcAft>
-                <a:spcPts val="600"/>
-              </a:spcAft>
-            </a:pPr>
-            <a:r>
-              <a:rPr lang="en-US" sz="1800" b="1" dirty="0">
-                <a:solidFill>
-                  <a:srgbClr val="000000"/>
-                </a:solidFill>
-                <a:effectLst/>
-                <a:latin typeface="Calibri" panose="020F0502020204030204" pitchFamily="34" charset="0"/>
-                <a:ea typeface="Times New Roman" panose="02020603050405020304" pitchFamily="18" charset="0"/>
-              </a:rPr>
-              <a:t>4. Research</a:t>
-            </a:r>
-            <a:r>
-              <a:rPr lang="en-US" sz="1800" b="1" dirty="0">
-                <a:effectLst/>
-                <a:latin typeface="Calibri" panose="020F0502020204030204" pitchFamily="34" charset="0"/>
-                <a:ea typeface="Times New Roman" panose="02020603050405020304" pitchFamily="18" charset="0"/>
-              </a:rPr>
-              <a:t> steps: </a:t>
-            </a:r>
-            <a:endParaRPr lang="tr-TR" sz="1800" dirty="0">
-              <a:effectLst/>
-              <a:latin typeface="Times New Roman" panose="02020603050405020304" pitchFamily="18" charset="0"/>
-              <a:ea typeface="Times New Roman" panose="02020603050405020304" pitchFamily="18" charset="0"/>
-            </a:endParaRPr>
-          </a:p>
-          <a:p>
-            <a:pPr marL="342900" lvl="0" indent="-342900" algn="just">
-              <a:buFont typeface="Symbol" panose="05050102010706020507" pitchFamily="18" charset="2"/>
-              <a:buChar char=""/>
-            </a:pPr>
-            <a:r>
-              <a:rPr lang="en-US" sz="1800" b="1" dirty="0">
-                <a:effectLst/>
-                <a:latin typeface="Calibri" panose="020F0502020204030204" pitchFamily="34" charset="0"/>
-                <a:ea typeface="Times New Roman" panose="02020603050405020304" pitchFamily="18" charset="0"/>
-              </a:rPr>
-              <a:t>1</a:t>
-            </a:r>
-            <a:r>
-              <a:rPr lang="en-US" sz="1800" b="1" baseline="30000" dirty="0">
-                <a:effectLst/>
-                <a:latin typeface="Calibri" panose="020F0502020204030204" pitchFamily="34" charset="0"/>
-                <a:ea typeface="Times New Roman" panose="02020603050405020304" pitchFamily="18" charset="0"/>
-              </a:rPr>
-              <a:t>st</a:t>
-            </a:r>
-            <a:r>
-              <a:rPr lang="en-US" sz="1800" b="1" dirty="0">
-                <a:effectLst/>
-                <a:latin typeface="Calibri" panose="020F0502020204030204" pitchFamily="34" charset="0"/>
-                <a:ea typeface="Times New Roman" panose="02020603050405020304" pitchFamily="18" charset="0"/>
-              </a:rPr>
-              <a:t> step:</a:t>
-            </a:r>
-            <a:r>
-              <a:rPr lang="en-US" sz="1800" dirty="0">
-                <a:effectLst/>
-                <a:latin typeface="Calibri" panose="020F0502020204030204" pitchFamily="34" charset="0"/>
-                <a:ea typeface="Times New Roman" panose="02020603050405020304" pitchFamily="18" charset="0"/>
-              </a:rPr>
-              <a:t> I will do a </a:t>
-            </a:r>
-            <a:r>
-              <a:rPr lang="en-US" sz="1800" b="1" dirty="0">
-                <a:effectLst/>
-                <a:latin typeface="Calibri" panose="020F0502020204030204" pitchFamily="34" charset="0"/>
-                <a:ea typeface="Times New Roman" panose="02020603050405020304" pitchFamily="18" charset="0"/>
-              </a:rPr>
-              <a:t>case study</a:t>
-            </a:r>
-            <a:r>
-              <a:rPr lang="en-US" sz="1800" dirty="0">
-                <a:effectLst/>
-                <a:latin typeface="Calibri" panose="020F0502020204030204" pitchFamily="34" charset="0"/>
-                <a:ea typeface="Times New Roman" panose="02020603050405020304" pitchFamily="18" charset="0"/>
-              </a:rPr>
-              <a:t> to comprehensively determine the variables. In this study, I will reveal all the variables that may affect the outcome of the battle over the two battles from the designated time periods.</a:t>
-            </a:r>
-            <a:endParaRPr lang="tr-TR" sz="1800" dirty="0">
-              <a:effectLst/>
-              <a:latin typeface="Times New Roman" panose="02020603050405020304" pitchFamily="18" charset="0"/>
-              <a:ea typeface="Times New Roman" panose="02020603050405020304" pitchFamily="18" charset="0"/>
-            </a:endParaRPr>
-          </a:p>
-          <a:p>
-            <a:pPr marL="342900" lvl="0" indent="-342900" algn="just">
-              <a:buFont typeface="Symbol" panose="05050102010706020507" pitchFamily="18" charset="2"/>
-              <a:buChar char=""/>
-            </a:pPr>
-            <a:r>
-              <a:rPr lang="en-US" sz="1800" b="1" dirty="0">
-                <a:effectLst/>
-                <a:latin typeface="Calibri" panose="020F0502020204030204" pitchFamily="34" charset="0"/>
-                <a:ea typeface="Times New Roman" panose="02020603050405020304" pitchFamily="18" charset="0"/>
-              </a:rPr>
-              <a:t>2nd step:</a:t>
-            </a:r>
-            <a:r>
-              <a:rPr lang="en-US" sz="1800" dirty="0">
-                <a:effectLst/>
-                <a:latin typeface="Calibri" panose="020F0502020204030204" pitchFamily="34" charset="0"/>
-                <a:ea typeface="Times New Roman" panose="02020603050405020304" pitchFamily="18" charset="0"/>
-              </a:rPr>
-              <a:t> I will </a:t>
-            </a:r>
-            <a:r>
-              <a:rPr lang="en-US" sz="1800" b="1" dirty="0">
-                <a:effectLst/>
-                <a:latin typeface="Calibri" panose="020F0502020204030204" pitchFamily="34" charset="0"/>
-                <a:ea typeface="Times New Roman" panose="02020603050405020304" pitchFamily="18" charset="0"/>
-              </a:rPr>
-              <a:t>create a database of battles</a:t>
-            </a:r>
-            <a:r>
-              <a:rPr lang="en-US" sz="1800" dirty="0">
-                <a:effectLst/>
-                <a:latin typeface="Calibri" panose="020F0502020204030204" pitchFamily="34" charset="0"/>
-                <a:ea typeface="Times New Roman" panose="02020603050405020304" pitchFamily="18" charset="0"/>
-              </a:rPr>
-              <a:t> with the use of current ones but with concatenating all the available databases with the help of Python Pandas Data Analysis techniques. Because all databases currently available has its own flaws. But if they are to be concatenated all together, it will be more efficient to make deductions. </a:t>
-            </a:r>
-            <a:endParaRPr lang="tr-TR" sz="1800" dirty="0">
-              <a:effectLst/>
-              <a:latin typeface="Times New Roman" panose="02020603050405020304" pitchFamily="18" charset="0"/>
-              <a:ea typeface="Times New Roman" panose="02020603050405020304" pitchFamily="18" charset="0"/>
-            </a:endParaRPr>
-          </a:p>
-          <a:p>
-            <a:pPr marL="342900" lvl="0" indent="-342900" algn="just">
-              <a:buFont typeface="Symbol" panose="05050102010706020507" pitchFamily="18" charset="2"/>
-              <a:buChar char=""/>
-            </a:pPr>
-            <a:r>
-              <a:rPr lang="en-US" sz="1800" b="1" dirty="0">
-                <a:effectLst/>
-                <a:latin typeface="Calibri" panose="020F0502020204030204" pitchFamily="34" charset="0"/>
-                <a:ea typeface="Times New Roman" panose="02020603050405020304" pitchFamily="18" charset="0"/>
-              </a:rPr>
-              <a:t>3</a:t>
-            </a:r>
-            <a:r>
-              <a:rPr lang="en-US" sz="1800" b="1" baseline="30000" dirty="0">
-                <a:effectLst/>
-                <a:latin typeface="Calibri" panose="020F0502020204030204" pitchFamily="34" charset="0"/>
-                <a:ea typeface="Times New Roman" panose="02020603050405020304" pitchFamily="18" charset="0"/>
-              </a:rPr>
-              <a:t>rd</a:t>
-            </a:r>
-            <a:r>
-              <a:rPr lang="en-US" sz="1800" b="1" dirty="0">
-                <a:effectLst/>
-                <a:latin typeface="Calibri" panose="020F0502020204030204" pitchFamily="34" charset="0"/>
-                <a:ea typeface="Times New Roman" panose="02020603050405020304" pitchFamily="18" charset="0"/>
-              </a:rPr>
-              <a:t> step:</a:t>
-            </a:r>
-            <a:r>
-              <a:rPr lang="en-US" sz="1800" dirty="0">
-                <a:effectLst/>
-                <a:latin typeface="Calibri" panose="020F0502020204030204" pitchFamily="34" charset="0"/>
-                <a:ea typeface="Times New Roman" panose="02020603050405020304" pitchFamily="18" charset="0"/>
-              </a:rPr>
-              <a:t> I will </a:t>
-            </a:r>
-            <a:r>
-              <a:rPr lang="en-US" sz="1800" b="1" dirty="0">
-                <a:effectLst/>
-                <a:latin typeface="Calibri" panose="020F0502020204030204" pitchFamily="34" charset="0"/>
-                <a:ea typeface="Times New Roman" panose="02020603050405020304" pitchFamily="18" charset="0"/>
-              </a:rPr>
-              <a:t>apply my variables to the database</a:t>
-            </a:r>
-            <a:r>
-              <a:rPr lang="en-US" sz="1800" dirty="0">
-                <a:effectLst/>
-                <a:latin typeface="Calibri" panose="020F0502020204030204" pitchFamily="34" charset="0"/>
-                <a:ea typeface="Times New Roman" panose="02020603050405020304" pitchFamily="18" charset="0"/>
-              </a:rPr>
-              <a:t> to </a:t>
-            </a:r>
-            <a:r>
-              <a:rPr lang="en-US" sz="1800" b="1" dirty="0">
-                <a:effectLst/>
-                <a:latin typeface="Calibri" panose="020F0502020204030204" pitchFamily="34" charset="0"/>
-                <a:ea typeface="Times New Roman" panose="02020603050405020304" pitchFamily="18" charset="0"/>
-              </a:rPr>
-              <a:t>produce a mathematical model</a:t>
-            </a:r>
-            <a:r>
-              <a:rPr lang="en-US" sz="1800" dirty="0">
-                <a:effectLst/>
-                <a:latin typeface="Calibri" panose="020F0502020204030204" pitchFamily="34" charset="0"/>
-                <a:ea typeface="Times New Roman" panose="02020603050405020304" pitchFamily="18" charset="0"/>
-              </a:rPr>
-              <a:t> with multiple regression analysis.  All other statistical analysis will be conducted here to test the hypothesis.  </a:t>
-            </a:r>
-            <a:endParaRPr lang="tr-TR" sz="1800" dirty="0">
-              <a:effectLst/>
-              <a:latin typeface="Times New Roman" panose="02020603050405020304" pitchFamily="18" charset="0"/>
-              <a:ea typeface="Times New Roman" panose="02020603050405020304" pitchFamily="18" charset="0"/>
-            </a:endParaRPr>
-          </a:p>
-          <a:p>
-            <a:pPr algn="just">
-              <a:spcBef>
-                <a:spcPts val="600"/>
-              </a:spcBef>
-              <a:spcAft>
-                <a:spcPts val="600"/>
-              </a:spcAft>
-            </a:pPr>
-            <a:r>
-              <a:rPr lang="en-US" sz="1800" b="1" dirty="0">
-                <a:solidFill>
-                  <a:srgbClr val="000000"/>
-                </a:solidFill>
-                <a:effectLst/>
-                <a:latin typeface="Calibri" panose="020F0502020204030204" pitchFamily="34" charset="0"/>
-                <a:ea typeface="Times New Roman" panose="02020603050405020304" pitchFamily="18" charset="0"/>
-              </a:rPr>
-              <a:t>5. Unit of analysis:</a:t>
-            </a:r>
-            <a:r>
-              <a:rPr lang="en-US" sz="1800" dirty="0">
-                <a:solidFill>
-                  <a:srgbClr val="000000"/>
-                </a:solidFill>
-                <a:effectLst/>
-                <a:latin typeface="Calibri" panose="020F0502020204030204" pitchFamily="34" charset="0"/>
-                <a:ea typeface="Times New Roman" panose="02020603050405020304" pitchFamily="18" charset="0"/>
-              </a:rPr>
-              <a:t> My unit of analysis will be </a:t>
-            </a:r>
-            <a:r>
-              <a:rPr lang="en-US" sz="1800" b="1" dirty="0">
-                <a:solidFill>
-                  <a:srgbClr val="000000"/>
-                </a:solidFill>
-                <a:effectLst/>
-                <a:latin typeface="Calibri" panose="020F0502020204030204" pitchFamily="34" charset="0"/>
-                <a:ea typeface="Times New Roman" panose="02020603050405020304" pitchFamily="18" charset="0"/>
-              </a:rPr>
-              <a:t>battles</a:t>
-            </a:r>
-            <a:r>
-              <a:rPr lang="en-US" sz="1800" dirty="0">
-                <a:solidFill>
-                  <a:srgbClr val="000000"/>
-                </a:solidFill>
-                <a:effectLst/>
-                <a:latin typeface="Calibri" panose="020F0502020204030204" pitchFamily="34" charset="0"/>
-                <a:ea typeface="Times New Roman" panose="02020603050405020304" pitchFamily="18" charset="0"/>
-              </a:rPr>
-              <a:t>. Because battles are better suited for analysis with compare of operations and campaigns which has bigger dimensions.  </a:t>
-            </a:r>
-            <a:endParaRPr lang="tr-TR" sz="1800" dirty="0">
-              <a:effectLst/>
-              <a:latin typeface="Times New Roman" panose="02020603050405020304" pitchFamily="18" charset="0"/>
-              <a:ea typeface="Times New Roman" panose="02020603050405020304" pitchFamily="18" charset="0"/>
-            </a:endParaRPr>
-          </a:p>
-          <a:p>
-            <a:pPr algn="just">
-              <a:spcBef>
-                <a:spcPts val="600"/>
-              </a:spcBef>
-              <a:spcAft>
-                <a:spcPts val="600"/>
-              </a:spcAft>
-            </a:pPr>
-            <a:r>
-              <a:rPr lang="en-US" sz="1800" b="1" dirty="0">
-                <a:solidFill>
-                  <a:srgbClr val="000000"/>
-                </a:solidFill>
-                <a:effectLst/>
-                <a:latin typeface="Calibri" panose="020F0502020204030204" pitchFamily="34" charset="0"/>
-                <a:ea typeface="Times New Roman" panose="02020603050405020304" pitchFamily="18" charset="0"/>
-              </a:rPr>
-              <a:t>6. Initial Variables:</a:t>
-            </a:r>
-            <a:r>
-              <a:rPr lang="en-US" sz="1800" dirty="0">
-                <a:solidFill>
-                  <a:srgbClr val="000000"/>
-                </a:solidFill>
-                <a:effectLst/>
-                <a:latin typeface="Calibri" panose="020F0502020204030204" pitchFamily="34" charset="0"/>
-                <a:ea typeface="Times New Roman" panose="02020603050405020304" pitchFamily="18" charset="0"/>
-              </a:rPr>
-              <a:t> It is my initial conceptualization that personnel morale and leadership have different and exponential effect than other factors that’s why I thought that they need to be analyzed as intervening variables.  </a:t>
-            </a:r>
-            <a:endParaRPr lang="tr-TR" sz="1800" dirty="0">
-              <a:effectLst/>
-              <a:latin typeface="Times New Roman" panose="02020603050405020304" pitchFamily="18" charset="0"/>
-              <a:ea typeface="Times New Roman" panose="02020603050405020304" pitchFamily="18" charset="0"/>
-            </a:endParaRPr>
-          </a:p>
-          <a:p>
-            <a:pPr marL="342900" lvl="0" indent="-342900" algn="just">
-              <a:spcBef>
-                <a:spcPts val="600"/>
-              </a:spcBef>
-              <a:spcAft>
-                <a:spcPts val="600"/>
-              </a:spcAft>
-              <a:buFont typeface="Symbol" panose="05050102010706020507" pitchFamily="18" charset="2"/>
-              <a:buChar char=""/>
-            </a:pPr>
-            <a:r>
-              <a:rPr lang="en-US" sz="1800" dirty="0">
-                <a:solidFill>
-                  <a:srgbClr val="000000"/>
-                </a:solidFill>
-                <a:effectLst/>
-                <a:latin typeface="Calibri" panose="020F0502020204030204" pitchFamily="34" charset="0"/>
-                <a:ea typeface="Times New Roman" panose="02020603050405020304" pitchFamily="18" charset="0"/>
-              </a:rPr>
-              <a:t>Dependent variable: outcome of the battle. </a:t>
-            </a:r>
-            <a:endParaRPr lang="tr-TR" sz="1800" dirty="0">
-              <a:effectLst/>
-              <a:latin typeface="Times New Roman" panose="02020603050405020304" pitchFamily="18" charset="0"/>
-              <a:ea typeface="Times New Roman" panose="02020603050405020304" pitchFamily="18" charset="0"/>
-            </a:endParaRPr>
-          </a:p>
-          <a:p>
-            <a:pPr marL="342900" lvl="0" indent="-342900" algn="just">
-              <a:spcBef>
-                <a:spcPts val="600"/>
-              </a:spcBef>
-              <a:spcAft>
-                <a:spcPts val="600"/>
-              </a:spcAft>
-              <a:buFont typeface="Symbol" panose="05050102010706020507" pitchFamily="18" charset="2"/>
-              <a:buChar char=""/>
-            </a:pPr>
-            <a:r>
-              <a:rPr lang="en-US" sz="1800" dirty="0">
-                <a:solidFill>
-                  <a:srgbClr val="000000"/>
-                </a:solidFill>
-                <a:effectLst/>
-                <a:latin typeface="Calibri" panose="020F0502020204030204" pitchFamily="34" charset="0"/>
-                <a:ea typeface="Times New Roman" panose="02020603050405020304" pitchFamily="18" charset="0"/>
-              </a:rPr>
-              <a:t>Independent variables: Combat power factors except morale and leadership.</a:t>
-            </a:r>
-            <a:endParaRPr lang="tr-TR" sz="1800" dirty="0">
-              <a:effectLst/>
-              <a:latin typeface="Times New Roman" panose="02020603050405020304" pitchFamily="18" charset="0"/>
-              <a:ea typeface="Times New Roman" panose="02020603050405020304" pitchFamily="18" charset="0"/>
-            </a:endParaRPr>
-          </a:p>
-          <a:p>
-            <a:pPr marL="342900" lvl="0" indent="-342900" algn="just">
-              <a:spcBef>
-                <a:spcPts val="600"/>
-              </a:spcBef>
-              <a:spcAft>
-                <a:spcPts val="600"/>
-              </a:spcAft>
-              <a:buFont typeface="Symbol" panose="05050102010706020507" pitchFamily="18" charset="2"/>
-              <a:buChar char=""/>
-            </a:pPr>
-            <a:r>
-              <a:rPr lang="en-US" sz="1800" dirty="0">
-                <a:solidFill>
-                  <a:srgbClr val="000000"/>
-                </a:solidFill>
-                <a:effectLst/>
-                <a:latin typeface="Calibri" panose="020F0502020204030204" pitchFamily="34" charset="0"/>
-                <a:ea typeface="Times New Roman" panose="02020603050405020304" pitchFamily="18" charset="0"/>
-              </a:rPr>
-              <a:t>Intervening variables: Morale and Leadership</a:t>
-            </a:r>
-            <a:endParaRPr lang="tr-TR" sz="1800" dirty="0">
-              <a:effectLst/>
-              <a:latin typeface="Times New Roman" panose="02020603050405020304" pitchFamily="18" charset="0"/>
-              <a:ea typeface="Times New Roman" panose="02020603050405020304" pitchFamily="18" charset="0"/>
-            </a:endParaRPr>
-          </a:p>
-          <a:p>
-            <a:pPr algn="just"/>
-            <a:r>
-              <a:rPr lang="en-US" sz="1800" b="1" dirty="0">
-                <a:effectLst/>
-                <a:latin typeface="Calibri" panose="020F0502020204030204" pitchFamily="34" charset="0"/>
-                <a:ea typeface="Times New Roman" panose="02020603050405020304" pitchFamily="18" charset="0"/>
-              </a:rPr>
-              <a:t>7. Models to be used: </a:t>
-            </a:r>
-            <a:endParaRPr lang="tr-TR" sz="1800" dirty="0">
-              <a:effectLst/>
-              <a:latin typeface="Times New Roman" panose="02020603050405020304" pitchFamily="18" charset="0"/>
-              <a:ea typeface="Times New Roman" panose="02020603050405020304" pitchFamily="18" charset="0"/>
-            </a:endParaRPr>
-          </a:p>
-          <a:p>
-            <a:pPr marL="342900" lvl="0" indent="-342900" algn="just">
-              <a:buFont typeface="Symbol" panose="05050102010706020507" pitchFamily="18" charset="2"/>
-              <a:buChar char=""/>
-            </a:pPr>
-            <a:r>
-              <a:rPr lang="en-US" sz="1800" b="1" dirty="0">
-                <a:solidFill>
-                  <a:srgbClr val="000000"/>
-                </a:solidFill>
-                <a:effectLst/>
-                <a:latin typeface="Calibri" panose="020F0502020204030204" pitchFamily="34" charset="0"/>
-                <a:ea typeface="Times New Roman" panose="02020603050405020304" pitchFamily="18" charset="0"/>
-              </a:rPr>
-              <a:t>Multiple regression:</a:t>
-            </a:r>
-            <a:r>
-              <a:rPr lang="en-US" sz="1800" dirty="0">
-                <a:solidFill>
-                  <a:srgbClr val="000000"/>
-                </a:solidFill>
-                <a:effectLst/>
-                <a:latin typeface="Calibri" panose="020F0502020204030204" pitchFamily="34" charset="0"/>
-                <a:ea typeface="Times New Roman" panose="02020603050405020304" pitchFamily="18" charset="0"/>
-              </a:rPr>
-              <a:t> This model will yield the percentages of independent and intervening variables effects on variation in the outcome of the battle.</a:t>
-            </a:r>
-            <a:endParaRPr lang="tr-TR" sz="1800" dirty="0">
-              <a:effectLst/>
-              <a:latin typeface="Times New Roman" panose="02020603050405020304" pitchFamily="18" charset="0"/>
-              <a:ea typeface="Times New Roman" panose="02020603050405020304" pitchFamily="18" charset="0"/>
-            </a:endParaRPr>
-          </a:p>
-          <a:p>
-            <a:pPr marL="342900" lvl="0" indent="-342900" algn="just">
-              <a:buFont typeface="Symbol" panose="05050102010706020507" pitchFamily="18" charset="2"/>
-              <a:buChar char=""/>
-            </a:pPr>
-            <a:r>
-              <a:rPr lang="en-US" sz="1800" b="1" dirty="0">
-                <a:solidFill>
-                  <a:srgbClr val="000000"/>
-                </a:solidFill>
-                <a:effectLst/>
-                <a:latin typeface="Calibri" panose="020F0502020204030204" pitchFamily="34" charset="0"/>
-                <a:ea typeface="Times New Roman" panose="02020603050405020304" pitchFamily="18" charset="0"/>
-              </a:rPr>
-              <a:t>Predictions:</a:t>
-            </a:r>
-            <a:r>
-              <a:rPr lang="en-US" sz="1800" dirty="0">
-                <a:solidFill>
-                  <a:srgbClr val="000000"/>
-                </a:solidFill>
-                <a:effectLst/>
-                <a:latin typeface="Calibri" panose="020F0502020204030204" pitchFamily="34" charset="0"/>
-                <a:ea typeface="Times New Roman" panose="02020603050405020304" pitchFamily="18" charset="0"/>
-              </a:rPr>
-              <a:t> Applying machine learning algorithms (Logistic regression, decision trees, K Means Clustering and others) to data set to make predictions for future battle scenarios.</a:t>
-            </a:r>
-            <a:endParaRPr lang="tr-TR" sz="1800" dirty="0">
-              <a:effectLst/>
-              <a:latin typeface="Times New Roman" panose="02020603050405020304" pitchFamily="18" charset="0"/>
-              <a:ea typeface="Times New Roman" panose="02020603050405020304" pitchFamily="18" charset="0"/>
-            </a:endParaRPr>
-          </a:p>
-          <a:p>
             <a:endParaRPr lang="tr-TR" dirty="0"/>
           </a:p>
         </p:txBody>
@@ -1947,7 +1056,987 @@
           <a:p>
             <a:fld id="{344A4FEE-B134-42F3-BC71-245FBE6217C8}" type="slidenum">
               <a:rPr lang="tr-TR" smtClean="0"/>
-              <a:t>17</a:t>
+              <a:t>18</a:t>
+            </a:fld>
+            <a:endParaRPr lang="tr-TR"/>
+          </a:p>
+        </p:txBody>
+      </p:sp>
+    </p:spTree>
+    <p:extLst>
+      <p:ext uri="{BB962C8B-B14F-4D97-AF65-F5344CB8AC3E}">
+        <p14:creationId xmlns:p14="http://schemas.microsoft.com/office/powerpoint/2010/main" val="2412795706"/>
+      </p:ext>
+    </p:extLst>
+  </p:cSld>
+  <p:clrMapOvr>
+    <a:masterClrMapping/>
+  </p:clrMapOvr>
+</p:notes>
+</file>
+
+<file path=ppt/notesSlides/notesSlide16.xml><?xml version="1.0" encoding="utf-8"?>
+<p:notes xmlns:a="http://schemas.openxmlformats.org/drawingml/2006/main" xmlns:r="http://schemas.openxmlformats.org/officeDocument/2006/relationships" xmlns:p="http://schemas.openxmlformats.org/presentationml/2006/main">
+  <p:cSld>
+    <p:spTree>
+      <p:nvGrpSpPr>
+        <p:cNvPr id="1" name=""/>
+        <p:cNvGrpSpPr/>
+        <p:nvPr/>
+      </p:nvGrpSpPr>
+      <p:grpSpPr>
+        <a:xfrm>
+          <a:off x="0" y="0"/>
+          <a:ext cx="0" cy="0"/>
+          <a:chOff x="0" y="0"/>
+          <a:chExt cx="0" cy="0"/>
+        </a:xfrm>
+      </p:grpSpPr>
+      <p:sp>
+        <p:nvSpPr>
+          <p:cNvPr id="2" name="Slide Image Placeholder 1"/>
+          <p:cNvSpPr>
+            <a:spLocks noGrp="1" noRot="1" noChangeAspect="1"/>
+          </p:cNvSpPr>
+          <p:nvPr>
+            <p:ph type="sldImg"/>
+          </p:nvPr>
+        </p:nvSpPr>
+        <p:spPr/>
+      </p:sp>
+      <p:sp>
+        <p:nvSpPr>
+          <p:cNvPr id="3" name="Notes Placeholder 2"/>
+          <p:cNvSpPr>
+            <a:spLocks noGrp="1"/>
+          </p:cNvSpPr>
+          <p:nvPr>
+            <p:ph type="body" idx="1"/>
+          </p:nvPr>
+        </p:nvSpPr>
+        <p:spPr/>
+        <p:txBody>
+          <a:bodyPr/>
+          <a:lstStyle/>
+          <a:p>
+            <a:r>
+              <a:rPr lang="en-US" b="0" i="0" dirty="0">
+                <a:solidFill>
+                  <a:srgbClr val="202124"/>
+                </a:solidFill>
+                <a:effectLst/>
+                <a:latin typeface="arial" panose="020B0604020202020204" pitchFamily="34" charset="0"/>
+              </a:rPr>
+              <a:t>An </a:t>
+            </a:r>
+            <a:r>
+              <a:rPr lang="en-US" b="1" i="0" dirty="0">
+                <a:solidFill>
+                  <a:srgbClr val="202124"/>
+                </a:solidFill>
+                <a:effectLst/>
+                <a:latin typeface="arial" panose="020B0604020202020204" pitchFamily="34" charset="0"/>
+              </a:rPr>
+              <a:t>intervening variable</a:t>
+            </a:r>
+            <a:r>
+              <a:rPr lang="en-US" b="0" i="0" dirty="0">
+                <a:solidFill>
+                  <a:srgbClr val="202124"/>
+                </a:solidFill>
+                <a:effectLst/>
+                <a:latin typeface="arial" panose="020B0604020202020204" pitchFamily="34" charset="0"/>
+              </a:rPr>
+              <a:t> is a hypothetical </a:t>
+            </a:r>
+            <a:r>
+              <a:rPr lang="en-US" b="1" i="0" dirty="0">
+                <a:solidFill>
+                  <a:srgbClr val="202124"/>
+                </a:solidFill>
+                <a:effectLst/>
+                <a:latin typeface="arial" panose="020B0604020202020204" pitchFamily="34" charset="0"/>
+              </a:rPr>
+              <a:t>variable</a:t>
+            </a:r>
+            <a:r>
+              <a:rPr lang="en-US" b="0" i="0" dirty="0">
+                <a:solidFill>
+                  <a:srgbClr val="202124"/>
+                </a:solidFill>
+                <a:effectLst/>
+                <a:latin typeface="arial" panose="020B0604020202020204" pitchFamily="34" charset="0"/>
+              </a:rPr>
+              <a:t> used to explain causal links between other </a:t>
+            </a:r>
+            <a:r>
+              <a:rPr lang="en-US" b="1" i="0" dirty="0">
+                <a:solidFill>
+                  <a:srgbClr val="202124"/>
+                </a:solidFill>
+                <a:effectLst/>
+                <a:latin typeface="arial" panose="020B0604020202020204" pitchFamily="34" charset="0"/>
+              </a:rPr>
+              <a:t>variables</a:t>
+            </a:r>
+            <a:r>
+              <a:rPr lang="en-US" b="0" i="0" dirty="0">
+                <a:solidFill>
+                  <a:srgbClr val="202124"/>
+                </a:solidFill>
+                <a:effectLst/>
+                <a:latin typeface="arial" panose="020B0604020202020204" pitchFamily="34" charset="0"/>
+              </a:rPr>
+              <a:t>. </a:t>
+            </a:r>
+            <a:r>
+              <a:rPr lang="en-US" b="1" i="0" dirty="0">
+                <a:solidFill>
+                  <a:srgbClr val="202124"/>
+                </a:solidFill>
+                <a:effectLst/>
+                <a:latin typeface="arial" panose="020B0604020202020204" pitchFamily="34" charset="0"/>
+              </a:rPr>
+              <a:t>Intervening variables</a:t>
+            </a:r>
+            <a:r>
+              <a:rPr lang="en-US" b="0" i="0" dirty="0">
+                <a:solidFill>
+                  <a:srgbClr val="202124"/>
+                </a:solidFill>
+                <a:effectLst/>
+                <a:latin typeface="arial" panose="020B0604020202020204" pitchFamily="34" charset="0"/>
+              </a:rPr>
+              <a:t> cannot be observed in an experiment (that's why they are hypothetical).</a:t>
+            </a:r>
+            <a:endParaRPr lang="tr-TR" b="0" i="0" dirty="0">
+              <a:solidFill>
+                <a:srgbClr val="202124"/>
+              </a:solidFill>
+              <a:effectLst/>
+              <a:latin typeface="arial" panose="020B0604020202020204" pitchFamily="34" charset="0"/>
+            </a:endParaRPr>
+          </a:p>
+          <a:p>
+            <a:r>
+              <a:rPr lang="en-US" b="0" i="0" dirty="0">
+                <a:solidFill>
+                  <a:srgbClr val="202124"/>
+                </a:solidFill>
+                <a:effectLst/>
+                <a:latin typeface="arial" panose="020B0604020202020204" pitchFamily="34" charset="0"/>
+              </a:rPr>
+              <a:t>The </a:t>
+            </a:r>
+            <a:r>
+              <a:rPr lang="en-US" b="1" i="0" dirty="0">
+                <a:solidFill>
+                  <a:srgbClr val="202124"/>
+                </a:solidFill>
+                <a:effectLst/>
+                <a:latin typeface="arial" panose="020B0604020202020204" pitchFamily="34" charset="0"/>
+              </a:rPr>
+              <a:t>Importance</a:t>
+            </a:r>
+            <a:r>
+              <a:rPr lang="en-US" b="0" i="0" dirty="0">
+                <a:solidFill>
+                  <a:srgbClr val="202124"/>
+                </a:solidFill>
+                <a:effectLst/>
+                <a:latin typeface="arial" panose="020B0604020202020204" pitchFamily="34" charset="0"/>
+              </a:rPr>
+              <a:t> of Identifying </a:t>
+            </a:r>
+            <a:r>
+              <a:rPr lang="en-US" b="1" i="0" dirty="0">
+                <a:solidFill>
+                  <a:srgbClr val="202124"/>
+                </a:solidFill>
+                <a:effectLst/>
+                <a:latin typeface="arial" panose="020B0604020202020204" pitchFamily="34" charset="0"/>
+              </a:rPr>
+              <a:t>Intervening Variables</a:t>
+            </a:r>
+            <a:r>
+              <a:rPr lang="tr-TR" b="1" i="0" dirty="0">
+                <a:solidFill>
+                  <a:srgbClr val="202124"/>
+                </a:solidFill>
+                <a:effectLst/>
+                <a:latin typeface="arial" panose="020B0604020202020204" pitchFamily="34" charset="0"/>
+              </a:rPr>
+              <a:t>: </a:t>
+            </a:r>
+            <a:r>
+              <a:rPr lang="en-US" b="0" i="0" dirty="0">
+                <a:solidFill>
+                  <a:srgbClr val="202124"/>
+                </a:solidFill>
+                <a:effectLst/>
+                <a:latin typeface="arial" panose="020B0604020202020204" pitchFamily="34" charset="0"/>
+              </a:rPr>
+              <a:t>Understanding </a:t>
+            </a:r>
+            <a:r>
+              <a:rPr lang="en-US" b="1" i="0" dirty="0">
+                <a:solidFill>
+                  <a:srgbClr val="202124"/>
+                </a:solidFill>
+                <a:effectLst/>
+                <a:latin typeface="arial" panose="020B0604020202020204" pitchFamily="34" charset="0"/>
+              </a:rPr>
+              <a:t>intervening variables</a:t>
+            </a:r>
+            <a:r>
+              <a:rPr lang="en-US" b="0" i="0" dirty="0">
+                <a:solidFill>
+                  <a:srgbClr val="202124"/>
+                </a:solidFill>
+                <a:effectLst/>
+                <a:latin typeface="arial" panose="020B0604020202020204" pitchFamily="34" charset="0"/>
+              </a:rPr>
+              <a:t> can often help researchers clarify the relationship between an independent and dependent </a:t>
+            </a:r>
+            <a:r>
+              <a:rPr lang="en-US" b="1" i="0" dirty="0">
+                <a:solidFill>
+                  <a:srgbClr val="202124"/>
+                </a:solidFill>
+                <a:effectLst/>
+                <a:latin typeface="arial" panose="020B0604020202020204" pitchFamily="34" charset="0"/>
+              </a:rPr>
+              <a:t>variable</a:t>
+            </a:r>
+            <a:r>
+              <a:rPr lang="en-US" b="0" i="0" dirty="0">
+                <a:solidFill>
+                  <a:srgbClr val="202124"/>
+                </a:solidFill>
+                <a:effectLst/>
+                <a:latin typeface="arial" panose="020B0604020202020204" pitchFamily="34" charset="0"/>
+              </a:rPr>
+              <a:t> because the </a:t>
+            </a:r>
+            <a:r>
+              <a:rPr lang="en-US" b="1" i="0" dirty="0">
+                <a:solidFill>
+                  <a:srgbClr val="202124"/>
+                </a:solidFill>
+                <a:effectLst/>
+                <a:latin typeface="arial" panose="020B0604020202020204" pitchFamily="34" charset="0"/>
+              </a:rPr>
+              <a:t>intervening variables</a:t>
+            </a:r>
+            <a:r>
+              <a:rPr lang="en-US" b="0" i="0" dirty="0">
+                <a:solidFill>
+                  <a:srgbClr val="202124"/>
+                </a:solidFill>
+                <a:effectLst/>
+                <a:latin typeface="arial" panose="020B0604020202020204" pitchFamily="34" charset="0"/>
+              </a:rPr>
+              <a:t> are often the true </a:t>
+            </a:r>
+            <a:r>
+              <a:rPr lang="en-US" b="1" i="0" dirty="0">
+                <a:solidFill>
+                  <a:srgbClr val="202124"/>
+                </a:solidFill>
+                <a:effectLst/>
+                <a:latin typeface="arial" panose="020B0604020202020204" pitchFamily="34" charset="0"/>
+              </a:rPr>
+              <a:t>variable</a:t>
+            </a:r>
+            <a:r>
+              <a:rPr lang="en-US" b="0" i="0" dirty="0">
+                <a:solidFill>
+                  <a:srgbClr val="202124"/>
+                </a:solidFill>
+                <a:effectLst/>
+                <a:latin typeface="arial" panose="020B0604020202020204" pitchFamily="34" charset="0"/>
+              </a:rPr>
+              <a:t> that explains variations in the dependent </a:t>
+            </a:r>
+            <a:r>
+              <a:rPr lang="en-US" b="1" i="0" dirty="0">
+                <a:solidFill>
+                  <a:srgbClr val="202124"/>
+                </a:solidFill>
+                <a:effectLst/>
+                <a:latin typeface="arial" panose="020B0604020202020204" pitchFamily="34" charset="0"/>
+              </a:rPr>
+              <a:t>variable</a:t>
+            </a:r>
+            <a:r>
+              <a:rPr lang="en-US" b="0" i="0" dirty="0">
+                <a:solidFill>
+                  <a:srgbClr val="202124"/>
+                </a:solidFill>
+                <a:effectLst/>
+                <a:latin typeface="arial" panose="020B0604020202020204" pitchFamily="34" charset="0"/>
+              </a:rPr>
+              <a:t>.</a:t>
+            </a:r>
+            <a:endParaRPr lang="tr-TR" b="0" i="0" dirty="0">
+              <a:solidFill>
+                <a:srgbClr val="202124"/>
+              </a:solidFill>
+              <a:effectLst/>
+              <a:latin typeface="arial" panose="020B0604020202020204" pitchFamily="34" charset="0"/>
+            </a:endParaRPr>
+          </a:p>
+          <a:p>
+            <a:pPr algn="just">
+              <a:spcBef>
+                <a:spcPts val="600"/>
+              </a:spcBef>
+              <a:spcAft>
+                <a:spcPts val="600"/>
+              </a:spcAft>
+            </a:pPr>
+            <a:r>
+              <a:rPr lang="en-US" sz="1800" b="1" dirty="0">
+                <a:effectLst/>
+                <a:latin typeface="Calibri" panose="020F0502020204030204" pitchFamily="34" charset="0"/>
+                <a:ea typeface="Times New Roman" panose="02020603050405020304" pitchFamily="18" charset="0"/>
+              </a:rPr>
+              <a:t>. Identified gaps: </a:t>
+            </a:r>
+            <a:endParaRPr lang="tr-TR" sz="1800" dirty="0">
+              <a:effectLst/>
+              <a:latin typeface="Times New Roman" panose="02020603050405020304" pitchFamily="18" charset="0"/>
+              <a:ea typeface="Times New Roman" panose="02020603050405020304" pitchFamily="18" charset="0"/>
+            </a:endParaRPr>
+          </a:p>
+          <a:p>
+            <a:pPr marL="342900" lvl="0" indent="-342900" algn="just">
+              <a:spcBef>
+                <a:spcPts val="600"/>
+              </a:spcBef>
+              <a:spcAft>
+                <a:spcPts val="600"/>
+              </a:spcAft>
+              <a:buFont typeface="+mj-lt"/>
+              <a:buAutoNum type="alphaLcPeriod"/>
+            </a:pPr>
+            <a:r>
+              <a:rPr lang="en-US" sz="1800" dirty="0">
+                <a:effectLst/>
+                <a:latin typeface="Calibri" panose="020F0502020204030204" pitchFamily="34" charset="0"/>
+                <a:ea typeface="Times New Roman" panose="02020603050405020304" pitchFamily="18" charset="0"/>
+              </a:rPr>
+              <a:t>Although the concept of force ratio is well explained theoretically and its explanatory power within the relative combat power factors is analyzed systematically (especially by Biddle), morale and leadership factors are not analyzed thoroughly due to its qualitative nature. </a:t>
+            </a:r>
+            <a:endParaRPr lang="tr-TR" sz="1800" dirty="0">
+              <a:effectLst/>
+              <a:latin typeface="Times New Roman" panose="02020603050405020304" pitchFamily="18" charset="0"/>
+              <a:ea typeface="Times New Roman" panose="02020603050405020304" pitchFamily="18" charset="0"/>
+            </a:endParaRPr>
+          </a:p>
+          <a:p>
+            <a:pPr marL="342900" lvl="0" indent="-342900" algn="just">
+              <a:spcBef>
+                <a:spcPts val="600"/>
+              </a:spcBef>
+              <a:spcAft>
+                <a:spcPts val="600"/>
+              </a:spcAft>
+              <a:buFont typeface="+mj-lt"/>
+              <a:buAutoNum type="alphaLcPeriod"/>
+            </a:pPr>
+            <a:r>
+              <a:rPr lang="en-US" sz="1800" dirty="0">
+                <a:effectLst/>
+                <a:latin typeface="Calibri" panose="020F0502020204030204" pitchFamily="34" charset="0"/>
+                <a:ea typeface="Times New Roman" panose="02020603050405020304" pitchFamily="18" charset="0"/>
+              </a:rPr>
+              <a:t>Judgements up to now relies limited data set, max battles analyzed to make deduction was 660 battles of </a:t>
+            </a:r>
+            <a:r>
+              <a:rPr lang="en-US" sz="1800" dirty="0">
+                <a:solidFill>
+                  <a:srgbClr val="000000"/>
+                </a:solidFill>
+                <a:effectLst/>
+                <a:latin typeface="Calibri" panose="020F0502020204030204" pitchFamily="34" charset="0"/>
+                <a:ea typeface="Times New Roman" panose="02020603050405020304" pitchFamily="18" charset="0"/>
+              </a:rPr>
+              <a:t>CDB90G dataset, which has real data flaws. </a:t>
+            </a:r>
+            <a:endParaRPr lang="tr-TR" sz="1800" dirty="0">
+              <a:effectLst/>
+              <a:latin typeface="Times New Roman" panose="02020603050405020304" pitchFamily="18" charset="0"/>
+              <a:ea typeface="Times New Roman" panose="02020603050405020304" pitchFamily="18" charset="0"/>
+            </a:endParaRPr>
+          </a:p>
+          <a:p>
+            <a:pPr>
+              <a:lnSpc>
+                <a:spcPct val="107000"/>
+              </a:lnSpc>
+              <a:spcAft>
+                <a:spcPts val="800"/>
+              </a:spcAft>
+            </a:pPr>
+            <a:r>
+              <a:rPr lang="en-US" sz="1800" b="1" dirty="0">
+                <a:effectLst/>
+                <a:latin typeface="Calibri" panose="020F0502020204030204" pitchFamily="34" charset="0"/>
+                <a:ea typeface="Calibri" panose="020F0502020204030204" pitchFamily="34" charset="0"/>
+                <a:cs typeface="Calibri" panose="020F0502020204030204" pitchFamily="34" charset="0"/>
+              </a:rPr>
+              <a:t>2. Research questions: </a:t>
+            </a:r>
+            <a:r>
+              <a:rPr lang="en-US" sz="1800" dirty="0">
+                <a:effectLst/>
+                <a:latin typeface="Calibri" panose="020F0502020204030204" pitchFamily="34" charset="0"/>
+                <a:ea typeface="Calibri" panose="020F0502020204030204" pitchFamily="34" charset="0"/>
+                <a:cs typeface="Calibri" panose="020F0502020204030204" pitchFamily="34" charset="0"/>
+              </a:rPr>
+              <a:t>Already submitted in previous section. </a:t>
+            </a:r>
+            <a:endParaRPr lang="tr-TR" sz="1800" dirty="0">
+              <a:effectLst/>
+              <a:latin typeface="Calibri" panose="020F0502020204030204" pitchFamily="34" charset="0"/>
+              <a:ea typeface="Calibri" panose="020F0502020204030204" pitchFamily="34" charset="0"/>
+              <a:cs typeface="Times New Roman" panose="02020603050405020304" pitchFamily="18" charset="0"/>
+            </a:endParaRPr>
+          </a:p>
+          <a:p>
+            <a:pPr algn="just">
+              <a:spcBef>
+                <a:spcPts val="600"/>
+              </a:spcBef>
+              <a:spcAft>
+                <a:spcPts val="600"/>
+              </a:spcAft>
+            </a:pPr>
+            <a:r>
+              <a:rPr lang="en-US" sz="1800" b="1" dirty="0">
+                <a:solidFill>
+                  <a:srgbClr val="000000"/>
+                </a:solidFill>
+                <a:effectLst/>
+                <a:latin typeface="Calibri" panose="020F0502020204030204" pitchFamily="34" charset="0"/>
+                <a:ea typeface="Times New Roman" panose="02020603050405020304" pitchFamily="18" charset="0"/>
+              </a:rPr>
+              <a:t>3. Research methodology: </a:t>
+            </a:r>
+            <a:r>
+              <a:rPr lang="en-US" sz="1800" dirty="0">
+                <a:solidFill>
+                  <a:srgbClr val="000000"/>
+                </a:solidFill>
+                <a:effectLst/>
+                <a:latin typeface="Calibri" panose="020F0502020204030204" pitchFamily="34" charset="0"/>
+                <a:ea typeface="Times New Roman" panose="02020603050405020304" pitchFamily="18" charset="0"/>
+              </a:rPr>
+              <a:t>Literature on this topic reflects about the degree of force ratio’s reliability. While some researchers state that it explains certain degree of result while others state that more sophisticated models need to be used. So, my intention is to develop a model with dependent variable as the outcome of the battle. I will define independent and intervening variables in the research although I have initial propositions. And with regression model I will try to find explanatory power of these variables, in which force ratio will be the one that is to be analyzed. </a:t>
+            </a:r>
+            <a:endParaRPr lang="tr-TR" sz="1800" dirty="0">
+              <a:effectLst/>
+              <a:latin typeface="Times New Roman" panose="02020603050405020304" pitchFamily="18" charset="0"/>
+              <a:ea typeface="Times New Roman" panose="02020603050405020304" pitchFamily="18" charset="0"/>
+            </a:endParaRPr>
+          </a:p>
+          <a:p>
+            <a:pPr algn="just">
+              <a:spcBef>
+                <a:spcPts val="600"/>
+              </a:spcBef>
+              <a:spcAft>
+                <a:spcPts val="600"/>
+              </a:spcAft>
+            </a:pPr>
+            <a:r>
+              <a:rPr lang="en-US" sz="1800" b="1" dirty="0">
+                <a:solidFill>
+                  <a:srgbClr val="000000"/>
+                </a:solidFill>
+                <a:effectLst/>
+                <a:latin typeface="Calibri" panose="020F0502020204030204" pitchFamily="34" charset="0"/>
+                <a:ea typeface="Times New Roman" panose="02020603050405020304" pitchFamily="18" charset="0"/>
+              </a:rPr>
+              <a:t>4. Research</a:t>
+            </a:r>
+            <a:r>
+              <a:rPr lang="en-US" sz="1800" b="1" dirty="0">
+                <a:effectLst/>
+                <a:latin typeface="Calibri" panose="020F0502020204030204" pitchFamily="34" charset="0"/>
+                <a:ea typeface="Times New Roman" panose="02020603050405020304" pitchFamily="18" charset="0"/>
+              </a:rPr>
+              <a:t> steps: </a:t>
+            </a:r>
+            <a:endParaRPr lang="tr-TR" sz="1800" dirty="0">
+              <a:effectLst/>
+              <a:latin typeface="Times New Roman" panose="02020603050405020304" pitchFamily="18" charset="0"/>
+              <a:ea typeface="Times New Roman" panose="02020603050405020304" pitchFamily="18" charset="0"/>
+            </a:endParaRPr>
+          </a:p>
+          <a:p>
+            <a:pPr marL="342900" lvl="0" indent="-342900" algn="just">
+              <a:buFont typeface="Symbol" panose="05050102010706020507" pitchFamily="18" charset="2"/>
+              <a:buChar char=""/>
+            </a:pPr>
+            <a:r>
+              <a:rPr lang="en-US" sz="1800" b="1" dirty="0">
+                <a:effectLst/>
+                <a:latin typeface="Calibri" panose="020F0502020204030204" pitchFamily="34" charset="0"/>
+                <a:ea typeface="Times New Roman" panose="02020603050405020304" pitchFamily="18" charset="0"/>
+              </a:rPr>
+              <a:t>1</a:t>
+            </a:r>
+            <a:r>
+              <a:rPr lang="en-US" sz="1800" b="1" baseline="30000" dirty="0">
+                <a:effectLst/>
+                <a:latin typeface="Calibri" panose="020F0502020204030204" pitchFamily="34" charset="0"/>
+                <a:ea typeface="Times New Roman" panose="02020603050405020304" pitchFamily="18" charset="0"/>
+              </a:rPr>
+              <a:t>st</a:t>
+            </a:r>
+            <a:r>
+              <a:rPr lang="en-US" sz="1800" b="1" dirty="0">
+                <a:effectLst/>
+                <a:latin typeface="Calibri" panose="020F0502020204030204" pitchFamily="34" charset="0"/>
+                <a:ea typeface="Times New Roman" panose="02020603050405020304" pitchFamily="18" charset="0"/>
+              </a:rPr>
+              <a:t> step:</a:t>
+            </a:r>
+            <a:r>
+              <a:rPr lang="en-US" sz="1800" dirty="0">
+                <a:effectLst/>
+                <a:latin typeface="Calibri" panose="020F0502020204030204" pitchFamily="34" charset="0"/>
+                <a:ea typeface="Times New Roman" panose="02020603050405020304" pitchFamily="18" charset="0"/>
+              </a:rPr>
+              <a:t> I will do a </a:t>
+            </a:r>
+            <a:r>
+              <a:rPr lang="en-US" sz="1800" b="1" dirty="0">
+                <a:effectLst/>
+                <a:latin typeface="Calibri" panose="020F0502020204030204" pitchFamily="34" charset="0"/>
+                <a:ea typeface="Times New Roman" panose="02020603050405020304" pitchFamily="18" charset="0"/>
+              </a:rPr>
+              <a:t>case study</a:t>
+            </a:r>
+            <a:r>
+              <a:rPr lang="en-US" sz="1800" dirty="0">
+                <a:effectLst/>
+                <a:latin typeface="Calibri" panose="020F0502020204030204" pitchFamily="34" charset="0"/>
+                <a:ea typeface="Times New Roman" panose="02020603050405020304" pitchFamily="18" charset="0"/>
+              </a:rPr>
+              <a:t> to comprehensively determine the variables. In this study, I will reveal all the variables that may affect the outcome of the battle over the two battles from the designated time periods.</a:t>
+            </a:r>
+            <a:endParaRPr lang="tr-TR" sz="1800" dirty="0">
+              <a:effectLst/>
+              <a:latin typeface="Times New Roman" panose="02020603050405020304" pitchFamily="18" charset="0"/>
+              <a:ea typeface="Times New Roman" panose="02020603050405020304" pitchFamily="18" charset="0"/>
+            </a:endParaRPr>
+          </a:p>
+          <a:p>
+            <a:pPr marL="342900" lvl="0" indent="-342900" algn="just">
+              <a:buFont typeface="Symbol" panose="05050102010706020507" pitchFamily="18" charset="2"/>
+              <a:buChar char=""/>
+            </a:pPr>
+            <a:r>
+              <a:rPr lang="en-US" sz="1800" b="1" dirty="0">
+                <a:effectLst/>
+                <a:latin typeface="Calibri" panose="020F0502020204030204" pitchFamily="34" charset="0"/>
+                <a:ea typeface="Times New Roman" panose="02020603050405020304" pitchFamily="18" charset="0"/>
+              </a:rPr>
+              <a:t>2nd step:</a:t>
+            </a:r>
+            <a:r>
+              <a:rPr lang="en-US" sz="1800" dirty="0">
+                <a:effectLst/>
+                <a:latin typeface="Calibri" panose="020F0502020204030204" pitchFamily="34" charset="0"/>
+                <a:ea typeface="Times New Roman" panose="02020603050405020304" pitchFamily="18" charset="0"/>
+              </a:rPr>
+              <a:t> I will </a:t>
+            </a:r>
+            <a:r>
+              <a:rPr lang="en-US" sz="1800" b="1" dirty="0">
+                <a:effectLst/>
+                <a:latin typeface="Calibri" panose="020F0502020204030204" pitchFamily="34" charset="0"/>
+                <a:ea typeface="Times New Roman" panose="02020603050405020304" pitchFamily="18" charset="0"/>
+              </a:rPr>
+              <a:t>create a database of battles</a:t>
+            </a:r>
+            <a:r>
+              <a:rPr lang="en-US" sz="1800" dirty="0">
+                <a:effectLst/>
+                <a:latin typeface="Calibri" panose="020F0502020204030204" pitchFamily="34" charset="0"/>
+                <a:ea typeface="Times New Roman" panose="02020603050405020304" pitchFamily="18" charset="0"/>
+              </a:rPr>
+              <a:t> with the use of current ones but with concatenating all the available databases with the help of Python Pandas Data Analysis techniques. Because all databases currently available has its own flaws. But if they are to be concatenated all together, it will be more efficient to make deductions. </a:t>
+            </a:r>
+            <a:endParaRPr lang="tr-TR" sz="1800" dirty="0">
+              <a:effectLst/>
+              <a:latin typeface="Times New Roman" panose="02020603050405020304" pitchFamily="18" charset="0"/>
+              <a:ea typeface="Times New Roman" panose="02020603050405020304" pitchFamily="18" charset="0"/>
+            </a:endParaRPr>
+          </a:p>
+          <a:p>
+            <a:pPr marL="342900" lvl="0" indent="-342900" algn="just">
+              <a:buFont typeface="Symbol" panose="05050102010706020507" pitchFamily="18" charset="2"/>
+              <a:buChar char=""/>
+            </a:pPr>
+            <a:r>
+              <a:rPr lang="en-US" sz="1800" b="1" dirty="0">
+                <a:effectLst/>
+                <a:latin typeface="Calibri" panose="020F0502020204030204" pitchFamily="34" charset="0"/>
+                <a:ea typeface="Times New Roman" panose="02020603050405020304" pitchFamily="18" charset="0"/>
+              </a:rPr>
+              <a:t>3</a:t>
+            </a:r>
+            <a:r>
+              <a:rPr lang="en-US" sz="1800" b="1" baseline="30000" dirty="0">
+                <a:effectLst/>
+                <a:latin typeface="Calibri" panose="020F0502020204030204" pitchFamily="34" charset="0"/>
+                <a:ea typeface="Times New Roman" panose="02020603050405020304" pitchFamily="18" charset="0"/>
+              </a:rPr>
+              <a:t>rd</a:t>
+            </a:r>
+            <a:r>
+              <a:rPr lang="en-US" sz="1800" b="1" dirty="0">
+                <a:effectLst/>
+                <a:latin typeface="Calibri" panose="020F0502020204030204" pitchFamily="34" charset="0"/>
+                <a:ea typeface="Times New Roman" panose="02020603050405020304" pitchFamily="18" charset="0"/>
+              </a:rPr>
+              <a:t> step:</a:t>
+            </a:r>
+            <a:r>
+              <a:rPr lang="en-US" sz="1800" dirty="0">
+                <a:effectLst/>
+                <a:latin typeface="Calibri" panose="020F0502020204030204" pitchFamily="34" charset="0"/>
+                <a:ea typeface="Times New Roman" panose="02020603050405020304" pitchFamily="18" charset="0"/>
+              </a:rPr>
+              <a:t> I will </a:t>
+            </a:r>
+            <a:r>
+              <a:rPr lang="en-US" sz="1800" b="1" dirty="0">
+                <a:effectLst/>
+                <a:latin typeface="Calibri" panose="020F0502020204030204" pitchFamily="34" charset="0"/>
+                <a:ea typeface="Times New Roman" panose="02020603050405020304" pitchFamily="18" charset="0"/>
+              </a:rPr>
+              <a:t>apply my variables to the database</a:t>
+            </a:r>
+            <a:r>
+              <a:rPr lang="en-US" sz="1800" dirty="0">
+                <a:effectLst/>
+                <a:latin typeface="Calibri" panose="020F0502020204030204" pitchFamily="34" charset="0"/>
+                <a:ea typeface="Times New Roman" panose="02020603050405020304" pitchFamily="18" charset="0"/>
+              </a:rPr>
+              <a:t> to </a:t>
+            </a:r>
+            <a:r>
+              <a:rPr lang="en-US" sz="1800" b="1" dirty="0">
+                <a:effectLst/>
+                <a:latin typeface="Calibri" panose="020F0502020204030204" pitchFamily="34" charset="0"/>
+                <a:ea typeface="Times New Roman" panose="02020603050405020304" pitchFamily="18" charset="0"/>
+              </a:rPr>
+              <a:t>produce a mathematical model</a:t>
+            </a:r>
+            <a:r>
+              <a:rPr lang="en-US" sz="1800" dirty="0">
+                <a:effectLst/>
+                <a:latin typeface="Calibri" panose="020F0502020204030204" pitchFamily="34" charset="0"/>
+                <a:ea typeface="Times New Roman" panose="02020603050405020304" pitchFamily="18" charset="0"/>
+              </a:rPr>
+              <a:t> with multiple regression analysis.  All other statistical analysis will be conducted here to test the hypothesis.  </a:t>
+            </a:r>
+            <a:endParaRPr lang="tr-TR" sz="1800" dirty="0">
+              <a:effectLst/>
+              <a:latin typeface="Times New Roman" panose="02020603050405020304" pitchFamily="18" charset="0"/>
+              <a:ea typeface="Times New Roman" panose="02020603050405020304" pitchFamily="18" charset="0"/>
+            </a:endParaRPr>
+          </a:p>
+          <a:p>
+            <a:pPr algn="just">
+              <a:spcBef>
+                <a:spcPts val="600"/>
+              </a:spcBef>
+              <a:spcAft>
+                <a:spcPts val="600"/>
+              </a:spcAft>
+            </a:pPr>
+            <a:r>
+              <a:rPr lang="en-US" sz="1800" b="1" dirty="0">
+                <a:solidFill>
+                  <a:srgbClr val="000000"/>
+                </a:solidFill>
+                <a:effectLst/>
+                <a:latin typeface="Calibri" panose="020F0502020204030204" pitchFamily="34" charset="0"/>
+                <a:ea typeface="Times New Roman" panose="02020603050405020304" pitchFamily="18" charset="0"/>
+              </a:rPr>
+              <a:t>5. Unit of analysis:</a:t>
+            </a:r>
+            <a:r>
+              <a:rPr lang="en-US" sz="1800" dirty="0">
+                <a:solidFill>
+                  <a:srgbClr val="000000"/>
+                </a:solidFill>
+                <a:effectLst/>
+                <a:latin typeface="Calibri" panose="020F0502020204030204" pitchFamily="34" charset="0"/>
+                <a:ea typeface="Times New Roman" panose="02020603050405020304" pitchFamily="18" charset="0"/>
+              </a:rPr>
+              <a:t> My unit of analysis will be </a:t>
+            </a:r>
+            <a:r>
+              <a:rPr lang="en-US" sz="1800" b="1" dirty="0">
+                <a:solidFill>
+                  <a:srgbClr val="000000"/>
+                </a:solidFill>
+                <a:effectLst/>
+                <a:latin typeface="Calibri" panose="020F0502020204030204" pitchFamily="34" charset="0"/>
+                <a:ea typeface="Times New Roman" panose="02020603050405020304" pitchFamily="18" charset="0"/>
+              </a:rPr>
+              <a:t>battles</a:t>
+            </a:r>
+            <a:r>
+              <a:rPr lang="en-US" sz="1800" dirty="0">
+                <a:solidFill>
+                  <a:srgbClr val="000000"/>
+                </a:solidFill>
+                <a:effectLst/>
+                <a:latin typeface="Calibri" panose="020F0502020204030204" pitchFamily="34" charset="0"/>
+                <a:ea typeface="Times New Roman" panose="02020603050405020304" pitchFamily="18" charset="0"/>
+              </a:rPr>
+              <a:t>. Because battles are better suited for analysis with compare of operations and campaigns which has bigger dimensions.  </a:t>
+            </a:r>
+            <a:endParaRPr lang="tr-TR" sz="1800" dirty="0">
+              <a:effectLst/>
+              <a:latin typeface="Times New Roman" panose="02020603050405020304" pitchFamily="18" charset="0"/>
+              <a:ea typeface="Times New Roman" panose="02020603050405020304" pitchFamily="18" charset="0"/>
+            </a:endParaRPr>
+          </a:p>
+          <a:p>
+            <a:pPr algn="just">
+              <a:spcBef>
+                <a:spcPts val="600"/>
+              </a:spcBef>
+              <a:spcAft>
+                <a:spcPts val="600"/>
+              </a:spcAft>
+            </a:pPr>
+            <a:r>
+              <a:rPr lang="en-US" sz="1800" b="1" dirty="0">
+                <a:solidFill>
+                  <a:srgbClr val="000000"/>
+                </a:solidFill>
+                <a:effectLst/>
+                <a:latin typeface="Calibri" panose="020F0502020204030204" pitchFamily="34" charset="0"/>
+                <a:ea typeface="Times New Roman" panose="02020603050405020304" pitchFamily="18" charset="0"/>
+              </a:rPr>
+              <a:t>6. Initial Variables:</a:t>
+            </a:r>
+            <a:r>
+              <a:rPr lang="en-US" sz="1800" dirty="0">
+                <a:solidFill>
+                  <a:srgbClr val="000000"/>
+                </a:solidFill>
+                <a:effectLst/>
+                <a:latin typeface="Calibri" panose="020F0502020204030204" pitchFamily="34" charset="0"/>
+                <a:ea typeface="Times New Roman" panose="02020603050405020304" pitchFamily="18" charset="0"/>
+              </a:rPr>
+              <a:t> It is my initial conceptualization that personnel morale and leadership have different and exponential effect than other factors that’s why I thought that they need to be analyzed as intervening variables.  </a:t>
+            </a:r>
+            <a:endParaRPr lang="tr-TR" sz="1800" dirty="0">
+              <a:effectLst/>
+              <a:latin typeface="Times New Roman" panose="02020603050405020304" pitchFamily="18" charset="0"/>
+              <a:ea typeface="Times New Roman" panose="02020603050405020304" pitchFamily="18" charset="0"/>
+            </a:endParaRPr>
+          </a:p>
+          <a:p>
+            <a:pPr marL="342900" lvl="0" indent="-342900" algn="just">
+              <a:spcBef>
+                <a:spcPts val="600"/>
+              </a:spcBef>
+              <a:spcAft>
+                <a:spcPts val="600"/>
+              </a:spcAft>
+              <a:buFont typeface="Symbol" panose="05050102010706020507" pitchFamily="18" charset="2"/>
+              <a:buChar char=""/>
+            </a:pPr>
+            <a:r>
+              <a:rPr lang="en-US" sz="1800" dirty="0">
+                <a:solidFill>
+                  <a:srgbClr val="000000"/>
+                </a:solidFill>
+                <a:effectLst/>
+                <a:latin typeface="Calibri" panose="020F0502020204030204" pitchFamily="34" charset="0"/>
+                <a:ea typeface="Times New Roman" panose="02020603050405020304" pitchFamily="18" charset="0"/>
+              </a:rPr>
+              <a:t>Dependent variable: outcome of the battle. </a:t>
+            </a:r>
+            <a:endParaRPr lang="tr-TR" sz="1800" dirty="0">
+              <a:effectLst/>
+              <a:latin typeface="Times New Roman" panose="02020603050405020304" pitchFamily="18" charset="0"/>
+              <a:ea typeface="Times New Roman" panose="02020603050405020304" pitchFamily="18" charset="0"/>
+            </a:endParaRPr>
+          </a:p>
+          <a:p>
+            <a:pPr marL="342900" lvl="0" indent="-342900" algn="just">
+              <a:spcBef>
+                <a:spcPts val="600"/>
+              </a:spcBef>
+              <a:spcAft>
+                <a:spcPts val="600"/>
+              </a:spcAft>
+              <a:buFont typeface="Symbol" panose="05050102010706020507" pitchFamily="18" charset="2"/>
+              <a:buChar char=""/>
+            </a:pPr>
+            <a:r>
+              <a:rPr lang="en-US" sz="1800" dirty="0">
+                <a:solidFill>
+                  <a:srgbClr val="000000"/>
+                </a:solidFill>
+                <a:effectLst/>
+                <a:latin typeface="Calibri" panose="020F0502020204030204" pitchFamily="34" charset="0"/>
+                <a:ea typeface="Times New Roman" panose="02020603050405020304" pitchFamily="18" charset="0"/>
+              </a:rPr>
+              <a:t>Independent variables: Combat power factors except morale and leadership.</a:t>
+            </a:r>
+            <a:endParaRPr lang="tr-TR" sz="1800" dirty="0">
+              <a:effectLst/>
+              <a:latin typeface="Times New Roman" panose="02020603050405020304" pitchFamily="18" charset="0"/>
+              <a:ea typeface="Times New Roman" panose="02020603050405020304" pitchFamily="18" charset="0"/>
+            </a:endParaRPr>
+          </a:p>
+          <a:p>
+            <a:pPr marL="342900" lvl="0" indent="-342900" algn="just">
+              <a:spcBef>
+                <a:spcPts val="600"/>
+              </a:spcBef>
+              <a:spcAft>
+                <a:spcPts val="600"/>
+              </a:spcAft>
+              <a:buFont typeface="Symbol" panose="05050102010706020507" pitchFamily="18" charset="2"/>
+              <a:buChar char=""/>
+            </a:pPr>
+            <a:r>
+              <a:rPr lang="en-US" sz="1800" dirty="0">
+                <a:solidFill>
+                  <a:srgbClr val="000000"/>
+                </a:solidFill>
+                <a:effectLst/>
+                <a:latin typeface="Calibri" panose="020F0502020204030204" pitchFamily="34" charset="0"/>
+                <a:ea typeface="Times New Roman" panose="02020603050405020304" pitchFamily="18" charset="0"/>
+              </a:rPr>
+              <a:t>Intervening variables: Morale and Leadership</a:t>
+            </a:r>
+            <a:endParaRPr lang="tr-TR" sz="1800" dirty="0">
+              <a:effectLst/>
+              <a:latin typeface="Times New Roman" panose="02020603050405020304" pitchFamily="18" charset="0"/>
+              <a:ea typeface="Times New Roman" panose="02020603050405020304" pitchFamily="18" charset="0"/>
+            </a:endParaRPr>
+          </a:p>
+          <a:p>
+            <a:pPr algn="just"/>
+            <a:r>
+              <a:rPr lang="en-US" sz="1800" b="1" dirty="0">
+                <a:effectLst/>
+                <a:latin typeface="Calibri" panose="020F0502020204030204" pitchFamily="34" charset="0"/>
+                <a:ea typeface="Times New Roman" panose="02020603050405020304" pitchFamily="18" charset="0"/>
+              </a:rPr>
+              <a:t>7. Models to be used: </a:t>
+            </a:r>
+            <a:endParaRPr lang="tr-TR" sz="1800" dirty="0">
+              <a:effectLst/>
+              <a:latin typeface="Times New Roman" panose="02020603050405020304" pitchFamily="18" charset="0"/>
+              <a:ea typeface="Times New Roman" panose="02020603050405020304" pitchFamily="18" charset="0"/>
+            </a:endParaRPr>
+          </a:p>
+          <a:p>
+            <a:pPr marL="342900" lvl="0" indent="-342900" algn="just">
+              <a:buFont typeface="Symbol" panose="05050102010706020507" pitchFamily="18" charset="2"/>
+              <a:buChar char=""/>
+            </a:pPr>
+            <a:r>
+              <a:rPr lang="en-US" sz="1800" b="1" dirty="0">
+                <a:solidFill>
+                  <a:srgbClr val="000000"/>
+                </a:solidFill>
+                <a:effectLst/>
+                <a:latin typeface="Calibri" panose="020F0502020204030204" pitchFamily="34" charset="0"/>
+                <a:ea typeface="Times New Roman" panose="02020603050405020304" pitchFamily="18" charset="0"/>
+              </a:rPr>
+              <a:t>Multiple regression:</a:t>
+            </a:r>
+            <a:r>
+              <a:rPr lang="en-US" sz="1800" dirty="0">
+                <a:solidFill>
+                  <a:srgbClr val="000000"/>
+                </a:solidFill>
+                <a:effectLst/>
+                <a:latin typeface="Calibri" panose="020F0502020204030204" pitchFamily="34" charset="0"/>
+                <a:ea typeface="Times New Roman" panose="02020603050405020304" pitchFamily="18" charset="0"/>
+              </a:rPr>
+              <a:t> This model will yield the percentages of independent and intervening variables effects on variation in the outcome of the battle.</a:t>
+            </a:r>
+            <a:endParaRPr lang="tr-TR" sz="1800" dirty="0">
+              <a:effectLst/>
+              <a:latin typeface="Times New Roman" panose="02020603050405020304" pitchFamily="18" charset="0"/>
+              <a:ea typeface="Times New Roman" panose="02020603050405020304" pitchFamily="18" charset="0"/>
+            </a:endParaRPr>
+          </a:p>
+          <a:p>
+            <a:pPr marL="342900" lvl="0" indent="-342900" algn="just">
+              <a:buFont typeface="Symbol" panose="05050102010706020507" pitchFamily="18" charset="2"/>
+              <a:buChar char=""/>
+            </a:pPr>
+            <a:r>
+              <a:rPr lang="en-US" sz="1800" b="1" dirty="0">
+                <a:solidFill>
+                  <a:srgbClr val="000000"/>
+                </a:solidFill>
+                <a:effectLst/>
+                <a:latin typeface="Calibri" panose="020F0502020204030204" pitchFamily="34" charset="0"/>
+                <a:ea typeface="Times New Roman" panose="02020603050405020304" pitchFamily="18" charset="0"/>
+              </a:rPr>
+              <a:t>Predictions:</a:t>
+            </a:r>
+            <a:r>
+              <a:rPr lang="en-US" sz="1800" dirty="0">
+                <a:solidFill>
+                  <a:srgbClr val="000000"/>
+                </a:solidFill>
+                <a:effectLst/>
+                <a:latin typeface="Calibri" panose="020F0502020204030204" pitchFamily="34" charset="0"/>
+                <a:ea typeface="Times New Roman" panose="02020603050405020304" pitchFamily="18" charset="0"/>
+              </a:rPr>
+              <a:t> Applying machine learning algorithms (Logistic regression, decision trees, K Means Clustering and others) to data set to make predictions for future battle scenarios.</a:t>
+            </a:r>
+            <a:endParaRPr lang="tr-TR" sz="1800" dirty="0">
+              <a:effectLst/>
+              <a:latin typeface="Times New Roman" panose="02020603050405020304" pitchFamily="18" charset="0"/>
+              <a:ea typeface="Times New Roman" panose="02020603050405020304" pitchFamily="18" charset="0"/>
+            </a:endParaRPr>
+          </a:p>
+          <a:p>
+            <a:endParaRPr lang="tr-TR" dirty="0"/>
+          </a:p>
+        </p:txBody>
+      </p:sp>
+      <p:sp>
+        <p:nvSpPr>
+          <p:cNvPr id="4" name="Slide Number Placeholder 3"/>
+          <p:cNvSpPr>
+            <a:spLocks noGrp="1"/>
+          </p:cNvSpPr>
+          <p:nvPr>
+            <p:ph type="sldNum" sz="quarter" idx="5"/>
+          </p:nvPr>
+        </p:nvSpPr>
+        <p:spPr/>
+        <p:txBody>
+          <a:bodyPr/>
+          <a:lstStyle/>
+          <a:p>
+            <a:fld id="{344A4FEE-B134-42F3-BC71-245FBE6217C8}" type="slidenum">
+              <a:rPr lang="tr-TR" smtClean="0"/>
+              <a:t>19</a:t>
             </a:fld>
             <a:endParaRPr lang="tr-TR"/>
           </a:p>
@@ -1957,6 +2046,120 @@
     <p:extLst>
       <p:ext uri="{BB962C8B-B14F-4D97-AF65-F5344CB8AC3E}">
         <p14:creationId xmlns:p14="http://schemas.microsoft.com/office/powerpoint/2010/main" val="2911729695"/>
+      </p:ext>
+    </p:extLst>
+  </p:cSld>
+  <p:clrMapOvr>
+    <a:masterClrMapping/>
+  </p:clrMapOvr>
+</p:notes>
+</file>
+
+<file path=ppt/notesSlides/notesSlide17.xml><?xml version="1.0" encoding="utf-8"?>
+<p:notes xmlns:a="http://schemas.openxmlformats.org/drawingml/2006/main" xmlns:r="http://schemas.openxmlformats.org/officeDocument/2006/relationships" xmlns:p="http://schemas.openxmlformats.org/presentationml/2006/main">
+  <p:cSld>
+    <p:spTree>
+      <p:nvGrpSpPr>
+        <p:cNvPr id="1" name=""/>
+        <p:cNvGrpSpPr/>
+        <p:nvPr/>
+      </p:nvGrpSpPr>
+      <p:grpSpPr>
+        <a:xfrm>
+          <a:off x="0" y="0"/>
+          <a:ext cx="0" cy="0"/>
+          <a:chOff x="0" y="0"/>
+          <a:chExt cx="0" cy="0"/>
+        </a:xfrm>
+      </p:grpSpPr>
+      <p:sp>
+        <p:nvSpPr>
+          <p:cNvPr id="2" name="Slide Image Placeholder 1"/>
+          <p:cNvSpPr>
+            <a:spLocks noGrp="1" noRot="1" noChangeAspect="1"/>
+          </p:cNvSpPr>
+          <p:nvPr>
+            <p:ph type="sldImg"/>
+          </p:nvPr>
+        </p:nvSpPr>
+        <p:spPr/>
+      </p:sp>
+      <p:sp>
+        <p:nvSpPr>
+          <p:cNvPr id="3" name="Notes Placeholder 2"/>
+          <p:cNvSpPr>
+            <a:spLocks noGrp="1"/>
+          </p:cNvSpPr>
+          <p:nvPr>
+            <p:ph type="body" idx="1"/>
+          </p:nvPr>
+        </p:nvSpPr>
+        <p:spPr/>
+        <p:txBody>
+          <a:bodyPr/>
+          <a:lstStyle/>
+          <a:p>
+            <a:pPr marL="0" marR="0" lvl="0" indent="0" algn="l" defTabSz="914400" rtl="0" eaLnBrk="1" fontAlgn="auto" latinLnBrk="0" hangingPunct="1">
+              <a:lnSpc>
+                <a:spcPct val="100000"/>
+              </a:lnSpc>
+              <a:spcBef>
+                <a:spcPts val="0"/>
+              </a:spcBef>
+              <a:spcAft>
+                <a:spcPts val="0"/>
+              </a:spcAft>
+              <a:buClrTx/>
+              <a:buSzTx/>
+              <a:buFontTx/>
+              <a:buNone/>
+              <a:tabLst/>
+              <a:defRPr/>
+            </a:pPr>
+            <a:r>
+              <a:rPr lang="en-US" b="0" i="0" dirty="0">
+                <a:solidFill>
+                  <a:srgbClr val="292929"/>
+                </a:solidFill>
+                <a:effectLst/>
+                <a:latin typeface="charter"/>
+              </a:rPr>
+              <a:t>The mapping from textual data to real valued vectors is called feature extraction. </a:t>
+            </a:r>
+            <a:endParaRPr lang="tr-TR" dirty="0"/>
+          </a:p>
+          <a:p>
+            <a:endParaRPr lang="tr-TR" dirty="0"/>
+          </a:p>
+        </p:txBody>
+      </p:sp>
+      <p:sp>
+        <p:nvSpPr>
+          <p:cNvPr id="4" name="Slide Number Placeholder 3"/>
+          <p:cNvSpPr>
+            <a:spLocks noGrp="1"/>
+          </p:cNvSpPr>
+          <p:nvPr>
+            <p:ph type="sldNum" sz="quarter" idx="5"/>
+          </p:nvPr>
+        </p:nvSpPr>
+        <p:spPr/>
+        <p:txBody>
+          <a:bodyPr/>
+          <a:lstStyle/>
+          <a:p>
+            <a:fld id="{344A4FEE-B134-42F3-BC71-245FBE6217C8}" type="slidenum">
+              <a:rPr lang="tr-TR" smtClean="0"/>
+              <a:t>21</a:t>
+            </a:fld>
+            <a:endParaRPr lang="tr-TR"/>
+          </a:p>
+        </p:txBody>
+      </p:sp>
+    </p:spTree>
+    <p:extLst>
+      <p:ext uri="{BB962C8B-B14F-4D97-AF65-F5344CB8AC3E}">
+        <p14:creationId xmlns:p14="http://schemas.microsoft.com/office/powerpoint/2010/main" val="3304239312"/>
       </p:ext>
     </p:extLst>
   </p:cSld>
@@ -4483,7 +4686,7 @@
           <a:p>
             <a:fld id="{0B27EE79-B449-44A2-B1EF-6094F2079680}" type="datetimeFigureOut">
               <a:rPr lang="tr-TR" smtClean="0"/>
-              <a:t>26.11.2021</a:t>
+              <a:t>10.12.2021</a:t>
             </a:fld>
             <a:endParaRPr lang="tr-TR"/>
           </a:p>
@@ -4683,7 +4886,7 @@
           <a:p>
             <a:fld id="{0B27EE79-B449-44A2-B1EF-6094F2079680}" type="datetimeFigureOut">
               <a:rPr lang="tr-TR" smtClean="0"/>
-              <a:t>26.11.2021</a:t>
+              <a:t>10.12.2021</a:t>
             </a:fld>
             <a:endParaRPr lang="tr-TR"/>
           </a:p>
@@ -4893,7 +5096,7 @@
           <a:p>
             <a:fld id="{0B27EE79-B449-44A2-B1EF-6094F2079680}" type="datetimeFigureOut">
               <a:rPr lang="tr-TR" smtClean="0"/>
-              <a:t>26.11.2021</a:t>
+              <a:t>10.12.2021</a:t>
             </a:fld>
             <a:endParaRPr lang="tr-TR"/>
           </a:p>
@@ -5093,7 +5296,7 @@
           <a:p>
             <a:fld id="{0B27EE79-B449-44A2-B1EF-6094F2079680}" type="datetimeFigureOut">
               <a:rPr lang="tr-TR" smtClean="0"/>
-              <a:t>26.11.2021</a:t>
+              <a:t>10.12.2021</a:t>
             </a:fld>
             <a:endParaRPr lang="tr-TR"/>
           </a:p>
@@ -5369,7 +5572,7 @@
           <a:p>
             <a:fld id="{0B27EE79-B449-44A2-B1EF-6094F2079680}" type="datetimeFigureOut">
               <a:rPr lang="tr-TR" smtClean="0"/>
-              <a:t>26.11.2021</a:t>
+              <a:t>10.12.2021</a:t>
             </a:fld>
             <a:endParaRPr lang="tr-TR"/>
           </a:p>
@@ -5637,7 +5840,7 @@
           <a:p>
             <a:fld id="{0B27EE79-B449-44A2-B1EF-6094F2079680}" type="datetimeFigureOut">
               <a:rPr lang="tr-TR" smtClean="0"/>
-              <a:t>26.11.2021</a:t>
+              <a:t>10.12.2021</a:t>
             </a:fld>
             <a:endParaRPr lang="tr-TR"/>
           </a:p>
@@ -6052,7 +6255,7 @@
           <a:p>
             <a:fld id="{0B27EE79-B449-44A2-B1EF-6094F2079680}" type="datetimeFigureOut">
               <a:rPr lang="tr-TR" smtClean="0"/>
-              <a:t>26.11.2021</a:t>
+              <a:t>10.12.2021</a:t>
             </a:fld>
             <a:endParaRPr lang="tr-TR"/>
           </a:p>
@@ -6194,7 +6397,7 @@
           <a:p>
             <a:fld id="{0B27EE79-B449-44A2-B1EF-6094F2079680}" type="datetimeFigureOut">
               <a:rPr lang="tr-TR" smtClean="0"/>
-              <a:t>26.11.2021</a:t>
+              <a:t>10.12.2021</a:t>
             </a:fld>
             <a:endParaRPr lang="tr-TR"/>
           </a:p>
@@ -6307,7 +6510,7 @@
           <a:p>
             <a:fld id="{0B27EE79-B449-44A2-B1EF-6094F2079680}" type="datetimeFigureOut">
               <a:rPr lang="tr-TR" smtClean="0"/>
-              <a:t>26.11.2021</a:t>
+              <a:t>10.12.2021</a:t>
             </a:fld>
             <a:endParaRPr lang="tr-TR"/>
           </a:p>
@@ -6620,7 +6823,7 @@
           <a:p>
             <a:fld id="{0B27EE79-B449-44A2-B1EF-6094F2079680}" type="datetimeFigureOut">
               <a:rPr lang="tr-TR" smtClean="0"/>
-              <a:t>26.11.2021</a:t>
+              <a:t>10.12.2021</a:t>
             </a:fld>
             <a:endParaRPr lang="tr-TR"/>
           </a:p>
@@ -6909,7 +7112,7 @@
           <a:p>
             <a:fld id="{0B27EE79-B449-44A2-B1EF-6094F2079680}" type="datetimeFigureOut">
               <a:rPr lang="tr-TR" smtClean="0"/>
-              <a:t>26.11.2021</a:t>
+              <a:t>10.12.2021</a:t>
             </a:fld>
             <a:endParaRPr lang="tr-TR"/>
           </a:p>
@@ -7152,7 +7355,7 @@
           <a:p>
             <a:fld id="{0B27EE79-B449-44A2-B1EF-6094F2079680}" type="datetimeFigureOut">
               <a:rPr lang="tr-TR" smtClean="0"/>
-              <a:t>26.11.2021</a:t>
+              <a:t>10.12.2021</a:t>
             </a:fld>
             <a:endParaRPr lang="tr-TR"/>
           </a:p>
@@ -13197,6 +13400,510 @@
           <p:cNvPr id="2" name="Title 1">
             <a:extLst>
               <a:ext uri="{FF2B5EF4-FFF2-40B4-BE49-F238E27FC236}">
+                <a16:creationId xmlns:a16="http://schemas.microsoft.com/office/drawing/2014/main" id="{097F4DB2-21B1-489F-8964-B2DFD8C40007}"/>
+              </a:ext>
+            </a:extLst>
+          </p:cNvPr>
+          <p:cNvSpPr>
+            <a:spLocks noGrp="1"/>
+          </p:cNvSpPr>
+          <p:nvPr>
+            <p:ph type="title"/>
+          </p:nvPr>
+        </p:nvSpPr>
+        <p:spPr/>
+        <p:txBody>
+          <a:bodyPr>
+            <a:normAutofit fontScale="90000"/>
+          </a:bodyPr>
+          <a:lstStyle/>
+          <a:p>
+            <a:r>
+              <a:rPr lang="tr-TR" sz="4400" kern="1200" dirty="0">
+                <a:solidFill>
+                  <a:schemeClr val="dk1"/>
+                </a:solidFill>
+                <a:effectLst/>
+                <a:latin typeface="+mn-lt"/>
+                <a:ea typeface="+mn-ea"/>
+                <a:cs typeface="+mn-cs"/>
+              </a:rPr>
+              <a:t>NLP Approach to discover hidden relationships</a:t>
+            </a:r>
+            <a:br>
+              <a:rPr lang="tr-TR" sz="4400" kern="1200" dirty="0">
+                <a:solidFill>
+                  <a:schemeClr val="dk1"/>
+                </a:solidFill>
+                <a:effectLst/>
+                <a:latin typeface="+mn-lt"/>
+                <a:ea typeface="+mn-ea"/>
+                <a:cs typeface="+mn-cs"/>
+              </a:rPr>
+            </a:br>
+            <a:endParaRPr lang="tr-TR" dirty="0"/>
+          </a:p>
+        </p:txBody>
+      </p:sp>
+      <p:sp>
+        <p:nvSpPr>
+          <p:cNvPr id="3" name="Content Placeholder 2">
+            <a:extLst>
+              <a:ext uri="{FF2B5EF4-FFF2-40B4-BE49-F238E27FC236}">
+                <a16:creationId xmlns:a16="http://schemas.microsoft.com/office/drawing/2014/main" id="{DBFD2563-E76C-4958-804D-0A9F7E6E21D7}"/>
+              </a:ext>
+            </a:extLst>
+          </p:cNvPr>
+          <p:cNvSpPr>
+            <a:spLocks noGrp="1"/>
+          </p:cNvSpPr>
+          <p:nvPr>
+            <p:ph idx="1"/>
+          </p:nvPr>
+        </p:nvSpPr>
+        <p:spPr>
+          <a:xfrm>
+            <a:off x="838200" y="1585233"/>
+            <a:ext cx="10515600" cy="4351338"/>
+          </a:xfrm>
+        </p:spPr>
+        <p:txBody>
+          <a:bodyPr>
+            <a:normAutofit/>
+          </a:bodyPr>
+          <a:lstStyle/>
+          <a:p>
+            <a:pPr marL="1200150" lvl="2" indent="-285750">
+              <a:buFont typeface="Courier New" panose="02070309020205020404" pitchFamily="49" charset="0"/>
+              <a:buChar char="o"/>
+            </a:pPr>
+            <a:r>
+              <a:rPr lang="tr-TR" sz="2400" kern="1200" dirty="0">
+                <a:solidFill>
+                  <a:schemeClr val="dk1"/>
+                </a:solidFill>
+                <a:effectLst/>
+                <a:highlight>
+                  <a:srgbClr val="FFFF00"/>
+                </a:highlight>
+                <a:latin typeface="+mn-lt"/>
+                <a:ea typeface="+mn-ea"/>
+                <a:cs typeface="+mn-cs"/>
+              </a:rPr>
+              <a:t>annotate</a:t>
+            </a:r>
+            <a:r>
+              <a:rPr lang="tr-TR" sz="2400" kern="1200" dirty="0">
+                <a:solidFill>
+                  <a:schemeClr val="dk1"/>
+                </a:solidFill>
+                <a:effectLst/>
+                <a:latin typeface="+mn-lt"/>
+                <a:ea typeface="+mn-ea"/>
+                <a:cs typeface="+mn-cs"/>
+              </a:rPr>
+              <a:t> the </a:t>
+            </a:r>
+            <a:r>
+              <a:rPr lang="tr-TR" sz="2400" b="1" kern="1200" dirty="0">
+                <a:solidFill>
+                  <a:schemeClr val="dk1"/>
+                </a:solidFill>
+                <a:effectLst/>
+                <a:latin typeface="+mn-lt"/>
+                <a:ea typeface="+mn-ea"/>
+                <a:cs typeface="+mn-cs"/>
+              </a:rPr>
+              <a:t>named entities, like military spirit</a:t>
+            </a:r>
+            <a:r>
+              <a:rPr lang="tr-TR" sz="2400" kern="1200" dirty="0">
+                <a:solidFill>
+                  <a:schemeClr val="dk1"/>
+                </a:solidFill>
+                <a:effectLst/>
+                <a:latin typeface="+mn-lt"/>
+                <a:ea typeface="+mn-ea"/>
+                <a:cs typeface="+mn-cs"/>
+              </a:rPr>
+              <a:t> (Clausewitz name it as most important moral elements in war)</a:t>
+            </a:r>
+          </a:p>
+          <a:p>
+            <a:pPr marL="1200150" lvl="2" indent="-285750">
+              <a:buFont typeface="Courier New" panose="02070309020205020404" pitchFamily="49" charset="0"/>
+              <a:buChar char="o"/>
+            </a:pPr>
+            <a:r>
+              <a:rPr lang="tr-TR" sz="2400" kern="1200" dirty="0">
+                <a:solidFill>
+                  <a:schemeClr val="dk1"/>
+                </a:solidFill>
+                <a:effectLst/>
+                <a:highlight>
+                  <a:srgbClr val="FFFF00"/>
+                </a:highlight>
+                <a:latin typeface="+mn-lt"/>
+                <a:ea typeface="+mn-ea"/>
+                <a:cs typeface="+mn-cs"/>
+              </a:rPr>
+              <a:t>train</a:t>
+            </a:r>
+            <a:r>
+              <a:rPr lang="tr-TR" sz="2400" kern="1200" dirty="0">
+                <a:solidFill>
+                  <a:schemeClr val="dk1"/>
+                </a:solidFill>
+                <a:effectLst/>
+                <a:latin typeface="+mn-lt"/>
+                <a:ea typeface="+mn-ea"/>
+                <a:cs typeface="+mn-cs"/>
+              </a:rPr>
+              <a:t> </a:t>
+            </a:r>
+            <a:r>
+              <a:rPr lang="tr-TR" sz="2400" b="1" kern="1200" dirty="0">
+                <a:solidFill>
+                  <a:schemeClr val="dk1"/>
+                </a:solidFill>
+                <a:effectLst/>
+                <a:latin typeface="+mn-lt"/>
+                <a:ea typeface="+mn-ea"/>
+                <a:cs typeface="+mn-cs"/>
+              </a:rPr>
+              <a:t>named entity recognition </a:t>
+            </a:r>
+            <a:r>
+              <a:rPr lang="tr-TR" sz="2400" kern="1200" dirty="0">
+                <a:solidFill>
+                  <a:schemeClr val="dk1"/>
+                </a:solidFill>
+                <a:effectLst/>
+                <a:latin typeface="+mn-lt"/>
+                <a:ea typeface="+mn-ea"/>
+                <a:cs typeface="+mn-cs"/>
+              </a:rPr>
+              <a:t>(NER) and </a:t>
+            </a:r>
+            <a:r>
+              <a:rPr lang="tr-TR" sz="2400" b="1" kern="1200" dirty="0">
+                <a:solidFill>
+                  <a:schemeClr val="dk1"/>
+                </a:solidFill>
+                <a:effectLst/>
+                <a:latin typeface="+mn-lt"/>
+                <a:ea typeface="+mn-ea"/>
+                <a:cs typeface="+mn-cs"/>
+              </a:rPr>
+              <a:t>Relation Extraction</a:t>
+            </a:r>
+            <a:r>
+              <a:rPr lang="tr-TR" sz="2400" kern="1200" dirty="0">
+                <a:solidFill>
+                  <a:schemeClr val="dk1"/>
+                </a:solidFill>
+                <a:effectLst/>
+                <a:latin typeface="+mn-lt"/>
+                <a:ea typeface="+mn-ea"/>
+                <a:cs typeface="+mn-cs"/>
+              </a:rPr>
+              <a:t> (RE) models with </a:t>
+            </a:r>
+            <a:r>
+              <a:rPr lang="tr-TR" sz="2400" kern="1200" dirty="0">
+                <a:solidFill>
+                  <a:schemeClr val="dk1"/>
+                </a:solidFill>
+                <a:effectLst/>
+                <a:highlight>
+                  <a:srgbClr val="00FFFF"/>
+                </a:highlight>
+                <a:latin typeface="+mn-lt"/>
+                <a:ea typeface="+mn-ea"/>
+                <a:cs typeface="+mn-cs"/>
+              </a:rPr>
+              <a:t>language representation techniques (l</a:t>
+            </a:r>
+            <a:r>
+              <a:rPr lang="tr-TR" sz="2400" kern="1200" dirty="0">
+                <a:solidFill>
+                  <a:schemeClr val="dk1"/>
+                </a:solidFill>
+                <a:effectLst/>
+                <a:latin typeface="+mn-lt"/>
+                <a:ea typeface="+mn-ea"/>
+                <a:cs typeface="+mn-cs"/>
+              </a:rPr>
+              <a:t>ike BERT). </a:t>
+            </a:r>
+          </a:p>
+          <a:p>
+            <a:pPr marL="1200150" lvl="2" indent="-285750">
+              <a:buFont typeface="Courier New" panose="02070309020205020404" pitchFamily="49" charset="0"/>
+              <a:buChar char="o"/>
+            </a:pPr>
+            <a:r>
+              <a:rPr lang="tr-TR" sz="2400" kern="1200" dirty="0">
+                <a:solidFill>
+                  <a:schemeClr val="dk1"/>
+                </a:solidFill>
+                <a:effectLst/>
+                <a:latin typeface="+mn-lt"/>
+                <a:ea typeface="+mn-ea"/>
+                <a:cs typeface="+mn-cs"/>
+              </a:rPr>
+              <a:t>Create new features </a:t>
+            </a:r>
+            <a:r>
+              <a:rPr lang="tr-TR" sz="2400" kern="1200" dirty="0">
+                <a:solidFill>
+                  <a:schemeClr val="dk1"/>
+                </a:solidFill>
+                <a:effectLst/>
+                <a:highlight>
+                  <a:srgbClr val="FFFF00"/>
+                </a:highlight>
+                <a:latin typeface="+mn-lt"/>
+                <a:ea typeface="+mn-ea"/>
+                <a:cs typeface="+mn-cs"/>
+              </a:rPr>
+              <a:t>to build downstream deep learning models </a:t>
+            </a:r>
+            <a:r>
+              <a:rPr lang="tr-TR" sz="2400" i="0" kern="1200" dirty="0">
+                <a:solidFill>
+                  <a:schemeClr val="dk1"/>
+                </a:solidFill>
+                <a:effectLst/>
+                <a:highlight>
+                  <a:srgbClr val="00FFFF"/>
+                </a:highlight>
+                <a:latin typeface="+mn-lt"/>
+                <a:ea typeface="+mn-ea"/>
+                <a:cs typeface="+mn-cs"/>
+              </a:rPr>
+              <a:t>to find relations between the outcomes and leadership and morale factors.</a:t>
+            </a:r>
+          </a:p>
+          <a:p>
+            <a:pPr marL="1200150" lvl="2" indent="-285750">
+              <a:buFont typeface="Courier New" panose="02070309020205020404" pitchFamily="49" charset="0"/>
+              <a:buChar char="o"/>
+            </a:pPr>
+            <a:r>
+              <a:rPr lang="tr-TR" sz="2400" dirty="0">
+                <a:solidFill>
+                  <a:schemeClr val="dk1"/>
+                </a:solidFill>
+                <a:highlight>
+                  <a:srgbClr val="00FFFF"/>
+                </a:highlight>
+              </a:rPr>
+              <a:t>Examples: relationship between </a:t>
+            </a:r>
+          </a:p>
+          <a:p>
+            <a:pPr marL="1657350" lvl="3" indent="-285750">
+              <a:buFont typeface="Courier New" panose="02070309020205020404" pitchFamily="49" charset="0"/>
+              <a:buChar char="o"/>
+            </a:pPr>
+            <a:r>
+              <a:rPr lang="tr-TR" sz="2400" dirty="0">
+                <a:solidFill>
+                  <a:schemeClr val="dk1"/>
+                </a:solidFill>
+                <a:highlight>
+                  <a:srgbClr val="00FFFF"/>
+                </a:highlight>
+              </a:rPr>
+              <a:t>skill and experiene,</a:t>
+            </a:r>
+          </a:p>
+          <a:p>
+            <a:pPr marL="1657350" lvl="3" indent="-285750">
+              <a:buFont typeface="Courier New" panose="02070309020205020404" pitchFamily="49" charset="0"/>
+              <a:buChar char="o"/>
+            </a:pPr>
+            <a:r>
+              <a:rPr lang="tr-TR" sz="2400" dirty="0">
+                <a:solidFill>
+                  <a:schemeClr val="dk1"/>
+                </a:solidFill>
+                <a:highlight>
+                  <a:srgbClr val="00FFFF"/>
+                </a:highlight>
+              </a:rPr>
+              <a:t>customer satisfaction and sales figures</a:t>
+            </a:r>
+            <a:endParaRPr lang="tr-TR" sz="2400" i="0" kern="1200" dirty="0">
+              <a:solidFill>
+                <a:schemeClr val="dk1"/>
+              </a:solidFill>
+              <a:effectLst/>
+              <a:highlight>
+                <a:srgbClr val="00FFFF"/>
+              </a:highlight>
+              <a:latin typeface="+mn-lt"/>
+              <a:ea typeface="+mn-ea"/>
+              <a:cs typeface="+mn-cs"/>
+            </a:endParaRPr>
+          </a:p>
+          <a:p>
+            <a:endParaRPr lang="tr-TR" sz="2400" dirty="0"/>
+          </a:p>
+        </p:txBody>
+      </p:sp>
+    </p:spTree>
+    <p:extLst>
+      <p:ext uri="{BB962C8B-B14F-4D97-AF65-F5344CB8AC3E}">
+        <p14:creationId xmlns:p14="http://schemas.microsoft.com/office/powerpoint/2010/main" val="1277555042"/>
+      </p:ext>
+    </p:extLst>
+  </p:cSld>
+  <p:clrMapOvr>
+    <a:masterClrMapping/>
+  </p:clrMapOvr>
+</p:sld>
+</file>
+
+<file path=ppt/slides/slide18.xml><?xml version="1.0" encoding="utf-8"?>
+<p:sld xmlns:a="http://schemas.openxmlformats.org/drawingml/2006/main" xmlns:r="http://schemas.openxmlformats.org/officeDocument/2006/relationships" xmlns:p="http://schemas.openxmlformats.org/presentationml/2006/main">
+  <p:cSld>
+    <p:spTree>
+      <p:nvGrpSpPr>
+        <p:cNvPr id="1" name=""/>
+        <p:cNvGrpSpPr/>
+        <p:nvPr/>
+      </p:nvGrpSpPr>
+      <p:grpSpPr>
+        <a:xfrm>
+          <a:off x="0" y="0"/>
+          <a:ext cx="0" cy="0"/>
+          <a:chOff x="0" y="0"/>
+          <a:chExt cx="0" cy="0"/>
+        </a:xfrm>
+      </p:grpSpPr>
+      <p:sp>
+        <p:nvSpPr>
+          <p:cNvPr id="2" name="Title 1">
+            <a:extLst>
+              <a:ext uri="{FF2B5EF4-FFF2-40B4-BE49-F238E27FC236}">
+                <a16:creationId xmlns:a16="http://schemas.microsoft.com/office/drawing/2014/main" id="{28080C00-C524-4A03-836F-5F5552226FA7}"/>
+              </a:ext>
+            </a:extLst>
+          </p:cNvPr>
+          <p:cNvSpPr>
+            <a:spLocks noGrp="1"/>
+          </p:cNvSpPr>
+          <p:nvPr>
+            <p:ph type="ctrTitle"/>
+          </p:nvPr>
+        </p:nvSpPr>
+        <p:spPr>
+          <a:xfrm>
+            <a:off x="1524000" y="1656520"/>
+            <a:ext cx="9144000" cy="1111320"/>
+          </a:xfrm>
+        </p:spPr>
+        <p:txBody>
+          <a:bodyPr>
+            <a:normAutofit fontScale="90000"/>
+          </a:bodyPr>
+          <a:lstStyle/>
+          <a:p>
+            <a:r>
+              <a:rPr lang="tr-TR" sz="4400" b="1" dirty="0"/>
+              <a:t>DASA Catch up Meeting</a:t>
+            </a:r>
+            <a:br>
+              <a:rPr lang="tr-TR" sz="4400" b="1" dirty="0"/>
+            </a:br>
+            <a:endParaRPr lang="tr-TR" sz="4400" b="1" dirty="0"/>
+          </a:p>
+        </p:txBody>
+      </p:sp>
+      <p:sp>
+        <p:nvSpPr>
+          <p:cNvPr id="3" name="Subtitle 2">
+            <a:extLst>
+              <a:ext uri="{FF2B5EF4-FFF2-40B4-BE49-F238E27FC236}">
+                <a16:creationId xmlns:a16="http://schemas.microsoft.com/office/drawing/2014/main" id="{341A39ED-E3E4-47D5-A104-2FDFB1F07D47}"/>
+              </a:ext>
+            </a:extLst>
+          </p:cNvPr>
+          <p:cNvSpPr>
+            <a:spLocks noGrp="1"/>
+          </p:cNvSpPr>
+          <p:nvPr>
+            <p:ph type="subTitle" idx="1"/>
+          </p:nvPr>
+        </p:nvSpPr>
+        <p:spPr>
+          <a:xfrm>
+            <a:off x="1523999" y="2859915"/>
+            <a:ext cx="9382539" cy="3348380"/>
+          </a:xfrm>
+        </p:spPr>
+        <p:txBody>
+          <a:bodyPr>
+            <a:normAutofit/>
+          </a:bodyPr>
+          <a:lstStyle/>
+          <a:p>
+            <a:r>
+              <a:rPr lang="tr-TR" dirty="0"/>
+              <a:t>Time:30 minutes</a:t>
+            </a:r>
+          </a:p>
+          <a:p>
+            <a:endParaRPr lang="tr-TR" dirty="0"/>
+          </a:p>
+          <a:p>
+            <a:r>
+              <a:rPr lang="tr-TR" b="1" dirty="0"/>
+              <a:t>09.12.2021</a:t>
+            </a:r>
+          </a:p>
+          <a:p>
+            <a:endParaRPr lang="tr-TR" dirty="0"/>
+          </a:p>
+        </p:txBody>
+      </p:sp>
+    </p:spTree>
+    <p:extLst>
+      <p:ext uri="{BB962C8B-B14F-4D97-AF65-F5344CB8AC3E}">
+        <p14:creationId xmlns:p14="http://schemas.microsoft.com/office/powerpoint/2010/main" val="154976255"/>
+      </p:ext>
+    </p:extLst>
+  </p:cSld>
+  <p:clrMapOvr>
+    <a:masterClrMapping/>
+  </p:clrMapOvr>
+</p:sld>
+</file>
+
+<file path=ppt/slides/slide19.xml><?xml version="1.0" encoding="utf-8"?>
+<p:sld xmlns:a="http://schemas.openxmlformats.org/drawingml/2006/main" xmlns:r="http://schemas.openxmlformats.org/officeDocument/2006/relationships" xmlns:p="http://schemas.openxmlformats.org/presentationml/2006/main">
+  <p:cSld>
+    <p:spTree>
+      <p:nvGrpSpPr>
+        <p:cNvPr id="1" name=""/>
+        <p:cNvGrpSpPr/>
+        <p:nvPr/>
+      </p:nvGrpSpPr>
+      <p:grpSpPr>
+        <a:xfrm>
+          <a:off x="0" y="0"/>
+          <a:ext cx="0" cy="0"/>
+          <a:chOff x="0" y="0"/>
+          <a:chExt cx="0" cy="0"/>
+        </a:xfrm>
+      </p:grpSpPr>
+      <p:sp>
+        <p:nvSpPr>
+          <p:cNvPr id="2" name="Title 1">
+            <a:extLst>
+              <a:ext uri="{FF2B5EF4-FFF2-40B4-BE49-F238E27FC236}">
                 <a16:creationId xmlns:a16="http://schemas.microsoft.com/office/drawing/2014/main" id="{0F2CC566-4068-491D-9863-17B51342368A}"/>
               </a:ext>
             </a:extLst>
@@ -14374,394 +15081,6 @@
 </p:sld>
 </file>
 
-<file path=ppt/slides/slide18.xml><?xml version="1.0" encoding="utf-8"?>
-<p:sld xmlns:a="http://schemas.openxmlformats.org/drawingml/2006/main" xmlns:r="http://schemas.openxmlformats.org/officeDocument/2006/relationships" xmlns:p="http://schemas.openxmlformats.org/presentationml/2006/main">
-  <p:cSld>
-    <p:spTree>
-      <p:nvGrpSpPr>
-        <p:cNvPr id="1" name=""/>
-        <p:cNvGrpSpPr/>
-        <p:nvPr/>
-      </p:nvGrpSpPr>
-      <p:grpSpPr>
-        <a:xfrm>
-          <a:off x="0" y="0"/>
-          <a:ext cx="0" cy="0"/>
-          <a:chOff x="0" y="0"/>
-          <a:chExt cx="0" cy="0"/>
-        </a:xfrm>
-      </p:grpSpPr>
-      <p:sp>
-        <p:nvSpPr>
-          <p:cNvPr id="2" name="Title 1">
-            <a:extLst>
-              <a:ext uri="{FF2B5EF4-FFF2-40B4-BE49-F238E27FC236}">
-                <a16:creationId xmlns:a16="http://schemas.microsoft.com/office/drawing/2014/main" id="{097F4DB2-21B1-489F-8964-B2DFD8C40007}"/>
-              </a:ext>
-            </a:extLst>
-          </p:cNvPr>
-          <p:cNvSpPr>
-            <a:spLocks noGrp="1"/>
-          </p:cNvSpPr>
-          <p:nvPr>
-            <p:ph type="title"/>
-          </p:nvPr>
-        </p:nvSpPr>
-        <p:spPr/>
-        <p:txBody>
-          <a:bodyPr>
-            <a:normAutofit fontScale="90000"/>
-          </a:bodyPr>
-          <a:lstStyle/>
-          <a:p>
-            <a:r>
-              <a:rPr lang="tr-TR" sz="4400" kern="1200" dirty="0">
-                <a:solidFill>
-                  <a:schemeClr val="dk1"/>
-                </a:solidFill>
-                <a:effectLst/>
-                <a:latin typeface="+mn-lt"/>
-                <a:ea typeface="+mn-ea"/>
-                <a:cs typeface="+mn-cs"/>
-              </a:rPr>
-              <a:t>NLP Approach to discover hidden relationships</a:t>
-            </a:r>
-            <a:br>
-              <a:rPr lang="tr-TR" sz="4400" kern="1200" dirty="0">
-                <a:solidFill>
-                  <a:schemeClr val="dk1"/>
-                </a:solidFill>
-                <a:effectLst/>
-                <a:latin typeface="+mn-lt"/>
-                <a:ea typeface="+mn-ea"/>
-                <a:cs typeface="+mn-cs"/>
-              </a:rPr>
-            </a:br>
-            <a:endParaRPr lang="tr-TR" dirty="0"/>
-          </a:p>
-        </p:txBody>
-      </p:sp>
-      <p:sp>
-        <p:nvSpPr>
-          <p:cNvPr id="3" name="Content Placeholder 2">
-            <a:extLst>
-              <a:ext uri="{FF2B5EF4-FFF2-40B4-BE49-F238E27FC236}">
-                <a16:creationId xmlns:a16="http://schemas.microsoft.com/office/drawing/2014/main" id="{DBFD2563-E76C-4958-804D-0A9F7E6E21D7}"/>
-              </a:ext>
-            </a:extLst>
-          </p:cNvPr>
-          <p:cNvSpPr>
-            <a:spLocks noGrp="1"/>
-          </p:cNvSpPr>
-          <p:nvPr>
-            <p:ph idx="1"/>
-          </p:nvPr>
-        </p:nvSpPr>
-        <p:spPr>
-          <a:xfrm>
-            <a:off x="838200" y="1585233"/>
-            <a:ext cx="10515600" cy="4351338"/>
-          </a:xfrm>
-        </p:spPr>
-        <p:txBody>
-          <a:bodyPr>
-            <a:normAutofit/>
-          </a:bodyPr>
-          <a:lstStyle/>
-          <a:p>
-            <a:pPr marL="1200150" lvl="2" indent="-285750">
-              <a:buFont typeface="Courier New" panose="02070309020205020404" pitchFamily="49" charset="0"/>
-              <a:buChar char="o"/>
-            </a:pPr>
-            <a:r>
-              <a:rPr lang="tr-TR" sz="2400" kern="1200" dirty="0">
-                <a:solidFill>
-                  <a:schemeClr val="dk1"/>
-                </a:solidFill>
-                <a:effectLst/>
-                <a:highlight>
-                  <a:srgbClr val="FFFF00"/>
-                </a:highlight>
-                <a:latin typeface="+mn-lt"/>
-                <a:ea typeface="+mn-ea"/>
-                <a:cs typeface="+mn-cs"/>
-              </a:rPr>
-              <a:t>annotate</a:t>
-            </a:r>
-            <a:r>
-              <a:rPr lang="tr-TR" sz="2400" kern="1200" dirty="0">
-                <a:solidFill>
-                  <a:schemeClr val="dk1"/>
-                </a:solidFill>
-                <a:effectLst/>
-                <a:latin typeface="+mn-lt"/>
-                <a:ea typeface="+mn-ea"/>
-                <a:cs typeface="+mn-cs"/>
-              </a:rPr>
-              <a:t> the </a:t>
-            </a:r>
-            <a:r>
-              <a:rPr lang="tr-TR" sz="2400" b="1" kern="1200" dirty="0">
-                <a:solidFill>
-                  <a:schemeClr val="dk1"/>
-                </a:solidFill>
-                <a:effectLst/>
-                <a:latin typeface="+mn-lt"/>
-                <a:ea typeface="+mn-ea"/>
-                <a:cs typeface="+mn-cs"/>
-              </a:rPr>
-              <a:t>named entities, like military spirit</a:t>
-            </a:r>
-            <a:r>
-              <a:rPr lang="tr-TR" sz="2400" kern="1200" dirty="0">
-                <a:solidFill>
-                  <a:schemeClr val="dk1"/>
-                </a:solidFill>
-                <a:effectLst/>
-                <a:latin typeface="+mn-lt"/>
-                <a:ea typeface="+mn-ea"/>
-                <a:cs typeface="+mn-cs"/>
-              </a:rPr>
-              <a:t> (Clausewitz name it as most important moral elements in war)</a:t>
-            </a:r>
-          </a:p>
-          <a:p>
-            <a:pPr marL="1200150" lvl="2" indent="-285750">
-              <a:buFont typeface="Courier New" panose="02070309020205020404" pitchFamily="49" charset="0"/>
-              <a:buChar char="o"/>
-            </a:pPr>
-            <a:r>
-              <a:rPr lang="tr-TR" sz="2400" kern="1200" dirty="0">
-                <a:solidFill>
-                  <a:schemeClr val="dk1"/>
-                </a:solidFill>
-                <a:effectLst/>
-                <a:highlight>
-                  <a:srgbClr val="FFFF00"/>
-                </a:highlight>
-                <a:latin typeface="+mn-lt"/>
-                <a:ea typeface="+mn-ea"/>
-                <a:cs typeface="+mn-cs"/>
-              </a:rPr>
-              <a:t>train</a:t>
-            </a:r>
-            <a:r>
-              <a:rPr lang="tr-TR" sz="2400" kern="1200" dirty="0">
-                <a:solidFill>
-                  <a:schemeClr val="dk1"/>
-                </a:solidFill>
-                <a:effectLst/>
-                <a:latin typeface="+mn-lt"/>
-                <a:ea typeface="+mn-ea"/>
-                <a:cs typeface="+mn-cs"/>
-              </a:rPr>
-              <a:t> </a:t>
-            </a:r>
-            <a:r>
-              <a:rPr lang="tr-TR" sz="2400" b="1" kern="1200" dirty="0">
-                <a:solidFill>
-                  <a:schemeClr val="dk1"/>
-                </a:solidFill>
-                <a:effectLst/>
-                <a:latin typeface="+mn-lt"/>
-                <a:ea typeface="+mn-ea"/>
-                <a:cs typeface="+mn-cs"/>
-              </a:rPr>
-              <a:t>named entity recognition </a:t>
-            </a:r>
-            <a:r>
-              <a:rPr lang="tr-TR" sz="2400" kern="1200" dirty="0">
-                <a:solidFill>
-                  <a:schemeClr val="dk1"/>
-                </a:solidFill>
-                <a:effectLst/>
-                <a:latin typeface="+mn-lt"/>
-                <a:ea typeface="+mn-ea"/>
-                <a:cs typeface="+mn-cs"/>
-              </a:rPr>
-              <a:t>(NER) and </a:t>
-            </a:r>
-            <a:r>
-              <a:rPr lang="tr-TR" sz="2400" b="1" kern="1200" dirty="0">
-                <a:solidFill>
-                  <a:schemeClr val="dk1"/>
-                </a:solidFill>
-                <a:effectLst/>
-                <a:latin typeface="+mn-lt"/>
-                <a:ea typeface="+mn-ea"/>
-                <a:cs typeface="+mn-cs"/>
-              </a:rPr>
-              <a:t>Relation Extraction</a:t>
-            </a:r>
-            <a:r>
-              <a:rPr lang="tr-TR" sz="2400" kern="1200" dirty="0">
-                <a:solidFill>
-                  <a:schemeClr val="dk1"/>
-                </a:solidFill>
-                <a:effectLst/>
-                <a:latin typeface="+mn-lt"/>
-                <a:ea typeface="+mn-ea"/>
-                <a:cs typeface="+mn-cs"/>
-              </a:rPr>
-              <a:t> (RE) models with </a:t>
-            </a:r>
-            <a:r>
-              <a:rPr lang="tr-TR" sz="2400" kern="1200" dirty="0">
-                <a:solidFill>
-                  <a:schemeClr val="dk1"/>
-                </a:solidFill>
-                <a:effectLst/>
-                <a:highlight>
-                  <a:srgbClr val="00FFFF"/>
-                </a:highlight>
-                <a:latin typeface="+mn-lt"/>
-                <a:ea typeface="+mn-ea"/>
-                <a:cs typeface="+mn-cs"/>
-              </a:rPr>
-              <a:t>language representation techniques (l</a:t>
-            </a:r>
-            <a:r>
-              <a:rPr lang="tr-TR" sz="2400" kern="1200" dirty="0">
-                <a:solidFill>
-                  <a:schemeClr val="dk1"/>
-                </a:solidFill>
-                <a:effectLst/>
-                <a:latin typeface="+mn-lt"/>
-                <a:ea typeface="+mn-ea"/>
-                <a:cs typeface="+mn-cs"/>
-              </a:rPr>
-              <a:t>ike BERT). </a:t>
-            </a:r>
-          </a:p>
-          <a:p>
-            <a:pPr marL="1200150" lvl="2" indent="-285750">
-              <a:buFont typeface="Courier New" panose="02070309020205020404" pitchFamily="49" charset="0"/>
-              <a:buChar char="o"/>
-            </a:pPr>
-            <a:r>
-              <a:rPr lang="tr-TR" sz="2400" kern="1200" dirty="0">
-                <a:solidFill>
-                  <a:schemeClr val="dk1"/>
-                </a:solidFill>
-                <a:effectLst/>
-                <a:latin typeface="+mn-lt"/>
-                <a:ea typeface="+mn-ea"/>
-                <a:cs typeface="+mn-cs"/>
-              </a:rPr>
-              <a:t>Create new features </a:t>
-            </a:r>
-            <a:r>
-              <a:rPr lang="tr-TR" sz="2400" kern="1200" dirty="0">
-                <a:solidFill>
-                  <a:schemeClr val="dk1"/>
-                </a:solidFill>
-                <a:effectLst/>
-                <a:highlight>
-                  <a:srgbClr val="FFFF00"/>
-                </a:highlight>
-                <a:latin typeface="+mn-lt"/>
-                <a:ea typeface="+mn-ea"/>
-                <a:cs typeface="+mn-cs"/>
-              </a:rPr>
-              <a:t>to build downstream deep learning models </a:t>
-            </a:r>
-            <a:r>
-              <a:rPr lang="tr-TR" sz="2400" i="0" kern="1200" dirty="0">
-                <a:solidFill>
-                  <a:schemeClr val="dk1"/>
-                </a:solidFill>
-                <a:effectLst/>
-                <a:highlight>
-                  <a:srgbClr val="00FFFF"/>
-                </a:highlight>
-                <a:latin typeface="+mn-lt"/>
-                <a:ea typeface="+mn-ea"/>
-                <a:cs typeface="+mn-cs"/>
-              </a:rPr>
-              <a:t>to find relations between the outcomes and leadership and morale factors.</a:t>
-            </a:r>
-          </a:p>
-          <a:p>
-            <a:pPr marL="1200150" lvl="2" indent="-285750">
-              <a:buFont typeface="Courier New" panose="02070309020205020404" pitchFamily="49" charset="0"/>
-              <a:buChar char="o"/>
-            </a:pPr>
-            <a:r>
-              <a:rPr lang="tr-TR" sz="2400" dirty="0">
-                <a:solidFill>
-                  <a:schemeClr val="dk1"/>
-                </a:solidFill>
-                <a:highlight>
-                  <a:srgbClr val="00FFFF"/>
-                </a:highlight>
-              </a:rPr>
-              <a:t>Examples: relationship between </a:t>
-            </a:r>
-          </a:p>
-          <a:p>
-            <a:pPr marL="1657350" lvl="3" indent="-285750">
-              <a:buFont typeface="Courier New" panose="02070309020205020404" pitchFamily="49" charset="0"/>
-              <a:buChar char="o"/>
-            </a:pPr>
-            <a:r>
-              <a:rPr lang="tr-TR" sz="2400" dirty="0">
-                <a:solidFill>
-                  <a:schemeClr val="dk1"/>
-                </a:solidFill>
-                <a:highlight>
-                  <a:srgbClr val="00FFFF"/>
-                </a:highlight>
-              </a:rPr>
-              <a:t>skill and experiene,</a:t>
-            </a:r>
-          </a:p>
-          <a:p>
-            <a:pPr marL="1657350" lvl="3" indent="-285750">
-              <a:buFont typeface="Courier New" panose="02070309020205020404" pitchFamily="49" charset="0"/>
-              <a:buChar char="o"/>
-            </a:pPr>
-            <a:r>
-              <a:rPr lang="tr-TR" sz="2400" dirty="0">
-                <a:solidFill>
-                  <a:schemeClr val="dk1"/>
-                </a:solidFill>
-                <a:highlight>
-                  <a:srgbClr val="00FFFF"/>
-                </a:highlight>
-              </a:rPr>
-              <a:t>customer satisfaction and sales figures</a:t>
-            </a:r>
-            <a:endParaRPr lang="tr-TR" sz="2400" i="0" kern="1200" dirty="0">
-              <a:solidFill>
-                <a:schemeClr val="dk1"/>
-              </a:solidFill>
-              <a:effectLst/>
-              <a:highlight>
-                <a:srgbClr val="00FFFF"/>
-              </a:highlight>
-              <a:latin typeface="+mn-lt"/>
-              <a:ea typeface="+mn-ea"/>
-              <a:cs typeface="+mn-cs"/>
-            </a:endParaRPr>
-          </a:p>
-          <a:p>
-            <a:endParaRPr lang="tr-TR" sz="2400" dirty="0"/>
-          </a:p>
-        </p:txBody>
-      </p:sp>
-    </p:spTree>
-    <p:extLst>
-      <p:ext uri="{BB962C8B-B14F-4D97-AF65-F5344CB8AC3E}">
-        <p14:creationId xmlns:p14="http://schemas.microsoft.com/office/powerpoint/2010/main" val="1277555042"/>
-      </p:ext>
-    </p:extLst>
-  </p:cSld>
-  <p:clrMapOvr>
-    <a:masterClrMapping/>
-  </p:clrMapOvr>
-</p:sld>
-</file>
-
 <file path=ppt/slides/slide2.xml><?xml version="1.0" encoding="utf-8"?>
 <p:sld xmlns:a="http://schemas.openxmlformats.org/drawingml/2006/main" xmlns:r="http://schemas.openxmlformats.org/officeDocument/2006/relationships" xmlns:p="http://schemas.openxmlformats.org/presentationml/2006/main">
   <p:cSld>
@@ -16386,6 +16705,2504 @@
     <p:extLst>
       <p:ext uri="{BB962C8B-B14F-4D97-AF65-F5344CB8AC3E}">
         <p14:creationId xmlns:p14="http://schemas.microsoft.com/office/powerpoint/2010/main" val="3654951708"/>
+      </p:ext>
+    </p:extLst>
+  </p:cSld>
+  <p:clrMapOvr>
+    <a:masterClrMapping/>
+  </p:clrMapOvr>
+</p:sld>
+</file>
+
+<file path=ppt/slides/slide20.xml><?xml version="1.0" encoding="utf-8"?>
+<p:sld xmlns:a="http://schemas.openxmlformats.org/drawingml/2006/main" xmlns:r="http://schemas.openxmlformats.org/officeDocument/2006/relationships" xmlns:p="http://schemas.openxmlformats.org/presentationml/2006/main">
+  <p:cSld>
+    <p:spTree>
+      <p:nvGrpSpPr>
+        <p:cNvPr id="1" name=""/>
+        <p:cNvGrpSpPr/>
+        <p:nvPr/>
+      </p:nvGrpSpPr>
+      <p:grpSpPr>
+        <a:xfrm>
+          <a:off x="0" y="0"/>
+          <a:ext cx="0" cy="0"/>
+          <a:chOff x="0" y="0"/>
+          <a:chExt cx="0" cy="0"/>
+        </a:xfrm>
+      </p:grpSpPr>
+      <p:pic>
+        <p:nvPicPr>
+          <p:cNvPr id="4" name="Picture 2" descr="Office, database Free Icon of Super Flat Remix V1.08">
+            <a:extLst>
+              <a:ext uri="{FF2B5EF4-FFF2-40B4-BE49-F238E27FC236}">
+                <a16:creationId xmlns:a16="http://schemas.microsoft.com/office/drawing/2014/main" id="{D5C99207-7DBB-4739-B8E5-D4F362536740}"/>
+              </a:ext>
+            </a:extLst>
+          </p:cNvPr>
+          <p:cNvPicPr>
+            <a:picLocks noChangeAspect="1" noChangeArrowheads="1"/>
+          </p:cNvPicPr>
+          <p:nvPr/>
+        </p:nvPicPr>
+        <p:blipFill>
+          <a:blip r:embed="rId2">
+            <a:extLst>
+              <a:ext uri="{28A0092B-C50C-407E-A947-70E740481C1C}">
+                <a14:useLocalDpi xmlns:a14="http://schemas.microsoft.com/office/drawing/2010/main" val="0"/>
+              </a:ext>
+            </a:extLst>
+          </a:blip>
+          <a:srcRect/>
+          <a:stretch>
+            <a:fillRect/>
+          </a:stretch>
+        </p:blipFill>
+        <p:spPr bwMode="auto">
+          <a:xfrm>
+            <a:off x="1165989" y="2685782"/>
+            <a:ext cx="1406585" cy="1406585"/>
+          </a:xfrm>
+          <a:prstGeom prst="rect">
+            <a:avLst/>
+          </a:prstGeom>
+          <a:noFill/>
+          <a:extLst>
+            <a:ext uri="{909E8E84-426E-40DD-AFC4-6F175D3DCCD1}">
+              <a14:hiddenFill xmlns:a14="http://schemas.microsoft.com/office/drawing/2010/main">
+                <a:solidFill>
+                  <a:srgbClr val="FFFFFF"/>
+                </a:solidFill>
+              </a14:hiddenFill>
+            </a:ext>
+          </a:extLst>
+        </p:spPr>
+      </p:pic>
+      <p:pic>
+        <p:nvPicPr>
+          <p:cNvPr id="5" name="Picture 2" descr="Office, database Free Icon of Super Flat Remix V1.08">
+            <a:extLst>
+              <a:ext uri="{FF2B5EF4-FFF2-40B4-BE49-F238E27FC236}">
+                <a16:creationId xmlns:a16="http://schemas.microsoft.com/office/drawing/2014/main" id="{D5843EDB-2288-44E5-8C0C-8CA37EC4A99E}"/>
+              </a:ext>
+            </a:extLst>
+          </p:cNvPr>
+          <p:cNvPicPr>
+            <a:picLocks noChangeAspect="1" noChangeArrowheads="1"/>
+          </p:cNvPicPr>
+          <p:nvPr/>
+        </p:nvPicPr>
+        <p:blipFill>
+          <a:blip r:embed="rId2">
+            <a:extLst>
+              <a:ext uri="{28A0092B-C50C-407E-A947-70E740481C1C}">
+                <a14:useLocalDpi xmlns:a14="http://schemas.microsoft.com/office/drawing/2010/main" val="0"/>
+              </a:ext>
+            </a:extLst>
+          </a:blip>
+          <a:srcRect/>
+          <a:stretch>
+            <a:fillRect/>
+          </a:stretch>
+        </p:blipFill>
+        <p:spPr bwMode="auto">
+          <a:xfrm>
+            <a:off x="3450516" y="2657150"/>
+            <a:ext cx="1406585" cy="1406585"/>
+          </a:xfrm>
+          <a:prstGeom prst="rect">
+            <a:avLst/>
+          </a:prstGeom>
+          <a:noFill/>
+          <a:extLst>
+            <a:ext uri="{909E8E84-426E-40DD-AFC4-6F175D3DCCD1}">
+              <a14:hiddenFill xmlns:a14="http://schemas.microsoft.com/office/drawing/2010/main">
+                <a:solidFill>
+                  <a:srgbClr val="FFFFFF"/>
+                </a:solidFill>
+              </a14:hiddenFill>
+            </a:ext>
+          </a:extLst>
+        </p:spPr>
+      </p:pic>
+      <p:sp>
+        <p:nvSpPr>
+          <p:cNvPr id="6" name="TextBox 5">
+            <a:extLst>
+              <a:ext uri="{FF2B5EF4-FFF2-40B4-BE49-F238E27FC236}">
+                <a16:creationId xmlns:a16="http://schemas.microsoft.com/office/drawing/2014/main" id="{C34C2116-3D74-49BD-9E2F-831F4DFDC59A}"/>
+              </a:ext>
+            </a:extLst>
+          </p:cNvPr>
+          <p:cNvSpPr txBox="1"/>
+          <p:nvPr/>
+        </p:nvSpPr>
+        <p:spPr>
+          <a:xfrm>
+            <a:off x="1306642" y="4014718"/>
+            <a:ext cx="1185387" cy="707886"/>
+          </a:xfrm>
+          <a:prstGeom prst="rect">
+            <a:avLst/>
+          </a:prstGeom>
+          <a:noFill/>
+        </p:spPr>
+        <p:txBody>
+          <a:bodyPr wrap="square" rtlCol="0">
+            <a:spAutoFit/>
+          </a:bodyPr>
+          <a:lstStyle/>
+          <a:p>
+            <a:r>
+              <a:rPr lang="tr-TR" sz="2000" b="1" dirty="0"/>
+              <a:t>USA CAA</a:t>
+            </a:r>
+          </a:p>
+          <a:p>
+            <a:r>
+              <a:rPr lang="tr-TR" sz="2000" b="1" dirty="0"/>
+              <a:t>CDB90</a:t>
+            </a:r>
+          </a:p>
+        </p:txBody>
+      </p:sp>
+      <p:sp>
+        <p:nvSpPr>
+          <p:cNvPr id="7" name="TextBox 6">
+            <a:extLst>
+              <a:ext uri="{FF2B5EF4-FFF2-40B4-BE49-F238E27FC236}">
+                <a16:creationId xmlns:a16="http://schemas.microsoft.com/office/drawing/2014/main" id="{68D58F77-1F1B-4027-AEB6-378E167F1D51}"/>
+              </a:ext>
+            </a:extLst>
+          </p:cNvPr>
+          <p:cNvSpPr txBox="1"/>
+          <p:nvPr/>
+        </p:nvSpPr>
+        <p:spPr>
+          <a:xfrm>
+            <a:off x="2809064" y="3953181"/>
+            <a:ext cx="2889808" cy="707886"/>
+          </a:xfrm>
+          <a:prstGeom prst="rect">
+            <a:avLst/>
+          </a:prstGeom>
+          <a:noFill/>
+        </p:spPr>
+        <p:txBody>
+          <a:bodyPr wrap="square" rtlCol="0">
+            <a:spAutoFit/>
+          </a:bodyPr>
+          <a:lstStyle/>
+          <a:p>
+            <a:pPr algn="ctr"/>
+            <a:r>
+              <a:rPr lang="tr-TR" sz="2000" b="1" dirty="0"/>
+              <a:t>University of Michigan</a:t>
+            </a:r>
+          </a:p>
+          <a:p>
+            <a:pPr algn="ctr"/>
+            <a:r>
+              <a:rPr lang="tr-TR" sz="2000" b="1" dirty="0"/>
+              <a:t>Corralates of War </a:t>
+            </a:r>
+          </a:p>
+        </p:txBody>
+      </p:sp>
+      <p:sp>
+        <p:nvSpPr>
+          <p:cNvPr id="8" name="TextBox 7">
+            <a:extLst>
+              <a:ext uri="{FF2B5EF4-FFF2-40B4-BE49-F238E27FC236}">
+                <a16:creationId xmlns:a16="http://schemas.microsoft.com/office/drawing/2014/main" id="{3A913F60-DDA6-47AD-9AB4-F3AD25AC1B24}"/>
+              </a:ext>
+            </a:extLst>
+          </p:cNvPr>
+          <p:cNvSpPr txBox="1"/>
+          <p:nvPr/>
+        </p:nvSpPr>
+        <p:spPr>
+          <a:xfrm>
+            <a:off x="2084274" y="2082828"/>
+            <a:ext cx="1946908" cy="461665"/>
+          </a:xfrm>
+          <a:prstGeom prst="rect">
+            <a:avLst/>
+          </a:prstGeom>
+          <a:noFill/>
+        </p:spPr>
+        <p:txBody>
+          <a:bodyPr wrap="square" rtlCol="0">
+            <a:spAutoFit/>
+          </a:bodyPr>
+          <a:lstStyle/>
+          <a:p>
+            <a:r>
+              <a:rPr lang="tr-TR" sz="2400" b="1" dirty="0"/>
+              <a:t>Databases</a:t>
+            </a:r>
+          </a:p>
+        </p:txBody>
+      </p:sp>
+      <p:pic>
+        <p:nvPicPr>
+          <p:cNvPr id="9" name="Picture 8" descr="Icon, arrow&#10;&#10;Description automatically generated">
+            <a:extLst>
+              <a:ext uri="{FF2B5EF4-FFF2-40B4-BE49-F238E27FC236}">
+                <a16:creationId xmlns:a16="http://schemas.microsoft.com/office/drawing/2014/main" id="{96893BAB-3C47-45D3-A59C-B8392F33A88F}"/>
+              </a:ext>
+            </a:extLst>
+          </p:cNvPr>
+          <p:cNvPicPr>
+            <a:picLocks noChangeAspect="1"/>
+          </p:cNvPicPr>
+          <p:nvPr/>
+        </p:nvPicPr>
+        <p:blipFill>
+          <a:blip r:embed="rId3">
+            <a:extLst>
+              <a:ext uri="{28A0092B-C50C-407E-A947-70E740481C1C}">
+                <a14:useLocalDpi xmlns:a14="http://schemas.microsoft.com/office/drawing/2010/main" val="0"/>
+              </a:ext>
+            </a:extLst>
+          </a:blip>
+          <a:stretch>
+            <a:fillRect/>
+          </a:stretch>
+        </p:blipFill>
+        <p:spPr>
+          <a:xfrm rot="12106635">
+            <a:off x="5726724" y="2902063"/>
+            <a:ext cx="1087014" cy="1134901"/>
+          </a:xfrm>
+          <a:prstGeom prst="rect">
+            <a:avLst/>
+          </a:prstGeom>
+        </p:spPr>
+      </p:pic>
+      <p:sp>
+        <p:nvSpPr>
+          <p:cNvPr id="10" name="TextBox 9">
+            <a:extLst>
+              <a:ext uri="{FF2B5EF4-FFF2-40B4-BE49-F238E27FC236}">
+                <a16:creationId xmlns:a16="http://schemas.microsoft.com/office/drawing/2014/main" id="{430C43B1-827F-4EAE-878D-6E58FF1C7338}"/>
+              </a:ext>
+            </a:extLst>
+          </p:cNvPr>
+          <p:cNvSpPr txBox="1"/>
+          <p:nvPr/>
+        </p:nvSpPr>
+        <p:spPr>
+          <a:xfrm>
+            <a:off x="7911155" y="2789246"/>
+            <a:ext cx="2187640" cy="923330"/>
+          </a:xfrm>
+          <a:prstGeom prst="rect">
+            <a:avLst/>
+          </a:prstGeom>
+          <a:solidFill>
+            <a:schemeClr val="accent2"/>
+          </a:solidFill>
+          <a:ln w="38100">
+            <a:solidFill>
+              <a:schemeClr val="tx2">
+                <a:lumMod val="40000"/>
+                <a:lumOff val="60000"/>
+              </a:schemeClr>
+            </a:solidFill>
+          </a:ln>
+        </p:spPr>
+        <p:txBody>
+          <a:bodyPr wrap="square" rtlCol="0">
+            <a:spAutoFit/>
+          </a:bodyPr>
+          <a:lstStyle/>
+          <a:p>
+            <a:pPr algn="ctr"/>
+            <a:r>
+              <a:rPr lang="tr-TR" b="1" dirty="0"/>
+              <a:t>To detect the coefficients of combat variables</a:t>
+            </a:r>
+          </a:p>
+        </p:txBody>
+      </p:sp>
+      <p:sp>
+        <p:nvSpPr>
+          <p:cNvPr id="11" name="Rectangle: Rounded Corners 10">
+            <a:extLst>
+              <a:ext uri="{FF2B5EF4-FFF2-40B4-BE49-F238E27FC236}">
+                <a16:creationId xmlns:a16="http://schemas.microsoft.com/office/drawing/2014/main" id="{B85E9144-5DDD-443D-96A9-2B445B8837B1}"/>
+              </a:ext>
+            </a:extLst>
+          </p:cNvPr>
+          <p:cNvSpPr/>
+          <p:nvPr/>
+        </p:nvSpPr>
+        <p:spPr>
+          <a:xfrm>
+            <a:off x="2758599" y="105520"/>
+            <a:ext cx="6094412" cy="1093887"/>
+          </a:xfrm>
+          <a:prstGeom prst="roundRect">
+            <a:avLst/>
+          </a:prstGeom>
+          <a:solidFill>
+            <a:schemeClr val="accent1">
+              <a:alpha val="8000"/>
+            </a:schemeClr>
+          </a:solidFill>
+        </p:spPr>
+        <p:style>
+          <a:lnRef idx="2">
+            <a:schemeClr val="accent1">
+              <a:shade val="50000"/>
+            </a:schemeClr>
+          </a:lnRef>
+          <a:fillRef idx="1">
+            <a:schemeClr val="accent1"/>
+          </a:fillRef>
+          <a:effectRef idx="0">
+            <a:schemeClr val="accent1"/>
+          </a:effectRef>
+          <a:fontRef idx="minor">
+            <a:schemeClr val="lt1"/>
+          </a:fontRef>
+        </p:style>
+        <p:txBody>
+          <a:bodyPr rtlCol="0" anchor="ctr"/>
+          <a:lstStyle/>
+          <a:p>
+            <a:pPr algn="ctr"/>
+            <a:r>
+              <a:rPr lang="tr-TR" sz="3000" b="1" dirty="0">
+                <a:solidFill>
+                  <a:schemeClr val="tx1"/>
+                </a:solidFill>
+              </a:rPr>
+              <a:t>Tangible Factors Analysis</a:t>
+            </a:r>
+            <a:endParaRPr lang="tr-TR" sz="3000" dirty="0"/>
+          </a:p>
+        </p:txBody>
+      </p:sp>
+      <p:sp>
+        <p:nvSpPr>
+          <p:cNvPr id="13" name="TextBox 12">
+            <a:extLst>
+              <a:ext uri="{FF2B5EF4-FFF2-40B4-BE49-F238E27FC236}">
+                <a16:creationId xmlns:a16="http://schemas.microsoft.com/office/drawing/2014/main" id="{8148FB40-4B3F-4FF4-A74B-F0BA0938D5B4}"/>
+              </a:ext>
+            </a:extLst>
+          </p:cNvPr>
+          <p:cNvSpPr txBox="1"/>
+          <p:nvPr/>
+        </p:nvSpPr>
+        <p:spPr>
+          <a:xfrm>
+            <a:off x="4629307" y="2057707"/>
+            <a:ext cx="3241064" cy="769441"/>
+          </a:xfrm>
+          <a:prstGeom prst="rect">
+            <a:avLst/>
+          </a:prstGeom>
+          <a:noFill/>
+        </p:spPr>
+        <p:txBody>
+          <a:bodyPr wrap="square" rtlCol="0">
+            <a:spAutoFit/>
+          </a:bodyPr>
+          <a:lstStyle/>
+          <a:p>
+            <a:pPr lvl="1" algn="ctr"/>
+            <a:r>
+              <a:rPr lang="tr-TR" sz="2200" b="1" dirty="0"/>
+              <a:t>Multiple Regression Analysis</a:t>
+            </a:r>
+          </a:p>
+        </p:txBody>
+      </p:sp>
+      <p:sp>
+        <p:nvSpPr>
+          <p:cNvPr id="15" name="TextBox 14">
+            <a:extLst>
+              <a:ext uri="{FF2B5EF4-FFF2-40B4-BE49-F238E27FC236}">
+                <a16:creationId xmlns:a16="http://schemas.microsoft.com/office/drawing/2014/main" id="{11CFA1C4-902A-4A56-9CE8-1BA2632DE857}"/>
+              </a:ext>
+            </a:extLst>
+          </p:cNvPr>
+          <p:cNvSpPr txBox="1"/>
+          <p:nvPr/>
+        </p:nvSpPr>
+        <p:spPr>
+          <a:xfrm>
+            <a:off x="8023257" y="4047569"/>
+            <a:ext cx="2075538" cy="646331"/>
+          </a:xfrm>
+          <a:prstGeom prst="rect">
+            <a:avLst/>
+          </a:prstGeom>
+          <a:solidFill>
+            <a:schemeClr val="bg2">
+              <a:lumMod val="75000"/>
+            </a:schemeClr>
+          </a:solidFill>
+        </p:spPr>
+        <p:txBody>
+          <a:bodyPr wrap="square" rtlCol="0">
+            <a:spAutoFit/>
+          </a:bodyPr>
+          <a:lstStyle/>
+          <a:p>
+            <a:pPr algn="ctr"/>
+            <a:r>
+              <a:rPr lang="tr-TR" dirty="0"/>
+              <a:t>Typical question to be answered</a:t>
+            </a:r>
+          </a:p>
+        </p:txBody>
+      </p:sp>
+      <p:sp>
+        <p:nvSpPr>
+          <p:cNvPr id="16" name="TextBox 15">
+            <a:extLst>
+              <a:ext uri="{FF2B5EF4-FFF2-40B4-BE49-F238E27FC236}">
+                <a16:creationId xmlns:a16="http://schemas.microsoft.com/office/drawing/2014/main" id="{B7ED928D-3E4E-4508-A0F1-6B63BBAAE74B}"/>
+              </a:ext>
+            </a:extLst>
+          </p:cNvPr>
+          <p:cNvSpPr txBox="1"/>
+          <p:nvPr/>
+        </p:nvSpPr>
+        <p:spPr>
+          <a:xfrm>
+            <a:off x="7911155" y="5615897"/>
+            <a:ext cx="2563585" cy="923330"/>
+          </a:xfrm>
+          <a:prstGeom prst="rect">
+            <a:avLst/>
+          </a:prstGeom>
+          <a:solidFill>
+            <a:schemeClr val="bg2">
+              <a:lumMod val="75000"/>
+            </a:schemeClr>
+          </a:solidFill>
+        </p:spPr>
+        <p:txBody>
+          <a:bodyPr wrap="square" rtlCol="0">
+            <a:spAutoFit/>
+          </a:bodyPr>
+          <a:lstStyle/>
+          <a:p>
+            <a:r>
+              <a:rPr lang="tr-TR" dirty="0"/>
+              <a:t>X Factor explains % y of the variance in outcome of the battle</a:t>
+            </a:r>
+          </a:p>
+        </p:txBody>
+      </p:sp>
+      <p:sp>
+        <p:nvSpPr>
+          <p:cNvPr id="17" name="Arrow: Striped Right 16">
+            <a:extLst>
+              <a:ext uri="{FF2B5EF4-FFF2-40B4-BE49-F238E27FC236}">
+                <a16:creationId xmlns:a16="http://schemas.microsoft.com/office/drawing/2014/main" id="{C43021BA-6842-4D17-A40A-84E443C23CD6}"/>
+              </a:ext>
+            </a:extLst>
+          </p:cNvPr>
+          <p:cNvSpPr/>
+          <p:nvPr/>
+        </p:nvSpPr>
+        <p:spPr>
+          <a:xfrm rot="5400000">
+            <a:off x="8596281" y="4921221"/>
+            <a:ext cx="861053" cy="528298"/>
+          </a:xfrm>
+          <a:prstGeom prst="stripedRightArrow">
+            <a:avLst/>
+          </a:prstGeom>
+        </p:spPr>
+        <p:style>
+          <a:lnRef idx="2">
+            <a:schemeClr val="accent1">
+              <a:shade val="50000"/>
+            </a:schemeClr>
+          </a:lnRef>
+          <a:fillRef idx="1">
+            <a:schemeClr val="accent1"/>
+          </a:fillRef>
+          <a:effectRef idx="0">
+            <a:schemeClr val="accent1"/>
+          </a:effectRef>
+          <a:fontRef idx="minor">
+            <a:schemeClr val="lt1"/>
+          </a:fontRef>
+        </p:style>
+        <p:txBody>
+          <a:bodyPr rtlCol="0" anchor="ctr"/>
+          <a:lstStyle/>
+          <a:p>
+            <a:pPr algn="ctr"/>
+            <a:endParaRPr lang="tr-TR"/>
+          </a:p>
+        </p:txBody>
+      </p:sp>
+      <p:sp>
+        <p:nvSpPr>
+          <p:cNvPr id="18" name="TextBox 17">
+            <a:extLst>
+              <a:ext uri="{FF2B5EF4-FFF2-40B4-BE49-F238E27FC236}">
+                <a16:creationId xmlns:a16="http://schemas.microsoft.com/office/drawing/2014/main" id="{02F7D61C-8063-4C98-9EEE-A884B6842483}"/>
+              </a:ext>
+            </a:extLst>
+          </p:cNvPr>
+          <p:cNvSpPr txBox="1"/>
+          <p:nvPr/>
+        </p:nvSpPr>
+        <p:spPr>
+          <a:xfrm>
+            <a:off x="1006908" y="4774972"/>
+            <a:ext cx="1712083" cy="646331"/>
+          </a:xfrm>
+          <a:prstGeom prst="rect">
+            <a:avLst/>
+          </a:prstGeom>
+          <a:solidFill>
+            <a:schemeClr val="bg2">
+              <a:lumMod val="75000"/>
+            </a:schemeClr>
+          </a:solidFill>
+        </p:spPr>
+        <p:txBody>
+          <a:bodyPr wrap="square" rtlCol="0">
+            <a:spAutoFit/>
+          </a:bodyPr>
+          <a:lstStyle/>
+          <a:p>
+            <a:pPr algn="ctr"/>
+            <a:r>
+              <a:rPr lang="tr-TR" b="1" dirty="0"/>
+              <a:t>660 Battles</a:t>
+            </a:r>
+          </a:p>
+          <a:p>
+            <a:pPr algn="ctr"/>
+            <a:r>
+              <a:rPr lang="tr-TR" b="1" dirty="0"/>
+              <a:t>1600-1982</a:t>
+            </a:r>
+          </a:p>
+        </p:txBody>
+      </p:sp>
+      <p:sp>
+        <p:nvSpPr>
+          <p:cNvPr id="19" name="TextBox 18">
+            <a:extLst>
+              <a:ext uri="{FF2B5EF4-FFF2-40B4-BE49-F238E27FC236}">
+                <a16:creationId xmlns:a16="http://schemas.microsoft.com/office/drawing/2014/main" id="{4D45C412-F2C4-4282-AB30-455323C41D42}"/>
+              </a:ext>
+            </a:extLst>
+          </p:cNvPr>
+          <p:cNvSpPr txBox="1"/>
+          <p:nvPr/>
+        </p:nvSpPr>
+        <p:spPr>
+          <a:xfrm>
+            <a:off x="3038414" y="4754843"/>
+            <a:ext cx="2563585" cy="1200329"/>
+          </a:xfrm>
+          <a:prstGeom prst="rect">
+            <a:avLst/>
+          </a:prstGeom>
+          <a:solidFill>
+            <a:schemeClr val="bg2">
+              <a:lumMod val="75000"/>
+            </a:schemeClr>
+          </a:solidFill>
+        </p:spPr>
+        <p:txBody>
+          <a:bodyPr wrap="square" rtlCol="0">
+            <a:spAutoFit/>
+          </a:bodyPr>
+          <a:lstStyle/>
+          <a:p>
+            <a:pPr algn="ctr"/>
+            <a:r>
+              <a:rPr lang="tr-TR" b="1" dirty="0"/>
+              <a:t>95 Inter-state war</a:t>
+            </a:r>
+          </a:p>
+          <a:p>
+            <a:pPr algn="ctr"/>
+            <a:r>
+              <a:rPr lang="tr-TR" b="1" dirty="0"/>
+              <a:t>162 Extra-state war</a:t>
+            </a:r>
+          </a:p>
+          <a:p>
+            <a:pPr algn="ctr"/>
+            <a:r>
+              <a:rPr lang="tr-TR" b="1" dirty="0"/>
+              <a:t>62 Non-state war</a:t>
+            </a:r>
+          </a:p>
+          <a:p>
+            <a:pPr algn="ctr"/>
+            <a:r>
+              <a:rPr lang="tr-TR" b="1" dirty="0"/>
+              <a:t>332 Intra-state war</a:t>
+            </a:r>
+          </a:p>
+        </p:txBody>
+      </p:sp>
+      <p:sp>
+        <p:nvSpPr>
+          <p:cNvPr id="20" name="TextBox 19">
+            <a:extLst>
+              <a:ext uri="{FF2B5EF4-FFF2-40B4-BE49-F238E27FC236}">
+                <a16:creationId xmlns:a16="http://schemas.microsoft.com/office/drawing/2014/main" id="{506CB5DB-D963-4B3B-A6C9-52ED6C21462F}"/>
+              </a:ext>
+            </a:extLst>
+          </p:cNvPr>
+          <p:cNvSpPr txBox="1"/>
+          <p:nvPr/>
+        </p:nvSpPr>
+        <p:spPr>
+          <a:xfrm>
+            <a:off x="3658292" y="5955172"/>
+            <a:ext cx="1191352" cy="369332"/>
+          </a:xfrm>
+          <a:prstGeom prst="rect">
+            <a:avLst/>
+          </a:prstGeom>
+          <a:solidFill>
+            <a:schemeClr val="bg1">
+              <a:lumMod val="95000"/>
+            </a:schemeClr>
+          </a:solidFill>
+        </p:spPr>
+        <p:txBody>
+          <a:bodyPr wrap="none" rtlCol="0">
+            <a:spAutoFit/>
+          </a:bodyPr>
+          <a:lstStyle/>
+          <a:p>
+            <a:r>
+              <a:rPr lang="tr-TR" b="1" dirty="0"/>
+              <a:t>1818-2007</a:t>
+            </a:r>
+          </a:p>
+        </p:txBody>
+      </p:sp>
+      <p:sp>
+        <p:nvSpPr>
+          <p:cNvPr id="21" name="TextBox 20">
+            <a:extLst>
+              <a:ext uri="{FF2B5EF4-FFF2-40B4-BE49-F238E27FC236}">
+                <a16:creationId xmlns:a16="http://schemas.microsoft.com/office/drawing/2014/main" id="{63B76474-0006-404C-94FC-9FFC770F15F0}"/>
+              </a:ext>
+            </a:extLst>
+          </p:cNvPr>
+          <p:cNvSpPr txBox="1"/>
+          <p:nvPr/>
+        </p:nvSpPr>
+        <p:spPr>
+          <a:xfrm>
+            <a:off x="1233973" y="5441013"/>
+            <a:ext cx="1191352" cy="369332"/>
+          </a:xfrm>
+          <a:prstGeom prst="rect">
+            <a:avLst/>
+          </a:prstGeom>
+          <a:solidFill>
+            <a:schemeClr val="bg1">
+              <a:lumMod val="95000"/>
+            </a:schemeClr>
+          </a:solidFill>
+        </p:spPr>
+        <p:txBody>
+          <a:bodyPr wrap="none" rtlCol="0">
+            <a:spAutoFit/>
+          </a:bodyPr>
+          <a:lstStyle>
+            <a:defPPr>
+              <a:defRPr lang="tr-TR"/>
+            </a:defPPr>
+            <a:lvl1pPr>
+              <a:defRPr b="1"/>
+            </a:lvl1pPr>
+          </a:lstStyle>
+          <a:p>
+            <a:r>
+              <a:rPr lang="tr-TR" dirty="0"/>
+              <a:t>1600-1982</a:t>
+            </a:r>
+          </a:p>
+        </p:txBody>
+      </p:sp>
+    </p:spTree>
+    <p:extLst>
+      <p:ext uri="{BB962C8B-B14F-4D97-AF65-F5344CB8AC3E}">
+        <p14:creationId xmlns:p14="http://schemas.microsoft.com/office/powerpoint/2010/main" val="453989070"/>
+      </p:ext>
+    </p:extLst>
+  </p:cSld>
+  <p:clrMapOvr>
+    <a:masterClrMapping/>
+  </p:clrMapOvr>
+</p:sld>
+</file>
+
+<file path=ppt/slides/slide21.xml><?xml version="1.0" encoding="utf-8"?>
+<p:sld xmlns:a="http://schemas.openxmlformats.org/drawingml/2006/main" xmlns:r="http://schemas.openxmlformats.org/officeDocument/2006/relationships" xmlns:p="http://schemas.openxmlformats.org/presentationml/2006/main">
+  <p:cSld>
+    <p:spTree>
+      <p:nvGrpSpPr>
+        <p:cNvPr id="1" name=""/>
+        <p:cNvGrpSpPr/>
+        <p:nvPr/>
+      </p:nvGrpSpPr>
+      <p:grpSpPr>
+        <a:xfrm>
+          <a:off x="0" y="0"/>
+          <a:ext cx="0" cy="0"/>
+          <a:chOff x="0" y="0"/>
+          <a:chExt cx="0" cy="0"/>
+        </a:xfrm>
+      </p:grpSpPr>
+      <p:grpSp>
+        <p:nvGrpSpPr>
+          <p:cNvPr id="4" name="Group 3">
+            <a:extLst>
+              <a:ext uri="{FF2B5EF4-FFF2-40B4-BE49-F238E27FC236}">
+                <a16:creationId xmlns:a16="http://schemas.microsoft.com/office/drawing/2014/main" id="{2C65993E-0EE6-4524-BF29-6374FA68A75F}"/>
+              </a:ext>
+            </a:extLst>
+          </p:cNvPr>
+          <p:cNvGrpSpPr/>
+          <p:nvPr/>
+        </p:nvGrpSpPr>
+        <p:grpSpPr>
+          <a:xfrm>
+            <a:off x="776168" y="1719934"/>
+            <a:ext cx="979865" cy="1306635"/>
+            <a:chOff x="4736649" y="5139505"/>
+            <a:chExt cx="979865" cy="1306635"/>
+          </a:xfrm>
+        </p:grpSpPr>
+        <p:sp>
+          <p:nvSpPr>
+            <p:cNvPr id="5" name="TextBox 4">
+              <a:extLst>
+                <a:ext uri="{FF2B5EF4-FFF2-40B4-BE49-F238E27FC236}">
+                  <a16:creationId xmlns:a16="http://schemas.microsoft.com/office/drawing/2014/main" id="{D9C888EF-FFDB-4139-B421-D46FB6D33C70}"/>
+                </a:ext>
+              </a:extLst>
+            </p:cNvPr>
+            <p:cNvSpPr txBox="1"/>
+            <p:nvPr/>
+          </p:nvSpPr>
+          <p:spPr>
+            <a:xfrm>
+              <a:off x="4768966" y="5941276"/>
+              <a:ext cx="947548" cy="504864"/>
+            </a:xfrm>
+            <a:prstGeom prst="rect">
+              <a:avLst/>
+            </a:prstGeom>
+            <a:noFill/>
+          </p:spPr>
+          <p:txBody>
+            <a:bodyPr wrap="none" rtlCol="0">
+              <a:normAutofit lnSpcReduction="10000"/>
+            </a:bodyPr>
+            <a:lstStyle/>
+            <a:p>
+              <a:r>
+                <a:rPr lang="tr-TR" sz="1400" b="1" dirty="0"/>
+                <a:t>Official </a:t>
+              </a:r>
+            </a:p>
+            <a:p>
+              <a:r>
+                <a:rPr lang="tr-TR" sz="1400" b="1" dirty="0"/>
+                <a:t>Reports</a:t>
+              </a:r>
+            </a:p>
+          </p:txBody>
+        </p:sp>
+        <p:pic>
+          <p:nvPicPr>
+            <p:cNvPr id="6" name="Picture 4" descr="document-management-big - Ville de Gerzat">
+              <a:extLst>
+                <a:ext uri="{FF2B5EF4-FFF2-40B4-BE49-F238E27FC236}">
+                  <a16:creationId xmlns:a16="http://schemas.microsoft.com/office/drawing/2014/main" id="{B4754640-01D2-4EE6-988B-F061BEED2D15}"/>
+                </a:ext>
+              </a:extLst>
+            </p:cNvPr>
+            <p:cNvPicPr>
+              <a:picLocks noChangeAspect="1" noChangeArrowheads="1"/>
+            </p:cNvPicPr>
+            <p:nvPr/>
+          </p:nvPicPr>
+          <p:blipFill>
+            <a:blip r:embed="rId3">
+              <a:extLst>
+                <a:ext uri="{28A0092B-C50C-407E-A947-70E740481C1C}">
+                  <a14:useLocalDpi xmlns:a14="http://schemas.microsoft.com/office/drawing/2010/main" val="0"/>
+                </a:ext>
+              </a:extLst>
+            </a:blip>
+            <a:srcRect/>
+            <a:stretch>
+              <a:fillRect/>
+            </a:stretch>
+          </p:blipFill>
+          <p:spPr bwMode="auto">
+            <a:xfrm>
+              <a:off x="4736649" y="5139505"/>
+              <a:ext cx="763927" cy="795179"/>
+            </a:xfrm>
+            <a:prstGeom prst="rect">
+              <a:avLst/>
+            </a:prstGeom>
+            <a:noFill/>
+            <a:extLst>
+              <a:ext uri="{909E8E84-426E-40DD-AFC4-6F175D3DCCD1}">
+                <a14:hiddenFill xmlns:a14="http://schemas.microsoft.com/office/drawing/2010/main">
+                  <a:solidFill>
+                    <a:srgbClr val="FFFFFF"/>
+                  </a:solidFill>
+                </a14:hiddenFill>
+              </a:ext>
+            </a:extLst>
+          </p:spPr>
+        </p:pic>
+      </p:grpSp>
+      <p:grpSp>
+        <p:nvGrpSpPr>
+          <p:cNvPr id="7" name="Group 6">
+            <a:extLst>
+              <a:ext uri="{FF2B5EF4-FFF2-40B4-BE49-F238E27FC236}">
+                <a16:creationId xmlns:a16="http://schemas.microsoft.com/office/drawing/2014/main" id="{A6A5051E-A52C-48CC-8FAA-37E0D625DBD5}"/>
+              </a:ext>
+            </a:extLst>
+          </p:cNvPr>
+          <p:cNvGrpSpPr/>
+          <p:nvPr/>
+        </p:nvGrpSpPr>
+        <p:grpSpPr>
+          <a:xfrm>
+            <a:off x="1652993" y="1691215"/>
+            <a:ext cx="797020" cy="1293417"/>
+            <a:chOff x="5613474" y="5110786"/>
+            <a:chExt cx="797020" cy="1293417"/>
+          </a:xfrm>
+        </p:grpSpPr>
+        <p:sp>
+          <p:nvSpPr>
+            <p:cNvPr id="8" name="TextBox 7">
+              <a:extLst>
+                <a:ext uri="{FF2B5EF4-FFF2-40B4-BE49-F238E27FC236}">
+                  <a16:creationId xmlns:a16="http://schemas.microsoft.com/office/drawing/2014/main" id="{996FD1C1-8037-4F9B-A42D-A7B980970A65}"/>
+                </a:ext>
+              </a:extLst>
+            </p:cNvPr>
+            <p:cNvSpPr txBox="1"/>
+            <p:nvPr/>
+          </p:nvSpPr>
+          <p:spPr>
+            <a:xfrm>
+              <a:off x="5626305" y="5880983"/>
+              <a:ext cx="784189" cy="523220"/>
+            </a:xfrm>
+            <a:prstGeom prst="rect">
+              <a:avLst/>
+            </a:prstGeom>
+            <a:noFill/>
+          </p:spPr>
+          <p:txBody>
+            <a:bodyPr wrap="none" rtlCol="0">
+              <a:spAutoFit/>
+            </a:bodyPr>
+            <a:lstStyle/>
+            <a:p>
+              <a:r>
+                <a:rPr lang="tr-TR" sz="1400" b="1" dirty="0"/>
+                <a:t>Lessons</a:t>
+              </a:r>
+            </a:p>
+            <a:p>
+              <a:r>
+                <a:rPr lang="tr-TR" sz="1400" b="1" dirty="0"/>
+                <a:t>Learned</a:t>
+              </a:r>
+            </a:p>
+          </p:txBody>
+        </p:sp>
+        <p:pic>
+          <p:nvPicPr>
+            <p:cNvPr id="9" name="Picture 4" descr="document-management-big - Ville de Gerzat">
+              <a:extLst>
+                <a:ext uri="{FF2B5EF4-FFF2-40B4-BE49-F238E27FC236}">
+                  <a16:creationId xmlns:a16="http://schemas.microsoft.com/office/drawing/2014/main" id="{ECE3F430-8405-4932-82F4-6EC0962E3707}"/>
+                </a:ext>
+              </a:extLst>
+            </p:cNvPr>
+            <p:cNvPicPr>
+              <a:picLocks noChangeAspect="1" noChangeArrowheads="1"/>
+            </p:cNvPicPr>
+            <p:nvPr/>
+          </p:nvPicPr>
+          <p:blipFill>
+            <a:blip r:embed="rId3">
+              <a:extLst>
+                <a:ext uri="{28A0092B-C50C-407E-A947-70E740481C1C}">
+                  <a14:useLocalDpi xmlns:a14="http://schemas.microsoft.com/office/drawing/2010/main" val="0"/>
+                </a:ext>
+              </a:extLst>
+            </a:blip>
+            <a:srcRect/>
+            <a:stretch>
+              <a:fillRect/>
+            </a:stretch>
+          </p:blipFill>
+          <p:spPr bwMode="auto">
+            <a:xfrm>
+              <a:off x="5613474" y="5110786"/>
+              <a:ext cx="763927" cy="795179"/>
+            </a:xfrm>
+            <a:prstGeom prst="rect">
+              <a:avLst/>
+            </a:prstGeom>
+            <a:noFill/>
+            <a:extLst>
+              <a:ext uri="{909E8E84-426E-40DD-AFC4-6F175D3DCCD1}">
+                <a14:hiddenFill xmlns:a14="http://schemas.microsoft.com/office/drawing/2010/main">
+                  <a:solidFill>
+                    <a:srgbClr val="FFFFFF"/>
+                  </a:solidFill>
+                </a14:hiddenFill>
+              </a:ext>
+            </a:extLst>
+          </p:spPr>
+        </p:pic>
+      </p:grpSp>
+      <p:grpSp>
+        <p:nvGrpSpPr>
+          <p:cNvPr id="10" name="Group 9">
+            <a:extLst>
+              <a:ext uri="{FF2B5EF4-FFF2-40B4-BE49-F238E27FC236}">
+                <a16:creationId xmlns:a16="http://schemas.microsoft.com/office/drawing/2014/main" id="{FDF52914-50A2-4326-B442-B384B7140FEC}"/>
+              </a:ext>
+            </a:extLst>
+          </p:cNvPr>
+          <p:cNvGrpSpPr/>
+          <p:nvPr/>
+        </p:nvGrpSpPr>
+        <p:grpSpPr>
+          <a:xfrm>
+            <a:off x="792396" y="3586917"/>
+            <a:ext cx="852541" cy="1054203"/>
+            <a:chOff x="6397125" y="5139505"/>
+            <a:chExt cx="852541" cy="1054203"/>
+          </a:xfrm>
+        </p:grpSpPr>
+        <p:sp>
+          <p:nvSpPr>
+            <p:cNvPr id="11" name="TextBox 10">
+              <a:extLst>
+                <a:ext uri="{FF2B5EF4-FFF2-40B4-BE49-F238E27FC236}">
+                  <a16:creationId xmlns:a16="http://schemas.microsoft.com/office/drawing/2014/main" id="{C92D378D-8564-4093-B680-76DA10CF59C7}"/>
+                </a:ext>
+              </a:extLst>
+            </p:cNvPr>
+            <p:cNvSpPr txBox="1"/>
+            <p:nvPr/>
+          </p:nvSpPr>
+          <p:spPr>
+            <a:xfrm>
+              <a:off x="6397125" y="5885931"/>
+              <a:ext cx="852541" cy="307777"/>
+            </a:xfrm>
+            <a:prstGeom prst="rect">
+              <a:avLst/>
+            </a:prstGeom>
+            <a:noFill/>
+          </p:spPr>
+          <p:txBody>
+            <a:bodyPr wrap="none" rtlCol="0">
+              <a:spAutoFit/>
+            </a:bodyPr>
+            <a:lstStyle/>
+            <a:p>
+              <a:r>
+                <a:rPr lang="tr-TR" sz="1400" b="1" dirty="0"/>
+                <a:t>Memoirs</a:t>
+              </a:r>
+            </a:p>
+          </p:txBody>
+        </p:sp>
+        <p:pic>
+          <p:nvPicPr>
+            <p:cNvPr id="12" name="Picture 4" descr="document-management-big - Ville de Gerzat">
+              <a:extLst>
+                <a:ext uri="{FF2B5EF4-FFF2-40B4-BE49-F238E27FC236}">
+                  <a16:creationId xmlns:a16="http://schemas.microsoft.com/office/drawing/2014/main" id="{FC54FC8F-CFB6-491A-A558-81449D86051D}"/>
+                </a:ext>
+              </a:extLst>
+            </p:cNvPr>
+            <p:cNvPicPr>
+              <a:picLocks noChangeAspect="1" noChangeArrowheads="1"/>
+            </p:cNvPicPr>
+            <p:nvPr/>
+          </p:nvPicPr>
+          <p:blipFill>
+            <a:blip r:embed="rId3">
+              <a:extLst>
+                <a:ext uri="{28A0092B-C50C-407E-A947-70E740481C1C}">
+                  <a14:useLocalDpi xmlns:a14="http://schemas.microsoft.com/office/drawing/2010/main" val="0"/>
+                </a:ext>
+              </a:extLst>
+            </a:blip>
+            <a:srcRect/>
+            <a:stretch>
+              <a:fillRect/>
+            </a:stretch>
+          </p:blipFill>
+          <p:spPr bwMode="auto">
+            <a:xfrm>
+              <a:off x="6436752" y="5139505"/>
+              <a:ext cx="763927" cy="795179"/>
+            </a:xfrm>
+            <a:prstGeom prst="rect">
+              <a:avLst/>
+            </a:prstGeom>
+            <a:noFill/>
+            <a:extLst>
+              <a:ext uri="{909E8E84-426E-40DD-AFC4-6F175D3DCCD1}">
+                <a14:hiddenFill xmlns:a14="http://schemas.microsoft.com/office/drawing/2010/main">
+                  <a:solidFill>
+                    <a:srgbClr val="FFFFFF"/>
+                  </a:solidFill>
+                </a14:hiddenFill>
+              </a:ext>
+            </a:extLst>
+          </p:spPr>
+        </p:pic>
+      </p:grpSp>
+      <p:sp>
+        <p:nvSpPr>
+          <p:cNvPr id="13" name="Rectangle: Rounded Corners 12">
+            <a:extLst>
+              <a:ext uri="{FF2B5EF4-FFF2-40B4-BE49-F238E27FC236}">
+                <a16:creationId xmlns:a16="http://schemas.microsoft.com/office/drawing/2014/main" id="{6A6B0F19-57CF-45B5-BF59-831D956BB4C1}"/>
+              </a:ext>
+            </a:extLst>
+          </p:cNvPr>
+          <p:cNvSpPr/>
+          <p:nvPr/>
+        </p:nvSpPr>
+        <p:spPr>
+          <a:xfrm>
+            <a:off x="123565" y="12974"/>
+            <a:ext cx="11608912" cy="758490"/>
+          </a:xfrm>
+          <a:prstGeom prst="roundRect">
+            <a:avLst/>
+          </a:prstGeom>
+          <a:solidFill>
+            <a:schemeClr val="accent1">
+              <a:alpha val="8000"/>
+            </a:schemeClr>
+          </a:solidFill>
+        </p:spPr>
+        <p:style>
+          <a:lnRef idx="2">
+            <a:schemeClr val="accent1">
+              <a:shade val="50000"/>
+            </a:schemeClr>
+          </a:lnRef>
+          <a:fillRef idx="1">
+            <a:schemeClr val="accent1"/>
+          </a:fillRef>
+          <a:effectRef idx="0">
+            <a:schemeClr val="accent1"/>
+          </a:effectRef>
+          <a:fontRef idx="minor">
+            <a:schemeClr val="lt1"/>
+          </a:fontRef>
+        </p:style>
+        <p:txBody>
+          <a:bodyPr rtlCol="0" anchor="ctr"/>
+          <a:lstStyle/>
+          <a:p>
+            <a:pPr algn="ctr"/>
+            <a:r>
+              <a:rPr lang="tr-TR" sz="3000" b="1" dirty="0">
+                <a:solidFill>
+                  <a:schemeClr val="tx1"/>
+                </a:solidFill>
+              </a:rPr>
+              <a:t>Intangible Factors Analysis</a:t>
+            </a:r>
+          </a:p>
+        </p:txBody>
+      </p:sp>
+      <p:grpSp>
+        <p:nvGrpSpPr>
+          <p:cNvPr id="15" name="Group 14">
+            <a:extLst>
+              <a:ext uri="{FF2B5EF4-FFF2-40B4-BE49-F238E27FC236}">
+                <a16:creationId xmlns:a16="http://schemas.microsoft.com/office/drawing/2014/main" id="{80121FFD-D007-4754-A32A-31873EAE8653}"/>
+              </a:ext>
+            </a:extLst>
+          </p:cNvPr>
+          <p:cNvGrpSpPr/>
+          <p:nvPr/>
+        </p:nvGrpSpPr>
+        <p:grpSpPr>
+          <a:xfrm>
+            <a:off x="1655995" y="3586918"/>
+            <a:ext cx="1062920" cy="1485090"/>
+            <a:chOff x="6397125" y="5139505"/>
+            <a:chExt cx="1062920" cy="1485090"/>
+          </a:xfrm>
+        </p:grpSpPr>
+        <p:sp>
+          <p:nvSpPr>
+            <p:cNvPr id="16" name="TextBox 15">
+              <a:extLst>
+                <a:ext uri="{FF2B5EF4-FFF2-40B4-BE49-F238E27FC236}">
+                  <a16:creationId xmlns:a16="http://schemas.microsoft.com/office/drawing/2014/main" id="{61EFA6AD-906C-46F5-ADDF-EA6AD9D5D10E}"/>
+                </a:ext>
+              </a:extLst>
+            </p:cNvPr>
+            <p:cNvSpPr txBox="1"/>
+            <p:nvPr/>
+          </p:nvSpPr>
+          <p:spPr>
+            <a:xfrm>
+              <a:off x="6397125" y="5885931"/>
+              <a:ext cx="1062920" cy="738664"/>
+            </a:xfrm>
+            <a:prstGeom prst="rect">
+              <a:avLst/>
+            </a:prstGeom>
+            <a:noFill/>
+          </p:spPr>
+          <p:txBody>
+            <a:bodyPr wrap="none" rtlCol="0">
+              <a:spAutoFit/>
+            </a:bodyPr>
+            <a:lstStyle/>
+            <a:p>
+              <a:r>
+                <a:rPr lang="tr-TR" sz="1400" b="1" dirty="0"/>
+                <a:t>Other texts </a:t>
+              </a:r>
+            </a:p>
+            <a:p>
+              <a:r>
+                <a:rPr lang="tr-TR" sz="1400" b="1" dirty="0"/>
+                <a:t>or</a:t>
+              </a:r>
+            </a:p>
+            <a:p>
+              <a:r>
+                <a:rPr lang="tr-TR" sz="1400" b="1" dirty="0"/>
+                <a:t>audios</a:t>
+              </a:r>
+            </a:p>
+          </p:txBody>
+        </p:sp>
+        <p:pic>
+          <p:nvPicPr>
+            <p:cNvPr id="17" name="Picture 4" descr="document-management-big - Ville de Gerzat">
+              <a:extLst>
+                <a:ext uri="{FF2B5EF4-FFF2-40B4-BE49-F238E27FC236}">
+                  <a16:creationId xmlns:a16="http://schemas.microsoft.com/office/drawing/2014/main" id="{499719EF-3E5F-4A2D-A18E-16C9892883DA}"/>
+                </a:ext>
+              </a:extLst>
+            </p:cNvPr>
+            <p:cNvPicPr>
+              <a:picLocks noChangeAspect="1" noChangeArrowheads="1"/>
+            </p:cNvPicPr>
+            <p:nvPr/>
+          </p:nvPicPr>
+          <p:blipFill>
+            <a:blip r:embed="rId3">
+              <a:extLst>
+                <a:ext uri="{28A0092B-C50C-407E-A947-70E740481C1C}">
+                  <a14:useLocalDpi xmlns:a14="http://schemas.microsoft.com/office/drawing/2010/main" val="0"/>
+                </a:ext>
+              </a:extLst>
+            </a:blip>
+            <a:srcRect/>
+            <a:stretch>
+              <a:fillRect/>
+            </a:stretch>
+          </p:blipFill>
+          <p:spPr bwMode="auto">
+            <a:xfrm>
+              <a:off x="6436752" y="5139505"/>
+              <a:ext cx="763927" cy="795179"/>
+            </a:xfrm>
+            <a:prstGeom prst="rect">
+              <a:avLst/>
+            </a:prstGeom>
+            <a:noFill/>
+            <a:extLst>
+              <a:ext uri="{909E8E84-426E-40DD-AFC4-6F175D3DCCD1}">
+                <a14:hiddenFill xmlns:a14="http://schemas.microsoft.com/office/drawing/2010/main">
+                  <a:solidFill>
+                    <a:srgbClr val="FFFFFF"/>
+                  </a:solidFill>
+                </a14:hiddenFill>
+              </a:ext>
+            </a:extLst>
+          </p:spPr>
+        </p:pic>
+      </p:grpSp>
+      <p:pic>
+        <p:nvPicPr>
+          <p:cNvPr id="19" name="Picture 12" descr="Defining Communities with ESRI&amp;#39;s Grouping Analysis Tool | Azavea">
+            <a:extLst>
+              <a:ext uri="{FF2B5EF4-FFF2-40B4-BE49-F238E27FC236}">
+                <a16:creationId xmlns:a16="http://schemas.microsoft.com/office/drawing/2014/main" id="{C366A093-FE9B-4497-B86B-0FEE89DD91E7}"/>
+              </a:ext>
+            </a:extLst>
+          </p:cNvPr>
+          <p:cNvPicPr>
+            <a:picLocks noChangeAspect="1" noChangeArrowheads="1"/>
+          </p:cNvPicPr>
+          <p:nvPr/>
+        </p:nvPicPr>
+        <p:blipFill>
+          <a:blip r:embed="rId4">
+            <a:extLst>
+              <a:ext uri="{28A0092B-C50C-407E-A947-70E740481C1C}">
+                <a14:useLocalDpi xmlns:a14="http://schemas.microsoft.com/office/drawing/2010/main" val="0"/>
+              </a:ext>
+            </a:extLst>
+          </a:blip>
+          <a:srcRect/>
+          <a:stretch>
+            <a:fillRect/>
+          </a:stretch>
+        </p:blipFill>
+        <p:spPr bwMode="auto">
+          <a:xfrm>
+            <a:off x="3145122" y="1442613"/>
+            <a:ext cx="4099854" cy="2226997"/>
+          </a:xfrm>
+          <a:prstGeom prst="rect">
+            <a:avLst/>
+          </a:prstGeom>
+          <a:noFill/>
+          <a:extLst>
+            <a:ext uri="{909E8E84-426E-40DD-AFC4-6F175D3DCCD1}">
+              <a14:hiddenFill xmlns:a14="http://schemas.microsoft.com/office/drawing/2010/main">
+                <a:solidFill>
+                  <a:srgbClr val="FFFFFF"/>
+                </a:solidFill>
+              </a14:hiddenFill>
+            </a:ext>
+          </a:extLst>
+        </p:spPr>
+      </p:pic>
+      <p:sp>
+        <p:nvSpPr>
+          <p:cNvPr id="20" name="TextBox 19">
+            <a:extLst>
+              <a:ext uri="{FF2B5EF4-FFF2-40B4-BE49-F238E27FC236}">
+                <a16:creationId xmlns:a16="http://schemas.microsoft.com/office/drawing/2014/main" id="{07618CE9-4D6A-4D42-847F-BDF3C0BEBEDF}"/>
+              </a:ext>
+            </a:extLst>
+          </p:cNvPr>
+          <p:cNvSpPr txBox="1"/>
+          <p:nvPr/>
+        </p:nvSpPr>
+        <p:spPr>
+          <a:xfrm>
+            <a:off x="4174805" y="900167"/>
+            <a:ext cx="2593915" cy="769441"/>
+          </a:xfrm>
+          <a:prstGeom prst="rect">
+            <a:avLst/>
+          </a:prstGeom>
+          <a:noFill/>
+        </p:spPr>
+        <p:txBody>
+          <a:bodyPr wrap="none" rtlCol="0">
+            <a:spAutoFit/>
+          </a:bodyPr>
+          <a:lstStyle>
+            <a:defPPr>
+              <a:defRPr lang="tr-TR"/>
+            </a:defPPr>
+            <a:lvl1pPr algn="ctr">
+              <a:defRPr sz="2200" b="1"/>
+            </a:lvl1pPr>
+          </a:lstStyle>
+          <a:p>
+            <a:r>
+              <a:rPr lang="tr-TR" dirty="0"/>
+              <a:t>Feature Extraction &amp;</a:t>
+            </a:r>
+          </a:p>
+          <a:p>
+            <a:r>
+              <a:rPr lang="tr-TR" dirty="0"/>
+              <a:t>Grouping of Objects</a:t>
+            </a:r>
+          </a:p>
+        </p:txBody>
+      </p:sp>
+      <p:sp>
+        <p:nvSpPr>
+          <p:cNvPr id="21" name="TextBox 20">
+            <a:extLst>
+              <a:ext uri="{FF2B5EF4-FFF2-40B4-BE49-F238E27FC236}">
+                <a16:creationId xmlns:a16="http://schemas.microsoft.com/office/drawing/2014/main" id="{97F39F47-62AC-499B-B4B9-02E3A5DA3649}"/>
+              </a:ext>
+            </a:extLst>
+          </p:cNvPr>
+          <p:cNvSpPr txBox="1"/>
+          <p:nvPr/>
+        </p:nvSpPr>
+        <p:spPr>
+          <a:xfrm>
+            <a:off x="248914" y="880907"/>
+            <a:ext cx="2481257" cy="769441"/>
+          </a:xfrm>
+          <a:prstGeom prst="rect">
+            <a:avLst/>
+          </a:prstGeom>
+          <a:noFill/>
+        </p:spPr>
+        <p:txBody>
+          <a:bodyPr wrap="none" rtlCol="0">
+            <a:spAutoFit/>
+          </a:bodyPr>
+          <a:lstStyle/>
+          <a:p>
+            <a:pPr algn="ctr"/>
+            <a:r>
+              <a:rPr lang="tr-TR" sz="2200" b="1" dirty="0"/>
+              <a:t>Selection of</a:t>
+            </a:r>
+          </a:p>
+          <a:p>
+            <a:pPr algn="ctr"/>
+            <a:r>
+              <a:rPr lang="tr-TR" sz="2200" b="1" dirty="0"/>
+              <a:t>Raw Texts &amp; Audios</a:t>
+            </a:r>
+          </a:p>
+        </p:txBody>
+      </p:sp>
+      <p:sp>
+        <p:nvSpPr>
+          <p:cNvPr id="23" name="TextBox 22">
+            <a:extLst>
+              <a:ext uri="{FF2B5EF4-FFF2-40B4-BE49-F238E27FC236}">
+                <a16:creationId xmlns:a16="http://schemas.microsoft.com/office/drawing/2014/main" id="{23A09505-A6E2-4356-A2FF-2E86965135C6}"/>
+              </a:ext>
+            </a:extLst>
+          </p:cNvPr>
+          <p:cNvSpPr txBox="1"/>
+          <p:nvPr/>
+        </p:nvSpPr>
+        <p:spPr>
+          <a:xfrm>
+            <a:off x="8629896" y="963087"/>
+            <a:ext cx="3102581" cy="430887"/>
+          </a:xfrm>
+          <a:prstGeom prst="rect">
+            <a:avLst/>
+          </a:prstGeom>
+          <a:noFill/>
+        </p:spPr>
+        <p:txBody>
+          <a:bodyPr wrap="none" rtlCol="0">
+            <a:spAutoFit/>
+          </a:bodyPr>
+          <a:lstStyle>
+            <a:defPPr>
+              <a:defRPr lang="tr-TR"/>
+            </a:defPPr>
+            <a:lvl1pPr algn="ctr">
+              <a:defRPr sz="2200" b="1"/>
+            </a:lvl1pPr>
+          </a:lstStyle>
+          <a:p>
+            <a:r>
+              <a:rPr lang="tr-TR" dirty="0"/>
+              <a:t>Deep Learning Algorithm</a:t>
+            </a:r>
+          </a:p>
+        </p:txBody>
+      </p:sp>
+      <p:grpSp>
+        <p:nvGrpSpPr>
+          <p:cNvPr id="25" name="Group 24">
+            <a:extLst>
+              <a:ext uri="{FF2B5EF4-FFF2-40B4-BE49-F238E27FC236}">
+                <a16:creationId xmlns:a16="http://schemas.microsoft.com/office/drawing/2014/main" id="{023068A5-1813-495A-960E-AB184C7AA2E5}"/>
+              </a:ext>
+            </a:extLst>
+          </p:cNvPr>
+          <p:cNvGrpSpPr/>
+          <p:nvPr/>
+        </p:nvGrpSpPr>
+        <p:grpSpPr>
+          <a:xfrm>
+            <a:off x="9419917" y="4987820"/>
+            <a:ext cx="2358979" cy="1293417"/>
+            <a:chOff x="4830185" y="5110786"/>
+            <a:chExt cx="2358979" cy="1293417"/>
+          </a:xfrm>
+        </p:grpSpPr>
+        <p:sp>
+          <p:nvSpPr>
+            <p:cNvPr id="26" name="TextBox 25">
+              <a:extLst>
+                <a:ext uri="{FF2B5EF4-FFF2-40B4-BE49-F238E27FC236}">
+                  <a16:creationId xmlns:a16="http://schemas.microsoft.com/office/drawing/2014/main" id="{8D7CDFC0-7803-4E7C-870D-EC3E472D8CA2}"/>
+                </a:ext>
+              </a:extLst>
+            </p:cNvPr>
+            <p:cNvSpPr txBox="1"/>
+            <p:nvPr/>
+          </p:nvSpPr>
+          <p:spPr>
+            <a:xfrm>
+              <a:off x="4830185" y="5880983"/>
+              <a:ext cx="2358979" cy="523220"/>
+            </a:xfrm>
+            <a:prstGeom prst="rect">
+              <a:avLst/>
+            </a:prstGeom>
+            <a:noFill/>
+          </p:spPr>
+          <p:txBody>
+            <a:bodyPr wrap="none" rtlCol="0">
+              <a:spAutoFit/>
+            </a:bodyPr>
+            <a:lstStyle/>
+            <a:p>
+              <a:pPr algn="ctr"/>
+              <a:r>
+                <a:rPr lang="tr-TR" sz="1400" b="1" dirty="0"/>
+                <a:t>Integrate Results to </a:t>
+              </a:r>
+            </a:p>
+            <a:p>
+              <a:pPr algn="ctr"/>
+              <a:r>
+                <a:rPr lang="tr-TR" sz="1400" b="1" dirty="0"/>
+                <a:t>Multiple Regression Analysis </a:t>
+              </a:r>
+            </a:p>
+          </p:txBody>
+        </p:sp>
+        <p:pic>
+          <p:nvPicPr>
+            <p:cNvPr id="27" name="Picture 4" descr="document-management-big - Ville de Gerzat">
+              <a:extLst>
+                <a:ext uri="{FF2B5EF4-FFF2-40B4-BE49-F238E27FC236}">
+                  <a16:creationId xmlns:a16="http://schemas.microsoft.com/office/drawing/2014/main" id="{6049D350-3ED2-4ADE-924E-B74C7F39C27A}"/>
+                </a:ext>
+              </a:extLst>
+            </p:cNvPr>
+            <p:cNvPicPr>
+              <a:picLocks noChangeAspect="1" noChangeArrowheads="1"/>
+            </p:cNvPicPr>
+            <p:nvPr/>
+          </p:nvPicPr>
+          <p:blipFill>
+            <a:blip r:embed="rId3">
+              <a:extLst>
+                <a:ext uri="{28A0092B-C50C-407E-A947-70E740481C1C}">
+                  <a14:useLocalDpi xmlns:a14="http://schemas.microsoft.com/office/drawing/2010/main" val="0"/>
+                </a:ext>
+              </a:extLst>
+            </a:blip>
+            <a:srcRect/>
+            <a:stretch>
+              <a:fillRect/>
+            </a:stretch>
+          </p:blipFill>
+          <p:spPr bwMode="auto">
+            <a:xfrm>
+              <a:off x="5613474" y="5110786"/>
+              <a:ext cx="763927" cy="795179"/>
+            </a:xfrm>
+            <a:prstGeom prst="rect">
+              <a:avLst/>
+            </a:prstGeom>
+            <a:noFill/>
+            <a:extLst>
+              <a:ext uri="{909E8E84-426E-40DD-AFC4-6F175D3DCCD1}">
+                <a14:hiddenFill xmlns:a14="http://schemas.microsoft.com/office/drawing/2010/main">
+                  <a:solidFill>
+                    <a:srgbClr val="FFFFFF"/>
+                  </a:solidFill>
+                </a14:hiddenFill>
+              </a:ext>
+            </a:extLst>
+          </p:spPr>
+        </p:pic>
+      </p:grpSp>
+      <p:pic>
+        <p:nvPicPr>
+          <p:cNvPr id="14" name="Picture 13" descr="Icon, arrow&#10;&#10;Description automatically generated">
+            <a:extLst>
+              <a:ext uri="{FF2B5EF4-FFF2-40B4-BE49-F238E27FC236}">
+                <a16:creationId xmlns:a16="http://schemas.microsoft.com/office/drawing/2014/main" id="{09E00006-0FCE-441E-84F1-9A3FC2928FE5}"/>
+              </a:ext>
+            </a:extLst>
+          </p:cNvPr>
+          <p:cNvPicPr>
+            <a:picLocks noChangeAspect="1"/>
+          </p:cNvPicPr>
+          <p:nvPr/>
+        </p:nvPicPr>
+        <p:blipFill>
+          <a:blip r:embed="rId5">
+            <a:extLst>
+              <a:ext uri="{28A0092B-C50C-407E-A947-70E740481C1C}">
+                <a14:useLocalDpi xmlns:a14="http://schemas.microsoft.com/office/drawing/2010/main" val="0"/>
+              </a:ext>
+            </a:extLst>
+          </a:blip>
+          <a:stretch>
+            <a:fillRect/>
+          </a:stretch>
+        </p:blipFill>
+        <p:spPr>
+          <a:xfrm rot="13169111">
+            <a:off x="2572764" y="1556084"/>
+            <a:ext cx="837933" cy="773735"/>
+          </a:xfrm>
+          <a:prstGeom prst="rect">
+            <a:avLst/>
+          </a:prstGeom>
+        </p:spPr>
+      </p:pic>
+      <p:pic>
+        <p:nvPicPr>
+          <p:cNvPr id="18" name="Picture 17" descr="Icon, arrow&#10;&#10;Description automatically generated">
+            <a:extLst>
+              <a:ext uri="{FF2B5EF4-FFF2-40B4-BE49-F238E27FC236}">
+                <a16:creationId xmlns:a16="http://schemas.microsoft.com/office/drawing/2014/main" id="{A0F5A35A-4F71-4D36-950E-D8AEC2EE0ED1}"/>
+              </a:ext>
+            </a:extLst>
+          </p:cNvPr>
+          <p:cNvPicPr>
+            <a:picLocks noChangeAspect="1"/>
+          </p:cNvPicPr>
+          <p:nvPr/>
+        </p:nvPicPr>
+        <p:blipFill>
+          <a:blip r:embed="rId5">
+            <a:extLst>
+              <a:ext uri="{28A0092B-C50C-407E-A947-70E740481C1C}">
+                <a14:useLocalDpi xmlns:a14="http://schemas.microsoft.com/office/drawing/2010/main" val="0"/>
+              </a:ext>
+            </a:extLst>
+          </a:blip>
+          <a:stretch>
+            <a:fillRect/>
+          </a:stretch>
+        </p:blipFill>
+        <p:spPr>
+          <a:xfrm rot="11875284">
+            <a:off x="2644157" y="3479175"/>
+            <a:ext cx="837933" cy="773735"/>
+          </a:xfrm>
+          <a:prstGeom prst="rect">
+            <a:avLst/>
+          </a:prstGeom>
+        </p:spPr>
+      </p:pic>
+      <p:cxnSp>
+        <p:nvCxnSpPr>
+          <p:cNvPr id="34" name="Straight Connector 33">
+            <a:extLst>
+              <a:ext uri="{FF2B5EF4-FFF2-40B4-BE49-F238E27FC236}">
+                <a16:creationId xmlns:a16="http://schemas.microsoft.com/office/drawing/2014/main" id="{EC2B34B9-0677-419A-9D4A-B29AF4458CC5}"/>
+              </a:ext>
+            </a:extLst>
+          </p:cNvPr>
+          <p:cNvCxnSpPr>
+            <a:cxnSpLocks/>
+          </p:cNvCxnSpPr>
+          <p:nvPr/>
+        </p:nvCxnSpPr>
+        <p:spPr>
+          <a:xfrm flipH="1">
+            <a:off x="7668074" y="1116385"/>
+            <a:ext cx="9263" cy="5741615"/>
+          </a:xfrm>
+          <a:prstGeom prst="line">
+            <a:avLst/>
+          </a:prstGeom>
+        </p:spPr>
+        <p:style>
+          <a:lnRef idx="1">
+            <a:schemeClr val="accent1"/>
+          </a:lnRef>
+          <a:fillRef idx="0">
+            <a:schemeClr val="accent1"/>
+          </a:fillRef>
+          <a:effectRef idx="0">
+            <a:schemeClr val="accent1"/>
+          </a:effectRef>
+          <a:fontRef idx="minor">
+            <a:schemeClr val="tx1"/>
+          </a:fontRef>
+        </p:style>
+      </p:cxnSp>
+      <p:cxnSp>
+        <p:nvCxnSpPr>
+          <p:cNvPr id="37" name="Straight Connector 36">
+            <a:extLst>
+              <a:ext uri="{FF2B5EF4-FFF2-40B4-BE49-F238E27FC236}">
+                <a16:creationId xmlns:a16="http://schemas.microsoft.com/office/drawing/2014/main" id="{25DE9BD9-D697-44E0-98C6-9FDD382304F9}"/>
+              </a:ext>
+            </a:extLst>
+          </p:cNvPr>
+          <p:cNvCxnSpPr>
+            <a:cxnSpLocks/>
+          </p:cNvCxnSpPr>
+          <p:nvPr/>
+        </p:nvCxnSpPr>
+        <p:spPr>
+          <a:xfrm flipH="1">
+            <a:off x="2868920" y="1116385"/>
+            <a:ext cx="38319" cy="5741615"/>
+          </a:xfrm>
+          <a:prstGeom prst="line">
+            <a:avLst/>
+          </a:prstGeom>
+        </p:spPr>
+        <p:style>
+          <a:lnRef idx="1">
+            <a:schemeClr val="accent1"/>
+          </a:lnRef>
+          <a:fillRef idx="0">
+            <a:schemeClr val="accent1"/>
+          </a:fillRef>
+          <a:effectRef idx="0">
+            <a:schemeClr val="accent1"/>
+          </a:effectRef>
+          <a:fontRef idx="minor">
+            <a:schemeClr val="tx1"/>
+          </a:fontRef>
+        </p:style>
+      </p:cxnSp>
+      <p:grpSp>
+        <p:nvGrpSpPr>
+          <p:cNvPr id="46" name="Group 45">
+            <a:extLst>
+              <a:ext uri="{FF2B5EF4-FFF2-40B4-BE49-F238E27FC236}">
+                <a16:creationId xmlns:a16="http://schemas.microsoft.com/office/drawing/2014/main" id="{308352CB-FE4E-4A52-A325-01E628CFBF45}"/>
+              </a:ext>
+            </a:extLst>
+          </p:cNvPr>
+          <p:cNvGrpSpPr/>
+          <p:nvPr/>
+        </p:nvGrpSpPr>
+        <p:grpSpPr>
+          <a:xfrm>
+            <a:off x="3349641" y="4408318"/>
+            <a:ext cx="4047908" cy="1925975"/>
+            <a:chOff x="3055729" y="3934787"/>
+            <a:chExt cx="4047908" cy="1925975"/>
+          </a:xfrm>
+        </p:grpSpPr>
+        <p:sp>
+          <p:nvSpPr>
+            <p:cNvPr id="29" name="Rectangle: Rounded Corners 28">
+              <a:extLst>
+                <a:ext uri="{FF2B5EF4-FFF2-40B4-BE49-F238E27FC236}">
+                  <a16:creationId xmlns:a16="http://schemas.microsoft.com/office/drawing/2014/main" id="{18739060-8C01-45A1-A903-0C631B66214E}"/>
+                </a:ext>
+              </a:extLst>
+            </p:cNvPr>
+            <p:cNvSpPr/>
+            <p:nvPr/>
+          </p:nvSpPr>
+          <p:spPr>
+            <a:xfrm>
+              <a:off x="3055729" y="4891701"/>
+              <a:ext cx="1462804" cy="898087"/>
+            </a:xfrm>
+            <a:prstGeom prst="roundRect">
+              <a:avLst/>
+            </a:prstGeom>
+            <a:solidFill>
+              <a:schemeClr val="accent1">
+                <a:alpha val="8000"/>
+              </a:schemeClr>
+            </a:solidFill>
+          </p:spPr>
+          <p:style>
+            <a:lnRef idx="2">
+              <a:schemeClr val="accent1">
+                <a:shade val="50000"/>
+              </a:schemeClr>
+            </a:lnRef>
+            <a:fillRef idx="1">
+              <a:schemeClr val="accent1"/>
+            </a:fillRef>
+            <a:effectRef idx="0">
+              <a:schemeClr val="accent1"/>
+            </a:effectRef>
+            <a:fontRef idx="minor">
+              <a:schemeClr val="lt1"/>
+            </a:fontRef>
+          </p:style>
+          <p:txBody>
+            <a:bodyPr rtlCol="0" anchor="ctr"/>
+            <a:lstStyle/>
+            <a:p>
+              <a:pPr algn="ctr"/>
+              <a:r>
+                <a:rPr lang="tr-TR" b="1" dirty="0">
+                  <a:solidFill>
+                    <a:schemeClr val="tx1"/>
+                  </a:solidFill>
+                </a:rPr>
+                <a:t>Named Entitiy Recognition</a:t>
+              </a:r>
+            </a:p>
+          </p:txBody>
+        </p:sp>
+        <p:sp>
+          <p:nvSpPr>
+            <p:cNvPr id="31" name="Rectangle: Rounded Corners 30">
+              <a:extLst>
+                <a:ext uri="{FF2B5EF4-FFF2-40B4-BE49-F238E27FC236}">
+                  <a16:creationId xmlns:a16="http://schemas.microsoft.com/office/drawing/2014/main" id="{B1046F27-A5F4-4532-823E-9506729A917F}"/>
+                </a:ext>
+              </a:extLst>
+            </p:cNvPr>
+            <p:cNvSpPr/>
+            <p:nvPr/>
+          </p:nvSpPr>
+          <p:spPr>
+            <a:xfrm>
+              <a:off x="5640833" y="4820725"/>
+              <a:ext cx="1462804" cy="1040037"/>
+            </a:xfrm>
+            <a:prstGeom prst="roundRect">
+              <a:avLst/>
+            </a:prstGeom>
+            <a:solidFill>
+              <a:schemeClr val="accent1">
+                <a:alpha val="8000"/>
+              </a:schemeClr>
+            </a:solidFill>
+          </p:spPr>
+          <p:style>
+            <a:lnRef idx="2">
+              <a:schemeClr val="accent1">
+                <a:shade val="50000"/>
+              </a:schemeClr>
+            </a:lnRef>
+            <a:fillRef idx="1">
+              <a:schemeClr val="accent1"/>
+            </a:fillRef>
+            <a:effectRef idx="0">
+              <a:schemeClr val="accent1"/>
+            </a:effectRef>
+            <a:fontRef idx="minor">
+              <a:schemeClr val="lt1"/>
+            </a:fontRef>
+          </p:style>
+          <p:txBody>
+            <a:bodyPr rtlCol="0" anchor="ctr"/>
+            <a:lstStyle/>
+            <a:p>
+              <a:pPr algn="ctr"/>
+              <a:r>
+                <a:rPr lang="tr-TR" b="1" dirty="0">
+                  <a:solidFill>
+                    <a:schemeClr val="tx1"/>
+                  </a:solidFill>
+                </a:rPr>
+                <a:t>Relation Extraction</a:t>
+              </a:r>
+            </a:p>
+          </p:txBody>
+        </p:sp>
+        <p:sp>
+          <p:nvSpPr>
+            <p:cNvPr id="38" name="TextBox 37">
+              <a:extLst>
+                <a:ext uri="{FF2B5EF4-FFF2-40B4-BE49-F238E27FC236}">
+                  <a16:creationId xmlns:a16="http://schemas.microsoft.com/office/drawing/2014/main" id="{F2077B66-623D-49EB-B528-606C434A5287}"/>
+                </a:ext>
+              </a:extLst>
+            </p:cNvPr>
+            <p:cNvSpPr txBox="1"/>
+            <p:nvPr/>
+          </p:nvSpPr>
+          <p:spPr>
+            <a:xfrm>
+              <a:off x="4551374" y="3934787"/>
+              <a:ext cx="1195264" cy="646331"/>
+            </a:xfrm>
+            <a:prstGeom prst="rect">
+              <a:avLst/>
+            </a:prstGeom>
+            <a:noFill/>
+          </p:spPr>
+          <p:txBody>
+            <a:bodyPr wrap="none" rtlCol="0">
+              <a:spAutoFit/>
+            </a:bodyPr>
+            <a:lstStyle/>
+            <a:p>
+              <a:pPr algn="ctr"/>
+              <a:r>
+                <a:rPr lang="tr-TR" b="1" dirty="0"/>
+                <a:t>Training of</a:t>
+              </a:r>
+            </a:p>
+            <a:p>
+              <a:pPr algn="ctr"/>
+              <a:r>
+                <a:rPr lang="tr-TR" b="1" dirty="0"/>
+                <a:t> Models</a:t>
+              </a:r>
+            </a:p>
+          </p:txBody>
+        </p:sp>
+        <p:cxnSp>
+          <p:nvCxnSpPr>
+            <p:cNvPr id="39" name="Connector: Elbow 38">
+              <a:extLst>
+                <a:ext uri="{FF2B5EF4-FFF2-40B4-BE49-F238E27FC236}">
+                  <a16:creationId xmlns:a16="http://schemas.microsoft.com/office/drawing/2014/main" id="{BC54B152-16A6-4FFE-9F3F-8FC005160D6D}"/>
+                </a:ext>
+              </a:extLst>
+            </p:cNvPr>
+            <p:cNvCxnSpPr>
+              <a:cxnSpLocks/>
+              <a:stCxn id="38" idx="1"/>
+              <a:endCxn id="29" idx="0"/>
+            </p:cNvCxnSpPr>
+            <p:nvPr/>
+          </p:nvCxnSpPr>
+          <p:spPr>
+            <a:xfrm rot="10800000" flipV="1">
+              <a:off x="3787132" y="4257953"/>
+              <a:ext cx="764243" cy="633748"/>
+            </a:xfrm>
+            <a:prstGeom prst="bentConnector2">
+              <a:avLst/>
+            </a:prstGeom>
+            <a:ln>
+              <a:tailEnd type="triangle"/>
+            </a:ln>
+          </p:spPr>
+          <p:style>
+            <a:lnRef idx="1">
+              <a:schemeClr val="accent1"/>
+            </a:lnRef>
+            <a:fillRef idx="0">
+              <a:schemeClr val="accent1"/>
+            </a:fillRef>
+            <a:effectRef idx="0">
+              <a:schemeClr val="accent1"/>
+            </a:effectRef>
+            <a:fontRef idx="minor">
+              <a:schemeClr val="tx1"/>
+            </a:fontRef>
+          </p:style>
+        </p:cxnSp>
+        <p:cxnSp>
+          <p:nvCxnSpPr>
+            <p:cNvPr id="41" name="Connector: Elbow 40">
+              <a:extLst>
+                <a:ext uri="{FF2B5EF4-FFF2-40B4-BE49-F238E27FC236}">
+                  <a16:creationId xmlns:a16="http://schemas.microsoft.com/office/drawing/2014/main" id="{F57E1119-FA1D-46E9-8B7F-3A480BCF7846}"/>
+                </a:ext>
+              </a:extLst>
+            </p:cNvPr>
+            <p:cNvCxnSpPr>
+              <a:cxnSpLocks/>
+              <a:stCxn id="38" idx="3"/>
+              <a:endCxn id="31" idx="0"/>
+            </p:cNvCxnSpPr>
+            <p:nvPr/>
+          </p:nvCxnSpPr>
+          <p:spPr>
+            <a:xfrm>
+              <a:off x="5746638" y="4257953"/>
+              <a:ext cx="625597" cy="562772"/>
+            </a:xfrm>
+            <a:prstGeom prst="bentConnector2">
+              <a:avLst/>
+            </a:prstGeom>
+            <a:ln>
+              <a:tailEnd type="triangle"/>
+            </a:ln>
+          </p:spPr>
+          <p:style>
+            <a:lnRef idx="1">
+              <a:schemeClr val="accent1"/>
+            </a:lnRef>
+            <a:fillRef idx="0">
+              <a:schemeClr val="accent1"/>
+            </a:fillRef>
+            <a:effectRef idx="0">
+              <a:schemeClr val="accent1"/>
+            </a:effectRef>
+            <a:fontRef idx="minor">
+              <a:schemeClr val="tx1"/>
+            </a:fontRef>
+          </p:style>
+        </p:cxnSp>
+      </p:grpSp>
+      <p:pic>
+        <p:nvPicPr>
+          <p:cNvPr id="2052" name="Picture 4" descr="Schematic model of the deep learning algorithm in endoscopy. | Download  Scientific Diagram">
+            <a:extLst>
+              <a:ext uri="{FF2B5EF4-FFF2-40B4-BE49-F238E27FC236}">
+                <a16:creationId xmlns:a16="http://schemas.microsoft.com/office/drawing/2014/main" id="{3DC42CB4-DCCB-439A-A33C-634A350FAA0C}"/>
+              </a:ext>
+            </a:extLst>
+          </p:cNvPr>
+          <p:cNvPicPr>
+            <a:picLocks noChangeAspect="1" noChangeArrowheads="1"/>
+          </p:cNvPicPr>
+          <p:nvPr/>
+        </p:nvPicPr>
+        <p:blipFill rotWithShape="1">
+          <a:blip r:embed="rId6">
+            <a:extLst>
+              <a:ext uri="{28A0092B-C50C-407E-A947-70E740481C1C}">
+                <a14:useLocalDpi xmlns:a14="http://schemas.microsoft.com/office/drawing/2010/main" val="0"/>
+              </a:ext>
+            </a:extLst>
+          </a:blip>
+          <a:srcRect l="20150" r="19926" b="8218"/>
+          <a:stretch/>
+        </p:blipFill>
+        <p:spPr bwMode="auto">
+          <a:xfrm>
+            <a:off x="7870161" y="2026705"/>
+            <a:ext cx="3063897" cy="2804590"/>
+          </a:xfrm>
+          <a:prstGeom prst="rect">
+            <a:avLst/>
+          </a:prstGeom>
+          <a:noFill/>
+          <a:extLst>
+            <a:ext uri="{909E8E84-426E-40DD-AFC4-6F175D3DCCD1}">
+              <a14:hiddenFill xmlns:a14="http://schemas.microsoft.com/office/drawing/2010/main">
+                <a:solidFill>
+                  <a:srgbClr val="FFFFFF"/>
+                </a:solidFill>
+              </a14:hiddenFill>
+            </a:ext>
+          </a:extLst>
+        </p:spPr>
+      </p:pic>
+      <p:pic>
+        <p:nvPicPr>
+          <p:cNvPr id="30" name="Picture 29" descr="Icon, arrow&#10;&#10;Description automatically generated">
+            <a:extLst>
+              <a:ext uri="{FF2B5EF4-FFF2-40B4-BE49-F238E27FC236}">
+                <a16:creationId xmlns:a16="http://schemas.microsoft.com/office/drawing/2014/main" id="{CF93AF1B-678D-4817-B62E-4091F4FC54F2}"/>
+              </a:ext>
+            </a:extLst>
+          </p:cNvPr>
+          <p:cNvPicPr>
+            <a:picLocks noChangeAspect="1"/>
+          </p:cNvPicPr>
+          <p:nvPr/>
+        </p:nvPicPr>
+        <p:blipFill>
+          <a:blip r:embed="rId5">
+            <a:extLst>
+              <a:ext uri="{28A0092B-C50C-407E-A947-70E740481C1C}">
+                <a14:useLocalDpi xmlns:a14="http://schemas.microsoft.com/office/drawing/2010/main" val="0"/>
+              </a:ext>
+            </a:extLst>
+          </a:blip>
+          <a:stretch>
+            <a:fillRect/>
+          </a:stretch>
+        </p:blipFill>
+        <p:spPr>
+          <a:xfrm rot="11875284">
+            <a:off x="7309740" y="1865697"/>
+            <a:ext cx="837933" cy="773735"/>
+          </a:xfrm>
+          <a:prstGeom prst="rect">
+            <a:avLst/>
+          </a:prstGeom>
+        </p:spPr>
+      </p:pic>
+      <p:pic>
+        <p:nvPicPr>
+          <p:cNvPr id="48" name="Picture 47" descr="Icon, arrow&#10;&#10;Description automatically generated">
+            <a:extLst>
+              <a:ext uri="{FF2B5EF4-FFF2-40B4-BE49-F238E27FC236}">
+                <a16:creationId xmlns:a16="http://schemas.microsoft.com/office/drawing/2014/main" id="{7BDFA041-B050-4C0F-B0AE-D60E9A23BAD3}"/>
+              </a:ext>
+            </a:extLst>
+          </p:cNvPr>
+          <p:cNvPicPr>
+            <a:picLocks noChangeAspect="1"/>
+          </p:cNvPicPr>
+          <p:nvPr/>
+        </p:nvPicPr>
+        <p:blipFill>
+          <a:blip r:embed="rId5">
+            <a:extLst>
+              <a:ext uri="{28A0092B-C50C-407E-A947-70E740481C1C}">
+                <a14:useLocalDpi xmlns:a14="http://schemas.microsoft.com/office/drawing/2010/main" val="0"/>
+              </a:ext>
+            </a:extLst>
+          </a:blip>
+          <a:stretch>
+            <a:fillRect/>
+          </a:stretch>
+        </p:blipFill>
+        <p:spPr>
+          <a:xfrm rot="10647313">
+            <a:off x="7028218" y="4048344"/>
+            <a:ext cx="909864" cy="840155"/>
+          </a:xfrm>
+          <a:prstGeom prst="rect">
+            <a:avLst/>
+          </a:prstGeom>
+        </p:spPr>
+      </p:pic>
+      <p:sp>
+        <p:nvSpPr>
+          <p:cNvPr id="47" name="TextBox 46">
+            <a:extLst>
+              <a:ext uri="{FF2B5EF4-FFF2-40B4-BE49-F238E27FC236}">
+                <a16:creationId xmlns:a16="http://schemas.microsoft.com/office/drawing/2014/main" id="{50EEF9F5-C1DC-463C-BF96-9241B6E6A00C}"/>
+              </a:ext>
+            </a:extLst>
+          </p:cNvPr>
+          <p:cNvSpPr txBox="1"/>
+          <p:nvPr/>
+        </p:nvSpPr>
+        <p:spPr>
+          <a:xfrm>
+            <a:off x="10735053" y="3154742"/>
+            <a:ext cx="702821" cy="369332"/>
+          </a:xfrm>
+          <a:prstGeom prst="rect">
+            <a:avLst/>
+          </a:prstGeom>
+          <a:noFill/>
+        </p:spPr>
+        <p:txBody>
+          <a:bodyPr wrap="none" rtlCol="0">
+            <a:spAutoFit/>
+          </a:bodyPr>
+          <a:lstStyle/>
+          <a:p>
+            <a:r>
+              <a:rPr lang="tr-TR" dirty="0"/>
+              <a:t>exists</a:t>
+            </a:r>
+          </a:p>
+        </p:txBody>
+      </p:sp>
+      <p:sp>
+        <p:nvSpPr>
+          <p:cNvPr id="51" name="TextBox 50">
+            <a:extLst>
+              <a:ext uri="{FF2B5EF4-FFF2-40B4-BE49-F238E27FC236}">
+                <a16:creationId xmlns:a16="http://schemas.microsoft.com/office/drawing/2014/main" id="{F44677B0-A94C-4878-AF46-2A462E64155E}"/>
+              </a:ext>
+            </a:extLst>
+          </p:cNvPr>
+          <p:cNvSpPr txBox="1"/>
+          <p:nvPr/>
+        </p:nvSpPr>
+        <p:spPr>
+          <a:xfrm>
+            <a:off x="10742083" y="3537824"/>
+            <a:ext cx="1076320" cy="369332"/>
+          </a:xfrm>
+          <a:prstGeom prst="rect">
+            <a:avLst/>
+          </a:prstGeom>
+          <a:noFill/>
+        </p:spPr>
+        <p:txBody>
+          <a:bodyPr wrap="none" rtlCol="0">
+            <a:spAutoFit/>
+          </a:bodyPr>
+          <a:lstStyle/>
+          <a:p>
+            <a:r>
+              <a:rPr lang="tr-TR" dirty="0"/>
+              <a:t>not exists</a:t>
+            </a:r>
+          </a:p>
+        </p:txBody>
+      </p:sp>
+      <p:sp>
+        <p:nvSpPr>
+          <p:cNvPr id="53" name="TextBox 52">
+            <a:extLst>
+              <a:ext uri="{FF2B5EF4-FFF2-40B4-BE49-F238E27FC236}">
+                <a16:creationId xmlns:a16="http://schemas.microsoft.com/office/drawing/2014/main" id="{40F02CF0-789F-426D-9F10-CA291781A3EB}"/>
+              </a:ext>
+            </a:extLst>
+          </p:cNvPr>
+          <p:cNvSpPr txBox="1"/>
+          <p:nvPr/>
+        </p:nvSpPr>
+        <p:spPr>
+          <a:xfrm>
+            <a:off x="9403331" y="1911200"/>
+            <a:ext cx="3063897" cy="923330"/>
+          </a:xfrm>
+          <a:prstGeom prst="rect">
+            <a:avLst/>
+          </a:prstGeom>
+          <a:noFill/>
+        </p:spPr>
+        <p:txBody>
+          <a:bodyPr wrap="square">
+            <a:spAutoFit/>
+          </a:bodyPr>
+          <a:lstStyle/>
+          <a:p>
+            <a:pPr algn="ctr"/>
+            <a:r>
+              <a:rPr lang="tr-TR" b="1" dirty="0"/>
+              <a:t>Relation between outcome and Leadership </a:t>
+            </a:r>
+          </a:p>
+          <a:p>
+            <a:pPr algn="ctr"/>
+            <a:r>
+              <a:rPr lang="tr-TR" b="1" dirty="0"/>
+              <a:t>&amp; morale</a:t>
+            </a:r>
+          </a:p>
+        </p:txBody>
+      </p:sp>
+      <p:pic>
+        <p:nvPicPr>
+          <p:cNvPr id="54" name="Picture 53" descr="Icon, arrow&#10;&#10;Description automatically generated">
+            <a:extLst>
+              <a:ext uri="{FF2B5EF4-FFF2-40B4-BE49-F238E27FC236}">
+                <a16:creationId xmlns:a16="http://schemas.microsoft.com/office/drawing/2014/main" id="{504075B0-93F5-49FC-84DF-40CA8FD8C94F}"/>
+              </a:ext>
+            </a:extLst>
+          </p:cNvPr>
+          <p:cNvPicPr>
+            <a:picLocks noChangeAspect="1"/>
+          </p:cNvPicPr>
+          <p:nvPr/>
+        </p:nvPicPr>
+        <p:blipFill>
+          <a:blip r:embed="rId5">
+            <a:extLst>
+              <a:ext uri="{28A0092B-C50C-407E-A947-70E740481C1C}">
+                <a14:useLocalDpi xmlns:a14="http://schemas.microsoft.com/office/drawing/2010/main" val="0"/>
+              </a:ext>
+            </a:extLst>
+          </a:blip>
+          <a:stretch>
+            <a:fillRect/>
+          </a:stretch>
+        </p:blipFill>
+        <p:spPr>
+          <a:xfrm rot="19483578">
+            <a:off x="10887348" y="4171016"/>
+            <a:ext cx="837933" cy="773735"/>
+          </a:xfrm>
+          <a:prstGeom prst="rect">
+            <a:avLst/>
+          </a:prstGeom>
+        </p:spPr>
+      </p:pic>
+    </p:spTree>
+    <p:extLst>
+      <p:ext uri="{BB962C8B-B14F-4D97-AF65-F5344CB8AC3E}">
+        <p14:creationId xmlns:p14="http://schemas.microsoft.com/office/powerpoint/2010/main" val="1139851323"/>
+      </p:ext>
+    </p:extLst>
+  </p:cSld>
+  <p:clrMapOvr>
+    <a:masterClrMapping/>
+  </p:clrMapOvr>
+</p:sld>
+</file>
+
+<file path=ppt/slides/slide22.xml><?xml version="1.0" encoding="utf-8"?>
+<p:sld xmlns:a="http://schemas.openxmlformats.org/drawingml/2006/main" xmlns:r="http://schemas.openxmlformats.org/officeDocument/2006/relationships" xmlns:p="http://schemas.openxmlformats.org/presentationml/2006/main">
+  <p:cSld>
+    <p:spTree>
+      <p:nvGrpSpPr>
+        <p:cNvPr id="1" name=""/>
+        <p:cNvGrpSpPr/>
+        <p:nvPr/>
+      </p:nvGrpSpPr>
+      <p:grpSpPr>
+        <a:xfrm>
+          <a:off x="0" y="0"/>
+          <a:ext cx="0" cy="0"/>
+          <a:chOff x="0" y="0"/>
+          <a:chExt cx="0" cy="0"/>
+        </a:xfrm>
+      </p:grpSpPr>
+      <p:sp>
+        <p:nvSpPr>
+          <p:cNvPr id="2" name="Title 1">
+            <a:extLst>
+              <a:ext uri="{FF2B5EF4-FFF2-40B4-BE49-F238E27FC236}">
+                <a16:creationId xmlns:a16="http://schemas.microsoft.com/office/drawing/2014/main" id="{9F55FE7F-FDA4-4178-BF8A-667A58C44DDB}"/>
+              </a:ext>
+            </a:extLst>
+          </p:cNvPr>
+          <p:cNvSpPr>
+            <a:spLocks noGrp="1"/>
+          </p:cNvSpPr>
+          <p:nvPr>
+            <p:ph type="title"/>
+          </p:nvPr>
+        </p:nvSpPr>
+        <p:spPr>
+          <a:xfrm>
+            <a:off x="838200" y="365125"/>
+            <a:ext cx="10515600" cy="826861"/>
+          </a:xfrm>
+        </p:spPr>
+        <p:txBody>
+          <a:bodyPr/>
+          <a:lstStyle/>
+          <a:p>
+            <a:r>
+              <a:rPr lang="tr-TR" b="1" dirty="0"/>
+              <a:t>Strategic Plan</a:t>
+            </a:r>
+          </a:p>
+        </p:txBody>
+      </p:sp>
+      <p:sp>
+        <p:nvSpPr>
+          <p:cNvPr id="4" name="Oval 3">
+            <a:extLst>
+              <a:ext uri="{FF2B5EF4-FFF2-40B4-BE49-F238E27FC236}">
+                <a16:creationId xmlns:a16="http://schemas.microsoft.com/office/drawing/2014/main" id="{66C7E9B4-7DBE-4392-AED3-0327713748DE}"/>
+              </a:ext>
+            </a:extLst>
+          </p:cNvPr>
+          <p:cNvSpPr/>
+          <p:nvPr/>
+        </p:nvSpPr>
+        <p:spPr>
+          <a:xfrm>
+            <a:off x="9095014" y="2024743"/>
+            <a:ext cx="2661557" cy="2057400"/>
+          </a:xfrm>
+          <a:prstGeom prst="ellipse">
+            <a:avLst/>
+          </a:prstGeom>
+        </p:spPr>
+        <p:style>
+          <a:lnRef idx="2">
+            <a:schemeClr val="accent1">
+              <a:shade val="50000"/>
+            </a:schemeClr>
+          </a:lnRef>
+          <a:fillRef idx="1">
+            <a:schemeClr val="accent1"/>
+          </a:fillRef>
+          <a:effectRef idx="0">
+            <a:schemeClr val="accent1"/>
+          </a:effectRef>
+          <a:fontRef idx="minor">
+            <a:schemeClr val="lt1"/>
+          </a:fontRef>
+        </p:style>
+        <p:txBody>
+          <a:bodyPr rtlCol="0" anchor="ctr"/>
+          <a:lstStyle/>
+          <a:p>
+            <a:pPr algn="ctr"/>
+            <a:r>
+              <a:rPr lang="en-GB" sz="1800" dirty="0">
+                <a:effectLst/>
+                <a:latin typeface="Arial" panose="020B0604020202020204" pitchFamily="34" charset="0"/>
+                <a:ea typeface="Times New Roman" panose="02020603050405020304" pitchFamily="18" charset="0"/>
+                <a:cs typeface="Times New Roman" panose="02020603050405020304" pitchFamily="18" charset="0"/>
+              </a:rPr>
+              <a:t>explain effects of leadership and morale on the outcome of the battle</a:t>
+            </a:r>
+            <a:endParaRPr lang="tr-TR" dirty="0"/>
+          </a:p>
+        </p:txBody>
+      </p:sp>
+      <p:sp>
+        <p:nvSpPr>
+          <p:cNvPr id="5" name="TextBox 4">
+            <a:extLst>
+              <a:ext uri="{FF2B5EF4-FFF2-40B4-BE49-F238E27FC236}">
+                <a16:creationId xmlns:a16="http://schemas.microsoft.com/office/drawing/2014/main" id="{CF5A8BF1-A134-47A2-B209-1611D9C8726A}"/>
+              </a:ext>
+            </a:extLst>
+          </p:cNvPr>
+          <p:cNvSpPr txBox="1"/>
+          <p:nvPr/>
+        </p:nvSpPr>
+        <p:spPr>
+          <a:xfrm>
+            <a:off x="9454404" y="4229100"/>
+            <a:ext cx="1942776" cy="369332"/>
+          </a:xfrm>
+          <a:prstGeom prst="rect">
+            <a:avLst/>
+          </a:prstGeom>
+          <a:noFill/>
+        </p:spPr>
+        <p:txBody>
+          <a:bodyPr wrap="none" rtlCol="0">
+            <a:spAutoFit/>
+          </a:bodyPr>
+          <a:lstStyle/>
+          <a:p>
+            <a:r>
+              <a:rPr lang="tr-TR" dirty="0"/>
+              <a:t>Strategic Objective</a:t>
+            </a:r>
+          </a:p>
+        </p:txBody>
+      </p:sp>
+    </p:spTree>
+    <p:extLst>
+      <p:ext uri="{BB962C8B-B14F-4D97-AF65-F5344CB8AC3E}">
+        <p14:creationId xmlns:p14="http://schemas.microsoft.com/office/powerpoint/2010/main" val="3018499790"/>
+      </p:ext>
+    </p:extLst>
+  </p:cSld>
+  <p:clrMapOvr>
+    <a:masterClrMapping/>
+  </p:clrMapOvr>
+</p:sld>
+</file>
+
+<file path=ppt/slides/slide23.xml><?xml version="1.0" encoding="utf-8"?>
+<p:sld xmlns:a="http://schemas.openxmlformats.org/drawingml/2006/main" xmlns:r="http://schemas.openxmlformats.org/officeDocument/2006/relationships" xmlns:p="http://schemas.openxmlformats.org/presentationml/2006/main">
+  <p:cSld>
+    <p:spTree>
+      <p:nvGrpSpPr>
+        <p:cNvPr id="1" name=""/>
+        <p:cNvGrpSpPr/>
+        <p:nvPr/>
+      </p:nvGrpSpPr>
+      <p:grpSpPr>
+        <a:xfrm>
+          <a:off x="0" y="0"/>
+          <a:ext cx="0" cy="0"/>
+          <a:chOff x="0" y="0"/>
+          <a:chExt cx="0" cy="0"/>
+        </a:xfrm>
+      </p:grpSpPr>
+      <p:sp>
+        <p:nvSpPr>
+          <p:cNvPr id="2" name="Title 1">
+            <a:extLst>
+              <a:ext uri="{FF2B5EF4-FFF2-40B4-BE49-F238E27FC236}">
+                <a16:creationId xmlns:a16="http://schemas.microsoft.com/office/drawing/2014/main" id="{13ECA302-45C1-46B0-A6DF-709740062203}"/>
+              </a:ext>
+            </a:extLst>
+          </p:cNvPr>
+          <p:cNvSpPr>
+            <a:spLocks noGrp="1"/>
+          </p:cNvSpPr>
+          <p:nvPr>
+            <p:ph type="title"/>
+          </p:nvPr>
+        </p:nvSpPr>
+        <p:spPr>
+          <a:xfrm>
+            <a:off x="541563" y="1"/>
+            <a:ext cx="10515600" cy="1208314"/>
+          </a:xfrm>
+        </p:spPr>
+        <p:txBody>
+          <a:bodyPr>
+            <a:normAutofit/>
+          </a:bodyPr>
+          <a:lstStyle/>
+          <a:p>
+            <a:r>
+              <a:rPr lang="tr-TR" sz="4000" b="1" dirty="0"/>
+              <a:t>Example of NER</a:t>
+            </a:r>
+          </a:p>
+        </p:txBody>
+      </p:sp>
+      <p:pic>
+        <p:nvPicPr>
+          <p:cNvPr id="1026" name="Picture 2" descr="Architecture to Train NER with Custom training data using spaCy.">
+            <a:extLst>
+              <a:ext uri="{FF2B5EF4-FFF2-40B4-BE49-F238E27FC236}">
+                <a16:creationId xmlns:a16="http://schemas.microsoft.com/office/drawing/2014/main" id="{B384D0C0-1560-4F1A-9A89-FDFE86510DC3}"/>
+              </a:ext>
+            </a:extLst>
+          </p:cNvPr>
+          <p:cNvPicPr>
+            <a:picLocks noChangeAspect="1" noChangeArrowheads="1"/>
+          </p:cNvPicPr>
+          <p:nvPr/>
+        </p:nvPicPr>
+        <p:blipFill>
+          <a:blip r:embed="rId2">
+            <a:extLst>
+              <a:ext uri="{28A0092B-C50C-407E-A947-70E740481C1C}">
+                <a14:useLocalDpi xmlns:a14="http://schemas.microsoft.com/office/drawing/2010/main" val="0"/>
+              </a:ext>
+            </a:extLst>
+          </a:blip>
+          <a:srcRect/>
+          <a:stretch>
+            <a:fillRect/>
+          </a:stretch>
+        </p:blipFill>
+        <p:spPr bwMode="auto">
+          <a:xfrm>
+            <a:off x="688520" y="1208315"/>
+            <a:ext cx="10961917" cy="5230400"/>
+          </a:xfrm>
+          <a:prstGeom prst="rect">
+            <a:avLst/>
+          </a:prstGeom>
+          <a:noFill/>
+          <a:extLst>
+            <a:ext uri="{909E8E84-426E-40DD-AFC4-6F175D3DCCD1}">
+              <a14:hiddenFill xmlns:a14="http://schemas.microsoft.com/office/drawing/2010/main">
+                <a:solidFill>
+                  <a:srgbClr val="FFFFFF"/>
+                </a:solidFill>
+              </a14:hiddenFill>
+            </a:ext>
+          </a:extLst>
+        </p:spPr>
+      </p:pic>
+    </p:spTree>
+    <p:extLst>
+      <p:ext uri="{BB962C8B-B14F-4D97-AF65-F5344CB8AC3E}">
+        <p14:creationId xmlns:p14="http://schemas.microsoft.com/office/powerpoint/2010/main" val="3401274673"/>
       </p:ext>
     </p:extLst>
   </p:cSld>

--- a/PhD Discussion.pptx
+++ b/PhD Discussion.pptx
@@ -219,7 +219,7 @@
           <a:p>
             <a:fld id="{6B01098C-58D5-4DCB-8B6F-D5224BBD065F}" type="datetimeFigureOut">
               <a:rPr lang="tr-TR" smtClean="0"/>
-              <a:t>10.12.2021</a:t>
+              <a:t>25.12.2021</a:t>
             </a:fld>
             <a:endParaRPr lang="tr-TR"/>
           </a:p>
@@ -4686,7 +4686,7 @@
           <a:p>
             <a:fld id="{0B27EE79-B449-44A2-B1EF-6094F2079680}" type="datetimeFigureOut">
               <a:rPr lang="tr-TR" smtClean="0"/>
-              <a:t>10.12.2021</a:t>
+              <a:t>25.12.2021</a:t>
             </a:fld>
             <a:endParaRPr lang="tr-TR"/>
           </a:p>
@@ -4886,7 +4886,7 @@
           <a:p>
             <a:fld id="{0B27EE79-B449-44A2-B1EF-6094F2079680}" type="datetimeFigureOut">
               <a:rPr lang="tr-TR" smtClean="0"/>
-              <a:t>10.12.2021</a:t>
+              <a:t>25.12.2021</a:t>
             </a:fld>
             <a:endParaRPr lang="tr-TR"/>
           </a:p>
@@ -5096,7 +5096,7 @@
           <a:p>
             <a:fld id="{0B27EE79-B449-44A2-B1EF-6094F2079680}" type="datetimeFigureOut">
               <a:rPr lang="tr-TR" smtClean="0"/>
-              <a:t>10.12.2021</a:t>
+              <a:t>25.12.2021</a:t>
             </a:fld>
             <a:endParaRPr lang="tr-TR"/>
           </a:p>
@@ -5296,7 +5296,7 @@
           <a:p>
             <a:fld id="{0B27EE79-B449-44A2-B1EF-6094F2079680}" type="datetimeFigureOut">
               <a:rPr lang="tr-TR" smtClean="0"/>
-              <a:t>10.12.2021</a:t>
+              <a:t>25.12.2021</a:t>
             </a:fld>
             <a:endParaRPr lang="tr-TR"/>
           </a:p>
@@ -5572,7 +5572,7 @@
           <a:p>
             <a:fld id="{0B27EE79-B449-44A2-B1EF-6094F2079680}" type="datetimeFigureOut">
               <a:rPr lang="tr-TR" smtClean="0"/>
-              <a:t>10.12.2021</a:t>
+              <a:t>25.12.2021</a:t>
             </a:fld>
             <a:endParaRPr lang="tr-TR"/>
           </a:p>
@@ -5840,7 +5840,7 @@
           <a:p>
             <a:fld id="{0B27EE79-B449-44A2-B1EF-6094F2079680}" type="datetimeFigureOut">
               <a:rPr lang="tr-TR" smtClean="0"/>
-              <a:t>10.12.2021</a:t>
+              <a:t>25.12.2021</a:t>
             </a:fld>
             <a:endParaRPr lang="tr-TR"/>
           </a:p>
@@ -6255,7 +6255,7 @@
           <a:p>
             <a:fld id="{0B27EE79-B449-44A2-B1EF-6094F2079680}" type="datetimeFigureOut">
               <a:rPr lang="tr-TR" smtClean="0"/>
-              <a:t>10.12.2021</a:t>
+              <a:t>25.12.2021</a:t>
             </a:fld>
             <a:endParaRPr lang="tr-TR"/>
           </a:p>
@@ -6397,7 +6397,7 @@
           <a:p>
             <a:fld id="{0B27EE79-B449-44A2-B1EF-6094F2079680}" type="datetimeFigureOut">
               <a:rPr lang="tr-TR" smtClean="0"/>
-              <a:t>10.12.2021</a:t>
+              <a:t>25.12.2021</a:t>
             </a:fld>
             <a:endParaRPr lang="tr-TR"/>
           </a:p>
@@ -6510,7 +6510,7 @@
           <a:p>
             <a:fld id="{0B27EE79-B449-44A2-B1EF-6094F2079680}" type="datetimeFigureOut">
               <a:rPr lang="tr-TR" smtClean="0"/>
-              <a:t>10.12.2021</a:t>
+              <a:t>25.12.2021</a:t>
             </a:fld>
             <a:endParaRPr lang="tr-TR"/>
           </a:p>
@@ -6823,7 +6823,7 @@
           <a:p>
             <a:fld id="{0B27EE79-B449-44A2-B1EF-6094F2079680}" type="datetimeFigureOut">
               <a:rPr lang="tr-TR" smtClean="0"/>
-              <a:t>10.12.2021</a:t>
+              <a:t>25.12.2021</a:t>
             </a:fld>
             <a:endParaRPr lang="tr-TR"/>
           </a:p>
@@ -7112,7 +7112,7 @@
           <a:p>
             <a:fld id="{0B27EE79-B449-44A2-B1EF-6094F2079680}" type="datetimeFigureOut">
               <a:rPr lang="tr-TR" smtClean="0"/>
-              <a:t>10.12.2021</a:t>
+              <a:t>25.12.2021</a:t>
             </a:fld>
             <a:endParaRPr lang="tr-TR"/>
           </a:p>
@@ -7355,7 +7355,7 @@
           <a:p>
             <a:fld id="{0B27EE79-B449-44A2-B1EF-6094F2079680}" type="datetimeFigureOut">
               <a:rPr lang="tr-TR" smtClean="0"/>
-              <a:t>10.12.2021</a:t>
+              <a:t>25.12.2021</a:t>
             </a:fld>
             <a:endParaRPr lang="tr-TR"/>
           </a:p>
@@ -21547,1175 +21547,1192 @@
           <a:chExt cx="0" cy="0"/>
         </a:xfrm>
       </p:grpSpPr>
-      <p:sp>
-        <p:nvSpPr>
-          <p:cNvPr id="2" name="Title 1">
+      <p:grpSp>
+        <p:nvGrpSpPr>
+          <p:cNvPr id="30" name="Group 29">
             <a:extLst>
               <a:ext uri="{FF2B5EF4-FFF2-40B4-BE49-F238E27FC236}">
-                <a16:creationId xmlns:a16="http://schemas.microsoft.com/office/drawing/2014/main" id="{0F2CC566-4068-491D-9863-17B51342368A}"/>
+                <a16:creationId xmlns:a16="http://schemas.microsoft.com/office/drawing/2014/main" id="{1B99D334-C923-4290-B0EB-3144120EC444}"/>
               </a:ext>
             </a:extLst>
           </p:cNvPr>
-          <p:cNvSpPr>
-            <a:spLocks noGrp="1"/>
-          </p:cNvSpPr>
-          <p:nvPr>
-            <p:ph type="title"/>
-          </p:nvPr>
-        </p:nvSpPr>
-        <p:spPr>
+          <p:cNvGrpSpPr/>
+          <p:nvPr/>
+        </p:nvGrpSpPr>
+        <p:grpSpPr>
           <a:xfrm>
-            <a:off x="346881" y="229613"/>
-            <a:ext cx="4918331" cy="628788"/>
+            <a:off x="163286" y="32658"/>
+            <a:ext cx="11865428" cy="6760028"/>
+            <a:chOff x="163286" y="32658"/>
+            <a:chExt cx="11865428" cy="6760028"/>
           </a:xfrm>
-        </p:spPr>
-        <p:txBody>
-          <a:bodyPr>
-            <a:noAutofit/>
-          </a:bodyPr>
-          <a:lstStyle/>
-          <a:p>
-            <a:pPr algn="ctr"/>
-            <a:r>
-              <a:rPr lang="tr-TR" sz="3200" b="1" dirty="0">
+        </p:grpSpPr>
+        <p:sp>
+          <p:nvSpPr>
+            <p:cNvPr id="28" name="Rectangle 27">
+              <a:extLst>
+                <a:ext uri="{FF2B5EF4-FFF2-40B4-BE49-F238E27FC236}">
+                  <a16:creationId xmlns:a16="http://schemas.microsoft.com/office/drawing/2014/main" id="{6FFA4142-8682-45B3-9550-48113DF8D7DB}"/>
+                </a:ext>
+              </a:extLst>
+            </p:cNvPr>
+            <p:cNvSpPr/>
+            <p:nvPr/>
+          </p:nvSpPr>
+          <p:spPr>
+            <a:xfrm>
+              <a:off x="163286" y="32658"/>
+              <a:ext cx="11865428" cy="6760028"/>
+            </a:xfrm>
+            <a:prstGeom prst="rect">
+              <a:avLst/>
+            </a:prstGeom>
+            <a:solidFill>
+              <a:schemeClr val="bg1"/>
+            </a:solidFill>
+            <a:ln>
+              <a:solidFill>
+                <a:schemeClr val="tx1"/>
+              </a:solidFill>
+            </a:ln>
+          </p:spPr>
+          <p:style>
+            <a:lnRef idx="2">
+              <a:schemeClr val="accent1">
+                <a:shade val="50000"/>
+              </a:schemeClr>
+            </a:lnRef>
+            <a:fillRef idx="1">
+              <a:schemeClr val="accent1"/>
+            </a:fillRef>
+            <a:effectRef idx="0">
+              <a:schemeClr val="accent1"/>
+            </a:effectRef>
+            <a:fontRef idx="minor">
+              <a:schemeClr val="lt1"/>
+            </a:fontRef>
+          </p:style>
+          <p:txBody>
+            <a:bodyPr rtlCol="0" anchor="ctr"/>
+            <a:lstStyle/>
+            <a:p>
+              <a:pPr algn="ctr"/>
+              <a:endParaRPr lang="tr-TR"/>
+            </a:p>
+          </p:txBody>
+        </p:sp>
+        <p:grpSp>
+          <p:nvGrpSpPr>
+            <p:cNvPr id="27" name="Group 26">
+              <a:extLst>
+                <a:ext uri="{FF2B5EF4-FFF2-40B4-BE49-F238E27FC236}">
+                  <a16:creationId xmlns:a16="http://schemas.microsoft.com/office/drawing/2014/main" id="{4DB6B91E-5610-4E89-BD45-363CB8A0974E}"/>
+                </a:ext>
+              </a:extLst>
+            </p:cNvPr>
+            <p:cNvGrpSpPr/>
+            <p:nvPr/>
+          </p:nvGrpSpPr>
+          <p:grpSpPr>
+            <a:xfrm>
+              <a:off x="346881" y="171992"/>
+              <a:ext cx="11502311" cy="6541588"/>
+              <a:chOff x="346881" y="171992"/>
+              <a:chExt cx="11502311" cy="6541588"/>
+            </a:xfrm>
+          </p:grpSpPr>
+          <p:sp>
+            <p:nvSpPr>
+              <p:cNvPr id="4" name="Rectangle: Rounded Corners 3">
+                <a:extLst>
+                  <a:ext uri="{FF2B5EF4-FFF2-40B4-BE49-F238E27FC236}">
+                    <a16:creationId xmlns:a16="http://schemas.microsoft.com/office/drawing/2014/main" id="{D4029FED-596F-48AD-9098-8A258DE0D839}"/>
+                  </a:ext>
+                </a:extLst>
+              </p:cNvPr>
+              <p:cNvSpPr/>
+              <p:nvPr/>
+            </p:nvSpPr>
+            <p:spPr>
+              <a:xfrm>
+                <a:off x="9225462" y="2964762"/>
+                <a:ext cx="2020293" cy="748084"/>
+              </a:xfrm>
+              <a:prstGeom prst="roundRect">
+                <a:avLst/>
+              </a:prstGeom>
+            </p:spPr>
+            <p:style>
+              <a:lnRef idx="2">
+                <a:schemeClr val="accent6"/>
+              </a:lnRef>
+              <a:fillRef idx="1">
+                <a:schemeClr val="lt1"/>
+              </a:fillRef>
+              <a:effectRef idx="0">
+                <a:schemeClr val="accent6"/>
+              </a:effectRef>
+              <a:fontRef idx="minor">
+                <a:schemeClr val="dk1"/>
+              </a:fontRef>
+            </p:style>
+            <p:txBody>
+              <a:bodyPr rtlCol="0" anchor="ctr"/>
+              <a:lstStyle/>
+              <a:p>
+                <a:pPr algn="ctr"/>
+                <a:r>
+                  <a:rPr lang="tr-TR" b="1" dirty="0"/>
+                  <a:t>Outcome of the Battle</a:t>
+                </a:r>
+              </a:p>
+            </p:txBody>
+          </p:sp>
+          <p:sp>
+            <p:nvSpPr>
+              <p:cNvPr id="5" name="TextBox 4">
+                <a:extLst>
+                  <a:ext uri="{FF2B5EF4-FFF2-40B4-BE49-F238E27FC236}">
+                    <a16:creationId xmlns:a16="http://schemas.microsoft.com/office/drawing/2014/main" id="{C02FD4BF-4F42-4E9E-B30A-01037592E504}"/>
+                  </a:ext>
+                </a:extLst>
+              </p:cNvPr>
+              <p:cNvSpPr txBox="1"/>
+              <p:nvPr/>
+            </p:nvSpPr>
+            <p:spPr>
+              <a:xfrm>
+                <a:off x="8961207" y="3872415"/>
+                <a:ext cx="2887985" cy="369332"/>
+              </a:xfrm>
+              <a:prstGeom prst="rect">
+                <a:avLst/>
+              </a:prstGeom>
+              <a:solidFill>
+                <a:srgbClr val="00FFFF"/>
+              </a:solidFill>
+            </p:spPr>
+            <p:txBody>
+              <a:bodyPr wrap="square" rtlCol="0">
+                <a:spAutoFit/>
+              </a:bodyPr>
+              <a:lstStyle>
+                <a:defPPr>
+                  <a:defRPr lang="tr-TR"/>
+                </a:defPPr>
+                <a:lvl1pPr algn="ctr">
+                  <a:defRPr b="1"/>
+                </a:lvl1pPr>
+              </a:lstStyle>
+              <a:p>
+                <a:r>
+                  <a:rPr lang="tr-TR" dirty="0"/>
+                  <a:t>Dependent Variable</a:t>
+                </a:r>
+              </a:p>
+            </p:txBody>
+          </p:sp>
+          <p:sp>
+            <p:nvSpPr>
+              <p:cNvPr id="6" name="Rectangle: Rounded Corners 5">
+                <a:extLst>
+                  <a:ext uri="{FF2B5EF4-FFF2-40B4-BE49-F238E27FC236}">
+                    <a16:creationId xmlns:a16="http://schemas.microsoft.com/office/drawing/2014/main" id="{859A0FFA-1A68-49C1-BE5D-F1E4C6D9B242}"/>
+                  </a:ext>
+                </a:extLst>
+              </p:cNvPr>
+              <p:cNvSpPr/>
+              <p:nvPr/>
+            </p:nvSpPr>
+            <p:spPr>
+              <a:xfrm>
+                <a:off x="4862335" y="903039"/>
+                <a:ext cx="2020293" cy="748084"/>
+              </a:xfrm>
+              <a:prstGeom prst="roundRect">
+                <a:avLst/>
+              </a:prstGeom>
+            </p:spPr>
+            <p:style>
+              <a:lnRef idx="2">
+                <a:schemeClr val="accent6"/>
+              </a:lnRef>
+              <a:fillRef idx="1">
+                <a:schemeClr val="lt1"/>
+              </a:fillRef>
+              <a:effectRef idx="0">
+                <a:schemeClr val="accent6"/>
+              </a:effectRef>
+              <a:fontRef idx="minor">
+                <a:schemeClr val="dk1"/>
+              </a:fontRef>
+            </p:style>
+            <p:txBody>
+              <a:bodyPr rtlCol="0" anchor="ctr"/>
+              <a:lstStyle/>
+              <a:p>
+                <a:pPr algn="ctr"/>
+                <a:r>
+                  <a:rPr lang="tr-TR" b="1" dirty="0"/>
+                  <a:t>Leadership</a:t>
+                </a:r>
+              </a:p>
+            </p:txBody>
+          </p:sp>
+          <p:sp>
+            <p:nvSpPr>
+              <p:cNvPr id="7" name="TextBox 6">
+                <a:extLst>
+                  <a:ext uri="{FF2B5EF4-FFF2-40B4-BE49-F238E27FC236}">
+                    <a16:creationId xmlns:a16="http://schemas.microsoft.com/office/drawing/2014/main" id="{D301626C-CD24-4E8C-8491-B5BBAAADE3FA}"/>
+                  </a:ext>
+                </a:extLst>
+              </p:cNvPr>
+              <p:cNvSpPr txBox="1"/>
+              <p:nvPr/>
+            </p:nvSpPr>
+            <p:spPr>
+              <a:xfrm>
+                <a:off x="5297870" y="171992"/>
+                <a:ext cx="3234831" cy="646331"/>
+              </a:xfrm>
+              <a:prstGeom prst="rect">
+                <a:avLst/>
+              </a:prstGeom>
+              <a:solidFill>
+                <a:srgbClr val="00FFFF"/>
+              </a:solidFill>
+            </p:spPr>
+            <p:txBody>
+              <a:bodyPr wrap="square" rtlCol="0">
+                <a:spAutoFit/>
+              </a:bodyPr>
+              <a:lstStyle>
+                <a:defPPr>
+                  <a:defRPr lang="tr-TR"/>
+                </a:defPPr>
+                <a:lvl1pPr algn="ctr">
+                  <a:defRPr b="1"/>
+                </a:lvl1pPr>
+              </a:lstStyle>
+              <a:p>
+                <a:r>
+                  <a:rPr lang="tr-TR" dirty="0"/>
+                  <a:t>Intervening Variables</a:t>
+                </a:r>
+              </a:p>
+              <a:p>
+                <a:r>
+                  <a:rPr lang="tr-TR" dirty="0"/>
+                  <a:t>(Non-material Factors)</a:t>
+                </a:r>
+              </a:p>
+            </p:txBody>
+          </p:sp>
+          <p:sp>
+            <p:nvSpPr>
+              <p:cNvPr id="8" name="Rectangle: Rounded Corners 7">
+                <a:extLst>
+                  <a:ext uri="{FF2B5EF4-FFF2-40B4-BE49-F238E27FC236}">
+                    <a16:creationId xmlns:a16="http://schemas.microsoft.com/office/drawing/2014/main" id="{BA8F6080-596F-49C8-AC41-113F13CD685F}"/>
+                  </a:ext>
+                </a:extLst>
+              </p:cNvPr>
+              <p:cNvSpPr/>
+              <p:nvPr/>
+            </p:nvSpPr>
+            <p:spPr>
+              <a:xfrm>
+                <a:off x="7205169" y="898711"/>
+                <a:ext cx="2020293" cy="748084"/>
+              </a:xfrm>
+              <a:prstGeom prst="roundRect">
+                <a:avLst/>
+              </a:prstGeom>
+            </p:spPr>
+            <p:style>
+              <a:lnRef idx="2">
+                <a:schemeClr val="accent6"/>
+              </a:lnRef>
+              <a:fillRef idx="1">
+                <a:schemeClr val="lt1"/>
+              </a:fillRef>
+              <a:effectRef idx="0">
+                <a:schemeClr val="accent6"/>
+              </a:effectRef>
+              <a:fontRef idx="minor">
+                <a:schemeClr val="dk1"/>
+              </a:fontRef>
+            </p:style>
+            <p:txBody>
+              <a:bodyPr rtlCol="0" anchor="ctr"/>
+              <a:lstStyle/>
+              <a:p>
+                <a:pPr algn="ctr"/>
+                <a:r>
+                  <a:rPr lang="tr-TR" b="1" dirty="0"/>
+                  <a:t>Morale</a:t>
+                </a:r>
+              </a:p>
+            </p:txBody>
+          </p:sp>
+          <p:sp>
+            <p:nvSpPr>
+              <p:cNvPr id="9" name="Rectangle: Rounded Corners 8">
+                <a:extLst>
+                  <a:ext uri="{FF2B5EF4-FFF2-40B4-BE49-F238E27FC236}">
+                    <a16:creationId xmlns:a16="http://schemas.microsoft.com/office/drawing/2014/main" id="{9135C4AA-79B2-49B6-AB0A-94B995AB48C9}"/>
+                  </a:ext>
+                </a:extLst>
+              </p:cNvPr>
+              <p:cNvSpPr/>
+              <p:nvPr/>
+            </p:nvSpPr>
+            <p:spPr>
+              <a:xfrm>
+                <a:off x="779673" y="3270178"/>
+                <a:ext cx="2020293" cy="527413"/>
+              </a:xfrm>
+              <a:prstGeom prst="roundRect">
+                <a:avLst/>
+              </a:prstGeom>
+            </p:spPr>
+            <p:style>
+              <a:lnRef idx="2">
+                <a:schemeClr val="accent6"/>
+              </a:lnRef>
+              <a:fillRef idx="1">
+                <a:schemeClr val="lt1"/>
+              </a:fillRef>
+              <a:effectRef idx="0">
+                <a:schemeClr val="accent6"/>
+              </a:effectRef>
+              <a:fontRef idx="minor">
+                <a:schemeClr val="dk1"/>
+              </a:fontRef>
+            </p:style>
+            <p:txBody>
+              <a:bodyPr rtlCol="0" anchor="ctr"/>
+              <a:lstStyle/>
+              <a:p>
+                <a:pPr algn="ctr"/>
+                <a:r>
+                  <a:rPr lang="tr-TR" b="1" dirty="0"/>
+                  <a:t>Military Expenditure</a:t>
+                </a:r>
+              </a:p>
+            </p:txBody>
+          </p:sp>
+          <p:sp>
+            <p:nvSpPr>
+              <p:cNvPr id="10" name="Rectangle: Rounded Corners 9">
+                <a:extLst>
+                  <a:ext uri="{FF2B5EF4-FFF2-40B4-BE49-F238E27FC236}">
+                    <a16:creationId xmlns:a16="http://schemas.microsoft.com/office/drawing/2014/main" id="{F31C0A84-334D-4937-A313-FD26E02FE369}"/>
+                  </a:ext>
+                </a:extLst>
+              </p:cNvPr>
+              <p:cNvSpPr/>
+              <p:nvPr/>
+            </p:nvSpPr>
+            <p:spPr>
+              <a:xfrm>
+                <a:off x="779672" y="3939049"/>
+                <a:ext cx="2020293" cy="527413"/>
+              </a:xfrm>
+              <a:prstGeom prst="roundRect">
+                <a:avLst/>
+              </a:prstGeom>
+            </p:spPr>
+            <p:style>
+              <a:lnRef idx="2">
+                <a:schemeClr val="accent6"/>
+              </a:lnRef>
+              <a:fillRef idx="1">
+                <a:schemeClr val="lt1"/>
+              </a:fillRef>
+              <a:effectRef idx="0">
+                <a:schemeClr val="accent6"/>
+              </a:effectRef>
+              <a:fontRef idx="minor">
+                <a:schemeClr val="dk1"/>
+              </a:fontRef>
+            </p:style>
+            <p:txBody>
+              <a:bodyPr rtlCol="0" anchor="ctr"/>
+              <a:lstStyle/>
+              <a:p>
+                <a:pPr algn="ctr"/>
+                <a:r>
+                  <a:rPr lang="tr-TR" b="1" dirty="0"/>
+                  <a:t>Weapon System&amp;Platforms</a:t>
+                </a:r>
+              </a:p>
+            </p:txBody>
+          </p:sp>
+          <p:sp>
+            <p:nvSpPr>
+              <p:cNvPr id="11" name="Rectangle: Rounded Corners 10">
+                <a:extLst>
+                  <a:ext uri="{FF2B5EF4-FFF2-40B4-BE49-F238E27FC236}">
+                    <a16:creationId xmlns:a16="http://schemas.microsoft.com/office/drawing/2014/main" id="{33764994-22BF-4591-890D-BF70CD907302}"/>
+                  </a:ext>
+                </a:extLst>
+              </p:cNvPr>
+              <p:cNvSpPr/>
+              <p:nvPr/>
+            </p:nvSpPr>
+            <p:spPr>
+              <a:xfrm>
+                <a:off x="779674" y="1932436"/>
+                <a:ext cx="2020293" cy="527413"/>
+              </a:xfrm>
+              <a:prstGeom prst="roundRect">
+                <a:avLst/>
+              </a:prstGeom>
+            </p:spPr>
+            <p:style>
+              <a:lnRef idx="2">
+                <a:schemeClr val="accent6"/>
+              </a:lnRef>
+              <a:fillRef idx="1">
+                <a:schemeClr val="lt1"/>
+              </a:fillRef>
+              <a:effectRef idx="0">
+                <a:schemeClr val="accent6"/>
+              </a:effectRef>
+              <a:fontRef idx="minor">
+                <a:schemeClr val="dk1"/>
+              </a:fontRef>
+            </p:style>
+            <p:txBody>
+              <a:bodyPr rtlCol="0" anchor="ctr"/>
+              <a:lstStyle/>
+              <a:p>
+                <a:pPr algn="ctr"/>
+                <a:r>
+                  <a:rPr lang="tr-TR" b="1" dirty="0"/>
+                  <a:t>Population</a:t>
+                </a:r>
+              </a:p>
+            </p:txBody>
+          </p:sp>
+          <p:sp>
+            <p:nvSpPr>
+              <p:cNvPr id="12" name="Rectangle: Rounded Corners 11">
+                <a:extLst>
+                  <a:ext uri="{FF2B5EF4-FFF2-40B4-BE49-F238E27FC236}">
+                    <a16:creationId xmlns:a16="http://schemas.microsoft.com/office/drawing/2014/main" id="{9E342AB2-9645-4555-8014-868A17F95732}"/>
+                  </a:ext>
+                </a:extLst>
+              </p:cNvPr>
+              <p:cNvSpPr/>
+              <p:nvPr/>
+            </p:nvSpPr>
+            <p:spPr>
+              <a:xfrm>
+                <a:off x="779674" y="2601307"/>
+                <a:ext cx="2020293" cy="527413"/>
+              </a:xfrm>
+              <a:prstGeom prst="roundRect">
+                <a:avLst/>
+              </a:prstGeom>
+            </p:spPr>
+            <p:style>
+              <a:lnRef idx="2">
+                <a:schemeClr val="accent6"/>
+              </a:lnRef>
+              <a:fillRef idx="1">
+                <a:schemeClr val="lt1"/>
+              </a:fillRef>
+              <a:effectRef idx="0">
+                <a:schemeClr val="accent6"/>
+              </a:effectRef>
+              <a:fontRef idx="minor">
+                <a:schemeClr val="dk1"/>
+              </a:fontRef>
+            </p:style>
+            <p:txBody>
+              <a:bodyPr rtlCol="0" anchor="ctr"/>
+              <a:lstStyle/>
+              <a:p>
+                <a:pPr algn="ctr"/>
+                <a:r>
+                  <a:rPr lang="tr-TR" b="1" dirty="0"/>
+                  <a:t>Military </a:t>
+                </a:r>
+              </a:p>
+              <a:p>
+                <a:pPr algn="ctr"/>
+                <a:r>
+                  <a:rPr lang="tr-TR" b="1" dirty="0"/>
+                  <a:t>Personnel</a:t>
+                </a:r>
+              </a:p>
+            </p:txBody>
+          </p:sp>
+          <p:sp>
+            <p:nvSpPr>
+              <p:cNvPr id="13" name="TextBox 12">
+                <a:extLst>
+                  <a:ext uri="{FF2B5EF4-FFF2-40B4-BE49-F238E27FC236}">
+                    <a16:creationId xmlns:a16="http://schemas.microsoft.com/office/drawing/2014/main" id="{4082E793-B84C-451B-B734-7DED2D204AC7}"/>
+                  </a:ext>
+                </a:extLst>
+              </p:cNvPr>
+              <p:cNvSpPr txBox="1"/>
+              <p:nvPr/>
+            </p:nvSpPr>
+            <p:spPr>
+              <a:xfrm>
+                <a:off x="346881" y="5261509"/>
+                <a:ext cx="3234831" cy="646331"/>
+              </a:xfrm>
+              <a:prstGeom prst="rect">
+                <a:avLst/>
+              </a:prstGeom>
+              <a:solidFill>
+                <a:srgbClr val="00FFFF"/>
+              </a:solidFill>
+            </p:spPr>
+            <p:txBody>
+              <a:bodyPr wrap="square" rtlCol="0">
+                <a:spAutoFit/>
+              </a:bodyPr>
+              <a:lstStyle/>
+              <a:p>
+                <a:pPr algn="ctr"/>
+                <a:r>
+                  <a:rPr lang="tr-TR" b="1" dirty="0"/>
+                  <a:t>Independent Variables</a:t>
+                </a:r>
+              </a:p>
+              <a:p>
+                <a:pPr algn="ctr"/>
+                <a:r>
+                  <a:rPr lang="tr-TR" b="1" dirty="0"/>
+                  <a:t>(Material Factors)</a:t>
+                </a:r>
+              </a:p>
+            </p:txBody>
+          </p:sp>
+          <p:sp>
+            <p:nvSpPr>
+              <p:cNvPr id="14" name="Rectangle: Rounded Corners 13">
+                <a:extLst>
+                  <a:ext uri="{FF2B5EF4-FFF2-40B4-BE49-F238E27FC236}">
+                    <a16:creationId xmlns:a16="http://schemas.microsoft.com/office/drawing/2014/main" id="{9E55CF1F-7B24-476E-AD2B-BB7F3C1FA77A}"/>
+                  </a:ext>
+                </a:extLst>
+              </p:cNvPr>
+              <p:cNvSpPr/>
+              <p:nvPr/>
+            </p:nvSpPr>
+            <p:spPr>
+              <a:xfrm>
+                <a:off x="779671" y="4607920"/>
+                <a:ext cx="2020293" cy="527413"/>
+              </a:xfrm>
+              <a:prstGeom prst="roundRect">
+                <a:avLst/>
+              </a:prstGeom>
+            </p:spPr>
+            <p:style>
+              <a:lnRef idx="2">
+                <a:schemeClr val="accent6"/>
+              </a:lnRef>
+              <a:fillRef idx="1">
+                <a:schemeClr val="lt1"/>
+              </a:fillRef>
+              <a:effectRef idx="0">
+                <a:schemeClr val="accent6"/>
+              </a:effectRef>
+              <a:fontRef idx="minor">
+                <a:schemeClr val="dk1"/>
+              </a:fontRef>
+            </p:style>
+            <p:txBody>
+              <a:bodyPr rtlCol="0" anchor="ctr"/>
+              <a:lstStyle/>
+              <a:p>
+                <a:pPr algn="ctr"/>
+                <a:r>
+                  <a:rPr lang="tr-TR" b="1" dirty="0">
+                    <a:solidFill>
+                      <a:schemeClr val="bg2">
+                        <a:lumMod val="50000"/>
+                      </a:schemeClr>
+                    </a:solidFill>
+                  </a:rPr>
+                  <a:t>Other Factors</a:t>
+                </a:r>
+              </a:p>
+              <a:p>
+                <a:pPr algn="ctr"/>
+                <a:r>
+                  <a:rPr lang="tr-TR" b="1" dirty="0">
+                    <a:solidFill>
+                      <a:schemeClr val="bg2">
+                        <a:lumMod val="50000"/>
+                      </a:schemeClr>
+                    </a:solidFill>
+                  </a:rPr>
+                  <a:t>(To be defined)</a:t>
+                </a:r>
+              </a:p>
+            </p:txBody>
+          </p:sp>
+          <p:cxnSp>
+            <p:nvCxnSpPr>
+              <p:cNvPr id="16" name="Connector: Elbow 15">
+                <a:extLst>
+                  <a:ext uri="{FF2B5EF4-FFF2-40B4-BE49-F238E27FC236}">
+                    <a16:creationId xmlns:a16="http://schemas.microsoft.com/office/drawing/2014/main" id="{B0E0B942-1D89-4A2E-96E4-42AE20115845}"/>
+                  </a:ext>
+                </a:extLst>
+              </p:cNvPr>
+              <p:cNvCxnSpPr>
+                <a:cxnSpLocks/>
+              </p:cNvCxnSpPr>
+              <p:nvPr/>
+            </p:nvCxnSpPr>
+            <p:spPr>
+              <a:xfrm>
+                <a:off x="2799967" y="2215193"/>
+                <a:ext cx="6425495" cy="1142661"/>
+              </a:xfrm>
+              <a:prstGeom prst="bentConnector3">
+                <a:avLst>
+                  <a:gd name="adj1" fmla="val 29858"/>
+                </a:avLst>
+              </a:prstGeom>
+              <a:ln>
+                <a:tailEnd type="triangle"/>
+              </a:ln>
+            </p:spPr>
+            <p:style>
+              <a:lnRef idx="1">
+                <a:schemeClr val="accent1"/>
+              </a:lnRef>
+              <a:fillRef idx="0">
+                <a:schemeClr val="accent1"/>
+              </a:fillRef>
+              <a:effectRef idx="0">
+                <a:schemeClr val="accent1"/>
+              </a:effectRef>
+              <a:fontRef idx="minor">
+                <a:schemeClr val="tx1"/>
+              </a:fontRef>
+            </p:style>
+          </p:cxnSp>
+          <p:cxnSp>
+            <p:nvCxnSpPr>
+              <p:cNvPr id="18" name="Connector: Elbow 17">
+                <a:extLst>
+                  <a:ext uri="{FF2B5EF4-FFF2-40B4-BE49-F238E27FC236}">
+                    <a16:creationId xmlns:a16="http://schemas.microsoft.com/office/drawing/2014/main" id="{E0F33EBC-B16E-4AA9-9C5B-67173D2F234C}"/>
+                  </a:ext>
+                </a:extLst>
+              </p:cNvPr>
+              <p:cNvCxnSpPr>
+                <a:cxnSpLocks/>
+              </p:cNvCxnSpPr>
+              <p:nvPr/>
+            </p:nvCxnSpPr>
+            <p:spPr>
+              <a:xfrm>
+                <a:off x="2799967" y="2887239"/>
+                <a:ext cx="6425495" cy="473790"/>
+              </a:xfrm>
+              <a:prstGeom prst="bentConnector3">
+                <a:avLst>
+                  <a:gd name="adj1" fmla="val 29858"/>
+                </a:avLst>
+              </a:prstGeom>
+              <a:ln>
+                <a:tailEnd type="triangle"/>
+              </a:ln>
+            </p:spPr>
+            <p:style>
+              <a:lnRef idx="1">
+                <a:schemeClr val="accent1"/>
+              </a:lnRef>
+              <a:fillRef idx="0">
+                <a:schemeClr val="accent1"/>
+              </a:fillRef>
+              <a:effectRef idx="0">
+                <a:schemeClr val="accent1"/>
+              </a:effectRef>
+              <a:fontRef idx="minor">
+                <a:schemeClr val="tx1"/>
+              </a:fontRef>
+            </p:style>
+          </p:cxnSp>
+          <p:cxnSp>
+            <p:nvCxnSpPr>
+              <p:cNvPr id="20" name="Connector: Elbow 19">
+                <a:extLst>
+                  <a:ext uri="{FF2B5EF4-FFF2-40B4-BE49-F238E27FC236}">
+                    <a16:creationId xmlns:a16="http://schemas.microsoft.com/office/drawing/2014/main" id="{7A1F8482-DE28-446D-B28A-7BB4DF4366F6}"/>
+                  </a:ext>
+                </a:extLst>
+              </p:cNvPr>
+              <p:cNvCxnSpPr>
+                <a:cxnSpLocks/>
+              </p:cNvCxnSpPr>
+              <p:nvPr/>
+            </p:nvCxnSpPr>
+            <p:spPr>
+              <a:xfrm flipV="1">
+                <a:off x="2799966" y="3357854"/>
+                <a:ext cx="6425496" cy="195081"/>
+              </a:xfrm>
+              <a:prstGeom prst="bentConnector3">
+                <a:avLst>
+                  <a:gd name="adj1" fmla="val 29858"/>
+                </a:avLst>
+              </a:prstGeom>
+              <a:ln>
+                <a:tailEnd type="triangle"/>
+              </a:ln>
+            </p:spPr>
+            <p:style>
+              <a:lnRef idx="1">
+                <a:schemeClr val="accent1"/>
+              </a:lnRef>
+              <a:fillRef idx="0">
+                <a:schemeClr val="accent1"/>
+              </a:fillRef>
+              <a:effectRef idx="0">
+                <a:schemeClr val="accent1"/>
+              </a:effectRef>
+              <a:fontRef idx="minor">
+                <a:schemeClr val="tx1"/>
+              </a:fontRef>
+            </p:style>
+          </p:cxnSp>
+          <p:cxnSp>
+            <p:nvCxnSpPr>
+              <p:cNvPr id="22" name="Connector: Elbow 21">
+                <a:extLst>
+                  <a:ext uri="{FF2B5EF4-FFF2-40B4-BE49-F238E27FC236}">
+                    <a16:creationId xmlns:a16="http://schemas.microsoft.com/office/drawing/2014/main" id="{CB1A8B64-C81F-4C49-8AA2-A4F9FA53B846}"/>
+                  </a:ext>
+                </a:extLst>
+              </p:cNvPr>
+              <p:cNvCxnSpPr>
+                <a:cxnSpLocks/>
+              </p:cNvCxnSpPr>
+              <p:nvPr/>
+            </p:nvCxnSpPr>
+            <p:spPr>
+              <a:xfrm flipV="1">
+                <a:off x="2799965" y="3361029"/>
+                <a:ext cx="6425497" cy="863952"/>
+              </a:xfrm>
+              <a:prstGeom prst="bentConnector3">
+                <a:avLst>
+                  <a:gd name="adj1" fmla="val 29858"/>
+                </a:avLst>
+              </a:prstGeom>
+              <a:ln>
+                <a:tailEnd type="triangle"/>
+              </a:ln>
+            </p:spPr>
+            <p:style>
+              <a:lnRef idx="1">
+                <a:schemeClr val="accent1"/>
+              </a:lnRef>
+              <a:fillRef idx="0">
+                <a:schemeClr val="accent1"/>
+              </a:fillRef>
+              <a:effectRef idx="0">
+                <a:schemeClr val="accent1"/>
+              </a:effectRef>
+              <a:fontRef idx="minor">
+                <a:schemeClr val="tx1"/>
+              </a:fontRef>
+            </p:style>
+          </p:cxnSp>
+          <p:cxnSp>
+            <p:nvCxnSpPr>
+              <p:cNvPr id="24" name="Connector: Elbow 23">
+                <a:extLst>
+                  <a:ext uri="{FF2B5EF4-FFF2-40B4-BE49-F238E27FC236}">
+                    <a16:creationId xmlns:a16="http://schemas.microsoft.com/office/drawing/2014/main" id="{FB5545E9-8A75-46CE-B97C-BFE96F1CBF5A}"/>
+                  </a:ext>
+                </a:extLst>
+              </p:cNvPr>
+              <p:cNvCxnSpPr>
+                <a:cxnSpLocks/>
+              </p:cNvCxnSpPr>
+              <p:nvPr/>
+            </p:nvCxnSpPr>
+            <p:spPr>
+              <a:xfrm flipV="1">
+                <a:off x="2799964" y="3357854"/>
+                <a:ext cx="6425498" cy="1532823"/>
+              </a:xfrm>
+              <a:prstGeom prst="bentConnector3">
+                <a:avLst>
+                  <a:gd name="adj1" fmla="val 29858"/>
+                </a:avLst>
+              </a:prstGeom>
+              <a:ln>
+                <a:tailEnd type="triangle"/>
+              </a:ln>
+            </p:spPr>
+            <p:style>
+              <a:lnRef idx="1">
+                <a:schemeClr val="accent1"/>
+              </a:lnRef>
+              <a:fillRef idx="0">
+                <a:schemeClr val="accent1"/>
+              </a:fillRef>
+              <a:effectRef idx="0">
+                <a:schemeClr val="accent1"/>
+              </a:effectRef>
+              <a:fontRef idx="minor">
+                <a:schemeClr val="tx1"/>
+              </a:fontRef>
+            </p:style>
+          </p:cxnSp>
+          <p:cxnSp>
+            <p:nvCxnSpPr>
+              <p:cNvPr id="35" name="Connector: Elbow 34">
+                <a:extLst>
+                  <a:ext uri="{FF2B5EF4-FFF2-40B4-BE49-F238E27FC236}">
+                    <a16:creationId xmlns:a16="http://schemas.microsoft.com/office/drawing/2014/main" id="{6A08C988-16BF-405D-828A-5D8DA5552CD3}"/>
+                  </a:ext>
+                </a:extLst>
+              </p:cNvPr>
+              <p:cNvCxnSpPr>
+                <a:cxnSpLocks/>
+              </p:cNvCxnSpPr>
+              <p:nvPr/>
+            </p:nvCxnSpPr>
+            <p:spPr>
+              <a:xfrm rot="16200000" flipH="1">
+                <a:off x="6705132" y="839255"/>
+                <a:ext cx="1687681" cy="3352980"/>
+              </a:xfrm>
+              <a:prstGeom prst="bentConnector2">
+                <a:avLst/>
+              </a:prstGeom>
+            </p:spPr>
+            <p:style>
+              <a:lnRef idx="1">
+                <a:schemeClr val="accent1"/>
+              </a:lnRef>
+              <a:fillRef idx="0">
+                <a:schemeClr val="accent1"/>
+              </a:fillRef>
+              <a:effectRef idx="0">
+                <a:schemeClr val="accent1"/>
+              </a:effectRef>
+              <a:fontRef idx="minor">
+                <a:schemeClr val="tx1"/>
+              </a:fontRef>
+            </p:style>
+          </p:cxnSp>
+          <p:cxnSp>
+            <p:nvCxnSpPr>
+              <p:cNvPr id="37" name="Connector: Elbow 36">
+                <a:extLst>
+                  <a:ext uri="{FF2B5EF4-FFF2-40B4-BE49-F238E27FC236}">
+                    <a16:creationId xmlns:a16="http://schemas.microsoft.com/office/drawing/2014/main" id="{FA54DB65-1CC6-4F6C-ACFA-2BD3CAFE5486}"/>
+                  </a:ext>
+                </a:extLst>
+              </p:cNvPr>
+              <p:cNvCxnSpPr>
+                <a:cxnSpLocks/>
+              </p:cNvCxnSpPr>
+              <p:nvPr/>
+            </p:nvCxnSpPr>
+            <p:spPr>
+              <a:xfrm rot="16200000" flipH="1">
+                <a:off x="7874385" y="2008508"/>
+                <a:ext cx="1692009" cy="1010146"/>
+              </a:xfrm>
+              <a:prstGeom prst="bentConnector2">
+                <a:avLst/>
+              </a:prstGeom>
+            </p:spPr>
+            <p:style>
+              <a:lnRef idx="1">
+                <a:schemeClr val="accent1"/>
+              </a:lnRef>
+              <a:fillRef idx="0">
+                <a:schemeClr val="accent1"/>
+              </a:fillRef>
+              <a:effectRef idx="0">
+                <a:schemeClr val="accent1"/>
+              </a:effectRef>
+              <a:fontRef idx="minor">
+                <a:schemeClr val="tx1"/>
+              </a:fontRef>
+            </p:style>
+          </p:cxnSp>
+          <p:sp>
+            <p:nvSpPr>
+              <p:cNvPr id="43" name="TextBox 42">
+                <a:extLst>
+                  <a:ext uri="{FF2B5EF4-FFF2-40B4-BE49-F238E27FC236}">
+                    <a16:creationId xmlns:a16="http://schemas.microsoft.com/office/drawing/2014/main" id="{E0F555BF-BB20-4B6E-88A5-E63824486002}"/>
+                  </a:ext>
+                </a:extLst>
+              </p:cNvPr>
+              <p:cNvSpPr txBox="1"/>
+              <p:nvPr/>
+            </p:nvSpPr>
+            <p:spPr>
+              <a:xfrm>
+                <a:off x="5462293" y="4959254"/>
+                <a:ext cx="5865351" cy="1754326"/>
+              </a:xfrm>
+              <a:prstGeom prst="rect">
+                <a:avLst/>
+              </a:prstGeom>
+              <a:noFill/>
+              <a:ln>
                 <a:solidFill>
-                  <a:srgbClr val="FF0000"/>
-                </a:solidFill>
-              </a:rPr>
-              <a:t>Research Model&amp;</a:t>
-            </a:r>
-            <a:br>
-              <a:rPr lang="tr-TR" sz="3200" b="1" dirty="0">
-                <a:solidFill>
-                  <a:srgbClr val="FF0000"/>
-                </a:solidFill>
-              </a:rPr>
-            </a:br>
-            <a:r>
-              <a:rPr lang="tr-TR" sz="3200" b="1" dirty="0">
-                <a:solidFill>
-                  <a:srgbClr val="FF0000"/>
-                </a:solidFill>
-              </a:rPr>
-              <a:t>Conceptual Framework</a:t>
-            </a:r>
-          </a:p>
-        </p:txBody>
-      </p:sp>
-      <p:sp>
-        <p:nvSpPr>
-          <p:cNvPr id="4" name="Rectangle: Rounded Corners 3">
-            <a:extLst>
-              <a:ext uri="{FF2B5EF4-FFF2-40B4-BE49-F238E27FC236}">
-                <a16:creationId xmlns:a16="http://schemas.microsoft.com/office/drawing/2014/main" id="{D4029FED-596F-48AD-9098-8A258DE0D839}"/>
-              </a:ext>
-            </a:extLst>
-          </p:cNvPr>
-          <p:cNvSpPr/>
-          <p:nvPr/>
-        </p:nvSpPr>
-        <p:spPr>
-          <a:xfrm>
-            <a:off x="9225462" y="2964762"/>
-            <a:ext cx="2020293" cy="748084"/>
-          </a:xfrm>
-          <a:prstGeom prst="roundRect">
-            <a:avLst/>
-          </a:prstGeom>
-        </p:spPr>
-        <p:style>
-          <a:lnRef idx="2">
-            <a:schemeClr val="accent6"/>
-          </a:lnRef>
-          <a:fillRef idx="1">
-            <a:schemeClr val="lt1"/>
-          </a:fillRef>
-          <a:effectRef idx="0">
-            <a:schemeClr val="accent6"/>
-          </a:effectRef>
-          <a:fontRef idx="minor">
-            <a:schemeClr val="dk1"/>
-          </a:fontRef>
-        </p:style>
-        <p:txBody>
-          <a:bodyPr rtlCol="0" anchor="ctr"/>
-          <a:lstStyle/>
-          <a:p>
-            <a:pPr algn="ctr"/>
-            <a:r>
-              <a:rPr lang="tr-TR" b="1" dirty="0"/>
-              <a:t>Outcome of the Battle</a:t>
-            </a:r>
-          </a:p>
-        </p:txBody>
-      </p:sp>
-      <p:sp>
-        <p:nvSpPr>
-          <p:cNvPr id="5" name="TextBox 4">
-            <a:extLst>
-              <a:ext uri="{FF2B5EF4-FFF2-40B4-BE49-F238E27FC236}">
-                <a16:creationId xmlns:a16="http://schemas.microsoft.com/office/drawing/2014/main" id="{C02FD4BF-4F42-4E9E-B30A-01037592E504}"/>
-              </a:ext>
-            </a:extLst>
-          </p:cNvPr>
-          <p:cNvSpPr txBox="1"/>
-          <p:nvPr/>
-        </p:nvSpPr>
-        <p:spPr>
-          <a:xfrm>
-            <a:off x="8961207" y="3872415"/>
-            <a:ext cx="2887985" cy="369332"/>
-          </a:xfrm>
-          <a:prstGeom prst="rect">
-            <a:avLst/>
-          </a:prstGeom>
-          <a:solidFill>
-            <a:srgbClr val="00FFFF"/>
-          </a:solidFill>
-        </p:spPr>
-        <p:txBody>
-          <a:bodyPr wrap="square" rtlCol="0">
-            <a:spAutoFit/>
-          </a:bodyPr>
-          <a:lstStyle>
-            <a:defPPr>
-              <a:defRPr lang="tr-TR"/>
-            </a:defPPr>
-            <a:lvl1pPr algn="ctr">
-              <a:defRPr b="1"/>
-            </a:lvl1pPr>
-          </a:lstStyle>
-          <a:p>
-            <a:r>
-              <a:rPr lang="tr-TR" dirty="0"/>
-              <a:t>Dependent Variable</a:t>
-            </a:r>
-          </a:p>
-        </p:txBody>
-      </p:sp>
-      <p:sp>
-        <p:nvSpPr>
-          <p:cNvPr id="6" name="Rectangle: Rounded Corners 5">
-            <a:extLst>
-              <a:ext uri="{FF2B5EF4-FFF2-40B4-BE49-F238E27FC236}">
-                <a16:creationId xmlns:a16="http://schemas.microsoft.com/office/drawing/2014/main" id="{859A0FFA-1A68-49C1-BE5D-F1E4C6D9B242}"/>
-              </a:ext>
-            </a:extLst>
-          </p:cNvPr>
-          <p:cNvSpPr/>
-          <p:nvPr/>
-        </p:nvSpPr>
-        <p:spPr>
-          <a:xfrm>
-            <a:off x="4862335" y="903039"/>
-            <a:ext cx="2020293" cy="748084"/>
-          </a:xfrm>
-          <a:prstGeom prst="roundRect">
-            <a:avLst/>
-          </a:prstGeom>
-        </p:spPr>
-        <p:style>
-          <a:lnRef idx="2">
-            <a:schemeClr val="accent6"/>
-          </a:lnRef>
-          <a:fillRef idx="1">
-            <a:schemeClr val="lt1"/>
-          </a:fillRef>
-          <a:effectRef idx="0">
-            <a:schemeClr val="accent6"/>
-          </a:effectRef>
-          <a:fontRef idx="minor">
-            <a:schemeClr val="dk1"/>
-          </a:fontRef>
-        </p:style>
-        <p:txBody>
-          <a:bodyPr rtlCol="0" anchor="ctr"/>
-          <a:lstStyle/>
-          <a:p>
-            <a:pPr algn="ctr"/>
-            <a:r>
-              <a:rPr lang="tr-TR" b="1" dirty="0"/>
-              <a:t>Leadership</a:t>
-            </a:r>
-          </a:p>
-        </p:txBody>
-      </p:sp>
-      <p:sp>
-        <p:nvSpPr>
-          <p:cNvPr id="7" name="TextBox 6">
-            <a:extLst>
-              <a:ext uri="{FF2B5EF4-FFF2-40B4-BE49-F238E27FC236}">
-                <a16:creationId xmlns:a16="http://schemas.microsoft.com/office/drawing/2014/main" id="{D301626C-CD24-4E8C-8491-B5BBAAADE3FA}"/>
-              </a:ext>
-            </a:extLst>
-          </p:cNvPr>
-          <p:cNvSpPr txBox="1"/>
-          <p:nvPr/>
-        </p:nvSpPr>
-        <p:spPr>
-          <a:xfrm>
-            <a:off x="5265212" y="384261"/>
-            <a:ext cx="3234831" cy="369332"/>
-          </a:xfrm>
-          <a:prstGeom prst="rect">
-            <a:avLst/>
-          </a:prstGeom>
-          <a:solidFill>
-            <a:srgbClr val="00FFFF"/>
-          </a:solidFill>
-        </p:spPr>
-        <p:txBody>
-          <a:bodyPr wrap="square" rtlCol="0">
-            <a:spAutoFit/>
-          </a:bodyPr>
-          <a:lstStyle>
-            <a:defPPr>
-              <a:defRPr lang="tr-TR"/>
-            </a:defPPr>
-            <a:lvl1pPr algn="ctr">
-              <a:defRPr b="1"/>
-            </a:lvl1pPr>
-          </a:lstStyle>
-          <a:p>
-            <a:r>
-              <a:rPr lang="tr-TR" dirty="0"/>
-              <a:t>Intervening Variables</a:t>
-            </a:r>
-          </a:p>
-        </p:txBody>
-      </p:sp>
-      <p:sp>
-        <p:nvSpPr>
-          <p:cNvPr id="8" name="Rectangle: Rounded Corners 7">
-            <a:extLst>
-              <a:ext uri="{FF2B5EF4-FFF2-40B4-BE49-F238E27FC236}">
-                <a16:creationId xmlns:a16="http://schemas.microsoft.com/office/drawing/2014/main" id="{BA8F6080-596F-49C8-AC41-113F13CD685F}"/>
-              </a:ext>
-            </a:extLst>
-          </p:cNvPr>
-          <p:cNvSpPr/>
-          <p:nvPr/>
-        </p:nvSpPr>
-        <p:spPr>
-          <a:xfrm>
-            <a:off x="7205169" y="898711"/>
-            <a:ext cx="2020293" cy="748084"/>
-          </a:xfrm>
-          <a:prstGeom prst="roundRect">
-            <a:avLst/>
-          </a:prstGeom>
-        </p:spPr>
-        <p:style>
-          <a:lnRef idx="2">
-            <a:schemeClr val="accent6"/>
-          </a:lnRef>
-          <a:fillRef idx="1">
-            <a:schemeClr val="lt1"/>
-          </a:fillRef>
-          <a:effectRef idx="0">
-            <a:schemeClr val="accent6"/>
-          </a:effectRef>
-          <a:fontRef idx="minor">
-            <a:schemeClr val="dk1"/>
-          </a:fontRef>
-        </p:style>
-        <p:txBody>
-          <a:bodyPr rtlCol="0" anchor="ctr"/>
-          <a:lstStyle/>
-          <a:p>
-            <a:pPr algn="ctr"/>
-            <a:r>
-              <a:rPr lang="tr-TR" b="1" dirty="0"/>
-              <a:t>Morale</a:t>
-            </a:r>
-          </a:p>
-        </p:txBody>
-      </p:sp>
-      <p:sp>
-        <p:nvSpPr>
-          <p:cNvPr id="9" name="Rectangle: Rounded Corners 8">
-            <a:extLst>
-              <a:ext uri="{FF2B5EF4-FFF2-40B4-BE49-F238E27FC236}">
-                <a16:creationId xmlns:a16="http://schemas.microsoft.com/office/drawing/2014/main" id="{9135C4AA-79B2-49B6-AB0A-94B995AB48C9}"/>
-              </a:ext>
-            </a:extLst>
-          </p:cNvPr>
-          <p:cNvSpPr/>
-          <p:nvPr/>
-        </p:nvSpPr>
-        <p:spPr>
-          <a:xfrm>
-            <a:off x="779673" y="3270178"/>
-            <a:ext cx="2020293" cy="527413"/>
-          </a:xfrm>
-          <a:prstGeom prst="roundRect">
-            <a:avLst/>
-          </a:prstGeom>
-        </p:spPr>
-        <p:style>
-          <a:lnRef idx="2">
-            <a:schemeClr val="accent6"/>
-          </a:lnRef>
-          <a:fillRef idx="1">
-            <a:schemeClr val="lt1"/>
-          </a:fillRef>
-          <a:effectRef idx="0">
-            <a:schemeClr val="accent6"/>
-          </a:effectRef>
-          <a:fontRef idx="minor">
-            <a:schemeClr val="dk1"/>
-          </a:fontRef>
-        </p:style>
-        <p:txBody>
-          <a:bodyPr rtlCol="0" anchor="ctr"/>
-          <a:lstStyle/>
-          <a:p>
-            <a:pPr algn="ctr"/>
-            <a:r>
-              <a:rPr lang="tr-TR" b="1" dirty="0"/>
-              <a:t>Military Expenditure</a:t>
-            </a:r>
-          </a:p>
-        </p:txBody>
-      </p:sp>
-      <p:sp>
-        <p:nvSpPr>
-          <p:cNvPr id="10" name="Rectangle: Rounded Corners 9">
-            <a:extLst>
-              <a:ext uri="{FF2B5EF4-FFF2-40B4-BE49-F238E27FC236}">
-                <a16:creationId xmlns:a16="http://schemas.microsoft.com/office/drawing/2014/main" id="{F31C0A84-334D-4937-A313-FD26E02FE369}"/>
-              </a:ext>
-            </a:extLst>
-          </p:cNvPr>
-          <p:cNvSpPr/>
-          <p:nvPr/>
-        </p:nvSpPr>
-        <p:spPr>
-          <a:xfrm>
-            <a:off x="779672" y="3939049"/>
-            <a:ext cx="2020293" cy="527413"/>
-          </a:xfrm>
-          <a:prstGeom prst="roundRect">
-            <a:avLst/>
-          </a:prstGeom>
-        </p:spPr>
-        <p:style>
-          <a:lnRef idx="2">
-            <a:schemeClr val="accent6"/>
-          </a:lnRef>
-          <a:fillRef idx="1">
-            <a:schemeClr val="lt1"/>
-          </a:fillRef>
-          <a:effectRef idx="0">
-            <a:schemeClr val="accent6"/>
-          </a:effectRef>
-          <a:fontRef idx="minor">
-            <a:schemeClr val="dk1"/>
-          </a:fontRef>
-        </p:style>
-        <p:txBody>
-          <a:bodyPr rtlCol="0" anchor="ctr"/>
-          <a:lstStyle/>
-          <a:p>
-            <a:pPr algn="ctr"/>
-            <a:r>
-              <a:rPr lang="tr-TR" b="1" dirty="0"/>
-              <a:t>Weapon System&amp;Platforms</a:t>
-            </a:r>
-          </a:p>
-        </p:txBody>
-      </p:sp>
-      <p:sp>
-        <p:nvSpPr>
-          <p:cNvPr id="11" name="Rectangle: Rounded Corners 10">
-            <a:extLst>
-              <a:ext uri="{FF2B5EF4-FFF2-40B4-BE49-F238E27FC236}">
-                <a16:creationId xmlns:a16="http://schemas.microsoft.com/office/drawing/2014/main" id="{33764994-22BF-4591-890D-BF70CD907302}"/>
-              </a:ext>
-            </a:extLst>
-          </p:cNvPr>
-          <p:cNvSpPr/>
-          <p:nvPr/>
-        </p:nvSpPr>
-        <p:spPr>
-          <a:xfrm>
-            <a:off x="779674" y="1932436"/>
-            <a:ext cx="2020293" cy="527413"/>
-          </a:xfrm>
-          <a:prstGeom prst="roundRect">
-            <a:avLst/>
-          </a:prstGeom>
-        </p:spPr>
-        <p:style>
-          <a:lnRef idx="2">
-            <a:schemeClr val="accent6"/>
-          </a:lnRef>
-          <a:fillRef idx="1">
-            <a:schemeClr val="lt1"/>
-          </a:fillRef>
-          <a:effectRef idx="0">
-            <a:schemeClr val="accent6"/>
-          </a:effectRef>
-          <a:fontRef idx="minor">
-            <a:schemeClr val="dk1"/>
-          </a:fontRef>
-        </p:style>
-        <p:txBody>
-          <a:bodyPr rtlCol="0" anchor="ctr"/>
-          <a:lstStyle/>
-          <a:p>
-            <a:pPr algn="ctr"/>
-            <a:r>
-              <a:rPr lang="tr-TR" b="1" dirty="0"/>
-              <a:t>Population</a:t>
-            </a:r>
-          </a:p>
-        </p:txBody>
-      </p:sp>
-      <p:sp>
-        <p:nvSpPr>
-          <p:cNvPr id="12" name="Rectangle: Rounded Corners 11">
-            <a:extLst>
-              <a:ext uri="{FF2B5EF4-FFF2-40B4-BE49-F238E27FC236}">
-                <a16:creationId xmlns:a16="http://schemas.microsoft.com/office/drawing/2014/main" id="{9E342AB2-9645-4555-8014-868A17F95732}"/>
-              </a:ext>
-            </a:extLst>
-          </p:cNvPr>
-          <p:cNvSpPr/>
-          <p:nvPr/>
-        </p:nvSpPr>
-        <p:spPr>
-          <a:xfrm>
-            <a:off x="779674" y="2601307"/>
-            <a:ext cx="2020293" cy="527413"/>
-          </a:xfrm>
-          <a:prstGeom prst="roundRect">
-            <a:avLst/>
-          </a:prstGeom>
-        </p:spPr>
-        <p:style>
-          <a:lnRef idx="2">
-            <a:schemeClr val="accent6"/>
-          </a:lnRef>
-          <a:fillRef idx="1">
-            <a:schemeClr val="lt1"/>
-          </a:fillRef>
-          <a:effectRef idx="0">
-            <a:schemeClr val="accent6"/>
-          </a:effectRef>
-          <a:fontRef idx="minor">
-            <a:schemeClr val="dk1"/>
-          </a:fontRef>
-        </p:style>
-        <p:txBody>
-          <a:bodyPr rtlCol="0" anchor="ctr"/>
-          <a:lstStyle/>
-          <a:p>
-            <a:pPr algn="ctr"/>
-            <a:r>
-              <a:rPr lang="tr-TR" b="1" dirty="0"/>
-              <a:t>Military </a:t>
-            </a:r>
-          </a:p>
-          <a:p>
-            <a:pPr algn="ctr"/>
-            <a:r>
-              <a:rPr lang="tr-TR" b="1" dirty="0"/>
-              <a:t>Personnel</a:t>
-            </a:r>
-          </a:p>
-        </p:txBody>
-      </p:sp>
-      <p:sp>
-        <p:nvSpPr>
-          <p:cNvPr id="13" name="TextBox 12">
-            <a:extLst>
-              <a:ext uri="{FF2B5EF4-FFF2-40B4-BE49-F238E27FC236}">
-                <a16:creationId xmlns:a16="http://schemas.microsoft.com/office/drawing/2014/main" id="{4082E793-B84C-451B-B734-7DED2D204AC7}"/>
-              </a:ext>
-            </a:extLst>
-          </p:cNvPr>
-          <p:cNvSpPr txBox="1"/>
-          <p:nvPr/>
-        </p:nvSpPr>
-        <p:spPr>
-          <a:xfrm>
-            <a:off x="346881" y="5375812"/>
-            <a:ext cx="3234831" cy="369332"/>
-          </a:xfrm>
-          <a:prstGeom prst="rect">
-            <a:avLst/>
-          </a:prstGeom>
-          <a:solidFill>
-            <a:srgbClr val="00FFFF"/>
-          </a:solidFill>
-        </p:spPr>
-        <p:txBody>
-          <a:bodyPr wrap="square" rtlCol="0">
-            <a:spAutoFit/>
-          </a:bodyPr>
-          <a:lstStyle/>
-          <a:p>
-            <a:pPr algn="ctr"/>
-            <a:r>
-              <a:rPr lang="tr-TR" b="1" dirty="0"/>
-              <a:t>Independent Variables</a:t>
-            </a:r>
-          </a:p>
-        </p:txBody>
-      </p:sp>
-      <p:sp>
-        <p:nvSpPr>
-          <p:cNvPr id="14" name="Rectangle: Rounded Corners 13">
-            <a:extLst>
-              <a:ext uri="{FF2B5EF4-FFF2-40B4-BE49-F238E27FC236}">
-                <a16:creationId xmlns:a16="http://schemas.microsoft.com/office/drawing/2014/main" id="{9E55CF1F-7B24-476E-AD2B-BB7F3C1FA77A}"/>
-              </a:ext>
-            </a:extLst>
-          </p:cNvPr>
-          <p:cNvSpPr/>
-          <p:nvPr/>
-        </p:nvSpPr>
-        <p:spPr>
-          <a:xfrm>
-            <a:off x="779671" y="4607920"/>
-            <a:ext cx="2020293" cy="527413"/>
-          </a:xfrm>
-          <a:prstGeom prst="roundRect">
-            <a:avLst/>
-          </a:prstGeom>
-        </p:spPr>
-        <p:style>
-          <a:lnRef idx="2">
-            <a:schemeClr val="accent6"/>
-          </a:lnRef>
-          <a:fillRef idx="1">
-            <a:schemeClr val="lt1"/>
-          </a:fillRef>
-          <a:effectRef idx="0">
-            <a:schemeClr val="accent6"/>
-          </a:effectRef>
-          <a:fontRef idx="minor">
-            <a:schemeClr val="dk1"/>
-          </a:fontRef>
-        </p:style>
-        <p:txBody>
-          <a:bodyPr rtlCol="0" anchor="ctr"/>
-          <a:lstStyle/>
-          <a:p>
-            <a:pPr algn="ctr"/>
-            <a:r>
-              <a:rPr lang="tr-TR" b="1" dirty="0">
-                <a:solidFill>
-                  <a:schemeClr val="bg2">
+                  <a:schemeClr val="bg1">
                     <a:lumMod val="50000"/>
                   </a:schemeClr>
                 </a:solidFill>
-              </a:rPr>
-              <a:t>To be defined</a:t>
-            </a:r>
-          </a:p>
-        </p:txBody>
-      </p:sp>
-      <p:cxnSp>
-        <p:nvCxnSpPr>
-          <p:cNvPr id="16" name="Connector: Elbow 15">
-            <a:extLst>
-              <a:ext uri="{FF2B5EF4-FFF2-40B4-BE49-F238E27FC236}">
-                <a16:creationId xmlns:a16="http://schemas.microsoft.com/office/drawing/2014/main" id="{B0E0B942-1D89-4A2E-96E4-42AE20115845}"/>
-              </a:ext>
-            </a:extLst>
-          </p:cNvPr>
-          <p:cNvCxnSpPr>
-            <a:cxnSpLocks/>
-          </p:cNvCxnSpPr>
-          <p:nvPr/>
-        </p:nvCxnSpPr>
-        <p:spPr>
-          <a:xfrm>
-            <a:off x="2799967" y="2215193"/>
-            <a:ext cx="6425495" cy="1142661"/>
-          </a:xfrm>
-          <a:prstGeom prst="bentConnector3">
-            <a:avLst>
-              <a:gd name="adj1" fmla="val 29858"/>
-            </a:avLst>
-          </a:prstGeom>
-          <a:ln>
-            <a:tailEnd type="triangle"/>
-          </a:ln>
-        </p:spPr>
-        <p:style>
-          <a:lnRef idx="1">
-            <a:schemeClr val="accent1"/>
-          </a:lnRef>
-          <a:fillRef idx="0">
-            <a:schemeClr val="accent1"/>
-          </a:fillRef>
-          <a:effectRef idx="0">
-            <a:schemeClr val="accent1"/>
-          </a:effectRef>
-          <a:fontRef idx="minor">
-            <a:schemeClr val="tx1"/>
-          </a:fontRef>
-        </p:style>
-      </p:cxnSp>
-      <p:cxnSp>
-        <p:nvCxnSpPr>
-          <p:cNvPr id="18" name="Connector: Elbow 17">
-            <a:extLst>
-              <a:ext uri="{FF2B5EF4-FFF2-40B4-BE49-F238E27FC236}">
-                <a16:creationId xmlns:a16="http://schemas.microsoft.com/office/drawing/2014/main" id="{E0F33EBC-B16E-4AA9-9C5B-67173D2F234C}"/>
-              </a:ext>
-            </a:extLst>
-          </p:cNvPr>
-          <p:cNvCxnSpPr>
-            <a:cxnSpLocks/>
-          </p:cNvCxnSpPr>
-          <p:nvPr/>
-        </p:nvCxnSpPr>
-        <p:spPr>
-          <a:xfrm>
-            <a:off x="2799967" y="2887239"/>
-            <a:ext cx="6425495" cy="473790"/>
-          </a:xfrm>
-          <a:prstGeom prst="bentConnector3">
-            <a:avLst>
-              <a:gd name="adj1" fmla="val 29858"/>
-            </a:avLst>
-          </a:prstGeom>
-          <a:ln>
-            <a:tailEnd type="triangle"/>
-          </a:ln>
-        </p:spPr>
-        <p:style>
-          <a:lnRef idx="1">
-            <a:schemeClr val="accent1"/>
-          </a:lnRef>
-          <a:fillRef idx="0">
-            <a:schemeClr val="accent1"/>
-          </a:fillRef>
-          <a:effectRef idx="0">
-            <a:schemeClr val="accent1"/>
-          </a:effectRef>
-          <a:fontRef idx="minor">
-            <a:schemeClr val="tx1"/>
-          </a:fontRef>
-        </p:style>
-      </p:cxnSp>
-      <p:cxnSp>
-        <p:nvCxnSpPr>
-          <p:cNvPr id="20" name="Connector: Elbow 19">
-            <a:extLst>
-              <a:ext uri="{FF2B5EF4-FFF2-40B4-BE49-F238E27FC236}">
-                <a16:creationId xmlns:a16="http://schemas.microsoft.com/office/drawing/2014/main" id="{7A1F8482-DE28-446D-B28A-7BB4DF4366F6}"/>
-              </a:ext>
-            </a:extLst>
-          </p:cNvPr>
-          <p:cNvCxnSpPr>
-            <a:cxnSpLocks/>
-          </p:cNvCxnSpPr>
-          <p:nvPr/>
-        </p:nvCxnSpPr>
-        <p:spPr>
-          <a:xfrm flipV="1">
-            <a:off x="2799966" y="3357854"/>
-            <a:ext cx="6425496" cy="195081"/>
-          </a:xfrm>
-          <a:prstGeom prst="bentConnector3">
-            <a:avLst>
-              <a:gd name="adj1" fmla="val 29858"/>
-            </a:avLst>
-          </a:prstGeom>
-          <a:ln>
-            <a:tailEnd type="triangle"/>
-          </a:ln>
-        </p:spPr>
-        <p:style>
-          <a:lnRef idx="1">
-            <a:schemeClr val="accent1"/>
-          </a:lnRef>
-          <a:fillRef idx="0">
-            <a:schemeClr val="accent1"/>
-          </a:fillRef>
-          <a:effectRef idx="0">
-            <a:schemeClr val="accent1"/>
-          </a:effectRef>
-          <a:fontRef idx="minor">
-            <a:schemeClr val="tx1"/>
-          </a:fontRef>
-        </p:style>
-      </p:cxnSp>
-      <p:cxnSp>
-        <p:nvCxnSpPr>
-          <p:cNvPr id="22" name="Connector: Elbow 21">
-            <a:extLst>
-              <a:ext uri="{FF2B5EF4-FFF2-40B4-BE49-F238E27FC236}">
-                <a16:creationId xmlns:a16="http://schemas.microsoft.com/office/drawing/2014/main" id="{CB1A8B64-C81F-4C49-8AA2-A4F9FA53B846}"/>
-              </a:ext>
-            </a:extLst>
-          </p:cNvPr>
-          <p:cNvCxnSpPr>
-            <a:cxnSpLocks/>
-          </p:cNvCxnSpPr>
-          <p:nvPr/>
-        </p:nvCxnSpPr>
-        <p:spPr>
-          <a:xfrm flipV="1">
-            <a:off x="2799965" y="3361029"/>
-            <a:ext cx="6425497" cy="863952"/>
-          </a:xfrm>
-          <a:prstGeom prst="bentConnector3">
-            <a:avLst>
-              <a:gd name="adj1" fmla="val 29858"/>
-            </a:avLst>
-          </a:prstGeom>
-          <a:ln>
-            <a:tailEnd type="triangle"/>
-          </a:ln>
-        </p:spPr>
-        <p:style>
-          <a:lnRef idx="1">
-            <a:schemeClr val="accent1"/>
-          </a:lnRef>
-          <a:fillRef idx="0">
-            <a:schemeClr val="accent1"/>
-          </a:fillRef>
-          <a:effectRef idx="0">
-            <a:schemeClr val="accent1"/>
-          </a:effectRef>
-          <a:fontRef idx="minor">
-            <a:schemeClr val="tx1"/>
-          </a:fontRef>
-        </p:style>
-      </p:cxnSp>
-      <p:cxnSp>
-        <p:nvCxnSpPr>
-          <p:cNvPr id="24" name="Connector: Elbow 23">
-            <a:extLst>
-              <a:ext uri="{FF2B5EF4-FFF2-40B4-BE49-F238E27FC236}">
-                <a16:creationId xmlns:a16="http://schemas.microsoft.com/office/drawing/2014/main" id="{FB5545E9-8A75-46CE-B97C-BFE96F1CBF5A}"/>
-              </a:ext>
-            </a:extLst>
-          </p:cNvPr>
-          <p:cNvCxnSpPr>
-            <a:cxnSpLocks/>
-          </p:cNvCxnSpPr>
-          <p:nvPr/>
-        </p:nvCxnSpPr>
-        <p:spPr>
-          <a:xfrm flipV="1">
-            <a:off x="2799964" y="3357854"/>
-            <a:ext cx="6425498" cy="1532823"/>
-          </a:xfrm>
-          <a:prstGeom prst="bentConnector3">
-            <a:avLst>
-              <a:gd name="adj1" fmla="val 29858"/>
-            </a:avLst>
-          </a:prstGeom>
-          <a:ln>
-            <a:tailEnd type="triangle"/>
-          </a:ln>
-        </p:spPr>
-        <p:style>
-          <a:lnRef idx="1">
-            <a:schemeClr val="accent1"/>
-          </a:lnRef>
-          <a:fillRef idx="0">
-            <a:schemeClr val="accent1"/>
-          </a:fillRef>
-          <a:effectRef idx="0">
-            <a:schemeClr val="accent1"/>
-          </a:effectRef>
-          <a:fontRef idx="minor">
-            <a:schemeClr val="tx1"/>
-          </a:fontRef>
-        </p:style>
-      </p:cxnSp>
-      <p:cxnSp>
-        <p:nvCxnSpPr>
-          <p:cNvPr id="35" name="Connector: Elbow 34">
-            <a:extLst>
-              <a:ext uri="{FF2B5EF4-FFF2-40B4-BE49-F238E27FC236}">
-                <a16:creationId xmlns:a16="http://schemas.microsoft.com/office/drawing/2014/main" id="{6A08C988-16BF-405D-828A-5D8DA5552CD3}"/>
-              </a:ext>
-            </a:extLst>
-          </p:cNvPr>
-          <p:cNvCxnSpPr>
-            <a:cxnSpLocks/>
-          </p:cNvCxnSpPr>
-          <p:nvPr/>
-        </p:nvCxnSpPr>
-        <p:spPr>
-          <a:xfrm rot="16200000" flipH="1">
-            <a:off x="6705132" y="839255"/>
-            <a:ext cx="1687681" cy="3352980"/>
-          </a:xfrm>
-          <a:prstGeom prst="bentConnector2">
-            <a:avLst/>
-          </a:prstGeom>
-        </p:spPr>
-        <p:style>
-          <a:lnRef idx="1">
-            <a:schemeClr val="accent1"/>
-          </a:lnRef>
-          <a:fillRef idx="0">
-            <a:schemeClr val="accent1"/>
-          </a:fillRef>
-          <a:effectRef idx="0">
-            <a:schemeClr val="accent1"/>
-          </a:effectRef>
-          <a:fontRef idx="minor">
-            <a:schemeClr val="tx1"/>
-          </a:fontRef>
-        </p:style>
-      </p:cxnSp>
-      <p:cxnSp>
-        <p:nvCxnSpPr>
-          <p:cNvPr id="37" name="Connector: Elbow 36">
-            <a:extLst>
-              <a:ext uri="{FF2B5EF4-FFF2-40B4-BE49-F238E27FC236}">
-                <a16:creationId xmlns:a16="http://schemas.microsoft.com/office/drawing/2014/main" id="{FA54DB65-1CC6-4F6C-ACFA-2BD3CAFE5486}"/>
-              </a:ext>
-            </a:extLst>
-          </p:cNvPr>
-          <p:cNvCxnSpPr>
-            <a:cxnSpLocks/>
-          </p:cNvCxnSpPr>
-          <p:nvPr/>
-        </p:nvCxnSpPr>
-        <p:spPr>
-          <a:xfrm rot="16200000" flipH="1">
-            <a:off x="7874385" y="2008508"/>
-            <a:ext cx="1692009" cy="1010146"/>
-          </a:xfrm>
-          <a:prstGeom prst="bentConnector2">
-            <a:avLst/>
-          </a:prstGeom>
-        </p:spPr>
-        <p:style>
-          <a:lnRef idx="1">
-            <a:schemeClr val="accent1"/>
-          </a:lnRef>
-          <a:fillRef idx="0">
-            <a:schemeClr val="accent1"/>
-          </a:fillRef>
-          <a:effectRef idx="0">
-            <a:schemeClr val="accent1"/>
-          </a:effectRef>
-          <a:fontRef idx="minor">
-            <a:schemeClr val="tx1"/>
-          </a:fontRef>
-        </p:style>
-      </p:cxnSp>
-      <p:sp>
-        <p:nvSpPr>
-          <p:cNvPr id="38" name="TextBox 37">
-            <a:extLst>
-              <a:ext uri="{FF2B5EF4-FFF2-40B4-BE49-F238E27FC236}">
-                <a16:creationId xmlns:a16="http://schemas.microsoft.com/office/drawing/2014/main" id="{06B9C4BE-4F3F-4C63-A256-FA14BD9005CB}"/>
-              </a:ext>
-            </a:extLst>
-          </p:cNvPr>
-          <p:cNvSpPr txBox="1"/>
-          <p:nvPr/>
-        </p:nvSpPr>
-        <p:spPr>
-          <a:xfrm>
-            <a:off x="4862336" y="5322387"/>
-            <a:ext cx="3637708" cy="1477328"/>
-          </a:xfrm>
-          <a:prstGeom prst="rect">
-            <a:avLst/>
-          </a:prstGeom>
-          <a:noFill/>
-          <a:ln>
-            <a:solidFill>
-              <a:schemeClr val="bg1">
-                <a:lumMod val="85000"/>
-              </a:schemeClr>
-            </a:solidFill>
-            <a:prstDash val="sysDash"/>
-          </a:ln>
-        </p:spPr>
-        <p:txBody>
-          <a:bodyPr wrap="square" rtlCol="0">
-            <a:spAutoFit/>
-          </a:bodyPr>
-          <a:lstStyle/>
-          <a:p>
-            <a:r>
-              <a:rPr lang="tr-TR" b="1" dirty="0"/>
-              <a:t>Steps to define dependent variables</a:t>
-            </a:r>
-          </a:p>
-          <a:p>
-            <a:pPr marL="285750" indent="-285750">
-              <a:buFont typeface="Arial" panose="020B0604020202020204" pitchFamily="34" charset="0"/>
-              <a:buChar char="•"/>
-            </a:pPr>
-            <a:r>
-              <a:rPr lang="tr-TR" dirty="0"/>
-              <a:t>Comprehensive </a:t>
-            </a:r>
-            <a:r>
-              <a:rPr lang="tr-TR" b="1" dirty="0">
+                <a:prstDash val="sysDash"/>
+              </a:ln>
+            </p:spPr>
+            <p:txBody>
+              <a:bodyPr wrap="square" rtlCol="0">
+                <a:spAutoFit/>
+              </a:bodyPr>
+              <a:lstStyle/>
+              <a:p>
+                <a:pPr algn="ctr"/>
+                <a:r>
+                  <a:rPr lang="tr-TR" b="1" dirty="0"/>
+                  <a:t>Evaluation</a:t>
+                </a:r>
+              </a:p>
+              <a:p>
+                <a:r>
+                  <a:rPr lang="tr-TR" b="1" dirty="0"/>
+                  <a:t>For the independent variables: </a:t>
+                </a:r>
+                <a:r>
+                  <a:rPr lang="tr-TR" dirty="0">
+                    <a:highlight>
+                      <a:srgbClr val="FFFF00"/>
+                    </a:highlight>
+                  </a:rPr>
+                  <a:t>Multiple Regression analysis </a:t>
+                </a:r>
+                <a:r>
+                  <a:rPr lang="tr-TR" dirty="0"/>
+                  <a:t>to explain difference in variance by each factor </a:t>
+                </a:r>
+              </a:p>
+              <a:p>
+                <a:r>
+                  <a:rPr lang="tr-TR" b="1" dirty="0"/>
+                  <a:t>For the Intervening Variables: </a:t>
+                </a:r>
+                <a:r>
+                  <a:rPr lang="tr-TR" dirty="0">
+                    <a:highlight>
+                      <a:srgbClr val="FFFF00"/>
+                    </a:highlight>
+                  </a:rPr>
+                  <a:t>Text Analysis </a:t>
+                </a:r>
+                <a:r>
+                  <a:rPr lang="tr-TR" dirty="0"/>
+                  <a:t>to explain relationship between leadership and morale and outcome of the battle</a:t>
+                </a:r>
+              </a:p>
+            </p:txBody>
+          </p:sp>
+          <p:cxnSp>
+            <p:nvCxnSpPr>
+              <p:cNvPr id="47" name="Straight Connector 46">
+                <a:extLst>
+                  <a:ext uri="{FF2B5EF4-FFF2-40B4-BE49-F238E27FC236}">
+                    <a16:creationId xmlns:a16="http://schemas.microsoft.com/office/drawing/2014/main" id="{4D18BC85-383A-41C2-ADA0-9D25542EB2A3}"/>
+                  </a:ext>
+                </a:extLst>
+              </p:cNvPr>
+              <p:cNvCxnSpPr>
+                <a:cxnSpLocks/>
+                <a:stCxn id="5" idx="2"/>
+                <a:endCxn id="43" idx="0"/>
+              </p:cNvCxnSpPr>
+              <p:nvPr/>
+            </p:nvCxnSpPr>
+            <p:spPr>
+              <a:xfrm flipH="1">
+                <a:off x="8394969" y="4241747"/>
+                <a:ext cx="2010231" cy="717507"/>
+              </a:xfrm>
+              <a:prstGeom prst="line">
+                <a:avLst/>
+              </a:prstGeom>
+              <a:ln>
                 <a:solidFill>
-                  <a:srgbClr val="FF0000"/>
+                  <a:schemeClr val="bg1">
+                    <a:lumMod val="65000"/>
+                  </a:schemeClr>
                 </a:solidFill>
-              </a:rPr>
-              <a:t>Case study </a:t>
-            </a:r>
-            <a:r>
-              <a:rPr lang="tr-TR" dirty="0"/>
-              <a:t>on selected 2 battles</a:t>
-            </a:r>
-          </a:p>
-          <a:p>
-            <a:pPr marL="285750" indent="-285750">
-              <a:buFont typeface="Arial" panose="020B0604020202020204" pitchFamily="34" charset="0"/>
-              <a:buChar char="•"/>
-            </a:pPr>
-            <a:r>
-              <a:rPr lang="tr-TR" dirty="0"/>
-              <a:t>Principal Component Analysis to select important features</a:t>
-            </a:r>
-          </a:p>
-        </p:txBody>
-      </p:sp>
-      <p:cxnSp>
-        <p:nvCxnSpPr>
-          <p:cNvPr id="42" name="Connector: Elbow 41">
-            <a:extLst>
-              <a:ext uri="{FF2B5EF4-FFF2-40B4-BE49-F238E27FC236}">
-                <a16:creationId xmlns:a16="http://schemas.microsoft.com/office/drawing/2014/main" id="{9941309F-6417-440B-984A-5F8D2B147077}"/>
-              </a:ext>
-            </a:extLst>
-          </p:cNvPr>
-          <p:cNvCxnSpPr>
-            <a:cxnSpLocks/>
-            <a:stCxn id="13" idx="3"/>
-            <a:endCxn id="38" idx="1"/>
-          </p:cNvCxnSpPr>
-          <p:nvPr/>
-        </p:nvCxnSpPr>
-        <p:spPr>
-          <a:xfrm>
-            <a:off x="3581712" y="5560478"/>
-            <a:ext cx="1280624" cy="500573"/>
-          </a:xfrm>
-          <a:prstGeom prst="bentConnector3">
-            <a:avLst/>
-          </a:prstGeom>
-          <a:ln>
-            <a:solidFill>
-              <a:schemeClr val="bg1">
-                <a:lumMod val="75000"/>
-              </a:schemeClr>
-            </a:solidFill>
-            <a:prstDash val="sysDash"/>
-          </a:ln>
-        </p:spPr>
-        <p:style>
-          <a:lnRef idx="1">
-            <a:schemeClr val="accent1"/>
-          </a:lnRef>
-          <a:fillRef idx="0">
-            <a:schemeClr val="accent1"/>
-          </a:fillRef>
-          <a:effectRef idx="0">
-            <a:schemeClr val="accent1"/>
-          </a:effectRef>
-          <a:fontRef idx="minor">
-            <a:schemeClr val="tx1"/>
-          </a:fontRef>
-        </p:style>
-      </p:cxnSp>
-      <p:sp>
-        <p:nvSpPr>
-          <p:cNvPr id="43" name="TextBox 42">
-            <a:extLst>
-              <a:ext uri="{FF2B5EF4-FFF2-40B4-BE49-F238E27FC236}">
-                <a16:creationId xmlns:a16="http://schemas.microsoft.com/office/drawing/2014/main" id="{E0F555BF-BB20-4B6E-88A5-E63824486002}"/>
-              </a:ext>
-            </a:extLst>
-          </p:cNvPr>
-          <p:cNvSpPr txBox="1"/>
-          <p:nvPr/>
-        </p:nvSpPr>
-        <p:spPr>
-          <a:xfrm>
-            <a:off x="8840358" y="4572879"/>
-            <a:ext cx="3120993" cy="1200329"/>
-          </a:xfrm>
-          <a:prstGeom prst="rect">
-            <a:avLst/>
-          </a:prstGeom>
-          <a:noFill/>
-          <a:ln>
-            <a:solidFill>
-              <a:schemeClr val="bg1">
-                <a:lumMod val="85000"/>
-              </a:schemeClr>
-            </a:solidFill>
-            <a:prstDash val="sysDash"/>
-          </a:ln>
-        </p:spPr>
-        <p:txBody>
-          <a:bodyPr wrap="square" rtlCol="0">
-            <a:spAutoFit/>
-          </a:bodyPr>
-          <a:lstStyle/>
-          <a:p>
-            <a:pPr algn="ctr"/>
-            <a:r>
-              <a:rPr lang="tr-TR" b="1" dirty="0"/>
-              <a:t>Evaluation</a:t>
-            </a:r>
-          </a:p>
-          <a:p>
-            <a:pPr algn="ctr"/>
-            <a:r>
-              <a:rPr lang="tr-TR" dirty="0"/>
-              <a:t>Multiple Regression analysis to explain difference in variance by each factor </a:t>
-            </a:r>
-          </a:p>
-        </p:txBody>
-      </p:sp>
-      <p:cxnSp>
-        <p:nvCxnSpPr>
-          <p:cNvPr id="47" name="Straight Connector 46">
-            <a:extLst>
-              <a:ext uri="{FF2B5EF4-FFF2-40B4-BE49-F238E27FC236}">
-                <a16:creationId xmlns:a16="http://schemas.microsoft.com/office/drawing/2014/main" id="{4D18BC85-383A-41C2-ADA0-9D25542EB2A3}"/>
-              </a:ext>
-            </a:extLst>
-          </p:cNvPr>
-          <p:cNvCxnSpPr>
-            <a:stCxn id="5" idx="2"/>
-            <a:endCxn id="43" idx="0"/>
-          </p:cNvCxnSpPr>
-          <p:nvPr/>
-        </p:nvCxnSpPr>
-        <p:spPr>
-          <a:xfrm flipH="1">
-            <a:off x="10400855" y="4241747"/>
-            <a:ext cx="4345" cy="331132"/>
-          </a:xfrm>
-          <a:prstGeom prst="line">
-            <a:avLst/>
-          </a:prstGeom>
-          <a:ln>
-            <a:solidFill>
-              <a:schemeClr val="bg1">
-                <a:lumMod val="65000"/>
-              </a:schemeClr>
-            </a:solidFill>
-            <a:prstDash val="sysDash"/>
-          </a:ln>
-        </p:spPr>
-        <p:style>
-          <a:lnRef idx="1">
-            <a:schemeClr val="accent1"/>
-          </a:lnRef>
-          <a:fillRef idx="0">
-            <a:schemeClr val="accent1"/>
-          </a:fillRef>
-          <a:effectRef idx="0">
-            <a:schemeClr val="accent1"/>
-          </a:effectRef>
-          <a:fontRef idx="minor">
-            <a:schemeClr val="tx1"/>
-          </a:fontRef>
-        </p:style>
-      </p:cxnSp>
-      <p:sp>
-        <p:nvSpPr>
-          <p:cNvPr id="25" name="Rectangle: Rounded Corners 24">
-            <a:extLst>
-              <a:ext uri="{FF2B5EF4-FFF2-40B4-BE49-F238E27FC236}">
-                <a16:creationId xmlns:a16="http://schemas.microsoft.com/office/drawing/2014/main" id="{A818BA3E-4575-456B-9F27-CACE3D53B1CB}"/>
-              </a:ext>
-            </a:extLst>
-          </p:cNvPr>
-          <p:cNvSpPr/>
-          <p:nvPr/>
-        </p:nvSpPr>
-        <p:spPr>
-          <a:xfrm>
-            <a:off x="779670" y="1232443"/>
-            <a:ext cx="2020293" cy="527413"/>
-          </a:xfrm>
-          <a:prstGeom prst="roundRect">
-            <a:avLst/>
-          </a:prstGeom>
-        </p:spPr>
-        <p:style>
-          <a:lnRef idx="2">
-            <a:schemeClr val="accent6"/>
-          </a:lnRef>
-          <a:fillRef idx="1">
-            <a:schemeClr val="lt1"/>
-          </a:fillRef>
-          <a:effectRef idx="0">
-            <a:schemeClr val="accent6"/>
-          </a:effectRef>
-          <a:fontRef idx="minor">
-            <a:schemeClr val="dk1"/>
-          </a:fontRef>
-        </p:style>
-        <p:txBody>
-          <a:bodyPr rtlCol="0" anchor="ctr"/>
-          <a:lstStyle/>
-          <a:p>
-            <a:pPr algn="ctr"/>
-            <a:r>
-              <a:rPr lang="tr-TR" b="1" dirty="0"/>
-              <a:t>GNP</a:t>
-            </a:r>
-          </a:p>
-        </p:txBody>
-      </p:sp>
-      <p:cxnSp>
-        <p:nvCxnSpPr>
-          <p:cNvPr id="15" name="Connector: Elbow 14">
-            <a:extLst>
-              <a:ext uri="{FF2B5EF4-FFF2-40B4-BE49-F238E27FC236}">
-                <a16:creationId xmlns:a16="http://schemas.microsoft.com/office/drawing/2014/main" id="{70F06F30-BE24-45D8-8ED1-8FFA2C164B92}"/>
-              </a:ext>
-            </a:extLst>
-          </p:cNvPr>
-          <p:cNvCxnSpPr>
-            <a:cxnSpLocks/>
-          </p:cNvCxnSpPr>
-          <p:nvPr/>
-        </p:nvCxnSpPr>
-        <p:spPr>
-          <a:xfrm>
-            <a:off x="2799963" y="1499543"/>
-            <a:ext cx="6161244" cy="1863509"/>
-          </a:xfrm>
-          <a:prstGeom prst="bentConnector3">
-            <a:avLst>
-              <a:gd name="adj1" fmla="val 31253"/>
-            </a:avLst>
-          </a:prstGeom>
-        </p:spPr>
-        <p:style>
-          <a:lnRef idx="1">
-            <a:schemeClr val="accent1"/>
-          </a:lnRef>
-          <a:fillRef idx="0">
-            <a:schemeClr val="accent1"/>
-          </a:fillRef>
-          <a:effectRef idx="0">
-            <a:schemeClr val="accent1"/>
-          </a:effectRef>
-          <a:fontRef idx="minor">
-            <a:schemeClr val="tx1"/>
-          </a:fontRef>
-        </p:style>
-      </p:cxnSp>
+                <a:prstDash val="sysDash"/>
+              </a:ln>
+            </p:spPr>
+            <p:style>
+              <a:lnRef idx="1">
+                <a:schemeClr val="accent1"/>
+              </a:lnRef>
+              <a:fillRef idx="0">
+                <a:schemeClr val="accent1"/>
+              </a:fillRef>
+              <a:effectRef idx="0">
+                <a:schemeClr val="accent1"/>
+              </a:effectRef>
+              <a:fontRef idx="minor">
+                <a:schemeClr val="tx1"/>
+              </a:fontRef>
+            </p:style>
+          </p:cxnSp>
+          <p:sp>
+            <p:nvSpPr>
+              <p:cNvPr id="25" name="Rectangle: Rounded Corners 24">
+                <a:extLst>
+                  <a:ext uri="{FF2B5EF4-FFF2-40B4-BE49-F238E27FC236}">
+                    <a16:creationId xmlns:a16="http://schemas.microsoft.com/office/drawing/2014/main" id="{A818BA3E-4575-456B-9F27-CACE3D53B1CB}"/>
+                  </a:ext>
+                </a:extLst>
+              </p:cNvPr>
+              <p:cNvSpPr/>
+              <p:nvPr/>
+            </p:nvSpPr>
+            <p:spPr>
+              <a:xfrm>
+                <a:off x="779670" y="1232443"/>
+                <a:ext cx="2020293" cy="527413"/>
+              </a:xfrm>
+              <a:prstGeom prst="roundRect">
+                <a:avLst/>
+              </a:prstGeom>
+            </p:spPr>
+            <p:style>
+              <a:lnRef idx="2">
+                <a:schemeClr val="accent6"/>
+              </a:lnRef>
+              <a:fillRef idx="1">
+                <a:schemeClr val="lt1"/>
+              </a:fillRef>
+              <a:effectRef idx="0">
+                <a:schemeClr val="accent6"/>
+              </a:effectRef>
+              <a:fontRef idx="minor">
+                <a:schemeClr val="dk1"/>
+              </a:fontRef>
+            </p:style>
+            <p:txBody>
+              <a:bodyPr rtlCol="0" anchor="ctr"/>
+              <a:lstStyle/>
+              <a:p>
+                <a:pPr algn="ctr"/>
+                <a:r>
+                  <a:rPr lang="tr-TR" b="1" dirty="0"/>
+                  <a:t>GNP</a:t>
+                </a:r>
+              </a:p>
+            </p:txBody>
+          </p:sp>
+          <p:cxnSp>
+            <p:nvCxnSpPr>
+              <p:cNvPr id="15" name="Connector: Elbow 14">
+                <a:extLst>
+                  <a:ext uri="{FF2B5EF4-FFF2-40B4-BE49-F238E27FC236}">
+                    <a16:creationId xmlns:a16="http://schemas.microsoft.com/office/drawing/2014/main" id="{70F06F30-BE24-45D8-8ED1-8FFA2C164B92}"/>
+                  </a:ext>
+                </a:extLst>
+              </p:cNvPr>
+              <p:cNvCxnSpPr>
+                <a:cxnSpLocks/>
+              </p:cNvCxnSpPr>
+              <p:nvPr/>
+            </p:nvCxnSpPr>
+            <p:spPr>
+              <a:xfrm>
+                <a:off x="2799963" y="1499543"/>
+                <a:ext cx="6161244" cy="1863509"/>
+              </a:xfrm>
+              <a:prstGeom prst="bentConnector3">
+                <a:avLst>
+                  <a:gd name="adj1" fmla="val 31253"/>
+                </a:avLst>
+              </a:prstGeom>
+            </p:spPr>
+            <p:style>
+              <a:lnRef idx="1">
+                <a:schemeClr val="accent1"/>
+              </a:lnRef>
+              <a:fillRef idx="0">
+                <a:schemeClr val="accent1"/>
+              </a:fillRef>
+              <a:effectRef idx="0">
+                <a:schemeClr val="accent1"/>
+              </a:effectRef>
+              <a:fontRef idx="minor">
+                <a:schemeClr val="tx1"/>
+              </a:fontRef>
+            </p:style>
+          </p:cxnSp>
+          <p:cxnSp>
+            <p:nvCxnSpPr>
+              <p:cNvPr id="21" name="Connector: Elbow 20">
+                <a:extLst>
+                  <a:ext uri="{FF2B5EF4-FFF2-40B4-BE49-F238E27FC236}">
+                    <a16:creationId xmlns:a16="http://schemas.microsoft.com/office/drawing/2014/main" id="{BD509CF2-A39C-4551-8AFC-D17F776A3C79}"/>
+                  </a:ext>
+                </a:extLst>
+              </p:cNvPr>
+              <p:cNvCxnSpPr>
+                <a:cxnSpLocks/>
+                <a:stCxn id="5" idx="2"/>
+                <a:endCxn id="43" idx="0"/>
+              </p:cNvCxnSpPr>
+              <p:nvPr/>
+            </p:nvCxnSpPr>
+            <p:spPr>
+              <a:xfrm rot="5400000">
+                <a:off x="9041332" y="3595385"/>
+                <a:ext cx="717507" cy="2010231"/>
+              </a:xfrm>
+              <a:prstGeom prst="bentConnector3">
+                <a:avLst/>
+              </a:prstGeom>
+              <a:ln>
+                <a:tailEnd type="triangle"/>
+              </a:ln>
+            </p:spPr>
+            <p:style>
+              <a:lnRef idx="1">
+                <a:schemeClr val="accent1"/>
+              </a:lnRef>
+              <a:fillRef idx="0">
+                <a:schemeClr val="accent1"/>
+              </a:fillRef>
+              <a:effectRef idx="0">
+                <a:schemeClr val="accent1"/>
+              </a:effectRef>
+              <a:fontRef idx="minor">
+                <a:schemeClr val="tx1"/>
+              </a:fontRef>
+            </p:style>
+          </p:cxnSp>
+        </p:grpSp>
+      </p:grpSp>
     </p:spTree>
     <p:extLst>
       <p:ext uri="{BB962C8B-B14F-4D97-AF65-F5344CB8AC3E}">

--- a/PhD Discussion.pptx
+++ b/PhD Discussion.pptx
@@ -5,7 +5,7 @@
     <p:sldMasterId id="2147483648" r:id="rId1"/>
   </p:sldMasterIdLst>
   <p:notesMasterIdLst>
-    <p:notesMasterId r:id="rId25"/>
+    <p:notesMasterId r:id="rId26"/>
   </p:notesMasterIdLst>
   <p:sldIdLst>
     <p:sldId id="256" r:id="rId2"/>
@@ -29,8 +29,9 @@
     <p:sldId id="274" r:id="rId20"/>
     <p:sldId id="284" r:id="rId21"/>
     <p:sldId id="282" r:id="rId22"/>
-    <p:sldId id="280" r:id="rId23"/>
-    <p:sldId id="283" r:id="rId24"/>
+    <p:sldId id="285" r:id="rId23"/>
+    <p:sldId id="280" r:id="rId24"/>
+    <p:sldId id="283" r:id="rId25"/>
   </p:sldIdLst>
   <p:sldSz cx="12192000" cy="6858000"/>
   <p:notesSz cx="6797675" cy="9926638"/>
@@ -219,7 +220,7 @@
           <a:p>
             <a:fld id="{6B01098C-58D5-4DCB-8B6F-D5224BBD065F}" type="datetimeFigureOut">
               <a:rPr lang="tr-TR" smtClean="0"/>
-              <a:t>25.12.2021</a:t>
+              <a:t>26.12.2021</a:t>
             </a:fld>
             <a:endParaRPr lang="tr-TR"/>
           </a:p>
@@ -2169,6 +2170,90 @@
 </p:notes>
 </file>
 
+<file path=ppt/notesSlides/notesSlide18.xml><?xml version="1.0" encoding="utf-8"?>
+<p:notes xmlns:a="http://schemas.openxmlformats.org/drawingml/2006/main" xmlns:r="http://schemas.openxmlformats.org/officeDocument/2006/relationships" xmlns:p="http://schemas.openxmlformats.org/presentationml/2006/main">
+  <p:cSld>
+    <p:spTree>
+      <p:nvGrpSpPr>
+        <p:cNvPr id="1" name=""/>
+        <p:cNvGrpSpPr/>
+        <p:nvPr/>
+      </p:nvGrpSpPr>
+      <p:grpSpPr>
+        <a:xfrm>
+          <a:off x="0" y="0"/>
+          <a:ext cx="0" cy="0"/>
+          <a:chOff x="0" y="0"/>
+          <a:chExt cx="0" cy="0"/>
+        </a:xfrm>
+      </p:grpSpPr>
+      <p:sp>
+        <p:nvSpPr>
+          <p:cNvPr id="2" name="Slide Image Placeholder 1"/>
+          <p:cNvSpPr>
+            <a:spLocks noGrp="1" noRot="1" noChangeAspect="1"/>
+          </p:cNvSpPr>
+          <p:nvPr>
+            <p:ph type="sldImg"/>
+          </p:nvPr>
+        </p:nvSpPr>
+        <p:spPr/>
+      </p:sp>
+      <p:sp>
+        <p:nvSpPr>
+          <p:cNvPr id="3" name="Notes Placeholder 2"/>
+          <p:cNvSpPr>
+            <a:spLocks noGrp="1"/>
+          </p:cNvSpPr>
+          <p:nvPr>
+            <p:ph type="body" idx="1"/>
+          </p:nvPr>
+        </p:nvSpPr>
+        <p:spPr/>
+        <p:txBody>
+          <a:bodyPr/>
+          <a:lstStyle/>
+          <a:p>
+            <a:endParaRPr lang="tr-TR" dirty="0"/>
+          </a:p>
+        </p:txBody>
+      </p:sp>
+      <p:sp>
+        <p:nvSpPr>
+          <p:cNvPr id="4" name="Slide Number Placeholder 3"/>
+          <p:cNvSpPr>
+            <a:spLocks noGrp="1"/>
+          </p:cNvSpPr>
+          <p:nvPr>
+            <p:ph type="sldNum" sz="quarter" idx="5"/>
+          </p:nvPr>
+        </p:nvSpPr>
+        <p:spPr/>
+        <p:txBody>
+          <a:bodyPr/>
+          <a:lstStyle/>
+          <a:p>
+            <a:fld id="{344A4FEE-B134-42F3-BC71-245FBE6217C8}" type="slidenum">
+              <a:rPr lang="tr-TR" smtClean="0"/>
+              <a:t>22</a:t>
+            </a:fld>
+            <a:endParaRPr lang="tr-TR"/>
+          </a:p>
+        </p:txBody>
+      </p:sp>
+    </p:spTree>
+    <p:extLst>
+      <p:ext uri="{BB962C8B-B14F-4D97-AF65-F5344CB8AC3E}">
+        <p14:creationId xmlns:p14="http://schemas.microsoft.com/office/powerpoint/2010/main" val="2853874324"/>
+      </p:ext>
+    </p:extLst>
+  </p:cSld>
+  <p:clrMapOvr>
+    <a:masterClrMapping/>
+  </p:clrMapOvr>
+</p:notes>
+</file>
+
 <file path=ppt/notesSlides/notesSlide2.xml><?xml version="1.0" encoding="utf-8"?>
 <p:notes xmlns:a="http://schemas.openxmlformats.org/drawingml/2006/main" xmlns:r="http://schemas.openxmlformats.org/officeDocument/2006/relationships" xmlns:p="http://schemas.openxmlformats.org/presentationml/2006/main">
   <p:cSld>
@@ -4686,7 +4771,7 @@
           <a:p>
             <a:fld id="{0B27EE79-B449-44A2-B1EF-6094F2079680}" type="datetimeFigureOut">
               <a:rPr lang="tr-TR" smtClean="0"/>
-              <a:t>25.12.2021</a:t>
+              <a:t>26.12.2021</a:t>
             </a:fld>
             <a:endParaRPr lang="tr-TR"/>
           </a:p>
@@ -4886,7 +4971,7 @@
           <a:p>
             <a:fld id="{0B27EE79-B449-44A2-B1EF-6094F2079680}" type="datetimeFigureOut">
               <a:rPr lang="tr-TR" smtClean="0"/>
-              <a:t>25.12.2021</a:t>
+              <a:t>26.12.2021</a:t>
             </a:fld>
             <a:endParaRPr lang="tr-TR"/>
           </a:p>
@@ -5096,7 +5181,7 @@
           <a:p>
             <a:fld id="{0B27EE79-B449-44A2-B1EF-6094F2079680}" type="datetimeFigureOut">
               <a:rPr lang="tr-TR" smtClean="0"/>
-              <a:t>25.12.2021</a:t>
+              <a:t>26.12.2021</a:t>
             </a:fld>
             <a:endParaRPr lang="tr-TR"/>
           </a:p>
@@ -5296,7 +5381,7 @@
           <a:p>
             <a:fld id="{0B27EE79-B449-44A2-B1EF-6094F2079680}" type="datetimeFigureOut">
               <a:rPr lang="tr-TR" smtClean="0"/>
-              <a:t>25.12.2021</a:t>
+              <a:t>26.12.2021</a:t>
             </a:fld>
             <a:endParaRPr lang="tr-TR"/>
           </a:p>
@@ -5572,7 +5657,7 @@
           <a:p>
             <a:fld id="{0B27EE79-B449-44A2-B1EF-6094F2079680}" type="datetimeFigureOut">
               <a:rPr lang="tr-TR" smtClean="0"/>
-              <a:t>25.12.2021</a:t>
+              <a:t>26.12.2021</a:t>
             </a:fld>
             <a:endParaRPr lang="tr-TR"/>
           </a:p>
@@ -5840,7 +5925,7 @@
           <a:p>
             <a:fld id="{0B27EE79-B449-44A2-B1EF-6094F2079680}" type="datetimeFigureOut">
               <a:rPr lang="tr-TR" smtClean="0"/>
-              <a:t>25.12.2021</a:t>
+              <a:t>26.12.2021</a:t>
             </a:fld>
             <a:endParaRPr lang="tr-TR"/>
           </a:p>
@@ -6255,7 +6340,7 @@
           <a:p>
             <a:fld id="{0B27EE79-B449-44A2-B1EF-6094F2079680}" type="datetimeFigureOut">
               <a:rPr lang="tr-TR" smtClean="0"/>
-              <a:t>25.12.2021</a:t>
+              <a:t>26.12.2021</a:t>
             </a:fld>
             <a:endParaRPr lang="tr-TR"/>
           </a:p>
@@ -6397,7 +6482,7 @@
           <a:p>
             <a:fld id="{0B27EE79-B449-44A2-B1EF-6094F2079680}" type="datetimeFigureOut">
               <a:rPr lang="tr-TR" smtClean="0"/>
-              <a:t>25.12.2021</a:t>
+              <a:t>26.12.2021</a:t>
             </a:fld>
             <a:endParaRPr lang="tr-TR"/>
           </a:p>
@@ -6510,7 +6595,7 @@
           <a:p>
             <a:fld id="{0B27EE79-B449-44A2-B1EF-6094F2079680}" type="datetimeFigureOut">
               <a:rPr lang="tr-TR" smtClean="0"/>
-              <a:t>25.12.2021</a:t>
+              <a:t>26.12.2021</a:t>
             </a:fld>
             <a:endParaRPr lang="tr-TR"/>
           </a:p>
@@ -6823,7 +6908,7 @@
           <a:p>
             <a:fld id="{0B27EE79-B449-44A2-B1EF-6094F2079680}" type="datetimeFigureOut">
               <a:rPr lang="tr-TR" smtClean="0"/>
-              <a:t>25.12.2021</a:t>
+              <a:t>26.12.2021</a:t>
             </a:fld>
             <a:endParaRPr lang="tr-TR"/>
           </a:p>
@@ -7112,7 +7197,7 @@
           <a:p>
             <a:fld id="{0B27EE79-B449-44A2-B1EF-6094F2079680}" type="datetimeFigureOut">
               <a:rPr lang="tr-TR" smtClean="0"/>
-              <a:t>25.12.2021</a:t>
+              <a:t>26.12.2021</a:t>
             </a:fld>
             <a:endParaRPr lang="tr-TR"/>
           </a:p>
@@ -7355,7 +7440,7 @@
           <a:p>
             <a:fld id="{0B27EE79-B449-44A2-B1EF-6094F2079680}" type="datetimeFigureOut">
               <a:rPr lang="tr-TR" smtClean="0"/>
-              <a:t>25.12.2021</a:t>
+              <a:t>26.12.2021</a:t>
             </a:fld>
             <a:endParaRPr lang="tr-TR"/>
           </a:p>
@@ -16760,7 +16845,7 @@
         </p:blipFill>
         <p:spPr bwMode="auto">
           <a:xfrm>
-            <a:off x="1165989" y="2685782"/>
+            <a:off x="1165989" y="2277565"/>
             <a:ext cx="1406585" cy="1406585"/>
           </a:xfrm>
           <a:prstGeom prst="rect">
@@ -16807,7 +16892,7 @@
         </p:blipFill>
         <p:spPr bwMode="auto">
           <a:xfrm>
-            <a:off x="3450516" y="2657150"/>
+            <a:off x="3450516" y="2248933"/>
             <a:ext cx="1406585" cy="1406585"/>
           </a:xfrm>
           <a:prstGeom prst="rect">
@@ -16839,7 +16924,7 @@
         </p:nvSpPr>
         <p:spPr>
           <a:xfrm>
-            <a:off x="1306642" y="4014718"/>
+            <a:off x="1306642" y="3606501"/>
             <a:ext cx="1185387" cy="707886"/>
           </a:xfrm>
           <a:prstGeom prst="rect">
@@ -16880,7 +16965,7 @@
         </p:nvSpPr>
         <p:spPr>
           <a:xfrm>
-            <a:off x="2809064" y="3953181"/>
+            <a:off x="2809064" y="3544964"/>
             <a:ext cx="2889808" cy="707886"/>
           </a:xfrm>
           <a:prstGeom prst="rect">
@@ -16923,7 +17008,7 @@
         </p:nvSpPr>
         <p:spPr>
           <a:xfrm>
-            <a:off x="2084274" y="2082828"/>
+            <a:off x="2084274" y="1674611"/>
             <a:ext cx="1946908" cy="461665"/>
           </a:xfrm>
           <a:prstGeom prst="rect">
@@ -16972,7 +17057,7 @@
         </p:blipFill>
         <p:spPr>
           <a:xfrm rot="12106635">
-            <a:off x="5726724" y="2902063"/>
+            <a:off x="5726724" y="2493846"/>
             <a:ext cx="1087014" cy="1134901"/>
           </a:xfrm>
           <a:prstGeom prst="rect">
@@ -16994,7 +17079,7 @@
         </p:nvSpPr>
         <p:spPr>
           <a:xfrm>
-            <a:off x="7911155" y="2789246"/>
+            <a:off x="7911155" y="2381029"/>
             <a:ext cx="2187640" cy="923330"/>
           </a:xfrm>
           <a:prstGeom prst="rect">
@@ -17040,8 +17125,8 @@
         </p:nvSpPr>
         <p:spPr>
           <a:xfrm>
-            <a:off x="2758599" y="105520"/>
-            <a:ext cx="6094412" cy="1093887"/>
+            <a:off x="163286" y="105520"/>
+            <a:ext cx="11805557" cy="1093887"/>
           </a:xfrm>
           <a:prstGeom prst="roundRect">
             <a:avLst/>
@@ -17079,7 +17164,7 @@
                   <a:schemeClr val="tx1"/>
                 </a:solidFill>
               </a:rPr>
-              <a:t>Tangible Factors Analysis</a:t>
+              <a:t>Material Factors Analysis</a:t>
             </a:r>
             <a:endParaRPr lang="tr-TR" sz="3000" dirty="0"/>
           </a:p>
@@ -17099,7 +17184,7 @@
         </p:nvSpPr>
         <p:spPr>
           <a:xfrm>
-            <a:off x="4629307" y="2057707"/>
+            <a:off x="4629307" y="1649490"/>
             <a:ext cx="3241064" cy="769441"/>
           </a:xfrm>
           <a:prstGeom prst="rect">
@@ -17135,7 +17220,7 @@
         </p:nvSpPr>
         <p:spPr>
           <a:xfrm>
-            <a:off x="8023257" y="4047569"/>
+            <a:off x="8023257" y="3639352"/>
             <a:ext cx="2075538" cy="646331"/>
           </a:xfrm>
           <a:prstGeom prst="rect">
@@ -17175,7 +17260,7 @@
         </p:nvSpPr>
         <p:spPr>
           <a:xfrm>
-            <a:off x="7911155" y="5615897"/>
+            <a:off x="7911155" y="5207680"/>
             <a:ext cx="2563585" cy="923330"/>
           </a:xfrm>
           <a:prstGeom prst="rect">
@@ -17214,7 +17299,7 @@
         </p:nvSpPr>
         <p:spPr>
           <a:xfrm rot="5400000">
-            <a:off x="8596281" y="4921221"/>
+            <a:off x="8596281" y="4513004"/>
             <a:ext cx="861053" cy="528298"/>
           </a:xfrm>
           <a:prstGeom prst="stripedRightArrow">
@@ -17260,7 +17345,7 @@
         </p:nvSpPr>
         <p:spPr>
           <a:xfrm>
-            <a:off x="1006908" y="4774972"/>
+            <a:off x="1006908" y="4366755"/>
             <a:ext cx="1712083" cy="646331"/>
           </a:xfrm>
           <a:prstGeom prst="rect">
@@ -17307,7 +17392,7 @@
         </p:nvSpPr>
         <p:spPr>
           <a:xfrm>
-            <a:off x="3038414" y="4754843"/>
+            <a:off x="3038414" y="4346626"/>
             <a:ext cx="2563585" cy="1200329"/>
           </a:xfrm>
           <a:prstGeom prst="rect">
@@ -17368,7 +17453,7 @@
         </p:nvSpPr>
         <p:spPr>
           <a:xfrm>
-            <a:off x="3658292" y="5955172"/>
+            <a:off x="3658292" y="5546955"/>
             <a:ext cx="1191352" cy="369332"/>
           </a:xfrm>
           <a:prstGeom prst="rect">
@@ -17407,7 +17492,7 @@
         </p:nvSpPr>
         <p:spPr>
           <a:xfrm>
-            <a:off x="1233973" y="5441013"/>
+            <a:off x="1233973" y="5032796"/>
             <a:ext cx="1191352" cy="369332"/>
           </a:xfrm>
           <a:prstGeom prst="rect">
@@ -17483,7 +17568,7 @@
         </p:nvGrpSpPr>
         <p:grpSpPr>
           <a:xfrm>
-            <a:off x="776168" y="1719934"/>
+            <a:off x="841481" y="2160805"/>
             <a:ext cx="979865" cy="1306635"/>
             <a:chOff x="4736649" y="5139505"/>
             <a:chExt cx="979865" cy="1306635"/>
@@ -17592,10 +17677,10 @@
         </p:nvGrpSpPr>
         <p:grpSpPr>
           <a:xfrm>
-            <a:off x="1652993" y="1691215"/>
-            <a:ext cx="797020" cy="1293417"/>
+            <a:off x="1718306" y="2132086"/>
+            <a:ext cx="969118" cy="1508861"/>
             <a:chOff x="5613474" y="5110786"/>
-            <a:chExt cx="797020" cy="1293417"/>
+            <a:chExt cx="969118" cy="1508861"/>
           </a:xfrm>
         </p:grpSpPr>
         <p:sp>
@@ -17613,7 +17698,7 @@
           <p:spPr>
             <a:xfrm>
               <a:off x="5626305" y="5880983"/>
-              <a:ext cx="784189" cy="523220"/>
+              <a:ext cx="956287" cy="738664"/>
             </a:xfrm>
             <a:prstGeom prst="rect">
               <a:avLst/>
@@ -17625,6 +17710,12 @@
               <a:spAutoFit/>
             </a:bodyPr>
             <a:lstStyle/>
+            <a:p>
+              <a:r>
+                <a:rPr lang="tr-TR" sz="1400" b="1" dirty="0"/>
+                <a:t>Reports of</a:t>
+              </a:r>
+            </a:p>
             <a:p>
               <a:r>
                 <a:rPr lang="tr-TR" sz="1400" b="1" dirty="0"/>
@@ -17701,7 +17792,7 @@
         </p:nvGrpSpPr>
         <p:grpSpPr>
           <a:xfrm>
-            <a:off x="792396" y="3586917"/>
+            <a:off x="857709" y="4027788"/>
             <a:ext cx="852541" cy="1054203"/>
             <a:chOff x="6397125" y="5139505"/>
             <a:chExt cx="852541" cy="1054203"/>
@@ -17804,8 +17895,8 @@
         </p:nvSpPr>
         <p:spPr>
           <a:xfrm>
-            <a:off x="123565" y="12974"/>
-            <a:ext cx="11608912" cy="758490"/>
+            <a:off x="43982" y="61961"/>
+            <a:ext cx="12077040" cy="758490"/>
           </a:xfrm>
           <a:prstGeom prst="roundRect">
             <a:avLst/>
@@ -17843,7 +17934,7 @@
                   <a:schemeClr val="tx1"/>
                 </a:solidFill>
               </a:rPr>
-              <a:t>Intangible Factors Analysis</a:t>
+              <a:t>Non-material Factors Analysis</a:t>
             </a:r>
           </a:p>
         </p:txBody>
@@ -17862,10 +17953,10 @@
         </p:nvGrpSpPr>
         <p:grpSpPr>
           <a:xfrm>
-            <a:off x="1655995" y="3586918"/>
-            <a:ext cx="1062920" cy="1485090"/>
+            <a:off x="1721308" y="4027789"/>
+            <a:ext cx="803554" cy="1054203"/>
             <a:chOff x="6397125" y="5139505"/>
-            <a:chExt cx="1062920" cy="1485090"/>
+            <a:chExt cx="803554" cy="1054203"/>
           </a:xfrm>
         </p:grpSpPr>
         <p:sp>
@@ -17883,7 +17974,7 @@
           <p:spPr>
             <a:xfrm>
               <a:off x="6397125" y="5885931"/>
-              <a:ext cx="1062920" cy="738664"/>
+              <a:ext cx="699230" cy="307777"/>
             </a:xfrm>
             <a:prstGeom prst="rect">
               <a:avLst/>
@@ -17898,19 +17989,7 @@
             <a:p>
               <a:r>
                 <a:rPr lang="tr-TR" sz="1400" b="1" dirty="0"/>
-                <a:t>Other texts </a:t>
-              </a:r>
-            </a:p>
-            <a:p>
-              <a:r>
-                <a:rPr lang="tr-TR" sz="1400" b="1" dirty="0"/>
-                <a:t>or</a:t>
-              </a:r>
-            </a:p>
-            <a:p>
-              <a:r>
-                <a:rPr lang="tr-TR" sz="1400" b="1" dirty="0"/>
-                <a:t>audios</a:t>
+                <a:t>Audios</a:t>
               </a:r>
             </a:p>
           </p:txBody>
@@ -17963,53 +18042,6 @@
           </p:spPr>
         </p:pic>
       </p:grpSp>
-      <p:pic>
-        <p:nvPicPr>
-          <p:cNvPr id="19" name="Picture 12" descr="Defining Communities with ESRI&amp;#39;s Grouping Analysis Tool | Azavea">
-            <a:extLst>
-              <a:ext uri="{FF2B5EF4-FFF2-40B4-BE49-F238E27FC236}">
-                <a16:creationId xmlns:a16="http://schemas.microsoft.com/office/drawing/2014/main" id="{C366A093-FE9B-4497-B86B-0FEE89DD91E7}"/>
-              </a:ext>
-            </a:extLst>
-          </p:cNvPr>
-          <p:cNvPicPr>
-            <a:picLocks noChangeAspect="1" noChangeArrowheads="1"/>
-          </p:cNvPicPr>
-          <p:nvPr/>
-        </p:nvPicPr>
-        <p:blipFill>
-          <a:blip r:embed="rId4">
-            <a:extLst>
-              <a:ext uri="{28A0092B-C50C-407E-A947-70E740481C1C}">
-                <a14:useLocalDpi xmlns:a14="http://schemas.microsoft.com/office/drawing/2010/main" val="0"/>
-              </a:ext>
-            </a:extLst>
-          </a:blip>
-          <a:srcRect/>
-          <a:stretch>
-            <a:fillRect/>
-          </a:stretch>
-        </p:blipFill>
-        <p:spPr bwMode="auto">
-          <a:xfrm>
-            <a:off x="3145122" y="1442613"/>
-            <a:ext cx="4099854" cy="2226997"/>
-          </a:xfrm>
-          <a:prstGeom prst="rect">
-            <a:avLst/>
-          </a:prstGeom>
-          <a:noFill/>
-          <a:extLst>
-            <a:ext uri="{909E8E84-426E-40DD-AFC4-6F175D3DCCD1}">
-              <a14:hiddenFill xmlns:a14="http://schemas.microsoft.com/office/drawing/2010/main">
-                <a:solidFill>
-                  <a:srgbClr val="FFFFFF"/>
-                </a:solidFill>
-              </a14:hiddenFill>
-            </a:ext>
-          </a:extLst>
-        </p:spPr>
-      </p:pic>
       <p:sp>
         <p:nvSpPr>
           <p:cNvPr id="20" name="TextBox 19">
@@ -18024,7 +18056,7 @@
         </p:nvSpPr>
         <p:spPr>
           <a:xfrm>
-            <a:off x="4174805" y="900167"/>
+            <a:off x="4174809" y="867509"/>
             <a:ext cx="2593915" cy="769441"/>
           </a:xfrm>
           <a:prstGeom prst="rect">
@@ -18055,6 +18087,7 @@
               <a:rPr lang="tr-TR" dirty="0"/>
               <a:t>Grouping of Objects</a:t>
             </a:r>
+            <a:endParaRPr lang="tr-TR" sz="1200" dirty="0"/>
           </a:p>
         </p:txBody>
       </p:sp>
@@ -18072,8 +18105,8 @@
         </p:nvSpPr>
         <p:spPr>
           <a:xfrm>
-            <a:off x="248914" y="880907"/>
-            <a:ext cx="2481257" cy="769441"/>
+            <a:off x="1244486" y="836861"/>
+            <a:ext cx="1566454" cy="1107996"/>
           </a:xfrm>
           <a:prstGeom prst="rect">
             <a:avLst/>
@@ -18096,7 +18129,14 @@
             <a:pPr algn="ctr"/>
             <a:r>
               <a:rPr lang="tr-TR" sz="2200" b="1" dirty="0"/>
-              <a:t>Raw Texts &amp; Audios</a:t>
+              <a:t>Raw Texts </a:t>
+            </a:r>
+          </a:p>
+          <a:p>
+            <a:pPr algn="ctr"/>
+            <a:r>
+              <a:rPr lang="tr-TR" sz="2200" b="1" dirty="0"/>
+              <a:t>&amp; Audios</a:t>
             </a:r>
           </a:p>
         </p:txBody>
@@ -18115,8 +18155,8 @@
         </p:nvSpPr>
         <p:spPr>
           <a:xfrm>
-            <a:off x="8629896" y="963087"/>
-            <a:ext cx="3102581" cy="430887"/>
+            <a:off x="8710852" y="6369439"/>
+            <a:ext cx="2566087" cy="369332"/>
           </a:xfrm>
           <a:prstGeom prst="rect">
             <a:avLst/>
@@ -18124,15 +18164,15 @@
           <a:noFill/>
         </p:spPr>
         <p:txBody>
-          <a:bodyPr wrap="none" rtlCol="0">
+          <a:bodyPr wrap="square">
             <a:spAutoFit/>
           </a:bodyPr>
           <a:lstStyle>
             <a:defPPr>
               <a:defRPr lang="tr-TR"/>
             </a:defPPr>
-            <a:lvl1pPr algn="ctr">
-              <a:defRPr sz="2200" b="1"/>
+            <a:lvl1pPr>
+              <a:defRPr b="1"/>
             </a:lvl1pPr>
           </a:lstStyle>
           <a:p>
@@ -18157,7 +18197,7 @@
         </p:nvGrpSpPr>
         <p:grpSpPr>
           <a:xfrm>
-            <a:off x="9419917" y="4987820"/>
+            <a:off x="13335668" y="828200"/>
             <a:ext cx="2358979" cy="1293417"/>
             <a:chOff x="4830185" y="5110786"/>
             <a:chExt cx="2358979" cy="1293417"/>
@@ -18254,78 +18294,6 @@
           </p:spPr>
         </p:pic>
       </p:grpSp>
-      <p:pic>
-        <p:nvPicPr>
-          <p:cNvPr id="14" name="Picture 13" descr="Icon, arrow&#10;&#10;Description automatically generated">
-            <a:extLst>
-              <a:ext uri="{FF2B5EF4-FFF2-40B4-BE49-F238E27FC236}">
-                <a16:creationId xmlns:a16="http://schemas.microsoft.com/office/drawing/2014/main" id="{09E00006-0FCE-441E-84F1-9A3FC2928FE5}"/>
-              </a:ext>
-            </a:extLst>
-          </p:cNvPr>
-          <p:cNvPicPr>
-            <a:picLocks noChangeAspect="1"/>
-          </p:cNvPicPr>
-          <p:nvPr/>
-        </p:nvPicPr>
-        <p:blipFill>
-          <a:blip r:embed="rId5">
-            <a:extLst>
-              <a:ext uri="{28A0092B-C50C-407E-A947-70E740481C1C}">
-                <a14:useLocalDpi xmlns:a14="http://schemas.microsoft.com/office/drawing/2010/main" val="0"/>
-              </a:ext>
-            </a:extLst>
-          </a:blip>
-          <a:stretch>
-            <a:fillRect/>
-          </a:stretch>
-        </p:blipFill>
-        <p:spPr>
-          <a:xfrm rot="13169111">
-            <a:off x="2572764" y="1556084"/>
-            <a:ext cx="837933" cy="773735"/>
-          </a:xfrm>
-          <a:prstGeom prst="rect">
-            <a:avLst/>
-          </a:prstGeom>
-        </p:spPr>
-      </p:pic>
-      <p:pic>
-        <p:nvPicPr>
-          <p:cNvPr id="18" name="Picture 17" descr="Icon, arrow&#10;&#10;Description automatically generated">
-            <a:extLst>
-              <a:ext uri="{FF2B5EF4-FFF2-40B4-BE49-F238E27FC236}">
-                <a16:creationId xmlns:a16="http://schemas.microsoft.com/office/drawing/2014/main" id="{A0F5A35A-4F71-4D36-950E-D8AEC2EE0ED1}"/>
-              </a:ext>
-            </a:extLst>
-          </p:cNvPr>
-          <p:cNvPicPr>
-            <a:picLocks noChangeAspect="1"/>
-          </p:cNvPicPr>
-          <p:nvPr/>
-        </p:nvPicPr>
-        <p:blipFill>
-          <a:blip r:embed="rId5">
-            <a:extLst>
-              <a:ext uri="{28A0092B-C50C-407E-A947-70E740481C1C}">
-                <a14:useLocalDpi xmlns:a14="http://schemas.microsoft.com/office/drawing/2010/main" val="0"/>
-              </a:ext>
-            </a:extLst>
-          </a:blip>
-          <a:stretch>
-            <a:fillRect/>
-          </a:stretch>
-        </p:blipFill>
-        <p:spPr>
-          <a:xfrm rot="11875284">
-            <a:off x="2644157" y="3479175"/>
-            <a:ext cx="837933" cy="773735"/>
-          </a:xfrm>
-          <a:prstGeom prst="rect">
-            <a:avLst/>
-          </a:prstGeom>
-        </p:spPr>
-      </p:pic>
       <p:cxnSp>
         <p:nvCxnSpPr>
           <p:cNvPr id="34" name="Straight Connector 33">
@@ -18380,8 +18348,8 @@
         </p:nvCxnSpPr>
         <p:spPr>
           <a:xfrm flipH="1">
-            <a:off x="2868920" y="1116385"/>
-            <a:ext cx="38319" cy="5741615"/>
+            <a:off x="2675048" y="861517"/>
+            <a:ext cx="39963" cy="5967180"/>
           </a:xfrm>
           <a:prstGeom prst="line">
             <a:avLst/>
@@ -18404,10 +18372,10 @@
       </p:cxnSp>
       <p:grpSp>
         <p:nvGrpSpPr>
-          <p:cNvPr id="46" name="Group 45">
+          <p:cNvPr id="2050" name="Group 2049">
             <a:extLst>
               <a:ext uri="{FF2B5EF4-FFF2-40B4-BE49-F238E27FC236}">
-                <a16:creationId xmlns:a16="http://schemas.microsoft.com/office/drawing/2014/main" id="{308352CB-FE4E-4A52-A325-01E628CFBF45}"/>
+                <a16:creationId xmlns:a16="http://schemas.microsoft.com/office/drawing/2014/main" id="{02066B71-92AF-4D18-A0DF-493C2E187622}"/>
               </a:ext>
             </a:extLst>
           </p:cNvPr>
@@ -18416,10 +18384,874 @@
         </p:nvGrpSpPr>
         <p:grpSpPr>
           <a:xfrm>
-            <a:off x="3349641" y="4408318"/>
-            <a:ext cx="4047908" cy="1925975"/>
-            <a:chOff x="3055729" y="3934787"/>
-            <a:chExt cx="4047908" cy="1925975"/>
+            <a:off x="8146737" y="2204555"/>
+            <a:ext cx="3982564" cy="2804590"/>
+            <a:chOff x="8146737" y="2204555"/>
+            <a:chExt cx="3982564" cy="2804590"/>
+          </a:xfrm>
+        </p:grpSpPr>
+        <p:pic>
+          <p:nvPicPr>
+            <p:cNvPr id="2052" name="Picture 4" descr="Schematic model of the deep learning algorithm in endoscopy. | Download  Scientific Diagram">
+              <a:extLst>
+                <a:ext uri="{FF2B5EF4-FFF2-40B4-BE49-F238E27FC236}">
+                  <a16:creationId xmlns:a16="http://schemas.microsoft.com/office/drawing/2014/main" id="{3DC42CB4-DCCB-439A-A33C-634A350FAA0C}"/>
+                </a:ext>
+              </a:extLst>
+            </p:cNvPr>
+            <p:cNvPicPr>
+              <a:picLocks noChangeAspect="1" noChangeArrowheads="1"/>
+            </p:cNvPicPr>
+            <p:nvPr/>
+          </p:nvPicPr>
+          <p:blipFill rotWithShape="1">
+            <a:blip r:embed="rId4">
+              <a:extLst>
+                <a:ext uri="{28A0092B-C50C-407E-A947-70E740481C1C}">
+                  <a14:useLocalDpi xmlns:a14="http://schemas.microsoft.com/office/drawing/2010/main" val="0"/>
+                </a:ext>
+              </a:extLst>
+            </a:blip>
+            <a:srcRect l="20150" r="19926" b="8218"/>
+            <a:stretch/>
+          </p:blipFill>
+          <p:spPr bwMode="auto">
+            <a:xfrm>
+              <a:off x="8146737" y="2204555"/>
+              <a:ext cx="3063897" cy="2804590"/>
+            </a:xfrm>
+            <a:prstGeom prst="rect">
+              <a:avLst/>
+            </a:prstGeom>
+            <a:noFill/>
+            <a:extLst>
+              <a:ext uri="{909E8E84-426E-40DD-AFC4-6F175D3DCCD1}">
+                <a14:hiddenFill xmlns:a14="http://schemas.microsoft.com/office/drawing/2010/main">
+                  <a:solidFill>
+                    <a:srgbClr val="FFFFFF"/>
+                  </a:solidFill>
+                </a14:hiddenFill>
+              </a:ext>
+            </a:extLst>
+          </p:spPr>
+        </p:pic>
+        <p:sp>
+          <p:nvSpPr>
+            <p:cNvPr id="47" name="TextBox 46">
+              <a:extLst>
+                <a:ext uri="{FF2B5EF4-FFF2-40B4-BE49-F238E27FC236}">
+                  <a16:creationId xmlns:a16="http://schemas.microsoft.com/office/drawing/2014/main" id="{50EEF9F5-C1DC-463C-BF96-9241B6E6A00C}"/>
+                </a:ext>
+              </a:extLst>
+            </p:cNvPr>
+            <p:cNvSpPr txBox="1"/>
+            <p:nvPr/>
+          </p:nvSpPr>
+          <p:spPr>
+            <a:xfrm>
+              <a:off x="11001813" y="3379218"/>
+              <a:ext cx="1127488" cy="717504"/>
+            </a:xfrm>
+            <a:prstGeom prst="rect">
+              <a:avLst/>
+            </a:prstGeom>
+            <a:noFill/>
+          </p:spPr>
+          <p:txBody>
+            <a:bodyPr wrap="none" rtlCol="0">
+              <a:spAutoFit/>
+            </a:bodyPr>
+            <a:lstStyle/>
+            <a:p>
+              <a:pPr>
+                <a:lnSpc>
+                  <a:spcPts val="1600"/>
+                </a:lnSpc>
+              </a:pPr>
+              <a:r>
+                <a:rPr lang="tr-TR" b="1" dirty="0"/>
+                <a:t>Exists</a:t>
+              </a:r>
+            </a:p>
+            <a:p>
+              <a:pPr>
+                <a:lnSpc>
+                  <a:spcPts val="1600"/>
+                </a:lnSpc>
+              </a:pPr>
+              <a:endParaRPr lang="tr-TR" b="1" dirty="0"/>
+            </a:p>
+            <a:p>
+              <a:pPr>
+                <a:lnSpc>
+                  <a:spcPts val="1600"/>
+                </a:lnSpc>
+              </a:pPr>
+              <a:r>
+                <a:rPr lang="tr-TR" b="1" dirty="0"/>
+                <a:t>Not exists</a:t>
+              </a:r>
+            </a:p>
+          </p:txBody>
+        </p:sp>
+      </p:grpSp>
+      <p:sp>
+        <p:nvSpPr>
+          <p:cNvPr id="53" name="TextBox 52">
+            <a:extLst>
+              <a:ext uri="{FF2B5EF4-FFF2-40B4-BE49-F238E27FC236}">
+                <a16:creationId xmlns:a16="http://schemas.microsoft.com/office/drawing/2014/main" id="{40F02CF0-789F-426D-9F10-CA291781A3EB}"/>
+              </a:ext>
+            </a:extLst>
+          </p:cNvPr>
+          <p:cNvSpPr txBox="1"/>
+          <p:nvPr/>
+        </p:nvSpPr>
+        <p:spPr>
+          <a:xfrm>
+            <a:off x="7901825" y="861517"/>
+            <a:ext cx="4219197" cy="646331"/>
+          </a:xfrm>
+          <a:prstGeom prst="rect">
+            <a:avLst/>
+          </a:prstGeom>
+          <a:noFill/>
+        </p:spPr>
+        <p:txBody>
+          <a:bodyPr wrap="square">
+            <a:spAutoFit/>
+          </a:bodyPr>
+          <a:lstStyle/>
+          <a:p>
+            <a:pPr algn="ctr"/>
+            <a:r>
+              <a:rPr lang="tr-TR" b="1" dirty="0"/>
+              <a:t>Building of a knowledge graph to link the variables</a:t>
+            </a:r>
+          </a:p>
+        </p:txBody>
+      </p:sp>
+      <p:cxnSp>
+        <p:nvCxnSpPr>
+          <p:cNvPr id="3" name="Straight Connector 2">
+            <a:extLst>
+              <a:ext uri="{FF2B5EF4-FFF2-40B4-BE49-F238E27FC236}">
+                <a16:creationId xmlns:a16="http://schemas.microsoft.com/office/drawing/2014/main" id="{95D3A8A1-2436-4B4E-B804-748326551EB3}"/>
+              </a:ext>
+            </a:extLst>
+          </p:cNvPr>
+          <p:cNvCxnSpPr/>
+          <p:nvPr/>
+        </p:nvCxnSpPr>
+        <p:spPr>
+          <a:xfrm>
+            <a:off x="0" y="6253840"/>
+            <a:ext cx="12192000" cy="0"/>
+          </a:xfrm>
+          <a:prstGeom prst="line">
+            <a:avLst/>
+          </a:prstGeom>
+        </p:spPr>
+        <p:style>
+          <a:lnRef idx="1">
+            <a:schemeClr val="accent1"/>
+          </a:lnRef>
+          <a:fillRef idx="0">
+            <a:schemeClr val="accent1"/>
+          </a:fillRef>
+          <a:effectRef idx="0">
+            <a:schemeClr val="accent1"/>
+          </a:effectRef>
+          <a:fontRef idx="minor">
+            <a:schemeClr val="tx1"/>
+          </a:fontRef>
+        </p:style>
+      </p:cxnSp>
+      <p:sp>
+        <p:nvSpPr>
+          <p:cNvPr id="44" name="TextBox 43">
+            <a:extLst>
+              <a:ext uri="{FF2B5EF4-FFF2-40B4-BE49-F238E27FC236}">
+                <a16:creationId xmlns:a16="http://schemas.microsoft.com/office/drawing/2014/main" id="{64085BFA-7CDE-4452-BE8D-F547E86FBD5F}"/>
+              </a:ext>
+            </a:extLst>
+          </p:cNvPr>
+          <p:cNvSpPr txBox="1"/>
+          <p:nvPr/>
+        </p:nvSpPr>
+        <p:spPr>
+          <a:xfrm>
+            <a:off x="20592" y="6189999"/>
+            <a:ext cx="1454372" cy="769441"/>
+          </a:xfrm>
+          <a:prstGeom prst="rect">
+            <a:avLst/>
+          </a:prstGeom>
+          <a:noFill/>
+        </p:spPr>
+        <p:txBody>
+          <a:bodyPr wrap="none" rtlCol="0">
+            <a:spAutoFit/>
+          </a:bodyPr>
+          <a:lstStyle/>
+          <a:p>
+            <a:r>
+              <a:rPr lang="tr-TR" sz="2200" b="1" dirty="0"/>
+              <a:t>Tools to be</a:t>
+            </a:r>
+          </a:p>
+          <a:p>
+            <a:r>
+              <a:rPr lang="tr-TR" sz="2200" b="1" dirty="0"/>
+              <a:t>used</a:t>
+            </a:r>
+          </a:p>
+        </p:txBody>
+      </p:sp>
+      <p:grpSp>
+        <p:nvGrpSpPr>
+          <p:cNvPr id="2055" name="Group 2054">
+            <a:extLst>
+              <a:ext uri="{FF2B5EF4-FFF2-40B4-BE49-F238E27FC236}">
+                <a16:creationId xmlns:a16="http://schemas.microsoft.com/office/drawing/2014/main" id="{6D5F7DFB-6F3E-4351-BD18-D7B4EECB99E2}"/>
+              </a:ext>
+            </a:extLst>
+          </p:cNvPr>
+          <p:cNvGrpSpPr/>
+          <p:nvPr/>
+        </p:nvGrpSpPr>
+        <p:grpSpPr>
+          <a:xfrm>
+            <a:off x="3145122" y="1589574"/>
+            <a:ext cx="4099854" cy="2226997"/>
+            <a:chOff x="3145122" y="1442613"/>
+            <a:chExt cx="4099854" cy="2226997"/>
+          </a:xfrm>
+        </p:grpSpPr>
+        <p:pic>
+          <p:nvPicPr>
+            <p:cNvPr id="19" name="Picture 12" descr="Defining Communities with ESRI&amp;#39;s Grouping Analysis Tool | Azavea">
+              <a:extLst>
+                <a:ext uri="{FF2B5EF4-FFF2-40B4-BE49-F238E27FC236}">
+                  <a16:creationId xmlns:a16="http://schemas.microsoft.com/office/drawing/2014/main" id="{C366A093-FE9B-4497-B86B-0FEE89DD91E7}"/>
+                </a:ext>
+              </a:extLst>
+            </p:cNvPr>
+            <p:cNvPicPr>
+              <a:picLocks noChangeAspect="1" noChangeArrowheads="1"/>
+            </p:cNvPicPr>
+            <p:nvPr/>
+          </p:nvPicPr>
+          <p:blipFill>
+            <a:blip r:embed="rId5">
+              <a:extLst>
+                <a:ext uri="{28A0092B-C50C-407E-A947-70E740481C1C}">
+                  <a14:useLocalDpi xmlns:a14="http://schemas.microsoft.com/office/drawing/2010/main" val="0"/>
+                </a:ext>
+              </a:extLst>
+            </a:blip>
+            <a:srcRect/>
+            <a:stretch>
+              <a:fillRect/>
+            </a:stretch>
+          </p:blipFill>
+          <p:spPr bwMode="auto">
+            <a:xfrm>
+              <a:off x="3145122" y="1442613"/>
+              <a:ext cx="4099854" cy="2226997"/>
+            </a:xfrm>
+            <a:prstGeom prst="rect">
+              <a:avLst/>
+            </a:prstGeom>
+            <a:noFill/>
+            <a:extLst>
+              <a:ext uri="{909E8E84-426E-40DD-AFC4-6F175D3DCCD1}">
+                <a14:hiddenFill xmlns:a14="http://schemas.microsoft.com/office/drawing/2010/main">
+                  <a:solidFill>
+                    <a:srgbClr val="FFFFFF"/>
+                  </a:solidFill>
+                </a14:hiddenFill>
+              </a:ext>
+            </a:extLst>
+          </p:spPr>
+        </p:pic>
+        <p:sp>
+          <p:nvSpPr>
+            <p:cNvPr id="49" name="TextBox 48">
+              <a:extLst>
+                <a:ext uri="{FF2B5EF4-FFF2-40B4-BE49-F238E27FC236}">
+                  <a16:creationId xmlns:a16="http://schemas.microsoft.com/office/drawing/2014/main" id="{A81C22FD-64D5-4CC0-9ECA-6483C5FB7A80}"/>
+                </a:ext>
+              </a:extLst>
+            </p:cNvPr>
+            <p:cNvSpPr txBox="1"/>
+            <p:nvPr/>
+          </p:nvSpPr>
+          <p:spPr>
+            <a:xfrm>
+              <a:off x="5844081" y="2914543"/>
+              <a:ext cx="1188596" cy="369332"/>
+            </a:xfrm>
+            <a:prstGeom prst="rect">
+              <a:avLst/>
+            </a:prstGeom>
+            <a:solidFill>
+              <a:schemeClr val="bg1">
+                <a:lumMod val="95000"/>
+                <a:alpha val="72000"/>
+              </a:schemeClr>
+            </a:solidFill>
+            <a:ln>
+              <a:noFill/>
+            </a:ln>
+          </p:spPr>
+          <p:txBody>
+            <a:bodyPr wrap="square">
+              <a:spAutoFit/>
+            </a:bodyPr>
+            <a:lstStyle>
+              <a:defPPr>
+                <a:defRPr lang="tr-TR"/>
+              </a:defPPr>
+              <a:lvl1pPr>
+                <a:defRPr b="1"/>
+              </a:lvl1pPr>
+            </a:lstStyle>
+            <a:p>
+              <a:r>
+                <a:rPr lang="tr-TR" dirty="0"/>
+                <a:t>leadership</a:t>
+              </a:r>
+            </a:p>
+          </p:txBody>
+        </p:sp>
+        <p:sp>
+          <p:nvSpPr>
+            <p:cNvPr id="50" name="TextBox 49">
+              <a:extLst>
+                <a:ext uri="{FF2B5EF4-FFF2-40B4-BE49-F238E27FC236}">
+                  <a16:creationId xmlns:a16="http://schemas.microsoft.com/office/drawing/2014/main" id="{AC8709C2-EE2B-4D06-A5BB-EE2FA2A5E9CB}"/>
+                </a:ext>
+              </a:extLst>
+            </p:cNvPr>
+            <p:cNvSpPr txBox="1"/>
+            <p:nvPr/>
+          </p:nvSpPr>
+          <p:spPr>
+            <a:xfrm>
+              <a:off x="6142478" y="1598397"/>
+              <a:ext cx="907558" cy="369332"/>
+            </a:xfrm>
+            <a:prstGeom prst="rect">
+              <a:avLst/>
+            </a:prstGeom>
+            <a:solidFill>
+              <a:schemeClr val="bg1">
+                <a:lumMod val="95000"/>
+                <a:alpha val="72000"/>
+              </a:schemeClr>
+            </a:solidFill>
+            <a:ln>
+              <a:noFill/>
+            </a:ln>
+          </p:spPr>
+          <p:txBody>
+            <a:bodyPr wrap="square">
+              <a:spAutoFit/>
+            </a:bodyPr>
+            <a:lstStyle/>
+            <a:p>
+              <a:r>
+                <a:rPr lang="tr-TR" sz="1800" b="1" dirty="0"/>
+                <a:t>morale</a:t>
+              </a:r>
+              <a:endParaRPr lang="tr-TR" b="1" dirty="0"/>
+            </a:p>
+          </p:txBody>
+        </p:sp>
+        <p:sp>
+          <p:nvSpPr>
+            <p:cNvPr id="52" name="TextBox 51">
+              <a:extLst>
+                <a:ext uri="{FF2B5EF4-FFF2-40B4-BE49-F238E27FC236}">
+                  <a16:creationId xmlns:a16="http://schemas.microsoft.com/office/drawing/2014/main" id="{B0DC61FD-DF65-45D6-AD3E-FF6F49B331BA}"/>
+                </a:ext>
+              </a:extLst>
+            </p:cNvPr>
+            <p:cNvSpPr txBox="1"/>
+            <p:nvPr/>
+          </p:nvSpPr>
+          <p:spPr>
+            <a:xfrm>
+              <a:off x="5651224" y="2291770"/>
+              <a:ext cx="876825" cy="369332"/>
+            </a:xfrm>
+            <a:prstGeom prst="rect">
+              <a:avLst/>
+            </a:prstGeom>
+            <a:solidFill>
+              <a:schemeClr val="bg1">
+                <a:lumMod val="95000"/>
+                <a:alpha val="72000"/>
+              </a:schemeClr>
+            </a:solidFill>
+            <a:ln>
+              <a:noFill/>
+            </a:ln>
+          </p:spPr>
+          <p:txBody>
+            <a:bodyPr wrap="square">
+              <a:spAutoFit/>
+            </a:bodyPr>
+            <a:lstStyle>
+              <a:defPPr>
+                <a:defRPr lang="tr-TR"/>
+              </a:defPPr>
+              <a:lvl1pPr>
+                <a:defRPr b="1"/>
+              </a:lvl1pPr>
+            </a:lstStyle>
+            <a:p>
+              <a:r>
+                <a:rPr lang="tr-TR" dirty="0"/>
+                <a:t>others</a:t>
+              </a:r>
+            </a:p>
+          </p:txBody>
+        </p:sp>
+      </p:grpSp>
+      <p:sp>
+        <p:nvSpPr>
+          <p:cNvPr id="55" name="TextBox 54">
+            <a:extLst>
+              <a:ext uri="{FF2B5EF4-FFF2-40B4-BE49-F238E27FC236}">
+                <a16:creationId xmlns:a16="http://schemas.microsoft.com/office/drawing/2014/main" id="{3A7AA355-81C4-4A2A-9967-1F62B6A19EB7}"/>
+              </a:ext>
+            </a:extLst>
+          </p:cNvPr>
+          <p:cNvSpPr txBox="1"/>
+          <p:nvPr/>
+        </p:nvSpPr>
+        <p:spPr>
+          <a:xfrm>
+            <a:off x="3438045" y="6250550"/>
+            <a:ext cx="1979875" cy="646331"/>
+          </a:xfrm>
+          <a:prstGeom prst="rect">
+            <a:avLst/>
+          </a:prstGeom>
+          <a:noFill/>
+        </p:spPr>
+        <p:txBody>
+          <a:bodyPr wrap="square">
+            <a:spAutoFit/>
+          </a:bodyPr>
+          <a:lstStyle/>
+          <a:p>
+            <a:pPr algn="ctr"/>
+            <a:r>
+              <a:rPr lang="tr-TR" sz="1800" b="1" dirty="0"/>
+              <a:t>Natural Language</a:t>
+            </a:r>
+          </a:p>
+          <a:p>
+            <a:pPr algn="ctr"/>
+            <a:r>
+              <a:rPr lang="tr-TR" sz="1800" b="1" dirty="0"/>
+              <a:t>Processing</a:t>
+            </a:r>
+            <a:endParaRPr lang="tr-TR" b="1" dirty="0"/>
+          </a:p>
+        </p:txBody>
+      </p:sp>
+      <p:sp>
+        <p:nvSpPr>
+          <p:cNvPr id="56" name="TextBox 55">
+            <a:extLst>
+              <a:ext uri="{FF2B5EF4-FFF2-40B4-BE49-F238E27FC236}">
+                <a16:creationId xmlns:a16="http://schemas.microsoft.com/office/drawing/2014/main" id="{E18DE0CE-ED46-4B22-8794-D04B61834F84}"/>
+              </a:ext>
+            </a:extLst>
+          </p:cNvPr>
+          <p:cNvSpPr txBox="1"/>
+          <p:nvPr/>
+        </p:nvSpPr>
+        <p:spPr>
+          <a:xfrm>
+            <a:off x="5433256" y="6250879"/>
+            <a:ext cx="2307977" cy="646331"/>
+          </a:xfrm>
+          <a:prstGeom prst="rect">
+            <a:avLst/>
+          </a:prstGeom>
+          <a:noFill/>
+        </p:spPr>
+        <p:txBody>
+          <a:bodyPr wrap="square">
+            <a:spAutoFit/>
+          </a:bodyPr>
+          <a:lstStyle/>
+          <a:p>
+            <a:pPr algn="ctr"/>
+            <a:r>
+              <a:rPr lang="tr-TR" sz="1800" b="1" dirty="0"/>
+              <a:t>Machine Learning </a:t>
+            </a:r>
+          </a:p>
+          <a:p>
+            <a:pPr algn="ctr"/>
+            <a:r>
+              <a:rPr lang="tr-TR" b="1" dirty="0"/>
+              <a:t>Classification Problem</a:t>
+            </a:r>
+          </a:p>
+        </p:txBody>
+      </p:sp>
+      <p:sp>
+        <p:nvSpPr>
+          <p:cNvPr id="59" name="Arrow: Striped Right 58">
+            <a:extLst>
+              <a:ext uri="{FF2B5EF4-FFF2-40B4-BE49-F238E27FC236}">
+                <a16:creationId xmlns:a16="http://schemas.microsoft.com/office/drawing/2014/main" id="{17F7E309-42C1-4C1C-AE9C-5F4A222DCD91}"/>
+              </a:ext>
+            </a:extLst>
+          </p:cNvPr>
+          <p:cNvSpPr/>
+          <p:nvPr/>
+        </p:nvSpPr>
+        <p:spPr>
+          <a:xfrm>
+            <a:off x="2358470" y="3485670"/>
+            <a:ext cx="708942" cy="595497"/>
+          </a:xfrm>
+          <a:prstGeom prst="stripedRightArrow">
+            <a:avLst/>
+          </a:prstGeom>
+          <a:solidFill>
+            <a:srgbClr val="44E43C"/>
+          </a:solidFill>
+        </p:spPr>
+        <p:style>
+          <a:lnRef idx="2">
+            <a:schemeClr val="accent1">
+              <a:shade val="50000"/>
+            </a:schemeClr>
+          </a:lnRef>
+          <a:fillRef idx="1">
+            <a:schemeClr val="accent1"/>
+          </a:fillRef>
+          <a:effectRef idx="0">
+            <a:schemeClr val="accent1"/>
+          </a:effectRef>
+          <a:fontRef idx="minor">
+            <a:schemeClr val="lt1"/>
+          </a:fontRef>
+        </p:style>
+        <p:txBody>
+          <a:bodyPr rtlCol="0" anchor="ctr"/>
+          <a:lstStyle/>
+          <a:p>
+            <a:pPr algn="ctr"/>
+            <a:endParaRPr lang="tr-TR"/>
+          </a:p>
+        </p:txBody>
+      </p:sp>
+      <p:sp>
+        <p:nvSpPr>
+          <p:cNvPr id="60" name="Arrow: Striped Right 59">
+            <a:extLst>
+              <a:ext uri="{FF2B5EF4-FFF2-40B4-BE49-F238E27FC236}">
+                <a16:creationId xmlns:a16="http://schemas.microsoft.com/office/drawing/2014/main" id="{3B004C37-6FA5-4513-AD32-99F51ED234F5}"/>
+              </a:ext>
+            </a:extLst>
+          </p:cNvPr>
+          <p:cNvSpPr/>
+          <p:nvPr/>
+        </p:nvSpPr>
+        <p:spPr>
+          <a:xfrm>
+            <a:off x="7386762" y="3309102"/>
+            <a:ext cx="708942" cy="595497"/>
+          </a:xfrm>
+          <a:prstGeom prst="stripedRightArrow">
+            <a:avLst/>
+          </a:prstGeom>
+          <a:solidFill>
+            <a:srgbClr val="44E43C"/>
+          </a:solidFill>
+        </p:spPr>
+        <p:style>
+          <a:lnRef idx="2">
+            <a:schemeClr val="accent1">
+              <a:shade val="50000"/>
+            </a:schemeClr>
+          </a:lnRef>
+          <a:fillRef idx="1">
+            <a:schemeClr val="accent1"/>
+          </a:fillRef>
+          <a:effectRef idx="0">
+            <a:schemeClr val="accent1"/>
+          </a:effectRef>
+          <a:fontRef idx="minor">
+            <a:schemeClr val="lt1"/>
+          </a:fontRef>
+        </p:style>
+        <p:txBody>
+          <a:bodyPr rtlCol="0" anchor="ctr"/>
+          <a:lstStyle/>
+          <a:p>
+            <a:pPr algn="ctr"/>
+            <a:endParaRPr lang="tr-TR"/>
+          </a:p>
+        </p:txBody>
+      </p:sp>
+      <p:sp>
+        <p:nvSpPr>
+          <p:cNvPr id="61" name="Arrow: Striped Right 60">
+            <a:extLst>
+              <a:ext uri="{FF2B5EF4-FFF2-40B4-BE49-F238E27FC236}">
+                <a16:creationId xmlns:a16="http://schemas.microsoft.com/office/drawing/2014/main" id="{FB17AC16-94DE-4EFA-9E58-2E1BAEDBAEAD}"/>
+              </a:ext>
+            </a:extLst>
+          </p:cNvPr>
+          <p:cNvSpPr/>
+          <p:nvPr/>
+        </p:nvSpPr>
+        <p:spPr>
+          <a:xfrm rot="16200000">
+            <a:off x="12992483" y="2148022"/>
+            <a:ext cx="708942" cy="595497"/>
+          </a:xfrm>
+          <a:prstGeom prst="stripedRightArrow">
+            <a:avLst/>
+          </a:prstGeom>
+          <a:solidFill>
+            <a:srgbClr val="44E43C"/>
+          </a:solidFill>
+        </p:spPr>
+        <p:style>
+          <a:lnRef idx="2">
+            <a:schemeClr val="accent1">
+              <a:shade val="50000"/>
+            </a:schemeClr>
+          </a:lnRef>
+          <a:fillRef idx="1">
+            <a:schemeClr val="accent1"/>
+          </a:fillRef>
+          <a:effectRef idx="0">
+            <a:schemeClr val="accent1"/>
+          </a:effectRef>
+          <a:fontRef idx="minor">
+            <a:schemeClr val="lt1"/>
+          </a:fontRef>
+        </p:style>
+        <p:txBody>
+          <a:bodyPr rtlCol="0" anchor="ctr"/>
+          <a:lstStyle/>
+          <a:p>
+            <a:pPr algn="ctr"/>
+            <a:endParaRPr lang="tr-TR"/>
+          </a:p>
+        </p:txBody>
+      </p:sp>
+      <p:sp>
+        <p:nvSpPr>
+          <p:cNvPr id="71" name="TextBox 70">
+            <a:extLst>
+              <a:ext uri="{FF2B5EF4-FFF2-40B4-BE49-F238E27FC236}">
+                <a16:creationId xmlns:a16="http://schemas.microsoft.com/office/drawing/2014/main" id="{78DF5A99-1176-4A01-8EE0-68858F18C870}"/>
+              </a:ext>
+            </a:extLst>
+          </p:cNvPr>
+          <p:cNvSpPr txBox="1"/>
+          <p:nvPr/>
+        </p:nvSpPr>
+        <p:spPr>
+          <a:xfrm>
+            <a:off x="8111898" y="5041713"/>
+            <a:ext cx="3990347" cy="1200329"/>
+          </a:xfrm>
+          <a:prstGeom prst="rect">
+            <a:avLst/>
+          </a:prstGeom>
+          <a:noFill/>
+        </p:spPr>
+        <p:txBody>
+          <a:bodyPr wrap="square">
+            <a:spAutoFit/>
+          </a:bodyPr>
+          <a:lstStyle/>
+          <a:p>
+            <a:r>
+              <a:rPr lang="tr-TR" dirty="0"/>
+              <a:t>C</a:t>
+            </a:r>
+            <a:r>
+              <a:rPr lang="en-US" dirty="0" err="1"/>
+              <a:t>reat</a:t>
+            </a:r>
+            <a:r>
+              <a:rPr lang="tr-TR" dirty="0"/>
+              <a:t>ion of </a:t>
+            </a:r>
+            <a:r>
+              <a:rPr lang="en-US" dirty="0"/>
+              <a:t>new features to build downstream deep learning models to find relations between the outcomes and leadership and morale factors.</a:t>
+            </a:r>
+            <a:endParaRPr lang="tr-TR" dirty="0"/>
+          </a:p>
+        </p:txBody>
+      </p:sp>
+      <p:sp>
+        <p:nvSpPr>
+          <p:cNvPr id="72" name="TextBox 71">
+            <a:extLst>
+              <a:ext uri="{FF2B5EF4-FFF2-40B4-BE49-F238E27FC236}">
+                <a16:creationId xmlns:a16="http://schemas.microsoft.com/office/drawing/2014/main" id="{56153ABA-88E4-4EF1-8F3B-355AED9EB331}"/>
+              </a:ext>
+            </a:extLst>
+          </p:cNvPr>
+          <p:cNvSpPr txBox="1"/>
+          <p:nvPr/>
+        </p:nvSpPr>
+        <p:spPr>
+          <a:xfrm>
+            <a:off x="55700" y="988956"/>
+            <a:ext cx="1265090" cy="769441"/>
+          </a:xfrm>
+          <a:prstGeom prst="rect">
+            <a:avLst/>
+          </a:prstGeom>
+          <a:noFill/>
+        </p:spPr>
+        <p:txBody>
+          <a:bodyPr wrap="none" rtlCol="0">
+            <a:spAutoFit/>
+          </a:bodyPr>
+          <a:lstStyle/>
+          <a:p>
+            <a:r>
+              <a:rPr lang="tr-TR" sz="2200" b="1" dirty="0"/>
+              <a:t>Key </a:t>
+            </a:r>
+          </a:p>
+          <a:p>
+            <a:r>
+              <a:rPr lang="tr-TR" sz="2200" b="1" dirty="0"/>
+              <a:t>Activities</a:t>
+            </a:r>
+          </a:p>
+        </p:txBody>
+      </p:sp>
+      <p:sp>
+        <p:nvSpPr>
+          <p:cNvPr id="73" name="TextBox 72">
+            <a:extLst>
+              <a:ext uri="{FF2B5EF4-FFF2-40B4-BE49-F238E27FC236}">
+                <a16:creationId xmlns:a16="http://schemas.microsoft.com/office/drawing/2014/main" id="{4AC1ACB3-1195-4037-ACEA-AAE3C401ECE1}"/>
+              </a:ext>
+            </a:extLst>
+          </p:cNvPr>
+          <p:cNvSpPr txBox="1"/>
+          <p:nvPr/>
+        </p:nvSpPr>
+        <p:spPr>
+          <a:xfrm>
+            <a:off x="1492795" y="6336227"/>
+            <a:ext cx="1214948" cy="430887"/>
+          </a:xfrm>
+          <a:prstGeom prst="rect">
+            <a:avLst/>
+          </a:prstGeom>
+          <a:noFill/>
+        </p:spPr>
+        <p:txBody>
+          <a:bodyPr wrap="none" rtlCol="0">
+            <a:spAutoFit/>
+          </a:bodyPr>
+          <a:lstStyle/>
+          <a:p>
+            <a:r>
+              <a:rPr lang="tr-TR" sz="2200" b="1" dirty="0"/>
+              <a:t>Raw text</a:t>
+            </a:r>
+          </a:p>
+        </p:txBody>
+      </p:sp>
+      <p:sp>
+        <p:nvSpPr>
+          <p:cNvPr id="2054" name="Oval 2053">
+            <a:extLst>
+              <a:ext uri="{FF2B5EF4-FFF2-40B4-BE49-F238E27FC236}">
+                <a16:creationId xmlns:a16="http://schemas.microsoft.com/office/drawing/2014/main" id="{B02D89C1-5AC5-4653-941E-1C9C0FD6FB43}"/>
+              </a:ext>
+            </a:extLst>
+          </p:cNvPr>
+          <p:cNvSpPr/>
+          <p:nvPr/>
+        </p:nvSpPr>
+        <p:spPr>
+          <a:xfrm>
+            <a:off x="1821346" y="441207"/>
+            <a:ext cx="660887" cy="557612"/>
+          </a:xfrm>
+          <a:prstGeom prst="ellipse">
+            <a:avLst/>
+          </a:prstGeom>
+          <a:solidFill>
+            <a:srgbClr val="FF0000"/>
+          </a:solidFill>
+        </p:spPr>
+        <p:style>
+          <a:lnRef idx="2">
+            <a:schemeClr val="accent1">
+              <a:shade val="50000"/>
+            </a:schemeClr>
+          </a:lnRef>
+          <a:fillRef idx="1">
+            <a:schemeClr val="accent1"/>
+          </a:fillRef>
+          <a:effectRef idx="0">
+            <a:schemeClr val="accent1"/>
+          </a:effectRef>
+          <a:fontRef idx="minor">
+            <a:schemeClr val="lt1"/>
+          </a:fontRef>
+        </p:style>
+        <p:txBody>
+          <a:bodyPr rtlCol="0" anchor="ctr"/>
+          <a:lstStyle/>
+          <a:p>
+            <a:pPr algn="ctr"/>
+            <a:r>
+              <a:rPr lang="tr-TR" sz="3600" b="1" dirty="0">
+                <a:solidFill>
+                  <a:sysClr val="windowText" lastClr="000000"/>
+                </a:solidFill>
+              </a:rPr>
+              <a:t>1</a:t>
+            </a:r>
+          </a:p>
+        </p:txBody>
+      </p:sp>
+      <p:grpSp>
+        <p:nvGrpSpPr>
+          <p:cNvPr id="2060" name="Group 2059">
+            <a:extLst>
+              <a:ext uri="{FF2B5EF4-FFF2-40B4-BE49-F238E27FC236}">
+                <a16:creationId xmlns:a16="http://schemas.microsoft.com/office/drawing/2014/main" id="{A2473706-0478-474D-9301-3DDD92D043E1}"/>
+              </a:ext>
+            </a:extLst>
+          </p:cNvPr>
+          <p:cNvGrpSpPr/>
+          <p:nvPr/>
+        </p:nvGrpSpPr>
+        <p:grpSpPr>
+          <a:xfrm>
+            <a:off x="2825414" y="3985025"/>
+            <a:ext cx="4685105" cy="1986417"/>
+            <a:chOff x="2825414" y="3985025"/>
+            <a:chExt cx="4685105" cy="1986417"/>
           </a:xfrm>
         </p:grpSpPr>
         <p:sp>
@@ -18436,8 +19268,8 @@
           </p:nvSpPr>
           <p:spPr>
             <a:xfrm>
-              <a:off x="3055729" y="4891701"/>
-              <a:ext cx="1462804" cy="898087"/>
+              <a:off x="2825414" y="5378841"/>
+              <a:ext cx="2172000" cy="592601"/>
             </a:xfrm>
             <a:prstGeom prst="roundRect">
               <a:avLst/>
@@ -18494,8 +19326,8 @@
           </p:nvSpPr>
           <p:spPr>
             <a:xfrm>
-              <a:off x="5640833" y="4820725"/>
-              <a:ext cx="1462804" cy="1040037"/>
+              <a:off x="6047715" y="5376089"/>
+              <a:ext cx="1462804" cy="572587"/>
             </a:xfrm>
             <a:prstGeom prst="roundRect">
               <a:avLst/>
@@ -18552,13 +19384,18 @@
           </p:nvSpPr>
           <p:spPr>
             <a:xfrm>
-              <a:off x="4551374" y="3934787"/>
-              <a:ext cx="1195264" cy="646331"/>
+              <a:off x="4368580" y="3985025"/>
+              <a:ext cx="1959896" cy="923330"/>
             </a:xfrm>
             <a:prstGeom prst="rect">
               <a:avLst/>
             </a:prstGeom>
             <a:noFill/>
+            <a:ln>
+              <a:solidFill>
+                <a:schemeClr val="tx1"/>
+              </a:solidFill>
+            </a:ln>
           </p:spPr>
           <p:txBody>
             <a:bodyPr wrap="none" rtlCol="0">
@@ -18569,40 +19406,61 @@
               <a:pPr algn="ctr"/>
               <a:r>
                 <a:rPr lang="tr-TR" b="1" dirty="0"/>
-                <a:t>Training of</a:t>
+                <a:t>Training of Models</a:t>
               </a:r>
             </a:p>
             <a:p>
               <a:pPr algn="ctr"/>
               <a:r>
-                <a:rPr lang="tr-TR" b="1" dirty="0"/>
-                <a:t> Models</a:t>
+                <a:rPr lang="tr-TR" sz="1800" b="1" dirty="0">
+                  <a:solidFill>
+                    <a:srgbClr val="000000"/>
+                  </a:solidFill>
+                  <a:effectLst/>
+                  <a:latin typeface="Calibri" panose="020F0502020204030204" pitchFamily="34" charset="0"/>
+                  <a:ea typeface="Times New Roman" panose="02020603050405020304" pitchFamily="18" charset="0"/>
+                </a:rPr>
+                <a:t>with Language </a:t>
               </a:r>
+            </a:p>
+            <a:p>
+              <a:pPr algn="ctr"/>
+              <a:r>
+                <a:rPr lang="tr-TR" sz="1800" b="1" dirty="0">
+                  <a:solidFill>
+                    <a:srgbClr val="000000"/>
+                  </a:solidFill>
+                  <a:effectLst/>
+                  <a:latin typeface="Calibri" panose="020F0502020204030204" pitchFamily="34" charset="0"/>
+                  <a:ea typeface="Times New Roman" panose="02020603050405020304" pitchFamily="18" charset="0"/>
+                </a:rPr>
+                <a:t>Rep. Techniques</a:t>
+              </a:r>
+              <a:endParaRPr lang="tr-TR" b="1" dirty="0"/>
             </a:p>
           </p:txBody>
         </p:sp>
         <p:cxnSp>
           <p:nvCxnSpPr>
-            <p:cNvPr id="39" name="Connector: Elbow 38">
+            <p:cNvPr id="2057" name="Connector: Elbow 2056">
               <a:extLst>
                 <a:ext uri="{FF2B5EF4-FFF2-40B4-BE49-F238E27FC236}">
-                  <a16:creationId xmlns:a16="http://schemas.microsoft.com/office/drawing/2014/main" id="{BC54B152-16A6-4FFE-9F3F-8FC005160D6D}"/>
+                  <a16:creationId xmlns:a16="http://schemas.microsoft.com/office/drawing/2014/main" id="{FD32D7C6-86B9-441D-BB63-0FBD46555B10}"/>
                 </a:ext>
               </a:extLst>
             </p:cNvPr>
             <p:cNvCxnSpPr>
-              <a:cxnSpLocks/>
-              <a:stCxn id="38" idx="1"/>
+              <a:stCxn id="38" idx="2"/>
               <a:endCxn id="29" idx="0"/>
             </p:cNvCxnSpPr>
             <p:nvPr/>
           </p:nvCxnSpPr>
           <p:spPr>
-            <a:xfrm rot="10800000" flipV="1">
-              <a:off x="3787132" y="4257953"/>
-              <a:ext cx="764243" cy="633748"/>
+            <a:xfrm rot="5400000">
+              <a:off x="4394728" y="4425041"/>
+              <a:ext cx="470486" cy="1437114"/>
             </a:xfrm>
-            <a:prstGeom prst="bentConnector2">
+            <a:prstGeom prst="bentConnector3">
               <a:avLst/>
             </a:prstGeom>
             <a:ln>
@@ -18626,26 +19484,2043 @@
         </p:cxnSp>
         <p:cxnSp>
           <p:nvCxnSpPr>
-            <p:cNvPr id="41" name="Connector: Elbow 40">
+            <p:cNvPr id="2059" name="Connector: Elbow 2058">
               <a:extLst>
                 <a:ext uri="{FF2B5EF4-FFF2-40B4-BE49-F238E27FC236}">
-                  <a16:creationId xmlns:a16="http://schemas.microsoft.com/office/drawing/2014/main" id="{F57E1119-FA1D-46E9-8B7F-3A480BCF7846}"/>
+                  <a16:creationId xmlns:a16="http://schemas.microsoft.com/office/drawing/2014/main" id="{4E72937B-99BB-491E-9575-A07CB0389A87}"/>
                 </a:ext>
               </a:extLst>
             </p:cNvPr>
             <p:cNvCxnSpPr>
-              <a:cxnSpLocks/>
-              <a:stCxn id="38" idx="3"/>
+              <a:stCxn id="38" idx="2"/>
               <a:endCxn id="31" idx="0"/>
             </p:cNvCxnSpPr>
             <p:nvPr/>
           </p:nvCxnSpPr>
           <p:spPr>
+            <a:xfrm rot="16200000" flipH="1">
+              <a:off x="5829955" y="4426927"/>
+              <a:ext cx="467734" cy="1430589"/>
+            </a:xfrm>
+            <a:prstGeom prst="bentConnector3">
+              <a:avLst/>
+            </a:prstGeom>
+            <a:ln>
+              <a:tailEnd type="triangle"/>
+            </a:ln>
+          </p:spPr>
+          <p:style>
+            <a:lnRef idx="1">
+              <a:schemeClr val="accent1"/>
+            </a:lnRef>
+            <a:fillRef idx="0">
+              <a:schemeClr val="accent1"/>
+            </a:fillRef>
+            <a:effectRef idx="0">
+              <a:schemeClr val="accent1"/>
+            </a:effectRef>
+            <a:fontRef idx="minor">
+              <a:schemeClr val="tx1"/>
+            </a:fontRef>
+          </p:style>
+        </p:cxnSp>
+      </p:grpSp>
+    </p:spTree>
+    <p:extLst>
+      <p:ext uri="{BB962C8B-B14F-4D97-AF65-F5344CB8AC3E}">
+        <p14:creationId xmlns:p14="http://schemas.microsoft.com/office/powerpoint/2010/main" val="1139851323"/>
+      </p:ext>
+    </p:extLst>
+  </p:cSld>
+  <p:clrMapOvr>
+    <a:masterClrMapping/>
+  </p:clrMapOvr>
+</p:sld>
+</file>
+
+<file path=ppt/slides/slide22.xml><?xml version="1.0" encoding="utf-8"?>
+<p:sld xmlns:a="http://schemas.openxmlformats.org/drawingml/2006/main" xmlns:r="http://schemas.openxmlformats.org/officeDocument/2006/relationships" xmlns:p="http://schemas.openxmlformats.org/presentationml/2006/main">
+  <p:cSld>
+    <p:spTree>
+      <p:nvGrpSpPr>
+        <p:cNvPr id="1" name=""/>
+        <p:cNvGrpSpPr/>
+        <p:nvPr/>
+      </p:nvGrpSpPr>
+      <p:grpSpPr>
+        <a:xfrm>
+          <a:off x="0" y="0"/>
+          <a:ext cx="0" cy="0"/>
+          <a:chOff x="0" y="0"/>
+          <a:chExt cx="0" cy="0"/>
+        </a:xfrm>
+      </p:grpSpPr>
+      <p:graphicFrame>
+        <p:nvGraphicFramePr>
+          <p:cNvPr id="4" name="Table 4">
+            <a:extLst>
+              <a:ext uri="{FF2B5EF4-FFF2-40B4-BE49-F238E27FC236}">
+                <a16:creationId xmlns:a16="http://schemas.microsoft.com/office/drawing/2014/main" id="{2EBBA708-8431-41FA-AB40-EF41AB8841D5}"/>
+              </a:ext>
+            </a:extLst>
+          </p:cNvPr>
+          <p:cNvGraphicFramePr>
+            <a:graphicFrameLocks noGrp="1"/>
+          </p:cNvGraphicFramePr>
+          <p:nvPr>
+            <p:ph idx="1"/>
+            <p:extLst>
+              <p:ext uri="{D42A27DB-BD31-4B8C-83A1-F6EECF244321}">
+                <p14:modId xmlns:p14="http://schemas.microsoft.com/office/powerpoint/2010/main" val="3587909039"/>
+              </p:ext>
+            </p:extLst>
+          </p:nvPr>
+        </p:nvGraphicFramePr>
+        <p:xfrm>
+          <a:off x="103412" y="672485"/>
+          <a:ext cx="12026266" cy="6194222"/>
+        </p:xfrm>
+        <a:graphic>
+          <a:graphicData uri="http://schemas.openxmlformats.org/drawingml/2006/table">
+            <a:tbl>
+              <a:tblPr firstRow="1" bandRow="1">
+                <a:tableStyleId>{5C22544A-7EE6-4342-B048-85BDC9FD1C3A}</a:tableStyleId>
+              </a:tblPr>
+              <a:tblGrid>
+                <a:gridCol w="1356924">
+                  <a:extLst>
+                    <a:ext uri="{9D8B030D-6E8A-4147-A177-3AD203B41FA5}">
+                      <a16:colId xmlns:a16="http://schemas.microsoft.com/office/drawing/2014/main" val="2913995090"/>
+                    </a:ext>
+                  </a:extLst>
+                </a:gridCol>
+                <a:gridCol w="1953310">
+                  <a:extLst>
+                    <a:ext uri="{9D8B030D-6E8A-4147-A177-3AD203B41FA5}">
+                      <a16:colId xmlns:a16="http://schemas.microsoft.com/office/drawing/2014/main" val="2571998453"/>
+                    </a:ext>
+                  </a:extLst>
+                </a:gridCol>
+                <a:gridCol w="2626299">
+                  <a:extLst>
+                    <a:ext uri="{9D8B030D-6E8A-4147-A177-3AD203B41FA5}">
+                      <a16:colId xmlns:a16="http://schemas.microsoft.com/office/drawing/2014/main" val="532176216"/>
+                    </a:ext>
+                  </a:extLst>
+                </a:gridCol>
+                <a:gridCol w="2265184">
+                  <a:extLst>
+                    <a:ext uri="{9D8B030D-6E8A-4147-A177-3AD203B41FA5}">
+                      <a16:colId xmlns:a16="http://schemas.microsoft.com/office/drawing/2014/main" val="941367352"/>
+                    </a:ext>
+                  </a:extLst>
+                </a:gridCol>
+                <a:gridCol w="3824549">
+                  <a:extLst>
+                    <a:ext uri="{9D8B030D-6E8A-4147-A177-3AD203B41FA5}">
+                      <a16:colId xmlns:a16="http://schemas.microsoft.com/office/drawing/2014/main" val="3157246423"/>
+                    </a:ext>
+                  </a:extLst>
+                </a:gridCol>
+              </a:tblGrid>
+              <a:tr h="813830">
+                <a:tc>
+                  <a:txBody>
+                    <a:bodyPr/>
+                    <a:lstStyle/>
+                    <a:p>
+                      <a:pPr algn="ctr"/>
+                      <a:r>
+                        <a:rPr lang="tr-TR" dirty="0">
+                          <a:solidFill>
+                            <a:sysClr val="windowText" lastClr="000000"/>
+                          </a:solidFill>
+                        </a:rPr>
+                        <a:t>Key Activities</a:t>
+                      </a:r>
+                    </a:p>
+                  </a:txBody>
+                  <a:tcPr anchor="ctr" anchorCtr="1">
+                    <a:lnL w="12700" cap="flat" cmpd="sng" algn="ctr">
+                      <a:solidFill>
+                        <a:schemeClr val="tx1"/>
+                      </a:solidFill>
+                      <a:prstDash val="solid"/>
+                      <a:round/>
+                      <a:headEnd type="none" w="med" len="med"/>
+                      <a:tailEnd type="none" w="med" len="med"/>
+                    </a:lnL>
+                    <a:lnR w="12700" cap="flat" cmpd="sng" algn="ctr">
+                      <a:solidFill>
+                        <a:schemeClr val="tx1"/>
+                      </a:solidFill>
+                      <a:prstDash val="solid"/>
+                      <a:round/>
+                      <a:headEnd type="none" w="med" len="med"/>
+                      <a:tailEnd type="none" w="med" len="med"/>
+                    </a:lnR>
+                    <a:lnT w="12700" cap="flat" cmpd="sng" algn="ctr">
+                      <a:solidFill>
+                        <a:schemeClr val="tx1"/>
+                      </a:solidFill>
+                      <a:prstDash val="solid"/>
+                      <a:round/>
+                      <a:headEnd type="none" w="med" len="med"/>
+                      <a:tailEnd type="none" w="med" len="med"/>
+                    </a:lnT>
+                    <a:lnB w="12700" cap="flat" cmpd="sng" algn="ctr">
+                      <a:solidFill>
+                        <a:schemeClr val="tx1"/>
+                      </a:solidFill>
+                      <a:prstDash val="solid"/>
+                      <a:round/>
+                      <a:headEnd type="none" w="med" len="med"/>
+                      <a:tailEnd type="none" w="med" len="med"/>
+                    </a:lnB>
+                    <a:solidFill>
+                      <a:schemeClr val="bg1">
+                        <a:lumMod val="95000"/>
+                      </a:schemeClr>
+                    </a:solidFill>
+                  </a:tcPr>
+                </a:tc>
+                <a:tc>
+                  <a:txBody>
+                    <a:bodyPr/>
+                    <a:lstStyle/>
+                    <a:p>
+                      <a:pPr algn="ctr"/>
+                      <a:r>
+                        <a:rPr lang="en-US" dirty="0">
+                          <a:solidFill>
+                            <a:sysClr val="windowText" lastClr="000000"/>
+                          </a:solidFill>
+                        </a:rPr>
+                        <a:t>Selection of</a:t>
+                      </a:r>
+                      <a:r>
+                        <a:rPr lang="tr-TR" dirty="0">
+                          <a:solidFill>
+                            <a:sysClr val="windowText" lastClr="000000"/>
+                          </a:solidFill>
+                        </a:rPr>
+                        <a:t> </a:t>
+                      </a:r>
+                      <a:r>
+                        <a:rPr lang="en-US" dirty="0">
+                          <a:solidFill>
+                            <a:sysClr val="windowText" lastClr="000000"/>
+                          </a:solidFill>
+                        </a:rPr>
+                        <a:t>Raw Texts &amp; Audios</a:t>
+                      </a:r>
+                      <a:endParaRPr lang="tr-TR" dirty="0">
+                        <a:solidFill>
+                          <a:sysClr val="windowText" lastClr="000000"/>
+                        </a:solidFill>
+                      </a:endParaRPr>
+                    </a:p>
+                  </a:txBody>
+                  <a:tcPr anchor="ctr" anchorCtr="1">
+                    <a:lnL w="12700" cap="flat" cmpd="sng" algn="ctr">
+                      <a:solidFill>
+                        <a:schemeClr val="tx1"/>
+                      </a:solidFill>
+                      <a:prstDash val="solid"/>
+                      <a:round/>
+                      <a:headEnd type="none" w="med" len="med"/>
+                      <a:tailEnd type="none" w="med" len="med"/>
+                    </a:lnL>
+                    <a:lnR w="12700" cap="flat" cmpd="sng" algn="ctr">
+                      <a:solidFill>
+                        <a:schemeClr val="tx1"/>
+                      </a:solidFill>
+                      <a:prstDash val="solid"/>
+                      <a:round/>
+                      <a:headEnd type="none" w="med" len="med"/>
+                      <a:tailEnd type="none" w="med" len="med"/>
+                    </a:lnR>
+                    <a:lnT w="12700" cap="flat" cmpd="sng" algn="ctr">
+                      <a:solidFill>
+                        <a:schemeClr val="tx1"/>
+                      </a:solidFill>
+                      <a:prstDash val="solid"/>
+                      <a:round/>
+                      <a:headEnd type="none" w="med" len="med"/>
+                      <a:tailEnd type="none" w="med" len="med"/>
+                    </a:lnT>
+                    <a:lnB w="12700" cap="flat" cmpd="sng" algn="ctr">
+                      <a:solidFill>
+                        <a:schemeClr val="tx1"/>
+                      </a:solidFill>
+                      <a:prstDash val="solid"/>
+                      <a:round/>
+                      <a:headEnd type="none" w="med" len="med"/>
+                      <a:tailEnd type="none" w="med" len="med"/>
+                    </a:lnB>
+                    <a:solidFill>
+                      <a:schemeClr val="bg1">
+                        <a:lumMod val="95000"/>
+                      </a:schemeClr>
+                    </a:solidFill>
+                  </a:tcPr>
+                </a:tc>
+                <a:tc gridSpan="2">
+                  <a:txBody>
+                    <a:bodyPr/>
+                    <a:lstStyle/>
+                    <a:p>
+                      <a:pPr algn="ctr"/>
+                      <a:r>
+                        <a:rPr lang="en-US" dirty="0">
+                          <a:solidFill>
+                            <a:sysClr val="windowText" lastClr="000000"/>
+                          </a:solidFill>
+                        </a:rPr>
+                        <a:t>Feature Extraction &amp;</a:t>
+                      </a:r>
+                    </a:p>
+                    <a:p>
+                      <a:pPr algn="ctr"/>
+                      <a:r>
+                        <a:rPr lang="en-US" dirty="0">
+                          <a:solidFill>
+                            <a:sysClr val="windowText" lastClr="000000"/>
+                          </a:solidFill>
+                        </a:rPr>
+                        <a:t>Grouping of Objects</a:t>
+                      </a:r>
+                      <a:endParaRPr lang="tr-TR" dirty="0">
+                        <a:solidFill>
+                          <a:sysClr val="windowText" lastClr="000000"/>
+                        </a:solidFill>
+                      </a:endParaRPr>
+                    </a:p>
+                  </a:txBody>
+                  <a:tcPr anchor="ctr" anchorCtr="1">
+                    <a:lnL w="12700" cap="flat" cmpd="sng" algn="ctr">
+                      <a:solidFill>
+                        <a:schemeClr val="tx1"/>
+                      </a:solidFill>
+                      <a:prstDash val="solid"/>
+                      <a:round/>
+                      <a:headEnd type="none" w="med" len="med"/>
+                      <a:tailEnd type="none" w="med" len="med"/>
+                    </a:lnL>
+                    <a:lnR w="12700" cap="flat" cmpd="sng" algn="ctr">
+                      <a:solidFill>
+                        <a:schemeClr val="tx1"/>
+                      </a:solidFill>
+                      <a:prstDash val="solid"/>
+                      <a:round/>
+                      <a:headEnd type="none" w="med" len="med"/>
+                      <a:tailEnd type="none" w="med" len="med"/>
+                    </a:lnR>
+                    <a:lnT w="12700" cap="flat" cmpd="sng" algn="ctr">
+                      <a:solidFill>
+                        <a:schemeClr val="tx1"/>
+                      </a:solidFill>
+                      <a:prstDash val="solid"/>
+                      <a:round/>
+                      <a:headEnd type="none" w="med" len="med"/>
+                      <a:tailEnd type="none" w="med" len="med"/>
+                    </a:lnT>
+                    <a:lnB w="12700" cap="flat" cmpd="sng" algn="ctr">
+                      <a:solidFill>
+                        <a:schemeClr val="tx1"/>
+                      </a:solidFill>
+                      <a:prstDash val="solid"/>
+                      <a:round/>
+                      <a:headEnd type="none" w="med" len="med"/>
+                      <a:tailEnd type="none" w="med" len="med"/>
+                    </a:lnB>
+                    <a:solidFill>
+                      <a:schemeClr val="bg1">
+                        <a:lumMod val="95000"/>
+                      </a:schemeClr>
+                    </a:solidFill>
+                  </a:tcPr>
+                </a:tc>
+                <a:tc hMerge="1">
+                  <a:txBody>
+                    <a:bodyPr/>
+                    <a:lstStyle/>
+                    <a:p>
+                      <a:endParaRPr lang="tr-TR"/>
+                    </a:p>
+                  </a:txBody>
+                  <a:tcPr/>
+                </a:tc>
+                <a:tc>
+                  <a:txBody>
+                    <a:bodyPr/>
+                    <a:lstStyle/>
+                    <a:p>
+                      <a:pPr algn="ctr"/>
+                      <a:r>
+                        <a:rPr lang="en-US" dirty="0">
+                          <a:solidFill>
+                            <a:sysClr val="windowText" lastClr="000000"/>
+                          </a:solidFill>
+                        </a:rPr>
+                        <a:t>Building of a knowledge graph to link the variables</a:t>
+                      </a:r>
+                      <a:endParaRPr lang="tr-TR" dirty="0">
+                        <a:solidFill>
+                          <a:sysClr val="windowText" lastClr="000000"/>
+                        </a:solidFill>
+                      </a:endParaRPr>
+                    </a:p>
+                  </a:txBody>
+                  <a:tcPr anchor="ctr" anchorCtr="1">
+                    <a:lnL w="12700" cap="flat" cmpd="sng" algn="ctr">
+                      <a:solidFill>
+                        <a:schemeClr val="tx1"/>
+                      </a:solidFill>
+                      <a:prstDash val="solid"/>
+                      <a:round/>
+                      <a:headEnd type="none" w="med" len="med"/>
+                      <a:tailEnd type="none" w="med" len="med"/>
+                    </a:lnL>
+                    <a:lnR w="12700" cap="flat" cmpd="sng" algn="ctr">
+                      <a:solidFill>
+                        <a:schemeClr val="tx1"/>
+                      </a:solidFill>
+                      <a:prstDash val="solid"/>
+                      <a:round/>
+                      <a:headEnd type="none" w="med" len="med"/>
+                      <a:tailEnd type="none" w="med" len="med"/>
+                    </a:lnR>
+                    <a:lnT w="12700" cap="flat" cmpd="sng" algn="ctr">
+                      <a:solidFill>
+                        <a:schemeClr val="tx1"/>
+                      </a:solidFill>
+                      <a:prstDash val="solid"/>
+                      <a:round/>
+                      <a:headEnd type="none" w="med" len="med"/>
+                      <a:tailEnd type="none" w="med" len="med"/>
+                    </a:lnT>
+                    <a:lnB w="12700" cap="flat" cmpd="sng" algn="ctr">
+                      <a:solidFill>
+                        <a:schemeClr val="tx1"/>
+                      </a:solidFill>
+                      <a:prstDash val="solid"/>
+                      <a:round/>
+                      <a:headEnd type="none" w="med" len="med"/>
+                      <a:tailEnd type="none" w="med" len="med"/>
+                    </a:lnB>
+                    <a:solidFill>
+                      <a:schemeClr val="bg1">
+                        <a:lumMod val="95000"/>
+                      </a:schemeClr>
+                    </a:solidFill>
+                  </a:tcPr>
+                </a:tc>
+                <a:extLst>
+                  <a:ext uri="{0D108BD9-81ED-4DB2-BD59-A6C34878D82A}">
+                    <a16:rowId xmlns:a16="http://schemas.microsoft.com/office/drawing/2014/main" val="2281131937"/>
+                  </a:ext>
+                </a:extLst>
+              </a:tr>
+              <a:tr h="4587912">
+                <a:tc>
+                  <a:txBody>
+                    <a:bodyPr/>
+                    <a:lstStyle/>
+                    <a:p>
+                      <a:pPr marL="0" algn="ctr" defTabSz="914400" rtl="0" eaLnBrk="1" latinLnBrk="0" hangingPunct="1"/>
+                      <a:r>
+                        <a:rPr lang="tr-TR" sz="1800" b="1" kern="1200" dirty="0">
+                          <a:solidFill>
+                            <a:sysClr val="windowText" lastClr="000000"/>
+                          </a:solidFill>
+                          <a:latin typeface="+mn-lt"/>
+                          <a:ea typeface="+mn-ea"/>
+                          <a:cs typeface="+mn-cs"/>
+                        </a:rPr>
+                        <a:t>Explanation</a:t>
+                      </a:r>
+                    </a:p>
+                  </a:txBody>
+                  <a:tcPr anchor="ctr" anchorCtr="1">
+                    <a:lnL w="12700" cap="flat" cmpd="sng" algn="ctr">
+                      <a:solidFill>
+                        <a:schemeClr val="tx1"/>
+                      </a:solidFill>
+                      <a:prstDash val="solid"/>
+                      <a:round/>
+                      <a:headEnd type="none" w="med" len="med"/>
+                      <a:tailEnd type="none" w="med" len="med"/>
+                    </a:lnL>
+                    <a:lnR w="12700" cap="flat" cmpd="sng" algn="ctr">
+                      <a:solidFill>
+                        <a:schemeClr val="tx1"/>
+                      </a:solidFill>
+                      <a:prstDash val="solid"/>
+                      <a:round/>
+                      <a:headEnd type="none" w="med" len="med"/>
+                      <a:tailEnd type="none" w="med" len="med"/>
+                    </a:lnR>
+                    <a:lnT w="12700" cap="flat" cmpd="sng" algn="ctr">
+                      <a:solidFill>
+                        <a:schemeClr val="tx1"/>
+                      </a:solidFill>
+                      <a:prstDash val="solid"/>
+                      <a:round/>
+                      <a:headEnd type="none" w="med" len="med"/>
+                      <a:tailEnd type="none" w="med" len="med"/>
+                    </a:lnT>
+                    <a:lnB w="12700" cap="flat" cmpd="sng" algn="ctr">
+                      <a:solidFill>
+                        <a:schemeClr val="tx1"/>
+                      </a:solidFill>
+                      <a:prstDash val="solid"/>
+                      <a:round/>
+                      <a:headEnd type="none" w="med" len="med"/>
+                      <a:tailEnd type="none" w="med" len="med"/>
+                    </a:lnB>
+                    <a:solidFill>
+                      <a:schemeClr val="bg1">
+                        <a:lumMod val="95000"/>
+                      </a:schemeClr>
+                    </a:solidFill>
+                  </a:tcPr>
+                </a:tc>
+                <a:tc>
+                  <a:txBody>
+                    <a:bodyPr/>
+                    <a:lstStyle/>
+                    <a:p>
+                      <a:endParaRPr lang="tr-TR" dirty="0">
+                        <a:solidFill>
+                          <a:sysClr val="windowText" lastClr="000000"/>
+                        </a:solidFill>
+                      </a:endParaRPr>
+                    </a:p>
+                    <a:p>
+                      <a:endParaRPr lang="tr-TR" dirty="0">
+                        <a:solidFill>
+                          <a:sysClr val="windowText" lastClr="000000"/>
+                        </a:solidFill>
+                      </a:endParaRPr>
+                    </a:p>
+                    <a:p>
+                      <a:endParaRPr lang="tr-TR" dirty="0">
+                        <a:solidFill>
+                          <a:sysClr val="windowText" lastClr="000000"/>
+                        </a:solidFill>
+                      </a:endParaRPr>
+                    </a:p>
+                    <a:p>
+                      <a:endParaRPr lang="tr-TR" dirty="0">
+                        <a:solidFill>
+                          <a:sysClr val="windowText" lastClr="000000"/>
+                        </a:solidFill>
+                      </a:endParaRPr>
+                    </a:p>
+                    <a:p>
+                      <a:endParaRPr lang="tr-TR" dirty="0">
+                        <a:solidFill>
+                          <a:sysClr val="windowText" lastClr="000000"/>
+                        </a:solidFill>
+                      </a:endParaRPr>
+                    </a:p>
+                    <a:p>
+                      <a:endParaRPr lang="tr-TR" dirty="0">
+                        <a:solidFill>
+                          <a:sysClr val="windowText" lastClr="000000"/>
+                        </a:solidFill>
+                      </a:endParaRPr>
+                    </a:p>
+                    <a:p>
+                      <a:endParaRPr lang="tr-TR" dirty="0">
+                        <a:solidFill>
+                          <a:sysClr val="windowText" lastClr="000000"/>
+                        </a:solidFill>
+                      </a:endParaRPr>
+                    </a:p>
+                    <a:p>
+                      <a:endParaRPr lang="tr-TR" dirty="0">
+                        <a:solidFill>
+                          <a:sysClr val="windowText" lastClr="000000"/>
+                        </a:solidFill>
+                      </a:endParaRPr>
+                    </a:p>
+                    <a:p>
+                      <a:endParaRPr lang="tr-TR" dirty="0">
+                        <a:solidFill>
+                          <a:sysClr val="windowText" lastClr="000000"/>
+                        </a:solidFill>
+                      </a:endParaRPr>
+                    </a:p>
+                  </a:txBody>
+                  <a:tcPr>
+                    <a:lnL w="12700" cap="flat" cmpd="sng" algn="ctr">
+                      <a:solidFill>
+                        <a:schemeClr val="tx1"/>
+                      </a:solidFill>
+                      <a:prstDash val="solid"/>
+                      <a:round/>
+                      <a:headEnd type="none" w="med" len="med"/>
+                      <a:tailEnd type="none" w="med" len="med"/>
+                    </a:lnL>
+                    <a:lnR w="12700" cap="flat" cmpd="sng" algn="ctr">
+                      <a:solidFill>
+                        <a:schemeClr val="tx1"/>
+                      </a:solidFill>
+                      <a:prstDash val="solid"/>
+                      <a:round/>
+                      <a:headEnd type="none" w="med" len="med"/>
+                      <a:tailEnd type="none" w="med" len="med"/>
+                    </a:lnR>
+                    <a:lnT w="12700" cap="flat" cmpd="sng" algn="ctr">
+                      <a:solidFill>
+                        <a:schemeClr val="tx1"/>
+                      </a:solidFill>
+                      <a:prstDash val="solid"/>
+                      <a:round/>
+                      <a:headEnd type="none" w="med" len="med"/>
+                      <a:tailEnd type="none" w="med" len="med"/>
+                    </a:lnT>
+                    <a:lnB w="12700" cap="flat" cmpd="sng" algn="ctr">
+                      <a:solidFill>
+                        <a:schemeClr val="tx1"/>
+                      </a:solidFill>
+                      <a:prstDash val="solid"/>
+                      <a:round/>
+                      <a:headEnd type="none" w="med" len="med"/>
+                      <a:tailEnd type="none" w="med" len="med"/>
+                    </a:lnB>
+                    <a:noFill/>
+                  </a:tcPr>
+                </a:tc>
+                <a:tc gridSpan="2">
+                  <a:txBody>
+                    <a:bodyPr/>
+                    <a:lstStyle/>
+                    <a:p>
+                      <a:endParaRPr lang="tr-TR" dirty="0">
+                        <a:solidFill>
+                          <a:sysClr val="windowText" lastClr="000000"/>
+                        </a:solidFill>
+                      </a:endParaRPr>
+                    </a:p>
+                  </a:txBody>
+                  <a:tcPr>
+                    <a:lnL w="12700" cap="flat" cmpd="sng" algn="ctr">
+                      <a:solidFill>
+                        <a:schemeClr val="tx1"/>
+                      </a:solidFill>
+                      <a:prstDash val="solid"/>
+                      <a:round/>
+                      <a:headEnd type="none" w="med" len="med"/>
+                      <a:tailEnd type="none" w="med" len="med"/>
+                    </a:lnL>
+                    <a:lnR w="12700" cap="flat" cmpd="sng" algn="ctr">
+                      <a:solidFill>
+                        <a:schemeClr val="tx1"/>
+                      </a:solidFill>
+                      <a:prstDash val="solid"/>
+                      <a:round/>
+                      <a:headEnd type="none" w="med" len="med"/>
+                      <a:tailEnd type="none" w="med" len="med"/>
+                    </a:lnR>
+                    <a:lnT w="12700" cap="flat" cmpd="sng" algn="ctr">
+                      <a:solidFill>
+                        <a:schemeClr val="tx1"/>
+                      </a:solidFill>
+                      <a:prstDash val="solid"/>
+                      <a:round/>
+                      <a:headEnd type="none" w="med" len="med"/>
+                      <a:tailEnd type="none" w="med" len="med"/>
+                    </a:lnT>
+                    <a:lnB w="12700" cap="flat" cmpd="sng" algn="ctr">
+                      <a:solidFill>
+                        <a:schemeClr val="tx1"/>
+                      </a:solidFill>
+                      <a:prstDash val="solid"/>
+                      <a:round/>
+                      <a:headEnd type="none" w="med" len="med"/>
+                      <a:tailEnd type="none" w="med" len="med"/>
+                    </a:lnB>
+                    <a:noFill/>
+                  </a:tcPr>
+                </a:tc>
+                <a:tc hMerge="1">
+                  <a:txBody>
+                    <a:bodyPr/>
+                    <a:lstStyle/>
+                    <a:p>
+                      <a:endParaRPr lang="tr-TR"/>
+                    </a:p>
+                  </a:txBody>
+                  <a:tcPr/>
+                </a:tc>
+                <a:tc>
+                  <a:txBody>
+                    <a:bodyPr/>
+                    <a:lstStyle/>
+                    <a:p>
+                      <a:endParaRPr lang="tr-TR" dirty="0">
+                        <a:solidFill>
+                          <a:sysClr val="windowText" lastClr="000000"/>
+                        </a:solidFill>
+                      </a:endParaRPr>
+                    </a:p>
+                  </a:txBody>
+                  <a:tcPr>
+                    <a:lnL w="12700" cap="flat" cmpd="sng" algn="ctr">
+                      <a:solidFill>
+                        <a:schemeClr val="tx1"/>
+                      </a:solidFill>
+                      <a:prstDash val="solid"/>
+                      <a:round/>
+                      <a:headEnd type="none" w="med" len="med"/>
+                      <a:tailEnd type="none" w="med" len="med"/>
+                    </a:lnL>
+                    <a:lnR w="12700" cap="flat" cmpd="sng" algn="ctr">
+                      <a:solidFill>
+                        <a:schemeClr val="tx1"/>
+                      </a:solidFill>
+                      <a:prstDash val="solid"/>
+                      <a:round/>
+                      <a:headEnd type="none" w="med" len="med"/>
+                      <a:tailEnd type="none" w="med" len="med"/>
+                    </a:lnR>
+                    <a:lnT w="12700" cap="flat" cmpd="sng" algn="ctr">
+                      <a:solidFill>
+                        <a:schemeClr val="tx1"/>
+                      </a:solidFill>
+                      <a:prstDash val="solid"/>
+                      <a:round/>
+                      <a:headEnd type="none" w="med" len="med"/>
+                      <a:tailEnd type="none" w="med" len="med"/>
+                    </a:lnT>
+                    <a:lnB w="12700" cap="flat" cmpd="sng" algn="ctr">
+                      <a:solidFill>
+                        <a:schemeClr val="tx1"/>
+                      </a:solidFill>
+                      <a:prstDash val="solid"/>
+                      <a:round/>
+                      <a:headEnd type="none" w="med" len="med"/>
+                      <a:tailEnd type="none" w="med" len="med"/>
+                    </a:lnB>
+                    <a:noFill/>
+                  </a:tcPr>
+                </a:tc>
+                <a:extLst>
+                  <a:ext uri="{0D108BD9-81ED-4DB2-BD59-A6C34878D82A}">
+                    <a16:rowId xmlns:a16="http://schemas.microsoft.com/office/drawing/2014/main" val="364216808"/>
+                  </a:ext>
+                </a:extLst>
+              </a:tr>
+              <a:tr h="644488">
+                <a:tc>
+                  <a:txBody>
+                    <a:bodyPr/>
+                    <a:lstStyle/>
+                    <a:p>
+                      <a:pPr marL="0" algn="ctr" defTabSz="914400" rtl="0" eaLnBrk="1" latinLnBrk="0" hangingPunct="1"/>
+                      <a:r>
+                        <a:rPr lang="tr-TR" sz="1800" b="1" kern="1200" dirty="0">
+                          <a:solidFill>
+                            <a:sysClr val="windowText" lastClr="000000"/>
+                          </a:solidFill>
+                          <a:latin typeface="+mn-lt"/>
+                          <a:ea typeface="+mn-ea"/>
+                          <a:cs typeface="+mn-cs"/>
+                        </a:rPr>
+                        <a:t>Tools</a:t>
+                      </a:r>
+                    </a:p>
+                  </a:txBody>
+                  <a:tcPr anchor="ctr" anchorCtr="1">
+                    <a:lnL w="12700" cap="flat" cmpd="sng" algn="ctr">
+                      <a:solidFill>
+                        <a:schemeClr val="tx1"/>
+                      </a:solidFill>
+                      <a:prstDash val="solid"/>
+                      <a:round/>
+                      <a:headEnd type="none" w="med" len="med"/>
+                      <a:tailEnd type="none" w="med" len="med"/>
+                    </a:lnL>
+                    <a:lnR w="12700" cap="flat" cmpd="sng" algn="ctr">
+                      <a:solidFill>
+                        <a:schemeClr val="tx1"/>
+                      </a:solidFill>
+                      <a:prstDash val="solid"/>
+                      <a:round/>
+                      <a:headEnd type="none" w="med" len="med"/>
+                      <a:tailEnd type="none" w="med" len="med"/>
+                    </a:lnR>
+                    <a:lnT w="12700" cap="flat" cmpd="sng" algn="ctr">
+                      <a:solidFill>
+                        <a:schemeClr val="tx1"/>
+                      </a:solidFill>
+                      <a:prstDash val="solid"/>
+                      <a:round/>
+                      <a:headEnd type="none" w="med" len="med"/>
+                      <a:tailEnd type="none" w="med" len="med"/>
+                    </a:lnT>
+                    <a:lnB w="12700" cap="flat" cmpd="sng" algn="ctr">
+                      <a:solidFill>
+                        <a:schemeClr val="tx1"/>
+                      </a:solidFill>
+                      <a:prstDash val="solid"/>
+                      <a:round/>
+                      <a:headEnd type="none" w="med" len="med"/>
+                      <a:tailEnd type="none" w="med" len="med"/>
+                    </a:lnB>
+                    <a:solidFill>
+                      <a:schemeClr val="bg1">
+                        <a:lumMod val="95000"/>
+                      </a:schemeClr>
+                    </a:solidFill>
+                  </a:tcPr>
+                </a:tc>
+                <a:tc>
+                  <a:txBody>
+                    <a:bodyPr/>
+                    <a:lstStyle/>
+                    <a:p>
+                      <a:pPr algn="ctr"/>
+                      <a:r>
+                        <a:rPr lang="tr-TR" b="1" dirty="0">
+                          <a:solidFill>
+                            <a:sysClr val="windowText" lastClr="000000"/>
+                          </a:solidFill>
+                        </a:rPr>
+                        <a:t>Raw Text</a:t>
+                      </a:r>
+                    </a:p>
+                    <a:p>
+                      <a:pPr algn="ctr"/>
+                      <a:r>
+                        <a:rPr lang="tr-TR" sz="1400" b="1" dirty="0">
+                          <a:solidFill>
+                            <a:sysClr val="windowText" lastClr="000000"/>
+                          </a:solidFill>
+                        </a:rPr>
+                        <a:t>(Ex: «</a:t>
+                      </a:r>
+                      <a:r>
+                        <a:rPr lang="en-US" sz="1400" b="1" dirty="0">
+                          <a:solidFill>
+                            <a:sysClr val="windowText" lastClr="000000"/>
+                          </a:solidFill>
+                        </a:rPr>
+                        <a:t>History of the</a:t>
+                      </a:r>
+                      <a:r>
+                        <a:rPr lang="tr-TR" sz="1400" b="1" dirty="0">
+                          <a:solidFill>
+                            <a:sysClr val="windowText" lastClr="000000"/>
+                          </a:solidFill>
+                        </a:rPr>
+                        <a:t> 1st </a:t>
+                      </a:r>
+                      <a:r>
+                        <a:rPr lang="en-US" sz="1400" b="1" dirty="0">
+                          <a:solidFill>
+                            <a:sysClr val="windowText" lastClr="000000"/>
+                          </a:solidFill>
+                        </a:rPr>
+                        <a:t>WW-L</a:t>
+                      </a:r>
+                      <a:r>
+                        <a:rPr lang="tr-TR" sz="1400" b="1" dirty="0">
+                          <a:solidFill>
+                            <a:sysClr val="windowText" lastClr="000000"/>
+                          </a:solidFill>
+                        </a:rPr>
+                        <a:t>.</a:t>
+                      </a:r>
+                      <a:r>
+                        <a:rPr lang="en-US" sz="1400" b="1" dirty="0">
+                          <a:solidFill>
+                            <a:sysClr val="windowText" lastClr="000000"/>
+                          </a:solidFill>
+                        </a:rPr>
+                        <a:t> Hart</a:t>
+                      </a:r>
+                      <a:r>
+                        <a:rPr lang="tr-TR" sz="1400" b="1" dirty="0">
+                          <a:solidFill>
+                            <a:sysClr val="windowText" lastClr="000000"/>
+                          </a:solidFill>
+                        </a:rPr>
+                        <a:t>»</a:t>
+                      </a:r>
+                    </a:p>
+                  </a:txBody>
+                  <a:tcPr>
+                    <a:lnL w="12700" cap="flat" cmpd="sng" algn="ctr">
+                      <a:solidFill>
+                        <a:schemeClr val="tx1"/>
+                      </a:solidFill>
+                      <a:prstDash val="solid"/>
+                      <a:round/>
+                      <a:headEnd type="none" w="med" len="med"/>
+                      <a:tailEnd type="none" w="med" len="med"/>
+                    </a:lnL>
+                    <a:lnR w="12700" cap="flat" cmpd="sng" algn="ctr">
+                      <a:solidFill>
+                        <a:schemeClr val="tx1"/>
+                      </a:solidFill>
+                      <a:prstDash val="solid"/>
+                      <a:round/>
+                      <a:headEnd type="none" w="med" len="med"/>
+                      <a:tailEnd type="none" w="med" len="med"/>
+                    </a:lnR>
+                    <a:lnT w="12700" cap="flat" cmpd="sng" algn="ctr">
+                      <a:solidFill>
+                        <a:schemeClr val="tx1"/>
+                      </a:solidFill>
+                      <a:prstDash val="solid"/>
+                      <a:round/>
+                      <a:headEnd type="none" w="med" len="med"/>
+                      <a:tailEnd type="none" w="med" len="med"/>
+                    </a:lnT>
+                    <a:lnB w="12700" cap="flat" cmpd="sng" algn="ctr">
+                      <a:solidFill>
+                        <a:schemeClr val="tx1"/>
+                      </a:solidFill>
+                      <a:prstDash val="solid"/>
+                      <a:round/>
+                      <a:headEnd type="none" w="med" len="med"/>
+                      <a:tailEnd type="none" w="med" len="med"/>
+                    </a:lnB>
+                    <a:noFill/>
+                  </a:tcPr>
+                </a:tc>
+                <a:tc>
+                  <a:txBody>
+                    <a:bodyPr/>
+                    <a:lstStyle/>
+                    <a:p>
+                      <a:pPr algn="ctr"/>
+                      <a:r>
+                        <a:rPr lang="tr-TR" sz="1800" b="1" dirty="0"/>
+                        <a:t>Natural Language</a:t>
+                      </a:r>
+                    </a:p>
+                    <a:p>
+                      <a:pPr algn="ctr"/>
+                      <a:r>
+                        <a:rPr lang="tr-TR" sz="1800" b="1" dirty="0"/>
+                        <a:t>Processing</a:t>
+                      </a:r>
+                      <a:endParaRPr lang="tr-TR" dirty="0">
+                        <a:solidFill>
+                          <a:sysClr val="windowText" lastClr="000000"/>
+                        </a:solidFill>
+                      </a:endParaRPr>
+                    </a:p>
+                  </a:txBody>
+                  <a:tcPr>
+                    <a:lnL w="12700" cap="flat" cmpd="sng" algn="ctr">
+                      <a:solidFill>
+                        <a:schemeClr val="tx1"/>
+                      </a:solidFill>
+                      <a:prstDash val="solid"/>
+                      <a:round/>
+                      <a:headEnd type="none" w="med" len="med"/>
+                      <a:tailEnd type="none" w="med" len="med"/>
+                    </a:lnL>
+                    <a:lnR w="12700" cap="flat" cmpd="sng" algn="ctr">
+                      <a:solidFill>
+                        <a:schemeClr val="tx1"/>
+                      </a:solidFill>
+                      <a:prstDash val="solid"/>
+                      <a:round/>
+                      <a:headEnd type="none" w="med" len="med"/>
+                      <a:tailEnd type="none" w="med" len="med"/>
+                    </a:lnR>
+                    <a:lnT w="12700" cap="flat" cmpd="sng" algn="ctr">
+                      <a:solidFill>
+                        <a:schemeClr val="tx1"/>
+                      </a:solidFill>
+                      <a:prstDash val="solid"/>
+                      <a:round/>
+                      <a:headEnd type="none" w="med" len="med"/>
+                      <a:tailEnd type="none" w="med" len="med"/>
+                    </a:lnT>
+                    <a:lnB w="12700" cap="flat" cmpd="sng" algn="ctr">
+                      <a:solidFill>
+                        <a:schemeClr val="tx1"/>
+                      </a:solidFill>
+                      <a:prstDash val="solid"/>
+                      <a:round/>
+                      <a:headEnd type="none" w="med" len="med"/>
+                      <a:tailEnd type="none" w="med" len="med"/>
+                    </a:lnB>
+                    <a:noFill/>
+                  </a:tcPr>
+                </a:tc>
+                <a:tc>
+                  <a:txBody>
+                    <a:bodyPr/>
+                    <a:lstStyle/>
+                    <a:p>
+                      <a:pPr marL="0" algn="ctr" defTabSz="914400" rtl="0" eaLnBrk="1" latinLnBrk="0" hangingPunct="1"/>
+                      <a:r>
+                        <a:rPr lang="tr-TR" sz="1800" b="1" kern="1200" dirty="0">
+                          <a:solidFill>
+                            <a:schemeClr val="dk1"/>
+                          </a:solidFill>
+                          <a:latin typeface="+mn-lt"/>
+                          <a:ea typeface="+mn-ea"/>
+                          <a:cs typeface="+mn-cs"/>
+                        </a:rPr>
+                        <a:t>Machine </a:t>
+                      </a:r>
+                    </a:p>
+                    <a:p>
+                      <a:pPr marL="0" algn="ctr" defTabSz="914400" rtl="0" eaLnBrk="1" latinLnBrk="0" hangingPunct="1"/>
+                      <a:r>
+                        <a:rPr lang="tr-TR" sz="1800" b="1" kern="1200" dirty="0">
+                          <a:solidFill>
+                            <a:schemeClr val="dk1"/>
+                          </a:solidFill>
+                          <a:latin typeface="+mn-lt"/>
+                          <a:ea typeface="+mn-ea"/>
+                          <a:cs typeface="+mn-cs"/>
+                        </a:rPr>
+                        <a:t>Learning</a:t>
+                      </a:r>
+                    </a:p>
+                  </a:txBody>
+                  <a:tcPr>
+                    <a:lnL w="12700" cap="flat" cmpd="sng" algn="ctr">
+                      <a:solidFill>
+                        <a:schemeClr val="tx1"/>
+                      </a:solidFill>
+                      <a:prstDash val="solid"/>
+                      <a:round/>
+                      <a:headEnd type="none" w="med" len="med"/>
+                      <a:tailEnd type="none" w="med" len="med"/>
+                    </a:lnL>
+                    <a:lnR w="12700" cap="flat" cmpd="sng" algn="ctr">
+                      <a:solidFill>
+                        <a:schemeClr val="tx1"/>
+                      </a:solidFill>
+                      <a:prstDash val="solid"/>
+                      <a:round/>
+                      <a:headEnd type="none" w="med" len="med"/>
+                      <a:tailEnd type="none" w="med" len="med"/>
+                    </a:lnR>
+                    <a:lnT w="12700" cap="flat" cmpd="sng" algn="ctr">
+                      <a:solidFill>
+                        <a:schemeClr val="tx1"/>
+                      </a:solidFill>
+                      <a:prstDash val="solid"/>
+                      <a:round/>
+                      <a:headEnd type="none" w="med" len="med"/>
+                      <a:tailEnd type="none" w="med" len="med"/>
+                    </a:lnT>
+                    <a:lnB w="12700" cap="flat" cmpd="sng" algn="ctr">
+                      <a:solidFill>
+                        <a:schemeClr val="tx1"/>
+                      </a:solidFill>
+                      <a:prstDash val="solid"/>
+                      <a:round/>
+                      <a:headEnd type="none" w="med" len="med"/>
+                      <a:tailEnd type="none" w="med" len="med"/>
+                    </a:lnB>
+                    <a:noFill/>
+                  </a:tcPr>
+                </a:tc>
+                <a:tc>
+                  <a:txBody>
+                    <a:bodyPr/>
+                    <a:lstStyle/>
+                    <a:p>
+                      <a:pPr algn="ctr"/>
+                      <a:r>
+                        <a:rPr lang="tr-TR" b="1" dirty="0">
+                          <a:solidFill>
+                            <a:sysClr val="windowText" lastClr="000000"/>
+                          </a:solidFill>
+                        </a:rPr>
+                        <a:t>Deep </a:t>
+                      </a:r>
+                    </a:p>
+                    <a:p>
+                      <a:pPr algn="ctr"/>
+                      <a:r>
+                        <a:rPr lang="tr-TR" b="1" dirty="0">
+                          <a:solidFill>
+                            <a:sysClr val="windowText" lastClr="000000"/>
+                          </a:solidFill>
+                        </a:rPr>
+                        <a:t>Learning</a:t>
+                      </a:r>
+                    </a:p>
+                  </a:txBody>
+                  <a:tcPr>
+                    <a:lnL w="12700" cap="flat" cmpd="sng" algn="ctr">
+                      <a:solidFill>
+                        <a:schemeClr val="tx1"/>
+                      </a:solidFill>
+                      <a:prstDash val="solid"/>
+                      <a:round/>
+                      <a:headEnd type="none" w="med" len="med"/>
+                      <a:tailEnd type="none" w="med" len="med"/>
+                    </a:lnL>
+                    <a:lnR w="12700" cap="flat" cmpd="sng" algn="ctr">
+                      <a:solidFill>
+                        <a:schemeClr val="tx1"/>
+                      </a:solidFill>
+                      <a:prstDash val="solid"/>
+                      <a:round/>
+                      <a:headEnd type="none" w="med" len="med"/>
+                      <a:tailEnd type="none" w="med" len="med"/>
+                    </a:lnR>
+                    <a:lnT w="12700" cap="flat" cmpd="sng" algn="ctr">
+                      <a:solidFill>
+                        <a:schemeClr val="tx1"/>
+                      </a:solidFill>
+                      <a:prstDash val="solid"/>
+                      <a:round/>
+                      <a:headEnd type="none" w="med" len="med"/>
+                      <a:tailEnd type="none" w="med" len="med"/>
+                    </a:lnT>
+                    <a:lnB w="12700" cap="flat" cmpd="sng" algn="ctr">
+                      <a:solidFill>
+                        <a:schemeClr val="tx1"/>
+                      </a:solidFill>
+                      <a:prstDash val="solid"/>
+                      <a:round/>
+                      <a:headEnd type="none" w="med" len="med"/>
+                      <a:tailEnd type="none" w="med" len="med"/>
+                    </a:lnB>
+                    <a:noFill/>
+                  </a:tcPr>
+                </a:tc>
+                <a:extLst>
+                  <a:ext uri="{0D108BD9-81ED-4DB2-BD59-A6C34878D82A}">
+                    <a16:rowId xmlns:a16="http://schemas.microsoft.com/office/drawing/2014/main" val="2587826731"/>
+                  </a:ext>
+                </a:extLst>
+              </a:tr>
+            </a:tbl>
+          </a:graphicData>
+        </a:graphic>
+      </p:graphicFrame>
+      <p:grpSp>
+        <p:nvGrpSpPr>
+          <p:cNvPr id="5" name="Group 4">
+            <a:extLst>
+              <a:ext uri="{FF2B5EF4-FFF2-40B4-BE49-F238E27FC236}">
+                <a16:creationId xmlns:a16="http://schemas.microsoft.com/office/drawing/2014/main" id="{97DC5064-D74A-4ED8-82EF-FD5A008800B8}"/>
+              </a:ext>
+            </a:extLst>
+          </p:cNvPr>
+          <p:cNvGrpSpPr/>
+          <p:nvPr/>
+        </p:nvGrpSpPr>
+        <p:grpSpPr>
+          <a:xfrm>
+            <a:off x="1608909" y="2764958"/>
+            <a:ext cx="979865" cy="1306635"/>
+            <a:chOff x="4736649" y="5139505"/>
+            <a:chExt cx="979865" cy="1306635"/>
+          </a:xfrm>
+        </p:grpSpPr>
+        <p:sp>
+          <p:nvSpPr>
+            <p:cNvPr id="6" name="TextBox 5">
+              <a:extLst>
+                <a:ext uri="{FF2B5EF4-FFF2-40B4-BE49-F238E27FC236}">
+                  <a16:creationId xmlns:a16="http://schemas.microsoft.com/office/drawing/2014/main" id="{20815567-C605-4E6B-9EB3-F8771E3B7343}"/>
+                </a:ext>
+              </a:extLst>
+            </p:cNvPr>
+            <p:cNvSpPr txBox="1"/>
+            <p:nvPr/>
+          </p:nvSpPr>
+          <p:spPr>
             <a:xfrm>
-              <a:off x="5746638" y="4257953"/>
-              <a:ext cx="625597" cy="562772"/>
+              <a:off x="4768966" y="5941276"/>
+              <a:ext cx="947548" cy="504864"/>
             </a:xfrm>
-            <a:prstGeom prst="bentConnector2">
+            <a:prstGeom prst="rect">
+              <a:avLst/>
+            </a:prstGeom>
+            <a:noFill/>
+          </p:spPr>
+          <p:txBody>
+            <a:bodyPr wrap="none" rtlCol="0">
+              <a:normAutofit lnSpcReduction="10000"/>
+            </a:bodyPr>
+            <a:lstStyle/>
+            <a:p>
+              <a:r>
+                <a:rPr lang="tr-TR" sz="1400" b="1" dirty="0"/>
+                <a:t>Official </a:t>
+              </a:r>
+            </a:p>
+            <a:p>
+              <a:r>
+                <a:rPr lang="tr-TR" sz="1400" b="1" dirty="0"/>
+                <a:t>Reports</a:t>
+              </a:r>
+            </a:p>
+          </p:txBody>
+        </p:sp>
+        <p:pic>
+          <p:nvPicPr>
+            <p:cNvPr id="7" name="Picture 4" descr="document-management-big - Ville de Gerzat">
+              <a:extLst>
+                <a:ext uri="{FF2B5EF4-FFF2-40B4-BE49-F238E27FC236}">
+                  <a16:creationId xmlns:a16="http://schemas.microsoft.com/office/drawing/2014/main" id="{A33A9037-2492-470A-BF65-4D183C4350F2}"/>
+                </a:ext>
+              </a:extLst>
+            </p:cNvPr>
+            <p:cNvPicPr>
+              <a:picLocks noChangeAspect="1" noChangeArrowheads="1"/>
+            </p:cNvPicPr>
+            <p:nvPr/>
+          </p:nvPicPr>
+          <p:blipFill>
+            <a:blip r:embed="rId3">
+              <a:extLst>
+                <a:ext uri="{28A0092B-C50C-407E-A947-70E740481C1C}">
+                  <a14:useLocalDpi xmlns:a14="http://schemas.microsoft.com/office/drawing/2010/main" val="0"/>
+                </a:ext>
+              </a:extLst>
+            </a:blip>
+            <a:srcRect/>
+            <a:stretch>
+              <a:fillRect/>
+            </a:stretch>
+          </p:blipFill>
+          <p:spPr bwMode="auto">
+            <a:xfrm>
+              <a:off x="4736649" y="5139505"/>
+              <a:ext cx="763927" cy="795179"/>
+            </a:xfrm>
+            <a:prstGeom prst="rect">
+              <a:avLst/>
+            </a:prstGeom>
+            <a:noFill/>
+            <a:extLst>
+              <a:ext uri="{909E8E84-426E-40DD-AFC4-6F175D3DCCD1}">
+                <a14:hiddenFill xmlns:a14="http://schemas.microsoft.com/office/drawing/2010/main">
+                  <a:solidFill>
+                    <a:srgbClr val="FFFFFF"/>
+                  </a:solidFill>
+                </a14:hiddenFill>
+              </a:ext>
+            </a:extLst>
+          </p:spPr>
+        </p:pic>
+      </p:grpSp>
+      <p:grpSp>
+        <p:nvGrpSpPr>
+          <p:cNvPr id="8" name="Group 7">
+            <a:extLst>
+              <a:ext uri="{FF2B5EF4-FFF2-40B4-BE49-F238E27FC236}">
+                <a16:creationId xmlns:a16="http://schemas.microsoft.com/office/drawing/2014/main" id="{BF0429CE-84DE-4DB5-A661-47B46C30A239}"/>
+              </a:ext>
+            </a:extLst>
+          </p:cNvPr>
+          <p:cNvGrpSpPr/>
+          <p:nvPr/>
+        </p:nvGrpSpPr>
+        <p:grpSpPr>
+          <a:xfrm>
+            <a:off x="2485734" y="2736239"/>
+            <a:ext cx="969118" cy="1508861"/>
+            <a:chOff x="5613474" y="5110786"/>
+            <a:chExt cx="969118" cy="1508861"/>
+          </a:xfrm>
+        </p:grpSpPr>
+        <p:sp>
+          <p:nvSpPr>
+            <p:cNvPr id="9" name="TextBox 8">
+              <a:extLst>
+                <a:ext uri="{FF2B5EF4-FFF2-40B4-BE49-F238E27FC236}">
+                  <a16:creationId xmlns:a16="http://schemas.microsoft.com/office/drawing/2014/main" id="{E0989382-3FBA-48CE-A0BA-F9E160F8EDF0}"/>
+                </a:ext>
+              </a:extLst>
+            </p:cNvPr>
+            <p:cNvSpPr txBox="1"/>
+            <p:nvPr/>
+          </p:nvSpPr>
+          <p:spPr>
+            <a:xfrm>
+              <a:off x="5626305" y="5880983"/>
+              <a:ext cx="956287" cy="738664"/>
+            </a:xfrm>
+            <a:prstGeom prst="rect">
+              <a:avLst/>
+            </a:prstGeom>
+            <a:noFill/>
+          </p:spPr>
+          <p:txBody>
+            <a:bodyPr wrap="none" rtlCol="0">
+              <a:spAutoFit/>
+            </a:bodyPr>
+            <a:lstStyle/>
+            <a:p>
+              <a:r>
+                <a:rPr lang="tr-TR" sz="1400" b="1" dirty="0"/>
+                <a:t>Reports of</a:t>
+              </a:r>
+            </a:p>
+            <a:p>
+              <a:r>
+                <a:rPr lang="tr-TR" sz="1400" b="1" dirty="0"/>
+                <a:t>Lessons</a:t>
+              </a:r>
+            </a:p>
+            <a:p>
+              <a:r>
+                <a:rPr lang="tr-TR" sz="1400" b="1" dirty="0"/>
+                <a:t>Learned</a:t>
+              </a:r>
+            </a:p>
+          </p:txBody>
+        </p:sp>
+        <p:pic>
+          <p:nvPicPr>
+            <p:cNvPr id="10" name="Picture 4" descr="document-management-big - Ville de Gerzat">
+              <a:extLst>
+                <a:ext uri="{FF2B5EF4-FFF2-40B4-BE49-F238E27FC236}">
+                  <a16:creationId xmlns:a16="http://schemas.microsoft.com/office/drawing/2014/main" id="{20FE7A83-9B0E-494B-A859-34AAF925161E}"/>
+                </a:ext>
+              </a:extLst>
+            </p:cNvPr>
+            <p:cNvPicPr>
+              <a:picLocks noChangeAspect="1" noChangeArrowheads="1"/>
+            </p:cNvPicPr>
+            <p:nvPr/>
+          </p:nvPicPr>
+          <p:blipFill>
+            <a:blip r:embed="rId3">
+              <a:extLst>
+                <a:ext uri="{28A0092B-C50C-407E-A947-70E740481C1C}">
+                  <a14:useLocalDpi xmlns:a14="http://schemas.microsoft.com/office/drawing/2010/main" val="0"/>
+                </a:ext>
+              </a:extLst>
+            </a:blip>
+            <a:srcRect/>
+            <a:stretch>
+              <a:fillRect/>
+            </a:stretch>
+          </p:blipFill>
+          <p:spPr bwMode="auto">
+            <a:xfrm>
+              <a:off x="5613474" y="5110786"/>
+              <a:ext cx="763927" cy="795179"/>
+            </a:xfrm>
+            <a:prstGeom prst="rect">
+              <a:avLst/>
+            </a:prstGeom>
+            <a:noFill/>
+            <a:extLst>
+              <a:ext uri="{909E8E84-426E-40DD-AFC4-6F175D3DCCD1}">
+                <a14:hiddenFill xmlns:a14="http://schemas.microsoft.com/office/drawing/2010/main">
+                  <a:solidFill>
+                    <a:srgbClr val="FFFFFF"/>
+                  </a:solidFill>
+                </a14:hiddenFill>
+              </a:ext>
+            </a:extLst>
+          </p:spPr>
+        </p:pic>
+      </p:grpSp>
+      <p:grpSp>
+        <p:nvGrpSpPr>
+          <p:cNvPr id="11" name="Group 10">
+            <a:extLst>
+              <a:ext uri="{FF2B5EF4-FFF2-40B4-BE49-F238E27FC236}">
+                <a16:creationId xmlns:a16="http://schemas.microsoft.com/office/drawing/2014/main" id="{328761C0-88BA-47F8-8439-832FADBCBAD3}"/>
+              </a:ext>
+            </a:extLst>
+          </p:cNvPr>
+          <p:cNvGrpSpPr/>
+          <p:nvPr/>
+        </p:nvGrpSpPr>
+        <p:grpSpPr>
+          <a:xfrm>
+            <a:off x="1583159" y="4106904"/>
+            <a:ext cx="852541" cy="1054203"/>
+            <a:chOff x="6397125" y="5139505"/>
+            <a:chExt cx="852541" cy="1054203"/>
+          </a:xfrm>
+        </p:grpSpPr>
+        <p:sp>
+          <p:nvSpPr>
+            <p:cNvPr id="12" name="TextBox 11">
+              <a:extLst>
+                <a:ext uri="{FF2B5EF4-FFF2-40B4-BE49-F238E27FC236}">
+                  <a16:creationId xmlns:a16="http://schemas.microsoft.com/office/drawing/2014/main" id="{881E93C5-0171-4BA1-8A47-0A973344FCF9}"/>
+                </a:ext>
+              </a:extLst>
+            </p:cNvPr>
+            <p:cNvSpPr txBox="1"/>
+            <p:nvPr/>
+          </p:nvSpPr>
+          <p:spPr>
+            <a:xfrm>
+              <a:off x="6397125" y="5885931"/>
+              <a:ext cx="852541" cy="307777"/>
+            </a:xfrm>
+            <a:prstGeom prst="rect">
+              <a:avLst/>
+            </a:prstGeom>
+            <a:noFill/>
+          </p:spPr>
+          <p:txBody>
+            <a:bodyPr wrap="none" rtlCol="0">
+              <a:spAutoFit/>
+            </a:bodyPr>
+            <a:lstStyle/>
+            <a:p>
+              <a:r>
+                <a:rPr lang="tr-TR" sz="1400" b="1" dirty="0"/>
+                <a:t>Memoirs</a:t>
+              </a:r>
+            </a:p>
+          </p:txBody>
+        </p:sp>
+        <p:pic>
+          <p:nvPicPr>
+            <p:cNvPr id="13" name="Picture 4" descr="document-management-big - Ville de Gerzat">
+              <a:extLst>
+                <a:ext uri="{FF2B5EF4-FFF2-40B4-BE49-F238E27FC236}">
+                  <a16:creationId xmlns:a16="http://schemas.microsoft.com/office/drawing/2014/main" id="{5F274E21-75AC-4D47-8A89-325B76C9B863}"/>
+                </a:ext>
+              </a:extLst>
+            </p:cNvPr>
+            <p:cNvPicPr>
+              <a:picLocks noChangeAspect="1" noChangeArrowheads="1"/>
+            </p:cNvPicPr>
+            <p:nvPr/>
+          </p:nvPicPr>
+          <p:blipFill>
+            <a:blip r:embed="rId3">
+              <a:extLst>
+                <a:ext uri="{28A0092B-C50C-407E-A947-70E740481C1C}">
+                  <a14:useLocalDpi xmlns:a14="http://schemas.microsoft.com/office/drawing/2010/main" val="0"/>
+                </a:ext>
+              </a:extLst>
+            </a:blip>
+            <a:srcRect/>
+            <a:stretch>
+              <a:fillRect/>
+            </a:stretch>
+          </p:blipFill>
+          <p:spPr bwMode="auto">
+            <a:xfrm>
+              <a:off x="6436752" y="5139505"/>
+              <a:ext cx="763927" cy="795179"/>
+            </a:xfrm>
+            <a:prstGeom prst="rect">
+              <a:avLst/>
+            </a:prstGeom>
+            <a:noFill/>
+            <a:extLst>
+              <a:ext uri="{909E8E84-426E-40DD-AFC4-6F175D3DCCD1}">
+                <a14:hiddenFill xmlns:a14="http://schemas.microsoft.com/office/drawing/2010/main">
+                  <a:solidFill>
+                    <a:srgbClr val="FFFFFF"/>
+                  </a:solidFill>
+                </a14:hiddenFill>
+              </a:ext>
+            </a:extLst>
+          </p:spPr>
+        </p:pic>
+      </p:grpSp>
+      <p:grpSp>
+        <p:nvGrpSpPr>
+          <p:cNvPr id="14" name="Group 13">
+            <a:extLst>
+              <a:ext uri="{FF2B5EF4-FFF2-40B4-BE49-F238E27FC236}">
+                <a16:creationId xmlns:a16="http://schemas.microsoft.com/office/drawing/2014/main" id="{DE32A5F1-A6A2-417F-9416-0C151C8E3EBC}"/>
+              </a:ext>
+            </a:extLst>
+          </p:cNvPr>
+          <p:cNvGrpSpPr/>
+          <p:nvPr/>
+        </p:nvGrpSpPr>
+        <p:grpSpPr>
+          <a:xfrm>
+            <a:off x="2475327" y="4220791"/>
+            <a:ext cx="803554" cy="1054203"/>
+            <a:chOff x="6397125" y="5139505"/>
+            <a:chExt cx="803554" cy="1054203"/>
+          </a:xfrm>
+        </p:grpSpPr>
+        <p:sp>
+          <p:nvSpPr>
+            <p:cNvPr id="15" name="TextBox 14">
+              <a:extLst>
+                <a:ext uri="{FF2B5EF4-FFF2-40B4-BE49-F238E27FC236}">
+                  <a16:creationId xmlns:a16="http://schemas.microsoft.com/office/drawing/2014/main" id="{2F4474FE-21F9-45FD-80DC-EDE502C6D6B1}"/>
+                </a:ext>
+              </a:extLst>
+            </p:cNvPr>
+            <p:cNvSpPr txBox="1"/>
+            <p:nvPr/>
+          </p:nvSpPr>
+          <p:spPr>
+            <a:xfrm>
+              <a:off x="6397125" y="5885931"/>
+              <a:ext cx="699230" cy="307777"/>
+            </a:xfrm>
+            <a:prstGeom prst="rect">
+              <a:avLst/>
+            </a:prstGeom>
+            <a:noFill/>
+          </p:spPr>
+          <p:txBody>
+            <a:bodyPr wrap="none" rtlCol="0">
+              <a:spAutoFit/>
+            </a:bodyPr>
+            <a:lstStyle/>
+            <a:p>
+              <a:r>
+                <a:rPr lang="tr-TR" sz="1400" b="1" dirty="0"/>
+                <a:t>Audios</a:t>
+              </a:r>
+            </a:p>
+          </p:txBody>
+        </p:sp>
+        <p:pic>
+          <p:nvPicPr>
+            <p:cNvPr id="16" name="Picture 4" descr="document-management-big - Ville de Gerzat">
+              <a:extLst>
+                <a:ext uri="{FF2B5EF4-FFF2-40B4-BE49-F238E27FC236}">
+                  <a16:creationId xmlns:a16="http://schemas.microsoft.com/office/drawing/2014/main" id="{A9C40AEA-6363-43F1-B8F7-D1FCF07252CF}"/>
+                </a:ext>
+              </a:extLst>
+            </p:cNvPr>
+            <p:cNvPicPr>
+              <a:picLocks noChangeAspect="1" noChangeArrowheads="1"/>
+            </p:cNvPicPr>
+            <p:nvPr/>
+          </p:nvPicPr>
+          <p:blipFill>
+            <a:blip r:embed="rId3">
+              <a:extLst>
+                <a:ext uri="{28A0092B-C50C-407E-A947-70E740481C1C}">
+                  <a14:useLocalDpi xmlns:a14="http://schemas.microsoft.com/office/drawing/2010/main" val="0"/>
+                </a:ext>
+              </a:extLst>
+            </a:blip>
+            <a:srcRect/>
+            <a:stretch>
+              <a:fillRect/>
+            </a:stretch>
+          </p:blipFill>
+          <p:spPr bwMode="auto">
+            <a:xfrm>
+              <a:off x="6436752" y="5139505"/>
+              <a:ext cx="763927" cy="795179"/>
+            </a:xfrm>
+            <a:prstGeom prst="rect">
+              <a:avLst/>
+            </a:prstGeom>
+            <a:noFill/>
+            <a:extLst>
+              <a:ext uri="{909E8E84-426E-40DD-AFC4-6F175D3DCCD1}">
+                <a14:hiddenFill xmlns:a14="http://schemas.microsoft.com/office/drawing/2010/main">
+                  <a:solidFill>
+                    <a:srgbClr val="FFFFFF"/>
+                  </a:solidFill>
+                </a14:hiddenFill>
+              </a:ext>
+            </a:extLst>
+          </p:spPr>
+        </p:pic>
+      </p:grpSp>
+      <p:grpSp>
+        <p:nvGrpSpPr>
+          <p:cNvPr id="17" name="Group 16">
+            <a:extLst>
+              <a:ext uri="{FF2B5EF4-FFF2-40B4-BE49-F238E27FC236}">
+                <a16:creationId xmlns:a16="http://schemas.microsoft.com/office/drawing/2014/main" id="{95BBDD84-D3F7-4489-B86D-058FDBC1ED10}"/>
+              </a:ext>
+            </a:extLst>
+          </p:cNvPr>
+          <p:cNvGrpSpPr/>
+          <p:nvPr/>
+        </p:nvGrpSpPr>
+        <p:grpSpPr>
+          <a:xfrm>
+            <a:off x="3860626" y="1720283"/>
+            <a:ext cx="7079512" cy="2007975"/>
+            <a:chOff x="3129026" y="1442613"/>
+            <a:chExt cx="6978589" cy="2226997"/>
+          </a:xfrm>
+        </p:grpSpPr>
+        <p:pic>
+          <p:nvPicPr>
+            <p:cNvPr id="18" name="Picture 12" descr="Defining Communities with ESRI&amp;#39;s Grouping Analysis Tool | Azavea">
+              <a:extLst>
+                <a:ext uri="{FF2B5EF4-FFF2-40B4-BE49-F238E27FC236}">
+                  <a16:creationId xmlns:a16="http://schemas.microsoft.com/office/drawing/2014/main" id="{771CAB53-D0DB-493A-8B4B-5736F7544A69}"/>
+                </a:ext>
+              </a:extLst>
+            </p:cNvPr>
+            <p:cNvPicPr>
+              <a:picLocks noChangeAspect="1" noChangeArrowheads="1"/>
+            </p:cNvPicPr>
+            <p:nvPr/>
+          </p:nvPicPr>
+          <p:blipFill>
+            <a:blip r:embed="rId4">
+              <a:extLst>
+                <a:ext uri="{28A0092B-C50C-407E-A947-70E740481C1C}">
+                  <a14:useLocalDpi xmlns:a14="http://schemas.microsoft.com/office/drawing/2010/main" val="0"/>
+                </a:ext>
+              </a:extLst>
+            </a:blip>
+            <a:srcRect/>
+            <a:stretch>
+              <a:fillRect/>
+            </a:stretch>
+          </p:blipFill>
+          <p:spPr bwMode="auto">
+            <a:xfrm>
+              <a:off x="3129026" y="1442613"/>
+              <a:ext cx="4099854" cy="2226997"/>
+            </a:xfrm>
+            <a:prstGeom prst="rect">
+              <a:avLst/>
+            </a:prstGeom>
+            <a:noFill/>
+            <a:extLst>
+              <a:ext uri="{909E8E84-426E-40DD-AFC4-6F175D3DCCD1}">
+                <a14:hiddenFill xmlns:a14="http://schemas.microsoft.com/office/drawing/2010/main">
+                  <a:solidFill>
+                    <a:srgbClr val="FFFFFF"/>
+                  </a:solidFill>
+                </a14:hiddenFill>
+              </a:ext>
+            </a:extLst>
+          </p:spPr>
+        </p:pic>
+        <p:sp>
+          <p:nvSpPr>
+            <p:cNvPr id="19" name="TextBox 18">
+              <a:extLst>
+                <a:ext uri="{FF2B5EF4-FFF2-40B4-BE49-F238E27FC236}">
+                  <a16:creationId xmlns:a16="http://schemas.microsoft.com/office/drawing/2014/main" id="{2347A859-AD54-4A61-ACD3-8336BBC60D34}"/>
+                </a:ext>
+              </a:extLst>
+            </p:cNvPr>
+            <p:cNvSpPr txBox="1"/>
+            <p:nvPr/>
+          </p:nvSpPr>
+          <p:spPr>
+            <a:xfrm>
+              <a:off x="5844081" y="2914543"/>
+              <a:ext cx="1188596" cy="369332"/>
+            </a:xfrm>
+            <a:prstGeom prst="rect">
+              <a:avLst/>
+            </a:prstGeom>
+            <a:solidFill>
+              <a:schemeClr val="bg1">
+                <a:lumMod val="95000"/>
+                <a:alpha val="72000"/>
+              </a:schemeClr>
+            </a:solidFill>
+            <a:ln>
+              <a:noFill/>
+            </a:ln>
+          </p:spPr>
+          <p:txBody>
+            <a:bodyPr wrap="square">
+              <a:spAutoFit/>
+            </a:bodyPr>
+            <a:lstStyle>
+              <a:defPPr>
+                <a:defRPr lang="tr-TR"/>
+              </a:defPPr>
+              <a:lvl1pPr>
+                <a:defRPr b="1"/>
+              </a:lvl1pPr>
+            </a:lstStyle>
+            <a:p>
+              <a:r>
+                <a:rPr lang="tr-TR" dirty="0"/>
+                <a:t>leadership</a:t>
+              </a:r>
+            </a:p>
+          </p:txBody>
+        </p:sp>
+        <p:sp>
+          <p:nvSpPr>
+            <p:cNvPr id="20" name="TextBox 19">
+              <a:extLst>
+                <a:ext uri="{FF2B5EF4-FFF2-40B4-BE49-F238E27FC236}">
+                  <a16:creationId xmlns:a16="http://schemas.microsoft.com/office/drawing/2014/main" id="{C158DEF1-A452-44A1-9A37-9E28064406C4}"/>
+                </a:ext>
+              </a:extLst>
+            </p:cNvPr>
+            <p:cNvSpPr txBox="1"/>
+            <p:nvPr/>
+          </p:nvSpPr>
+          <p:spPr>
+            <a:xfrm>
+              <a:off x="8740303" y="1536736"/>
+              <a:ext cx="1367312" cy="716830"/>
+            </a:xfrm>
+            <a:prstGeom prst="rect">
+              <a:avLst/>
+            </a:prstGeom>
+            <a:noFill/>
+            <a:ln>
+              <a:noFill/>
+            </a:ln>
+          </p:spPr>
+          <p:txBody>
+            <a:bodyPr wrap="square">
+              <a:spAutoFit/>
+            </a:bodyPr>
+            <a:lstStyle/>
+            <a:p>
+              <a:pPr algn="ctr"/>
+              <a:r>
+                <a:rPr lang="tr-TR" sz="1800" b="1" dirty="0"/>
+                <a:t>Relationship</a:t>
+              </a:r>
+            </a:p>
+            <a:p>
+              <a:pPr algn="ctr"/>
+              <a:r>
+                <a:rPr lang="tr-TR" sz="1800" b="1" dirty="0"/>
+                <a:t>links</a:t>
+              </a:r>
+              <a:endParaRPr lang="tr-TR" b="1" dirty="0"/>
+            </a:p>
+          </p:txBody>
+        </p:sp>
+        <p:sp>
+          <p:nvSpPr>
+            <p:cNvPr id="21" name="TextBox 20">
+              <a:extLst>
+                <a:ext uri="{FF2B5EF4-FFF2-40B4-BE49-F238E27FC236}">
+                  <a16:creationId xmlns:a16="http://schemas.microsoft.com/office/drawing/2014/main" id="{BD4EBDE8-37F5-4F36-BEA0-C12CD12B835C}"/>
+                </a:ext>
+              </a:extLst>
+            </p:cNvPr>
+            <p:cNvSpPr txBox="1"/>
+            <p:nvPr/>
+          </p:nvSpPr>
+          <p:spPr>
+            <a:xfrm>
+              <a:off x="5651224" y="2291770"/>
+              <a:ext cx="876825" cy="369332"/>
+            </a:xfrm>
+            <a:prstGeom prst="rect">
+              <a:avLst/>
+            </a:prstGeom>
+            <a:solidFill>
+              <a:schemeClr val="bg1">
+                <a:lumMod val="95000"/>
+                <a:alpha val="72000"/>
+              </a:schemeClr>
+            </a:solidFill>
+            <a:ln>
+              <a:noFill/>
+            </a:ln>
+          </p:spPr>
+          <p:txBody>
+            <a:bodyPr wrap="square">
+              <a:spAutoFit/>
+            </a:bodyPr>
+            <a:lstStyle>
+              <a:defPPr>
+                <a:defRPr lang="tr-TR"/>
+              </a:defPPr>
+              <a:lvl1pPr>
+                <a:defRPr b="1"/>
+              </a:lvl1pPr>
+            </a:lstStyle>
+            <a:p>
+              <a:r>
+                <a:rPr lang="tr-TR" dirty="0"/>
+                <a:t>others</a:t>
+              </a:r>
+            </a:p>
+          </p:txBody>
+        </p:sp>
+      </p:grpSp>
+      <p:grpSp>
+        <p:nvGrpSpPr>
+          <p:cNvPr id="22" name="Group 21">
+            <a:extLst>
+              <a:ext uri="{FF2B5EF4-FFF2-40B4-BE49-F238E27FC236}">
+                <a16:creationId xmlns:a16="http://schemas.microsoft.com/office/drawing/2014/main" id="{7963EAB6-72DC-4079-A84A-763408A16EDE}"/>
+              </a:ext>
+            </a:extLst>
+          </p:cNvPr>
+          <p:cNvGrpSpPr/>
+          <p:nvPr/>
+        </p:nvGrpSpPr>
+        <p:grpSpPr>
+          <a:xfrm>
+            <a:off x="3474556" y="3919898"/>
+            <a:ext cx="4685105" cy="1986417"/>
+            <a:chOff x="2825414" y="3985025"/>
+            <a:chExt cx="4685105" cy="1986417"/>
+          </a:xfrm>
+        </p:grpSpPr>
+        <p:sp>
+          <p:nvSpPr>
+            <p:cNvPr id="23" name="Rectangle: Rounded Corners 22">
+              <a:extLst>
+                <a:ext uri="{FF2B5EF4-FFF2-40B4-BE49-F238E27FC236}">
+                  <a16:creationId xmlns:a16="http://schemas.microsoft.com/office/drawing/2014/main" id="{D66E0A7C-135C-4113-A901-CA18DEF84402}"/>
+                </a:ext>
+              </a:extLst>
+            </p:cNvPr>
+            <p:cNvSpPr/>
+            <p:nvPr/>
+          </p:nvSpPr>
+          <p:spPr>
+            <a:xfrm>
+              <a:off x="2825414" y="5378841"/>
+              <a:ext cx="2172000" cy="592601"/>
+            </a:xfrm>
+            <a:prstGeom prst="roundRect">
+              <a:avLst/>
+            </a:prstGeom>
+            <a:solidFill>
+              <a:schemeClr val="accent1">
+                <a:alpha val="8000"/>
+              </a:schemeClr>
+            </a:solidFill>
+          </p:spPr>
+          <p:style>
+            <a:lnRef idx="2">
+              <a:schemeClr val="accent1">
+                <a:shade val="50000"/>
+              </a:schemeClr>
+            </a:lnRef>
+            <a:fillRef idx="1">
+              <a:schemeClr val="accent1"/>
+            </a:fillRef>
+            <a:effectRef idx="0">
+              <a:schemeClr val="accent1"/>
+            </a:effectRef>
+            <a:fontRef idx="minor">
+              <a:schemeClr val="lt1"/>
+            </a:fontRef>
+          </p:style>
+          <p:txBody>
+            <a:bodyPr rtlCol="0" anchor="ctr"/>
+            <a:lstStyle/>
+            <a:p>
+              <a:pPr algn="ctr"/>
+              <a:r>
+                <a:rPr lang="tr-TR" b="1" dirty="0">
+                  <a:solidFill>
+                    <a:schemeClr val="tx1"/>
+                  </a:solidFill>
+                </a:rPr>
+                <a:t>Named Entitiy Recognition</a:t>
+              </a:r>
+            </a:p>
+          </p:txBody>
+        </p:sp>
+        <p:sp>
+          <p:nvSpPr>
+            <p:cNvPr id="24" name="Rectangle: Rounded Corners 23">
+              <a:extLst>
+                <a:ext uri="{FF2B5EF4-FFF2-40B4-BE49-F238E27FC236}">
+                  <a16:creationId xmlns:a16="http://schemas.microsoft.com/office/drawing/2014/main" id="{38496A75-64B3-4C35-8DE3-4E758E6BD849}"/>
+                </a:ext>
+              </a:extLst>
+            </p:cNvPr>
+            <p:cNvSpPr/>
+            <p:nvPr/>
+          </p:nvSpPr>
+          <p:spPr>
+            <a:xfrm>
+              <a:off x="6047715" y="5376089"/>
+              <a:ext cx="1462804" cy="572587"/>
+            </a:xfrm>
+            <a:prstGeom prst="roundRect">
+              <a:avLst/>
+            </a:prstGeom>
+            <a:solidFill>
+              <a:schemeClr val="accent1">
+                <a:alpha val="8000"/>
+              </a:schemeClr>
+            </a:solidFill>
+          </p:spPr>
+          <p:style>
+            <a:lnRef idx="2">
+              <a:schemeClr val="accent1">
+                <a:shade val="50000"/>
+              </a:schemeClr>
+            </a:lnRef>
+            <a:fillRef idx="1">
+              <a:schemeClr val="accent1"/>
+            </a:fillRef>
+            <a:effectRef idx="0">
+              <a:schemeClr val="accent1"/>
+            </a:effectRef>
+            <a:fontRef idx="minor">
+              <a:schemeClr val="lt1"/>
+            </a:fontRef>
+          </p:style>
+          <p:txBody>
+            <a:bodyPr rtlCol="0" anchor="ctr"/>
+            <a:lstStyle/>
+            <a:p>
+              <a:pPr algn="ctr"/>
+              <a:r>
+                <a:rPr lang="tr-TR" b="1" dirty="0">
+                  <a:solidFill>
+                    <a:schemeClr val="tx1"/>
+                  </a:solidFill>
+                </a:rPr>
+                <a:t>Relation Extraction</a:t>
+              </a:r>
+            </a:p>
+          </p:txBody>
+        </p:sp>
+        <p:sp>
+          <p:nvSpPr>
+            <p:cNvPr id="25" name="TextBox 24">
+              <a:extLst>
+                <a:ext uri="{FF2B5EF4-FFF2-40B4-BE49-F238E27FC236}">
+                  <a16:creationId xmlns:a16="http://schemas.microsoft.com/office/drawing/2014/main" id="{799FDA29-1A63-4ECE-90CF-BFC9203AB889}"/>
+                </a:ext>
+              </a:extLst>
+            </p:cNvPr>
+            <p:cNvSpPr txBox="1"/>
+            <p:nvPr/>
+          </p:nvSpPr>
+          <p:spPr>
+            <a:xfrm>
+              <a:off x="4368580" y="3985025"/>
+              <a:ext cx="1959896" cy="923330"/>
+            </a:xfrm>
+            <a:prstGeom prst="rect">
+              <a:avLst/>
+            </a:prstGeom>
+            <a:noFill/>
+            <a:ln>
+              <a:solidFill>
+                <a:schemeClr val="tx1"/>
+              </a:solidFill>
+            </a:ln>
+          </p:spPr>
+          <p:txBody>
+            <a:bodyPr wrap="none" rtlCol="0">
+              <a:spAutoFit/>
+            </a:bodyPr>
+            <a:lstStyle/>
+            <a:p>
+              <a:pPr algn="ctr"/>
+              <a:r>
+                <a:rPr lang="tr-TR" b="1" dirty="0"/>
+                <a:t>Training of Models</a:t>
+              </a:r>
+            </a:p>
+            <a:p>
+              <a:pPr algn="ctr"/>
+              <a:r>
+                <a:rPr lang="tr-TR" sz="1800" b="1" dirty="0">
+                  <a:solidFill>
+                    <a:srgbClr val="000000"/>
+                  </a:solidFill>
+                  <a:effectLst/>
+                  <a:latin typeface="Calibri" panose="020F0502020204030204" pitchFamily="34" charset="0"/>
+                  <a:ea typeface="Times New Roman" panose="02020603050405020304" pitchFamily="18" charset="0"/>
+                </a:rPr>
+                <a:t>with Language </a:t>
+              </a:r>
+            </a:p>
+            <a:p>
+              <a:pPr algn="ctr"/>
+              <a:r>
+                <a:rPr lang="tr-TR" sz="1800" b="1" dirty="0">
+                  <a:solidFill>
+                    <a:srgbClr val="000000"/>
+                  </a:solidFill>
+                  <a:effectLst/>
+                  <a:latin typeface="Calibri" panose="020F0502020204030204" pitchFamily="34" charset="0"/>
+                  <a:ea typeface="Times New Roman" panose="02020603050405020304" pitchFamily="18" charset="0"/>
+                </a:rPr>
+                <a:t>Rep. Techniques</a:t>
+              </a:r>
+              <a:endParaRPr lang="tr-TR" b="1" dirty="0"/>
+            </a:p>
+          </p:txBody>
+        </p:sp>
+        <p:cxnSp>
+          <p:nvCxnSpPr>
+            <p:cNvPr id="26" name="Connector: Elbow 25">
+              <a:extLst>
+                <a:ext uri="{FF2B5EF4-FFF2-40B4-BE49-F238E27FC236}">
+                  <a16:creationId xmlns:a16="http://schemas.microsoft.com/office/drawing/2014/main" id="{FF5A59E5-3435-487A-A9ED-8878179F4544}"/>
+                </a:ext>
+              </a:extLst>
+            </p:cNvPr>
+            <p:cNvCxnSpPr>
+              <a:stCxn id="25" idx="2"/>
+              <a:endCxn id="23" idx="0"/>
+            </p:cNvCxnSpPr>
+            <p:nvPr/>
+          </p:nvCxnSpPr>
+          <p:spPr>
+            <a:xfrm rot="5400000">
+              <a:off x="4394728" y="4425041"/>
+              <a:ext cx="470486" cy="1437114"/>
+            </a:xfrm>
+            <a:prstGeom prst="bentConnector3">
+              <a:avLst/>
+            </a:prstGeom>
+            <a:ln>
+              <a:tailEnd type="triangle"/>
+            </a:ln>
+          </p:spPr>
+          <p:style>
+            <a:lnRef idx="1">
+              <a:schemeClr val="accent1"/>
+            </a:lnRef>
+            <a:fillRef idx="0">
+              <a:schemeClr val="accent1"/>
+            </a:fillRef>
+            <a:effectRef idx="0">
+              <a:schemeClr val="accent1"/>
+            </a:effectRef>
+            <a:fontRef idx="minor">
+              <a:schemeClr val="tx1"/>
+            </a:fontRef>
+          </p:style>
+        </p:cxnSp>
+        <p:cxnSp>
+          <p:nvCxnSpPr>
+            <p:cNvPr id="27" name="Connector: Elbow 26">
+              <a:extLst>
+                <a:ext uri="{FF2B5EF4-FFF2-40B4-BE49-F238E27FC236}">
+                  <a16:creationId xmlns:a16="http://schemas.microsoft.com/office/drawing/2014/main" id="{BF3BBBB4-1973-47F4-B330-2A5705F30B9E}"/>
+                </a:ext>
+              </a:extLst>
+            </p:cNvPr>
+            <p:cNvCxnSpPr>
+              <a:stCxn id="25" idx="2"/>
+              <a:endCxn id="24" idx="0"/>
+            </p:cNvCxnSpPr>
+            <p:nvPr/>
+          </p:nvCxnSpPr>
+          <p:spPr>
+            <a:xfrm rot="16200000" flipH="1">
+              <a:off x="5829955" y="4426927"/>
+              <a:ext cx="467734" cy="1430589"/>
+            </a:xfrm>
+            <a:prstGeom prst="bentConnector3">
               <a:avLst/>
             </a:prstGeom>
             <a:ln>
@@ -18670,10 +21545,147 @@
       </p:grpSp>
       <p:pic>
         <p:nvPicPr>
-          <p:cNvPr id="2052" name="Picture 4" descr="Schematic model of the deep learning algorithm in endoscopy. | Download  Scientific Diagram">
+          <p:cNvPr id="38" name="Picture 4" descr="Schematic model of the deep learning algorithm in endoscopy. | Download  Scientific Diagram">
             <a:extLst>
               <a:ext uri="{FF2B5EF4-FFF2-40B4-BE49-F238E27FC236}">
-                <a16:creationId xmlns:a16="http://schemas.microsoft.com/office/drawing/2014/main" id="{3DC42CB4-DCCB-439A-A33C-634A350FAA0C}"/>
+                <a16:creationId xmlns:a16="http://schemas.microsoft.com/office/drawing/2014/main" id="{1E02B365-E203-4FC5-A03E-3AF58F21465C}"/>
+              </a:ext>
+            </a:extLst>
+          </p:cNvPr>
+          <p:cNvPicPr>
+            <a:picLocks noChangeAspect="1" noChangeArrowheads="1"/>
+          </p:cNvPicPr>
+          <p:nvPr/>
+        </p:nvPicPr>
+        <p:blipFill rotWithShape="1">
+          <a:blip r:embed="rId5">
+            <a:extLst>
+              <a:ext uri="{28A0092B-C50C-407E-A947-70E740481C1C}">
+                <a14:useLocalDpi xmlns:a14="http://schemas.microsoft.com/office/drawing/2010/main" val="0"/>
+              </a:ext>
+            </a:extLst>
+          </a:blip>
+          <a:srcRect l="20149" r="29155" b="8218"/>
+          <a:stretch/>
+        </p:blipFill>
+        <p:spPr bwMode="auto">
+          <a:xfrm>
+            <a:off x="8370739" y="2487149"/>
+            <a:ext cx="2592000" cy="2804590"/>
+          </a:xfrm>
+          <a:prstGeom prst="rect">
+            <a:avLst/>
+          </a:prstGeom>
+          <a:noFill/>
+          <a:extLst>
+            <a:ext uri="{909E8E84-426E-40DD-AFC4-6F175D3DCCD1}">
+              <a14:hiddenFill xmlns:a14="http://schemas.microsoft.com/office/drawing/2010/main">
+                <a:solidFill>
+                  <a:srgbClr val="FFFFFF"/>
+                </a:solidFill>
+              </a14:hiddenFill>
+            </a:ext>
+          </a:extLst>
+        </p:spPr>
+      </p:pic>
+      <p:cxnSp>
+        <p:nvCxnSpPr>
+          <p:cNvPr id="45" name="Connector: Curved 44">
+            <a:extLst>
+              <a:ext uri="{FF2B5EF4-FFF2-40B4-BE49-F238E27FC236}">
+                <a16:creationId xmlns:a16="http://schemas.microsoft.com/office/drawing/2014/main" id="{88C58731-9C82-4323-8CDF-4B3676598674}"/>
+              </a:ext>
+            </a:extLst>
+          </p:cNvPr>
+          <p:cNvCxnSpPr/>
+          <p:nvPr/>
+        </p:nvCxnSpPr>
+        <p:spPr>
+          <a:xfrm>
+            <a:off x="9192986" y="2485927"/>
+            <a:ext cx="637656" cy="250312"/>
+          </a:xfrm>
+          <a:prstGeom prst="curvedConnector3">
+            <a:avLst>
+              <a:gd name="adj1" fmla="val 111457"/>
+            </a:avLst>
+          </a:prstGeom>
+          <a:ln w="28575">
+            <a:solidFill>
+              <a:srgbClr val="FF0000"/>
+            </a:solidFill>
+            <a:headEnd type="triangle"/>
+            <a:tailEnd type="triangle"/>
+          </a:ln>
+        </p:spPr>
+        <p:style>
+          <a:lnRef idx="1">
+            <a:schemeClr val="accent1"/>
+          </a:lnRef>
+          <a:fillRef idx="0">
+            <a:schemeClr val="accent1"/>
+          </a:fillRef>
+          <a:effectRef idx="0">
+            <a:schemeClr val="accent1"/>
+          </a:effectRef>
+          <a:fontRef idx="minor">
+            <a:schemeClr val="tx1"/>
+          </a:fontRef>
+        </p:style>
+      </p:cxnSp>
+      <p:cxnSp>
+        <p:nvCxnSpPr>
+          <p:cNvPr id="50" name="Connector: Curved 49">
+            <a:extLst>
+              <a:ext uri="{FF2B5EF4-FFF2-40B4-BE49-F238E27FC236}">
+                <a16:creationId xmlns:a16="http://schemas.microsoft.com/office/drawing/2014/main" id="{9DFEC8BF-E452-4ACC-B205-D5FF238C6B2D}"/>
+              </a:ext>
+            </a:extLst>
+          </p:cNvPr>
+          <p:cNvCxnSpPr>
+            <a:cxnSpLocks/>
+          </p:cNvCxnSpPr>
+          <p:nvPr/>
+        </p:nvCxnSpPr>
+        <p:spPr>
+          <a:xfrm>
+            <a:off x="9847813" y="2818936"/>
+            <a:ext cx="537158" cy="314892"/>
+          </a:xfrm>
+          <a:prstGeom prst="curvedConnector3">
+            <a:avLst>
+              <a:gd name="adj1" fmla="val 119916"/>
+            </a:avLst>
+          </a:prstGeom>
+          <a:ln w="28575">
+            <a:solidFill>
+              <a:srgbClr val="FF0000"/>
+            </a:solidFill>
+            <a:headEnd type="triangle"/>
+            <a:tailEnd type="triangle"/>
+          </a:ln>
+        </p:spPr>
+        <p:style>
+          <a:lnRef idx="1">
+            <a:schemeClr val="accent1"/>
+          </a:lnRef>
+          <a:fillRef idx="0">
+            <a:schemeClr val="accent1"/>
+          </a:fillRef>
+          <a:effectRef idx="0">
+            <a:schemeClr val="accent1"/>
+          </a:effectRef>
+          <a:fontRef idx="minor">
+            <a:schemeClr val="tx1"/>
+          </a:fontRef>
+        </p:style>
+      </p:cxnSp>
+      <p:pic>
+        <p:nvPicPr>
+          <p:cNvPr id="1034" name="Picture 10" descr="Green Tick and Red Cross. Set of Check Marks. Good for Projects. Yes or No  Choice. Stock Vector - Illustration of agree, check: 195892137">
+            <a:extLst>
+              <a:ext uri="{FF2B5EF4-FFF2-40B4-BE49-F238E27FC236}">
+                <a16:creationId xmlns:a16="http://schemas.microsoft.com/office/drawing/2014/main" id="{ABAD7E9C-0657-4D6A-B71A-3863E993146E}"/>
               </a:ext>
             </a:extLst>
           </p:cNvPr>
@@ -18690,13 +21702,13 @@
               </a:ext>
             </a:extLst>
           </a:blip>
-          <a:srcRect l="20150" r="19926" b="8218"/>
+          <a:srcRect l="-1854" r="51850"/>
           <a:stretch/>
         </p:blipFill>
         <p:spPr bwMode="auto">
           <a:xfrm>
-            <a:off x="7870161" y="2026705"/>
-            <a:ext cx="3063897" cy="2804590"/>
+            <a:off x="11040169" y="3109086"/>
+            <a:ext cx="612000" cy="844664"/>
           </a:xfrm>
           <a:prstGeom prst="rect">
             <a:avLst/>
@@ -18715,82 +21727,55 @@
       </p:pic>
       <p:pic>
         <p:nvPicPr>
-          <p:cNvPr id="30" name="Picture 29" descr="Icon, arrow&#10;&#10;Description automatically generated">
+          <p:cNvPr id="56" name="Picture 10" descr="Green Tick and Red Cross. Set of Check Marks. Good for Projects. Yes or No  Choice. Stock Vector - Illustration of agree, check: 195892137">
             <a:extLst>
               <a:ext uri="{FF2B5EF4-FFF2-40B4-BE49-F238E27FC236}">
-                <a16:creationId xmlns:a16="http://schemas.microsoft.com/office/drawing/2014/main" id="{CF93AF1B-678D-4817-B62E-4091F4FC54F2}"/>
+                <a16:creationId xmlns:a16="http://schemas.microsoft.com/office/drawing/2014/main" id="{D0D68736-BEC2-4AAD-9C04-74A027C12FEB}"/>
               </a:ext>
             </a:extLst>
           </p:cNvPr>
           <p:cNvPicPr>
-            <a:picLocks noChangeAspect="1"/>
+            <a:picLocks noChangeAspect="1" noChangeArrowheads="1"/>
           </p:cNvPicPr>
           <p:nvPr/>
         </p:nvPicPr>
-        <p:blipFill>
-          <a:blip r:embed="rId5">
+        <p:blipFill rotWithShape="1">
+          <a:blip r:embed="rId6">
             <a:extLst>
               <a:ext uri="{28A0092B-C50C-407E-A947-70E740481C1C}">
                 <a14:useLocalDpi xmlns:a14="http://schemas.microsoft.com/office/drawing/2010/main" val="0"/>
               </a:ext>
             </a:extLst>
           </a:blip>
-          <a:stretch>
-            <a:fillRect/>
-          </a:stretch>
+          <a:srcRect l="44636" r="4308"/>
+          <a:stretch/>
         </p:blipFill>
-        <p:spPr>
-          <a:xfrm rot="11875284">
-            <a:off x="7309740" y="1865697"/>
-            <a:ext cx="837933" cy="773735"/>
+        <p:spPr bwMode="auto">
+          <a:xfrm>
+            <a:off x="11119308" y="3875768"/>
+            <a:ext cx="648000" cy="844664"/>
           </a:xfrm>
           <a:prstGeom prst="rect">
             <a:avLst/>
           </a:prstGeom>
-        </p:spPr>
-      </p:pic>
-      <p:pic>
-        <p:nvPicPr>
-          <p:cNvPr id="48" name="Picture 47" descr="Icon, arrow&#10;&#10;Description automatically generated">
-            <a:extLst>
-              <a:ext uri="{FF2B5EF4-FFF2-40B4-BE49-F238E27FC236}">
-                <a16:creationId xmlns:a16="http://schemas.microsoft.com/office/drawing/2014/main" id="{7BDFA041-B050-4C0F-B0AE-D60E9A23BAD3}"/>
-              </a:ext>
-            </a:extLst>
-          </p:cNvPr>
-          <p:cNvPicPr>
-            <a:picLocks noChangeAspect="1"/>
-          </p:cNvPicPr>
-          <p:nvPr/>
-        </p:nvPicPr>
-        <p:blipFill>
-          <a:blip r:embed="rId5">
-            <a:extLst>
-              <a:ext uri="{28A0092B-C50C-407E-A947-70E740481C1C}">
-                <a14:useLocalDpi xmlns:a14="http://schemas.microsoft.com/office/drawing/2010/main" val="0"/>
-              </a:ext>
-            </a:extLst>
-          </a:blip>
-          <a:stretch>
-            <a:fillRect/>
-          </a:stretch>
-        </p:blipFill>
-        <p:spPr>
-          <a:xfrm rot="10647313">
-            <a:off x="7028218" y="4048344"/>
-            <a:ext cx="909864" cy="840155"/>
-          </a:xfrm>
-          <a:prstGeom prst="rect">
-            <a:avLst/>
-          </a:prstGeom>
+          <a:noFill/>
+          <a:extLst>
+            <a:ext uri="{909E8E84-426E-40DD-AFC4-6F175D3DCCD1}">
+              <a14:hiddenFill xmlns:a14="http://schemas.microsoft.com/office/drawing/2010/main">
+                <a:solidFill>
+                  <a:srgbClr val="FFFFFF"/>
+                </a:solidFill>
+              </a14:hiddenFill>
+            </a:ext>
+          </a:extLst>
         </p:spPr>
       </p:pic>
       <p:sp>
         <p:nvSpPr>
-          <p:cNvPr id="47" name="TextBox 46">
+          <p:cNvPr id="58" name="TextBox 57">
             <a:extLst>
               <a:ext uri="{FF2B5EF4-FFF2-40B4-BE49-F238E27FC236}">
-                <a16:creationId xmlns:a16="http://schemas.microsoft.com/office/drawing/2014/main" id="{50EEF9F5-C1DC-463C-BF96-9241B6E6A00C}"/>
+                <a16:creationId xmlns:a16="http://schemas.microsoft.com/office/drawing/2014/main" id="{E887D1D8-289F-4E7B-BCCB-C0D37C27EC1D}"/>
               </a:ext>
             </a:extLst>
           </p:cNvPr>
@@ -18799,33 +21784,103 @@
         </p:nvSpPr>
         <p:spPr>
           <a:xfrm>
-            <a:off x="10735053" y="3154742"/>
-            <a:ext cx="702821" cy="369332"/>
+            <a:off x="10742591" y="2462755"/>
+            <a:ext cx="1387087" cy="646331"/>
           </a:xfrm>
           <a:prstGeom prst="rect">
             <a:avLst/>
           </a:prstGeom>
           <a:noFill/>
+          <a:ln>
+            <a:noFill/>
+          </a:ln>
         </p:spPr>
         <p:txBody>
-          <a:bodyPr wrap="none" rtlCol="0">
+          <a:bodyPr wrap="square">
             <a:spAutoFit/>
           </a:bodyPr>
           <a:lstStyle/>
           <a:p>
-            <a:r>
-              <a:rPr lang="tr-TR" dirty="0"/>
-              <a:t>exists</a:t>
-            </a:r>
+            <a:pPr algn="ctr"/>
+            <a:r>
+              <a:rPr lang="tr-TR" sz="1800" b="1" dirty="0"/>
+              <a:t>Relationship</a:t>
+            </a:r>
+          </a:p>
+          <a:p>
+            <a:pPr algn="ctr"/>
+            <a:r>
+              <a:rPr lang="tr-TR" sz="1800" b="1" dirty="0"/>
+              <a:t>status</a:t>
+            </a:r>
+            <a:endParaRPr lang="tr-TR" b="1" dirty="0"/>
           </a:p>
         </p:txBody>
       </p:sp>
       <p:sp>
         <p:nvSpPr>
-          <p:cNvPr id="51" name="TextBox 50">
+          <p:cNvPr id="59" name="Rectangle: Rounded Corners 58">
             <a:extLst>
               <a:ext uri="{FF2B5EF4-FFF2-40B4-BE49-F238E27FC236}">
-                <a16:creationId xmlns:a16="http://schemas.microsoft.com/office/drawing/2014/main" id="{F44677B0-A94C-4878-AF46-2A462E64155E}"/>
+                <a16:creationId xmlns:a16="http://schemas.microsoft.com/office/drawing/2014/main" id="{F84D8F3B-E87A-44BA-994F-E3148D8B7578}"/>
+              </a:ext>
+            </a:extLst>
+          </p:cNvPr>
+          <p:cNvSpPr/>
+          <p:nvPr/>
+        </p:nvSpPr>
+        <p:spPr>
+          <a:xfrm>
+            <a:off x="87083" y="45632"/>
+            <a:ext cx="12026266" cy="573510"/>
+          </a:xfrm>
+          <a:prstGeom prst="roundRect">
+            <a:avLst/>
+          </a:prstGeom>
+          <a:solidFill>
+            <a:schemeClr val="accent1">
+              <a:alpha val="8000"/>
+            </a:schemeClr>
+          </a:solidFill>
+        </p:spPr>
+        <p:style>
+          <a:lnRef idx="2">
+            <a:schemeClr val="accent1">
+              <a:shade val="50000"/>
+            </a:schemeClr>
+          </a:lnRef>
+          <a:fillRef idx="1">
+            <a:schemeClr val="accent1"/>
+          </a:fillRef>
+          <a:effectRef idx="0">
+            <a:schemeClr val="accent1"/>
+          </a:effectRef>
+          <a:fontRef idx="minor">
+            <a:schemeClr val="lt1"/>
+          </a:fontRef>
+        </p:style>
+        <p:txBody>
+          <a:bodyPr rtlCol="0" anchor="ctr"/>
+          <a:lstStyle/>
+          <a:p>
+            <a:pPr algn="ctr"/>
+            <a:r>
+              <a:rPr lang="tr-TR" sz="3000" b="1" dirty="0">
+                <a:solidFill>
+                  <a:schemeClr val="tx1"/>
+                </a:solidFill>
+              </a:rPr>
+              <a:t>Non-material Factors Analysis</a:t>
+            </a:r>
+          </a:p>
+        </p:txBody>
+      </p:sp>
+      <p:sp>
+        <p:nvSpPr>
+          <p:cNvPr id="60" name="TextBox 59">
+            <a:extLst>
+              <a:ext uri="{FF2B5EF4-FFF2-40B4-BE49-F238E27FC236}">
+                <a16:creationId xmlns:a16="http://schemas.microsoft.com/office/drawing/2014/main" id="{6530F482-C6E6-459A-81D3-24C73D53D52C}"/>
               </a:ext>
             </a:extLst>
           </p:cNvPr>
@@ -18834,43 +21889,8 @@
         </p:nvSpPr>
         <p:spPr>
           <a:xfrm>
-            <a:off x="10742083" y="3537824"/>
-            <a:ext cx="1076320" cy="369332"/>
-          </a:xfrm>
-          <a:prstGeom prst="rect">
-            <a:avLst/>
-          </a:prstGeom>
-          <a:noFill/>
-        </p:spPr>
-        <p:txBody>
-          <a:bodyPr wrap="none" rtlCol="0">
-            <a:spAutoFit/>
-          </a:bodyPr>
-          <a:lstStyle/>
-          <a:p>
-            <a:r>
-              <a:rPr lang="tr-TR" dirty="0"/>
-              <a:t>not exists</a:t>
-            </a:r>
-          </a:p>
-        </p:txBody>
-      </p:sp>
-      <p:sp>
-        <p:nvSpPr>
-          <p:cNvPr id="53" name="TextBox 52">
-            <a:extLst>
-              <a:ext uri="{FF2B5EF4-FFF2-40B4-BE49-F238E27FC236}">
-                <a16:creationId xmlns:a16="http://schemas.microsoft.com/office/drawing/2014/main" id="{40F02CF0-789F-426D-9F10-CA291781A3EB}"/>
-              </a:ext>
-            </a:extLst>
-          </p:cNvPr>
-          <p:cNvSpPr txBox="1"/>
-          <p:nvPr/>
-        </p:nvSpPr>
-        <p:spPr>
-          <a:xfrm>
-            <a:off x="9403331" y="1911200"/>
-            <a:ext cx="3063897" cy="923330"/>
+            <a:off x="8485043" y="5224505"/>
+            <a:ext cx="3281430" cy="923330"/>
           </a:xfrm>
           <a:prstGeom prst="rect">
             <a:avLst/>
@@ -18885,59 +21905,348 @@
           <a:p>
             <a:pPr algn="ctr"/>
             <a:r>
-              <a:rPr lang="tr-TR" b="1" dirty="0"/>
-              <a:t>Relation between outcome and Leadership </a:t>
-            </a:r>
-          </a:p>
-          <a:p>
-            <a:pPr algn="ctr"/>
-            <a:r>
-              <a:rPr lang="tr-TR" b="1" dirty="0"/>
-              <a:t>&amp; morale</a:t>
+              <a:rPr lang="tr-TR" dirty="0"/>
+              <a:t>Creation of </a:t>
+            </a:r>
+            <a:r>
+              <a:rPr lang="en-US" dirty="0"/>
+              <a:t>new features to build downstream </a:t>
+            </a:r>
+            <a:r>
+              <a:rPr lang="tr-TR" dirty="0"/>
+              <a:t>DL </a:t>
+            </a:r>
+            <a:r>
+              <a:rPr lang="en-US" dirty="0"/>
+              <a:t>models to find relation</a:t>
+            </a:r>
+            <a:r>
+              <a:rPr lang="tr-TR" dirty="0"/>
+              <a:t>ships</a:t>
             </a:r>
           </a:p>
         </p:txBody>
       </p:sp>
-      <p:pic>
-        <p:nvPicPr>
-          <p:cNvPr id="54" name="Picture 53" descr="Icon, arrow&#10;&#10;Description automatically generated">
+      <p:sp>
+        <p:nvSpPr>
+          <p:cNvPr id="61" name="Arrow: Striped Right 60">
             <a:extLst>
               <a:ext uri="{FF2B5EF4-FFF2-40B4-BE49-F238E27FC236}">
-                <a16:creationId xmlns:a16="http://schemas.microsoft.com/office/drawing/2014/main" id="{504075B0-93F5-49FC-84DF-40CA8FD8C94F}"/>
+                <a16:creationId xmlns:a16="http://schemas.microsoft.com/office/drawing/2014/main" id="{704AE546-4E09-4DE2-8494-EBFF09F2AEF2}"/>
               </a:ext>
             </a:extLst>
           </p:cNvPr>
-          <p:cNvPicPr>
-            <a:picLocks noChangeAspect="1"/>
-          </p:cNvPicPr>
+          <p:cNvSpPr/>
           <p:nvPr/>
-        </p:nvPicPr>
-        <p:blipFill>
-          <a:blip r:embed="rId5">
+        </p:nvSpPr>
+        <p:spPr>
+          <a:xfrm>
+            <a:off x="3256950" y="3601090"/>
+            <a:ext cx="708942" cy="595497"/>
+          </a:xfrm>
+          <a:prstGeom prst="stripedRightArrow">
+            <a:avLst/>
+          </a:prstGeom>
+          <a:solidFill>
+            <a:srgbClr val="44E43C"/>
+          </a:solidFill>
+        </p:spPr>
+        <p:style>
+          <a:lnRef idx="2">
+            <a:schemeClr val="accent1">
+              <a:shade val="50000"/>
+            </a:schemeClr>
+          </a:lnRef>
+          <a:fillRef idx="1">
+            <a:schemeClr val="accent1"/>
+          </a:fillRef>
+          <a:effectRef idx="0">
+            <a:schemeClr val="accent1"/>
+          </a:effectRef>
+          <a:fontRef idx="minor">
+            <a:schemeClr val="lt1"/>
+          </a:fontRef>
+        </p:style>
+        <p:txBody>
+          <a:bodyPr rtlCol="0" anchor="ctr"/>
+          <a:lstStyle/>
+          <a:p>
+            <a:pPr algn="ctr"/>
+            <a:endParaRPr lang="tr-TR" b="1" dirty="0"/>
+          </a:p>
+        </p:txBody>
+      </p:sp>
+      <p:sp>
+        <p:nvSpPr>
+          <p:cNvPr id="62" name="Arrow: Striped Right 61">
             <a:extLst>
-              <a:ext uri="{28A0092B-C50C-407E-A947-70E740481C1C}">
-                <a14:useLocalDpi xmlns:a14="http://schemas.microsoft.com/office/drawing/2010/main" val="0"/>
+              <a:ext uri="{FF2B5EF4-FFF2-40B4-BE49-F238E27FC236}">
+                <a16:creationId xmlns:a16="http://schemas.microsoft.com/office/drawing/2014/main" id="{7C4A3F24-77D3-420E-B2BE-A13F206EB05C}"/>
               </a:ext>
             </a:extLst>
-          </a:blip>
-          <a:stretch>
-            <a:fillRect/>
-          </a:stretch>
-        </p:blipFill>
+          </p:cNvPr>
+          <p:cNvSpPr/>
+          <p:nvPr/>
+        </p:nvSpPr>
         <p:spPr>
-          <a:xfrm rot="19483578">
-            <a:off x="10887348" y="4171016"/>
-            <a:ext cx="837933" cy="773735"/>
+          <a:xfrm>
+            <a:off x="7652918" y="3606392"/>
+            <a:ext cx="708942" cy="595497"/>
+          </a:xfrm>
+          <a:prstGeom prst="stripedRightArrow">
+            <a:avLst/>
+          </a:prstGeom>
+          <a:solidFill>
+            <a:srgbClr val="44E43C"/>
+          </a:solidFill>
+        </p:spPr>
+        <p:style>
+          <a:lnRef idx="2">
+            <a:schemeClr val="accent1">
+              <a:shade val="50000"/>
+            </a:schemeClr>
+          </a:lnRef>
+          <a:fillRef idx="1">
+            <a:schemeClr val="accent1"/>
+          </a:fillRef>
+          <a:effectRef idx="0">
+            <a:schemeClr val="accent1"/>
+          </a:effectRef>
+          <a:fontRef idx="minor">
+            <a:schemeClr val="lt1"/>
+          </a:fontRef>
+        </p:style>
+        <p:txBody>
+          <a:bodyPr rtlCol="0" anchor="ctr"/>
+          <a:lstStyle/>
+          <a:p>
+            <a:pPr algn="ctr"/>
+            <a:endParaRPr lang="tr-TR" b="1" dirty="0"/>
+          </a:p>
+        </p:txBody>
+      </p:sp>
+      <p:sp>
+        <p:nvSpPr>
+          <p:cNvPr id="63" name="Oval 62">
+            <a:extLst>
+              <a:ext uri="{FF2B5EF4-FFF2-40B4-BE49-F238E27FC236}">
+                <a16:creationId xmlns:a16="http://schemas.microsoft.com/office/drawing/2014/main" id="{92E4AE53-C1C7-442C-A441-007C29961498}"/>
+              </a:ext>
+            </a:extLst>
+          </p:cNvPr>
+          <p:cNvSpPr/>
+          <p:nvPr/>
+        </p:nvSpPr>
+        <p:spPr>
+          <a:xfrm>
+            <a:off x="2115000" y="1340392"/>
+            <a:ext cx="660887" cy="557612"/>
+          </a:xfrm>
+          <a:prstGeom prst="ellipse">
+            <a:avLst/>
+          </a:prstGeom>
+          <a:solidFill>
+            <a:srgbClr val="FF0000"/>
+          </a:solidFill>
+        </p:spPr>
+        <p:style>
+          <a:lnRef idx="2">
+            <a:schemeClr val="accent1">
+              <a:shade val="50000"/>
+            </a:schemeClr>
+          </a:lnRef>
+          <a:fillRef idx="1">
+            <a:schemeClr val="accent1"/>
+          </a:fillRef>
+          <a:effectRef idx="0">
+            <a:schemeClr val="accent1"/>
+          </a:effectRef>
+          <a:fontRef idx="minor">
+            <a:schemeClr val="lt1"/>
+          </a:fontRef>
+        </p:style>
+        <p:txBody>
+          <a:bodyPr rtlCol="0" anchor="ctr"/>
+          <a:lstStyle/>
+          <a:p>
+            <a:pPr algn="ctr"/>
+            <a:r>
+              <a:rPr lang="tr-TR" sz="3600" b="1" dirty="0">
+                <a:solidFill>
+                  <a:sysClr val="windowText" lastClr="000000"/>
+                </a:solidFill>
+              </a:rPr>
+              <a:t>1</a:t>
+            </a:r>
+          </a:p>
+        </p:txBody>
+      </p:sp>
+      <p:sp>
+        <p:nvSpPr>
+          <p:cNvPr id="64" name="Oval 63">
+            <a:extLst>
+              <a:ext uri="{FF2B5EF4-FFF2-40B4-BE49-F238E27FC236}">
+                <a16:creationId xmlns:a16="http://schemas.microsoft.com/office/drawing/2014/main" id="{83337D31-A4C1-4225-8B3F-0A8C435E4B17}"/>
+              </a:ext>
+            </a:extLst>
+          </p:cNvPr>
+          <p:cNvSpPr/>
+          <p:nvPr/>
+        </p:nvSpPr>
+        <p:spPr>
+          <a:xfrm>
+            <a:off x="5561783" y="1340392"/>
+            <a:ext cx="660887" cy="557612"/>
+          </a:xfrm>
+          <a:prstGeom prst="ellipse">
+            <a:avLst/>
+          </a:prstGeom>
+          <a:solidFill>
+            <a:srgbClr val="FF0000"/>
+          </a:solidFill>
+        </p:spPr>
+        <p:style>
+          <a:lnRef idx="2">
+            <a:schemeClr val="accent1">
+              <a:shade val="50000"/>
+            </a:schemeClr>
+          </a:lnRef>
+          <a:fillRef idx="1">
+            <a:schemeClr val="accent1"/>
+          </a:fillRef>
+          <a:effectRef idx="0">
+            <a:schemeClr val="accent1"/>
+          </a:effectRef>
+          <a:fontRef idx="minor">
+            <a:schemeClr val="lt1"/>
+          </a:fontRef>
+        </p:style>
+        <p:txBody>
+          <a:bodyPr rtlCol="0" anchor="ctr"/>
+          <a:lstStyle/>
+          <a:p>
+            <a:pPr algn="ctr"/>
+            <a:r>
+              <a:rPr lang="tr-TR" sz="3600" b="1" dirty="0">
+                <a:solidFill>
+                  <a:sysClr val="windowText" lastClr="000000"/>
+                </a:solidFill>
+              </a:rPr>
+              <a:t>2</a:t>
+            </a:r>
+          </a:p>
+        </p:txBody>
+      </p:sp>
+      <p:sp>
+        <p:nvSpPr>
+          <p:cNvPr id="65" name="Oval 64">
+            <a:extLst>
+              <a:ext uri="{FF2B5EF4-FFF2-40B4-BE49-F238E27FC236}">
+                <a16:creationId xmlns:a16="http://schemas.microsoft.com/office/drawing/2014/main" id="{10D03788-5D1D-44FD-9E00-C8D92DFA950D}"/>
+              </a:ext>
+            </a:extLst>
+          </p:cNvPr>
+          <p:cNvSpPr/>
+          <p:nvPr/>
+        </p:nvSpPr>
+        <p:spPr>
+          <a:xfrm>
+            <a:off x="9967659" y="1304253"/>
+            <a:ext cx="660887" cy="557612"/>
+          </a:xfrm>
+          <a:prstGeom prst="ellipse">
+            <a:avLst/>
+          </a:prstGeom>
+          <a:solidFill>
+            <a:srgbClr val="FF0000"/>
+          </a:solidFill>
+        </p:spPr>
+        <p:style>
+          <a:lnRef idx="2">
+            <a:schemeClr val="accent1">
+              <a:shade val="50000"/>
+            </a:schemeClr>
+          </a:lnRef>
+          <a:fillRef idx="1">
+            <a:schemeClr val="accent1"/>
+          </a:fillRef>
+          <a:effectRef idx="0">
+            <a:schemeClr val="accent1"/>
+          </a:effectRef>
+          <a:fontRef idx="minor">
+            <a:schemeClr val="lt1"/>
+          </a:fontRef>
+        </p:style>
+        <p:txBody>
+          <a:bodyPr rtlCol="0" anchor="ctr"/>
+          <a:lstStyle/>
+          <a:p>
+            <a:pPr algn="ctr"/>
+            <a:r>
+              <a:rPr lang="tr-TR" sz="3600" b="1" dirty="0">
+                <a:solidFill>
+                  <a:sysClr val="windowText" lastClr="000000"/>
+                </a:solidFill>
+              </a:rPr>
+              <a:t>3</a:t>
+            </a:r>
+          </a:p>
+        </p:txBody>
+      </p:sp>
+      <p:sp>
+        <p:nvSpPr>
+          <p:cNvPr id="66" name="TextBox 65">
+            <a:extLst>
+              <a:ext uri="{FF2B5EF4-FFF2-40B4-BE49-F238E27FC236}">
+                <a16:creationId xmlns:a16="http://schemas.microsoft.com/office/drawing/2014/main" id="{3292C072-EFC9-4E7C-8CB4-723A819E4139}"/>
+              </a:ext>
+            </a:extLst>
+          </p:cNvPr>
+          <p:cNvSpPr txBox="1"/>
+          <p:nvPr/>
+        </p:nvSpPr>
+        <p:spPr>
+          <a:xfrm>
+            <a:off x="6847429" y="1992304"/>
+            <a:ext cx="889505" cy="369332"/>
           </a:xfrm>
           <a:prstGeom prst="rect">
             <a:avLst/>
           </a:prstGeom>
+          <a:solidFill>
+            <a:schemeClr val="bg1">
+              <a:lumMod val="95000"/>
+              <a:alpha val="72000"/>
+            </a:schemeClr>
+          </a:solidFill>
+          <a:ln>
+            <a:noFill/>
+          </a:ln>
         </p:spPr>
-      </p:pic>
+        <p:txBody>
+          <a:bodyPr wrap="square">
+            <a:spAutoFit/>
+          </a:bodyPr>
+          <a:lstStyle>
+            <a:defPPr>
+              <a:defRPr lang="tr-TR"/>
+            </a:defPPr>
+            <a:lvl1pPr>
+              <a:defRPr b="1"/>
+            </a:lvl1pPr>
+          </a:lstStyle>
+          <a:p>
+            <a:r>
+              <a:rPr lang="tr-TR" dirty="0"/>
+              <a:t>morale</a:t>
+            </a:r>
+          </a:p>
+        </p:txBody>
+      </p:sp>
     </p:spTree>
     <p:extLst>
       <p:ext uri="{BB962C8B-B14F-4D97-AF65-F5344CB8AC3E}">
-        <p14:creationId xmlns:p14="http://schemas.microsoft.com/office/powerpoint/2010/main" val="1139851323"/>
+        <p14:creationId xmlns:p14="http://schemas.microsoft.com/office/powerpoint/2010/main" val="496396333"/>
       </p:ext>
     </p:extLst>
   </p:cSld>
@@ -18947,7 +22256,7 @@
 </p:sld>
 </file>
 
-<file path=ppt/slides/slide22.xml><?xml version="1.0" encoding="utf-8"?>
+<file path=ppt/slides/slide23.xml><?xml version="1.0" encoding="utf-8"?>
 <p:sld xmlns:a="http://schemas.openxmlformats.org/drawingml/2006/main" xmlns:r="http://schemas.openxmlformats.org/officeDocument/2006/relationships" xmlns:p="http://schemas.openxmlformats.org/presentationml/2006/main">
   <p:cSld>
     <p:spTree>
@@ -19087,6 +22396,42 @@
           </a:p>
         </p:txBody>
       </p:sp>
+      <p:pic>
+        <p:nvPicPr>
+          <p:cNvPr id="6" name="Picture 5" descr="Icon, arrow&#10;&#10;Description automatically generated">
+            <a:extLst>
+              <a:ext uri="{FF2B5EF4-FFF2-40B4-BE49-F238E27FC236}">
+                <a16:creationId xmlns:a16="http://schemas.microsoft.com/office/drawing/2014/main" id="{EDE013FE-D286-4629-B937-5BC32DFEE403}"/>
+              </a:ext>
+            </a:extLst>
+          </p:cNvPr>
+          <p:cNvPicPr>
+            <a:picLocks noChangeAspect="1"/>
+          </p:cNvPicPr>
+          <p:nvPr/>
+        </p:nvPicPr>
+        <p:blipFill>
+          <a:blip r:embed="rId2">
+            <a:extLst>
+              <a:ext uri="{28A0092B-C50C-407E-A947-70E740481C1C}">
+                <a14:useLocalDpi xmlns:a14="http://schemas.microsoft.com/office/drawing/2010/main" val="0"/>
+              </a:ext>
+            </a:extLst>
+          </a:blip>
+          <a:stretch>
+            <a:fillRect/>
+          </a:stretch>
+        </p:blipFill>
+        <p:spPr>
+          <a:xfrm rot="10647313">
+            <a:off x="10060504" y="2023548"/>
+            <a:ext cx="909864" cy="840155"/>
+          </a:xfrm>
+          <a:prstGeom prst="rect">
+            <a:avLst/>
+          </a:prstGeom>
+        </p:spPr>
+      </p:pic>
     </p:spTree>
     <p:extLst>
       <p:ext uri="{BB962C8B-B14F-4D97-AF65-F5344CB8AC3E}">
@@ -19100,7 +22445,7 @@
 </p:sld>
 </file>
 
-<file path=ppt/slides/slide23.xml><?xml version="1.0" encoding="utf-8"?>
+<file path=ppt/slides/slide24.xml><?xml version="1.0" encoding="utf-8"?>
 <p:sld xmlns:a="http://schemas.openxmlformats.org/drawingml/2006/main" xmlns:r="http://schemas.openxmlformats.org/officeDocument/2006/relationships" xmlns:p="http://schemas.openxmlformats.org/presentationml/2006/main">
   <p:cSld>
     <p:spTree>
@@ -21549,10 +24894,10 @@
       </p:grpSpPr>
       <p:grpSp>
         <p:nvGrpSpPr>
-          <p:cNvPr id="30" name="Group 29">
+          <p:cNvPr id="27" name="Group 26">
             <a:extLst>
               <a:ext uri="{FF2B5EF4-FFF2-40B4-BE49-F238E27FC236}">
-                <a16:creationId xmlns:a16="http://schemas.microsoft.com/office/drawing/2014/main" id="{1B99D334-C923-4290-B0EB-3144120EC444}"/>
+                <a16:creationId xmlns:a16="http://schemas.microsoft.com/office/drawing/2014/main" id="{4DB6B91E-5610-4E89-BD45-363CB8A0974E}"/>
               </a:ext>
             </a:extLst>
           </p:cNvPr>
@@ -21561,18 +24906,18 @@
         </p:nvGrpSpPr>
         <p:grpSpPr>
           <a:xfrm>
-            <a:off x="163286" y="32658"/>
-            <a:ext cx="11865428" cy="6760028"/>
-            <a:chOff x="163286" y="32658"/>
-            <a:chExt cx="11865428" cy="6760028"/>
+            <a:off x="346881" y="171992"/>
+            <a:ext cx="11502311" cy="6541588"/>
+            <a:chOff x="346881" y="171992"/>
+            <a:chExt cx="11502311" cy="6541588"/>
           </a:xfrm>
         </p:grpSpPr>
         <p:sp>
           <p:nvSpPr>
-            <p:cNvPr id="28" name="Rectangle 27">
+            <p:cNvPr id="4" name="Rectangle: Rounded Corners 3">
               <a:extLst>
                 <a:ext uri="{FF2B5EF4-FFF2-40B4-BE49-F238E27FC236}">
-                  <a16:creationId xmlns:a16="http://schemas.microsoft.com/office/drawing/2014/main" id="{6FFA4142-8682-45B3-9550-48113DF8D7DB}"/>
+                  <a16:creationId xmlns:a16="http://schemas.microsoft.com/office/drawing/2014/main" id="{D4029FED-596F-48AD-9098-8A258DE0D839}"/>
                 </a:ext>
               </a:extLst>
             </p:cNvPr>
@@ -21581,35 +24926,25 @@
           </p:nvSpPr>
           <p:spPr>
             <a:xfrm>
-              <a:off x="163286" y="32658"/>
-              <a:ext cx="11865428" cy="6760028"/>
+              <a:off x="9225462" y="2964762"/>
+              <a:ext cx="2020293" cy="748084"/>
             </a:xfrm>
-            <a:prstGeom prst="rect">
+            <a:prstGeom prst="roundRect">
               <a:avLst/>
             </a:prstGeom>
-            <a:solidFill>
-              <a:schemeClr val="bg1"/>
-            </a:solidFill>
-            <a:ln>
-              <a:solidFill>
-                <a:schemeClr val="tx1"/>
-              </a:solidFill>
-            </a:ln>
           </p:spPr>
           <p:style>
             <a:lnRef idx="2">
-              <a:schemeClr val="accent1">
-                <a:shade val="50000"/>
-              </a:schemeClr>
+              <a:schemeClr val="accent6"/>
             </a:lnRef>
             <a:fillRef idx="1">
-              <a:schemeClr val="accent1"/>
+              <a:schemeClr val="lt1"/>
             </a:fillRef>
             <a:effectRef idx="0">
-              <a:schemeClr val="accent1"/>
+              <a:schemeClr val="accent6"/>
             </a:effectRef>
             <a:fontRef idx="minor">
-              <a:schemeClr val="lt1"/>
+              <a:schemeClr val="dk1"/>
             </a:fontRef>
           </p:style>
           <p:txBody>
@@ -21617,1121 +24952,1008 @@
             <a:lstStyle/>
             <a:p>
               <a:pPr algn="ctr"/>
-              <a:endParaRPr lang="tr-TR"/>
+              <a:r>
+                <a:rPr lang="tr-TR" b="1" dirty="0"/>
+                <a:t>Outcome of the Battle</a:t>
+              </a:r>
             </a:p>
           </p:txBody>
         </p:sp>
-        <p:grpSp>
-          <p:nvGrpSpPr>
-            <p:cNvPr id="27" name="Group 26">
+        <p:sp>
+          <p:nvSpPr>
+            <p:cNvPr id="5" name="TextBox 4">
               <a:extLst>
                 <a:ext uri="{FF2B5EF4-FFF2-40B4-BE49-F238E27FC236}">
-                  <a16:creationId xmlns:a16="http://schemas.microsoft.com/office/drawing/2014/main" id="{4DB6B91E-5610-4E89-BD45-363CB8A0974E}"/>
+                  <a16:creationId xmlns:a16="http://schemas.microsoft.com/office/drawing/2014/main" id="{C02FD4BF-4F42-4E9E-B30A-01037592E504}"/>
                 </a:ext>
               </a:extLst>
             </p:cNvPr>
-            <p:cNvGrpSpPr/>
+            <p:cNvSpPr txBox="1"/>
             <p:nvPr/>
-          </p:nvGrpSpPr>
-          <p:grpSpPr>
+          </p:nvSpPr>
+          <p:spPr>
             <a:xfrm>
-              <a:off x="346881" y="171992"/>
-              <a:ext cx="11502311" cy="6541588"/>
-              <a:chOff x="346881" y="171992"/>
-              <a:chExt cx="11502311" cy="6541588"/>
+              <a:off x="8961207" y="3872415"/>
+              <a:ext cx="2887985" cy="369332"/>
             </a:xfrm>
-          </p:grpSpPr>
-          <p:sp>
-            <p:nvSpPr>
-              <p:cNvPr id="4" name="Rectangle: Rounded Corners 3">
-                <a:extLst>
-                  <a:ext uri="{FF2B5EF4-FFF2-40B4-BE49-F238E27FC236}">
-                    <a16:creationId xmlns:a16="http://schemas.microsoft.com/office/drawing/2014/main" id="{D4029FED-596F-48AD-9098-8A258DE0D839}"/>
-                  </a:ext>
-                </a:extLst>
-              </p:cNvPr>
-              <p:cNvSpPr/>
-              <p:nvPr/>
-            </p:nvSpPr>
-            <p:spPr>
-              <a:xfrm>
-                <a:off x="9225462" y="2964762"/>
-                <a:ext cx="2020293" cy="748084"/>
-              </a:xfrm>
-              <a:prstGeom prst="roundRect">
-                <a:avLst/>
-              </a:prstGeom>
-            </p:spPr>
-            <p:style>
-              <a:lnRef idx="2">
-                <a:schemeClr val="accent6"/>
-              </a:lnRef>
-              <a:fillRef idx="1">
-                <a:schemeClr val="lt1"/>
-              </a:fillRef>
-              <a:effectRef idx="0">
-                <a:schemeClr val="accent6"/>
-              </a:effectRef>
-              <a:fontRef idx="minor">
-                <a:schemeClr val="dk1"/>
-              </a:fontRef>
-            </p:style>
-            <p:txBody>
-              <a:bodyPr rtlCol="0" anchor="ctr"/>
-              <a:lstStyle/>
-              <a:p>
-                <a:pPr algn="ctr"/>
-                <a:r>
-                  <a:rPr lang="tr-TR" b="1" dirty="0"/>
-                  <a:t>Outcome of the Battle</a:t>
-                </a:r>
-              </a:p>
-            </p:txBody>
-          </p:sp>
-          <p:sp>
-            <p:nvSpPr>
-              <p:cNvPr id="5" name="TextBox 4">
-                <a:extLst>
-                  <a:ext uri="{FF2B5EF4-FFF2-40B4-BE49-F238E27FC236}">
-                    <a16:creationId xmlns:a16="http://schemas.microsoft.com/office/drawing/2014/main" id="{C02FD4BF-4F42-4E9E-B30A-01037592E504}"/>
-                  </a:ext>
-                </a:extLst>
-              </p:cNvPr>
-              <p:cNvSpPr txBox="1"/>
-              <p:nvPr/>
-            </p:nvSpPr>
-            <p:spPr>
-              <a:xfrm>
-                <a:off x="8961207" y="3872415"/>
-                <a:ext cx="2887985" cy="369332"/>
-              </a:xfrm>
-              <a:prstGeom prst="rect">
-                <a:avLst/>
-              </a:prstGeom>
+            <a:prstGeom prst="rect">
+              <a:avLst/>
+            </a:prstGeom>
+            <a:solidFill>
+              <a:srgbClr val="00FFFF"/>
+            </a:solidFill>
+          </p:spPr>
+          <p:txBody>
+            <a:bodyPr wrap="square" rtlCol="0">
+              <a:spAutoFit/>
+            </a:bodyPr>
+            <a:lstStyle>
+              <a:defPPr>
+                <a:defRPr lang="tr-TR"/>
+              </a:defPPr>
+              <a:lvl1pPr algn="ctr">
+                <a:defRPr b="1"/>
+              </a:lvl1pPr>
+            </a:lstStyle>
+            <a:p>
+              <a:r>
+                <a:rPr lang="tr-TR" dirty="0"/>
+                <a:t>Dependent Variable</a:t>
+              </a:r>
+            </a:p>
+          </p:txBody>
+        </p:sp>
+        <p:sp>
+          <p:nvSpPr>
+            <p:cNvPr id="6" name="Rectangle: Rounded Corners 5">
+              <a:extLst>
+                <a:ext uri="{FF2B5EF4-FFF2-40B4-BE49-F238E27FC236}">
+                  <a16:creationId xmlns:a16="http://schemas.microsoft.com/office/drawing/2014/main" id="{859A0FFA-1A68-49C1-BE5D-F1E4C6D9B242}"/>
+                </a:ext>
+              </a:extLst>
+            </p:cNvPr>
+            <p:cNvSpPr/>
+            <p:nvPr/>
+          </p:nvSpPr>
+          <p:spPr>
+            <a:xfrm>
+              <a:off x="4862335" y="903039"/>
+              <a:ext cx="2020293" cy="748084"/>
+            </a:xfrm>
+            <a:prstGeom prst="roundRect">
+              <a:avLst/>
+            </a:prstGeom>
+          </p:spPr>
+          <p:style>
+            <a:lnRef idx="2">
+              <a:schemeClr val="accent6"/>
+            </a:lnRef>
+            <a:fillRef idx="1">
+              <a:schemeClr val="lt1"/>
+            </a:fillRef>
+            <a:effectRef idx="0">
+              <a:schemeClr val="accent6"/>
+            </a:effectRef>
+            <a:fontRef idx="minor">
+              <a:schemeClr val="dk1"/>
+            </a:fontRef>
+          </p:style>
+          <p:txBody>
+            <a:bodyPr rtlCol="0" anchor="ctr"/>
+            <a:lstStyle/>
+            <a:p>
+              <a:pPr algn="ctr"/>
+              <a:r>
+                <a:rPr lang="tr-TR" b="1" dirty="0"/>
+                <a:t>Leadership</a:t>
+              </a:r>
+            </a:p>
+          </p:txBody>
+        </p:sp>
+        <p:sp>
+          <p:nvSpPr>
+            <p:cNvPr id="7" name="TextBox 6">
+              <a:extLst>
+                <a:ext uri="{FF2B5EF4-FFF2-40B4-BE49-F238E27FC236}">
+                  <a16:creationId xmlns:a16="http://schemas.microsoft.com/office/drawing/2014/main" id="{D301626C-CD24-4E8C-8491-B5BBAAADE3FA}"/>
+                </a:ext>
+              </a:extLst>
+            </p:cNvPr>
+            <p:cNvSpPr txBox="1"/>
+            <p:nvPr/>
+          </p:nvSpPr>
+          <p:spPr>
+            <a:xfrm>
+              <a:off x="5297870" y="171992"/>
+              <a:ext cx="3234831" cy="646331"/>
+            </a:xfrm>
+            <a:prstGeom prst="rect">
+              <a:avLst/>
+            </a:prstGeom>
+            <a:solidFill>
+              <a:srgbClr val="00FFFF"/>
+            </a:solidFill>
+          </p:spPr>
+          <p:txBody>
+            <a:bodyPr wrap="square" rtlCol="0">
+              <a:spAutoFit/>
+            </a:bodyPr>
+            <a:lstStyle>
+              <a:defPPr>
+                <a:defRPr lang="tr-TR"/>
+              </a:defPPr>
+              <a:lvl1pPr algn="ctr">
+                <a:defRPr b="1"/>
+              </a:lvl1pPr>
+            </a:lstStyle>
+            <a:p>
+              <a:r>
+                <a:rPr lang="tr-TR" dirty="0"/>
+                <a:t>Intervening Variables</a:t>
+              </a:r>
+            </a:p>
+            <a:p>
+              <a:r>
+                <a:rPr lang="tr-TR" dirty="0"/>
+                <a:t>(Non-material Factors)</a:t>
+              </a:r>
+            </a:p>
+          </p:txBody>
+        </p:sp>
+        <p:sp>
+          <p:nvSpPr>
+            <p:cNvPr id="8" name="Rectangle: Rounded Corners 7">
+              <a:extLst>
+                <a:ext uri="{FF2B5EF4-FFF2-40B4-BE49-F238E27FC236}">
+                  <a16:creationId xmlns:a16="http://schemas.microsoft.com/office/drawing/2014/main" id="{BA8F6080-596F-49C8-AC41-113F13CD685F}"/>
+                </a:ext>
+              </a:extLst>
+            </p:cNvPr>
+            <p:cNvSpPr/>
+            <p:nvPr/>
+          </p:nvSpPr>
+          <p:spPr>
+            <a:xfrm>
+              <a:off x="7205169" y="898711"/>
+              <a:ext cx="2020293" cy="748084"/>
+            </a:xfrm>
+            <a:prstGeom prst="roundRect">
+              <a:avLst/>
+            </a:prstGeom>
+          </p:spPr>
+          <p:style>
+            <a:lnRef idx="2">
+              <a:schemeClr val="accent6"/>
+            </a:lnRef>
+            <a:fillRef idx="1">
+              <a:schemeClr val="lt1"/>
+            </a:fillRef>
+            <a:effectRef idx="0">
+              <a:schemeClr val="accent6"/>
+            </a:effectRef>
+            <a:fontRef idx="minor">
+              <a:schemeClr val="dk1"/>
+            </a:fontRef>
+          </p:style>
+          <p:txBody>
+            <a:bodyPr rtlCol="0" anchor="ctr"/>
+            <a:lstStyle/>
+            <a:p>
+              <a:pPr algn="ctr"/>
+              <a:r>
+                <a:rPr lang="tr-TR" b="1" dirty="0"/>
+                <a:t>Morale</a:t>
+              </a:r>
+            </a:p>
+          </p:txBody>
+        </p:sp>
+        <p:sp>
+          <p:nvSpPr>
+            <p:cNvPr id="9" name="Rectangle: Rounded Corners 8">
+              <a:extLst>
+                <a:ext uri="{FF2B5EF4-FFF2-40B4-BE49-F238E27FC236}">
+                  <a16:creationId xmlns:a16="http://schemas.microsoft.com/office/drawing/2014/main" id="{9135C4AA-79B2-49B6-AB0A-94B995AB48C9}"/>
+                </a:ext>
+              </a:extLst>
+            </p:cNvPr>
+            <p:cNvSpPr/>
+            <p:nvPr/>
+          </p:nvSpPr>
+          <p:spPr>
+            <a:xfrm>
+              <a:off x="779673" y="3270178"/>
+              <a:ext cx="2020293" cy="527413"/>
+            </a:xfrm>
+            <a:prstGeom prst="roundRect">
+              <a:avLst/>
+            </a:prstGeom>
+          </p:spPr>
+          <p:style>
+            <a:lnRef idx="2">
+              <a:schemeClr val="accent6"/>
+            </a:lnRef>
+            <a:fillRef idx="1">
+              <a:schemeClr val="lt1"/>
+            </a:fillRef>
+            <a:effectRef idx="0">
+              <a:schemeClr val="accent6"/>
+            </a:effectRef>
+            <a:fontRef idx="minor">
+              <a:schemeClr val="dk1"/>
+            </a:fontRef>
+          </p:style>
+          <p:txBody>
+            <a:bodyPr rtlCol="0" anchor="ctr"/>
+            <a:lstStyle/>
+            <a:p>
+              <a:pPr algn="ctr"/>
+              <a:r>
+                <a:rPr lang="tr-TR" b="1" dirty="0"/>
+                <a:t>Military Expenditure</a:t>
+              </a:r>
+            </a:p>
+          </p:txBody>
+        </p:sp>
+        <p:sp>
+          <p:nvSpPr>
+            <p:cNvPr id="10" name="Rectangle: Rounded Corners 9">
+              <a:extLst>
+                <a:ext uri="{FF2B5EF4-FFF2-40B4-BE49-F238E27FC236}">
+                  <a16:creationId xmlns:a16="http://schemas.microsoft.com/office/drawing/2014/main" id="{F31C0A84-334D-4937-A313-FD26E02FE369}"/>
+                </a:ext>
+              </a:extLst>
+            </p:cNvPr>
+            <p:cNvSpPr/>
+            <p:nvPr/>
+          </p:nvSpPr>
+          <p:spPr>
+            <a:xfrm>
+              <a:off x="779672" y="3939049"/>
+              <a:ext cx="2020293" cy="527413"/>
+            </a:xfrm>
+            <a:prstGeom prst="roundRect">
+              <a:avLst/>
+            </a:prstGeom>
+          </p:spPr>
+          <p:style>
+            <a:lnRef idx="2">
+              <a:schemeClr val="accent6"/>
+            </a:lnRef>
+            <a:fillRef idx="1">
+              <a:schemeClr val="lt1"/>
+            </a:fillRef>
+            <a:effectRef idx="0">
+              <a:schemeClr val="accent6"/>
+            </a:effectRef>
+            <a:fontRef idx="minor">
+              <a:schemeClr val="dk1"/>
+            </a:fontRef>
+          </p:style>
+          <p:txBody>
+            <a:bodyPr rtlCol="0" anchor="ctr"/>
+            <a:lstStyle/>
+            <a:p>
+              <a:pPr algn="ctr"/>
+              <a:r>
+                <a:rPr lang="tr-TR" b="1" dirty="0"/>
+                <a:t>Weapon System&amp;Platforms</a:t>
+              </a:r>
+            </a:p>
+          </p:txBody>
+        </p:sp>
+        <p:sp>
+          <p:nvSpPr>
+            <p:cNvPr id="11" name="Rectangle: Rounded Corners 10">
+              <a:extLst>
+                <a:ext uri="{FF2B5EF4-FFF2-40B4-BE49-F238E27FC236}">
+                  <a16:creationId xmlns:a16="http://schemas.microsoft.com/office/drawing/2014/main" id="{33764994-22BF-4591-890D-BF70CD907302}"/>
+                </a:ext>
+              </a:extLst>
+            </p:cNvPr>
+            <p:cNvSpPr/>
+            <p:nvPr/>
+          </p:nvSpPr>
+          <p:spPr>
+            <a:xfrm>
+              <a:off x="779674" y="1932436"/>
+              <a:ext cx="2020293" cy="527413"/>
+            </a:xfrm>
+            <a:prstGeom prst="roundRect">
+              <a:avLst/>
+            </a:prstGeom>
+          </p:spPr>
+          <p:style>
+            <a:lnRef idx="2">
+              <a:schemeClr val="accent6"/>
+            </a:lnRef>
+            <a:fillRef idx="1">
+              <a:schemeClr val="lt1"/>
+            </a:fillRef>
+            <a:effectRef idx="0">
+              <a:schemeClr val="accent6"/>
+            </a:effectRef>
+            <a:fontRef idx="minor">
+              <a:schemeClr val="dk1"/>
+            </a:fontRef>
+          </p:style>
+          <p:txBody>
+            <a:bodyPr rtlCol="0" anchor="ctr"/>
+            <a:lstStyle/>
+            <a:p>
+              <a:pPr algn="ctr"/>
+              <a:r>
+                <a:rPr lang="tr-TR" b="1" dirty="0"/>
+                <a:t>Population</a:t>
+              </a:r>
+            </a:p>
+          </p:txBody>
+        </p:sp>
+        <p:sp>
+          <p:nvSpPr>
+            <p:cNvPr id="12" name="Rectangle: Rounded Corners 11">
+              <a:extLst>
+                <a:ext uri="{FF2B5EF4-FFF2-40B4-BE49-F238E27FC236}">
+                  <a16:creationId xmlns:a16="http://schemas.microsoft.com/office/drawing/2014/main" id="{9E342AB2-9645-4555-8014-868A17F95732}"/>
+                </a:ext>
+              </a:extLst>
+            </p:cNvPr>
+            <p:cNvSpPr/>
+            <p:nvPr/>
+          </p:nvSpPr>
+          <p:spPr>
+            <a:xfrm>
+              <a:off x="779674" y="2601307"/>
+              <a:ext cx="2020293" cy="527413"/>
+            </a:xfrm>
+            <a:prstGeom prst="roundRect">
+              <a:avLst/>
+            </a:prstGeom>
+          </p:spPr>
+          <p:style>
+            <a:lnRef idx="2">
+              <a:schemeClr val="accent6"/>
+            </a:lnRef>
+            <a:fillRef idx="1">
+              <a:schemeClr val="lt1"/>
+            </a:fillRef>
+            <a:effectRef idx="0">
+              <a:schemeClr val="accent6"/>
+            </a:effectRef>
+            <a:fontRef idx="minor">
+              <a:schemeClr val="dk1"/>
+            </a:fontRef>
+          </p:style>
+          <p:txBody>
+            <a:bodyPr rtlCol="0" anchor="ctr"/>
+            <a:lstStyle/>
+            <a:p>
+              <a:pPr algn="ctr"/>
+              <a:r>
+                <a:rPr lang="tr-TR" b="1" dirty="0"/>
+                <a:t>Military </a:t>
+              </a:r>
+            </a:p>
+            <a:p>
+              <a:pPr algn="ctr"/>
+              <a:r>
+                <a:rPr lang="tr-TR" b="1" dirty="0"/>
+                <a:t>Personnel</a:t>
+              </a:r>
+            </a:p>
+          </p:txBody>
+        </p:sp>
+        <p:sp>
+          <p:nvSpPr>
+            <p:cNvPr id="13" name="TextBox 12">
+              <a:extLst>
+                <a:ext uri="{FF2B5EF4-FFF2-40B4-BE49-F238E27FC236}">
+                  <a16:creationId xmlns:a16="http://schemas.microsoft.com/office/drawing/2014/main" id="{4082E793-B84C-451B-B734-7DED2D204AC7}"/>
+                </a:ext>
+              </a:extLst>
+            </p:cNvPr>
+            <p:cNvSpPr txBox="1"/>
+            <p:nvPr/>
+          </p:nvSpPr>
+          <p:spPr>
+            <a:xfrm>
+              <a:off x="346881" y="5261509"/>
+              <a:ext cx="3234831" cy="646331"/>
+            </a:xfrm>
+            <a:prstGeom prst="rect">
+              <a:avLst/>
+            </a:prstGeom>
+            <a:solidFill>
+              <a:srgbClr val="00FFFF"/>
+            </a:solidFill>
+          </p:spPr>
+          <p:txBody>
+            <a:bodyPr wrap="square" rtlCol="0">
+              <a:spAutoFit/>
+            </a:bodyPr>
+            <a:lstStyle/>
+            <a:p>
+              <a:pPr algn="ctr"/>
+              <a:r>
+                <a:rPr lang="tr-TR" b="1" dirty="0"/>
+                <a:t>Independent Variables</a:t>
+              </a:r>
+            </a:p>
+            <a:p>
+              <a:pPr algn="ctr"/>
+              <a:r>
+                <a:rPr lang="tr-TR" b="1" dirty="0"/>
+                <a:t>(Material Factors)</a:t>
+              </a:r>
+            </a:p>
+          </p:txBody>
+        </p:sp>
+        <p:sp>
+          <p:nvSpPr>
+            <p:cNvPr id="14" name="Rectangle: Rounded Corners 13">
+              <a:extLst>
+                <a:ext uri="{FF2B5EF4-FFF2-40B4-BE49-F238E27FC236}">
+                  <a16:creationId xmlns:a16="http://schemas.microsoft.com/office/drawing/2014/main" id="{9E55CF1F-7B24-476E-AD2B-BB7F3C1FA77A}"/>
+                </a:ext>
+              </a:extLst>
+            </p:cNvPr>
+            <p:cNvSpPr/>
+            <p:nvPr/>
+          </p:nvSpPr>
+          <p:spPr>
+            <a:xfrm>
+              <a:off x="779671" y="4607920"/>
+              <a:ext cx="2020293" cy="527413"/>
+            </a:xfrm>
+            <a:prstGeom prst="roundRect">
+              <a:avLst/>
+            </a:prstGeom>
+          </p:spPr>
+          <p:style>
+            <a:lnRef idx="2">
+              <a:schemeClr val="accent6"/>
+            </a:lnRef>
+            <a:fillRef idx="1">
+              <a:schemeClr val="lt1"/>
+            </a:fillRef>
+            <a:effectRef idx="0">
+              <a:schemeClr val="accent6"/>
+            </a:effectRef>
+            <a:fontRef idx="minor">
+              <a:schemeClr val="dk1"/>
+            </a:fontRef>
+          </p:style>
+          <p:txBody>
+            <a:bodyPr rtlCol="0" anchor="ctr"/>
+            <a:lstStyle/>
+            <a:p>
+              <a:pPr algn="ctr"/>
+              <a:r>
+                <a:rPr lang="tr-TR" b="1" dirty="0">
+                  <a:solidFill>
+                    <a:schemeClr val="bg2">
+                      <a:lumMod val="50000"/>
+                    </a:schemeClr>
+                  </a:solidFill>
+                </a:rPr>
+                <a:t>Other Factors</a:t>
+              </a:r>
+            </a:p>
+            <a:p>
+              <a:pPr algn="ctr"/>
+              <a:r>
+                <a:rPr lang="tr-TR" b="1" dirty="0">
+                  <a:solidFill>
+                    <a:schemeClr val="bg2">
+                      <a:lumMod val="50000"/>
+                    </a:schemeClr>
+                  </a:solidFill>
+                </a:rPr>
+                <a:t>(To be defined)</a:t>
+              </a:r>
+            </a:p>
+          </p:txBody>
+        </p:sp>
+        <p:cxnSp>
+          <p:nvCxnSpPr>
+            <p:cNvPr id="16" name="Connector: Elbow 15">
+              <a:extLst>
+                <a:ext uri="{FF2B5EF4-FFF2-40B4-BE49-F238E27FC236}">
+                  <a16:creationId xmlns:a16="http://schemas.microsoft.com/office/drawing/2014/main" id="{B0E0B942-1D89-4A2E-96E4-42AE20115845}"/>
+                </a:ext>
+              </a:extLst>
+            </p:cNvPr>
+            <p:cNvCxnSpPr>
+              <a:cxnSpLocks/>
+            </p:cNvCxnSpPr>
+            <p:nvPr/>
+          </p:nvCxnSpPr>
+          <p:spPr>
+            <a:xfrm>
+              <a:off x="2799967" y="2215193"/>
+              <a:ext cx="6425495" cy="1142661"/>
+            </a:xfrm>
+            <a:prstGeom prst="bentConnector3">
+              <a:avLst>
+                <a:gd name="adj1" fmla="val 29858"/>
+              </a:avLst>
+            </a:prstGeom>
+            <a:ln>
+              <a:tailEnd type="triangle"/>
+            </a:ln>
+          </p:spPr>
+          <p:style>
+            <a:lnRef idx="1">
+              <a:schemeClr val="accent1"/>
+            </a:lnRef>
+            <a:fillRef idx="0">
+              <a:schemeClr val="accent1"/>
+            </a:fillRef>
+            <a:effectRef idx="0">
+              <a:schemeClr val="accent1"/>
+            </a:effectRef>
+            <a:fontRef idx="minor">
+              <a:schemeClr val="tx1"/>
+            </a:fontRef>
+          </p:style>
+        </p:cxnSp>
+        <p:cxnSp>
+          <p:nvCxnSpPr>
+            <p:cNvPr id="18" name="Connector: Elbow 17">
+              <a:extLst>
+                <a:ext uri="{FF2B5EF4-FFF2-40B4-BE49-F238E27FC236}">
+                  <a16:creationId xmlns:a16="http://schemas.microsoft.com/office/drawing/2014/main" id="{E0F33EBC-B16E-4AA9-9C5B-67173D2F234C}"/>
+                </a:ext>
+              </a:extLst>
+            </p:cNvPr>
+            <p:cNvCxnSpPr>
+              <a:cxnSpLocks/>
+            </p:cNvCxnSpPr>
+            <p:nvPr/>
+          </p:nvCxnSpPr>
+          <p:spPr>
+            <a:xfrm>
+              <a:off x="2799967" y="2887239"/>
+              <a:ext cx="6425495" cy="473790"/>
+            </a:xfrm>
+            <a:prstGeom prst="bentConnector3">
+              <a:avLst>
+                <a:gd name="adj1" fmla="val 29858"/>
+              </a:avLst>
+            </a:prstGeom>
+            <a:ln>
+              <a:tailEnd type="triangle"/>
+            </a:ln>
+          </p:spPr>
+          <p:style>
+            <a:lnRef idx="1">
+              <a:schemeClr val="accent1"/>
+            </a:lnRef>
+            <a:fillRef idx="0">
+              <a:schemeClr val="accent1"/>
+            </a:fillRef>
+            <a:effectRef idx="0">
+              <a:schemeClr val="accent1"/>
+            </a:effectRef>
+            <a:fontRef idx="minor">
+              <a:schemeClr val="tx1"/>
+            </a:fontRef>
+          </p:style>
+        </p:cxnSp>
+        <p:cxnSp>
+          <p:nvCxnSpPr>
+            <p:cNvPr id="20" name="Connector: Elbow 19">
+              <a:extLst>
+                <a:ext uri="{FF2B5EF4-FFF2-40B4-BE49-F238E27FC236}">
+                  <a16:creationId xmlns:a16="http://schemas.microsoft.com/office/drawing/2014/main" id="{7A1F8482-DE28-446D-B28A-7BB4DF4366F6}"/>
+                </a:ext>
+              </a:extLst>
+            </p:cNvPr>
+            <p:cNvCxnSpPr>
+              <a:cxnSpLocks/>
+            </p:cNvCxnSpPr>
+            <p:nvPr/>
+          </p:nvCxnSpPr>
+          <p:spPr>
+            <a:xfrm flipV="1">
+              <a:off x="2799966" y="3357854"/>
+              <a:ext cx="6425496" cy="195081"/>
+            </a:xfrm>
+            <a:prstGeom prst="bentConnector3">
+              <a:avLst>
+                <a:gd name="adj1" fmla="val 29858"/>
+              </a:avLst>
+            </a:prstGeom>
+            <a:ln>
+              <a:tailEnd type="triangle"/>
+            </a:ln>
+          </p:spPr>
+          <p:style>
+            <a:lnRef idx="1">
+              <a:schemeClr val="accent1"/>
+            </a:lnRef>
+            <a:fillRef idx="0">
+              <a:schemeClr val="accent1"/>
+            </a:fillRef>
+            <a:effectRef idx="0">
+              <a:schemeClr val="accent1"/>
+            </a:effectRef>
+            <a:fontRef idx="minor">
+              <a:schemeClr val="tx1"/>
+            </a:fontRef>
+          </p:style>
+        </p:cxnSp>
+        <p:cxnSp>
+          <p:nvCxnSpPr>
+            <p:cNvPr id="22" name="Connector: Elbow 21">
+              <a:extLst>
+                <a:ext uri="{FF2B5EF4-FFF2-40B4-BE49-F238E27FC236}">
+                  <a16:creationId xmlns:a16="http://schemas.microsoft.com/office/drawing/2014/main" id="{CB1A8B64-C81F-4C49-8AA2-A4F9FA53B846}"/>
+                </a:ext>
+              </a:extLst>
+            </p:cNvPr>
+            <p:cNvCxnSpPr>
+              <a:cxnSpLocks/>
+            </p:cNvCxnSpPr>
+            <p:nvPr/>
+          </p:nvCxnSpPr>
+          <p:spPr>
+            <a:xfrm flipV="1">
+              <a:off x="2799965" y="3361029"/>
+              <a:ext cx="6425497" cy="863952"/>
+            </a:xfrm>
+            <a:prstGeom prst="bentConnector3">
+              <a:avLst>
+                <a:gd name="adj1" fmla="val 29858"/>
+              </a:avLst>
+            </a:prstGeom>
+            <a:ln>
+              <a:tailEnd type="triangle"/>
+            </a:ln>
+          </p:spPr>
+          <p:style>
+            <a:lnRef idx="1">
+              <a:schemeClr val="accent1"/>
+            </a:lnRef>
+            <a:fillRef idx="0">
+              <a:schemeClr val="accent1"/>
+            </a:fillRef>
+            <a:effectRef idx="0">
+              <a:schemeClr val="accent1"/>
+            </a:effectRef>
+            <a:fontRef idx="minor">
+              <a:schemeClr val="tx1"/>
+            </a:fontRef>
+          </p:style>
+        </p:cxnSp>
+        <p:cxnSp>
+          <p:nvCxnSpPr>
+            <p:cNvPr id="24" name="Connector: Elbow 23">
+              <a:extLst>
+                <a:ext uri="{FF2B5EF4-FFF2-40B4-BE49-F238E27FC236}">
+                  <a16:creationId xmlns:a16="http://schemas.microsoft.com/office/drawing/2014/main" id="{FB5545E9-8A75-46CE-B97C-BFE96F1CBF5A}"/>
+                </a:ext>
+              </a:extLst>
+            </p:cNvPr>
+            <p:cNvCxnSpPr>
+              <a:cxnSpLocks/>
+            </p:cNvCxnSpPr>
+            <p:nvPr/>
+          </p:nvCxnSpPr>
+          <p:spPr>
+            <a:xfrm flipV="1">
+              <a:off x="2799964" y="3357854"/>
+              <a:ext cx="6425498" cy="1532823"/>
+            </a:xfrm>
+            <a:prstGeom prst="bentConnector3">
+              <a:avLst>
+                <a:gd name="adj1" fmla="val 29858"/>
+              </a:avLst>
+            </a:prstGeom>
+            <a:ln>
+              <a:tailEnd type="triangle"/>
+            </a:ln>
+          </p:spPr>
+          <p:style>
+            <a:lnRef idx="1">
+              <a:schemeClr val="accent1"/>
+            </a:lnRef>
+            <a:fillRef idx="0">
+              <a:schemeClr val="accent1"/>
+            </a:fillRef>
+            <a:effectRef idx="0">
+              <a:schemeClr val="accent1"/>
+            </a:effectRef>
+            <a:fontRef idx="minor">
+              <a:schemeClr val="tx1"/>
+            </a:fontRef>
+          </p:style>
+        </p:cxnSp>
+        <p:cxnSp>
+          <p:nvCxnSpPr>
+            <p:cNvPr id="35" name="Connector: Elbow 34">
+              <a:extLst>
+                <a:ext uri="{FF2B5EF4-FFF2-40B4-BE49-F238E27FC236}">
+                  <a16:creationId xmlns:a16="http://schemas.microsoft.com/office/drawing/2014/main" id="{6A08C988-16BF-405D-828A-5D8DA5552CD3}"/>
+                </a:ext>
+              </a:extLst>
+            </p:cNvPr>
+            <p:cNvCxnSpPr>
+              <a:cxnSpLocks/>
+            </p:cNvCxnSpPr>
+            <p:nvPr/>
+          </p:nvCxnSpPr>
+          <p:spPr>
+            <a:xfrm rot="16200000" flipH="1">
+              <a:off x="6705132" y="839255"/>
+              <a:ext cx="1687681" cy="3352980"/>
+            </a:xfrm>
+            <a:prstGeom prst="bentConnector2">
+              <a:avLst/>
+            </a:prstGeom>
+          </p:spPr>
+          <p:style>
+            <a:lnRef idx="1">
+              <a:schemeClr val="accent1"/>
+            </a:lnRef>
+            <a:fillRef idx="0">
+              <a:schemeClr val="accent1"/>
+            </a:fillRef>
+            <a:effectRef idx="0">
+              <a:schemeClr val="accent1"/>
+            </a:effectRef>
+            <a:fontRef idx="minor">
+              <a:schemeClr val="tx1"/>
+            </a:fontRef>
+          </p:style>
+        </p:cxnSp>
+        <p:cxnSp>
+          <p:nvCxnSpPr>
+            <p:cNvPr id="37" name="Connector: Elbow 36">
+              <a:extLst>
+                <a:ext uri="{FF2B5EF4-FFF2-40B4-BE49-F238E27FC236}">
+                  <a16:creationId xmlns:a16="http://schemas.microsoft.com/office/drawing/2014/main" id="{FA54DB65-1CC6-4F6C-ACFA-2BD3CAFE5486}"/>
+                </a:ext>
+              </a:extLst>
+            </p:cNvPr>
+            <p:cNvCxnSpPr>
+              <a:cxnSpLocks/>
+            </p:cNvCxnSpPr>
+            <p:nvPr/>
+          </p:nvCxnSpPr>
+          <p:spPr>
+            <a:xfrm rot="16200000" flipH="1">
+              <a:off x="7874385" y="2008508"/>
+              <a:ext cx="1692009" cy="1010146"/>
+            </a:xfrm>
+            <a:prstGeom prst="bentConnector2">
+              <a:avLst/>
+            </a:prstGeom>
+          </p:spPr>
+          <p:style>
+            <a:lnRef idx="1">
+              <a:schemeClr val="accent1"/>
+            </a:lnRef>
+            <a:fillRef idx="0">
+              <a:schemeClr val="accent1"/>
+            </a:fillRef>
+            <a:effectRef idx="0">
+              <a:schemeClr val="accent1"/>
+            </a:effectRef>
+            <a:fontRef idx="minor">
+              <a:schemeClr val="tx1"/>
+            </a:fontRef>
+          </p:style>
+        </p:cxnSp>
+        <p:sp>
+          <p:nvSpPr>
+            <p:cNvPr id="43" name="TextBox 42">
+              <a:extLst>
+                <a:ext uri="{FF2B5EF4-FFF2-40B4-BE49-F238E27FC236}">
+                  <a16:creationId xmlns:a16="http://schemas.microsoft.com/office/drawing/2014/main" id="{E0F555BF-BB20-4B6E-88A5-E63824486002}"/>
+                </a:ext>
+              </a:extLst>
+            </p:cNvPr>
+            <p:cNvSpPr txBox="1"/>
+            <p:nvPr/>
+          </p:nvSpPr>
+          <p:spPr>
+            <a:xfrm>
+              <a:off x="5462293" y="4959254"/>
+              <a:ext cx="5865351" cy="1754326"/>
+            </a:xfrm>
+            <a:prstGeom prst="rect">
+              <a:avLst/>
+            </a:prstGeom>
+            <a:noFill/>
+            <a:ln>
               <a:solidFill>
-                <a:srgbClr val="00FFFF"/>
+                <a:schemeClr val="bg1">
+                  <a:lumMod val="50000"/>
+                </a:schemeClr>
               </a:solidFill>
-            </p:spPr>
-            <p:txBody>
-              <a:bodyPr wrap="square" rtlCol="0">
-                <a:spAutoFit/>
-              </a:bodyPr>
-              <a:lstStyle>
-                <a:defPPr>
-                  <a:defRPr lang="tr-TR"/>
-                </a:defPPr>
-                <a:lvl1pPr algn="ctr">
-                  <a:defRPr b="1"/>
-                </a:lvl1pPr>
-              </a:lstStyle>
-              <a:p>
-                <a:r>
-                  <a:rPr lang="tr-TR" dirty="0"/>
-                  <a:t>Dependent Variable</a:t>
-                </a:r>
-              </a:p>
-            </p:txBody>
-          </p:sp>
-          <p:sp>
-            <p:nvSpPr>
-              <p:cNvPr id="6" name="Rectangle: Rounded Corners 5">
-                <a:extLst>
-                  <a:ext uri="{FF2B5EF4-FFF2-40B4-BE49-F238E27FC236}">
-                    <a16:creationId xmlns:a16="http://schemas.microsoft.com/office/drawing/2014/main" id="{859A0FFA-1A68-49C1-BE5D-F1E4C6D9B242}"/>
-                  </a:ext>
-                </a:extLst>
-              </p:cNvPr>
-              <p:cNvSpPr/>
-              <p:nvPr/>
-            </p:nvSpPr>
-            <p:spPr>
-              <a:xfrm>
-                <a:off x="4862335" y="903039"/>
-                <a:ext cx="2020293" cy="748084"/>
-              </a:xfrm>
-              <a:prstGeom prst="roundRect">
-                <a:avLst/>
-              </a:prstGeom>
-            </p:spPr>
-            <p:style>
-              <a:lnRef idx="2">
-                <a:schemeClr val="accent6"/>
-              </a:lnRef>
-              <a:fillRef idx="1">
-                <a:schemeClr val="lt1"/>
-              </a:fillRef>
-              <a:effectRef idx="0">
-                <a:schemeClr val="accent6"/>
-              </a:effectRef>
-              <a:fontRef idx="minor">
-                <a:schemeClr val="dk1"/>
-              </a:fontRef>
-            </p:style>
-            <p:txBody>
-              <a:bodyPr rtlCol="0" anchor="ctr"/>
-              <a:lstStyle/>
-              <a:p>
-                <a:pPr algn="ctr"/>
-                <a:r>
-                  <a:rPr lang="tr-TR" b="1" dirty="0"/>
-                  <a:t>Leadership</a:t>
-                </a:r>
-              </a:p>
-            </p:txBody>
-          </p:sp>
-          <p:sp>
-            <p:nvSpPr>
-              <p:cNvPr id="7" name="TextBox 6">
-                <a:extLst>
-                  <a:ext uri="{FF2B5EF4-FFF2-40B4-BE49-F238E27FC236}">
-                    <a16:creationId xmlns:a16="http://schemas.microsoft.com/office/drawing/2014/main" id="{D301626C-CD24-4E8C-8491-B5BBAAADE3FA}"/>
-                  </a:ext>
-                </a:extLst>
-              </p:cNvPr>
-              <p:cNvSpPr txBox="1"/>
-              <p:nvPr/>
-            </p:nvSpPr>
-            <p:spPr>
-              <a:xfrm>
-                <a:off x="5297870" y="171992"/>
-                <a:ext cx="3234831" cy="646331"/>
-              </a:xfrm>
-              <a:prstGeom prst="rect">
-                <a:avLst/>
-              </a:prstGeom>
-              <a:solidFill>
-                <a:srgbClr val="00FFFF"/>
-              </a:solidFill>
-            </p:spPr>
-            <p:txBody>
-              <a:bodyPr wrap="square" rtlCol="0">
-                <a:spAutoFit/>
-              </a:bodyPr>
-              <a:lstStyle>
-                <a:defPPr>
-                  <a:defRPr lang="tr-TR"/>
-                </a:defPPr>
-                <a:lvl1pPr algn="ctr">
-                  <a:defRPr b="1"/>
-                </a:lvl1pPr>
-              </a:lstStyle>
-              <a:p>
-                <a:r>
-                  <a:rPr lang="tr-TR" dirty="0"/>
-                  <a:t>Intervening Variables</a:t>
-                </a:r>
-              </a:p>
-              <a:p>
-                <a:r>
-                  <a:rPr lang="tr-TR" dirty="0"/>
-                  <a:t>(Non-material Factors)</a:t>
-                </a:r>
-              </a:p>
-            </p:txBody>
-          </p:sp>
-          <p:sp>
-            <p:nvSpPr>
-              <p:cNvPr id="8" name="Rectangle: Rounded Corners 7">
-                <a:extLst>
-                  <a:ext uri="{FF2B5EF4-FFF2-40B4-BE49-F238E27FC236}">
-                    <a16:creationId xmlns:a16="http://schemas.microsoft.com/office/drawing/2014/main" id="{BA8F6080-596F-49C8-AC41-113F13CD685F}"/>
-                  </a:ext>
-                </a:extLst>
-              </p:cNvPr>
-              <p:cNvSpPr/>
-              <p:nvPr/>
-            </p:nvSpPr>
-            <p:spPr>
-              <a:xfrm>
-                <a:off x="7205169" y="898711"/>
-                <a:ext cx="2020293" cy="748084"/>
-              </a:xfrm>
-              <a:prstGeom prst="roundRect">
-                <a:avLst/>
-              </a:prstGeom>
-            </p:spPr>
-            <p:style>
-              <a:lnRef idx="2">
-                <a:schemeClr val="accent6"/>
-              </a:lnRef>
-              <a:fillRef idx="1">
-                <a:schemeClr val="lt1"/>
-              </a:fillRef>
-              <a:effectRef idx="0">
-                <a:schemeClr val="accent6"/>
-              </a:effectRef>
-              <a:fontRef idx="minor">
-                <a:schemeClr val="dk1"/>
-              </a:fontRef>
-            </p:style>
-            <p:txBody>
-              <a:bodyPr rtlCol="0" anchor="ctr"/>
-              <a:lstStyle/>
-              <a:p>
-                <a:pPr algn="ctr"/>
-                <a:r>
-                  <a:rPr lang="tr-TR" b="1" dirty="0"/>
-                  <a:t>Morale</a:t>
-                </a:r>
-              </a:p>
-            </p:txBody>
-          </p:sp>
-          <p:sp>
-            <p:nvSpPr>
-              <p:cNvPr id="9" name="Rectangle: Rounded Corners 8">
-                <a:extLst>
-                  <a:ext uri="{FF2B5EF4-FFF2-40B4-BE49-F238E27FC236}">
-                    <a16:creationId xmlns:a16="http://schemas.microsoft.com/office/drawing/2014/main" id="{9135C4AA-79B2-49B6-AB0A-94B995AB48C9}"/>
-                  </a:ext>
-                </a:extLst>
-              </p:cNvPr>
-              <p:cNvSpPr/>
-              <p:nvPr/>
-            </p:nvSpPr>
-            <p:spPr>
-              <a:xfrm>
-                <a:off x="779673" y="3270178"/>
-                <a:ext cx="2020293" cy="527413"/>
-              </a:xfrm>
-              <a:prstGeom prst="roundRect">
-                <a:avLst/>
-              </a:prstGeom>
-            </p:spPr>
-            <p:style>
-              <a:lnRef idx="2">
-                <a:schemeClr val="accent6"/>
-              </a:lnRef>
-              <a:fillRef idx="1">
-                <a:schemeClr val="lt1"/>
-              </a:fillRef>
-              <a:effectRef idx="0">
-                <a:schemeClr val="accent6"/>
-              </a:effectRef>
-              <a:fontRef idx="minor">
-                <a:schemeClr val="dk1"/>
-              </a:fontRef>
-            </p:style>
-            <p:txBody>
-              <a:bodyPr rtlCol="0" anchor="ctr"/>
-              <a:lstStyle/>
-              <a:p>
-                <a:pPr algn="ctr"/>
-                <a:r>
-                  <a:rPr lang="tr-TR" b="1" dirty="0"/>
-                  <a:t>Military Expenditure</a:t>
-                </a:r>
-              </a:p>
-            </p:txBody>
-          </p:sp>
-          <p:sp>
-            <p:nvSpPr>
-              <p:cNvPr id="10" name="Rectangle: Rounded Corners 9">
-                <a:extLst>
-                  <a:ext uri="{FF2B5EF4-FFF2-40B4-BE49-F238E27FC236}">
-                    <a16:creationId xmlns:a16="http://schemas.microsoft.com/office/drawing/2014/main" id="{F31C0A84-334D-4937-A313-FD26E02FE369}"/>
-                  </a:ext>
-                </a:extLst>
-              </p:cNvPr>
-              <p:cNvSpPr/>
-              <p:nvPr/>
-            </p:nvSpPr>
-            <p:spPr>
-              <a:xfrm>
-                <a:off x="779672" y="3939049"/>
-                <a:ext cx="2020293" cy="527413"/>
-              </a:xfrm>
-              <a:prstGeom prst="roundRect">
-                <a:avLst/>
-              </a:prstGeom>
-            </p:spPr>
-            <p:style>
-              <a:lnRef idx="2">
-                <a:schemeClr val="accent6"/>
-              </a:lnRef>
-              <a:fillRef idx="1">
-                <a:schemeClr val="lt1"/>
-              </a:fillRef>
-              <a:effectRef idx="0">
-                <a:schemeClr val="accent6"/>
-              </a:effectRef>
-              <a:fontRef idx="minor">
-                <a:schemeClr val="dk1"/>
-              </a:fontRef>
-            </p:style>
-            <p:txBody>
-              <a:bodyPr rtlCol="0" anchor="ctr"/>
-              <a:lstStyle/>
-              <a:p>
-                <a:pPr algn="ctr"/>
-                <a:r>
-                  <a:rPr lang="tr-TR" b="1" dirty="0"/>
-                  <a:t>Weapon System&amp;Platforms</a:t>
-                </a:r>
-              </a:p>
-            </p:txBody>
-          </p:sp>
-          <p:sp>
-            <p:nvSpPr>
-              <p:cNvPr id="11" name="Rectangle: Rounded Corners 10">
-                <a:extLst>
-                  <a:ext uri="{FF2B5EF4-FFF2-40B4-BE49-F238E27FC236}">
-                    <a16:creationId xmlns:a16="http://schemas.microsoft.com/office/drawing/2014/main" id="{33764994-22BF-4591-890D-BF70CD907302}"/>
-                  </a:ext>
-                </a:extLst>
-              </p:cNvPr>
-              <p:cNvSpPr/>
-              <p:nvPr/>
-            </p:nvSpPr>
-            <p:spPr>
-              <a:xfrm>
-                <a:off x="779674" y="1932436"/>
-                <a:ext cx="2020293" cy="527413"/>
-              </a:xfrm>
-              <a:prstGeom prst="roundRect">
-                <a:avLst/>
-              </a:prstGeom>
-            </p:spPr>
-            <p:style>
-              <a:lnRef idx="2">
-                <a:schemeClr val="accent6"/>
-              </a:lnRef>
-              <a:fillRef idx="1">
-                <a:schemeClr val="lt1"/>
-              </a:fillRef>
-              <a:effectRef idx="0">
-                <a:schemeClr val="accent6"/>
-              </a:effectRef>
-              <a:fontRef idx="minor">
-                <a:schemeClr val="dk1"/>
-              </a:fontRef>
-            </p:style>
-            <p:txBody>
-              <a:bodyPr rtlCol="0" anchor="ctr"/>
-              <a:lstStyle/>
-              <a:p>
-                <a:pPr algn="ctr"/>
-                <a:r>
-                  <a:rPr lang="tr-TR" b="1" dirty="0"/>
-                  <a:t>Population</a:t>
-                </a:r>
-              </a:p>
-            </p:txBody>
-          </p:sp>
-          <p:sp>
-            <p:nvSpPr>
-              <p:cNvPr id="12" name="Rectangle: Rounded Corners 11">
-                <a:extLst>
-                  <a:ext uri="{FF2B5EF4-FFF2-40B4-BE49-F238E27FC236}">
-                    <a16:creationId xmlns:a16="http://schemas.microsoft.com/office/drawing/2014/main" id="{9E342AB2-9645-4555-8014-868A17F95732}"/>
-                  </a:ext>
-                </a:extLst>
-              </p:cNvPr>
-              <p:cNvSpPr/>
-              <p:nvPr/>
-            </p:nvSpPr>
-            <p:spPr>
-              <a:xfrm>
-                <a:off x="779674" y="2601307"/>
-                <a:ext cx="2020293" cy="527413"/>
-              </a:xfrm>
-              <a:prstGeom prst="roundRect">
-                <a:avLst/>
-              </a:prstGeom>
-            </p:spPr>
-            <p:style>
-              <a:lnRef idx="2">
-                <a:schemeClr val="accent6"/>
-              </a:lnRef>
-              <a:fillRef idx="1">
-                <a:schemeClr val="lt1"/>
-              </a:fillRef>
-              <a:effectRef idx="0">
-                <a:schemeClr val="accent6"/>
-              </a:effectRef>
-              <a:fontRef idx="minor">
-                <a:schemeClr val="dk1"/>
-              </a:fontRef>
-            </p:style>
-            <p:txBody>
-              <a:bodyPr rtlCol="0" anchor="ctr"/>
-              <a:lstStyle/>
-              <a:p>
-                <a:pPr algn="ctr"/>
-                <a:r>
-                  <a:rPr lang="tr-TR" b="1" dirty="0"/>
-                  <a:t>Military </a:t>
-                </a:r>
-              </a:p>
-              <a:p>
-                <a:pPr algn="ctr"/>
-                <a:r>
-                  <a:rPr lang="tr-TR" b="1" dirty="0"/>
-                  <a:t>Personnel</a:t>
-                </a:r>
-              </a:p>
-            </p:txBody>
-          </p:sp>
-          <p:sp>
-            <p:nvSpPr>
-              <p:cNvPr id="13" name="TextBox 12">
-                <a:extLst>
-                  <a:ext uri="{FF2B5EF4-FFF2-40B4-BE49-F238E27FC236}">
-                    <a16:creationId xmlns:a16="http://schemas.microsoft.com/office/drawing/2014/main" id="{4082E793-B84C-451B-B734-7DED2D204AC7}"/>
-                  </a:ext>
-                </a:extLst>
-              </p:cNvPr>
-              <p:cNvSpPr txBox="1"/>
-              <p:nvPr/>
-            </p:nvSpPr>
-            <p:spPr>
-              <a:xfrm>
-                <a:off x="346881" y="5261509"/>
-                <a:ext cx="3234831" cy="646331"/>
-              </a:xfrm>
-              <a:prstGeom prst="rect">
-                <a:avLst/>
-              </a:prstGeom>
-              <a:solidFill>
-                <a:srgbClr val="00FFFF"/>
-              </a:solidFill>
-            </p:spPr>
-            <p:txBody>
-              <a:bodyPr wrap="square" rtlCol="0">
-                <a:spAutoFit/>
-              </a:bodyPr>
-              <a:lstStyle/>
-              <a:p>
-                <a:pPr algn="ctr"/>
-                <a:r>
-                  <a:rPr lang="tr-TR" b="1" dirty="0"/>
-                  <a:t>Independent Variables</a:t>
-                </a:r>
-              </a:p>
-              <a:p>
-                <a:pPr algn="ctr"/>
-                <a:r>
-                  <a:rPr lang="tr-TR" b="1" dirty="0"/>
-                  <a:t>(Material Factors)</a:t>
-                </a:r>
-              </a:p>
-            </p:txBody>
-          </p:sp>
-          <p:sp>
-            <p:nvSpPr>
-              <p:cNvPr id="14" name="Rectangle: Rounded Corners 13">
-                <a:extLst>
-                  <a:ext uri="{FF2B5EF4-FFF2-40B4-BE49-F238E27FC236}">
-                    <a16:creationId xmlns:a16="http://schemas.microsoft.com/office/drawing/2014/main" id="{9E55CF1F-7B24-476E-AD2B-BB7F3C1FA77A}"/>
-                  </a:ext>
-                </a:extLst>
-              </p:cNvPr>
-              <p:cNvSpPr/>
-              <p:nvPr/>
-            </p:nvSpPr>
-            <p:spPr>
-              <a:xfrm>
-                <a:off x="779671" y="4607920"/>
-                <a:ext cx="2020293" cy="527413"/>
-              </a:xfrm>
-              <a:prstGeom prst="roundRect">
-                <a:avLst/>
-              </a:prstGeom>
-            </p:spPr>
-            <p:style>
-              <a:lnRef idx="2">
-                <a:schemeClr val="accent6"/>
-              </a:lnRef>
-              <a:fillRef idx="1">
-                <a:schemeClr val="lt1"/>
-              </a:fillRef>
-              <a:effectRef idx="0">
-                <a:schemeClr val="accent6"/>
-              </a:effectRef>
-              <a:fontRef idx="minor">
-                <a:schemeClr val="dk1"/>
-              </a:fontRef>
-            </p:style>
-            <p:txBody>
-              <a:bodyPr rtlCol="0" anchor="ctr"/>
-              <a:lstStyle/>
-              <a:p>
-                <a:pPr algn="ctr"/>
-                <a:r>
-                  <a:rPr lang="tr-TR" b="1" dirty="0">
-                    <a:solidFill>
-                      <a:schemeClr val="bg2">
-                        <a:lumMod val="50000"/>
-                      </a:schemeClr>
-                    </a:solidFill>
-                  </a:rPr>
-                  <a:t>Other Factors</a:t>
-                </a:r>
-              </a:p>
-              <a:p>
-                <a:pPr algn="ctr"/>
-                <a:r>
-                  <a:rPr lang="tr-TR" b="1" dirty="0">
-                    <a:solidFill>
-                      <a:schemeClr val="bg2">
-                        <a:lumMod val="50000"/>
-                      </a:schemeClr>
-                    </a:solidFill>
-                  </a:rPr>
-                  <a:t>(To be defined)</a:t>
-                </a:r>
-              </a:p>
-            </p:txBody>
-          </p:sp>
-          <p:cxnSp>
-            <p:nvCxnSpPr>
-              <p:cNvPr id="16" name="Connector: Elbow 15">
-                <a:extLst>
-                  <a:ext uri="{FF2B5EF4-FFF2-40B4-BE49-F238E27FC236}">
-                    <a16:creationId xmlns:a16="http://schemas.microsoft.com/office/drawing/2014/main" id="{B0E0B942-1D89-4A2E-96E4-42AE20115845}"/>
-                  </a:ext>
-                </a:extLst>
-              </p:cNvPr>
-              <p:cNvCxnSpPr>
-                <a:cxnSpLocks/>
-              </p:cNvCxnSpPr>
-              <p:nvPr/>
-            </p:nvCxnSpPr>
-            <p:spPr>
-              <a:xfrm>
-                <a:off x="2799967" y="2215193"/>
-                <a:ext cx="6425495" cy="1142661"/>
-              </a:xfrm>
-              <a:prstGeom prst="bentConnector3">
-                <a:avLst>
-                  <a:gd name="adj1" fmla="val 29858"/>
-                </a:avLst>
-              </a:prstGeom>
-              <a:ln>
-                <a:tailEnd type="triangle"/>
-              </a:ln>
-            </p:spPr>
-            <p:style>
-              <a:lnRef idx="1">
-                <a:schemeClr val="accent1"/>
-              </a:lnRef>
-              <a:fillRef idx="0">
-                <a:schemeClr val="accent1"/>
-              </a:fillRef>
-              <a:effectRef idx="0">
-                <a:schemeClr val="accent1"/>
-              </a:effectRef>
-              <a:fontRef idx="minor">
-                <a:schemeClr val="tx1"/>
-              </a:fontRef>
-            </p:style>
-          </p:cxnSp>
-          <p:cxnSp>
-            <p:nvCxnSpPr>
-              <p:cNvPr id="18" name="Connector: Elbow 17">
-                <a:extLst>
-                  <a:ext uri="{FF2B5EF4-FFF2-40B4-BE49-F238E27FC236}">
-                    <a16:creationId xmlns:a16="http://schemas.microsoft.com/office/drawing/2014/main" id="{E0F33EBC-B16E-4AA9-9C5B-67173D2F234C}"/>
-                  </a:ext>
-                </a:extLst>
-              </p:cNvPr>
-              <p:cNvCxnSpPr>
-                <a:cxnSpLocks/>
-              </p:cNvCxnSpPr>
-              <p:nvPr/>
-            </p:nvCxnSpPr>
-            <p:spPr>
-              <a:xfrm>
-                <a:off x="2799967" y="2887239"/>
-                <a:ext cx="6425495" cy="473790"/>
-              </a:xfrm>
-              <a:prstGeom prst="bentConnector3">
-                <a:avLst>
-                  <a:gd name="adj1" fmla="val 29858"/>
-                </a:avLst>
-              </a:prstGeom>
-              <a:ln>
-                <a:tailEnd type="triangle"/>
-              </a:ln>
-            </p:spPr>
-            <p:style>
-              <a:lnRef idx="1">
-                <a:schemeClr val="accent1"/>
-              </a:lnRef>
-              <a:fillRef idx="0">
-                <a:schemeClr val="accent1"/>
-              </a:fillRef>
-              <a:effectRef idx="0">
-                <a:schemeClr val="accent1"/>
-              </a:effectRef>
-              <a:fontRef idx="minor">
-                <a:schemeClr val="tx1"/>
-              </a:fontRef>
-            </p:style>
-          </p:cxnSp>
-          <p:cxnSp>
-            <p:nvCxnSpPr>
-              <p:cNvPr id="20" name="Connector: Elbow 19">
-                <a:extLst>
-                  <a:ext uri="{FF2B5EF4-FFF2-40B4-BE49-F238E27FC236}">
-                    <a16:creationId xmlns:a16="http://schemas.microsoft.com/office/drawing/2014/main" id="{7A1F8482-DE28-446D-B28A-7BB4DF4366F6}"/>
-                  </a:ext>
-                </a:extLst>
-              </p:cNvPr>
-              <p:cNvCxnSpPr>
-                <a:cxnSpLocks/>
-              </p:cNvCxnSpPr>
-              <p:nvPr/>
-            </p:nvCxnSpPr>
-            <p:spPr>
-              <a:xfrm flipV="1">
-                <a:off x="2799966" y="3357854"/>
-                <a:ext cx="6425496" cy="195081"/>
-              </a:xfrm>
-              <a:prstGeom prst="bentConnector3">
-                <a:avLst>
-                  <a:gd name="adj1" fmla="val 29858"/>
-                </a:avLst>
-              </a:prstGeom>
-              <a:ln>
-                <a:tailEnd type="triangle"/>
-              </a:ln>
-            </p:spPr>
-            <p:style>
-              <a:lnRef idx="1">
-                <a:schemeClr val="accent1"/>
-              </a:lnRef>
-              <a:fillRef idx="0">
-                <a:schemeClr val="accent1"/>
-              </a:fillRef>
-              <a:effectRef idx="0">
-                <a:schemeClr val="accent1"/>
-              </a:effectRef>
-              <a:fontRef idx="minor">
-                <a:schemeClr val="tx1"/>
-              </a:fontRef>
-            </p:style>
-          </p:cxnSp>
-          <p:cxnSp>
-            <p:nvCxnSpPr>
-              <p:cNvPr id="22" name="Connector: Elbow 21">
-                <a:extLst>
-                  <a:ext uri="{FF2B5EF4-FFF2-40B4-BE49-F238E27FC236}">
-                    <a16:creationId xmlns:a16="http://schemas.microsoft.com/office/drawing/2014/main" id="{CB1A8B64-C81F-4C49-8AA2-A4F9FA53B846}"/>
-                  </a:ext>
-                </a:extLst>
-              </p:cNvPr>
-              <p:cNvCxnSpPr>
-                <a:cxnSpLocks/>
-              </p:cNvCxnSpPr>
-              <p:nvPr/>
-            </p:nvCxnSpPr>
-            <p:spPr>
-              <a:xfrm flipV="1">
-                <a:off x="2799965" y="3361029"/>
-                <a:ext cx="6425497" cy="863952"/>
-              </a:xfrm>
-              <a:prstGeom prst="bentConnector3">
-                <a:avLst>
-                  <a:gd name="adj1" fmla="val 29858"/>
-                </a:avLst>
-              </a:prstGeom>
-              <a:ln>
-                <a:tailEnd type="triangle"/>
-              </a:ln>
-            </p:spPr>
-            <p:style>
-              <a:lnRef idx="1">
-                <a:schemeClr val="accent1"/>
-              </a:lnRef>
-              <a:fillRef idx="0">
-                <a:schemeClr val="accent1"/>
-              </a:fillRef>
-              <a:effectRef idx="0">
-                <a:schemeClr val="accent1"/>
-              </a:effectRef>
-              <a:fontRef idx="minor">
-                <a:schemeClr val="tx1"/>
-              </a:fontRef>
-            </p:style>
-          </p:cxnSp>
-          <p:cxnSp>
-            <p:nvCxnSpPr>
-              <p:cNvPr id="24" name="Connector: Elbow 23">
-                <a:extLst>
-                  <a:ext uri="{FF2B5EF4-FFF2-40B4-BE49-F238E27FC236}">
-                    <a16:creationId xmlns:a16="http://schemas.microsoft.com/office/drawing/2014/main" id="{FB5545E9-8A75-46CE-B97C-BFE96F1CBF5A}"/>
-                  </a:ext>
-                </a:extLst>
-              </p:cNvPr>
-              <p:cNvCxnSpPr>
-                <a:cxnSpLocks/>
-              </p:cNvCxnSpPr>
-              <p:nvPr/>
-            </p:nvCxnSpPr>
-            <p:spPr>
-              <a:xfrm flipV="1">
-                <a:off x="2799964" y="3357854"/>
-                <a:ext cx="6425498" cy="1532823"/>
-              </a:xfrm>
-              <a:prstGeom prst="bentConnector3">
-                <a:avLst>
-                  <a:gd name="adj1" fmla="val 29858"/>
-                </a:avLst>
-              </a:prstGeom>
-              <a:ln>
-                <a:tailEnd type="triangle"/>
-              </a:ln>
-            </p:spPr>
-            <p:style>
-              <a:lnRef idx="1">
-                <a:schemeClr val="accent1"/>
-              </a:lnRef>
-              <a:fillRef idx="0">
-                <a:schemeClr val="accent1"/>
-              </a:fillRef>
-              <a:effectRef idx="0">
-                <a:schemeClr val="accent1"/>
-              </a:effectRef>
-              <a:fontRef idx="minor">
-                <a:schemeClr val="tx1"/>
-              </a:fontRef>
-            </p:style>
-          </p:cxnSp>
-          <p:cxnSp>
-            <p:nvCxnSpPr>
-              <p:cNvPr id="35" name="Connector: Elbow 34">
-                <a:extLst>
-                  <a:ext uri="{FF2B5EF4-FFF2-40B4-BE49-F238E27FC236}">
-                    <a16:creationId xmlns:a16="http://schemas.microsoft.com/office/drawing/2014/main" id="{6A08C988-16BF-405D-828A-5D8DA5552CD3}"/>
-                  </a:ext>
-                </a:extLst>
-              </p:cNvPr>
-              <p:cNvCxnSpPr>
-                <a:cxnSpLocks/>
-              </p:cNvCxnSpPr>
-              <p:nvPr/>
-            </p:nvCxnSpPr>
-            <p:spPr>
-              <a:xfrm rot="16200000" flipH="1">
-                <a:off x="6705132" y="839255"/>
-                <a:ext cx="1687681" cy="3352980"/>
-              </a:xfrm>
-              <a:prstGeom prst="bentConnector2">
-                <a:avLst/>
-              </a:prstGeom>
-            </p:spPr>
-            <p:style>
-              <a:lnRef idx="1">
-                <a:schemeClr val="accent1"/>
-              </a:lnRef>
-              <a:fillRef idx="0">
-                <a:schemeClr val="accent1"/>
-              </a:fillRef>
-              <a:effectRef idx="0">
-                <a:schemeClr val="accent1"/>
-              </a:effectRef>
-              <a:fontRef idx="minor">
-                <a:schemeClr val="tx1"/>
-              </a:fontRef>
-            </p:style>
-          </p:cxnSp>
-          <p:cxnSp>
-            <p:nvCxnSpPr>
-              <p:cNvPr id="37" name="Connector: Elbow 36">
-                <a:extLst>
-                  <a:ext uri="{FF2B5EF4-FFF2-40B4-BE49-F238E27FC236}">
-                    <a16:creationId xmlns:a16="http://schemas.microsoft.com/office/drawing/2014/main" id="{FA54DB65-1CC6-4F6C-ACFA-2BD3CAFE5486}"/>
-                  </a:ext>
-                </a:extLst>
-              </p:cNvPr>
-              <p:cNvCxnSpPr>
-                <a:cxnSpLocks/>
-              </p:cNvCxnSpPr>
-              <p:nvPr/>
-            </p:nvCxnSpPr>
-            <p:spPr>
-              <a:xfrm rot="16200000" flipH="1">
-                <a:off x="7874385" y="2008508"/>
-                <a:ext cx="1692009" cy="1010146"/>
-              </a:xfrm>
-              <a:prstGeom prst="bentConnector2">
-                <a:avLst/>
-              </a:prstGeom>
-            </p:spPr>
-            <p:style>
-              <a:lnRef idx="1">
-                <a:schemeClr val="accent1"/>
-              </a:lnRef>
-              <a:fillRef idx="0">
-                <a:schemeClr val="accent1"/>
-              </a:fillRef>
-              <a:effectRef idx="0">
-                <a:schemeClr val="accent1"/>
-              </a:effectRef>
-              <a:fontRef idx="minor">
-                <a:schemeClr val="tx1"/>
-              </a:fontRef>
-            </p:style>
-          </p:cxnSp>
-          <p:sp>
-            <p:nvSpPr>
-              <p:cNvPr id="43" name="TextBox 42">
-                <a:extLst>
-                  <a:ext uri="{FF2B5EF4-FFF2-40B4-BE49-F238E27FC236}">
-                    <a16:creationId xmlns:a16="http://schemas.microsoft.com/office/drawing/2014/main" id="{E0F555BF-BB20-4B6E-88A5-E63824486002}"/>
-                  </a:ext>
-                </a:extLst>
-              </p:cNvPr>
-              <p:cNvSpPr txBox="1"/>
-              <p:nvPr/>
-            </p:nvSpPr>
-            <p:spPr>
-              <a:xfrm>
-                <a:off x="5462293" y="4959254"/>
-                <a:ext cx="5865351" cy="1754326"/>
-              </a:xfrm>
-              <a:prstGeom prst="rect">
-                <a:avLst/>
-              </a:prstGeom>
-              <a:noFill/>
-              <a:ln>
-                <a:solidFill>
-                  <a:schemeClr val="bg1">
-                    <a:lumMod val="50000"/>
-                  </a:schemeClr>
-                </a:solidFill>
-                <a:prstDash val="sysDash"/>
-              </a:ln>
-            </p:spPr>
-            <p:txBody>
-              <a:bodyPr wrap="square" rtlCol="0">
-                <a:spAutoFit/>
-              </a:bodyPr>
-              <a:lstStyle/>
-              <a:p>
-                <a:pPr algn="ctr"/>
-                <a:r>
-                  <a:rPr lang="tr-TR" b="1" dirty="0"/>
-                  <a:t>Evaluation</a:t>
-                </a:r>
-              </a:p>
-              <a:p>
-                <a:r>
-                  <a:rPr lang="tr-TR" b="1" dirty="0"/>
-                  <a:t>For the independent variables: </a:t>
-                </a:r>
-                <a:r>
-                  <a:rPr lang="tr-TR" dirty="0">
-                    <a:highlight>
-                      <a:srgbClr val="FFFF00"/>
-                    </a:highlight>
-                  </a:rPr>
-                  <a:t>Multiple Regression analysis </a:t>
-                </a:r>
-                <a:r>
-                  <a:rPr lang="tr-TR" dirty="0"/>
-                  <a:t>to explain difference in variance by each factor </a:t>
-                </a:r>
-              </a:p>
-              <a:p>
-                <a:r>
-                  <a:rPr lang="tr-TR" b="1" dirty="0"/>
-                  <a:t>For the Intervening Variables: </a:t>
-                </a:r>
-                <a:r>
-                  <a:rPr lang="tr-TR" dirty="0">
-                    <a:highlight>
-                      <a:srgbClr val="FFFF00"/>
-                    </a:highlight>
-                  </a:rPr>
-                  <a:t>Text Analysis </a:t>
-                </a:r>
-                <a:r>
-                  <a:rPr lang="tr-TR" dirty="0"/>
-                  <a:t>to explain relationship between leadership and morale and outcome of the battle</a:t>
-                </a:r>
-              </a:p>
-            </p:txBody>
-          </p:sp>
-          <p:cxnSp>
-            <p:nvCxnSpPr>
-              <p:cNvPr id="47" name="Straight Connector 46">
-                <a:extLst>
-                  <a:ext uri="{FF2B5EF4-FFF2-40B4-BE49-F238E27FC236}">
-                    <a16:creationId xmlns:a16="http://schemas.microsoft.com/office/drawing/2014/main" id="{4D18BC85-383A-41C2-ADA0-9D25542EB2A3}"/>
-                  </a:ext>
-                </a:extLst>
-              </p:cNvPr>
-              <p:cNvCxnSpPr>
-                <a:cxnSpLocks/>
-                <a:stCxn id="5" idx="2"/>
-                <a:endCxn id="43" idx="0"/>
-              </p:cNvCxnSpPr>
-              <p:nvPr/>
-            </p:nvCxnSpPr>
-            <p:spPr>
-              <a:xfrm flipH="1">
-                <a:off x="8394969" y="4241747"/>
-                <a:ext cx="2010231" cy="717507"/>
-              </a:xfrm>
-              <a:prstGeom prst="line">
-                <a:avLst/>
-              </a:prstGeom>
-              <a:ln>
-                <a:solidFill>
-                  <a:schemeClr val="bg1">
-                    <a:lumMod val="65000"/>
-                  </a:schemeClr>
-                </a:solidFill>
-                <a:prstDash val="sysDash"/>
-              </a:ln>
-            </p:spPr>
-            <p:style>
-              <a:lnRef idx="1">
-                <a:schemeClr val="accent1"/>
-              </a:lnRef>
-              <a:fillRef idx="0">
-                <a:schemeClr val="accent1"/>
-              </a:fillRef>
-              <a:effectRef idx="0">
-                <a:schemeClr val="accent1"/>
-              </a:effectRef>
-              <a:fontRef idx="minor">
-                <a:schemeClr val="tx1"/>
-              </a:fontRef>
-            </p:style>
-          </p:cxnSp>
-          <p:sp>
-            <p:nvSpPr>
-              <p:cNvPr id="25" name="Rectangle: Rounded Corners 24">
-                <a:extLst>
-                  <a:ext uri="{FF2B5EF4-FFF2-40B4-BE49-F238E27FC236}">
-                    <a16:creationId xmlns:a16="http://schemas.microsoft.com/office/drawing/2014/main" id="{A818BA3E-4575-456B-9F27-CACE3D53B1CB}"/>
-                  </a:ext>
-                </a:extLst>
-              </p:cNvPr>
-              <p:cNvSpPr/>
-              <p:nvPr/>
-            </p:nvSpPr>
-            <p:spPr>
-              <a:xfrm>
-                <a:off x="779670" y="1232443"/>
-                <a:ext cx="2020293" cy="527413"/>
-              </a:xfrm>
-              <a:prstGeom prst="roundRect">
-                <a:avLst/>
-              </a:prstGeom>
-            </p:spPr>
-            <p:style>
-              <a:lnRef idx="2">
-                <a:schemeClr val="accent6"/>
-              </a:lnRef>
-              <a:fillRef idx="1">
-                <a:schemeClr val="lt1"/>
-              </a:fillRef>
-              <a:effectRef idx="0">
-                <a:schemeClr val="accent6"/>
-              </a:effectRef>
-              <a:fontRef idx="minor">
-                <a:schemeClr val="dk1"/>
-              </a:fontRef>
-            </p:style>
-            <p:txBody>
-              <a:bodyPr rtlCol="0" anchor="ctr"/>
-              <a:lstStyle/>
-              <a:p>
-                <a:pPr algn="ctr"/>
-                <a:r>
-                  <a:rPr lang="tr-TR" b="1" dirty="0"/>
-                  <a:t>GNP</a:t>
-                </a:r>
-              </a:p>
-            </p:txBody>
-          </p:sp>
-          <p:cxnSp>
-            <p:nvCxnSpPr>
-              <p:cNvPr id="15" name="Connector: Elbow 14">
-                <a:extLst>
-                  <a:ext uri="{FF2B5EF4-FFF2-40B4-BE49-F238E27FC236}">
-                    <a16:creationId xmlns:a16="http://schemas.microsoft.com/office/drawing/2014/main" id="{70F06F30-BE24-45D8-8ED1-8FFA2C164B92}"/>
-                  </a:ext>
-                </a:extLst>
-              </p:cNvPr>
-              <p:cNvCxnSpPr>
-                <a:cxnSpLocks/>
-              </p:cNvCxnSpPr>
-              <p:nvPr/>
-            </p:nvCxnSpPr>
-            <p:spPr>
-              <a:xfrm>
-                <a:off x="2799963" y="1499543"/>
-                <a:ext cx="6161244" cy="1863509"/>
-              </a:xfrm>
-              <a:prstGeom prst="bentConnector3">
-                <a:avLst>
-                  <a:gd name="adj1" fmla="val 31253"/>
-                </a:avLst>
-              </a:prstGeom>
-            </p:spPr>
-            <p:style>
-              <a:lnRef idx="1">
-                <a:schemeClr val="accent1"/>
-              </a:lnRef>
-              <a:fillRef idx="0">
-                <a:schemeClr val="accent1"/>
-              </a:fillRef>
-              <a:effectRef idx="0">
-                <a:schemeClr val="accent1"/>
-              </a:effectRef>
-              <a:fontRef idx="minor">
-                <a:schemeClr val="tx1"/>
-              </a:fontRef>
-            </p:style>
-          </p:cxnSp>
-          <p:cxnSp>
-            <p:nvCxnSpPr>
-              <p:cNvPr id="21" name="Connector: Elbow 20">
-                <a:extLst>
-                  <a:ext uri="{FF2B5EF4-FFF2-40B4-BE49-F238E27FC236}">
-                    <a16:creationId xmlns:a16="http://schemas.microsoft.com/office/drawing/2014/main" id="{BD509CF2-A39C-4551-8AFC-D17F776A3C79}"/>
-                  </a:ext>
-                </a:extLst>
-              </p:cNvPr>
-              <p:cNvCxnSpPr>
-                <a:cxnSpLocks/>
-                <a:stCxn id="5" idx="2"/>
-                <a:endCxn id="43" idx="0"/>
-              </p:cNvCxnSpPr>
-              <p:nvPr/>
-            </p:nvCxnSpPr>
-            <p:spPr>
-              <a:xfrm rot="5400000">
-                <a:off x="9041332" y="3595385"/>
-                <a:ext cx="717507" cy="2010231"/>
-              </a:xfrm>
-              <a:prstGeom prst="bentConnector3">
-                <a:avLst/>
-              </a:prstGeom>
-              <a:ln>
-                <a:tailEnd type="triangle"/>
-              </a:ln>
-            </p:spPr>
-            <p:style>
-              <a:lnRef idx="1">
-                <a:schemeClr val="accent1"/>
-              </a:lnRef>
-              <a:fillRef idx="0">
-                <a:schemeClr val="accent1"/>
-              </a:fillRef>
-              <a:effectRef idx="0">
-                <a:schemeClr val="accent1"/>
-              </a:effectRef>
-              <a:fontRef idx="minor">
-                <a:schemeClr val="tx1"/>
-              </a:fontRef>
-            </p:style>
-          </p:cxnSp>
-        </p:grpSp>
+              <a:prstDash val="sysDash"/>
+            </a:ln>
+          </p:spPr>
+          <p:txBody>
+            <a:bodyPr wrap="square" rtlCol="0">
+              <a:spAutoFit/>
+            </a:bodyPr>
+            <a:lstStyle/>
+            <a:p>
+              <a:pPr algn="ctr"/>
+              <a:r>
+                <a:rPr lang="tr-TR" b="1" dirty="0"/>
+                <a:t>Evaluation</a:t>
+              </a:r>
+            </a:p>
+            <a:p>
+              <a:r>
+                <a:rPr lang="tr-TR" b="1" dirty="0"/>
+                <a:t>For the independent variables: </a:t>
+              </a:r>
+              <a:r>
+                <a:rPr lang="tr-TR" dirty="0">
+                  <a:highlight>
+                    <a:srgbClr val="FFFF00"/>
+                  </a:highlight>
+                </a:rPr>
+                <a:t>Multiple Regression analysis </a:t>
+              </a:r>
+              <a:r>
+                <a:rPr lang="tr-TR" dirty="0"/>
+                <a:t>to explain difference in variance by each factor </a:t>
+              </a:r>
+            </a:p>
+            <a:p>
+              <a:r>
+                <a:rPr lang="tr-TR" b="1" dirty="0"/>
+                <a:t>For the Intervening Variables: </a:t>
+              </a:r>
+              <a:r>
+                <a:rPr lang="tr-TR" dirty="0">
+                  <a:highlight>
+                    <a:srgbClr val="FFFF00"/>
+                  </a:highlight>
+                </a:rPr>
+                <a:t>Text Analysis </a:t>
+              </a:r>
+              <a:r>
+                <a:rPr lang="tr-TR" dirty="0"/>
+                <a:t>to explain relationship between leadership and morale and outcome of the battle</a:t>
+              </a:r>
+            </a:p>
+          </p:txBody>
+        </p:sp>
+        <p:sp>
+          <p:nvSpPr>
+            <p:cNvPr id="25" name="Rectangle: Rounded Corners 24">
+              <a:extLst>
+                <a:ext uri="{FF2B5EF4-FFF2-40B4-BE49-F238E27FC236}">
+                  <a16:creationId xmlns:a16="http://schemas.microsoft.com/office/drawing/2014/main" id="{A818BA3E-4575-456B-9F27-CACE3D53B1CB}"/>
+                </a:ext>
+              </a:extLst>
+            </p:cNvPr>
+            <p:cNvSpPr/>
+            <p:nvPr/>
+          </p:nvSpPr>
+          <p:spPr>
+            <a:xfrm>
+              <a:off x="779670" y="1232443"/>
+              <a:ext cx="2020293" cy="527413"/>
+            </a:xfrm>
+            <a:prstGeom prst="roundRect">
+              <a:avLst/>
+            </a:prstGeom>
+          </p:spPr>
+          <p:style>
+            <a:lnRef idx="2">
+              <a:schemeClr val="accent6"/>
+            </a:lnRef>
+            <a:fillRef idx="1">
+              <a:schemeClr val="lt1"/>
+            </a:fillRef>
+            <a:effectRef idx="0">
+              <a:schemeClr val="accent6"/>
+            </a:effectRef>
+            <a:fontRef idx="minor">
+              <a:schemeClr val="dk1"/>
+            </a:fontRef>
+          </p:style>
+          <p:txBody>
+            <a:bodyPr rtlCol="0" anchor="ctr"/>
+            <a:lstStyle/>
+            <a:p>
+              <a:pPr algn="ctr"/>
+              <a:r>
+                <a:rPr lang="tr-TR" b="1" dirty="0"/>
+                <a:t>GNP</a:t>
+              </a:r>
+            </a:p>
+          </p:txBody>
+        </p:sp>
+        <p:cxnSp>
+          <p:nvCxnSpPr>
+            <p:cNvPr id="15" name="Connector: Elbow 14">
+              <a:extLst>
+                <a:ext uri="{FF2B5EF4-FFF2-40B4-BE49-F238E27FC236}">
+                  <a16:creationId xmlns:a16="http://schemas.microsoft.com/office/drawing/2014/main" id="{70F06F30-BE24-45D8-8ED1-8FFA2C164B92}"/>
+                </a:ext>
+              </a:extLst>
+            </p:cNvPr>
+            <p:cNvCxnSpPr>
+              <a:cxnSpLocks/>
+            </p:cNvCxnSpPr>
+            <p:nvPr/>
+          </p:nvCxnSpPr>
+          <p:spPr>
+            <a:xfrm>
+              <a:off x="2799963" y="1499543"/>
+              <a:ext cx="6161244" cy="1863509"/>
+            </a:xfrm>
+            <a:prstGeom prst="bentConnector3">
+              <a:avLst>
+                <a:gd name="adj1" fmla="val 31253"/>
+              </a:avLst>
+            </a:prstGeom>
+          </p:spPr>
+          <p:style>
+            <a:lnRef idx="1">
+              <a:schemeClr val="accent1"/>
+            </a:lnRef>
+            <a:fillRef idx="0">
+              <a:schemeClr val="accent1"/>
+            </a:fillRef>
+            <a:effectRef idx="0">
+              <a:schemeClr val="accent1"/>
+            </a:effectRef>
+            <a:fontRef idx="minor">
+              <a:schemeClr val="tx1"/>
+            </a:fontRef>
+          </p:style>
+        </p:cxnSp>
+        <p:cxnSp>
+          <p:nvCxnSpPr>
+            <p:cNvPr id="21" name="Connector: Elbow 20">
+              <a:extLst>
+                <a:ext uri="{FF2B5EF4-FFF2-40B4-BE49-F238E27FC236}">
+                  <a16:creationId xmlns:a16="http://schemas.microsoft.com/office/drawing/2014/main" id="{BD509CF2-A39C-4551-8AFC-D17F776A3C79}"/>
+                </a:ext>
+              </a:extLst>
+            </p:cNvPr>
+            <p:cNvCxnSpPr>
+              <a:cxnSpLocks/>
+              <a:stCxn id="5" idx="2"/>
+              <a:endCxn id="43" idx="0"/>
+            </p:cNvCxnSpPr>
+            <p:nvPr/>
+          </p:nvCxnSpPr>
+          <p:spPr>
+            <a:xfrm rot="5400000">
+              <a:off x="9041332" y="3595385"/>
+              <a:ext cx="717507" cy="2010231"/>
+            </a:xfrm>
+            <a:prstGeom prst="bentConnector3">
+              <a:avLst/>
+            </a:prstGeom>
+            <a:ln>
+              <a:tailEnd type="triangle"/>
+            </a:ln>
+          </p:spPr>
+          <p:style>
+            <a:lnRef idx="1">
+              <a:schemeClr val="accent1"/>
+            </a:lnRef>
+            <a:fillRef idx="0">
+              <a:schemeClr val="accent1"/>
+            </a:fillRef>
+            <a:effectRef idx="0">
+              <a:schemeClr val="accent1"/>
+            </a:effectRef>
+            <a:fontRef idx="minor">
+              <a:schemeClr val="tx1"/>
+            </a:fontRef>
+          </p:style>
+        </p:cxnSp>
       </p:grpSp>
     </p:spTree>
     <p:extLst>

--- a/PhD Discussion.pptx
+++ b/PhD Discussion.pptx
@@ -5,7 +5,7 @@
     <p:sldMasterId id="2147483648" r:id="rId1"/>
   </p:sldMasterIdLst>
   <p:notesMasterIdLst>
-    <p:notesMasterId r:id="rId26"/>
+    <p:notesMasterId r:id="rId27"/>
   </p:notesMasterIdLst>
   <p:sldIdLst>
     <p:sldId id="256" r:id="rId2"/>
@@ -26,12 +26,13 @@
     <p:sldId id="272" r:id="rId17"/>
     <p:sldId id="276" r:id="rId18"/>
     <p:sldId id="277" r:id="rId19"/>
-    <p:sldId id="274" r:id="rId20"/>
+    <p:sldId id="286" r:id="rId20"/>
     <p:sldId id="284" r:id="rId21"/>
-    <p:sldId id="282" r:id="rId22"/>
-    <p:sldId id="285" r:id="rId23"/>
-    <p:sldId id="280" r:id="rId24"/>
-    <p:sldId id="283" r:id="rId25"/>
+    <p:sldId id="285" r:id="rId22"/>
+    <p:sldId id="290" r:id="rId23"/>
+    <p:sldId id="288" r:id="rId24"/>
+    <p:sldId id="289" r:id="rId25"/>
+    <p:sldId id="283" r:id="rId26"/>
   </p:sldIdLst>
   <p:sldSz cx="12192000" cy="6858000"/>
   <p:notesSz cx="6797675" cy="9926638"/>
@@ -138,6 +139,2830 @@
 </p:presentation>
 </file>
 
+<file path=ppt/diagrams/colors1.xml><?xml version="1.0" encoding="utf-8"?>
+<dgm:colorsDef xmlns:dgm="http://schemas.openxmlformats.org/drawingml/2006/diagram" xmlns:a="http://schemas.openxmlformats.org/drawingml/2006/main" uniqueId="urn:microsoft.com/office/officeart/2005/8/colors/accent1_2">
+  <dgm:title val=""/>
+  <dgm:desc val=""/>
+  <dgm:catLst>
+    <dgm:cat type="accent1" pri="11200"/>
+  </dgm:catLst>
+  <dgm:styleLbl name="node0">
+    <dgm:fillClrLst meth="repeat">
+      <a:schemeClr val="accent1"/>
+    </dgm:fillClrLst>
+    <dgm:linClrLst meth="repeat">
+      <a:schemeClr val="lt1"/>
+    </dgm:linClrLst>
+    <dgm:effectClrLst/>
+    <dgm:txLinClrLst/>
+    <dgm:txFillClrLst/>
+    <dgm:txEffectClrLst/>
+  </dgm:styleLbl>
+  <dgm:styleLbl name="alignNode1">
+    <dgm:fillClrLst meth="repeat">
+      <a:schemeClr val="accent1"/>
+    </dgm:fillClrLst>
+    <dgm:linClrLst meth="repeat">
+      <a:schemeClr val="accent1"/>
+    </dgm:linClrLst>
+    <dgm:effectClrLst/>
+    <dgm:txLinClrLst/>
+    <dgm:txFillClrLst/>
+    <dgm:txEffectClrLst/>
+  </dgm:styleLbl>
+  <dgm:styleLbl name="node1">
+    <dgm:fillClrLst meth="repeat">
+      <a:schemeClr val="accent1"/>
+    </dgm:fillClrLst>
+    <dgm:linClrLst meth="repeat">
+      <a:schemeClr val="lt1"/>
+    </dgm:linClrLst>
+    <dgm:effectClrLst/>
+    <dgm:txLinClrLst/>
+    <dgm:txFillClrLst/>
+    <dgm:txEffectClrLst/>
+  </dgm:styleLbl>
+  <dgm:styleLbl name="lnNode1">
+    <dgm:fillClrLst meth="repeat">
+      <a:schemeClr val="accent1"/>
+    </dgm:fillClrLst>
+    <dgm:linClrLst meth="repeat">
+      <a:schemeClr val="lt1"/>
+    </dgm:linClrLst>
+    <dgm:effectClrLst/>
+    <dgm:txLinClrLst/>
+    <dgm:txFillClrLst/>
+    <dgm:txEffectClrLst/>
+  </dgm:styleLbl>
+  <dgm:styleLbl name="vennNode1">
+    <dgm:fillClrLst meth="repeat">
+      <a:schemeClr val="accent1">
+        <a:alpha val="50000"/>
+      </a:schemeClr>
+    </dgm:fillClrLst>
+    <dgm:linClrLst meth="repeat">
+      <a:schemeClr val="lt1"/>
+    </dgm:linClrLst>
+    <dgm:effectClrLst/>
+    <dgm:txLinClrLst/>
+    <dgm:txFillClrLst/>
+    <dgm:txEffectClrLst/>
+  </dgm:styleLbl>
+  <dgm:styleLbl name="node2">
+    <dgm:fillClrLst meth="repeat">
+      <a:schemeClr val="accent1"/>
+    </dgm:fillClrLst>
+    <dgm:linClrLst meth="repeat">
+      <a:schemeClr val="lt1"/>
+    </dgm:linClrLst>
+    <dgm:effectClrLst/>
+    <dgm:txLinClrLst/>
+    <dgm:txFillClrLst/>
+    <dgm:txEffectClrLst/>
+  </dgm:styleLbl>
+  <dgm:styleLbl name="node3">
+    <dgm:fillClrLst meth="repeat">
+      <a:schemeClr val="accent1"/>
+    </dgm:fillClrLst>
+    <dgm:linClrLst meth="repeat">
+      <a:schemeClr val="lt1"/>
+    </dgm:linClrLst>
+    <dgm:effectClrLst/>
+    <dgm:txLinClrLst/>
+    <dgm:txFillClrLst/>
+    <dgm:txEffectClrLst/>
+  </dgm:styleLbl>
+  <dgm:styleLbl name="node4">
+    <dgm:fillClrLst meth="repeat">
+      <a:schemeClr val="accent1"/>
+    </dgm:fillClrLst>
+    <dgm:linClrLst meth="repeat">
+      <a:schemeClr val="lt1"/>
+    </dgm:linClrLst>
+    <dgm:effectClrLst/>
+    <dgm:txLinClrLst/>
+    <dgm:txFillClrLst/>
+    <dgm:txEffectClrLst/>
+  </dgm:styleLbl>
+  <dgm:styleLbl name="fgImgPlace1">
+    <dgm:fillClrLst meth="repeat">
+      <a:schemeClr val="accent1">
+        <a:tint val="50000"/>
+      </a:schemeClr>
+    </dgm:fillClrLst>
+    <dgm:linClrLst meth="repeat">
+      <a:schemeClr val="lt1"/>
+    </dgm:linClrLst>
+    <dgm:effectClrLst/>
+    <dgm:txLinClrLst/>
+    <dgm:txFillClrLst meth="repeat">
+      <a:schemeClr val="lt1"/>
+    </dgm:txFillClrLst>
+    <dgm:txEffectClrLst/>
+  </dgm:styleLbl>
+  <dgm:styleLbl name="alignImgPlace1">
+    <dgm:fillClrLst meth="repeat">
+      <a:schemeClr val="accent1">
+        <a:tint val="50000"/>
+      </a:schemeClr>
+    </dgm:fillClrLst>
+    <dgm:linClrLst meth="repeat">
+      <a:schemeClr val="lt1"/>
+    </dgm:linClrLst>
+    <dgm:effectClrLst/>
+    <dgm:txLinClrLst/>
+    <dgm:txFillClrLst meth="repeat">
+      <a:schemeClr val="lt1"/>
+    </dgm:txFillClrLst>
+    <dgm:txEffectClrLst/>
+  </dgm:styleLbl>
+  <dgm:styleLbl name="bgImgPlace1">
+    <dgm:fillClrLst meth="repeat">
+      <a:schemeClr val="accent1">
+        <a:tint val="50000"/>
+      </a:schemeClr>
+    </dgm:fillClrLst>
+    <dgm:linClrLst meth="repeat">
+      <a:schemeClr val="lt1"/>
+    </dgm:linClrLst>
+    <dgm:effectClrLst/>
+    <dgm:txLinClrLst/>
+    <dgm:txFillClrLst meth="repeat">
+      <a:schemeClr val="lt1"/>
+    </dgm:txFillClrLst>
+    <dgm:txEffectClrLst/>
+  </dgm:styleLbl>
+  <dgm:styleLbl name="sibTrans2D1">
+    <dgm:fillClrLst meth="repeat">
+      <a:schemeClr val="accent1">
+        <a:tint val="60000"/>
+      </a:schemeClr>
+    </dgm:fillClrLst>
+    <dgm:linClrLst meth="repeat">
+      <a:schemeClr val="accent1">
+        <a:tint val="60000"/>
+      </a:schemeClr>
+    </dgm:linClrLst>
+    <dgm:effectClrLst/>
+    <dgm:txLinClrLst/>
+    <dgm:txFillClrLst/>
+    <dgm:txEffectClrLst/>
+  </dgm:styleLbl>
+  <dgm:styleLbl name="fgSibTrans2D1">
+    <dgm:fillClrLst meth="repeat">
+      <a:schemeClr val="accent1">
+        <a:tint val="60000"/>
+      </a:schemeClr>
+    </dgm:fillClrLst>
+    <dgm:linClrLst meth="repeat">
+      <a:schemeClr val="accent1">
+        <a:tint val="60000"/>
+      </a:schemeClr>
+    </dgm:linClrLst>
+    <dgm:effectClrLst/>
+    <dgm:txLinClrLst/>
+    <dgm:txFillClrLst/>
+    <dgm:txEffectClrLst/>
+  </dgm:styleLbl>
+  <dgm:styleLbl name="bgSibTrans2D1">
+    <dgm:fillClrLst meth="repeat">
+      <a:schemeClr val="accent1">
+        <a:tint val="60000"/>
+      </a:schemeClr>
+    </dgm:fillClrLst>
+    <dgm:linClrLst meth="repeat">
+      <a:schemeClr val="accent1">
+        <a:tint val="60000"/>
+      </a:schemeClr>
+    </dgm:linClrLst>
+    <dgm:effectClrLst/>
+    <dgm:txLinClrLst/>
+    <dgm:txFillClrLst/>
+    <dgm:txEffectClrLst/>
+  </dgm:styleLbl>
+  <dgm:styleLbl name="sibTrans1D1">
+    <dgm:fillClrLst meth="repeat">
+      <a:schemeClr val="accent1"/>
+    </dgm:fillClrLst>
+    <dgm:linClrLst meth="repeat">
+      <a:schemeClr val="accent1"/>
+    </dgm:linClrLst>
+    <dgm:effectClrLst/>
+    <dgm:txLinClrLst/>
+    <dgm:txFillClrLst meth="repeat">
+      <a:schemeClr val="tx1"/>
+    </dgm:txFillClrLst>
+    <dgm:txEffectClrLst/>
+  </dgm:styleLbl>
+  <dgm:styleLbl name="callout">
+    <dgm:fillClrLst meth="repeat">
+      <a:schemeClr val="accent1"/>
+    </dgm:fillClrLst>
+    <dgm:linClrLst meth="repeat">
+      <a:schemeClr val="accent1">
+        <a:tint val="50000"/>
+      </a:schemeClr>
+    </dgm:linClrLst>
+    <dgm:effectClrLst/>
+    <dgm:txLinClrLst/>
+    <dgm:txFillClrLst meth="repeat">
+      <a:schemeClr val="tx1"/>
+    </dgm:txFillClrLst>
+    <dgm:txEffectClrLst/>
+  </dgm:styleLbl>
+  <dgm:styleLbl name="asst0">
+    <dgm:fillClrLst meth="repeat">
+      <a:schemeClr val="accent1"/>
+    </dgm:fillClrLst>
+    <dgm:linClrLst meth="repeat">
+      <a:schemeClr val="lt1"/>
+    </dgm:linClrLst>
+    <dgm:effectClrLst/>
+    <dgm:txLinClrLst/>
+    <dgm:txFillClrLst/>
+    <dgm:txEffectClrLst/>
+  </dgm:styleLbl>
+  <dgm:styleLbl name="asst1">
+    <dgm:fillClrLst meth="repeat">
+      <a:schemeClr val="accent1"/>
+    </dgm:fillClrLst>
+    <dgm:linClrLst meth="repeat">
+      <a:schemeClr val="lt1"/>
+    </dgm:linClrLst>
+    <dgm:effectClrLst/>
+    <dgm:txLinClrLst/>
+    <dgm:txFillClrLst/>
+    <dgm:txEffectClrLst/>
+  </dgm:styleLbl>
+  <dgm:styleLbl name="asst2">
+    <dgm:fillClrLst meth="repeat">
+      <a:schemeClr val="accent1"/>
+    </dgm:fillClrLst>
+    <dgm:linClrLst meth="repeat">
+      <a:schemeClr val="lt1"/>
+    </dgm:linClrLst>
+    <dgm:effectClrLst/>
+    <dgm:txLinClrLst/>
+    <dgm:txFillClrLst/>
+    <dgm:txEffectClrLst/>
+  </dgm:styleLbl>
+  <dgm:styleLbl name="asst3">
+    <dgm:fillClrLst meth="repeat">
+      <a:schemeClr val="accent1"/>
+    </dgm:fillClrLst>
+    <dgm:linClrLst meth="repeat">
+      <a:schemeClr val="lt1"/>
+    </dgm:linClrLst>
+    <dgm:effectClrLst/>
+    <dgm:txLinClrLst/>
+    <dgm:txFillClrLst/>
+    <dgm:txEffectClrLst/>
+  </dgm:styleLbl>
+  <dgm:styleLbl name="asst4">
+    <dgm:fillClrLst meth="repeat">
+      <a:schemeClr val="accent1"/>
+    </dgm:fillClrLst>
+    <dgm:linClrLst meth="repeat">
+      <a:schemeClr val="lt1"/>
+    </dgm:linClrLst>
+    <dgm:effectClrLst/>
+    <dgm:txLinClrLst/>
+    <dgm:txFillClrLst/>
+    <dgm:txEffectClrLst/>
+  </dgm:styleLbl>
+  <dgm:styleLbl name="parChTrans2D1">
+    <dgm:fillClrLst meth="repeat">
+      <a:schemeClr val="accent1">
+        <a:tint val="60000"/>
+      </a:schemeClr>
+    </dgm:fillClrLst>
+    <dgm:linClrLst meth="repeat">
+      <a:schemeClr val="accent1">
+        <a:tint val="60000"/>
+      </a:schemeClr>
+    </dgm:linClrLst>
+    <dgm:effectClrLst/>
+    <dgm:txLinClrLst/>
+    <dgm:txFillClrLst meth="repeat">
+      <a:schemeClr val="lt1"/>
+    </dgm:txFillClrLst>
+    <dgm:txEffectClrLst/>
+  </dgm:styleLbl>
+  <dgm:styleLbl name="parChTrans2D2">
+    <dgm:fillClrLst meth="repeat">
+      <a:schemeClr val="accent1"/>
+    </dgm:fillClrLst>
+    <dgm:linClrLst meth="repeat">
+      <a:schemeClr val="accent1"/>
+    </dgm:linClrLst>
+    <dgm:effectClrLst/>
+    <dgm:txLinClrLst/>
+    <dgm:txFillClrLst meth="repeat">
+      <a:schemeClr val="lt1"/>
+    </dgm:txFillClrLst>
+    <dgm:txEffectClrLst/>
+  </dgm:styleLbl>
+  <dgm:styleLbl name="parChTrans2D3">
+    <dgm:fillClrLst meth="repeat">
+      <a:schemeClr val="accent1"/>
+    </dgm:fillClrLst>
+    <dgm:linClrLst meth="repeat">
+      <a:schemeClr val="accent1"/>
+    </dgm:linClrLst>
+    <dgm:effectClrLst/>
+    <dgm:txLinClrLst/>
+    <dgm:txFillClrLst meth="repeat">
+      <a:schemeClr val="lt1"/>
+    </dgm:txFillClrLst>
+    <dgm:txEffectClrLst/>
+  </dgm:styleLbl>
+  <dgm:styleLbl name="parChTrans2D4">
+    <dgm:fillClrLst meth="repeat">
+      <a:schemeClr val="accent1"/>
+    </dgm:fillClrLst>
+    <dgm:linClrLst meth="repeat">
+      <a:schemeClr val="accent1"/>
+    </dgm:linClrLst>
+    <dgm:effectClrLst/>
+    <dgm:txLinClrLst/>
+    <dgm:txFillClrLst meth="repeat">
+      <a:schemeClr val="lt1"/>
+    </dgm:txFillClrLst>
+    <dgm:txEffectClrLst/>
+  </dgm:styleLbl>
+  <dgm:styleLbl name="parChTrans1D1">
+    <dgm:fillClrLst meth="repeat">
+      <a:schemeClr val="accent1"/>
+    </dgm:fillClrLst>
+    <dgm:linClrLst meth="repeat">
+      <a:schemeClr val="accent1">
+        <a:shade val="60000"/>
+      </a:schemeClr>
+    </dgm:linClrLst>
+    <dgm:effectClrLst/>
+    <dgm:txLinClrLst/>
+    <dgm:txFillClrLst meth="repeat">
+      <a:schemeClr val="tx1"/>
+    </dgm:txFillClrLst>
+    <dgm:txEffectClrLst/>
+  </dgm:styleLbl>
+  <dgm:styleLbl name="parChTrans1D2">
+    <dgm:fillClrLst meth="repeat">
+      <a:schemeClr val="accent1"/>
+    </dgm:fillClrLst>
+    <dgm:linClrLst meth="repeat">
+      <a:schemeClr val="accent1">
+        <a:shade val="60000"/>
+      </a:schemeClr>
+    </dgm:linClrLst>
+    <dgm:effectClrLst/>
+    <dgm:txLinClrLst/>
+    <dgm:txFillClrLst meth="repeat">
+      <a:schemeClr val="tx1"/>
+    </dgm:txFillClrLst>
+    <dgm:txEffectClrLst/>
+  </dgm:styleLbl>
+  <dgm:styleLbl name="parChTrans1D3">
+    <dgm:fillClrLst meth="repeat">
+      <a:schemeClr val="accent1"/>
+    </dgm:fillClrLst>
+    <dgm:linClrLst meth="repeat">
+      <a:schemeClr val="accent1">
+        <a:shade val="80000"/>
+      </a:schemeClr>
+    </dgm:linClrLst>
+    <dgm:effectClrLst/>
+    <dgm:txLinClrLst/>
+    <dgm:txFillClrLst meth="repeat">
+      <a:schemeClr val="tx1"/>
+    </dgm:txFillClrLst>
+    <dgm:txEffectClrLst/>
+  </dgm:styleLbl>
+  <dgm:styleLbl name="parChTrans1D4">
+    <dgm:fillClrLst meth="repeat">
+      <a:schemeClr val="accent1"/>
+    </dgm:fillClrLst>
+    <dgm:linClrLst meth="repeat">
+      <a:schemeClr val="accent1">
+        <a:shade val="80000"/>
+      </a:schemeClr>
+    </dgm:linClrLst>
+    <dgm:effectClrLst/>
+    <dgm:txLinClrLst/>
+    <dgm:txFillClrLst meth="repeat">
+      <a:schemeClr val="tx1"/>
+    </dgm:txFillClrLst>
+    <dgm:txEffectClrLst/>
+  </dgm:styleLbl>
+  <dgm:styleLbl name="fgAcc1">
+    <dgm:fillClrLst meth="repeat">
+      <a:schemeClr val="lt1">
+        <a:alpha val="90000"/>
+      </a:schemeClr>
+    </dgm:fillClrLst>
+    <dgm:linClrLst meth="repeat">
+      <a:schemeClr val="accent1"/>
+    </dgm:linClrLst>
+    <dgm:effectClrLst/>
+    <dgm:txLinClrLst/>
+    <dgm:txFillClrLst meth="repeat">
+      <a:schemeClr val="dk1"/>
+    </dgm:txFillClrLst>
+    <dgm:txEffectClrLst/>
+  </dgm:styleLbl>
+  <dgm:styleLbl name="conFgAcc1">
+    <dgm:fillClrLst meth="repeat">
+      <a:schemeClr val="lt1">
+        <a:alpha val="90000"/>
+      </a:schemeClr>
+    </dgm:fillClrLst>
+    <dgm:linClrLst meth="repeat">
+      <a:schemeClr val="accent1"/>
+    </dgm:linClrLst>
+    <dgm:effectClrLst/>
+    <dgm:txLinClrLst/>
+    <dgm:txFillClrLst meth="repeat">
+      <a:schemeClr val="dk1"/>
+    </dgm:txFillClrLst>
+    <dgm:txEffectClrLst/>
+  </dgm:styleLbl>
+  <dgm:styleLbl name="alignAcc1">
+    <dgm:fillClrLst meth="repeat">
+      <a:schemeClr val="lt1">
+        <a:alpha val="90000"/>
+      </a:schemeClr>
+    </dgm:fillClrLst>
+    <dgm:linClrLst meth="repeat">
+      <a:schemeClr val="accent1"/>
+    </dgm:linClrLst>
+    <dgm:effectClrLst/>
+    <dgm:txLinClrLst/>
+    <dgm:txFillClrLst meth="repeat">
+      <a:schemeClr val="dk1"/>
+    </dgm:txFillClrLst>
+    <dgm:txEffectClrLst/>
+  </dgm:styleLbl>
+  <dgm:styleLbl name="trAlignAcc1">
+    <dgm:fillClrLst meth="repeat">
+      <a:schemeClr val="lt1">
+        <a:alpha val="40000"/>
+      </a:schemeClr>
+    </dgm:fillClrLst>
+    <dgm:linClrLst meth="repeat">
+      <a:schemeClr val="accent1"/>
+    </dgm:linClrLst>
+    <dgm:effectClrLst/>
+    <dgm:txLinClrLst/>
+    <dgm:txFillClrLst meth="repeat">
+      <a:schemeClr val="dk1"/>
+    </dgm:txFillClrLst>
+    <dgm:txEffectClrLst/>
+  </dgm:styleLbl>
+  <dgm:styleLbl name="bgAcc1">
+    <dgm:fillClrLst meth="repeat">
+      <a:schemeClr val="lt1">
+        <a:alpha val="90000"/>
+      </a:schemeClr>
+    </dgm:fillClrLst>
+    <dgm:linClrLst meth="repeat">
+      <a:schemeClr val="accent1"/>
+    </dgm:linClrLst>
+    <dgm:effectClrLst/>
+    <dgm:txLinClrLst/>
+    <dgm:txFillClrLst meth="repeat">
+      <a:schemeClr val="dk1"/>
+    </dgm:txFillClrLst>
+    <dgm:txEffectClrLst/>
+  </dgm:styleLbl>
+  <dgm:styleLbl name="solidFgAcc1">
+    <dgm:fillClrLst meth="repeat">
+      <a:schemeClr val="lt1"/>
+    </dgm:fillClrLst>
+    <dgm:linClrLst meth="repeat">
+      <a:schemeClr val="accent1"/>
+    </dgm:linClrLst>
+    <dgm:effectClrLst/>
+    <dgm:txLinClrLst/>
+    <dgm:txFillClrLst meth="repeat">
+      <a:schemeClr val="dk1"/>
+    </dgm:txFillClrLst>
+    <dgm:txEffectClrLst/>
+  </dgm:styleLbl>
+  <dgm:styleLbl name="solidAlignAcc1">
+    <dgm:fillClrLst meth="repeat">
+      <a:schemeClr val="lt1"/>
+    </dgm:fillClrLst>
+    <dgm:linClrLst meth="repeat">
+      <a:schemeClr val="accent1"/>
+    </dgm:linClrLst>
+    <dgm:effectClrLst/>
+    <dgm:txLinClrLst/>
+    <dgm:txFillClrLst meth="repeat">
+      <a:schemeClr val="dk1"/>
+    </dgm:txFillClrLst>
+    <dgm:txEffectClrLst/>
+  </dgm:styleLbl>
+  <dgm:styleLbl name="solidBgAcc1">
+    <dgm:fillClrLst meth="repeat">
+      <a:schemeClr val="lt1"/>
+    </dgm:fillClrLst>
+    <dgm:linClrLst meth="repeat">
+      <a:schemeClr val="accent1"/>
+    </dgm:linClrLst>
+    <dgm:effectClrLst/>
+    <dgm:txLinClrLst/>
+    <dgm:txFillClrLst meth="repeat">
+      <a:schemeClr val="dk1"/>
+    </dgm:txFillClrLst>
+    <dgm:txEffectClrLst/>
+  </dgm:styleLbl>
+  <dgm:styleLbl name="fgAccFollowNode1">
+    <dgm:fillClrLst meth="repeat">
+      <a:schemeClr val="accent1">
+        <a:alpha val="90000"/>
+        <a:tint val="40000"/>
+      </a:schemeClr>
+    </dgm:fillClrLst>
+    <dgm:linClrLst meth="repeat">
+      <a:schemeClr val="accent1">
+        <a:alpha val="90000"/>
+        <a:tint val="40000"/>
+      </a:schemeClr>
+    </dgm:linClrLst>
+    <dgm:effectClrLst/>
+    <dgm:txLinClrLst/>
+    <dgm:txFillClrLst meth="repeat">
+      <a:schemeClr val="dk1"/>
+    </dgm:txFillClrLst>
+    <dgm:txEffectClrLst/>
+  </dgm:styleLbl>
+  <dgm:styleLbl name="alignAccFollowNode1">
+    <dgm:fillClrLst meth="repeat">
+      <a:schemeClr val="accent1">
+        <a:alpha val="90000"/>
+        <a:tint val="40000"/>
+      </a:schemeClr>
+    </dgm:fillClrLst>
+    <dgm:linClrLst meth="repeat">
+      <a:schemeClr val="accent1">
+        <a:alpha val="90000"/>
+        <a:tint val="40000"/>
+      </a:schemeClr>
+    </dgm:linClrLst>
+    <dgm:effectClrLst/>
+    <dgm:txLinClrLst/>
+    <dgm:txFillClrLst meth="repeat">
+      <a:schemeClr val="dk1"/>
+    </dgm:txFillClrLst>
+    <dgm:txEffectClrLst/>
+  </dgm:styleLbl>
+  <dgm:styleLbl name="bgAccFollowNode1">
+    <dgm:fillClrLst meth="repeat">
+      <a:schemeClr val="accent1">
+        <a:alpha val="90000"/>
+        <a:tint val="40000"/>
+      </a:schemeClr>
+    </dgm:fillClrLst>
+    <dgm:linClrLst meth="repeat">
+      <a:schemeClr val="accent1">
+        <a:alpha val="90000"/>
+        <a:tint val="40000"/>
+      </a:schemeClr>
+    </dgm:linClrLst>
+    <dgm:effectClrLst/>
+    <dgm:txLinClrLst/>
+    <dgm:txFillClrLst meth="repeat">
+      <a:schemeClr val="dk1"/>
+    </dgm:txFillClrLst>
+    <dgm:txEffectClrLst/>
+  </dgm:styleLbl>
+  <dgm:styleLbl name="fgAcc0">
+    <dgm:fillClrLst meth="repeat">
+      <a:schemeClr val="lt1">
+        <a:alpha val="90000"/>
+      </a:schemeClr>
+    </dgm:fillClrLst>
+    <dgm:linClrLst meth="repeat">
+      <a:schemeClr val="accent1"/>
+    </dgm:linClrLst>
+    <dgm:effectClrLst/>
+    <dgm:txLinClrLst/>
+    <dgm:txFillClrLst meth="repeat">
+      <a:schemeClr val="dk1"/>
+    </dgm:txFillClrLst>
+    <dgm:txEffectClrLst/>
+  </dgm:styleLbl>
+  <dgm:styleLbl name="fgAcc2">
+    <dgm:fillClrLst meth="repeat">
+      <a:schemeClr val="lt1">
+        <a:alpha val="90000"/>
+      </a:schemeClr>
+    </dgm:fillClrLst>
+    <dgm:linClrLst meth="repeat">
+      <a:schemeClr val="accent1"/>
+    </dgm:linClrLst>
+    <dgm:effectClrLst/>
+    <dgm:txLinClrLst/>
+    <dgm:txFillClrLst meth="repeat">
+      <a:schemeClr val="dk1"/>
+    </dgm:txFillClrLst>
+    <dgm:txEffectClrLst/>
+  </dgm:styleLbl>
+  <dgm:styleLbl name="fgAcc3">
+    <dgm:fillClrLst meth="repeat">
+      <a:schemeClr val="lt1">
+        <a:alpha val="90000"/>
+      </a:schemeClr>
+    </dgm:fillClrLst>
+    <dgm:linClrLst meth="repeat">
+      <a:schemeClr val="accent1"/>
+    </dgm:linClrLst>
+    <dgm:effectClrLst/>
+    <dgm:txLinClrLst/>
+    <dgm:txFillClrLst meth="repeat">
+      <a:schemeClr val="dk1"/>
+    </dgm:txFillClrLst>
+    <dgm:txEffectClrLst/>
+  </dgm:styleLbl>
+  <dgm:styleLbl name="fgAcc4">
+    <dgm:fillClrLst meth="repeat">
+      <a:schemeClr val="lt1">
+        <a:alpha val="90000"/>
+      </a:schemeClr>
+    </dgm:fillClrLst>
+    <dgm:linClrLst meth="repeat">
+      <a:schemeClr val="accent1"/>
+    </dgm:linClrLst>
+    <dgm:effectClrLst/>
+    <dgm:txLinClrLst/>
+    <dgm:txFillClrLst meth="repeat">
+      <a:schemeClr val="dk1"/>
+    </dgm:txFillClrLst>
+    <dgm:txEffectClrLst/>
+  </dgm:styleLbl>
+  <dgm:styleLbl name="bgShp">
+    <dgm:fillClrLst meth="repeat">
+      <a:schemeClr val="accent1">
+        <a:tint val="40000"/>
+      </a:schemeClr>
+    </dgm:fillClrLst>
+    <dgm:linClrLst meth="repeat">
+      <a:schemeClr val="accent1"/>
+    </dgm:linClrLst>
+    <dgm:effectClrLst/>
+    <dgm:txLinClrLst/>
+    <dgm:txFillClrLst meth="repeat">
+      <a:schemeClr val="dk1"/>
+    </dgm:txFillClrLst>
+    <dgm:txEffectClrLst/>
+  </dgm:styleLbl>
+  <dgm:styleLbl name="dkBgShp">
+    <dgm:fillClrLst meth="repeat">
+      <a:schemeClr val="accent1">
+        <a:shade val="80000"/>
+      </a:schemeClr>
+    </dgm:fillClrLst>
+    <dgm:linClrLst meth="repeat">
+      <a:schemeClr val="accent1"/>
+    </dgm:linClrLst>
+    <dgm:effectClrLst/>
+    <dgm:txLinClrLst/>
+    <dgm:txFillClrLst meth="repeat">
+      <a:schemeClr val="lt1"/>
+    </dgm:txFillClrLst>
+    <dgm:txEffectClrLst/>
+  </dgm:styleLbl>
+  <dgm:styleLbl name="trBgShp">
+    <dgm:fillClrLst meth="repeat">
+      <a:schemeClr val="accent1">
+        <a:tint val="50000"/>
+        <a:alpha val="40000"/>
+      </a:schemeClr>
+    </dgm:fillClrLst>
+    <dgm:linClrLst meth="repeat">
+      <a:schemeClr val="accent1"/>
+    </dgm:linClrLst>
+    <dgm:effectClrLst/>
+    <dgm:txLinClrLst/>
+    <dgm:txFillClrLst meth="repeat">
+      <a:schemeClr val="lt1"/>
+    </dgm:txFillClrLst>
+    <dgm:txEffectClrLst/>
+  </dgm:styleLbl>
+  <dgm:styleLbl name="fgShp">
+    <dgm:fillClrLst meth="repeat">
+      <a:schemeClr val="accent1">
+        <a:tint val="60000"/>
+      </a:schemeClr>
+    </dgm:fillClrLst>
+    <dgm:linClrLst meth="repeat">
+      <a:schemeClr val="lt1"/>
+    </dgm:linClrLst>
+    <dgm:effectClrLst/>
+    <dgm:txLinClrLst/>
+    <dgm:txFillClrLst meth="repeat">
+      <a:schemeClr val="dk1"/>
+    </dgm:txFillClrLst>
+    <dgm:txEffectClrLst/>
+  </dgm:styleLbl>
+  <dgm:styleLbl name="revTx">
+    <dgm:fillClrLst meth="repeat">
+      <a:schemeClr val="lt1">
+        <a:alpha val="0"/>
+      </a:schemeClr>
+    </dgm:fillClrLst>
+    <dgm:linClrLst meth="repeat">
+      <a:schemeClr val="dk1">
+        <a:alpha val="0"/>
+      </a:schemeClr>
+    </dgm:linClrLst>
+    <dgm:effectClrLst/>
+    <dgm:txLinClrLst/>
+    <dgm:txFillClrLst meth="repeat">
+      <a:schemeClr val="tx1"/>
+    </dgm:txFillClrLst>
+    <dgm:txEffectClrLst/>
+  </dgm:styleLbl>
+</dgm:colorsDef>
+</file>
+
+<file path=ppt/diagrams/data1.xml><?xml version="1.0" encoding="utf-8"?>
+<dgm:dataModel xmlns:dgm="http://schemas.openxmlformats.org/drawingml/2006/diagram" xmlns:a="http://schemas.openxmlformats.org/drawingml/2006/main">
+  <dgm:ptLst>
+    <dgm:pt modelId="{7F57AA5A-4174-47E1-A454-9088007869BF}" type="doc">
+      <dgm:prSet loTypeId="urn:microsoft.com/office/officeart/2005/8/layout/cycle2" loCatId="cycle" qsTypeId="urn:microsoft.com/office/officeart/2005/8/quickstyle/simple1" qsCatId="simple" csTypeId="urn:microsoft.com/office/officeart/2005/8/colors/accent1_2" csCatId="accent1" phldr="1"/>
+      <dgm:spPr/>
+      <dgm:t>
+        <a:bodyPr/>
+        <a:lstStyle/>
+        <a:p>
+          <a:endParaRPr lang="tr-TR"/>
+        </a:p>
+      </dgm:t>
+    </dgm:pt>
+    <dgm:pt modelId="{92E547A1-842C-4161-B7A8-8BFFD5619694}">
+      <dgm:prSet phldrT="[Text]"/>
+      <dgm:spPr>
+        <a:solidFill>
+          <a:srgbClr val="19D6EF"/>
+        </a:solidFill>
+        <a:ln>
+          <a:solidFill>
+            <a:schemeClr val="bg2">
+              <a:lumMod val="50000"/>
+            </a:schemeClr>
+          </a:solidFill>
+        </a:ln>
+      </dgm:spPr>
+      <dgm:t>
+        <a:bodyPr/>
+        <a:lstStyle/>
+        <a:p>
+          <a:r>
+            <a:rPr lang="en-US" b="1" dirty="0">
+              <a:solidFill>
+                <a:schemeClr val="tx1"/>
+              </a:solidFill>
+            </a:rPr>
+            <a:t>Raw Texts &amp; Audios</a:t>
+          </a:r>
+          <a:endParaRPr lang="tr-TR" b="1" dirty="0">
+            <a:solidFill>
+              <a:schemeClr val="tx1"/>
+            </a:solidFill>
+          </a:endParaRPr>
+        </a:p>
+      </dgm:t>
+    </dgm:pt>
+    <dgm:pt modelId="{4D700C27-D320-44E6-B3FD-2723FBDFDA3F}" type="parTrans" cxnId="{021D7FF3-9AFB-47C9-BAC8-4E3CAA92D809}">
+      <dgm:prSet/>
+      <dgm:spPr/>
+      <dgm:t>
+        <a:bodyPr/>
+        <a:lstStyle/>
+        <a:p>
+          <a:endParaRPr lang="tr-TR"/>
+        </a:p>
+      </dgm:t>
+    </dgm:pt>
+    <dgm:pt modelId="{C888EE2B-2DBE-4C03-A04F-3ED4AA5487AB}" type="sibTrans" cxnId="{021D7FF3-9AFB-47C9-BAC8-4E3CAA92D809}">
+      <dgm:prSet/>
+      <dgm:spPr>
+        <a:solidFill>
+          <a:srgbClr val="44E43C"/>
+        </a:solidFill>
+      </dgm:spPr>
+      <dgm:t>
+        <a:bodyPr/>
+        <a:lstStyle/>
+        <a:p>
+          <a:endParaRPr lang="tr-TR"/>
+        </a:p>
+      </dgm:t>
+    </dgm:pt>
+    <dgm:pt modelId="{B4A9E16B-86F2-4B67-8B7D-14D01735F65E}">
+      <dgm:prSet phldrT="[Text]" custT="1"/>
+      <dgm:spPr>
+        <a:solidFill>
+          <a:srgbClr val="19D6EF"/>
+        </a:solidFill>
+        <a:ln w="12700" cap="flat" cmpd="sng" algn="ctr">
+          <a:solidFill>
+            <a:schemeClr val="bg2">
+              <a:lumMod val="50000"/>
+            </a:schemeClr>
+          </a:solidFill>
+          <a:prstDash val="solid"/>
+          <a:miter lim="800000"/>
+        </a:ln>
+        <a:effectLst/>
+      </dgm:spPr>
+      <dgm:t>
+        <a:bodyPr spcFirstLastPara="0" vert="horz" wrap="square" lIns="21590" tIns="21590" rIns="21590" bIns="21590" numCol="1" spcCol="1270" anchor="ctr" anchorCtr="0"/>
+        <a:lstStyle/>
+        <a:p>
+          <a:pPr marL="0" lvl="0" indent="0" algn="ctr" defTabSz="755650">
+            <a:lnSpc>
+              <a:spcPct val="90000"/>
+            </a:lnSpc>
+            <a:spcBef>
+              <a:spcPct val="0"/>
+            </a:spcBef>
+            <a:spcAft>
+              <a:spcPct val="35000"/>
+            </a:spcAft>
+            <a:buNone/>
+          </a:pPr>
+          <a:r>
+            <a:rPr lang="en-US" sz="2000" b="1" kern="1200" dirty="0">
+              <a:solidFill>
+                <a:prstClr val="black"/>
+              </a:solidFill>
+              <a:latin typeface="Calibri" panose="020F0502020204030204"/>
+              <a:ea typeface="+mn-ea"/>
+              <a:cs typeface="+mn-cs"/>
+            </a:rPr>
+            <a:t>Feature Extraction</a:t>
+          </a:r>
+          <a:endParaRPr lang="tr-TR" sz="2000" b="1" kern="1200" dirty="0">
+            <a:solidFill>
+              <a:prstClr val="black"/>
+            </a:solidFill>
+            <a:latin typeface="Calibri" panose="020F0502020204030204"/>
+            <a:ea typeface="+mn-ea"/>
+            <a:cs typeface="+mn-cs"/>
+          </a:endParaRPr>
+        </a:p>
+      </dgm:t>
+    </dgm:pt>
+    <dgm:pt modelId="{62C8B325-06C0-4ED6-9C06-1771D331AED9}" type="parTrans" cxnId="{65BD587F-BD5E-4CEB-8E6F-C55E72043053}">
+      <dgm:prSet/>
+      <dgm:spPr/>
+      <dgm:t>
+        <a:bodyPr/>
+        <a:lstStyle/>
+        <a:p>
+          <a:endParaRPr lang="tr-TR"/>
+        </a:p>
+      </dgm:t>
+    </dgm:pt>
+    <dgm:pt modelId="{C9B30D32-024A-4039-B0E1-5D13B3714586}" type="sibTrans" cxnId="{65BD587F-BD5E-4CEB-8E6F-C55E72043053}">
+      <dgm:prSet/>
+      <dgm:spPr>
+        <a:solidFill>
+          <a:srgbClr val="44E43C"/>
+        </a:solidFill>
+      </dgm:spPr>
+      <dgm:t>
+        <a:bodyPr/>
+        <a:lstStyle/>
+        <a:p>
+          <a:endParaRPr lang="tr-TR"/>
+        </a:p>
+      </dgm:t>
+    </dgm:pt>
+    <dgm:pt modelId="{DC6C3818-19D8-4DB4-863F-5C0103839AF4}">
+      <dgm:prSet phldrT="[Text]" custT="1"/>
+      <dgm:spPr>
+        <a:solidFill>
+          <a:srgbClr val="19D6EF"/>
+        </a:solidFill>
+        <a:ln w="12700" cap="flat" cmpd="sng" algn="ctr">
+          <a:solidFill>
+            <a:schemeClr val="bg2">
+              <a:lumMod val="50000"/>
+            </a:schemeClr>
+          </a:solidFill>
+          <a:prstDash val="solid"/>
+          <a:miter lim="800000"/>
+        </a:ln>
+        <a:effectLst/>
+      </dgm:spPr>
+      <dgm:t>
+        <a:bodyPr spcFirstLastPara="0" vert="horz" wrap="square" lIns="21590" tIns="21590" rIns="21590" bIns="21590" numCol="1" spcCol="1270" anchor="ctr" anchorCtr="0"/>
+        <a:lstStyle/>
+        <a:p>
+          <a:pPr marL="0" lvl="0" indent="0" algn="ctr" defTabSz="755650">
+            <a:lnSpc>
+              <a:spcPct val="90000"/>
+            </a:lnSpc>
+            <a:spcBef>
+              <a:spcPct val="0"/>
+            </a:spcBef>
+            <a:spcAft>
+              <a:spcPct val="35000"/>
+            </a:spcAft>
+            <a:buNone/>
+          </a:pPr>
+          <a:r>
+            <a:rPr lang="tr-TR" sz="1700" b="1" kern="1200" dirty="0">
+              <a:solidFill>
+                <a:prstClr val="black"/>
+              </a:solidFill>
+              <a:latin typeface="Calibri" panose="020F0502020204030204"/>
+              <a:ea typeface="+mn-ea"/>
+              <a:cs typeface="+mn-cs"/>
+            </a:rPr>
+            <a:t>Analysis of  qualitative factors</a:t>
+          </a:r>
+        </a:p>
+      </dgm:t>
+    </dgm:pt>
+    <dgm:pt modelId="{756E8296-4E02-4A17-A2BC-51E2716A91E0}" type="parTrans" cxnId="{8D612553-1748-4562-97CE-543667858BDE}">
+      <dgm:prSet/>
+      <dgm:spPr/>
+      <dgm:t>
+        <a:bodyPr/>
+        <a:lstStyle/>
+        <a:p>
+          <a:endParaRPr lang="tr-TR"/>
+        </a:p>
+      </dgm:t>
+    </dgm:pt>
+    <dgm:pt modelId="{4B570C13-851C-42BE-BB09-9A3BABC4EC6C}" type="sibTrans" cxnId="{8D612553-1748-4562-97CE-543667858BDE}">
+      <dgm:prSet custT="1">
+        <dgm:style>
+          <a:lnRef idx="2">
+            <a:schemeClr val="accent1">
+              <a:shade val="50000"/>
+            </a:schemeClr>
+          </a:lnRef>
+          <a:fillRef idx="1">
+            <a:schemeClr val="accent1"/>
+          </a:fillRef>
+          <a:effectRef idx="0">
+            <a:schemeClr val="accent1"/>
+          </a:effectRef>
+          <a:fontRef idx="minor">
+            <a:schemeClr val="lt1"/>
+          </a:fontRef>
+        </dgm:style>
+      </dgm:prSet>
+      <dgm:spPr>
+        <a:solidFill>
+          <a:srgbClr val="44E43C"/>
+        </a:solidFill>
+      </dgm:spPr>
+      <dgm:t>
+        <a:bodyPr rtlCol="0" anchor="ctr"/>
+        <a:lstStyle/>
+        <a:p>
+          <a:pPr marL="0" algn="ctr" defTabSz="914400" rtl="0" eaLnBrk="1" latinLnBrk="0" hangingPunct="1"/>
+          <a:endParaRPr lang="tr-TR" sz="1800" b="1" kern="1200">
+            <a:solidFill>
+              <a:schemeClr val="lt1"/>
+            </a:solidFill>
+            <a:latin typeface="+mn-lt"/>
+            <a:ea typeface="+mn-ea"/>
+            <a:cs typeface="+mn-cs"/>
+          </a:endParaRPr>
+        </a:p>
+      </dgm:t>
+    </dgm:pt>
+    <dgm:pt modelId="{355BAB4B-27E4-4B3D-A25A-E2072C0A8A90}" type="pres">
+      <dgm:prSet presAssocID="{7F57AA5A-4174-47E1-A454-9088007869BF}" presName="cycle" presStyleCnt="0">
+        <dgm:presLayoutVars>
+          <dgm:dir/>
+          <dgm:resizeHandles val="exact"/>
+        </dgm:presLayoutVars>
+      </dgm:prSet>
+      <dgm:spPr/>
+    </dgm:pt>
+    <dgm:pt modelId="{7636C819-E66B-4C13-8F96-4F743AA76FE6}" type="pres">
+      <dgm:prSet presAssocID="{92E547A1-842C-4161-B7A8-8BFFD5619694}" presName="node" presStyleLbl="node1" presStyleIdx="0" presStyleCnt="3">
+        <dgm:presLayoutVars>
+          <dgm:bulletEnabled val="1"/>
+        </dgm:presLayoutVars>
+      </dgm:prSet>
+      <dgm:spPr/>
+    </dgm:pt>
+    <dgm:pt modelId="{670E927A-776F-4EBF-9F17-025CDA3C6F66}" type="pres">
+      <dgm:prSet presAssocID="{C888EE2B-2DBE-4C03-A04F-3ED4AA5487AB}" presName="sibTrans" presStyleLbl="sibTrans2D1" presStyleIdx="0" presStyleCnt="3"/>
+      <dgm:spPr/>
+    </dgm:pt>
+    <dgm:pt modelId="{2DC04D64-1909-4C68-8F72-16B04805F94C}" type="pres">
+      <dgm:prSet presAssocID="{C888EE2B-2DBE-4C03-A04F-3ED4AA5487AB}" presName="connectorText" presStyleLbl="sibTrans2D1" presStyleIdx="0" presStyleCnt="3"/>
+      <dgm:spPr/>
+    </dgm:pt>
+    <dgm:pt modelId="{79BC6C21-00FB-4506-AF15-42C6D0EF86D0}" type="pres">
+      <dgm:prSet presAssocID="{B4A9E16B-86F2-4B67-8B7D-14D01735F65E}" presName="node" presStyleLbl="node1" presStyleIdx="1" presStyleCnt="3">
+        <dgm:presLayoutVars>
+          <dgm:bulletEnabled val="1"/>
+        </dgm:presLayoutVars>
+      </dgm:prSet>
+      <dgm:spPr>
+        <a:xfrm>
+          <a:off x="3479406" y="2216940"/>
+          <a:ext cx="1700628" cy="1700628"/>
+        </a:xfrm>
+        <a:prstGeom prst="ellipse">
+          <a:avLst/>
+        </a:prstGeom>
+      </dgm:spPr>
+    </dgm:pt>
+    <dgm:pt modelId="{68910DA1-7452-4780-9A60-16545CD1893A}" type="pres">
+      <dgm:prSet presAssocID="{C9B30D32-024A-4039-B0E1-5D13B3714586}" presName="sibTrans" presStyleLbl="sibTrans2D1" presStyleIdx="1" presStyleCnt="3"/>
+      <dgm:spPr/>
+    </dgm:pt>
+    <dgm:pt modelId="{5D3432C3-7690-4016-9473-2CF9F44CE869}" type="pres">
+      <dgm:prSet presAssocID="{C9B30D32-024A-4039-B0E1-5D13B3714586}" presName="connectorText" presStyleLbl="sibTrans2D1" presStyleIdx="1" presStyleCnt="3"/>
+      <dgm:spPr/>
+    </dgm:pt>
+    <dgm:pt modelId="{AF7216CD-8EA6-40FF-9A4E-D7C96997208F}" type="pres">
+      <dgm:prSet presAssocID="{DC6C3818-19D8-4DB4-863F-5C0103839AF4}" presName="node" presStyleLbl="node1" presStyleIdx="2" presStyleCnt="3" custRadScaleRad="102198" custRadScaleInc="1187">
+        <dgm:presLayoutVars>
+          <dgm:bulletEnabled val="1"/>
+        </dgm:presLayoutVars>
+      </dgm:prSet>
+      <dgm:spPr>
+        <a:xfrm>
+          <a:off x="882175" y="2216865"/>
+          <a:ext cx="1700628" cy="1700628"/>
+        </a:xfrm>
+        <a:prstGeom prst="ellipse">
+          <a:avLst/>
+        </a:prstGeom>
+      </dgm:spPr>
+    </dgm:pt>
+    <dgm:pt modelId="{F2DD2B9E-DBC8-439D-8DB9-C6BCA1EA8702}" type="pres">
+      <dgm:prSet presAssocID="{4B570C13-851C-42BE-BB09-9A3BABC4EC6C}" presName="sibTrans" presStyleLbl="sibTrans2D1" presStyleIdx="2" presStyleCnt="3"/>
+      <dgm:spPr>
+        <a:xfrm rot="18043252">
+          <a:off x="2151745" y="1683127"/>
+          <a:ext cx="465356" cy="573962"/>
+        </a:xfrm>
+        <a:prstGeom prst="rightArrow">
+          <a:avLst>
+            <a:gd name="adj1" fmla="val 60000"/>
+            <a:gd name="adj2" fmla="val 50000"/>
+          </a:avLst>
+        </a:prstGeom>
+      </dgm:spPr>
+    </dgm:pt>
+    <dgm:pt modelId="{9AC08462-15A9-431D-915D-68E326086D4B}" type="pres">
+      <dgm:prSet presAssocID="{4B570C13-851C-42BE-BB09-9A3BABC4EC6C}" presName="connectorText" presStyleLbl="sibTrans2D1" presStyleIdx="2" presStyleCnt="3"/>
+      <dgm:spPr/>
+    </dgm:pt>
+  </dgm:ptLst>
+  <dgm:cxnLst>
+    <dgm:cxn modelId="{B6C90303-C4C6-4F35-B7DE-DAAA53A66047}" type="presOf" srcId="{92E547A1-842C-4161-B7A8-8BFFD5619694}" destId="{7636C819-E66B-4C13-8F96-4F743AA76FE6}" srcOrd="0" destOrd="0" presId="urn:microsoft.com/office/officeart/2005/8/layout/cycle2"/>
+    <dgm:cxn modelId="{9BED6814-2C5C-435E-9D00-9A9EBA586478}" type="presOf" srcId="{C9B30D32-024A-4039-B0E1-5D13B3714586}" destId="{68910DA1-7452-4780-9A60-16545CD1893A}" srcOrd="0" destOrd="0" presId="urn:microsoft.com/office/officeart/2005/8/layout/cycle2"/>
+    <dgm:cxn modelId="{4C540E2E-501D-4092-89FB-32EE54BA7D6B}" type="presOf" srcId="{C888EE2B-2DBE-4C03-A04F-3ED4AA5487AB}" destId="{670E927A-776F-4EBF-9F17-025CDA3C6F66}" srcOrd="0" destOrd="0" presId="urn:microsoft.com/office/officeart/2005/8/layout/cycle2"/>
+    <dgm:cxn modelId="{EE070F38-BA39-42F4-A150-269D2155CF32}" type="presOf" srcId="{DC6C3818-19D8-4DB4-863F-5C0103839AF4}" destId="{AF7216CD-8EA6-40FF-9A4E-D7C96997208F}" srcOrd="0" destOrd="0" presId="urn:microsoft.com/office/officeart/2005/8/layout/cycle2"/>
+    <dgm:cxn modelId="{BE7C953E-292C-4D2E-9E95-BC0C2B855C06}" type="presOf" srcId="{C888EE2B-2DBE-4C03-A04F-3ED4AA5487AB}" destId="{2DC04D64-1909-4C68-8F72-16B04805F94C}" srcOrd="1" destOrd="0" presId="urn:microsoft.com/office/officeart/2005/8/layout/cycle2"/>
+    <dgm:cxn modelId="{8D612553-1748-4562-97CE-543667858BDE}" srcId="{7F57AA5A-4174-47E1-A454-9088007869BF}" destId="{DC6C3818-19D8-4DB4-863F-5C0103839AF4}" srcOrd="2" destOrd="0" parTransId="{756E8296-4E02-4A17-A2BC-51E2716A91E0}" sibTransId="{4B570C13-851C-42BE-BB09-9A3BABC4EC6C}"/>
+    <dgm:cxn modelId="{65BD587F-BD5E-4CEB-8E6F-C55E72043053}" srcId="{7F57AA5A-4174-47E1-A454-9088007869BF}" destId="{B4A9E16B-86F2-4B67-8B7D-14D01735F65E}" srcOrd="1" destOrd="0" parTransId="{62C8B325-06C0-4ED6-9C06-1771D331AED9}" sibTransId="{C9B30D32-024A-4039-B0E1-5D13B3714586}"/>
+    <dgm:cxn modelId="{9051D09E-29ED-4840-9E1B-B9F33E2CAB6A}" type="presOf" srcId="{4B570C13-851C-42BE-BB09-9A3BABC4EC6C}" destId="{9AC08462-15A9-431D-915D-68E326086D4B}" srcOrd="1" destOrd="0" presId="urn:microsoft.com/office/officeart/2005/8/layout/cycle2"/>
+    <dgm:cxn modelId="{9950ABCA-7C39-4F93-A43B-0E896F816CAD}" type="presOf" srcId="{C9B30D32-024A-4039-B0E1-5D13B3714586}" destId="{5D3432C3-7690-4016-9473-2CF9F44CE869}" srcOrd="1" destOrd="0" presId="urn:microsoft.com/office/officeart/2005/8/layout/cycle2"/>
+    <dgm:cxn modelId="{5058B6D8-C367-4C99-88AC-F915F510A167}" type="presOf" srcId="{B4A9E16B-86F2-4B67-8B7D-14D01735F65E}" destId="{79BC6C21-00FB-4506-AF15-42C6D0EF86D0}" srcOrd="0" destOrd="0" presId="urn:microsoft.com/office/officeart/2005/8/layout/cycle2"/>
+    <dgm:cxn modelId="{9B5CBAD9-7B1F-4AC9-ABFF-C32B0BB873A7}" type="presOf" srcId="{7F57AA5A-4174-47E1-A454-9088007869BF}" destId="{355BAB4B-27E4-4B3D-A25A-E2072C0A8A90}" srcOrd="0" destOrd="0" presId="urn:microsoft.com/office/officeart/2005/8/layout/cycle2"/>
+    <dgm:cxn modelId="{6E273BE9-5ED2-4478-8C32-C649F0BC4437}" type="presOf" srcId="{4B570C13-851C-42BE-BB09-9A3BABC4EC6C}" destId="{F2DD2B9E-DBC8-439D-8DB9-C6BCA1EA8702}" srcOrd="0" destOrd="0" presId="urn:microsoft.com/office/officeart/2005/8/layout/cycle2"/>
+    <dgm:cxn modelId="{021D7FF3-9AFB-47C9-BAC8-4E3CAA92D809}" srcId="{7F57AA5A-4174-47E1-A454-9088007869BF}" destId="{92E547A1-842C-4161-B7A8-8BFFD5619694}" srcOrd="0" destOrd="0" parTransId="{4D700C27-D320-44E6-B3FD-2723FBDFDA3F}" sibTransId="{C888EE2B-2DBE-4C03-A04F-3ED4AA5487AB}"/>
+    <dgm:cxn modelId="{9ED8B1E6-F6D7-47D4-97ED-557D944AE4D2}" type="presParOf" srcId="{355BAB4B-27E4-4B3D-A25A-E2072C0A8A90}" destId="{7636C819-E66B-4C13-8F96-4F743AA76FE6}" srcOrd="0" destOrd="0" presId="urn:microsoft.com/office/officeart/2005/8/layout/cycle2"/>
+    <dgm:cxn modelId="{D3E6C9C9-FB3A-41BE-A207-32A900A7F75B}" type="presParOf" srcId="{355BAB4B-27E4-4B3D-A25A-E2072C0A8A90}" destId="{670E927A-776F-4EBF-9F17-025CDA3C6F66}" srcOrd="1" destOrd="0" presId="urn:microsoft.com/office/officeart/2005/8/layout/cycle2"/>
+    <dgm:cxn modelId="{66BD6041-867E-4A1A-BC41-2E4854CD6E73}" type="presParOf" srcId="{670E927A-776F-4EBF-9F17-025CDA3C6F66}" destId="{2DC04D64-1909-4C68-8F72-16B04805F94C}" srcOrd="0" destOrd="0" presId="urn:microsoft.com/office/officeart/2005/8/layout/cycle2"/>
+    <dgm:cxn modelId="{0648D854-ECEA-46C9-ADE1-53C0A2DE67EE}" type="presParOf" srcId="{355BAB4B-27E4-4B3D-A25A-E2072C0A8A90}" destId="{79BC6C21-00FB-4506-AF15-42C6D0EF86D0}" srcOrd="2" destOrd="0" presId="urn:microsoft.com/office/officeart/2005/8/layout/cycle2"/>
+    <dgm:cxn modelId="{69507CA3-AC6F-4983-965D-43DAE83D678A}" type="presParOf" srcId="{355BAB4B-27E4-4B3D-A25A-E2072C0A8A90}" destId="{68910DA1-7452-4780-9A60-16545CD1893A}" srcOrd="3" destOrd="0" presId="urn:microsoft.com/office/officeart/2005/8/layout/cycle2"/>
+    <dgm:cxn modelId="{DDC42E4E-8381-4847-958C-12CC061723E8}" type="presParOf" srcId="{68910DA1-7452-4780-9A60-16545CD1893A}" destId="{5D3432C3-7690-4016-9473-2CF9F44CE869}" srcOrd="0" destOrd="0" presId="urn:microsoft.com/office/officeart/2005/8/layout/cycle2"/>
+    <dgm:cxn modelId="{C859DD28-2A35-4D4F-AEB2-34C9EB15D94F}" type="presParOf" srcId="{355BAB4B-27E4-4B3D-A25A-E2072C0A8A90}" destId="{AF7216CD-8EA6-40FF-9A4E-D7C96997208F}" srcOrd="4" destOrd="0" presId="urn:microsoft.com/office/officeart/2005/8/layout/cycle2"/>
+    <dgm:cxn modelId="{3AB496AA-56EC-44B5-A9F0-B8C3C7E92030}" type="presParOf" srcId="{355BAB4B-27E4-4B3D-A25A-E2072C0A8A90}" destId="{F2DD2B9E-DBC8-439D-8DB9-C6BCA1EA8702}" srcOrd="5" destOrd="0" presId="urn:microsoft.com/office/officeart/2005/8/layout/cycle2"/>
+    <dgm:cxn modelId="{FB3D1FCD-0EFF-47C1-8E04-92B5E01DE6AD}" type="presParOf" srcId="{F2DD2B9E-DBC8-439D-8DB9-C6BCA1EA8702}" destId="{9AC08462-15A9-431D-915D-68E326086D4B}" srcOrd="0" destOrd="0" presId="urn:microsoft.com/office/officeart/2005/8/layout/cycle2"/>
+  </dgm:cxnLst>
+  <dgm:bg/>
+  <dgm:whole/>
+  <dgm:extLst>
+    <a:ext uri="http://schemas.microsoft.com/office/drawing/2008/diagram">
+      <dsp:dataModelExt xmlns:dsp="http://schemas.microsoft.com/office/drawing/2008/diagram" relId="rId6" minVer="http://schemas.openxmlformats.org/drawingml/2006/diagram"/>
+    </a:ext>
+  </dgm:extLst>
+</dgm:dataModel>
+</file>
+
+<file path=ppt/diagrams/drawing1.xml><?xml version="1.0" encoding="utf-8"?>
+<dsp:drawing xmlns:dgm="http://schemas.openxmlformats.org/drawingml/2006/diagram" xmlns:dsp="http://schemas.microsoft.com/office/drawing/2008/diagram" xmlns:a="http://schemas.openxmlformats.org/drawingml/2006/main">
+  <dsp:spTree>
+    <dsp:nvGrpSpPr>
+      <dsp:cNvPr id="0" name=""/>
+      <dsp:cNvGrpSpPr/>
+    </dsp:nvGrpSpPr>
+    <dsp:grpSpPr/>
+    <dsp:sp modelId="{7636C819-E66B-4C13-8F96-4F743AA76FE6}">
+      <dsp:nvSpPr>
+        <dsp:cNvPr id="0" name=""/>
+        <dsp:cNvSpPr/>
+      </dsp:nvSpPr>
+      <dsp:spPr>
+        <a:xfrm>
+          <a:off x="2199500" y="78"/>
+          <a:ext cx="1700628" cy="1700628"/>
+        </a:xfrm>
+        <a:prstGeom prst="ellipse">
+          <a:avLst/>
+        </a:prstGeom>
+        <a:solidFill>
+          <a:srgbClr val="19D6EF"/>
+        </a:solidFill>
+        <a:ln w="12700" cap="flat" cmpd="sng" algn="ctr">
+          <a:solidFill>
+            <a:schemeClr val="bg2">
+              <a:lumMod val="50000"/>
+            </a:schemeClr>
+          </a:solidFill>
+          <a:prstDash val="solid"/>
+          <a:miter lim="800000"/>
+        </a:ln>
+        <a:effectLst/>
+      </dsp:spPr>
+      <dsp:style>
+        <a:lnRef idx="2">
+          <a:scrgbClr r="0" g="0" b="0"/>
+        </a:lnRef>
+        <a:fillRef idx="1">
+          <a:scrgbClr r="0" g="0" b="0"/>
+        </a:fillRef>
+        <a:effectRef idx="0">
+          <a:scrgbClr r="0" g="0" b="0"/>
+        </a:effectRef>
+        <a:fontRef idx="minor">
+          <a:schemeClr val="lt1"/>
+        </a:fontRef>
+      </dsp:style>
+      <dsp:txBody>
+        <a:bodyPr spcFirstLastPara="0" vert="horz" wrap="square" lIns="34290" tIns="34290" rIns="34290" bIns="34290" numCol="1" spcCol="1270" anchor="ctr" anchorCtr="0">
+          <a:noAutofit/>
+        </a:bodyPr>
+        <a:lstStyle/>
+        <a:p>
+          <a:pPr marL="0" lvl="0" indent="0" algn="ctr" defTabSz="1200150">
+            <a:lnSpc>
+              <a:spcPct val="90000"/>
+            </a:lnSpc>
+            <a:spcBef>
+              <a:spcPct val="0"/>
+            </a:spcBef>
+            <a:spcAft>
+              <a:spcPct val="35000"/>
+            </a:spcAft>
+            <a:buNone/>
+          </a:pPr>
+          <a:r>
+            <a:rPr lang="en-US" sz="2700" b="1" kern="1200" dirty="0">
+              <a:solidFill>
+                <a:schemeClr val="tx1"/>
+              </a:solidFill>
+            </a:rPr>
+            <a:t>Raw Texts &amp; Audios</a:t>
+          </a:r>
+          <a:endParaRPr lang="tr-TR" sz="2700" b="1" kern="1200" dirty="0">
+            <a:solidFill>
+              <a:schemeClr val="tx1"/>
+            </a:solidFill>
+          </a:endParaRPr>
+        </a:p>
+      </dsp:txBody>
+      <dsp:txXfrm>
+        <a:off x="2448551" y="249129"/>
+        <a:ext cx="1202526" cy="1202526"/>
+      </dsp:txXfrm>
+    </dsp:sp>
+    <dsp:sp modelId="{670E927A-776F-4EBF-9F17-025CDA3C6F66}">
+      <dsp:nvSpPr>
+        <dsp:cNvPr id="0" name=""/>
+        <dsp:cNvSpPr/>
+      </dsp:nvSpPr>
+      <dsp:spPr>
+        <a:xfrm rot="3600000">
+          <a:off x="3455640" y="1660681"/>
+          <a:ext cx="455367" cy="573962"/>
+        </a:xfrm>
+        <a:prstGeom prst="rightArrow">
+          <a:avLst>
+            <a:gd name="adj1" fmla="val 60000"/>
+            <a:gd name="adj2" fmla="val 50000"/>
+          </a:avLst>
+        </a:prstGeom>
+        <a:solidFill>
+          <a:srgbClr val="44E43C"/>
+        </a:solidFill>
+        <a:ln>
+          <a:noFill/>
+        </a:ln>
+        <a:effectLst/>
+      </dsp:spPr>
+      <dsp:style>
+        <a:lnRef idx="0">
+          <a:scrgbClr r="0" g="0" b="0"/>
+        </a:lnRef>
+        <a:fillRef idx="1">
+          <a:scrgbClr r="0" g="0" b="0"/>
+        </a:fillRef>
+        <a:effectRef idx="0">
+          <a:scrgbClr r="0" g="0" b="0"/>
+        </a:effectRef>
+        <a:fontRef idx="minor">
+          <a:schemeClr val="lt1"/>
+        </a:fontRef>
+      </dsp:style>
+      <dsp:txBody>
+        <a:bodyPr spcFirstLastPara="0" vert="horz" wrap="square" lIns="0" tIns="0" rIns="0" bIns="0" numCol="1" spcCol="1270" anchor="ctr" anchorCtr="0">
+          <a:noAutofit/>
+        </a:bodyPr>
+        <a:lstStyle/>
+        <a:p>
+          <a:pPr marL="0" lvl="0" indent="0" algn="ctr" defTabSz="933450">
+            <a:lnSpc>
+              <a:spcPct val="90000"/>
+            </a:lnSpc>
+            <a:spcBef>
+              <a:spcPct val="0"/>
+            </a:spcBef>
+            <a:spcAft>
+              <a:spcPct val="35000"/>
+            </a:spcAft>
+            <a:buNone/>
+          </a:pPr>
+          <a:endParaRPr lang="tr-TR" sz="2100" kern="1200"/>
+        </a:p>
+      </dsp:txBody>
+      <dsp:txXfrm>
+        <a:off x="3489793" y="1716319"/>
+        <a:ext cx="318757" cy="344378"/>
+      </dsp:txXfrm>
+    </dsp:sp>
+    <dsp:sp modelId="{79BC6C21-00FB-4506-AF15-42C6D0EF86D0}">
+      <dsp:nvSpPr>
+        <dsp:cNvPr id="0" name=""/>
+        <dsp:cNvSpPr/>
+      </dsp:nvSpPr>
+      <dsp:spPr>
+        <a:xfrm>
+          <a:off x="3479406" y="2216940"/>
+          <a:ext cx="1700628" cy="1700628"/>
+        </a:xfrm>
+        <a:prstGeom prst="ellipse">
+          <a:avLst/>
+        </a:prstGeom>
+        <a:solidFill>
+          <a:srgbClr val="19D6EF"/>
+        </a:solidFill>
+        <a:ln w="12700" cap="flat" cmpd="sng" algn="ctr">
+          <a:solidFill>
+            <a:schemeClr val="bg2">
+              <a:lumMod val="50000"/>
+            </a:schemeClr>
+          </a:solidFill>
+          <a:prstDash val="solid"/>
+          <a:miter lim="800000"/>
+        </a:ln>
+        <a:effectLst/>
+      </dsp:spPr>
+      <dsp:style>
+        <a:lnRef idx="2">
+          <a:scrgbClr r="0" g="0" b="0"/>
+        </a:lnRef>
+        <a:fillRef idx="1">
+          <a:scrgbClr r="0" g="0" b="0"/>
+        </a:fillRef>
+        <a:effectRef idx="0">
+          <a:scrgbClr r="0" g="0" b="0"/>
+        </a:effectRef>
+        <a:fontRef idx="minor">
+          <a:schemeClr val="lt1"/>
+        </a:fontRef>
+      </dsp:style>
+      <dsp:txBody>
+        <a:bodyPr spcFirstLastPara="0" vert="horz" wrap="square" lIns="21590" tIns="21590" rIns="21590" bIns="21590" numCol="1" spcCol="1270" anchor="ctr" anchorCtr="0">
+          <a:noAutofit/>
+        </a:bodyPr>
+        <a:lstStyle/>
+        <a:p>
+          <a:pPr marL="0" lvl="0" indent="0" algn="ctr" defTabSz="755650">
+            <a:lnSpc>
+              <a:spcPct val="90000"/>
+            </a:lnSpc>
+            <a:spcBef>
+              <a:spcPct val="0"/>
+            </a:spcBef>
+            <a:spcAft>
+              <a:spcPct val="35000"/>
+            </a:spcAft>
+            <a:buNone/>
+          </a:pPr>
+          <a:r>
+            <a:rPr lang="en-US" sz="2000" b="1" kern="1200" dirty="0">
+              <a:solidFill>
+                <a:prstClr val="black"/>
+              </a:solidFill>
+              <a:latin typeface="Calibri" panose="020F0502020204030204"/>
+              <a:ea typeface="+mn-ea"/>
+              <a:cs typeface="+mn-cs"/>
+            </a:rPr>
+            <a:t>Feature Extraction</a:t>
+          </a:r>
+          <a:endParaRPr lang="tr-TR" sz="2000" b="1" kern="1200" dirty="0">
+            <a:solidFill>
+              <a:prstClr val="black"/>
+            </a:solidFill>
+            <a:latin typeface="Calibri" panose="020F0502020204030204"/>
+            <a:ea typeface="+mn-ea"/>
+            <a:cs typeface="+mn-cs"/>
+          </a:endParaRPr>
+        </a:p>
+      </dsp:txBody>
+      <dsp:txXfrm>
+        <a:off x="3728457" y="2465991"/>
+        <a:ext cx="1202526" cy="1202526"/>
+      </dsp:txXfrm>
+    </dsp:sp>
+    <dsp:sp modelId="{68910DA1-7452-4780-9A60-16545CD1893A}">
+      <dsp:nvSpPr>
+        <dsp:cNvPr id="0" name=""/>
+        <dsp:cNvSpPr/>
+      </dsp:nvSpPr>
+      <dsp:spPr>
+        <a:xfrm rot="10800099">
+          <a:off x="2806954" y="2780237"/>
+          <a:ext cx="475198" cy="573962"/>
+        </a:xfrm>
+        <a:prstGeom prst="rightArrow">
+          <a:avLst>
+            <a:gd name="adj1" fmla="val 60000"/>
+            <a:gd name="adj2" fmla="val 50000"/>
+          </a:avLst>
+        </a:prstGeom>
+        <a:solidFill>
+          <a:srgbClr val="44E43C"/>
+        </a:solidFill>
+        <a:ln>
+          <a:noFill/>
+        </a:ln>
+        <a:effectLst/>
+      </dsp:spPr>
+      <dsp:style>
+        <a:lnRef idx="0">
+          <a:scrgbClr r="0" g="0" b="0"/>
+        </a:lnRef>
+        <a:fillRef idx="1">
+          <a:scrgbClr r="0" g="0" b="0"/>
+        </a:fillRef>
+        <a:effectRef idx="0">
+          <a:scrgbClr r="0" g="0" b="0"/>
+        </a:effectRef>
+        <a:fontRef idx="minor">
+          <a:schemeClr val="lt1"/>
+        </a:fontRef>
+      </dsp:style>
+      <dsp:txBody>
+        <a:bodyPr spcFirstLastPara="0" vert="horz" wrap="square" lIns="0" tIns="0" rIns="0" bIns="0" numCol="1" spcCol="1270" anchor="ctr" anchorCtr="0">
+          <a:noAutofit/>
+        </a:bodyPr>
+        <a:lstStyle/>
+        <a:p>
+          <a:pPr marL="0" lvl="0" indent="0" algn="ctr" defTabSz="933450">
+            <a:lnSpc>
+              <a:spcPct val="90000"/>
+            </a:lnSpc>
+            <a:spcBef>
+              <a:spcPct val="0"/>
+            </a:spcBef>
+            <a:spcAft>
+              <a:spcPct val="35000"/>
+            </a:spcAft>
+            <a:buNone/>
+          </a:pPr>
+          <a:endParaRPr lang="tr-TR" sz="2100" kern="1200"/>
+        </a:p>
+      </dsp:txBody>
+      <dsp:txXfrm rot="10800000">
+        <a:off x="2949513" y="2895031"/>
+        <a:ext cx="332639" cy="344378"/>
+      </dsp:txXfrm>
+    </dsp:sp>
+    <dsp:sp modelId="{AF7216CD-8EA6-40FF-9A4E-D7C96997208F}">
+      <dsp:nvSpPr>
+        <dsp:cNvPr id="0" name=""/>
+        <dsp:cNvSpPr/>
+      </dsp:nvSpPr>
+      <dsp:spPr>
+        <a:xfrm>
+          <a:off x="882175" y="2216865"/>
+          <a:ext cx="1700628" cy="1700628"/>
+        </a:xfrm>
+        <a:prstGeom prst="ellipse">
+          <a:avLst/>
+        </a:prstGeom>
+        <a:solidFill>
+          <a:srgbClr val="19D6EF"/>
+        </a:solidFill>
+        <a:ln w="12700" cap="flat" cmpd="sng" algn="ctr">
+          <a:solidFill>
+            <a:schemeClr val="bg2">
+              <a:lumMod val="50000"/>
+            </a:schemeClr>
+          </a:solidFill>
+          <a:prstDash val="solid"/>
+          <a:miter lim="800000"/>
+        </a:ln>
+        <a:effectLst/>
+      </dsp:spPr>
+      <dsp:style>
+        <a:lnRef idx="2">
+          <a:scrgbClr r="0" g="0" b="0"/>
+        </a:lnRef>
+        <a:fillRef idx="1">
+          <a:scrgbClr r="0" g="0" b="0"/>
+        </a:fillRef>
+        <a:effectRef idx="0">
+          <a:scrgbClr r="0" g="0" b="0"/>
+        </a:effectRef>
+        <a:fontRef idx="minor">
+          <a:schemeClr val="lt1"/>
+        </a:fontRef>
+      </dsp:style>
+      <dsp:txBody>
+        <a:bodyPr spcFirstLastPara="0" vert="horz" wrap="square" lIns="21590" tIns="21590" rIns="21590" bIns="21590" numCol="1" spcCol="1270" anchor="ctr" anchorCtr="0">
+          <a:noAutofit/>
+        </a:bodyPr>
+        <a:lstStyle/>
+        <a:p>
+          <a:pPr marL="0" lvl="0" indent="0" algn="ctr" defTabSz="755650">
+            <a:lnSpc>
+              <a:spcPct val="90000"/>
+            </a:lnSpc>
+            <a:spcBef>
+              <a:spcPct val="0"/>
+            </a:spcBef>
+            <a:spcAft>
+              <a:spcPct val="35000"/>
+            </a:spcAft>
+            <a:buNone/>
+          </a:pPr>
+          <a:r>
+            <a:rPr lang="tr-TR" sz="1700" b="1" kern="1200" dirty="0">
+              <a:solidFill>
+                <a:prstClr val="black"/>
+              </a:solidFill>
+              <a:latin typeface="Calibri" panose="020F0502020204030204"/>
+              <a:ea typeface="+mn-ea"/>
+              <a:cs typeface="+mn-cs"/>
+            </a:rPr>
+            <a:t>Analysis of  qualitative factors</a:t>
+          </a:r>
+        </a:p>
+      </dsp:txBody>
+      <dsp:txXfrm>
+        <a:off x="1131226" y="2465916"/>
+        <a:ext cx="1202526" cy="1202526"/>
+      </dsp:txXfrm>
+    </dsp:sp>
+    <dsp:sp modelId="{F2DD2B9E-DBC8-439D-8DB9-C6BCA1EA8702}">
+      <dsp:nvSpPr>
+        <dsp:cNvPr id="0" name=""/>
+        <dsp:cNvSpPr/>
+      </dsp:nvSpPr>
+      <dsp:spPr>
+        <a:xfrm rot="18043252">
+          <a:off x="2151745" y="1683127"/>
+          <a:ext cx="465356" cy="573962"/>
+        </a:xfrm>
+        <a:prstGeom prst="rightArrow">
+          <a:avLst>
+            <a:gd name="adj1" fmla="val 60000"/>
+            <a:gd name="adj2" fmla="val 50000"/>
+          </a:avLst>
+        </a:prstGeom>
+        <a:solidFill>
+          <a:srgbClr val="44E43C"/>
+        </a:solidFill>
+        <a:ln w="12700" cap="flat" cmpd="sng" algn="ctr">
+          <a:solidFill>
+            <a:schemeClr val="accent1">
+              <a:shade val="50000"/>
+            </a:schemeClr>
+          </a:solidFill>
+          <a:prstDash val="solid"/>
+          <a:miter lim="800000"/>
+        </a:ln>
+        <a:effectLst/>
+      </dsp:spPr>
+      <dsp:style>
+        <a:lnRef idx="2">
+          <a:schemeClr val="accent1">
+            <a:shade val="50000"/>
+          </a:schemeClr>
+        </a:lnRef>
+        <a:fillRef idx="1">
+          <a:schemeClr val="accent1"/>
+        </a:fillRef>
+        <a:effectRef idx="0">
+          <a:schemeClr val="accent1"/>
+        </a:effectRef>
+        <a:fontRef idx="minor">
+          <a:schemeClr val="lt1"/>
+        </a:fontRef>
+      </dsp:style>
+      <dsp:txBody>
+        <a:bodyPr spcFirstLastPara="0" vert="horz" wrap="square" lIns="0" tIns="0" rIns="0" bIns="0" numCol="1" spcCol="1270" rtlCol="0" anchor="ctr" anchorCtr="0">
+          <a:noAutofit/>
+        </a:bodyPr>
+        <a:lstStyle/>
+        <a:p>
+          <a:pPr marL="0" lvl="0" indent="0" algn="ctr" defTabSz="914400" rtl="0" eaLnBrk="1" latinLnBrk="0" hangingPunct="1">
+            <a:lnSpc>
+              <a:spcPct val="90000"/>
+            </a:lnSpc>
+            <a:spcBef>
+              <a:spcPct val="0"/>
+            </a:spcBef>
+            <a:spcAft>
+              <a:spcPct val="35000"/>
+            </a:spcAft>
+            <a:buNone/>
+          </a:pPr>
+          <a:endParaRPr lang="tr-TR" sz="1800" b="1" kern="1200">
+            <a:solidFill>
+              <a:schemeClr val="lt1"/>
+            </a:solidFill>
+            <a:latin typeface="+mn-lt"/>
+            <a:ea typeface="+mn-ea"/>
+            <a:cs typeface="+mn-cs"/>
+          </a:endParaRPr>
+        </a:p>
+      </dsp:txBody>
+      <dsp:txXfrm>
+        <a:off x="2185889" y="1857927"/>
+        <a:ext cx="325749" cy="344378"/>
+      </dsp:txXfrm>
+    </dsp:sp>
+  </dsp:spTree>
+</dsp:drawing>
+</file>
+
+<file path=ppt/diagrams/layout1.xml><?xml version="1.0" encoding="utf-8"?>
+<dgm:layoutDef xmlns:dgm="http://schemas.openxmlformats.org/drawingml/2006/diagram" xmlns:a="http://schemas.openxmlformats.org/drawingml/2006/main" uniqueId="urn:microsoft.com/office/officeart/2005/8/layout/cycle2">
+  <dgm:title val=""/>
+  <dgm:desc val=""/>
+  <dgm:catLst>
+    <dgm:cat type="cycle" pri="1000"/>
+    <dgm:cat type="convert" pri="10000"/>
+  </dgm:catLst>
+  <dgm:sampData>
+    <dgm:dataModel>
+      <dgm:ptLst>
+        <dgm:pt modelId="0" type="doc"/>
+        <dgm:pt modelId="1">
+          <dgm:prSet phldr="1"/>
+        </dgm:pt>
+        <dgm:pt modelId="2">
+          <dgm:prSet phldr="1"/>
+        </dgm:pt>
+        <dgm:pt modelId="3">
+          <dgm:prSet phldr="1"/>
+        </dgm:pt>
+        <dgm:pt modelId="4">
+          <dgm:prSet phldr="1"/>
+        </dgm:pt>
+        <dgm:pt modelId="5">
+          <dgm:prSet phldr="1"/>
+        </dgm:pt>
+      </dgm:ptLst>
+      <dgm:cxnLst>
+        <dgm:cxn modelId="6" srcId="0" destId="1" srcOrd="0" destOrd="0"/>
+        <dgm:cxn modelId="7" srcId="0" destId="2" srcOrd="1" destOrd="0"/>
+        <dgm:cxn modelId="8" srcId="0" destId="3" srcOrd="2" destOrd="0"/>
+        <dgm:cxn modelId="9" srcId="0" destId="4" srcOrd="3" destOrd="0"/>
+        <dgm:cxn modelId="10" srcId="0" destId="5" srcOrd="4" destOrd="0"/>
+      </dgm:cxnLst>
+      <dgm:bg/>
+      <dgm:whole/>
+    </dgm:dataModel>
+  </dgm:sampData>
+  <dgm:styleData>
+    <dgm:dataModel>
+      <dgm:ptLst>
+        <dgm:pt modelId="0" type="doc"/>
+        <dgm:pt modelId="1"/>
+        <dgm:pt modelId="2"/>
+        <dgm:pt modelId="3"/>
+      </dgm:ptLst>
+      <dgm:cxnLst>
+        <dgm:cxn modelId="4" srcId="0" destId="1" srcOrd="0" destOrd="0"/>
+        <dgm:cxn modelId="5" srcId="0" destId="2" srcOrd="1" destOrd="0"/>
+        <dgm:cxn modelId="6" srcId="0" destId="3" srcOrd="2" destOrd="0"/>
+      </dgm:cxnLst>
+      <dgm:bg/>
+      <dgm:whole/>
+    </dgm:dataModel>
+  </dgm:styleData>
+  <dgm:clrData>
+    <dgm:dataModel>
+      <dgm:ptLst>
+        <dgm:pt modelId="0" type="doc"/>
+        <dgm:pt modelId="1"/>
+        <dgm:pt modelId="2"/>
+        <dgm:pt modelId="3"/>
+        <dgm:pt modelId="4"/>
+        <dgm:pt modelId="5"/>
+        <dgm:pt modelId="6"/>
+      </dgm:ptLst>
+      <dgm:cxnLst>
+        <dgm:cxn modelId="7" srcId="0" destId="1" srcOrd="0" destOrd="0"/>
+        <dgm:cxn modelId="8" srcId="0" destId="2" srcOrd="1" destOrd="0"/>
+        <dgm:cxn modelId="9" srcId="0" destId="3" srcOrd="2" destOrd="0"/>
+        <dgm:cxn modelId="10" srcId="0" destId="4" srcOrd="3" destOrd="0"/>
+        <dgm:cxn modelId="11" srcId="0" destId="5" srcOrd="4" destOrd="0"/>
+        <dgm:cxn modelId="12" srcId="0" destId="6" srcOrd="5" destOrd="0"/>
+      </dgm:cxnLst>
+      <dgm:bg/>
+      <dgm:whole/>
+    </dgm:dataModel>
+  </dgm:clrData>
+  <dgm:layoutNode name="cycle">
+    <dgm:varLst>
+      <dgm:dir/>
+      <dgm:resizeHandles val="exact"/>
+    </dgm:varLst>
+    <dgm:choose name="Name0">
+      <dgm:if name="Name1" func="var" arg="dir" op="equ" val="norm">
+        <dgm:choose name="Name2">
+          <dgm:if name="Name3" axis="ch" ptType="node" func="cnt" op="gt" val="2">
+            <dgm:alg type="cycle">
+              <dgm:param type="stAng" val="0"/>
+              <dgm:param type="spanAng" val="360"/>
+            </dgm:alg>
+          </dgm:if>
+          <dgm:else name="Name4">
+            <dgm:alg type="cycle">
+              <dgm:param type="stAng" val="-90"/>
+              <dgm:param type="spanAng" val="360"/>
+            </dgm:alg>
+          </dgm:else>
+        </dgm:choose>
+      </dgm:if>
+      <dgm:else name="Name5">
+        <dgm:choose name="Name6">
+          <dgm:if name="Name7" axis="ch" ptType="node" func="cnt" op="gt" val="2">
+            <dgm:alg type="cycle">
+              <dgm:param type="stAng" val="0"/>
+              <dgm:param type="spanAng" val="-360"/>
+            </dgm:alg>
+          </dgm:if>
+          <dgm:else name="Name8">
+            <dgm:alg type="cycle">
+              <dgm:param type="stAng" val="90"/>
+              <dgm:param type="spanAng" val="-360"/>
+            </dgm:alg>
+          </dgm:else>
+        </dgm:choose>
+      </dgm:else>
+    </dgm:choose>
+    <dgm:shape xmlns:r="http://schemas.openxmlformats.org/officeDocument/2006/relationships" r:blip="">
+      <dgm:adjLst/>
+    </dgm:shape>
+    <dgm:presOf/>
+    <dgm:constrLst>
+      <dgm:constr type="w" for="ch" ptType="node" refType="w"/>
+      <dgm:constr type="w" for="ch" ptType="sibTrans" refType="w" refFor="ch" refPtType="node" op="equ" fact="0.25"/>
+      <dgm:constr type="sibSp" refType="w" refFor="ch" refPtType="node" fact="0.5"/>
+      <dgm:constr type="primFontSz" for="ch" ptType="node" op="equ" val="65"/>
+      <dgm:constr type="primFontSz" for="des" forName="connectorText" op="equ" val="55"/>
+      <dgm:constr type="primFontSz" for="des" forName="connectorText" refType="primFontSz" refFor="ch" refPtType="node" op="lte" fact="0.8"/>
+    </dgm:constrLst>
+    <dgm:ruleLst/>
+    <dgm:forEach name="nodesForEach" axis="ch" ptType="node">
+      <dgm:layoutNode name="node">
+        <dgm:varLst>
+          <dgm:bulletEnabled val="1"/>
+        </dgm:varLst>
+        <dgm:alg type="tx">
+          <dgm:param type="txAnchorVertCh" val="mid"/>
+        </dgm:alg>
+        <dgm:shape xmlns:r="http://schemas.openxmlformats.org/officeDocument/2006/relationships" type="ellipse" r:blip="">
+          <dgm:adjLst/>
+        </dgm:shape>
+        <dgm:presOf axis="desOrSelf" ptType="node"/>
+        <dgm:constrLst>
+          <dgm:constr type="h" refType="w"/>
+          <dgm:constr type="lMarg" refType="primFontSz" fact="0.1"/>
+          <dgm:constr type="rMarg" refType="primFontSz" fact="0.1"/>
+          <dgm:constr type="tMarg" refType="primFontSz" fact="0.1"/>
+          <dgm:constr type="bMarg" refType="primFontSz" fact="0.1"/>
+        </dgm:constrLst>
+        <dgm:ruleLst>
+          <dgm:rule type="primFontSz" val="5" fact="NaN" max="NaN"/>
+        </dgm:ruleLst>
+      </dgm:layoutNode>
+      <dgm:choose name="Name9">
+        <dgm:if name="Name10" axis="par ch" ptType="doc node" func="cnt" op="gt" val="1">
+          <dgm:forEach name="sibTransForEach" axis="followSib" ptType="sibTrans" hideLastTrans="0" cnt="1">
+            <dgm:layoutNode name="sibTrans">
+              <dgm:choose name="Name11">
+                <dgm:if name="Name12" axis="par ch" ptType="doc node" func="cnt" op="lt" val="3">
+                  <dgm:alg type="conn">
+                    <dgm:param type="begPts" val="radial"/>
+                    <dgm:param type="endPts" val="radial"/>
+                  </dgm:alg>
+                </dgm:if>
+                <dgm:else name="Name13">
+                  <dgm:alg type="conn">
+                    <dgm:param type="begPts" val="auto"/>
+                    <dgm:param type="endPts" val="auto"/>
+                  </dgm:alg>
+                </dgm:else>
+              </dgm:choose>
+              <dgm:shape xmlns:r="http://schemas.openxmlformats.org/officeDocument/2006/relationships" type="conn" r:blip="">
+                <dgm:adjLst/>
+              </dgm:shape>
+              <dgm:presOf axis="self"/>
+              <dgm:constrLst>
+                <dgm:constr type="h" refType="w" fact="1.35"/>
+                <dgm:constr type="connDist"/>
+                <dgm:constr type="w" for="ch" refType="connDist" fact="0.45"/>
+                <dgm:constr type="h" for="ch" refType="h"/>
+              </dgm:constrLst>
+              <dgm:ruleLst/>
+              <dgm:layoutNode name="connectorText">
+                <dgm:alg type="tx">
+                  <dgm:param type="autoTxRot" val="grav"/>
+                </dgm:alg>
+                <dgm:shape xmlns:r="http://schemas.openxmlformats.org/officeDocument/2006/relationships" type="conn" r:blip="" hideGeom="1">
+                  <dgm:adjLst/>
+                </dgm:shape>
+                <dgm:presOf axis="self"/>
+                <dgm:constrLst>
+                  <dgm:constr type="lMarg"/>
+                  <dgm:constr type="rMarg"/>
+                  <dgm:constr type="tMarg"/>
+                  <dgm:constr type="bMarg"/>
+                </dgm:constrLst>
+                <dgm:ruleLst>
+                  <dgm:rule type="primFontSz" val="5" fact="NaN" max="NaN"/>
+                </dgm:ruleLst>
+              </dgm:layoutNode>
+            </dgm:layoutNode>
+          </dgm:forEach>
+        </dgm:if>
+        <dgm:else name="Name14"/>
+      </dgm:choose>
+    </dgm:forEach>
+  </dgm:layoutNode>
+</dgm:layoutDef>
+</file>
+
+<file path=ppt/diagrams/quickStyle1.xml><?xml version="1.0" encoding="utf-8"?>
+<dgm:styleDef xmlns:dgm="http://schemas.openxmlformats.org/drawingml/2006/diagram" xmlns:a="http://schemas.openxmlformats.org/drawingml/2006/main" uniqueId="urn:microsoft.com/office/officeart/2005/8/quickstyle/simple1">
+  <dgm:title val=""/>
+  <dgm:desc val=""/>
+  <dgm:catLst>
+    <dgm:cat type="simple" pri="10100"/>
+  </dgm:catLst>
+  <dgm:scene3d>
+    <a:camera prst="orthographicFront"/>
+    <a:lightRig rig="threePt" dir="t"/>
+  </dgm:scene3d>
+  <dgm:styleLbl name="node0">
+    <dgm:scene3d>
+      <a:camera prst="orthographicFront"/>
+      <a:lightRig rig="threePt" dir="t"/>
+    </dgm:scene3d>
+    <dgm:sp3d/>
+    <dgm:txPr/>
+    <dgm:style>
+      <a:lnRef idx="2">
+        <a:scrgbClr r="0" g="0" b="0"/>
+      </a:lnRef>
+      <a:fillRef idx="1">
+        <a:scrgbClr r="0" g="0" b="0"/>
+      </a:fillRef>
+      <a:effectRef idx="0">
+        <a:scrgbClr r="0" g="0" b="0"/>
+      </a:effectRef>
+      <a:fontRef idx="minor">
+        <a:schemeClr val="lt1"/>
+      </a:fontRef>
+    </dgm:style>
+  </dgm:styleLbl>
+  <dgm:styleLbl name="lnNode1">
+    <dgm:scene3d>
+      <a:camera prst="orthographicFront"/>
+      <a:lightRig rig="threePt" dir="t"/>
+    </dgm:scene3d>
+    <dgm:sp3d/>
+    <dgm:txPr/>
+    <dgm:style>
+      <a:lnRef idx="2">
+        <a:scrgbClr r="0" g="0" b="0"/>
+      </a:lnRef>
+      <a:fillRef idx="1">
+        <a:scrgbClr r="0" g="0" b="0"/>
+      </a:fillRef>
+      <a:effectRef idx="0">
+        <a:scrgbClr r="0" g="0" b="0"/>
+      </a:effectRef>
+      <a:fontRef idx="minor">
+        <a:schemeClr val="lt1"/>
+      </a:fontRef>
+    </dgm:style>
+  </dgm:styleLbl>
+  <dgm:styleLbl name="vennNode1">
+    <dgm:scene3d>
+      <a:camera prst="orthographicFront"/>
+      <a:lightRig rig="threePt" dir="t"/>
+    </dgm:scene3d>
+    <dgm:sp3d/>
+    <dgm:txPr/>
+    <dgm:style>
+      <a:lnRef idx="2">
+        <a:scrgbClr r="0" g="0" b="0"/>
+      </a:lnRef>
+      <a:fillRef idx="1">
+        <a:scrgbClr r="0" g="0" b="0"/>
+      </a:fillRef>
+      <a:effectRef idx="0">
+        <a:scrgbClr r="0" g="0" b="0"/>
+      </a:effectRef>
+      <a:fontRef idx="minor">
+        <a:schemeClr val="tx1"/>
+      </a:fontRef>
+    </dgm:style>
+  </dgm:styleLbl>
+  <dgm:styleLbl name="alignNode1">
+    <dgm:scene3d>
+      <a:camera prst="orthographicFront"/>
+      <a:lightRig rig="threePt" dir="t"/>
+    </dgm:scene3d>
+    <dgm:sp3d/>
+    <dgm:txPr/>
+    <dgm:style>
+      <a:lnRef idx="2">
+        <a:scrgbClr r="0" g="0" b="0"/>
+      </a:lnRef>
+      <a:fillRef idx="1">
+        <a:scrgbClr r="0" g="0" b="0"/>
+      </a:fillRef>
+      <a:effectRef idx="0">
+        <a:scrgbClr r="0" g="0" b="0"/>
+      </a:effectRef>
+      <a:fontRef idx="minor">
+        <a:schemeClr val="lt1"/>
+      </a:fontRef>
+    </dgm:style>
+  </dgm:styleLbl>
+  <dgm:styleLbl name="node1">
+    <dgm:scene3d>
+      <a:camera prst="orthographicFront"/>
+      <a:lightRig rig="threePt" dir="t"/>
+    </dgm:scene3d>
+    <dgm:sp3d/>
+    <dgm:txPr/>
+    <dgm:style>
+      <a:lnRef idx="2">
+        <a:scrgbClr r="0" g="0" b="0"/>
+      </a:lnRef>
+      <a:fillRef idx="1">
+        <a:scrgbClr r="0" g="0" b="0"/>
+      </a:fillRef>
+      <a:effectRef idx="0">
+        <a:scrgbClr r="0" g="0" b="0"/>
+      </a:effectRef>
+      <a:fontRef idx="minor">
+        <a:schemeClr val="lt1"/>
+      </a:fontRef>
+    </dgm:style>
+  </dgm:styleLbl>
+  <dgm:styleLbl name="node2">
+    <dgm:scene3d>
+      <a:camera prst="orthographicFront"/>
+      <a:lightRig rig="threePt" dir="t"/>
+    </dgm:scene3d>
+    <dgm:sp3d/>
+    <dgm:txPr/>
+    <dgm:style>
+      <a:lnRef idx="2">
+        <a:scrgbClr r="0" g="0" b="0"/>
+      </a:lnRef>
+      <a:fillRef idx="1">
+        <a:scrgbClr r="0" g="0" b="0"/>
+      </a:fillRef>
+      <a:effectRef idx="0">
+        <a:scrgbClr r="0" g="0" b="0"/>
+      </a:effectRef>
+      <a:fontRef idx="minor">
+        <a:schemeClr val="lt1"/>
+      </a:fontRef>
+    </dgm:style>
+  </dgm:styleLbl>
+  <dgm:styleLbl name="node3">
+    <dgm:scene3d>
+      <a:camera prst="orthographicFront"/>
+      <a:lightRig rig="threePt" dir="t"/>
+    </dgm:scene3d>
+    <dgm:sp3d/>
+    <dgm:txPr/>
+    <dgm:style>
+      <a:lnRef idx="2">
+        <a:scrgbClr r="0" g="0" b="0"/>
+      </a:lnRef>
+      <a:fillRef idx="1">
+        <a:scrgbClr r="0" g="0" b="0"/>
+      </a:fillRef>
+      <a:effectRef idx="0">
+        <a:scrgbClr r="0" g="0" b="0"/>
+      </a:effectRef>
+      <a:fontRef idx="minor">
+        <a:schemeClr val="lt1"/>
+      </a:fontRef>
+    </dgm:style>
+  </dgm:styleLbl>
+  <dgm:styleLbl name="node4">
+    <dgm:scene3d>
+      <a:camera prst="orthographicFront"/>
+      <a:lightRig rig="threePt" dir="t"/>
+    </dgm:scene3d>
+    <dgm:sp3d/>
+    <dgm:txPr/>
+    <dgm:style>
+      <a:lnRef idx="2">
+        <a:scrgbClr r="0" g="0" b="0"/>
+      </a:lnRef>
+      <a:fillRef idx="1">
+        <a:scrgbClr r="0" g="0" b="0"/>
+      </a:fillRef>
+      <a:effectRef idx="0">
+        <a:scrgbClr r="0" g="0" b="0"/>
+      </a:effectRef>
+      <a:fontRef idx="minor">
+        <a:schemeClr val="lt1"/>
+      </a:fontRef>
+    </dgm:style>
+  </dgm:styleLbl>
+  <dgm:styleLbl name="fgImgPlace1">
+    <dgm:scene3d>
+      <a:camera prst="orthographicFront"/>
+      <a:lightRig rig="threePt" dir="t"/>
+    </dgm:scene3d>
+    <dgm:sp3d/>
+    <dgm:txPr/>
+    <dgm:style>
+      <a:lnRef idx="2">
+        <a:scrgbClr r="0" g="0" b="0"/>
+      </a:lnRef>
+      <a:fillRef idx="1">
+        <a:scrgbClr r="0" g="0" b="0"/>
+      </a:fillRef>
+      <a:effectRef idx="0">
+        <a:scrgbClr r="0" g="0" b="0"/>
+      </a:effectRef>
+      <a:fontRef idx="minor"/>
+    </dgm:style>
+  </dgm:styleLbl>
+  <dgm:styleLbl name="alignImgPlace1">
+    <dgm:scene3d>
+      <a:camera prst="orthographicFront"/>
+      <a:lightRig rig="threePt" dir="t"/>
+    </dgm:scene3d>
+    <dgm:sp3d/>
+    <dgm:txPr/>
+    <dgm:style>
+      <a:lnRef idx="2">
+        <a:scrgbClr r="0" g="0" b="0"/>
+      </a:lnRef>
+      <a:fillRef idx="1">
+        <a:scrgbClr r="0" g="0" b="0"/>
+      </a:fillRef>
+      <a:effectRef idx="0">
+        <a:scrgbClr r="0" g="0" b="0"/>
+      </a:effectRef>
+      <a:fontRef idx="minor"/>
+    </dgm:style>
+  </dgm:styleLbl>
+  <dgm:styleLbl name="bgImgPlace1">
+    <dgm:scene3d>
+      <a:camera prst="orthographicFront"/>
+      <a:lightRig rig="threePt" dir="t"/>
+    </dgm:scene3d>
+    <dgm:sp3d/>
+    <dgm:txPr/>
+    <dgm:style>
+      <a:lnRef idx="2">
+        <a:scrgbClr r="0" g="0" b="0"/>
+      </a:lnRef>
+      <a:fillRef idx="1">
+        <a:scrgbClr r="0" g="0" b="0"/>
+      </a:fillRef>
+      <a:effectRef idx="0">
+        <a:scrgbClr r="0" g="0" b="0"/>
+      </a:effectRef>
+      <a:fontRef idx="minor"/>
+    </dgm:style>
+  </dgm:styleLbl>
+  <dgm:styleLbl name="sibTrans2D1">
+    <dgm:scene3d>
+      <a:camera prst="orthographicFront"/>
+      <a:lightRig rig="threePt" dir="t"/>
+    </dgm:scene3d>
+    <dgm:sp3d/>
+    <dgm:txPr/>
+    <dgm:style>
+      <a:lnRef idx="0">
+        <a:scrgbClr r="0" g="0" b="0"/>
+      </a:lnRef>
+      <a:fillRef idx="1">
+        <a:scrgbClr r="0" g="0" b="0"/>
+      </a:fillRef>
+      <a:effectRef idx="0">
+        <a:scrgbClr r="0" g="0" b="0"/>
+      </a:effectRef>
+      <a:fontRef idx="minor">
+        <a:schemeClr val="lt1"/>
+      </a:fontRef>
+    </dgm:style>
+  </dgm:styleLbl>
+  <dgm:styleLbl name="fgSibTrans2D1">
+    <dgm:scene3d>
+      <a:camera prst="orthographicFront"/>
+      <a:lightRig rig="threePt" dir="t"/>
+    </dgm:scene3d>
+    <dgm:sp3d/>
+    <dgm:txPr/>
+    <dgm:style>
+      <a:lnRef idx="0">
+        <a:scrgbClr r="0" g="0" b="0"/>
+      </a:lnRef>
+      <a:fillRef idx="1">
+        <a:scrgbClr r="0" g="0" b="0"/>
+      </a:fillRef>
+      <a:effectRef idx="0">
+        <a:scrgbClr r="0" g="0" b="0"/>
+      </a:effectRef>
+      <a:fontRef idx="minor">
+        <a:schemeClr val="lt1"/>
+      </a:fontRef>
+    </dgm:style>
+  </dgm:styleLbl>
+  <dgm:styleLbl name="bgSibTrans2D1">
+    <dgm:scene3d>
+      <a:camera prst="orthographicFront"/>
+      <a:lightRig rig="threePt" dir="t"/>
+    </dgm:scene3d>
+    <dgm:sp3d/>
+    <dgm:txPr/>
+    <dgm:style>
+      <a:lnRef idx="0">
+        <a:scrgbClr r="0" g="0" b="0"/>
+      </a:lnRef>
+      <a:fillRef idx="1">
+        <a:scrgbClr r="0" g="0" b="0"/>
+      </a:fillRef>
+      <a:effectRef idx="0">
+        <a:scrgbClr r="0" g="0" b="0"/>
+      </a:effectRef>
+      <a:fontRef idx="minor">
+        <a:schemeClr val="lt1"/>
+      </a:fontRef>
+    </dgm:style>
+  </dgm:styleLbl>
+  <dgm:styleLbl name="sibTrans1D1">
+    <dgm:scene3d>
+      <a:camera prst="orthographicFront"/>
+      <a:lightRig rig="threePt" dir="t"/>
+    </dgm:scene3d>
+    <dgm:sp3d/>
+    <dgm:txPr/>
+    <dgm:style>
+      <a:lnRef idx="1">
+        <a:scrgbClr r="0" g="0" b="0"/>
+      </a:lnRef>
+      <a:fillRef idx="0">
+        <a:scrgbClr r="0" g="0" b="0"/>
+      </a:fillRef>
+      <a:effectRef idx="0">
+        <a:scrgbClr r="0" g="0" b="0"/>
+      </a:effectRef>
+      <a:fontRef idx="minor"/>
+    </dgm:style>
+  </dgm:styleLbl>
+  <dgm:styleLbl name="callout">
+    <dgm:scene3d>
+      <a:camera prst="orthographicFront"/>
+      <a:lightRig rig="threePt" dir="t"/>
+    </dgm:scene3d>
+    <dgm:sp3d/>
+    <dgm:txPr/>
+    <dgm:style>
+      <a:lnRef idx="2">
+        <a:scrgbClr r="0" g="0" b="0"/>
+      </a:lnRef>
+      <a:fillRef idx="1">
+        <a:scrgbClr r="0" g="0" b="0"/>
+      </a:fillRef>
+      <a:effectRef idx="0">
+        <a:scrgbClr r="0" g="0" b="0"/>
+      </a:effectRef>
+      <a:fontRef idx="minor"/>
+    </dgm:style>
+  </dgm:styleLbl>
+  <dgm:styleLbl name="asst0">
+    <dgm:scene3d>
+      <a:camera prst="orthographicFront"/>
+      <a:lightRig rig="threePt" dir="t"/>
+    </dgm:scene3d>
+    <dgm:sp3d/>
+    <dgm:txPr/>
+    <dgm:style>
+      <a:lnRef idx="2">
+        <a:scrgbClr r="0" g="0" b="0"/>
+      </a:lnRef>
+      <a:fillRef idx="1">
+        <a:scrgbClr r="0" g="0" b="0"/>
+      </a:fillRef>
+      <a:effectRef idx="0">
+        <a:scrgbClr r="0" g="0" b="0"/>
+      </a:effectRef>
+      <a:fontRef idx="minor">
+        <a:schemeClr val="lt1"/>
+      </a:fontRef>
+    </dgm:style>
+  </dgm:styleLbl>
+  <dgm:styleLbl name="asst1">
+    <dgm:scene3d>
+      <a:camera prst="orthographicFront"/>
+      <a:lightRig rig="threePt" dir="t"/>
+    </dgm:scene3d>
+    <dgm:sp3d/>
+    <dgm:txPr/>
+    <dgm:style>
+      <a:lnRef idx="2">
+        <a:scrgbClr r="0" g="0" b="0"/>
+      </a:lnRef>
+      <a:fillRef idx="1">
+        <a:scrgbClr r="0" g="0" b="0"/>
+      </a:fillRef>
+      <a:effectRef idx="0">
+        <a:scrgbClr r="0" g="0" b="0"/>
+      </a:effectRef>
+      <a:fontRef idx="minor">
+        <a:schemeClr val="lt1"/>
+      </a:fontRef>
+    </dgm:style>
+  </dgm:styleLbl>
+  <dgm:styleLbl name="asst2">
+    <dgm:scene3d>
+      <a:camera prst="orthographicFront"/>
+      <a:lightRig rig="threePt" dir="t"/>
+    </dgm:scene3d>
+    <dgm:sp3d/>
+    <dgm:txPr/>
+    <dgm:style>
+      <a:lnRef idx="2">
+        <a:scrgbClr r="0" g="0" b="0"/>
+      </a:lnRef>
+      <a:fillRef idx="1">
+        <a:scrgbClr r="0" g="0" b="0"/>
+      </a:fillRef>
+      <a:effectRef idx="0">
+        <a:scrgbClr r="0" g="0" b="0"/>
+      </a:effectRef>
+      <a:fontRef idx="minor">
+        <a:schemeClr val="lt1"/>
+      </a:fontRef>
+    </dgm:style>
+  </dgm:styleLbl>
+  <dgm:styleLbl name="asst3">
+    <dgm:scene3d>
+      <a:camera prst="orthographicFront"/>
+      <a:lightRig rig="threePt" dir="t"/>
+    </dgm:scene3d>
+    <dgm:sp3d/>
+    <dgm:txPr/>
+    <dgm:style>
+      <a:lnRef idx="2">
+        <a:scrgbClr r="0" g="0" b="0"/>
+      </a:lnRef>
+      <a:fillRef idx="1">
+        <a:scrgbClr r="0" g="0" b="0"/>
+      </a:fillRef>
+      <a:effectRef idx="0">
+        <a:scrgbClr r="0" g="0" b="0"/>
+      </a:effectRef>
+      <a:fontRef idx="minor">
+        <a:schemeClr val="lt1"/>
+      </a:fontRef>
+    </dgm:style>
+  </dgm:styleLbl>
+  <dgm:styleLbl name="asst4">
+    <dgm:scene3d>
+      <a:camera prst="orthographicFront"/>
+      <a:lightRig rig="threePt" dir="t"/>
+    </dgm:scene3d>
+    <dgm:sp3d/>
+    <dgm:txPr/>
+    <dgm:style>
+      <a:lnRef idx="2">
+        <a:scrgbClr r="0" g="0" b="0"/>
+      </a:lnRef>
+      <a:fillRef idx="1">
+        <a:scrgbClr r="0" g="0" b="0"/>
+      </a:fillRef>
+      <a:effectRef idx="0">
+        <a:scrgbClr r="0" g="0" b="0"/>
+      </a:effectRef>
+      <a:fontRef idx="minor">
+        <a:schemeClr val="lt1"/>
+      </a:fontRef>
+    </dgm:style>
+  </dgm:styleLbl>
+  <dgm:styleLbl name="parChTrans2D1">
+    <dgm:scene3d>
+      <a:camera prst="orthographicFront"/>
+      <a:lightRig rig="threePt" dir="t"/>
+    </dgm:scene3d>
+    <dgm:sp3d/>
+    <dgm:txPr/>
+    <dgm:style>
+      <a:lnRef idx="2">
+        <a:scrgbClr r="0" g="0" b="0"/>
+      </a:lnRef>
+      <a:fillRef idx="1">
+        <a:scrgbClr r="0" g="0" b="0"/>
+      </a:fillRef>
+      <a:effectRef idx="0">
+        <a:scrgbClr r="0" g="0" b="0"/>
+      </a:effectRef>
+      <a:fontRef idx="minor">
+        <a:schemeClr val="lt1"/>
+      </a:fontRef>
+    </dgm:style>
+  </dgm:styleLbl>
+  <dgm:styleLbl name="parChTrans2D2">
+    <dgm:scene3d>
+      <a:camera prst="orthographicFront"/>
+      <a:lightRig rig="threePt" dir="t"/>
+    </dgm:scene3d>
+    <dgm:sp3d/>
+    <dgm:txPr/>
+    <dgm:style>
+      <a:lnRef idx="2">
+        <a:scrgbClr r="0" g="0" b="0"/>
+      </a:lnRef>
+      <a:fillRef idx="1">
+        <a:scrgbClr r="0" g="0" b="0"/>
+      </a:fillRef>
+      <a:effectRef idx="0">
+        <a:scrgbClr r="0" g="0" b="0"/>
+      </a:effectRef>
+      <a:fontRef idx="minor">
+        <a:schemeClr val="lt1"/>
+      </a:fontRef>
+    </dgm:style>
+  </dgm:styleLbl>
+  <dgm:styleLbl name="parChTrans2D3">
+    <dgm:scene3d>
+      <a:camera prst="orthographicFront"/>
+      <a:lightRig rig="threePt" dir="t"/>
+    </dgm:scene3d>
+    <dgm:sp3d/>
+    <dgm:txPr/>
+    <dgm:style>
+      <a:lnRef idx="2">
+        <a:scrgbClr r="0" g="0" b="0"/>
+      </a:lnRef>
+      <a:fillRef idx="1">
+        <a:scrgbClr r="0" g="0" b="0"/>
+      </a:fillRef>
+      <a:effectRef idx="0">
+        <a:scrgbClr r="0" g="0" b="0"/>
+      </a:effectRef>
+      <a:fontRef idx="minor">
+        <a:schemeClr val="lt1"/>
+      </a:fontRef>
+    </dgm:style>
+  </dgm:styleLbl>
+  <dgm:styleLbl name="parChTrans2D4">
+    <dgm:scene3d>
+      <a:camera prst="orthographicFront"/>
+      <a:lightRig rig="threePt" dir="t"/>
+    </dgm:scene3d>
+    <dgm:sp3d/>
+    <dgm:txPr/>
+    <dgm:style>
+      <a:lnRef idx="2">
+        <a:scrgbClr r="0" g="0" b="0"/>
+      </a:lnRef>
+      <a:fillRef idx="1">
+        <a:scrgbClr r="0" g="0" b="0"/>
+      </a:fillRef>
+      <a:effectRef idx="0">
+        <a:scrgbClr r="0" g="0" b="0"/>
+      </a:effectRef>
+      <a:fontRef idx="minor">
+        <a:schemeClr val="lt1"/>
+      </a:fontRef>
+    </dgm:style>
+  </dgm:styleLbl>
+  <dgm:styleLbl name="parChTrans1D1">
+    <dgm:scene3d>
+      <a:camera prst="orthographicFront"/>
+      <a:lightRig rig="threePt" dir="t"/>
+    </dgm:scene3d>
+    <dgm:sp3d/>
+    <dgm:txPr/>
+    <dgm:style>
+      <a:lnRef idx="2">
+        <a:scrgbClr r="0" g="0" b="0"/>
+      </a:lnRef>
+      <a:fillRef idx="0">
+        <a:scrgbClr r="0" g="0" b="0"/>
+      </a:fillRef>
+      <a:effectRef idx="0">
+        <a:scrgbClr r="0" g="0" b="0"/>
+      </a:effectRef>
+      <a:fontRef idx="minor"/>
+    </dgm:style>
+  </dgm:styleLbl>
+  <dgm:styleLbl name="parChTrans1D2">
+    <dgm:scene3d>
+      <a:camera prst="orthographicFront"/>
+      <a:lightRig rig="threePt" dir="t"/>
+    </dgm:scene3d>
+    <dgm:sp3d/>
+    <dgm:txPr/>
+    <dgm:style>
+      <a:lnRef idx="2">
+        <a:scrgbClr r="0" g="0" b="0"/>
+      </a:lnRef>
+      <a:fillRef idx="0">
+        <a:scrgbClr r="0" g="0" b="0"/>
+      </a:fillRef>
+      <a:effectRef idx="0">
+        <a:scrgbClr r="0" g="0" b="0"/>
+      </a:effectRef>
+      <a:fontRef idx="minor"/>
+    </dgm:style>
+  </dgm:styleLbl>
+  <dgm:styleLbl name="parChTrans1D3">
+    <dgm:scene3d>
+      <a:camera prst="orthographicFront"/>
+      <a:lightRig rig="threePt" dir="t"/>
+    </dgm:scene3d>
+    <dgm:sp3d/>
+    <dgm:txPr/>
+    <dgm:style>
+      <a:lnRef idx="2">
+        <a:scrgbClr r="0" g="0" b="0"/>
+      </a:lnRef>
+      <a:fillRef idx="0">
+        <a:scrgbClr r="0" g="0" b="0"/>
+      </a:fillRef>
+      <a:effectRef idx="0">
+        <a:scrgbClr r="0" g="0" b="0"/>
+      </a:effectRef>
+      <a:fontRef idx="minor"/>
+    </dgm:style>
+  </dgm:styleLbl>
+  <dgm:styleLbl name="parChTrans1D4">
+    <dgm:scene3d>
+      <a:camera prst="orthographicFront"/>
+      <a:lightRig rig="threePt" dir="t"/>
+    </dgm:scene3d>
+    <dgm:sp3d/>
+    <dgm:txPr/>
+    <dgm:style>
+      <a:lnRef idx="2">
+        <a:scrgbClr r="0" g="0" b="0"/>
+      </a:lnRef>
+      <a:fillRef idx="0">
+        <a:scrgbClr r="0" g="0" b="0"/>
+      </a:fillRef>
+      <a:effectRef idx="0">
+        <a:scrgbClr r="0" g="0" b="0"/>
+      </a:effectRef>
+      <a:fontRef idx="minor"/>
+    </dgm:style>
+  </dgm:styleLbl>
+  <dgm:styleLbl name="fgAcc1">
+    <dgm:scene3d>
+      <a:camera prst="orthographicFront"/>
+      <a:lightRig rig="threePt" dir="t"/>
+    </dgm:scene3d>
+    <dgm:sp3d/>
+    <dgm:txPr/>
+    <dgm:style>
+      <a:lnRef idx="2">
+        <a:scrgbClr r="0" g="0" b="0"/>
+      </a:lnRef>
+      <a:fillRef idx="1">
+        <a:scrgbClr r="0" g="0" b="0"/>
+      </a:fillRef>
+      <a:effectRef idx="0">
+        <a:scrgbClr r="0" g="0" b="0"/>
+      </a:effectRef>
+      <a:fontRef idx="minor"/>
+    </dgm:style>
+  </dgm:styleLbl>
+  <dgm:styleLbl name="conFgAcc1">
+    <dgm:scene3d>
+      <a:camera prst="orthographicFront"/>
+      <a:lightRig rig="threePt" dir="t"/>
+    </dgm:scene3d>
+    <dgm:sp3d/>
+    <dgm:txPr/>
+    <dgm:style>
+      <a:lnRef idx="2">
+        <a:scrgbClr r="0" g="0" b="0"/>
+      </a:lnRef>
+      <a:fillRef idx="1">
+        <a:scrgbClr r="0" g="0" b="0"/>
+      </a:fillRef>
+      <a:effectRef idx="0">
+        <a:scrgbClr r="0" g="0" b="0"/>
+      </a:effectRef>
+      <a:fontRef idx="minor"/>
+    </dgm:style>
+  </dgm:styleLbl>
+  <dgm:styleLbl name="alignAcc1">
+    <dgm:scene3d>
+      <a:camera prst="orthographicFront"/>
+      <a:lightRig rig="threePt" dir="t"/>
+    </dgm:scene3d>
+    <dgm:sp3d/>
+    <dgm:txPr/>
+    <dgm:style>
+      <a:lnRef idx="2">
+        <a:scrgbClr r="0" g="0" b="0"/>
+      </a:lnRef>
+      <a:fillRef idx="1">
+        <a:scrgbClr r="0" g="0" b="0"/>
+      </a:fillRef>
+      <a:effectRef idx="0">
+        <a:scrgbClr r="0" g="0" b="0"/>
+      </a:effectRef>
+      <a:fontRef idx="minor"/>
+    </dgm:style>
+  </dgm:styleLbl>
+  <dgm:styleLbl name="trAlignAcc1">
+    <dgm:scene3d>
+      <a:camera prst="orthographicFront"/>
+      <a:lightRig rig="threePt" dir="t"/>
+    </dgm:scene3d>
+    <dgm:sp3d/>
+    <dgm:txPr/>
+    <dgm:style>
+      <a:lnRef idx="1">
+        <a:scrgbClr r="0" g="0" b="0"/>
+      </a:lnRef>
+      <a:fillRef idx="1">
+        <a:scrgbClr r="0" g="0" b="0"/>
+      </a:fillRef>
+      <a:effectRef idx="0">
+        <a:scrgbClr r="0" g="0" b="0"/>
+      </a:effectRef>
+      <a:fontRef idx="minor"/>
+    </dgm:style>
+  </dgm:styleLbl>
+  <dgm:styleLbl name="bgAcc1">
+    <dgm:scene3d>
+      <a:camera prst="orthographicFront"/>
+      <a:lightRig rig="threePt" dir="t"/>
+    </dgm:scene3d>
+    <dgm:sp3d/>
+    <dgm:txPr/>
+    <dgm:style>
+      <a:lnRef idx="2">
+        <a:scrgbClr r="0" g="0" b="0"/>
+      </a:lnRef>
+      <a:fillRef idx="1">
+        <a:scrgbClr r="0" g="0" b="0"/>
+      </a:fillRef>
+      <a:effectRef idx="0">
+        <a:scrgbClr r="0" g="0" b="0"/>
+      </a:effectRef>
+      <a:fontRef idx="minor"/>
+    </dgm:style>
+  </dgm:styleLbl>
+  <dgm:styleLbl name="solidFgAcc1">
+    <dgm:scene3d>
+      <a:camera prst="orthographicFront"/>
+      <a:lightRig rig="threePt" dir="t"/>
+    </dgm:scene3d>
+    <dgm:sp3d/>
+    <dgm:txPr/>
+    <dgm:style>
+      <a:lnRef idx="2">
+        <a:scrgbClr r="0" g="0" b="0"/>
+      </a:lnRef>
+      <a:fillRef idx="1">
+        <a:scrgbClr r="0" g="0" b="0"/>
+      </a:fillRef>
+      <a:effectRef idx="0">
+        <a:scrgbClr r="0" g="0" b="0"/>
+      </a:effectRef>
+      <a:fontRef idx="minor"/>
+    </dgm:style>
+  </dgm:styleLbl>
+  <dgm:styleLbl name="solidAlignAcc1">
+    <dgm:scene3d>
+      <a:camera prst="orthographicFront"/>
+      <a:lightRig rig="threePt" dir="t"/>
+    </dgm:scene3d>
+    <dgm:sp3d/>
+    <dgm:txPr/>
+    <dgm:style>
+      <a:lnRef idx="2">
+        <a:scrgbClr r="0" g="0" b="0"/>
+      </a:lnRef>
+      <a:fillRef idx="1">
+        <a:scrgbClr r="0" g="0" b="0"/>
+      </a:fillRef>
+      <a:effectRef idx="0">
+        <a:scrgbClr r="0" g="0" b="0"/>
+      </a:effectRef>
+      <a:fontRef idx="minor"/>
+    </dgm:style>
+  </dgm:styleLbl>
+  <dgm:styleLbl name="solidBgAcc1">
+    <dgm:scene3d>
+      <a:camera prst="orthographicFront"/>
+      <a:lightRig rig="threePt" dir="t"/>
+    </dgm:scene3d>
+    <dgm:sp3d/>
+    <dgm:txPr/>
+    <dgm:style>
+      <a:lnRef idx="2">
+        <a:scrgbClr r="0" g="0" b="0"/>
+      </a:lnRef>
+      <a:fillRef idx="1">
+        <a:scrgbClr r="0" g="0" b="0"/>
+      </a:fillRef>
+      <a:effectRef idx="0">
+        <a:scrgbClr r="0" g="0" b="0"/>
+      </a:effectRef>
+      <a:fontRef idx="minor"/>
+    </dgm:style>
+  </dgm:styleLbl>
+  <dgm:styleLbl name="fgAccFollowNode1">
+    <dgm:scene3d>
+      <a:camera prst="orthographicFront"/>
+      <a:lightRig rig="threePt" dir="t"/>
+    </dgm:scene3d>
+    <dgm:sp3d/>
+    <dgm:txPr/>
+    <dgm:style>
+      <a:lnRef idx="2">
+        <a:scrgbClr r="0" g="0" b="0"/>
+      </a:lnRef>
+      <a:fillRef idx="1">
+        <a:scrgbClr r="0" g="0" b="0"/>
+      </a:fillRef>
+      <a:effectRef idx="0">
+        <a:scrgbClr r="0" g="0" b="0"/>
+      </a:effectRef>
+      <a:fontRef idx="minor"/>
+    </dgm:style>
+  </dgm:styleLbl>
+  <dgm:styleLbl name="alignAccFollowNode1">
+    <dgm:scene3d>
+      <a:camera prst="orthographicFront"/>
+      <a:lightRig rig="threePt" dir="t"/>
+    </dgm:scene3d>
+    <dgm:sp3d/>
+    <dgm:txPr/>
+    <dgm:style>
+      <a:lnRef idx="2">
+        <a:scrgbClr r="0" g="0" b="0"/>
+      </a:lnRef>
+      <a:fillRef idx="1">
+        <a:scrgbClr r="0" g="0" b="0"/>
+      </a:fillRef>
+      <a:effectRef idx="0">
+        <a:scrgbClr r="0" g="0" b="0"/>
+      </a:effectRef>
+      <a:fontRef idx="minor"/>
+    </dgm:style>
+  </dgm:styleLbl>
+  <dgm:styleLbl name="bgAccFollowNode1">
+    <dgm:scene3d>
+      <a:camera prst="orthographicFront"/>
+      <a:lightRig rig="threePt" dir="t"/>
+    </dgm:scene3d>
+    <dgm:sp3d/>
+    <dgm:txPr/>
+    <dgm:style>
+      <a:lnRef idx="2">
+        <a:scrgbClr r="0" g="0" b="0"/>
+      </a:lnRef>
+      <a:fillRef idx="1">
+        <a:scrgbClr r="0" g="0" b="0"/>
+      </a:fillRef>
+      <a:effectRef idx="0">
+        <a:scrgbClr r="0" g="0" b="0"/>
+      </a:effectRef>
+      <a:fontRef idx="minor"/>
+    </dgm:style>
+  </dgm:styleLbl>
+  <dgm:styleLbl name="fgAcc0">
+    <dgm:scene3d>
+      <a:camera prst="orthographicFront"/>
+      <a:lightRig rig="threePt" dir="t"/>
+    </dgm:scene3d>
+    <dgm:sp3d/>
+    <dgm:txPr/>
+    <dgm:style>
+      <a:lnRef idx="2">
+        <a:scrgbClr r="0" g="0" b="0"/>
+      </a:lnRef>
+      <a:fillRef idx="1">
+        <a:scrgbClr r="0" g="0" b="0"/>
+      </a:fillRef>
+      <a:effectRef idx="0">
+        <a:scrgbClr r="0" g="0" b="0"/>
+      </a:effectRef>
+      <a:fontRef idx="minor"/>
+    </dgm:style>
+  </dgm:styleLbl>
+  <dgm:styleLbl name="fgAcc2">
+    <dgm:scene3d>
+      <a:camera prst="orthographicFront"/>
+      <a:lightRig rig="threePt" dir="t"/>
+    </dgm:scene3d>
+    <dgm:sp3d/>
+    <dgm:txPr/>
+    <dgm:style>
+      <a:lnRef idx="2">
+        <a:scrgbClr r="0" g="0" b="0"/>
+      </a:lnRef>
+      <a:fillRef idx="1">
+        <a:scrgbClr r="0" g="0" b="0"/>
+      </a:fillRef>
+      <a:effectRef idx="0">
+        <a:scrgbClr r="0" g="0" b="0"/>
+      </a:effectRef>
+      <a:fontRef idx="minor"/>
+    </dgm:style>
+  </dgm:styleLbl>
+  <dgm:styleLbl name="fgAcc3">
+    <dgm:scene3d>
+      <a:camera prst="orthographicFront"/>
+      <a:lightRig rig="threePt" dir="t"/>
+    </dgm:scene3d>
+    <dgm:sp3d/>
+    <dgm:txPr/>
+    <dgm:style>
+      <a:lnRef idx="2">
+        <a:scrgbClr r="0" g="0" b="0"/>
+      </a:lnRef>
+      <a:fillRef idx="1">
+        <a:scrgbClr r="0" g="0" b="0"/>
+      </a:fillRef>
+      <a:effectRef idx="0">
+        <a:scrgbClr r="0" g="0" b="0"/>
+      </a:effectRef>
+      <a:fontRef idx="minor"/>
+    </dgm:style>
+  </dgm:styleLbl>
+  <dgm:styleLbl name="fgAcc4">
+    <dgm:scene3d>
+      <a:camera prst="orthographicFront"/>
+      <a:lightRig rig="threePt" dir="t"/>
+    </dgm:scene3d>
+    <dgm:sp3d/>
+    <dgm:txPr/>
+    <dgm:style>
+      <a:lnRef idx="2">
+        <a:scrgbClr r="0" g="0" b="0"/>
+      </a:lnRef>
+      <a:fillRef idx="1">
+        <a:scrgbClr r="0" g="0" b="0"/>
+      </a:fillRef>
+      <a:effectRef idx="0">
+        <a:scrgbClr r="0" g="0" b="0"/>
+      </a:effectRef>
+      <a:fontRef idx="minor"/>
+    </dgm:style>
+  </dgm:styleLbl>
+  <dgm:styleLbl name="bgShp">
+    <dgm:scene3d>
+      <a:camera prst="orthographicFront"/>
+      <a:lightRig rig="threePt" dir="t"/>
+    </dgm:scene3d>
+    <dgm:sp3d/>
+    <dgm:txPr/>
+    <dgm:style>
+      <a:lnRef idx="0">
+        <a:scrgbClr r="0" g="0" b="0"/>
+      </a:lnRef>
+      <a:fillRef idx="1">
+        <a:scrgbClr r="0" g="0" b="0"/>
+      </a:fillRef>
+      <a:effectRef idx="0">
+        <a:scrgbClr r="0" g="0" b="0"/>
+      </a:effectRef>
+      <a:fontRef idx="minor"/>
+    </dgm:style>
+  </dgm:styleLbl>
+  <dgm:styleLbl name="dkBgShp">
+    <dgm:scene3d>
+      <a:camera prst="orthographicFront"/>
+      <a:lightRig rig="threePt" dir="t"/>
+    </dgm:scene3d>
+    <dgm:sp3d/>
+    <dgm:txPr/>
+    <dgm:style>
+      <a:lnRef idx="0">
+        <a:scrgbClr r="0" g="0" b="0"/>
+      </a:lnRef>
+      <a:fillRef idx="1">
+        <a:scrgbClr r="0" g="0" b="0"/>
+      </a:fillRef>
+      <a:effectRef idx="0">
+        <a:scrgbClr r="0" g="0" b="0"/>
+      </a:effectRef>
+      <a:fontRef idx="minor"/>
+    </dgm:style>
+  </dgm:styleLbl>
+  <dgm:styleLbl name="trBgShp">
+    <dgm:scene3d>
+      <a:camera prst="orthographicFront"/>
+      <a:lightRig rig="threePt" dir="t"/>
+    </dgm:scene3d>
+    <dgm:sp3d/>
+    <dgm:txPr/>
+    <dgm:style>
+      <a:lnRef idx="0">
+        <a:scrgbClr r="0" g="0" b="0"/>
+      </a:lnRef>
+      <a:fillRef idx="1">
+        <a:scrgbClr r="0" g="0" b="0"/>
+      </a:fillRef>
+      <a:effectRef idx="0">
+        <a:scrgbClr r="0" g="0" b="0"/>
+      </a:effectRef>
+      <a:fontRef idx="minor"/>
+    </dgm:style>
+  </dgm:styleLbl>
+  <dgm:styleLbl name="fgShp">
+    <dgm:scene3d>
+      <a:camera prst="orthographicFront"/>
+      <a:lightRig rig="threePt" dir="t"/>
+    </dgm:scene3d>
+    <dgm:sp3d/>
+    <dgm:txPr/>
+    <dgm:style>
+      <a:lnRef idx="2">
+        <a:scrgbClr r="0" g="0" b="0"/>
+      </a:lnRef>
+      <a:fillRef idx="1">
+        <a:scrgbClr r="0" g="0" b="0"/>
+      </a:fillRef>
+      <a:effectRef idx="0">
+        <a:scrgbClr r="0" g="0" b="0"/>
+      </a:effectRef>
+      <a:fontRef idx="minor"/>
+    </dgm:style>
+  </dgm:styleLbl>
+  <dgm:styleLbl name="revTx">
+    <dgm:scene3d>
+      <a:camera prst="orthographicFront"/>
+      <a:lightRig rig="threePt" dir="t"/>
+    </dgm:scene3d>
+    <dgm:sp3d/>
+    <dgm:txPr/>
+    <dgm:style>
+      <a:lnRef idx="0">
+        <a:scrgbClr r="0" g="0" b="0"/>
+      </a:lnRef>
+      <a:fillRef idx="0">
+        <a:scrgbClr r="0" g="0" b="0"/>
+      </a:fillRef>
+      <a:effectRef idx="0">
+        <a:scrgbClr r="0" g="0" b="0"/>
+      </a:effectRef>
+      <a:fontRef idx="minor"/>
+    </dgm:style>
+  </dgm:styleLbl>
+</dgm:styleDef>
+</file>
+
 <file path=ppt/notesMasters/notesMaster1.xml><?xml version="1.0" encoding="utf-8"?>
 <p:notesMaster xmlns:a="http://schemas.openxmlformats.org/drawingml/2006/main" xmlns:r="http://schemas.openxmlformats.org/officeDocument/2006/relationships" xmlns:p="http://schemas.openxmlformats.org/presentationml/2006/main">
   <p:cSld>
@@ -220,7 +3045,7 @@
           <a:p>
             <a:fld id="{6B01098C-58D5-4DCB-8B6F-D5224BBD065F}" type="datetimeFigureOut">
               <a:rPr lang="tr-TR" smtClean="0"/>
-              <a:t>26.12.2021</a:t>
+              <a:t>5.01.2022</a:t>
             </a:fld>
             <a:endParaRPr lang="tr-TR"/>
           </a:p>
@@ -2046,7 +4871,7 @@
     </p:spTree>
     <p:extLst>
       <p:ext uri="{BB962C8B-B14F-4D97-AF65-F5344CB8AC3E}">
-        <p14:creationId xmlns:p14="http://schemas.microsoft.com/office/powerpoint/2010/main" val="2911729695"/>
+        <p14:creationId xmlns:p14="http://schemas.microsoft.com/office/powerpoint/2010/main" val="2638042499"/>
       </p:ext>
     </p:extLst>
   </p:cSld>
@@ -2100,36 +4925,6 @@
           <a:bodyPr/>
           <a:lstStyle/>
           <a:p>
-            <a:pPr marL="0" marR="0" lvl="0" indent="0" algn="l" defTabSz="914400" rtl="0" eaLnBrk="1" fontAlgn="auto" latinLnBrk="0" hangingPunct="1">
-              <a:lnSpc>
-                <a:spcPct val="100000"/>
-              </a:lnSpc>
-              <a:spcBef>
-                <a:spcPts val="0"/>
-              </a:spcBef>
-              <a:spcAft>
-                <a:spcPts val="0"/>
-              </a:spcAft>
-              <a:buClrTx/>
-              <a:buSzTx/>
-              <a:buFontTx/>
-              <a:buNone/>
-              <a:tabLst/>
-              <a:defRPr/>
-            </a:pPr>
-            <a:r>
-              <a:rPr lang="en-US" b="0" i="0" dirty="0">
-                <a:solidFill>
-                  <a:srgbClr val="292929"/>
-                </a:solidFill>
-                <a:effectLst/>
-                <a:latin typeface="charter"/>
-              </a:rPr>
-              <a:t>The mapping from textual data to real valued vectors is called feature extraction. </a:t>
-            </a:r>
-            <a:endParaRPr lang="tr-TR" dirty="0"/>
-          </a:p>
-          <a:p>
             <a:endParaRPr lang="tr-TR" dirty="0"/>
           </a:p>
         </p:txBody>
@@ -2152,90 +4947,6 @@
             <a:fld id="{344A4FEE-B134-42F3-BC71-245FBE6217C8}" type="slidenum">
               <a:rPr lang="tr-TR" smtClean="0"/>
               <a:t>21</a:t>
-            </a:fld>
-            <a:endParaRPr lang="tr-TR"/>
-          </a:p>
-        </p:txBody>
-      </p:sp>
-    </p:spTree>
-    <p:extLst>
-      <p:ext uri="{BB962C8B-B14F-4D97-AF65-F5344CB8AC3E}">
-        <p14:creationId xmlns:p14="http://schemas.microsoft.com/office/powerpoint/2010/main" val="3304239312"/>
-      </p:ext>
-    </p:extLst>
-  </p:cSld>
-  <p:clrMapOvr>
-    <a:masterClrMapping/>
-  </p:clrMapOvr>
-</p:notes>
-</file>
-
-<file path=ppt/notesSlides/notesSlide18.xml><?xml version="1.0" encoding="utf-8"?>
-<p:notes xmlns:a="http://schemas.openxmlformats.org/drawingml/2006/main" xmlns:r="http://schemas.openxmlformats.org/officeDocument/2006/relationships" xmlns:p="http://schemas.openxmlformats.org/presentationml/2006/main">
-  <p:cSld>
-    <p:spTree>
-      <p:nvGrpSpPr>
-        <p:cNvPr id="1" name=""/>
-        <p:cNvGrpSpPr/>
-        <p:nvPr/>
-      </p:nvGrpSpPr>
-      <p:grpSpPr>
-        <a:xfrm>
-          <a:off x="0" y="0"/>
-          <a:ext cx="0" cy="0"/>
-          <a:chOff x="0" y="0"/>
-          <a:chExt cx="0" cy="0"/>
-        </a:xfrm>
-      </p:grpSpPr>
-      <p:sp>
-        <p:nvSpPr>
-          <p:cNvPr id="2" name="Slide Image Placeholder 1"/>
-          <p:cNvSpPr>
-            <a:spLocks noGrp="1" noRot="1" noChangeAspect="1"/>
-          </p:cNvSpPr>
-          <p:nvPr>
-            <p:ph type="sldImg"/>
-          </p:nvPr>
-        </p:nvSpPr>
-        <p:spPr/>
-      </p:sp>
-      <p:sp>
-        <p:nvSpPr>
-          <p:cNvPr id="3" name="Notes Placeholder 2"/>
-          <p:cNvSpPr>
-            <a:spLocks noGrp="1"/>
-          </p:cNvSpPr>
-          <p:nvPr>
-            <p:ph type="body" idx="1"/>
-          </p:nvPr>
-        </p:nvSpPr>
-        <p:spPr/>
-        <p:txBody>
-          <a:bodyPr/>
-          <a:lstStyle/>
-          <a:p>
-            <a:endParaRPr lang="tr-TR" dirty="0"/>
-          </a:p>
-        </p:txBody>
-      </p:sp>
-      <p:sp>
-        <p:nvSpPr>
-          <p:cNvPr id="4" name="Slide Number Placeholder 3"/>
-          <p:cNvSpPr>
-            <a:spLocks noGrp="1"/>
-          </p:cNvSpPr>
-          <p:nvPr>
-            <p:ph type="sldNum" sz="quarter" idx="5"/>
-          </p:nvPr>
-        </p:nvSpPr>
-        <p:spPr/>
-        <p:txBody>
-          <a:bodyPr/>
-          <a:lstStyle/>
-          <a:p>
-            <a:fld id="{344A4FEE-B134-42F3-BC71-245FBE6217C8}" type="slidenum">
-              <a:rPr lang="tr-TR" smtClean="0"/>
-              <a:t>22</a:t>
             </a:fld>
             <a:endParaRPr lang="tr-TR"/>
           </a:p>
@@ -4771,7 +7482,7 @@
           <a:p>
             <a:fld id="{0B27EE79-B449-44A2-B1EF-6094F2079680}" type="datetimeFigureOut">
               <a:rPr lang="tr-TR" smtClean="0"/>
-              <a:t>26.12.2021</a:t>
+              <a:t>5.01.2022</a:t>
             </a:fld>
             <a:endParaRPr lang="tr-TR"/>
           </a:p>
@@ -4971,7 +7682,7 @@
           <a:p>
             <a:fld id="{0B27EE79-B449-44A2-B1EF-6094F2079680}" type="datetimeFigureOut">
               <a:rPr lang="tr-TR" smtClean="0"/>
-              <a:t>26.12.2021</a:t>
+              <a:t>5.01.2022</a:t>
             </a:fld>
             <a:endParaRPr lang="tr-TR"/>
           </a:p>
@@ -5181,7 +7892,7 @@
           <a:p>
             <a:fld id="{0B27EE79-B449-44A2-B1EF-6094F2079680}" type="datetimeFigureOut">
               <a:rPr lang="tr-TR" smtClean="0"/>
-              <a:t>26.12.2021</a:t>
+              <a:t>5.01.2022</a:t>
             </a:fld>
             <a:endParaRPr lang="tr-TR"/>
           </a:p>
@@ -5381,7 +8092,7 @@
           <a:p>
             <a:fld id="{0B27EE79-B449-44A2-B1EF-6094F2079680}" type="datetimeFigureOut">
               <a:rPr lang="tr-TR" smtClean="0"/>
-              <a:t>26.12.2021</a:t>
+              <a:t>5.01.2022</a:t>
             </a:fld>
             <a:endParaRPr lang="tr-TR"/>
           </a:p>
@@ -5657,7 +8368,7 @@
           <a:p>
             <a:fld id="{0B27EE79-B449-44A2-B1EF-6094F2079680}" type="datetimeFigureOut">
               <a:rPr lang="tr-TR" smtClean="0"/>
-              <a:t>26.12.2021</a:t>
+              <a:t>5.01.2022</a:t>
             </a:fld>
             <a:endParaRPr lang="tr-TR"/>
           </a:p>
@@ -5925,7 +8636,7 @@
           <a:p>
             <a:fld id="{0B27EE79-B449-44A2-B1EF-6094F2079680}" type="datetimeFigureOut">
               <a:rPr lang="tr-TR" smtClean="0"/>
-              <a:t>26.12.2021</a:t>
+              <a:t>5.01.2022</a:t>
             </a:fld>
             <a:endParaRPr lang="tr-TR"/>
           </a:p>
@@ -6340,7 +9051,7 @@
           <a:p>
             <a:fld id="{0B27EE79-B449-44A2-B1EF-6094F2079680}" type="datetimeFigureOut">
               <a:rPr lang="tr-TR" smtClean="0"/>
-              <a:t>26.12.2021</a:t>
+              <a:t>5.01.2022</a:t>
             </a:fld>
             <a:endParaRPr lang="tr-TR"/>
           </a:p>
@@ -6482,7 +9193,7 @@
           <a:p>
             <a:fld id="{0B27EE79-B449-44A2-B1EF-6094F2079680}" type="datetimeFigureOut">
               <a:rPr lang="tr-TR" smtClean="0"/>
-              <a:t>26.12.2021</a:t>
+              <a:t>5.01.2022</a:t>
             </a:fld>
             <a:endParaRPr lang="tr-TR"/>
           </a:p>
@@ -6595,7 +9306,7 @@
           <a:p>
             <a:fld id="{0B27EE79-B449-44A2-B1EF-6094F2079680}" type="datetimeFigureOut">
               <a:rPr lang="tr-TR" smtClean="0"/>
-              <a:t>26.12.2021</a:t>
+              <a:t>5.01.2022</a:t>
             </a:fld>
             <a:endParaRPr lang="tr-TR"/>
           </a:p>
@@ -6908,7 +9619,7 @@
           <a:p>
             <a:fld id="{0B27EE79-B449-44A2-B1EF-6094F2079680}" type="datetimeFigureOut">
               <a:rPr lang="tr-TR" smtClean="0"/>
-              <a:t>26.12.2021</a:t>
+              <a:t>5.01.2022</a:t>
             </a:fld>
             <a:endParaRPr lang="tr-TR"/>
           </a:p>
@@ -7197,7 +9908,7 @@
           <a:p>
             <a:fld id="{0B27EE79-B449-44A2-B1EF-6094F2079680}" type="datetimeFigureOut">
               <a:rPr lang="tr-TR" smtClean="0"/>
-              <a:t>26.12.2021</a:t>
+              <a:t>5.01.2022</a:t>
             </a:fld>
             <a:endParaRPr lang="tr-TR"/>
           </a:p>
@@ -7440,7 +10151,7 @@
           <a:p>
             <a:fld id="{0B27EE79-B449-44A2-B1EF-6094F2079680}" type="datetimeFigureOut">
               <a:rPr lang="tr-TR" smtClean="0"/>
-              <a:t>26.12.2021</a:t>
+              <a:t>5.01.2022</a:t>
             </a:fld>
             <a:endParaRPr lang="tr-TR"/>
           </a:p>
@@ -13898,7 +16609,7 @@
           <a:p>
             <a:r>
               <a:rPr lang="tr-TR" sz="4400" b="1" dirty="0"/>
-              <a:t>DASA Catch up Meeting</a:t>
+              <a:t>DASA Meeting</a:t>
             </a:r>
             <a:br>
               <a:rPr lang="tr-TR" sz="4400" b="1" dirty="0"/>
@@ -13946,7 +16657,7 @@
           <a:p>
             <a:r>
               <a:rPr lang="tr-TR" b="1" dirty="0"/>
-              <a:t>09.12.2021</a:t>
+              <a:t>07.01.2022</a:t>
             </a:r>
           </a:p>
           <a:p>
@@ -13986,61 +16697,6 @@
       </p:grpSpPr>
       <p:sp>
         <p:nvSpPr>
-          <p:cNvPr id="2" name="Title 1">
-            <a:extLst>
-              <a:ext uri="{FF2B5EF4-FFF2-40B4-BE49-F238E27FC236}">
-                <a16:creationId xmlns:a16="http://schemas.microsoft.com/office/drawing/2014/main" id="{0F2CC566-4068-491D-9863-17B51342368A}"/>
-              </a:ext>
-            </a:extLst>
-          </p:cNvPr>
-          <p:cNvSpPr>
-            <a:spLocks noGrp="1"/>
-          </p:cNvSpPr>
-          <p:nvPr>
-            <p:ph type="title"/>
-          </p:nvPr>
-        </p:nvSpPr>
-        <p:spPr>
-          <a:xfrm>
-            <a:off x="346881" y="229613"/>
-            <a:ext cx="4918331" cy="628788"/>
-          </a:xfrm>
-        </p:spPr>
-        <p:txBody>
-          <a:bodyPr>
-            <a:noAutofit/>
-          </a:bodyPr>
-          <a:lstStyle/>
-          <a:p>
-            <a:pPr algn="ctr"/>
-            <a:r>
-              <a:rPr lang="tr-TR" sz="3200" b="1" dirty="0">
-                <a:solidFill>
-                  <a:srgbClr val="FF0000"/>
-                </a:solidFill>
-              </a:rPr>
-              <a:t>Research Model&amp;</a:t>
-            </a:r>
-            <a:br>
-              <a:rPr lang="tr-TR" sz="3200" b="1" dirty="0">
-                <a:solidFill>
-                  <a:srgbClr val="FF0000"/>
-                </a:solidFill>
-              </a:rPr>
-            </a:br>
-            <a:r>
-              <a:rPr lang="tr-TR" sz="3200" b="1" dirty="0">
-                <a:solidFill>
-                  <a:srgbClr val="FF0000"/>
-                </a:solidFill>
-              </a:rPr>
-              <a:t>Conceptual Framework</a:t>
-            </a:r>
-          </a:p>
-        </p:txBody>
-      </p:sp>
-      <p:sp>
-        <p:nvSpPr>
           <p:cNvPr id="4" name="Rectangle: Rounded Corners 3">
             <a:extLst>
               <a:ext uri="{FF2B5EF4-FFF2-40B4-BE49-F238E27FC236}">
@@ -14053,7 +16709,7 @@
         </p:nvSpPr>
         <p:spPr>
           <a:xfrm>
-            <a:off x="9225462" y="2964762"/>
+            <a:off x="9225462" y="3634239"/>
             <a:ext cx="2020293" cy="748084"/>
           </a:xfrm>
           <a:prstGeom prst="roundRect">
@@ -14100,10 +16756,10 @@
         </p:nvSpPr>
         <p:spPr>
           <a:xfrm>
-            <a:off x="8961207" y="3872415"/>
-            <a:ext cx="2887985" cy="369332"/>
+            <a:off x="9007030" y="4690146"/>
+            <a:ext cx="2457157" cy="408623"/>
           </a:xfrm>
-          <a:prstGeom prst="rect">
+          <a:prstGeom prst="roundRect">
             <a:avLst/>
           </a:prstGeom>
           <a:solidFill>
@@ -14144,7 +16800,7 @@
         </p:nvSpPr>
         <p:spPr>
           <a:xfrm>
-            <a:off x="4862335" y="903039"/>
+            <a:off x="4503103" y="2111361"/>
             <a:ext cx="2020293" cy="748084"/>
           </a:xfrm>
           <a:prstGeom prst="roundRect">
@@ -14191,10 +16847,10 @@
         </p:nvSpPr>
         <p:spPr>
           <a:xfrm>
-            <a:off x="5265212" y="384261"/>
-            <a:ext cx="3234831" cy="369332"/>
+            <a:off x="5028358" y="1211953"/>
+            <a:ext cx="3234831" cy="715089"/>
           </a:xfrm>
-          <a:prstGeom prst="rect">
+          <a:prstGeom prst="roundRect">
             <a:avLst/>
           </a:prstGeom>
           <a:solidFill>
@@ -14219,6 +16875,12 @@
               <a:t>Intervening Variables</a:t>
             </a:r>
           </a:p>
+          <a:p>
+            <a:r>
+              <a:rPr lang="tr-TR" dirty="0"/>
+              <a:t>(Non-material Factors)</a:t>
+            </a:r>
+          </a:p>
         </p:txBody>
       </p:sp>
       <p:sp>
@@ -14235,7 +16897,7 @@
         </p:nvSpPr>
         <p:spPr>
           <a:xfrm>
-            <a:off x="7205169" y="898711"/>
+            <a:off x="6796958" y="2107033"/>
             <a:ext cx="2020293" cy="748084"/>
           </a:xfrm>
           <a:prstGeom prst="roundRect">
@@ -14282,7 +16944,7 @@
         </p:nvSpPr>
         <p:spPr>
           <a:xfrm>
-            <a:off x="779673" y="3270178"/>
+            <a:off x="779673" y="3939655"/>
             <a:ext cx="2020293" cy="527413"/>
           </a:xfrm>
           <a:prstGeom prst="roundRect">
@@ -14329,7 +16991,7 @@
         </p:nvSpPr>
         <p:spPr>
           <a:xfrm>
-            <a:off x="779672" y="3939049"/>
+            <a:off x="779672" y="4608526"/>
             <a:ext cx="2020293" cy="527413"/>
           </a:xfrm>
           <a:prstGeom prst="roundRect">
@@ -14376,7 +17038,7 @@
         </p:nvSpPr>
         <p:spPr>
           <a:xfrm>
-            <a:off x="779674" y="1932436"/>
+            <a:off x="779674" y="2601913"/>
             <a:ext cx="2020293" cy="527413"/>
           </a:xfrm>
           <a:prstGeom prst="roundRect">
@@ -14423,7 +17085,7 @@
         </p:nvSpPr>
         <p:spPr>
           <a:xfrm>
-            <a:off x="779674" y="2601307"/>
+            <a:off x="779674" y="3270784"/>
             <a:ext cx="2020293" cy="527413"/>
           </a:xfrm>
           <a:prstGeom prst="roundRect">
@@ -14477,10 +17139,10 @@
         </p:nvSpPr>
         <p:spPr>
           <a:xfrm>
-            <a:off x="346881" y="5375812"/>
-            <a:ext cx="3234831" cy="369332"/>
+            <a:off x="346881" y="5930986"/>
+            <a:ext cx="3234831" cy="715089"/>
           </a:xfrm>
-          <a:prstGeom prst="rect">
+          <a:prstGeom prst="roundRect">
             <a:avLst/>
           </a:prstGeom>
           <a:solidFill>
@@ -14497,6 +17159,13 @@
             <a:r>
               <a:rPr lang="tr-TR" b="1" dirty="0"/>
               <a:t>Independent Variables</a:t>
+            </a:r>
+          </a:p>
+          <a:p>
+            <a:pPr algn="ctr"/>
+            <a:r>
+              <a:rPr lang="tr-TR" b="1" dirty="0"/>
+              <a:t>(Material Factors)</a:t>
             </a:r>
           </a:p>
         </p:txBody>
@@ -14515,7 +17184,7 @@
         </p:nvSpPr>
         <p:spPr>
           <a:xfrm>
-            <a:off x="779671" y="4607920"/>
+            <a:off x="779671" y="5277397"/>
             <a:ext cx="2020293" cy="527413"/>
           </a:xfrm>
           <a:prstGeom prst="roundRect">
@@ -14549,7 +17218,20 @@
                   </a:schemeClr>
                 </a:solidFill>
               </a:rPr>
-              <a:t>To be defined</a:t>
+              <a:t>Other Factors</a:t>
+            </a:r>
+          </a:p>
+          <a:p>
+            <a:pPr algn="ctr"/>
+            <a:r>
+              <a:rPr lang="tr-TR" b="1" dirty="0">
+                <a:solidFill>
+                  <a:schemeClr val="bg2">
+                    <a:lumMod val="50000"/>
+                  </a:schemeClr>
+                </a:solidFill>
+              </a:rPr>
+              <a:t>(To be defined)</a:t>
             </a:r>
           </a:p>
         </p:txBody>
@@ -14570,12 +17252,12 @@
         </p:nvCxnSpPr>
         <p:spPr>
           <a:xfrm>
-            <a:off x="2799967" y="2215193"/>
+            <a:off x="2816296" y="2884670"/>
             <a:ext cx="6425495" cy="1142661"/>
           </a:xfrm>
           <a:prstGeom prst="bentConnector3">
             <a:avLst>
-              <a:gd name="adj1" fmla="val 29858"/>
+              <a:gd name="adj1" fmla="val 13842"/>
             </a:avLst>
           </a:prstGeom>
           <a:ln>
@@ -14613,12 +17295,12 @@
         </p:nvCxnSpPr>
         <p:spPr>
           <a:xfrm>
-            <a:off x="2799967" y="2887239"/>
+            <a:off x="2799967" y="3556716"/>
             <a:ext cx="6425495" cy="473790"/>
           </a:xfrm>
           <a:prstGeom prst="bentConnector3">
             <a:avLst>
-              <a:gd name="adj1" fmla="val 29858"/>
+              <a:gd name="adj1" fmla="val 14102"/>
             </a:avLst>
           </a:prstGeom>
           <a:ln>
@@ -14656,12 +17338,12 @@
         </p:nvCxnSpPr>
         <p:spPr>
           <a:xfrm flipV="1">
-            <a:off x="2799966" y="3357854"/>
+            <a:off x="2799966" y="4027331"/>
             <a:ext cx="6425496" cy="195081"/>
           </a:xfrm>
           <a:prstGeom prst="bentConnector3">
             <a:avLst>
-              <a:gd name="adj1" fmla="val 29858"/>
+              <a:gd name="adj1" fmla="val 14102"/>
             </a:avLst>
           </a:prstGeom>
           <a:ln>
@@ -14699,12 +17381,12 @@
         </p:nvCxnSpPr>
         <p:spPr>
           <a:xfrm flipV="1">
-            <a:off x="2799965" y="3361029"/>
+            <a:off x="2799965" y="4030506"/>
             <a:ext cx="6425497" cy="863952"/>
           </a:xfrm>
           <a:prstGeom prst="bentConnector3">
             <a:avLst>
-              <a:gd name="adj1" fmla="val 29858"/>
+              <a:gd name="adj1" fmla="val 14102"/>
             </a:avLst>
           </a:prstGeom>
           <a:ln>
@@ -14742,12 +17424,12 @@
         </p:nvCxnSpPr>
         <p:spPr>
           <a:xfrm flipV="1">
-            <a:off x="2799964" y="3357854"/>
+            <a:off x="2799964" y="4027331"/>
             <a:ext cx="6425498" cy="1532823"/>
           </a:xfrm>
           <a:prstGeom prst="bentConnector3">
             <a:avLst>
-              <a:gd name="adj1" fmla="val 29858"/>
+              <a:gd name="adj1" fmla="val 14102"/>
             </a:avLst>
           </a:prstGeom>
           <a:ln>
@@ -14780,178 +17462,18 @@
           </p:cNvPr>
           <p:cNvCxnSpPr>
             <a:cxnSpLocks/>
+            <a:stCxn id="6" idx="2"/>
           </p:cNvCxnSpPr>
           <p:nvPr/>
         </p:nvCxnSpPr>
         <p:spPr>
           <a:xfrm rot="16200000" flipH="1">
-            <a:off x="6705132" y="839255"/>
-            <a:ext cx="1687681" cy="3352980"/>
+            <a:off x="6604932" y="1767762"/>
+            <a:ext cx="1169616" cy="3352981"/>
           </a:xfrm>
           <a:prstGeom prst="bentConnector2">
             <a:avLst/>
           </a:prstGeom>
-        </p:spPr>
-        <p:style>
-          <a:lnRef idx="1">
-            <a:schemeClr val="accent1"/>
-          </a:lnRef>
-          <a:fillRef idx="0">
-            <a:schemeClr val="accent1"/>
-          </a:fillRef>
-          <a:effectRef idx="0">
-            <a:schemeClr val="accent1"/>
-          </a:effectRef>
-          <a:fontRef idx="minor">
-            <a:schemeClr val="tx1"/>
-          </a:fontRef>
-        </p:style>
-      </p:cxnSp>
-      <p:cxnSp>
-        <p:nvCxnSpPr>
-          <p:cNvPr id="37" name="Connector: Elbow 36">
-            <a:extLst>
-              <a:ext uri="{FF2B5EF4-FFF2-40B4-BE49-F238E27FC236}">
-                <a16:creationId xmlns:a16="http://schemas.microsoft.com/office/drawing/2014/main" id="{FA54DB65-1CC6-4F6C-ACFA-2BD3CAFE5486}"/>
-              </a:ext>
-            </a:extLst>
-          </p:cNvPr>
-          <p:cNvCxnSpPr>
-            <a:cxnSpLocks/>
-          </p:cNvCxnSpPr>
-          <p:nvPr/>
-        </p:nvCxnSpPr>
-        <p:spPr>
-          <a:xfrm rot="16200000" flipH="1">
-            <a:off x="7874385" y="2008508"/>
-            <a:ext cx="1692009" cy="1010146"/>
-          </a:xfrm>
-          <a:prstGeom prst="bentConnector2">
-            <a:avLst/>
-          </a:prstGeom>
-        </p:spPr>
-        <p:style>
-          <a:lnRef idx="1">
-            <a:schemeClr val="accent1"/>
-          </a:lnRef>
-          <a:fillRef idx="0">
-            <a:schemeClr val="accent1"/>
-          </a:fillRef>
-          <a:effectRef idx="0">
-            <a:schemeClr val="accent1"/>
-          </a:effectRef>
-          <a:fontRef idx="minor">
-            <a:schemeClr val="tx1"/>
-          </a:fontRef>
-        </p:style>
-      </p:cxnSp>
-      <p:sp>
-        <p:nvSpPr>
-          <p:cNvPr id="38" name="TextBox 37">
-            <a:extLst>
-              <a:ext uri="{FF2B5EF4-FFF2-40B4-BE49-F238E27FC236}">
-                <a16:creationId xmlns:a16="http://schemas.microsoft.com/office/drawing/2014/main" id="{06B9C4BE-4F3F-4C63-A256-FA14BD9005CB}"/>
-              </a:ext>
-            </a:extLst>
-          </p:cNvPr>
-          <p:cNvSpPr txBox="1"/>
-          <p:nvPr/>
-        </p:nvSpPr>
-        <p:spPr>
-          <a:xfrm>
-            <a:off x="4862336" y="5322387"/>
-            <a:ext cx="3637708" cy="1477328"/>
-          </a:xfrm>
-          <a:prstGeom prst="rect">
-            <a:avLst/>
-          </a:prstGeom>
-          <a:noFill/>
-          <a:ln>
-            <a:solidFill>
-              <a:schemeClr val="bg1">
-                <a:lumMod val="85000"/>
-              </a:schemeClr>
-            </a:solidFill>
-            <a:prstDash val="sysDash"/>
-          </a:ln>
-        </p:spPr>
-        <p:txBody>
-          <a:bodyPr wrap="square" rtlCol="0">
-            <a:spAutoFit/>
-          </a:bodyPr>
-          <a:lstStyle/>
-          <a:p>
-            <a:r>
-              <a:rPr lang="tr-TR" b="1" dirty="0"/>
-              <a:t>Steps to define dependent variables</a:t>
-            </a:r>
-          </a:p>
-          <a:p>
-            <a:pPr marL="285750" indent="-285750">
-              <a:buFont typeface="Arial" panose="020B0604020202020204" pitchFamily="34" charset="0"/>
-              <a:buChar char="•"/>
-            </a:pPr>
-            <a:r>
-              <a:rPr lang="tr-TR" dirty="0"/>
-              <a:t>Comprehensive </a:t>
-            </a:r>
-            <a:r>
-              <a:rPr lang="tr-TR" b="1" dirty="0">
-                <a:solidFill>
-                  <a:srgbClr val="FF0000"/>
-                </a:solidFill>
-              </a:rPr>
-              <a:t>Case study </a:t>
-            </a:r>
-            <a:r>
-              <a:rPr lang="tr-TR" dirty="0"/>
-              <a:t>on selected 2 battles</a:t>
-            </a:r>
-          </a:p>
-          <a:p>
-            <a:pPr marL="285750" indent="-285750">
-              <a:buFont typeface="Arial" panose="020B0604020202020204" pitchFamily="34" charset="0"/>
-              <a:buChar char="•"/>
-            </a:pPr>
-            <a:r>
-              <a:rPr lang="tr-TR" dirty="0"/>
-              <a:t>Principal Component Analysis to select important features</a:t>
-            </a:r>
-          </a:p>
-        </p:txBody>
-      </p:sp>
-      <p:cxnSp>
-        <p:nvCxnSpPr>
-          <p:cNvPr id="42" name="Connector: Elbow 41">
-            <a:extLst>
-              <a:ext uri="{FF2B5EF4-FFF2-40B4-BE49-F238E27FC236}">
-                <a16:creationId xmlns:a16="http://schemas.microsoft.com/office/drawing/2014/main" id="{9941309F-6417-440B-984A-5F8D2B147077}"/>
-              </a:ext>
-            </a:extLst>
-          </p:cNvPr>
-          <p:cNvCxnSpPr>
-            <a:cxnSpLocks/>
-            <a:stCxn id="13" idx="3"/>
-            <a:endCxn id="38" idx="1"/>
-          </p:cNvCxnSpPr>
-          <p:nvPr/>
-        </p:nvCxnSpPr>
-        <p:spPr>
-          <a:xfrm>
-            <a:off x="3581712" y="5560478"/>
-            <a:ext cx="1280624" cy="500573"/>
-          </a:xfrm>
-          <a:prstGeom prst="bentConnector3">
-            <a:avLst/>
-          </a:prstGeom>
-          <a:ln>
-            <a:solidFill>
-              <a:schemeClr val="bg1">
-                <a:lumMod val="75000"/>
-              </a:schemeClr>
-            </a:solidFill>
-            <a:prstDash val="sysDash"/>
-          </a:ln>
         </p:spPr>
         <p:style>
           <a:lnRef idx="1">
@@ -14982,19 +17504,15 @@
         </p:nvSpPr>
         <p:spPr>
           <a:xfrm>
-            <a:off x="8840358" y="4572879"/>
-            <a:ext cx="3120993" cy="1200329"/>
+            <a:off x="9225395" y="1235646"/>
+            <a:ext cx="2611481" cy="646331"/>
           </a:xfrm>
           <a:prstGeom prst="rect">
             <a:avLst/>
           </a:prstGeom>
           <a:noFill/>
           <a:ln>
-            <a:solidFill>
-              <a:schemeClr val="bg1">
-                <a:lumMod val="85000"/>
-              </a:schemeClr>
-            </a:solidFill>
+            <a:noFill/>
             <a:prstDash val="sysDash"/>
           </a:ln>
         </p:spPr>
@@ -15006,66 +17524,20 @@
           <a:p>
             <a:pPr algn="ctr"/>
             <a:r>
+              <a:rPr lang="tr-TR" b="1" dirty="0">
+                <a:highlight>
+                  <a:srgbClr val="FFFF00"/>
+                </a:highlight>
+              </a:rPr>
+              <a:t>Text Analysis </a:t>
+            </a:r>
+            <a:r>
               <a:rPr lang="tr-TR" b="1" dirty="0"/>
-              <a:t>Evaluation</a:t>
-            </a:r>
-          </a:p>
-          <a:p>
-            <a:pPr algn="ctr"/>
-            <a:r>
-              <a:rPr lang="tr-TR" dirty="0"/>
-              <a:t>Multiple Regression analysis to explain difference in variance by each factor </a:t>
+              <a:t>to explain relationship</a:t>
             </a:r>
           </a:p>
         </p:txBody>
       </p:sp>
-      <p:cxnSp>
-        <p:nvCxnSpPr>
-          <p:cNvPr id="47" name="Straight Connector 46">
-            <a:extLst>
-              <a:ext uri="{FF2B5EF4-FFF2-40B4-BE49-F238E27FC236}">
-                <a16:creationId xmlns:a16="http://schemas.microsoft.com/office/drawing/2014/main" id="{4D18BC85-383A-41C2-ADA0-9D25542EB2A3}"/>
-              </a:ext>
-            </a:extLst>
-          </p:cNvPr>
-          <p:cNvCxnSpPr>
-            <a:stCxn id="5" idx="2"/>
-            <a:endCxn id="43" idx="0"/>
-          </p:cNvCxnSpPr>
-          <p:nvPr/>
-        </p:nvCxnSpPr>
-        <p:spPr>
-          <a:xfrm flipH="1">
-            <a:off x="10400855" y="4241747"/>
-            <a:ext cx="4345" cy="331132"/>
-          </a:xfrm>
-          <a:prstGeom prst="line">
-            <a:avLst/>
-          </a:prstGeom>
-          <a:ln>
-            <a:solidFill>
-              <a:schemeClr val="bg1">
-                <a:lumMod val="65000"/>
-              </a:schemeClr>
-            </a:solidFill>
-            <a:prstDash val="sysDash"/>
-          </a:ln>
-        </p:spPr>
-        <p:style>
-          <a:lnRef idx="1">
-            <a:schemeClr val="accent1"/>
-          </a:lnRef>
-          <a:fillRef idx="0">
-            <a:schemeClr val="accent1"/>
-          </a:fillRef>
-          <a:effectRef idx="0">
-            <a:schemeClr val="accent1"/>
-          </a:effectRef>
-          <a:fontRef idx="minor">
-            <a:schemeClr val="tx1"/>
-          </a:fontRef>
-        </p:style>
-      </p:cxnSp>
       <p:sp>
         <p:nvSpPr>
           <p:cNvPr id="25" name="Rectangle: Rounded Corners 24">
@@ -15080,7 +17552,7 @@
         </p:nvSpPr>
         <p:spPr>
           <a:xfrm>
-            <a:off x="779670" y="1232443"/>
+            <a:off x="779670" y="1901920"/>
             <a:ext cx="2020293" cy="527413"/>
           </a:xfrm>
           <a:prstGeom prst="roundRect">
@@ -15129,12 +17601,12 @@
         </p:nvCxnSpPr>
         <p:spPr>
           <a:xfrm>
-            <a:off x="2799963" y="1499543"/>
+            <a:off x="2816292" y="2169020"/>
             <a:ext cx="6161244" cy="1863509"/>
           </a:xfrm>
           <a:prstGeom prst="bentConnector3">
             <a:avLst>
-              <a:gd name="adj1" fmla="val 31253"/>
+              <a:gd name="adj1" fmla="val 14557"/>
             </a:avLst>
           </a:prstGeom>
         </p:spPr>
@@ -15153,10 +17625,256 @@
           </a:fontRef>
         </p:style>
       </p:cxnSp>
+      <p:sp>
+        <p:nvSpPr>
+          <p:cNvPr id="28" name="TextBox 27">
+            <a:extLst>
+              <a:ext uri="{FF2B5EF4-FFF2-40B4-BE49-F238E27FC236}">
+                <a16:creationId xmlns:a16="http://schemas.microsoft.com/office/drawing/2014/main" id="{D7B7D5C0-E3E2-4B4C-9CEB-935A71364EE7}"/>
+              </a:ext>
+            </a:extLst>
+          </p:cNvPr>
+          <p:cNvSpPr txBox="1"/>
+          <p:nvPr/>
+        </p:nvSpPr>
+        <p:spPr>
+          <a:xfrm>
+            <a:off x="4295538" y="5834380"/>
+            <a:ext cx="3434349" cy="923330"/>
+          </a:xfrm>
+          <a:prstGeom prst="rect">
+            <a:avLst/>
+          </a:prstGeom>
+          <a:noFill/>
+          <a:ln>
+            <a:noFill/>
+            <a:prstDash val="sysDash"/>
+          </a:ln>
+        </p:spPr>
+        <p:txBody>
+          <a:bodyPr wrap="square" rtlCol="0">
+            <a:spAutoFit/>
+          </a:bodyPr>
+          <a:lstStyle/>
+          <a:p>
+            <a:pPr algn="ctr"/>
+            <a:r>
+              <a:rPr lang="tr-TR" b="1" dirty="0">
+                <a:highlight>
+                  <a:srgbClr val="FFFF00"/>
+                </a:highlight>
+              </a:rPr>
+              <a:t>Multiple Regression analysis </a:t>
+            </a:r>
+            <a:r>
+              <a:rPr lang="tr-TR" b="1" dirty="0"/>
+              <a:t>to explain difference in variance by each factor.</a:t>
+            </a:r>
+          </a:p>
+        </p:txBody>
+      </p:sp>
+      <p:sp>
+        <p:nvSpPr>
+          <p:cNvPr id="17" name="Arrow: Striped Right 16">
+            <a:extLst>
+              <a:ext uri="{FF2B5EF4-FFF2-40B4-BE49-F238E27FC236}">
+                <a16:creationId xmlns:a16="http://schemas.microsoft.com/office/drawing/2014/main" id="{DF7FAFDF-308F-4678-8D48-9EB0F6CB4369}"/>
+              </a:ext>
+            </a:extLst>
+          </p:cNvPr>
+          <p:cNvSpPr/>
+          <p:nvPr/>
+        </p:nvSpPr>
+        <p:spPr>
+          <a:xfrm>
+            <a:off x="3634865" y="6061480"/>
+            <a:ext cx="646333" cy="514959"/>
+          </a:xfrm>
+          <a:prstGeom prst="stripedRightArrow">
+            <a:avLst/>
+          </a:prstGeom>
+          <a:solidFill>
+            <a:srgbClr val="44E43C"/>
+          </a:solidFill>
+        </p:spPr>
+        <p:style>
+          <a:lnRef idx="2">
+            <a:schemeClr val="accent1">
+              <a:shade val="50000"/>
+            </a:schemeClr>
+          </a:lnRef>
+          <a:fillRef idx="1">
+            <a:schemeClr val="accent1"/>
+          </a:fillRef>
+          <a:effectRef idx="0">
+            <a:schemeClr val="accent1"/>
+          </a:effectRef>
+          <a:fontRef idx="minor">
+            <a:schemeClr val="lt1"/>
+          </a:fontRef>
+        </p:style>
+        <p:txBody>
+          <a:bodyPr rtlCol="0" anchor="ctr"/>
+          <a:lstStyle/>
+          <a:p>
+            <a:pPr algn="ctr"/>
+            <a:endParaRPr lang="tr-TR" b="1"/>
+          </a:p>
+        </p:txBody>
+      </p:sp>
+      <p:sp>
+        <p:nvSpPr>
+          <p:cNvPr id="33" name="Rectangle: Rounded Corners 32">
+            <a:extLst>
+              <a:ext uri="{FF2B5EF4-FFF2-40B4-BE49-F238E27FC236}">
+                <a16:creationId xmlns:a16="http://schemas.microsoft.com/office/drawing/2014/main" id="{AB7FB7AD-3F5F-4E85-935B-5EB0A87C70B3}"/>
+              </a:ext>
+            </a:extLst>
+          </p:cNvPr>
+          <p:cNvSpPr/>
+          <p:nvPr/>
+        </p:nvSpPr>
+        <p:spPr>
+          <a:xfrm>
+            <a:off x="212273" y="105520"/>
+            <a:ext cx="11805557" cy="625545"/>
+          </a:xfrm>
+          <a:prstGeom prst="roundRect">
+            <a:avLst/>
+          </a:prstGeom>
+          <a:solidFill>
+            <a:schemeClr val="accent1">
+              <a:alpha val="8000"/>
+            </a:schemeClr>
+          </a:solidFill>
+        </p:spPr>
+        <p:style>
+          <a:lnRef idx="2">
+            <a:schemeClr val="accent1">
+              <a:shade val="50000"/>
+            </a:schemeClr>
+          </a:lnRef>
+          <a:fillRef idx="1">
+            <a:schemeClr val="accent1"/>
+          </a:fillRef>
+          <a:effectRef idx="0">
+            <a:schemeClr val="accent1"/>
+          </a:effectRef>
+          <a:fontRef idx="minor">
+            <a:schemeClr val="lt1"/>
+          </a:fontRef>
+        </p:style>
+        <p:txBody>
+          <a:bodyPr rtlCol="0" anchor="ctr"/>
+          <a:lstStyle/>
+          <a:p>
+            <a:pPr algn="ctr"/>
+            <a:r>
+              <a:rPr lang="tr-TR" sz="3000" b="1" dirty="0">
+                <a:solidFill>
+                  <a:schemeClr val="tx1"/>
+                </a:solidFill>
+              </a:rPr>
+              <a:t>Research Model&amp; Conceptual Framework</a:t>
+            </a:r>
+            <a:endParaRPr lang="tr-TR" sz="3000" dirty="0"/>
+          </a:p>
+        </p:txBody>
+      </p:sp>
+      <p:cxnSp>
+        <p:nvCxnSpPr>
+          <p:cNvPr id="51" name="Connector: Elbow 50">
+            <a:extLst>
+              <a:ext uri="{FF2B5EF4-FFF2-40B4-BE49-F238E27FC236}">
+                <a16:creationId xmlns:a16="http://schemas.microsoft.com/office/drawing/2014/main" id="{5FA1BAD0-6CFD-419F-8013-18B82AADE9E9}"/>
+              </a:ext>
+            </a:extLst>
+          </p:cNvPr>
+          <p:cNvCxnSpPr>
+            <a:cxnSpLocks/>
+          </p:cNvCxnSpPr>
+          <p:nvPr/>
+        </p:nvCxnSpPr>
+        <p:spPr>
+          <a:xfrm rot="16200000" flipH="1">
+            <a:off x="7939701" y="2738849"/>
+            <a:ext cx="1153164" cy="1418357"/>
+          </a:xfrm>
+          <a:prstGeom prst="bentConnector2">
+            <a:avLst/>
+          </a:prstGeom>
+          <a:ln>
+            <a:tailEnd type="triangle"/>
+          </a:ln>
+        </p:spPr>
+        <p:style>
+          <a:lnRef idx="1">
+            <a:schemeClr val="accent1"/>
+          </a:lnRef>
+          <a:fillRef idx="0">
+            <a:schemeClr val="accent1"/>
+          </a:fillRef>
+          <a:effectRef idx="0">
+            <a:schemeClr val="accent1"/>
+          </a:effectRef>
+          <a:fontRef idx="minor">
+            <a:schemeClr val="tx1"/>
+          </a:fontRef>
+        </p:style>
+      </p:cxnSp>
+      <p:sp>
+        <p:nvSpPr>
+          <p:cNvPr id="52" name="Arrow: Striped Right 51">
+            <a:extLst>
+              <a:ext uri="{FF2B5EF4-FFF2-40B4-BE49-F238E27FC236}">
+                <a16:creationId xmlns:a16="http://schemas.microsoft.com/office/drawing/2014/main" id="{DADA4083-1AF1-44C7-909C-623381368E0D}"/>
+              </a:ext>
+            </a:extLst>
+          </p:cNvPr>
+          <p:cNvSpPr/>
+          <p:nvPr/>
+        </p:nvSpPr>
+        <p:spPr>
+          <a:xfrm>
+            <a:off x="8477682" y="1244569"/>
+            <a:ext cx="646333" cy="514959"/>
+          </a:xfrm>
+          <a:prstGeom prst="stripedRightArrow">
+            <a:avLst/>
+          </a:prstGeom>
+          <a:solidFill>
+            <a:srgbClr val="44E43C"/>
+          </a:solidFill>
+        </p:spPr>
+        <p:style>
+          <a:lnRef idx="2">
+            <a:schemeClr val="accent1">
+              <a:shade val="50000"/>
+            </a:schemeClr>
+          </a:lnRef>
+          <a:fillRef idx="1">
+            <a:schemeClr val="accent1"/>
+          </a:fillRef>
+          <a:effectRef idx="0">
+            <a:schemeClr val="accent1"/>
+          </a:effectRef>
+          <a:fontRef idx="minor">
+            <a:schemeClr val="lt1"/>
+          </a:fontRef>
+        </p:style>
+        <p:txBody>
+          <a:bodyPr rtlCol="0" anchor="ctr"/>
+          <a:lstStyle/>
+          <a:p>
+            <a:pPr algn="ctr"/>
+            <a:endParaRPr lang="tr-TR" b="1"/>
+          </a:p>
+        </p:txBody>
+      </p:sp>
     </p:spTree>
     <p:extLst>
       <p:ext uri="{BB962C8B-B14F-4D97-AF65-F5344CB8AC3E}">
-        <p14:creationId xmlns:p14="http://schemas.microsoft.com/office/powerpoint/2010/main" val="4148784240"/>
+        <p14:creationId xmlns:p14="http://schemas.microsoft.com/office/powerpoint/2010/main" val="1347460389"/>
       </p:ext>
     </p:extLst>
   </p:cSld>
@@ -17554,2007 +20272,6 @@
           <a:chExt cx="0" cy="0"/>
         </a:xfrm>
       </p:grpSpPr>
-      <p:grpSp>
-        <p:nvGrpSpPr>
-          <p:cNvPr id="4" name="Group 3">
-            <a:extLst>
-              <a:ext uri="{FF2B5EF4-FFF2-40B4-BE49-F238E27FC236}">
-                <a16:creationId xmlns:a16="http://schemas.microsoft.com/office/drawing/2014/main" id="{2C65993E-0EE6-4524-BF29-6374FA68A75F}"/>
-              </a:ext>
-            </a:extLst>
-          </p:cNvPr>
-          <p:cNvGrpSpPr/>
-          <p:nvPr/>
-        </p:nvGrpSpPr>
-        <p:grpSpPr>
-          <a:xfrm>
-            <a:off x="841481" y="2160805"/>
-            <a:ext cx="979865" cy="1306635"/>
-            <a:chOff x="4736649" y="5139505"/>
-            <a:chExt cx="979865" cy="1306635"/>
-          </a:xfrm>
-        </p:grpSpPr>
-        <p:sp>
-          <p:nvSpPr>
-            <p:cNvPr id="5" name="TextBox 4">
-              <a:extLst>
-                <a:ext uri="{FF2B5EF4-FFF2-40B4-BE49-F238E27FC236}">
-                  <a16:creationId xmlns:a16="http://schemas.microsoft.com/office/drawing/2014/main" id="{D9C888EF-FFDB-4139-B421-D46FB6D33C70}"/>
-                </a:ext>
-              </a:extLst>
-            </p:cNvPr>
-            <p:cNvSpPr txBox="1"/>
-            <p:nvPr/>
-          </p:nvSpPr>
-          <p:spPr>
-            <a:xfrm>
-              <a:off x="4768966" y="5941276"/>
-              <a:ext cx="947548" cy="504864"/>
-            </a:xfrm>
-            <a:prstGeom prst="rect">
-              <a:avLst/>
-            </a:prstGeom>
-            <a:noFill/>
-          </p:spPr>
-          <p:txBody>
-            <a:bodyPr wrap="none" rtlCol="0">
-              <a:normAutofit lnSpcReduction="10000"/>
-            </a:bodyPr>
-            <a:lstStyle/>
-            <a:p>
-              <a:r>
-                <a:rPr lang="tr-TR" sz="1400" b="1" dirty="0"/>
-                <a:t>Official </a:t>
-              </a:r>
-            </a:p>
-            <a:p>
-              <a:r>
-                <a:rPr lang="tr-TR" sz="1400" b="1" dirty="0"/>
-                <a:t>Reports</a:t>
-              </a:r>
-            </a:p>
-          </p:txBody>
-        </p:sp>
-        <p:pic>
-          <p:nvPicPr>
-            <p:cNvPr id="6" name="Picture 4" descr="document-management-big - Ville de Gerzat">
-              <a:extLst>
-                <a:ext uri="{FF2B5EF4-FFF2-40B4-BE49-F238E27FC236}">
-                  <a16:creationId xmlns:a16="http://schemas.microsoft.com/office/drawing/2014/main" id="{B4754640-01D2-4EE6-988B-F061BEED2D15}"/>
-                </a:ext>
-              </a:extLst>
-            </p:cNvPr>
-            <p:cNvPicPr>
-              <a:picLocks noChangeAspect="1" noChangeArrowheads="1"/>
-            </p:cNvPicPr>
-            <p:nvPr/>
-          </p:nvPicPr>
-          <p:blipFill>
-            <a:blip r:embed="rId3">
-              <a:extLst>
-                <a:ext uri="{28A0092B-C50C-407E-A947-70E740481C1C}">
-                  <a14:useLocalDpi xmlns:a14="http://schemas.microsoft.com/office/drawing/2010/main" val="0"/>
-                </a:ext>
-              </a:extLst>
-            </a:blip>
-            <a:srcRect/>
-            <a:stretch>
-              <a:fillRect/>
-            </a:stretch>
-          </p:blipFill>
-          <p:spPr bwMode="auto">
-            <a:xfrm>
-              <a:off x="4736649" y="5139505"/>
-              <a:ext cx="763927" cy="795179"/>
-            </a:xfrm>
-            <a:prstGeom prst="rect">
-              <a:avLst/>
-            </a:prstGeom>
-            <a:noFill/>
-            <a:extLst>
-              <a:ext uri="{909E8E84-426E-40DD-AFC4-6F175D3DCCD1}">
-                <a14:hiddenFill xmlns:a14="http://schemas.microsoft.com/office/drawing/2010/main">
-                  <a:solidFill>
-                    <a:srgbClr val="FFFFFF"/>
-                  </a:solidFill>
-                </a14:hiddenFill>
-              </a:ext>
-            </a:extLst>
-          </p:spPr>
-        </p:pic>
-      </p:grpSp>
-      <p:grpSp>
-        <p:nvGrpSpPr>
-          <p:cNvPr id="7" name="Group 6">
-            <a:extLst>
-              <a:ext uri="{FF2B5EF4-FFF2-40B4-BE49-F238E27FC236}">
-                <a16:creationId xmlns:a16="http://schemas.microsoft.com/office/drawing/2014/main" id="{A6A5051E-A52C-48CC-8FAA-37E0D625DBD5}"/>
-              </a:ext>
-            </a:extLst>
-          </p:cNvPr>
-          <p:cNvGrpSpPr/>
-          <p:nvPr/>
-        </p:nvGrpSpPr>
-        <p:grpSpPr>
-          <a:xfrm>
-            <a:off x="1718306" y="2132086"/>
-            <a:ext cx="969118" cy="1508861"/>
-            <a:chOff x="5613474" y="5110786"/>
-            <a:chExt cx="969118" cy="1508861"/>
-          </a:xfrm>
-        </p:grpSpPr>
-        <p:sp>
-          <p:nvSpPr>
-            <p:cNvPr id="8" name="TextBox 7">
-              <a:extLst>
-                <a:ext uri="{FF2B5EF4-FFF2-40B4-BE49-F238E27FC236}">
-                  <a16:creationId xmlns:a16="http://schemas.microsoft.com/office/drawing/2014/main" id="{996FD1C1-8037-4F9B-A42D-A7B980970A65}"/>
-                </a:ext>
-              </a:extLst>
-            </p:cNvPr>
-            <p:cNvSpPr txBox="1"/>
-            <p:nvPr/>
-          </p:nvSpPr>
-          <p:spPr>
-            <a:xfrm>
-              <a:off x="5626305" y="5880983"/>
-              <a:ext cx="956287" cy="738664"/>
-            </a:xfrm>
-            <a:prstGeom prst="rect">
-              <a:avLst/>
-            </a:prstGeom>
-            <a:noFill/>
-          </p:spPr>
-          <p:txBody>
-            <a:bodyPr wrap="none" rtlCol="0">
-              <a:spAutoFit/>
-            </a:bodyPr>
-            <a:lstStyle/>
-            <a:p>
-              <a:r>
-                <a:rPr lang="tr-TR" sz="1400" b="1" dirty="0"/>
-                <a:t>Reports of</a:t>
-              </a:r>
-            </a:p>
-            <a:p>
-              <a:r>
-                <a:rPr lang="tr-TR" sz="1400" b="1" dirty="0"/>
-                <a:t>Lessons</a:t>
-              </a:r>
-            </a:p>
-            <a:p>
-              <a:r>
-                <a:rPr lang="tr-TR" sz="1400" b="1" dirty="0"/>
-                <a:t>Learned</a:t>
-              </a:r>
-            </a:p>
-          </p:txBody>
-        </p:sp>
-        <p:pic>
-          <p:nvPicPr>
-            <p:cNvPr id="9" name="Picture 4" descr="document-management-big - Ville de Gerzat">
-              <a:extLst>
-                <a:ext uri="{FF2B5EF4-FFF2-40B4-BE49-F238E27FC236}">
-                  <a16:creationId xmlns:a16="http://schemas.microsoft.com/office/drawing/2014/main" id="{ECE3F430-8405-4932-82F4-6EC0962E3707}"/>
-                </a:ext>
-              </a:extLst>
-            </p:cNvPr>
-            <p:cNvPicPr>
-              <a:picLocks noChangeAspect="1" noChangeArrowheads="1"/>
-            </p:cNvPicPr>
-            <p:nvPr/>
-          </p:nvPicPr>
-          <p:blipFill>
-            <a:blip r:embed="rId3">
-              <a:extLst>
-                <a:ext uri="{28A0092B-C50C-407E-A947-70E740481C1C}">
-                  <a14:useLocalDpi xmlns:a14="http://schemas.microsoft.com/office/drawing/2010/main" val="0"/>
-                </a:ext>
-              </a:extLst>
-            </a:blip>
-            <a:srcRect/>
-            <a:stretch>
-              <a:fillRect/>
-            </a:stretch>
-          </p:blipFill>
-          <p:spPr bwMode="auto">
-            <a:xfrm>
-              <a:off x="5613474" y="5110786"/>
-              <a:ext cx="763927" cy="795179"/>
-            </a:xfrm>
-            <a:prstGeom prst="rect">
-              <a:avLst/>
-            </a:prstGeom>
-            <a:noFill/>
-            <a:extLst>
-              <a:ext uri="{909E8E84-426E-40DD-AFC4-6F175D3DCCD1}">
-                <a14:hiddenFill xmlns:a14="http://schemas.microsoft.com/office/drawing/2010/main">
-                  <a:solidFill>
-                    <a:srgbClr val="FFFFFF"/>
-                  </a:solidFill>
-                </a14:hiddenFill>
-              </a:ext>
-            </a:extLst>
-          </p:spPr>
-        </p:pic>
-      </p:grpSp>
-      <p:grpSp>
-        <p:nvGrpSpPr>
-          <p:cNvPr id="10" name="Group 9">
-            <a:extLst>
-              <a:ext uri="{FF2B5EF4-FFF2-40B4-BE49-F238E27FC236}">
-                <a16:creationId xmlns:a16="http://schemas.microsoft.com/office/drawing/2014/main" id="{FDF52914-50A2-4326-B442-B384B7140FEC}"/>
-              </a:ext>
-            </a:extLst>
-          </p:cNvPr>
-          <p:cNvGrpSpPr/>
-          <p:nvPr/>
-        </p:nvGrpSpPr>
-        <p:grpSpPr>
-          <a:xfrm>
-            <a:off x="857709" y="4027788"/>
-            <a:ext cx="852541" cy="1054203"/>
-            <a:chOff x="6397125" y="5139505"/>
-            <a:chExt cx="852541" cy="1054203"/>
-          </a:xfrm>
-        </p:grpSpPr>
-        <p:sp>
-          <p:nvSpPr>
-            <p:cNvPr id="11" name="TextBox 10">
-              <a:extLst>
-                <a:ext uri="{FF2B5EF4-FFF2-40B4-BE49-F238E27FC236}">
-                  <a16:creationId xmlns:a16="http://schemas.microsoft.com/office/drawing/2014/main" id="{C92D378D-8564-4093-B680-76DA10CF59C7}"/>
-                </a:ext>
-              </a:extLst>
-            </p:cNvPr>
-            <p:cNvSpPr txBox="1"/>
-            <p:nvPr/>
-          </p:nvSpPr>
-          <p:spPr>
-            <a:xfrm>
-              <a:off x="6397125" y="5885931"/>
-              <a:ext cx="852541" cy="307777"/>
-            </a:xfrm>
-            <a:prstGeom prst="rect">
-              <a:avLst/>
-            </a:prstGeom>
-            <a:noFill/>
-          </p:spPr>
-          <p:txBody>
-            <a:bodyPr wrap="none" rtlCol="0">
-              <a:spAutoFit/>
-            </a:bodyPr>
-            <a:lstStyle/>
-            <a:p>
-              <a:r>
-                <a:rPr lang="tr-TR" sz="1400" b="1" dirty="0"/>
-                <a:t>Memoirs</a:t>
-              </a:r>
-            </a:p>
-          </p:txBody>
-        </p:sp>
-        <p:pic>
-          <p:nvPicPr>
-            <p:cNvPr id="12" name="Picture 4" descr="document-management-big - Ville de Gerzat">
-              <a:extLst>
-                <a:ext uri="{FF2B5EF4-FFF2-40B4-BE49-F238E27FC236}">
-                  <a16:creationId xmlns:a16="http://schemas.microsoft.com/office/drawing/2014/main" id="{FC54FC8F-CFB6-491A-A558-81449D86051D}"/>
-                </a:ext>
-              </a:extLst>
-            </p:cNvPr>
-            <p:cNvPicPr>
-              <a:picLocks noChangeAspect="1" noChangeArrowheads="1"/>
-            </p:cNvPicPr>
-            <p:nvPr/>
-          </p:nvPicPr>
-          <p:blipFill>
-            <a:blip r:embed="rId3">
-              <a:extLst>
-                <a:ext uri="{28A0092B-C50C-407E-A947-70E740481C1C}">
-                  <a14:useLocalDpi xmlns:a14="http://schemas.microsoft.com/office/drawing/2010/main" val="0"/>
-                </a:ext>
-              </a:extLst>
-            </a:blip>
-            <a:srcRect/>
-            <a:stretch>
-              <a:fillRect/>
-            </a:stretch>
-          </p:blipFill>
-          <p:spPr bwMode="auto">
-            <a:xfrm>
-              <a:off x="6436752" y="5139505"/>
-              <a:ext cx="763927" cy="795179"/>
-            </a:xfrm>
-            <a:prstGeom prst="rect">
-              <a:avLst/>
-            </a:prstGeom>
-            <a:noFill/>
-            <a:extLst>
-              <a:ext uri="{909E8E84-426E-40DD-AFC4-6F175D3DCCD1}">
-                <a14:hiddenFill xmlns:a14="http://schemas.microsoft.com/office/drawing/2010/main">
-                  <a:solidFill>
-                    <a:srgbClr val="FFFFFF"/>
-                  </a:solidFill>
-                </a14:hiddenFill>
-              </a:ext>
-            </a:extLst>
-          </p:spPr>
-        </p:pic>
-      </p:grpSp>
-      <p:sp>
-        <p:nvSpPr>
-          <p:cNvPr id="13" name="Rectangle: Rounded Corners 12">
-            <a:extLst>
-              <a:ext uri="{FF2B5EF4-FFF2-40B4-BE49-F238E27FC236}">
-                <a16:creationId xmlns:a16="http://schemas.microsoft.com/office/drawing/2014/main" id="{6A6B0F19-57CF-45B5-BF59-831D956BB4C1}"/>
-              </a:ext>
-            </a:extLst>
-          </p:cNvPr>
-          <p:cNvSpPr/>
-          <p:nvPr/>
-        </p:nvSpPr>
-        <p:spPr>
-          <a:xfrm>
-            <a:off x="43982" y="61961"/>
-            <a:ext cx="12077040" cy="758490"/>
-          </a:xfrm>
-          <a:prstGeom prst="roundRect">
-            <a:avLst/>
-          </a:prstGeom>
-          <a:solidFill>
-            <a:schemeClr val="accent1">
-              <a:alpha val="8000"/>
-            </a:schemeClr>
-          </a:solidFill>
-        </p:spPr>
-        <p:style>
-          <a:lnRef idx="2">
-            <a:schemeClr val="accent1">
-              <a:shade val="50000"/>
-            </a:schemeClr>
-          </a:lnRef>
-          <a:fillRef idx="1">
-            <a:schemeClr val="accent1"/>
-          </a:fillRef>
-          <a:effectRef idx="0">
-            <a:schemeClr val="accent1"/>
-          </a:effectRef>
-          <a:fontRef idx="minor">
-            <a:schemeClr val="lt1"/>
-          </a:fontRef>
-        </p:style>
-        <p:txBody>
-          <a:bodyPr rtlCol="0" anchor="ctr"/>
-          <a:lstStyle/>
-          <a:p>
-            <a:pPr algn="ctr"/>
-            <a:r>
-              <a:rPr lang="tr-TR" sz="3000" b="1" dirty="0">
-                <a:solidFill>
-                  <a:schemeClr val="tx1"/>
-                </a:solidFill>
-              </a:rPr>
-              <a:t>Non-material Factors Analysis</a:t>
-            </a:r>
-          </a:p>
-        </p:txBody>
-      </p:sp>
-      <p:grpSp>
-        <p:nvGrpSpPr>
-          <p:cNvPr id="15" name="Group 14">
-            <a:extLst>
-              <a:ext uri="{FF2B5EF4-FFF2-40B4-BE49-F238E27FC236}">
-                <a16:creationId xmlns:a16="http://schemas.microsoft.com/office/drawing/2014/main" id="{80121FFD-D007-4754-A32A-31873EAE8653}"/>
-              </a:ext>
-            </a:extLst>
-          </p:cNvPr>
-          <p:cNvGrpSpPr/>
-          <p:nvPr/>
-        </p:nvGrpSpPr>
-        <p:grpSpPr>
-          <a:xfrm>
-            <a:off x="1721308" y="4027789"/>
-            <a:ext cx="803554" cy="1054203"/>
-            <a:chOff x="6397125" y="5139505"/>
-            <a:chExt cx="803554" cy="1054203"/>
-          </a:xfrm>
-        </p:grpSpPr>
-        <p:sp>
-          <p:nvSpPr>
-            <p:cNvPr id="16" name="TextBox 15">
-              <a:extLst>
-                <a:ext uri="{FF2B5EF4-FFF2-40B4-BE49-F238E27FC236}">
-                  <a16:creationId xmlns:a16="http://schemas.microsoft.com/office/drawing/2014/main" id="{61EFA6AD-906C-46F5-ADDF-EA6AD9D5D10E}"/>
-                </a:ext>
-              </a:extLst>
-            </p:cNvPr>
-            <p:cNvSpPr txBox="1"/>
-            <p:nvPr/>
-          </p:nvSpPr>
-          <p:spPr>
-            <a:xfrm>
-              <a:off x="6397125" y="5885931"/>
-              <a:ext cx="699230" cy="307777"/>
-            </a:xfrm>
-            <a:prstGeom prst="rect">
-              <a:avLst/>
-            </a:prstGeom>
-            <a:noFill/>
-          </p:spPr>
-          <p:txBody>
-            <a:bodyPr wrap="none" rtlCol="0">
-              <a:spAutoFit/>
-            </a:bodyPr>
-            <a:lstStyle/>
-            <a:p>
-              <a:r>
-                <a:rPr lang="tr-TR" sz="1400" b="1" dirty="0"/>
-                <a:t>Audios</a:t>
-              </a:r>
-            </a:p>
-          </p:txBody>
-        </p:sp>
-        <p:pic>
-          <p:nvPicPr>
-            <p:cNvPr id="17" name="Picture 4" descr="document-management-big - Ville de Gerzat">
-              <a:extLst>
-                <a:ext uri="{FF2B5EF4-FFF2-40B4-BE49-F238E27FC236}">
-                  <a16:creationId xmlns:a16="http://schemas.microsoft.com/office/drawing/2014/main" id="{499719EF-3E5F-4A2D-A18E-16C9892883DA}"/>
-                </a:ext>
-              </a:extLst>
-            </p:cNvPr>
-            <p:cNvPicPr>
-              <a:picLocks noChangeAspect="1" noChangeArrowheads="1"/>
-            </p:cNvPicPr>
-            <p:nvPr/>
-          </p:nvPicPr>
-          <p:blipFill>
-            <a:blip r:embed="rId3">
-              <a:extLst>
-                <a:ext uri="{28A0092B-C50C-407E-A947-70E740481C1C}">
-                  <a14:useLocalDpi xmlns:a14="http://schemas.microsoft.com/office/drawing/2010/main" val="0"/>
-                </a:ext>
-              </a:extLst>
-            </a:blip>
-            <a:srcRect/>
-            <a:stretch>
-              <a:fillRect/>
-            </a:stretch>
-          </p:blipFill>
-          <p:spPr bwMode="auto">
-            <a:xfrm>
-              <a:off x="6436752" y="5139505"/>
-              <a:ext cx="763927" cy="795179"/>
-            </a:xfrm>
-            <a:prstGeom prst="rect">
-              <a:avLst/>
-            </a:prstGeom>
-            <a:noFill/>
-            <a:extLst>
-              <a:ext uri="{909E8E84-426E-40DD-AFC4-6F175D3DCCD1}">
-                <a14:hiddenFill xmlns:a14="http://schemas.microsoft.com/office/drawing/2010/main">
-                  <a:solidFill>
-                    <a:srgbClr val="FFFFFF"/>
-                  </a:solidFill>
-                </a14:hiddenFill>
-              </a:ext>
-            </a:extLst>
-          </p:spPr>
-        </p:pic>
-      </p:grpSp>
-      <p:sp>
-        <p:nvSpPr>
-          <p:cNvPr id="20" name="TextBox 19">
-            <a:extLst>
-              <a:ext uri="{FF2B5EF4-FFF2-40B4-BE49-F238E27FC236}">
-                <a16:creationId xmlns:a16="http://schemas.microsoft.com/office/drawing/2014/main" id="{07618CE9-4D6A-4D42-847F-BDF3C0BEBEDF}"/>
-              </a:ext>
-            </a:extLst>
-          </p:cNvPr>
-          <p:cNvSpPr txBox="1"/>
-          <p:nvPr/>
-        </p:nvSpPr>
-        <p:spPr>
-          <a:xfrm>
-            <a:off x="4174809" y="867509"/>
-            <a:ext cx="2593915" cy="769441"/>
-          </a:xfrm>
-          <a:prstGeom prst="rect">
-            <a:avLst/>
-          </a:prstGeom>
-          <a:noFill/>
-        </p:spPr>
-        <p:txBody>
-          <a:bodyPr wrap="none" rtlCol="0">
-            <a:spAutoFit/>
-          </a:bodyPr>
-          <a:lstStyle>
-            <a:defPPr>
-              <a:defRPr lang="tr-TR"/>
-            </a:defPPr>
-            <a:lvl1pPr algn="ctr">
-              <a:defRPr sz="2200" b="1"/>
-            </a:lvl1pPr>
-          </a:lstStyle>
-          <a:p>
-            <a:r>
-              <a:rPr lang="tr-TR" dirty="0"/>
-              <a:t>Feature Extraction &amp;</a:t>
-            </a:r>
-          </a:p>
-          <a:p>
-            <a:r>
-              <a:rPr lang="tr-TR" dirty="0"/>
-              <a:t>Grouping of Objects</a:t>
-            </a:r>
-            <a:endParaRPr lang="tr-TR" sz="1200" dirty="0"/>
-          </a:p>
-        </p:txBody>
-      </p:sp>
-      <p:sp>
-        <p:nvSpPr>
-          <p:cNvPr id="21" name="TextBox 20">
-            <a:extLst>
-              <a:ext uri="{FF2B5EF4-FFF2-40B4-BE49-F238E27FC236}">
-                <a16:creationId xmlns:a16="http://schemas.microsoft.com/office/drawing/2014/main" id="{97F39F47-62AC-499B-B4B9-02E3A5DA3649}"/>
-              </a:ext>
-            </a:extLst>
-          </p:cNvPr>
-          <p:cNvSpPr txBox="1"/>
-          <p:nvPr/>
-        </p:nvSpPr>
-        <p:spPr>
-          <a:xfrm>
-            <a:off x="1244486" y="836861"/>
-            <a:ext cx="1566454" cy="1107996"/>
-          </a:xfrm>
-          <a:prstGeom prst="rect">
-            <a:avLst/>
-          </a:prstGeom>
-          <a:noFill/>
-        </p:spPr>
-        <p:txBody>
-          <a:bodyPr wrap="none" rtlCol="0">
-            <a:spAutoFit/>
-          </a:bodyPr>
-          <a:lstStyle/>
-          <a:p>
-            <a:pPr algn="ctr"/>
-            <a:r>
-              <a:rPr lang="tr-TR" sz="2200" b="1" dirty="0"/>
-              <a:t>Selection of</a:t>
-            </a:r>
-          </a:p>
-          <a:p>
-            <a:pPr algn="ctr"/>
-            <a:r>
-              <a:rPr lang="tr-TR" sz="2200" b="1" dirty="0"/>
-              <a:t>Raw Texts </a:t>
-            </a:r>
-          </a:p>
-          <a:p>
-            <a:pPr algn="ctr"/>
-            <a:r>
-              <a:rPr lang="tr-TR" sz="2200" b="1" dirty="0"/>
-              <a:t>&amp; Audios</a:t>
-            </a:r>
-          </a:p>
-        </p:txBody>
-      </p:sp>
-      <p:sp>
-        <p:nvSpPr>
-          <p:cNvPr id="23" name="TextBox 22">
-            <a:extLst>
-              <a:ext uri="{FF2B5EF4-FFF2-40B4-BE49-F238E27FC236}">
-                <a16:creationId xmlns:a16="http://schemas.microsoft.com/office/drawing/2014/main" id="{23A09505-A6E2-4356-A2FF-2E86965135C6}"/>
-              </a:ext>
-            </a:extLst>
-          </p:cNvPr>
-          <p:cNvSpPr txBox="1"/>
-          <p:nvPr/>
-        </p:nvSpPr>
-        <p:spPr>
-          <a:xfrm>
-            <a:off x="8710852" y="6369439"/>
-            <a:ext cx="2566087" cy="369332"/>
-          </a:xfrm>
-          <a:prstGeom prst="rect">
-            <a:avLst/>
-          </a:prstGeom>
-          <a:noFill/>
-        </p:spPr>
-        <p:txBody>
-          <a:bodyPr wrap="square">
-            <a:spAutoFit/>
-          </a:bodyPr>
-          <a:lstStyle>
-            <a:defPPr>
-              <a:defRPr lang="tr-TR"/>
-            </a:defPPr>
-            <a:lvl1pPr>
-              <a:defRPr b="1"/>
-            </a:lvl1pPr>
-          </a:lstStyle>
-          <a:p>
-            <a:r>
-              <a:rPr lang="tr-TR" dirty="0"/>
-              <a:t>Deep Learning Algorithm</a:t>
-            </a:r>
-          </a:p>
-        </p:txBody>
-      </p:sp>
-      <p:grpSp>
-        <p:nvGrpSpPr>
-          <p:cNvPr id="25" name="Group 24">
-            <a:extLst>
-              <a:ext uri="{FF2B5EF4-FFF2-40B4-BE49-F238E27FC236}">
-                <a16:creationId xmlns:a16="http://schemas.microsoft.com/office/drawing/2014/main" id="{023068A5-1813-495A-960E-AB184C7AA2E5}"/>
-              </a:ext>
-            </a:extLst>
-          </p:cNvPr>
-          <p:cNvGrpSpPr/>
-          <p:nvPr/>
-        </p:nvGrpSpPr>
-        <p:grpSpPr>
-          <a:xfrm>
-            <a:off x="13335668" y="828200"/>
-            <a:ext cx="2358979" cy="1293417"/>
-            <a:chOff x="4830185" y="5110786"/>
-            <a:chExt cx="2358979" cy="1293417"/>
-          </a:xfrm>
-        </p:grpSpPr>
-        <p:sp>
-          <p:nvSpPr>
-            <p:cNvPr id="26" name="TextBox 25">
-              <a:extLst>
-                <a:ext uri="{FF2B5EF4-FFF2-40B4-BE49-F238E27FC236}">
-                  <a16:creationId xmlns:a16="http://schemas.microsoft.com/office/drawing/2014/main" id="{8D7CDFC0-7803-4E7C-870D-EC3E472D8CA2}"/>
-                </a:ext>
-              </a:extLst>
-            </p:cNvPr>
-            <p:cNvSpPr txBox="1"/>
-            <p:nvPr/>
-          </p:nvSpPr>
-          <p:spPr>
-            <a:xfrm>
-              <a:off x="4830185" y="5880983"/>
-              <a:ext cx="2358979" cy="523220"/>
-            </a:xfrm>
-            <a:prstGeom prst="rect">
-              <a:avLst/>
-            </a:prstGeom>
-            <a:noFill/>
-          </p:spPr>
-          <p:txBody>
-            <a:bodyPr wrap="none" rtlCol="0">
-              <a:spAutoFit/>
-            </a:bodyPr>
-            <a:lstStyle/>
-            <a:p>
-              <a:pPr algn="ctr"/>
-              <a:r>
-                <a:rPr lang="tr-TR" sz="1400" b="1" dirty="0"/>
-                <a:t>Integrate Results to </a:t>
-              </a:r>
-            </a:p>
-            <a:p>
-              <a:pPr algn="ctr"/>
-              <a:r>
-                <a:rPr lang="tr-TR" sz="1400" b="1" dirty="0"/>
-                <a:t>Multiple Regression Analysis </a:t>
-              </a:r>
-            </a:p>
-          </p:txBody>
-        </p:sp>
-        <p:pic>
-          <p:nvPicPr>
-            <p:cNvPr id="27" name="Picture 4" descr="document-management-big - Ville de Gerzat">
-              <a:extLst>
-                <a:ext uri="{FF2B5EF4-FFF2-40B4-BE49-F238E27FC236}">
-                  <a16:creationId xmlns:a16="http://schemas.microsoft.com/office/drawing/2014/main" id="{6049D350-3ED2-4ADE-924E-B74C7F39C27A}"/>
-                </a:ext>
-              </a:extLst>
-            </p:cNvPr>
-            <p:cNvPicPr>
-              <a:picLocks noChangeAspect="1" noChangeArrowheads="1"/>
-            </p:cNvPicPr>
-            <p:nvPr/>
-          </p:nvPicPr>
-          <p:blipFill>
-            <a:blip r:embed="rId3">
-              <a:extLst>
-                <a:ext uri="{28A0092B-C50C-407E-A947-70E740481C1C}">
-                  <a14:useLocalDpi xmlns:a14="http://schemas.microsoft.com/office/drawing/2010/main" val="0"/>
-                </a:ext>
-              </a:extLst>
-            </a:blip>
-            <a:srcRect/>
-            <a:stretch>
-              <a:fillRect/>
-            </a:stretch>
-          </p:blipFill>
-          <p:spPr bwMode="auto">
-            <a:xfrm>
-              <a:off x="5613474" y="5110786"/>
-              <a:ext cx="763927" cy="795179"/>
-            </a:xfrm>
-            <a:prstGeom prst="rect">
-              <a:avLst/>
-            </a:prstGeom>
-            <a:noFill/>
-            <a:extLst>
-              <a:ext uri="{909E8E84-426E-40DD-AFC4-6F175D3DCCD1}">
-                <a14:hiddenFill xmlns:a14="http://schemas.microsoft.com/office/drawing/2010/main">
-                  <a:solidFill>
-                    <a:srgbClr val="FFFFFF"/>
-                  </a:solidFill>
-                </a14:hiddenFill>
-              </a:ext>
-            </a:extLst>
-          </p:spPr>
-        </p:pic>
-      </p:grpSp>
-      <p:cxnSp>
-        <p:nvCxnSpPr>
-          <p:cNvPr id="34" name="Straight Connector 33">
-            <a:extLst>
-              <a:ext uri="{FF2B5EF4-FFF2-40B4-BE49-F238E27FC236}">
-                <a16:creationId xmlns:a16="http://schemas.microsoft.com/office/drawing/2014/main" id="{EC2B34B9-0677-419A-9D4A-B29AF4458CC5}"/>
-              </a:ext>
-            </a:extLst>
-          </p:cNvPr>
-          <p:cNvCxnSpPr>
-            <a:cxnSpLocks/>
-          </p:cNvCxnSpPr>
-          <p:nvPr/>
-        </p:nvCxnSpPr>
-        <p:spPr>
-          <a:xfrm flipH="1">
-            <a:off x="7668074" y="1116385"/>
-            <a:ext cx="9263" cy="5741615"/>
-          </a:xfrm>
-          <a:prstGeom prst="line">
-            <a:avLst/>
-          </a:prstGeom>
-        </p:spPr>
-        <p:style>
-          <a:lnRef idx="1">
-            <a:schemeClr val="accent1"/>
-          </a:lnRef>
-          <a:fillRef idx="0">
-            <a:schemeClr val="accent1"/>
-          </a:fillRef>
-          <a:effectRef idx="0">
-            <a:schemeClr val="accent1"/>
-          </a:effectRef>
-          <a:fontRef idx="minor">
-            <a:schemeClr val="tx1"/>
-          </a:fontRef>
-        </p:style>
-      </p:cxnSp>
-      <p:cxnSp>
-        <p:nvCxnSpPr>
-          <p:cNvPr id="37" name="Straight Connector 36">
-            <a:extLst>
-              <a:ext uri="{FF2B5EF4-FFF2-40B4-BE49-F238E27FC236}">
-                <a16:creationId xmlns:a16="http://schemas.microsoft.com/office/drawing/2014/main" id="{25DE9BD9-D697-44E0-98C6-9FDD382304F9}"/>
-              </a:ext>
-            </a:extLst>
-          </p:cNvPr>
-          <p:cNvCxnSpPr>
-            <a:cxnSpLocks/>
-          </p:cNvCxnSpPr>
-          <p:nvPr/>
-        </p:nvCxnSpPr>
-        <p:spPr>
-          <a:xfrm flipH="1">
-            <a:off x="2675048" y="861517"/>
-            <a:ext cx="39963" cy="5967180"/>
-          </a:xfrm>
-          <a:prstGeom prst="line">
-            <a:avLst/>
-          </a:prstGeom>
-        </p:spPr>
-        <p:style>
-          <a:lnRef idx="1">
-            <a:schemeClr val="accent1"/>
-          </a:lnRef>
-          <a:fillRef idx="0">
-            <a:schemeClr val="accent1"/>
-          </a:fillRef>
-          <a:effectRef idx="0">
-            <a:schemeClr val="accent1"/>
-          </a:effectRef>
-          <a:fontRef idx="minor">
-            <a:schemeClr val="tx1"/>
-          </a:fontRef>
-        </p:style>
-      </p:cxnSp>
-      <p:grpSp>
-        <p:nvGrpSpPr>
-          <p:cNvPr id="2050" name="Group 2049">
-            <a:extLst>
-              <a:ext uri="{FF2B5EF4-FFF2-40B4-BE49-F238E27FC236}">
-                <a16:creationId xmlns:a16="http://schemas.microsoft.com/office/drawing/2014/main" id="{02066B71-92AF-4D18-A0DF-493C2E187622}"/>
-              </a:ext>
-            </a:extLst>
-          </p:cNvPr>
-          <p:cNvGrpSpPr/>
-          <p:nvPr/>
-        </p:nvGrpSpPr>
-        <p:grpSpPr>
-          <a:xfrm>
-            <a:off x="8146737" y="2204555"/>
-            <a:ext cx="3982564" cy="2804590"/>
-            <a:chOff x="8146737" y="2204555"/>
-            <a:chExt cx="3982564" cy="2804590"/>
-          </a:xfrm>
-        </p:grpSpPr>
-        <p:pic>
-          <p:nvPicPr>
-            <p:cNvPr id="2052" name="Picture 4" descr="Schematic model of the deep learning algorithm in endoscopy. | Download  Scientific Diagram">
-              <a:extLst>
-                <a:ext uri="{FF2B5EF4-FFF2-40B4-BE49-F238E27FC236}">
-                  <a16:creationId xmlns:a16="http://schemas.microsoft.com/office/drawing/2014/main" id="{3DC42CB4-DCCB-439A-A33C-634A350FAA0C}"/>
-                </a:ext>
-              </a:extLst>
-            </p:cNvPr>
-            <p:cNvPicPr>
-              <a:picLocks noChangeAspect="1" noChangeArrowheads="1"/>
-            </p:cNvPicPr>
-            <p:nvPr/>
-          </p:nvPicPr>
-          <p:blipFill rotWithShape="1">
-            <a:blip r:embed="rId4">
-              <a:extLst>
-                <a:ext uri="{28A0092B-C50C-407E-A947-70E740481C1C}">
-                  <a14:useLocalDpi xmlns:a14="http://schemas.microsoft.com/office/drawing/2010/main" val="0"/>
-                </a:ext>
-              </a:extLst>
-            </a:blip>
-            <a:srcRect l="20150" r="19926" b="8218"/>
-            <a:stretch/>
-          </p:blipFill>
-          <p:spPr bwMode="auto">
-            <a:xfrm>
-              <a:off x="8146737" y="2204555"/>
-              <a:ext cx="3063897" cy="2804590"/>
-            </a:xfrm>
-            <a:prstGeom prst="rect">
-              <a:avLst/>
-            </a:prstGeom>
-            <a:noFill/>
-            <a:extLst>
-              <a:ext uri="{909E8E84-426E-40DD-AFC4-6F175D3DCCD1}">
-                <a14:hiddenFill xmlns:a14="http://schemas.microsoft.com/office/drawing/2010/main">
-                  <a:solidFill>
-                    <a:srgbClr val="FFFFFF"/>
-                  </a:solidFill>
-                </a14:hiddenFill>
-              </a:ext>
-            </a:extLst>
-          </p:spPr>
-        </p:pic>
-        <p:sp>
-          <p:nvSpPr>
-            <p:cNvPr id="47" name="TextBox 46">
-              <a:extLst>
-                <a:ext uri="{FF2B5EF4-FFF2-40B4-BE49-F238E27FC236}">
-                  <a16:creationId xmlns:a16="http://schemas.microsoft.com/office/drawing/2014/main" id="{50EEF9F5-C1DC-463C-BF96-9241B6E6A00C}"/>
-                </a:ext>
-              </a:extLst>
-            </p:cNvPr>
-            <p:cNvSpPr txBox="1"/>
-            <p:nvPr/>
-          </p:nvSpPr>
-          <p:spPr>
-            <a:xfrm>
-              <a:off x="11001813" y="3379218"/>
-              <a:ext cx="1127488" cy="717504"/>
-            </a:xfrm>
-            <a:prstGeom prst="rect">
-              <a:avLst/>
-            </a:prstGeom>
-            <a:noFill/>
-          </p:spPr>
-          <p:txBody>
-            <a:bodyPr wrap="none" rtlCol="0">
-              <a:spAutoFit/>
-            </a:bodyPr>
-            <a:lstStyle/>
-            <a:p>
-              <a:pPr>
-                <a:lnSpc>
-                  <a:spcPts val="1600"/>
-                </a:lnSpc>
-              </a:pPr>
-              <a:r>
-                <a:rPr lang="tr-TR" b="1" dirty="0"/>
-                <a:t>Exists</a:t>
-              </a:r>
-            </a:p>
-            <a:p>
-              <a:pPr>
-                <a:lnSpc>
-                  <a:spcPts val="1600"/>
-                </a:lnSpc>
-              </a:pPr>
-              <a:endParaRPr lang="tr-TR" b="1" dirty="0"/>
-            </a:p>
-            <a:p>
-              <a:pPr>
-                <a:lnSpc>
-                  <a:spcPts val="1600"/>
-                </a:lnSpc>
-              </a:pPr>
-              <a:r>
-                <a:rPr lang="tr-TR" b="1" dirty="0"/>
-                <a:t>Not exists</a:t>
-              </a:r>
-            </a:p>
-          </p:txBody>
-        </p:sp>
-      </p:grpSp>
-      <p:sp>
-        <p:nvSpPr>
-          <p:cNvPr id="53" name="TextBox 52">
-            <a:extLst>
-              <a:ext uri="{FF2B5EF4-FFF2-40B4-BE49-F238E27FC236}">
-                <a16:creationId xmlns:a16="http://schemas.microsoft.com/office/drawing/2014/main" id="{40F02CF0-789F-426D-9F10-CA291781A3EB}"/>
-              </a:ext>
-            </a:extLst>
-          </p:cNvPr>
-          <p:cNvSpPr txBox="1"/>
-          <p:nvPr/>
-        </p:nvSpPr>
-        <p:spPr>
-          <a:xfrm>
-            <a:off x="7901825" y="861517"/>
-            <a:ext cx="4219197" cy="646331"/>
-          </a:xfrm>
-          <a:prstGeom prst="rect">
-            <a:avLst/>
-          </a:prstGeom>
-          <a:noFill/>
-        </p:spPr>
-        <p:txBody>
-          <a:bodyPr wrap="square">
-            <a:spAutoFit/>
-          </a:bodyPr>
-          <a:lstStyle/>
-          <a:p>
-            <a:pPr algn="ctr"/>
-            <a:r>
-              <a:rPr lang="tr-TR" b="1" dirty="0"/>
-              <a:t>Building of a knowledge graph to link the variables</a:t>
-            </a:r>
-          </a:p>
-        </p:txBody>
-      </p:sp>
-      <p:cxnSp>
-        <p:nvCxnSpPr>
-          <p:cNvPr id="3" name="Straight Connector 2">
-            <a:extLst>
-              <a:ext uri="{FF2B5EF4-FFF2-40B4-BE49-F238E27FC236}">
-                <a16:creationId xmlns:a16="http://schemas.microsoft.com/office/drawing/2014/main" id="{95D3A8A1-2436-4B4E-B804-748326551EB3}"/>
-              </a:ext>
-            </a:extLst>
-          </p:cNvPr>
-          <p:cNvCxnSpPr/>
-          <p:nvPr/>
-        </p:nvCxnSpPr>
-        <p:spPr>
-          <a:xfrm>
-            <a:off x="0" y="6253840"/>
-            <a:ext cx="12192000" cy="0"/>
-          </a:xfrm>
-          <a:prstGeom prst="line">
-            <a:avLst/>
-          </a:prstGeom>
-        </p:spPr>
-        <p:style>
-          <a:lnRef idx="1">
-            <a:schemeClr val="accent1"/>
-          </a:lnRef>
-          <a:fillRef idx="0">
-            <a:schemeClr val="accent1"/>
-          </a:fillRef>
-          <a:effectRef idx="0">
-            <a:schemeClr val="accent1"/>
-          </a:effectRef>
-          <a:fontRef idx="minor">
-            <a:schemeClr val="tx1"/>
-          </a:fontRef>
-        </p:style>
-      </p:cxnSp>
-      <p:sp>
-        <p:nvSpPr>
-          <p:cNvPr id="44" name="TextBox 43">
-            <a:extLst>
-              <a:ext uri="{FF2B5EF4-FFF2-40B4-BE49-F238E27FC236}">
-                <a16:creationId xmlns:a16="http://schemas.microsoft.com/office/drawing/2014/main" id="{64085BFA-7CDE-4452-BE8D-F547E86FBD5F}"/>
-              </a:ext>
-            </a:extLst>
-          </p:cNvPr>
-          <p:cNvSpPr txBox="1"/>
-          <p:nvPr/>
-        </p:nvSpPr>
-        <p:spPr>
-          <a:xfrm>
-            <a:off x="20592" y="6189999"/>
-            <a:ext cx="1454372" cy="769441"/>
-          </a:xfrm>
-          <a:prstGeom prst="rect">
-            <a:avLst/>
-          </a:prstGeom>
-          <a:noFill/>
-        </p:spPr>
-        <p:txBody>
-          <a:bodyPr wrap="none" rtlCol="0">
-            <a:spAutoFit/>
-          </a:bodyPr>
-          <a:lstStyle/>
-          <a:p>
-            <a:r>
-              <a:rPr lang="tr-TR" sz="2200" b="1" dirty="0"/>
-              <a:t>Tools to be</a:t>
-            </a:r>
-          </a:p>
-          <a:p>
-            <a:r>
-              <a:rPr lang="tr-TR" sz="2200" b="1" dirty="0"/>
-              <a:t>used</a:t>
-            </a:r>
-          </a:p>
-        </p:txBody>
-      </p:sp>
-      <p:grpSp>
-        <p:nvGrpSpPr>
-          <p:cNvPr id="2055" name="Group 2054">
-            <a:extLst>
-              <a:ext uri="{FF2B5EF4-FFF2-40B4-BE49-F238E27FC236}">
-                <a16:creationId xmlns:a16="http://schemas.microsoft.com/office/drawing/2014/main" id="{6D5F7DFB-6F3E-4351-BD18-D7B4EECB99E2}"/>
-              </a:ext>
-            </a:extLst>
-          </p:cNvPr>
-          <p:cNvGrpSpPr/>
-          <p:nvPr/>
-        </p:nvGrpSpPr>
-        <p:grpSpPr>
-          <a:xfrm>
-            <a:off x="3145122" y="1589574"/>
-            <a:ext cx="4099854" cy="2226997"/>
-            <a:chOff x="3145122" y="1442613"/>
-            <a:chExt cx="4099854" cy="2226997"/>
-          </a:xfrm>
-        </p:grpSpPr>
-        <p:pic>
-          <p:nvPicPr>
-            <p:cNvPr id="19" name="Picture 12" descr="Defining Communities with ESRI&amp;#39;s Grouping Analysis Tool | Azavea">
-              <a:extLst>
-                <a:ext uri="{FF2B5EF4-FFF2-40B4-BE49-F238E27FC236}">
-                  <a16:creationId xmlns:a16="http://schemas.microsoft.com/office/drawing/2014/main" id="{C366A093-FE9B-4497-B86B-0FEE89DD91E7}"/>
-                </a:ext>
-              </a:extLst>
-            </p:cNvPr>
-            <p:cNvPicPr>
-              <a:picLocks noChangeAspect="1" noChangeArrowheads="1"/>
-            </p:cNvPicPr>
-            <p:nvPr/>
-          </p:nvPicPr>
-          <p:blipFill>
-            <a:blip r:embed="rId5">
-              <a:extLst>
-                <a:ext uri="{28A0092B-C50C-407E-A947-70E740481C1C}">
-                  <a14:useLocalDpi xmlns:a14="http://schemas.microsoft.com/office/drawing/2010/main" val="0"/>
-                </a:ext>
-              </a:extLst>
-            </a:blip>
-            <a:srcRect/>
-            <a:stretch>
-              <a:fillRect/>
-            </a:stretch>
-          </p:blipFill>
-          <p:spPr bwMode="auto">
-            <a:xfrm>
-              <a:off x="3145122" y="1442613"/>
-              <a:ext cx="4099854" cy="2226997"/>
-            </a:xfrm>
-            <a:prstGeom prst="rect">
-              <a:avLst/>
-            </a:prstGeom>
-            <a:noFill/>
-            <a:extLst>
-              <a:ext uri="{909E8E84-426E-40DD-AFC4-6F175D3DCCD1}">
-                <a14:hiddenFill xmlns:a14="http://schemas.microsoft.com/office/drawing/2010/main">
-                  <a:solidFill>
-                    <a:srgbClr val="FFFFFF"/>
-                  </a:solidFill>
-                </a14:hiddenFill>
-              </a:ext>
-            </a:extLst>
-          </p:spPr>
-        </p:pic>
-        <p:sp>
-          <p:nvSpPr>
-            <p:cNvPr id="49" name="TextBox 48">
-              <a:extLst>
-                <a:ext uri="{FF2B5EF4-FFF2-40B4-BE49-F238E27FC236}">
-                  <a16:creationId xmlns:a16="http://schemas.microsoft.com/office/drawing/2014/main" id="{A81C22FD-64D5-4CC0-9ECA-6483C5FB7A80}"/>
-                </a:ext>
-              </a:extLst>
-            </p:cNvPr>
-            <p:cNvSpPr txBox="1"/>
-            <p:nvPr/>
-          </p:nvSpPr>
-          <p:spPr>
-            <a:xfrm>
-              <a:off x="5844081" y="2914543"/>
-              <a:ext cx="1188596" cy="369332"/>
-            </a:xfrm>
-            <a:prstGeom prst="rect">
-              <a:avLst/>
-            </a:prstGeom>
-            <a:solidFill>
-              <a:schemeClr val="bg1">
-                <a:lumMod val="95000"/>
-                <a:alpha val="72000"/>
-              </a:schemeClr>
-            </a:solidFill>
-            <a:ln>
-              <a:noFill/>
-            </a:ln>
-          </p:spPr>
-          <p:txBody>
-            <a:bodyPr wrap="square">
-              <a:spAutoFit/>
-            </a:bodyPr>
-            <a:lstStyle>
-              <a:defPPr>
-                <a:defRPr lang="tr-TR"/>
-              </a:defPPr>
-              <a:lvl1pPr>
-                <a:defRPr b="1"/>
-              </a:lvl1pPr>
-            </a:lstStyle>
-            <a:p>
-              <a:r>
-                <a:rPr lang="tr-TR" dirty="0"/>
-                <a:t>leadership</a:t>
-              </a:r>
-            </a:p>
-          </p:txBody>
-        </p:sp>
-        <p:sp>
-          <p:nvSpPr>
-            <p:cNvPr id="50" name="TextBox 49">
-              <a:extLst>
-                <a:ext uri="{FF2B5EF4-FFF2-40B4-BE49-F238E27FC236}">
-                  <a16:creationId xmlns:a16="http://schemas.microsoft.com/office/drawing/2014/main" id="{AC8709C2-EE2B-4D06-A5BB-EE2FA2A5E9CB}"/>
-                </a:ext>
-              </a:extLst>
-            </p:cNvPr>
-            <p:cNvSpPr txBox="1"/>
-            <p:nvPr/>
-          </p:nvSpPr>
-          <p:spPr>
-            <a:xfrm>
-              <a:off x="6142478" y="1598397"/>
-              <a:ext cx="907558" cy="369332"/>
-            </a:xfrm>
-            <a:prstGeom prst="rect">
-              <a:avLst/>
-            </a:prstGeom>
-            <a:solidFill>
-              <a:schemeClr val="bg1">
-                <a:lumMod val="95000"/>
-                <a:alpha val="72000"/>
-              </a:schemeClr>
-            </a:solidFill>
-            <a:ln>
-              <a:noFill/>
-            </a:ln>
-          </p:spPr>
-          <p:txBody>
-            <a:bodyPr wrap="square">
-              <a:spAutoFit/>
-            </a:bodyPr>
-            <a:lstStyle/>
-            <a:p>
-              <a:r>
-                <a:rPr lang="tr-TR" sz="1800" b="1" dirty="0"/>
-                <a:t>morale</a:t>
-              </a:r>
-              <a:endParaRPr lang="tr-TR" b="1" dirty="0"/>
-            </a:p>
-          </p:txBody>
-        </p:sp>
-        <p:sp>
-          <p:nvSpPr>
-            <p:cNvPr id="52" name="TextBox 51">
-              <a:extLst>
-                <a:ext uri="{FF2B5EF4-FFF2-40B4-BE49-F238E27FC236}">
-                  <a16:creationId xmlns:a16="http://schemas.microsoft.com/office/drawing/2014/main" id="{B0DC61FD-DF65-45D6-AD3E-FF6F49B331BA}"/>
-                </a:ext>
-              </a:extLst>
-            </p:cNvPr>
-            <p:cNvSpPr txBox="1"/>
-            <p:nvPr/>
-          </p:nvSpPr>
-          <p:spPr>
-            <a:xfrm>
-              <a:off x="5651224" y="2291770"/>
-              <a:ext cx="876825" cy="369332"/>
-            </a:xfrm>
-            <a:prstGeom prst="rect">
-              <a:avLst/>
-            </a:prstGeom>
-            <a:solidFill>
-              <a:schemeClr val="bg1">
-                <a:lumMod val="95000"/>
-                <a:alpha val="72000"/>
-              </a:schemeClr>
-            </a:solidFill>
-            <a:ln>
-              <a:noFill/>
-            </a:ln>
-          </p:spPr>
-          <p:txBody>
-            <a:bodyPr wrap="square">
-              <a:spAutoFit/>
-            </a:bodyPr>
-            <a:lstStyle>
-              <a:defPPr>
-                <a:defRPr lang="tr-TR"/>
-              </a:defPPr>
-              <a:lvl1pPr>
-                <a:defRPr b="1"/>
-              </a:lvl1pPr>
-            </a:lstStyle>
-            <a:p>
-              <a:r>
-                <a:rPr lang="tr-TR" dirty="0"/>
-                <a:t>others</a:t>
-              </a:r>
-            </a:p>
-          </p:txBody>
-        </p:sp>
-      </p:grpSp>
-      <p:sp>
-        <p:nvSpPr>
-          <p:cNvPr id="55" name="TextBox 54">
-            <a:extLst>
-              <a:ext uri="{FF2B5EF4-FFF2-40B4-BE49-F238E27FC236}">
-                <a16:creationId xmlns:a16="http://schemas.microsoft.com/office/drawing/2014/main" id="{3A7AA355-81C4-4A2A-9967-1F62B6A19EB7}"/>
-              </a:ext>
-            </a:extLst>
-          </p:cNvPr>
-          <p:cNvSpPr txBox="1"/>
-          <p:nvPr/>
-        </p:nvSpPr>
-        <p:spPr>
-          <a:xfrm>
-            <a:off x="3438045" y="6250550"/>
-            <a:ext cx="1979875" cy="646331"/>
-          </a:xfrm>
-          <a:prstGeom prst="rect">
-            <a:avLst/>
-          </a:prstGeom>
-          <a:noFill/>
-        </p:spPr>
-        <p:txBody>
-          <a:bodyPr wrap="square">
-            <a:spAutoFit/>
-          </a:bodyPr>
-          <a:lstStyle/>
-          <a:p>
-            <a:pPr algn="ctr"/>
-            <a:r>
-              <a:rPr lang="tr-TR" sz="1800" b="1" dirty="0"/>
-              <a:t>Natural Language</a:t>
-            </a:r>
-          </a:p>
-          <a:p>
-            <a:pPr algn="ctr"/>
-            <a:r>
-              <a:rPr lang="tr-TR" sz="1800" b="1" dirty="0"/>
-              <a:t>Processing</a:t>
-            </a:r>
-            <a:endParaRPr lang="tr-TR" b="1" dirty="0"/>
-          </a:p>
-        </p:txBody>
-      </p:sp>
-      <p:sp>
-        <p:nvSpPr>
-          <p:cNvPr id="56" name="TextBox 55">
-            <a:extLst>
-              <a:ext uri="{FF2B5EF4-FFF2-40B4-BE49-F238E27FC236}">
-                <a16:creationId xmlns:a16="http://schemas.microsoft.com/office/drawing/2014/main" id="{E18DE0CE-ED46-4B22-8794-D04B61834F84}"/>
-              </a:ext>
-            </a:extLst>
-          </p:cNvPr>
-          <p:cNvSpPr txBox="1"/>
-          <p:nvPr/>
-        </p:nvSpPr>
-        <p:spPr>
-          <a:xfrm>
-            <a:off x="5433256" y="6250879"/>
-            <a:ext cx="2307977" cy="646331"/>
-          </a:xfrm>
-          <a:prstGeom prst="rect">
-            <a:avLst/>
-          </a:prstGeom>
-          <a:noFill/>
-        </p:spPr>
-        <p:txBody>
-          <a:bodyPr wrap="square">
-            <a:spAutoFit/>
-          </a:bodyPr>
-          <a:lstStyle/>
-          <a:p>
-            <a:pPr algn="ctr"/>
-            <a:r>
-              <a:rPr lang="tr-TR" sz="1800" b="1" dirty="0"/>
-              <a:t>Machine Learning </a:t>
-            </a:r>
-          </a:p>
-          <a:p>
-            <a:pPr algn="ctr"/>
-            <a:r>
-              <a:rPr lang="tr-TR" b="1" dirty="0"/>
-              <a:t>Classification Problem</a:t>
-            </a:r>
-          </a:p>
-        </p:txBody>
-      </p:sp>
-      <p:sp>
-        <p:nvSpPr>
-          <p:cNvPr id="59" name="Arrow: Striped Right 58">
-            <a:extLst>
-              <a:ext uri="{FF2B5EF4-FFF2-40B4-BE49-F238E27FC236}">
-                <a16:creationId xmlns:a16="http://schemas.microsoft.com/office/drawing/2014/main" id="{17F7E309-42C1-4C1C-AE9C-5F4A222DCD91}"/>
-              </a:ext>
-            </a:extLst>
-          </p:cNvPr>
-          <p:cNvSpPr/>
-          <p:nvPr/>
-        </p:nvSpPr>
-        <p:spPr>
-          <a:xfrm>
-            <a:off x="2358470" y="3485670"/>
-            <a:ext cx="708942" cy="595497"/>
-          </a:xfrm>
-          <a:prstGeom prst="stripedRightArrow">
-            <a:avLst/>
-          </a:prstGeom>
-          <a:solidFill>
-            <a:srgbClr val="44E43C"/>
-          </a:solidFill>
-        </p:spPr>
-        <p:style>
-          <a:lnRef idx="2">
-            <a:schemeClr val="accent1">
-              <a:shade val="50000"/>
-            </a:schemeClr>
-          </a:lnRef>
-          <a:fillRef idx="1">
-            <a:schemeClr val="accent1"/>
-          </a:fillRef>
-          <a:effectRef idx="0">
-            <a:schemeClr val="accent1"/>
-          </a:effectRef>
-          <a:fontRef idx="minor">
-            <a:schemeClr val="lt1"/>
-          </a:fontRef>
-        </p:style>
-        <p:txBody>
-          <a:bodyPr rtlCol="0" anchor="ctr"/>
-          <a:lstStyle/>
-          <a:p>
-            <a:pPr algn="ctr"/>
-            <a:endParaRPr lang="tr-TR"/>
-          </a:p>
-        </p:txBody>
-      </p:sp>
-      <p:sp>
-        <p:nvSpPr>
-          <p:cNvPr id="60" name="Arrow: Striped Right 59">
-            <a:extLst>
-              <a:ext uri="{FF2B5EF4-FFF2-40B4-BE49-F238E27FC236}">
-                <a16:creationId xmlns:a16="http://schemas.microsoft.com/office/drawing/2014/main" id="{3B004C37-6FA5-4513-AD32-99F51ED234F5}"/>
-              </a:ext>
-            </a:extLst>
-          </p:cNvPr>
-          <p:cNvSpPr/>
-          <p:nvPr/>
-        </p:nvSpPr>
-        <p:spPr>
-          <a:xfrm>
-            <a:off x="7386762" y="3309102"/>
-            <a:ext cx="708942" cy="595497"/>
-          </a:xfrm>
-          <a:prstGeom prst="stripedRightArrow">
-            <a:avLst/>
-          </a:prstGeom>
-          <a:solidFill>
-            <a:srgbClr val="44E43C"/>
-          </a:solidFill>
-        </p:spPr>
-        <p:style>
-          <a:lnRef idx="2">
-            <a:schemeClr val="accent1">
-              <a:shade val="50000"/>
-            </a:schemeClr>
-          </a:lnRef>
-          <a:fillRef idx="1">
-            <a:schemeClr val="accent1"/>
-          </a:fillRef>
-          <a:effectRef idx="0">
-            <a:schemeClr val="accent1"/>
-          </a:effectRef>
-          <a:fontRef idx="minor">
-            <a:schemeClr val="lt1"/>
-          </a:fontRef>
-        </p:style>
-        <p:txBody>
-          <a:bodyPr rtlCol="0" anchor="ctr"/>
-          <a:lstStyle/>
-          <a:p>
-            <a:pPr algn="ctr"/>
-            <a:endParaRPr lang="tr-TR"/>
-          </a:p>
-        </p:txBody>
-      </p:sp>
-      <p:sp>
-        <p:nvSpPr>
-          <p:cNvPr id="61" name="Arrow: Striped Right 60">
-            <a:extLst>
-              <a:ext uri="{FF2B5EF4-FFF2-40B4-BE49-F238E27FC236}">
-                <a16:creationId xmlns:a16="http://schemas.microsoft.com/office/drawing/2014/main" id="{FB17AC16-94DE-4EFA-9E58-2E1BAEDBAEAD}"/>
-              </a:ext>
-            </a:extLst>
-          </p:cNvPr>
-          <p:cNvSpPr/>
-          <p:nvPr/>
-        </p:nvSpPr>
-        <p:spPr>
-          <a:xfrm rot="16200000">
-            <a:off x="12992483" y="2148022"/>
-            <a:ext cx="708942" cy="595497"/>
-          </a:xfrm>
-          <a:prstGeom prst="stripedRightArrow">
-            <a:avLst/>
-          </a:prstGeom>
-          <a:solidFill>
-            <a:srgbClr val="44E43C"/>
-          </a:solidFill>
-        </p:spPr>
-        <p:style>
-          <a:lnRef idx="2">
-            <a:schemeClr val="accent1">
-              <a:shade val="50000"/>
-            </a:schemeClr>
-          </a:lnRef>
-          <a:fillRef idx="1">
-            <a:schemeClr val="accent1"/>
-          </a:fillRef>
-          <a:effectRef idx="0">
-            <a:schemeClr val="accent1"/>
-          </a:effectRef>
-          <a:fontRef idx="minor">
-            <a:schemeClr val="lt1"/>
-          </a:fontRef>
-        </p:style>
-        <p:txBody>
-          <a:bodyPr rtlCol="0" anchor="ctr"/>
-          <a:lstStyle/>
-          <a:p>
-            <a:pPr algn="ctr"/>
-            <a:endParaRPr lang="tr-TR"/>
-          </a:p>
-        </p:txBody>
-      </p:sp>
-      <p:sp>
-        <p:nvSpPr>
-          <p:cNvPr id="71" name="TextBox 70">
-            <a:extLst>
-              <a:ext uri="{FF2B5EF4-FFF2-40B4-BE49-F238E27FC236}">
-                <a16:creationId xmlns:a16="http://schemas.microsoft.com/office/drawing/2014/main" id="{78DF5A99-1176-4A01-8EE0-68858F18C870}"/>
-              </a:ext>
-            </a:extLst>
-          </p:cNvPr>
-          <p:cNvSpPr txBox="1"/>
-          <p:nvPr/>
-        </p:nvSpPr>
-        <p:spPr>
-          <a:xfrm>
-            <a:off x="8111898" y="5041713"/>
-            <a:ext cx="3990347" cy="1200329"/>
-          </a:xfrm>
-          <a:prstGeom prst="rect">
-            <a:avLst/>
-          </a:prstGeom>
-          <a:noFill/>
-        </p:spPr>
-        <p:txBody>
-          <a:bodyPr wrap="square">
-            <a:spAutoFit/>
-          </a:bodyPr>
-          <a:lstStyle/>
-          <a:p>
-            <a:r>
-              <a:rPr lang="tr-TR" dirty="0"/>
-              <a:t>C</a:t>
-            </a:r>
-            <a:r>
-              <a:rPr lang="en-US" dirty="0" err="1"/>
-              <a:t>reat</a:t>
-            </a:r>
-            <a:r>
-              <a:rPr lang="tr-TR" dirty="0"/>
-              <a:t>ion of </a:t>
-            </a:r>
-            <a:r>
-              <a:rPr lang="en-US" dirty="0"/>
-              <a:t>new features to build downstream deep learning models to find relations between the outcomes and leadership and morale factors.</a:t>
-            </a:r>
-            <a:endParaRPr lang="tr-TR" dirty="0"/>
-          </a:p>
-        </p:txBody>
-      </p:sp>
-      <p:sp>
-        <p:nvSpPr>
-          <p:cNvPr id="72" name="TextBox 71">
-            <a:extLst>
-              <a:ext uri="{FF2B5EF4-FFF2-40B4-BE49-F238E27FC236}">
-                <a16:creationId xmlns:a16="http://schemas.microsoft.com/office/drawing/2014/main" id="{56153ABA-88E4-4EF1-8F3B-355AED9EB331}"/>
-              </a:ext>
-            </a:extLst>
-          </p:cNvPr>
-          <p:cNvSpPr txBox="1"/>
-          <p:nvPr/>
-        </p:nvSpPr>
-        <p:spPr>
-          <a:xfrm>
-            <a:off x="55700" y="988956"/>
-            <a:ext cx="1265090" cy="769441"/>
-          </a:xfrm>
-          <a:prstGeom prst="rect">
-            <a:avLst/>
-          </a:prstGeom>
-          <a:noFill/>
-        </p:spPr>
-        <p:txBody>
-          <a:bodyPr wrap="none" rtlCol="0">
-            <a:spAutoFit/>
-          </a:bodyPr>
-          <a:lstStyle/>
-          <a:p>
-            <a:r>
-              <a:rPr lang="tr-TR" sz="2200" b="1" dirty="0"/>
-              <a:t>Key </a:t>
-            </a:r>
-          </a:p>
-          <a:p>
-            <a:r>
-              <a:rPr lang="tr-TR" sz="2200" b="1" dirty="0"/>
-              <a:t>Activities</a:t>
-            </a:r>
-          </a:p>
-        </p:txBody>
-      </p:sp>
-      <p:sp>
-        <p:nvSpPr>
-          <p:cNvPr id="73" name="TextBox 72">
-            <a:extLst>
-              <a:ext uri="{FF2B5EF4-FFF2-40B4-BE49-F238E27FC236}">
-                <a16:creationId xmlns:a16="http://schemas.microsoft.com/office/drawing/2014/main" id="{4AC1ACB3-1195-4037-ACEA-AAE3C401ECE1}"/>
-              </a:ext>
-            </a:extLst>
-          </p:cNvPr>
-          <p:cNvSpPr txBox="1"/>
-          <p:nvPr/>
-        </p:nvSpPr>
-        <p:spPr>
-          <a:xfrm>
-            <a:off x="1492795" y="6336227"/>
-            <a:ext cx="1214948" cy="430887"/>
-          </a:xfrm>
-          <a:prstGeom prst="rect">
-            <a:avLst/>
-          </a:prstGeom>
-          <a:noFill/>
-        </p:spPr>
-        <p:txBody>
-          <a:bodyPr wrap="none" rtlCol="0">
-            <a:spAutoFit/>
-          </a:bodyPr>
-          <a:lstStyle/>
-          <a:p>
-            <a:r>
-              <a:rPr lang="tr-TR" sz="2200" b="1" dirty="0"/>
-              <a:t>Raw text</a:t>
-            </a:r>
-          </a:p>
-        </p:txBody>
-      </p:sp>
-      <p:sp>
-        <p:nvSpPr>
-          <p:cNvPr id="2054" name="Oval 2053">
-            <a:extLst>
-              <a:ext uri="{FF2B5EF4-FFF2-40B4-BE49-F238E27FC236}">
-                <a16:creationId xmlns:a16="http://schemas.microsoft.com/office/drawing/2014/main" id="{B02D89C1-5AC5-4653-941E-1C9C0FD6FB43}"/>
-              </a:ext>
-            </a:extLst>
-          </p:cNvPr>
-          <p:cNvSpPr/>
-          <p:nvPr/>
-        </p:nvSpPr>
-        <p:spPr>
-          <a:xfrm>
-            <a:off x="1821346" y="441207"/>
-            <a:ext cx="660887" cy="557612"/>
-          </a:xfrm>
-          <a:prstGeom prst="ellipse">
-            <a:avLst/>
-          </a:prstGeom>
-          <a:solidFill>
-            <a:srgbClr val="FF0000"/>
-          </a:solidFill>
-        </p:spPr>
-        <p:style>
-          <a:lnRef idx="2">
-            <a:schemeClr val="accent1">
-              <a:shade val="50000"/>
-            </a:schemeClr>
-          </a:lnRef>
-          <a:fillRef idx="1">
-            <a:schemeClr val="accent1"/>
-          </a:fillRef>
-          <a:effectRef idx="0">
-            <a:schemeClr val="accent1"/>
-          </a:effectRef>
-          <a:fontRef idx="minor">
-            <a:schemeClr val="lt1"/>
-          </a:fontRef>
-        </p:style>
-        <p:txBody>
-          <a:bodyPr rtlCol="0" anchor="ctr"/>
-          <a:lstStyle/>
-          <a:p>
-            <a:pPr algn="ctr"/>
-            <a:r>
-              <a:rPr lang="tr-TR" sz="3600" b="1" dirty="0">
-                <a:solidFill>
-                  <a:sysClr val="windowText" lastClr="000000"/>
-                </a:solidFill>
-              </a:rPr>
-              <a:t>1</a:t>
-            </a:r>
-          </a:p>
-        </p:txBody>
-      </p:sp>
-      <p:grpSp>
-        <p:nvGrpSpPr>
-          <p:cNvPr id="2060" name="Group 2059">
-            <a:extLst>
-              <a:ext uri="{FF2B5EF4-FFF2-40B4-BE49-F238E27FC236}">
-                <a16:creationId xmlns:a16="http://schemas.microsoft.com/office/drawing/2014/main" id="{A2473706-0478-474D-9301-3DDD92D043E1}"/>
-              </a:ext>
-            </a:extLst>
-          </p:cNvPr>
-          <p:cNvGrpSpPr/>
-          <p:nvPr/>
-        </p:nvGrpSpPr>
-        <p:grpSpPr>
-          <a:xfrm>
-            <a:off x="2825414" y="3985025"/>
-            <a:ext cx="4685105" cy="1986417"/>
-            <a:chOff x="2825414" y="3985025"/>
-            <a:chExt cx="4685105" cy="1986417"/>
-          </a:xfrm>
-        </p:grpSpPr>
-        <p:sp>
-          <p:nvSpPr>
-            <p:cNvPr id="29" name="Rectangle: Rounded Corners 28">
-              <a:extLst>
-                <a:ext uri="{FF2B5EF4-FFF2-40B4-BE49-F238E27FC236}">
-                  <a16:creationId xmlns:a16="http://schemas.microsoft.com/office/drawing/2014/main" id="{18739060-8C01-45A1-A903-0C631B66214E}"/>
-                </a:ext>
-              </a:extLst>
-            </p:cNvPr>
-            <p:cNvSpPr/>
-            <p:nvPr/>
-          </p:nvSpPr>
-          <p:spPr>
-            <a:xfrm>
-              <a:off x="2825414" y="5378841"/>
-              <a:ext cx="2172000" cy="592601"/>
-            </a:xfrm>
-            <a:prstGeom prst="roundRect">
-              <a:avLst/>
-            </a:prstGeom>
-            <a:solidFill>
-              <a:schemeClr val="accent1">
-                <a:alpha val="8000"/>
-              </a:schemeClr>
-            </a:solidFill>
-          </p:spPr>
-          <p:style>
-            <a:lnRef idx="2">
-              <a:schemeClr val="accent1">
-                <a:shade val="50000"/>
-              </a:schemeClr>
-            </a:lnRef>
-            <a:fillRef idx="1">
-              <a:schemeClr val="accent1"/>
-            </a:fillRef>
-            <a:effectRef idx="0">
-              <a:schemeClr val="accent1"/>
-            </a:effectRef>
-            <a:fontRef idx="minor">
-              <a:schemeClr val="lt1"/>
-            </a:fontRef>
-          </p:style>
-          <p:txBody>
-            <a:bodyPr rtlCol="0" anchor="ctr"/>
-            <a:lstStyle/>
-            <a:p>
-              <a:pPr algn="ctr"/>
-              <a:r>
-                <a:rPr lang="tr-TR" b="1" dirty="0">
-                  <a:solidFill>
-                    <a:schemeClr val="tx1"/>
-                  </a:solidFill>
-                </a:rPr>
-                <a:t>Named Entitiy Recognition</a:t>
-              </a:r>
-            </a:p>
-          </p:txBody>
-        </p:sp>
-        <p:sp>
-          <p:nvSpPr>
-            <p:cNvPr id="31" name="Rectangle: Rounded Corners 30">
-              <a:extLst>
-                <a:ext uri="{FF2B5EF4-FFF2-40B4-BE49-F238E27FC236}">
-                  <a16:creationId xmlns:a16="http://schemas.microsoft.com/office/drawing/2014/main" id="{B1046F27-A5F4-4532-823E-9506729A917F}"/>
-                </a:ext>
-              </a:extLst>
-            </p:cNvPr>
-            <p:cNvSpPr/>
-            <p:nvPr/>
-          </p:nvSpPr>
-          <p:spPr>
-            <a:xfrm>
-              <a:off x="6047715" y="5376089"/>
-              <a:ext cx="1462804" cy="572587"/>
-            </a:xfrm>
-            <a:prstGeom prst="roundRect">
-              <a:avLst/>
-            </a:prstGeom>
-            <a:solidFill>
-              <a:schemeClr val="accent1">
-                <a:alpha val="8000"/>
-              </a:schemeClr>
-            </a:solidFill>
-          </p:spPr>
-          <p:style>
-            <a:lnRef idx="2">
-              <a:schemeClr val="accent1">
-                <a:shade val="50000"/>
-              </a:schemeClr>
-            </a:lnRef>
-            <a:fillRef idx="1">
-              <a:schemeClr val="accent1"/>
-            </a:fillRef>
-            <a:effectRef idx="0">
-              <a:schemeClr val="accent1"/>
-            </a:effectRef>
-            <a:fontRef idx="minor">
-              <a:schemeClr val="lt1"/>
-            </a:fontRef>
-          </p:style>
-          <p:txBody>
-            <a:bodyPr rtlCol="0" anchor="ctr"/>
-            <a:lstStyle/>
-            <a:p>
-              <a:pPr algn="ctr"/>
-              <a:r>
-                <a:rPr lang="tr-TR" b="1" dirty="0">
-                  <a:solidFill>
-                    <a:schemeClr val="tx1"/>
-                  </a:solidFill>
-                </a:rPr>
-                <a:t>Relation Extraction</a:t>
-              </a:r>
-            </a:p>
-          </p:txBody>
-        </p:sp>
-        <p:sp>
-          <p:nvSpPr>
-            <p:cNvPr id="38" name="TextBox 37">
-              <a:extLst>
-                <a:ext uri="{FF2B5EF4-FFF2-40B4-BE49-F238E27FC236}">
-                  <a16:creationId xmlns:a16="http://schemas.microsoft.com/office/drawing/2014/main" id="{F2077B66-623D-49EB-B528-606C434A5287}"/>
-                </a:ext>
-              </a:extLst>
-            </p:cNvPr>
-            <p:cNvSpPr txBox="1"/>
-            <p:nvPr/>
-          </p:nvSpPr>
-          <p:spPr>
-            <a:xfrm>
-              <a:off x="4368580" y="3985025"/>
-              <a:ext cx="1959896" cy="923330"/>
-            </a:xfrm>
-            <a:prstGeom prst="rect">
-              <a:avLst/>
-            </a:prstGeom>
-            <a:noFill/>
-            <a:ln>
-              <a:solidFill>
-                <a:schemeClr val="tx1"/>
-              </a:solidFill>
-            </a:ln>
-          </p:spPr>
-          <p:txBody>
-            <a:bodyPr wrap="none" rtlCol="0">
-              <a:spAutoFit/>
-            </a:bodyPr>
-            <a:lstStyle/>
-            <a:p>
-              <a:pPr algn="ctr"/>
-              <a:r>
-                <a:rPr lang="tr-TR" b="1" dirty="0"/>
-                <a:t>Training of Models</a:t>
-              </a:r>
-            </a:p>
-            <a:p>
-              <a:pPr algn="ctr"/>
-              <a:r>
-                <a:rPr lang="tr-TR" sz="1800" b="1" dirty="0">
-                  <a:solidFill>
-                    <a:srgbClr val="000000"/>
-                  </a:solidFill>
-                  <a:effectLst/>
-                  <a:latin typeface="Calibri" panose="020F0502020204030204" pitchFamily="34" charset="0"/>
-                  <a:ea typeface="Times New Roman" panose="02020603050405020304" pitchFamily="18" charset="0"/>
-                </a:rPr>
-                <a:t>with Language </a:t>
-              </a:r>
-            </a:p>
-            <a:p>
-              <a:pPr algn="ctr"/>
-              <a:r>
-                <a:rPr lang="tr-TR" sz="1800" b="1" dirty="0">
-                  <a:solidFill>
-                    <a:srgbClr val="000000"/>
-                  </a:solidFill>
-                  <a:effectLst/>
-                  <a:latin typeface="Calibri" panose="020F0502020204030204" pitchFamily="34" charset="0"/>
-                  <a:ea typeface="Times New Roman" panose="02020603050405020304" pitchFamily="18" charset="0"/>
-                </a:rPr>
-                <a:t>Rep. Techniques</a:t>
-              </a:r>
-              <a:endParaRPr lang="tr-TR" b="1" dirty="0"/>
-            </a:p>
-          </p:txBody>
-        </p:sp>
-        <p:cxnSp>
-          <p:nvCxnSpPr>
-            <p:cNvPr id="2057" name="Connector: Elbow 2056">
-              <a:extLst>
-                <a:ext uri="{FF2B5EF4-FFF2-40B4-BE49-F238E27FC236}">
-                  <a16:creationId xmlns:a16="http://schemas.microsoft.com/office/drawing/2014/main" id="{FD32D7C6-86B9-441D-BB63-0FBD46555B10}"/>
-                </a:ext>
-              </a:extLst>
-            </p:cNvPr>
-            <p:cNvCxnSpPr>
-              <a:stCxn id="38" idx="2"/>
-              <a:endCxn id="29" idx="0"/>
-            </p:cNvCxnSpPr>
-            <p:nvPr/>
-          </p:nvCxnSpPr>
-          <p:spPr>
-            <a:xfrm rot="5400000">
-              <a:off x="4394728" y="4425041"/>
-              <a:ext cx="470486" cy="1437114"/>
-            </a:xfrm>
-            <a:prstGeom prst="bentConnector3">
-              <a:avLst/>
-            </a:prstGeom>
-            <a:ln>
-              <a:tailEnd type="triangle"/>
-            </a:ln>
-          </p:spPr>
-          <p:style>
-            <a:lnRef idx="1">
-              <a:schemeClr val="accent1"/>
-            </a:lnRef>
-            <a:fillRef idx="0">
-              <a:schemeClr val="accent1"/>
-            </a:fillRef>
-            <a:effectRef idx="0">
-              <a:schemeClr val="accent1"/>
-            </a:effectRef>
-            <a:fontRef idx="minor">
-              <a:schemeClr val="tx1"/>
-            </a:fontRef>
-          </p:style>
-        </p:cxnSp>
-        <p:cxnSp>
-          <p:nvCxnSpPr>
-            <p:cNvPr id="2059" name="Connector: Elbow 2058">
-              <a:extLst>
-                <a:ext uri="{FF2B5EF4-FFF2-40B4-BE49-F238E27FC236}">
-                  <a16:creationId xmlns:a16="http://schemas.microsoft.com/office/drawing/2014/main" id="{4E72937B-99BB-491E-9575-A07CB0389A87}"/>
-                </a:ext>
-              </a:extLst>
-            </p:cNvPr>
-            <p:cNvCxnSpPr>
-              <a:stCxn id="38" idx="2"/>
-              <a:endCxn id="31" idx="0"/>
-            </p:cNvCxnSpPr>
-            <p:nvPr/>
-          </p:nvCxnSpPr>
-          <p:spPr>
-            <a:xfrm rot="16200000" flipH="1">
-              <a:off x="5829955" y="4426927"/>
-              <a:ext cx="467734" cy="1430589"/>
-            </a:xfrm>
-            <a:prstGeom prst="bentConnector3">
-              <a:avLst/>
-            </a:prstGeom>
-            <a:ln>
-              <a:tailEnd type="triangle"/>
-            </a:ln>
-          </p:spPr>
-          <p:style>
-            <a:lnRef idx="1">
-              <a:schemeClr val="accent1"/>
-            </a:lnRef>
-            <a:fillRef idx="0">
-              <a:schemeClr val="accent1"/>
-            </a:fillRef>
-            <a:effectRef idx="0">
-              <a:schemeClr val="accent1"/>
-            </a:effectRef>
-            <a:fontRef idx="minor">
-              <a:schemeClr val="tx1"/>
-            </a:fontRef>
-          </p:style>
-        </p:cxnSp>
-      </p:grpSp>
-    </p:spTree>
-    <p:extLst>
-      <p:ext uri="{BB962C8B-B14F-4D97-AF65-F5344CB8AC3E}">
-        <p14:creationId xmlns:p14="http://schemas.microsoft.com/office/powerpoint/2010/main" val="1139851323"/>
-      </p:ext>
-    </p:extLst>
-  </p:cSld>
-  <p:clrMapOvr>
-    <a:masterClrMapping/>
-  </p:clrMapOvr>
-</p:sld>
-</file>
-
-<file path=ppt/slides/slide22.xml><?xml version="1.0" encoding="utf-8"?>
-<p:sld xmlns:a="http://schemas.openxmlformats.org/drawingml/2006/main" xmlns:r="http://schemas.openxmlformats.org/officeDocument/2006/relationships" xmlns:p="http://schemas.openxmlformats.org/presentationml/2006/main">
-  <p:cSld>
-    <p:spTree>
-      <p:nvGrpSpPr>
-        <p:cNvPr id="1" name=""/>
-        <p:cNvGrpSpPr/>
-        <p:nvPr/>
-      </p:nvGrpSpPr>
-      <p:grpSpPr>
-        <a:xfrm>
-          <a:off x="0" y="0"/>
-          <a:ext cx="0" cy="0"/>
-          <a:chOff x="0" y="0"/>
-          <a:chExt cx="0" cy="0"/>
-        </a:xfrm>
-      </p:grpSpPr>
       <p:graphicFrame>
         <p:nvGraphicFramePr>
           <p:cNvPr id="4" name="Table 4">
@@ -19571,7 +20288,7 @@
             <p:ph idx="1"/>
             <p:extLst>
               <p:ext uri="{D42A27DB-BD31-4B8C-83A1-F6EECF244321}">
-                <p14:modId xmlns:p14="http://schemas.microsoft.com/office/powerpoint/2010/main" val="3587909039"/>
+                <p14:modId xmlns:p14="http://schemas.microsoft.com/office/powerpoint/2010/main" val="804197170"/>
               </p:ext>
             </p:extLst>
           </p:nvPr>
@@ -22243,10 +22960,745 @@
           </a:p>
         </p:txBody>
       </p:sp>
+      <p:pic>
+        <p:nvPicPr>
+          <p:cNvPr id="40" name="Picture 2" descr="Python Training - Object Development - Virtual Beehive">
+            <a:extLst>
+              <a:ext uri="{FF2B5EF4-FFF2-40B4-BE49-F238E27FC236}">
+                <a16:creationId xmlns:a16="http://schemas.microsoft.com/office/drawing/2014/main" id="{FF96A657-89AB-437E-A75A-9545CF3F9E13}"/>
+              </a:ext>
+            </a:extLst>
+          </p:cNvPr>
+          <p:cNvPicPr>
+            <a:picLocks noChangeAspect="1" noChangeArrowheads="1"/>
+          </p:cNvPicPr>
+          <p:nvPr/>
+        </p:nvPicPr>
+        <p:blipFill rotWithShape="1">
+          <a:blip r:embed="rId7">
+            <a:extLst>
+              <a:ext uri="{28A0092B-C50C-407E-A947-70E740481C1C}">
+                <a14:useLocalDpi xmlns:a14="http://schemas.microsoft.com/office/drawing/2010/main" val="0"/>
+              </a:ext>
+            </a:extLst>
+          </a:blip>
+          <a:srcRect l="30227" t="8545" r="27510" b="16749"/>
+          <a:stretch/>
+        </p:blipFill>
+        <p:spPr bwMode="auto">
+          <a:xfrm>
+            <a:off x="238849" y="5059482"/>
+            <a:ext cx="1069539" cy="945283"/>
+          </a:xfrm>
+          <a:prstGeom prst="rect">
+            <a:avLst/>
+          </a:prstGeom>
+          <a:noFill/>
+          <a:ln>
+            <a:solidFill>
+              <a:schemeClr val="bg1">
+                <a:lumMod val="65000"/>
+              </a:schemeClr>
+            </a:solidFill>
+          </a:ln>
+          <a:extLst>
+            <a:ext uri="{909E8E84-426E-40DD-AFC4-6F175D3DCCD1}">
+              <a14:hiddenFill xmlns:a14="http://schemas.microsoft.com/office/drawing/2010/main">
+                <a:solidFill>
+                  <a:srgbClr val="FFFFFF"/>
+                </a:solidFill>
+              </a14:hiddenFill>
+            </a:ext>
+          </a:extLst>
+        </p:spPr>
+      </p:pic>
     </p:spTree>
     <p:extLst>
       <p:ext uri="{BB962C8B-B14F-4D97-AF65-F5344CB8AC3E}">
         <p14:creationId xmlns:p14="http://schemas.microsoft.com/office/powerpoint/2010/main" val="496396333"/>
+      </p:ext>
+    </p:extLst>
+  </p:cSld>
+  <p:clrMapOvr>
+    <a:masterClrMapping/>
+  </p:clrMapOvr>
+</p:sld>
+</file>
+
+<file path=ppt/slides/slide22.xml><?xml version="1.0" encoding="utf-8"?>
+<p:sld xmlns:a="http://schemas.openxmlformats.org/drawingml/2006/main" xmlns:r="http://schemas.openxmlformats.org/officeDocument/2006/relationships" xmlns:p="http://schemas.openxmlformats.org/presentationml/2006/main">
+  <p:cSld>
+    <p:spTree>
+      <p:nvGrpSpPr>
+        <p:cNvPr id="1" name=""/>
+        <p:cNvGrpSpPr/>
+        <p:nvPr/>
+      </p:nvGrpSpPr>
+      <p:grpSpPr>
+        <a:xfrm>
+          <a:off x="0" y="0"/>
+          <a:ext cx="0" cy="0"/>
+          <a:chOff x="0" y="0"/>
+          <a:chExt cx="0" cy="0"/>
+        </a:xfrm>
+      </p:grpSpPr>
+      <p:grpSp>
+        <p:nvGrpSpPr>
+          <p:cNvPr id="9" name="Group 8">
+            <a:extLst>
+              <a:ext uri="{FF2B5EF4-FFF2-40B4-BE49-F238E27FC236}">
+                <a16:creationId xmlns:a16="http://schemas.microsoft.com/office/drawing/2014/main" id="{E93E232E-65A7-403B-B2D1-2191BB43126A}"/>
+              </a:ext>
+            </a:extLst>
+          </p:cNvPr>
+          <p:cNvGrpSpPr/>
+          <p:nvPr/>
+        </p:nvGrpSpPr>
+        <p:grpSpPr>
+          <a:xfrm>
+            <a:off x="54317" y="1140006"/>
+            <a:ext cx="4180624" cy="3556428"/>
+            <a:chOff x="4685790" y="1570744"/>
+            <a:chExt cx="4168918" cy="3675110"/>
+          </a:xfrm>
+        </p:grpSpPr>
+        <p:sp>
+          <p:nvSpPr>
+            <p:cNvPr id="11" name="Hexagon 10">
+              <a:extLst>
+                <a:ext uri="{FF2B5EF4-FFF2-40B4-BE49-F238E27FC236}">
+                  <a16:creationId xmlns:a16="http://schemas.microsoft.com/office/drawing/2014/main" id="{EE94EF44-9C83-45D3-A30A-ADC3B5FBD3C4}"/>
+                </a:ext>
+              </a:extLst>
+            </p:cNvPr>
+            <p:cNvSpPr/>
+            <p:nvPr/>
+          </p:nvSpPr>
+          <p:spPr>
+            <a:xfrm>
+              <a:off x="4685790" y="1570744"/>
+              <a:ext cx="4168918" cy="3675110"/>
+            </a:xfrm>
+            <a:prstGeom prst="hexagon">
+              <a:avLst/>
+            </a:prstGeom>
+            <a:solidFill>
+              <a:schemeClr val="bg2"/>
+            </a:solidFill>
+            <a:ln>
+              <a:noFill/>
+            </a:ln>
+          </p:spPr>
+          <p:style>
+            <a:lnRef idx="2">
+              <a:schemeClr val="accent1">
+                <a:shade val="50000"/>
+              </a:schemeClr>
+            </a:lnRef>
+            <a:fillRef idx="1">
+              <a:schemeClr val="accent1"/>
+            </a:fillRef>
+            <a:effectRef idx="0">
+              <a:schemeClr val="accent1"/>
+            </a:effectRef>
+            <a:fontRef idx="minor">
+              <a:schemeClr val="lt1"/>
+            </a:fontRef>
+          </p:style>
+          <p:txBody>
+            <a:bodyPr rtlCol="0" anchor="ctr"/>
+            <a:lstStyle/>
+            <a:p>
+              <a:pPr algn="ctr"/>
+              <a:endParaRPr lang="tr-TR"/>
+            </a:p>
+          </p:txBody>
+        </p:sp>
+        <p:pic>
+          <p:nvPicPr>
+            <p:cNvPr id="12" name="Picture 2" descr="Définition d'institution - Concept et Sens">
+              <a:extLst>
+                <a:ext uri="{FF2B5EF4-FFF2-40B4-BE49-F238E27FC236}">
+                  <a16:creationId xmlns:a16="http://schemas.microsoft.com/office/drawing/2014/main" id="{AB61026F-F2AD-4C64-B97E-C08228EDF50A}"/>
+                </a:ext>
+              </a:extLst>
+            </p:cNvPr>
+            <p:cNvPicPr>
+              <a:picLocks noChangeAspect="1" noChangeArrowheads="1"/>
+            </p:cNvPicPr>
+            <p:nvPr/>
+          </p:nvPicPr>
+          <p:blipFill>
+            <a:blip r:embed="rId2">
+              <a:extLst>
+                <a:ext uri="{28A0092B-C50C-407E-A947-70E740481C1C}">
+                  <a14:useLocalDpi xmlns:a14="http://schemas.microsoft.com/office/drawing/2010/main" val="0"/>
+                </a:ext>
+              </a:extLst>
+            </a:blip>
+            <a:stretch>
+              <a:fillRect/>
+            </a:stretch>
+          </p:blipFill>
+          <p:spPr bwMode="auto">
+            <a:xfrm>
+              <a:off x="5646339" y="2309353"/>
+              <a:ext cx="2135083" cy="2135083"/>
+            </a:xfrm>
+            <a:prstGeom prst="rect">
+              <a:avLst/>
+            </a:prstGeom>
+            <a:noFill/>
+            <a:extLst>
+              <a:ext uri="{909E8E84-426E-40DD-AFC4-6F175D3DCCD1}">
+                <a14:hiddenFill xmlns:a14="http://schemas.microsoft.com/office/drawing/2010/main">
+                  <a:solidFill>
+                    <a:srgbClr val="FFFFFF"/>
+                  </a:solidFill>
+                </a14:hiddenFill>
+              </a:ext>
+            </a:extLst>
+          </p:spPr>
+        </p:pic>
+      </p:grpSp>
+      <p:grpSp>
+        <p:nvGrpSpPr>
+          <p:cNvPr id="14" name="Group 13">
+            <a:extLst>
+              <a:ext uri="{FF2B5EF4-FFF2-40B4-BE49-F238E27FC236}">
+                <a16:creationId xmlns:a16="http://schemas.microsoft.com/office/drawing/2014/main" id="{F6B89366-D003-430C-A0A0-7CA135B865D4}"/>
+              </a:ext>
+            </a:extLst>
+          </p:cNvPr>
+          <p:cNvGrpSpPr/>
+          <p:nvPr/>
+        </p:nvGrpSpPr>
+        <p:grpSpPr>
+          <a:xfrm>
+            <a:off x="3461304" y="3600012"/>
+            <a:ext cx="2623574" cy="2192843"/>
+            <a:chOff x="4495683" y="1714067"/>
+            <a:chExt cx="2623574" cy="2192843"/>
+          </a:xfrm>
+        </p:grpSpPr>
+        <p:sp>
+          <p:nvSpPr>
+            <p:cNvPr id="16" name="Hexagon 15">
+              <a:extLst>
+                <a:ext uri="{FF2B5EF4-FFF2-40B4-BE49-F238E27FC236}">
+                  <a16:creationId xmlns:a16="http://schemas.microsoft.com/office/drawing/2014/main" id="{AC6DF70A-568A-4433-B783-2C1D17B847DE}"/>
+                </a:ext>
+              </a:extLst>
+            </p:cNvPr>
+            <p:cNvSpPr/>
+            <p:nvPr/>
+          </p:nvSpPr>
+          <p:spPr>
+            <a:xfrm>
+              <a:off x="4495683" y="1714067"/>
+              <a:ext cx="2623574" cy="2192843"/>
+            </a:xfrm>
+            <a:prstGeom prst="hexagon">
+              <a:avLst/>
+            </a:prstGeom>
+            <a:solidFill>
+              <a:schemeClr val="bg2"/>
+            </a:solidFill>
+            <a:ln>
+              <a:noFill/>
+            </a:ln>
+          </p:spPr>
+          <p:style>
+            <a:lnRef idx="2">
+              <a:schemeClr val="accent1">
+                <a:shade val="50000"/>
+              </a:schemeClr>
+            </a:lnRef>
+            <a:fillRef idx="1">
+              <a:schemeClr val="accent1"/>
+            </a:fillRef>
+            <a:effectRef idx="0">
+              <a:schemeClr val="accent1"/>
+            </a:effectRef>
+            <a:fontRef idx="minor">
+              <a:schemeClr val="lt1"/>
+            </a:fontRef>
+          </p:style>
+          <p:txBody>
+            <a:bodyPr rtlCol="0" anchor="ctr"/>
+            <a:lstStyle/>
+            <a:p>
+              <a:pPr algn="ctr"/>
+              <a:endParaRPr lang="tr-TR"/>
+            </a:p>
+          </p:txBody>
+        </p:sp>
+        <p:pic>
+          <p:nvPicPr>
+            <p:cNvPr id="17" name="Picture 4" descr="Soldiers and a weapon icon">
+              <a:extLst>
+                <a:ext uri="{FF2B5EF4-FFF2-40B4-BE49-F238E27FC236}">
+                  <a16:creationId xmlns:a16="http://schemas.microsoft.com/office/drawing/2014/main" id="{B98293F7-4CB2-458E-8D40-65DC50466F92}"/>
+                </a:ext>
+              </a:extLst>
+            </p:cNvPr>
+            <p:cNvPicPr>
+              <a:picLocks noChangeAspect="1" noChangeArrowheads="1"/>
+            </p:cNvPicPr>
+            <p:nvPr/>
+          </p:nvPicPr>
+          <p:blipFill>
+            <a:blip r:embed="rId3">
+              <a:extLst>
+                <a:ext uri="{28A0092B-C50C-407E-A947-70E740481C1C}">
+                  <a14:useLocalDpi xmlns:a14="http://schemas.microsoft.com/office/drawing/2010/main" val="0"/>
+                </a:ext>
+              </a:extLst>
+            </a:blip>
+            <a:srcRect/>
+            <a:stretch>
+              <a:fillRect/>
+            </a:stretch>
+          </p:blipFill>
+          <p:spPr bwMode="auto">
+            <a:xfrm>
+              <a:off x="5152318" y="2118696"/>
+              <a:ext cx="1310304" cy="1310304"/>
+            </a:xfrm>
+            <a:prstGeom prst="rect">
+              <a:avLst/>
+            </a:prstGeom>
+            <a:noFill/>
+            <a:extLst>
+              <a:ext uri="{909E8E84-426E-40DD-AFC4-6F175D3DCCD1}">
+                <a14:hiddenFill xmlns:a14="http://schemas.microsoft.com/office/drawing/2010/main">
+                  <a:solidFill>
+                    <a:srgbClr val="FFFFFF"/>
+                  </a:solidFill>
+                </a14:hiddenFill>
+              </a:ext>
+            </a:extLst>
+          </p:spPr>
+        </p:pic>
+      </p:grpSp>
+      <p:grpSp>
+        <p:nvGrpSpPr>
+          <p:cNvPr id="18" name="Group 17">
+            <a:extLst>
+              <a:ext uri="{FF2B5EF4-FFF2-40B4-BE49-F238E27FC236}">
+                <a16:creationId xmlns:a16="http://schemas.microsoft.com/office/drawing/2014/main" id="{C55F4DD8-60C9-4B64-99A8-495D6940470C}"/>
+              </a:ext>
+            </a:extLst>
+          </p:cNvPr>
+          <p:cNvGrpSpPr/>
+          <p:nvPr/>
+        </p:nvGrpSpPr>
+        <p:grpSpPr>
+          <a:xfrm>
+            <a:off x="5639729" y="2032432"/>
+            <a:ext cx="3717588" cy="3135160"/>
+            <a:chOff x="4495683" y="1714067"/>
+            <a:chExt cx="3717588" cy="3135160"/>
+          </a:xfrm>
+        </p:grpSpPr>
+        <p:sp>
+          <p:nvSpPr>
+            <p:cNvPr id="19" name="Hexagon 18">
+              <a:extLst>
+                <a:ext uri="{FF2B5EF4-FFF2-40B4-BE49-F238E27FC236}">
+                  <a16:creationId xmlns:a16="http://schemas.microsoft.com/office/drawing/2014/main" id="{4ED94CF3-0112-4D3A-A9F1-5F5596F69893}"/>
+                </a:ext>
+              </a:extLst>
+            </p:cNvPr>
+            <p:cNvSpPr/>
+            <p:nvPr/>
+          </p:nvSpPr>
+          <p:spPr>
+            <a:xfrm>
+              <a:off x="4495683" y="1714067"/>
+              <a:ext cx="3717588" cy="3135160"/>
+            </a:xfrm>
+            <a:prstGeom prst="hexagon">
+              <a:avLst/>
+            </a:prstGeom>
+            <a:solidFill>
+              <a:schemeClr val="bg2"/>
+            </a:solidFill>
+            <a:ln>
+              <a:noFill/>
+            </a:ln>
+          </p:spPr>
+          <p:style>
+            <a:lnRef idx="2">
+              <a:schemeClr val="accent1">
+                <a:shade val="50000"/>
+              </a:schemeClr>
+            </a:lnRef>
+            <a:fillRef idx="1">
+              <a:schemeClr val="accent1"/>
+            </a:fillRef>
+            <a:effectRef idx="0">
+              <a:schemeClr val="accent1"/>
+            </a:effectRef>
+            <a:fontRef idx="minor">
+              <a:schemeClr val="lt1"/>
+            </a:fontRef>
+          </p:style>
+          <p:txBody>
+            <a:bodyPr rtlCol="0" anchor="ctr"/>
+            <a:lstStyle/>
+            <a:p>
+              <a:pPr algn="ctr"/>
+              <a:endParaRPr lang="tr-TR"/>
+            </a:p>
+          </p:txBody>
+        </p:sp>
+        <p:pic>
+          <p:nvPicPr>
+            <p:cNvPr id="20" name="Picture 4" descr="Lesson Learning Images, Stock Photos &amp;amp; Vectors | Shutterstock">
+              <a:extLst>
+                <a:ext uri="{FF2B5EF4-FFF2-40B4-BE49-F238E27FC236}">
+                  <a16:creationId xmlns:a16="http://schemas.microsoft.com/office/drawing/2014/main" id="{871911D0-70E6-40C0-B8F2-6BE8B1B8A49E}"/>
+                </a:ext>
+              </a:extLst>
+            </p:cNvPr>
+            <p:cNvPicPr>
+              <a:picLocks noChangeAspect="1" noChangeArrowheads="1"/>
+            </p:cNvPicPr>
+            <p:nvPr/>
+          </p:nvPicPr>
+          <p:blipFill rotWithShape="1">
+            <a:blip r:embed="rId4">
+              <a:extLst>
+                <a:ext uri="{28A0092B-C50C-407E-A947-70E740481C1C}">
+                  <a14:useLocalDpi xmlns:a14="http://schemas.microsoft.com/office/drawing/2010/main" val="0"/>
+                </a:ext>
+              </a:extLst>
+            </a:blip>
+            <a:srcRect b="8915"/>
+            <a:stretch/>
+          </p:blipFill>
+          <p:spPr bwMode="auto">
+            <a:xfrm>
+              <a:off x="5200247" y="2621940"/>
+              <a:ext cx="2308459" cy="1319414"/>
+            </a:xfrm>
+            <a:prstGeom prst="rect">
+              <a:avLst/>
+            </a:prstGeom>
+            <a:noFill/>
+            <a:extLst>
+              <a:ext uri="{909E8E84-426E-40DD-AFC4-6F175D3DCCD1}">
+                <a14:hiddenFill xmlns:a14="http://schemas.microsoft.com/office/drawing/2010/main">
+                  <a:solidFill>
+                    <a:srgbClr val="FFFFFF"/>
+                  </a:solidFill>
+                </a14:hiddenFill>
+              </a:ext>
+            </a:extLst>
+          </p:spPr>
+        </p:pic>
+      </p:grpSp>
+      <p:pic>
+        <p:nvPicPr>
+          <p:cNvPr id="3074" name="Picture 2" descr="Python Training - Object Development - Virtual Beehive">
+            <a:extLst>
+              <a:ext uri="{FF2B5EF4-FFF2-40B4-BE49-F238E27FC236}">
+                <a16:creationId xmlns:a16="http://schemas.microsoft.com/office/drawing/2014/main" id="{8AA9155E-75DE-4588-B901-28B37DDDDF39}"/>
+              </a:ext>
+            </a:extLst>
+          </p:cNvPr>
+          <p:cNvPicPr>
+            <a:picLocks noChangeAspect="1" noChangeArrowheads="1"/>
+          </p:cNvPicPr>
+          <p:nvPr/>
+        </p:nvPicPr>
+        <p:blipFill rotWithShape="1">
+          <a:blip r:embed="rId5">
+            <a:extLst>
+              <a:ext uri="{28A0092B-C50C-407E-A947-70E740481C1C}">
+                <a14:useLocalDpi xmlns:a14="http://schemas.microsoft.com/office/drawing/2010/main" val="0"/>
+              </a:ext>
+            </a:extLst>
+          </a:blip>
+          <a:srcRect l="30227" t="8545" r="27510" b="16749"/>
+          <a:stretch/>
+        </p:blipFill>
+        <p:spPr bwMode="auto">
+          <a:xfrm>
+            <a:off x="9870599" y="1463629"/>
+            <a:ext cx="2039546" cy="1802598"/>
+          </a:xfrm>
+          <a:prstGeom prst="rect">
+            <a:avLst/>
+          </a:prstGeom>
+          <a:noFill/>
+          <a:ln>
+            <a:solidFill>
+              <a:schemeClr val="bg1">
+                <a:lumMod val="65000"/>
+              </a:schemeClr>
+            </a:solidFill>
+          </a:ln>
+          <a:extLst>
+            <a:ext uri="{909E8E84-426E-40DD-AFC4-6F175D3DCCD1}">
+              <a14:hiddenFill xmlns:a14="http://schemas.microsoft.com/office/drawing/2010/main">
+                <a:solidFill>
+                  <a:srgbClr val="FFFFFF"/>
+                </a:solidFill>
+              </a14:hiddenFill>
+            </a:ext>
+          </a:extLst>
+        </p:spPr>
+      </p:pic>
+      <p:pic>
+        <p:nvPicPr>
+          <p:cNvPr id="3076" name="Picture 4" descr="New range of academic licenses now available!">
+            <a:extLst>
+              <a:ext uri="{FF2B5EF4-FFF2-40B4-BE49-F238E27FC236}">
+                <a16:creationId xmlns:a16="http://schemas.microsoft.com/office/drawing/2014/main" id="{CCD6E1CA-52E4-428B-8D0F-45EA1D2982F5}"/>
+              </a:ext>
+            </a:extLst>
+          </p:cNvPr>
+          <p:cNvPicPr>
+            <a:picLocks noChangeAspect="1" noChangeArrowheads="1"/>
+          </p:cNvPicPr>
+          <p:nvPr/>
+        </p:nvPicPr>
+        <p:blipFill rotWithShape="1">
+          <a:blip r:embed="rId6">
+            <a:extLst>
+              <a:ext uri="{28A0092B-C50C-407E-A947-70E740481C1C}">
+                <a14:useLocalDpi xmlns:a14="http://schemas.microsoft.com/office/drawing/2010/main" val="0"/>
+              </a:ext>
+            </a:extLst>
+          </a:blip>
+          <a:srcRect l="6301" r="15960" b="-19025"/>
+          <a:stretch/>
+        </p:blipFill>
+        <p:spPr bwMode="auto">
+          <a:xfrm>
+            <a:off x="9870599" y="4180961"/>
+            <a:ext cx="2039546" cy="1802598"/>
+          </a:xfrm>
+          <a:prstGeom prst="rect">
+            <a:avLst/>
+          </a:prstGeom>
+          <a:noFill/>
+          <a:extLst>
+            <a:ext uri="{909E8E84-426E-40DD-AFC4-6F175D3DCCD1}">
+              <a14:hiddenFill xmlns:a14="http://schemas.microsoft.com/office/drawing/2010/main">
+                <a:solidFill>
+                  <a:srgbClr val="FFFFFF"/>
+                </a:solidFill>
+              </a14:hiddenFill>
+            </a:ext>
+          </a:extLst>
+        </p:spPr>
+      </p:pic>
+      <p:sp>
+        <p:nvSpPr>
+          <p:cNvPr id="3" name="Arrow: Curved Right 2">
+            <a:extLst>
+              <a:ext uri="{FF2B5EF4-FFF2-40B4-BE49-F238E27FC236}">
+                <a16:creationId xmlns:a16="http://schemas.microsoft.com/office/drawing/2014/main" id="{0C0267C5-A8DE-4E50-8AB0-8151899FE23A}"/>
+              </a:ext>
+            </a:extLst>
+          </p:cNvPr>
+          <p:cNvSpPr/>
+          <p:nvPr/>
+        </p:nvSpPr>
+        <p:spPr>
+          <a:xfrm rot="3858014">
+            <a:off x="9032517" y="1942112"/>
+            <a:ext cx="415355" cy="808360"/>
+          </a:xfrm>
+          <a:prstGeom prst="curvedRightArrow">
+            <a:avLst>
+              <a:gd name="adj1" fmla="val 61309"/>
+              <a:gd name="adj2" fmla="val 71510"/>
+              <a:gd name="adj3" fmla="val 42977"/>
+            </a:avLst>
+          </a:prstGeom>
+          <a:solidFill>
+            <a:srgbClr val="44E43C"/>
+          </a:solidFill>
+        </p:spPr>
+        <p:style>
+          <a:lnRef idx="2">
+            <a:schemeClr val="accent1">
+              <a:shade val="50000"/>
+            </a:schemeClr>
+          </a:lnRef>
+          <a:fillRef idx="1">
+            <a:schemeClr val="accent1"/>
+          </a:fillRef>
+          <a:effectRef idx="0">
+            <a:schemeClr val="accent1"/>
+          </a:effectRef>
+          <a:fontRef idx="minor">
+            <a:schemeClr val="lt1"/>
+          </a:fontRef>
+        </p:style>
+        <p:txBody>
+          <a:bodyPr rtlCol="0" anchor="ctr"/>
+          <a:lstStyle/>
+          <a:p>
+            <a:pPr algn="ctr"/>
+            <a:endParaRPr lang="tr-TR" b="1"/>
+          </a:p>
+        </p:txBody>
+      </p:sp>
+      <p:sp>
+        <p:nvSpPr>
+          <p:cNvPr id="4" name="Arrow: Curved Left 3">
+            <a:extLst>
+              <a:ext uri="{FF2B5EF4-FFF2-40B4-BE49-F238E27FC236}">
+                <a16:creationId xmlns:a16="http://schemas.microsoft.com/office/drawing/2014/main" id="{F0D6E27A-C07F-4888-9608-41932116539C}"/>
+              </a:ext>
+            </a:extLst>
+          </p:cNvPr>
+          <p:cNvSpPr/>
+          <p:nvPr/>
+        </p:nvSpPr>
+        <p:spPr>
+          <a:xfrm rot="5974356">
+            <a:off x="8995787" y="4328057"/>
+            <a:ext cx="576125" cy="1027773"/>
+          </a:xfrm>
+          <a:prstGeom prst="curvedLeftArrow">
+            <a:avLst>
+              <a:gd name="adj1" fmla="val 33974"/>
+              <a:gd name="adj2" fmla="val 52495"/>
+              <a:gd name="adj3" fmla="val 32124"/>
+            </a:avLst>
+          </a:prstGeom>
+          <a:solidFill>
+            <a:srgbClr val="44E43C"/>
+          </a:solidFill>
+        </p:spPr>
+        <p:style>
+          <a:lnRef idx="2">
+            <a:schemeClr val="accent1">
+              <a:shade val="50000"/>
+            </a:schemeClr>
+          </a:lnRef>
+          <a:fillRef idx="1">
+            <a:schemeClr val="accent1"/>
+          </a:fillRef>
+          <a:effectRef idx="0">
+            <a:schemeClr val="accent1"/>
+          </a:effectRef>
+          <a:fontRef idx="minor">
+            <a:schemeClr val="lt1"/>
+          </a:fontRef>
+        </p:style>
+        <p:txBody>
+          <a:bodyPr rtlCol="0" anchor="ctr"/>
+          <a:lstStyle/>
+          <a:p>
+            <a:pPr algn="ctr"/>
+            <a:endParaRPr lang="tr-TR" b="1"/>
+          </a:p>
+        </p:txBody>
+      </p:sp>
+      <p:sp>
+        <p:nvSpPr>
+          <p:cNvPr id="28" name="Rectangle: Rounded Corners 27">
+            <a:extLst>
+              <a:ext uri="{FF2B5EF4-FFF2-40B4-BE49-F238E27FC236}">
+                <a16:creationId xmlns:a16="http://schemas.microsoft.com/office/drawing/2014/main" id="{E641A87A-1593-461F-9ABE-C93D4FC257F7}"/>
+              </a:ext>
+            </a:extLst>
+          </p:cNvPr>
+          <p:cNvSpPr/>
+          <p:nvPr/>
+        </p:nvSpPr>
+        <p:spPr>
+          <a:xfrm>
+            <a:off x="87083" y="45632"/>
+            <a:ext cx="12026266" cy="739018"/>
+          </a:xfrm>
+          <a:prstGeom prst="roundRect">
+            <a:avLst/>
+          </a:prstGeom>
+          <a:solidFill>
+            <a:schemeClr val="accent1">
+              <a:alpha val="8000"/>
+            </a:schemeClr>
+          </a:solidFill>
+        </p:spPr>
+        <p:style>
+          <a:lnRef idx="2">
+            <a:schemeClr val="accent1">
+              <a:shade val="50000"/>
+            </a:schemeClr>
+          </a:lnRef>
+          <a:fillRef idx="1">
+            <a:schemeClr val="accent1"/>
+          </a:fillRef>
+          <a:effectRef idx="0">
+            <a:schemeClr val="accent1"/>
+          </a:effectRef>
+          <a:fontRef idx="minor">
+            <a:schemeClr val="lt1"/>
+          </a:fontRef>
+        </p:style>
+        <p:txBody>
+          <a:bodyPr rtlCol="0" anchor="ctr"/>
+          <a:lstStyle/>
+          <a:p>
+            <a:pPr algn="ctr"/>
+            <a:r>
+              <a:rPr lang="tr-TR" sz="3400" b="1" dirty="0">
+                <a:solidFill>
+                  <a:schemeClr val="tx1"/>
+                </a:solidFill>
+              </a:rPr>
+              <a:t>So What?</a:t>
+            </a:r>
+          </a:p>
+        </p:txBody>
+      </p:sp>
+      <p:sp>
+        <p:nvSpPr>
+          <p:cNvPr id="5" name="TextBox 4">
+            <a:extLst>
+              <a:ext uri="{FF2B5EF4-FFF2-40B4-BE49-F238E27FC236}">
+                <a16:creationId xmlns:a16="http://schemas.microsoft.com/office/drawing/2014/main" id="{BC0BFBA9-5C10-49EF-9650-B4A48B692EF6}"/>
+              </a:ext>
+            </a:extLst>
+          </p:cNvPr>
+          <p:cNvSpPr txBox="1"/>
+          <p:nvPr/>
+        </p:nvSpPr>
+        <p:spPr>
+          <a:xfrm>
+            <a:off x="585855" y="5904175"/>
+            <a:ext cx="11527494" cy="830997"/>
+          </a:xfrm>
+          <a:prstGeom prst="rect">
+            <a:avLst/>
+          </a:prstGeom>
+          <a:noFill/>
+        </p:spPr>
+        <p:txBody>
+          <a:bodyPr wrap="square" rtlCol="0">
+            <a:spAutoFit/>
+          </a:bodyPr>
+          <a:lstStyle/>
+          <a:p>
+            <a:r>
+              <a:rPr lang="tr-TR" sz="2400" b="1" dirty="0"/>
+              <a:t>Academic rigour and power of computing with Python Programming Language will be integrated to lessons learned process of operations. </a:t>
+            </a:r>
+          </a:p>
+        </p:txBody>
+      </p:sp>
+    </p:spTree>
+    <p:extLst>
+      <p:ext uri="{BB962C8B-B14F-4D97-AF65-F5344CB8AC3E}">
+        <p14:creationId xmlns:p14="http://schemas.microsoft.com/office/powerpoint/2010/main" val="2209063290"/>
       </p:ext>
     </p:extLst>
   </p:cSld>
@@ -22273,135 +23725,150 @@
           <a:chExt cx="0" cy="0"/>
         </a:xfrm>
       </p:grpSpPr>
-      <p:sp>
-        <p:nvSpPr>
-          <p:cNvPr id="2" name="Title 1">
+      <p:pic>
+        <p:nvPicPr>
+          <p:cNvPr id="1028" name="Picture 4" descr="Lesson Learning Images, Stock Photos &amp;amp; Vectors | Shutterstock">
             <a:extLst>
               <a:ext uri="{FF2B5EF4-FFF2-40B4-BE49-F238E27FC236}">
-                <a16:creationId xmlns:a16="http://schemas.microsoft.com/office/drawing/2014/main" id="{9F55FE7F-FDA4-4178-BF8A-667A58C44DDB}"/>
+                <a16:creationId xmlns:a16="http://schemas.microsoft.com/office/drawing/2014/main" id="{B22525E4-CAE9-4A31-8679-0F32E9B471C6}"/>
               </a:ext>
             </a:extLst>
           </p:cNvPr>
-          <p:cNvSpPr>
-            <a:spLocks noGrp="1"/>
-          </p:cNvSpPr>
-          <p:nvPr>
-            <p:ph type="title"/>
-          </p:nvPr>
-        </p:nvSpPr>
-        <p:spPr>
-          <a:xfrm>
-            <a:off x="838200" y="365125"/>
-            <a:ext cx="10515600" cy="826861"/>
-          </a:xfrm>
-        </p:spPr>
-        <p:txBody>
-          <a:bodyPr/>
-          <a:lstStyle/>
-          <a:p>
-            <a:r>
-              <a:rPr lang="tr-TR" b="1" dirty="0"/>
-              <a:t>Strategic Plan</a:t>
-            </a:r>
-          </a:p>
-        </p:txBody>
-      </p:sp>
-      <p:sp>
-        <p:nvSpPr>
-          <p:cNvPr id="4" name="Oval 3">
+          <p:cNvPicPr>
+            <a:picLocks noChangeAspect="1" noChangeArrowheads="1"/>
+          </p:cNvPicPr>
+          <p:nvPr/>
+        </p:nvPicPr>
+        <p:blipFill rotWithShape="1">
+          <a:blip r:embed="rId2">
             <a:extLst>
-              <a:ext uri="{FF2B5EF4-FFF2-40B4-BE49-F238E27FC236}">
-                <a16:creationId xmlns:a16="http://schemas.microsoft.com/office/drawing/2014/main" id="{66C7E9B4-7DBE-4392-AED3-0327713748DE}"/>
+              <a:ext uri="{28A0092B-C50C-407E-A947-70E740481C1C}">
+                <a14:useLocalDpi xmlns:a14="http://schemas.microsoft.com/office/drawing/2010/main" val="0"/>
               </a:ext>
             </a:extLst>
-          </p:cNvPr>
-          <p:cNvSpPr/>
-          <p:nvPr/>
-        </p:nvSpPr>
-        <p:spPr>
+          </a:blip>
+          <a:srcRect b="7634"/>
+          <a:stretch/>
+        </p:blipFill>
+        <p:spPr bwMode="auto">
           <a:xfrm>
-            <a:off x="9095014" y="2024743"/>
-            <a:ext cx="2661557" cy="2057400"/>
-          </a:xfrm>
-          <a:prstGeom prst="ellipse">
-            <a:avLst/>
-          </a:prstGeom>
-        </p:spPr>
-        <p:style>
-          <a:lnRef idx="2">
-            <a:schemeClr val="accent1">
-              <a:shade val="50000"/>
-            </a:schemeClr>
-          </a:lnRef>
-          <a:fillRef idx="1">
-            <a:schemeClr val="accent1"/>
-          </a:fillRef>
-          <a:effectRef idx="0">
-            <a:schemeClr val="accent1"/>
-          </a:effectRef>
-          <a:fontRef idx="minor">
-            <a:schemeClr val="lt1"/>
-          </a:fontRef>
-        </p:style>
-        <p:txBody>
-          <a:bodyPr rtlCol="0" anchor="ctr"/>
-          <a:lstStyle/>
-          <a:p>
-            <a:pPr algn="ctr"/>
-            <a:r>
-              <a:rPr lang="en-GB" sz="1800" dirty="0">
-                <a:effectLst/>
-                <a:latin typeface="Arial" panose="020B0604020202020204" pitchFamily="34" charset="0"/>
-                <a:ea typeface="Times New Roman" panose="02020603050405020304" pitchFamily="18" charset="0"/>
-                <a:cs typeface="Times New Roman" panose="02020603050405020304" pitchFamily="18" charset="0"/>
-              </a:rPr>
-              <a:t>explain effects of leadership and morale on the outcome of the battle</a:t>
-            </a:r>
-            <a:endParaRPr lang="tr-TR" dirty="0"/>
-          </a:p>
-        </p:txBody>
-      </p:sp>
-      <p:sp>
-        <p:nvSpPr>
-          <p:cNvPr id="5" name="TextBox 4">
-            <a:extLst>
-              <a:ext uri="{FF2B5EF4-FFF2-40B4-BE49-F238E27FC236}">
-                <a16:creationId xmlns:a16="http://schemas.microsoft.com/office/drawing/2014/main" id="{CF5A8BF1-A134-47A2-B209-1611D9C8726A}"/>
-              </a:ext>
-            </a:extLst>
-          </p:cNvPr>
-          <p:cNvSpPr txBox="1"/>
-          <p:nvPr/>
-        </p:nvSpPr>
-        <p:spPr>
-          <a:xfrm>
-            <a:off x="9454404" y="4229100"/>
-            <a:ext cx="1942776" cy="369332"/>
+            <a:off x="8342055" y="3889877"/>
+            <a:ext cx="3402524" cy="1972081"/>
           </a:xfrm>
           <a:prstGeom prst="rect">
             <a:avLst/>
           </a:prstGeom>
           <a:noFill/>
+          <a:extLst>
+            <a:ext uri="{909E8E84-426E-40DD-AFC4-6F175D3DCCD1}">
+              <a14:hiddenFill xmlns:a14="http://schemas.microsoft.com/office/drawing/2010/main">
+                <a:solidFill>
+                  <a:srgbClr val="FFFFFF"/>
+                </a:solidFill>
+              </a14:hiddenFill>
+            </a:ext>
+          </a:extLst>
         </p:spPr>
-        <p:txBody>
-          <a:bodyPr wrap="none" rtlCol="0">
-            <a:spAutoFit/>
-          </a:bodyPr>
-          <a:lstStyle/>
-          <a:p>
-            <a:r>
-              <a:rPr lang="tr-TR" dirty="0"/>
-              <a:t>Strategic Objective</a:t>
-            </a:r>
-          </a:p>
-        </p:txBody>
-      </p:sp>
+      </p:pic>
       <p:pic>
         <p:nvPicPr>
-          <p:cNvPr id="6" name="Picture 5" descr="Icon, arrow&#10;&#10;Description automatically generated">
+          <p:cNvPr id="1026" name="Picture 2" descr="Définition d'institution - Concept et Sens">
             <a:extLst>
               <a:ext uri="{FF2B5EF4-FFF2-40B4-BE49-F238E27FC236}">
-                <a16:creationId xmlns:a16="http://schemas.microsoft.com/office/drawing/2014/main" id="{EDE013FE-D286-4629-B937-5BC32DFEE403}"/>
+                <a16:creationId xmlns:a16="http://schemas.microsoft.com/office/drawing/2014/main" id="{6020B26A-A7EE-4FA5-98C6-8A7DB2FEBBFD}"/>
+              </a:ext>
+            </a:extLst>
+          </p:cNvPr>
+          <p:cNvPicPr>
+            <a:picLocks noChangeAspect="1" noChangeArrowheads="1"/>
+          </p:cNvPicPr>
+          <p:nvPr/>
+        </p:nvPicPr>
+        <p:blipFill>
+          <a:blip r:embed="rId3">
+            <a:extLst>
+              <a:ext uri="{28A0092B-C50C-407E-A947-70E740481C1C}">
+                <a14:useLocalDpi xmlns:a14="http://schemas.microsoft.com/office/drawing/2010/main" val="0"/>
+              </a:ext>
+            </a:extLst>
+          </a:blip>
+          <a:stretch>
+            <a:fillRect/>
+          </a:stretch>
+        </p:blipFill>
+        <p:spPr bwMode="auto">
+          <a:xfrm>
+            <a:off x="1024032" y="370733"/>
+            <a:ext cx="2135083" cy="2135083"/>
+          </a:xfrm>
+          <a:prstGeom prst="rect">
+            <a:avLst/>
+          </a:prstGeom>
+          <a:noFill/>
+          <a:extLst>
+            <a:ext uri="{909E8E84-426E-40DD-AFC4-6F175D3DCCD1}">
+              <a14:hiddenFill xmlns:a14="http://schemas.microsoft.com/office/drawing/2010/main">
+                <a:solidFill>
+                  <a:srgbClr val="FFFFFF"/>
+                </a:solidFill>
+              </a14:hiddenFill>
+            </a:ext>
+          </a:extLst>
+        </p:spPr>
+      </p:pic>
+      <p:pic>
+        <p:nvPicPr>
+          <p:cNvPr id="2052" name="Picture 4" descr="Soldiers and a weapon icon">
+            <a:extLst>
+              <a:ext uri="{FF2B5EF4-FFF2-40B4-BE49-F238E27FC236}">
+                <a16:creationId xmlns:a16="http://schemas.microsoft.com/office/drawing/2014/main" id="{A4E2D671-D0AB-4EAE-BDC8-9EA453C7513B}"/>
+              </a:ext>
+            </a:extLst>
+          </p:cNvPr>
+          <p:cNvPicPr>
+            <a:picLocks noChangeAspect="1" noChangeArrowheads="1"/>
+          </p:cNvPicPr>
+          <p:nvPr/>
+        </p:nvPicPr>
+        <p:blipFill>
+          <a:blip r:embed="rId4">
+            <a:extLst>
+              <a:ext uri="{28A0092B-C50C-407E-A947-70E740481C1C}">
+                <a14:useLocalDpi xmlns:a14="http://schemas.microsoft.com/office/drawing/2010/main" val="0"/>
+              </a:ext>
+            </a:extLst>
+          </a:blip>
+          <a:srcRect/>
+          <a:stretch>
+            <a:fillRect/>
+          </a:stretch>
+        </p:blipFill>
+        <p:spPr bwMode="auto">
+          <a:xfrm>
+            <a:off x="4425043" y="2245179"/>
+            <a:ext cx="1670958" cy="1670958"/>
+          </a:xfrm>
+          <a:prstGeom prst="rect">
+            <a:avLst/>
+          </a:prstGeom>
+          <a:noFill/>
+          <a:extLst>
+            <a:ext uri="{909E8E84-426E-40DD-AFC4-6F175D3DCCD1}">
+              <a14:hiddenFill xmlns:a14="http://schemas.microsoft.com/office/drawing/2010/main">
+                <a:solidFill>
+                  <a:srgbClr val="FFFFFF"/>
+                </a:solidFill>
+              </a14:hiddenFill>
+            </a:ext>
+          </a:extLst>
+        </p:spPr>
+      </p:pic>
+      <p:pic>
+        <p:nvPicPr>
+          <p:cNvPr id="3" name="Picture 2">
+            <a:extLst>
+              <a:ext uri="{FF2B5EF4-FFF2-40B4-BE49-F238E27FC236}">
+                <a16:creationId xmlns:a16="http://schemas.microsoft.com/office/drawing/2014/main" id="{1704F65C-7F84-4546-B5BC-44B854B647B4}"/>
               </a:ext>
             </a:extLst>
           </p:cNvPr>
@@ -22411,7 +23878,7 @@
           <p:nvPr/>
         </p:nvPicPr>
         <p:blipFill>
-          <a:blip r:embed="rId2">
+          <a:blip r:embed="rId5">
             <a:extLst>
               <a:ext uri="{28A0092B-C50C-407E-A947-70E740481C1C}">
                 <a14:useLocalDpi xmlns:a14="http://schemas.microsoft.com/office/drawing/2010/main" val="0"/>
@@ -22423,9 +23890,45 @@
           </a:stretch>
         </p:blipFill>
         <p:spPr>
-          <a:xfrm rot="10647313">
-            <a:off x="10060504" y="2023548"/>
-            <a:ext cx="909864" cy="840155"/>
+          <a:xfrm>
+            <a:off x="3046585" y="1463021"/>
+            <a:ext cx="6098830" cy="3931958"/>
+          </a:xfrm>
+          <a:prstGeom prst="rect">
+            <a:avLst/>
+          </a:prstGeom>
+        </p:spPr>
+      </p:pic>
+      <p:pic>
+        <p:nvPicPr>
+          <p:cNvPr id="11" name="Picture 10">
+            <a:extLst>
+              <a:ext uri="{FF2B5EF4-FFF2-40B4-BE49-F238E27FC236}">
+                <a16:creationId xmlns:a16="http://schemas.microsoft.com/office/drawing/2014/main" id="{4B4F7E36-E0AE-40E0-BAA6-6F787B03EC80}"/>
+              </a:ext>
+            </a:extLst>
+          </p:cNvPr>
+          <p:cNvPicPr>
+            <a:picLocks noChangeAspect="1"/>
+          </p:cNvPicPr>
+          <p:nvPr/>
+        </p:nvPicPr>
+        <p:blipFill>
+          <a:blip r:embed="rId5">
+            <a:extLst>
+              <a:ext uri="{28A0092B-C50C-407E-A947-70E740481C1C}">
+                <a14:useLocalDpi xmlns:a14="http://schemas.microsoft.com/office/drawing/2010/main" val="0"/>
+              </a:ext>
+            </a:extLst>
+          </a:blip>
+          <a:stretch>
+            <a:fillRect/>
+          </a:stretch>
+        </p:blipFill>
+        <p:spPr>
+          <a:xfrm>
+            <a:off x="7071216" y="711200"/>
+            <a:ext cx="7068803" cy="4350969"/>
           </a:xfrm>
           <a:prstGeom prst="rect">
             <a:avLst/>
@@ -22435,7 +23938,7 @@
     </p:spTree>
     <p:extLst>
       <p:ext uri="{BB962C8B-B14F-4D97-AF65-F5344CB8AC3E}">
-        <p14:creationId xmlns:p14="http://schemas.microsoft.com/office/powerpoint/2010/main" val="3018499790"/>
+        <p14:creationId xmlns:p14="http://schemas.microsoft.com/office/powerpoint/2010/main" val="3385588676"/>
       </p:ext>
     </p:extLst>
   </p:cSld>
@@ -22446,6 +23949,89 @@
 </file>
 
 <file path=ppt/slides/slide24.xml><?xml version="1.0" encoding="utf-8"?>
+<p:sld xmlns:a="http://schemas.openxmlformats.org/drawingml/2006/main" xmlns:r="http://schemas.openxmlformats.org/officeDocument/2006/relationships" xmlns:p="http://schemas.openxmlformats.org/presentationml/2006/main">
+  <p:cSld>
+    <p:spTree>
+      <p:nvGrpSpPr>
+        <p:cNvPr id="1" name=""/>
+        <p:cNvGrpSpPr/>
+        <p:nvPr/>
+      </p:nvGrpSpPr>
+      <p:grpSpPr>
+        <a:xfrm>
+          <a:off x="0" y="0"/>
+          <a:ext cx="0" cy="0"/>
+          <a:chOff x="0" y="0"/>
+          <a:chExt cx="0" cy="0"/>
+        </a:xfrm>
+      </p:grpSpPr>
+      <p:sp>
+        <p:nvSpPr>
+          <p:cNvPr id="2" name="Title 1">
+            <a:extLst>
+              <a:ext uri="{FF2B5EF4-FFF2-40B4-BE49-F238E27FC236}">
+                <a16:creationId xmlns:a16="http://schemas.microsoft.com/office/drawing/2014/main" id="{DA5903C5-0634-43C0-A1C9-A512EBFCD6FB}"/>
+              </a:ext>
+            </a:extLst>
+          </p:cNvPr>
+          <p:cNvSpPr>
+            <a:spLocks noGrp="1"/>
+          </p:cNvSpPr>
+          <p:nvPr>
+            <p:ph type="title"/>
+          </p:nvPr>
+        </p:nvSpPr>
+        <p:spPr/>
+        <p:txBody>
+          <a:bodyPr/>
+          <a:lstStyle/>
+          <a:p>
+            <a:endParaRPr lang="tr-TR"/>
+          </a:p>
+        </p:txBody>
+      </p:sp>
+      <p:graphicFrame>
+        <p:nvGraphicFramePr>
+          <p:cNvPr id="4" name="Diagram 3">
+            <a:extLst>
+              <a:ext uri="{FF2B5EF4-FFF2-40B4-BE49-F238E27FC236}">
+                <a16:creationId xmlns:a16="http://schemas.microsoft.com/office/drawing/2014/main" id="{6DBF0EDB-C4A0-4AB9-B440-1789A9B53DB8}"/>
+              </a:ext>
+            </a:extLst>
+          </p:cNvPr>
+          <p:cNvGraphicFramePr/>
+          <p:nvPr>
+            <p:extLst>
+              <p:ext uri="{D42A27DB-BD31-4B8C-83A1-F6EECF244321}">
+                <p14:modId xmlns:p14="http://schemas.microsoft.com/office/powerpoint/2010/main" val="555872661"/>
+              </p:ext>
+            </p:extLst>
+          </p:nvPr>
+        </p:nvGraphicFramePr>
+        <p:xfrm>
+          <a:off x="6096000" y="2181465"/>
+          <a:ext cx="6099629" cy="3917648"/>
+        </p:xfrm>
+        <a:graphic>
+          <a:graphicData uri="http://schemas.openxmlformats.org/drawingml/2006/diagram">
+            <dgm:relIds xmlns:dgm="http://schemas.openxmlformats.org/drawingml/2006/diagram" xmlns:r="http://schemas.openxmlformats.org/officeDocument/2006/relationships" r:dm="rId2" r:lo="rId3" r:qs="rId4" r:cs="rId5"/>
+          </a:graphicData>
+        </a:graphic>
+      </p:graphicFrame>
+    </p:spTree>
+    <p:extLst>
+      <p:ext uri="{BB962C8B-B14F-4D97-AF65-F5344CB8AC3E}">
+        <p14:creationId xmlns:p14="http://schemas.microsoft.com/office/powerpoint/2010/main" val="2254472019"/>
+      </p:ext>
+    </p:extLst>
+  </p:cSld>
+  <p:clrMapOvr>
+    <a:masterClrMapping/>
+  </p:clrMapOvr>
+</p:sld>
+</file>
+
+<file path=ppt/slides/slide25.xml><?xml version="1.0" encoding="utf-8"?>
 <p:sld xmlns:a="http://schemas.openxmlformats.org/drawingml/2006/main" xmlns:r="http://schemas.openxmlformats.org/officeDocument/2006/relationships" xmlns:p="http://schemas.openxmlformats.org/presentationml/2006/main">
   <p:cSld>
     <p:spTree>

--- a/PhD Discussion.pptx
+++ b/PhD Discussion.pptx
@@ -5,7 +5,7 @@
     <p:sldMasterId id="2147483648" r:id="rId1"/>
   </p:sldMasterIdLst>
   <p:notesMasterIdLst>
-    <p:notesMasterId r:id="rId31"/>
+    <p:notesMasterId r:id="rId37"/>
   </p:notesMasterIdLst>
   <p:sldIdLst>
     <p:sldId id="256" r:id="rId2"/>
@@ -36,7 +36,13 @@
     <p:sldId id="295" r:id="rId27"/>
     <p:sldId id="297" r:id="rId28"/>
     <p:sldId id="298" r:id="rId29"/>
-    <p:sldId id="296" r:id="rId30"/>
+    <p:sldId id="305" r:id="rId30"/>
+    <p:sldId id="299" r:id="rId31"/>
+    <p:sldId id="301" r:id="rId32"/>
+    <p:sldId id="302" r:id="rId33"/>
+    <p:sldId id="296" r:id="rId34"/>
+    <p:sldId id="303" r:id="rId35"/>
+    <p:sldId id="304" r:id="rId36"/>
   </p:sldIdLst>
   <p:sldSz cx="12192000" cy="6858000"/>
   <p:notesSz cx="6797675" cy="9926638"/>
@@ -225,7 +231,7 @@
           <a:p>
             <a:fld id="{6B01098C-58D5-4DCB-8B6F-D5224BBD065F}" type="datetimeFigureOut">
               <a:rPr lang="tr-TR" smtClean="0"/>
-              <a:t>1.02.2022</a:t>
+              <a:t>11.02.2022</a:t>
             </a:fld>
             <a:endParaRPr lang="tr-TR"/>
           </a:p>
@@ -2985,6 +2991,1190 @@
 </p:notes>
 </file>
 
+<file path=ppt/notesSlides/notesSlide22.xml><?xml version="1.0" encoding="utf-8"?>
+<p:notes xmlns:a="http://schemas.openxmlformats.org/drawingml/2006/main" xmlns:r="http://schemas.openxmlformats.org/officeDocument/2006/relationships" xmlns:p="http://schemas.openxmlformats.org/presentationml/2006/main">
+  <p:cSld>
+    <p:spTree>
+      <p:nvGrpSpPr>
+        <p:cNvPr id="1" name=""/>
+        <p:cNvGrpSpPr/>
+        <p:nvPr/>
+      </p:nvGrpSpPr>
+      <p:grpSpPr>
+        <a:xfrm>
+          <a:off x="0" y="0"/>
+          <a:ext cx="0" cy="0"/>
+          <a:chOff x="0" y="0"/>
+          <a:chExt cx="0" cy="0"/>
+        </a:xfrm>
+      </p:grpSpPr>
+      <p:sp>
+        <p:nvSpPr>
+          <p:cNvPr id="2" name="Slide Image Placeholder 1"/>
+          <p:cNvSpPr>
+            <a:spLocks noGrp="1" noRot="1" noChangeAspect="1"/>
+          </p:cNvSpPr>
+          <p:nvPr>
+            <p:ph type="sldImg"/>
+          </p:nvPr>
+        </p:nvSpPr>
+        <p:spPr/>
+      </p:sp>
+      <p:sp>
+        <p:nvSpPr>
+          <p:cNvPr id="3" name="Notes Placeholder 2"/>
+          <p:cNvSpPr>
+            <a:spLocks noGrp="1"/>
+          </p:cNvSpPr>
+          <p:nvPr>
+            <p:ph type="body" idx="1"/>
+          </p:nvPr>
+        </p:nvSpPr>
+        <p:spPr/>
+        <p:txBody>
+          <a:bodyPr/>
+          <a:lstStyle/>
+          <a:p>
+            <a:r>
+              <a:rPr lang="en-US" b="0" i="0" dirty="0">
+                <a:solidFill>
+                  <a:srgbClr val="202124"/>
+                </a:solidFill>
+                <a:effectLst/>
+                <a:latin typeface="arial" panose="020B0604020202020204" pitchFamily="34" charset="0"/>
+              </a:rPr>
+              <a:t>An </a:t>
+            </a:r>
+            <a:r>
+              <a:rPr lang="en-US" b="1" i="0" dirty="0">
+                <a:solidFill>
+                  <a:srgbClr val="202124"/>
+                </a:solidFill>
+                <a:effectLst/>
+                <a:latin typeface="arial" panose="020B0604020202020204" pitchFamily="34" charset="0"/>
+              </a:rPr>
+              <a:t>intervening variable</a:t>
+            </a:r>
+            <a:r>
+              <a:rPr lang="en-US" b="0" i="0" dirty="0">
+                <a:solidFill>
+                  <a:srgbClr val="202124"/>
+                </a:solidFill>
+                <a:effectLst/>
+                <a:latin typeface="arial" panose="020B0604020202020204" pitchFamily="34" charset="0"/>
+              </a:rPr>
+              <a:t> is a hypothetical </a:t>
+            </a:r>
+            <a:r>
+              <a:rPr lang="en-US" b="1" i="0" dirty="0">
+                <a:solidFill>
+                  <a:srgbClr val="202124"/>
+                </a:solidFill>
+                <a:effectLst/>
+                <a:latin typeface="arial" panose="020B0604020202020204" pitchFamily="34" charset="0"/>
+              </a:rPr>
+              <a:t>variable</a:t>
+            </a:r>
+            <a:r>
+              <a:rPr lang="en-US" b="0" i="0" dirty="0">
+                <a:solidFill>
+                  <a:srgbClr val="202124"/>
+                </a:solidFill>
+                <a:effectLst/>
+                <a:latin typeface="arial" panose="020B0604020202020204" pitchFamily="34" charset="0"/>
+              </a:rPr>
+              <a:t> used to explain causal links between other </a:t>
+            </a:r>
+            <a:r>
+              <a:rPr lang="en-US" b="1" i="0" dirty="0">
+                <a:solidFill>
+                  <a:srgbClr val="202124"/>
+                </a:solidFill>
+                <a:effectLst/>
+                <a:latin typeface="arial" panose="020B0604020202020204" pitchFamily="34" charset="0"/>
+              </a:rPr>
+              <a:t>variables</a:t>
+            </a:r>
+            <a:r>
+              <a:rPr lang="en-US" b="0" i="0" dirty="0">
+                <a:solidFill>
+                  <a:srgbClr val="202124"/>
+                </a:solidFill>
+                <a:effectLst/>
+                <a:latin typeface="arial" panose="020B0604020202020204" pitchFamily="34" charset="0"/>
+              </a:rPr>
+              <a:t>. </a:t>
+            </a:r>
+            <a:r>
+              <a:rPr lang="en-US" b="1" i="0" dirty="0">
+                <a:solidFill>
+                  <a:srgbClr val="202124"/>
+                </a:solidFill>
+                <a:effectLst/>
+                <a:latin typeface="arial" panose="020B0604020202020204" pitchFamily="34" charset="0"/>
+              </a:rPr>
+              <a:t>Intervening variables</a:t>
+            </a:r>
+            <a:r>
+              <a:rPr lang="en-US" b="0" i="0" dirty="0">
+                <a:solidFill>
+                  <a:srgbClr val="202124"/>
+                </a:solidFill>
+                <a:effectLst/>
+                <a:latin typeface="arial" panose="020B0604020202020204" pitchFamily="34" charset="0"/>
+              </a:rPr>
+              <a:t> cannot be observed in an experiment (that's why they are hypothetical).</a:t>
+            </a:r>
+            <a:endParaRPr lang="tr-TR" b="0" i="0" dirty="0">
+              <a:solidFill>
+                <a:srgbClr val="202124"/>
+              </a:solidFill>
+              <a:effectLst/>
+              <a:latin typeface="arial" panose="020B0604020202020204" pitchFamily="34" charset="0"/>
+            </a:endParaRPr>
+          </a:p>
+          <a:p>
+            <a:r>
+              <a:rPr lang="en-US" b="0" i="0" dirty="0">
+                <a:solidFill>
+                  <a:srgbClr val="202124"/>
+                </a:solidFill>
+                <a:effectLst/>
+                <a:latin typeface="arial" panose="020B0604020202020204" pitchFamily="34" charset="0"/>
+              </a:rPr>
+              <a:t>The </a:t>
+            </a:r>
+            <a:r>
+              <a:rPr lang="en-US" b="1" i="0" dirty="0">
+                <a:solidFill>
+                  <a:srgbClr val="202124"/>
+                </a:solidFill>
+                <a:effectLst/>
+                <a:latin typeface="arial" panose="020B0604020202020204" pitchFamily="34" charset="0"/>
+              </a:rPr>
+              <a:t>Importance</a:t>
+            </a:r>
+            <a:r>
+              <a:rPr lang="en-US" b="0" i="0" dirty="0">
+                <a:solidFill>
+                  <a:srgbClr val="202124"/>
+                </a:solidFill>
+                <a:effectLst/>
+                <a:latin typeface="arial" panose="020B0604020202020204" pitchFamily="34" charset="0"/>
+              </a:rPr>
+              <a:t> of Identifying </a:t>
+            </a:r>
+            <a:r>
+              <a:rPr lang="en-US" b="1" i="0" dirty="0">
+                <a:solidFill>
+                  <a:srgbClr val="202124"/>
+                </a:solidFill>
+                <a:effectLst/>
+                <a:latin typeface="arial" panose="020B0604020202020204" pitchFamily="34" charset="0"/>
+              </a:rPr>
+              <a:t>Intervening Variables</a:t>
+            </a:r>
+            <a:r>
+              <a:rPr lang="tr-TR" b="1" i="0" dirty="0">
+                <a:solidFill>
+                  <a:srgbClr val="202124"/>
+                </a:solidFill>
+                <a:effectLst/>
+                <a:latin typeface="arial" panose="020B0604020202020204" pitchFamily="34" charset="0"/>
+              </a:rPr>
+              <a:t>: </a:t>
+            </a:r>
+            <a:r>
+              <a:rPr lang="en-US" b="0" i="0" dirty="0">
+                <a:solidFill>
+                  <a:srgbClr val="202124"/>
+                </a:solidFill>
+                <a:effectLst/>
+                <a:latin typeface="arial" panose="020B0604020202020204" pitchFamily="34" charset="0"/>
+              </a:rPr>
+              <a:t>Understanding </a:t>
+            </a:r>
+            <a:r>
+              <a:rPr lang="en-US" b="1" i="0" dirty="0">
+                <a:solidFill>
+                  <a:srgbClr val="202124"/>
+                </a:solidFill>
+                <a:effectLst/>
+                <a:latin typeface="arial" panose="020B0604020202020204" pitchFamily="34" charset="0"/>
+              </a:rPr>
+              <a:t>intervening variables</a:t>
+            </a:r>
+            <a:r>
+              <a:rPr lang="en-US" b="0" i="0" dirty="0">
+                <a:solidFill>
+                  <a:srgbClr val="202124"/>
+                </a:solidFill>
+                <a:effectLst/>
+                <a:latin typeface="arial" panose="020B0604020202020204" pitchFamily="34" charset="0"/>
+              </a:rPr>
+              <a:t> can often help researchers clarify the relationship between an independent and dependent </a:t>
+            </a:r>
+            <a:r>
+              <a:rPr lang="en-US" b="1" i="0" dirty="0">
+                <a:solidFill>
+                  <a:srgbClr val="202124"/>
+                </a:solidFill>
+                <a:effectLst/>
+                <a:latin typeface="arial" panose="020B0604020202020204" pitchFamily="34" charset="0"/>
+              </a:rPr>
+              <a:t>variable</a:t>
+            </a:r>
+            <a:r>
+              <a:rPr lang="en-US" b="0" i="0" dirty="0">
+                <a:solidFill>
+                  <a:srgbClr val="202124"/>
+                </a:solidFill>
+                <a:effectLst/>
+                <a:latin typeface="arial" panose="020B0604020202020204" pitchFamily="34" charset="0"/>
+              </a:rPr>
+              <a:t> because the </a:t>
+            </a:r>
+            <a:r>
+              <a:rPr lang="en-US" b="1" i="0" dirty="0">
+                <a:solidFill>
+                  <a:srgbClr val="202124"/>
+                </a:solidFill>
+                <a:effectLst/>
+                <a:latin typeface="arial" panose="020B0604020202020204" pitchFamily="34" charset="0"/>
+              </a:rPr>
+              <a:t>intervening variables</a:t>
+            </a:r>
+            <a:r>
+              <a:rPr lang="en-US" b="0" i="0" dirty="0">
+                <a:solidFill>
+                  <a:srgbClr val="202124"/>
+                </a:solidFill>
+                <a:effectLst/>
+                <a:latin typeface="arial" panose="020B0604020202020204" pitchFamily="34" charset="0"/>
+              </a:rPr>
+              <a:t> are often the true </a:t>
+            </a:r>
+            <a:r>
+              <a:rPr lang="en-US" b="1" i="0" dirty="0">
+                <a:solidFill>
+                  <a:srgbClr val="202124"/>
+                </a:solidFill>
+                <a:effectLst/>
+                <a:latin typeface="arial" panose="020B0604020202020204" pitchFamily="34" charset="0"/>
+              </a:rPr>
+              <a:t>variable</a:t>
+            </a:r>
+            <a:r>
+              <a:rPr lang="en-US" b="0" i="0" dirty="0">
+                <a:solidFill>
+                  <a:srgbClr val="202124"/>
+                </a:solidFill>
+                <a:effectLst/>
+                <a:latin typeface="arial" panose="020B0604020202020204" pitchFamily="34" charset="0"/>
+              </a:rPr>
+              <a:t> that explains variations in the dependent </a:t>
+            </a:r>
+            <a:r>
+              <a:rPr lang="en-US" b="1" i="0" dirty="0">
+                <a:solidFill>
+                  <a:srgbClr val="202124"/>
+                </a:solidFill>
+                <a:effectLst/>
+                <a:latin typeface="arial" panose="020B0604020202020204" pitchFamily="34" charset="0"/>
+              </a:rPr>
+              <a:t>variable</a:t>
+            </a:r>
+            <a:r>
+              <a:rPr lang="en-US" b="0" i="0" dirty="0">
+                <a:solidFill>
+                  <a:srgbClr val="202124"/>
+                </a:solidFill>
+                <a:effectLst/>
+                <a:latin typeface="arial" panose="020B0604020202020204" pitchFamily="34" charset="0"/>
+              </a:rPr>
+              <a:t>.</a:t>
+            </a:r>
+            <a:endParaRPr lang="tr-TR" b="0" i="0" dirty="0">
+              <a:solidFill>
+                <a:srgbClr val="202124"/>
+              </a:solidFill>
+              <a:effectLst/>
+              <a:latin typeface="arial" panose="020B0604020202020204" pitchFamily="34" charset="0"/>
+            </a:endParaRPr>
+          </a:p>
+          <a:p>
+            <a:pPr algn="just">
+              <a:spcBef>
+                <a:spcPts val="600"/>
+              </a:spcBef>
+              <a:spcAft>
+                <a:spcPts val="600"/>
+              </a:spcAft>
+            </a:pPr>
+            <a:r>
+              <a:rPr lang="en-US" sz="1800" b="1" dirty="0">
+                <a:effectLst/>
+                <a:latin typeface="Calibri" panose="020F0502020204030204" pitchFamily="34" charset="0"/>
+                <a:ea typeface="Times New Roman" panose="02020603050405020304" pitchFamily="18" charset="0"/>
+              </a:rPr>
+              <a:t>. Identified gaps: </a:t>
+            </a:r>
+            <a:endParaRPr lang="tr-TR" sz="1800" dirty="0">
+              <a:effectLst/>
+              <a:latin typeface="Times New Roman" panose="02020603050405020304" pitchFamily="18" charset="0"/>
+              <a:ea typeface="Times New Roman" panose="02020603050405020304" pitchFamily="18" charset="0"/>
+            </a:endParaRPr>
+          </a:p>
+          <a:p>
+            <a:pPr marL="342900" lvl="0" indent="-342900" algn="just">
+              <a:spcBef>
+                <a:spcPts val="600"/>
+              </a:spcBef>
+              <a:spcAft>
+                <a:spcPts val="600"/>
+              </a:spcAft>
+              <a:buFont typeface="+mj-lt"/>
+              <a:buAutoNum type="alphaLcPeriod"/>
+            </a:pPr>
+            <a:r>
+              <a:rPr lang="en-US" sz="1800" dirty="0">
+                <a:effectLst/>
+                <a:latin typeface="Calibri" panose="020F0502020204030204" pitchFamily="34" charset="0"/>
+                <a:ea typeface="Times New Roman" panose="02020603050405020304" pitchFamily="18" charset="0"/>
+              </a:rPr>
+              <a:t>Although the concept of force ratio is well explained theoretically and its explanatory power within the relative combat power factors is analyzed systematically (especially by Biddle), morale and leadership factors are not analyzed thoroughly due to its qualitative nature. </a:t>
+            </a:r>
+            <a:endParaRPr lang="tr-TR" sz="1800" dirty="0">
+              <a:effectLst/>
+              <a:latin typeface="Times New Roman" panose="02020603050405020304" pitchFamily="18" charset="0"/>
+              <a:ea typeface="Times New Roman" panose="02020603050405020304" pitchFamily="18" charset="0"/>
+            </a:endParaRPr>
+          </a:p>
+          <a:p>
+            <a:pPr marL="342900" lvl="0" indent="-342900" algn="just">
+              <a:spcBef>
+                <a:spcPts val="600"/>
+              </a:spcBef>
+              <a:spcAft>
+                <a:spcPts val="600"/>
+              </a:spcAft>
+              <a:buFont typeface="+mj-lt"/>
+              <a:buAutoNum type="alphaLcPeriod"/>
+            </a:pPr>
+            <a:r>
+              <a:rPr lang="en-US" sz="1800" dirty="0">
+                <a:effectLst/>
+                <a:latin typeface="Calibri" panose="020F0502020204030204" pitchFamily="34" charset="0"/>
+                <a:ea typeface="Times New Roman" panose="02020603050405020304" pitchFamily="18" charset="0"/>
+              </a:rPr>
+              <a:t>Judgements up to now relies limited data set, max battles analyzed to make deduction was 660 battles of </a:t>
+            </a:r>
+            <a:r>
+              <a:rPr lang="en-US" sz="1800" dirty="0">
+                <a:solidFill>
+                  <a:srgbClr val="000000"/>
+                </a:solidFill>
+                <a:effectLst/>
+                <a:latin typeface="Calibri" panose="020F0502020204030204" pitchFamily="34" charset="0"/>
+                <a:ea typeface="Times New Roman" panose="02020603050405020304" pitchFamily="18" charset="0"/>
+              </a:rPr>
+              <a:t>CDB90G dataset, which has real data flaws. </a:t>
+            </a:r>
+            <a:endParaRPr lang="tr-TR" sz="1800" dirty="0">
+              <a:effectLst/>
+              <a:latin typeface="Times New Roman" panose="02020603050405020304" pitchFamily="18" charset="0"/>
+              <a:ea typeface="Times New Roman" panose="02020603050405020304" pitchFamily="18" charset="0"/>
+            </a:endParaRPr>
+          </a:p>
+          <a:p>
+            <a:pPr>
+              <a:lnSpc>
+                <a:spcPct val="107000"/>
+              </a:lnSpc>
+              <a:spcAft>
+                <a:spcPts val="800"/>
+              </a:spcAft>
+            </a:pPr>
+            <a:r>
+              <a:rPr lang="en-US" sz="1800" b="1" dirty="0">
+                <a:effectLst/>
+                <a:latin typeface="Calibri" panose="020F0502020204030204" pitchFamily="34" charset="0"/>
+                <a:ea typeface="Calibri" panose="020F0502020204030204" pitchFamily="34" charset="0"/>
+                <a:cs typeface="Calibri" panose="020F0502020204030204" pitchFamily="34" charset="0"/>
+              </a:rPr>
+              <a:t>2. Research questions: </a:t>
+            </a:r>
+            <a:r>
+              <a:rPr lang="en-US" sz="1800" dirty="0">
+                <a:effectLst/>
+                <a:latin typeface="Calibri" panose="020F0502020204030204" pitchFamily="34" charset="0"/>
+                <a:ea typeface="Calibri" panose="020F0502020204030204" pitchFamily="34" charset="0"/>
+                <a:cs typeface="Calibri" panose="020F0502020204030204" pitchFamily="34" charset="0"/>
+              </a:rPr>
+              <a:t>Already submitted in previous section. </a:t>
+            </a:r>
+            <a:endParaRPr lang="tr-TR" sz="1800" dirty="0">
+              <a:effectLst/>
+              <a:latin typeface="Calibri" panose="020F0502020204030204" pitchFamily="34" charset="0"/>
+              <a:ea typeface="Calibri" panose="020F0502020204030204" pitchFamily="34" charset="0"/>
+              <a:cs typeface="Times New Roman" panose="02020603050405020304" pitchFamily="18" charset="0"/>
+            </a:endParaRPr>
+          </a:p>
+          <a:p>
+            <a:pPr algn="just">
+              <a:spcBef>
+                <a:spcPts val="600"/>
+              </a:spcBef>
+              <a:spcAft>
+                <a:spcPts val="600"/>
+              </a:spcAft>
+            </a:pPr>
+            <a:r>
+              <a:rPr lang="en-US" sz="1800" b="1" dirty="0">
+                <a:solidFill>
+                  <a:srgbClr val="000000"/>
+                </a:solidFill>
+                <a:effectLst/>
+                <a:latin typeface="Calibri" panose="020F0502020204030204" pitchFamily="34" charset="0"/>
+                <a:ea typeface="Times New Roman" panose="02020603050405020304" pitchFamily="18" charset="0"/>
+              </a:rPr>
+              <a:t>3. Research methodology: </a:t>
+            </a:r>
+            <a:r>
+              <a:rPr lang="en-US" sz="1800" dirty="0">
+                <a:solidFill>
+                  <a:srgbClr val="000000"/>
+                </a:solidFill>
+                <a:effectLst/>
+                <a:latin typeface="Calibri" panose="020F0502020204030204" pitchFamily="34" charset="0"/>
+                <a:ea typeface="Times New Roman" panose="02020603050405020304" pitchFamily="18" charset="0"/>
+              </a:rPr>
+              <a:t>Literature on this topic reflects about the degree of force ratio’s reliability. While some researchers state that it explains certain degree of result while others state that more sophisticated models need to be used. So, my intention is to develop a model with dependent variable as the outcome of the battle. I will define independent and intervening variables in the research although I have initial propositions. And with regression model I will try to find explanatory power of these variables, in which force ratio will be the one that is to be analyzed. </a:t>
+            </a:r>
+            <a:endParaRPr lang="tr-TR" sz="1800" dirty="0">
+              <a:effectLst/>
+              <a:latin typeface="Times New Roman" panose="02020603050405020304" pitchFamily="18" charset="0"/>
+              <a:ea typeface="Times New Roman" panose="02020603050405020304" pitchFamily="18" charset="0"/>
+            </a:endParaRPr>
+          </a:p>
+          <a:p>
+            <a:pPr algn="just">
+              <a:spcBef>
+                <a:spcPts val="600"/>
+              </a:spcBef>
+              <a:spcAft>
+                <a:spcPts val="600"/>
+              </a:spcAft>
+            </a:pPr>
+            <a:r>
+              <a:rPr lang="en-US" sz="1800" b="1" dirty="0">
+                <a:solidFill>
+                  <a:srgbClr val="000000"/>
+                </a:solidFill>
+                <a:effectLst/>
+                <a:latin typeface="Calibri" panose="020F0502020204030204" pitchFamily="34" charset="0"/>
+                <a:ea typeface="Times New Roman" panose="02020603050405020304" pitchFamily="18" charset="0"/>
+              </a:rPr>
+              <a:t>4. Research</a:t>
+            </a:r>
+            <a:r>
+              <a:rPr lang="en-US" sz="1800" b="1" dirty="0">
+                <a:effectLst/>
+                <a:latin typeface="Calibri" panose="020F0502020204030204" pitchFamily="34" charset="0"/>
+                <a:ea typeface="Times New Roman" panose="02020603050405020304" pitchFamily="18" charset="0"/>
+              </a:rPr>
+              <a:t> steps: </a:t>
+            </a:r>
+            <a:endParaRPr lang="tr-TR" sz="1800" dirty="0">
+              <a:effectLst/>
+              <a:latin typeface="Times New Roman" panose="02020603050405020304" pitchFamily="18" charset="0"/>
+              <a:ea typeface="Times New Roman" panose="02020603050405020304" pitchFamily="18" charset="0"/>
+            </a:endParaRPr>
+          </a:p>
+          <a:p>
+            <a:pPr marL="342900" lvl="0" indent="-342900" algn="just">
+              <a:buFont typeface="Symbol" panose="05050102010706020507" pitchFamily="18" charset="2"/>
+              <a:buChar char=""/>
+            </a:pPr>
+            <a:r>
+              <a:rPr lang="en-US" sz="1800" b="1" dirty="0">
+                <a:effectLst/>
+                <a:latin typeface="Calibri" panose="020F0502020204030204" pitchFamily="34" charset="0"/>
+                <a:ea typeface="Times New Roman" panose="02020603050405020304" pitchFamily="18" charset="0"/>
+              </a:rPr>
+              <a:t>1</a:t>
+            </a:r>
+            <a:r>
+              <a:rPr lang="en-US" sz="1800" b="1" baseline="30000" dirty="0">
+                <a:effectLst/>
+                <a:latin typeface="Calibri" panose="020F0502020204030204" pitchFamily="34" charset="0"/>
+                <a:ea typeface="Times New Roman" panose="02020603050405020304" pitchFamily="18" charset="0"/>
+              </a:rPr>
+              <a:t>st</a:t>
+            </a:r>
+            <a:r>
+              <a:rPr lang="en-US" sz="1800" b="1" dirty="0">
+                <a:effectLst/>
+                <a:latin typeface="Calibri" panose="020F0502020204030204" pitchFamily="34" charset="0"/>
+                <a:ea typeface="Times New Roman" panose="02020603050405020304" pitchFamily="18" charset="0"/>
+              </a:rPr>
+              <a:t> step:</a:t>
+            </a:r>
+            <a:r>
+              <a:rPr lang="en-US" sz="1800" dirty="0">
+                <a:effectLst/>
+                <a:latin typeface="Calibri" panose="020F0502020204030204" pitchFamily="34" charset="0"/>
+                <a:ea typeface="Times New Roman" panose="02020603050405020304" pitchFamily="18" charset="0"/>
+              </a:rPr>
+              <a:t> I will do a </a:t>
+            </a:r>
+            <a:r>
+              <a:rPr lang="en-US" sz="1800" b="1" dirty="0">
+                <a:effectLst/>
+                <a:latin typeface="Calibri" panose="020F0502020204030204" pitchFamily="34" charset="0"/>
+                <a:ea typeface="Times New Roman" panose="02020603050405020304" pitchFamily="18" charset="0"/>
+              </a:rPr>
+              <a:t>case study</a:t>
+            </a:r>
+            <a:r>
+              <a:rPr lang="en-US" sz="1800" dirty="0">
+                <a:effectLst/>
+                <a:latin typeface="Calibri" panose="020F0502020204030204" pitchFamily="34" charset="0"/>
+                <a:ea typeface="Times New Roman" panose="02020603050405020304" pitchFamily="18" charset="0"/>
+              </a:rPr>
+              <a:t> to comprehensively determine the variables. In this study, I will reveal all the variables that may affect the outcome of the battle over the two battles from the designated time periods.</a:t>
+            </a:r>
+            <a:endParaRPr lang="tr-TR" sz="1800" dirty="0">
+              <a:effectLst/>
+              <a:latin typeface="Times New Roman" panose="02020603050405020304" pitchFamily="18" charset="0"/>
+              <a:ea typeface="Times New Roman" panose="02020603050405020304" pitchFamily="18" charset="0"/>
+            </a:endParaRPr>
+          </a:p>
+          <a:p>
+            <a:pPr marL="342900" lvl="0" indent="-342900" algn="just">
+              <a:buFont typeface="Symbol" panose="05050102010706020507" pitchFamily="18" charset="2"/>
+              <a:buChar char=""/>
+            </a:pPr>
+            <a:r>
+              <a:rPr lang="en-US" sz="1800" b="1" dirty="0">
+                <a:effectLst/>
+                <a:latin typeface="Calibri" panose="020F0502020204030204" pitchFamily="34" charset="0"/>
+                <a:ea typeface="Times New Roman" panose="02020603050405020304" pitchFamily="18" charset="0"/>
+              </a:rPr>
+              <a:t>2nd step:</a:t>
+            </a:r>
+            <a:r>
+              <a:rPr lang="en-US" sz="1800" dirty="0">
+                <a:effectLst/>
+                <a:latin typeface="Calibri" panose="020F0502020204030204" pitchFamily="34" charset="0"/>
+                <a:ea typeface="Times New Roman" panose="02020603050405020304" pitchFamily="18" charset="0"/>
+              </a:rPr>
+              <a:t> I will </a:t>
+            </a:r>
+            <a:r>
+              <a:rPr lang="en-US" sz="1800" b="1" dirty="0">
+                <a:effectLst/>
+                <a:latin typeface="Calibri" panose="020F0502020204030204" pitchFamily="34" charset="0"/>
+                <a:ea typeface="Times New Roman" panose="02020603050405020304" pitchFamily="18" charset="0"/>
+              </a:rPr>
+              <a:t>create a database of battles</a:t>
+            </a:r>
+            <a:r>
+              <a:rPr lang="en-US" sz="1800" dirty="0">
+                <a:effectLst/>
+                <a:latin typeface="Calibri" panose="020F0502020204030204" pitchFamily="34" charset="0"/>
+                <a:ea typeface="Times New Roman" panose="02020603050405020304" pitchFamily="18" charset="0"/>
+              </a:rPr>
+              <a:t> with the use of current ones but with concatenating all the available databases with the help of Python Pandas Data Analysis techniques. Because all databases currently available has its own flaws. But if they are to be concatenated all together, it will be more efficient to make deductions. </a:t>
+            </a:r>
+            <a:endParaRPr lang="tr-TR" sz="1800" dirty="0">
+              <a:effectLst/>
+              <a:latin typeface="Times New Roman" panose="02020603050405020304" pitchFamily="18" charset="0"/>
+              <a:ea typeface="Times New Roman" panose="02020603050405020304" pitchFamily="18" charset="0"/>
+            </a:endParaRPr>
+          </a:p>
+          <a:p>
+            <a:pPr marL="342900" lvl="0" indent="-342900" algn="just">
+              <a:buFont typeface="Symbol" panose="05050102010706020507" pitchFamily="18" charset="2"/>
+              <a:buChar char=""/>
+            </a:pPr>
+            <a:r>
+              <a:rPr lang="en-US" sz="1800" b="1" dirty="0">
+                <a:effectLst/>
+                <a:latin typeface="Calibri" panose="020F0502020204030204" pitchFamily="34" charset="0"/>
+                <a:ea typeface="Times New Roman" panose="02020603050405020304" pitchFamily="18" charset="0"/>
+              </a:rPr>
+              <a:t>3</a:t>
+            </a:r>
+            <a:r>
+              <a:rPr lang="en-US" sz="1800" b="1" baseline="30000" dirty="0">
+                <a:effectLst/>
+                <a:latin typeface="Calibri" panose="020F0502020204030204" pitchFamily="34" charset="0"/>
+                <a:ea typeface="Times New Roman" panose="02020603050405020304" pitchFamily="18" charset="0"/>
+              </a:rPr>
+              <a:t>rd</a:t>
+            </a:r>
+            <a:r>
+              <a:rPr lang="en-US" sz="1800" b="1" dirty="0">
+                <a:effectLst/>
+                <a:latin typeface="Calibri" panose="020F0502020204030204" pitchFamily="34" charset="0"/>
+                <a:ea typeface="Times New Roman" panose="02020603050405020304" pitchFamily="18" charset="0"/>
+              </a:rPr>
+              <a:t> step:</a:t>
+            </a:r>
+            <a:r>
+              <a:rPr lang="en-US" sz="1800" dirty="0">
+                <a:effectLst/>
+                <a:latin typeface="Calibri" panose="020F0502020204030204" pitchFamily="34" charset="0"/>
+                <a:ea typeface="Times New Roman" panose="02020603050405020304" pitchFamily="18" charset="0"/>
+              </a:rPr>
+              <a:t> I will </a:t>
+            </a:r>
+            <a:r>
+              <a:rPr lang="en-US" sz="1800" b="1" dirty="0">
+                <a:effectLst/>
+                <a:latin typeface="Calibri" panose="020F0502020204030204" pitchFamily="34" charset="0"/>
+                <a:ea typeface="Times New Roman" panose="02020603050405020304" pitchFamily="18" charset="0"/>
+              </a:rPr>
+              <a:t>apply my variables to the database</a:t>
+            </a:r>
+            <a:r>
+              <a:rPr lang="en-US" sz="1800" dirty="0">
+                <a:effectLst/>
+                <a:latin typeface="Calibri" panose="020F0502020204030204" pitchFamily="34" charset="0"/>
+                <a:ea typeface="Times New Roman" panose="02020603050405020304" pitchFamily="18" charset="0"/>
+              </a:rPr>
+              <a:t> to </a:t>
+            </a:r>
+            <a:r>
+              <a:rPr lang="en-US" sz="1800" b="1" dirty="0">
+                <a:effectLst/>
+                <a:latin typeface="Calibri" panose="020F0502020204030204" pitchFamily="34" charset="0"/>
+                <a:ea typeface="Times New Roman" panose="02020603050405020304" pitchFamily="18" charset="0"/>
+              </a:rPr>
+              <a:t>produce a mathematical model</a:t>
+            </a:r>
+            <a:r>
+              <a:rPr lang="en-US" sz="1800" dirty="0">
+                <a:effectLst/>
+                <a:latin typeface="Calibri" panose="020F0502020204030204" pitchFamily="34" charset="0"/>
+                <a:ea typeface="Times New Roman" panose="02020603050405020304" pitchFamily="18" charset="0"/>
+              </a:rPr>
+              <a:t> with multiple regression analysis.  All other statistical analysis will be conducted here to test the hypothesis.  </a:t>
+            </a:r>
+            <a:endParaRPr lang="tr-TR" sz="1800" dirty="0">
+              <a:effectLst/>
+              <a:latin typeface="Times New Roman" panose="02020603050405020304" pitchFamily="18" charset="0"/>
+              <a:ea typeface="Times New Roman" panose="02020603050405020304" pitchFamily="18" charset="0"/>
+            </a:endParaRPr>
+          </a:p>
+          <a:p>
+            <a:pPr algn="just">
+              <a:spcBef>
+                <a:spcPts val="600"/>
+              </a:spcBef>
+              <a:spcAft>
+                <a:spcPts val="600"/>
+              </a:spcAft>
+            </a:pPr>
+            <a:r>
+              <a:rPr lang="en-US" sz="1800" b="1" dirty="0">
+                <a:solidFill>
+                  <a:srgbClr val="000000"/>
+                </a:solidFill>
+                <a:effectLst/>
+                <a:latin typeface="Calibri" panose="020F0502020204030204" pitchFamily="34" charset="0"/>
+                <a:ea typeface="Times New Roman" panose="02020603050405020304" pitchFamily="18" charset="0"/>
+              </a:rPr>
+              <a:t>5. Unit of analysis:</a:t>
+            </a:r>
+            <a:r>
+              <a:rPr lang="en-US" sz="1800" dirty="0">
+                <a:solidFill>
+                  <a:srgbClr val="000000"/>
+                </a:solidFill>
+                <a:effectLst/>
+                <a:latin typeface="Calibri" panose="020F0502020204030204" pitchFamily="34" charset="0"/>
+                <a:ea typeface="Times New Roman" panose="02020603050405020304" pitchFamily="18" charset="0"/>
+              </a:rPr>
+              <a:t> My unit of analysis will be </a:t>
+            </a:r>
+            <a:r>
+              <a:rPr lang="en-US" sz="1800" b="1" dirty="0">
+                <a:solidFill>
+                  <a:srgbClr val="000000"/>
+                </a:solidFill>
+                <a:effectLst/>
+                <a:latin typeface="Calibri" panose="020F0502020204030204" pitchFamily="34" charset="0"/>
+                <a:ea typeface="Times New Roman" panose="02020603050405020304" pitchFamily="18" charset="0"/>
+              </a:rPr>
+              <a:t>battles</a:t>
+            </a:r>
+            <a:r>
+              <a:rPr lang="en-US" sz="1800" dirty="0">
+                <a:solidFill>
+                  <a:srgbClr val="000000"/>
+                </a:solidFill>
+                <a:effectLst/>
+                <a:latin typeface="Calibri" panose="020F0502020204030204" pitchFamily="34" charset="0"/>
+                <a:ea typeface="Times New Roman" panose="02020603050405020304" pitchFamily="18" charset="0"/>
+              </a:rPr>
+              <a:t>. Because battles are better suited for analysis with compare of operations and campaigns which has bigger dimensions.  </a:t>
+            </a:r>
+            <a:endParaRPr lang="tr-TR" sz="1800" dirty="0">
+              <a:effectLst/>
+              <a:latin typeface="Times New Roman" panose="02020603050405020304" pitchFamily="18" charset="0"/>
+              <a:ea typeface="Times New Roman" panose="02020603050405020304" pitchFamily="18" charset="0"/>
+            </a:endParaRPr>
+          </a:p>
+          <a:p>
+            <a:pPr algn="just">
+              <a:spcBef>
+                <a:spcPts val="600"/>
+              </a:spcBef>
+              <a:spcAft>
+                <a:spcPts val="600"/>
+              </a:spcAft>
+            </a:pPr>
+            <a:r>
+              <a:rPr lang="en-US" sz="1800" b="1" dirty="0">
+                <a:solidFill>
+                  <a:srgbClr val="000000"/>
+                </a:solidFill>
+                <a:effectLst/>
+                <a:latin typeface="Calibri" panose="020F0502020204030204" pitchFamily="34" charset="0"/>
+                <a:ea typeface="Times New Roman" panose="02020603050405020304" pitchFamily="18" charset="0"/>
+              </a:rPr>
+              <a:t>6. Initial Variables:</a:t>
+            </a:r>
+            <a:r>
+              <a:rPr lang="en-US" sz="1800" dirty="0">
+                <a:solidFill>
+                  <a:srgbClr val="000000"/>
+                </a:solidFill>
+                <a:effectLst/>
+                <a:latin typeface="Calibri" panose="020F0502020204030204" pitchFamily="34" charset="0"/>
+                <a:ea typeface="Times New Roman" panose="02020603050405020304" pitchFamily="18" charset="0"/>
+              </a:rPr>
+              <a:t> It is my initial conceptualization that personnel morale and leadership have different and exponential effect than other factors that’s why I thought that they need to be analyzed as intervening variables.  </a:t>
+            </a:r>
+            <a:endParaRPr lang="tr-TR" sz="1800" dirty="0">
+              <a:effectLst/>
+              <a:latin typeface="Times New Roman" panose="02020603050405020304" pitchFamily="18" charset="0"/>
+              <a:ea typeface="Times New Roman" panose="02020603050405020304" pitchFamily="18" charset="0"/>
+            </a:endParaRPr>
+          </a:p>
+          <a:p>
+            <a:pPr marL="342900" lvl="0" indent="-342900" algn="just">
+              <a:spcBef>
+                <a:spcPts val="600"/>
+              </a:spcBef>
+              <a:spcAft>
+                <a:spcPts val="600"/>
+              </a:spcAft>
+              <a:buFont typeface="Symbol" panose="05050102010706020507" pitchFamily="18" charset="2"/>
+              <a:buChar char=""/>
+            </a:pPr>
+            <a:r>
+              <a:rPr lang="en-US" sz="1800" dirty="0">
+                <a:solidFill>
+                  <a:srgbClr val="000000"/>
+                </a:solidFill>
+                <a:effectLst/>
+                <a:latin typeface="Calibri" panose="020F0502020204030204" pitchFamily="34" charset="0"/>
+                <a:ea typeface="Times New Roman" panose="02020603050405020304" pitchFamily="18" charset="0"/>
+              </a:rPr>
+              <a:t>Dependent variable: outcome of the battle. </a:t>
+            </a:r>
+            <a:endParaRPr lang="tr-TR" sz="1800" dirty="0">
+              <a:effectLst/>
+              <a:latin typeface="Times New Roman" panose="02020603050405020304" pitchFamily="18" charset="0"/>
+              <a:ea typeface="Times New Roman" panose="02020603050405020304" pitchFamily="18" charset="0"/>
+            </a:endParaRPr>
+          </a:p>
+          <a:p>
+            <a:pPr marL="342900" lvl="0" indent="-342900" algn="just">
+              <a:spcBef>
+                <a:spcPts val="600"/>
+              </a:spcBef>
+              <a:spcAft>
+                <a:spcPts val="600"/>
+              </a:spcAft>
+              <a:buFont typeface="Symbol" panose="05050102010706020507" pitchFamily="18" charset="2"/>
+              <a:buChar char=""/>
+            </a:pPr>
+            <a:r>
+              <a:rPr lang="en-US" sz="1800" dirty="0">
+                <a:solidFill>
+                  <a:srgbClr val="000000"/>
+                </a:solidFill>
+                <a:effectLst/>
+                <a:latin typeface="Calibri" panose="020F0502020204030204" pitchFamily="34" charset="0"/>
+                <a:ea typeface="Times New Roman" panose="02020603050405020304" pitchFamily="18" charset="0"/>
+              </a:rPr>
+              <a:t>Independent variables: Combat power factors except morale and leadership.</a:t>
+            </a:r>
+            <a:endParaRPr lang="tr-TR" sz="1800" dirty="0">
+              <a:effectLst/>
+              <a:latin typeface="Times New Roman" panose="02020603050405020304" pitchFamily="18" charset="0"/>
+              <a:ea typeface="Times New Roman" panose="02020603050405020304" pitchFamily="18" charset="0"/>
+            </a:endParaRPr>
+          </a:p>
+          <a:p>
+            <a:pPr marL="342900" lvl="0" indent="-342900" algn="just">
+              <a:spcBef>
+                <a:spcPts val="600"/>
+              </a:spcBef>
+              <a:spcAft>
+                <a:spcPts val="600"/>
+              </a:spcAft>
+              <a:buFont typeface="Symbol" panose="05050102010706020507" pitchFamily="18" charset="2"/>
+              <a:buChar char=""/>
+            </a:pPr>
+            <a:r>
+              <a:rPr lang="en-US" sz="1800" dirty="0">
+                <a:solidFill>
+                  <a:srgbClr val="000000"/>
+                </a:solidFill>
+                <a:effectLst/>
+                <a:latin typeface="Calibri" panose="020F0502020204030204" pitchFamily="34" charset="0"/>
+                <a:ea typeface="Times New Roman" panose="02020603050405020304" pitchFamily="18" charset="0"/>
+              </a:rPr>
+              <a:t>Intervening variables: Morale and Leadership</a:t>
+            </a:r>
+            <a:endParaRPr lang="tr-TR" sz="1800" dirty="0">
+              <a:effectLst/>
+              <a:latin typeface="Times New Roman" panose="02020603050405020304" pitchFamily="18" charset="0"/>
+              <a:ea typeface="Times New Roman" panose="02020603050405020304" pitchFamily="18" charset="0"/>
+            </a:endParaRPr>
+          </a:p>
+          <a:p>
+            <a:pPr algn="just"/>
+            <a:r>
+              <a:rPr lang="en-US" sz="1800" b="1" dirty="0">
+                <a:effectLst/>
+                <a:latin typeface="Calibri" panose="020F0502020204030204" pitchFamily="34" charset="0"/>
+                <a:ea typeface="Times New Roman" panose="02020603050405020304" pitchFamily="18" charset="0"/>
+              </a:rPr>
+              <a:t>7. Models to be used: </a:t>
+            </a:r>
+            <a:endParaRPr lang="tr-TR" sz="1800" dirty="0">
+              <a:effectLst/>
+              <a:latin typeface="Times New Roman" panose="02020603050405020304" pitchFamily="18" charset="0"/>
+              <a:ea typeface="Times New Roman" panose="02020603050405020304" pitchFamily="18" charset="0"/>
+            </a:endParaRPr>
+          </a:p>
+          <a:p>
+            <a:pPr marL="342900" lvl="0" indent="-342900" algn="just">
+              <a:buFont typeface="Symbol" panose="05050102010706020507" pitchFamily="18" charset="2"/>
+              <a:buChar char=""/>
+            </a:pPr>
+            <a:r>
+              <a:rPr lang="en-US" sz="1800" b="1" dirty="0">
+                <a:solidFill>
+                  <a:srgbClr val="000000"/>
+                </a:solidFill>
+                <a:effectLst/>
+                <a:latin typeface="Calibri" panose="020F0502020204030204" pitchFamily="34" charset="0"/>
+                <a:ea typeface="Times New Roman" panose="02020603050405020304" pitchFamily="18" charset="0"/>
+              </a:rPr>
+              <a:t>Multiple regression:</a:t>
+            </a:r>
+            <a:r>
+              <a:rPr lang="en-US" sz="1800" dirty="0">
+                <a:solidFill>
+                  <a:srgbClr val="000000"/>
+                </a:solidFill>
+                <a:effectLst/>
+                <a:latin typeface="Calibri" panose="020F0502020204030204" pitchFamily="34" charset="0"/>
+                <a:ea typeface="Times New Roman" panose="02020603050405020304" pitchFamily="18" charset="0"/>
+              </a:rPr>
+              <a:t> This model will yield the percentages of independent and intervening variables effects on variation in the outcome of the battle.</a:t>
+            </a:r>
+            <a:endParaRPr lang="tr-TR" sz="1800" dirty="0">
+              <a:effectLst/>
+              <a:latin typeface="Times New Roman" panose="02020603050405020304" pitchFamily="18" charset="0"/>
+              <a:ea typeface="Times New Roman" panose="02020603050405020304" pitchFamily="18" charset="0"/>
+            </a:endParaRPr>
+          </a:p>
+          <a:p>
+            <a:pPr marL="342900" lvl="0" indent="-342900" algn="just">
+              <a:buFont typeface="Symbol" panose="05050102010706020507" pitchFamily="18" charset="2"/>
+              <a:buChar char=""/>
+            </a:pPr>
+            <a:r>
+              <a:rPr lang="en-US" sz="1800" b="1" dirty="0">
+                <a:solidFill>
+                  <a:srgbClr val="000000"/>
+                </a:solidFill>
+                <a:effectLst/>
+                <a:latin typeface="Calibri" panose="020F0502020204030204" pitchFamily="34" charset="0"/>
+                <a:ea typeface="Times New Roman" panose="02020603050405020304" pitchFamily="18" charset="0"/>
+              </a:rPr>
+              <a:t>Predictions:</a:t>
+            </a:r>
+            <a:r>
+              <a:rPr lang="en-US" sz="1800" dirty="0">
+                <a:solidFill>
+                  <a:srgbClr val="000000"/>
+                </a:solidFill>
+                <a:effectLst/>
+                <a:latin typeface="Calibri" panose="020F0502020204030204" pitchFamily="34" charset="0"/>
+                <a:ea typeface="Times New Roman" panose="02020603050405020304" pitchFamily="18" charset="0"/>
+              </a:rPr>
+              <a:t> Applying machine learning algorithms (Logistic regression, decision trees, K Means Clustering and others) to data set to make predictions for future battle scenarios.</a:t>
+            </a:r>
+            <a:endParaRPr lang="tr-TR" sz="1800" dirty="0">
+              <a:effectLst/>
+              <a:latin typeface="Times New Roman" panose="02020603050405020304" pitchFamily="18" charset="0"/>
+              <a:ea typeface="Times New Roman" panose="02020603050405020304" pitchFamily="18" charset="0"/>
+            </a:endParaRPr>
+          </a:p>
+          <a:p>
+            <a:endParaRPr lang="tr-TR" dirty="0"/>
+          </a:p>
+        </p:txBody>
+      </p:sp>
+      <p:sp>
+        <p:nvSpPr>
+          <p:cNvPr id="4" name="Slide Number Placeholder 3"/>
+          <p:cNvSpPr>
+            <a:spLocks noGrp="1"/>
+          </p:cNvSpPr>
+          <p:nvPr>
+            <p:ph type="sldNum" sz="quarter" idx="5"/>
+          </p:nvPr>
+        </p:nvSpPr>
+        <p:spPr/>
+        <p:txBody>
+          <a:bodyPr/>
+          <a:lstStyle/>
+          <a:p>
+            <a:pPr marL="0" marR="0" lvl="0" indent="0" algn="r" defTabSz="914400" rtl="0" eaLnBrk="1" fontAlgn="auto" latinLnBrk="0" hangingPunct="1">
+              <a:lnSpc>
+                <a:spcPct val="100000"/>
+              </a:lnSpc>
+              <a:spcBef>
+                <a:spcPts val="0"/>
+              </a:spcBef>
+              <a:spcAft>
+                <a:spcPts val="0"/>
+              </a:spcAft>
+              <a:buClrTx/>
+              <a:buSzTx/>
+              <a:buFontTx/>
+              <a:buNone/>
+              <a:tabLst/>
+              <a:defRPr/>
+            </a:pPr>
+            <a:fld id="{344A4FEE-B134-42F3-BC71-245FBE6217C8}" type="slidenum">
+              <a:rPr kumimoji="0" lang="tr-TR" sz="1200" b="0" i="0" u="none" strike="noStrike" kern="1200" cap="none" spc="0" normalizeH="0" baseline="0" noProof="0" smtClean="0">
+                <a:ln>
+                  <a:noFill/>
+                </a:ln>
+                <a:solidFill>
+                  <a:prstClr val="black"/>
+                </a:solidFill>
+                <a:effectLst/>
+                <a:uLnTx/>
+                <a:uFillTx/>
+                <a:latin typeface="Calibri" panose="020F0502020204030204"/>
+                <a:ea typeface="+mn-ea"/>
+                <a:cs typeface="+mn-cs"/>
+              </a:rPr>
+              <a:pPr marL="0" marR="0" lvl="0" indent="0" algn="r" defTabSz="914400" rtl="0" eaLnBrk="1" fontAlgn="auto" latinLnBrk="0" hangingPunct="1">
+                <a:lnSpc>
+                  <a:spcPct val="100000"/>
+                </a:lnSpc>
+                <a:spcBef>
+                  <a:spcPts val="0"/>
+                </a:spcBef>
+                <a:spcAft>
+                  <a:spcPts val="0"/>
+                </a:spcAft>
+                <a:buClrTx/>
+                <a:buSzTx/>
+                <a:buFontTx/>
+                <a:buNone/>
+                <a:tabLst/>
+                <a:defRPr/>
+              </a:pPr>
+              <a:t>30</a:t>
+            </a:fld>
+            <a:endParaRPr kumimoji="0" lang="tr-TR" sz="1200" b="0" i="0" u="none" strike="noStrike" kern="1200" cap="none" spc="0" normalizeH="0" baseline="0" noProof="0">
+              <a:ln>
+                <a:noFill/>
+              </a:ln>
+              <a:solidFill>
+                <a:prstClr val="black"/>
+              </a:solidFill>
+              <a:effectLst/>
+              <a:uLnTx/>
+              <a:uFillTx/>
+              <a:latin typeface="Calibri" panose="020F0502020204030204"/>
+              <a:ea typeface="+mn-ea"/>
+              <a:cs typeface="+mn-cs"/>
+            </a:endParaRPr>
+          </a:p>
+        </p:txBody>
+      </p:sp>
+    </p:spTree>
+    <p:extLst>
+      <p:ext uri="{BB962C8B-B14F-4D97-AF65-F5344CB8AC3E}">
+        <p14:creationId xmlns:p14="http://schemas.microsoft.com/office/powerpoint/2010/main" val="1817395220"/>
+      </p:ext>
+    </p:extLst>
+  </p:cSld>
+  <p:clrMapOvr>
+    <a:masterClrMapping/>
+  </p:clrMapOvr>
+</p:notes>
+</file>
+
+<file path=ppt/notesSlides/notesSlide23.xml><?xml version="1.0" encoding="utf-8"?>
+<p:notes xmlns:a="http://schemas.openxmlformats.org/drawingml/2006/main" xmlns:r="http://schemas.openxmlformats.org/officeDocument/2006/relationships" xmlns:p="http://schemas.openxmlformats.org/presentationml/2006/main">
+  <p:cSld>
+    <p:spTree>
+      <p:nvGrpSpPr>
+        <p:cNvPr id="1" name=""/>
+        <p:cNvGrpSpPr/>
+        <p:nvPr/>
+      </p:nvGrpSpPr>
+      <p:grpSpPr>
+        <a:xfrm>
+          <a:off x="0" y="0"/>
+          <a:ext cx="0" cy="0"/>
+          <a:chOff x="0" y="0"/>
+          <a:chExt cx="0" cy="0"/>
+        </a:xfrm>
+      </p:grpSpPr>
+      <p:sp>
+        <p:nvSpPr>
+          <p:cNvPr id="2" name="Slide Image Placeholder 1"/>
+          <p:cNvSpPr>
+            <a:spLocks noGrp="1" noRot="1" noChangeAspect="1"/>
+          </p:cNvSpPr>
+          <p:nvPr>
+            <p:ph type="sldImg"/>
+          </p:nvPr>
+        </p:nvSpPr>
+        <p:spPr/>
+      </p:sp>
+      <p:sp>
+        <p:nvSpPr>
+          <p:cNvPr id="3" name="Notes Placeholder 2"/>
+          <p:cNvSpPr>
+            <a:spLocks noGrp="1"/>
+          </p:cNvSpPr>
+          <p:nvPr>
+            <p:ph type="body" idx="1"/>
+          </p:nvPr>
+        </p:nvSpPr>
+        <p:spPr/>
+        <p:txBody>
+          <a:bodyPr/>
+          <a:lstStyle/>
+          <a:p>
+            <a:endParaRPr lang="tr-TR" dirty="0"/>
+          </a:p>
+        </p:txBody>
+      </p:sp>
+      <p:sp>
+        <p:nvSpPr>
+          <p:cNvPr id="4" name="Slide Number Placeholder 3"/>
+          <p:cNvSpPr>
+            <a:spLocks noGrp="1"/>
+          </p:cNvSpPr>
+          <p:nvPr>
+            <p:ph type="sldNum" sz="quarter" idx="5"/>
+          </p:nvPr>
+        </p:nvSpPr>
+        <p:spPr/>
+        <p:txBody>
+          <a:bodyPr/>
+          <a:lstStyle/>
+          <a:p>
+            <a:pPr marL="0" marR="0" lvl="0" indent="0" algn="r" defTabSz="914400" rtl="0" eaLnBrk="1" fontAlgn="auto" latinLnBrk="0" hangingPunct="1">
+              <a:lnSpc>
+                <a:spcPct val="100000"/>
+              </a:lnSpc>
+              <a:spcBef>
+                <a:spcPts val="0"/>
+              </a:spcBef>
+              <a:spcAft>
+                <a:spcPts val="0"/>
+              </a:spcAft>
+              <a:buClrTx/>
+              <a:buSzTx/>
+              <a:buFontTx/>
+              <a:buNone/>
+              <a:tabLst/>
+              <a:defRPr/>
+            </a:pPr>
+            <a:fld id="{344A4FEE-B134-42F3-BC71-245FBE6217C8}" type="slidenum">
+              <a:rPr kumimoji="0" lang="tr-TR" sz="1200" b="0" i="0" u="none" strike="noStrike" kern="1200" cap="none" spc="0" normalizeH="0" baseline="0" noProof="0" smtClean="0">
+                <a:ln>
+                  <a:noFill/>
+                </a:ln>
+                <a:solidFill>
+                  <a:prstClr val="black"/>
+                </a:solidFill>
+                <a:effectLst/>
+                <a:uLnTx/>
+                <a:uFillTx/>
+                <a:latin typeface="Calibri" panose="020F0502020204030204"/>
+                <a:ea typeface="+mn-ea"/>
+                <a:cs typeface="+mn-cs"/>
+              </a:rPr>
+              <a:pPr marL="0" marR="0" lvl="0" indent="0" algn="r" defTabSz="914400" rtl="0" eaLnBrk="1" fontAlgn="auto" latinLnBrk="0" hangingPunct="1">
+                <a:lnSpc>
+                  <a:spcPct val="100000"/>
+                </a:lnSpc>
+                <a:spcBef>
+                  <a:spcPts val="0"/>
+                </a:spcBef>
+                <a:spcAft>
+                  <a:spcPts val="0"/>
+                </a:spcAft>
+                <a:buClrTx/>
+                <a:buSzTx/>
+                <a:buFontTx/>
+                <a:buNone/>
+                <a:tabLst/>
+                <a:defRPr/>
+              </a:pPr>
+              <a:t>32</a:t>
+            </a:fld>
+            <a:endParaRPr kumimoji="0" lang="tr-TR" sz="1200" b="0" i="0" u="none" strike="noStrike" kern="1200" cap="none" spc="0" normalizeH="0" baseline="0" noProof="0">
+              <a:ln>
+                <a:noFill/>
+              </a:ln>
+              <a:solidFill>
+                <a:prstClr val="black"/>
+              </a:solidFill>
+              <a:effectLst/>
+              <a:uLnTx/>
+              <a:uFillTx/>
+              <a:latin typeface="Calibri" panose="020F0502020204030204"/>
+              <a:ea typeface="+mn-ea"/>
+              <a:cs typeface="+mn-cs"/>
+            </a:endParaRPr>
+          </a:p>
+        </p:txBody>
+      </p:sp>
+    </p:spTree>
+    <p:extLst>
+      <p:ext uri="{BB962C8B-B14F-4D97-AF65-F5344CB8AC3E}">
+        <p14:creationId xmlns:p14="http://schemas.microsoft.com/office/powerpoint/2010/main" val="1317311177"/>
+      </p:ext>
+    </p:extLst>
+  </p:cSld>
+  <p:clrMapOvr>
+    <a:masterClrMapping/>
+  </p:clrMapOvr>
+</p:notes>
+</file>
+
 <file path=ppt/notesSlides/notesSlide3.xml><?xml version="1.0" encoding="utf-8"?>
 <p:notes xmlns:a="http://schemas.openxmlformats.org/drawingml/2006/main" xmlns:r="http://schemas.openxmlformats.org/officeDocument/2006/relationships" xmlns:p="http://schemas.openxmlformats.org/presentationml/2006/main">
   <p:cSld>
@@ -5418,7 +6608,7 @@
           <a:p>
             <a:fld id="{0B27EE79-B449-44A2-B1EF-6094F2079680}" type="datetimeFigureOut">
               <a:rPr lang="tr-TR" smtClean="0"/>
-              <a:t>1.02.2022</a:t>
+              <a:t>11.02.2022</a:t>
             </a:fld>
             <a:endParaRPr lang="tr-TR"/>
           </a:p>
@@ -5618,7 +6808,7 @@
           <a:p>
             <a:fld id="{0B27EE79-B449-44A2-B1EF-6094F2079680}" type="datetimeFigureOut">
               <a:rPr lang="tr-TR" smtClean="0"/>
-              <a:t>1.02.2022</a:t>
+              <a:t>11.02.2022</a:t>
             </a:fld>
             <a:endParaRPr lang="tr-TR"/>
           </a:p>
@@ -5828,7 +7018,7 @@
           <a:p>
             <a:fld id="{0B27EE79-B449-44A2-B1EF-6094F2079680}" type="datetimeFigureOut">
               <a:rPr lang="tr-TR" smtClean="0"/>
-              <a:t>1.02.2022</a:t>
+              <a:t>11.02.2022</a:t>
             </a:fld>
             <a:endParaRPr lang="tr-TR"/>
           </a:p>
@@ -6028,7 +7218,7 @@
           <a:p>
             <a:fld id="{0B27EE79-B449-44A2-B1EF-6094F2079680}" type="datetimeFigureOut">
               <a:rPr lang="tr-TR" smtClean="0"/>
-              <a:t>1.02.2022</a:t>
+              <a:t>11.02.2022</a:t>
             </a:fld>
             <a:endParaRPr lang="tr-TR"/>
           </a:p>
@@ -6304,7 +7494,7 @@
           <a:p>
             <a:fld id="{0B27EE79-B449-44A2-B1EF-6094F2079680}" type="datetimeFigureOut">
               <a:rPr lang="tr-TR" smtClean="0"/>
-              <a:t>1.02.2022</a:t>
+              <a:t>11.02.2022</a:t>
             </a:fld>
             <a:endParaRPr lang="tr-TR"/>
           </a:p>
@@ -6572,7 +7762,7 @@
           <a:p>
             <a:fld id="{0B27EE79-B449-44A2-B1EF-6094F2079680}" type="datetimeFigureOut">
               <a:rPr lang="tr-TR" smtClean="0"/>
-              <a:t>1.02.2022</a:t>
+              <a:t>11.02.2022</a:t>
             </a:fld>
             <a:endParaRPr lang="tr-TR"/>
           </a:p>
@@ -6987,7 +8177,7 @@
           <a:p>
             <a:fld id="{0B27EE79-B449-44A2-B1EF-6094F2079680}" type="datetimeFigureOut">
               <a:rPr lang="tr-TR" smtClean="0"/>
-              <a:t>1.02.2022</a:t>
+              <a:t>11.02.2022</a:t>
             </a:fld>
             <a:endParaRPr lang="tr-TR"/>
           </a:p>
@@ -7129,7 +8319,7 @@
           <a:p>
             <a:fld id="{0B27EE79-B449-44A2-B1EF-6094F2079680}" type="datetimeFigureOut">
               <a:rPr lang="tr-TR" smtClean="0"/>
-              <a:t>1.02.2022</a:t>
+              <a:t>11.02.2022</a:t>
             </a:fld>
             <a:endParaRPr lang="tr-TR"/>
           </a:p>
@@ -7242,7 +8432,7 @@
           <a:p>
             <a:fld id="{0B27EE79-B449-44A2-B1EF-6094F2079680}" type="datetimeFigureOut">
               <a:rPr lang="tr-TR" smtClean="0"/>
-              <a:t>1.02.2022</a:t>
+              <a:t>11.02.2022</a:t>
             </a:fld>
             <a:endParaRPr lang="tr-TR"/>
           </a:p>
@@ -7555,7 +8745,7 @@
           <a:p>
             <a:fld id="{0B27EE79-B449-44A2-B1EF-6094F2079680}" type="datetimeFigureOut">
               <a:rPr lang="tr-TR" smtClean="0"/>
-              <a:t>1.02.2022</a:t>
+              <a:t>11.02.2022</a:t>
             </a:fld>
             <a:endParaRPr lang="tr-TR"/>
           </a:p>
@@ -7844,7 +9034,7 @@
           <a:p>
             <a:fld id="{0B27EE79-B449-44A2-B1EF-6094F2079680}" type="datetimeFigureOut">
               <a:rPr lang="tr-TR" smtClean="0"/>
-              <a:t>1.02.2022</a:t>
+              <a:t>11.02.2022</a:t>
             </a:fld>
             <a:endParaRPr lang="tr-TR"/>
           </a:p>
@@ -8087,7 +9277,7 @@
           <a:p>
             <a:fld id="{0B27EE79-B449-44A2-B1EF-6094F2079680}" type="datetimeFigureOut">
               <a:rPr lang="tr-TR" smtClean="0"/>
-              <a:t>1.02.2022</a:t>
+              <a:t>11.02.2022</a:t>
             </a:fld>
             <a:endParaRPr lang="tr-TR"/>
           </a:p>
@@ -26650,7 +27840,7 @@
                   <a:srgbClr val="FF0000"/>
                 </a:solidFill>
               </a:rPr>
-              <a:t>Research Design Discussion</a:t>
+              <a:t>Research Discussion with Prof. Emma Parry</a:t>
             </a:r>
             <a:br>
               <a:rPr lang="tr-TR" sz="4400" b="1" dirty="0"/>
@@ -26710,7 +27900,7 @@
           <a:p>
             <a:r>
               <a:rPr lang="tr-TR" b="1" dirty="0"/>
-              <a:t>02.02.2022</a:t>
+              <a:t>11.02.2022</a:t>
             </a:r>
           </a:p>
           <a:p>
@@ -26753,7 +27943,7 @@
           <p:cNvPr id="2" name="Title 1">
             <a:extLst>
               <a:ext uri="{FF2B5EF4-FFF2-40B4-BE49-F238E27FC236}">
-                <a16:creationId xmlns:a16="http://schemas.microsoft.com/office/drawing/2014/main" id="{31F3B810-E473-4E0E-91F8-2FC9A35FC090}"/>
+                <a16:creationId xmlns:a16="http://schemas.microsoft.com/office/drawing/2014/main" id="{B24FE445-AF65-4065-A8E6-E3B9450477F9}"/>
               </a:ext>
             </a:extLst>
           </p:cNvPr>
@@ -26766,19 +27956,17 @@
         </p:nvSpPr>
         <p:spPr>
           <a:xfrm>
-            <a:off x="838200" y="365126"/>
-            <a:ext cx="10515600" cy="1088118"/>
+            <a:off x="838200" y="365125"/>
+            <a:ext cx="10515600" cy="826861"/>
           </a:xfrm>
         </p:spPr>
         <p:txBody>
-          <a:bodyPr>
-            <a:normAutofit/>
-          </a:bodyPr>
+          <a:bodyPr/>
           <a:lstStyle/>
           <a:p>
             <a:r>
               <a:rPr lang="tr-TR" b="1" dirty="0"/>
-              <a:t>Annotating Named Entities, Leadership</a:t>
+              <a:t>Research Design Considerations</a:t>
             </a:r>
           </a:p>
         </p:txBody>
@@ -26788,7 +27976,7 @@
           <p:cNvPr id="3" name="Content Placeholder 2">
             <a:extLst>
               <a:ext uri="{FF2B5EF4-FFF2-40B4-BE49-F238E27FC236}">
-                <a16:creationId xmlns:a16="http://schemas.microsoft.com/office/drawing/2014/main" id="{82066F8D-D20A-4639-B089-881B89799347}"/>
+                <a16:creationId xmlns:a16="http://schemas.microsoft.com/office/drawing/2014/main" id="{45C655FD-3786-4504-80FE-A3688FEBADA6}"/>
               </a:ext>
             </a:extLst>
           </p:cNvPr>
@@ -26801,47 +27989,137 @@
         </p:nvSpPr>
         <p:spPr/>
         <p:txBody>
-          <a:bodyPr/>
+          <a:bodyPr>
+            <a:normAutofit lnSpcReduction="10000"/>
+          </a:bodyPr>
           <a:lstStyle/>
           <a:p>
             <a:r>
-              <a:rPr lang="tr-TR" dirty="0">
+              <a:rPr lang="tr-TR" b="1" dirty="0">
                 <a:highlight>
                   <a:srgbClr val="FFFF00"/>
                 </a:highlight>
               </a:rPr>
-              <a:t>Strategy: </a:t>
+              <a:t>Title: </a:t>
+            </a:r>
+            <a:r>
+              <a:rPr lang="en-US" dirty="0"/>
+              <a:t>Effects of leadership and morale on the outcome of the battle</a:t>
             </a:r>
             <a:r>
               <a:rPr lang="tr-TR" dirty="0"/>
-              <a:t>With deciding time when, the place where, and the forces with which the engagement is fought, and through this threefold activity </a:t>
-            </a:r>
-            <a:r>
-              <a:rPr lang="tr-TR" dirty="0">
+              <a:t>. </a:t>
+            </a:r>
+          </a:p>
+          <a:p>
+            <a:r>
+              <a:rPr lang="en-US" b="1" dirty="0">
+                <a:highlight>
+                  <a:srgbClr val="FFFF00"/>
+                </a:highlight>
+              </a:rPr>
+              <a:t>Aim:</a:t>
+            </a:r>
+            <a:r>
+              <a:rPr lang="tr-TR" b="1" dirty="0">
+                <a:highlight>
+                  <a:srgbClr val="FFFF00"/>
+                </a:highlight>
+              </a:rPr>
+              <a:t> </a:t>
+            </a:r>
+            <a:r>
+              <a:rPr lang="en-US" dirty="0"/>
+              <a:t>This research will aim to </a:t>
+            </a:r>
+            <a:r>
+              <a:rPr lang="en-US" dirty="0">
                 <a:highlight>
                   <a:srgbClr val="00FFFF"/>
                 </a:highlight>
               </a:rPr>
-              <a:t>exerts considerable influence on its outcome</a:t>
-            </a:r>
-            <a:r>
-              <a:rPr lang="tr-TR" dirty="0"/>
-              <a:t>. Clausewitz, p.194</a:t>
-            </a:r>
-          </a:p>
-          <a:p>
-            <a:r>
-              <a:rPr lang="tr-TR" dirty="0">
+              <a:t>explore</a:t>
+            </a:r>
+            <a:r>
+              <a:rPr lang="en-US" dirty="0"/>
+              <a:t> effects of non-material factors on the outcome of the battle alongside other combat power elements. </a:t>
+            </a:r>
+          </a:p>
+          <a:p>
+            <a:r>
+              <a:rPr lang="en-US" b="1" dirty="0">
                 <a:highlight>
                   <a:srgbClr val="FFFF00"/>
                 </a:highlight>
               </a:rPr>
-              <a:t>Calculation of time and space:</a:t>
+              <a:t>Objectives:</a:t>
+            </a:r>
+            <a:r>
+              <a:rPr lang="tr-TR" b="1" dirty="0">
+                <a:highlight>
+                  <a:srgbClr val="FFFF00"/>
+                </a:highlight>
+              </a:rPr>
+              <a:t> </a:t>
+            </a:r>
+          </a:p>
+          <a:p>
+            <a:pPr lvl="1"/>
+            <a:r>
+              <a:rPr lang="en-US" dirty="0">
+                <a:highlight>
+                  <a:srgbClr val="00FFFF"/>
+                </a:highlight>
+              </a:rPr>
+              <a:t>To explain </a:t>
+            </a:r>
+            <a:r>
+              <a:rPr lang="en-US" dirty="0"/>
+              <a:t>how far combat power elements varies the outcome of the battle. </a:t>
+            </a:r>
+          </a:p>
+          <a:p>
+            <a:pPr lvl="1"/>
+            <a:r>
+              <a:rPr lang="en-US" dirty="0">
+                <a:highlight>
+                  <a:srgbClr val="00FFFF"/>
+                </a:highlight>
+              </a:rPr>
+              <a:t>To explore </a:t>
+            </a:r>
+            <a:r>
+              <a:rPr lang="en-US" dirty="0"/>
+              <a:t>the nature and the degree of the effects of leadership and morale on the outcome of the battle. </a:t>
+            </a:r>
+            <a:endParaRPr lang="tr-TR" dirty="0"/>
+          </a:p>
+          <a:p>
+            <a:r>
+              <a:rPr lang="tr-TR" b="1" dirty="0">
+                <a:highlight>
+                  <a:srgbClr val="FFFF00"/>
+                </a:highlight>
+              </a:rPr>
+              <a:t>Research Design Approach: </a:t>
             </a:r>
             <a:r>
               <a:rPr lang="tr-TR" dirty="0"/>
-              <a:t>, Clausewitz, p.196</a:t>
-            </a:r>
+              <a:t>Explanatory sequential research design with quantitative research preceding qualitative research.  </a:t>
+            </a:r>
+          </a:p>
+          <a:p>
+            <a:pPr marL="0" indent="0">
+              <a:buNone/>
+            </a:pPr>
+            <a:r>
+              <a:rPr lang="tr-TR" dirty="0"/>
+              <a:t>(quant ---&gt;QUAL). </a:t>
+            </a:r>
+            <a:endParaRPr lang="en-US" dirty="0"/>
+          </a:p>
+          <a:p>
+            <a:endParaRPr lang="en-US" dirty="0"/>
           </a:p>
           <a:p>
             <a:endParaRPr lang="tr-TR" dirty="0"/>
@@ -26851,7 +28129,7 @@
     </p:spTree>
     <p:extLst>
       <p:ext uri="{BB962C8B-B14F-4D97-AF65-F5344CB8AC3E}">
-        <p14:creationId xmlns:p14="http://schemas.microsoft.com/office/powerpoint/2010/main" val="1481671225"/>
+        <p14:creationId xmlns:p14="http://schemas.microsoft.com/office/powerpoint/2010/main" val="3050077770"/>
       </p:ext>
     </p:extLst>
   </p:cSld>
@@ -26981,6 +28259,7418 @@
     <p:extLst>
       <p:ext uri="{BB962C8B-B14F-4D97-AF65-F5344CB8AC3E}">
         <p14:creationId xmlns:p14="http://schemas.microsoft.com/office/powerpoint/2010/main" val="2488992448"/>
+      </p:ext>
+    </p:extLst>
+  </p:cSld>
+  <p:clrMapOvr>
+    <a:masterClrMapping/>
+  </p:clrMapOvr>
+</p:sld>
+</file>
+
+<file path=ppt/slides/slide30.xml><?xml version="1.0" encoding="utf-8"?>
+<p:sld xmlns:a="http://schemas.openxmlformats.org/drawingml/2006/main" xmlns:r="http://schemas.openxmlformats.org/officeDocument/2006/relationships" xmlns:p="http://schemas.openxmlformats.org/presentationml/2006/main">
+  <p:cSld>
+    <p:spTree>
+      <p:nvGrpSpPr>
+        <p:cNvPr id="1" name=""/>
+        <p:cNvGrpSpPr/>
+        <p:nvPr/>
+      </p:nvGrpSpPr>
+      <p:grpSpPr>
+        <a:xfrm>
+          <a:off x="0" y="0"/>
+          <a:ext cx="0" cy="0"/>
+          <a:chOff x="0" y="0"/>
+          <a:chExt cx="0" cy="0"/>
+        </a:xfrm>
+      </p:grpSpPr>
+      <p:sp>
+        <p:nvSpPr>
+          <p:cNvPr id="4" name="Rectangle: Rounded Corners 3">
+            <a:extLst>
+              <a:ext uri="{FF2B5EF4-FFF2-40B4-BE49-F238E27FC236}">
+                <a16:creationId xmlns:a16="http://schemas.microsoft.com/office/drawing/2014/main" id="{D4029FED-596F-48AD-9098-8A258DE0D839}"/>
+              </a:ext>
+            </a:extLst>
+          </p:cNvPr>
+          <p:cNvSpPr/>
+          <p:nvPr/>
+        </p:nvSpPr>
+        <p:spPr>
+          <a:xfrm>
+            <a:off x="9225461" y="3634239"/>
+            <a:ext cx="2020293" cy="748084"/>
+          </a:xfrm>
+          <a:prstGeom prst="roundRect">
+            <a:avLst/>
+          </a:prstGeom>
+        </p:spPr>
+        <p:style>
+          <a:lnRef idx="2">
+            <a:schemeClr val="accent6"/>
+          </a:lnRef>
+          <a:fillRef idx="1">
+            <a:schemeClr val="lt1"/>
+          </a:fillRef>
+          <a:effectRef idx="0">
+            <a:schemeClr val="accent6"/>
+          </a:effectRef>
+          <a:fontRef idx="minor">
+            <a:schemeClr val="dk1"/>
+          </a:fontRef>
+        </p:style>
+        <p:txBody>
+          <a:bodyPr rtlCol="0" anchor="ctr"/>
+          <a:lstStyle/>
+          <a:p>
+            <a:pPr marL="0" marR="0" lvl="0" indent="0" algn="ctr" defTabSz="914400" rtl="0" eaLnBrk="1" fontAlgn="auto" latinLnBrk="0" hangingPunct="1">
+              <a:lnSpc>
+                <a:spcPct val="100000"/>
+              </a:lnSpc>
+              <a:spcBef>
+                <a:spcPts val="0"/>
+              </a:spcBef>
+              <a:spcAft>
+                <a:spcPts val="0"/>
+              </a:spcAft>
+              <a:buClrTx/>
+              <a:buSzTx/>
+              <a:buFontTx/>
+              <a:buNone/>
+              <a:tabLst/>
+              <a:defRPr/>
+            </a:pPr>
+            <a:r>
+              <a:rPr kumimoji="0" lang="tr-TR" sz="1800" b="1" i="0" u="none" strike="noStrike" kern="1200" cap="none" spc="0" normalizeH="0" baseline="0" noProof="0" dirty="0">
+                <a:ln>
+                  <a:noFill/>
+                </a:ln>
+                <a:solidFill>
+                  <a:prstClr val="black"/>
+                </a:solidFill>
+                <a:effectLst/>
+                <a:uLnTx/>
+                <a:uFillTx/>
+                <a:latin typeface="Calibri" panose="020F0502020204030204"/>
+                <a:ea typeface="+mn-ea"/>
+                <a:cs typeface="+mn-cs"/>
+              </a:rPr>
+              <a:t>Outcome of the Battle</a:t>
+            </a:r>
+          </a:p>
+        </p:txBody>
+      </p:sp>
+      <p:sp>
+        <p:nvSpPr>
+          <p:cNvPr id="5" name="TextBox 4">
+            <a:extLst>
+              <a:ext uri="{FF2B5EF4-FFF2-40B4-BE49-F238E27FC236}">
+                <a16:creationId xmlns:a16="http://schemas.microsoft.com/office/drawing/2014/main" id="{C02FD4BF-4F42-4E9E-B30A-01037592E504}"/>
+              </a:ext>
+            </a:extLst>
+          </p:cNvPr>
+          <p:cNvSpPr txBox="1"/>
+          <p:nvPr/>
+        </p:nvSpPr>
+        <p:spPr>
+          <a:xfrm>
+            <a:off x="9007029" y="4690146"/>
+            <a:ext cx="2457157" cy="408623"/>
+          </a:xfrm>
+          <a:prstGeom prst="roundRect">
+            <a:avLst/>
+          </a:prstGeom>
+          <a:solidFill>
+            <a:srgbClr val="00FFFF"/>
+          </a:solidFill>
+        </p:spPr>
+        <p:txBody>
+          <a:bodyPr wrap="square" rtlCol="0">
+            <a:spAutoFit/>
+          </a:bodyPr>
+          <a:lstStyle>
+            <a:defPPr>
+              <a:defRPr lang="tr-TR"/>
+            </a:defPPr>
+            <a:lvl1pPr algn="ctr">
+              <a:defRPr b="1"/>
+            </a:lvl1pPr>
+          </a:lstStyle>
+          <a:p>
+            <a:pPr marL="0" marR="0" lvl="0" indent="0" algn="ctr" defTabSz="914400" rtl="0" eaLnBrk="1" fontAlgn="auto" latinLnBrk="0" hangingPunct="1">
+              <a:lnSpc>
+                <a:spcPct val="100000"/>
+              </a:lnSpc>
+              <a:spcBef>
+                <a:spcPts val="0"/>
+              </a:spcBef>
+              <a:spcAft>
+                <a:spcPts val="0"/>
+              </a:spcAft>
+              <a:buClrTx/>
+              <a:buSzTx/>
+              <a:buFontTx/>
+              <a:buNone/>
+              <a:tabLst/>
+              <a:defRPr/>
+            </a:pPr>
+            <a:r>
+              <a:rPr kumimoji="0" lang="tr-TR" sz="1800" b="1" i="0" u="none" strike="noStrike" kern="1200" cap="none" spc="0" normalizeH="0" baseline="0" noProof="0" dirty="0">
+                <a:ln>
+                  <a:noFill/>
+                </a:ln>
+                <a:solidFill>
+                  <a:prstClr val="black"/>
+                </a:solidFill>
+                <a:effectLst/>
+                <a:uLnTx/>
+                <a:uFillTx/>
+                <a:latin typeface="Calibri" panose="020F0502020204030204"/>
+                <a:ea typeface="+mn-ea"/>
+                <a:cs typeface="+mn-cs"/>
+              </a:rPr>
+              <a:t>Dependent Variable</a:t>
+            </a:r>
+          </a:p>
+        </p:txBody>
+      </p:sp>
+      <p:sp>
+        <p:nvSpPr>
+          <p:cNvPr id="6" name="Rectangle: Rounded Corners 5">
+            <a:extLst>
+              <a:ext uri="{FF2B5EF4-FFF2-40B4-BE49-F238E27FC236}">
+                <a16:creationId xmlns:a16="http://schemas.microsoft.com/office/drawing/2014/main" id="{859A0FFA-1A68-49C1-BE5D-F1E4C6D9B242}"/>
+              </a:ext>
+            </a:extLst>
+          </p:cNvPr>
+          <p:cNvSpPr/>
+          <p:nvPr/>
+        </p:nvSpPr>
+        <p:spPr>
+          <a:xfrm>
+            <a:off x="4503102" y="2111361"/>
+            <a:ext cx="2020293" cy="748084"/>
+          </a:xfrm>
+          <a:prstGeom prst="roundRect">
+            <a:avLst/>
+          </a:prstGeom>
+        </p:spPr>
+        <p:style>
+          <a:lnRef idx="2">
+            <a:schemeClr val="accent6"/>
+          </a:lnRef>
+          <a:fillRef idx="1">
+            <a:schemeClr val="lt1"/>
+          </a:fillRef>
+          <a:effectRef idx="0">
+            <a:schemeClr val="accent6"/>
+          </a:effectRef>
+          <a:fontRef idx="minor">
+            <a:schemeClr val="dk1"/>
+          </a:fontRef>
+        </p:style>
+        <p:txBody>
+          <a:bodyPr rtlCol="0" anchor="ctr"/>
+          <a:lstStyle/>
+          <a:p>
+            <a:pPr marL="0" marR="0" lvl="0" indent="0" algn="ctr" defTabSz="914400" rtl="0" eaLnBrk="1" fontAlgn="auto" latinLnBrk="0" hangingPunct="1">
+              <a:lnSpc>
+                <a:spcPct val="100000"/>
+              </a:lnSpc>
+              <a:spcBef>
+                <a:spcPts val="0"/>
+              </a:spcBef>
+              <a:spcAft>
+                <a:spcPts val="0"/>
+              </a:spcAft>
+              <a:buClrTx/>
+              <a:buSzTx/>
+              <a:buFontTx/>
+              <a:buNone/>
+              <a:tabLst/>
+              <a:defRPr/>
+            </a:pPr>
+            <a:r>
+              <a:rPr kumimoji="0" lang="tr-TR" sz="1800" b="1" i="0" u="none" strike="noStrike" kern="1200" cap="none" spc="0" normalizeH="0" baseline="0" noProof="0" dirty="0">
+                <a:ln>
+                  <a:noFill/>
+                </a:ln>
+                <a:solidFill>
+                  <a:prstClr val="black"/>
+                </a:solidFill>
+                <a:effectLst/>
+                <a:uLnTx/>
+                <a:uFillTx/>
+                <a:latin typeface="Calibri" panose="020F0502020204030204"/>
+                <a:ea typeface="+mn-ea"/>
+                <a:cs typeface="+mn-cs"/>
+              </a:rPr>
+              <a:t>Leadership</a:t>
+            </a:r>
+          </a:p>
+        </p:txBody>
+      </p:sp>
+      <p:sp>
+        <p:nvSpPr>
+          <p:cNvPr id="7" name="TextBox 6">
+            <a:extLst>
+              <a:ext uri="{FF2B5EF4-FFF2-40B4-BE49-F238E27FC236}">
+                <a16:creationId xmlns:a16="http://schemas.microsoft.com/office/drawing/2014/main" id="{D301626C-CD24-4E8C-8491-B5BBAAADE3FA}"/>
+              </a:ext>
+            </a:extLst>
+          </p:cNvPr>
+          <p:cNvSpPr txBox="1"/>
+          <p:nvPr/>
+        </p:nvSpPr>
+        <p:spPr>
+          <a:xfrm>
+            <a:off x="5028357" y="1211953"/>
+            <a:ext cx="3234831" cy="715089"/>
+          </a:xfrm>
+          <a:prstGeom prst="roundRect">
+            <a:avLst/>
+          </a:prstGeom>
+          <a:solidFill>
+            <a:srgbClr val="00FFFF"/>
+          </a:solidFill>
+        </p:spPr>
+        <p:txBody>
+          <a:bodyPr wrap="square" rtlCol="0">
+            <a:spAutoFit/>
+          </a:bodyPr>
+          <a:lstStyle>
+            <a:defPPr>
+              <a:defRPr lang="tr-TR"/>
+            </a:defPPr>
+            <a:lvl1pPr algn="ctr">
+              <a:defRPr b="1"/>
+            </a:lvl1pPr>
+          </a:lstStyle>
+          <a:p>
+            <a:pPr marL="0" marR="0" lvl="0" indent="0" algn="ctr" defTabSz="914400" rtl="0" eaLnBrk="1" fontAlgn="auto" latinLnBrk="0" hangingPunct="1">
+              <a:lnSpc>
+                <a:spcPct val="100000"/>
+              </a:lnSpc>
+              <a:spcBef>
+                <a:spcPts val="0"/>
+              </a:spcBef>
+              <a:spcAft>
+                <a:spcPts val="0"/>
+              </a:spcAft>
+              <a:buClrTx/>
+              <a:buSzTx/>
+              <a:buFontTx/>
+              <a:buNone/>
+              <a:tabLst/>
+              <a:defRPr/>
+            </a:pPr>
+            <a:r>
+              <a:rPr kumimoji="0" lang="tr-TR" sz="1800" b="1" i="0" u="none" strike="noStrike" kern="1200" cap="none" spc="0" normalizeH="0" baseline="0" noProof="0" dirty="0">
+                <a:ln>
+                  <a:noFill/>
+                </a:ln>
+                <a:solidFill>
+                  <a:prstClr val="black"/>
+                </a:solidFill>
+                <a:effectLst/>
+                <a:uLnTx/>
+                <a:uFillTx/>
+                <a:latin typeface="Calibri" panose="020F0502020204030204"/>
+                <a:ea typeface="+mn-ea"/>
+                <a:cs typeface="+mn-cs"/>
+              </a:rPr>
+              <a:t>Intervening Variables</a:t>
+            </a:r>
+          </a:p>
+          <a:p>
+            <a:pPr marL="0" marR="0" lvl="0" indent="0" algn="ctr" defTabSz="914400" rtl="0" eaLnBrk="1" fontAlgn="auto" latinLnBrk="0" hangingPunct="1">
+              <a:lnSpc>
+                <a:spcPct val="100000"/>
+              </a:lnSpc>
+              <a:spcBef>
+                <a:spcPts val="0"/>
+              </a:spcBef>
+              <a:spcAft>
+                <a:spcPts val="0"/>
+              </a:spcAft>
+              <a:buClrTx/>
+              <a:buSzTx/>
+              <a:buFontTx/>
+              <a:buNone/>
+              <a:tabLst/>
+              <a:defRPr/>
+            </a:pPr>
+            <a:r>
+              <a:rPr kumimoji="0" lang="tr-TR" sz="1800" b="1" i="0" u="none" strike="noStrike" kern="1200" cap="none" spc="0" normalizeH="0" baseline="0" noProof="0" dirty="0">
+                <a:ln>
+                  <a:noFill/>
+                </a:ln>
+                <a:solidFill>
+                  <a:prstClr val="black"/>
+                </a:solidFill>
+                <a:effectLst/>
+                <a:uLnTx/>
+                <a:uFillTx/>
+                <a:latin typeface="Calibri" panose="020F0502020204030204"/>
+                <a:ea typeface="+mn-ea"/>
+                <a:cs typeface="+mn-cs"/>
+              </a:rPr>
+              <a:t>(Non-material Factors)</a:t>
+            </a:r>
+          </a:p>
+        </p:txBody>
+      </p:sp>
+      <p:sp>
+        <p:nvSpPr>
+          <p:cNvPr id="8" name="Rectangle: Rounded Corners 7">
+            <a:extLst>
+              <a:ext uri="{FF2B5EF4-FFF2-40B4-BE49-F238E27FC236}">
+                <a16:creationId xmlns:a16="http://schemas.microsoft.com/office/drawing/2014/main" id="{BA8F6080-596F-49C8-AC41-113F13CD685F}"/>
+              </a:ext>
+            </a:extLst>
+          </p:cNvPr>
+          <p:cNvSpPr/>
+          <p:nvPr/>
+        </p:nvSpPr>
+        <p:spPr>
+          <a:xfrm>
+            <a:off x="6796957" y="2107033"/>
+            <a:ext cx="2020293" cy="748084"/>
+          </a:xfrm>
+          <a:prstGeom prst="roundRect">
+            <a:avLst/>
+          </a:prstGeom>
+        </p:spPr>
+        <p:style>
+          <a:lnRef idx="2">
+            <a:schemeClr val="accent6"/>
+          </a:lnRef>
+          <a:fillRef idx="1">
+            <a:schemeClr val="lt1"/>
+          </a:fillRef>
+          <a:effectRef idx="0">
+            <a:schemeClr val="accent6"/>
+          </a:effectRef>
+          <a:fontRef idx="minor">
+            <a:schemeClr val="dk1"/>
+          </a:fontRef>
+        </p:style>
+        <p:txBody>
+          <a:bodyPr rtlCol="0" anchor="ctr"/>
+          <a:lstStyle/>
+          <a:p>
+            <a:pPr marL="0" marR="0" lvl="0" indent="0" algn="ctr" defTabSz="914400" rtl="0" eaLnBrk="1" fontAlgn="auto" latinLnBrk="0" hangingPunct="1">
+              <a:lnSpc>
+                <a:spcPct val="100000"/>
+              </a:lnSpc>
+              <a:spcBef>
+                <a:spcPts val="0"/>
+              </a:spcBef>
+              <a:spcAft>
+                <a:spcPts val="0"/>
+              </a:spcAft>
+              <a:buClrTx/>
+              <a:buSzTx/>
+              <a:buFontTx/>
+              <a:buNone/>
+              <a:tabLst/>
+              <a:defRPr/>
+            </a:pPr>
+            <a:r>
+              <a:rPr kumimoji="0" lang="tr-TR" sz="1800" b="1" i="0" u="none" strike="noStrike" kern="1200" cap="none" spc="0" normalizeH="0" baseline="0" noProof="0" dirty="0">
+                <a:ln>
+                  <a:noFill/>
+                </a:ln>
+                <a:solidFill>
+                  <a:prstClr val="black"/>
+                </a:solidFill>
+                <a:effectLst/>
+                <a:uLnTx/>
+                <a:uFillTx/>
+                <a:latin typeface="Calibri" panose="020F0502020204030204"/>
+                <a:ea typeface="+mn-ea"/>
+                <a:cs typeface="+mn-cs"/>
+              </a:rPr>
+              <a:t>Morale</a:t>
+            </a:r>
+          </a:p>
+        </p:txBody>
+      </p:sp>
+      <p:sp>
+        <p:nvSpPr>
+          <p:cNvPr id="9" name="Rectangle: Rounded Corners 8">
+            <a:extLst>
+              <a:ext uri="{FF2B5EF4-FFF2-40B4-BE49-F238E27FC236}">
+                <a16:creationId xmlns:a16="http://schemas.microsoft.com/office/drawing/2014/main" id="{9135C4AA-79B2-49B6-AB0A-94B995AB48C9}"/>
+              </a:ext>
+            </a:extLst>
+          </p:cNvPr>
+          <p:cNvSpPr/>
+          <p:nvPr/>
+        </p:nvSpPr>
+        <p:spPr>
+          <a:xfrm>
+            <a:off x="779672" y="3939655"/>
+            <a:ext cx="2020293" cy="527413"/>
+          </a:xfrm>
+          <a:prstGeom prst="roundRect">
+            <a:avLst/>
+          </a:prstGeom>
+        </p:spPr>
+        <p:style>
+          <a:lnRef idx="2">
+            <a:schemeClr val="accent6"/>
+          </a:lnRef>
+          <a:fillRef idx="1">
+            <a:schemeClr val="lt1"/>
+          </a:fillRef>
+          <a:effectRef idx="0">
+            <a:schemeClr val="accent6"/>
+          </a:effectRef>
+          <a:fontRef idx="minor">
+            <a:schemeClr val="dk1"/>
+          </a:fontRef>
+        </p:style>
+        <p:txBody>
+          <a:bodyPr rtlCol="0" anchor="ctr"/>
+          <a:lstStyle/>
+          <a:p>
+            <a:pPr marL="0" marR="0" lvl="0" indent="0" algn="ctr" defTabSz="914400" rtl="0" eaLnBrk="1" fontAlgn="auto" latinLnBrk="0" hangingPunct="1">
+              <a:lnSpc>
+                <a:spcPct val="100000"/>
+              </a:lnSpc>
+              <a:spcBef>
+                <a:spcPts val="0"/>
+              </a:spcBef>
+              <a:spcAft>
+                <a:spcPts val="0"/>
+              </a:spcAft>
+              <a:buClrTx/>
+              <a:buSzTx/>
+              <a:buFontTx/>
+              <a:buNone/>
+              <a:tabLst/>
+              <a:defRPr/>
+            </a:pPr>
+            <a:r>
+              <a:rPr kumimoji="0" lang="tr-TR" sz="1800" b="1" i="0" u="none" strike="noStrike" kern="1200" cap="none" spc="0" normalizeH="0" baseline="0" noProof="0" dirty="0">
+                <a:ln>
+                  <a:noFill/>
+                </a:ln>
+                <a:solidFill>
+                  <a:prstClr val="black"/>
+                </a:solidFill>
+                <a:effectLst/>
+                <a:uLnTx/>
+                <a:uFillTx/>
+                <a:latin typeface="Calibri" panose="020F0502020204030204"/>
+                <a:ea typeface="+mn-ea"/>
+                <a:cs typeface="+mn-cs"/>
+              </a:rPr>
+              <a:t>Military Expenditure</a:t>
+            </a:r>
+          </a:p>
+        </p:txBody>
+      </p:sp>
+      <p:sp>
+        <p:nvSpPr>
+          <p:cNvPr id="10" name="Rectangle: Rounded Corners 9">
+            <a:extLst>
+              <a:ext uri="{FF2B5EF4-FFF2-40B4-BE49-F238E27FC236}">
+                <a16:creationId xmlns:a16="http://schemas.microsoft.com/office/drawing/2014/main" id="{F31C0A84-334D-4937-A313-FD26E02FE369}"/>
+              </a:ext>
+            </a:extLst>
+          </p:cNvPr>
+          <p:cNvSpPr/>
+          <p:nvPr/>
+        </p:nvSpPr>
+        <p:spPr>
+          <a:xfrm>
+            <a:off x="779671" y="4608526"/>
+            <a:ext cx="2020293" cy="527413"/>
+          </a:xfrm>
+          <a:prstGeom prst="roundRect">
+            <a:avLst/>
+          </a:prstGeom>
+        </p:spPr>
+        <p:style>
+          <a:lnRef idx="2">
+            <a:schemeClr val="accent6"/>
+          </a:lnRef>
+          <a:fillRef idx="1">
+            <a:schemeClr val="lt1"/>
+          </a:fillRef>
+          <a:effectRef idx="0">
+            <a:schemeClr val="accent6"/>
+          </a:effectRef>
+          <a:fontRef idx="minor">
+            <a:schemeClr val="dk1"/>
+          </a:fontRef>
+        </p:style>
+        <p:txBody>
+          <a:bodyPr rtlCol="0" anchor="ctr"/>
+          <a:lstStyle/>
+          <a:p>
+            <a:pPr marL="0" marR="0" lvl="0" indent="0" algn="ctr" defTabSz="914400" rtl="0" eaLnBrk="1" fontAlgn="auto" latinLnBrk="0" hangingPunct="1">
+              <a:lnSpc>
+                <a:spcPct val="100000"/>
+              </a:lnSpc>
+              <a:spcBef>
+                <a:spcPts val="0"/>
+              </a:spcBef>
+              <a:spcAft>
+                <a:spcPts val="0"/>
+              </a:spcAft>
+              <a:buClrTx/>
+              <a:buSzTx/>
+              <a:buFontTx/>
+              <a:buNone/>
+              <a:tabLst/>
+              <a:defRPr/>
+            </a:pPr>
+            <a:r>
+              <a:rPr kumimoji="0" lang="tr-TR" sz="1800" b="1" i="0" u="none" strike="noStrike" kern="1200" cap="none" spc="0" normalizeH="0" baseline="0" noProof="0" dirty="0">
+                <a:ln>
+                  <a:noFill/>
+                </a:ln>
+                <a:solidFill>
+                  <a:prstClr val="black"/>
+                </a:solidFill>
+                <a:effectLst/>
+                <a:uLnTx/>
+                <a:uFillTx/>
+                <a:latin typeface="Calibri" panose="020F0502020204030204"/>
+                <a:ea typeface="+mn-ea"/>
+                <a:cs typeface="+mn-cs"/>
+              </a:rPr>
+              <a:t>Weapon System&amp;Platforms</a:t>
+            </a:r>
+          </a:p>
+        </p:txBody>
+      </p:sp>
+      <p:sp>
+        <p:nvSpPr>
+          <p:cNvPr id="11" name="Rectangle: Rounded Corners 10">
+            <a:extLst>
+              <a:ext uri="{FF2B5EF4-FFF2-40B4-BE49-F238E27FC236}">
+                <a16:creationId xmlns:a16="http://schemas.microsoft.com/office/drawing/2014/main" id="{33764994-22BF-4591-890D-BF70CD907302}"/>
+              </a:ext>
+            </a:extLst>
+          </p:cNvPr>
+          <p:cNvSpPr/>
+          <p:nvPr/>
+        </p:nvSpPr>
+        <p:spPr>
+          <a:xfrm>
+            <a:off x="779673" y="2601913"/>
+            <a:ext cx="2020293" cy="527413"/>
+          </a:xfrm>
+          <a:prstGeom prst="roundRect">
+            <a:avLst/>
+          </a:prstGeom>
+        </p:spPr>
+        <p:style>
+          <a:lnRef idx="2">
+            <a:schemeClr val="accent6"/>
+          </a:lnRef>
+          <a:fillRef idx="1">
+            <a:schemeClr val="lt1"/>
+          </a:fillRef>
+          <a:effectRef idx="0">
+            <a:schemeClr val="accent6"/>
+          </a:effectRef>
+          <a:fontRef idx="minor">
+            <a:schemeClr val="dk1"/>
+          </a:fontRef>
+        </p:style>
+        <p:txBody>
+          <a:bodyPr rtlCol="0" anchor="ctr"/>
+          <a:lstStyle/>
+          <a:p>
+            <a:pPr marL="0" marR="0" lvl="0" indent="0" algn="ctr" defTabSz="914400" rtl="0" eaLnBrk="1" fontAlgn="auto" latinLnBrk="0" hangingPunct="1">
+              <a:lnSpc>
+                <a:spcPct val="100000"/>
+              </a:lnSpc>
+              <a:spcBef>
+                <a:spcPts val="0"/>
+              </a:spcBef>
+              <a:spcAft>
+                <a:spcPts val="0"/>
+              </a:spcAft>
+              <a:buClrTx/>
+              <a:buSzTx/>
+              <a:buFontTx/>
+              <a:buNone/>
+              <a:tabLst/>
+              <a:defRPr/>
+            </a:pPr>
+            <a:r>
+              <a:rPr kumimoji="0" lang="tr-TR" sz="1800" b="1" i="0" u="none" strike="noStrike" kern="1200" cap="none" spc="0" normalizeH="0" baseline="0" noProof="0" dirty="0">
+                <a:ln>
+                  <a:noFill/>
+                </a:ln>
+                <a:solidFill>
+                  <a:prstClr val="black"/>
+                </a:solidFill>
+                <a:effectLst/>
+                <a:uLnTx/>
+                <a:uFillTx/>
+                <a:latin typeface="Calibri" panose="020F0502020204030204"/>
+                <a:ea typeface="+mn-ea"/>
+                <a:cs typeface="+mn-cs"/>
+              </a:rPr>
+              <a:t>Population</a:t>
+            </a:r>
+          </a:p>
+        </p:txBody>
+      </p:sp>
+      <p:sp>
+        <p:nvSpPr>
+          <p:cNvPr id="12" name="Rectangle: Rounded Corners 11">
+            <a:extLst>
+              <a:ext uri="{FF2B5EF4-FFF2-40B4-BE49-F238E27FC236}">
+                <a16:creationId xmlns:a16="http://schemas.microsoft.com/office/drawing/2014/main" id="{9E342AB2-9645-4555-8014-868A17F95732}"/>
+              </a:ext>
+            </a:extLst>
+          </p:cNvPr>
+          <p:cNvSpPr/>
+          <p:nvPr/>
+        </p:nvSpPr>
+        <p:spPr>
+          <a:xfrm>
+            <a:off x="779673" y="3270784"/>
+            <a:ext cx="2020293" cy="527413"/>
+          </a:xfrm>
+          <a:prstGeom prst="roundRect">
+            <a:avLst/>
+          </a:prstGeom>
+        </p:spPr>
+        <p:style>
+          <a:lnRef idx="2">
+            <a:schemeClr val="accent6"/>
+          </a:lnRef>
+          <a:fillRef idx="1">
+            <a:schemeClr val="lt1"/>
+          </a:fillRef>
+          <a:effectRef idx="0">
+            <a:schemeClr val="accent6"/>
+          </a:effectRef>
+          <a:fontRef idx="minor">
+            <a:schemeClr val="dk1"/>
+          </a:fontRef>
+        </p:style>
+        <p:txBody>
+          <a:bodyPr rtlCol="0" anchor="ctr"/>
+          <a:lstStyle/>
+          <a:p>
+            <a:pPr marL="0" marR="0" lvl="0" indent="0" algn="ctr" defTabSz="914400" rtl="0" eaLnBrk="1" fontAlgn="auto" latinLnBrk="0" hangingPunct="1">
+              <a:lnSpc>
+                <a:spcPct val="100000"/>
+              </a:lnSpc>
+              <a:spcBef>
+                <a:spcPts val="0"/>
+              </a:spcBef>
+              <a:spcAft>
+                <a:spcPts val="0"/>
+              </a:spcAft>
+              <a:buClrTx/>
+              <a:buSzTx/>
+              <a:buFontTx/>
+              <a:buNone/>
+              <a:tabLst/>
+              <a:defRPr/>
+            </a:pPr>
+            <a:r>
+              <a:rPr kumimoji="0" lang="tr-TR" sz="1800" b="1" i="0" u="none" strike="noStrike" kern="1200" cap="none" spc="0" normalizeH="0" baseline="0" noProof="0" dirty="0">
+                <a:ln>
+                  <a:noFill/>
+                </a:ln>
+                <a:solidFill>
+                  <a:prstClr val="black"/>
+                </a:solidFill>
+                <a:effectLst/>
+                <a:uLnTx/>
+                <a:uFillTx/>
+                <a:latin typeface="Calibri" panose="020F0502020204030204"/>
+                <a:ea typeface="+mn-ea"/>
+                <a:cs typeface="+mn-cs"/>
+              </a:rPr>
+              <a:t>Military </a:t>
+            </a:r>
+          </a:p>
+          <a:p>
+            <a:pPr marL="0" marR="0" lvl="0" indent="0" algn="ctr" defTabSz="914400" rtl="0" eaLnBrk="1" fontAlgn="auto" latinLnBrk="0" hangingPunct="1">
+              <a:lnSpc>
+                <a:spcPct val="100000"/>
+              </a:lnSpc>
+              <a:spcBef>
+                <a:spcPts val="0"/>
+              </a:spcBef>
+              <a:spcAft>
+                <a:spcPts val="0"/>
+              </a:spcAft>
+              <a:buClrTx/>
+              <a:buSzTx/>
+              <a:buFontTx/>
+              <a:buNone/>
+              <a:tabLst/>
+              <a:defRPr/>
+            </a:pPr>
+            <a:r>
+              <a:rPr kumimoji="0" lang="tr-TR" sz="1800" b="1" i="0" u="none" strike="noStrike" kern="1200" cap="none" spc="0" normalizeH="0" baseline="0" noProof="0" dirty="0">
+                <a:ln>
+                  <a:noFill/>
+                </a:ln>
+                <a:solidFill>
+                  <a:prstClr val="black"/>
+                </a:solidFill>
+                <a:effectLst/>
+                <a:uLnTx/>
+                <a:uFillTx/>
+                <a:latin typeface="Calibri" panose="020F0502020204030204"/>
+                <a:ea typeface="+mn-ea"/>
+                <a:cs typeface="+mn-cs"/>
+              </a:rPr>
+              <a:t>Personnel</a:t>
+            </a:r>
+          </a:p>
+        </p:txBody>
+      </p:sp>
+      <p:sp>
+        <p:nvSpPr>
+          <p:cNvPr id="13" name="TextBox 12">
+            <a:extLst>
+              <a:ext uri="{FF2B5EF4-FFF2-40B4-BE49-F238E27FC236}">
+                <a16:creationId xmlns:a16="http://schemas.microsoft.com/office/drawing/2014/main" id="{4082E793-B84C-451B-B734-7DED2D204AC7}"/>
+              </a:ext>
+            </a:extLst>
+          </p:cNvPr>
+          <p:cNvSpPr txBox="1"/>
+          <p:nvPr/>
+        </p:nvSpPr>
+        <p:spPr>
+          <a:xfrm>
+            <a:off x="346880" y="5930986"/>
+            <a:ext cx="3234831" cy="715089"/>
+          </a:xfrm>
+          <a:prstGeom prst="roundRect">
+            <a:avLst/>
+          </a:prstGeom>
+          <a:solidFill>
+            <a:srgbClr val="00FFFF"/>
+          </a:solidFill>
+        </p:spPr>
+        <p:txBody>
+          <a:bodyPr wrap="square" rtlCol="0">
+            <a:spAutoFit/>
+          </a:bodyPr>
+          <a:lstStyle/>
+          <a:p>
+            <a:pPr marL="0" marR="0" lvl="0" indent="0" algn="ctr" defTabSz="914400" rtl="0" eaLnBrk="1" fontAlgn="auto" latinLnBrk="0" hangingPunct="1">
+              <a:lnSpc>
+                <a:spcPct val="100000"/>
+              </a:lnSpc>
+              <a:spcBef>
+                <a:spcPts val="0"/>
+              </a:spcBef>
+              <a:spcAft>
+                <a:spcPts val="0"/>
+              </a:spcAft>
+              <a:buClrTx/>
+              <a:buSzTx/>
+              <a:buFontTx/>
+              <a:buNone/>
+              <a:tabLst/>
+              <a:defRPr/>
+            </a:pPr>
+            <a:r>
+              <a:rPr kumimoji="0" lang="tr-TR" sz="1800" b="1" i="0" u="none" strike="noStrike" kern="1200" cap="none" spc="0" normalizeH="0" baseline="0" noProof="0" dirty="0">
+                <a:ln>
+                  <a:noFill/>
+                </a:ln>
+                <a:solidFill>
+                  <a:prstClr val="black"/>
+                </a:solidFill>
+                <a:effectLst/>
+                <a:uLnTx/>
+                <a:uFillTx/>
+                <a:latin typeface="Calibri" panose="020F0502020204030204"/>
+                <a:ea typeface="+mn-ea"/>
+                <a:cs typeface="+mn-cs"/>
+              </a:rPr>
+              <a:t>Independent Variables</a:t>
+            </a:r>
+          </a:p>
+          <a:p>
+            <a:pPr marL="0" marR="0" lvl="0" indent="0" algn="ctr" defTabSz="914400" rtl="0" eaLnBrk="1" fontAlgn="auto" latinLnBrk="0" hangingPunct="1">
+              <a:lnSpc>
+                <a:spcPct val="100000"/>
+              </a:lnSpc>
+              <a:spcBef>
+                <a:spcPts val="0"/>
+              </a:spcBef>
+              <a:spcAft>
+                <a:spcPts val="0"/>
+              </a:spcAft>
+              <a:buClrTx/>
+              <a:buSzTx/>
+              <a:buFontTx/>
+              <a:buNone/>
+              <a:tabLst/>
+              <a:defRPr/>
+            </a:pPr>
+            <a:r>
+              <a:rPr kumimoji="0" lang="tr-TR" sz="1800" b="1" i="0" u="none" strike="noStrike" kern="1200" cap="none" spc="0" normalizeH="0" baseline="0" noProof="0" dirty="0">
+                <a:ln>
+                  <a:noFill/>
+                </a:ln>
+                <a:solidFill>
+                  <a:prstClr val="black"/>
+                </a:solidFill>
+                <a:effectLst/>
+                <a:uLnTx/>
+                <a:uFillTx/>
+                <a:latin typeface="Calibri" panose="020F0502020204030204"/>
+                <a:ea typeface="+mn-ea"/>
+                <a:cs typeface="+mn-cs"/>
+              </a:rPr>
+              <a:t>(Material Factors)</a:t>
+            </a:r>
+          </a:p>
+        </p:txBody>
+      </p:sp>
+      <p:sp>
+        <p:nvSpPr>
+          <p:cNvPr id="14" name="Rectangle: Rounded Corners 13">
+            <a:extLst>
+              <a:ext uri="{FF2B5EF4-FFF2-40B4-BE49-F238E27FC236}">
+                <a16:creationId xmlns:a16="http://schemas.microsoft.com/office/drawing/2014/main" id="{9E55CF1F-7B24-476E-AD2B-BB7F3C1FA77A}"/>
+              </a:ext>
+            </a:extLst>
+          </p:cNvPr>
+          <p:cNvSpPr/>
+          <p:nvPr/>
+        </p:nvSpPr>
+        <p:spPr>
+          <a:xfrm>
+            <a:off x="779670" y="5277397"/>
+            <a:ext cx="2020293" cy="527413"/>
+          </a:xfrm>
+          <a:prstGeom prst="roundRect">
+            <a:avLst/>
+          </a:prstGeom>
+        </p:spPr>
+        <p:style>
+          <a:lnRef idx="2">
+            <a:schemeClr val="accent6"/>
+          </a:lnRef>
+          <a:fillRef idx="1">
+            <a:schemeClr val="lt1"/>
+          </a:fillRef>
+          <a:effectRef idx="0">
+            <a:schemeClr val="accent6"/>
+          </a:effectRef>
+          <a:fontRef idx="minor">
+            <a:schemeClr val="dk1"/>
+          </a:fontRef>
+        </p:style>
+        <p:txBody>
+          <a:bodyPr rtlCol="0" anchor="ctr"/>
+          <a:lstStyle/>
+          <a:p>
+            <a:pPr marL="0" marR="0" lvl="0" indent="0" algn="ctr" defTabSz="914400" rtl="0" eaLnBrk="1" fontAlgn="auto" latinLnBrk="0" hangingPunct="1">
+              <a:lnSpc>
+                <a:spcPct val="100000"/>
+              </a:lnSpc>
+              <a:spcBef>
+                <a:spcPts val="0"/>
+              </a:spcBef>
+              <a:spcAft>
+                <a:spcPts val="0"/>
+              </a:spcAft>
+              <a:buClrTx/>
+              <a:buSzTx/>
+              <a:buFontTx/>
+              <a:buNone/>
+              <a:tabLst/>
+              <a:defRPr/>
+            </a:pPr>
+            <a:r>
+              <a:rPr kumimoji="0" lang="tr-TR" sz="1800" b="1" i="0" u="none" strike="noStrike" kern="1200" cap="none" spc="0" normalizeH="0" baseline="0" noProof="0" dirty="0">
+                <a:ln>
+                  <a:noFill/>
+                </a:ln>
+                <a:solidFill>
+                  <a:srgbClr val="E7E6E6">
+                    <a:lumMod val="50000"/>
+                  </a:srgbClr>
+                </a:solidFill>
+                <a:effectLst/>
+                <a:uLnTx/>
+                <a:uFillTx/>
+                <a:latin typeface="Calibri" panose="020F0502020204030204"/>
+                <a:ea typeface="+mn-ea"/>
+                <a:cs typeface="+mn-cs"/>
+              </a:rPr>
+              <a:t>Other Factors</a:t>
+            </a:r>
+          </a:p>
+          <a:p>
+            <a:pPr marL="0" marR="0" lvl="0" indent="0" algn="ctr" defTabSz="914400" rtl="0" eaLnBrk="1" fontAlgn="auto" latinLnBrk="0" hangingPunct="1">
+              <a:lnSpc>
+                <a:spcPct val="100000"/>
+              </a:lnSpc>
+              <a:spcBef>
+                <a:spcPts val="0"/>
+              </a:spcBef>
+              <a:spcAft>
+                <a:spcPts val="0"/>
+              </a:spcAft>
+              <a:buClrTx/>
+              <a:buSzTx/>
+              <a:buFontTx/>
+              <a:buNone/>
+              <a:tabLst/>
+              <a:defRPr/>
+            </a:pPr>
+            <a:r>
+              <a:rPr kumimoji="0" lang="tr-TR" sz="1800" b="1" i="0" u="none" strike="noStrike" kern="1200" cap="none" spc="0" normalizeH="0" baseline="0" noProof="0" dirty="0">
+                <a:ln>
+                  <a:noFill/>
+                </a:ln>
+                <a:solidFill>
+                  <a:srgbClr val="E7E6E6">
+                    <a:lumMod val="50000"/>
+                  </a:srgbClr>
+                </a:solidFill>
+                <a:effectLst/>
+                <a:uLnTx/>
+                <a:uFillTx/>
+                <a:latin typeface="Calibri" panose="020F0502020204030204"/>
+                <a:ea typeface="+mn-ea"/>
+                <a:cs typeface="+mn-cs"/>
+              </a:rPr>
+              <a:t>(To be defined)</a:t>
+            </a:r>
+          </a:p>
+        </p:txBody>
+      </p:sp>
+      <p:cxnSp>
+        <p:nvCxnSpPr>
+          <p:cNvPr id="16" name="Connector: Elbow 15">
+            <a:extLst>
+              <a:ext uri="{FF2B5EF4-FFF2-40B4-BE49-F238E27FC236}">
+                <a16:creationId xmlns:a16="http://schemas.microsoft.com/office/drawing/2014/main" id="{B0E0B942-1D89-4A2E-96E4-42AE20115845}"/>
+              </a:ext>
+            </a:extLst>
+          </p:cNvPr>
+          <p:cNvCxnSpPr>
+            <a:cxnSpLocks/>
+          </p:cNvCxnSpPr>
+          <p:nvPr/>
+        </p:nvCxnSpPr>
+        <p:spPr>
+          <a:xfrm>
+            <a:off x="2816295" y="2884670"/>
+            <a:ext cx="6425495" cy="1142661"/>
+          </a:xfrm>
+          <a:prstGeom prst="bentConnector3">
+            <a:avLst>
+              <a:gd name="adj1" fmla="val 13842"/>
+            </a:avLst>
+          </a:prstGeom>
+          <a:ln>
+            <a:tailEnd type="triangle"/>
+          </a:ln>
+        </p:spPr>
+        <p:style>
+          <a:lnRef idx="1">
+            <a:schemeClr val="accent1"/>
+          </a:lnRef>
+          <a:fillRef idx="0">
+            <a:schemeClr val="accent1"/>
+          </a:fillRef>
+          <a:effectRef idx="0">
+            <a:schemeClr val="accent1"/>
+          </a:effectRef>
+          <a:fontRef idx="minor">
+            <a:schemeClr val="tx1"/>
+          </a:fontRef>
+        </p:style>
+      </p:cxnSp>
+      <p:cxnSp>
+        <p:nvCxnSpPr>
+          <p:cNvPr id="18" name="Connector: Elbow 17">
+            <a:extLst>
+              <a:ext uri="{FF2B5EF4-FFF2-40B4-BE49-F238E27FC236}">
+                <a16:creationId xmlns:a16="http://schemas.microsoft.com/office/drawing/2014/main" id="{E0F33EBC-B16E-4AA9-9C5B-67173D2F234C}"/>
+              </a:ext>
+            </a:extLst>
+          </p:cNvPr>
+          <p:cNvCxnSpPr>
+            <a:cxnSpLocks/>
+          </p:cNvCxnSpPr>
+          <p:nvPr/>
+        </p:nvCxnSpPr>
+        <p:spPr>
+          <a:xfrm>
+            <a:off x="2799966" y="3556716"/>
+            <a:ext cx="6425495" cy="473790"/>
+          </a:xfrm>
+          <a:prstGeom prst="bentConnector3">
+            <a:avLst>
+              <a:gd name="adj1" fmla="val 14102"/>
+            </a:avLst>
+          </a:prstGeom>
+          <a:ln>
+            <a:tailEnd type="triangle"/>
+          </a:ln>
+        </p:spPr>
+        <p:style>
+          <a:lnRef idx="1">
+            <a:schemeClr val="accent1"/>
+          </a:lnRef>
+          <a:fillRef idx="0">
+            <a:schemeClr val="accent1"/>
+          </a:fillRef>
+          <a:effectRef idx="0">
+            <a:schemeClr val="accent1"/>
+          </a:effectRef>
+          <a:fontRef idx="minor">
+            <a:schemeClr val="tx1"/>
+          </a:fontRef>
+        </p:style>
+      </p:cxnSp>
+      <p:cxnSp>
+        <p:nvCxnSpPr>
+          <p:cNvPr id="20" name="Connector: Elbow 19">
+            <a:extLst>
+              <a:ext uri="{FF2B5EF4-FFF2-40B4-BE49-F238E27FC236}">
+                <a16:creationId xmlns:a16="http://schemas.microsoft.com/office/drawing/2014/main" id="{7A1F8482-DE28-446D-B28A-7BB4DF4366F6}"/>
+              </a:ext>
+            </a:extLst>
+          </p:cNvPr>
+          <p:cNvCxnSpPr>
+            <a:cxnSpLocks/>
+          </p:cNvCxnSpPr>
+          <p:nvPr/>
+        </p:nvCxnSpPr>
+        <p:spPr>
+          <a:xfrm flipV="1">
+            <a:off x="2799965" y="4027331"/>
+            <a:ext cx="6425496" cy="195081"/>
+          </a:xfrm>
+          <a:prstGeom prst="bentConnector3">
+            <a:avLst>
+              <a:gd name="adj1" fmla="val 14102"/>
+            </a:avLst>
+          </a:prstGeom>
+          <a:ln>
+            <a:tailEnd type="triangle"/>
+          </a:ln>
+        </p:spPr>
+        <p:style>
+          <a:lnRef idx="1">
+            <a:schemeClr val="accent1"/>
+          </a:lnRef>
+          <a:fillRef idx="0">
+            <a:schemeClr val="accent1"/>
+          </a:fillRef>
+          <a:effectRef idx="0">
+            <a:schemeClr val="accent1"/>
+          </a:effectRef>
+          <a:fontRef idx="minor">
+            <a:schemeClr val="tx1"/>
+          </a:fontRef>
+        </p:style>
+      </p:cxnSp>
+      <p:cxnSp>
+        <p:nvCxnSpPr>
+          <p:cNvPr id="22" name="Connector: Elbow 21">
+            <a:extLst>
+              <a:ext uri="{FF2B5EF4-FFF2-40B4-BE49-F238E27FC236}">
+                <a16:creationId xmlns:a16="http://schemas.microsoft.com/office/drawing/2014/main" id="{CB1A8B64-C81F-4C49-8AA2-A4F9FA53B846}"/>
+              </a:ext>
+            </a:extLst>
+          </p:cNvPr>
+          <p:cNvCxnSpPr>
+            <a:cxnSpLocks/>
+          </p:cNvCxnSpPr>
+          <p:nvPr/>
+        </p:nvCxnSpPr>
+        <p:spPr>
+          <a:xfrm flipV="1">
+            <a:off x="2799964" y="4030506"/>
+            <a:ext cx="6425497" cy="863952"/>
+          </a:xfrm>
+          <a:prstGeom prst="bentConnector3">
+            <a:avLst>
+              <a:gd name="adj1" fmla="val 14102"/>
+            </a:avLst>
+          </a:prstGeom>
+          <a:ln>
+            <a:tailEnd type="triangle"/>
+          </a:ln>
+        </p:spPr>
+        <p:style>
+          <a:lnRef idx="1">
+            <a:schemeClr val="accent1"/>
+          </a:lnRef>
+          <a:fillRef idx="0">
+            <a:schemeClr val="accent1"/>
+          </a:fillRef>
+          <a:effectRef idx="0">
+            <a:schemeClr val="accent1"/>
+          </a:effectRef>
+          <a:fontRef idx="minor">
+            <a:schemeClr val="tx1"/>
+          </a:fontRef>
+        </p:style>
+      </p:cxnSp>
+      <p:cxnSp>
+        <p:nvCxnSpPr>
+          <p:cNvPr id="24" name="Connector: Elbow 23">
+            <a:extLst>
+              <a:ext uri="{FF2B5EF4-FFF2-40B4-BE49-F238E27FC236}">
+                <a16:creationId xmlns:a16="http://schemas.microsoft.com/office/drawing/2014/main" id="{FB5545E9-8A75-46CE-B97C-BFE96F1CBF5A}"/>
+              </a:ext>
+            </a:extLst>
+          </p:cNvPr>
+          <p:cNvCxnSpPr>
+            <a:cxnSpLocks/>
+          </p:cNvCxnSpPr>
+          <p:nvPr/>
+        </p:nvCxnSpPr>
+        <p:spPr>
+          <a:xfrm flipV="1">
+            <a:off x="2799963" y="4027331"/>
+            <a:ext cx="6425498" cy="1532823"/>
+          </a:xfrm>
+          <a:prstGeom prst="bentConnector3">
+            <a:avLst>
+              <a:gd name="adj1" fmla="val 14102"/>
+            </a:avLst>
+          </a:prstGeom>
+          <a:ln>
+            <a:tailEnd type="triangle"/>
+          </a:ln>
+        </p:spPr>
+        <p:style>
+          <a:lnRef idx="1">
+            <a:schemeClr val="accent1"/>
+          </a:lnRef>
+          <a:fillRef idx="0">
+            <a:schemeClr val="accent1"/>
+          </a:fillRef>
+          <a:effectRef idx="0">
+            <a:schemeClr val="accent1"/>
+          </a:effectRef>
+          <a:fontRef idx="minor">
+            <a:schemeClr val="tx1"/>
+          </a:fontRef>
+        </p:style>
+      </p:cxnSp>
+      <p:cxnSp>
+        <p:nvCxnSpPr>
+          <p:cNvPr id="35" name="Connector: Elbow 34">
+            <a:extLst>
+              <a:ext uri="{FF2B5EF4-FFF2-40B4-BE49-F238E27FC236}">
+                <a16:creationId xmlns:a16="http://schemas.microsoft.com/office/drawing/2014/main" id="{6A08C988-16BF-405D-828A-5D8DA5552CD3}"/>
+              </a:ext>
+            </a:extLst>
+          </p:cNvPr>
+          <p:cNvCxnSpPr>
+            <a:cxnSpLocks/>
+            <a:stCxn id="6" idx="2"/>
+          </p:cNvCxnSpPr>
+          <p:nvPr/>
+        </p:nvCxnSpPr>
+        <p:spPr>
+          <a:xfrm rot="16200000" flipH="1">
+            <a:off x="6604931" y="1767762"/>
+            <a:ext cx="1169616" cy="3352981"/>
+          </a:xfrm>
+          <a:prstGeom prst="bentConnector2">
+            <a:avLst/>
+          </a:prstGeom>
+        </p:spPr>
+        <p:style>
+          <a:lnRef idx="1">
+            <a:schemeClr val="accent1"/>
+          </a:lnRef>
+          <a:fillRef idx="0">
+            <a:schemeClr val="accent1"/>
+          </a:fillRef>
+          <a:effectRef idx="0">
+            <a:schemeClr val="accent1"/>
+          </a:effectRef>
+          <a:fontRef idx="minor">
+            <a:schemeClr val="tx1"/>
+          </a:fontRef>
+        </p:style>
+      </p:cxnSp>
+      <p:sp>
+        <p:nvSpPr>
+          <p:cNvPr id="43" name="TextBox 42">
+            <a:extLst>
+              <a:ext uri="{FF2B5EF4-FFF2-40B4-BE49-F238E27FC236}">
+                <a16:creationId xmlns:a16="http://schemas.microsoft.com/office/drawing/2014/main" id="{E0F555BF-BB20-4B6E-88A5-E63824486002}"/>
+              </a:ext>
+            </a:extLst>
+          </p:cNvPr>
+          <p:cNvSpPr txBox="1"/>
+          <p:nvPr/>
+        </p:nvSpPr>
+        <p:spPr>
+          <a:xfrm>
+            <a:off x="9013121" y="892742"/>
+            <a:ext cx="2611481" cy="1477328"/>
+          </a:xfrm>
+          <a:prstGeom prst="rect">
+            <a:avLst/>
+          </a:prstGeom>
+          <a:noFill/>
+          <a:ln>
+            <a:noFill/>
+            <a:prstDash val="sysDash"/>
+          </a:ln>
+        </p:spPr>
+        <p:txBody>
+          <a:bodyPr wrap="square" rtlCol="0">
+            <a:spAutoFit/>
+          </a:bodyPr>
+          <a:lstStyle/>
+          <a:p>
+            <a:pPr marL="0" marR="0" lvl="0" indent="0" algn="ctr" defTabSz="914400" rtl="0" eaLnBrk="1" fontAlgn="auto" latinLnBrk="0" hangingPunct="1">
+              <a:lnSpc>
+                <a:spcPct val="100000"/>
+              </a:lnSpc>
+              <a:spcBef>
+                <a:spcPts val="0"/>
+              </a:spcBef>
+              <a:spcAft>
+                <a:spcPts val="0"/>
+              </a:spcAft>
+              <a:buClrTx/>
+              <a:buSzTx/>
+              <a:buFontTx/>
+              <a:buNone/>
+              <a:tabLst/>
+              <a:defRPr/>
+            </a:pPr>
+            <a:r>
+              <a:rPr kumimoji="0" lang="tr-TR" sz="1800" b="1" i="0" u="none" strike="noStrike" kern="1200" cap="none" spc="0" normalizeH="0" baseline="0" noProof="0" dirty="0">
+                <a:ln>
+                  <a:noFill/>
+                </a:ln>
+                <a:solidFill>
+                  <a:prstClr val="black"/>
+                </a:solidFill>
+                <a:effectLst/>
+                <a:highlight>
+                  <a:srgbClr val="FFFF00"/>
+                </a:highlight>
+                <a:uLnTx/>
+                <a:uFillTx/>
+                <a:latin typeface="Calibri" panose="020F0502020204030204"/>
+                <a:ea typeface="+mn-ea"/>
+                <a:cs typeface="+mn-cs"/>
+              </a:rPr>
+              <a:t>Content Analysis </a:t>
+            </a:r>
+            <a:r>
+              <a:rPr kumimoji="0" lang="tr-TR" sz="1800" b="1" i="0" u="none" strike="noStrike" kern="1200" cap="none" spc="0" normalizeH="0" baseline="0" noProof="0" dirty="0">
+                <a:ln>
+                  <a:noFill/>
+                </a:ln>
+                <a:solidFill>
+                  <a:prstClr val="black"/>
+                </a:solidFill>
+                <a:effectLst/>
+                <a:uLnTx/>
+                <a:uFillTx/>
+                <a:latin typeface="Calibri" panose="020F0502020204030204"/>
+                <a:ea typeface="+mn-ea"/>
+                <a:cs typeface="+mn-cs"/>
+              </a:rPr>
+              <a:t>to explain relationship between intervening variables and dependent variable. </a:t>
+            </a:r>
+          </a:p>
+        </p:txBody>
+      </p:sp>
+      <p:sp>
+        <p:nvSpPr>
+          <p:cNvPr id="25" name="Rectangle: Rounded Corners 24">
+            <a:extLst>
+              <a:ext uri="{FF2B5EF4-FFF2-40B4-BE49-F238E27FC236}">
+                <a16:creationId xmlns:a16="http://schemas.microsoft.com/office/drawing/2014/main" id="{A818BA3E-4575-456B-9F27-CACE3D53B1CB}"/>
+              </a:ext>
+            </a:extLst>
+          </p:cNvPr>
+          <p:cNvSpPr/>
+          <p:nvPr/>
+        </p:nvSpPr>
+        <p:spPr>
+          <a:xfrm>
+            <a:off x="779669" y="1901920"/>
+            <a:ext cx="2020293" cy="527413"/>
+          </a:xfrm>
+          <a:prstGeom prst="roundRect">
+            <a:avLst/>
+          </a:prstGeom>
+        </p:spPr>
+        <p:style>
+          <a:lnRef idx="2">
+            <a:schemeClr val="accent6"/>
+          </a:lnRef>
+          <a:fillRef idx="1">
+            <a:schemeClr val="lt1"/>
+          </a:fillRef>
+          <a:effectRef idx="0">
+            <a:schemeClr val="accent6"/>
+          </a:effectRef>
+          <a:fontRef idx="minor">
+            <a:schemeClr val="dk1"/>
+          </a:fontRef>
+        </p:style>
+        <p:txBody>
+          <a:bodyPr rtlCol="0" anchor="ctr"/>
+          <a:lstStyle/>
+          <a:p>
+            <a:pPr marL="0" marR="0" lvl="0" indent="0" algn="ctr" defTabSz="914400" rtl="0" eaLnBrk="1" fontAlgn="auto" latinLnBrk="0" hangingPunct="1">
+              <a:lnSpc>
+                <a:spcPct val="100000"/>
+              </a:lnSpc>
+              <a:spcBef>
+                <a:spcPts val="0"/>
+              </a:spcBef>
+              <a:spcAft>
+                <a:spcPts val="0"/>
+              </a:spcAft>
+              <a:buClrTx/>
+              <a:buSzTx/>
+              <a:buFontTx/>
+              <a:buNone/>
+              <a:tabLst/>
+              <a:defRPr/>
+            </a:pPr>
+            <a:r>
+              <a:rPr kumimoji="0" lang="tr-TR" sz="1800" b="1" i="0" u="none" strike="noStrike" kern="1200" cap="none" spc="0" normalizeH="0" baseline="0" noProof="0" dirty="0">
+                <a:ln>
+                  <a:noFill/>
+                </a:ln>
+                <a:solidFill>
+                  <a:prstClr val="black"/>
+                </a:solidFill>
+                <a:effectLst/>
+                <a:uLnTx/>
+                <a:uFillTx/>
+                <a:latin typeface="Calibri" panose="020F0502020204030204"/>
+                <a:ea typeface="+mn-ea"/>
+                <a:cs typeface="+mn-cs"/>
+              </a:rPr>
+              <a:t>GNP</a:t>
+            </a:r>
+          </a:p>
+        </p:txBody>
+      </p:sp>
+      <p:cxnSp>
+        <p:nvCxnSpPr>
+          <p:cNvPr id="15" name="Connector: Elbow 14">
+            <a:extLst>
+              <a:ext uri="{FF2B5EF4-FFF2-40B4-BE49-F238E27FC236}">
+                <a16:creationId xmlns:a16="http://schemas.microsoft.com/office/drawing/2014/main" id="{70F06F30-BE24-45D8-8ED1-8FFA2C164B92}"/>
+              </a:ext>
+            </a:extLst>
+          </p:cNvPr>
+          <p:cNvCxnSpPr>
+            <a:cxnSpLocks/>
+          </p:cNvCxnSpPr>
+          <p:nvPr/>
+        </p:nvCxnSpPr>
+        <p:spPr>
+          <a:xfrm>
+            <a:off x="2816291" y="2169020"/>
+            <a:ext cx="6161244" cy="1863509"/>
+          </a:xfrm>
+          <a:prstGeom prst="bentConnector3">
+            <a:avLst>
+              <a:gd name="adj1" fmla="val 14557"/>
+            </a:avLst>
+          </a:prstGeom>
+        </p:spPr>
+        <p:style>
+          <a:lnRef idx="1">
+            <a:schemeClr val="accent1"/>
+          </a:lnRef>
+          <a:fillRef idx="0">
+            <a:schemeClr val="accent1"/>
+          </a:fillRef>
+          <a:effectRef idx="0">
+            <a:schemeClr val="accent1"/>
+          </a:effectRef>
+          <a:fontRef idx="minor">
+            <a:schemeClr val="tx1"/>
+          </a:fontRef>
+        </p:style>
+      </p:cxnSp>
+      <p:sp>
+        <p:nvSpPr>
+          <p:cNvPr id="28" name="TextBox 27">
+            <a:extLst>
+              <a:ext uri="{FF2B5EF4-FFF2-40B4-BE49-F238E27FC236}">
+                <a16:creationId xmlns:a16="http://schemas.microsoft.com/office/drawing/2014/main" id="{D7B7D5C0-E3E2-4B4C-9CEB-935A71364EE7}"/>
+              </a:ext>
+            </a:extLst>
+          </p:cNvPr>
+          <p:cNvSpPr txBox="1"/>
+          <p:nvPr/>
+        </p:nvSpPr>
+        <p:spPr>
+          <a:xfrm>
+            <a:off x="4070948" y="5829150"/>
+            <a:ext cx="3705528" cy="923330"/>
+          </a:xfrm>
+          <a:prstGeom prst="rect">
+            <a:avLst/>
+          </a:prstGeom>
+          <a:noFill/>
+          <a:ln>
+            <a:noFill/>
+            <a:prstDash val="sysDash"/>
+          </a:ln>
+        </p:spPr>
+        <p:txBody>
+          <a:bodyPr wrap="square" rtlCol="0">
+            <a:spAutoFit/>
+          </a:bodyPr>
+          <a:lstStyle/>
+          <a:p>
+            <a:pPr marL="0" marR="0" lvl="0" indent="0" algn="ctr" defTabSz="914400" rtl="0" eaLnBrk="1" fontAlgn="auto" latinLnBrk="0" hangingPunct="1">
+              <a:lnSpc>
+                <a:spcPct val="100000"/>
+              </a:lnSpc>
+              <a:spcBef>
+                <a:spcPts val="0"/>
+              </a:spcBef>
+              <a:spcAft>
+                <a:spcPts val="0"/>
+              </a:spcAft>
+              <a:buClrTx/>
+              <a:buSzTx/>
+              <a:buFontTx/>
+              <a:buNone/>
+              <a:tabLst/>
+              <a:defRPr/>
+            </a:pPr>
+            <a:r>
+              <a:rPr kumimoji="0" lang="tr-TR" sz="1800" b="1" i="0" u="none" strike="noStrike" kern="1200" cap="none" spc="0" normalizeH="0" baseline="0" noProof="0" dirty="0">
+                <a:ln>
+                  <a:noFill/>
+                </a:ln>
+                <a:solidFill>
+                  <a:prstClr val="black"/>
+                </a:solidFill>
+                <a:effectLst/>
+                <a:highlight>
+                  <a:srgbClr val="FFFF00"/>
+                </a:highlight>
+                <a:uLnTx/>
+                <a:uFillTx/>
+                <a:latin typeface="Calibri" panose="020F0502020204030204"/>
+                <a:ea typeface="+mn-ea"/>
+                <a:cs typeface="+mn-cs"/>
+              </a:rPr>
+              <a:t>Multiple Regression analysis </a:t>
+            </a:r>
+            <a:r>
+              <a:rPr kumimoji="0" lang="tr-TR" sz="1800" b="1" i="0" u="none" strike="noStrike" kern="1200" cap="none" spc="0" normalizeH="0" baseline="0" noProof="0" dirty="0">
+                <a:ln>
+                  <a:noFill/>
+                </a:ln>
+                <a:solidFill>
+                  <a:prstClr val="black"/>
+                </a:solidFill>
+                <a:effectLst/>
+                <a:uLnTx/>
+                <a:uFillTx/>
+                <a:latin typeface="Calibri" panose="020F0502020204030204"/>
+                <a:ea typeface="+mn-ea"/>
+                <a:cs typeface="+mn-cs"/>
+              </a:rPr>
+              <a:t>to explain difference in variance by each factor.</a:t>
+            </a:r>
+          </a:p>
+        </p:txBody>
+      </p:sp>
+      <p:sp>
+        <p:nvSpPr>
+          <p:cNvPr id="17" name="Arrow: Striped Right 16">
+            <a:extLst>
+              <a:ext uri="{FF2B5EF4-FFF2-40B4-BE49-F238E27FC236}">
+                <a16:creationId xmlns:a16="http://schemas.microsoft.com/office/drawing/2014/main" id="{DF7FAFDF-308F-4678-8D48-9EB0F6CB4369}"/>
+              </a:ext>
+            </a:extLst>
+          </p:cNvPr>
+          <p:cNvSpPr/>
+          <p:nvPr/>
+        </p:nvSpPr>
+        <p:spPr>
+          <a:xfrm>
+            <a:off x="3634864" y="6061480"/>
+            <a:ext cx="646333" cy="514959"/>
+          </a:xfrm>
+          <a:prstGeom prst="stripedRightArrow">
+            <a:avLst/>
+          </a:prstGeom>
+          <a:solidFill>
+            <a:srgbClr val="44E43C"/>
+          </a:solidFill>
+        </p:spPr>
+        <p:style>
+          <a:lnRef idx="2">
+            <a:schemeClr val="accent1">
+              <a:shade val="50000"/>
+            </a:schemeClr>
+          </a:lnRef>
+          <a:fillRef idx="1">
+            <a:schemeClr val="accent1"/>
+          </a:fillRef>
+          <a:effectRef idx="0">
+            <a:schemeClr val="accent1"/>
+          </a:effectRef>
+          <a:fontRef idx="minor">
+            <a:schemeClr val="lt1"/>
+          </a:fontRef>
+        </p:style>
+        <p:txBody>
+          <a:bodyPr rtlCol="0" anchor="ctr"/>
+          <a:lstStyle/>
+          <a:p>
+            <a:pPr marL="0" marR="0" lvl="0" indent="0" algn="ctr" defTabSz="914400" rtl="0" eaLnBrk="1" fontAlgn="auto" latinLnBrk="0" hangingPunct="1">
+              <a:lnSpc>
+                <a:spcPct val="100000"/>
+              </a:lnSpc>
+              <a:spcBef>
+                <a:spcPts val="0"/>
+              </a:spcBef>
+              <a:spcAft>
+                <a:spcPts val="0"/>
+              </a:spcAft>
+              <a:buClrTx/>
+              <a:buSzTx/>
+              <a:buFontTx/>
+              <a:buNone/>
+              <a:tabLst/>
+              <a:defRPr/>
+            </a:pPr>
+            <a:endParaRPr kumimoji="0" lang="tr-TR" sz="1800" b="1" i="0" u="none" strike="noStrike" kern="1200" cap="none" spc="0" normalizeH="0" baseline="0" noProof="0">
+              <a:ln>
+                <a:noFill/>
+              </a:ln>
+              <a:solidFill>
+                <a:prstClr val="white"/>
+              </a:solidFill>
+              <a:effectLst/>
+              <a:uLnTx/>
+              <a:uFillTx/>
+              <a:latin typeface="Calibri" panose="020F0502020204030204"/>
+              <a:ea typeface="+mn-ea"/>
+              <a:cs typeface="+mn-cs"/>
+            </a:endParaRPr>
+          </a:p>
+        </p:txBody>
+      </p:sp>
+      <p:sp>
+        <p:nvSpPr>
+          <p:cNvPr id="33" name="Rectangle: Rounded Corners 32">
+            <a:extLst>
+              <a:ext uri="{FF2B5EF4-FFF2-40B4-BE49-F238E27FC236}">
+                <a16:creationId xmlns:a16="http://schemas.microsoft.com/office/drawing/2014/main" id="{AB7FB7AD-3F5F-4E85-935B-5EB0A87C70B3}"/>
+              </a:ext>
+            </a:extLst>
+          </p:cNvPr>
+          <p:cNvSpPr/>
+          <p:nvPr/>
+        </p:nvSpPr>
+        <p:spPr>
+          <a:xfrm>
+            <a:off x="212273" y="105520"/>
+            <a:ext cx="11805557" cy="625545"/>
+          </a:xfrm>
+          <a:prstGeom prst="roundRect">
+            <a:avLst/>
+          </a:prstGeom>
+          <a:solidFill>
+            <a:schemeClr val="accent1">
+              <a:alpha val="8000"/>
+            </a:schemeClr>
+          </a:solidFill>
+        </p:spPr>
+        <p:style>
+          <a:lnRef idx="2">
+            <a:schemeClr val="accent1">
+              <a:shade val="50000"/>
+            </a:schemeClr>
+          </a:lnRef>
+          <a:fillRef idx="1">
+            <a:schemeClr val="accent1"/>
+          </a:fillRef>
+          <a:effectRef idx="0">
+            <a:schemeClr val="accent1"/>
+          </a:effectRef>
+          <a:fontRef idx="minor">
+            <a:schemeClr val="lt1"/>
+          </a:fontRef>
+        </p:style>
+        <p:txBody>
+          <a:bodyPr rtlCol="0" anchor="ctr"/>
+          <a:lstStyle/>
+          <a:p>
+            <a:pPr marL="0" marR="0" lvl="0" indent="0" algn="ctr" defTabSz="914400" rtl="0" eaLnBrk="1" fontAlgn="auto" latinLnBrk="0" hangingPunct="1">
+              <a:lnSpc>
+                <a:spcPct val="100000"/>
+              </a:lnSpc>
+              <a:spcBef>
+                <a:spcPts val="0"/>
+              </a:spcBef>
+              <a:spcAft>
+                <a:spcPts val="0"/>
+              </a:spcAft>
+              <a:buClrTx/>
+              <a:buSzTx/>
+              <a:buFontTx/>
+              <a:buNone/>
+              <a:tabLst/>
+              <a:defRPr/>
+            </a:pPr>
+            <a:r>
+              <a:rPr kumimoji="0" lang="tr-TR" sz="3000" b="1" i="0" u="none" strike="noStrike" kern="1200" cap="none" spc="0" normalizeH="0" baseline="0" noProof="0" dirty="0">
+                <a:ln>
+                  <a:noFill/>
+                </a:ln>
+                <a:solidFill>
+                  <a:prstClr val="black"/>
+                </a:solidFill>
+                <a:effectLst/>
+                <a:uLnTx/>
+                <a:uFillTx/>
+                <a:latin typeface="Calibri" panose="020F0502020204030204"/>
+                <a:ea typeface="+mn-ea"/>
+                <a:cs typeface="+mn-cs"/>
+              </a:rPr>
+              <a:t>Research Model&amp; Conceptual Framework</a:t>
+            </a:r>
+            <a:endParaRPr kumimoji="0" lang="tr-TR" sz="3000" b="0" i="0" u="none" strike="noStrike" kern="1200" cap="none" spc="0" normalizeH="0" baseline="0" noProof="0" dirty="0">
+              <a:ln>
+                <a:noFill/>
+              </a:ln>
+              <a:solidFill>
+                <a:prstClr val="white"/>
+              </a:solidFill>
+              <a:effectLst/>
+              <a:uLnTx/>
+              <a:uFillTx/>
+              <a:latin typeface="Calibri" panose="020F0502020204030204"/>
+              <a:ea typeface="+mn-ea"/>
+              <a:cs typeface="+mn-cs"/>
+            </a:endParaRPr>
+          </a:p>
+        </p:txBody>
+      </p:sp>
+      <p:cxnSp>
+        <p:nvCxnSpPr>
+          <p:cNvPr id="51" name="Connector: Elbow 50">
+            <a:extLst>
+              <a:ext uri="{FF2B5EF4-FFF2-40B4-BE49-F238E27FC236}">
+                <a16:creationId xmlns:a16="http://schemas.microsoft.com/office/drawing/2014/main" id="{5FA1BAD0-6CFD-419F-8013-18B82AADE9E9}"/>
+              </a:ext>
+            </a:extLst>
+          </p:cNvPr>
+          <p:cNvCxnSpPr>
+            <a:cxnSpLocks/>
+          </p:cNvCxnSpPr>
+          <p:nvPr/>
+        </p:nvCxnSpPr>
+        <p:spPr>
+          <a:xfrm rot="16200000" flipH="1">
+            <a:off x="7939700" y="2738849"/>
+            <a:ext cx="1153164" cy="1418357"/>
+          </a:xfrm>
+          <a:prstGeom prst="bentConnector2">
+            <a:avLst/>
+          </a:prstGeom>
+          <a:ln>
+            <a:tailEnd type="triangle"/>
+          </a:ln>
+        </p:spPr>
+        <p:style>
+          <a:lnRef idx="1">
+            <a:schemeClr val="accent1"/>
+          </a:lnRef>
+          <a:fillRef idx="0">
+            <a:schemeClr val="accent1"/>
+          </a:fillRef>
+          <a:effectRef idx="0">
+            <a:schemeClr val="accent1"/>
+          </a:effectRef>
+          <a:fontRef idx="minor">
+            <a:schemeClr val="tx1"/>
+          </a:fontRef>
+        </p:style>
+      </p:cxnSp>
+      <p:sp>
+        <p:nvSpPr>
+          <p:cNvPr id="52" name="Arrow: Striped Right 51">
+            <a:extLst>
+              <a:ext uri="{FF2B5EF4-FFF2-40B4-BE49-F238E27FC236}">
+                <a16:creationId xmlns:a16="http://schemas.microsoft.com/office/drawing/2014/main" id="{DADA4083-1AF1-44C7-909C-623381368E0D}"/>
+              </a:ext>
+            </a:extLst>
+          </p:cNvPr>
+          <p:cNvSpPr/>
+          <p:nvPr/>
+        </p:nvSpPr>
+        <p:spPr>
+          <a:xfrm>
+            <a:off x="8477681" y="1244569"/>
+            <a:ext cx="646333" cy="514959"/>
+          </a:xfrm>
+          <a:prstGeom prst="stripedRightArrow">
+            <a:avLst/>
+          </a:prstGeom>
+          <a:solidFill>
+            <a:srgbClr val="44E43C"/>
+          </a:solidFill>
+        </p:spPr>
+        <p:style>
+          <a:lnRef idx="2">
+            <a:schemeClr val="accent1">
+              <a:shade val="50000"/>
+            </a:schemeClr>
+          </a:lnRef>
+          <a:fillRef idx="1">
+            <a:schemeClr val="accent1"/>
+          </a:fillRef>
+          <a:effectRef idx="0">
+            <a:schemeClr val="accent1"/>
+          </a:effectRef>
+          <a:fontRef idx="minor">
+            <a:schemeClr val="lt1"/>
+          </a:fontRef>
+        </p:style>
+        <p:txBody>
+          <a:bodyPr rtlCol="0" anchor="ctr"/>
+          <a:lstStyle/>
+          <a:p>
+            <a:pPr marL="0" marR="0" lvl="0" indent="0" algn="ctr" defTabSz="914400" rtl="0" eaLnBrk="1" fontAlgn="auto" latinLnBrk="0" hangingPunct="1">
+              <a:lnSpc>
+                <a:spcPct val="100000"/>
+              </a:lnSpc>
+              <a:spcBef>
+                <a:spcPts val="0"/>
+              </a:spcBef>
+              <a:spcAft>
+                <a:spcPts val="0"/>
+              </a:spcAft>
+              <a:buClrTx/>
+              <a:buSzTx/>
+              <a:buFontTx/>
+              <a:buNone/>
+              <a:tabLst/>
+              <a:defRPr/>
+            </a:pPr>
+            <a:endParaRPr kumimoji="0" lang="tr-TR" sz="1800" b="1" i="0" u="none" strike="noStrike" kern="1200" cap="none" spc="0" normalizeH="0" baseline="0" noProof="0">
+              <a:ln>
+                <a:noFill/>
+              </a:ln>
+              <a:solidFill>
+                <a:prstClr val="white"/>
+              </a:solidFill>
+              <a:effectLst/>
+              <a:uLnTx/>
+              <a:uFillTx/>
+              <a:latin typeface="Calibri" panose="020F0502020204030204"/>
+              <a:ea typeface="+mn-ea"/>
+              <a:cs typeface="+mn-cs"/>
+            </a:endParaRPr>
+          </a:p>
+        </p:txBody>
+      </p:sp>
+    </p:spTree>
+    <p:extLst>
+      <p:ext uri="{BB962C8B-B14F-4D97-AF65-F5344CB8AC3E}">
+        <p14:creationId xmlns:p14="http://schemas.microsoft.com/office/powerpoint/2010/main" val="610983966"/>
+      </p:ext>
+    </p:extLst>
+  </p:cSld>
+  <p:clrMapOvr>
+    <a:masterClrMapping/>
+  </p:clrMapOvr>
+</p:sld>
+</file>
+
+<file path=ppt/slides/slide31.xml><?xml version="1.0" encoding="utf-8"?>
+<p:sld xmlns:a="http://schemas.openxmlformats.org/drawingml/2006/main" xmlns:r="http://schemas.openxmlformats.org/officeDocument/2006/relationships" xmlns:p="http://schemas.openxmlformats.org/presentationml/2006/main">
+  <p:cSld>
+    <p:spTree>
+      <p:nvGrpSpPr>
+        <p:cNvPr id="1" name=""/>
+        <p:cNvGrpSpPr/>
+        <p:nvPr/>
+      </p:nvGrpSpPr>
+      <p:grpSpPr>
+        <a:xfrm>
+          <a:off x="0" y="0"/>
+          <a:ext cx="0" cy="0"/>
+          <a:chOff x="0" y="0"/>
+          <a:chExt cx="0" cy="0"/>
+        </a:xfrm>
+      </p:grpSpPr>
+      <p:pic>
+        <p:nvPicPr>
+          <p:cNvPr id="4" name="Picture 2" descr="Office, database Free Icon of Super Flat Remix V1.08">
+            <a:extLst>
+              <a:ext uri="{FF2B5EF4-FFF2-40B4-BE49-F238E27FC236}">
+                <a16:creationId xmlns:a16="http://schemas.microsoft.com/office/drawing/2014/main" id="{D5C99207-7DBB-4739-B8E5-D4F362536740}"/>
+              </a:ext>
+            </a:extLst>
+          </p:cNvPr>
+          <p:cNvPicPr>
+            <a:picLocks noChangeAspect="1" noChangeArrowheads="1"/>
+          </p:cNvPicPr>
+          <p:nvPr/>
+        </p:nvPicPr>
+        <p:blipFill>
+          <a:blip r:embed="rId2">
+            <a:extLst>
+              <a:ext uri="{28A0092B-C50C-407E-A947-70E740481C1C}">
+                <a14:useLocalDpi xmlns:a14="http://schemas.microsoft.com/office/drawing/2010/main" val="0"/>
+              </a:ext>
+            </a:extLst>
+          </a:blip>
+          <a:srcRect/>
+          <a:stretch>
+            <a:fillRect/>
+          </a:stretch>
+        </p:blipFill>
+        <p:spPr bwMode="auto">
+          <a:xfrm>
+            <a:off x="1165989" y="2277565"/>
+            <a:ext cx="1406585" cy="1406585"/>
+          </a:xfrm>
+          <a:prstGeom prst="rect">
+            <a:avLst/>
+          </a:prstGeom>
+          <a:noFill/>
+          <a:extLst>
+            <a:ext uri="{909E8E84-426E-40DD-AFC4-6F175D3DCCD1}">
+              <a14:hiddenFill xmlns:a14="http://schemas.microsoft.com/office/drawing/2010/main">
+                <a:solidFill>
+                  <a:srgbClr val="FFFFFF"/>
+                </a:solidFill>
+              </a14:hiddenFill>
+            </a:ext>
+          </a:extLst>
+        </p:spPr>
+      </p:pic>
+      <p:pic>
+        <p:nvPicPr>
+          <p:cNvPr id="5" name="Picture 2" descr="Office, database Free Icon of Super Flat Remix V1.08">
+            <a:extLst>
+              <a:ext uri="{FF2B5EF4-FFF2-40B4-BE49-F238E27FC236}">
+                <a16:creationId xmlns:a16="http://schemas.microsoft.com/office/drawing/2014/main" id="{D5843EDB-2288-44E5-8C0C-8CA37EC4A99E}"/>
+              </a:ext>
+            </a:extLst>
+          </p:cNvPr>
+          <p:cNvPicPr>
+            <a:picLocks noChangeAspect="1" noChangeArrowheads="1"/>
+          </p:cNvPicPr>
+          <p:nvPr/>
+        </p:nvPicPr>
+        <p:blipFill>
+          <a:blip r:embed="rId2">
+            <a:extLst>
+              <a:ext uri="{28A0092B-C50C-407E-A947-70E740481C1C}">
+                <a14:useLocalDpi xmlns:a14="http://schemas.microsoft.com/office/drawing/2010/main" val="0"/>
+              </a:ext>
+            </a:extLst>
+          </a:blip>
+          <a:srcRect/>
+          <a:stretch>
+            <a:fillRect/>
+          </a:stretch>
+        </p:blipFill>
+        <p:spPr bwMode="auto">
+          <a:xfrm>
+            <a:off x="3450516" y="2248933"/>
+            <a:ext cx="1406585" cy="1406585"/>
+          </a:xfrm>
+          <a:prstGeom prst="rect">
+            <a:avLst/>
+          </a:prstGeom>
+          <a:noFill/>
+          <a:extLst>
+            <a:ext uri="{909E8E84-426E-40DD-AFC4-6F175D3DCCD1}">
+              <a14:hiddenFill xmlns:a14="http://schemas.microsoft.com/office/drawing/2010/main">
+                <a:solidFill>
+                  <a:srgbClr val="FFFFFF"/>
+                </a:solidFill>
+              </a14:hiddenFill>
+            </a:ext>
+          </a:extLst>
+        </p:spPr>
+      </p:pic>
+      <p:sp>
+        <p:nvSpPr>
+          <p:cNvPr id="6" name="TextBox 5">
+            <a:extLst>
+              <a:ext uri="{FF2B5EF4-FFF2-40B4-BE49-F238E27FC236}">
+                <a16:creationId xmlns:a16="http://schemas.microsoft.com/office/drawing/2014/main" id="{C34C2116-3D74-49BD-9E2F-831F4DFDC59A}"/>
+              </a:ext>
+            </a:extLst>
+          </p:cNvPr>
+          <p:cNvSpPr txBox="1"/>
+          <p:nvPr/>
+        </p:nvSpPr>
+        <p:spPr>
+          <a:xfrm>
+            <a:off x="1306642" y="3606501"/>
+            <a:ext cx="1185387" cy="707886"/>
+          </a:xfrm>
+          <a:prstGeom prst="rect">
+            <a:avLst/>
+          </a:prstGeom>
+          <a:noFill/>
+        </p:spPr>
+        <p:txBody>
+          <a:bodyPr wrap="square" rtlCol="0">
+            <a:spAutoFit/>
+          </a:bodyPr>
+          <a:lstStyle/>
+          <a:p>
+            <a:pPr marL="0" marR="0" lvl="0" indent="0" algn="l" defTabSz="914400" rtl="0" eaLnBrk="1" fontAlgn="auto" latinLnBrk="0" hangingPunct="1">
+              <a:lnSpc>
+                <a:spcPct val="100000"/>
+              </a:lnSpc>
+              <a:spcBef>
+                <a:spcPts val="0"/>
+              </a:spcBef>
+              <a:spcAft>
+                <a:spcPts val="0"/>
+              </a:spcAft>
+              <a:buClrTx/>
+              <a:buSzTx/>
+              <a:buFontTx/>
+              <a:buNone/>
+              <a:tabLst/>
+              <a:defRPr/>
+            </a:pPr>
+            <a:r>
+              <a:rPr kumimoji="0" lang="tr-TR" sz="2000" b="1" i="0" u="none" strike="noStrike" kern="1200" cap="none" spc="0" normalizeH="0" baseline="0" noProof="0" dirty="0">
+                <a:ln>
+                  <a:noFill/>
+                </a:ln>
+                <a:solidFill>
+                  <a:prstClr val="black"/>
+                </a:solidFill>
+                <a:effectLst/>
+                <a:uLnTx/>
+                <a:uFillTx/>
+                <a:latin typeface="Calibri" panose="020F0502020204030204"/>
+                <a:ea typeface="+mn-ea"/>
+                <a:cs typeface="+mn-cs"/>
+              </a:rPr>
+              <a:t>USA CAA</a:t>
+            </a:r>
+          </a:p>
+          <a:p>
+            <a:pPr marL="0" marR="0" lvl="0" indent="0" algn="l" defTabSz="914400" rtl="0" eaLnBrk="1" fontAlgn="auto" latinLnBrk="0" hangingPunct="1">
+              <a:lnSpc>
+                <a:spcPct val="100000"/>
+              </a:lnSpc>
+              <a:spcBef>
+                <a:spcPts val="0"/>
+              </a:spcBef>
+              <a:spcAft>
+                <a:spcPts val="0"/>
+              </a:spcAft>
+              <a:buClrTx/>
+              <a:buSzTx/>
+              <a:buFontTx/>
+              <a:buNone/>
+              <a:tabLst/>
+              <a:defRPr/>
+            </a:pPr>
+            <a:r>
+              <a:rPr kumimoji="0" lang="tr-TR" sz="2000" b="1" i="0" u="none" strike="noStrike" kern="1200" cap="none" spc="0" normalizeH="0" baseline="0" noProof="0" dirty="0">
+                <a:ln>
+                  <a:noFill/>
+                </a:ln>
+                <a:solidFill>
+                  <a:prstClr val="black"/>
+                </a:solidFill>
+                <a:effectLst/>
+                <a:uLnTx/>
+                <a:uFillTx/>
+                <a:latin typeface="Calibri" panose="020F0502020204030204"/>
+                <a:ea typeface="+mn-ea"/>
+                <a:cs typeface="+mn-cs"/>
+              </a:rPr>
+              <a:t>CDB90</a:t>
+            </a:r>
+          </a:p>
+        </p:txBody>
+      </p:sp>
+      <p:sp>
+        <p:nvSpPr>
+          <p:cNvPr id="7" name="TextBox 6">
+            <a:extLst>
+              <a:ext uri="{FF2B5EF4-FFF2-40B4-BE49-F238E27FC236}">
+                <a16:creationId xmlns:a16="http://schemas.microsoft.com/office/drawing/2014/main" id="{68D58F77-1F1B-4027-AEB6-378E167F1D51}"/>
+              </a:ext>
+            </a:extLst>
+          </p:cNvPr>
+          <p:cNvSpPr txBox="1"/>
+          <p:nvPr/>
+        </p:nvSpPr>
+        <p:spPr>
+          <a:xfrm>
+            <a:off x="2809064" y="3544964"/>
+            <a:ext cx="2889808" cy="707886"/>
+          </a:xfrm>
+          <a:prstGeom prst="rect">
+            <a:avLst/>
+          </a:prstGeom>
+          <a:noFill/>
+        </p:spPr>
+        <p:txBody>
+          <a:bodyPr wrap="square" rtlCol="0">
+            <a:spAutoFit/>
+          </a:bodyPr>
+          <a:lstStyle/>
+          <a:p>
+            <a:pPr marL="0" marR="0" lvl="0" indent="0" algn="ctr" defTabSz="914400" rtl="0" eaLnBrk="1" fontAlgn="auto" latinLnBrk="0" hangingPunct="1">
+              <a:lnSpc>
+                <a:spcPct val="100000"/>
+              </a:lnSpc>
+              <a:spcBef>
+                <a:spcPts val="0"/>
+              </a:spcBef>
+              <a:spcAft>
+                <a:spcPts val="0"/>
+              </a:spcAft>
+              <a:buClrTx/>
+              <a:buSzTx/>
+              <a:buFontTx/>
+              <a:buNone/>
+              <a:tabLst/>
+              <a:defRPr/>
+            </a:pPr>
+            <a:r>
+              <a:rPr kumimoji="0" lang="tr-TR" sz="2000" b="1" i="0" u="none" strike="noStrike" kern="1200" cap="none" spc="0" normalizeH="0" baseline="0" noProof="0" dirty="0">
+                <a:ln>
+                  <a:noFill/>
+                </a:ln>
+                <a:solidFill>
+                  <a:prstClr val="black"/>
+                </a:solidFill>
+                <a:effectLst/>
+                <a:uLnTx/>
+                <a:uFillTx/>
+                <a:latin typeface="Calibri" panose="020F0502020204030204"/>
+                <a:ea typeface="+mn-ea"/>
+                <a:cs typeface="+mn-cs"/>
+              </a:rPr>
+              <a:t>University of Michigan</a:t>
+            </a:r>
+          </a:p>
+          <a:p>
+            <a:pPr marL="0" marR="0" lvl="0" indent="0" algn="ctr" defTabSz="914400" rtl="0" eaLnBrk="1" fontAlgn="auto" latinLnBrk="0" hangingPunct="1">
+              <a:lnSpc>
+                <a:spcPct val="100000"/>
+              </a:lnSpc>
+              <a:spcBef>
+                <a:spcPts val="0"/>
+              </a:spcBef>
+              <a:spcAft>
+                <a:spcPts val="0"/>
+              </a:spcAft>
+              <a:buClrTx/>
+              <a:buSzTx/>
+              <a:buFontTx/>
+              <a:buNone/>
+              <a:tabLst/>
+              <a:defRPr/>
+            </a:pPr>
+            <a:r>
+              <a:rPr kumimoji="0" lang="tr-TR" sz="2000" b="1" i="0" u="none" strike="noStrike" kern="1200" cap="none" spc="0" normalizeH="0" baseline="0" noProof="0" dirty="0">
+                <a:ln>
+                  <a:noFill/>
+                </a:ln>
+                <a:solidFill>
+                  <a:prstClr val="black"/>
+                </a:solidFill>
+                <a:effectLst/>
+                <a:uLnTx/>
+                <a:uFillTx/>
+                <a:latin typeface="Calibri" panose="020F0502020204030204"/>
+                <a:ea typeface="+mn-ea"/>
+                <a:cs typeface="+mn-cs"/>
+              </a:rPr>
+              <a:t>Corralates of War </a:t>
+            </a:r>
+          </a:p>
+        </p:txBody>
+      </p:sp>
+      <p:sp>
+        <p:nvSpPr>
+          <p:cNvPr id="8" name="TextBox 7">
+            <a:extLst>
+              <a:ext uri="{FF2B5EF4-FFF2-40B4-BE49-F238E27FC236}">
+                <a16:creationId xmlns:a16="http://schemas.microsoft.com/office/drawing/2014/main" id="{3A913F60-DDA6-47AD-9AB4-F3AD25AC1B24}"/>
+              </a:ext>
+            </a:extLst>
+          </p:cNvPr>
+          <p:cNvSpPr txBox="1"/>
+          <p:nvPr/>
+        </p:nvSpPr>
+        <p:spPr>
+          <a:xfrm>
+            <a:off x="2084274" y="1674611"/>
+            <a:ext cx="1946908" cy="461665"/>
+          </a:xfrm>
+          <a:prstGeom prst="rect">
+            <a:avLst/>
+          </a:prstGeom>
+          <a:noFill/>
+        </p:spPr>
+        <p:txBody>
+          <a:bodyPr wrap="square" rtlCol="0">
+            <a:spAutoFit/>
+          </a:bodyPr>
+          <a:lstStyle/>
+          <a:p>
+            <a:pPr marL="0" marR="0" lvl="0" indent="0" algn="l" defTabSz="914400" rtl="0" eaLnBrk="1" fontAlgn="auto" latinLnBrk="0" hangingPunct="1">
+              <a:lnSpc>
+                <a:spcPct val="100000"/>
+              </a:lnSpc>
+              <a:spcBef>
+                <a:spcPts val="0"/>
+              </a:spcBef>
+              <a:spcAft>
+                <a:spcPts val="0"/>
+              </a:spcAft>
+              <a:buClrTx/>
+              <a:buSzTx/>
+              <a:buFontTx/>
+              <a:buNone/>
+              <a:tabLst/>
+              <a:defRPr/>
+            </a:pPr>
+            <a:r>
+              <a:rPr kumimoji="0" lang="tr-TR" sz="2400" b="1" i="0" u="none" strike="noStrike" kern="1200" cap="none" spc="0" normalizeH="0" baseline="0" noProof="0" dirty="0">
+                <a:ln>
+                  <a:noFill/>
+                </a:ln>
+                <a:solidFill>
+                  <a:prstClr val="black"/>
+                </a:solidFill>
+                <a:effectLst/>
+                <a:uLnTx/>
+                <a:uFillTx/>
+                <a:latin typeface="Calibri" panose="020F0502020204030204"/>
+                <a:ea typeface="+mn-ea"/>
+                <a:cs typeface="+mn-cs"/>
+              </a:rPr>
+              <a:t>Databases</a:t>
+            </a:r>
+          </a:p>
+        </p:txBody>
+      </p:sp>
+      <p:pic>
+        <p:nvPicPr>
+          <p:cNvPr id="9" name="Picture 8" descr="Icon, arrow&#10;&#10;Description automatically generated">
+            <a:extLst>
+              <a:ext uri="{FF2B5EF4-FFF2-40B4-BE49-F238E27FC236}">
+                <a16:creationId xmlns:a16="http://schemas.microsoft.com/office/drawing/2014/main" id="{96893BAB-3C47-45D3-A59C-B8392F33A88F}"/>
+              </a:ext>
+            </a:extLst>
+          </p:cNvPr>
+          <p:cNvPicPr>
+            <a:picLocks noChangeAspect="1"/>
+          </p:cNvPicPr>
+          <p:nvPr/>
+        </p:nvPicPr>
+        <p:blipFill>
+          <a:blip r:embed="rId3">
+            <a:extLst>
+              <a:ext uri="{28A0092B-C50C-407E-A947-70E740481C1C}">
+                <a14:useLocalDpi xmlns:a14="http://schemas.microsoft.com/office/drawing/2010/main" val="0"/>
+              </a:ext>
+            </a:extLst>
+          </a:blip>
+          <a:stretch>
+            <a:fillRect/>
+          </a:stretch>
+        </p:blipFill>
+        <p:spPr>
+          <a:xfrm rot="12106635">
+            <a:off x="5658360" y="2109312"/>
+            <a:ext cx="1669539" cy="1743088"/>
+          </a:xfrm>
+          <a:prstGeom prst="rect">
+            <a:avLst/>
+          </a:prstGeom>
+        </p:spPr>
+      </p:pic>
+      <p:sp>
+        <p:nvSpPr>
+          <p:cNvPr id="10" name="TextBox 9">
+            <a:extLst>
+              <a:ext uri="{FF2B5EF4-FFF2-40B4-BE49-F238E27FC236}">
+                <a16:creationId xmlns:a16="http://schemas.microsoft.com/office/drawing/2014/main" id="{430C43B1-827F-4EAE-878D-6E58FF1C7338}"/>
+              </a:ext>
+            </a:extLst>
+          </p:cNvPr>
+          <p:cNvSpPr txBox="1"/>
+          <p:nvPr/>
+        </p:nvSpPr>
+        <p:spPr>
+          <a:xfrm>
+            <a:off x="7911155" y="2381029"/>
+            <a:ext cx="2187640" cy="923330"/>
+          </a:xfrm>
+          <a:prstGeom prst="rect">
+            <a:avLst/>
+          </a:prstGeom>
+          <a:solidFill>
+            <a:schemeClr val="bg1">
+              <a:lumMod val="95000"/>
+            </a:schemeClr>
+          </a:solidFill>
+          <a:ln w="38100">
+            <a:solidFill>
+              <a:schemeClr val="tx2">
+                <a:lumMod val="40000"/>
+                <a:lumOff val="60000"/>
+              </a:schemeClr>
+            </a:solidFill>
+          </a:ln>
+        </p:spPr>
+        <p:txBody>
+          <a:bodyPr wrap="square" rtlCol="0">
+            <a:spAutoFit/>
+          </a:bodyPr>
+          <a:lstStyle/>
+          <a:p>
+            <a:pPr marL="0" marR="0" lvl="0" indent="0" algn="ctr" defTabSz="914400" rtl="0" eaLnBrk="1" fontAlgn="auto" latinLnBrk="0" hangingPunct="1">
+              <a:lnSpc>
+                <a:spcPct val="100000"/>
+              </a:lnSpc>
+              <a:spcBef>
+                <a:spcPts val="0"/>
+              </a:spcBef>
+              <a:spcAft>
+                <a:spcPts val="0"/>
+              </a:spcAft>
+              <a:buClrTx/>
+              <a:buSzTx/>
+              <a:buFontTx/>
+              <a:buNone/>
+              <a:tabLst/>
+              <a:defRPr/>
+            </a:pPr>
+            <a:r>
+              <a:rPr kumimoji="0" lang="tr-TR" sz="1800" b="1" i="0" u="none" strike="noStrike" kern="1200" cap="none" spc="0" normalizeH="0" baseline="0" noProof="0" dirty="0">
+                <a:ln>
+                  <a:noFill/>
+                </a:ln>
+                <a:solidFill>
+                  <a:prstClr val="black"/>
+                </a:solidFill>
+                <a:effectLst/>
+                <a:uLnTx/>
+                <a:uFillTx/>
+                <a:latin typeface="Calibri" panose="020F0502020204030204"/>
+                <a:ea typeface="+mn-ea"/>
+                <a:cs typeface="+mn-cs"/>
+              </a:rPr>
+              <a:t>To detect the coefficients of combat variables</a:t>
+            </a:r>
+          </a:p>
+        </p:txBody>
+      </p:sp>
+      <p:sp>
+        <p:nvSpPr>
+          <p:cNvPr id="11" name="Rectangle: Rounded Corners 10">
+            <a:extLst>
+              <a:ext uri="{FF2B5EF4-FFF2-40B4-BE49-F238E27FC236}">
+                <a16:creationId xmlns:a16="http://schemas.microsoft.com/office/drawing/2014/main" id="{B85E9144-5DDD-443D-96A9-2B445B8837B1}"/>
+              </a:ext>
+            </a:extLst>
+          </p:cNvPr>
+          <p:cNvSpPr/>
+          <p:nvPr/>
+        </p:nvSpPr>
+        <p:spPr>
+          <a:xfrm>
+            <a:off x="163286" y="105521"/>
+            <a:ext cx="11805557" cy="886486"/>
+          </a:xfrm>
+          <a:prstGeom prst="roundRect">
+            <a:avLst/>
+          </a:prstGeom>
+          <a:solidFill>
+            <a:schemeClr val="accent1">
+              <a:alpha val="8000"/>
+            </a:schemeClr>
+          </a:solidFill>
+        </p:spPr>
+        <p:style>
+          <a:lnRef idx="2">
+            <a:schemeClr val="accent1">
+              <a:shade val="50000"/>
+            </a:schemeClr>
+          </a:lnRef>
+          <a:fillRef idx="1">
+            <a:schemeClr val="accent1"/>
+          </a:fillRef>
+          <a:effectRef idx="0">
+            <a:schemeClr val="accent1"/>
+          </a:effectRef>
+          <a:fontRef idx="minor">
+            <a:schemeClr val="lt1"/>
+          </a:fontRef>
+        </p:style>
+        <p:txBody>
+          <a:bodyPr rtlCol="0" anchor="ctr"/>
+          <a:lstStyle/>
+          <a:p>
+            <a:pPr marL="0" marR="0" lvl="0" indent="0" algn="ctr" defTabSz="914400" rtl="0" eaLnBrk="1" fontAlgn="auto" latinLnBrk="0" hangingPunct="1">
+              <a:lnSpc>
+                <a:spcPct val="100000"/>
+              </a:lnSpc>
+              <a:spcBef>
+                <a:spcPts val="0"/>
+              </a:spcBef>
+              <a:spcAft>
+                <a:spcPts val="0"/>
+              </a:spcAft>
+              <a:buClrTx/>
+              <a:buSzTx/>
+              <a:buFontTx/>
+              <a:buNone/>
+              <a:tabLst/>
+              <a:defRPr/>
+            </a:pPr>
+            <a:r>
+              <a:rPr kumimoji="0" lang="tr-TR" sz="3000" b="1" i="0" u="none" strike="noStrike" kern="1200" cap="none" spc="0" normalizeH="0" baseline="0" noProof="0" dirty="0">
+                <a:ln>
+                  <a:noFill/>
+                </a:ln>
+                <a:solidFill>
+                  <a:prstClr val="black"/>
+                </a:solidFill>
+                <a:effectLst/>
+                <a:uLnTx/>
+                <a:uFillTx/>
+                <a:latin typeface="Calibri" panose="020F0502020204030204"/>
+                <a:ea typeface="+mn-ea"/>
+                <a:cs typeface="+mn-cs"/>
+              </a:rPr>
+              <a:t>Quantitative Research- Material Factors Analysis</a:t>
+            </a:r>
+            <a:endParaRPr kumimoji="0" lang="tr-TR" sz="3000" b="0" i="0" u="none" strike="noStrike" kern="1200" cap="none" spc="0" normalizeH="0" baseline="0" noProof="0" dirty="0">
+              <a:ln>
+                <a:noFill/>
+              </a:ln>
+              <a:solidFill>
+                <a:prstClr val="white"/>
+              </a:solidFill>
+              <a:effectLst/>
+              <a:uLnTx/>
+              <a:uFillTx/>
+              <a:latin typeface="Calibri" panose="020F0502020204030204"/>
+              <a:ea typeface="+mn-ea"/>
+              <a:cs typeface="+mn-cs"/>
+            </a:endParaRPr>
+          </a:p>
+        </p:txBody>
+      </p:sp>
+      <p:sp>
+        <p:nvSpPr>
+          <p:cNvPr id="13" name="TextBox 12">
+            <a:extLst>
+              <a:ext uri="{FF2B5EF4-FFF2-40B4-BE49-F238E27FC236}">
+                <a16:creationId xmlns:a16="http://schemas.microsoft.com/office/drawing/2014/main" id="{8148FB40-4B3F-4FF4-A74B-F0BA0938D5B4}"/>
+              </a:ext>
+            </a:extLst>
+          </p:cNvPr>
+          <p:cNvSpPr txBox="1"/>
+          <p:nvPr/>
+        </p:nvSpPr>
+        <p:spPr>
+          <a:xfrm>
+            <a:off x="5004863" y="1469872"/>
+            <a:ext cx="3241064" cy="769441"/>
+          </a:xfrm>
+          <a:prstGeom prst="rect">
+            <a:avLst/>
+          </a:prstGeom>
+          <a:noFill/>
+        </p:spPr>
+        <p:txBody>
+          <a:bodyPr wrap="square" rtlCol="0">
+            <a:spAutoFit/>
+          </a:bodyPr>
+          <a:lstStyle/>
+          <a:p>
+            <a:pPr marL="457200" marR="0" lvl="1" indent="0" algn="ctr" defTabSz="914400" rtl="0" eaLnBrk="1" fontAlgn="auto" latinLnBrk="0" hangingPunct="1">
+              <a:lnSpc>
+                <a:spcPct val="100000"/>
+              </a:lnSpc>
+              <a:spcBef>
+                <a:spcPts val="0"/>
+              </a:spcBef>
+              <a:spcAft>
+                <a:spcPts val="0"/>
+              </a:spcAft>
+              <a:buClrTx/>
+              <a:buSzTx/>
+              <a:buFontTx/>
+              <a:buNone/>
+              <a:tabLst/>
+              <a:defRPr/>
+            </a:pPr>
+            <a:r>
+              <a:rPr kumimoji="0" lang="tr-TR" sz="2200" b="1" i="0" u="none" strike="noStrike" kern="1200" cap="none" spc="0" normalizeH="0" baseline="0" noProof="0" dirty="0">
+                <a:ln>
+                  <a:noFill/>
+                </a:ln>
+                <a:solidFill>
+                  <a:prstClr val="black"/>
+                </a:solidFill>
+                <a:effectLst/>
+                <a:uLnTx/>
+                <a:uFillTx/>
+                <a:latin typeface="Calibri" panose="020F0502020204030204"/>
+                <a:ea typeface="+mn-ea"/>
+                <a:cs typeface="+mn-cs"/>
+              </a:rPr>
+              <a:t>Multiple Regression Analysis</a:t>
+            </a:r>
+          </a:p>
+        </p:txBody>
+      </p:sp>
+      <p:sp>
+        <p:nvSpPr>
+          <p:cNvPr id="15" name="TextBox 14">
+            <a:extLst>
+              <a:ext uri="{FF2B5EF4-FFF2-40B4-BE49-F238E27FC236}">
+                <a16:creationId xmlns:a16="http://schemas.microsoft.com/office/drawing/2014/main" id="{11CFA1C4-902A-4A56-9CE8-1BA2632DE857}"/>
+              </a:ext>
+            </a:extLst>
+          </p:cNvPr>
+          <p:cNvSpPr txBox="1"/>
+          <p:nvPr/>
+        </p:nvSpPr>
+        <p:spPr>
+          <a:xfrm>
+            <a:off x="8023257" y="3639352"/>
+            <a:ext cx="2075538" cy="646331"/>
+          </a:xfrm>
+          <a:prstGeom prst="rect">
+            <a:avLst/>
+          </a:prstGeom>
+          <a:solidFill>
+            <a:schemeClr val="bg2">
+              <a:lumMod val="75000"/>
+            </a:schemeClr>
+          </a:solidFill>
+        </p:spPr>
+        <p:txBody>
+          <a:bodyPr wrap="square" rtlCol="0">
+            <a:spAutoFit/>
+          </a:bodyPr>
+          <a:lstStyle/>
+          <a:p>
+            <a:pPr marL="0" marR="0" lvl="0" indent="0" algn="ctr" defTabSz="914400" rtl="0" eaLnBrk="1" fontAlgn="auto" latinLnBrk="0" hangingPunct="1">
+              <a:lnSpc>
+                <a:spcPct val="100000"/>
+              </a:lnSpc>
+              <a:spcBef>
+                <a:spcPts val="0"/>
+              </a:spcBef>
+              <a:spcAft>
+                <a:spcPts val="0"/>
+              </a:spcAft>
+              <a:buClrTx/>
+              <a:buSzTx/>
+              <a:buFontTx/>
+              <a:buNone/>
+              <a:tabLst/>
+              <a:defRPr/>
+            </a:pPr>
+            <a:r>
+              <a:rPr kumimoji="0" lang="tr-TR" sz="1800" b="0" i="0" u="none" strike="noStrike" kern="1200" cap="none" spc="0" normalizeH="0" baseline="0" noProof="0" dirty="0">
+                <a:ln>
+                  <a:noFill/>
+                </a:ln>
+                <a:solidFill>
+                  <a:prstClr val="black"/>
+                </a:solidFill>
+                <a:effectLst/>
+                <a:uLnTx/>
+                <a:uFillTx/>
+                <a:latin typeface="Calibri" panose="020F0502020204030204"/>
+                <a:ea typeface="+mn-ea"/>
+                <a:cs typeface="+mn-cs"/>
+              </a:rPr>
+              <a:t>Typical question to be answered</a:t>
+            </a:r>
+          </a:p>
+        </p:txBody>
+      </p:sp>
+      <p:sp>
+        <p:nvSpPr>
+          <p:cNvPr id="16" name="TextBox 15">
+            <a:extLst>
+              <a:ext uri="{FF2B5EF4-FFF2-40B4-BE49-F238E27FC236}">
+                <a16:creationId xmlns:a16="http://schemas.microsoft.com/office/drawing/2014/main" id="{B7ED928D-3E4E-4508-A0F1-6B63BBAAE74B}"/>
+              </a:ext>
+            </a:extLst>
+          </p:cNvPr>
+          <p:cNvSpPr txBox="1"/>
+          <p:nvPr/>
+        </p:nvSpPr>
+        <p:spPr>
+          <a:xfrm>
+            <a:off x="7870371" y="5207680"/>
+            <a:ext cx="2604369" cy="923330"/>
+          </a:xfrm>
+          <a:prstGeom prst="rect">
+            <a:avLst/>
+          </a:prstGeom>
+          <a:solidFill>
+            <a:schemeClr val="bg2">
+              <a:lumMod val="75000"/>
+            </a:schemeClr>
+          </a:solidFill>
+        </p:spPr>
+        <p:txBody>
+          <a:bodyPr wrap="square" rtlCol="0">
+            <a:spAutoFit/>
+          </a:bodyPr>
+          <a:lstStyle/>
+          <a:p>
+            <a:pPr marL="0" marR="0" lvl="0" indent="0" algn="l" defTabSz="914400" rtl="0" eaLnBrk="1" fontAlgn="auto" latinLnBrk="0" hangingPunct="1">
+              <a:lnSpc>
+                <a:spcPct val="100000"/>
+              </a:lnSpc>
+              <a:spcBef>
+                <a:spcPts val="0"/>
+              </a:spcBef>
+              <a:spcAft>
+                <a:spcPts val="0"/>
+              </a:spcAft>
+              <a:buClrTx/>
+              <a:buSzTx/>
+              <a:buFontTx/>
+              <a:buNone/>
+              <a:tabLst/>
+              <a:defRPr/>
+            </a:pPr>
+            <a:r>
+              <a:rPr kumimoji="0" lang="tr-TR" sz="1800" b="1" i="0" u="none" strike="noStrike" kern="1200" cap="none" spc="0" normalizeH="0" baseline="0" noProof="0" dirty="0">
+                <a:ln>
+                  <a:noFill/>
+                </a:ln>
+                <a:solidFill>
+                  <a:prstClr val="black"/>
+                </a:solidFill>
+                <a:effectLst/>
+                <a:uLnTx/>
+                <a:uFillTx/>
+                <a:latin typeface="Calibri" panose="020F0502020204030204"/>
+                <a:ea typeface="+mn-ea"/>
+                <a:cs typeface="+mn-cs"/>
+              </a:rPr>
+              <a:t>X Factor explains % y of the variance in outcome of the battle</a:t>
+            </a:r>
+          </a:p>
+        </p:txBody>
+      </p:sp>
+      <p:sp>
+        <p:nvSpPr>
+          <p:cNvPr id="17" name="Arrow: Striped Right 16">
+            <a:extLst>
+              <a:ext uri="{FF2B5EF4-FFF2-40B4-BE49-F238E27FC236}">
+                <a16:creationId xmlns:a16="http://schemas.microsoft.com/office/drawing/2014/main" id="{C43021BA-6842-4D17-A40A-84E443C23CD6}"/>
+              </a:ext>
+            </a:extLst>
+          </p:cNvPr>
+          <p:cNvSpPr/>
+          <p:nvPr/>
+        </p:nvSpPr>
+        <p:spPr>
+          <a:xfrm rot="5400000">
+            <a:off x="8596281" y="4513004"/>
+            <a:ext cx="861053" cy="528298"/>
+          </a:xfrm>
+          <a:prstGeom prst="stripedRightArrow">
+            <a:avLst/>
+          </a:prstGeom>
+        </p:spPr>
+        <p:style>
+          <a:lnRef idx="2">
+            <a:schemeClr val="accent1">
+              <a:shade val="50000"/>
+            </a:schemeClr>
+          </a:lnRef>
+          <a:fillRef idx="1">
+            <a:schemeClr val="accent1"/>
+          </a:fillRef>
+          <a:effectRef idx="0">
+            <a:schemeClr val="accent1"/>
+          </a:effectRef>
+          <a:fontRef idx="minor">
+            <a:schemeClr val="lt1"/>
+          </a:fontRef>
+        </p:style>
+        <p:txBody>
+          <a:bodyPr rtlCol="0" anchor="ctr"/>
+          <a:lstStyle/>
+          <a:p>
+            <a:pPr marL="0" marR="0" lvl="0" indent="0" algn="ctr" defTabSz="914400" rtl="0" eaLnBrk="1" fontAlgn="auto" latinLnBrk="0" hangingPunct="1">
+              <a:lnSpc>
+                <a:spcPct val="100000"/>
+              </a:lnSpc>
+              <a:spcBef>
+                <a:spcPts val="0"/>
+              </a:spcBef>
+              <a:spcAft>
+                <a:spcPts val="0"/>
+              </a:spcAft>
+              <a:buClrTx/>
+              <a:buSzTx/>
+              <a:buFontTx/>
+              <a:buNone/>
+              <a:tabLst/>
+              <a:defRPr/>
+            </a:pPr>
+            <a:endParaRPr kumimoji="0" lang="tr-TR" sz="1800" b="0" i="0" u="none" strike="noStrike" kern="1200" cap="none" spc="0" normalizeH="0" baseline="0" noProof="0">
+              <a:ln>
+                <a:noFill/>
+              </a:ln>
+              <a:solidFill>
+                <a:prstClr val="white"/>
+              </a:solidFill>
+              <a:effectLst/>
+              <a:uLnTx/>
+              <a:uFillTx/>
+              <a:latin typeface="Calibri" panose="020F0502020204030204"/>
+              <a:ea typeface="+mn-ea"/>
+              <a:cs typeface="+mn-cs"/>
+            </a:endParaRPr>
+          </a:p>
+        </p:txBody>
+      </p:sp>
+      <p:sp>
+        <p:nvSpPr>
+          <p:cNvPr id="18" name="TextBox 17">
+            <a:extLst>
+              <a:ext uri="{FF2B5EF4-FFF2-40B4-BE49-F238E27FC236}">
+                <a16:creationId xmlns:a16="http://schemas.microsoft.com/office/drawing/2014/main" id="{02F7D61C-8063-4C98-9EEE-A884B6842483}"/>
+              </a:ext>
+            </a:extLst>
+          </p:cNvPr>
+          <p:cNvSpPr txBox="1"/>
+          <p:nvPr/>
+        </p:nvSpPr>
+        <p:spPr>
+          <a:xfrm>
+            <a:off x="1006908" y="4366755"/>
+            <a:ext cx="1712083" cy="646331"/>
+          </a:xfrm>
+          <a:prstGeom prst="rect">
+            <a:avLst/>
+          </a:prstGeom>
+          <a:solidFill>
+            <a:schemeClr val="bg2">
+              <a:lumMod val="75000"/>
+            </a:schemeClr>
+          </a:solidFill>
+        </p:spPr>
+        <p:txBody>
+          <a:bodyPr wrap="square" rtlCol="0">
+            <a:spAutoFit/>
+          </a:bodyPr>
+          <a:lstStyle/>
+          <a:p>
+            <a:pPr marL="0" marR="0" lvl="0" indent="0" algn="ctr" defTabSz="914400" rtl="0" eaLnBrk="1" fontAlgn="auto" latinLnBrk="0" hangingPunct="1">
+              <a:lnSpc>
+                <a:spcPct val="100000"/>
+              </a:lnSpc>
+              <a:spcBef>
+                <a:spcPts val="0"/>
+              </a:spcBef>
+              <a:spcAft>
+                <a:spcPts val="0"/>
+              </a:spcAft>
+              <a:buClrTx/>
+              <a:buSzTx/>
+              <a:buFontTx/>
+              <a:buNone/>
+              <a:tabLst/>
+              <a:defRPr/>
+            </a:pPr>
+            <a:r>
+              <a:rPr kumimoji="0" lang="tr-TR" sz="1800" b="1" i="0" u="none" strike="noStrike" kern="1200" cap="none" spc="0" normalizeH="0" baseline="0" noProof="0" dirty="0">
+                <a:ln>
+                  <a:noFill/>
+                </a:ln>
+                <a:solidFill>
+                  <a:prstClr val="black"/>
+                </a:solidFill>
+                <a:effectLst/>
+                <a:uLnTx/>
+                <a:uFillTx/>
+                <a:latin typeface="Calibri" panose="020F0502020204030204"/>
+                <a:ea typeface="+mn-ea"/>
+                <a:cs typeface="+mn-cs"/>
+              </a:rPr>
+              <a:t>660 Battles</a:t>
+            </a:r>
+          </a:p>
+          <a:p>
+            <a:pPr marL="0" marR="0" lvl="0" indent="0" algn="ctr" defTabSz="914400" rtl="0" eaLnBrk="1" fontAlgn="auto" latinLnBrk="0" hangingPunct="1">
+              <a:lnSpc>
+                <a:spcPct val="100000"/>
+              </a:lnSpc>
+              <a:spcBef>
+                <a:spcPts val="0"/>
+              </a:spcBef>
+              <a:spcAft>
+                <a:spcPts val="0"/>
+              </a:spcAft>
+              <a:buClrTx/>
+              <a:buSzTx/>
+              <a:buFontTx/>
+              <a:buNone/>
+              <a:tabLst/>
+              <a:defRPr/>
+            </a:pPr>
+            <a:r>
+              <a:rPr kumimoji="0" lang="tr-TR" sz="1800" b="1" i="0" u="none" strike="noStrike" kern="1200" cap="none" spc="0" normalizeH="0" baseline="0" noProof="0" dirty="0">
+                <a:ln>
+                  <a:noFill/>
+                </a:ln>
+                <a:solidFill>
+                  <a:prstClr val="black"/>
+                </a:solidFill>
+                <a:effectLst/>
+                <a:uLnTx/>
+                <a:uFillTx/>
+                <a:latin typeface="Calibri" panose="020F0502020204030204"/>
+                <a:ea typeface="+mn-ea"/>
+                <a:cs typeface="+mn-cs"/>
+              </a:rPr>
+              <a:t>1600-1982</a:t>
+            </a:r>
+          </a:p>
+        </p:txBody>
+      </p:sp>
+      <p:sp>
+        <p:nvSpPr>
+          <p:cNvPr id="19" name="TextBox 18">
+            <a:extLst>
+              <a:ext uri="{FF2B5EF4-FFF2-40B4-BE49-F238E27FC236}">
+                <a16:creationId xmlns:a16="http://schemas.microsoft.com/office/drawing/2014/main" id="{4D45C412-F2C4-4282-AB30-455323C41D42}"/>
+              </a:ext>
+            </a:extLst>
+          </p:cNvPr>
+          <p:cNvSpPr txBox="1"/>
+          <p:nvPr/>
+        </p:nvSpPr>
+        <p:spPr>
+          <a:xfrm>
+            <a:off x="3038414" y="4346626"/>
+            <a:ext cx="2563585" cy="1200329"/>
+          </a:xfrm>
+          <a:prstGeom prst="rect">
+            <a:avLst/>
+          </a:prstGeom>
+          <a:solidFill>
+            <a:schemeClr val="bg2">
+              <a:lumMod val="75000"/>
+            </a:schemeClr>
+          </a:solidFill>
+        </p:spPr>
+        <p:txBody>
+          <a:bodyPr wrap="square" rtlCol="0">
+            <a:spAutoFit/>
+          </a:bodyPr>
+          <a:lstStyle/>
+          <a:p>
+            <a:pPr marL="0" marR="0" lvl="0" indent="0" algn="ctr" defTabSz="914400" rtl="0" eaLnBrk="1" fontAlgn="auto" latinLnBrk="0" hangingPunct="1">
+              <a:lnSpc>
+                <a:spcPct val="100000"/>
+              </a:lnSpc>
+              <a:spcBef>
+                <a:spcPts val="0"/>
+              </a:spcBef>
+              <a:spcAft>
+                <a:spcPts val="0"/>
+              </a:spcAft>
+              <a:buClrTx/>
+              <a:buSzTx/>
+              <a:buFontTx/>
+              <a:buNone/>
+              <a:tabLst/>
+              <a:defRPr/>
+            </a:pPr>
+            <a:r>
+              <a:rPr kumimoji="0" lang="tr-TR" sz="1800" b="1" i="0" u="none" strike="noStrike" kern="1200" cap="none" spc="0" normalizeH="0" baseline="0" noProof="0" dirty="0">
+                <a:ln>
+                  <a:noFill/>
+                </a:ln>
+                <a:solidFill>
+                  <a:prstClr val="black"/>
+                </a:solidFill>
+                <a:effectLst/>
+                <a:uLnTx/>
+                <a:uFillTx/>
+                <a:latin typeface="Calibri" panose="020F0502020204030204"/>
+                <a:ea typeface="+mn-ea"/>
+                <a:cs typeface="+mn-cs"/>
+              </a:rPr>
+              <a:t>95 Inter-state war</a:t>
+            </a:r>
+          </a:p>
+          <a:p>
+            <a:pPr marL="0" marR="0" lvl="0" indent="0" algn="ctr" defTabSz="914400" rtl="0" eaLnBrk="1" fontAlgn="auto" latinLnBrk="0" hangingPunct="1">
+              <a:lnSpc>
+                <a:spcPct val="100000"/>
+              </a:lnSpc>
+              <a:spcBef>
+                <a:spcPts val="0"/>
+              </a:spcBef>
+              <a:spcAft>
+                <a:spcPts val="0"/>
+              </a:spcAft>
+              <a:buClrTx/>
+              <a:buSzTx/>
+              <a:buFontTx/>
+              <a:buNone/>
+              <a:tabLst/>
+              <a:defRPr/>
+            </a:pPr>
+            <a:r>
+              <a:rPr kumimoji="0" lang="tr-TR" sz="1800" b="1" i="0" u="none" strike="noStrike" kern="1200" cap="none" spc="0" normalizeH="0" baseline="0" noProof="0" dirty="0">
+                <a:ln>
+                  <a:noFill/>
+                </a:ln>
+                <a:solidFill>
+                  <a:prstClr val="black"/>
+                </a:solidFill>
+                <a:effectLst/>
+                <a:uLnTx/>
+                <a:uFillTx/>
+                <a:latin typeface="Calibri" panose="020F0502020204030204"/>
+                <a:ea typeface="+mn-ea"/>
+                <a:cs typeface="+mn-cs"/>
+              </a:rPr>
+              <a:t>162 Extra-state war</a:t>
+            </a:r>
+          </a:p>
+          <a:p>
+            <a:pPr marL="0" marR="0" lvl="0" indent="0" algn="ctr" defTabSz="914400" rtl="0" eaLnBrk="1" fontAlgn="auto" latinLnBrk="0" hangingPunct="1">
+              <a:lnSpc>
+                <a:spcPct val="100000"/>
+              </a:lnSpc>
+              <a:spcBef>
+                <a:spcPts val="0"/>
+              </a:spcBef>
+              <a:spcAft>
+                <a:spcPts val="0"/>
+              </a:spcAft>
+              <a:buClrTx/>
+              <a:buSzTx/>
+              <a:buFontTx/>
+              <a:buNone/>
+              <a:tabLst/>
+              <a:defRPr/>
+            </a:pPr>
+            <a:r>
+              <a:rPr kumimoji="0" lang="tr-TR" sz="1800" b="1" i="0" u="none" strike="noStrike" kern="1200" cap="none" spc="0" normalizeH="0" baseline="0" noProof="0" dirty="0">
+                <a:ln>
+                  <a:noFill/>
+                </a:ln>
+                <a:solidFill>
+                  <a:prstClr val="black"/>
+                </a:solidFill>
+                <a:effectLst/>
+                <a:uLnTx/>
+                <a:uFillTx/>
+                <a:latin typeface="Calibri" panose="020F0502020204030204"/>
+                <a:ea typeface="+mn-ea"/>
+                <a:cs typeface="+mn-cs"/>
+              </a:rPr>
+              <a:t>62 Non-state war</a:t>
+            </a:r>
+          </a:p>
+          <a:p>
+            <a:pPr marL="0" marR="0" lvl="0" indent="0" algn="ctr" defTabSz="914400" rtl="0" eaLnBrk="1" fontAlgn="auto" latinLnBrk="0" hangingPunct="1">
+              <a:lnSpc>
+                <a:spcPct val="100000"/>
+              </a:lnSpc>
+              <a:spcBef>
+                <a:spcPts val="0"/>
+              </a:spcBef>
+              <a:spcAft>
+                <a:spcPts val="0"/>
+              </a:spcAft>
+              <a:buClrTx/>
+              <a:buSzTx/>
+              <a:buFontTx/>
+              <a:buNone/>
+              <a:tabLst/>
+              <a:defRPr/>
+            </a:pPr>
+            <a:r>
+              <a:rPr kumimoji="0" lang="tr-TR" sz="1800" b="1" i="0" u="none" strike="noStrike" kern="1200" cap="none" spc="0" normalizeH="0" baseline="0" noProof="0" dirty="0">
+                <a:ln>
+                  <a:noFill/>
+                </a:ln>
+                <a:solidFill>
+                  <a:prstClr val="black"/>
+                </a:solidFill>
+                <a:effectLst/>
+                <a:uLnTx/>
+                <a:uFillTx/>
+                <a:latin typeface="Calibri" panose="020F0502020204030204"/>
+                <a:ea typeface="+mn-ea"/>
+                <a:cs typeface="+mn-cs"/>
+              </a:rPr>
+              <a:t>332 Intra-state war</a:t>
+            </a:r>
+          </a:p>
+        </p:txBody>
+      </p:sp>
+      <p:sp>
+        <p:nvSpPr>
+          <p:cNvPr id="20" name="TextBox 19">
+            <a:extLst>
+              <a:ext uri="{FF2B5EF4-FFF2-40B4-BE49-F238E27FC236}">
+                <a16:creationId xmlns:a16="http://schemas.microsoft.com/office/drawing/2014/main" id="{506CB5DB-D963-4B3B-A6C9-52ED6C21462F}"/>
+              </a:ext>
+            </a:extLst>
+          </p:cNvPr>
+          <p:cNvSpPr txBox="1"/>
+          <p:nvPr/>
+        </p:nvSpPr>
+        <p:spPr>
+          <a:xfrm>
+            <a:off x="3658292" y="5579613"/>
+            <a:ext cx="1191352" cy="369332"/>
+          </a:xfrm>
+          <a:prstGeom prst="rect">
+            <a:avLst/>
+          </a:prstGeom>
+          <a:solidFill>
+            <a:schemeClr val="bg1">
+              <a:lumMod val="95000"/>
+            </a:schemeClr>
+          </a:solidFill>
+          <a:ln>
+            <a:solidFill>
+              <a:schemeClr val="bg2">
+                <a:lumMod val="75000"/>
+              </a:schemeClr>
+            </a:solidFill>
+          </a:ln>
+        </p:spPr>
+        <p:txBody>
+          <a:bodyPr wrap="none" rtlCol="0">
+            <a:spAutoFit/>
+          </a:bodyPr>
+          <a:lstStyle/>
+          <a:p>
+            <a:pPr marL="0" marR="0" lvl="0" indent="0" algn="l" defTabSz="914400" rtl="0" eaLnBrk="1" fontAlgn="auto" latinLnBrk="0" hangingPunct="1">
+              <a:lnSpc>
+                <a:spcPct val="100000"/>
+              </a:lnSpc>
+              <a:spcBef>
+                <a:spcPts val="0"/>
+              </a:spcBef>
+              <a:spcAft>
+                <a:spcPts val="0"/>
+              </a:spcAft>
+              <a:buClrTx/>
+              <a:buSzTx/>
+              <a:buFontTx/>
+              <a:buNone/>
+              <a:tabLst/>
+              <a:defRPr/>
+            </a:pPr>
+            <a:r>
+              <a:rPr kumimoji="0" lang="tr-TR" sz="1800" b="1" i="0" u="none" strike="noStrike" kern="1200" cap="none" spc="0" normalizeH="0" baseline="0" noProof="0" dirty="0">
+                <a:ln>
+                  <a:noFill/>
+                </a:ln>
+                <a:solidFill>
+                  <a:prstClr val="black"/>
+                </a:solidFill>
+                <a:effectLst/>
+                <a:uLnTx/>
+                <a:uFillTx/>
+                <a:latin typeface="Calibri" panose="020F0502020204030204"/>
+                <a:ea typeface="+mn-ea"/>
+                <a:cs typeface="+mn-cs"/>
+              </a:rPr>
+              <a:t>1818-2007</a:t>
+            </a:r>
+          </a:p>
+        </p:txBody>
+      </p:sp>
+      <p:sp>
+        <p:nvSpPr>
+          <p:cNvPr id="21" name="TextBox 20">
+            <a:extLst>
+              <a:ext uri="{FF2B5EF4-FFF2-40B4-BE49-F238E27FC236}">
+                <a16:creationId xmlns:a16="http://schemas.microsoft.com/office/drawing/2014/main" id="{63B76474-0006-404C-94FC-9FFC770F15F0}"/>
+              </a:ext>
+            </a:extLst>
+          </p:cNvPr>
+          <p:cNvSpPr txBox="1"/>
+          <p:nvPr/>
+        </p:nvSpPr>
+        <p:spPr>
+          <a:xfrm>
+            <a:off x="1233973" y="5032796"/>
+            <a:ext cx="1191352" cy="369332"/>
+          </a:xfrm>
+          <a:prstGeom prst="rect">
+            <a:avLst/>
+          </a:prstGeom>
+          <a:solidFill>
+            <a:schemeClr val="bg1">
+              <a:lumMod val="95000"/>
+            </a:schemeClr>
+          </a:solidFill>
+          <a:ln>
+            <a:solidFill>
+              <a:schemeClr val="bg2">
+                <a:lumMod val="75000"/>
+              </a:schemeClr>
+            </a:solidFill>
+          </a:ln>
+        </p:spPr>
+        <p:txBody>
+          <a:bodyPr wrap="none" rtlCol="0">
+            <a:spAutoFit/>
+          </a:bodyPr>
+          <a:lstStyle>
+            <a:defPPr>
+              <a:defRPr lang="tr-TR"/>
+            </a:defPPr>
+            <a:lvl1pPr>
+              <a:defRPr b="1"/>
+            </a:lvl1pPr>
+          </a:lstStyle>
+          <a:p>
+            <a:pPr marL="0" marR="0" lvl="0" indent="0" algn="l" defTabSz="914400" rtl="0" eaLnBrk="1" fontAlgn="auto" latinLnBrk="0" hangingPunct="1">
+              <a:lnSpc>
+                <a:spcPct val="100000"/>
+              </a:lnSpc>
+              <a:spcBef>
+                <a:spcPts val="0"/>
+              </a:spcBef>
+              <a:spcAft>
+                <a:spcPts val="0"/>
+              </a:spcAft>
+              <a:buClrTx/>
+              <a:buSzTx/>
+              <a:buFontTx/>
+              <a:buNone/>
+              <a:tabLst/>
+              <a:defRPr/>
+            </a:pPr>
+            <a:r>
+              <a:rPr kumimoji="0" lang="tr-TR" sz="1800" b="1" i="0" u="none" strike="noStrike" kern="1200" cap="none" spc="0" normalizeH="0" baseline="0" noProof="0" dirty="0">
+                <a:ln>
+                  <a:noFill/>
+                </a:ln>
+                <a:solidFill>
+                  <a:prstClr val="black"/>
+                </a:solidFill>
+                <a:effectLst/>
+                <a:uLnTx/>
+                <a:uFillTx/>
+                <a:latin typeface="Calibri" panose="020F0502020204030204"/>
+                <a:ea typeface="+mn-ea"/>
+                <a:cs typeface="+mn-cs"/>
+              </a:rPr>
+              <a:t>1600-1982</a:t>
+            </a:r>
+          </a:p>
+        </p:txBody>
+      </p:sp>
+    </p:spTree>
+    <p:extLst>
+      <p:ext uri="{BB962C8B-B14F-4D97-AF65-F5344CB8AC3E}">
+        <p14:creationId xmlns:p14="http://schemas.microsoft.com/office/powerpoint/2010/main" val="3628147434"/>
+      </p:ext>
+    </p:extLst>
+  </p:cSld>
+  <p:clrMapOvr>
+    <a:masterClrMapping/>
+  </p:clrMapOvr>
+</p:sld>
+</file>
+
+<file path=ppt/slides/slide32.xml><?xml version="1.0" encoding="utf-8"?>
+<p:sld xmlns:a="http://schemas.openxmlformats.org/drawingml/2006/main" xmlns:r="http://schemas.openxmlformats.org/officeDocument/2006/relationships" xmlns:p="http://schemas.openxmlformats.org/presentationml/2006/main">
+  <p:cSld>
+    <p:spTree>
+      <p:nvGrpSpPr>
+        <p:cNvPr id="1" name=""/>
+        <p:cNvGrpSpPr/>
+        <p:nvPr/>
+      </p:nvGrpSpPr>
+      <p:grpSpPr>
+        <a:xfrm>
+          <a:off x="0" y="0"/>
+          <a:ext cx="0" cy="0"/>
+          <a:chOff x="0" y="0"/>
+          <a:chExt cx="0" cy="0"/>
+        </a:xfrm>
+      </p:grpSpPr>
+      <p:graphicFrame>
+        <p:nvGraphicFramePr>
+          <p:cNvPr id="4" name="Table 4">
+            <a:extLst>
+              <a:ext uri="{FF2B5EF4-FFF2-40B4-BE49-F238E27FC236}">
+                <a16:creationId xmlns:a16="http://schemas.microsoft.com/office/drawing/2014/main" id="{2EBBA708-8431-41FA-AB40-EF41AB8841D5}"/>
+              </a:ext>
+            </a:extLst>
+          </p:cNvPr>
+          <p:cNvGraphicFramePr>
+            <a:graphicFrameLocks noGrp="1"/>
+          </p:cNvGraphicFramePr>
+          <p:nvPr>
+            <p:ph idx="1"/>
+          </p:nvPr>
+        </p:nvGraphicFramePr>
+        <p:xfrm>
+          <a:off x="103412" y="672485"/>
+          <a:ext cx="12026266" cy="6194222"/>
+        </p:xfrm>
+        <a:graphic>
+          <a:graphicData uri="http://schemas.openxmlformats.org/drawingml/2006/table">
+            <a:tbl>
+              <a:tblPr firstRow="1" bandRow="1">
+                <a:tableStyleId>{5C22544A-7EE6-4342-B048-85BDC9FD1C3A}</a:tableStyleId>
+              </a:tblPr>
+              <a:tblGrid>
+                <a:gridCol w="1356924">
+                  <a:extLst>
+                    <a:ext uri="{9D8B030D-6E8A-4147-A177-3AD203B41FA5}">
+                      <a16:colId xmlns:a16="http://schemas.microsoft.com/office/drawing/2014/main" val="2913995090"/>
+                    </a:ext>
+                  </a:extLst>
+                </a:gridCol>
+                <a:gridCol w="1953310">
+                  <a:extLst>
+                    <a:ext uri="{9D8B030D-6E8A-4147-A177-3AD203B41FA5}">
+                      <a16:colId xmlns:a16="http://schemas.microsoft.com/office/drawing/2014/main" val="2571998453"/>
+                    </a:ext>
+                  </a:extLst>
+                </a:gridCol>
+                <a:gridCol w="2626299">
+                  <a:extLst>
+                    <a:ext uri="{9D8B030D-6E8A-4147-A177-3AD203B41FA5}">
+                      <a16:colId xmlns:a16="http://schemas.microsoft.com/office/drawing/2014/main" val="532176216"/>
+                    </a:ext>
+                  </a:extLst>
+                </a:gridCol>
+                <a:gridCol w="2265184">
+                  <a:extLst>
+                    <a:ext uri="{9D8B030D-6E8A-4147-A177-3AD203B41FA5}">
+                      <a16:colId xmlns:a16="http://schemas.microsoft.com/office/drawing/2014/main" val="941367352"/>
+                    </a:ext>
+                  </a:extLst>
+                </a:gridCol>
+                <a:gridCol w="3824549">
+                  <a:extLst>
+                    <a:ext uri="{9D8B030D-6E8A-4147-A177-3AD203B41FA5}">
+                      <a16:colId xmlns:a16="http://schemas.microsoft.com/office/drawing/2014/main" val="3157246423"/>
+                    </a:ext>
+                  </a:extLst>
+                </a:gridCol>
+              </a:tblGrid>
+              <a:tr h="813830">
+                <a:tc>
+                  <a:txBody>
+                    <a:bodyPr/>
+                    <a:lstStyle/>
+                    <a:p>
+                      <a:pPr algn="ctr"/>
+                      <a:r>
+                        <a:rPr lang="tr-TR" dirty="0">
+                          <a:solidFill>
+                            <a:sysClr val="windowText" lastClr="000000"/>
+                          </a:solidFill>
+                        </a:rPr>
+                        <a:t>Key Activities</a:t>
+                      </a:r>
+                    </a:p>
+                  </a:txBody>
+                  <a:tcPr anchor="ctr" anchorCtr="1">
+                    <a:lnL w="12700" cap="flat" cmpd="sng" algn="ctr">
+                      <a:solidFill>
+                        <a:schemeClr val="tx1"/>
+                      </a:solidFill>
+                      <a:prstDash val="solid"/>
+                      <a:round/>
+                      <a:headEnd type="none" w="med" len="med"/>
+                      <a:tailEnd type="none" w="med" len="med"/>
+                    </a:lnL>
+                    <a:lnR w="12700" cap="flat" cmpd="sng" algn="ctr">
+                      <a:solidFill>
+                        <a:schemeClr val="tx1"/>
+                      </a:solidFill>
+                      <a:prstDash val="solid"/>
+                      <a:round/>
+                      <a:headEnd type="none" w="med" len="med"/>
+                      <a:tailEnd type="none" w="med" len="med"/>
+                    </a:lnR>
+                    <a:lnT w="12700" cap="flat" cmpd="sng" algn="ctr">
+                      <a:solidFill>
+                        <a:schemeClr val="tx1"/>
+                      </a:solidFill>
+                      <a:prstDash val="solid"/>
+                      <a:round/>
+                      <a:headEnd type="none" w="med" len="med"/>
+                      <a:tailEnd type="none" w="med" len="med"/>
+                    </a:lnT>
+                    <a:lnB w="12700" cap="flat" cmpd="sng" algn="ctr">
+                      <a:solidFill>
+                        <a:schemeClr val="tx1"/>
+                      </a:solidFill>
+                      <a:prstDash val="solid"/>
+                      <a:round/>
+                      <a:headEnd type="none" w="med" len="med"/>
+                      <a:tailEnd type="none" w="med" len="med"/>
+                    </a:lnB>
+                    <a:solidFill>
+                      <a:schemeClr val="bg1">
+                        <a:lumMod val="95000"/>
+                      </a:schemeClr>
+                    </a:solidFill>
+                  </a:tcPr>
+                </a:tc>
+                <a:tc>
+                  <a:txBody>
+                    <a:bodyPr/>
+                    <a:lstStyle/>
+                    <a:p>
+                      <a:pPr algn="ctr"/>
+                      <a:r>
+                        <a:rPr lang="en-US" dirty="0">
+                          <a:solidFill>
+                            <a:sysClr val="windowText" lastClr="000000"/>
+                          </a:solidFill>
+                        </a:rPr>
+                        <a:t>Selection of</a:t>
+                      </a:r>
+                      <a:r>
+                        <a:rPr lang="tr-TR" dirty="0">
+                          <a:solidFill>
+                            <a:sysClr val="windowText" lastClr="000000"/>
+                          </a:solidFill>
+                        </a:rPr>
+                        <a:t> </a:t>
+                      </a:r>
+                      <a:r>
+                        <a:rPr lang="en-US" dirty="0">
+                          <a:solidFill>
+                            <a:sysClr val="windowText" lastClr="000000"/>
+                          </a:solidFill>
+                        </a:rPr>
+                        <a:t>Raw Texts &amp; Audios</a:t>
+                      </a:r>
+                      <a:endParaRPr lang="tr-TR" dirty="0">
+                        <a:solidFill>
+                          <a:sysClr val="windowText" lastClr="000000"/>
+                        </a:solidFill>
+                      </a:endParaRPr>
+                    </a:p>
+                  </a:txBody>
+                  <a:tcPr anchor="ctr" anchorCtr="1">
+                    <a:lnL w="12700" cap="flat" cmpd="sng" algn="ctr">
+                      <a:solidFill>
+                        <a:schemeClr val="tx1"/>
+                      </a:solidFill>
+                      <a:prstDash val="solid"/>
+                      <a:round/>
+                      <a:headEnd type="none" w="med" len="med"/>
+                      <a:tailEnd type="none" w="med" len="med"/>
+                    </a:lnL>
+                    <a:lnR w="12700" cap="flat" cmpd="sng" algn="ctr">
+                      <a:solidFill>
+                        <a:schemeClr val="tx1"/>
+                      </a:solidFill>
+                      <a:prstDash val="solid"/>
+                      <a:round/>
+                      <a:headEnd type="none" w="med" len="med"/>
+                      <a:tailEnd type="none" w="med" len="med"/>
+                    </a:lnR>
+                    <a:lnT w="12700" cap="flat" cmpd="sng" algn="ctr">
+                      <a:solidFill>
+                        <a:schemeClr val="tx1"/>
+                      </a:solidFill>
+                      <a:prstDash val="solid"/>
+                      <a:round/>
+                      <a:headEnd type="none" w="med" len="med"/>
+                      <a:tailEnd type="none" w="med" len="med"/>
+                    </a:lnT>
+                    <a:lnB w="12700" cap="flat" cmpd="sng" algn="ctr">
+                      <a:solidFill>
+                        <a:schemeClr val="tx1"/>
+                      </a:solidFill>
+                      <a:prstDash val="solid"/>
+                      <a:round/>
+                      <a:headEnd type="none" w="med" len="med"/>
+                      <a:tailEnd type="none" w="med" len="med"/>
+                    </a:lnB>
+                    <a:solidFill>
+                      <a:schemeClr val="bg1">
+                        <a:lumMod val="95000"/>
+                      </a:schemeClr>
+                    </a:solidFill>
+                  </a:tcPr>
+                </a:tc>
+                <a:tc gridSpan="2">
+                  <a:txBody>
+                    <a:bodyPr/>
+                    <a:lstStyle/>
+                    <a:p>
+                      <a:pPr algn="ctr"/>
+                      <a:r>
+                        <a:rPr lang="en-US" dirty="0">
+                          <a:solidFill>
+                            <a:sysClr val="windowText" lastClr="000000"/>
+                          </a:solidFill>
+                        </a:rPr>
+                        <a:t>Feature Extraction &amp;</a:t>
+                      </a:r>
+                    </a:p>
+                    <a:p>
+                      <a:pPr algn="ctr"/>
+                      <a:r>
+                        <a:rPr lang="en-US" dirty="0">
+                          <a:solidFill>
+                            <a:sysClr val="windowText" lastClr="000000"/>
+                          </a:solidFill>
+                        </a:rPr>
+                        <a:t>Grouping of Objects</a:t>
+                      </a:r>
+                      <a:endParaRPr lang="tr-TR" dirty="0">
+                        <a:solidFill>
+                          <a:sysClr val="windowText" lastClr="000000"/>
+                        </a:solidFill>
+                      </a:endParaRPr>
+                    </a:p>
+                  </a:txBody>
+                  <a:tcPr anchor="ctr" anchorCtr="1">
+                    <a:lnL w="12700" cap="flat" cmpd="sng" algn="ctr">
+                      <a:solidFill>
+                        <a:schemeClr val="tx1"/>
+                      </a:solidFill>
+                      <a:prstDash val="solid"/>
+                      <a:round/>
+                      <a:headEnd type="none" w="med" len="med"/>
+                      <a:tailEnd type="none" w="med" len="med"/>
+                    </a:lnL>
+                    <a:lnR w="12700" cap="flat" cmpd="sng" algn="ctr">
+                      <a:solidFill>
+                        <a:schemeClr val="tx1"/>
+                      </a:solidFill>
+                      <a:prstDash val="solid"/>
+                      <a:round/>
+                      <a:headEnd type="none" w="med" len="med"/>
+                      <a:tailEnd type="none" w="med" len="med"/>
+                    </a:lnR>
+                    <a:lnT w="12700" cap="flat" cmpd="sng" algn="ctr">
+                      <a:solidFill>
+                        <a:schemeClr val="tx1"/>
+                      </a:solidFill>
+                      <a:prstDash val="solid"/>
+                      <a:round/>
+                      <a:headEnd type="none" w="med" len="med"/>
+                      <a:tailEnd type="none" w="med" len="med"/>
+                    </a:lnT>
+                    <a:lnB w="12700" cap="flat" cmpd="sng" algn="ctr">
+                      <a:solidFill>
+                        <a:schemeClr val="tx1"/>
+                      </a:solidFill>
+                      <a:prstDash val="solid"/>
+                      <a:round/>
+                      <a:headEnd type="none" w="med" len="med"/>
+                      <a:tailEnd type="none" w="med" len="med"/>
+                    </a:lnB>
+                    <a:solidFill>
+                      <a:schemeClr val="bg1">
+                        <a:lumMod val="95000"/>
+                      </a:schemeClr>
+                    </a:solidFill>
+                  </a:tcPr>
+                </a:tc>
+                <a:tc hMerge="1">
+                  <a:txBody>
+                    <a:bodyPr/>
+                    <a:lstStyle/>
+                    <a:p>
+                      <a:endParaRPr lang="tr-TR"/>
+                    </a:p>
+                  </a:txBody>
+                  <a:tcPr/>
+                </a:tc>
+                <a:tc>
+                  <a:txBody>
+                    <a:bodyPr/>
+                    <a:lstStyle/>
+                    <a:p>
+                      <a:pPr algn="ctr"/>
+                      <a:r>
+                        <a:rPr lang="en-US" dirty="0">
+                          <a:solidFill>
+                            <a:sysClr val="windowText" lastClr="000000"/>
+                          </a:solidFill>
+                        </a:rPr>
+                        <a:t>Building of a knowledge graph to link the variables</a:t>
+                      </a:r>
+                      <a:endParaRPr lang="tr-TR" dirty="0">
+                        <a:solidFill>
+                          <a:sysClr val="windowText" lastClr="000000"/>
+                        </a:solidFill>
+                      </a:endParaRPr>
+                    </a:p>
+                  </a:txBody>
+                  <a:tcPr anchor="ctr" anchorCtr="1">
+                    <a:lnL w="12700" cap="flat" cmpd="sng" algn="ctr">
+                      <a:solidFill>
+                        <a:schemeClr val="tx1"/>
+                      </a:solidFill>
+                      <a:prstDash val="solid"/>
+                      <a:round/>
+                      <a:headEnd type="none" w="med" len="med"/>
+                      <a:tailEnd type="none" w="med" len="med"/>
+                    </a:lnL>
+                    <a:lnR w="12700" cap="flat" cmpd="sng" algn="ctr">
+                      <a:solidFill>
+                        <a:schemeClr val="tx1"/>
+                      </a:solidFill>
+                      <a:prstDash val="solid"/>
+                      <a:round/>
+                      <a:headEnd type="none" w="med" len="med"/>
+                      <a:tailEnd type="none" w="med" len="med"/>
+                    </a:lnR>
+                    <a:lnT w="12700" cap="flat" cmpd="sng" algn="ctr">
+                      <a:solidFill>
+                        <a:schemeClr val="tx1"/>
+                      </a:solidFill>
+                      <a:prstDash val="solid"/>
+                      <a:round/>
+                      <a:headEnd type="none" w="med" len="med"/>
+                      <a:tailEnd type="none" w="med" len="med"/>
+                    </a:lnT>
+                    <a:lnB w="12700" cap="flat" cmpd="sng" algn="ctr">
+                      <a:solidFill>
+                        <a:schemeClr val="tx1"/>
+                      </a:solidFill>
+                      <a:prstDash val="solid"/>
+                      <a:round/>
+                      <a:headEnd type="none" w="med" len="med"/>
+                      <a:tailEnd type="none" w="med" len="med"/>
+                    </a:lnB>
+                    <a:solidFill>
+                      <a:schemeClr val="bg1">
+                        <a:lumMod val="95000"/>
+                      </a:schemeClr>
+                    </a:solidFill>
+                  </a:tcPr>
+                </a:tc>
+                <a:extLst>
+                  <a:ext uri="{0D108BD9-81ED-4DB2-BD59-A6C34878D82A}">
+                    <a16:rowId xmlns:a16="http://schemas.microsoft.com/office/drawing/2014/main" val="2281131937"/>
+                  </a:ext>
+                </a:extLst>
+              </a:tr>
+              <a:tr h="4587912">
+                <a:tc>
+                  <a:txBody>
+                    <a:bodyPr/>
+                    <a:lstStyle/>
+                    <a:p>
+                      <a:pPr marL="0" algn="ctr" defTabSz="914400" rtl="0" eaLnBrk="1" latinLnBrk="0" hangingPunct="1"/>
+                      <a:r>
+                        <a:rPr lang="tr-TR" sz="1800" b="1" kern="1200" dirty="0">
+                          <a:solidFill>
+                            <a:sysClr val="windowText" lastClr="000000"/>
+                          </a:solidFill>
+                          <a:latin typeface="+mn-lt"/>
+                          <a:ea typeface="+mn-ea"/>
+                          <a:cs typeface="+mn-cs"/>
+                        </a:rPr>
+                        <a:t>Explanation</a:t>
+                      </a:r>
+                    </a:p>
+                  </a:txBody>
+                  <a:tcPr anchor="ctr" anchorCtr="1">
+                    <a:lnL w="12700" cap="flat" cmpd="sng" algn="ctr">
+                      <a:solidFill>
+                        <a:schemeClr val="tx1"/>
+                      </a:solidFill>
+                      <a:prstDash val="solid"/>
+                      <a:round/>
+                      <a:headEnd type="none" w="med" len="med"/>
+                      <a:tailEnd type="none" w="med" len="med"/>
+                    </a:lnL>
+                    <a:lnR w="12700" cap="flat" cmpd="sng" algn="ctr">
+                      <a:solidFill>
+                        <a:schemeClr val="tx1"/>
+                      </a:solidFill>
+                      <a:prstDash val="solid"/>
+                      <a:round/>
+                      <a:headEnd type="none" w="med" len="med"/>
+                      <a:tailEnd type="none" w="med" len="med"/>
+                    </a:lnR>
+                    <a:lnT w="12700" cap="flat" cmpd="sng" algn="ctr">
+                      <a:solidFill>
+                        <a:schemeClr val="tx1"/>
+                      </a:solidFill>
+                      <a:prstDash val="solid"/>
+                      <a:round/>
+                      <a:headEnd type="none" w="med" len="med"/>
+                      <a:tailEnd type="none" w="med" len="med"/>
+                    </a:lnT>
+                    <a:lnB w="12700" cap="flat" cmpd="sng" algn="ctr">
+                      <a:solidFill>
+                        <a:schemeClr val="tx1"/>
+                      </a:solidFill>
+                      <a:prstDash val="solid"/>
+                      <a:round/>
+                      <a:headEnd type="none" w="med" len="med"/>
+                      <a:tailEnd type="none" w="med" len="med"/>
+                    </a:lnB>
+                    <a:solidFill>
+                      <a:schemeClr val="bg1">
+                        <a:lumMod val="95000"/>
+                      </a:schemeClr>
+                    </a:solidFill>
+                  </a:tcPr>
+                </a:tc>
+                <a:tc>
+                  <a:txBody>
+                    <a:bodyPr/>
+                    <a:lstStyle/>
+                    <a:p>
+                      <a:endParaRPr lang="tr-TR" dirty="0">
+                        <a:solidFill>
+                          <a:sysClr val="windowText" lastClr="000000"/>
+                        </a:solidFill>
+                      </a:endParaRPr>
+                    </a:p>
+                    <a:p>
+                      <a:endParaRPr lang="tr-TR" dirty="0">
+                        <a:solidFill>
+                          <a:sysClr val="windowText" lastClr="000000"/>
+                        </a:solidFill>
+                      </a:endParaRPr>
+                    </a:p>
+                    <a:p>
+                      <a:endParaRPr lang="tr-TR" dirty="0">
+                        <a:solidFill>
+                          <a:sysClr val="windowText" lastClr="000000"/>
+                        </a:solidFill>
+                      </a:endParaRPr>
+                    </a:p>
+                    <a:p>
+                      <a:endParaRPr lang="tr-TR" dirty="0">
+                        <a:solidFill>
+                          <a:sysClr val="windowText" lastClr="000000"/>
+                        </a:solidFill>
+                      </a:endParaRPr>
+                    </a:p>
+                    <a:p>
+                      <a:endParaRPr lang="tr-TR" dirty="0">
+                        <a:solidFill>
+                          <a:sysClr val="windowText" lastClr="000000"/>
+                        </a:solidFill>
+                      </a:endParaRPr>
+                    </a:p>
+                    <a:p>
+                      <a:endParaRPr lang="tr-TR" dirty="0">
+                        <a:solidFill>
+                          <a:sysClr val="windowText" lastClr="000000"/>
+                        </a:solidFill>
+                      </a:endParaRPr>
+                    </a:p>
+                    <a:p>
+                      <a:endParaRPr lang="tr-TR" dirty="0">
+                        <a:solidFill>
+                          <a:sysClr val="windowText" lastClr="000000"/>
+                        </a:solidFill>
+                      </a:endParaRPr>
+                    </a:p>
+                    <a:p>
+                      <a:endParaRPr lang="tr-TR" dirty="0">
+                        <a:solidFill>
+                          <a:sysClr val="windowText" lastClr="000000"/>
+                        </a:solidFill>
+                      </a:endParaRPr>
+                    </a:p>
+                    <a:p>
+                      <a:endParaRPr lang="tr-TR" dirty="0">
+                        <a:solidFill>
+                          <a:sysClr val="windowText" lastClr="000000"/>
+                        </a:solidFill>
+                      </a:endParaRPr>
+                    </a:p>
+                  </a:txBody>
+                  <a:tcPr>
+                    <a:lnL w="12700" cap="flat" cmpd="sng" algn="ctr">
+                      <a:solidFill>
+                        <a:schemeClr val="tx1"/>
+                      </a:solidFill>
+                      <a:prstDash val="solid"/>
+                      <a:round/>
+                      <a:headEnd type="none" w="med" len="med"/>
+                      <a:tailEnd type="none" w="med" len="med"/>
+                    </a:lnL>
+                    <a:lnR w="12700" cap="flat" cmpd="sng" algn="ctr">
+                      <a:solidFill>
+                        <a:schemeClr val="tx1"/>
+                      </a:solidFill>
+                      <a:prstDash val="solid"/>
+                      <a:round/>
+                      <a:headEnd type="none" w="med" len="med"/>
+                      <a:tailEnd type="none" w="med" len="med"/>
+                    </a:lnR>
+                    <a:lnT w="12700" cap="flat" cmpd="sng" algn="ctr">
+                      <a:solidFill>
+                        <a:schemeClr val="tx1"/>
+                      </a:solidFill>
+                      <a:prstDash val="solid"/>
+                      <a:round/>
+                      <a:headEnd type="none" w="med" len="med"/>
+                      <a:tailEnd type="none" w="med" len="med"/>
+                    </a:lnT>
+                    <a:lnB w="12700" cap="flat" cmpd="sng" algn="ctr">
+                      <a:solidFill>
+                        <a:schemeClr val="tx1"/>
+                      </a:solidFill>
+                      <a:prstDash val="solid"/>
+                      <a:round/>
+                      <a:headEnd type="none" w="med" len="med"/>
+                      <a:tailEnd type="none" w="med" len="med"/>
+                    </a:lnB>
+                    <a:noFill/>
+                  </a:tcPr>
+                </a:tc>
+                <a:tc gridSpan="2">
+                  <a:txBody>
+                    <a:bodyPr/>
+                    <a:lstStyle/>
+                    <a:p>
+                      <a:endParaRPr lang="tr-TR" dirty="0">
+                        <a:solidFill>
+                          <a:sysClr val="windowText" lastClr="000000"/>
+                        </a:solidFill>
+                      </a:endParaRPr>
+                    </a:p>
+                  </a:txBody>
+                  <a:tcPr>
+                    <a:lnL w="12700" cap="flat" cmpd="sng" algn="ctr">
+                      <a:solidFill>
+                        <a:schemeClr val="tx1"/>
+                      </a:solidFill>
+                      <a:prstDash val="solid"/>
+                      <a:round/>
+                      <a:headEnd type="none" w="med" len="med"/>
+                      <a:tailEnd type="none" w="med" len="med"/>
+                    </a:lnL>
+                    <a:lnR w="12700" cap="flat" cmpd="sng" algn="ctr">
+                      <a:solidFill>
+                        <a:schemeClr val="tx1"/>
+                      </a:solidFill>
+                      <a:prstDash val="solid"/>
+                      <a:round/>
+                      <a:headEnd type="none" w="med" len="med"/>
+                      <a:tailEnd type="none" w="med" len="med"/>
+                    </a:lnR>
+                    <a:lnT w="12700" cap="flat" cmpd="sng" algn="ctr">
+                      <a:solidFill>
+                        <a:schemeClr val="tx1"/>
+                      </a:solidFill>
+                      <a:prstDash val="solid"/>
+                      <a:round/>
+                      <a:headEnd type="none" w="med" len="med"/>
+                      <a:tailEnd type="none" w="med" len="med"/>
+                    </a:lnT>
+                    <a:lnB w="12700" cap="flat" cmpd="sng" algn="ctr">
+                      <a:solidFill>
+                        <a:schemeClr val="tx1"/>
+                      </a:solidFill>
+                      <a:prstDash val="solid"/>
+                      <a:round/>
+                      <a:headEnd type="none" w="med" len="med"/>
+                      <a:tailEnd type="none" w="med" len="med"/>
+                    </a:lnB>
+                    <a:noFill/>
+                  </a:tcPr>
+                </a:tc>
+                <a:tc hMerge="1">
+                  <a:txBody>
+                    <a:bodyPr/>
+                    <a:lstStyle/>
+                    <a:p>
+                      <a:endParaRPr lang="tr-TR"/>
+                    </a:p>
+                  </a:txBody>
+                  <a:tcPr/>
+                </a:tc>
+                <a:tc>
+                  <a:txBody>
+                    <a:bodyPr/>
+                    <a:lstStyle/>
+                    <a:p>
+                      <a:endParaRPr lang="tr-TR" dirty="0">
+                        <a:solidFill>
+                          <a:sysClr val="windowText" lastClr="000000"/>
+                        </a:solidFill>
+                      </a:endParaRPr>
+                    </a:p>
+                  </a:txBody>
+                  <a:tcPr>
+                    <a:lnL w="12700" cap="flat" cmpd="sng" algn="ctr">
+                      <a:solidFill>
+                        <a:schemeClr val="tx1"/>
+                      </a:solidFill>
+                      <a:prstDash val="solid"/>
+                      <a:round/>
+                      <a:headEnd type="none" w="med" len="med"/>
+                      <a:tailEnd type="none" w="med" len="med"/>
+                    </a:lnL>
+                    <a:lnR w="12700" cap="flat" cmpd="sng" algn="ctr">
+                      <a:solidFill>
+                        <a:schemeClr val="tx1"/>
+                      </a:solidFill>
+                      <a:prstDash val="solid"/>
+                      <a:round/>
+                      <a:headEnd type="none" w="med" len="med"/>
+                      <a:tailEnd type="none" w="med" len="med"/>
+                    </a:lnR>
+                    <a:lnT w="12700" cap="flat" cmpd="sng" algn="ctr">
+                      <a:solidFill>
+                        <a:schemeClr val="tx1"/>
+                      </a:solidFill>
+                      <a:prstDash val="solid"/>
+                      <a:round/>
+                      <a:headEnd type="none" w="med" len="med"/>
+                      <a:tailEnd type="none" w="med" len="med"/>
+                    </a:lnT>
+                    <a:lnB w="12700" cap="flat" cmpd="sng" algn="ctr">
+                      <a:solidFill>
+                        <a:schemeClr val="tx1"/>
+                      </a:solidFill>
+                      <a:prstDash val="solid"/>
+                      <a:round/>
+                      <a:headEnd type="none" w="med" len="med"/>
+                      <a:tailEnd type="none" w="med" len="med"/>
+                    </a:lnB>
+                    <a:noFill/>
+                  </a:tcPr>
+                </a:tc>
+                <a:extLst>
+                  <a:ext uri="{0D108BD9-81ED-4DB2-BD59-A6C34878D82A}">
+                    <a16:rowId xmlns:a16="http://schemas.microsoft.com/office/drawing/2014/main" val="364216808"/>
+                  </a:ext>
+                </a:extLst>
+              </a:tr>
+              <a:tr h="644488">
+                <a:tc>
+                  <a:txBody>
+                    <a:bodyPr/>
+                    <a:lstStyle/>
+                    <a:p>
+                      <a:pPr marL="0" algn="ctr" defTabSz="914400" rtl="0" eaLnBrk="1" latinLnBrk="0" hangingPunct="1"/>
+                      <a:r>
+                        <a:rPr lang="tr-TR" sz="1800" b="1" kern="1200" dirty="0">
+                          <a:solidFill>
+                            <a:sysClr val="windowText" lastClr="000000"/>
+                          </a:solidFill>
+                          <a:latin typeface="+mn-lt"/>
+                          <a:ea typeface="+mn-ea"/>
+                          <a:cs typeface="+mn-cs"/>
+                        </a:rPr>
+                        <a:t>Tools</a:t>
+                      </a:r>
+                    </a:p>
+                  </a:txBody>
+                  <a:tcPr anchor="ctr" anchorCtr="1">
+                    <a:lnL w="12700" cap="flat" cmpd="sng" algn="ctr">
+                      <a:solidFill>
+                        <a:schemeClr val="tx1"/>
+                      </a:solidFill>
+                      <a:prstDash val="solid"/>
+                      <a:round/>
+                      <a:headEnd type="none" w="med" len="med"/>
+                      <a:tailEnd type="none" w="med" len="med"/>
+                    </a:lnL>
+                    <a:lnR w="12700" cap="flat" cmpd="sng" algn="ctr">
+                      <a:solidFill>
+                        <a:schemeClr val="tx1"/>
+                      </a:solidFill>
+                      <a:prstDash val="solid"/>
+                      <a:round/>
+                      <a:headEnd type="none" w="med" len="med"/>
+                      <a:tailEnd type="none" w="med" len="med"/>
+                    </a:lnR>
+                    <a:lnT w="12700" cap="flat" cmpd="sng" algn="ctr">
+                      <a:solidFill>
+                        <a:schemeClr val="tx1"/>
+                      </a:solidFill>
+                      <a:prstDash val="solid"/>
+                      <a:round/>
+                      <a:headEnd type="none" w="med" len="med"/>
+                      <a:tailEnd type="none" w="med" len="med"/>
+                    </a:lnT>
+                    <a:lnB w="12700" cap="flat" cmpd="sng" algn="ctr">
+                      <a:solidFill>
+                        <a:schemeClr val="tx1"/>
+                      </a:solidFill>
+                      <a:prstDash val="solid"/>
+                      <a:round/>
+                      <a:headEnd type="none" w="med" len="med"/>
+                      <a:tailEnd type="none" w="med" len="med"/>
+                    </a:lnB>
+                    <a:solidFill>
+                      <a:schemeClr val="bg1">
+                        <a:lumMod val="95000"/>
+                      </a:schemeClr>
+                    </a:solidFill>
+                  </a:tcPr>
+                </a:tc>
+                <a:tc>
+                  <a:txBody>
+                    <a:bodyPr/>
+                    <a:lstStyle/>
+                    <a:p>
+                      <a:pPr algn="ctr"/>
+                      <a:r>
+                        <a:rPr lang="tr-TR" b="1" dirty="0">
+                          <a:solidFill>
+                            <a:sysClr val="windowText" lastClr="000000"/>
+                          </a:solidFill>
+                        </a:rPr>
+                        <a:t>Raw Text</a:t>
+                      </a:r>
+                    </a:p>
+                    <a:p>
+                      <a:pPr algn="ctr"/>
+                      <a:r>
+                        <a:rPr lang="tr-TR" sz="1400" b="1" dirty="0">
+                          <a:solidFill>
+                            <a:sysClr val="windowText" lastClr="000000"/>
+                          </a:solidFill>
+                        </a:rPr>
+                        <a:t>(Ex: «</a:t>
+                      </a:r>
+                      <a:r>
+                        <a:rPr lang="en-US" sz="1400" b="1" dirty="0">
+                          <a:solidFill>
+                            <a:sysClr val="windowText" lastClr="000000"/>
+                          </a:solidFill>
+                        </a:rPr>
+                        <a:t>History of the</a:t>
+                      </a:r>
+                      <a:r>
+                        <a:rPr lang="tr-TR" sz="1400" b="1" dirty="0">
+                          <a:solidFill>
+                            <a:sysClr val="windowText" lastClr="000000"/>
+                          </a:solidFill>
+                        </a:rPr>
+                        <a:t> 1st </a:t>
+                      </a:r>
+                      <a:r>
+                        <a:rPr lang="en-US" sz="1400" b="1" dirty="0">
+                          <a:solidFill>
+                            <a:sysClr val="windowText" lastClr="000000"/>
+                          </a:solidFill>
+                        </a:rPr>
+                        <a:t>WW-L</a:t>
+                      </a:r>
+                      <a:r>
+                        <a:rPr lang="tr-TR" sz="1400" b="1" dirty="0">
+                          <a:solidFill>
+                            <a:sysClr val="windowText" lastClr="000000"/>
+                          </a:solidFill>
+                        </a:rPr>
+                        <a:t>.</a:t>
+                      </a:r>
+                      <a:r>
+                        <a:rPr lang="en-US" sz="1400" b="1" dirty="0">
+                          <a:solidFill>
+                            <a:sysClr val="windowText" lastClr="000000"/>
+                          </a:solidFill>
+                        </a:rPr>
+                        <a:t> Hart</a:t>
+                      </a:r>
+                      <a:r>
+                        <a:rPr lang="tr-TR" sz="1400" b="1" dirty="0">
+                          <a:solidFill>
+                            <a:sysClr val="windowText" lastClr="000000"/>
+                          </a:solidFill>
+                        </a:rPr>
+                        <a:t>»</a:t>
+                      </a:r>
+                    </a:p>
+                  </a:txBody>
+                  <a:tcPr>
+                    <a:lnL w="12700" cap="flat" cmpd="sng" algn="ctr">
+                      <a:solidFill>
+                        <a:schemeClr val="tx1"/>
+                      </a:solidFill>
+                      <a:prstDash val="solid"/>
+                      <a:round/>
+                      <a:headEnd type="none" w="med" len="med"/>
+                      <a:tailEnd type="none" w="med" len="med"/>
+                    </a:lnL>
+                    <a:lnR w="12700" cap="flat" cmpd="sng" algn="ctr">
+                      <a:solidFill>
+                        <a:schemeClr val="tx1"/>
+                      </a:solidFill>
+                      <a:prstDash val="solid"/>
+                      <a:round/>
+                      <a:headEnd type="none" w="med" len="med"/>
+                      <a:tailEnd type="none" w="med" len="med"/>
+                    </a:lnR>
+                    <a:lnT w="12700" cap="flat" cmpd="sng" algn="ctr">
+                      <a:solidFill>
+                        <a:schemeClr val="tx1"/>
+                      </a:solidFill>
+                      <a:prstDash val="solid"/>
+                      <a:round/>
+                      <a:headEnd type="none" w="med" len="med"/>
+                      <a:tailEnd type="none" w="med" len="med"/>
+                    </a:lnT>
+                    <a:lnB w="12700" cap="flat" cmpd="sng" algn="ctr">
+                      <a:solidFill>
+                        <a:schemeClr val="tx1"/>
+                      </a:solidFill>
+                      <a:prstDash val="solid"/>
+                      <a:round/>
+                      <a:headEnd type="none" w="med" len="med"/>
+                      <a:tailEnd type="none" w="med" len="med"/>
+                    </a:lnB>
+                    <a:noFill/>
+                  </a:tcPr>
+                </a:tc>
+                <a:tc>
+                  <a:txBody>
+                    <a:bodyPr/>
+                    <a:lstStyle/>
+                    <a:p>
+                      <a:pPr algn="ctr"/>
+                      <a:r>
+                        <a:rPr lang="tr-TR" sz="1800" b="1" dirty="0"/>
+                        <a:t>Natural Language</a:t>
+                      </a:r>
+                    </a:p>
+                    <a:p>
+                      <a:pPr algn="ctr"/>
+                      <a:r>
+                        <a:rPr lang="tr-TR" sz="1800" b="1" dirty="0"/>
+                        <a:t>Processing</a:t>
+                      </a:r>
+                      <a:endParaRPr lang="tr-TR" dirty="0">
+                        <a:solidFill>
+                          <a:sysClr val="windowText" lastClr="000000"/>
+                        </a:solidFill>
+                      </a:endParaRPr>
+                    </a:p>
+                  </a:txBody>
+                  <a:tcPr>
+                    <a:lnL w="12700" cap="flat" cmpd="sng" algn="ctr">
+                      <a:solidFill>
+                        <a:schemeClr val="tx1"/>
+                      </a:solidFill>
+                      <a:prstDash val="solid"/>
+                      <a:round/>
+                      <a:headEnd type="none" w="med" len="med"/>
+                      <a:tailEnd type="none" w="med" len="med"/>
+                    </a:lnL>
+                    <a:lnR w="12700" cap="flat" cmpd="sng" algn="ctr">
+                      <a:solidFill>
+                        <a:schemeClr val="tx1"/>
+                      </a:solidFill>
+                      <a:prstDash val="solid"/>
+                      <a:round/>
+                      <a:headEnd type="none" w="med" len="med"/>
+                      <a:tailEnd type="none" w="med" len="med"/>
+                    </a:lnR>
+                    <a:lnT w="12700" cap="flat" cmpd="sng" algn="ctr">
+                      <a:solidFill>
+                        <a:schemeClr val="tx1"/>
+                      </a:solidFill>
+                      <a:prstDash val="solid"/>
+                      <a:round/>
+                      <a:headEnd type="none" w="med" len="med"/>
+                      <a:tailEnd type="none" w="med" len="med"/>
+                    </a:lnT>
+                    <a:lnB w="12700" cap="flat" cmpd="sng" algn="ctr">
+                      <a:solidFill>
+                        <a:schemeClr val="tx1"/>
+                      </a:solidFill>
+                      <a:prstDash val="solid"/>
+                      <a:round/>
+                      <a:headEnd type="none" w="med" len="med"/>
+                      <a:tailEnd type="none" w="med" len="med"/>
+                    </a:lnB>
+                    <a:noFill/>
+                  </a:tcPr>
+                </a:tc>
+                <a:tc>
+                  <a:txBody>
+                    <a:bodyPr/>
+                    <a:lstStyle/>
+                    <a:p>
+                      <a:pPr marL="0" algn="ctr" defTabSz="914400" rtl="0" eaLnBrk="1" latinLnBrk="0" hangingPunct="1"/>
+                      <a:r>
+                        <a:rPr lang="tr-TR" sz="1800" b="1" kern="1200" dirty="0">
+                          <a:solidFill>
+                            <a:schemeClr val="dk1"/>
+                          </a:solidFill>
+                          <a:latin typeface="+mn-lt"/>
+                          <a:ea typeface="+mn-ea"/>
+                          <a:cs typeface="+mn-cs"/>
+                        </a:rPr>
+                        <a:t>Machine </a:t>
+                      </a:r>
+                    </a:p>
+                    <a:p>
+                      <a:pPr marL="0" algn="ctr" defTabSz="914400" rtl="0" eaLnBrk="1" latinLnBrk="0" hangingPunct="1"/>
+                      <a:r>
+                        <a:rPr lang="tr-TR" sz="1800" b="1" kern="1200" dirty="0">
+                          <a:solidFill>
+                            <a:schemeClr val="dk1"/>
+                          </a:solidFill>
+                          <a:latin typeface="+mn-lt"/>
+                          <a:ea typeface="+mn-ea"/>
+                          <a:cs typeface="+mn-cs"/>
+                        </a:rPr>
+                        <a:t>Learning</a:t>
+                      </a:r>
+                    </a:p>
+                  </a:txBody>
+                  <a:tcPr>
+                    <a:lnL w="12700" cap="flat" cmpd="sng" algn="ctr">
+                      <a:solidFill>
+                        <a:schemeClr val="tx1"/>
+                      </a:solidFill>
+                      <a:prstDash val="solid"/>
+                      <a:round/>
+                      <a:headEnd type="none" w="med" len="med"/>
+                      <a:tailEnd type="none" w="med" len="med"/>
+                    </a:lnL>
+                    <a:lnR w="12700" cap="flat" cmpd="sng" algn="ctr">
+                      <a:solidFill>
+                        <a:schemeClr val="tx1"/>
+                      </a:solidFill>
+                      <a:prstDash val="solid"/>
+                      <a:round/>
+                      <a:headEnd type="none" w="med" len="med"/>
+                      <a:tailEnd type="none" w="med" len="med"/>
+                    </a:lnR>
+                    <a:lnT w="12700" cap="flat" cmpd="sng" algn="ctr">
+                      <a:solidFill>
+                        <a:schemeClr val="tx1"/>
+                      </a:solidFill>
+                      <a:prstDash val="solid"/>
+                      <a:round/>
+                      <a:headEnd type="none" w="med" len="med"/>
+                      <a:tailEnd type="none" w="med" len="med"/>
+                    </a:lnT>
+                    <a:lnB w="12700" cap="flat" cmpd="sng" algn="ctr">
+                      <a:solidFill>
+                        <a:schemeClr val="tx1"/>
+                      </a:solidFill>
+                      <a:prstDash val="solid"/>
+                      <a:round/>
+                      <a:headEnd type="none" w="med" len="med"/>
+                      <a:tailEnd type="none" w="med" len="med"/>
+                    </a:lnB>
+                    <a:noFill/>
+                  </a:tcPr>
+                </a:tc>
+                <a:tc>
+                  <a:txBody>
+                    <a:bodyPr/>
+                    <a:lstStyle/>
+                    <a:p>
+                      <a:pPr algn="ctr"/>
+                      <a:r>
+                        <a:rPr lang="tr-TR" b="1" dirty="0">
+                          <a:solidFill>
+                            <a:sysClr val="windowText" lastClr="000000"/>
+                          </a:solidFill>
+                        </a:rPr>
+                        <a:t>Deep </a:t>
+                      </a:r>
+                    </a:p>
+                    <a:p>
+                      <a:pPr algn="ctr"/>
+                      <a:r>
+                        <a:rPr lang="tr-TR" b="1" dirty="0">
+                          <a:solidFill>
+                            <a:sysClr val="windowText" lastClr="000000"/>
+                          </a:solidFill>
+                        </a:rPr>
+                        <a:t>Learning</a:t>
+                      </a:r>
+                    </a:p>
+                  </a:txBody>
+                  <a:tcPr>
+                    <a:lnL w="12700" cap="flat" cmpd="sng" algn="ctr">
+                      <a:solidFill>
+                        <a:schemeClr val="tx1"/>
+                      </a:solidFill>
+                      <a:prstDash val="solid"/>
+                      <a:round/>
+                      <a:headEnd type="none" w="med" len="med"/>
+                      <a:tailEnd type="none" w="med" len="med"/>
+                    </a:lnL>
+                    <a:lnR w="12700" cap="flat" cmpd="sng" algn="ctr">
+                      <a:solidFill>
+                        <a:schemeClr val="tx1"/>
+                      </a:solidFill>
+                      <a:prstDash val="solid"/>
+                      <a:round/>
+                      <a:headEnd type="none" w="med" len="med"/>
+                      <a:tailEnd type="none" w="med" len="med"/>
+                    </a:lnR>
+                    <a:lnT w="12700" cap="flat" cmpd="sng" algn="ctr">
+                      <a:solidFill>
+                        <a:schemeClr val="tx1"/>
+                      </a:solidFill>
+                      <a:prstDash val="solid"/>
+                      <a:round/>
+                      <a:headEnd type="none" w="med" len="med"/>
+                      <a:tailEnd type="none" w="med" len="med"/>
+                    </a:lnT>
+                    <a:lnB w="12700" cap="flat" cmpd="sng" algn="ctr">
+                      <a:solidFill>
+                        <a:schemeClr val="tx1"/>
+                      </a:solidFill>
+                      <a:prstDash val="solid"/>
+                      <a:round/>
+                      <a:headEnd type="none" w="med" len="med"/>
+                      <a:tailEnd type="none" w="med" len="med"/>
+                    </a:lnB>
+                    <a:noFill/>
+                  </a:tcPr>
+                </a:tc>
+                <a:extLst>
+                  <a:ext uri="{0D108BD9-81ED-4DB2-BD59-A6C34878D82A}">
+                    <a16:rowId xmlns:a16="http://schemas.microsoft.com/office/drawing/2014/main" val="2587826731"/>
+                  </a:ext>
+                </a:extLst>
+              </a:tr>
+            </a:tbl>
+          </a:graphicData>
+        </a:graphic>
+      </p:graphicFrame>
+      <p:grpSp>
+        <p:nvGrpSpPr>
+          <p:cNvPr id="5" name="Group 4">
+            <a:extLst>
+              <a:ext uri="{FF2B5EF4-FFF2-40B4-BE49-F238E27FC236}">
+                <a16:creationId xmlns:a16="http://schemas.microsoft.com/office/drawing/2014/main" id="{97DC5064-D74A-4ED8-82EF-FD5A008800B8}"/>
+              </a:ext>
+            </a:extLst>
+          </p:cNvPr>
+          <p:cNvGrpSpPr/>
+          <p:nvPr/>
+        </p:nvGrpSpPr>
+        <p:grpSpPr>
+          <a:xfrm>
+            <a:off x="1608909" y="2764958"/>
+            <a:ext cx="979865" cy="1306635"/>
+            <a:chOff x="4736649" y="5139505"/>
+            <a:chExt cx="979865" cy="1306635"/>
+          </a:xfrm>
+        </p:grpSpPr>
+        <p:sp>
+          <p:nvSpPr>
+            <p:cNvPr id="6" name="TextBox 5">
+              <a:extLst>
+                <a:ext uri="{FF2B5EF4-FFF2-40B4-BE49-F238E27FC236}">
+                  <a16:creationId xmlns:a16="http://schemas.microsoft.com/office/drawing/2014/main" id="{20815567-C605-4E6B-9EB3-F8771E3B7343}"/>
+                </a:ext>
+              </a:extLst>
+            </p:cNvPr>
+            <p:cNvSpPr txBox="1"/>
+            <p:nvPr/>
+          </p:nvSpPr>
+          <p:spPr>
+            <a:xfrm>
+              <a:off x="4768966" y="5941276"/>
+              <a:ext cx="947548" cy="504864"/>
+            </a:xfrm>
+            <a:prstGeom prst="rect">
+              <a:avLst/>
+            </a:prstGeom>
+            <a:noFill/>
+          </p:spPr>
+          <p:txBody>
+            <a:bodyPr wrap="none" rtlCol="0">
+              <a:normAutofit lnSpcReduction="10000"/>
+            </a:bodyPr>
+            <a:lstStyle/>
+            <a:p>
+              <a:pPr marL="0" marR="0" lvl="0" indent="0" algn="l" defTabSz="914400" rtl="0" eaLnBrk="1" fontAlgn="auto" latinLnBrk="0" hangingPunct="1">
+                <a:lnSpc>
+                  <a:spcPct val="100000"/>
+                </a:lnSpc>
+                <a:spcBef>
+                  <a:spcPts val="0"/>
+                </a:spcBef>
+                <a:spcAft>
+                  <a:spcPts val="0"/>
+                </a:spcAft>
+                <a:buClrTx/>
+                <a:buSzTx/>
+                <a:buFontTx/>
+                <a:buNone/>
+                <a:tabLst/>
+                <a:defRPr/>
+              </a:pPr>
+              <a:r>
+                <a:rPr kumimoji="0" lang="tr-TR" sz="1400" b="1" i="0" u="none" strike="noStrike" kern="1200" cap="none" spc="0" normalizeH="0" baseline="0" noProof="0" dirty="0">
+                  <a:ln>
+                    <a:noFill/>
+                  </a:ln>
+                  <a:solidFill>
+                    <a:prstClr val="black"/>
+                  </a:solidFill>
+                  <a:effectLst/>
+                  <a:uLnTx/>
+                  <a:uFillTx/>
+                  <a:latin typeface="Calibri" panose="020F0502020204030204"/>
+                  <a:ea typeface="+mn-ea"/>
+                  <a:cs typeface="+mn-cs"/>
+                </a:rPr>
+                <a:t>Official </a:t>
+              </a:r>
+            </a:p>
+            <a:p>
+              <a:pPr marL="0" marR="0" lvl="0" indent="0" algn="l" defTabSz="914400" rtl="0" eaLnBrk="1" fontAlgn="auto" latinLnBrk="0" hangingPunct="1">
+                <a:lnSpc>
+                  <a:spcPct val="100000"/>
+                </a:lnSpc>
+                <a:spcBef>
+                  <a:spcPts val="0"/>
+                </a:spcBef>
+                <a:spcAft>
+                  <a:spcPts val="0"/>
+                </a:spcAft>
+                <a:buClrTx/>
+                <a:buSzTx/>
+                <a:buFontTx/>
+                <a:buNone/>
+                <a:tabLst/>
+                <a:defRPr/>
+              </a:pPr>
+              <a:r>
+                <a:rPr kumimoji="0" lang="tr-TR" sz="1400" b="1" i="0" u="none" strike="noStrike" kern="1200" cap="none" spc="0" normalizeH="0" baseline="0" noProof="0" dirty="0">
+                  <a:ln>
+                    <a:noFill/>
+                  </a:ln>
+                  <a:solidFill>
+                    <a:prstClr val="black"/>
+                  </a:solidFill>
+                  <a:effectLst/>
+                  <a:uLnTx/>
+                  <a:uFillTx/>
+                  <a:latin typeface="Calibri" panose="020F0502020204030204"/>
+                  <a:ea typeface="+mn-ea"/>
+                  <a:cs typeface="+mn-cs"/>
+                </a:rPr>
+                <a:t>Reports</a:t>
+              </a:r>
+            </a:p>
+          </p:txBody>
+        </p:sp>
+        <p:pic>
+          <p:nvPicPr>
+            <p:cNvPr id="7" name="Picture 4" descr="document-management-big - Ville de Gerzat">
+              <a:extLst>
+                <a:ext uri="{FF2B5EF4-FFF2-40B4-BE49-F238E27FC236}">
+                  <a16:creationId xmlns:a16="http://schemas.microsoft.com/office/drawing/2014/main" id="{A33A9037-2492-470A-BF65-4D183C4350F2}"/>
+                </a:ext>
+              </a:extLst>
+            </p:cNvPr>
+            <p:cNvPicPr>
+              <a:picLocks noChangeAspect="1" noChangeArrowheads="1"/>
+            </p:cNvPicPr>
+            <p:nvPr/>
+          </p:nvPicPr>
+          <p:blipFill>
+            <a:blip r:embed="rId3">
+              <a:extLst>
+                <a:ext uri="{28A0092B-C50C-407E-A947-70E740481C1C}">
+                  <a14:useLocalDpi xmlns:a14="http://schemas.microsoft.com/office/drawing/2010/main" val="0"/>
+                </a:ext>
+              </a:extLst>
+            </a:blip>
+            <a:srcRect/>
+            <a:stretch>
+              <a:fillRect/>
+            </a:stretch>
+          </p:blipFill>
+          <p:spPr bwMode="auto">
+            <a:xfrm>
+              <a:off x="4736649" y="5139505"/>
+              <a:ext cx="763927" cy="795179"/>
+            </a:xfrm>
+            <a:prstGeom prst="rect">
+              <a:avLst/>
+            </a:prstGeom>
+            <a:noFill/>
+            <a:extLst>
+              <a:ext uri="{909E8E84-426E-40DD-AFC4-6F175D3DCCD1}">
+                <a14:hiddenFill xmlns:a14="http://schemas.microsoft.com/office/drawing/2010/main">
+                  <a:solidFill>
+                    <a:srgbClr val="FFFFFF"/>
+                  </a:solidFill>
+                </a14:hiddenFill>
+              </a:ext>
+            </a:extLst>
+          </p:spPr>
+        </p:pic>
+      </p:grpSp>
+      <p:grpSp>
+        <p:nvGrpSpPr>
+          <p:cNvPr id="8" name="Group 7">
+            <a:extLst>
+              <a:ext uri="{FF2B5EF4-FFF2-40B4-BE49-F238E27FC236}">
+                <a16:creationId xmlns:a16="http://schemas.microsoft.com/office/drawing/2014/main" id="{BF0429CE-84DE-4DB5-A661-47B46C30A239}"/>
+              </a:ext>
+            </a:extLst>
+          </p:cNvPr>
+          <p:cNvGrpSpPr/>
+          <p:nvPr/>
+        </p:nvGrpSpPr>
+        <p:grpSpPr>
+          <a:xfrm>
+            <a:off x="2485734" y="2736239"/>
+            <a:ext cx="969118" cy="1508861"/>
+            <a:chOff x="5613474" y="5110786"/>
+            <a:chExt cx="969118" cy="1508861"/>
+          </a:xfrm>
+        </p:grpSpPr>
+        <p:sp>
+          <p:nvSpPr>
+            <p:cNvPr id="9" name="TextBox 8">
+              <a:extLst>
+                <a:ext uri="{FF2B5EF4-FFF2-40B4-BE49-F238E27FC236}">
+                  <a16:creationId xmlns:a16="http://schemas.microsoft.com/office/drawing/2014/main" id="{E0989382-3FBA-48CE-A0BA-F9E160F8EDF0}"/>
+                </a:ext>
+              </a:extLst>
+            </p:cNvPr>
+            <p:cNvSpPr txBox="1"/>
+            <p:nvPr/>
+          </p:nvSpPr>
+          <p:spPr>
+            <a:xfrm>
+              <a:off x="5626305" y="5880983"/>
+              <a:ext cx="956287" cy="738664"/>
+            </a:xfrm>
+            <a:prstGeom prst="rect">
+              <a:avLst/>
+            </a:prstGeom>
+            <a:noFill/>
+          </p:spPr>
+          <p:txBody>
+            <a:bodyPr wrap="none" rtlCol="0">
+              <a:spAutoFit/>
+            </a:bodyPr>
+            <a:lstStyle/>
+            <a:p>
+              <a:pPr marL="0" marR="0" lvl="0" indent="0" algn="l" defTabSz="914400" rtl="0" eaLnBrk="1" fontAlgn="auto" latinLnBrk="0" hangingPunct="1">
+                <a:lnSpc>
+                  <a:spcPct val="100000"/>
+                </a:lnSpc>
+                <a:spcBef>
+                  <a:spcPts val="0"/>
+                </a:spcBef>
+                <a:spcAft>
+                  <a:spcPts val="0"/>
+                </a:spcAft>
+                <a:buClrTx/>
+                <a:buSzTx/>
+                <a:buFontTx/>
+                <a:buNone/>
+                <a:tabLst/>
+                <a:defRPr/>
+              </a:pPr>
+              <a:r>
+                <a:rPr kumimoji="0" lang="tr-TR" sz="1400" b="1" i="0" u="none" strike="noStrike" kern="1200" cap="none" spc="0" normalizeH="0" baseline="0" noProof="0" dirty="0">
+                  <a:ln>
+                    <a:noFill/>
+                  </a:ln>
+                  <a:solidFill>
+                    <a:prstClr val="black"/>
+                  </a:solidFill>
+                  <a:effectLst/>
+                  <a:uLnTx/>
+                  <a:uFillTx/>
+                  <a:latin typeface="Calibri" panose="020F0502020204030204"/>
+                  <a:ea typeface="+mn-ea"/>
+                  <a:cs typeface="+mn-cs"/>
+                </a:rPr>
+                <a:t>Reports of</a:t>
+              </a:r>
+            </a:p>
+            <a:p>
+              <a:pPr marL="0" marR="0" lvl="0" indent="0" algn="l" defTabSz="914400" rtl="0" eaLnBrk="1" fontAlgn="auto" latinLnBrk="0" hangingPunct="1">
+                <a:lnSpc>
+                  <a:spcPct val="100000"/>
+                </a:lnSpc>
+                <a:spcBef>
+                  <a:spcPts val="0"/>
+                </a:spcBef>
+                <a:spcAft>
+                  <a:spcPts val="0"/>
+                </a:spcAft>
+                <a:buClrTx/>
+                <a:buSzTx/>
+                <a:buFontTx/>
+                <a:buNone/>
+                <a:tabLst/>
+                <a:defRPr/>
+              </a:pPr>
+              <a:r>
+                <a:rPr kumimoji="0" lang="tr-TR" sz="1400" b="1" i="0" u="none" strike="noStrike" kern="1200" cap="none" spc="0" normalizeH="0" baseline="0" noProof="0" dirty="0">
+                  <a:ln>
+                    <a:noFill/>
+                  </a:ln>
+                  <a:solidFill>
+                    <a:prstClr val="black"/>
+                  </a:solidFill>
+                  <a:effectLst/>
+                  <a:uLnTx/>
+                  <a:uFillTx/>
+                  <a:latin typeface="Calibri" panose="020F0502020204030204"/>
+                  <a:ea typeface="+mn-ea"/>
+                  <a:cs typeface="+mn-cs"/>
+                </a:rPr>
+                <a:t>Lessons</a:t>
+              </a:r>
+            </a:p>
+            <a:p>
+              <a:pPr marL="0" marR="0" lvl="0" indent="0" algn="l" defTabSz="914400" rtl="0" eaLnBrk="1" fontAlgn="auto" latinLnBrk="0" hangingPunct="1">
+                <a:lnSpc>
+                  <a:spcPct val="100000"/>
+                </a:lnSpc>
+                <a:spcBef>
+                  <a:spcPts val="0"/>
+                </a:spcBef>
+                <a:spcAft>
+                  <a:spcPts val="0"/>
+                </a:spcAft>
+                <a:buClrTx/>
+                <a:buSzTx/>
+                <a:buFontTx/>
+                <a:buNone/>
+                <a:tabLst/>
+                <a:defRPr/>
+              </a:pPr>
+              <a:r>
+                <a:rPr kumimoji="0" lang="tr-TR" sz="1400" b="1" i="0" u="none" strike="noStrike" kern="1200" cap="none" spc="0" normalizeH="0" baseline="0" noProof="0" dirty="0">
+                  <a:ln>
+                    <a:noFill/>
+                  </a:ln>
+                  <a:solidFill>
+                    <a:prstClr val="black"/>
+                  </a:solidFill>
+                  <a:effectLst/>
+                  <a:uLnTx/>
+                  <a:uFillTx/>
+                  <a:latin typeface="Calibri" panose="020F0502020204030204"/>
+                  <a:ea typeface="+mn-ea"/>
+                  <a:cs typeface="+mn-cs"/>
+                </a:rPr>
+                <a:t>Learned</a:t>
+              </a:r>
+            </a:p>
+          </p:txBody>
+        </p:sp>
+        <p:pic>
+          <p:nvPicPr>
+            <p:cNvPr id="10" name="Picture 4" descr="document-management-big - Ville de Gerzat">
+              <a:extLst>
+                <a:ext uri="{FF2B5EF4-FFF2-40B4-BE49-F238E27FC236}">
+                  <a16:creationId xmlns:a16="http://schemas.microsoft.com/office/drawing/2014/main" id="{20FE7A83-9B0E-494B-A859-34AAF925161E}"/>
+                </a:ext>
+              </a:extLst>
+            </p:cNvPr>
+            <p:cNvPicPr>
+              <a:picLocks noChangeAspect="1" noChangeArrowheads="1"/>
+            </p:cNvPicPr>
+            <p:nvPr/>
+          </p:nvPicPr>
+          <p:blipFill>
+            <a:blip r:embed="rId3">
+              <a:extLst>
+                <a:ext uri="{28A0092B-C50C-407E-A947-70E740481C1C}">
+                  <a14:useLocalDpi xmlns:a14="http://schemas.microsoft.com/office/drawing/2010/main" val="0"/>
+                </a:ext>
+              </a:extLst>
+            </a:blip>
+            <a:srcRect/>
+            <a:stretch>
+              <a:fillRect/>
+            </a:stretch>
+          </p:blipFill>
+          <p:spPr bwMode="auto">
+            <a:xfrm>
+              <a:off x="5613474" y="5110786"/>
+              <a:ext cx="763927" cy="795179"/>
+            </a:xfrm>
+            <a:prstGeom prst="rect">
+              <a:avLst/>
+            </a:prstGeom>
+            <a:noFill/>
+            <a:extLst>
+              <a:ext uri="{909E8E84-426E-40DD-AFC4-6F175D3DCCD1}">
+                <a14:hiddenFill xmlns:a14="http://schemas.microsoft.com/office/drawing/2010/main">
+                  <a:solidFill>
+                    <a:srgbClr val="FFFFFF"/>
+                  </a:solidFill>
+                </a14:hiddenFill>
+              </a:ext>
+            </a:extLst>
+          </p:spPr>
+        </p:pic>
+      </p:grpSp>
+      <p:grpSp>
+        <p:nvGrpSpPr>
+          <p:cNvPr id="11" name="Group 10">
+            <a:extLst>
+              <a:ext uri="{FF2B5EF4-FFF2-40B4-BE49-F238E27FC236}">
+                <a16:creationId xmlns:a16="http://schemas.microsoft.com/office/drawing/2014/main" id="{328761C0-88BA-47F8-8439-832FADBCBAD3}"/>
+              </a:ext>
+            </a:extLst>
+          </p:cNvPr>
+          <p:cNvGrpSpPr/>
+          <p:nvPr/>
+        </p:nvGrpSpPr>
+        <p:grpSpPr>
+          <a:xfrm>
+            <a:off x="1583159" y="4106904"/>
+            <a:ext cx="852541" cy="1054203"/>
+            <a:chOff x="6397125" y="5139505"/>
+            <a:chExt cx="852541" cy="1054203"/>
+          </a:xfrm>
+        </p:grpSpPr>
+        <p:sp>
+          <p:nvSpPr>
+            <p:cNvPr id="12" name="TextBox 11">
+              <a:extLst>
+                <a:ext uri="{FF2B5EF4-FFF2-40B4-BE49-F238E27FC236}">
+                  <a16:creationId xmlns:a16="http://schemas.microsoft.com/office/drawing/2014/main" id="{881E93C5-0171-4BA1-8A47-0A973344FCF9}"/>
+                </a:ext>
+              </a:extLst>
+            </p:cNvPr>
+            <p:cNvSpPr txBox="1"/>
+            <p:nvPr/>
+          </p:nvSpPr>
+          <p:spPr>
+            <a:xfrm>
+              <a:off x="6397125" y="5885931"/>
+              <a:ext cx="852541" cy="307777"/>
+            </a:xfrm>
+            <a:prstGeom prst="rect">
+              <a:avLst/>
+            </a:prstGeom>
+            <a:noFill/>
+          </p:spPr>
+          <p:txBody>
+            <a:bodyPr wrap="none" rtlCol="0">
+              <a:spAutoFit/>
+            </a:bodyPr>
+            <a:lstStyle/>
+            <a:p>
+              <a:pPr marL="0" marR="0" lvl="0" indent="0" algn="l" defTabSz="914400" rtl="0" eaLnBrk="1" fontAlgn="auto" latinLnBrk="0" hangingPunct="1">
+                <a:lnSpc>
+                  <a:spcPct val="100000"/>
+                </a:lnSpc>
+                <a:spcBef>
+                  <a:spcPts val="0"/>
+                </a:spcBef>
+                <a:spcAft>
+                  <a:spcPts val="0"/>
+                </a:spcAft>
+                <a:buClrTx/>
+                <a:buSzTx/>
+                <a:buFontTx/>
+                <a:buNone/>
+                <a:tabLst/>
+                <a:defRPr/>
+              </a:pPr>
+              <a:r>
+                <a:rPr kumimoji="0" lang="tr-TR" sz="1400" b="1" i="0" u="none" strike="noStrike" kern="1200" cap="none" spc="0" normalizeH="0" baseline="0" noProof="0" dirty="0">
+                  <a:ln>
+                    <a:noFill/>
+                  </a:ln>
+                  <a:solidFill>
+                    <a:prstClr val="black"/>
+                  </a:solidFill>
+                  <a:effectLst/>
+                  <a:uLnTx/>
+                  <a:uFillTx/>
+                  <a:latin typeface="Calibri" panose="020F0502020204030204"/>
+                  <a:ea typeface="+mn-ea"/>
+                  <a:cs typeface="+mn-cs"/>
+                </a:rPr>
+                <a:t>Memoirs</a:t>
+              </a:r>
+            </a:p>
+          </p:txBody>
+        </p:sp>
+        <p:pic>
+          <p:nvPicPr>
+            <p:cNvPr id="13" name="Picture 4" descr="document-management-big - Ville de Gerzat">
+              <a:extLst>
+                <a:ext uri="{FF2B5EF4-FFF2-40B4-BE49-F238E27FC236}">
+                  <a16:creationId xmlns:a16="http://schemas.microsoft.com/office/drawing/2014/main" id="{5F274E21-75AC-4D47-8A89-325B76C9B863}"/>
+                </a:ext>
+              </a:extLst>
+            </p:cNvPr>
+            <p:cNvPicPr>
+              <a:picLocks noChangeAspect="1" noChangeArrowheads="1"/>
+            </p:cNvPicPr>
+            <p:nvPr/>
+          </p:nvPicPr>
+          <p:blipFill>
+            <a:blip r:embed="rId3">
+              <a:extLst>
+                <a:ext uri="{28A0092B-C50C-407E-A947-70E740481C1C}">
+                  <a14:useLocalDpi xmlns:a14="http://schemas.microsoft.com/office/drawing/2010/main" val="0"/>
+                </a:ext>
+              </a:extLst>
+            </a:blip>
+            <a:srcRect/>
+            <a:stretch>
+              <a:fillRect/>
+            </a:stretch>
+          </p:blipFill>
+          <p:spPr bwMode="auto">
+            <a:xfrm>
+              <a:off x="6436752" y="5139505"/>
+              <a:ext cx="763927" cy="795179"/>
+            </a:xfrm>
+            <a:prstGeom prst="rect">
+              <a:avLst/>
+            </a:prstGeom>
+            <a:noFill/>
+            <a:extLst>
+              <a:ext uri="{909E8E84-426E-40DD-AFC4-6F175D3DCCD1}">
+                <a14:hiddenFill xmlns:a14="http://schemas.microsoft.com/office/drawing/2010/main">
+                  <a:solidFill>
+                    <a:srgbClr val="FFFFFF"/>
+                  </a:solidFill>
+                </a14:hiddenFill>
+              </a:ext>
+            </a:extLst>
+          </p:spPr>
+        </p:pic>
+      </p:grpSp>
+      <p:grpSp>
+        <p:nvGrpSpPr>
+          <p:cNvPr id="14" name="Group 13">
+            <a:extLst>
+              <a:ext uri="{FF2B5EF4-FFF2-40B4-BE49-F238E27FC236}">
+                <a16:creationId xmlns:a16="http://schemas.microsoft.com/office/drawing/2014/main" id="{DE32A5F1-A6A2-417F-9416-0C151C8E3EBC}"/>
+              </a:ext>
+            </a:extLst>
+          </p:cNvPr>
+          <p:cNvGrpSpPr/>
+          <p:nvPr/>
+        </p:nvGrpSpPr>
+        <p:grpSpPr>
+          <a:xfrm>
+            <a:off x="2475327" y="4220791"/>
+            <a:ext cx="803554" cy="1054203"/>
+            <a:chOff x="6397125" y="5139505"/>
+            <a:chExt cx="803554" cy="1054203"/>
+          </a:xfrm>
+        </p:grpSpPr>
+        <p:sp>
+          <p:nvSpPr>
+            <p:cNvPr id="15" name="TextBox 14">
+              <a:extLst>
+                <a:ext uri="{FF2B5EF4-FFF2-40B4-BE49-F238E27FC236}">
+                  <a16:creationId xmlns:a16="http://schemas.microsoft.com/office/drawing/2014/main" id="{2F4474FE-21F9-45FD-80DC-EDE502C6D6B1}"/>
+                </a:ext>
+              </a:extLst>
+            </p:cNvPr>
+            <p:cNvSpPr txBox="1"/>
+            <p:nvPr/>
+          </p:nvSpPr>
+          <p:spPr>
+            <a:xfrm>
+              <a:off x="6397125" y="5885931"/>
+              <a:ext cx="699230" cy="307777"/>
+            </a:xfrm>
+            <a:prstGeom prst="rect">
+              <a:avLst/>
+            </a:prstGeom>
+            <a:noFill/>
+          </p:spPr>
+          <p:txBody>
+            <a:bodyPr wrap="none" rtlCol="0">
+              <a:spAutoFit/>
+            </a:bodyPr>
+            <a:lstStyle/>
+            <a:p>
+              <a:pPr marL="0" marR="0" lvl="0" indent="0" algn="l" defTabSz="914400" rtl="0" eaLnBrk="1" fontAlgn="auto" latinLnBrk="0" hangingPunct="1">
+                <a:lnSpc>
+                  <a:spcPct val="100000"/>
+                </a:lnSpc>
+                <a:spcBef>
+                  <a:spcPts val="0"/>
+                </a:spcBef>
+                <a:spcAft>
+                  <a:spcPts val="0"/>
+                </a:spcAft>
+                <a:buClrTx/>
+                <a:buSzTx/>
+                <a:buFontTx/>
+                <a:buNone/>
+                <a:tabLst/>
+                <a:defRPr/>
+              </a:pPr>
+              <a:r>
+                <a:rPr kumimoji="0" lang="tr-TR" sz="1400" b="1" i="0" u="none" strike="noStrike" kern="1200" cap="none" spc="0" normalizeH="0" baseline="0" noProof="0" dirty="0">
+                  <a:ln>
+                    <a:noFill/>
+                  </a:ln>
+                  <a:solidFill>
+                    <a:prstClr val="black"/>
+                  </a:solidFill>
+                  <a:effectLst/>
+                  <a:uLnTx/>
+                  <a:uFillTx/>
+                  <a:latin typeface="Calibri" panose="020F0502020204030204"/>
+                  <a:ea typeface="+mn-ea"/>
+                  <a:cs typeface="+mn-cs"/>
+                </a:rPr>
+                <a:t>Audios</a:t>
+              </a:r>
+            </a:p>
+          </p:txBody>
+        </p:sp>
+        <p:pic>
+          <p:nvPicPr>
+            <p:cNvPr id="16" name="Picture 4" descr="document-management-big - Ville de Gerzat">
+              <a:extLst>
+                <a:ext uri="{FF2B5EF4-FFF2-40B4-BE49-F238E27FC236}">
+                  <a16:creationId xmlns:a16="http://schemas.microsoft.com/office/drawing/2014/main" id="{A9C40AEA-6363-43F1-B8F7-D1FCF07252CF}"/>
+                </a:ext>
+              </a:extLst>
+            </p:cNvPr>
+            <p:cNvPicPr>
+              <a:picLocks noChangeAspect="1" noChangeArrowheads="1"/>
+            </p:cNvPicPr>
+            <p:nvPr/>
+          </p:nvPicPr>
+          <p:blipFill>
+            <a:blip r:embed="rId3">
+              <a:extLst>
+                <a:ext uri="{28A0092B-C50C-407E-A947-70E740481C1C}">
+                  <a14:useLocalDpi xmlns:a14="http://schemas.microsoft.com/office/drawing/2010/main" val="0"/>
+                </a:ext>
+              </a:extLst>
+            </a:blip>
+            <a:srcRect/>
+            <a:stretch>
+              <a:fillRect/>
+            </a:stretch>
+          </p:blipFill>
+          <p:spPr bwMode="auto">
+            <a:xfrm>
+              <a:off x="6436752" y="5139505"/>
+              <a:ext cx="763927" cy="795179"/>
+            </a:xfrm>
+            <a:prstGeom prst="rect">
+              <a:avLst/>
+            </a:prstGeom>
+            <a:noFill/>
+            <a:extLst>
+              <a:ext uri="{909E8E84-426E-40DD-AFC4-6F175D3DCCD1}">
+                <a14:hiddenFill xmlns:a14="http://schemas.microsoft.com/office/drawing/2010/main">
+                  <a:solidFill>
+                    <a:srgbClr val="FFFFFF"/>
+                  </a:solidFill>
+                </a14:hiddenFill>
+              </a:ext>
+            </a:extLst>
+          </p:spPr>
+        </p:pic>
+      </p:grpSp>
+      <p:grpSp>
+        <p:nvGrpSpPr>
+          <p:cNvPr id="17" name="Group 16">
+            <a:extLst>
+              <a:ext uri="{FF2B5EF4-FFF2-40B4-BE49-F238E27FC236}">
+                <a16:creationId xmlns:a16="http://schemas.microsoft.com/office/drawing/2014/main" id="{95BBDD84-D3F7-4489-B86D-058FDBC1ED10}"/>
+              </a:ext>
+            </a:extLst>
+          </p:cNvPr>
+          <p:cNvGrpSpPr/>
+          <p:nvPr/>
+        </p:nvGrpSpPr>
+        <p:grpSpPr>
+          <a:xfrm>
+            <a:off x="3860626" y="1720283"/>
+            <a:ext cx="7079512" cy="2007975"/>
+            <a:chOff x="3129026" y="1442613"/>
+            <a:chExt cx="6978589" cy="2226997"/>
+          </a:xfrm>
+        </p:grpSpPr>
+        <p:pic>
+          <p:nvPicPr>
+            <p:cNvPr id="18" name="Picture 12" descr="Defining Communities with ESRI&amp;#39;s Grouping Analysis Tool | Azavea">
+              <a:extLst>
+                <a:ext uri="{FF2B5EF4-FFF2-40B4-BE49-F238E27FC236}">
+                  <a16:creationId xmlns:a16="http://schemas.microsoft.com/office/drawing/2014/main" id="{771CAB53-D0DB-493A-8B4B-5736F7544A69}"/>
+                </a:ext>
+              </a:extLst>
+            </p:cNvPr>
+            <p:cNvPicPr>
+              <a:picLocks noChangeAspect="1" noChangeArrowheads="1"/>
+            </p:cNvPicPr>
+            <p:nvPr/>
+          </p:nvPicPr>
+          <p:blipFill>
+            <a:blip r:embed="rId4">
+              <a:extLst>
+                <a:ext uri="{28A0092B-C50C-407E-A947-70E740481C1C}">
+                  <a14:useLocalDpi xmlns:a14="http://schemas.microsoft.com/office/drawing/2010/main" val="0"/>
+                </a:ext>
+              </a:extLst>
+            </a:blip>
+            <a:srcRect/>
+            <a:stretch>
+              <a:fillRect/>
+            </a:stretch>
+          </p:blipFill>
+          <p:spPr bwMode="auto">
+            <a:xfrm>
+              <a:off x="3129026" y="1442613"/>
+              <a:ext cx="4099854" cy="2226997"/>
+            </a:xfrm>
+            <a:prstGeom prst="rect">
+              <a:avLst/>
+            </a:prstGeom>
+            <a:noFill/>
+            <a:extLst>
+              <a:ext uri="{909E8E84-426E-40DD-AFC4-6F175D3DCCD1}">
+                <a14:hiddenFill xmlns:a14="http://schemas.microsoft.com/office/drawing/2010/main">
+                  <a:solidFill>
+                    <a:srgbClr val="FFFFFF"/>
+                  </a:solidFill>
+                </a14:hiddenFill>
+              </a:ext>
+            </a:extLst>
+          </p:spPr>
+        </p:pic>
+        <p:sp>
+          <p:nvSpPr>
+            <p:cNvPr id="19" name="TextBox 18">
+              <a:extLst>
+                <a:ext uri="{FF2B5EF4-FFF2-40B4-BE49-F238E27FC236}">
+                  <a16:creationId xmlns:a16="http://schemas.microsoft.com/office/drawing/2014/main" id="{2347A859-AD54-4A61-ACD3-8336BBC60D34}"/>
+                </a:ext>
+              </a:extLst>
+            </p:cNvPr>
+            <p:cNvSpPr txBox="1"/>
+            <p:nvPr/>
+          </p:nvSpPr>
+          <p:spPr>
+            <a:xfrm>
+              <a:off x="5844081" y="2914543"/>
+              <a:ext cx="1188596" cy="369332"/>
+            </a:xfrm>
+            <a:prstGeom prst="rect">
+              <a:avLst/>
+            </a:prstGeom>
+            <a:solidFill>
+              <a:schemeClr val="bg1">
+                <a:lumMod val="95000"/>
+                <a:alpha val="72000"/>
+              </a:schemeClr>
+            </a:solidFill>
+            <a:ln>
+              <a:noFill/>
+            </a:ln>
+          </p:spPr>
+          <p:txBody>
+            <a:bodyPr wrap="square">
+              <a:spAutoFit/>
+            </a:bodyPr>
+            <a:lstStyle>
+              <a:defPPr>
+                <a:defRPr lang="tr-TR"/>
+              </a:defPPr>
+              <a:lvl1pPr>
+                <a:defRPr b="1"/>
+              </a:lvl1pPr>
+            </a:lstStyle>
+            <a:p>
+              <a:pPr marL="0" marR="0" lvl="0" indent="0" algn="l" defTabSz="914400" rtl="0" eaLnBrk="1" fontAlgn="auto" latinLnBrk="0" hangingPunct="1">
+                <a:lnSpc>
+                  <a:spcPct val="100000"/>
+                </a:lnSpc>
+                <a:spcBef>
+                  <a:spcPts val="0"/>
+                </a:spcBef>
+                <a:spcAft>
+                  <a:spcPts val="0"/>
+                </a:spcAft>
+                <a:buClrTx/>
+                <a:buSzTx/>
+                <a:buFontTx/>
+                <a:buNone/>
+                <a:tabLst/>
+                <a:defRPr/>
+              </a:pPr>
+              <a:r>
+                <a:rPr kumimoji="0" lang="tr-TR" sz="1800" b="1" i="0" u="none" strike="noStrike" kern="1200" cap="none" spc="0" normalizeH="0" baseline="0" noProof="0" dirty="0">
+                  <a:ln>
+                    <a:noFill/>
+                  </a:ln>
+                  <a:solidFill>
+                    <a:prstClr val="black"/>
+                  </a:solidFill>
+                  <a:effectLst/>
+                  <a:uLnTx/>
+                  <a:uFillTx/>
+                  <a:latin typeface="Calibri" panose="020F0502020204030204"/>
+                  <a:ea typeface="+mn-ea"/>
+                  <a:cs typeface="+mn-cs"/>
+                </a:rPr>
+                <a:t>leadership</a:t>
+              </a:r>
+            </a:p>
+          </p:txBody>
+        </p:sp>
+        <p:sp>
+          <p:nvSpPr>
+            <p:cNvPr id="20" name="TextBox 19">
+              <a:extLst>
+                <a:ext uri="{FF2B5EF4-FFF2-40B4-BE49-F238E27FC236}">
+                  <a16:creationId xmlns:a16="http://schemas.microsoft.com/office/drawing/2014/main" id="{C158DEF1-A452-44A1-9A37-9E28064406C4}"/>
+                </a:ext>
+              </a:extLst>
+            </p:cNvPr>
+            <p:cNvSpPr txBox="1"/>
+            <p:nvPr/>
+          </p:nvSpPr>
+          <p:spPr>
+            <a:xfrm>
+              <a:off x="8740303" y="1536736"/>
+              <a:ext cx="1367312" cy="716830"/>
+            </a:xfrm>
+            <a:prstGeom prst="rect">
+              <a:avLst/>
+            </a:prstGeom>
+            <a:noFill/>
+            <a:ln>
+              <a:noFill/>
+            </a:ln>
+          </p:spPr>
+          <p:txBody>
+            <a:bodyPr wrap="square">
+              <a:spAutoFit/>
+            </a:bodyPr>
+            <a:lstStyle/>
+            <a:p>
+              <a:pPr marL="0" marR="0" lvl="0" indent="0" algn="ctr" defTabSz="914400" rtl="0" eaLnBrk="1" fontAlgn="auto" latinLnBrk="0" hangingPunct="1">
+                <a:lnSpc>
+                  <a:spcPct val="100000"/>
+                </a:lnSpc>
+                <a:spcBef>
+                  <a:spcPts val="0"/>
+                </a:spcBef>
+                <a:spcAft>
+                  <a:spcPts val="0"/>
+                </a:spcAft>
+                <a:buClrTx/>
+                <a:buSzTx/>
+                <a:buFontTx/>
+                <a:buNone/>
+                <a:tabLst/>
+                <a:defRPr/>
+              </a:pPr>
+              <a:r>
+                <a:rPr kumimoji="0" lang="tr-TR" sz="1800" b="1" i="0" u="none" strike="noStrike" kern="1200" cap="none" spc="0" normalizeH="0" baseline="0" noProof="0" dirty="0">
+                  <a:ln>
+                    <a:noFill/>
+                  </a:ln>
+                  <a:solidFill>
+                    <a:prstClr val="black"/>
+                  </a:solidFill>
+                  <a:effectLst/>
+                  <a:uLnTx/>
+                  <a:uFillTx/>
+                  <a:latin typeface="Calibri" panose="020F0502020204030204"/>
+                  <a:ea typeface="+mn-ea"/>
+                  <a:cs typeface="+mn-cs"/>
+                </a:rPr>
+                <a:t>Relationship</a:t>
+              </a:r>
+            </a:p>
+            <a:p>
+              <a:pPr marL="0" marR="0" lvl="0" indent="0" algn="ctr" defTabSz="914400" rtl="0" eaLnBrk="1" fontAlgn="auto" latinLnBrk="0" hangingPunct="1">
+                <a:lnSpc>
+                  <a:spcPct val="100000"/>
+                </a:lnSpc>
+                <a:spcBef>
+                  <a:spcPts val="0"/>
+                </a:spcBef>
+                <a:spcAft>
+                  <a:spcPts val="0"/>
+                </a:spcAft>
+                <a:buClrTx/>
+                <a:buSzTx/>
+                <a:buFontTx/>
+                <a:buNone/>
+                <a:tabLst/>
+                <a:defRPr/>
+              </a:pPr>
+              <a:r>
+                <a:rPr kumimoji="0" lang="tr-TR" sz="1800" b="1" i="0" u="none" strike="noStrike" kern="1200" cap="none" spc="0" normalizeH="0" baseline="0" noProof="0" dirty="0">
+                  <a:ln>
+                    <a:noFill/>
+                  </a:ln>
+                  <a:solidFill>
+                    <a:prstClr val="black"/>
+                  </a:solidFill>
+                  <a:effectLst/>
+                  <a:uLnTx/>
+                  <a:uFillTx/>
+                  <a:latin typeface="Calibri" panose="020F0502020204030204"/>
+                  <a:ea typeface="+mn-ea"/>
+                  <a:cs typeface="+mn-cs"/>
+                </a:rPr>
+                <a:t>links</a:t>
+              </a:r>
+            </a:p>
+          </p:txBody>
+        </p:sp>
+        <p:sp>
+          <p:nvSpPr>
+            <p:cNvPr id="21" name="TextBox 20">
+              <a:extLst>
+                <a:ext uri="{FF2B5EF4-FFF2-40B4-BE49-F238E27FC236}">
+                  <a16:creationId xmlns:a16="http://schemas.microsoft.com/office/drawing/2014/main" id="{BD4EBDE8-37F5-4F36-BEA0-C12CD12B835C}"/>
+                </a:ext>
+              </a:extLst>
+            </p:cNvPr>
+            <p:cNvSpPr txBox="1"/>
+            <p:nvPr/>
+          </p:nvSpPr>
+          <p:spPr>
+            <a:xfrm>
+              <a:off x="5651224" y="2291770"/>
+              <a:ext cx="876825" cy="369332"/>
+            </a:xfrm>
+            <a:prstGeom prst="rect">
+              <a:avLst/>
+            </a:prstGeom>
+            <a:solidFill>
+              <a:schemeClr val="bg1">
+                <a:lumMod val="95000"/>
+                <a:alpha val="72000"/>
+              </a:schemeClr>
+            </a:solidFill>
+            <a:ln>
+              <a:noFill/>
+            </a:ln>
+          </p:spPr>
+          <p:txBody>
+            <a:bodyPr wrap="square">
+              <a:spAutoFit/>
+            </a:bodyPr>
+            <a:lstStyle>
+              <a:defPPr>
+                <a:defRPr lang="tr-TR"/>
+              </a:defPPr>
+              <a:lvl1pPr>
+                <a:defRPr b="1"/>
+              </a:lvl1pPr>
+            </a:lstStyle>
+            <a:p>
+              <a:pPr marL="0" marR="0" lvl="0" indent="0" algn="l" defTabSz="914400" rtl="0" eaLnBrk="1" fontAlgn="auto" latinLnBrk="0" hangingPunct="1">
+                <a:lnSpc>
+                  <a:spcPct val="100000"/>
+                </a:lnSpc>
+                <a:spcBef>
+                  <a:spcPts val="0"/>
+                </a:spcBef>
+                <a:spcAft>
+                  <a:spcPts val="0"/>
+                </a:spcAft>
+                <a:buClrTx/>
+                <a:buSzTx/>
+                <a:buFontTx/>
+                <a:buNone/>
+                <a:tabLst/>
+                <a:defRPr/>
+              </a:pPr>
+              <a:r>
+                <a:rPr kumimoji="0" lang="tr-TR" sz="1800" b="1" i="0" u="none" strike="noStrike" kern="1200" cap="none" spc="0" normalizeH="0" baseline="0" noProof="0" dirty="0">
+                  <a:ln>
+                    <a:noFill/>
+                  </a:ln>
+                  <a:solidFill>
+                    <a:prstClr val="black"/>
+                  </a:solidFill>
+                  <a:effectLst/>
+                  <a:uLnTx/>
+                  <a:uFillTx/>
+                  <a:latin typeface="Calibri" panose="020F0502020204030204"/>
+                  <a:ea typeface="+mn-ea"/>
+                  <a:cs typeface="+mn-cs"/>
+                </a:rPr>
+                <a:t>others</a:t>
+              </a:r>
+            </a:p>
+          </p:txBody>
+        </p:sp>
+      </p:grpSp>
+      <p:grpSp>
+        <p:nvGrpSpPr>
+          <p:cNvPr id="22" name="Group 21">
+            <a:extLst>
+              <a:ext uri="{FF2B5EF4-FFF2-40B4-BE49-F238E27FC236}">
+                <a16:creationId xmlns:a16="http://schemas.microsoft.com/office/drawing/2014/main" id="{7963EAB6-72DC-4079-A84A-763408A16EDE}"/>
+              </a:ext>
+            </a:extLst>
+          </p:cNvPr>
+          <p:cNvGrpSpPr/>
+          <p:nvPr/>
+        </p:nvGrpSpPr>
+        <p:grpSpPr>
+          <a:xfrm>
+            <a:off x="3474556" y="3919898"/>
+            <a:ext cx="4685105" cy="1986417"/>
+            <a:chOff x="2825414" y="3985025"/>
+            <a:chExt cx="4685105" cy="1986417"/>
+          </a:xfrm>
+        </p:grpSpPr>
+        <p:sp>
+          <p:nvSpPr>
+            <p:cNvPr id="23" name="Rectangle: Rounded Corners 22">
+              <a:extLst>
+                <a:ext uri="{FF2B5EF4-FFF2-40B4-BE49-F238E27FC236}">
+                  <a16:creationId xmlns:a16="http://schemas.microsoft.com/office/drawing/2014/main" id="{D66E0A7C-135C-4113-A901-CA18DEF84402}"/>
+                </a:ext>
+              </a:extLst>
+            </p:cNvPr>
+            <p:cNvSpPr/>
+            <p:nvPr/>
+          </p:nvSpPr>
+          <p:spPr>
+            <a:xfrm>
+              <a:off x="2825414" y="5378841"/>
+              <a:ext cx="2172000" cy="592601"/>
+            </a:xfrm>
+            <a:prstGeom prst="roundRect">
+              <a:avLst/>
+            </a:prstGeom>
+            <a:solidFill>
+              <a:schemeClr val="accent1">
+                <a:alpha val="8000"/>
+              </a:schemeClr>
+            </a:solidFill>
+          </p:spPr>
+          <p:style>
+            <a:lnRef idx="2">
+              <a:schemeClr val="accent1">
+                <a:shade val="50000"/>
+              </a:schemeClr>
+            </a:lnRef>
+            <a:fillRef idx="1">
+              <a:schemeClr val="accent1"/>
+            </a:fillRef>
+            <a:effectRef idx="0">
+              <a:schemeClr val="accent1"/>
+            </a:effectRef>
+            <a:fontRef idx="minor">
+              <a:schemeClr val="lt1"/>
+            </a:fontRef>
+          </p:style>
+          <p:txBody>
+            <a:bodyPr rtlCol="0" anchor="ctr"/>
+            <a:lstStyle/>
+            <a:p>
+              <a:pPr marL="0" marR="0" lvl="0" indent="0" algn="ctr" defTabSz="914400" rtl="0" eaLnBrk="1" fontAlgn="auto" latinLnBrk="0" hangingPunct="1">
+                <a:lnSpc>
+                  <a:spcPct val="100000"/>
+                </a:lnSpc>
+                <a:spcBef>
+                  <a:spcPts val="0"/>
+                </a:spcBef>
+                <a:spcAft>
+                  <a:spcPts val="0"/>
+                </a:spcAft>
+                <a:buClrTx/>
+                <a:buSzTx/>
+                <a:buFontTx/>
+                <a:buNone/>
+                <a:tabLst/>
+                <a:defRPr/>
+              </a:pPr>
+              <a:r>
+                <a:rPr kumimoji="0" lang="tr-TR" sz="1800" b="1" i="0" u="none" strike="noStrike" kern="1200" cap="none" spc="0" normalizeH="0" baseline="0" noProof="0" dirty="0">
+                  <a:ln>
+                    <a:noFill/>
+                  </a:ln>
+                  <a:solidFill>
+                    <a:prstClr val="black"/>
+                  </a:solidFill>
+                  <a:effectLst/>
+                  <a:uLnTx/>
+                  <a:uFillTx/>
+                  <a:latin typeface="Calibri" panose="020F0502020204030204"/>
+                  <a:ea typeface="+mn-ea"/>
+                  <a:cs typeface="+mn-cs"/>
+                </a:rPr>
+                <a:t>Named Entitiy Recognition</a:t>
+              </a:r>
+            </a:p>
+          </p:txBody>
+        </p:sp>
+        <p:sp>
+          <p:nvSpPr>
+            <p:cNvPr id="24" name="Rectangle: Rounded Corners 23">
+              <a:extLst>
+                <a:ext uri="{FF2B5EF4-FFF2-40B4-BE49-F238E27FC236}">
+                  <a16:creationId xmlns:a16="http://schemas.microsoft.com/office/drawing/2014/main" id="{38496A75-64B3-4C35-8DE3-4E758E6BD849}"/>
+                </a:ext>
+              </a:extLst>
+            </p:cNvPr>
+            <p:cNvSpPr/>
+            <p:nvPr/>
+          </p:nvSpPr>
+          <p:spPr>
+            <a:xfrm>
+              <a:off x="6047715" y="5376089"/>
+              <a:ext cx="1462804" cy="572587"/>
+            </a:xfrm>
+            <a:prstGeom prst="roundRect">
+              <a:avLst/>
+            </a:prstGeom>
+            <a:solidFill>
+              <a:schemeClr val="accent1">
+                <a:alpha val="8000"/>
+              </a:schemeClr>
+            </a:solidFill>
+          </p:spPr>
+          <p:style>
+            <a:lnRef idx="2">
+              <a:schemeClr val="accent1">
+                <a:shade val="50000"/>
+              </a:schemeClr>
+            </a:lnRef>
+            <a:fillRef idx="1">
+              <a:schemeClr val="accent1"/>
+            </a:fillRef>
+            <a:effectRef idx="0">
+              <a:schemeClr val="accent1"/>
+            </a:effectRef>
+            <a:fontRef idx="minor">
+              <a:schemeClr val="lt1"/>
+            </a:fontRef>
+          </p:style>
+          <p:txBody>
+            <a:bodyPr rtlCol="0" anchor="ctr"/>
+            <a:lstStyle/>
+            <a:p>
+              <a:pPr marL="0" marR="0" lvl="0" indent="0" algn="ctr" defTabSz="914400" rtl="0" eaLnBrk="1" fontAlgn="auto" latinLnBrk="0" hangingPunct="1">
+                <a:lnSpc>
+                  <a:spcPct val="100000"/>
+                </a:lnSpc>
+                <a:spcBef>
+                  <a:spcPts val="0"/>
+                </a:spcBef>
+                <a:spcAft>
+                  <a:spcPts val="0"/>
+                </a:spcAft>
+                <a:buClrTx/>
+                <a:buSzTx/>
+                <a:buFontTx/>
+                <a:buNone/>
+                <a:tabLst/>
+                <a:defRPr/>
+              </a:pPr>
+              <a:r>
+                <a:rPr kumimoji="0" lang="tr-TR" sz="1800" b="1" i="0" u="none" strike="noStrike" kern="1200" cap="none" spc="0" normalizeH="0" baseline="0" noProof="0" dirty="0">
+                  <a:ln>
+                    <a:noFill/>
+                  </a:ln>
+                  <a:solidFill>
+                    <a:prstClr val="black"/>
+                  </a:solidFill>
+                  <a:effectLst/>
+                  <a:uLnTx/>
+                  <a:uFillTx/>
+                  <a:latin typeface="Calibri" panose="020F0502020204030204"/>
+                  <a:ea typeface="+mn-ea"/>
+                  <a:cs typeface="+mn-cs"/>
+                </a:rPr>
+                <a:t>Relation Extraction</a:t>
+              </a:r>
+            </a:p>
+          </p:txBody>
+        </p:sp>
+        <p:sp>
+          <p:nvSpPr>
+            <p:cNvPr id="25" name="TextBox 24">
+              <a:extLst>
+                <a:ext uri="{FF2B5EF4-FFF2-40B4-BE49-F238E27FC236}">
+                  <a16:creationId xmlns:a16="http://schemas.microsoft.com/office/drawing/2014/main" id="{799FDA29-1A63-4ECE-90CF-BFC9203AB889}"/>
+                </a:ext>
+              </a:extLst>
+            </p:cNvPr>
+            <p:cNvSpPr txBox="1"/>
+            <p:nvPr/>
+          </p:nvSpPr>
+          <p:spPr>
+            <a:xfrm>
+              <a:off x="4368580" y="3985025"/>
+              <a:ext cx="1959896" cy="923330"/>
+            </a:xfrm>
+            <a:prstGeom prst="rect">
+              <a:avLst/>
+            </a:prstGeom>
+            <a:noFill/>
+            <a:ln>
+              <a:solidFill>
+                <a:schemeClr val="tx1"/>
+              </a:solidFill>
+            </a:ln>
+          </p:spPr>
+          <p:txBody>
+            <a:bodyPr wrap="none" rtlCol="0">
+              <a:spAutoFit/>
+            </a:bodyPr>
+            <a:lstStyle/>
+            <a:p>
+              <a:pPr marL="0" marR="0" lvl="0" indent="0" algn="ctr" defTabSz="914400" rtl="0" eaLnBrk="1" fontAlgn="auto" latinLnBrk="0" hangingPunct="1">
+                <a:lnSpc>
+                  <a:spcPct val="100000"/>
+                </a:lnSpc>
+                <a:spcBef>
+                  <a:spcPts val="0"/>
+                </a:spcBef>
+                <a:spcAft>
+                  <a:spcPts val="0"/>
+                </a:spcAft>
+                <a:buClrTx/>
+                <a:buSzTx/>
+                <a:buFontTx/>
+                <a:buNone/>
+                <a:tabLst/>
+                <a:defRPr/>
+              </a:pPr>
+              <a:r>
+                <a:rPr kumimoji="0" lang="tr-TR" sz="1800" b="1" i="0" u="none" strike="noStrike" kern="1200" cap="none" spc="0" normalizeH="0" baseline="0" noProof="0" dirty="0">
+                  <a:ln>
+                    <a:noFill/>
+                  </a:ln>
+                  <a:solidFill>
+                    <a:prstClr val="black"/>
+                  </a:solidFill>
+                  <a:effectLst/>
+                  <a:uLnTx/>
+                  <a:uFillTx/>
+                  <a:latin typeface="Calibri" panose="020F0502020204030204"/>
+                  <a:ea typeface="+mn-ea"/>
+                  <a:cs typeface="+mn-cs"/>
+                </a:rPr>
+                <a:t>Training of Models</a:t>
+              </a:r>
+            </a:p>
+            <a:p>
+              <a:pPr marL="0" marR="0" lvl="0" indent="0" algn="ctr" defTabSz="914400" rtl="0" eaLnBrk="1" fontAlgn="auto" latinLnBrk="0" hangingPunct="1">
+                <a:lnSpc>
+                  <a:spcPct val="100000"/>
+                </a:lnSpc>
+                <a:spcBef>
+                  <a:spcPts val="0"/>
+                </a:spcBef>
+                <a:spcAft>
+                  <a:spcPts val="0"/>
+                </a:spcAft>
+                <a:buClrTx/>
+                <a:buSzTx/>
+                <a:buFontTx/>
+                <a:buNone/>
+                <a:tabLst/>
+                <a:defRPr/>
+              </a:pPr>
+              <a:r>
+                <a:rPr kumimoji="0" lang="tr-TR" sz="1800" b="1" i="0" u="none" strike="noStrike" kern="1200" cap="none" spc="0" normalizeH="0" baseline="0" noProof="0" dirty="0">
+                  <a:ln>
+                    <a:noFill/>
+                  </a:ln>
+                  <a:solidFill>
+                    <a:srgbClr val="000000"/>
+                  </a:solidFill>
+                  <a:effectLst/>
+                  <a:uLnTx/>
+                  <a:uFillTx/>
+                  <a:latin typeface="Calibri" panose="020F0502020204030204" pitchFamily="34" charset="0"/>
+                  <a:ea typeface="Times New Roman" panose="02020603050405020304" pitchFamily="18" charset="0"/>
+                  <a:cs typeface="+mn-cs"/>
+                </a:rPr>
+                <a:t>with Language </a:t>
+              </a:r>
+            </a:p>
+            <a:p>
+              <a:pPr marL="0" marR="0" lvl="0" indent="0" algn="ctr" defTabSz="914400" rtl="0" eaLnBrk="1" fontAlgn="auto" latinLnBrk="0" hangingPunct="1">
+                <a:lnSpc>
+                  <a:spcPct val="100000"/>
+                </a:lnSpc>
+                <a:spcBef>
+                  <a:spcPts val="0"/>
+                </a:spcBef>
+                <a:spcAft>
+                  <a:spcPts val="0"/>
+                </a:spcAft>
+                <a:buClrTx/>
+                <a:buSzTx/>
+                <a:buFontTx/>
+                <a:buNone/>
+                <a:tabLst/>
+                <a:defRPr/>
+              </a:pPr>
+              <a:r>
+                <a:rPr kumimoji="0" lang="tr-TR" sz="1800" b="1" i="0" u="none" strike="noStrike" kern="1200" cap="none" spc="0" normalizeH="0" baseline="0" noProof="0" dirty="0">
+                  <a:ln>
+                    <a:noFill/>
+                  </a:ln>
+                  <a:solidFill>
+                    <a:srgbClr val="000000"/>
+                  </a:solidFill>
+                  <a:effectLst/>
+                  <a:uLnTx/>
+                  <a:uFillTx/>
+                  <a:latin typeface="Calibri" panose="020F0502020204030204" pitchFamily="34" charset="0"/>
+                  <a:ea typeface="Times New Roman" panose="02020603050405020304" pitchFamily="18" charset="0"/>
+                  <a:cs typeface="+mn-cs"/>
+                </a:rPr>
+                <a:t>Rep. Techniques</a:t>
+              </a:r>
+              <a:endParaRPr kumimoji="0" lang="tr-TR" sz="1800" b="1" i="0" u="none" strike="noStrike" kern="1200" cap="none" spc="0" normalizeH="0" baseline="0" noProof="0" dirty="0">
+                <a:ln>
+                  <a:noFill/>
+                </a:ln>
+                <a:solidFill>
+                  <a:prstClr val="black"/>
+                </a:solidFill>
+                <a:effectLst/>
+                <a:uLnTx/>
+                <a:uFillTx/>
+                <a:latin typeface="Calibri" panose="020F0502020204030204"/>
+                <a:ea typeface="+mn-ea"/>
+                <a:cs typeface="+mn-cs"/>
+              </a:endParaRPr>
+            </a:p>
+          </p:txBody>
+        </p:sp>
+        <p:cxnSp>
+          <p:nvCxnSpPr>
+            <p:cNvPr id="26" name="Connector: Elbow 25">
+              <a:extLst>
+                <a:ext uri="{FF2B5EF4-FFF2-40B4-BE49-F238E27FC236}">
+                  <a16:creationId xmlns:a16="http://schemas.microsoft.com/office/drawing/2014/main" id="{FF5A59E5-3435-487A-A9ED-8878179F4544}"/>
+                </a:ext>
+              </a:extLst>
+            </p:cNvPr>
+            <p:cNvCxnSpPr>
+              <a:stCxn id="25" idx="2"/>
+              <a:endCxn id="23" idx="0"/>
+            </p:cNvCxnSpPr>
+            <p:nvPr/>
+          </p:nvCxnSpPr>
+          <p:spPr>
+            <a:xfrm rot="5400000">
+              <a:off x="4394728" y="4425041"/>
+              <a:ext cx="470486" cy="1437114"/>
+            </a:xfrm>
+            <a:prstGeom prst="bentConnector3">
+              <a:avLst/>
+            </a:prstGeom>
+            <a:ln>
+              <a:tailEnd type="triangle"/>
+            </a:ln>
+          </p:spPr>
+          <p:style>
+            <a:lnRef idx="1">
+              <a:schemeClr val="accent1"/>
+            </a:lnRef>
+            <a:fillRef idx="0">
+              <a:schemeClr val="accent1"/>
+            </a:fillRef>
+            <a:effectRef idx="0">
+              <a:schemeClr val="accent1"/>
+            </a:effectRef>
+            <a:fontRef idx="minor">
+              <a:schemeClr val="tx1"/>
+            </a:fontRef>
+          </p:style>
+        </p:cxnSp>
+        <p:cxnSp>
+          <p:nvCxnSpPr>
+            <p:cNvPr id="27" name="Connector: Elbow 26">
+              <a:extLst>
+                <a:ext uri="{FF2B5EF4-FFF2-40B4-BE49-F238E27FC236}">
+                  <a16:creationId xmlns:a16="http://schemas.microsoft.com/office/drawing/2014/main" id="{BF3BBBB4-1973-47F4-B330-2A5705F30B9E}"/>
+                </a:ext>
+              </a:extLst>
+            </p:cNvPr>
+            <p:cNvCxnSpPr>
+              <a:stCxn id="25" idx="2"/>
+              <a:endCxn id="24" idx="0"/>
+            </p:cNvCxnSpPr>
+            <p:nvPr/>
+          </p:nvCxnSpPr>
+          <p:spPr>
+            <a:xfrm rot="16200000" flipH="1">
+              <a:off x="5829955" y="4426927"/>
+              <a:ext cx="467734" cy="1430589"/>
+            </a:xfrm>
+            <a:prstGeom prst="bentConnector3">
+              <a:avLst/>
+            </a:prstGeom>
+            <a:ln>
+              <a:tailEnd type="triangle"/>
+            </a:ln>
+          </p:spPr>
+          <p:style>
+            <a:lnRef idx="1">
+              <a:schemeClr val="accent1"/>
+            </a:lnRef>
+            <a:fillRef idx="0">
+              <a:schemeClr val="accent1"/>
+            </a:fillRef>
+            <a:effectRef idx="0">
+              <a:schemeClr val="accent1"/>
+            </a:effectRef>
+            <a:fontRef idx="minor">
+              <a:schemeClr val="tx1"/>
+            </a:fontRef>
+          </p:style>
+        </p:cxnSp>
+      </p:grpSp>
+      <p:pic>
+        <p:nvPicPr>
+          <p:cNvPr id="38" name="Picture 4" descr="Schematic model of the deep learning algorithm in endoscopy. | Download  Scientific Diagram">
+            <a:extLst>
+              <a:ext uri="{FF2B5EF4-FFF2-40B4-BE49-F238E27FC236}">
+                <a16:creationId xmlns:a16="http://schemas.microsoft.com/office/drawing/2014/main" id="{1E02B365-E203-4FC5-A03E-3AF58F21465C}"/>
+              </a:ext>
+            </a:extLst>
+          </p:cNvPr>
+          <p:cNvPicPr>
+            <a:picLocks noChangeAspect="1" noChangeArrowheads="1"/>
+          </p:cNvPicPr>
+          <p:nvPr/>
+        </p:nvPicPr>
+        <p:blipFill rotWithShape="1">
+          <a:blip r:embed="rId5">
+            <a:extLst>
+              <a:ext uri="{28A0092B-C50C-407E-A947-70E740481C1C}">
+                <a14:useLocalDpi xmlns:a14="http://schemas.microsoft.com/office/drawing/2010/main" val="0"/>
+              </a:ext>
+            </a:extLst>
+          </a:blip>
+          <a:srcRect l="20149" r="29155" b="8218"/>
+          <a:stretch/>
+        </p:blipFill>
+        <p:spPr bwMode="auto">
+          <a:xfrm>
+            <a:off x="8370739" y="2487149"/>
+            <a:ext cx="2592000" cy="2804590"/>
+          </a:xfrm>
+          <a:prstGeom prst="rect">
+            <a:avLst/>
+          </a:prstGeom>
+          <a:noFill/>
+          <a:extLst>
+            <a:ext uri="{909E8E84-426E-40DD-AFC4-6F175D3DCCD1}">
+              <a14:hiddenFill xmlns:a14="http://schemas.microsoft.com/office/drawing/2010/main">
+                <a:solidFill>
+                  <a:srgbClr val="FFFFFF"/>
+                </a:solidFill>
+              </a14:hiddenFill>
+            </a:ext>
+          </a:extLst>
+        </p:spPr>
+      </p:pic>
+      <p:cxnSp>
+        <p:nvCxnSpPr>
+          <p:cNvPr id="45" name="Connector: Curved 44">
+            <a:extLst>
+              <a:ext uri="{FF2B5EF4-FFF2-40B4-BE49-F238E27FC236}">
+                <a16:creationId xmlns:a16="http://schemas.microsoft.com/office/drawing/2014/main" id="{88C58731-9C82-4323-8CDF-4B3676598674}"/>
+              </a:ext>
+            </a:extLst>
+          </p:cNvPr>
+          <p:cNvCxnSpPr/>
+          <p:nvPr/>
+        </p:nvCxnSpPr>
+        <p:spPr>
+          <a:xfrm>
+            <a:off x="9192986" y="2485927"/>
+            <a:ext cx="637656" cy="250312"/>
+          </a:xfrm>
+          <a:prstGeom prst="curvedConnector3">
+            <a:avLst>
+              <a:gd name="adj1" fmla="val 111457"/>
+            </a:avLst>
+          </a:prstGeom>
+          <a:ln w="28575">
+            <a:solidFill>
+              <a:srgbClr val="FF0000"/>
+            </a:solidFill>
+            <a:headEnd type="triangle"/>
+            <a:tailEnd type="triangle"/>
+          </a:ln>
+        </p:spPr>
+        <p:style>
+          <a:lnRef idx="1">
+            <a:schemeClr val="accent1"/>
+          </a:lnRef>
+          <a:fillRef idx="0">
+            <a:schemeClr val="accent1"/>
+          </a:fillRef>
+          <a:effectRef idx="0">
+            <a:schemeClr val="accent1"/>
+          </a:effectRef>
+          <a:fontRef idx="minor">
+            <a:schemeClr val="tx1"/>
+          </a:fontRef>
+        </p:style>
+      </p:cxnSp>
+      <p:cxnSp>
+        <p:nvCxnSpPr>
+          <p:cNvPr id="50" name="Connector: Curved 49">
+            <a:extLst>
+              <a:ext uri="{FF2B5EF4-FFF2-40B4-BE49-F238E27FC236}">
+                <a16:creationId xmlns:a16="http://schemas.microsoft.com/office/drawing/2014/main" id="{9DFEC8BF-E452-4ACC-B205-D5FF238C6B2D}"/>
+              </a:ext>
+            </a:extLst>
+          </p:cNvPr>
+          <p:cNvCxnSpPr>
+            <a:cxnSpLocks/>
+          </p:cNvCxnSpPr>
+          <p:nvPr/>
+        </p:nvCxnSpPr>
+        <p:spPr>
+          <a:xfrm>
+            <a:off x="9847813" y="2818936"/>
+            <a:ext cx="537158" cy="314892"/>
+          </a:xfrm>
+          <a:prstGeom prst="curvedConnector3">
+            <a:avLst>
+              <a:gd name="adj1" fmla="val 119916"/>
+            </a:avLst>
+          </a:prstGeom>
+          <a:ln w="28575">
+            <a:solidFill>
+              <a:srgbClr val="FF0000"/>
+            </a:solidFill>
+            <a:headEnd type="triangle"/>
+            <a:tailEnd type="triangle"/>
+          </a:ln>
+        </p:spPr>
+        <p:style>
+          <a:lnRef idx="1">
+            <a:schemeClr val="accent1"/>
+          </a:lnRef>
+          <a:fillRef idx="0">
+            <a:schemeClr val="accent1"/>
+          </a:fillRef>
+          <a:effectRef idx="0">
+            <a:schemeClr val="accent1"/>
+          </a:effectRef>
+          <a:fontRef idx="minor">
+            <a:schemeClr val="tx1"/>
+          </a:fontRef>
+        </p:style>
+      </p:cxnSp>
+      <p:pic>
+        <p:nvPicPr>
+          <p:cNvPr id="1034" name="Picture 10" descr="Green Tick and Red Cross. Set of Check Marks. Good for Projects. Yes or No  Choice. Stock Vector - Illustration of agree, check: 195892137">
+            <a:extLst>
+              <a:ext uri="{FF2B5EF4-FFF2-40B4-BE49-F238E27FC236}">
+                <a16:creationId xmlns:a16="http://schemas.microsoft.com/office/drawing/2014/main" id="{ABAD7E9C-0657-4D6A-B71A-3863E993146E}"/>
+              </a:ext>
+            </a:extLst>
+          </p:cNvPr>
+          <p:cNvPicPr>
+            <a:picLocks noChangeAspect="1" noChangeArrowheads="1"/>
+          </p:cNvPicPr>
+          <p:nvPr/>
+        </p:nvPicPr>
+        <p:blipFill rotWithShape="1">
+          <a:blip r:embed="rId6">
+            <a:extLst>
+              <a:ext uri="{28A0092B-C50C-407E-A947-70E740481C1C}">
+                <a14:useLocalDpi xmlns:a14="http://schemas.microsoft.com/office/drawing/2010/main" val="0"/>
+              </a:ext>
+            </a:extLst>
+          </a:blip>
+          <a:srcRect l="-1854" r="51850"/>
+          <a:stretch/>
+        </p:blipFill>
+        <p:spPr bwMode="auto">
+          <a:xfrm>
+            <a:off x="11040169" y="3109086"/>
+            <a:ext cx="612000" cy="844664"/>
+          </a:xfrm>
+          <a:prstGeom prst="rect">
+            <a:avLst/>
+          </a:prstGeom>
+          <a:noFill/>
+          <a:extLst>
+            <a:ext uri="{909E8E84-426E-40DD-AFC4-6F175D3DCCD1}">
+              <a14:hiddenFill xmlns:a14="http://schemas.microsoft.com/office/drawing/2010/main">
+                <a:solidFill>
+                  <a:srgbClr val="FFFFFF"/>
+                </a:solidFill>
+              </a14:hiddenFill>
+            </a:ext>
+          </a:extLst>
+        </p:spPr>
+      </p:pic>
+      <p:pic>
+        <p:nvPicPr>
+          <p:cNvPr id="56" name="Picture 10" descr="Green Tick and Red Cross. Set of Check Marks. Good for Projects. Yes or No  Choice. Stock Vector - Illustration of agree, check: 195892137">
+            <a:extLst>
+              <a:ext uri="{FF2B5EF4-FFF2-40B4-BE49-F238E27FC236}">
+                <a16:creationId xmlns:a16="http://schemas.microsoft.com/office/drawing/2014/main" id="{D0D68736-BEC2-4AAD-9C04-74A027C12FEB}"/>
+              </a:ext>
+            </a:extLst>
+          </p:cNvPr>
+          <p:cNvPicPr>
+            <a:picLocks noChangeAspect="1" noChangeArrowheads="1"/>
+          </p:cNvPicPr>
+          <p:nvPr/>
+        </p:nvPicPr>
+        <p:blipFill rotWithShape="1">
+          <a:blip r:embed="rId6">
+            <a:extLst>
+              <a:ext uri="{28A0092B-C50C-407E-A947-70E740481C1C}">
+                <a14:useLocalDpi xmlns:a14="http://schemas.microsoft.com/office/drawing/2010/main" val="0"/>
+              </a:ext>
+            </a:extLst>
+          </a:blip>
+          <a:srcRect l="44636" r="4308"/>
+          <a:stretch/>
+        </p:blipFill>
+        <p:spPr bwMode="auto">
+          <a:xfrm>
+            <a:off x="11119308" y="3875768"/>
+            <a:ext cx="648000" cy="844664"/>
+          </a:xfrm>
+          <a:prstGeom prst="rect">
+            <a:avLst/>
+          </a:prstGeom>
+          <a:noFill/>
+          <a:extLst>
+            <a:ext uri="{909E8E84-426E-40DD-AFC4-6F175D3DCCD1}">
+              <a14:hiddenFill xmlns:a14="http://schemas.microsoft.com/office/drawing/2010/main">
+                <a:solidFill>
+                  <a:srgbClr val="FFFFFF"/>
+                </a:solidFill>
+              </a14:hiddenFill>
+            </a:ext>
+          </a:extLst>
+        </p:spPr>
+      </p:pic>
+      <p:sp>
+        <p:nvSpPr>
+          <p:cNvPr id="58" name="TextBox 57">
+            <a:extLst>
+              <a:ext uri="{FF2B5EF4-FFF2-40B4-BE49-F238E27FC236}">
+                <a16:creationId xmlns:a16="http://schemas.microsoft.com/office/drawing/2014/main" id="{E887D1D8-289F-4E7B-BCCB-C0D37C27EC1D}"/>
+              </a:ext>
+            </a:extLst>
+          </p:cNvPr>
+          <p:cNvSpPr txBox="1"/>
+          <p:nvPr/>
+        </p:nvSpPr>
+        <p:spPr>
+          <a:xfrm>
+            <a:off x="10742591" y="2462755"/>
+            <a:ext cx="1387087" cy="646331"/>
+          </a:xfrm>
+          <a:prstGeom prst="rect">
+            <a:avLst/>
+          </a:prstGeom>
+          <a:noFill/>
+          <a:ln>
+            <a:noFill/>
+          </a:ln>
+        </p:spPr>
+        <p:txBody>
+          <a:bodyPr wrap="square">
+            <a:spAutoFit/>
+          </a:bodyPr>
+          <a:lstStyle/>
+          <a:p>
+            <a:pPr marL="0" marR="0" lvl="0" indent="0" algn="ctr" defTabSz="914400" rtl="0" eaLnBrk="1" fontAlgn="auto" latinLnBrk="0" hangingPunct="1">
+              <a:lnSpc>
+                <a:spcPct val="100000"/>
+              </a:lnSpc>
+              <a:spcBef>
+                <a:spcPts val="0"/>
+              </a:spcBef>
+              <a:spcAft>
+                <a:spcPts val="0"/>
+              </a:spcAft>
+              <a:buClrTx/>
+              <a:buSzTx/>
+              <a:buFontTx/>
+              <a:buNone/>
+              <a:tabLst/>
+              <a:defRPr/>
+            </a:pPr>
+            <a:r>
+              <a:rPr kumimoji="0" lang="tr-TR" sz="1800" b="1" i="0" u="none" strike="noStrike" kern="1200" cap="none" spc="0" normalizeH="0" baseline="0" noProof="0" dirty="0">
+                <a:ln>
+                  <a:noFill/>
+                </a:ln>
+                <a:solidFill>
+                  <a:prstClr val="black"/>
+                </a:solidFill>
+                <a:effectLst/>
+                <a:uLnTx/>
+                <a:uFillTx/>
+                <a:latin typeface="Calibri" panose="020F0502020204030204"/>
+                <a:ea typeface="+mn-ea"/>
+                <a:cs typeface="+mn-cs"/>
+              </a:rPr>
+              <a:t>Relationship</a:t>
+            </a:r>
+          </a:p>
+          <a:p>
+            <a:pPr marL="0" marR="0" lvl="0" indent="0" algn="ctr" defTabSz="914400" rtl="0" eaLnBrk="1" fontAlgn="auto" latinLnBrk="0" hangingPunct="1">
+              <a:lnSpc>
+                <a:spcPct val="100000"/>
+              </a:lnSpc>
+              <a:spcBef>
+                <a:spcPts val="0"/>
+              </a:spcBef>
+              <a:spcAft>
+                <a:spcPts val="0"/>
+              </a:spcAft>
+              <a:buClrTx/>
+              <a:buSzTx/>
+              <a:buFontTx/>
+              <a:buNone/>
+              <a:tabLst/>
+              <a:defRPr/>
+            </a:pPr>
+            <a:r>
+              <a:rPr kumimoji="0" lang="tr-TR" sz="1800" b="1" i="0" u="none" strike="noStrike" kern="1200" cap="none" spc="0" normalizeH="0" baseline="0" noProof="0" dirty="0">
+                <a:ln>
+                  <a:noFill/>
+                </a:ln>
+                <a:solidFill>
+                  <a:prstClr val="black"/>
+                </a:solidFill>
+                <a:effectLst/>
+                <a:uLnTx/>
+                <a:uFillTx/>
+                <a:latin typeface="Calibri" panose="020F0502020204030204"/>
+                <a:ea typeface="+mn-ea"/>
+                <a:cs typeface="+mn-cs"/>
+              </a:rPr>
+              <a:t>status</a:t>
+            </a:r>
+          </a:p>
+        </p:txBody>
+      </p:sp>
+      <p:sp>
+        <p:nvSpPr>
+          <p:cNvPr id="59" name="Rectangle: Rounded Corners 58">
+            <a:extLst>
+              <a:ext uri="{FF2B5EF4-FFF2-40B4-BE49-F238E27FC236}">
+                <a16:creationId xmlns:a16="http://schemas.microsoft.com/office/drawing/2014/main" id="{F84D8F3B-E87A-44BA-994F-E3148D8B7578}"/>
+              </a:ext>
+            </a:extLst>
+          </p:cNvPr>
+          <p:cNvSpPr/>
+          <p:nvPr/>
+        </p:nvSpPr>
+        <p:spPr>
+          <a:xfrm>
+            <a:off x="87083" y="45632"/>
+            <a:ext cx="12026266" cy="573510"/>
+          </a:xfrm>
+          <a:prstGeom prst="roundRect">
+            <a:avLst/>
+          </a:prstGeom>
+          <a:solidFill>
+            <a:schemeClr val="accent1">
+              <a:alpha val="8000"/>
+            </a:schemeClr>
+          </a:solidFill>
+        </p:spPr>
+        <p:style>
+          <a:lnRef idx="2">
+            <a:schemeClr val="accent1">
+              <a:shade val="50000"/>
+            </a:schemeClr>
+          </a:lnRef>
+          <a:fillRef idx="1">
+            <a:schemeClr val="accent1"/>
+          </a:fillRef>
+          <a:effectRef idx="0">
+            <a:schemeClr val="accent1"/>
+          </a:effectRef>
+          <a:fontRef idx="minor">
+            <a:schemeClr val="lt1"/>
+          </a:fontRef>
+        </p:style>
+        <p:txBody>
+          <a:bodyPr rtlCol="0" anchor="ctr"/>
+          <a:lstStyle/>
+          <a:p>
+            <a:pPr marL="0" marR="0" lvl="0" indent="0" algn="ctr" defTabSz="914400" rtl="0" eaLnBrk="1" fontAlgn="auto" latinLnBrk="0" hangingPunct="1">
+              <a:lnSpc>
+                <a:spcPct val="100000"/>
+              </a:lnSpc>
+              <a:spcBef>
+                <a:spcPts val="0"/>
+              </a:spcBef>
+              <a:spcAft>
+                <a:spcPts val="0"/>
+              </a:spcAft>
+              <a:buClrTx/>
+              <a:buSzTx/>
+              <a:buFontTx/>
+              <a:buNone/>
+              <a:tabLst/>
+              <a:defRPr/>
+            </a:pPr>
+            <a:r>
+              <a:rPr kumimoji="0" lang="tr-TR" sz="3000" b="1" i="0" u="none" strike="noStrike" kern="1200" cap="none" spc="0" normalizeH="0" baseline="0" noProof="0" dirty="0">
+                <a:ln>
+                  <a:noFill/>
+                </a:ln>
+                <a:solidFill>
+                  <a:prstClr val="black"/>
+                </a:solidFill>
+                <a:effectLst/>
+                <a:uLnTx/>
+                <a:uFillTx/>
+                <a:latin typeface="Calibri" panose="020F0502020204030204"/>
+                <a:ea typeface="+mn-ea"/>
+                <a:cs typeface="+mn-cs"/>
+              </a:rPr>
+              <a:t>Qualitative Research - Non-material Factors Analysis</a:t>
+            </a:r>
+          </a:p>
+        </p:txBody>
+      </p:sp>
+      <p:sp>
+        <p:nvSpPr>
+          <p:cNvPr id="60" name="TextBox 59">
+            <a:extLst>
+              <a:ext uri="{FF2B5EF4-FFF2-40B4-BE49-F238E27FC236}">
+                <a16:creationId xmlns:a16="http://schemas.microsoft.com/office/drawing/2014/main" id="{6530F482-C6E6-459A-81D3-24C73D53D52C}"/>
+              </a:ext>
+            </a:extLst>
+          </p:cNvPr>
+          <p:cNvSpPr txBox="1"/>
+          <p:nvPr/>
+        </p:nvSpPr>
+        <p:spPr>
+          <a:xfrm>
+            <a:off x="8485043" y="5224505"/>
+            <a:ext cx="3281430" cy="923330"/>
+          </a:xfrm>
+          <a:prstGeom prst="rect">
+            <a:avLst/>
+          </a:prstGeom>
+          <a:noFill/>
+        </p:spPr>
+        <p:txBody>
+          <a:bodyPr wrap="square">
+            <a:spAutoFit/>
+          </a:bodyPr>
+          <a:lstStyle/>
+          <a:p>
+            <a:pPr marL="0" marR="0" lvl="0" indent="0" algn="ctr" defTabSz="914400" rtl="0" eaLnBrk="1" fontAlgn="auto" latinLnBrk="0" hangingPunct="1">
+              <a:lnSpc>
+                <a:spcPct val="100000"/>
+              </a:lnSpc>
+              <a:spcBef>
+                <a:spcPts val="0"/>
+              </a:spcBef>
+              <a:spcAft>
+                <a:spcPts val="0"/>
+              </a:spcAft>
+              <a:buClrTx/>
+              <a:buSzTx/>
+              <a:buFontTx/>
+              <a:buNone/>
+              <a:tabLst/>
+              <a:defRPr/>
+            </a:pPr>
+            <a:r>
+              <a:rPr kumimoji="0" lang="tr-TR" sz="1800" b="0" i="0" u="none" strike="noStrike" kern="1200" cap="none" spc="0" normalizeH="0" baseline="0" noProof="0" dirty="0">
+                <a:ln>
+                  <a:noFill/>
+                </a:ln>
+                <a:solidFill>
+                  <a:prstClr val="black"/>
+                </a:solidFill>
+                <a:effectLst/>
+                <a:uLnTx/>
+                <a:uFillTx/>
+                <a:latin typeface="Calibri" panose="020F0502020204030204"/>
+                <a:ea typeface="+mn-ea"/>
+                <a:cs typeface="+mn-cs"/>
+              </a:rPr>
+              <a:t>Creation of </a:t>
+            </a:r>
+            <a:r>
+              <a:rPr kumimoji="0" lang="en-US" sz="1800" b="0" i="0" u="none" strike="noStrike" kern="1200" cap="none" spc="0" normalizeH="0" baseline="0" noProof="0" dirty="0">
+                <a:ln>
+                  <a:noFill/>
+                </a:ln>
+                <a:solidFill>
+                  <a:prstClr val="black"/>
+                </a:solidFill>
+                <a:effectLst/>
+                <a:uLnTx/>
+                <a:uFillTx/>
+                <a:latin typeface="Calibri" panose="020F0502020204030204"/>
+                <a:ea typeface="+mn-ea"/>
+                <a:cs typeface="+mn-cs"/>
+              </a:rPr>
+              <a:t>new features to build downstream </a:t>
+            </a:r>
+            <a:r>
+              <a:rPr kumimoji="0" lang="tr-TR" sz="1800" b="0" i="0" u="none" strike="noStrike" kern="1200" cap="none" spc="0" normalizeH="0" baseline="0" noProof="0" dirty="0">
+                <a:ln>
+                  <a:noFill/>
+                </a:ln>
+                <a:solidFill>
+                  <a:prstClr val="black"/>
+                </a:solidFill>
+                <a:effectLst/>
+                <a:uLnTx/>
+                <a:uFillTx/>
+                <a:latin typeface="Calibri" panose="020F0502020204030204"/>
+                <a:ea typeface="+mn-ea"/>
+                <a:cs typeface="+mn-cs"/>
+              </a:rPr>
+              <a:t>DL </a:t>
+            </a:r>
+            <a:r>
+              <a:rPr kumimoji="0" lang="en-US" sz="1800" b="0" i="0" u="none" strike="noStrike" kern="1200" cap="none" spc="0" normalizeH="0" baseline="0" noProof="0" dirty="0">
+                <a:ln>
+                  <a:noFill/>
+                </a:ln>
+                <a:solidFill>
+                  <a:prstClr val="black"/>
+                </a:solidFill>
+                <a:effectLst/>
+                <a:uLnTx/>
+                <a:uFillTx/>
+                <a:latin typeface="Calibri" panose="020F0502020204030204"/>
+                <a:ea typeface="+mn-ea"/>
+                <a:cs typeface="+mn-cs"/>
+              </a:rPr>
+              <a:t>models to find relation</a:t>
+            </a:r>
+            <a:r>
+              <a:rPr kumimoji="0" lang="tr-TR" sz="1800" b="0" i="0" u="none" strike="noStrike" kern="1200" cap="none" spc="0" normalizeH="0" baseline="0" noProof="0" dirty="0">
+                <a:ln>
+                  <a:noFill/>
+                </a:ln>
+                <a:solidFill>
+                  <a:prstClr val="black"/>
+                </a:solidFill>
+                <a:effectLst/>
+                <a:uLnTx/>
+                <a:uFillTx/>
+                <a:latin typeface="Calibri" panose="020F0502020204030204"/>
+                <a:ea typeface="+mn-ea"/>
+                <a:cs typeface="+mn-cs"/>
+              </a:rPr>
+              <a:t>ships</a:t>
+            </a:r>
+          </a:p>
+        </p:txBody>
+      </p:sp>
+      <p:sp>
+        <p:nvSpPr>
+          <p:cNvPr id="61" name="Arrow: Striped Right 60">
+            <a:extLst>
+              <a:ext uri="{FF2B5EF4-FFF2-40B4-BE49-F238E27FC236}">
+                <a16:creationId xmlns:a16="http://schemas.microsoft.com/office/drawing/2014/main" id="{704AE546-4E09-4DE2-8494-EBFF09F2AEF2}"/>
+              </a:ext>
+            </a:extLst>
+          </p:cNvPr>
+          <p:cNvSpPr/>
+          <p:nvPr/>
+        </p:nvSpPr>
+        <p:spPr>
+          <a:xfrm>
+            <a:off x="3256950" y="3601090"/>
+            <a:ext cx="708942" cy="595497"/>
+          </a:xfrm>
+          <a:prstGeom prst="stripedRightArrow">
+            <a:avLst/>
+          </a:prstGeom>
+          <a:solidFill>
+            <a:srgbClr val="44E43C"/>
+          </a:solidFill>
+        </p:spPr>
+        <p:style>
+          <a:lnRef idx="2">
+            <a:schemeClr val="accent1">
+              <a:shade val="50000"/>
+            </a:schemeClr>
+          </a:lnRef>
+          <a:fillRef idx="1">
+            <a:schemeClr val="accent1"/>
+          </a:fillRef>
+          <a:effectRef idx="0">
+            <a:schemeClr val="accent1"/>
+          </a:effectRef>
+          <a:fontRef idx="minor">
+            <a:schemeClr val="lt1"/>
+          </a:fontRef>
+        </p:style>
+        <p:txBody>
+          <a:bodyPr rtlCol="0" anchor="ctr"/>
+          <a:lstStyle/>
+          <a:p>
+            <a:pPr marL="0" marR="0" lvl="0" indent="0" algn="ctr" defTabSz="914400" rtl="0" eaLnBrk="1" fontAlgn="auto" latinLnBrk="0" hangingPunct="1">
+              <a:lnSpc>
+                <a:spcPct val="100000"/>
+              </a:lnSpc>
+              <a:spcBef>
+                <a:spcPts val="0"/>
+              </a:spcBef>
+              <a:spcAft>
+                <a:spcPts val="0"/>
+              </a:spcAft>
+              <a:buClrTx/>
+              <a:buSzTx/>
+              <a:buFontTx/>
+              <a:buNone/>
+              <a:tabLst/>
+              <a:defRPr/>
+            </a:pPr>
+            <a:endParaRPr kumimoji="0" lang="tr-TR" sz="1800" b="1" i="0" u="none" strike="noStrike" kern="1200" cap="none" spc="0" normalizeH="0" baseline="0" noProof="0" dirty="0">
+              <a:ln>
+                <a:noFill/>
+              </a:ln>
+              <a:solidFill>
+                <a:prstClr val="white"/>
+              </a:solidFill>
+              <a:effectLst/>
+              <a:uLnTx/>
+              <a:uFillTx/>
+              <a:latin typeface="Calibri" panose="020F0502020204030204"/>
+              <a:ea typeface="+mn-ea"/>
+              <a:cs typeface="+mn-cs"/>
+            </a:endParaRPr>
+          </a:p>
+        </p:txBody>
+      </p:sp>
+      <p:sp>
+        <p:nvSpPr>
+          <p:cNvPr id="62" name="Arrow: Striped Right 61">
+            <a:extLst>
+              <a:ext uri="{FF2B5EF4-FFF2-40B4-BE49-F238E27FC236}">
+                <a16:creationId xmlns:a16="http://schemas.microsoft.com/office/drawing/2014/main" id="{7C4A3F24-77D3-420E-B2BE-A13F206EB05C}"/>
+              </a:ext>
+            </a:extLst>
+          </p:cNvPr>
+          <p:cNvSpPr/>
+          <p:nvPr/>
+        </p:nvSpPr>
+        <p:spPr>
+          <a:xfrm>
+            <a:off x="7652918" y="3606392"/>
+            <a:ext cx="708942" cy="595497"/>
+          </a:xfrm>
+          <a:prstGeom prst="stripedRightArrow">
+            <a:avLst/>
+          </a:prstGeom>
+          <a:solidFill>
+            <a:srgbClr val="44E43C"/>
+          </a:solidFill>
+        </p:spPr>
+        <p:style>
+          <a:lnRef idx="2">
+            <a:schemeClr val="accent1">
+              <a:shade val="50000"/>
+            </a:schemeClr>
+          </a:lnRef>
+          <a:fillRef idx="1">
+            <a:schemeClr val="accent1"/>
+          </a:fillRef>
+          <a:effectRef idx="0">
+            <a:schemeClr val="accent1"/>
+          </a:effectRef>
+          <a:fontRef idx="minor">
+            <a:schemeClr val="lt1"/>
+          </a:fontRef>
+        </p:style>
+        <p:txBody>
+          <a:bodyPr rtlCol="0" anchor="ctr"/>
+          <a:lstStyle/>
+          <a:p>
+            <a:pPr marL="0" marR="0" lvl="0" indent="0" algn="ctr" defTabSz="914400" rtl="0" eaLnBrk="1" fontAlgn="auto" latinLnBrk="0" hangingPunct="1">
+              <a:lnSpc>
+                <a:spcPct val="100000"/>
+              </a:lnSpc>
+              <a:spcBef>
+                <a:spcPts val="0"/>
+              </a:spcBef>
+              <a:spcAft>
+                <a:spcPts val="0"/>
+              </a:spcAft>
+              <a:buClrTx/>
+              <a:buSzTx/>
+              <a:buFontTx/>
+              <a:buNone/>
+              <a:tabLst/>
+              <a:defRPr/>
+            </a:pPr>
+            <a:endParaRPr kumimoji="0" lang="tr-TR" sz="1800" b="1" i="0" u="none" strike="noStrike" kern="1200" cap="none" spc="0" normalizeH="0" baseline="0" noProof="0" dirty="0">
+              <a:ln>
+                <a:noFill/>
+              </a:ln>
+              <a:solidFill>
+                <a:prstClr val="white"/>
+              </a:solidFill>
+              <a:effectLst/>
+              <a:uLnTx/>
+              <a:uFillTx/>
+              <a:latin typeface="Calibri" panose="020F0502020204030204"/>
+              <a:ea typeface="+mn-ea"/>
+              <a:cs typeface="+mn-cs"/>
+            </a:endParaRPr>
+          </a:p>
+        </p:txBody>
+      </p:sp>
+      <p:sp>
+        <p:nvSpPr>
+          <p:cNvPr id="63" name="Oval 62">
+            <a:extLst>
+              <a:ext uri="{FF2B5EF4-FFF2-40B4-BE49-F238E27FC236}">
+                <a16:creationId xmlns:a16="http://schemas.microsoft.com/office/drawing/2014/main" id="{92E4AE53-C1C7-442C-A441-007C29961498}"/>
+              </a:ext>
+            </a:extLst>
+          </p:cNvPr>
+          <p:cNvSpPr/>
+          <p:nvPr/>
+        </p:nvSpPr>
+        <p:spPr>
+          <a:xfrm>
+            <a:off x="2115000" y="1340392"/>
+            <a:ext cx="660887" cy="557612"/>
+          </a:xfrm>
+          <a:prstGeom prst="ellipse">
+            <a:avLst/>
+          </a:prstGeom>
+          <a:solidFill>
+            <a:srgbClr val="FF0000"/>
+          </a:solidFill>
+        </p:spPr>
+        <p:style>
+          <a:lnRef idx="2">
+            <a:schemeClr val="accent1">
+              <a:shade val="50000"/>
+            </a:schemeClr>
+          </a:lnRef>
+          <a:fillRef idx="1">
+            <a:schemeClr val="accent1"/>
+          </a:fillRef>
+          <a:effectRef idx="0">
+            <a:schemeClr val="accent1"/>
+          </a:effectRef>
+          <a:fontRef idx="minor">
+            <a:schemeClr val="lt1"/>
+          </a:fontRef>
+        </p:style>
+        <p:txBody>
+          <a:bodyPr rtlCol="0" anchor="ctr"/>
+          <a:lstStyle/>
+          <a:p>
+            <a:pPr marL="0" marR="0" lvl="0" indent="0" algn="ctr" defTabSz="914400" rtl="0" eaLnBrk="1" fontAlgn="auto" latinLnBrk="0" hangingPunct="1">
+              <a:lnSpc>
+                <a:spcPct val="100000"/>
+              </a:lnSpc>
+              <a:spcBef>
+                <a:spcPts val="0"/>
+              </a:spcBef>
+              <a:spcAft>
+                <a:spcPts val="0"/>
+              </a:spcAft>
+              <a:buClrTx/>
+              <a:buSzTx/>
+              <a:buFontTx/>
+              <a:buNone/>
+              <a:tabLst/>
+              <a:defRPr/>
+            </a:pPr>
+            <a:r>
+              <a:rPr kumimoji="0" lang="tr-TR" sz="3600" b="1" i="0" u="none" strike="noStrike" kern="1200" cap="none" spc="0" normalizeH="0" baseline="0" noProof="0" dirty="0">
+                <a:ln>
+                  <a:noFill/>
+                </a:ln>
+                <a:solidFill>
+                  <a:sysClr val="windowText" lastClr="000000"/>
+                </a:solidFill>
+                <a:effectLst/>
+                <a:uLnTx/>
+                <a:uFillTx/>
+                <a:latin typeface="Calibri" panose="020F0502020204030204"/>
+                <a:ea typeface="+mn-ea"/>
+                <a:cs typeface="+mn-cs"/>
+              </a:rPr>
+              <a:t>1</a:t>
+            </a:r>
+          </a:p>
+        </p:txBody>
+      </p:sp>
+      <p:sp>
+        <p:nvSpPr>
+          <p:cNvPr id="64" name="Oval 63">
+            <a:extLst>
+              <a:ext uri="{FF2B5EF4-FFF2-40B4-BE49-F238E27FC236}">
+                <a16:creationId xmlns:a16="http://schemas.microsoft.com/office/drawing/2014/main" id="{83337D31-A4C1-4225-8B3F-0A8C435E4B17}"/>
+              </a:ext>
+            </a:extLst>
+          </p:cNvPr>
+          <p:cNvSpPr/>
+          <p:nvPr/>
+        </p:nvSpPr>
+        <p:spPr>
+          <a:xfrm>
+            <a:off x="5561783" y="1340392"/>
+            <a:ext cx="660887" cy="557612"/>
+          </a:xfrm>
+          <a:prstGeom prst="ellipse">
+            <a:avLst/>
+          </a:prstGeom>
+          <a:solidFill>
+            <a:srgbClr val="FF0000"/>
+          </a:solidFill>
+        </p:spPr>
+        <p:style>
+          <a:lnRef idx="2">
+            <a:schemeClr val="accent1">
+              <a:shade val="50000"/>
+            </a:schemeClr>
+          </a:lnRef>
+          <a:fillRef idx="1">
+            <a:schemeClr val="accent1"/>
+          </a:fillRef>
+          <a:effectRef idx="0">
+            <a:schemeClr val="accent1"/>
+          </a:effectRef>
+          <a:fontRef idx="minor">
+            <a:schemeClr val="lt1"/>
+          </a:fontRef>
+        </p:style>
+        <p:txBody>
+          <a:bodyPr rtlCol="0" anchor="ctr"/>
+          <a:lstStyle/>
+          <a:p>
+            <a:pPr marL="0" marR="0" lvl="0" indent="0" algn="ctr" defTabSz="914400" rtl="0" eaLnBrk="1" fontAlgn="auto" latinLnBrk="0" hangingPunct="1">
+              <a:lnSpc>
+                <a:spcPct val="100000"/>
+              </a:lnSpc>
+              <a:spcBef>
+                <a:spcPts val="0"/>
+              </a:spcBef>
+              <a:spcAft>
+                <a:spcPts val="0"/>
+              </a:spcAft>
+              <a:buClrTx/>
+              <a:buSzTx/>
+              <a:buFontTx/>
+              <a:buNone/>
+              <a:tabLst/>
+              <a:defRPr/>
+            </a:pPr>
+            <a:r>
+              <a:rPr kumimoji="0" lang="tr-TR" sz="3600" b="1" i="0" u="none" strike="noStrike" kern="1200" cap="none" spc="0" normalizeH="0" baseline="0" noProof="0" dirty="0">
+                <a:ln>
+                  <a:noFill/>
+                </a:ln>
+                <a:solidFill>
+                  <a:sysClr val="windowText" lastClr="000000"/>
+                </a:solidFill>
+                <a:effectLst/>
+                <a:uLnTx/>
+                <a:uFillTx/>
+                <a:latin typeface="Calibri" panose="020F0502020204030204"/>
+                <a:ea typeface="+mn-ea"/>
+                <a:cs typeface="+mn-cs"/>
+              </a:rPr>
+              <a:t>2</a:t>
+            </a:r>
+          </a:p>
+        </p:txBody>
+      </p:sp>
+      <p:sp>
+        <p:nvSpPr>
+          <p:cNvPr id="65" name="Oval 64">
+            <a:extLst>
+              <a:ext uri="{FF2B5EF4-FFF2-40B4-BE49-F238E27FC236}">
+                <a16:creationId xmlns:a16="http://schemas.microsoft.com/office/drawing/2014/main" id="{10D03788-5D1D-44FD-9E00-C8D92DFA950D}"/>
+              </a:ext>
+            </a:extLst>
+          </p:cNvPr>
+          <p:cNvSpPr/>
+          <p:nvPr/>
+        </p:nvSpPr>
+        <p:spPr>
+          <a:xfrm>
+            <a:off x="9967659" y="1304253"/>
+            <a:ext cx="660887" cy="557612"/>
+          </a:xfrm>
+          <a:prstGeom prst="ellipse">
+            <a:avLst/>
+          </a:prstGeom>
+          <a:solidFill>
+            <a:srgbClr val="FF0000"/>
+          </a:solidFill>
+        </p:spPr>
+        <p:style>
+          <a:lnRef idx="2">
+            <a:schemeClr val="accent1">
+              <a:shade val="50000"/>
+            </a:schemeClr>
+          </a:lnRef>
+          <a:fillRef idx="1">
+            <a:schemeClr val="accent1"/>
+          </a:fillRef>
+          <a:effectRef idx="0">
+            <a:schemeClr val="accent1"/>
+          </a:effectRef>
+          <a:fontRef idx="minor">
+            <a:schemeClr val="lt1"/>
+          </a:fontRef>
+        </p:style>
+        <p:txBody>
+          <a:bodyPr rtlCol="0" anchor="ctr"/>
+          <a:lstStyle/>
+          <a:p>
+            <a:pPr marL="0" marR="0" lvl="0" indent="0" algn="ctr" defTabSz="914400" rtl="0" eaLnBrk="1" fontAlgn="auto" latinLnBrk="0" hangingPunct="1">
+              <a:lnSpc>
+                <a:spcPct val="100000"/>
+              </a:lnSpc>
+              <a:spcBef>
+                <a:spcPts val="0"/>
+              </a:spcBef>
+              <a:spcAft>
+                <a:spcPts val="0"/>
+              </a:spcAft>
+              <a:buClrTx/>
+              <a:buSzTx/>
+              <a:buFontTx/>
+              <a:buNone/>
+              <a:tabLst/>
+              <a:defRPr/>
+            </a:pPr>
+            <a:r>
+              <a:rPr kumimoji="0" lang="tr-TR" sz="3600" b="1" i="0" u="none" strike="noStrike" kern="1200" cap="none" spc="0" normalizeH="0" baseline="0" noProof="0" dirty="0">
+                <a:ln>
+                  <a:noFill/>
+                </a:ln>
+                <a:solidFill>
+                  <a:sysClr val="windowText" lastClr="000000"/>
+                </a:solidFill>
+                <a:effectLst/>
+                <a:uLnTx/>
+                <a:uFillTx/>
+                <a:latin typeface="Calibri" panose="020F0502020204030204"/>
+                <a:ea typeface="+mn-ea"/>
+                <a:cs typeface="+mn-cs"/>
+              </a:rPr>
+              <a:t>3</a:t>
+            </a:r>
+          </a:p>
+        </p:txBody>
+      </p:sp>
+      <p:sp>
+        <p:nvSpPr>
+          <p:cNvPr id="66" name="TextBox 65">
+            <a:extLst>
+              <a:ext uri="{FF2B5EF4-FFF2-40B4-BE49-F238E27FC236}">
+                <a16:creationId xmlns:a16="http://schemas.microsoft.com/office/drawing/2014/main" id="{3292C072-EFC9-4E7C-8CB4-723A819E4139}"/>
+              </a:ext>
+            </a:extLst>
+          </p:cNvPr>
+          <p:cNvSpPr txBox="1"/>
+          <p:nvPr/>
+        </p:nvSpPr>
+        <p:spPr>
+          <a:xfrm>
+            <a:off x="6847429" y="1992304"/>
+            <a:ext cx="889505" cy="369332"/>
+          </a:xfrm>
+          <a:prstGeom prst="rect">
+            <a:avLst/>
+          </a:prstGeom>
+          <a:solidFill>
+            <a:schemeClr val="bg1">
+              <a:lumMod val="95000"/>
+              <a:alpha val="72000"/>
+            </a:schemeClr>
+          </a:solidFill>
+          <a:ln>
+            <a:noFill/>
+          </a:ln>
+        </p:spPr>
+        <p:txBody>
+          <a:bodyPr wrap="square">
+            <a:spAutoFit/>
+          </a:bodyPr>
+          <a:lstStyle>
+            <a:defPPr>
+              <a:defRPr lang="tr-TR"/>
+            </a:defPPr>
+            <a:lvl1pPr>
+              <a:defRPr b="1"/>
+            </a:lvl1pPr>
+          </a:lstStyle>
+          <a:p>
+            <a:pPr marL="0" marR="0" lvl="0" indent="0" algn="l" defTabSz="914400" rtl="0" eaLnBrk="1" fontAlgn="auto" latinLnBrk="0" hangingPunct="1">
+              <a:lnSpc>
+                <a:spcPct val="100000"/>
+              </a:lnSpc>
+              <a:spcBef>
+                <a:spcPts val="0"/>
+              </a:spcBef>
+              <a:spcAft>
+                <a:spcPts val="0"/>
+              </a:spcAft>
+              <a:buClrTx/>
+              <a:buSzTx/>
+              <a:buFontTx/>
+              <a:buNone/>
+              <a:tabLst/>
+              <a:defRPr/>
+            </a:pPr>
+            <a:r>
+              <a:rPr kumimoji="0" lang="tr-TR" sz="1800" b="1" i="0" u="none" strike="noStrike" kern="1200" cap="none" spc="0" normalizeH="0" baseline="0" noProof="0" dirty="0">
+                <a:ln>
+                  <a:noFill/>
+                </a:ln>
+                <a:solidFill>
+                  <a:prstClr val="black"/>
+                </a:solidFill>
+                <a:effectLst/>
+                <a:uLnTx/>
+                <a:uFillTx/>
+                <a:latin typeface="Calibri" panose="020F0502020204030204"/>
+                <a:ea typeface="+mn-ea"/>
+                <a:cs typeface="+mn-cs"/>
+              </a:rPr>
+              <a:t>morale</a:t>
+            </a:r>
+          </a:p>
+        </p:txBody>
+      </p:sp>
+      <p:pic>
+        <p:nvPicPr>
+          <p:cNvPr id="40" name="Picture 2" descr="Python Training - Object Development - Virtual Beehive">
+            <a:extLst>
+              <a:ext uri="{FF2B5EF4-FFF2-40B4-BE49-F238E27FC236}">
+                <a16:creationId xmlns:a16="http://schemas.microsoft.com/office/drawing/2014/main" id="{FF96A657-89AB-437E-A75A-9545CF3F9E13}"/>
+              </a:ext>
+            </a:extLst>
+          </p:cNvPr>
+          <p:cNvPicPr>
+            <a:picLocks noChangeAspect="1" noChangeArrowheads="1"/>
+          </p:cNvPicPr>
+          <p:nvPr/>
+        </p:nvPicPr>
+        <p:blipFill rotWithShape="1">
+          <a:blip r:embed="rId7">
+            <a:extLst>
+              <a:ext uri="{28A0092B-C50C-407E-A947-70E740481C1C}">
+                <a14:useLocalDpi xmlns:a14="http://schemas.microsoft.com/office/drawing/2010/main" val="0"/>
+              </a:ext>
+            </a:extLst>
+          </a:blip>
+          <a:srcRect l="30227" t="8545" r="27510" b="16749"/>
+          <a:stretch/>
+        </p:blipFill>
+        <p:spPr bwMode="auto">
+          <a:xfrm>
+            <a:off x="238849" y="5059482"/>
+            <a:ext cx="1069539" cy="945283"/>
+          </a:xfrm>
+          <a:prstGeom prst="rect">
+            <a:avLst/>
+          </a:prstGeom>
+          <a:noFill/>
+          <a:ln>
+            <a:solidFill>
+              <a:schemeClr val="bg1">
+                <a:lumMod val="65000"/>
+              </a:schemeClr>
+            </a:solidFill>
+          </a:ln>
+          <a:extLst>
+            <a:ext uri="{909E8E84-426E-40DD-AFC4-6F175D3DCCD1}">
+              <a14:hiddenFill xmlns:a14="http://schemas.microsoft.com/office/drawing/2010/main">
+                <a:solidFill>
+                  <a:srgbClr val="FFFFFF"/>
+                </a:solidFill>
+              </a14:hiddenFill>
+            </a:ext>
+          </a:extLst>
+        </p:spPr>
+      </p:pic>
+    </p:spTree>
+    <p:extLst>
+      <p:ext uri="{BB962C8B-B14F-4D97-AF65-F5344CB8AC3E}">
+        <p14:creationId xmlns:p14="http://schemas.microsoft.com/office/powerpoint/2010/main" val="358766640"/>
+      </p:ext>
+    </p:extLst>
+  </p:cSld>
+  <p:clrMapOvr>
+    <a:masterClrMapping/>
+  </p:clrMapOvr>
+</p:sld>
+</file>
+
+<file path=ppt/slides/slide33.xml><?xml version="1.0" encoding="utf-8"?>
+<p:sld xmlns:a="http://schemas.openxmlformats.org/drawingml/2006/main" xmlns:r="http://schemas.openxmlformats.org/officeDocument/2006/relationships" xmlns:p="http://schemas.openxmlformats.org/presentationml/2006/main">
+  <p:cSld>
+    <p:spTree>
+      <p:nvGrpSpPr>
+        <p:cNvPr id="1" name=""/>
+        <p:cNvGrpSpPr/>
+        <p:nvPr/>
+      </p:nvGrpSpPr>
+      <p:grpSpPr>
+        <a:xfrm>
+          <a:off x="0" y="0"/>
+          <a:ext cx="0" cy="0"/>
+          <a:chOff x="0" y="0"/>
+          <a:chExt cx="0" cy="0"/>
+        </a:xfrm>
+      </p:grpSpPr>
+      <p:sp>
+        <p:nvSpPr>
+          <p:cNvPr id="2" name="Title 1">
+            <a:extLst>
+              <a:ext uri="{FF2B5EF4-FFF2-40B4-BE49-F238E27FC236}">
+                <a16:creationId xmlns:a16="http://schemas.microsoft.com/office/drawing/2014/main" id="{31F3B810-E473-4E0E-91F8-2FC9A35FC090}"/>
+              </a:ext>
+            </a:extLst>
+          </p:cNvPr>
+          <p:cNvSpPr>
+            <a:spLocks noGrp="1"/>
+          </p:cNvSpPr>
+          <p:nvPr>
+            <p:ph type="title"/>
+          </p:nvPr>
+        </p:nvSpPr>
+        <p:spPr>
+          <a:xfrm>
+            <a:off x="838200" y="365126"/>
+            <a:ext cx="10515600" cy="1088118"/>
+          </a:xfrm>
+        </p:spPr>
+        <p:txBody>
+          <a:bodyPr>
+            <a:normAutofit/>
+          </a:bodyPr>
+          <a:lstStyle/>
+          <a:p>
+            <a:r>
+              <a:rPr lang="tr-TR" b="1" dirty="0"/>
+              <a:t>Annotating Named Entities, Leadership</a:t>
+            </a:r>
+          </a:p>
+        </p:txBody>
+      </p:sp>
+      <p:sp>
+        <p:nvSpPr>
+          <p:cNvPr id="3" name="Content Placeholder 2">
+            <a:extLst>
+              <a:ext uri="{FF2B5EF4-FFF2-40B4-BE49-F238E27FC236}">
+                <a16:creationId xmlns:a16="http://schemas.microsoft.com/office/drawing/2014/main" id="{82066F8D-D20A-4639-B089-881B89799347}"/>
+              </a:ext>
+            </a:extLst>
+          </p:cNvPr>
+          <p:cNvSpPr>
+            <a:spLocks noGrp="1"/>
+          </p:cNvSpPr>
+          <p:nvPr>
+            <p:ph idx="1"/>
+          </p:nvPr>
+        </p:nvSpPr>
+        <p:spPr/>
+        <p:txBody>
+          <a:bodyPr>
+            <a:normAutofit lnSpcReduction="10000"/>
+          </a:bodyPr>
+          <a:lstStyle/>
+          <a:p>
+            <a:r>
+              <a:rPr lang="tr-TR" dirty="0">
+                <a:highlight>
+                  <a:srgbClr val="FFFF00"/>
+                </a:highlight>
+              </a:rPr>
+              <a:t>Strategy: </a:t>
+            </a:r>
+            <a:r>
+              <a:rPr lang="tr-TR" dirty="0"/>
+              <a:t>With deciding time when, the place where, and the forces with which the engagement is fought, and through this threefold activity </a:t>
+            </a:r>
+            <a:r>
+              <a:rPr lang="tr-TR" dirty="0">
+                <a:highlight>
+                  <a:srgbClr val="00FFFF"/>
+                </a:highlight>
+              </a:rPr>
+              <a:t>exerts considerable influence on its outcome</a:t>
+            </a:r>
+            <a:r>
+              <a:rPr lang="tr-TR" dirty="0"/>
+              <a:t>. Clausewitz, p.194</a:t>
+            </a:r>
+          </a:p>
+          <a:p>
+            <a:r>
+              <a:rPr lang="tr-TR" dirty="0">
+                <a:highlight>
+                  <a:srgbClr val="FFFF00"/>
+                </a:highlight>
+              </a:rPr>
+              <a:t>Calculation of time and space:</a:t>
+            </a:r>
+            <a:r>
+              <a:rPr lang="tr-TR" dirty="0"/>
+              <a:t>, Clausewitz, p.196</a:t>
+            </a:r>
+          </a:p>
+          <a:p>
+            <a:r>
+              <a:rPr lang="tr-TR" dirty="0"/>
+              <a:t>Effect of timing, Dupuy, 1979, 38</a:t>
+            </a:r>
+          </a:p>
+          <a:p>
+            <a:r>
+              <a:rPr lang="tr-TR" dirty="0"/>
+              <a:t>Utilization of space, Dupuy, 1979, 38</a:t>
+            </a:r>
+          </a:p>
+          <a:p>
+            <a:r>
+              <a:rPr lang="tr-TR" dirty="0"/>
+              <a:t>Intelligence, Dupuy, 1979, 38</a:t>
+            </a:r>
+          </a:p>
+          <a:p>
+            <a:r>
+              <a:rPr lang="tr-TR" dirty="0"/>
+              <a:t>Surprise, Dupuy, 1979, 38</a:t>
+            </a:r>
+          </a:p>
+          <a:p>
+            <a:r>
+              <a:rPr lang="tr-TR" dirty="0"/>
+              <a:t>Initiative, Dupuy, 1979, 38</a:t>
+            </a:r>
+          </a:p>
+          <a:p>
+            <a:endParaRPr lang="tr-TR" dirty="0"/>
+          </a:p>
+          <a:p>
+            <a:endParaRPr lang="tr-TR" dirty="0"/>
+          </a:p>
+          <a:p>
+            <a:endParaRPr lang="tr-TR" dirty="0"/>
+          </a:p>
+        </p:txBody>
+      </p:sp>
+    </p:spTree>
+    <p:extLst>
+      <p:ext uri="{BB962C8B-B14F-4D97-AF65-F5344CB8AC3E}">
+        <p14:creationId xmlns:p14="http://schemas.microsoft.com/office/powerpoint/2010/main" val="1481671225"/>
+      </p:ext>
+    </p:extLst>
+  </p:cSld>
+  <p:clrMapOvr>
+    <a:masterClrMapping/>
+  </p:clrMapOvr>
+</p:sld>
+</file>
+
+<file path=ppt/slides/slide34.xml><?xml version="1.0" encoding="utf-8"?>
+<p:sld xmlns:a="http://schemas.openxmlformats.org/drawingml/2006/main" xmlns:r="http://schemas.openxmlformats.org/officeDocument/2006/relationships" xmlns:p="http://schemas.openxmlformats.org/presentationml/2006/main">
+  <p:cSld>
+    <p:spTree>
+      <p:nvGrpSpPr>
+        <p:cNvPr id="1" name=""/>
+        <p:cNvGrpSpPr/>
+        <p:nvPr/>
+      </p:nvGrpSpPr>
+      <p:grpSpPr>
+        <a:xfrm>
+          <a:off x="0" y="0"/>
+          <a:ext cx="0" cy="0"/>
+          <a:chOff x="0" y="0"/>
+          <a:chExt cx="0" cy="0"/>
+        </a:xfrm>
+      </p:grpSpPr>
+      <p:sp>
+        <p:nvSpPr>
+          <p:cNvPr id="2" name="Title 1">
+            <a:extLst>
+              <a:ext uri="{FF2B5EF4-FFF2-40B4-BE49-F238E27FC236}">
+                <a16:creationId xmlns:a16="http://schemas.microsoft.com/office/drawing/2014/main" id="{D83B2118-B200-46C6-A3CC-A9CEF05212F9}"/>
+              </a:ext>
+            </a:extLst>
+          </p:cNvPr>
+          <p:cNvSpPr>
+            <a:spLocks noGrp="1"/>
+          </p:cNvSpPr>
+          <p:nvPr>
+            <p:ph type="title"/>
+          </p:nvPr>
+        </p:nvSpPr>
+        <p:spPr/>
+        <p:txBody>
+          <a:bodyPr>
+            <a:normAutofit/>
+          </a:bodyPr>
+          <a:lstStyle/>
+          <a:p>
+            <a:r>
+              <a:rPr lang="en-US" sz="3200" b="1" dirty="0"/>
+              <a:t>The Function in the Perceptron Model</a:t>
+            </a:r>
+            <a:endParaRPr lang="tr-TR" sz="3200" b="1" dirty="0"/>
+          </a:p>
+        </p:txBody>
+      </p:sp>
+      <p:pic>
+        <p:nvPicPr>
+          <p:cNvPr id="1026" name="Picture 2" descr="xl &#10;Inputs &#10;Output &#10;*w2 + b ">
+            <a:extLst>
+              <a:ext uri="{FF2B5EF4-FFF2-40B4-BE49-F238E27FC236}">
+                <a16:creationId xmlns:a16="http://schemas.microsoft.com/office/drawing/2014/main" id="{35FD8804-EA21-4155-BC10-BF9718018BEB}"/>
+              </a:ext>
+            </a:extLst>
+          </p:cNvPr>
+          <p:cNvPicPr>
+            <a:picLocks noChangeAspect="1" noChangeArrowheads="1"/>
+          </p:cNvPicPr>
+          <p:nvPr/>
+        </p:nvPicPr>
+        <p:blipFill>
+          <a:blip r:embed="rId2">
+            <a:extLst>
+              <a:ext uri="{28A0092B-C50C-407E-A947-70E740481C1C}">
+                <a14:useLocalDpi xmlns:a14="http://schemas.microsoft.com/office/drawing/2010/main" val="0"/>
+              </a:ext>
+            </a:extLst>
+          </a:blip>
+          <a:srcRect/>
+          <a:stretch>
+            <a:fillRect/>
+          </a:stretch>
+        </p:blipFill>
+        <p:spPr bwMode="auto">
+          <a:xfrm>
+            <a:off x="2431596" y="2209120"/>
+            <a:ext cx="6381750" cy="2047875"/>
+          </a:xfrm>
+          <a:prstGeom prst="rect">
+            <a:avLst/>
+          </a:prstGeom>
+          <a:noFill/>
+          <a:extLst>
+            <a:ext uri="{909E8E84-426E-40DD-AFC4-6F175D3DCCD1}">
+              <a14:hiddenFill xmlns:a14="http://schemas.microsoft.com/office/drawing/2010/main">
+                <a:solidFill>
+                  <a:srgbClr val="FFFFFF"/>
+                </a:solidFill>
+              </a14:hiddenFill>
+            </a:ext>
+          </a:extLst>
+        </p:spPr>
+      </p:pic>
+      <mc:AlternateContent xmlns:mc="http://schemas.openxmlformats.org/markup-compatibility/2006" xmlns:a14="http://schemas.microsoft.com/office/drawing/2010/main">
+        <mc:Choice Requires="a14">
+          <p:sp>
+            <p:nvSpPr>
+              <p:cNvPr id="6" name="TextBox 5">
+                <a:extLst>
+                  <a:ext uri="{FF2B5EF4-FFF2-40B4-BE49-F238E27FC236}">
+                    <a16:creationId xmlns:a16="http://schemas.microsoft.com/office/drawing/2014/main" id="{4D407F37-9F83-4B38-8017-D0570882BD0F}"/>
+                  </a:ext>
+                </a:extLst>
+              </p:cNvPr>
+              <p:cNvSpPr txBox="1"/>
+              <p:nvPr/>
+            </p:nvSpPr>
+            <p:spPr>
+              <a:xfrm>
+                <a:off x="0" y="1395906"/>
+                <a:ext cx="7249885" cy="369332"/>
+              </a:xfrm>
+              <a:prstGeom prst="rect">
+                <a:avLst/>
+              </a:prstGeom>
+              <a:noFill/>
+            </p:spPr>
+            <p:txBody>
+              <a:bodyPr wrap="square">
+                <a:spAutoFit/>
+              </a:bodyPr>
+              <a:lstStyle/>
+              <a:p>
+                <a:pPr/>
+                <a14:m>
+                  <m:oMathPara xmlns:m="http://schemas.openxmlformats.org/officeDocument/2006/math">
+                    <m:oMathParaPr>
+                      <m:jc m:val="centerGroup"/>
+                    </m:oMathParaPr>
+                    <m:oMath xmlns:m="http://schemas.openxmlformats.org/officeDocument/2006/math">
+                      <m:r>
+                        <m:rPr>
+                          <m:sty m:val="p"/>
+                        </m:rPr>
+                        <a:rPr lang="tr-TR" b="0" i="0" smtClean="0">
+                          <a:latin typeface="Cambria Math" panose="02040503050406030204" pitchFamily="18" charset="0"/>
+                        </a:rPr>
+                        <m:t>Why</m:t>
+                      </m:r>
+                      <m:r>
+                        <a:rPr lang="tr-TR" b="0" i="0" smtClean="0">
+                          <a:latin typeface="Cambria Math" panose="02040503050406030204" pitchFamily="18" charset="0"/>
+                        </a:rPr>
+                        <m:t> </m:t>
+                      </m:r>
+                      <m:r>
+                        <m:rPr>
+                          <m:sty m:val="p"/>
+                        </m:rPr>
+                        <a:rPr lang="tr-TR" b="0" i="0" smtClean="0">
+                          <a:latin typeface="Cambria Math" panose="02040503050406030204" pitchFamily="18" charset="0"/>
+                        </a:rPr>
+                        <m:t>neural</m:t>
+                      </m:r>
+                      <m:r>
+                        <a:rPr lang="tr-TR" b="0" i="0" smtClean="0">
+                          <a:latin typeface="Cambria Math" panose="02040503050406030204" pitchFamily="18" charset="0"/>
+                        </a:rPr>
+                        <m:t> </m:t>
+                      </m:r>
+                      <m:r>
+                        <m:rPr>
+                          <m:sty m:val="p"/>
+                        </m:rPr>
+                        <a:rPr lang="tr-TR" b="0" i="0" smtClean="0">
+                          <a:latin typeface="Cambria Math" panose="02040503050406030204" pitchFamily="18" charset="0"/>
+                        </a:rPr>
+                        <m:t>network</m:t>
+                      </m:r>
+                      <m:r>
+                        <a:rPr lang="tr-TR" b="0" i="0" smtClean="0">
+                          <a:latin typeface="Cambria Math" panose="02040503050406030204" pitchFamily="18" charset="0"/>
+                        </a:rPr>
+                        <m:t>:</m:t>
+                      </m:r>
+                      <m:r>
+                        <m:rPr>
+                          <m:sty m:val="p"/>
+                        </m:rPr>
+                        <a:rPr lang="tr-TR" b="0" i="0" smtClean="0">
+                          <a:latin typeface="Cambria Math" panose="02040503050406030204" pitchFamily="18" charset="0"/>
+                        </a:rPr>
+                        <m:t>better</m:t>
+                      </m:r>
+                      <m:r>
+                        <a:rPr lang="tr-TR" b="0" i="0" smtClean="0">
+                          <a:latin typeface="Cambria Math" panose="02040503050406030204" pitchFamily="18" charset="0"/>
+                        </a:rPr>
+                        <m:t> </m:t>
+                      </m:r>
+                      <m:r>
+                        <m:rPr>
+                          <m:sty m:val="p"/>
+                        </m:rPr>
+                        <a:rPr lang="tr-TR" b="0" i="0" smtClean="0">
+                          <a:latin typeface="Cambria Math" panose="02040503050406030204" pitchFamily="18" charset="0"/>
+                        </a:rPr>
+                        <m:t>in</m:t>
+                      </m:r>
+                      <m:r>
+                        <a:rPr lang="tr-TR" b="0" i="0" smtClean="0">
+                          <a:latin typeface="Cambria Math" panose="02040503050406030204" pitchFamily="18" charset="0"/>
+                        </a:rPr>
+                        <m:t> </m:t>
+                      </m:r>
+                      <m:r>
+                        <m:rPr>
+                          <m:sty m:val="p"/>
+                        </m:rPr>
+                        <a:rPr lang="tr-TR" b="0" i="0" smtClean="0">
+                          <a:latin typeface="Cambria Math" panose="02040503050406030204" pitchFamily="18" charset="0"/>
+                        </a:rPr>
+                        <m:t>non</m:t>
+                      </m:r>
+                      <m:r>
+                        <a:rPr lang="tr-TR" b="0" i="0" smtClean="0">
+                          <a:latin typeface="Cambria Math" panose="02040503050406030204" pitchFamily="18" charset="0"/>
+                        </a:rPr>
+                        <m:t>−</m:t>
+                      </m:r>
+                      <m:r>
+                        <m:rPr>
+                          <m:sty m:val="p"/>
+                        </m:rPr>
+                        <a:rPr lang="tr-TR" b="0" i="0" smtClean="0">
+                          <a:latin typeface="Cambria Math" panose="02040503050406030204" pitchFamily="18" charset="0"/>
+                        </a:rPr>
+                        <m:t>linear</m:t>
+                      </m:r>
+                      <m:r>
+                        <a:rPr lang="tr-TR" b="0" i="0" smtClean="0">
+                          <a:latin typeface="Cambria Math" panose="02040503050406030204" pitchFamily="18" charset="0"/>
+                        </a:rPr>
+                        <m:t> </m:t>
+                      </m:r>
+                      <m:r>
+                        <m:rPr>
+                          <m:sty m:val="p"/>
+                        </m:rPr>
+                        <a:rPr lang="tr-TR" b="0" i="0" smtClean="0">
+                          <a:latin typeface="Cambria Math" panose="02040503050406030204" pitchFamily="18" charset="0"/>
+                        </a:rPr>
+                        <m:t>contexts</m:t>
+                      </m:r>
+                      <m:r>
+                        <a:rPr lang="tr-TR" b="0" i="0" smtClean="0">
+                          <a:latin typeface="Cambria Math" panose="02040503050406030204" pitchFamily="18" charset="0"/>
+                        </a:rPr>
+                        <m:t>. </m:t>
+                      </m:r>
+                    </m:oMath>
+                  </m:oMathPara>
+                </a14:m>
+                <a:endParaRPr lang="tr-TR" dirty="0"/>
+              </a:p>
+            </p:txBody>
+          </p:sp>
+        </mc:Choice>
+        <mc:Fallback xmlns="">
+          <p:sp>
+            <p:nvSpPr>
+              <p:cNvPr id="6" name="TextBox 5">
+                <a:extLst>
+                  <a:ext uri="{FF2B5EF4-FFF2-40B4-BE49-F238E27FC236}">
+                    <a16:creationId xmlns:a16="http://schemas.microsoft.com/office/drawing/2014/main" id="{4D407F37-9F83-4B38-8017-D0570882BD0F}"/>
+                  </a:ext>
+                </a:extLst>
+              </p:cNvPr>
+              <p:cNvSpPr txBox="1">
+                <a:spLocks noRot="1" noChangeAspect="1" noMove="1" noResize="1" noEditPoints="1" noAdjustHandles="1" noChangeArrowheads="1" noChangeShapeType="1" noTextEdit="1"/>
+              </p:cNvSpPr>
+              <p:nvPr/>
+            </p:nvSpPr>
+            <p:spPr>
+              <a:xfrm>
+                <a:off x="0" y="1395906"/>
+                <a:ext cx="7249885" cy="369332"/>
+              </a:xfrm>
+              <a:prstGeom prst="rect">
+                <a:avLst/>
+              </a:prstGeom>
+              <a:blipFill>
+                <a:blip r:embed="rId3"/>
+                <a:stretch>
+                  <a:fillRect b="-11475"/>
+                </a:stretch>
+              </a:blipFill>
+            </p:spPr>
+            <p:txBody>
+              <a:bodyPr/>
+              <a:lstStyle/>
+              <a:p>
+                <a:r>
+                  <a:rPr lang="tr-TR">
+                    <a:noFill/>
+                  </a:rPr>
+                  <a:t> </a:t>
+                </a:r>
+              </a:p>
+            </p:txBody>
+          </p:sp>
+        </mc:Fallback>
+      </mc:AlternateContent>
+      <p:sp>
+        <p:nvSpPr>
+          <p:cNvPr id="8" name="TextBox 7">
+            <a:extLst>
+              <a:ext uri="{FF2B5EF4-FFF2-40B4-BE49-F238E27FC236}">
+                <a16:creationId xmlns:a16="http://schemas.microsoft.com/office/drawing/2014/main" id="{FB7823F5-2D3D-4BEB-81D6-9C15A48299A6}"/>
+              </a:ext>
+            </a:extLst>
+          </p:cNvPr>
+          <p:cNvSpPr txBox="1"/>
+          <p:nvPr/>
+        </p:nvSpPr>
+        <p:spPr>
+          <a:xfrm>
+            <a:off x="2230211" y="4643914"/>
+            <a:ext cx="6098720" cy="923330"/>
+          </a:xfrm>
+          <a:prstGeom prst="rect">
+            <a:avLst/>
+          </a:prstGeom>
+          <a:noFill/>
+        </p:spPr>
+        <p:txBody>
+          <a:bodyPr wrap="square">
+            <a:spAutoFit/>
+          </a:bodyPr>
+          <a:lstStyle/>
+          <a:p>
+            <a:pPr marL="1028700" marR="0">
+              <a:spcBef>
+                <a:spcPts val="0"/>
+              </a:spcBef>
+              <a:spcAft>
+                <a:spcPts val="0"/>
+              </a:spcAft>
+            </a:pPr>
+            <a:r>
+              <a:rPr lang="tr-TR" sz="1800" dirty="0">
+                <a:solidFill>
+                  <a:srgbClr val="373A3C"/>
+                </a:solidFill>
+                <a:effectLst/>
+                <a:latin typeface="Formular"/>
+              </a:rPr>
+              <a:t>x1, x2 : inputs, named entities</a:t>
+            </a:r>
+          </a:p>
+          <a:p>
+            <a:pPr marL="1028700" marR="0">
+              <a:spcBef>
+                <a:spcPts val="0"/>
+              </a:spcBef>
+              <a:spcAft>
+                <a:spcPts val="0"/>
+              </a:spcAft>
+            </a:pPr>
+            <a:r>
+              <a:rPr lang="tr-TR" sz="1800" dirty="0">
+                <a:solidFill>
+                  <a:srgbClr val="373A3C"/>
+                </a:solidFill>
+                <a:effectLst/>
+                <a:latin typeface="Formular"/>
+              </a:rPr>
+              <a:t>w1, w2 : weights, relative importance in the text</a:t>
+            </a:r>
+          </a:p>
+          <a:p>
+            <a:pPr marL="1028700" marR="0">
+              <a:spcBef>
+                <a:spcPts val="0"/>
+              </a:spcBef>
+              <a:spcAft>
+                <a:spcPts val="0"/>
+              </a:spcAft>
+            </a:pPr>
+            <a:r>
+              <a:rPr lang="tr-TR" sz="1800" dirty="0">
+                <a:solidFill>
+                  <a:srgbClr val="373A3C"/>
+                </a:solidFill>
+                <a:effectLst/>
+                <a:latin typeface="Formular"/>
+              </a:rPr>
+              <a:t>b : bias</a:t>
+            </a:r>
+          </a:p>
+        </p:txBody>
+      </p:sp>
+    </p:spTree>
+    <p:extLst>
+      <p:ext uri="{BB962C8B-B14F-4D97-AF65-F5344CB8AC3E}">
+        <p14:creationId xmlns:p14="http://schemas.microsoft.com/office/powerpoint/2010/main" val="2771779114"/>
+      </p:ext>
+    </p:extLst>
+  </p:cSld>
+  <p:clrMapOvr>
+    <a:masterClrMapping/>
+  </p:clrMapOvr>
+</p:sld>
+</file>
+
+<file path=ppt/slides/slide35.xml><?xml version="1.0" encoding="utf-8"?>
+<p:sld xmlns:a="http://schemas.openxmlformats.org/drawingml/2006/main" xmlns:r="http://schemas.openxmlformats.org/officeDocument/2006/relationships" xmlns:p="http://schemas.openxmlformats.org/presentationml/2006/main">
+  <p:cSld>
+    <p:spTree>
+      <p:nvGrpSpPr>
+        <p:cNvPr id="1" name=""/>
+        <p:cNvGrpSpPr/>
+        <p:nvPr/>
+      </p:nvGrpSpPr>
+      <p:grpSpPr>
+        <a:xfrm>
+          <a:off x="0" y="0"/>
+          <a:ext cx="0" cy="0"/>
+          <a:chOff x="0" y="0"/>
+          <a:chExt cx="0" cy="0"/>
+        </a:xfrm>
+      </p:grpSpPr>
+      <p:sp>
+        <p:nvSpPr>
+          <p:cNvPr id="2" name="Title 1">
+            <a:extLst>
+              <a:ext uri="{FF2B5EF4-FFF2-40B4-BE49-F238E27FC236}">
+                <a16:creationId xmlns:a16="http://schemas.microsoft.com/office/drawing/2014/main" id="{834834FB-476A-4684-9384-1FFC0EC83D76}"/>
+              </a:ext>
+            </a:extLst>
+          </p:cNvPr>
+          <p:cNvSpPr>
+            <a:spLocks noGrp="1"/>
+          </p:cNvSpPr>
+          <p:nvPr>
+            <p:ph type="title"/>
+          </p:nvPr>
+        </p:nvSpPr>
+        <p:spPr/>
+        <p:txBody>
+          <a:bodyPr/>
+          <a:lstStyle/>
+          <a:p>
+            <a:endParaRPr lang="tr-TR"/>
+          </a:p>
+        </p:txBody>
+      </p:sp>
+      <p:sp>
+        <p:nvSpPr>
+          <p:cNvPr id="3" name="Content Placeholder 2">
+            <a:extLst>
+              <a:ext uri="{FF2B5EF4-FFF2-40B4-BE49-F238E27FC236}">
+                <a16:creationId xmlns:a16="http://schemas.microsoft.com/office/drawing/2014/main" id="{CD44595F-C7D7-428A-8558-81067ACF2881}"/>
+              </a:ext>
+            </a:extLst>
+          </p:cNvPr>
+          <p:cNvSpPr>
+            <a:spLocks noGrp="1"/>
+          </p:cNvSpPr>
+          <p:nvPr>
+            <p:ph idx="1"/>
+          </p:nvPr>
+        </p:nvSpPr>
+        <p:spPr/>
+        <p:txBody>
+          <a:bodyPr/>
+          <a:lstStyle/>
+          <a:p>
+            <a:r>
+              <a:rPr lang="en-US" dirty="0">
+                <a:highlight>
+                  <a:srgbClr val="FFFF00"/>
+                </a:highlight>
+              </a:rPr>
+              <a:t>Transformer</a:t>
+            </a:r>
+            <a:r>
+              <a:rPr lang="tr-TR" dirty="0">
+                <a:highlight>
+                  <a:srgbClr val="FFFF00"/>
+                </a:highlight>
+              </a:rPr>
+              <a:t> Model : </a:t>
+            </a:r>
+            <a:r>
+              <a:rPr lang="tr-TR" dirty="0"/>
+              <a:t>It is a d</a:t>
+            </a:r>
+            <a:r>
+              <a:rPr lang="en-US" dirty="0" err="1"/>
+              <a:t>eep</a:t>
+            </a:r>
+            <a:r>
+              <a:rPr lang="en-US" dirty="0"/>
+              <a:t> learning model that adopts the mechanism of </a:t>
+            </a:r>
+            <a:r>
+              <a:rPr lang="en-US" dirty="0">
+                <a:highlight>
+                  <a:srgbClr val="FFFF00"/>
+                </a:highlight>
+              </a:rPr>
+              <a:t>self-attention</a:t>
+            </a:r>
+            <a:r>
+              <a:rPr lang="en-US" dirty="0"/>
+              <a:t>, differentially weighting the significance of each part of the input data.</a:t>
+            </a:r>
+            <a:endParaRPr lang="tr-TR" dirty="0"/>
+          </a:p>
+        </p:txBody>
+      </p:sp>
+    </p:spTree>
+    <p:extLst>
+      <p:ext uri="{BB962C8B-B14F-4D97-AF65-F5344CB8AC3E}">
+        <p14:creationId xmlns:p14="http://schemas.microsoft.com/office/powerpoint/2010/main" val="4135339280"/>
       </p:ext>
     </p:extLst>
   </p:cSld>
@@ -29211,9 +37901,9 @@
         <p:grpSpPr>
           <a:xfrm>
             <a:off x="346881" y="171992"/>
-            <a:ext cx="11502311" cy="6541588"/>
+            <a:ext cx="11782216" cy="6514016"/>
             <a:chOff x="346881" y="171992"/>
-            <a:chExt cx="11502311" cy="6541588"/>
+            <a:chExt cx="11782216" cy="6514016"/>
           </a:xfrm>
         </p:grpSpPr>
         <p:sp>
@@ -30062,8 +38752,8 @@
           </p:nvSpPr>
           <p:spPr>
             <a:xfrm>
-              <a:off x="5462293" y="4959254"/>
-              <a:ext cx="5865351" cy="1754326"/>
+              <a:off x="5091482" y="4654683"/>
+              <a:ext cx="7037615" cy="2031325"/>
             </a:xfrm>
             <a:prstGeom prst="rect">
               <a:avLst/>
@@ -30093,7 +38783,19 @@
             <a:p>
               <a:r>
                 <a:rPr lang="tr-TR" b="1" dirty="0"/>
-                <a:t>For the independent variables: </a:t>
+                <a:t>Independent variables: </a:t>
+              </a:r>
+              <a:r>
+                <a:rPr lang="tr-TR" dirty="0">
+                  <a:highlight>
+                    <a:srgbClr val="00FFFF"/>
+                  </a:highlight>
+                </a:rPr>
+                <a:t>Quantitative Research Methodology </a:t>
+              </a:r>
+              <a:r>
+                <a:rPr lang="tr-TR" dirty="0"/>
+                <a:t>with statistical </a:t>
               </a:r>
               <a:r>
                 <a:rPr lang="tr-TR" dirty="0">
@@ -30101,17 +38803,29 @@
                     <a:srgbClr val="FFFF00"/>
                   </a:highlight>
                 </a:rPr>
-                <a:t>Multiple Regression analysis </a:t>
+                <a:t>analysis method (Multiple Regression Analysis) </a:t>
               </a:r>
               <a:r>
                 <a:rPr lang="tr-TR" dirty="0"/>
-                <a:t>to explain difference in variance by each factor </a:t>
+                <a:t>to explain difference in variance by each factor. </a:t>
               </a:r>
             </a:p>
             <a:p>
               <a:r>
                 <a:rPr lang="tr-TR" b="1" dirty="0"/>
-                <a:t>For the Intervening Variables: </a:t>
+                <a:t>Intervening Variables: </a:t>
+              </a:r>
+              <a:r>
+                <a:rPr lang="tr-TR" dirty="0">
+                  <a:highlight>
+                    <a:srgbClr val="00FFFF"/>
+                  </a:highlight>
+                </a:rPr>
+                <a:t>Qulitative Research Methodology </a:t>
+              </a:r>
+              <a:r>
+                <a:rPr lang="tr-TR" dirty="0"/>
+                <a:t>with </a:t>
               </a:r>
               <a:r>
                 <a:rPr lang="tr-TR" dirty="0">
@@ -30119,7 +38833,7 @@
                     <a:srgbClr val="FFFF00"/>
                   </a:highlight>
                 </a:rPr>
-                <a:t>Text Analysis </a:t>
+                <a:t>Content Analysis method </a:t>
               </a:r>
               <a:r>
                 <a:rPr lang="tr-TR" dirty="0"/>
@@ -30233,8 +38947,8 @@
           </p:nvCxnSpPr>
           <p:spPr>
             <a:xfrm rot="5400000">
-              <a:off x="9041332" y="3595385"/>
-              <a:ext cx="717507" cy="2010231"/>
+              <a:off x="9301277" y="3550760"/>
+              <a:ext cx="412936" cy="1794910"/>
             </a:xfrm>
             <a:prstGeom prst="bentConnector3">
               <a:avLst/>
